--- a/NAF.pptx
+++ b/NAF.pptx
@@ -198,7 +198,7 @@
           <a:p>
             <a:fld id="{4299902A-6DB3-4A13-9B91-BEABFDA2FC16}" type="datetimeFigureOut">
               <a:rPr lang="en-US" smtClean="0"/>
-              <a:t>12/13/2023</a:t>
+              <a:t>6/5/2024</a:t>
             </a:fld>
             <a:endParaRPr lang="en-US"/>
           </a:p>
@@ -2412,6 +2412,10 @@
           <a:bodyPr/>
           <a:lstStyle/>
           <a:p>
+            <a:r>
+              <a:rPr lang="en-US" dirty="0" err="1"/>
+              <a:t>Nafion</a:t>
+            </a:r>
             <a:endParaRPr lang="en-US" dirty="0"/>
           </a:p>
         </p:txBody>
@@ -2492,7 +2496,10 @@
           <a:bodyPr/>
           <a:lstStyle/>
           <a:p>
-            <a:endParaRPr lang="en-US" dirty="0"/>
+            <a:r>
+              <a:rPr lang="en-US" dirty="0"/>
+              <a:t>Sidechain only</a:t>
+            </a:r>
           </a:p>
         </p:txBody>
       </p:sp>
@@ -2525,6 +2532,147 @@
           </a:p>
         </p:txBody>
       </p:sp>
+      <p:pic>
+        <p:nvPicPr>
+          <p:cNvPr id="1026" name="Picture 2">
+            <a:extLst>
+              <a:ext uri="{FF2B5EF4-FFF2-40B4-BE49-F238E27FC236}">
+                <a16:creationId xmlns:a16="http://schemas.microsoft.com/office/drawing/2014/main" id="{76BD345D-D1EE-E274-7C2B-B4619790EF69}"/>
+              </a:ext>
+            </a:extLst>
+          </p:cNvPr>
+          <p:cNvPicPr>
+            <a:picLocks noChangeAspect="1" noChangeArrowheads="1"/>
+          </p:cNvPicPr>
+          <p:nvPr/>
+        </p:nvPicPr>
+        <p:blipFill>
+          <a:blip r:embed="rId2">
+            <a:extLst>
+              <a:ext uri="{28A0092B-C50C-407E-A947-70E740481C1C}">
+                <a14:useLocalDpi xmlns:a14="http://schemas.microsoft.com/office/drawing/2010/main" val="0"/>
+              </a:ext>
+            </a:extLst>
+          </a:blip>
+          <a:srcRect/>
+          <a:stretch>
+            <a:fillRect/>
+          </a:stretch>
+        </p:blipFill>
+        <p:spPr bwMode="auto">
+          <a:xfrm>
+            <a:off x="838199" y="970521"/>
+            <a:ext cx="4450937" cy="2092665"/>
+          </a:xfrm>
+          <a:prstGeom prst="rect">
+            <a:avLst/>
+          </a:prstGeom>
+          <a:noFill/>
+          <a:extLst>
+            <a:ext uri="{909E8E84-426E-40DD-AFC4-6F175D3DCCD1}">
+              <a14:hiddenFill xmlns:a14="http://schemas.microsoft.com/office/drawing/2010/main">
+                <a:solidFill>
+                  <a:srgbClr val="FFFFFF"/>
+                </a:solidFill>
+              </a14:hiddenFill>
+            </a:ext>
+          </a:extLst>
+        </p:spPr>
+      </p:pic>
+      <p:pic>
+        <p:nvPicPr>
+          <p:cNvPr id="1028" name="Picture 4">
+            <a:extLst>
+              <a:ext uri="{FF2B5EF4-FFF2-40B4-BE49-F238E27FC236}">
+                <a16:creationId xmlns:a16="http://schemas.microsoft.com/office/drawing/2014/main" id="{7EDCC059-A248-C18A-D882-D86828F007F3}"/>
+              </a:ext>
+            </a:extLst>
+          </p:cNvPr>
+          <p:cNvPicPr>
+            <a:picLocks noChangeAspect="1" noChangeArrowheads="1"/>
+          </p:cNvPicPr>
+          <p:nvPr/>
+        </p:nvPicPr>
+        <p:blipFill>
+          <a:blip r:embed="rId3">
+            <a:extLst>
+              <a:ext uri="{28A0092B-C50C-407E-A947-70E740481C1C}">
+                <a14:useLocalDpi xmlns:a14="http://schemas.microsoft.com/office/drawing/2010/main" val="0"/>
+              </a:ext>
+            </a:extLst>
+          </a:blip>
+          <a:srcRect/>
+          <a:stretch>
+            <a:fillRect/>
+          </a:stretch>
+        </p:blipFill>
+        <p:spPr bwMode="auto">
+          <a:xfrm>
+            <a:off x="838199" y="2881286"/>
+            <a:ext cx="4450937" cy="2092665"/>
+          </a:xfrm>
+          <a:prstGeom prst="rect">
+            <a:avLst/>
+          </a:prstGeom>
+          <a:noFill/>
+          <a:extLst>
+            <a:ext uri="{909E8E84-426E-40DD-AFC4-6F175D3DCCD1}">
+              <a14:hiddenFill xmlns:a14="http://schemas.microsoft.com/office/drawing/2010/main">
+                <a:solidFill>
+                  <a:srgbClr val="FFFFFF"/>
+                </a:solidFill>
+              </a14:hiddenFill>
+            </a:ext>
+          </a:extLst>
+        </p:spPr>
+      </p:pic>
+      <p:pic>
+        <p:nvPicPr>
+          <p:cNvPr id="1030" name="Picture 6">
+            <a:extLst>
+              <a:ext uri="{FF2B5EF4-FFF2-40B4-BE49-F238E27FC236}">
+                <a16:creationId xmlns:a16="http://schemas.microsoft.com/office/drawing/2014/main" id="{E813E8C5-37D6-15FA-F7ED-CD69161CB932}"/>
+              </a:ext>
+            </a:extLst>
+          </p:cNvPr>
+          <p:cNvPicPr>
+            <a:picLocks noChangeAspect="1" noChangeArrowheads="1"/>
+          </p:cNvPicPr>
+          <p:nvPr/>
+        </p:nvPicPr>
+        <p:blipFill>
+          <a:blip r:embed="rId4">
+            <a:extLst>
+              <a:ext uri="{28A0092B-C50C-407E-A947-70E740481C1C}">
+                <a14:useLocalDpi xmlns:a14="http://schemas.microsoft.com/office/drawing/2010/main" val="0"/>
+              </a:ext>
+            </a:extLst>
+          </a:blip>
+          <a:srcRect/>
+          <a:stretch>
+            <a:fillRect/>
+          </a:stretch>
+        </p:blipFill>
+        <p:spPr bwMode="auto">
+          <a:xfrm>
+            <a:off x="886010" y="4755813"/>
+            <a:ext cx="4406670" cy="2092665"/>
+          </a:xfrm>
+          <a:prstGeom prst="rect">
+            <a:avLst/>
+          </a:prstGeom>
+          <a:noFill/>
+          <a:extLst>
+            <a:ext uri="{909E8E84-426E-40DD-AFC4-6F175D3DCCD1}">
+              <a14:hiddenFill xmlns:a14="http://schemas.microsoft.com/office/drawing/2010/main">
+                <a:solidFill>
+                  <a:srgbClr val="FFFFFF"/>
+                </a:solidFill>
+              </a14:hiddenFill>
+            </a:ext>
+          </a:extLst>
+        </p:spPr>
+      </p:pic>
     </p:spTree>
     <p:extLst>
       <p:ext uri="{BB962C8B-B14F-4D97-AF65-F5344CB8AC3E}">

--- a/NAF.pptx
+++ b/NAF.pptx
@@ -5,11 +5,14 @@
     <p:sldMasterId id="2147483648" r:id="rId1"/>
   </p:sldMasterIdLst>
   <p:notesMasterIdLst>
-    <p:notesMasterId r:id="rId4"/>
+    <p:notesMasterId r:id="rId7"/>
   </p:notesMasterIdLst>
   <p:sldIdLst>
     <p:sldId id="256" r:id="rId2"/>
-    <p:sldId id="257" r:id="rId3"/>
+    <p:sldId id="258" r:id="rId3"/>
+    <p:sldId id="259" r:id="rId4"/>
+    <p:sldId id="257" r:id="rId5"/>
+    <p:sldId id="260" r:id="rId6"/>
   </p:sldIdLst>
   <p:sldSz cx="12192000" cy="6858000"/>
   <p:notesSz cx="6858000" cy="9144000"/>
@@ -198,7 +201,7 @@
           <a:p>
             <a:fld id="{4299902A-6DB3-4A13-9B91-BEABFDA2FC16}" type="datetimeFigureOut">
               <a:rPr lang="en-US" smtClean="0"/>
-              <a:t>6/5/2024</a:t>
+              <a:t>6/10/2024</a:t>
             </a:fld>
             <a:endParaRPr lang="en-US"/>
           </a:p>
@@ -2480,6 +2483,3280 @@
           <p:cNvPr id="2" name="Title 1">
             <a:extLst>
               <a:ext uri="{FF2B5EF4-FFF2-40B4-BE49-F238E27FC236}">
+                <a16:creationId xmlns:a16="http://schemas.microsoft.com/office/drawing/2014/main" id="{953FB28C-A291-83F3-63FD-068EFE175BE8}"/>
+              </a:ext>
+            </a:extLst>
+          </p:cNvPr>
+          <p:cNvSpPr>
+            <a:spLocks noGrp="1"/>
+          </p:cNvSpPr>
+          <p:nvPr>
+            <p:ph type="title"/>
+          </p:nvPr>
+        </p:nvSpPr>
+        <p:spPr/>
+        <p:txBody>
+          <a:bodyPr/>
+          <a:lstStyle/>
+          <a:p>
+            <a:r>
+              <a:rPr lang="en-US" dirty="0"/>
+              <a:t>System</a:t>
+            </a:r>
+          </a:p>
+        </p:txBody>
+      </p:sp>
+      <p:sp>
+        <p:nvSpPr>
+          <p:cNvPr id="4" name="Slide Number Placeholder 3">
+            <a:extLst>
+              <a:ext uri="{FF2B5EF4-FFF2-40B4-BE49-F238E27FC236}">
+                <a16:creationId xmlns:a16="http://schemas.microsoft.com/office/drawing/2014/main" id="{1C65E31E-01E1-A220-A504-7D643247FC10}"/>
+              </a:ext>
+            </a:extLst>
+          </p:cNvPr>
+          <p:cNvSpPr>
+            <a:spLocks noGrp="1"/>
+          </p:cNvSpPr>
+          <p:nvPr>
+            <p:ph type="sldNum" sz="quarter" idx="12"/>
+          </p:nvPr>
+        </p:nvSpPr>
+        <p:spPr/>
+        <p:txBody>
+          <a:bodyPr/>
+          <a:lstStyle/>
+          <a:p>
+            <a:fld id="{5911C0E6-D9CE-431C-92CB-BB39B872F930}" type="slidenum">
+              <a:rPr lang="en-US" smtClean="0"/>
+              <a:t>2</a:t>
+            </a:fld>
+            <a:endParaRPr lang="en-US"/>
+          </a:p>
+        </p:txBody>
+      </p:sp>
+      <p:sp>
+        <p:nvSpPr>
+          <p:cNvPr id="54" name="TextBox 53">
+            <a:extLst>
+              <a:ext uri="{FF2B5EF4-FFF2-40B4-BE49-F238E27FC236}">
+                <a16:creationId xmlns:a16="http://schemas.microsoft.com/office/drawing/2014/main" id="{01784940-308A-3DF9-1191-42510112BA7D}"/>
+              </a:ext>
+            </a:extLst>
+          </p:cNvPr>
+          <p:cNvSpPr txBox="1"/>
+          <p:nvPr/>
+        </p:nvSpPr>
+        <p:spPr>
+          <a:xfrm>
+            <a:off x="5786330" y="1894992"/>
+            <a:ext cx="6084077" cy="3139321"/>
+          </a:xfrm>
+          <a:prstGeom prst="rect">
+            <a:avLst/>
+          </a:prstGeom>
+          <a:noFill/>
+        </p:spPr>
+        <p:txBody>
+          <a:bodyPr wrap="square" rtlCol="0">
+            <a:spAutoFit/>
+          </a:bodyPr>
+          <a:lstStyle/>
+          <a:p>
+            <a:r>
+              <a:rPr lang="en-US" i="1" dirty="0"/>
+              <a:t>Simple picture:</a:t>
+            </a:r>
+          </a:p>
+          <a:p>
+            <a:pPr marL="285750" indent="-285750">
+              <a:buFont typeface="Arial" panose="020B0604020202020204" pitchFamily="34" charset="0"/>
+              <a:buChar char="•"/>
+            </a:pPr>
+            <a:r>
+              <a:rPr lang="en-US" dirty="0"/>
+              <a:t>Polymer brush immersed in solution</a:t>
+            </a:r>
+          </a:p>
+          <a:p>
+            <a:pPr marL="285750" indent="-285750">
+              <a:buFont typeface="Arial" panose="020B0604020202020204" pitchFamily="34" charset="0"/>
+              <a:buChar char="•"/>
+            </a:pPr>
+            <a:r>
+              <a:rPr lang="en-US" dirty="0"/>
+              <a:t>Solution in contact with positively charged electrode</a:t>
+            </a:r>
+          </a:p>
+          <a:p>
+            <a:pPr marL="285750" indent="-285750">
+              <a:buFont typeface="Arial" panose="020B0604020202020204" pitchFamily="34" charset="0"/>
+              <a:buChar char="•"/>
+            </a:pPr>
+            <a:endParaRPr lang="en-US" dirty="0"/>
+          </a:p>
+          <a:p>
+            <a:r>
+              <a:rPr lang="en-US" i="1" dirty="0"/>
+              <a:t>In real fuel cell:</a:t>
+            </a:r>
+          </a:p>
+          <a:p>
+            <a:pPr marL="285750" indent="-285750">
+              <a:buFont typeface="Arial" panose="020B0604020202020204" pitchFamily="34" charset="0"/>
+              <a:buChar char="•"/>
+            </a:pPr>
+            <a:r>
+              <a:rPr lang="en-US" dirty="0"/>
+              <a:t>Proton source from splitting of hydrogen (cathode)</a:t>
+            </a:r>
+          </a:p>
+          <a:p>
+            <a:pPr marL="285750" indent="-285750">
+              <a:buFont typeface="Arial" panose="020B0604020202020204" pitchFamily="34" charset="0"/>
+              <a:buChar char="•"/>
+            </a:pPr>
+            <a:r>
+              <a:rPr lang="en-US" dirty="0"/>
+              <a:t>Proton sink from reaction with oxygen at Pt, forming water (anode)</a:t>
+            </a:r>
+          </a:p>
+          <a:p>
+            <a:pPr marL="285750" indent="-285750">
+              <a:buFont typeface="Arial" panose="020B0604020202020204" pitchFamily="34" charset="0"/>
+              <a:buChar char="•"/>
+            </a:pPr>
+            <a:endParaRPr lang="en-US" dirty="0"/>
+          </a:p>
+          <a:p>
+            <a:r>
+              <a:rPr lang="en-US" i="1" dirty="0"/>
+              <a:t>In CV experiments:</a:t>
+            </a:r>
+          </a:p>
+          <a:p>
+            <a:pPr marL="285750" indent="-285750">
+              <a:buFont typeface="Arial" panose="020B0604020202020204" pitchFamily="34" charset="0"/>
+              <a:buChar char="•"/>
+            </a:pPr>
+            <a:r>
+              <a:rPr lang="en-US" dirty="0"/>
+              <a:t>Solution of 0.100 M HClO4</a:t>
+            </a:r>
+          </a:p>
+        </p:txBody>
+      </p:sp>
+      <p:pic>
+        <p:nvPicPr>
+          <p:cNvPr id="56" name="Picture 55">
+            <a:extLst>
+              <a:ext uri="{FF2B5EF4-FFF2-40B4-BE49-F238E27FC236}">
+                <a16:creationId xmlns:a16="http://schemas.microsoft.com/office/drawing/2014/main" id="{1CA0AEE3-E3B5-B228-C547-225A4ECDBE1E}"/>
+              </a:ext>
+            </a:extLst>
+          </p:cNvPr>
+          <p:cNvPicPr>
+            <a:picLocks noChangeAspect="1"/>
+          </p:cNvPicPr>
+          <p:nvPr/>
+        </p:nvPicPr>
+        <p:blipFill>
+          <a:blip r:embed="rId2"/>
+          <a:stretch>
+            <a:fillRect/>
+          </a:stretch>
+        </p:blipFill>
+        <p:spPr>
+          <a:xfrm>
+            <a:off x="1381158" y="5728969"/>
+            <a:ext cx="3024091" cy="987458"/>
+          </a:xfrm>
+          <a:prstGeom prst="rect">
+            <a:avLst/>
+          </a:prstGeom>
+        </p:spPr>
+      </p:pic>
+      <p:sp>
+        <p:nvSpPr>
+          <p:cNvPr id="57" name="TextBox 56">
+            <a:extLst>
+              <a:ext uri="{FF2B5EF4-FFF2-40B4-BE49-F238E27FC236}">
+                <a16:creationId xmlns:a16="http://schemas.microsoft.com/office/drawing/2014/main" id="{BA1E28C0-AEFE-82E5-002F-456849810897}"/>
+              </a:ext>
+            </a:extLst>
+          </p:cNvPr>
+          <p:cNvSpPr txBox="1"/>
+          <p:nvPr/>
+        </p:nvSpPr>
+        <p:spPr>
+          <a:xfrm>
+            <a:off x="4636882" y="5034319"/>
+            <a:ext cx="736517" cy="369332"/>
+          </a:xfrm>
+          <a:prstGeom prst="rect">
+            <a:avLst/>
+          </a:prstGeom>
+          <a:noFill/>
+        </p:spPr>
+        <p:txBody>
+          <a:bodyPr wrap="square" rtlCol="0">
+            <a:spAutoFit/>
+          </a:bodyPr>
+          <a:lstStyle/>
+          <a:p>
+            <a:pPr algn="ctr"/>
+            <a:r>
+              <a:rPr lang="en-US" dirty="0"/>
+              <a:t>Pt</a:t>
+            </a:r>
+          </a:p>
+        </p:txBody>
+      </p:sp>
+      <p:grpSp>
+        <p:nvGrpSpPr>
+          <p:cNvPr id="60" name="Group 59">
+            <a:extLst>
+              <a:ext uri="{FF2B5EF4-FFF2-40B4-BE49-F238E27FC236}">
+                <a16:creationId xmlns:a16="http://schemas.microsoft.com/office/drawing/2014/main" id="{9CB94039-E937-8AF5-2656-A02E854F6CF3}"/>
+              </a:ext>
+            </a:extLst>
+          </p:cNvPr>
+          <p:cNvGrpSpPr/>
+          <p:nvPr/>
+        </p:nvGrpSpPr>
+        <p:grpSpPr>
+          <a:xfrm>
+            <a:off x="169931" y="1261121"/>
+            <a:ext cx="4898551" cy="4142530"/>
+            <a:chOff x="169931" y="1261121"/>
+            <a:chExt cx="4898551" cy="4142530"/>
+          </a:xfrm>
+        </p:grpSpPr>
+        <p:sp>
+          <p:nvSpPr>
+            <p:cNvPr id="7" name="Freeform: Shape 6">
+              <a:extLst>
+                <a:ext uri="{FF2B5EF4-FFF2-40B4-BE49-F238E27FC236}">
+                  <a16:creationId xmlns:a16="http://schemas.microsoft.com/office/drawing/2014/main" id="{02C20FC2-BD6F-5BCD-BBBA-F740D8686911}"/>
+                </a:ext>
+              </a:extLst>
+            </p:cNvPr>
+            <p:cNvSpPr/>
+            <p:nvPr/>
+          </p:nvSpPr>
+          <p:spPr>
+            <a:xfrm>
+              <a:off x="869962" y="1863733"/>
+              <a:ext cx="1925321" cy="629864"/>
+            </a:xfrm>
+            <a:custGeom>
+              <a:avLst/>
+              <a:gdLst>
+                <a:gd name="connsiteX0" fmla="*/ 0 w 4969933"/>
+                <a:gd name="connsiteY0" fmla="*/ 889122 h 889122"/>
+                <a:gd name="connsiteX1" fmla="*/ 1236133 w 4969933"/>
+                <a:gd name="connsiteY1" fmla="*/ 122 h 889122"/>
+                <a:gd name="connsiteX2" fmla="*/ 2726266 w 4969933"/>
+                <a:gd name="connsiteY2" fmla="*/ 821389 h 889122"/>
+                <a:gd name="connsiteX3" fmla="*/ 3886200 w 4969933"/>
+                <a:gd name="connsiteY3" fmla="*/ 355722 h 889122"/>
+                <a:gd name="connsiteX4" fmla="*/ 4969933 w 4969933"/>
+                <a:gd name="connsiteY4" fmla="*/ 652056 h 889122"/>
+              </a:gdLst>
+              <a:ahLst/>
+              <a:cxnLst>
+                <a:cxn ang="0">
+                  <a:pos x="connsiteX0" y="connsiteY0"/>
+                </a:cxn>
+                <a:cxn ang="0">
+                  <a:pos x="connsiteX1" y="connsiteY1"/>
+                </a:cxn>
+                <a:cxn ang="0">
+                  <a:pos x="connsiteX2" y="connsiteY2"/>
+                </a:cxn>
+                <a:cxn ang="0">
+                  <a:pos x="connsiteX3" y="connsiteY3"/>
+                </a:cxn>
+                <a:cxn ang="0">
+                  <a:pos x="connsiteX4" y="connsiteY4"/>
+                </a:cxn>
+              </a:cxnLst>
+              <a:rect l="l" t="t" r="r" b="b"/>
+              <a:pathLst>
+                <a:path w="4969933" h="889122">
+                  <a:moveTo>
+                    <a:pt x="0" y="889122"/>
+                  </a:moveTo>
+                  <a:cubicBezTo>
+                    <a:pt x="390877" y="450266"/>
+                    <a:pt x="781755" y="11411"/>
+                    <a:pt x="1236133" y="122"/>
+                  </a:cubicBezTo>
+                  <a:cubicBezTo>
+                    <a:pt x="1690511" y="-11167"/>
+                    <a:pt x="2284588" y="762122"/>
+                    <a:pt x="2726266" y="821389"/>
+                  </a:cubicBezTo>
+                  <a:cubicBezTo>
+                    <a:pt x="3167944" y="880656"/>
+                    <a:pt x="3512255" y="383944"/>
+                    <a:pt x="3886200" y="355722"/>
+                  </a:cubicBezTo>
+                  <a:cubicBezTo>
+                    <a:pt x="4260145" y="327500"/>
+                    <a:pt x="4615039" y="489778"/>
+                    <a:pt x="4969933" y="652056"/>
+                  </a:cubicBezTo>
+                </a:path>
+              </a:pathLst>
+            </a:custGeom>
+            <a:noFill/>
+            <a:ln w="38100"/>
+          </p:spPr>
+          <p:style>
+            <a:lnRef idx="2">
+              <a:schemeClr val="accent1">
+                <a:shade val="15000"/>
+              </a:schemeClr>
+            </a:lnRef>
+            <a:fillRef idx="1">
+              <a:schemeClr val="accent1"/>
+            </a:fillRef>
+            <a:effectRef idx="0">
+              <a:schemeClr val="accent1"/>
+            </a:effectRef>
+            <a:fontRef idx="minor">
+              <a:schemeClr val="lt1"/>
+            </a:fontRef>
+          </p:style>
+          <p:txBody>
+            <a:bodyPr rtlCol="0" anchor="ctr"/>
+            <a:lstStyle/>
+            <a:p>
+              <a:pPr algn="ctr"/>
+              <a:endParaRPr lang="en-US"/>
+            </a:p>
+          </p:txBody>
+        </p:sp>
+        <p:sp>
+          <p:nvSpPr>
+            <p:cNvPr id="8" name="Freeform: Shape 7">
+              <a:extLst>
+                <a:ext uri="{FF2B5EF4-FFF2-40B4-BE49-F238E27FC236}">
+                  <a16:creationId xmlns:a16="http://schemas.microsoft.com/office/drawing/2014/main" id="{ADA9A04B-8D73-B3FA-9D45-4CC47B02B96D}"/>
+                </a:ext>
+              </a:extLst>
+            </p:cNvPr>
+            <p:cNvSpPr/>
+            <p:nvPr/>
+          </p:nvSpPr>
+          <p:spPr>
+            <a:xfrm>
+              <a:off x="869963" y="3193703"/>
+              <a:ext cx="1925321" cy="629864"/>
+            </a:xfrm>
+            <a:custGeom>
+              <a:avLst/>
+              <a:gdLst>
+                <a:gd name="connsiteX0" fmla="*/ 0 w 4969933"/>
+                <a:gd name="connsiteY0" fmla="*/ 889122 h 889122"/>
+                <a:gd name="connsiteX1" fmla="*/ 1236133 w 4969933"/>
+                <a:gd name="connsiteY1" fmla="*/ 122 h 889122"/>
+                <a:gd name="connsiteX2" fmla="*/ 2726266 w 4969933"/>
+                <a:gd name="connsiteY2" fmla="*/ 821389 h 889122"/>
+                <a:gd name="connsiteX3" fmla="*/ 3886200 w 4969933"/>
+                <a:gd name="connsiteY3" fmla="*/ 355722 h 889122"/>
+                <a:gd name="connsiteX4" fmla="*/ 4969933 w 4969933"/>
+                <a:gd name="connsiteY4" fmla="*/ 652056 h 889122"/>
+              </a:gdLst>
+              <a:ahLst/>
+              <a:cxnLst>
+                <a:cxn ang="0">
+                  <a:pos x="connsiteX0" y="connsiteY0"/>
+                </a:cxn>
+                <a:cxn ang="0">
+                  <a:pos x="connsiteX1" y="connsiteY1"/>
+                </a:cxn>
+                <a:cxn ang="0">
+                  <a:pos x="connsiteX2" y="connsiteY2"/>
+                </a:cxn>
+                <a:cxn ang="0">
+                  <a:pos x="connsiteX3" y="connsiteY3"/>
+                </a:cxn>
+                <a:cxn ang="0">
+                  <a:pos x="connsiteX4" y="connsiteY4"/>
+                </a:cxn>
+              </a:cxnLst>
+              <a:rect l="l" t="t" r="r" b="b"/>
+              <a:pathLst>
+                <a:path w="4969933" h="889122">
+                  <a:moveTo>
+                    <a:pt x="0" y="889122"/>
+                  </a:moveTo>
+                  <a:cubicBezTo>
+                    <a:pt x="390877" y="450266"/>
+                    <a:pt x="781755" y="11411"/>
+                    <a:pt x="1236133" y="122"/>
+                  </a:cubicBezTo>
+                  <a:cubicBezTo>
+                    <a:pt x="1690511" y="-11167"/>
+                    <a:pt x="2284588" y="762122"/>
+                    <a:pt x="2726266" y="821389"/>
+                  </a:cubicBezTo>
+                  <a:cubicBezTo>
+                    <a:pt x="3167944" y="880656"/>
+                    <a:pt x="3512255" y="383944"/>
+                    <a:pt x="3886200" y="355722"/>
+                  </a:cubicBezTo>
+                  <a:cubicBezTo>
+                    <a:pt x="4260145" y="327500"/>
+                    <a:pt x="4615039" y="489778"/>
+                    <a:pt x="4969933" y="652056"/>
+                  </a:cubicBezTo>
+                </a:path>
+              </a:pathLst>
+            </a:custGeom>
+            <a:noFill/>
+            <a:ln w="38100"/>
+          </p:spPr>
+          <p:style>
+            <a:lnRef idx="2">
+              <a:schemeClr val="accent1">
+                <a:shade val="15000"/>
+              </a:schemeClr>
+            </a:lnRef>
+            <a:fillRef idx="1">
+              <a:schemeClr val="accent1"/>
+            </a:fillRef>
+            <a:effectRef idx="0">
+              <a:schemeClr val="accent1"/>
+            </a:effectRef>
+            <a:fontRef idx="minor">
+              <a:schemeClr val="lt1"/>
+            </a:fontRef>
+          </p:style>
+          <p:txBody>
+            <a:bodyPr rtlCol="0" anchor="ctr"/>
+            <a:lstStyle/>
+            <a:p>
+              <a:pPr algn="ctr"/>
+              <a:endParaRPr lang="en-US"/>
+            </a:p>
+          </p:txBody>
+        </p:sp>
+        <p:sp>
+          <p:nvSpPr>
+            <p:cNvPr id="9" name="Freeform: Shape 8">
+              <a:extLst>
+                <a:ext uri="{FF2B5EF4-FFF2-40B4-BE49-F238E27FC236}">
+                  <a16:creationId xmlns:a16="http://schemas.microsoft.com/office/drawing/2014/main" id="{047312AC-3404-9A9A-7265-858F7E9BE951}"/>
+                </a:ext>
+              </a:extLst>
+            </p:cNvPr>
+            <p:cNvSpPr/>
+            <p:nvPr/>
+          </p:nvSpPr>
+          <p:spPr>
+            <a:xfrm>
+              <a:off x="833974" y="2514846"/>
+              <a:ext cx="1925321" cy="629864"/>
+            </a:xfrm>
+            <a:custGeom>
+              <a:avLst/>
+              <a:gdLst>
+                <a:gd name="connsiteX0" fmla="*/ 0 w 4969933"/>
+                <a:gd name="connsiteY0" fmla="*/ 889122 h 889122"/>
+                <a:gd name="connsiteX1" fmla="*/ 1236133 w 4969933"/>
+                <a:gd name="connsiteY1" fmla="*/ 122 h 889122"/>
+                <a:gd name="connsiteX2" fmla="*/ 2726266 w 4969933"/>
+                <a:gd name="connsiteY2" fmla="*/ 821389 h 889122"/>
+                <a:gd name="connsiteX3" fmla="*/ 3886200 w 4969933"/>
+                <a:gd name="connsiteY3" fmla="*/ 355722 h 889122"/>
+                <a:gd name="connsiteX4" fmla="*/ 4969933 w 4969933"/>
+                <a:gd name="connsiteY4" fmla="*/ 652056 h 889122"/>
+              </a:gdLst>
+              <a:ahLst/>
+              <a:cxnLst>
+                <a:cxn ang="0">
+                  <a:pos x="connsiteX0" y="connsiteY0"/>
+                </a:cxn>
+                <a:cxn ang="0">
+                  <a:pos x="connsiteX1" y="connsiteY1"/>
+                </a:cxn>
+                <a:cxn ang="0">
+                  <a:pos x="connsiteX2" y="connsiteY2"/>
+                </a:cxn>
+                <a:cxn ang="0">
+                  <a:pos x="connsiteX3" y="connsiteY3"/>
+                </a:cxn>
+                <a:cxn ang="0">
+                  <a:pos x="connsiteX4" y="connsiteY4"/>
+                </a:cxn>
+              </a:cxnLst>
+              <a:rect l="l" t="t" r="r" b="b"/>
+              <a:pathLst>
+                <a:path w="4969933" h="889122">
+                  <a:moveTo>
+                    <a:pt x="0" y="889122"/>
+                  </a:moveTo>
+                  <a:cubicBezTo>
+                    <a:pt x="390877" y="450266"/>
+                    <a:pt x="781755" y="11411"/>
+                    <a:pt x="1236133" y="122"/>
+                  </a:cubicBezTo>
+                  <a:cubicBezTo>
+                    <a:pt x="1690511" y="-11167"/>
+                    <a:pt x="2284588" y="762122"/>
+                    <a:pt x="2726266" y="821389"/>
+                  </a:cubicBezTo>
+                  <a:cubicBezTo>
+                    <a:pt x="3167944" y="880656"/>
+                    <a:pt x="3512255" y="383944"/>
+                    <a:pt x="3886200" y="355722"/>
+                  </a:cubicBezTo>
+                  <a:cubicBezTo>
+                    <a:pt x="4260145" y="327500"/>
+                    <a:pt x="4615039" y="489778"/>
+                    <a:pt x="4969933" y="652056"/>
+                  </a:cubicBezTo>
+                </a:path>
+              </a:pathLst>
+            </a:custGeom>
+            <a:noFill/>
+            <a:ln w="38100"/>
+          </p:spPr>
+          <p:style>
+            <a:lnRef idx="2">
+              <a:schemeClr val="accent1">
+                <a:shade val="15000"/>
+              </a:schemeClr>
+            </a:lnRef>
+            <a:fillRef idx="1">
+              <a:schemeClr val="accent1"/>
+            </a:fillRef>
+            <a:effectRef idx="0">
+              <a:schemeClr val="accent1"/>
+            </a:effectRef>
+            <a:fontRef idx="minor">
+              <a:schemeClr val="lt1"/>
+            </a:fontRef>
+          </p:style>
+          <p:txBody>
+            <a:bodyPr rtlCol="0" anchor="ctr"/>
+            <a:lstStyle/>
+            <a:p>
+              <a:pPr algn="ctr"/>
+              <a:endParaRPr lang="en-US"/>
+            </a:p>
+          </p:txBody>
+        </p:sp>
+        <p:sp>
+          <p:nvSpPr>
+            <p:cNvPr id="10" name="Freeform: Shape 9">
+              <a:extLst>
+                <a:ext uri="{FF2B5EF4-FFF2-40B4-BE49-F238E27FC236}">
+                  <a16:creationId xmlns:a16="http://schemas.microsoft.com/office/drawing/2014/main" id="{115E85DB-52BD-BD03-4214-065A06EFA6A2}"/>
+                </a:ext>
+              </a:extLst>
+            </p:cNvPr>
+            <p:cNvSpPr/>
+            <p:nvPr/>
+          </p:nvSpPr>
+          <p:spPr>
+            <a:xfrm>
+              <a:off x="905951" y="1261121"/>
+              <a:ext cx="1925321" cy="629864"/>
+            </a:xfrm>
+            <a:custGeom>
+              <a:avLst/>
+              <a:gdLst>
+                <a:gd name="connsiteX0" fmla="*/ 0 w 4969933"/>
+                <a:gd name="connsiteY0" fmla="*/ 889122 h 889122"/>
+                <a:gd name="connsiteX1" fmla="*/ 1236133 w 4969933"/>
+                <a:gd name="connsiteY1" fmla="*/ 122 h 889122"/>
+                <a:gd name="connsiteX2" fmla="*/ 2726266 w 4969933"/>
+                <a:gd name="connsiteY2" fmla="*/ 821389 h 889122"/>
+                <a:gd name="connsiteX3" fmla="*/ 3886200 w 4969933"/>
+                <a:gd name="connsiteY3" fmla="*/ 355722 h 889122"/>
+                <a:gd name="connsiteX4" fmla="*/ 4969933 w 4969933"/>
+                <a:gd name="connsiteY4" fmla="*/ 652056 h 889122"/>
+              </a:gdLst>
+              <a:ahLst/>
+              <a:cxnLst>
+                <a:cxn ang="0">
+                  <a:pos x="connsiteX0" y="connsiteY0"/>
+                </a:cxn>
+                <a:cxn ang="0">
+                  <a:pos x="connsiteX1" y="connsiteY1"/>
+                </a:cxn>
+                <a:cxn ang="0">
+                  <a:pos x="connsiteX2" y="connsiteY2"/>
+                </a:cxn>
+                <a:cxn ang="0">
+                  <a:pos x="connsiteX3" y="connsiteY3"/>
+                </a:cxn>
+                <a:cxn ang="0">
+                  <a:pos x="connsiteX4" y="connsiteY4"/>
+                </a:cxn>
+              </a:cxnLst>
+              <a:rect l="l" t="t" r="r" b="b"/>
+              <a:pathLst>
+                <a:path w="4969933" h="889122">
+                  <a:moveTo>
+                    <a:pt x="0" y="889122"/>
+                  </a:moveTo>
+                  <a:cubicBezTo>
+                    <a:pt x="390877" y="450266"/>
+                    <a:pt x="781755" y="11411"/>
+                    <a:pt x="1236133" y="122"/>
+                  </a:cubicBezTo>
+                  <a:cubicBezTo>
+                    <a:pt x="1690511" y="-11167"/>
+                    <a:pt x="2284588" y="762122"/>
+                    <a:pt x="2726266" y="821389"/>
+                  </a:cubicBezTo>
+                  <a:cubicBezTo>
+                    <a:pt x="3167944" y="880656"/>
+                    <a:pt x="3512255" y="383944"/>
+                    <a:pt x="3886200" y="355722"/>
+                  </a:cubicBezTo>
+                  <a:cubicBezTo>
+                    <a:pt x="4260145" y="327500"/>
+                    <a:pt x="4615039" y="489778"/>
+                    <a:pt x="4969933" y="652056"/>
+                  </a:cubicBezTo>
+                </a:path>
+              </a:pathLst>
+            </a:custGeom>
+            <a:noFill/>
+            <a:ln w="38100"/>
+          </p:spPr>
+          <p:style>
+            <a:lnRef idx="2">
+              <a:schemeClr val="accent1">
+                <a:shade val="15000"/>
+              </a:schemeClr>
+            </a:lnRef>
+            <a:fillRef idx="1">
+              <a:schemeClr val="accent1"/>
+            </a:fillRef>
+            <a:effectRef idx="0">
+              <a:schemeClr val="accent1"/>
+            </a:effectRef>
+            <a:fontRef idx="minor">
+              <a:schemeClr val="lt1"/>
+            </a:fontRef>
+          </p:style>
+          <p:txBody>
+            <a:bodyPr rtlCol="0" anchor="ctr"/>
+            <a:lstStyle/>
+            <a:p>
+              <a:pPr algn="ctr"/>
+              <a:endParaRPr lang="en-US"/>
+            </a:p>
+          </p:txBody>
+        </p:sp>
+        <p:sp>
+          <p:nvSpPr>
+            <p:cNvPr id="11" name="Freeform: Shape 10">
+              <a:extLst>
+                <a:ext uri="{FF2B5EF4-FFF2-40B4-BE49-F238E27FC236}">
+                  <a16:creationId xmlns:a16="http://schemas.microsoft.com/office/drawing/2014/main" id="{0C33DCCE-26A0-0E41-B5EA-C2F658CE887B}"/>
+                </a:ext>
+              </a:extLst>
+            </p:cNvPr>
+            <p:cNvSpPr/>
+            <p:nvPr/>
+          </p:nvSpPr>
+          <p:spPr>
+            <a:xfrm>
+              <a:off x="869962" y="4389685"/>
+              <a:ext cx="1925321" cy="629864"/>
+            </a:xfrm>
+            <a:custGeom>
+              <a:avLst/>
+              <a:gdLst>
+                <a:gd name="connsiteX0" fmla="*/ 0 w 4969933"/>
+                <a:gd name="connsiteY0" fmla="*/ 889122 h 889122"/>
+                <a:gd name="connsiteX1" fmla="*/ 1236133 w 4969933"/>
+                <a:gd name="connsiteY1" fmla="*/ 122 h 889122"/>
+                <a:gd name="connsiteX2" fmla="*/ 2726266 w 4969933"/>
+                <a:gd name="connsiteY2" fmla="*/ 821389 h 889122"/>
+                <a:gd name="connsiteX3" fmla="*/ 3886200 w 4969933"/>
+                <a:gd name="connsiteY3" fmla="*/ 355722 h 889122"/>
+                <a:gd name="connsiteX4" fmla="*/ 4969933 w 4969933"/>
+                <a:gd name="connsiteY4" fmla="*/ 652056 h 889122"/>
+              </a:gdLst>
+              <a:ahLst/>
+              <a:cxnLst>
+                <a:cxn ang="0">
+                  <a:pos x="connsiteX0" y="connsiteY0"/>
+                </a:cxn>
+                <a:cxn ang="0">
+                  <a:pos x="connsiteX1" y="connsiteY1"/>
+                </a:cxn>
+                <a:cxn ang="0">
+                  <a:pos x="connsiteX2" y="connsiteY2"/>
+                </a:cxn>
+                <a:cxn ang="0">
+                  <a:pos x="connsiteX3" y="connsiteY3"/>
+                </a:cxn>
+                <a:cxn ang="0">
+                  <a:pos x="connsiteX4" y="connsiteY4"/>
+                </a:cxn>
+              </a:cxnLst>
+              <a:rect l="l" t="t" r="r" b="b"/>
+              <a:pathLst>
+                <a:path w="4969933" h="889122">
+                  <a:moveTo>
+                    <a:pt x="0" y="889122"/>
+                  </a:moveTo>
+                  <a:cubicBezTo>
+                    <a:pt x="390877" y="450266"/>
+                    <a:pt x="781755" y="11411"/>
+                    <a:pt x="1236133" y="122"/>
+                  </a:cubicBezTo>
+                  <a:cubicBezTo>
+                    <a:pt x="1690511" y="-11167"/>
+                    <a:pt x="2284588" y="762122"/>
+                    <a:pt x="2726266" y="821389"/>
+                  </a:cubicBezTo>
+                  <a:cubicBezTo>
+                    <a:pt x="3167944" y="880656"/>
+                    <a:pt x="3512255" y="383944"/>
+                    <a:pt x="3886200" y="355722"/>
+                  </a:cubicBezTo>
+                  <a:cubicBezTo>
+                    <a:pt x="4260145" y="327500"/>
+                    <a:pt x="4615039" y="489778"/>
+                    <a:pt x="4969933" y="652056"/>
+                  </a:cubicBezTo>
+                </a:path>
+              </a:pathLst>
+            </a:custGeom>
+            <a:noFill/>
+            <a:ln w="38100"/>
+          </p:spPr>
+          <p:style>
+            <a:lnRef idx="2">
+              <a:schemeClr val="accent1">
+                <a:shade val="15000"/>
+              </a:schemeClr>
+            </a:lnRef>
+            <a:fillRef idx="1">
+              <a:schemeClr val="accent1"/>
+            </a:fillRef>
+            <a:effectRef idx="0">
+              <a:schemeClr val="accent1"/>
+            </a:effectRef>
+            <a:fontRef idx="minor">
+              <a:schemeClr val="lt1"/>
+            </a:fontRef>
+          </p:style>
+          <p:txBody>
+            <a:bodyPr rtlCol="0" anchor="ctr"/>
+            <a:lstStyle/>
+            <a:p>
+              <a:pPr algn="ctr"/>
+              <a:endParaRPr lang="en-US"/>
+            </a:p>
+          </p:txBody>
+        </p:sp>
+        <p:sp>
+          <p:nvSpPr>
+            <p:cNvPr id="12" name="Freeform: Shape 11">
+              <a:extLst>
+                <a:ext uri="{FF2B5EF4-FFF2-40B4-BE49-F238E27FC236}">
+                  <a16:creationId xmlns:a16="http://schemas.microsoft.com/office/drawing/2014/main" id="{E07F8A04-9A58-13E1-34D5-F50760FEA5FD}"/>
+                </a:ext>
+              </a:extLst>
+            </p:cNvPr>
+            <p:cNvSpPr/>
+            <p:nvPr/>
+          </p:nvSpPr>
+          <p:spPr>
+            <a:xfrm>
+              <a:off x="833974" y="3823567"/>
+              <a:ext cx="1925321" cy="629864"/>
+            </a:xfrm>
+            <a:custGeom>
+              <a:avLst/>
+              <a:gdLst>
+                <a:gd name="connsiteX0" fmla="*/ 0 w 4969933"/>
+                <a:gd name="connsiteY0" fmla="*/ 889122 h 889122"/>
+                <a:gd name="connsiteX1" fmla="*/ 1236133 w 4969933"/>
+                <a:gd name="connsiteY1" fmla="*/ 122 h 889122"/>
+                <a:gd name="connsiteX2" fmla="*/ 2726266 w 4969933"/>
+                <a:gd name="connsiteY2" fmla="*/ 821389 h 889122"/>
+                <a:gd name="connsiteX3" fmla="*/ 3886200 w 4969933"/>
+                <a:gd name="connsiteY3" fmla="*/ 355722 h 889122"/>
+                <a:gd name="connsiteX4" fmla="*/ 4969933 w 4969933"/>
+                <a:gd name="connsiteY4" fmla="*/ 652056 h 889122"/>
+              </a:gdLst>
+              <a:ahLst/>
+              <a:cxnLst>
+                <a:cxn ang="0">
+                  <a:pos x="connsiteX0" y="connsiteY0"/>
+                </a:cxn>
+                <a:cxn ang="0">
+                  <a:pos x="connsiteX1" y="connsiteY1"/>
+                </a:cxn>
+                <a:cxn ang="0">
+                  <a:pos x="connsiteX2" y="connsiteY2"/>
+                </a:cxn>
+                <a:cxn ang="0">
+                  <a:pos x="connsiteX3" y="connsiteY3"/>
+                </a:cxn>
+                <a:cxn ang="0">
+                  <a:pos x="connsiteX4" y="connsiteY4"/>
+                </a:cxn>
+              </a:cxnLst>
+              <a:rect l="l" t="t" r="r" b="b"/>
+              <a:pathLst>
+                <a:path w="4969933" h="889122">
+                  <a:moveTo>
+                    <a:pt x="0" y="889122"/>
+                  </a:moveTo>
+                  <a:cubicBezTo>
+                    <a:pt x="390877" y="450266"/>
+                    <a:pt x="781755" y="11411"/>
+                    <a:pt x="1236133" y="122"/>
+                  </a:cubicBezTo>
+                  <a:cubicBezTo>
+                    <a:pt x="1690511" y="-11167"/>
+                    <a:pt x="2284588" y="762122"/>
+                    <a:pt x="2726266" y="821389"/>
+                  </a:cubicBezTo>
+                  <a:cubicBezTo>
+                    <a:pt x="3167944" y="880656"/>
+                    <a:pt x="3512255" y="383944"/>
+                    <a:pt x="3886200" y="355722"/>
+                  </a:cubicBezTo>
+                  <a:cubicBezTo>
+                    <a:pt x="4260145" y="327500"/>
+                    <a:pt x="4615039" y="489778"/>
+                    <a:pt x="4969933" y="652056"/>
+                  </a:cubicBezTo>
+                </a:path>
+              </a:pathLst>
+            </a:custGeom>
+            <a:noFill/>
+            <a:ln w="38100"/>
+          </p:spPr>
+          <p:style>
+            <a:lnRef idx="2">
+              <a:schemeClr val="accent1">
+                <a:shade val="15000"/>
+              </a:schemeClr>
+            </a:lnRef>
+            <a:fillRef idx="1">
+              <a:schemeClr val="accent1"/>
+            </a:fillRef>
+            <a:effectRef idx="0">
+              <a:schemeClr val="accent1"/>
+            </a:effectRef>
+            <a:fontRef idx="minor">
+              <a:schemeClr val="lt1"/>
+            </a:fontRef>
+          </p:style>
+          <p:txBody>
+            <a:bodyPr rtlCol="0" anchor="ctr"/>
+            <a:lstStyle/>
+            <a:p>
+              <a:pPr algn="ctr"/>
+              <a:endParaRPr lang="en-US"/>
+            </a:p>
+          </p:txBody>
+        </p:sp>
+        <p:sp>
+          <p:nvSpPr>
+            <p:cNvPr id="5" name="Rectangle 4">
+              <a:extLst>
+                <a:ext uri="{FF2B5EF4-FFF2-40B4-BE49-F238E27FC236}">
+                  <a16:creationId xmlns:a16="http://schemas.microsoft.com/office/drawing/2014/main" id="{F7EE7C91-359F-E891-8F26-5B522F911119}"/>
+                </a:ext>
+              </a:extLst>
+            </p:cNvPr>
+            <p:cNvSpPr/>
+            <p:nvPr/>
+          </p:nvSpPr>
+          <p:spPr>
+            <a:xfrm>
+              <a:off x="762002" y="1611508"/>
+              <a:ext cx="143949" cy="3429290"/>
+            </a:xfrm>
+            <a:prstGeom prst="rect">
+              <a:avLst/>
+            </a:prstGeom>
+            <a:pattFill prst="wdUpDiag">
+              <a:fgClr>
+                <a:schemeClr val="tx1"/>
+              </a:fgClr>
+              <a:bgClr>
+                <a:schemeClr val="bg1"/>
+              </a:bgClr>
+            </a:pattFill>
+          </p:spPr>
+          <p:style>
+            <a:lnRef idx="2">
+              <a:schemeClr val="accent1">
+                <a:shade val="15000"/>
+              </a:schemeClr>
+            </a:lnRef>
+            <a:fillRef idx="1">
+              <a:schemeClr val="accent1"/>
+            </a:fillRef>
+            <a:effectRef idx="0">
+              <a:schemeClr val="accent1"/>
+            </a:effectRef>
+            <a:fontRef idx="minor">
+              <a:schemeClr val="lt1"/>
+            </a:fontRef>
+          </p:style>
+          <p:txBody>
+            <a:bodyPr rtlCol="0" anchor="ctr"/>
+            <a:lstStyle/>
+            <a:p>
+              <a:pPr algn="ctr"/>
+              <a:endParaRPr lang="en-US"/>
+            </a:p>
+          </p:txBody>
+        </p:sp>
+        <p:sp>
+          <p:nvSpPr>
+            <p:cNvPr id="13" name="Rectangle 12">
+              <a:extLst>
+                <a:ext uri="{FF2B5EF4-FFF2-40B4-BE49-F238E27FC236}">
+                  <a16:creationId xmlns:a16="http://schemas.microsoft.com/office/drawing/2014/main" id="{05A39753-3AEF-92A0-B548-46CE854382E9}"/>
+                </a:ext>
+              </a:extLst>
+            </p:cNvPr>
+            <p:cNvSpPr/>
+            <p:nvPr/>
+          </p:nvSpPr>
+          <p:spPr>
+            <a:xfrm>
+              <a:off x="4924533" y="1611508"/>
+              <a:ext cx="143949" cy="3429290"/>
+            </a:xfrm>
+            <a:prstGeom prst="rect">
+              <a:avLst/>
+            </a:prstGeom>
+            <a:noFill/>
+            <a:ln w="19050"/>
+          </p:spPr>
+          <p:style>
+            <a:lnRef idx="2">
+              <a:schemeClr val="accent1">
+                <a:shade val="15000"/>
+              </a:schemeClr>
+            </a:lnRef>
+            <a:fillRef idx="1">
+              <a:schemeClr val="accent1"/>
+            </a:fillRef>
+            <a:effectRef idx="0">
+              <a:schemeClr val="accent1"/>
+            </a:effectRef>
+            <a:fontRef idx="minor">
+              <a:schemeClr val="lt1"/>
+            </a:fontRef>
+          </p:style>
+          <p:txBody>
+            <a:bodyPr rtlCol="0" anchor="ctr"/>
+            <a:lstStyle/>
+            <a:p>
+              <a:pPr algn="ctr"/>
+              <a:r>
+                <a:rPr lang="en-US" dirty="0">
+                  <a:solidFill>
+                    <a:schemeClr val="tx1"/>
+                  </a:solidFill>
+                </a:rPr>
+                <a:t>+++++++++++</a:t>
+              </a:r>
+            </a:p>
+          </p:txBody>
+        </p:sp>
+        <p:sp>
+          <p:nvSpPr>
+            <p:cNvPr id="14" name="Oval 13">
+              <a:extLst>
+                <a:ext uri="{FF2B5EF4-FFF2-40B4-BE49-F238E27FC236}">
+                  <a16:creationId xmlns:a16="http://schemas.microsoft.com/office/drawing/2014/main" id="{1DC51EDD-CD20-80F2-E747-A945520B8761}"/>
+                </a:ext>
+              </a:extLst>
+            </p:cNvPr>
+            <p:cNvSpPr/>
+            <p:nvPr/>
+          </p:nvSpPr>
+          <p:spPr>
+            <a:xfrm>
+              <a:off x="2726307" y="1565102"/>
+              <a:ext cx="308892" cy="308892"/>
+            </a:xfrm>
+            <a:prstGeom prst="ellipse">
+              <a:avLst/>
+            </a:prstGeom>
+          </p:spPr>
+          <p:style>
+            <a:lnRef idx="2">
+              <a:schemeClr val="accent1">
+                <a:shade val="15000"/>
+              </a:schemeClr>
+            </a:lnRef>
+            <a:fillRef idx="1">
+              <a:schemeClr val="accent1"/>
+            </a:fillRef>
+            <a:effectRef idx="0">
+              <a:schemeClr val="accent1"/>
+            </a:effectRef>
+            <a:fontRef idx="minor">
+              <a:schemeClr val="lt1"/>
+            </a:fontRef>
+          </p:style>
+          <p:txBody>
+            <a:bodyPr rtlCol="0" anchor="ctr"/>
+            <a:lstStyle/>
+            <a:p>
+              <a:pPr algn="ctr"/>
+              <a:r>
+                <a:rPr lang="en-US" dirty="0"/>
+                <a:t>−</a:t>
+              </a:r>
+            </a:p>
+          </p:txBody>
+        </p:sp>
+        <p:sp>
+          <p:nvSpPr>
+            <p:cNvPr id="15" name="Oval 14">
+              <a:extLst>
+                <a:ext uri="{FF2B5EF4-FFF2-40B4-BE49-F238E27FC236}">
+                  <a16:creationId xmlns:a16="http://schemas.microsoft.com/office/drawing/2014/main" id="{DCC92C32-C4BC-88D4-F41B-5E95D7123479}"/>
+                </a:ext>
+              </a:extLst>
+            </p:cNvPr>
+            <p:cNvSpPr/>
+            <p:nvPr/>
+          </p:nvSpPr>
+          <p:spPr>
+            <a:xfrm>
+              <a:off x="2726307" y="2153311"/>
+              <a:ext cx="308892" cy="308892"/>
+            </a:xfrm>
+            <a:prstGeom prst="ellipse">
+              <a:avLst/>
+            </a:prstGeom>
+          </p:spPr>
+          <p:style>
+            <a:lnRef idx="2">
+              <a:schemeClr val="accent1">
+                <a:shade val="15000"/>
+              </a:schemeClr>
+            </a:lnRef>
+            <a:fillRef idx="1">
+              <a:schemeClr val="accent1"/>
+            </a:fillRef>
+            <a:effectRef idx="0">
+              <a:schemeClr val="accent1"/>
+            </a:effectRef>
+            <a:fontRef idx="minor">
+              <a:schemeClr val="lt1"/>
+            </a:fontRef>
+          </p:style>
+          <p:txBody>
+            <a:bodyPr rtlCol="0" anchor="ctr"/>
+            <a:lstStyle/>
+            <a:p>
+              <a:pPr algn="ctr"/>
+              <a:r>
+                <a:rPr lang="en-US" dirty="0"/>
+                <a:t>−</a:t>
+              </a:r>
+            </a:p>
+          </p:txBody>
+        </p:sp>
+        <p:sp>
+          <p:nvSpPr>
+            <p:cNvPr id="16" name="Oval 15">
+              <a:extLst>
+                <a:ext uri="{FF2B5EF4-FFF2-40B4-BE49-F238E27FC236}">
+                  <a16:creationId xmlns:a16="http://schemas.microsoft.com/office/drawing/2014/main" id="{08BB99D5-B164-0E5A-9DB1-41B7FAC5AD51}"/>
+                </a:ext>
+              </a:extLst>
+            </p:cNvPr>
+            <p:cNvSpPr/>
+            <p:nvPr/>
+          </p:nvSpPr>
+          <p:spPr>
+            <a:xfrm>
+              <a:off x="2726307" y="2829778"/>
+              <a:ext cx="308892" cy="308892"/>
+            </a:xfrm>
+            <a:prstGeom prst="ellipse">
+              <a:avLst/>
+            </a:prstGeom>
+          </p:spPr>
+          <p:style>
+            <a:lnRef idx="2">
+              <a:schemeClr val="accent1">
+                <a:shade val="15000"/>
+              </a:schemeClr>
+            </a:lnRef>
+            <a:fillRef idx="1">
+              <a:schemeClr val="accent1"/>
+            </a:fillRef>
+            <a:effectRef idx="0">
+              <a:schemeClr val="accent1"/>
+            </a:effectRef>
+            <a:fontRef idx="minor">
+              <a:schemeClr val="lt1"/>
+            </a:fontRef>
+          </p:style>
+          <p:txBody>
+            <a:bodyPr rtlCol="0" anchor="ctr"/>
+            <a:lstStyle/>
+            <a:p>
+              <a:pPr algn="ctr"/>
+              <a:r>
+                <a:rPr lang="en-US" dirty="0"/>
+                <a:t>−</a:t>
+              </a:r>
+            </a:p>
+          </p:txBody>
+        </p:sp>
+        <p:sp>
+          <p:nvSpPr>
+            <p:cNvPr id="17" name="Oval 16">
+              <a:extLst>
+                <a:ext uri="{FF2B5EF4-FFF2-40B4-BE49-F238E27FC236}">
+                  <a16:creationId xmlns:a16="http://schemas.microsoft.com/office/drawing/2014/main" id="{3E6C0822-7D47-92FA-5739-73417E28F30C}"/>
+                </a:ext>
+              </a:extLst>
+            </p:cNvPr>
+            <p:cNvSpPr/>
+            <p:nvPr/>
+          </p:nvSpPr>
+          <p:spPr>
+            <a:xfrm>
+              <a:off x="2726307" y="3493426"/>
+              <a:ext cx="308892" cy="308892"/>
+            </a:xfrm>
+            <a:prstGeom prst="ellipse">
+              <a:avLst/>
+            </a:prstGeom>
+          </p:spPr>
+          <p:style>
+            <a:lnRef idx="2">
+              <a:schemeClr val="accent1">
+                <a:shade val="15000"/>
+              </a:schemeClr>
+            </a:lnRef>
+            <a:fillRef idx="1">
+              <a:schemeClr val="accent1"/>
+            </a:fillRef>
+            <a:effectRef idx="0">
+              <a:schemeClr val="accent1"/>
+            </a:effectRef>
+            <a:fontRef idx="minor">
+              <a:schemeClr val="lt1"/>
+            </a:fontRef>
+          </p:style>
+          <p:txBody>
+            <a:bodyPr rtlCol="0" anchor="ctr"/>
+            <a:lstStyle/>
+            <a:p>
+              <a:pPr algn="ctr"/>
+              <a:r>
+                <a:rPr lang="en-US" dirty="0"/>
+                <a:t>−</a:t>
+              </a:r>
+            </a:p>
+          </p:txBody>
+        </p:sp>
+        <p:sp>
+          <p:nvSpPr>
+            <p:cNvPr id="18" name="Oval 17">
+              <a:extLst>
+                <a:ext uri="{FF2B5EF4-FFF2-40B4-BE49-F238E27FC236}">
+                  <a16:creationId xmlns:a16="http://schemas.microsoft.com/office/drawing/2014/main" id="{2AFE4233-0FBD-61E1-D9BC-A7B69A6D743E}"/>
+                </a:ext>
+              </a:extLst>
+            </p:cNvPr>
+            <p:cNvSpPr/>
+            <p:nvPr/>
+          </p:nvSpPr>
+          <p:spPr>
+            <a:xfrm>
+              <a:off x="2726306" y="4123290"/>
+              <a:ext cx="308892" cy="308892"/>
+            </a:xfrm>
+            <a:prstGeom prst="ellipse">
+              <a:avLst/>
+            </a:prstGeom>
+          </p:spPr>
+          <p:style>
+            <a:lnRef idx="2">
+              <a:schemeClr val="accent1">
+                <a:shade val="15000"/>
+              </a:schemeClr>
+            </a:lnRef>
+            <a:fillRef idx="1">
+              <a:schemeClr val="accent1"/>
+            </a:fillRef>
+            <a:effectRef idx="0">
+              <a:schemeClr val="accent1"/>
+            </a:effectRef>
+            <a:fontRef idx="minor">
+              <a:schemeClr val="lt1"/>
+            </a:fontRef>
+          </p:style>
+          <p:txBody>
+            <a:bodyPr rtlCol="0" anchor="ctr"/>
+            <a:lstStyle/>
+            <a:p>
+              <a:pPr algn="ctr"/>
+              <a:r>
+                <a:rPr lang="en-US" dirty="0"/>
+                <a:t>−</a:t>
+              </a:r>
+            </a:p>
+          </p:txBody>
+        </p:sp>
+        <p:sp>
+          <p:nvSpPr>
+            <p:cNvPr id="19" name="Oval 18">
+              <a:extLst>
+                <a:ext uri="{FF2B5EF4-FFF2-40B4-BE49-F238E27FC236}">
+                  <a16:creationId xmlns:a16="http://schemas.microsoft.com/office/drawing/2014/main" id="{2387C038-157C-8AEB-D21E-F3482F078E87}"/>
+                </a:ext>
+              </a:extLst>
+            </p:cNvPr>
+            <p:cNvSpPr/>
+            <p:nvPr/>
+          </p:nvSpPr>
+          <p:spPr>
+            <a:xfrm>
+              <a:off x="2726305" y="4719826"/>
+              <a:ext cx="308892" cy="308892"/>
+            </a:xfrm>
+            <a:prstGeom prst="ellipse">
+              <a:avLst/>
+            </a:prstGeom>
+          </p:spPr>
+          <p:style>
+            <a:lnRef idx="2">
+              <a:schemeClr val="accent1">
+                <a:shade val="15000"/>
+              </a:schemeClr>
+            </a:lnRef>
+            <a:fillRef idx="1">
+              <a:schemeClr val="accent1"/>
+            </a:fillRef>
+            <a:effectRef idx="0">
+              <a:schemeClr val="accent1"/>
+            </a:effectRef>
+            <a:fontRef idx="minor">
+              <a:schemeClr val="lt1"/>
+            </a:fontRef>
+          </p:style>
+          <p:txBody>
+            <a:bodyPr rtlCol="0" anchor="ctr"/>
+            <a:lstStyle/>
+            <a:p>
+              <a:pPr algn="ctr"/>
+              <a:r>
+                <a:rPr lang="en-US" dirty="0"/>
+                <a:t>−</a:t>
+              </a:r>
+            </a:p>
+          </p:txBody>
+        </p:sp>
+        <p:sp>
+          <p:nvSpPr>
+            <p:cNvPr id="20" name="Oval 19">
+              <a:extLst>
+                <a:ext uri="{FF2B5EF4-FFF2-40B4-BE49-F238E27FC236}">
+                  <a16:creationId xmlns:a16="http://schemas.microsoft.com/office/drawing/2014/main" id="{A8051171-4B11-D84B-4E50-12CD0A91025E}"/>
+                </a:ext>
+              </a:extLst>
+            </p:cNvPr>
+            <p:cNvSpPr/>
+            <p:nvPr/>
+          </p:nvSpPr>
+          <p:spPr>
+            <a:xfrm>
+              <a:off x="3304333" y="2799583"/>
+              <a:ext cx="107468" cy="107468"/>
+            </a:xfrm>
+            <a:prstGeom prst="ellipse">
+              <a:avLst/>
+            </a:prstGeom>
+          </p:spPr>
+          <p:style>
+            <a:lnRef idx="2">
+              <a:schemeClr val="accent2">
+                <a:shade val="15000"/>
+              </a:schemeClr>
+            </a:lnRef>
+            <a:fillRef idx="1">
+              <a:schemeClr val="accent2"/>
+            </a:fillRef>
+            <a:effectRef idx="0">
+              <a:schemeClr val="accent2"/>
+            </a:effectRef>
+            <a:fontRef idx="minor">
+              <a:schemeClr val="lt1"/>
+            </a:fontRef>
+          </p:style>
+          <p:txBody>
+            <a:bodyPr rtlCol="0" anchor="ctr"/>
+            <a:lstStyle/>
+            <a:p>
+              <a:pPr algn="ctr"/>
+              <a:r>
+                <a:rPr lang="en-US" sz="1000" dirty="0"/>
+                <a:t>+</a:t>
+              </a:r>
+            </a:p>
+          </p:txBody>
+        </p:sp>
+        <p:sp>
+          <p:nvSpPr>
+            <p:cNvPr id="21" name="Oval 20">
+              <a:extLst>
+                <a:ext uri="{FF2B5EF4-FFF2-40B4-BE49-F238E27FC236}">
+                  <a16:creationId xmlns:a16="http://schemas.microsoft.com/office/drawing/2014/main" id="{4E6B372D-B9B8-4A2C-5742-8CC282E6BD37}"/>
+                </a:ext>
+              </a:extLst>
+            </p:cNvPr>
+            <p:cNvSpPr/>
+            <p:nvPr/>
+          </p:nvSpPr>
+          <p:spPr>
+            <a:xfrm>
+              <a:off x="2741549" y="1414414"/>
+              <a:ext cx="107468" cy="107468"/>
+            </a:xfrm>
+            <a:prstGeom prst="ellipse">
+              <a:avLst/>
+            </a:prstGeom>
+          </p:spPr>
+          <p:style>
+            <a:lnRef idx="2">
+              <a:schemeClr val="accent2">
+                <a:shade val="15000"/>
+              </a:schemeClr>
+            </a:lnRef>
+            <a:fillRef idx="1">
+              <a:schemeClr val="accent2"/>
+            </a:fillRef>
+            <a:effectRef idx="0">
+              <a:schemeClr val="accent2"/>
+            </a:effectRef>
+            <a:fontRef idx="minor">
+              <a:schemeClr val="lt1"/>
+            </a:fontRef>
+          </p:style>
+          <p:txBody>
+            <a:bodyPr rtlCol="0" anchor="ctr"/>
+            <a:lstStyle/>
+            <a:p>
+              <a:pPr algn="ctr"/>
+              <a:endParaRPr lang="en-US"/>
+            </a:p>
+          </p:txBody>
+        </p:sp>
+        <p:sp>
+          <p:nvSpPr>
+            <p:cNvPr id="22" name="Oval 21">
+              <a:extLst>
+                <a:ext uri="{FF2B5EF4-FFF2-40B4-BE49-F238E27FC236}">
+                  <a16:creationId xmlns:a16="http://schemas.microsoft.com/office/drawing/2014/main" id="{74E9D902-EC9A-7610-7AFF-A830137CF8E2}"/>
+                </a:ext>
+              </a:extLst>
+            </p:cNvPr>
+            <p:cNvSpPr/>
+            <p:nvPr/>
+          </p:nvSpPr>
+          <p:spPr>
+            <a:xfrm>
+              <a:off x="3407069" y="1363820"/>
+              <a:ext cx="107468" cy="107468"/>
+            </a:xfrm>
+            <a:prstGeom prst="ellipse">
+              <a:avLst/>
+            </a:prstGeom>
+          </p:spPr>
+          <p:style>
+            <a:lnRef idx="2">
+              <a:schemeClr val="accent2">
+                <a:shade val="15000"/>
+              </a:schemeClr>
+            </a:lnRef>
+            <a:fillRef idx="1">
+              <a:schemeClr val="accent2"/>
+            </a:fillRef>
+            <a:effectRef idx="0">
+              <a:schemeClr val="accent2"/>
+            </a:effectRef>
+            <a:fontRef idx="minor">
+              <a:schemeClr val="lt1"/>
+            </a:fontRef>
+          </p:style>
+          <p:txBody>
+            <a:bodyPr rtlCol="0" anchor="ctr"/>
+            <a:lstStyle/>
+            <a:p>
+              <a:pPr algn="ctr"/>
+              <a:r>
+                <a:rPr lang="en-US" sz="1000" dirty="0"/>
+                <a:t>+</a:t>
+              </a:r>
+            </a:p>
+          </p:txBody>
+        </p:sp>
+        <p:sp>
+          <p:nvSpPr>
+            <p:cNvPr id="23" name="Oval 22">
+              <a:extLst>
+                <a:ext uri="{FF2B5EF4-FFF2-40B4-BE49-F238E27FC236}">
+                  <a16:creationId xmlns:a16="http://schemas.microsoft.com/office/drawing/2014/main" id="{C6EB7810-810D-9F66-7B24-0941E4C94A0C}"/>
+                </a:ext>
+              </a:extLst>
+            </p:cNvPr>
+            <p:cNvSpPr/>
+            <p:nvPr/>
+          </p:nvSpPr>
+          <p:spPr>
+            <a:xfrm>
+              <a:off x="2371939" y="1399402"/>
+              <a:ext cx="107468" cy="107468"/>
+            </a:xfrm>
+            <a:prstGeom prst="ellipse">
+              <a:avLst/>
+            </a:prstGeom>
+          </p:spPr>
+          <p:style>
+            <a:lnRef idx="2">
+              <a:schemeClr val="accent2">
+                <a:shade val="15000"/>
+              </a:schemeClr>
+            </a:lnRef>
+            <a:fillRef idx="1">
+              <a:schemeClr val="accent2"/>
+            </a:fillRef>
+            <a:effectRef idx="0">
+              <a:schemeClr val="accent2"/>
+            </a:effectRef>
+            <a:fontRef idx="minor">
+              <a:schemeClr val="lt1"/>
+            </a:fontRef>
+          </p:style>
+          <p:txBody>
+            <a:bodyPr rtlCol="0" anchor="ctr"/>
+            <a:lstStyle/>
+            <a:p>
+              <a:pPr algn="ctr"/>
+              <a:endParaRPr lang="en-US"/>
+            </a:p>
+          </p:txBody>
+        </p:sp>
+        <p:sp>
+          <p:nvSpPr>
+            <p:cNvPr id="24" name="Oval 23">
+              <a:extLst>
+                <a:ext uri="{FF2B5EF4-FFF2-40B4-BE49-F238E27FC236}">
+                  <a16:creationId xmlns:a16="http://schemas.microsoft.com/office/drawing/2014/main" id="{3950C0FD-9A31-EAE5-9694-612E2402B950}"/>
+                </a:ext>
+              </a:extLst>
+            </p:cNvPr>
+            <p:cNvSpPr/>
+            <p:nvPr/>
+          </p:nvSpPr>
+          <p:spPr>
+            <a:xfrm>
+              <a:off x="2264471" y="1840998"/>
+              <a:ext cx="107468" cy="107468"/>
+            </a:xfrm>
+            <a:prstGeom prst="ellipse">
+              <a:avLst/>
+            </a:prstGeom>
+          </p:spPr>
+          <p:style>
+            <a:lnRef idx="2">
+              <a:schemeClr val="accent2">
+                <a:shade val="15000"/>
+              </a:schemeClr>
+            </a:lnRef>
+            <a:fillRef idx="1">
+              <a:schemeClr val="accent2"/>
+            </a:fillRef>
+            <a:effectRef idx="0">
+              <a:schemeClr val="accent2"/>
+            </a:effectRef>
+            <a:fontRef idx="minor">
+              <a:schemeClr val="lt1"/>
+            </a:fontRef>
+          </p:style>
+          <p:txBody>
+            <a:bodyPr rtlCol="0" anchor="ctr"/>
+            <a:lstStyle/>
+            <a:p>
+              <a:pPr algn="ctr"/>
+              <a:endParaRPr lang="en-US"/>
+            </a:p>
+          </p:txBody>
+        </p:sp>
+        <p:sp>
+          <p:nvSpPr>
+            <p:cNvPr id="25" name="Oval 24">
+              <a:extLst>
+                <a:ext uri="{FF2B5EF4-FFF2-40B4-BE49-F238E27FC236}">
+                  <a16:creationId xmlns:a16="http://schemas.microsoft.com/office/drawing/2014/main" id="{DD028F2B-9FFC-5D55-AD31-D948F5F1CB10}"/>
+                </a:ext>
+              </a:extLst>
+            </p:cNvPr>
+            <p:cNvSpPr/>
+            <p:nvPr/>
+          </p:nvSpPr>
+          <p:spPr>
+            <a:xfrm>
+              <a:off x="2310194" y="2917506"/>
+              <a:ext cx="107468" cy="107468"/>
+            </a:xfrm>
+            <a:prstGeom prst="ellipse">
+              <a:avLst/>
+            </a:prstGeom>
+          </p:spPr>
+          <p:style>
+            <a:lnRef idx="2">
+              <a:schemeClr val="accent2">
+                <a:shade val="15000"/>
+              </a:schemeClr>
+            </a:lnRef>
+            <a:fillRef idx="1">
+              <a:schemeClr val="accent2"/>
+            </a:fillRef>
+            <a:effectRef idx="0">
+              <a:schemeClr val="accent2"/>
+            </a:effectRef>
+            <a:fontRef idx="minor">
+              <a:schemeClr val="lt1"/>
+            </a:fontRef>
+          </p:style>
+          <p:txBody>
+            <a:bodyPr rtlCol="0" anchor="ctr"/>
+            <a:lstStyle/>
+            <a:p>
+              <a:pPr algn="ctr"/>
+              <a:endParaRPr lang="en-US"/>
+            </a:p>
+          </p:txBody>
+        </p:sp>
+        <p:sp>
+          <p:nvSpPr>
+            <p:cNvPr id="26" name="Oval 25">
+              <a:extLst>
+                <a:ext uri="{FF2B5EF4-FFF2-40B4-BE49-F238E27FC236}">
+                  <a16:creationId xmlns:a16="http://schemas.microsoft.com/office/drawing/2014/main" id="{53E36C97-2D27-5199-1B20-B11882FD0F98}"/>
+                </a:ext>
+              </a:extLst>
+            </p:cNvPr>
+            <p:cNvSpPr/>
+            <p:nvPr/>
+          </p:nvSpPr>
+          <p:spPr>
+            <a:xfrm>
+              <a:off x="3743444" y="3651543"/>
+              <a:ext cx="107468" cy="107468"/>
+            </a:xfrm>
+            <a:prstGeom prst="ellipse">
+              <a:avLst/>
+            </a:prstGeom>
+          </p:spPr>
+          <p:style>
+            <a:lnRef idx="2">
+              <a:schemeClr val="accent2">
+                <a:shade val="15000"/>
+              </a:schemeClr>
+            </a:lnRef>
+            <a:fillRef idx="1">
+              <a:schemeClr val="accent2"/>
+            </a:fillRef>
+            <a:effectRef idx="0">
+              <a:schemeClr val="accent2"/>
+            </a:effectRef>
+            <a:fontRef idx="minor">
+              <a:schemeClr val="lt1"/>
+            </a:fontRef>
+          </p:style>
+          <p:txBody>
+            <a:bodyPr rtlCol="0" anchor="ctr"/>
+            <a:lstStyle/>
+            <a:p>
+              <a:pPr algn="ctr"/>
+              <a:r>
+                <a:rPr lang="en-US" sz="1000" dirty="0"/>
+                <a:t>+</a:t>
+              </a:r>
+            </a:p>
+          </p:txBody>
+        </p:sp>
+        <p:sp>
+          <p:nvSpPr>
+            <p:cNvPr id="28" name="Oval 27">
+              <a:extLst>
+                <a:ext uri="{FF2B5EF4-FFF2-40B4-BE49-F238E27FC236}">
+                  <a16:creationId xmlns:a16="http://schemas.microsoft.com/office/drawing/2014/main" id="{312DDBC8-CEB7-BBB4-03A8-703F12A70849}"/>
+                </a:ext>
+              </a:extLst>
+            </p:cNvPr>
+            <p:cNvSpPr/>
+            <p:nvPr/>
+          </p:nvSpPr>
+          <p:spPr>
+            <a:xfrm>
+              <a:off x="4040091" y="1957065"/>
+              <a:ext cx="107468" cy="107468"/>
+            </a:xfrm>
+            <a:prstGeom prst="ellipse">
+              <a:avLst/>
+            </a:prstGeom>
+          </p:spPr>
+          <p:style>
+            <a:lnRef idx="2">
+              <a:schemeClr val="accent2">
+                <a:shade val="15000"/>
+              </a:schemeClr>
+            </a:lnRef>
+            <a:fillRef idx="1">
+              <a:schemeClr val="accent2"/>
+            </a:fillRef>
+            <a:effectRef idx="0">
+              <a:schemeClr val="accent2"/>
+            </a:effectRef>
+            <a:fontRef idx="minor">
+              <a:schemeClr val="lt1"/>
+            </a:fontRef>
+          </p:style>
+          <p:txBody>
+            <a:bodyPr rtlCol="0" anchor="ctr"/>
+            <a:lstStyle/>
+            <a:p>
+              <a:pPr algn="ctr"/>
+              <a:r>
+                <a:rPr lang="en-US" sz="1000" dirty="0"/>
+                <a:t>+</a:t>
+              </a:r>
+            </a:p>
+          </p:txBody>
+        </p:sp>
+        <p:sp>
+          <p:nvSpPr>
+            <p:cNvPr id="29" name="Oval 28">
+              <a:extLst>
+                <a:ext uri="{FF2B5EF4-FFF2-40B4-BE49-F238E27FC236}">
+                  <a16:creationId xmlns:a16="http://schemas.microsoft.com/office/drawing/2014/main" id="{0F94C009-6C8D-F6BA-51D1-3C12BD248772}"/>
+                </a:ext>
+              </a:extLst>
+            </p:cNvPr>
+            <p:cNvSpPr/>
+            <p:nvPr/>
+          </p:nvSpPr>
+          <p:spPr>
+            <a:xfrm>
+              <a:off x="4241021" y="4224002"/>
+              <a:ext cx="107468" cy="107468"/>
+            </a:xfrm>
+            <a:prstGeom prst="ellipse">
+              <a:avLst/>
+            </a:prstGeom>
+          </p:spPr>
+          <p:style>
+            <a:lnRef idx="2">
+              <a:schemeClr val="accent2">
+                <a:shade val="15000"/>
+              </a:schemeClr>
+            </a:lnRef>
+            <a:fillRef idx="1">
+              <a:schemeClr val="accent2"/>
+            </a:fillRef>
+            <a:effectRef idx="0">
+              <a:schemeClr val="accent2"/>
+            </a:effectRef>
+            <a:fontRef idx="minor">
+              <a:schemeClr val="lt1"/>
+            </a:fontRef>
+          </p:style>
+          <p:txBody>
+            <a:bodyPr rtlCol="0" anchor="ctr"/>
+            <a:lstStyle/>
+            <a:p>
+              <a:pPr algn="ctr"/>
+              <a:r>
+                <a:rPr lang="en-US" sz="1000" dirty="0"/>
+                <a:t>+</a:t>
+              </a:r>
+            </a:p>
+          </p:txBody>
+        </p:sp>
+        <p:sp>
+          <p:nvSpPr>
+            <p:cNvPr id="30" name="Oval 29">
+              <a:extLst>
+                <a:ext uri="{FF2B5EF4-FFF2-40B4-BE49-F238E27FC236}">
+                  <a16:creationId xmlns:a16="http://schemas.microsoft.com/office/drawing/2014/main" id="{4F8A12CA-9E35-2B46-B4FA-2FAA5FC2F9C9}"/>
+                </a:ext>
+              </a:extLst>
+            </p:cNvPr>
+            <p:cNvSpPr/>
+            <p:nvPr/>
+          </p:nvSpPr>
+          <p:spPr>
+            <a:xfrm>
+              <a:off x="1500481" y="2342244"/>
+              <a:ext cx="107468" cy="107468"/>
+            </a:xfrm>
+            <a:prstGeom prst="ellipse">
+              <a:avLst/>
+            </a:prstGeom>
+          </p:spPr>
+          <p:style>
+            <a:lnRef idx="2">
+              <a:schemeClr val="accent2">
+                <a:shade val="15000"/>
+              </a:schemeClr>
+            </a:lnRef>
+            <a:fillRef idx="1">
+              <a:schemeClr val="accent2"/>
+            </a:fillRef>
+            <a:effectRef idx="0">
+              <a:schemeClr val="accent2"/>
+            </a:effectRef>
+            <a:fontRef idx="minor">
+              <a:schemeClr val="lt1"/>
+            </a:fontRef>
+          </p:style>
+          <p:txBody>
+            <a:bodyPr rtlCol="0" anchor="ctr"/>
+            <a:lstStyle/>
+            <a:p>
+              <a:pPr algn="ctr"/>
+              <a:endParaRPr lang="en-US"/>
+            </a:p>
+          </p:txBody>
+        </p:sp>
+        <p:sp>
+          <p:nvSpPr>
+            <p:cNvPr id="31" name="Oval 30">
+              <a:extLst>
+                <a:ext uri="{FF2B5EF4-FFF2-40B4-BE49-F238E27FC236}">
+                  <a16:creationId xmlns:a16="http://schemas.microsoft.com/office/drawing/2014/main" id="{5CE2F143-BA0E-8B49-274D-3133DFA43E35}"/>
+                </a:ext>
+              </a:extLst>
+            </p:cNvPr>
+            <p:cNvSpPr/>
+            <p:nvPr/>
+          </p:nvSpPr>
+          <p:spPr>
+            <a:xfrm>
+              <a:off x="3624861" y="4324714"/>
+              <a:ext cx="107468" cy="107468"/>
+            </a:xfrm>
+            <a:prstGeom prst="ellipse">
+              <a:avLst/>
+            </a:prstGeom>
+          </p:spPr>
+          <p:style>
+            <a:lnRef idx="2">
+              <a:schemeClr val="accent2">
+                <a:shade val="15000"/>
+              </a:schemeClr>
+            </a:lnRef>
+            <a:fillRef idx="1">
+              <a:schemeClr val="accent2"/>
+            </a:fillRef>
+            <a:effectRef idx="0">
+              <a:schemeClr val="accent2"/>
+            </a:effectRef>
+            <a:fontRef idx="minor">
+              <a:schemeClr val="lt1"/>
+            </a:fontRef>
+          </p:style>
+          <p:txBody>
+            <a:bodyPr rtlCol="0" anchor="ctr"/>
+            <a:lstStyle/>
+            <a:p>
+              <a:pPr algn="ctr"/>
+              <a:endParaRPr lang="en-US"/>
+            </a:p>
+          </p:txBody>
+        </p:sp>
+        <p:sp>
+          <p:nvSpPr>
+            <p:cNvPr id="32" name="Oval 31">
+              <a:extLst>
+                <a:ext uri="{FF2B5EF4-FFF2-40B4-BE49-F238E27FC236}">
+                  <a16:creationId xmlns:a16="http://schemas.microsoft.com/office/drawing/2014/main" id="{B965F0CA-94EC-1B16-674C-9BE1343FA7DF}"/>
+                </a:ext>
+              </a:extLst>
+            </p:cNvPr>
+            <p:cNvSpPr/>
+            <p:nvPr/>
+          </p:nvSpPr>
+          <p:spPr>
+            <a:xfrm>
+              <a:off x="1575457" y="3203715"/>
+              <a:ext cx="107468" cy="107468"/>
+            </a:xfrm>
+            <a:prstGeom prst="ellipse">
+              <a:avLst/>
+            </a:prstGeom>
+          </p:spPr>
+          <p:style>
+            <a:lnRef idx="2">
+              <a:schemeClr val="accent2">
+                <a:shade val="15000"/>
+              </a:schemeClr>
+            </a:lnRef>
+            <a:fillRef idx="1">
+              <a:schemeClr val="accent2"/>
+            </a:fillRef>
+            <a:effectRef idx="0">
+              <a:schemeClr val="accent2"/>
+            </a:effectRef>
+            <a:fontRef idx="minor">
+              <a:schemeClr val="lt1"/>
+            </a:fontRef>
+          </p:style>
+          <p:txBody>
+            <a:bodyPr rtlCol="0" anchor="ctr"/>
+            <a:lstStyle/>
+            <a:p>
+              <a:pPr algn="ctr"/>
+              <a:endParaRPr lang="en-US"/>
+            </a:p>
+          </p:txBody>
+        </p:sp>
+        <p:sp>
+          <p:nvSpPr>
+            <p:cNvPr id="33" name="Oval 32">
+              <a:extLst>
+                <a:ext uri="{FF2B5EF4-FFF2-40B4-BE49-F238E27FC236}">
+                  <a16:creationId xmlns:a16="http://schemas.microsoft.com/office/drawing/2014/main" id="{C5CB7780-1F4F-B074-CA33-E006D4BBEEC1}"/>
+                </a:ext>
+              </a:extLst>
+            </p:cNvPr>
+            <p:cNvSpPr/>
+            <p:nvPr/>
+          </p:nvSpPr>
+          <p:spPr>
+            <a:xfrm>
+              <a:off x="1951819" y="3907471"/>
+              <a:ext cx="107468" cy="107468"/>
+            </a:xfrm>
+            <a:prstGeom prst="ellipse">
+              <a:avLst/>
+            </a:prstGeom>
+          </p:spPr>
+          <p:style>
+            <a:lnRef idx="2">
+              <a:schemeClr val="accent2">
+                <a:shade val="15000"/>
+              </a:schemeClr>
+            </a:lnRef>
+            <a:fillRef idx="1">
+              <a:schemeClr val="accent2"/>
+            </a:fillRef>
+            <a:effectRef idx="0">
+              <a:schemeClr val="accent2"/>
+            </a:effectRef>
+            <a:fontRef idx="minor">
+              <a:schemeClr val="lt1"/>
+            </a:fontRef>
+          </p:style>
+          <p:txBody>
+            <a:bodyPr rtlCol="0" anchor="ctr"/>
+            <a:lstStyle/>
+            <a:p>
+              <a:pPr algn="ctr"/>
+              <a:endParaRPr lang="en-US"/>
+            </a:p>
+          </p:txBody>
+        </p:sp>
+        <p:sp>
+          <p:nvSpPr>
+            <p:cNvPr id="34" name="Oval 33">
+              <a:extLst>
+                <a:ext uri="{FF2B5EF4-FFF2-40B4-BE49-F238E27FC236}">
+                  <a16:creationId xmlns:a16="http://schemas.microsoft.com/office/drawing/2014/main" id="{61DB7668-66CC-A459-0A73-4348AC586264}"/>
+                </a:ext>
+              </a:extLst>
+            </p:cNvPr>
+            <p:cNvSpPr/>
+            <p:nvPr/>
+          </p:nvSpPr>
+          <p:spPr>
+            <a:xfrm>
+              <a:off x="3377817" y="4906782"/>
+              <a:ext cx="107468" cy="107468"/>
+            </a:xfrm>
+            <a:prstGeom prst="ellipse">
+              <a:avLst/>
+            </a:prstGeom>
+          </p:spPr>
+          <p:style>
+            <a:lnRef idx="2">
+              <a:schemeClr val="accent2">
+                <a:shade val="15000"/>
+              </a:schemeClr>
+            </a:lnRef>
+            <a:fillRef idx="1">
+              <a:schemeClr val="accent2"/>
+            </a:fillRef>
+            <a:effectRef idx="0">
+              <a:schemeClr val="accent2"/>
+            </a:effectRef>
+            <a:fontRef idx="minor">
+              <a:schemeClr val="lt1"/>
+            </a:fontRef>
+          </p:style>
+          <p:txBody>
+            <a:bodyPr rtlCol="0" anchor="ctr"/>
+            <a:lstStyle/>
+            <a:p>
+              <a:pPr algn="ctr"/>
+              <a:endParaRPr lang="en-US"/>
+            </a:p>
+          </p:txBody>
+        </p:sp>
+        <p:sp>
+          <p:nvSpPr>
+            <p:cNvPr id="35" name="Oval 34">
+              <a:extLst>
+                <a:ext uri="{FF2B5EF4-FFF2-40B4-BE49-F238E27FC236}">
+                  <a16:creationId xmlns:a16="http://schemas.microsoft.com/office/drawing/2014/main" id="{11322510-6983-60F8-9357-AAA53EDFD3E8}"/>
+                </a:ext>
+              </a:extLst>
+            </p:cNvPr>
+            <p:cNvSpPr/>
+            <p:nvPr/>
+          </p:nvSpPr>
+          <p:spPr>
+            <a:xfrm>
+              <a:off x="1727903" y="4666092"/>
+              <a:ext cx="107468" cy="107468"/>
+            </a:xfrm>
+            <a:prstGeom prst="ellipse">
+              <a:avLst/>
+            </a:prstGeom>
+          </p:spPr>
+          <p:style>
+            <a:lnRef idx="2">
+              <a:schemeClr val="accent2">
+                <a:shade val="15000"/>
+              </a:schemeClr>
+            </a:lnRef>
+            <a:fillRef idx="1">
+              <a:schemeClr val="accent2"/>
+            </a:fillRef>
+            <a:effectRef idx="0">
+              <a:schemeClr val="accent2"/>
+            </a:effectRef>
+            <a:fontRef idx="minor">
+              <a:schemeClr val="lt1"/>
+            </a:fontRef>
+          </p:style>
+          <p:txBody>
+            <a:bodyPr rtlCol="0" anchor="ctr"/>
+            <a:lstStyle/>
+            <a:p>
+              <a:pPr algn="ctr"/>
+              <a:endParaRPr lang="en-US"/>
+            </a:p>
+          </p:txBody>
+        </p:sp>
+        <p:sp>
+          <p:nvSpPr>
+            <p:cNvPr id="36" name="Oval 35">
+              <a:extLst>
+                <a:ext uri="{FF2B5EF4-FFF2-40B4-BE49-F238E27FC236}">
+                  <a16:creationId xmlns:a16="http://schemas.microsoft.com/office/drawing/2014/main" id="{4765BD51-9FB0-E8DB-323A-B3AB1F227BDE}"/>
+                </a:ext>
+              </a:extLst>
+            </p:cNvPr>
+            <p:cNvSpPr/>
+            <p:nvPr/>
+          </p:nvSpPr>
+          <p:spPr>
+            <a:xfrm>
+              <a:off x="2641328" y="3887313"/>
+              <a:ext cx="107468" cy="107468"/>
+            </a:xfrm>
+            <a:prstGeom prst="ellipse">
+              <a:avLst/>
+            </a:prstGeom>
+          </p:spPr>
+          <p:style>
+            <a:lnRef idx="2">
+              <a:schemeClr val="accent2">
+                <a:shade val="15000"/>
+              </a:schemeClr>
+            </a:lnRef>
+            <a:fillRef idx="1">
+              <a:schemeClr val="accent2"/>
+            </a:fillRef>
+            <a:effectRef idx="0">
+              <a:schemeClr val="accent2"/>
+            </a:effectRef>
+            <a:fontRef idx="minor">
+              <a:schemeClr val="lt1"/>
+            </a:fontRef>
+          </p:style>
+          <p:txBody>
+            <a:bodyPr rtlCol="0" anchor="ctr"/>
+            <a:lstStyle/>
+            <a:p>
+              <a:pPr algn="ctr"/>
+              <a:endParaRPr lang="en-US" dirty="0"/>
+            </a:p>
+          </p:txBody>
+        </p:sp>
+        <p:sp>
+          <p:nvSpPr>
+            <p:cNvPr id="37" name="Oval 36">
+              <a:extLst>
+                <a:ext uri="{FF2B5EF4-FFF2-40B4-BE49-F238E27FC236}">
+                  <a16:creationId xmlns:a16="http://schemas.microsoft.com/office/drawing/2014/main" id="{4AACFDA5-1B6A-E4DD-1856-D9C2E1EDA52F}"/>
+                </a:ext>
+              </a:extLst>
+            </p:cNvPr>
+            <p:cNvSpPr/>
+            <p:nvPr/>
+          </p:nvSpPr>
+          <p:spPr>
+            <a:xfrm>
+              <a:off x="2515374" y="2562614"/>
+              <a:ext cx="107468" cy="107468"/>
+            </a:xfrm>
+            <a:prstGeom prst="ellipse">
+              <a:avLst/>
+            </a:prstGeom>
+          </p:spPr>
+          <p:style>
+            <a:lnRef idx="2">
+              <a:schemeClr val="accent2">
+                <a:shade val="15000"/>
+              </a:schemeClr>
+            </a:lnRef>
+            <a:fillRef idx="1">
+              <a:schemeClr val="accent2"/>
+            </a:fillRef>
+            <a:effectRef idx="0">
+              <a:schemeClr val="accent2"/>
+            </a:effectRef>
+            <a:fontRef idx="minor">
+              <a:schemeClr val="lt1"/>
+            </a:fontRef>
+          </p:style>
+          <p:txBody>
+            <a:bodyPr rtlCol="0" anchor="ctr"/>
+            <a:lstStyle/>
+            <a:p>
+              <a:pPr algn="ctr"/>
+              <a:r>
+                <a:rPr lang="en-US" sz="1000" dirty="0"/>
+                <a:t>+</a:t>
+              </a:r>
+            </a:p>
+          </p:txBody>
+        </p:sp>
+        <p:sp>
+          <p:nvSpPr>
+            <p:cNvPr id="38" name="Oval 37">
+              <a:extLst>
+                <a:ext uri="{FF2B5EF4-FFF2-40B4-BE49-F238E27FC236}">
+                  <a16:creationId xmlns:a16="http://schemas.microsoft.com/office/drawing/2014/main" id="{21DDED98-3005-C57B-78D8-C5BEC95F2BD7}"/>
+                </a:ext>
+              </a:extLst>
+            </p:cNvPr>
+            <p:cNvSpPr/>
+            <p:nvPr/>
+          </p:nvSpPr>
+          <p:spPr>
+            <a:xfrm>
+              <a:off x="2999138" y="1957064"/>
+              <a:ext cx="107468" cy="107468"/>
+            </a:xfrm>
+            <a:prstGeom prst="ellipse">
+              <a:avLst/>
+            </a:prstGeom>
+          </p:spPr>
+          <p:style>
+            <a:lnRef idx="2">
+              <a:schemeClr val="accent2">
+                <a:shade val="15000"/>
+              </a:schemeClr>
+            </a:lnRef>
+            <a:fillRef idx="1">
+              <a:schemeClr val="accent2"/>
+            </a:fillRef>
+            <a:effectRef idx="0">
+              <a:schemeClr val="accent2"/>
+            </a:effectRef>
+            <a:fontRef idx="minor">
+              <a:schemeClr val="lt1"/>
+            </a:fontRef>
+          </p:style>
+          <p:txBody>
+            <a:bodyPr rtlCol="0" anchor="ctr"/>
+            <a:lstStyle/>
+            <a:p>
+              <a:pPr algn="ctr"/>
+              <a:endParaRPr lang="en-US"/>
+            </a:p>
+          </p:txBody>
+        </p:sp>
+        <p:sp>
+          <p:nvSpPr>
+            <p:cNvPr id="39" name="Oval 38">
+              <a:extLst>
+                <a:ext uri="{FF2B5EF4-FFF2-40B4-BE49-F238E27FC236}">
+                  <a16:creationId xmlns:a16="http://schemas.microsoft.com/office/drawing/2014/main" id="{FE2550B2-E7B0-F2ED-AB8A-E8AA254B5CB3}"/>
+                </a:ext>
+              </a:extLst>
+            </p:cNvPr>
+            <p:cNvSpPr/>
+            <p:nvPr/>
+          </p:nvSpPr>
+          <p:spPr>
+            <a:xfrm>
+              <a:off x="3154518" y="2354735"/>
+              <a:ext cx="107468" cy="107468"/>
+            </a:xfrm>
+            <a:prstGeom prst="ellipse">
+              <a:avLst/>
+            </a:prstGeom>
+          </p:spPr>
+          <p:style>
+            <a:lnRef idx="2">
+              <a:schemeClr val="accent2">
+                <a:shade val="15000"/>
+              </a:schemeClr>
+            </a:lnRef>
+            <a:fillRef idx="1">
+              <a:schemeClr val="accent2"/>
+            </a:fillRef>
+            <a:effectRef idx="0">
+              <a:schemeClr val="accent2"/>
+            </a:effectRef>
+            <a:fontRef idx="minor">
+              <a:schemeClr val="lt1"/>
+            </a:fontRef>
+          </p:style>
+          <p:txBody>
+            <a:bodyPr rtlCol="0" anchor="ctr"/>
+            <a:lstStyle/>
+            <a:p>
+              <a:pPr algn="ctr"/>
+              <a:endParaRPr lang="en-US"/>
+            </a:p>
+          </p:txBody>
+        </p:sp>
+        <p:sp>
+          <p:nvSpPr>
+            <p:cNvPr id="40" name="Oval 39">
+              <a:extLst>
+                <a:ext uri="{FF2B5EF4-FFF2-40B4-BE49-F238E27FC236}">
+                  <a16:creationId xmlns:a16="http://schemas.microsoft.com/office/drawing/2014/main" id="{0F826D30-FE5F-3EEC-574A-CE9A667D24D9}"/>
+                </a:ext>
+              </a:extLst>
+            </p:cNvPr>
+            <p:cNvSpPr/>
+            <p:nvPr/>
+          </p:nvSpPr>
+          <p:spPr>
+            <a:xfrm>
+              <a:off x="3066438" y="3330925"/>
+              <a:ext cx="107468" cy="107468"/>
+            </a:xfrm>
+            <a:prstGeom prst="ellipse">
+              <a:avLst/>
+            </a:prstGeom>
+          </p:spPr>
+          <p:style>
+            <a:lnRef idx="2">
+              <a:schemeClr val="accent2">
+                <a:shade val="15000"/>
+              </a:schemeClr>
+            </a:lnRef>
+            <a:fillRef idx="1">
+              <a:schemeClr val="accent2"/>
+            </a:fillRef>
+            <a:effectRef idx="0">
+              <a:schemeClr val="accent2"/>
+            </a:effectRef>
+            <a:fontRef idx="minor">
+              <a:schemeClr val="lt1"/>
+            </a:fontRef>
+          </p:style>
+          <p:txBody>
+            <a:bodyPr rtlCol="0" anchor="ctr"/>
+            <a:lstStyle/>
+            <a:p>
+              <a:pPr algn="ctr"/>
+              <a:endParaRPr lang="en-US"/>
+            </a:p>
+          </p:txBody>
+        </p:sp>
+        <p:sp>
+          <p:nvSpPr>
+            <p:cNvPr id="41" name="Oval 40">
+              <a:extLst>
+                <a:ext uri="{FF2B5EF4-FFF2-40B4-BE49-F238E27FC236}">
+                  <a16:creationId xmlns:a16="http://schemas.microsoft.com/office/drawing/2014/main" id="{EB5731B2-3B8B-B5B9-588D-0BD19794D96A}"/>
+                </a:ext>
+              </a:extLst>
+            </p:cNvPr>
+            <p:cNvSpPr/>
+            <p:nvPr/>
+          </p:nvSpPr>
+          <p:spPr>
+            <a:xfrm>
+              <a:off x="3112401" y="3948368"/>
+              <a:ext cx="107468" cy="107468"/>
+            </a:xfrm>
+            <a:prstGeom prst="ellipse">
+              <a:avLst/>
+            </a:prstGeom>
+          </p:spPr>
+          <p:style>
+            <a:lnRef idx="2">
+              <a:schemeClr val="accent2">
+                <a:shade val="15000"/>
+              </a:schemeClr>
+            </a:lnRef>
+            <a:fillRef idx="1">
+              <a:schemeClr val="accent2"/>
+            </a:fillRef>
+            <a:effectRef idx="0">
+              <a:schemeClr val="accent2"/>
+            </a:effectRef>
+            <a:fontRef idx="minor">
+              <a:schemeClr val="lt1"/>
+            </a:fontRef>
+          </p:style>
+          <p:txBody>
+            <a:bodyPr rtlCol="0" anchor="ctr"/>
+            <a:lstStyle/>
+            <a:p>
+              <a:pPr algn="ctr"/>
+              <a:r>
+                <a:rPr lang="en-US" sz="1000" dirty="0"/>
+                <a:t>+</a:t>
+              </a:r>
+            </a:p>
+          </p:txBody>
+        </p:sp>
+        <p:sp>
+          <p:nvSpPr>
+            <p:cNvPr id="42" name="Oval 41">
+              <a:extLst>
+                <a:ext uri="{FF2B5EF4-FFF2-40B4-BE49-F238E27FC236}">
+                  <a16:creationId xmlns:a16="http://schemas.microsoft.com/office/drawing/2014/main" id="{0205DB97-5F8E-5906-165D-D39C85CEDA26}"/>
+                </a:ext>
+              </a:extLst>
+            </p:cNvPr>
+            <p:cNvSpPr/>
+            <p:nvPr/>
+          </p:nvSpPr>
+          <p:spPr>
+            <a:xfrm>
+              <a:off x="2542360" y="4432183"/>
+              <a:ext cx="107468" cy="107468"/>
+            </a:xfrm>
+            <a:prstGeom prst="ellipse">
+              <a:avLst/>
+            </a:prstGeom>
+          </p:spPr>
+          <p:style>
+            <a:lnRef idx="2">
+              <a:schemeClr val="accent2">
+                <a:shade val="15000"/>
+              </a:schemeClr>
+            </a:lnRef>
+            <a:fillRef idx="1">
+              <a:schemeClr val="accent2"/>
+            </a:fillRef>
+            <a:effectRef idx="0">
+              <a:schemeClr val="accent2"/>
+            </a:effectRef>
+            <a:fontRef idx="minor">
+              <a:schemeClr val="lt1"/>
+            </a:fontRef>
+          </p:style>
+          <p:txBody>
+            <a:bodyPr rtlCol="0" anchor="ctr"/>
+            <a:lstStyle/>
+            <a:p>
+              <a:pPr algn="ctr"/>
+              <a:r>
+                <a:rPr lang="en-US" sz="1000" dirty="0"/>
+                <a:t>+</a:t>
+              </a:r>
+            </a:p>
+          </p:txBody>
+        </p:sp>
+        <p:sp>
+          <p:nvSpPr>
+            <p:cNvPr id="43" name="Oval 42">
+              <a:extLst>
+                <a:ext uri="{FF2B5EF4-FFF2-40B4-BE49-F238E27FC236}">
+                  <a16:creationId xmlns:a16="http://schemas.microsoft.com/office/drawing/2014/main" id="{7A4326CF-F969-4D23-58B4-2A901D530847}"/>
+                </a:ext>
+              </a:extLst>
+            </p:cNvPr>
+            <p:cNvSpPr/>
+            <p:nvPr/>
+          </p:nvSpPr>
+          <p:spPr>
+            <a:xfrm>
+              <a:off x="2166113" y="3289467"/>
+              <a:ext cx="107468" cy="107468"/>
+            </a:xfrm>
+            <a:prstGeom prst="ellipse">
+              <a:avLst/>
+            </a:prstGeom>
+          </p:spPr>
+          <p:style>
+            <a:lnRef idx="2">
+              <a:schemeClr val="accent2">
+                <a:shade val="15000"/>
+              </a:schemeClr>
+            </a:lnRef>
+            <a:fillRef idx="1">
+              <a:schemeClr val="accent2"/>
+            </a:fillRef>
+            <a:effectRef idx="0">
+              <a:schemeClr val="accent2"/>
+            </a:effectRef>
+            <a:fontRef idx="minor">
+              <a:schemeClr val="lt1"/>
+            </a:fontRef>
+          </p:style>
+          <p:txBody>
+            <a:bodyPr rtlCol="0" anchor="ctr"/>
+            <a:lstStyle/>
+            <a:p>
+              <a:pPr algn="ctr"/>
+              <a:endParaRPr lang="en-US"/>
+            </a:p>
+          </p:txBody>
+        </p:sp>
+        <p:sp>
+          <p:nvSpPr>
+            <p:cNvPr id="44" name="Oval 43">
+              <a:extLst>
+                <a:ext uri="{FF2B5EF4-FFF2-40B4-BE49-F238E27FC236}">
+                  <a16:creationId xmlns:a16="http://schemas.microsoft.com/office/drawing/2014/main" id="{95C1EE73-4697-BC15-D06E-F8BB70D092D1}"/>
+                </a:ext>
+              </a:extLst>
+            </p:cNvPr>
+            <p:cNvSpPr/>
+            <p:nvPr/>
+          </p:nvSpPr>
+          <p:spPr>
+            <a:xfrm>
+              <a:off x="4058333" y="3096247"/>
+              <a:ext cx="107468" cy="107468"/>
+            </a:xfrm>
+            <a:prstGeom prst="ellipse">
+              <a:avLst/>
+            </a:prstGeom>
+          </p:spPr>
+          <p:style>
+            <a:lnRef idx="2">
+              <a:schemeClr val="accent2">
+                <a:shade val="15000"/>
+              </a:schemeClr>
+            </a:lnRef>
+            <a:fillRef idx="1">
+              <a:schemeClr val="accent2"/>
+            </a:fillRef>
+            <a:effectRef idx="0">
+              <a:schemeClr val="accent2"/>
+            </a:effectRef>
+            <a:fontRef idx="minor">
+              <a:schemeClr val="lt1"/>
+            </a:fontRef>
+          </p:style>
+          <p:txBody>
+            <a:bodyPr rtlCol="0" anchor="ctr"/>
+            <a:lstStyle/>
+            <a:p>
+              <a:pPr algn="ctr"/>
+              <a:r>
+                <a:rPr lang="en-US" sz="1000" dirty="0"/>
+                <a:t>+</a:t>
+              </a:r>
+            </a:p>
+          </p:txBody>
+        </p:sp>
+        <p:sp>
+          <p:nvSpPr>
+            <p:cNvPr id="45" name="Oval 44">
+              <a:extLst>
+                <a:ext uri="{FF2B5EF4-FFF2-40B4-BE49-F238E27FC236}">
+                  <a16:creationId xmlns:a16="http://schemas.microsoft.com/office/drawing/2014/main" id="{8F69153F-DF67-5904-F7C9-40EBBDA4843C}"/>
+                </a:ext>
+              </a:extLst>
+            </p:cNvPr>
+            <p:cNvSpPr/>
+            <p:nvPr/>
+          </p:nvSpPr>
+          <p:spPr>
+            <a:xfrm>
+              <a:off x="4583148" y="2354735"/>
+              <a:ext cx="107468" cy="107468"/>
+            </a:xfrm>
+            <a:prstGeom prst="ellipse">
+              <a:avLst/>
+            </a:prstGeom>
+          </p:spPr>
+          <p:style>
+            <a:lnRef idx="2">
+              <a:schemeClr val="accent2">
+                <a:shade val="15000"/>
+              </a:schemeClr>
+            </a:lnRef>
+            <a:fillRef idx="1">
+              <a:schemeClr val="accent2"/>
+            </a:fillRef>
+            <a:effectRef idx="0">
+              <a:schemeClr val="accent2"/>
+            </a:effectRef>
+            <a:fontRef idx="minor">
+              <a:schemeClr val="lt1"/>
+            </a:fontRef>
+          </p:style>
+          <p:txBody>
+            <a:bodyPr rtlCol="0" anchor="ctr"/>
+            <a:lstStyle/>
+            <a:p>
+              <a:pPr algn="ctr"/>
+              <a:r>
+                <a:rPr lang="en-US" sz="1000" dirty="0"/>
+                <a:t>+</a:t>
+              </a:r>
+            </a:p>
+          </p:txBody>
+        </p:sp>
+        <p:sp>
+          <p:nvSpPr>
+            <p:cNvPr id="46" name="Oval 45">
+              <a:extLst>
+                <a:ext uri="{FF2B5EF4-FFF2-40B4-BE49-F238E27FC236}">
+                  <a16:creationId xmlns:a16="http://schemas.microsoft.com/office/drawing/2014/main" id="{33A77CFA-D3DF-7047-28DA-B53AF14A7F5B}"/>
+                </a:ext>
+              </a:extLst>
+            </p:cNvPr>
+            <p:cNvSpPr/>
+            <p:nvPr/>
+          </p:nvSpPr>
+          <p:spPr>
+            <a:xfrm>
+              <a:off x="2388407" y="2146610"/>
+              <a:ext cx="107468" cy="107468"/>
+            </a:xfrm>
+            <a:prstGeom prst="ellipse">
+              <a:avLst/>
+            </a:prstGeom>
+          </p:spPr>
+          <p:style>
+            <a:lnRef idx="2">
+              <a:schemeClr val="accent2">
+                <a:shade val="15000"/>
+              </a:schemeClr>
+            </a:lnRef>
+            <a:fillRef idx="1">
+              <a:schemeClr val="accent2"/>
+            </a:fillRef>
+            <a:effectRef idx="0">
+              <a:schemeClr val="accent2"/>
+            </a:effectRef>
+            <a:fontRef idx="minor">
+              <a:schemeClr val="lt1"/>
+            </a:fontRef>
+          </p:style>
+          <p:txBody>
+            <a:bodyPr rtlCol="0" anchor="ctr"/>
+            <a:lstStyle/>
+            <a:p>
+              <a:pPr algn="ctr"/>
+              <a:endParaRPr lang="en-US"/>
+            </a:p>
+          </p:txBody>
+        </p:sp>
+        <p:sp>
+          <p:nvSpPr>
+            <p:cNvPr id="47" name="Oval 46">
+              <a:extLst>
+                <a:ext uri="{FF2B5EF4-FFF2-40B4-BE49-F238E27FC236}">
+                  <a16:creationId xmlns:a16="http://schemas.microsoft.com/office/drawing/2014/main" id="{05B5C851-4018-E92C-CEFA-6541E06EBC3D}"/>
+                </a:ext>
+              </a:extLst>
+            </p:cNvPr>
+            <p:cNvSpPr/>
+            <p:nvPr/>
+          </p:nvSpPr>
+          <p:spPr>
+            <a:xfrm>
+              <a:off x="3473291" y="1957065"/>
+              <a:ext cx="107468" cy="107468"/>
+            </a:xfrm>
+            <a:prstGeom prst="ellipse">
+              <a:avLst/>
+            </a:prstGeom>
+          </p:spPr>
+          <p:style>
+            <a:lnRef idx="2">
+              <a:schemeClr val="accent2">
+                <a:shade val="15000"/>
+              </a:schemeClr>
+            </a:lnRef>
+            <a:fillRef idx="1">
+              <a:schemeClr val="accent2"/>
+            </a:fillRef>
+            <a:effectRef idx="0">
+              <a:schemeClr val="accent2"/>
+            </a:effectRef>
+            <a:fontRef idx="minor">
+              <a:schemeClr val="lt1"/>
+            </a:fontRef>
+          </p:style>
+          <p:txBody>
+            <a:bodyPr rtlCol="0" anchor="ctr"/>
+            <a:lstStyle/>
+            <a:p>
+              <a:pPr algn="ctr"/>
+              <a:r>
+                <a:rPr lang="en-US" sz="1000" dirty="0"/>
+                <a:t>+</a:t>
+              </a:r>
+            </a:p>
+          </p:txBody>
+        </p:sp>
+        <p:sp>
+          <p:nvSpPr>
+            <p:cNvPr id="48" name="Oval 47">
+              <a:extLst>
+                <a:ext uri="{FF2B5EF4-FFF2-40B4-BE49-F238E27FC236}">
+                  <a16:creationId xmlns:a16="http://schemas.microsoft.com/office/drawing/2014/main" id="{825C84C0-246B-A0E9-1D26-E807D93CCFAA}"/>
+                </a:ext>
+              </a:extLst>
+            </p:cNvPr>
+            <p:cNvSpPr/>
+            <p:nvPr/>
+          </p:nvSpPr>
+          <p:spPr>
+            <a:xfrm>
+              <a:off x="2934335" y="4461446"/>
+              <a:ext cx="107468" cy="107468"/>
+            </a:xfrm>
+            <a:prstGeom prst="ellipse">
+              <a:avLst/>
+            </a:prstGeom>
+          </p:spPr>
+          <p:style>
+            <a:lnRef idx="2">
+              <a:schemeClr val="accent2">
+                <a:shade val="15000"/>
+              </a:schemeClr>
+            </a:lnRef>
+            <a:fillRef idx="1">
+              <a:schemeClr val="accent2"/>
+            </a:fillRef>
+            <a:effectRef idx="0">
+              <a:schemeClr val="accent2"/>
+            </a:effectRef>
+            <a:fontRef idx="minor">
+              <a:schemeClr val="lt1"/>
+            </a:fontRef>
+          </p:style>
+          <p:txBody>
+            <a:bodyPr rtlCol="0" anchor="ctr"/>
+            <a:lstStyle/>
+            <a:p>
+              <a:pPr algn="ctr"/>
+              <a:endParaRPr lang="en-US"/>
+            </a:p>
+          </p:txBody>
+        </p:sp>
+        <p:sp>
+          <p:nvSpPr>
+            <p:cNvPr id="49" name="Oval 48">
+              <a:extLst>
+                <a:ext uri="{FF2B5EF4-FFF2-40B4-BE49-F238E27FC236}">
+                  <a16:creationId xmlns:a16="http://schemas.microsoft.com/office/drawing/2014/main" id="{4A3480EA-5B9A-7725-18A1-FF71067B4CE6}"/>
+                </a:ext>
+              </a:extLst>
+            </p:cNvPr>
+            <p:cNvSpPr/>
+            <p:nvPr/>
+          </p:nvSpPr>
+          <p:spPr>
+            <a:xfrm>
+              <a:off x="2432657" y="4917355"/>
+              <a:ext cx="107468" cy="107468"/>
+            </a:xfrm>
+            <a:prstGeom prst="ellipse">
+              <a:avLst/>
+            </a:prstGeom>
+          </p:spPr>
+          <p:style>
+            <a:lnRef idx="2">
+              <a:schemeClr val="accent2">
+                <a:shade val="15000"/>
+              </a:schemeClr>
+            </a:lnRef>
+            <a:fillRef idx="1">
+              <a:schemeClr val="accent2"/>
+            </a:fillRef>
+            <a:effectRef idx="0">
+              <a:schemeClr val="accent2"/>
+            </a:effectRef>
+            <a:fontRef idx="minor">
+              <a:schemeClr val="lt1"/>
+            </a:fontRef>
+          </p:style>
+          <p:txBody>
+            <a:bodyPr rtlCol="0" anchor="ctr"/>
+            <a:lstStyle/>
+            <a:p>
+              <a:pPr algn="ctr"/>
+              <a:endParaRPr lang="en-US"/>
+            </a:p>
+          </p:txBody>
+        </p:sp>
+        <p:sp>
+          <p:nvSpPr>
+            <p:cNvPr id="50" name="Oval 49">
+              <a:extLst>
+                <a:ext uri="{FF2B5EF4-FFF2-40B4-BE49-F238E27FC236}">
+                  <a16:creationId xmlns:a16="http://schemas.microsoft.com/office/drawing/2014/main" id="{FFBC01CC-7B96-F3F5-75EE-DE15265C792F}"/>
+                </a:ext>
+              </a:extLst>
+            </p:cNvPr>
+            <p:cNvSpPr/>
+            <p:nvPr/>
+          </p:nvSpPr>
+          <p:spPr>
+            <a:xfrm>
+              <a:off x="2526480" y="3389933"/>
+              <a:ext cx="107468" cy="107468"/>
+            </a:xfrm>
+            <a:prstGeom prst="ellipse">
+              <a:avLst/>
+            </a:prstGeom>
+          </p:spPr>
+          <p:style>
+            <a:lnRef idx="2">
+              <a:schemeClr val="accent2">
+                <a:shade val="15000"/>
+              </a:schemeClr>
+            </a:lnRef>
+            <a:fillRef idx="1">
+              <a:schemeClr val="accent2"/>
+            </a:fillRef>
+            <a:effectRef idx="0">
+              <a:schemeClr val="accent2"/>
+            </a:effectRef>
+            <a:fontRef idx="minor">
+              <a:schemeClr val="lt1"/>
+            </a:fontRef>
+          </p:style>
+          <p:txBody>
+            <a:bodyPr rtlCol="0" anchor="ctr"/>
+            <a:lstStyle/>
+            <a:p>
+              <a:pPr algn="ctr"/>
+              <a:endParaRPr lang="en-US"/>
+            </a:p>
+          </p:txBody>
+        </p:sp>
+        <p:sp>
+          <p:nvSpPr>
+            <p:cNvPr id="51" name="Oval 50">
+              <a:extLst>
+                <a:ext uri="{FF2B5EF4-FFF2-40B4-BE49-F238E27FC236}">
+                  <a16:creationId xmlns:a16="http://schemas.microsoft.com/office/drawing/2014/main" id="{03005C79-7406-3C9E-E00E-396823EE2BFA}"/>
+                </a:ext>
+              </a:extLst>
+            </p:cNvPr>
+            <p:cNvSpPr/>
+            <p:nvPr/>
+          </p:nvSpPr>
+          <p:spPr>
+            <a:xfrm>
+              <a:off x="2839470" y="2662685"/>
+              <a:ext cx="107468" cy="107468"/>
+            </a:xfrm>
+            <a:prstGeom prst="ellipse">
+              <a:avLst/>
+            </a:prstGeom>
+          </p:spPr>
+          <p:style>
+            <a:lnRef idx="2">
+              <a:schemeClr val="accent2">
+                <a:shade val="15000"/>
+              </a:schemeClr>
+            </a:lnRef>
+            <a:fillRef idx="1">
+              <a:schemeClr val="accent2"/>
+            </a:fillRef>
+            <a:effectRef idx="0">
+              <a:schemeClr val="accent2"/>
+            </a:effectRef>
+            <a:fontRef idx="minor">
+              <a:schemeClr val="lt1"/>
+            </a:fontRef>
+          </p:style>
+          <p:txBody>
+            <a:bodyPr rtlCol="0" anchor="ctr"/>
+            <a:lstStyle/>
+            <a:p>
+              <a:pPr algn="ctr"/>
+              <a:endParaRPr lang="en-US"/>
+            </a:p>
+          </p:txBody>
+        </p:sp>
+        <p:sp>
+          <p:nvSpPr>
+            <p:cNvPr id="52" name="Oval 51">
+              <a:extLst>
+                <a:ext uri="{FF2B5EF4-FFF2-40B4-BE49-F238E27FC236}">
+                  <a16:creationId xmlns:a16="http://schemas.microsoft.com/office/drawing/2014/main" id="{7D5CC03C-E03C-B5AD-50DB-64258DC94A7B}"/>
+                </a:ext>
+              </a:extLst>
+            </p:cNvPr>
+            <p:cNvSpPr/>
+            <p:nvPr/>
+          </p:nvSpPr>
+          <p:spPr>
+            <a:xfrm>
+              <a:off x="2065286" y="2639995"/>
+              <a:ext cx="107468" cy="107468"/>
+            </a:xfrm>
+            <a:prstGeom prst="ellipse">
+              <a:avLst/>
+            </a:prstGeom>
+          </p:spPr>
+          <p:style>
+            <a:lnRef idx="2">
+              <a:schemeClr val="accent2">
+                <a:shade val="15000"/>
+              </a:schemeClr>
+            </a:lnRef>
+            <a:fillRef idx="1">
+              <a:schemeClr val="accent2"/>
+            </a:fillRef>
+            <a:effectRef idx="0">
+              <a:schemeClr val="accent2"/>
+            </a:effectRef>
+            <a:fontRef idx="minor">
+              <a:schemeClr val="lt1"/>
+            </a:fontRef>
+          </p:style>
+          <p:txBody>
+            <a:bodyPr rtlCol="0" anchor="ctr"/>
+            <a:lstStyle/>
+            <a:p>
+              <a:pPr algn="ctr"/>
+              <a:endParaRPr lang="en-US"/>
+            </a:p>
+          </p:txBody>
+        </p:sp>
+        <p:sp>
+          <p:nvSpPr>
+            <p:cNvPr id="58" name="TextBox 57">
+              <a:extLst>
+                <a:ext uri="{FF2B5EF4-FFF2-40B4-BE49-F238E27FC236}">
+                  <a16:creationId xmlns:a16="http://schemas.microsoft.com/office/drawing/2014/main" id="{60DBD950-1D60-2646-4724-37AB015EAD39}"/>
+                </a:ext>
+              </a:extLst>
+            </p:cNvPr>
+            <p:cNvSpPr txBox="1"/>
+            <p:nvPr/>
+          </p:nvSpPr>
+          <p:spPr>
+            <a:xfrm>
+              <a:off x="169931" y="5034319"/>
+              <a:ext cx="1348140" cy="369332"/>
+            </a:xfrm>
+            <a:prstGeom prst="rect">
+              <a:avLst/>
+            </a:prstGeom>
+            <a:noFill/>
+          </p:spPr>
+          <p:txBody>
+            <a:bodyPr wrap="square" rtlCol="0">
+              <a:spAutoFit/>
+            </a:bodyPr>
+            <a:lstStyle/>
+            <a:p>
+              <a:pPr algn="ctr"/>
+              <a:r>
+                <a:rPr lang="en-US" dirty="0"/>
+                <a:t>Membrane</a:t>
+              </a:r>
+            </a:p>
+          </p:txBody>
+        </p:sp>
+      </p:grpSp>
+    </p:spTree>
+    <p:extLst>
+      <p:ext uri="{BB962C8B-B14F-4D97-AF65-F5344CB8AC3E}">
+        <p14:creationId xmlns:p14="http://schemas.microsoft.com/office/powerpoint/2010/main" val="349950069"/>
+      </p:ext>
+    </p:extLst>
+  </p:cSld>
+  <p:clrMapOvr>
+    <a:masterClrMapping/>
+  </p:clrMapOvr>
+</p:sld>
+</file>
+
+<file path=ppt/slides/slide3.xml><?xml version="1.0" encoding="utf-8"?>
+<p:sld xmlns:a="http://schemas.openxmlformats.org/drawingml/2006/main" xmlns:r="http://schemas.openxmlformats.org/officeDocument/2006/relationships" xmlns:p="http://schemas.openxmlformats.org/presentationml/2006/main">
+  <p:cSld>
+    <p:spTree>
+      <p:nvGrpSpPr>
+        <p:cNvPr id="1" name=""/>
+        <p:cNvGrpSpPr/>
+        <p:nvPr/>
+      </p:nvGrpSpPr>
+      <p:grpSpPr>
+        <a:xfrm>
+          <a:off x="0" y="0"/>
+          <a:ext cx="0" cy="0"/>
+          <a:chOff x="0" y="0"/>
+          <a:chExt cx="0" cy="0"/>
+        </a:xfrm>
+      </p:grpSpPr>
+      <p:sp>
+        <p:nvSpPr>
+          <p:cNvPr id="2" name="Title 1">
+            <a:extLst>
+              <a:ext uri="{FF2B5EF4-FFF2-40B4-BE49-F238E27FC236}">
+                <a16:creationId xmlns:a16="http://schemas.microsoft.com/office/drawing/2014/main" id="{CA0C75CC-A6F4-70DB-60D2-325B3425A73B}"/>
+              </a:ext>
+            </a:extLst>
+          </p:cNvPr>
+          <p:cNvSpPr>
+            <a:spLocks noGrp="1"/>
+          </p:cNvSpPr>
+          <p:nvPr>
+            <p:ph type="title"/>
+          </p:nvPr>
+        </p:nvSpPr>
+        <p:spPr/>
+        <p:txBody>
+          <a:bodyPr/>
+          <a:lstStyle/>
+          <a:p>
+            <a:pPr>
+              <a:spcAft>
+                <a:spcPts val="600"/>
+              </a:spcAft>
+            </a:pPr>
+            <a:r>
+              <a:rPr lang="en-US" dirty="0"/>
+              <a:t>Motivation</a:t>
+            </a:r>
+          </a:p>
+        </p:txBody>
+      </p:sp>
+      <p:sp>
+        <p:nvSpPr>
+          <p:cNvPr id="4" name="Slide Number Placeholder 3">
+            <a:extLst>
+              <a:ext uri="{FF2B5EF4-FFF2-40B4-BE49-F238E27FC236}">
+                <a16:creationId xmlns:a16="http://schemas.microsoft.com/office/drawing/2014/main" id="{1D085B51-269E-9C6D-5E1B-8B1F2FCA3493}"/>
+              </a:ext>
+            </a:extLst>
+          </p:cNvPr>
+          <p:cNvSpPr>
+            <a:spLocks noGrp="1"/>
+          </p:cNvSpPr>
+          <p:nvPr>
+            <p:ph type="sldNum" sz="quarter" idx="12"/>
+          </p:nvPr>
+        </p:nvSpPr>
+        <p:spPr/>
+        <p:txBody>
+          <a:bodyPr/>
+          <a:lstStyle/>
+          <a:p>
+            <a:pPr>
+              <a:spcAft>
+                <a:spcPts val="600"/>
+              </a:spcAft>
+            </a:pPr>
+            <a:fld id="{5911C0E6-D9CE-431C-92CB-BB39B872F930}" type="slidenum">
+              <a:rPr lang="en-US" smtClean="0"/>
+              <a:pPr>
+                <a:spcAft>
+                  <a:spcPts val="600"/>
+                </a:spcAft>
+              </a:pPr>
+              <a:t>3</a:t>
+            </a:fld>
+            <a:endParaRPr lang="en-US"/>
+          </a:p>
+        </p:txBody>
+      </p:sp>
+      <p:pic>
+        <p:nvPicPr>
+          <p:cNvPr id="8" name="Picture 7">
+            <a:extLst>
+              <a:ext uri="{FF2B5EF4-FFF2-40B4-BE49-F238E27FC236}">
+                <a16:creationId xmlns:a16="http://schemas.microsoft.com/office/drawing/2014/main" id="{C1BBD0DF-A6E4-67C2-CC1C-69FD149755C5}"/>
+              </a:ext>
+            </a:extLst>
+          </p:cNvPr>
+          <p:cNvPicPr>
+            <a:picLocks noChangeAspect="1"/>
+          </p:cNvPicPr>
+          <p:nvPr/>
+        </p:nvPicPr>
+        <p:blipFill>
+          <a:blip r:embed="rId2"/>
+          <a:stretch>
+            <a:fillRect/>
+          </a:stretch>
+        </p:blipFill>
+        <p:spPr>
+          <a:xfrm>
+            <a:off x="685801" y="2502642"/>
+            <a:ext cx="2810933" cy="1970685"/>
+          </a:xfrm>
+          <a:prstGeom prst="rect">
+            <a:avLst/>
+          </a:prstGeom>
+        </p:spPr>
+      </p:pic>
+      <p:sp>
+        <p:nvSpPr>
+          <p:cNvPr id="9" name="TextBox 8">
+            <a:extLst>
+              <a:ext uri="{FF2B5EF4-FFF2-40B4-BE49-F238E27FC236}">
+                <a16:creationId xmlns:a16="http://schemas.microsoft.com/office/drawing/2014/main" id="{B5161482-42B2-A3E1-D533-79C5629723AA}"/>
+              </a:ext>
+            </a:extLst>
+          </p:cNvPr>
+          <p:cNvSpPr txBox="1"/>
+          <p:nvPr/>
+        </p:nvSpPr>
+        <p:spPr>
+          <a:xfrm>
+            <a:off x="160868" y="6495081"/>
+            <a:ext cx="11192932" cy="276999"/>
+          </a:xfrm>
+          <a:prstGeom prst="rect">
+            <a:avLst/>
+          </a:prstGeom>
+          <a:noFill/>
+        </p:spPr>
+        <p:txBody>
+          <a:bodyPr wrap="square" rtlCol="0">
+            <a:spAutoFit/>
+          </a:bodyPr>
+          <a:lstStyle/>
+          <a:p>
+            <a:pPr>
+              <a:spcAft>
+                <a:spcPts val="600"/>
+              </a:spcAft>
+            </a:pPr>
+            <a:r>
+              <a:rPr lang="en-US" sz="1200" dirty="0"/>
+              <a:t>Kodama et al. (2013) </a:t>
+            </a:r>
+            <a:r>
+              <a:rPr lang="en-US" sz="1200" i="1" dirty="0" err="1"/>
+              <a:t>Electrochem</a:t>
+            </a:r>
+            <a:r>
+              <a:rPr lang="en-US" sz="1200" i="1" dirty="0"/>
+              <a:t>. </a:t>
+            </a:r>
+            <a:r>
+              <a:rPr lang="en-US" sz="1200" i="1" dirty="0" err="1"/>
+              <a:t>Commun</a:t>
+            </a:r>
+            <a:r>
+              <a:rPr lang="en-US" sz="1200" i="1" dirty="0"/>
+              <a:t>. </a:t>
+            </a:r>
+            <a:r>
+              <a:rPr lang="en-US" sz="1200" dirty="0"/>
+              <a:t>Kodama et al. (2018</a:t>
+            </a:r>
+            <a:r>
+              <a:rPr lang="en-US" sz="1200" i="1" dirty="0"/>
+              <a:t>) ACS </a:t>
+            </a:r>
+            <a:r>
+              <a:rPr lang="en-US" sz="1200" i="1" dirty="0" err="1"/>
+              <a:t>Catal</a:t>
+            </a:r>
+            <a:r>
+              <a:rPr lang="en-US" sz="1200" dirty="0"/>
+              <a:t>. </a:t>
+            </a:r>
+          </a:p>
+        </p:txBody>
+      </p:sp>
+      <p:sp>
+        <p:nvSpPr>
+          <p:cNvPr id="10" name="TextBox 9">
+            <a:extLst>
+              <a:ext uri="{FF2B5EF4-FFF2-40B4-BE49-F238E27FC236}">
+                <a16:creationId xmlns:a16="http://schemas.microsoft.com/office/drawing/2014/main" id="{CE796E5B-B3BF-80D8-C238-0E315A0A6A9E}"/>
+              </a:ext>
+            </a:extLst>
+          </p:cNvPr>
+          <p:cNvSpPr txBox="1"/>
+          <p:nvPr/>
+        </p:nvSpPr>
+        <p:spPr>
+          <a:xfrm>
+            <a:off x="795866" y="1235855"/>
+            <a:ext cx="7179733" cy="1077218"/>
+          </a:xfrm>
+          <a:prstGeom prst="rect">
+            <a:avLst/>
+          </a:prstGeom>
+          <a:noFill/>
+        </p:spPr>
+        <p:txBody>
+          <a:bodyPr wrap="square" rtlCol="0">
+            <a:spAutoFit/>
+          </a:bodyPr>
+          <a:lstStyle/>
+          <a:p>
+            <a:pPr marL="285750" indent="-285750">
+              <a:spcAft>
+                <a:spcPts val="600"/>
+              </a:spcAft>
+              <a:buFont typeface="Arial" panose="020B0604020202020204" pitchFamily="34" charset="0"/>
+              <a:buChar char="•"/>
+            </a:pPr>
+            <a:r>
+              <a:rPr lang="en-US" dirty="0"/>
+              <a:t>Pt poisoned by adsorbed SO3 from ionomer</a:t>
+            </a:r>
+          </a:p>
+          <a:p>
+            <a:pPr marL="742950" lvl="1" indent="-285750">
+              <a:spcAft>
+                <a:spcPts val="600"/>
+              </a:spcAft>
+              <a:buFont typeface="Arial" panose="020B0604020202020204" pitchFamily="34" charset="0"/>
+              <a:buChar char="•"/>
+            </a:pPr>
+            <a:r>
+              <a:rPr lang="en-US" dirty="0"/>
+              <a:t>Pt loading/efficiency is limiting factor for fuel cells</a:t>
+            </a:r>
+          </a:p>
+          <a:p>
+            <a:pPr marL="285750" indent="-285750">
+              <a:spcAft>
+                <a:spcPts val="600"/>
+              </a:spcAft>
+              <a:buFont typeface="Arial" panose="020B0604020202020204" pitchFamily="34" charset="0"/>
+              <a:buChar char="•"/>
+            </a:pPr>
+            <a:r>
+              <a:rPr lang="en-US" dirty="0"/>
+              <a:t>Scientific community has limited understanding of polymer physics</a:t>
+            </a:r>
+          </a:p>
+        </p:txBody>
+      </p:sp>
+      <p:sp>
+        <p:nvSpPr>
+          <p:cNvPr id="12" name="TextBox 11">
+            <a:extLst>
+              <a:ext uri="{FF2B5EF4-FFF2-40B4-BE49-F238E27FC236}">
+                <a16:creationId xmlns:a16="http://schemas.microsoft.com/office/drawing/2014/main" id="{7CB52E1D-26A7-7528-54EB-407A9DB3924C}"/>
+              </a:ext>
+            </a:extLst>
+          </p:cNvPr>
+          <p:cNvSpPr txBox="1"/>
+          <p:nvPr/>
+        </p:nvSpPr>
+        <p:spPr>
+          <a:xfrm>
+            <a:off x="3913717" y="2502642"/>
+            <a:ext cx="7304616" cy="2693045"/>
+          </a:xfrm>
+          <a:prstGeom prst="rect">
+            <a:avLst/>
+          </a:prstGeom>
+          <a:noFill/>
+        </p:spPr>
+        <p:txBody>
+          <a:bodyPr wrap="square">
+            <a:spAutoFit/>
+          </a:bodyPr>
+          <a:lstStyle/>
+          <a:p>
+            <a:pPr marL="285750" indent="-285750">
+              <a:spcAft>
+                <a:spcPts val="600"/>
+              </a:spcAft>
+              <a:buFont typeface="Arial" panose="020B0604020202020204" pitchFamily="34" charset="0"/>
+              <a:buChar char="•"/>
+            </a:pPr>
+            <a:r>
+              <a:rPr lang="en-US" dirty="0"/>
+              <a:t>Adsorption measured by cyclic voltammetry (CV) – 0.100 M HClO4</a:t>
+            </a:r>
+          </a:p>
+          <a:p>
+            <a:pPr marL="742950" lvl="1" indent="-285750">
+              <a:spcAft>
+                <a:spcPts val="600"/>
+              </a:spcAft>
+              <a:buFont typeface="Arial" panose="020B0604020202020204" pitchFamily="34" charset="0"/>
+              <a:buChar char="•"/>
+            </a:pPr>
+            <a:r>
+              <a:rPr lang="en-US" dirty="0"/>
+              <a:t>Apply potential at some scanning rate, measured current corresponds to interaction at electrode (e.g., reaction, adsorption)</a:t>
+            </a:r>
+          </a:p>
+          <a:p>
+            <a:pPr marL="285750" indent="-285750">
+              <a:spcAft>
+                <a:spcPts val="600"/>
+              </a:spcAft>
+              <a:buFont typeface="Arial" panose="020B0604020202020204" pitchFamily="34" charset="0"/>
+              <a:buChar char="•"/>
+            </a:pPr>
+            <a:r>
+              <a:rPr lang="en-US" dirty="0"/>
+              <a:t>(top) As humidity decreases, more current at lower voltage</a:t>
+            </a:r>
+          </a:p>
+          <a:p>
+            <a:pPr marL="742950" lvl="1" indent="-285750">
+              <a:spcAft>
+                <a:spcPts val="600"/>
+              </a:spcAft>
+              <a:buFont typeface="Arial" panose="020B0604020202020204" pitchFamily="34" charset="0"/>
+              <a:buChar char="•"/>
+            </a:pPr>
+            <a:r>
+              <a:rPr lang="en-US" dirty="0"/>
+              <a:t>As ionomer-Pt distance decreases, more adsorption</a:t>
+            </a:r>
+          </a:p>
+          <a:p>
+            <a:pPr marL="285750" indent="-285750">
+              <a:spcAft>
+                <a:spcPts val="600"/>
+              </a:spcAft>
+              <a:buFont typeface="Arial" panose="020B0604020202020204" pitchFamily="34" charset="0"/>
+              <a:buChar char="•"/>
+            </a:pPr>
+            <a:r>
+              <a:rPr lang="en-US" dirty="0"/>
+              <a:t>(bottom) Long sidechains (LC) more current than short sidechain (SC)</a:t>
+            </a:r>
+          </a:p>
+          <a:p>
+            <a:pPr marL="742950" lvl="1" indent="-285750">
+              <a:spcAft>
+                <a:spcPts val="600"/>
+              </a:spcAft>
+              <a:buFont typeface="Arial" panose="020B0604020202020204" pitchFamily="34" charset="0"/>
+              <a:buChar char="•"/>
+            </a:pPr>
+            <a:r>
+              <a:rPr lang="en-US" dirty="0"/>
+              <a:t>Discussion on long distance between ether/SO3H (LD) becomes muddled</a:t>
+            </a:r>
+          </a:p>
+        </p:txBody>
+      </p:sp>
+      <p:pic>
+        <p:nvPicPr>
+          <p:cNvPr id="14" name="Picture 13">
+            <a:extLst>
+              <a:ext uri="{FF2B5EF4-FFF2-40B4-BE49-F238E27FC236}">
+                <a16:creationId xmlns:a16="http://schemas.microsoft.com/office/drawing/2014/main" id="{9965273C-8215-52A4-AFEF-8D27CE1EC380}"/>
+              </a:ext>
+            </a:extLst>
+          </p:cNvPr>
+          <p:cNvPicPr>
+            <a:picLocks noChangeAspect="1"/>
+          </p:cNvPicPr>
+          <p:nvPr/>
+        </p:nvPicPr>
+        <p:blipFill>
+          <a:blip r:embed="rId3"/>
+          <a:stretch>
+            <a:fillRect/>
+          </a:stretch>
+        </p:blipFill>
+        <p:spPr>
+          <a:xfrm>
+            <a:off x="740833" y="4473327"/>
+            <a:ext cx="2759958" cy="1817406"/>
+          </a:xfrm>
+          <a:prstGeom prst="rect">
+            <a:avLst/>
+          </a:prstGeom>
+        </p:spPr>
+      </p:pic>
+    </p:spTree>
+    <p:extLst>
+      <p:ext uri="{BB962C8B-B14F-4D97-AF65-F5344CB8AC3E}">
+        <p14:creationId xmlns:p14="http://schemas.microsoft.com/office/powerpoint/2010/main" val="1045183812"/>
+      </p:ext>
+    </p:extLst>
+  </p:cSld>
+  <p:clrMapOvr>
+    <a:masterClrMapping/>
+  </p:clrMapOvr>
+</p:sld>
+</file>
+
+<file path=ppt/slides/slide4.xml><?xml version="1.0" encoding="utf-8"?>
+<p:sld xmlns:a="http://schemas.openxmlformats.org/drawingml/2006/main" xmlns:r="http://schemas.openxmlformats.org/officeDocument/2006/relationships" xmlns:p="http://schemas.openxmlformats.org/presentationml/2006/main">
+  <p:cSld>
+    <p:spTree>
+      <p:nvGrpSpPr>
+        <p:cNvPr id="1" name=""/>
+        <p:cNvGrpSpPr/>
+        <p:nvPr/>
+      </p:nvGrpSpPr>
+      <p:grpSpPr>
+        <a:xfrm>
+          <a:off x="0" y="0"/>
+          <a:ext cx="0" cy="0"/>
+          <a:chOff x="0" y="0"/>
+          <a:chExt cx="0" cy="0"/>
+        </a:xfrm>
+      </p:grpSpPr>
+      <p:sp>
+        <p:nvSpPr>
+          <p:cNvPr id="2" name="Title 1">
+            <a:extLst>
+              <a:ext uri="{FF2B5EF4-FFF2-40B4-BE49-F238E27FC236}">
                 <a16:creationId xmlns:a16="http://schemas.microsoft.com/office/drawing/2014/main" id="{4041FD49-51CB-4608-A3ED-30B7E304CBD6}"/>
               </a:ext>
             </a:extLst>
@@ -2526,18 +5803,527 @@
           <a:p>
             <a:fld id="{5911C0E6-D9CE-431C-92CB-BB39B872F930}" type="slidenum">
               <a:rPr lang="en-US" smtClean="0"/>
-              <a:t>2</a:t>
+              <a:t>4</a:t>
             </a:fld>
             <a:endParaRPr lang="en-US"/>
           </a:p>
         </p:txBody>
       </p:sp>
+      <p:sp>
+        <p:nvSpPr>
+          <p:cNvPr id="4" name="TextBox 3">
+            <a:extLst>
+              <a:ext uri="{FF2B5EF4-FFF2-40B4-BE49-F238E27FC236}">
+                <a16:creationId xmlns:a16="http://schemas.microsoft.com/office/drawing/2014/main" id="{BA57B694-7FAA-B47B-4669-4DE86E38ECC0}"/>
+              </a:ext>
+            </a:extLst>
+          </p:cNvPr>
+          <p:cNvSpPr txBox="1"/>
+          <p:nvPr/>
+        </p:nvSpPr>
+        <p:spPr>
+          <a:xfrm>
+            <a:off x="716034" y="1033686"/>
+            <a:ext cx="1684868" cy="369332"/>
+          </a:xfrm>
+          <a:prstGeom prst="rect">
+            <a:avLst/>
+          </a:prstGeom>
+          <a:noFill/>
+        </p:spPr>
+        <p:txBody>
+          <a:bodyPr wrap="square" rtlCol="0">
+            <a:spAutoFit/>
+          </a:bodyPr>
+          <a:lstStyle/>
+          <a:p>
+            <a:r>
+              <a:rPr lang="en-US" dirty="0"/>
+              <a:t>1e−07 M (pH 7)</a:t>
+            </a:r>
+          </a:p>
+        </p:txBody>
+      </p:sp>
+      <p:sp>
+        <p:nvSpPr>
+          <p:cNvPr id="6" name="TextBox 5">
+            <a:extLst>
+              <a:ext uri="{FF2B5EF4-FFF2-40B4-BE49-F238E27FC236}">
+                <a16:creationId xmlns:a16="http://schemas.microsoft.com/office/drawing/2014/main" id="{B44CD19D-D4BC-EABE-4DBB-8BD723B2ECE7}"/>
+              </a:ext>
+            </a:extLst>
+          </p:cNvPr>
+          <p:cNvSpPr txBox="1"/>
+          <p:nvPr/>
+        </p:nvSpPr>
+        <p:spPr>
+          <a:xfrm>
+            <a:off x="6862409" y="1033686"/>
+            <a:ext cx="1625600" cy="369332"/>
+          </a:xfrm>
+          <a:prstGeom prst="rect">
+            <a:avLst/>
+          </a:prstGeom>
+          <a:noFill/>
+        </p:spPr>
+        <p:txBody>
+          <a:bodyPr wrap="square" rtlCol="0">
+            <a:spAutoFit/>
+          </a:bodyPr>
+          <a:lstStyle/>
+          <a:p>
+            <a:pPr algn="ctr"/>
+            <a:r>
+              <a:rPr lang="en-US" dirty="0"/>
+              <a:t>0.100 M</a:t>
+            </a:r>
+          </a:p>
+        </p:txBody>
+      </p:sp>
+      <p:grpSp>
+        <p:nvGrpSpPr>
+          <p:cNvPr id="14" name="Group 13">
+            <a:extLst>
+              <a:ext uri="{FF2B5EF4-FFF2-40B4-BE49-F238E27FC236}">
+                <a16:creationId xmlns:a16="http://schemas.microsoft.com/office/drawing/2014/main" id="{3A7FCB36-F4C9-62A6-0A99-6E9203A4A25D}"/>
+              </a:ext>
+            </a:extLst>
+          </p:cNvPr>
+          <p:cNvGrpSpPr/>
+          <p:nvPr/>
+        </p:nvGrpSpPr>
+        <p:grpSpPr>
+          <a:xfrm>
+            <a:off x="6344175" y="1495550"/>
+            <a:ext cx="2360996" cy="5262768"/>
+            <a:chOff x="7430102" y="1397013"/>
+            <a:chExt cx="2360996" cy="5262768"/>
+          </a:xfrm>
+        </p:grpSpPr>
+        <p:pic>
+          <p:nvPicPr>
+            <p:cNvPr id="1046" name="Picture 22">
+              <a:extLst>
+                <a:ext uri="{FF2B5EF4-FFF2-40B4-BE49-F238E27FC236}">
+                  <a16:creationId xmlns:a16="http://schemas.microsoft.com/office/drawing/2014/main" id="{79226F43-858A-2383-EDE1-5D16EE907128}"/>
+                </a:ext>
+              </a:extLst>
+            </p:cNvPr>
+            <p:cNvPicPr>
+              <a:picLocks noChangeAspect="1" noChangeArrowheads="1"/>
+            </p:cNvPicPr>
+            <p:nvPr/>
+          </p:nvPicPr>
+          <p:blipFill>
+            <a:blip r:embed="rId2">
+              <a:extLst>
+                <a:ext uri="{28A0092B-C50C-407E-A947-70E740481C1C}">
+                  <a14:useLocalDpi xmlns:a14="http://schemas.microsoft.com/office/drawing/2010/main" val="0"/>
+                </a:ext>
+              </a:extLst>
+            </a:blip>
+            <a:srcRect/>
+            <a:stretch>
+              <a:fillRect/>
+            </a:stretch>
+          </p:blipFill>
+          <p:spPr bwMode="auto">
+            <a:xfrm>
+              <a:off x="7430102" y="1397013"/>
+              <a:ext cx="2360996" cy="1993049"/>
+            </a:xfrm>
+            <a:prstGeom prst="rect">
+              <a:avLst/>
+            </a:prstGeom>
+            <a:noFill/>
+            <a:extLst>
+              <a:ext uri="{909E8E84-426E-40DD-AFC4-6F175D3DCCD1}">
+                <a14:hiddenFill xmlns:a14="http://schemas.microsoft.com/office/drawing/2010/main">
+                  <a:solidFill>
+                    <a:srgbClr val="FFFFFF"/>
+                  </a:solidFill>
+                </a14:hiddenFill>
+              </a:ext>
+            </a:extLst>
+          </p:spPr>
+        </p:pic>
+        <p:pic>
+          <p:nvPicPr>
+            <p:cNvPr id="1048" name="Picture 24">
+              <a:extLst>
+                <a:ext uri="{FF2B5EF4-FFF2-40B4-BE49-F238E27FC236}">
+                  <a16:creationId xmlns:a16="http://schemas.microsoft.com/office/drawing/2014/main" id="{1FBBFA4C-5217-D957-0878-C147CFB00D48}"/>
+                </a:ext>
+              </a:extLst>
+            </p:cNvPr>
+            <p:cNvPicPr>
+              <a:picLocks noChangeAspect="1" noChangeArrowheads="1"/>
+            </p:cNvPicPr>
+            <p:nvPr/>
+          </p:nvPicPr>
+          <p:blipFill>
+            <a:blip r:embed="rId3">
+              <a:extLst>
+                <a:ext uri="{28A0092B-C50C-407E-A947-70E740481C1C}">
+                  <a14:useLocalDpi xmlns:a14="http://schemas.microsoft.com/office/drawing/2010/main" val="0"/>
+                </a:ext>
+              </a:extLst>
+            </a:blip>
+            <a:srcRect/>
+            <a:stretch>
+              <a:fillRect/>
+            </a:stretch>
+          </p:blipFill>
+          <p:spPr bwMode="auto">
+            <a:xfrm>
+              <a:off x="7430102" y="3050691"/>
+              <a:ext cx="2360996" cy="1993049"/>
+            </a:xfrm>
+            <a:prstGeom prst="rect">
+              <a:avLst/>
+            </a:prstGeom>
+            <a:noFill/>
+            <a:extLst>
+              <a:ext uri="{909E8E84-426E-40DD-AFC4-6F175D3DCCD1}">
+                <a14:hiddenFill xmlns:a14="http://schemas.microsoft.com/office/drawing/2010/main">
+                  <a:solidFill>
+                    <a:srgbClr val="FFFFFF"/>
+                  </a:solidFill>
+                </a14:hiddenFill>
+              </a:ext>
+            </a:extLst>
+          </p:spPr>
+        </p:pic>
+        <p:pic>
+          <p:nvPicPr>
+            <p:cNvPr id="1050" name="Picture 26">
+              <a:extLst>
+                <a:ext uri="{FF2B5EF4-FFF2-40B4-BE49-F238E27FC236}">
+                  <a16:creationId xmlns:a16="http://schemas.microsoft.com/office/drawing/2014/main" id="{E62FA05B-E83E-8F1A-7908-17ED22F01EC5}"/>
+                </a:ext>
+              </a:extLst>
+            </p:cNvPr>
+            <p:cNvPicPr>
+              <a:picLocks noChangeAspect="1" noChangeArrowheads="1"/>
+            </p:cNvPicPr>
+            <p:nvPr/>
+          </p:nvPicPr>
+          <p:blipFill>
+            <a:blip r:embed="rId4">
+              <a:extLst>
+                <a:ext uri="{28A0092B-C50C-407E-A947-70E740481C1C}">
+                  <a14:useLocalDpi xmlns:a14="http://schemas.microsoft.com/office/drawing/2010/main" val="0"/>
+                </a:ext>
+              </a:extLst>
+            </a:blip>
+            <a:srcRect/>
+            <a:stretch>
+              <a:fillRect/>
+            </a:stretch>
+          </p:blipFill>
+          <p:spPr bwMode="auto">
+            <a:xfrm>
+              <a:off x="7544901" y="4725969"/>
+              <a:ext cx="2246197" cy="1933812"/>
+            </a:xfrm>
+            <a:prstGeom prst="rect">
+              <a:avLst/>
+            </a:prstGeom>
+            <a:noFill/>
+            <a:extLst>
+              <a:ext uri="{909E8E84-426E-40DD-AFC4-6F175D3DCCD1}">
+                <a14:hiddenFill xmlns:a14="http://schemas.microsoft.com/office/drawing/2010/main">
+                  <a:solidFill>
+                    <a:srgbClr val="FFFFFF"/>
+                  </a:solidFill>
+                </a14:hiddenFill>
+              </a:ext>
+            </a:extLst>
+          </p:spPr>
+        </p:pic>
+      </p:grpSp>
+      <p:grpSp>
+        <p:nvGrpSpPr>
+          <p:cNvPr id="22" name="Group 21">
+            <a:extLst>
+              <a:ext uri="{FF2B5EF4-FFF2-40B4-BE49-F238E27FC236}">
+                <a16:creationId xmlns:a16="http://schemas.microsoft.com/office/drawing/2014/main" id="{D6DA19A7-B8F9-6B1C-557F-2D12BA0016C8}"/>
+              </a:ext>
+            </a:extLst>
+          </p:cNvPr>
+          <p:cNvGrpSpPr/>
+          <p:nvPr/>
+        </p:nvGrpSpPr>
+        <p:grpSpPr>
+          <a:xfrm>
+            <a:off x="228601" y="1466160"/>
+            <a:ext cx="2338000" cy="5329750"/>
+            <a:chOff x="228601" y="1466160"/>
+            <a:chExt cx="2338000" cy="5329750"/>
+          </a:xfrm>
+        </p:grpSpPr>
+        <p:grpSp>
+          <p:nvGrpSpPr>
+            <p:cNvPr id="11" name="Group 10">
+              <a:extLst>
+                <a:ext uri="{FF2B5EF4-FFF2-40B4-BE49-F238E27FC236}">
+                  <a16:creationId xmlns:a16="http://schemas.microsoft.com/office/drawing/2014/main" id="{2F301B5F-6F70-6D69-A70D-77D33F928E99}"/>
+                </a:ext>
+              </a:extLst>
+            </p:cNvPr>
+            <p:cNvGrpSpPr/>
+            <p:nvPr/>
+          </p:nvGrpSpPr>
+          <p:grpSpPr>
+            <a:xfrm>
+              <a:off x="228601" y="1466160"/>
+              <a:ext cx="2338000" cy="5329750"/>
+              <a:chOff x="799888" y="1483135"/>
+              <a:chExt cx="2338000" cy="5329750"/>
+            </a:xfrm>
+          </p:grpSpPr>
+          <p:pic>
+            <p:nvPicPr>
+              <p:cNvPr id="1038" name="Picture 14">
+                <a:extLst>
+                  <a:ext uri="{FF2B5EF4-FFF2-40B4-BE49-F238E27FC236}">
+                    <a16:creationId xmlns:a16="http://schemas.microsoft.com/office/drawing/2014/main" id="{508B47B9-7FC5-936E-DBD2-B373CDA73E60}"/>
+                  </a:ext>
+                </a:extLst>
+              </p:cNvPr>
+              <p:cNvPicPr>
+                <a:picLocks noChangeAspect="1" noChangeArrowheads="1"/>
+              </p:cNvPicPr>
+              <p:nvPr/>
+            </p:nvPicPr>
+            <p:blipFill>
+              <a:blip r:embed="rId5">
+                <a:extLst>
+                  <a:ext uri="{28A0092B-C50C-407E-A947-70E740481C1C}">
+                    <a14:useLocalDpi xmlns:a14="http://schemas.microsoft.com/office/drawing/2010/main" val="0"/>
+                  </a:ext>
+                </a:extLst>
+              </a:blip>
+              <a:srcRect/>
+              <a:stretch>
+                <a:fillRect/>
+              </a:stretch>
+            </p:blipFill>
+            <p:spPr bwMode="auto">
+              <a:xfrm>
+                <a:off x="799888" y="1483135"/>
+                <a:ext cx="2338000" cy="1993049"/>
+              </a:xfrm>
+              <a:prstGeom prst="rect">
+                <a:avLst/>
+              </a:prstGeom>
+              <a:noFill/>
+              <a:extLst>
+                <a:ext uri="{909E8E84-426E-40DD-AFC4-6F175D3DCCD1}">
+                  <a14:hiddenFill xmlns:a14="http://schemas.microsoft.com/office/drawing/2010/main">
+                    <a:solidFill>
+                      <a:srgbClr val="FFFFFF"/>
+                    </a:solidFill>
+                  </a14:hiddenFill>
+                </a:ext>
+              </a:extLst>
+            </p:spPr>
+          </p:pic>
+          <p:pic>
+            <p:nvPicPr>
+              <p:cNvPr id="1036" name="Picture 12">
+                <a:extLst>
+                  <a:ext uri="{FF2B5EF4-FFF2-40B4-BE49-F238E27FC236}">
+                    <a16:creationId xmlns:a16="http://schemas.microsoft.com/office/drawing/2014/main" id="{1C580ACD-6FB2-CA35-C9DF-F0EAB5A2BE54}"/>
+                  </a:ext>
+                </a:extLst>
+              </p:cNvPr>
+              <p:cNvPicPr>
+                <a:picLocks noChangeAspect="1" noChangeArrowheads="1"/>
+              </p:cNvPicPr>
+              <p:nvPr/>
+            </p:nvPicPr>
+            <p:blipFill>
+              <a:blip r:embed="rId6">
+                <a:extLst>
+                  <a:ext uri="{28A0092B-C50C-407E-A947-70E740481C1C}">
+                    <a14:useLocalDpi xmlns:a14="http://schemas.microsoft.com/office/drawing/2010/main" val="0"/>
+                  </a:ext>
+                </a:extLst>
+              </a:blip>
+              <a:srcRect/>
+              <a:stretch>
+                <a:fillRect/>
+              </a:stretch>
+            </p:blipFill>
+            <p:spPr bwMode="auto">
+              <a:xfrm>
+                <a:off x="836828" y="3165355"/>
+                <a:ext cx="2295839" cy="1957109"/>
+              </a:xfrm>
+              <a:prstGeom prst="rect">
+                <a:avLst/>
+              </a:prstGeom>
+              <a:noFill/>
+              <a:extLst>
+                <a:ext uri="{909E8E84-426E-40DD-AFC4-6F175D3DCCD1}">
+                  <a14:hiddenFill xmlns:a14="http://schemas.microsoft.com/office/drawing/2010/main">
+                    <a:solidFill>
+                      <a:srgbClr val="FFFFFF"/>
+                    </a:solidFill>
+                  </a14:hiddenFill>
+                </a:ext>
+              </a:extLst>
+            </p:spPr>
+          </p:pic>
+          <p:pic>
+            <p:nvPicPr>
+              <p:cNvPr id="1034" name="Picture 10">
+                <a:extLst>
+                  <a:ext uri="{FF2B5EF4-FFF2-40B4-BE49-F238E27FC236}">
+                    <a16:creationId xmlns:a16="http://schemas.microsoft.com/office/drawing/2014/main" id="{DD9946C4-BB18-4D5A-70D8-8050E524CAAB}"/>
+                  </a:ext>
+                </a:extLst>
+              </p:cNvPr>
+              <p:cNvPicPr>
+                <a:picLocks noChangeAspect="1" noChangeArrowheads="1"/>
+              </p:cNvPicPr>
+              <p:nvPr/>
+            </p:nvPicPr>
+            <p:blipFill>
+              <a:blip r:embed="rId7">
+                <a:extLst>
+                  <a:ext uri="{28A0092B-C50C-407E-A947-70E740481C1C}">
+                    <a14:useLocalDpi xmlns:a14="http://schemas.microsoft.com/office/drawing/2010/main" val="0"/>
+                  </a:ext>
+                </a:extLst>
+              </a:blip>
+              <a:srcRect/>
+              <a:stretch>
+                <a:fillRect/>
+              </a:stretch>
+            </p:blipFill>
+            <p:spPr bwMode="auto">
+              <a:xfrm>
+                <a:off x="820968" y="4819836"/>
+                <a:ext cx="2295839" cy="1993049"/>
+              </a:xfrm>
+              <a:prstGeom prst="rect">
+                <a:avLst/>
+              </a:prstGeom>
+              <a:noFill/>
+              <a:extLst>
+                <a:ext uri="{909E8E84-426E-40DD-AFC4-6F175D3DCCD1}">
+                  <a14:hiddenFill xmlns:a14="http://schemas.microsoft.com/office/drawing/2010/main">
+                    <a:solidFill>
+                      <a:srgbClr val="FFFFFF"/>
+                    </a:solidFill>
+                  </a14:hiddenFill>
+                </a:ext>
+              </a:extLst>
+            </p:spPr>
+          </p:pic>
+        </p:grpSp>
+        <p:grpSp>
+          <p:nvGrpSpPr>
+            <p:cNvPr id="21" name="Group 20">
+              <a:extLst>
+                <a:ext uri="{FF2B5EF4-FFF2-40B4-BE49-F238E27FC236}">
+                  <a16:creationId xmlns:a16="http://schemas.microsoft.com/office/drawing/2014/main" id="{32429272-AFB1-C20D-BC7D-C722F26EE438}"/>
+                </a:ext>
+              </a:extLst>
+            </p:cNvPr>
+            <p:cNvGrpSpPr/>
+            <p:nvPr/>
+          </p:nvGrpSpPr>
+          <p:grpSpPr>
+            <a:xfrm>
+              <a:off x="926193" y="3975594"/>
+              <a:ext cx="533400" cy="701253"/>
+              <a:chOff x="926193" y="3975594"/>
+              <a:chExt cx="533400" cy="701253"/>
+            </a:xfrm>
+          </p:grpSpPr>
+          <p:cxnSp>
+            <p:nvCxnSpPr>
+              <p:cNvPr id="18" name="Straight Arrow Connector 17">
+                <a:extLst>
+                  <a:ext uri="{FF2B5EF4-FFF2-40B4-BE49-F238E27FC236}">
+                    <a16:creationId xmlns:a16="http://schemas.microsoft.com/office/drawing/2014/main" id="{4E489F27-9D66-EB81-2AF9-9143CCE164E4}"/>
+                  </a:ext>
+                </a:extLst>
+              </p:cNvPr>
+              <p:cNvCxnSpPr/>
+              <p:nvPr/>
+            </p:nvCxnSpPr>
+            <p:spPr>
+              <a:xfrm flipV="1">
+                <a:off x="926193" y="4075713"/>
+                <a:ext cx="533400" cy="601134"/>
+              </a:xfrm>
+              <a:prstGeom prst="straightConnector1">
+                <a:avLst/>
+              </a:prstGeom>
+              <a:ln w="12700">
+                <a:solidFill>
+                  <a:schemeClr val="tx1"/>
+                </a:solidFill>
+                <a:tailEnd type="triangle"/>
+              </a:ln>
+            </p:spPr>
+            <p:style>
+              <a:lnRef idx="1">
+                <a:schemeClr val="accent1"/>
+              </a:lnRef>
+              <a:fillRef idx="0">
+                <a:schemeClr val="accent1"/>
+              </a:fillRef>
+              <a:effectRef idx="0">
+                <a:schemeClr val="accent1"/>
+              </a:effectRef>
+              <a:fontRef idx="minor">
+                <a:schemeClr val="tx1"/>
+              </a:fontRef>
+            </p:style>
+          </p:cxnSp>
+          <p:pic>
+            <p:nvPicPr>
+              <p:cNvPr id="20" name="Picture 19">
+                <a:extLst>
+                  <a:ext uri="{FF2B5EF4-FFF2-40B4-BE49-F238E27FC236}">
+                    <a16:creationId xmlns:a16="http://schemas.microsoft.com/office/drawing/2014/main" id="{871F76BC-54D6-A63B-2AA5-ED420F72772D}"/>
+                  </a:ext>
+                </a:extLst>
+              </p:cNvPr>
+              <p:cNvPicPr>
+                <a:picLocks noChangeAspect="1"/>
+              </p:cNvPicPr>
+              <p:nvPr/>
+            </p:nvPicPr>
+            <p:blipFill>
+              <a:blip r:embed="rId8"/>
+              <a:stretch>
+                <a:fillRect/>
+              </a:stretch>
+            </p:blipFill>
+            <p:spPr>
+              <a:xfrm>
+                <a:off x="1143207" y="3975594"/>
+                <a:ext cx="186227" cy="117617"/>
+              </a:xfrm>
+              <a:prstGeom prst="rect">
+                <a:avLst/>
+              </a:prstGeom>
+            </p:spPr>
+          </p:pic>
+        </p:grpSp>
+      </p:grpSp>
       <p:pic>
         <p:nvPicPr>
-          <p:cNvPr id="1026" name="Picture 2">
+          <p:cNvPr id="1054" name="Picture 30">
             <a:extLst>
               <a:ext uri="{FF2B5EF4-FFF2-40B4-BE49-F238E27FC236}">
-                <a16:creationId xmlns:a16="http://schemas.microsoft.com/office/drawing/2014/main" id="{76BD345D-D1EE-E274-7C2B-B4619790EF69}"/>
+                <a16:creationId xmlns:a16="http://schemas.microsoft.com/office/drawing/2014/main" id="{C48D6AD7-3F0F-E980-58CB-FD01660882C5}"/>
               </a:ext>
             </a:extLst>
           </p:cNvPr>
@@ -2547,7 +6333,7 @@
           <p:nvPr/>
         </p:nvPicPr>
         <p:blipFill>
-          <a:blip r:embed="rId2">
+          <a:blip r:embed="rId9">
             <a:extLst>
               <a:ext uri="{28A0092B-C50C-407E-A947-70E740481C1C}">
                 <a14:useLocalDpi xmlns:a14="http://schemas.microsoft.com/office/drawing/2010/main" val="0"/>
@@ -2561,8 +6347,8 @@
         </p:blipFill>
         <p:spPr bwMode="auto">
           <a:xfrm>
-            <a:off x="838199" y="970521"/>
-            <a:ext cx="4450937" cy="2092665"/>
+            <a:off x="2615424" y="3178768"/>
+            <a:ext cx="3182539" cy="1926666"/>
           </a:xfrm>
           <a:prstGeom prst="rect">
             <a:avLst/>
@@ -2581,10 +6367,10 @@
       </p:pic>
       <p:pic>
         <p:nvPicPr>
-          <p:cNvPr id="1028" name="Picture 4">
+          <p:cNvPr id="1056" name="Picture 32">
             <a:extLst>
               <a:ext uri="{FF2B5EF4-FFF2-40B4-BE49-F238E27FC236}">
-                <a16:creationId xmlns:a16="http://schemas.microsoft.com/office/drawing/2014/main" id="{7EDCC059-A248-C18A-D882-D86828F007F3}"/>
+                <a16:creationId xmlns:a16="http://schemas.microsoft.com/office/drawing/2014/main" id="{79A3044D-CD8D-9FCA-8689-1D94A19FE041}"/>
               </a:ext>
             </a:extLst>
           </p:cNvPr>
@@ -2594,7 +6380,7 @@
           <p:nvPr/>
         </p:nvPicPr>
         <p:blipFill>
-          <a:blip r:embed="rId3">
+          <a:blip r:embed="rId10">
             <a:extLst>
               <a:ext uri="{28A0092B-C50C-407E-A947-70E740481C1C}">
                 <a14:useLocalDpi xmlns:a14="http://schemas.microsoft.com/office/drawing/2010/main" val="0"/>
@@ -2608,55 +6394,8 @@
         </p:blipFill>
         <p:spPr bwMode="auto">
           <a:xfrm>
-            <a:off x="838199" y="2881286"/>
-            <a:ext cx="4450937" cy="2092665"/>
-          </a:xfrm>
-          <a:prstGeom prst="rect">
-            <a:avLst/>
-          </a:prstGeom>
-          <a:noFill/>
-          <a:extLst>
-            <a:ext uri="{909E8E84-426E-40DD-AFC4-6F175D3DCCD1}">
-              <a14:hiddenFill xmlns:a14="http://schemas.microsoft.com/office/drawing/2010/main">
-                <a:solidFill>
-                  <a:srgbClr val="FFFFFF"/>
-                </a:solidFill>
-              </a14:hiddenFill>
-            </a:ext>
-          </a:extLst>
-        </p:spPr>
-      </p:pic>
-      <p:pic>
-        <p:nvPicPr>
-          <p:cNvPr id="1030" name="Picture 6">
-            <a:extLst>
-              <a:ext uri="{FF2B5EF4-FFF2-40B4-BE49-F238E27FC236}">
-                <a16:creationId xmlns:a16="http://schemas.microsoft.com/office/drawing/2014/main" id="{E813E8C5-37D6-15FA-F7ED-CD69161CB932}"/>
-              </a:ext>
-            </a:extLst>
-          </p:cNvPr>
-          <p:cNvPicPr>
-            <a:picLocks noChangeAspect="1" noChangeArrowheads="1"/>
-          </p:cNvPicPr>
-          <p:nvPr/>
-        </p:nvPicPr>
-        <p:blipFill>
-          <a:blip r:embed="rId4">
-            <a:extLst>
-              <a:ext uri="{28A0092B-C50C-407E-A947-70E740481C1C}">
-                <a14:useLocalDpi xmlns:a14="http://schemas.microsoft.com/office/drawing/2010/main" val="0"/>
-              </a:ext>
-            </a:extLst>
-          </a:blip>
-          <a:srcRect/>
-          <a:stretch>
-            <a:fillRect/>
-          </a:stretch>
-        </p:blipFill>
-        <p:spPr bwMode="auto">
-          <a:xfrm>
-            <a:off x="886010" y="4755813"/>
-            <a:ext cx="4406670" cy="2092665"/>
+            <a:off x="8819970" y="3215611"/>
+            <a:ext cx="3182539" cy="1926666"/>
           </a:xfrm>
           <a:prstGeom prst="rect">
             <a:avLst/>
@@ -2677,6 +6416,143 @@
     <p:extLst>
       <p:ext uri="{BB962C8B-B14F-4D97-AF65-F5344CB8AC3E}">
         <p14:creationId xmlns:p14="http://schemas.microsoft.com/office/powerpoint/2010/main" val="3762529990"/>
+      </p:ext>
+    </p:extLst>
+  </p:cSld>
+  <p:clrMapOvr>
+    <a:masterClrMapping/>
+  </p:clrMapOvr>
+</p:sld>
+</file>
+
+<file path=ppt/slides/slide5.xml><?xml version="1.0" encoding="utf-8"?>
+<p:sld xmlns:a="http://schemas.openxmlformats.org/drawingml/2006/main" xmlns:r="http://schemas.openxmlformats.org/officeDocument/2006/relationships" xmlns:p="http://schemas.openxmlformats.org/presentationml/2006/main">
+  <p:cSld>
+    <p:spTree>
+      <p:nvGrpSpPr>
+        <p:cNvPr id="1" name=""/>
+        <p:cNvGrpSpPr/>
+        <p:nvPr/>
+      </p:nvGrpSpPr>
+      <p:grpSpPr>
+        <a:xfrm>
+          <a:off x="0" y="0"/>
+          <a:ext cx="0" cy="0"/>
+          <a:chOff x="0" y="0"/>
+          <a:chExt cx="0" cy="0"/>
+        </a:xfrm>
+      </p:grpSpPr>
+      <p:sp>
+        <p:nvSpPr>
+          <p:cNvPr id="2" name="Title 1">
+            <a:extLst>
+              <a:ext uri="{FF2B5EF4-FFF2-40B4-BE49-F238E27FC236}">
+                <a16:creationId xmlns:a16="http://schemas.microsoft.com/office/drawing/2014/main" id="{F45F6949-87CE-7A3F-307C-5A1024AB86E7}"/>
+              </a:ext>
+            </a:extLst>
+          </p:cNvPr>
+          <p:cNvSpPr>
+            <a:spLocks noGrp="1"/>
+          </p:cNvSpPr>
+          <p:nvPr>
+            <p:ph type="title"/>
+          </p:nvPr>
+        </p:nvSpPr>
+        <p:spPr/>
+        <p:txBody>
+          <a:bodyPr/>
+          <a:lstStyle/>
+          <a:p>
+            <a:r>
+              <a:rPr lang="en-US" dirty="0"/>
+              <a:t>Notes</a:t>
+            </a:r>
+          </a:p>
+        </p:txBody>
+      </p:sp>
+      <p:sp>
+        <p:nvSpPr>
+          <p:cNvPr id="3" name="Content Placeholder 2">
+            <a:extLst>
+              <a:ext uri="{FF2B5EF4-FFF2-40B4-BE49-F238E27FC236}">
+                <a16:creationId xmlns:a16="http://schemas.microsoft.com/office/drawing/2014/main" id="{3271A915-9ED1-E592-EA0E-285BC9A3E70E}"/>
+              </a:ext>
+            </a:extLst>
+          </p:cNvPr>
+          <p:cNvSpPr>
+            <a:spLocks noGrp="1"/>
+          </p:cNvSpPr>
+          <p:nvPr>
+            <p:ph idx="1"/>
+          </p:nvPr>
+        </p:nvSpPr>
+        <p:spPr/>
+        <p:txBody>
+          <a:bodyPr/>
+          <a:lstStyle/>
+          <a:p>
+            <a:r>
+              <a:rPr lang="en-US" dirty="0"/>
+              <a:t>CV peaks—reaction to completion</a:t>
+            </a:r>
+          </a:p>
+          <a:p>
+            <a:pPr lvl="1"/>
+            <a:r>
+              <a:rPr lang="en-US" dirty="0"/>
+              <a:t>SCFT keeps increasing with charge density</a:t>
+            </a:r>
+          </a:p>
+          <a:p>
+            <a:pPr lvl="2"/>
+            <a:r>
+              <a:rPr lang="en-US" dirty="0"/>
+              <a:t>Length scale may be smaller, original \phi </a:t>
+            </a:r>
+            <a:r>
+              <a:rPr lang="en-US" dirty="0" err="1"/>
+              <a:t>dne</a:t>
+            </a:r>
+            <a:r>
+              <a:rPr lang="en-US" dirty="0"/>
+              <a:t> 0?</a:t>
+            </a:r>
+          </a:p>
+        </p:txBody>
+      </p:sp>
+      <p:sp>
+        <p:nvSpPr>
+          <p:cNvPr id="4" name="Slide Number Placeholder 3">
+            <a:extLst>
+              <a:ext uri="{FF2B5EF4-FFF2-40B4-BE49-F238E27FC236}">
+                <a16:creationId xmlns:a16="http://schemas.microsoft.com/office/drawing/2014/main" id="{A3BF3B21-6169-3018-6969-075EE6DA91CF}"/>
+              </a:ext>
+            </a:extLst>
+          </p:cNvPr>
+          <p:cNvSpPr>
+            <a:spLocks noGrp="1"/>
+          </p:cNvSpPr>
+          <p:nvPr>
+            <p:ph type="sldNum" sz="quarter" idx="12"/>
+          </p:nvPr>
+        </p:nvSpPr>
+        <p:spPr/>
+        <p:txBody>
+          <a:bodyPr/>
+          <a:lstStyle/>
+          <a:p>
+            <a:fld id="{5911C0E6-D9CE-431C-92CB-BB39B872F930}" type="slidenum">
+              <a:rPr lang="en-US" smtClean="0"/>
+              <a:t>5</a:t>
+            </a:fld>
+            <a:endParaRPr lang="en-US"/>
+          </a:p>
+        </p:txBody>
+      </p:sp>
+    </p:spTree>
+    <p:extLst>
+      <p:ext uri="{BB962C8B-B14F-4D97-AF65-F5344CB8AC3E}">
+        <p14:creationId xmlns:p14="http://schemas.microsoft.com/office/powerpoint/2010/main" val="3368368083"/>
       </p:ext>
     </p:extLst>
   </p:cSld>

--- a/NAF.pptx
+++ b/NAF.pptx
@@ -11,8 +11,8 @@
     <p:sldId id="256" r:id="rId2"/>
     <p:sldId id="258" r:id="rId3"/>
     <p:sldId id="259" r:id="rId4"/>
-    <p:sldId id="257" r:id="rId5"/>
-    <p:sldId id="260" r:id="rId6"/>
+    <p:sldId id="260" r:id="rId5"/>
+    <p:sldId id="257" r:id="rId6"/>
   </p:sldIdLst>
   <p:sldSz cx="12192000" cy="6858000"/>
   <p:notesSz cx="6858000" cy="9144000"/>
@@ -5757,6 +5757,161 @@
           <p:cNvPr id="2" name="Title 1">
             <a:extLst>
               <a:ext uri="{FF2B5EF4-FFF2-40B4-BE49-F238E27FC236}">
+                <a16:creationId xmlns:a16="http://schemas.microsoft.com/office/drawing/2014/main" id="{F45F6949-87CE-7A3F-307C-5A1024AB86E7}"/>
+              </a:ext>
+            </a:extLst>
+          </p:cNvPr>
+          <p:cNvSpPr>
+            <a:spLocks noGrp="1"/>
+          </p:cNvSpPr>
+          <p:nvPr>
+            <p:ph type="title"/>
+          </p:nvPr>
+        </p:nvSpPr>
+        <p:spPr/>
+        <p:txBody>
+          <a:bodyPr/>
+          <a:lstStyle/>
+          <a:p>
+            <a:r>
+              <a:rPr lang="en-US" dirty="0"/>
+              <a:t>Notes</a:t>
+            </a:r>
+          </a:p>
+        </p:txBody>
+      </p:sp>
+      <p:sp>
+        <p:nvSpPr>
+          <p:cNvPr id="3" name="Content Placeholder 2">
+            <a:extLst>
+              <a:ext uri="{FF2B5EF4-FFF2-40B4-BE49-F238E27FC236}">
+                <a16:creationId xmlns:a16="http://schemas.microsoft.com/office/drawing/2014/main" id="{3271A915-9ED1-E592-EA0E-285BC9A3E70E}"/>
+              </a:ext>
+            </a:extLst>
+          </p:cNvPr>
+          <p:cNvSpPr>
+            <a:spLocks noGrp="1"/>
+          </p:cNvSpPr>
+          <p:nvPr>
+            <p:ph idx="1"/>
+          </p:nvPr>
+        </p:nvSpPr>
+        <p:spPr/>
+        <p:txBody>
+          <a:bodyPr/>
+          <a:lstStyle/>
+          <a:p>
+            <a:r>
+              <a:rPr lang="en-US" dirty="0"/>
+              <a:t>CV peaks—reaction to completion</a:t>
+            </a:r>
+          </a:p>
+          <a:p>
+            <a:pPr lvl="1"/>
+            <a:r>
+              <a:rPr lang="en-US" dirty="0"/>
+              <a:t>SCFT keeps increasing with charge density</a:t>
+            </a:r>
+          </a:p>
+          <a:p>
+            <a:pPr lvl="2"/>
+            <a:r>
+              <a:rPr lang="en-US" dirty="0"/>
+              <a:t>Length scale may be smaller, original \phi </a:t>
+            </a:r>
+            <a:r>
+              <a:rPr lang="en-US" dirty="0" err="1"/>
+              <a:t>dne</a:t>
+            </a:r>
+            <a:r>
+              <a:rPr lang="en-US" dirty="0"/>
+              <a:t> 0?</a:t>
+            </a:r>
+          </a:p>
+          <a:p>
+            <a:pPr lvl="2"/>
+            <a:endParaRPr lang="en-US" dirty="0"/>
+          </a:p>
+          <a:p>
+            <a:r>
+              <a:rPr lang="en-US" dirty="0"/>
+              <a:t>SWITCH TO DGC SOON – thread </a:t>
+            </a:r>
+            <a:r>
+              <a:rPr lang="en-US" dirty="0" err="1"/>
+              <a:t>dne</a:t>
+            </a:r>
+            <a:r>
+              <a:rPr lang="en-US" dirty="0"/>
+              <a:t> bead-spring at N = 2</a:t>
+            </a:r>
+          </a:p>
+        </p:txBody>
+      </p:sp>
+      <p:sp>
+        <p:nvSpPr>
+          <p:cNvPr id="4" name="Slide Number Placeholder 3">
+            <a:extLst>
+              <a:ext uri="{FF2B5EF4-FFF2-40B4-BE49-F238E27FC236}">
+                <a16:creationId xmlns:a16="http://schemas.microsoft.com/office/drawing/2014/main" id="{A3BF3B21-6169-3018-6969-075EE6DA91CF}"/>
+              </a:ext>
+            </a:extLst>
+          </p:cNvPr>
+          <p:cNvSpPr>
+            <a:spLocks noGrp="1"/>
+          </p:cNvSpPr>
+          <p:nvPr>
+            <p:ph type="sldNum" sz="quarter" idx="12"/>
+          </p:nvPr>
+        </p:nvSpPr>
+        <p:spPr/>
+        <p:txBody>
+          <a:bodyPr/>
+          <a:lstStyle/>
+          <a:p>
+            <a:fld id="{5911C0E6-D9CE-431C-92CB-BB39B872F930}" type="slidenum">
+              <a:rPr lang="en-US" smtClean="0"/>
+              <a:t>4</a:t>
+            </a:fld>
+            <a:endParaRPr lang="en-US"/>
+          </a:p>
+        </p:txBody>
+      </p:sp>
+    </p:spTree>
+    <p:extLst>
+      <p:ext uri="{BB962C8B-B14F-4D97-AF65-F5344CB8AC3E}">
+        <p14:creationId xmlns:p14="http://schemas.microsoft.com/office/powerpoint/2010/main" val="3368368083"/>
+      </p:ext>
+    </p:extLst>
+  </p:cSld>
+  <p:clrMapOvr>
+    <a:masterClrMapping/>
+  </p:clrMapOvr>
+</p:sld>
+</file>
+
+<file path=ppt/slides/slide5.xml><?xml version="1.0" encoding="utf-8"?>
+<p:sld xmlns:a="http://schemas.openxmlformats.org/drawingml/2006/main" xmlns:r="http://schemas.openxmlformats.org/officeDocument/2006/relationships" xmlns:p="http://schemas.openxmlformats.org/presentationml/2006/main">
+  <p:cSld>
+    <p:spTree>
+      <p:nvGrpSpPr>
+        <p:cNvPr id="1" name=""/>
+        <p:cNvGrpSpPr/>
+        <p:nvPr/>
+      </p:nvGrpSpPr>
+      <p:grpSpPr>
+        <a:xfrm>
+          <a:off x="0" y="0"/>
+          <a:ext cx="0" cy="0"/>
+          <a:chOff x="0" y="0"/>
+          <a:chExt cx="0" cy="0"/>
+        </a:xfrm>
+      </p:grpSpPr>
+      <p:sp>
+        <p:nvSpPr>
+          <p:cNvPr id="2" name="Title 1">
+            <a:extLst>
+              <a:ext uri="{FF2B5EF4-FFF2-40B4-BE49-F238E27FC236}">
                 <a16:creationId xmlns:a16="http://schemas.microsoft.com/office/drawing/2014/main" id="{4041FD49-51CB-4608-A3ED-30B7E304CBD6}"/>
               </a:ext>
             </a:extLst>
@@ -5775,7 +5930,7 @@
           <a:p>
             <a:r>
               <a:rPr lang="en-US" dirty="0"/>
-              <a:t>Sidechain only</a:t>
+              <a:t>Sidechain only – CGC </a:t>
             </a:r>
           </a:p>
         </p:txBody>
@@ -5803,7 +5958,7 @@
           <a:p>
             <a:fld id="{5911C0E6-D9CE-431C-92CB-BB39B872F930}" type="slidenum">
               <a:rPr lang="en-US" smtClean="0"/>
-              <a:t>4</a:t>
+              <a:t>5</a:t>
             </a:fld>
             <a:endParaRPr lang="en-US"/>
           </a:p>
@@ -6412,147 +6567,59 @@
           </a:extLst>
         </p:spPr>
       </p:pic>
-    </p:spTree>
-    <p:extLst>
-      <p:ext uri="{BB962C8B-B14F-4D97-AF65-F5344CB8AC3E}">
-        <p14:creationId xmlns:p14="http://schemas.microsoft.com/office/powerpoint/2010/main" val="3762529990"/>
-      </p:ext>
-    </p:extLst>
-  </p:cSld>
-  <p:clrMapOvr>
-    <a:masterClrMapping/>
-  </p:clrMapOvr>
-</p:sld>
-</file>
-
-<file path=ppt/slides/slide5.xml><?xml version="1.0" encoding="utf-8"?>
-<p:sld xmlns:a="http://schemas.openxmlformats.org/drawingml/2006/main" xmlns:r="http://schemas.openxmlformats.org/officeDocument/2006/relationships" xmlns:p="http://schemas.openxmlformats.org/presentationml/2006/main">
-  <p:cSld>
-    <p:spTree>
-      <p:nvGrpSpPr>
-        <p:cNvPr id="1" name=""/>
-        <p:cNvGrpSpPr/>
-        <p:nvPr/>
-      </p:nvGrpSpPr>
-      <p:grpSpPr>
-        <a:xfrm>
-          <a:off x="0" y="0"/>
-          <a:ext cx="0" cy="0"/>
-          <a:chOff x="0" y="0"/>
-          <a:chExt cx="0" cy="0"/>
-        </a:xfrm>
-      </p:grpSpPr>
       <p:sp>
         <p:nvSpPr>
-          <p:cNvPr id="2" name="Title 1">
+          <p:cNvPr id="23" name="Rectangle 22">
             <a:extLst>
               <a:ext uri="{FF2B5EF4-FFF2-40B4-BE49-F238E27FC236}">
-                <a16:creationId xmlns:a16="http://schemas.microsoft.com/office/drawing/2014/main" id="{F45F6949-87CE-7A3F-307C-5A1024AB86E7}"/>
+                <a16:creationId xmlns:a16="http://schemas.microsoft.com/office/drawing/2014/main" id="{2BF1DB38-6E2F-0AA9-57EF-8FDA82DD99DC}"/>
               </a:ext>
             </a:extLst>
           </p:cNvPr>
-          <p:cNvSpPr>
-            <a:spLocks noGrp="1"/>
-          </p:cNvSpPr>
-          <p:nvPr>
-            <p:ph type="title"/>
-          </p:nvPr>
+          <p:cNvSpPr/>
+          <p:nvPr/>
         </p:nvSpPr>
-        <p:spPr/>
+        <p:spPr>
+          <a:xfrm>
+            <a:off x="2954867" y="5199427"/>
+            <a:ext cx="2624667" cy="988483"/>
+          </a:xfrm>
+          <a:prstGeom prst="rect">
+            <a:avLst/>
+          </a:prstGeom>
+        </p:spPr>
+        <p:style>
+          <a:lnRef idx="2">
+            <a:schemeClr val="accent1">
+              <a:shade val="15000"/>
+            </a:schemeClr>
+          </a:lnRef>
+          <a:fillRef idx="1">
+            <a:schemeClr val="accent1"/>
+          </a:fillRef>
+          <a:effectRef idx="0">
+            <a:schemeClr val="accent1"/>
+          </a:effectRef>
+          <a:fontRef idx="minor">
+            <a:schemeClr val="lt1"/>
+          </a:fontRef>
+        </p:style>
         <p:txBody>
-          <a:bodyPr/>
+          <a:bodyPr rtlCol="0" anchor="ctr"/>
           <a:lstStyle/>
           <a:p>
+            <a:pPr algn="ctr"/>
             <a:r>
               <a:rPr lang="en-US" dirty="0"/>
-              <a:t>Notes</a:t>
-            </a:r>
-          </a:p>
-        </p:txBody>
-      </p:sp>
-      <p:sp>
-        <p:nvSpPr>
-          <p:cNvPr id="3" name="Content Placeholder 2">
-            <a:extLst>
-              <a:ext uri="{FF2B5EF4-FFF2-40B4-BE49-F238E27FC236}">
-                <a16:creationId xmlns:a16="http://schemas.microsoft.com/office/drawing/2014/main" id="{3271A915-9ED1-E592-EA0E-285BC9A3E70E}"/>
-              </a:ext>
-            </a:extLst>
-          </p:cNvPr>
-          <p:cNvSpPr>
-            <a:spLocks noGrp="1"/>
-          </p:cNvSpPr>
-          <p:nvPr>
-            <p:ph idx="1"/>
-          </p:nvPr>
-        </p:nvSpPr>
-        <p:spPr/>
-        <p:txBody>
-          <a:bodyPr/>
-          <a:lstStyle/>
-          <a:p>
-            <a:r>
-              <a:rPr lang="en-US" dirty="0"/>
-              <a:t>CV peaks—reaction to completion</a:t>
-            </a:r>
-          </a:p>
-          <a:p>
-            <a:pPr lvl="1"/>
-            <a:r>
-              <a:rPr lang="en-US" dirty="0"/>
-              <a:t>SCFT keeps increasing with charge density</a:t>
-            </a:r>
-          </a:p>
-          <a:p>
-            <a:pPr lvl="2"/>
-            <a:r>
-              <a:rPr lang="en-US" dirty="0"/>
-              <a:t>Length scale may be smaller, original \phi </a:t>
-            </a:r>
-            <a:r>
-              <a:rPr lang="en-US" dirty="0" err="1"/>
-              <a:t>dne</a:t>
-            </a:r>
-            <a:r>
-              <a:rPr lang="en-US" dirty="0"/>
-              <a:t> 0?</a:t>
-            </a:r>
-          </a:p>
-        </p:txBody>
-      </p:sp>
-      <p:sp>
-        <p:nvSpPr>
-          <p:cNvPr id="4" name="Slide Number Placeholder 3">
-            <a:extLst>
-              <a:ext uri="{FF2B5EF4-FFF2-40B4-BE49-F238E27FC236}">
-                <a16:creationId xmlns:a16="http://schemas.microsoft.com/office/drawing/2014/main" id="{A3BF3B21-6169-3018-6969-075EE6DA91CF}"/>
-              </a:ext>
-            </a:extLst>
-          </p:cNvPr>
-          <p:cNvSpPr>
-            <a:spLocks noGrp="1"/>
-          </p:cNvSpPr>
-          <p:nvPr>
-            <p:ph type="sldNum" sz="quarter" idx="12"/>
-          </p:nvPr>
-        </p:nvSpPr>
-        <p:spPr/>
-        <p:txBody>
-          <a:bodyPr/>
-          <a:lstStyle/>
-          <a:p>
-            <a:fld id="{5911C0E6-D9CE-431C-92CB-BB39B872F930}" type="slidenum">
-              <a:rPr lang="en-US" smtClean="0"/>
-              <a:t>5</a:t>
-            </a:fld>
-            <a:endParaRPr lang="en-US"/>
+              <a:t>Stretching to 4 nm shouldn’t be possible—artifact of CGC?</a:t>
+            </a:r>
           </a:p>
         </p:txBody>
       </p:sp>
     </p:spTree>
     <p:extLst>
       <p:ext uri="{BB962C8B-B14F-4D97-AF65-F5344CB8AC3E}">
-        <p14:creationId xmlns:p14="http://schemas.microsoft.com/office/powerpoint/2010/main" val="3368368083"/>
+        <p14:creationId xmlns:p14="http://schemas.microsoft.com/office/powerpoint/2010/main" val="3762529990"/>
       </p:ext>
     </p:extLst>
   </p:cSld>

--- a/NAF.pptx
+++ b/NAF.pptx
@@ -6587,6 +6587,9 @@
           <a:prstGeom prst="rect">
             <a:avLst/>
           </a:prstGeom>
+          <a:solidFill>
+            <a:schemeClr val="accent2"/>
+          </a:solidFill>
         </p:spPr>
         <p:style>
           <a:lnRef idx="2">

--- a/NAF.pptx
+++ b/NAF.pptx
@@ -5,14 +5,16 @@
     <p:sldMasterId id="2147483648" r:id="rId1"/>
   </p:sldMasterIdLst>
   <p:notesMasterIdLst>
-    <p:notesMasterId r:id="rId7"/>
+    <p:notesMasterId r:id="rId9"/>
   </p:notesMasterIdLst>
   <p:sldIdLst>
     <p:sldId id="256" r:id="rId2"/>
     <p:sldId id="258" r:id="rId3"/>
     <p:sldId id="259" r:id="rId4"/>
-    <p:sldId id="260" r:id="rId5"/>
-    <p:sldId id="257" r:id="rId6"/>
+    <p:sldId id="257" r:id="rId5"/>
+    <p:sldId id="262" r:id="rId6"/>
+    <p:sldId id="260" r:id="rId7"/>
+    <p:sldId id="261" r:id="rId8"/>
   </p:sldIdLst>
   <p:sldSz cx="12192000" cy="6858000"/>
   <p:notesSz cx="6858000" cy="9144000"/>
@@ -201,7 +203,7 @@
           <a:p>
             <a:fld id="{4299902A-6DB3-4A13-9B91-BEABFDA2FC16}" type="datetimeFigureOut">
               <a:rPr lang="en-US" smtClean="0"/>
-              <a:t>6/10/2024</a:t>
+              <a:t>6/18/2024</a:t>
             </a:fld>
             <a:endParaRPr lang="en-US"/>
           </a:p>
@@ -2668,7 +2670,7 @@
         </p:blipFill>
         <p:spPr>
           <a:xfrm>
-            <a:off x="1381158" y="5728969"/>
+            <a:off x="1390023" y="5585667"/>
             <a:ext cx="3024091" cy="987458"/>
           </a:xfrm>
           <a:prstGeom prst="rect">
@@ -2676,48 +2678,12 @@
           </a:prstGeom>
         </p:spPr>
       </p:pic>
-      <p:sp>
-        <p:nvSpPr>
-          <p:cNvPr id="57" name="TextBox 56">
-            <a:extLst>
-              <a:ext uri="{FF2B5EF4-FFF2-40B4-BE49-F238E27FC236}">
-                <a16:creationId xmlns:a16="http://schemas.microsoft.com/office/drawing/2014/main" id="{BA1E28C0-AEFE-82E5-002F-456849810897}"/>
-              </a:ext>
-            </a:extLst>
-          </p:cNvPr>
-          <p:cNvSpPr txBox="1"/>
-          <p:nvPr/>
-        </p:nvSpPr>
-        <p:spPr>
-          <a:xfrm>
-            <a:off x="4636882" y="5034319"/>
-            <a:ext cx="736517" cy="369332"/>
-          </a:xfrm>
-          <a:prstGeom prst="rect">
-            <a:avLst/>
-          </a:prstGeom>
-          <a:noFill/>
-        </p:spPr>
-        <p:txBody>
-          <a:bodyPr wrap="square" rtlCol="0">
-            <a:spAutoFit/>
-          </a:bodyPr>
-          <a:lstStyle/>
-          <a:p>
-            <a:pPr algn="ctr"/>
-            <a:r>
-              <a:rPr lang="en-US" dirty="0"/>
-              <a:t>Pt</a:t>
-            </a:r>
-          </a:p>
-        </p:txBody>
-      </p:sp>
       <p:grpSp>
         <p:nvGrpSpPr>
-          <p:cNvPr id="60" name="Group 59">
+          <p:cNvPr id="66" name="Group 65">
             <a:extLst>
               <a:ext uri="{FF2B5EF4-FFF2-40B4-BE49-F238E27FC236}">
-                <a16:creationId xmlns:a16="http://schemas.microsoft.com/office/drawing/2014/main" id="{9CB94039-E937-8AF5-2656-A02E854F6CF3}"/>
+                <a16:creationId xmlns:a16="http://schemas.microsoft.com/office/drawing/2014/main" id="{9575A92D-2D11-11EB-4BAF-4A29E1383A4F}"/>
               </a:ext>
             </a:extLst>
           </p:cNvPr>
@@ -2726,10 +2692,10 @@
         </p:nvGrpSpPr>
         <p:grpSpPr>
           <a:xfrm>
-            <a:off x="169931" y="1261121"/>
-            <a:ext cx="4898551" cy="4142530"/>
-            <a:chOff x="169931" y="1261121"/>
-            <a:chExt cx="4898551" cy="4142530"/>
+            <a:off x="762002" y="1261121"/>
+            <a:ext cx="4306480" cy="3779677"/>
+            <a:chOff x="762002" y="1261121"/>
+            <a:chExt cx="4306480" cy="3779677"/>
           </a:xfrm>
         </p:grpSpPr>
         <p:sp>
@@ -3822,52 +3788,6 @@
         </p:sp>
         <p:sp>
           <p:nvSpPr>
-            <p:cNvPr id="21" name="Oval 20">
-              <a:extLst>
-                <a:ext uri="{FF2B5EF4-FFF2-40B4-BE49-F238E27FC236}">
-                  <a16:creationId xmlns:a16="http://schemas.microsoft.com/office/drawing/2014/main" id="{4E6B372D-B9B8-4A2C-5742-8CC282E6BD37}"/>
-                </a:ext>
-              </a:extLst>
-            </p:cNvPr>
-            <p:cNvSpPr/>
-            <p:nvPr/>
-          </p:nvSpPr>
-          <p:spPr>
-            <a:xfrm>
-              <a:off x="2741549" y="1414414"/>
-              <a:ext cx="107468" cy="107468"/>
-            </a:xfrm>
-            <a:prstGeom prst="ellipse">
-              <a:avLst/>
-            </a:prstGeom>
-          </p:spPr>
-          <p:style>
-            <a:lnRef idx="2">
-              <a:schemeClr val="accent2">
-                <a:shade val="15000"/>
-              </a:schemeClr>
-            </a:lnRef>
-            <a:fillRef idx="1">
-              <a:schemeClr val="accent2"/>
-            </a:fillRef>
-            <a:effectRef idx="0">
-              <a:schemeClr val="accent2"/>
-            </a:effectRef>
-            <a:fontRef idx="minor">
-              <a:schemeClr val="lt1"/>
-            </a:fontRef>
-          </p:style>
-          <p:txBody>
-            <a:bodyPr rtlCol="0" anchor="ctr"/>
-            <a:lstStyle/>
-            <a:p>
-              <a:pPr algn="ctr"/>
-              <a:endParaRPr lang="en-US"/>
-            </a:p>
-          </p:txBody>
-        </p:sp>
-        <p:sp>
-          <p:nvSpPr>
             <p:cNvPr id="22" name="Oval 21">
               <a:extLst>
                 <a:ext uri="{FF2B5EF4-FFF2-40B4-BE49-F238E27FC236}">
@@ -3917,144 +3837,6 @@
         </p:sp>
         <p:sp>
           <p:nvSpPr>
-            <p:cNvPr id="23" name="Oval 22">
-              <a:extLst>
-                <a:ext uri="{FF2B5EF4-FFF2-40B4-BE49-F238E27FC236}">
-                  <a16:creationId xmlns:a16="http://schemas.microsoft.com/office/drawing/2014/main" id="{C6EB7810-810D-9F66-7B24-0941E4C94A0C}"/>
-                </a:ext>
-              </a:extLst>
-            </p:cNvPr>
-            <p:cNvSpPr/>
-            <p:nvPr/>
-          </p:nvSpPr>
-          <p:spPr>
-            <a:xfrm>
-              <a:off x="2371939" y="1399402"/>
-              <a:ext cx="107468" cy="107468"/>
-            </a:xfrm>
-            <a:prstGeom prst="ellipse">
-              <a:avLst/>
-            </a:prstGeom>
-          </p:spPr>
-          <p:style>
-            <a:lnRef idx="2">
-              <a:schemeClr val="accent2">
-                <a:shade val="15000"/>
-              </a:schemeClr>
-            </a:lnRef>
-            <a:fillRef idx="1">
-              <a:schemeClr val="accent2"/>
-            </a:fillRef>
-            <a:effectRef idx="0">
-              <a:schemeClr val="accent2"/>
-            </a:effectRef>
-            <a:fontRef idx="minor">
-              <a:schemeClr val="lt1"/>
-            </a:fontRef>
-          </p:style>
-          <p:txBody>
-            <a:bodyPr rtlCol="0" anchor="ctr"/>
-            <a:lstStyle/>
-            <a:p>
-              <a:pPr algn="ctr"/>
-              <a:endParaRPr lang="en-US"/>
-            </a:p>
-          </p:txBody>
-        </p:sp>
-        <p:sp>
-          <p:nvSpPr>
-            <p:cNvPr id="24" name="Oval 23">
-              <a:extLst>
-                <a:ext uri="{FF2B5EF4-FFF2-40B4-BE49-F238E27FC236}">
-                  <a16:creationId xmlns:a16="http://schemas.microsoft.com/office/drawing/2014/main" id="{3950C0FD-9A31-EAE5-9694-612E2402B950}"/>
-                </a:ext>
-              </a:extLst>
-            </p:cNvPr>
-            <p:cNvSpPr/>
-            <p:nvPr/>
-          </p:nvSpPr>
-          <p:spPr>
-            <a:xfrm>
-              <a:off x="2264471" y="1840998"/>
-              <a:ext cx="107468" cy="107468"/>
-            </a:xfrm>
-            <a:prstGeom prst="ellipse">
-              <a:avLst/>
-            </a:prstGeom>
-          </p:spPr>
-          <p:style>
-            <a:lnRef idx="2">
-              <a:schemeClr val="accent2">
-                <a:shade val="15000"/>
-              </a:schemeClr>
-            </a:lnRef>
-            <a:fillRef idx="1">
-              <a:schemeClr val="accent2"/>
-            </a:fillRef>
-            <a:effectRef idx="0">
-              <a:schemeClr val="accent2"/>
-            </a:effectRef>
-            <a:fontRef idx="minor">
-              <a:schemeClr val="lt1"/>
-            </a:fontRef>
-          </p:style>
-          <p:txBody>
-            <a:bodyPr rtlCol="0" anchor="ctr"/>
-            <a:lstStyle/>
-            <a:p>
-              <a:pPr algn="ctr"/>
-              <a:endParaRPr lang="en-US"/>
-            </a:p>
-          </p:txBody>
-        </p:sp>
-        <p:sp>
-          <p:nvSpPr>
-            <p:cNvPr id="25" name="Oval 24">
-              <a:extLst>
-                <a:ext uri="{FF2B5EF4-FFF2-40B4-BE49-F238E27FC236}">
-                  <a16:creationId xmlns:a16="http://schemas.microsoft.com/office/drawing/2014/main" id="{DD028F2B-9FFC-5D55-AD31-D948F5F1CB10}"/>
-                </a:ext>
-              </a:extLst>
-            </p:cNvPr>
-            <p:cNvSpPr/>
-            <p:nvPr/>
-          </p:nvSpPr>
-          <p:spPr>
-            <a:xfrm>
-              <a:off x="2310194" y="2917506"/>
-              <a:ext cx="107468" cy="107468"/>
-            </a:xfrm>
-            <a:prstGeom prst="ellipse">
-              <a:avLst/>
-            </a:prstGeom>
-          </p:spPr>
-          <p:style>
-            <a:lnRef idx="2">
-              <a:schemeClr val="accent2">
-                <a:shade val="15000"/>
-              </a:schemeClr>
-            </a:lnRef>
-            <a:fillRef idx="1">
-              <a:schemeClr val="accent2"/>
-            </a:fillRef>
-            <a:effectRef idx="0">
-              <a:schemeClr val="accent2"/>
-            </a:effectRef>
-            <a:fontRef idx="minor">
-              <a:schemeClr val="lt1"/>
-            </a:fontRef>
-          </p:style>
-          <p:txBody>
-            <a:bodyPr rtlCol="0" anchor="ctr"/>
-            <a:lstStyle/>
-            <a:p>
-              <a:pPr algn="ctr"/>
-              <a:endParaRPr lang="en-US"/>
-            </a:p>
-          </p:txBody>
-        </p:sp>
-        <p:sp>
-          <p:nvSpPr>
             <p:cNvPr id="26" name="Oval 25">
               <a:extLst>
                 <a:ext uri="{FF2B5EF4-FFF2-40B4-BE49-F238E27FC236}">
@@ -4067,7 +3849,7 @@
           </p:nvSpPr>
           <p:spPr>
             <a:xfrm>
-              <a:off x="3743444" y="3651543"/>
+              <a:off x="3882403" y="4912081"/>
               <a:ext cx="107468" cy="107468"/>
             </a:xfrm>
             <a:prstGeom prst="ellipse">
@@ -4202,328 +3984,6 @@
         </p:sp>
         <p:sp>
           <p:nvSpPr>
-            <p:cNvPr id="30" name="Oval 29">
-              <a:extLst>
-                <a:ext uri="{FF2B5EF4-FFF2-40B4-BE49-F238E27FC236}">
-                  <a16:creationId xmlns:a16="http://schemas.microsoft.com/office/drawing/2014/main" id="{4F8A12CA-9E35-2B46-B4FA-2FAA5FC2F9C9}"/>
-                </a:ext>
-              </a:extLst>
-            </p:cNvPr>
-            <p:cNvSpPr/>
-            <p:nvPr/>
-          </p:nvSpPr>
-          <p:spPr>
-            <a:xfrm>
-              <a:off x="1500481" y="2342244"/>
-              <a:ext cx="107468" cy="107468"/>
-            </a:xfrm>
-            <a:prstGeom prst="ellipse">
-              <a:avLst/>
-            </a:prstGeom>
-          </p:spPr>
-          <p:style>
-            <a:lnRef idx="2">
-              <a:schemeClr val="accent2">
-                <a:shade val="15000"/>
-              </a:schemeClr>
-            </a:lnRef>
-            <a:fillRef idx="1">
-              <a:schemeClr val="accent2"/>
-            </a:fillRef>
-            <a:effectRef idx="0">
-              <a:schemeClr val="accent2"/>
-            </a:effectRef>
-            <a:fontRef idx="minor">
-              <a:schemeClr val="lt1"/>
-            </a:fontRef>
-          </p:style>
-          <p:txBody>
-            <a:bodyPr rtlCol="0" anchor="ctr"/>
-            <a:lstStyle/>
-            <a:p>
-              <a:pPr algn="ctr"/>
-              <a:endParaRPr lang="en-US"/>
-            </a:p>
-          </p:txBody>
-        </p:sp>
-        <p:sp>
-          <p:nvSpPr>
-            <p:cNvPr id="31" name="Oval 30">
-              <a:extLst>
-                <a:ext uri="{FF2B5EF4-FFF2-40B4-BE49-F238E27FC236}">
-                  <a16:creationId xmlns:a16="http://schemas.microsoft.com/office/drawing/2014/main" id="{5CE2F143-BA0E-8B49-274D-3133DFA43E35}"/>
-                </a:ext>
-              </a:extLst>
-            </p:cNvPr>
-            <p:cNvSpPr/>
-            <p:nvPr/>
-          </p:nvSpPr>
-          <p:spPr>
-            <a:xfrm>
-              <a:off x="3624861" y="4324714"/>
-              <a:ext cx="107468" cy="107468"/>
-            </a:xfrm>
-            <a:prstGeom prst="ellipse">
-              <a:avLst/>
-            </a:prstGeom>
-          </p:spPr>
-          <p:style>
-            <a:lnRef idx="2">
-              <a:schemeClr val="accent2">
-                <a:shade val="15000"/>
-              </a:schemeClr>
-            </a:lnRef>
-            <a:fillRef idx="1">
-              <a:schemeClr val="accent2"/>
-            </a:fillRef>
-            <a:effectRef idx="0">
-              <a:schemeClr val="accent2"/>
-            </a:effectRef>
-            <a:fontRef idx="minor">
-              <a:schemeClr val="lt1"/>
-            </a:fontRef>
-          </p:style>
-          <p:txBody>
-            <a:bodyPr rtlCol="0" anchor="ctr"/>
-            <a:lstStyle/>
-            <a:p>
-              <a:pPr algn="ctr"/>
-              <a:endParaRPr lang="en-US"/>
-            </a:p>
-          </p:txBody>
-        </p:sp>
-        <p:sp>
-          <p:nvSpPr>
-            <p:cNvPr id="32" name="Oval 31">
-              <a:extLst>
-                <a:ext uri="{FF2B5EF4-FFF2-40B4-BE49-F238E27FC236}">
-                  <a16:creationId xmlns:a16="http://schemas.microsoft.com/office/drawing/2014/main" id="{B965F0CA-94EC-1B16-674C-9BE1343FA7DF}"/>
-                </a:ext>
-              </a:extLst>
-            </p:cNvPr>
-            <p:cNvSpPr/>
-            <p:nvPr/>
-          </p:nvSpPr>
-          <p:spPr>
-            <a:xfrm>
-              <a:off x="1575457" y="3203715"/>
-              <a:ext cx="107468" cy="107468"/>
-            </a:xfrm>
-            <a:prstGeom prst="ellipse">
-              <a:avLst/>
-            </a:prstGeom>
-          </p:spPr>
-          <p:style>
-            <a:lnRef idx="2">
-              <a:schemeClr val="accent2">
-                <a:shade val="15000"/>
-              </a:schemeClr>
-            </a:lnRef>
-            <a:fillRef idx="1">
-              <a:schemeClr val="accent2"/>
-            </a:fillRef>
-            <a:effectRef idx="0">
-              <a:schemeClr val="accent2"/>
-            </a:effectRef>
-            <a:fontRef idx="minor">
-              <a:schemeClr val="lt1"/>
-            </a:fontRef>
-          </p:style>
-          <p:txBody>
-            <a:bodyPr rtlCol="0" anchor="ctr"/>
-            <a:lstStyle/>
-            <a:p>
-              <a:pPr algn="ctr"/>
-              <a:endParaRPr lang="en-US"/>
-            </a:p>
-          </p:txBody>
-        </p:sp>
-        <p:sp>
-          <p:nvSpPr>
-            <p:cNvPr id="33" name="Oval 32">
-              <a:extLst>
-                <a:ext uri="{FF2B5EF4-FFF2-40B4-BE49-F238E27FC236}">
-                  <a16:creationId xmlns:a16="http://schemas.microsoft.com/office/drawing/2014/main" id="{C5CB7780-1F4F-B074-CA33-E006D4BBEEC1}"/>
-                </a:ext>
-              </a:extLst>
-            </p:cNvPr>
-            <p:cNvSpPr/>
-            <p:nvPr/>
-          </p:nvSpPr>
-          <p:spPr>
-            <a:xfrm>
-              <a:off x="1951819" y="3907471"/>
-              <a:ext cx="107468" cy="107468"/>
-            </a:xfrm>
-            <a:prstGeom prst="ellipse">
-              <a:avLst/>
-            </a:prstGeom>
-          </p:spPr>
-          <p:style>
-            <a:lnRef idx="2">
-              <a:schemeClr val="accent2">
-                <a:shade val="15000"/>
-              </a:schemeClr>
-            </a:lnRef>
-            <a:fillRef idx="1">
-              <a:schemeClr val="accent2"/>
-            </a:fillRef>
-            <a:effectRef idx="0">
-              <a:schemeClr val="accent2"/>
-            </a:effectRef>
-            <a:fontRef idx="minor">
-              <a:schemeClr val="lt1"/>
-            </a:fontRef>
-          </p:style>
-          <p:txBody>
-            <a:bodyPr rtlCol="0" anchor="ctr"/>
-            <a:lstStyle/>
-            <a:p>
-              <a:pPr algn="ctr"/>
-              <a:endParaRPr lang="en-US"/>
-            </a:p>
-          </p:txBody>
-        </p:sp>
-        <p:sp>
-          <p:nvSpPr>
-            <p:cNvPr id="34" name="Oval 33">
-              <a:extLst>
-                <a:ext uri="{FF2B5EF4-FFF2-40B4-BE49-F238E27FC236}">
-                  <a16:creationId xmlns:a16="http://schemas.microsoft.com/office/drawing/2014/main" id="{61DB7668-66CC-A459-0A73-4348AC586264}"/>
-                </a:ext>
-              </a:extLst>
-            </p:cNvPr>
-            <p:cNvSpPr/>
-            <p:nvPr/>
-          </p:nvSpPr>
-          <p:spPr>
-            <a:xfrm>
-              <a:off x="3377817" y="4906782"/>
-              <a:ext cx="107468" cy="107468"/>
-            </a:xfrm>
-            <a:prstGeom prst="ellipse">
-              <a:avLst/>
-            </a:prstGeom>
-          </p:spPr>
-          <p:style>
-            <a:lnRef idx="2">
-              <a:schemeClr val="accent2">
-                <a:shade val="15000"/>
-              </a:schemeClr>
-            </a:lnRef>
-            <a:fillRef idx="1">
-              <a:schemeClr val="accent2"/>
-            </a:fillRef>
-            <a:effectRef idx="0">
-              <a:schemeClr val="accent2"/>
-            </a:effectRef>
-            <a:fontRef idx="minor">
-              <a:schemeClr val="lt1"/>
-            </a:fontRef>
-          </p:style>
-          <p:txBody>
-            <a:bodyPr rtlCol="0" anchor="ctr"/>
-            <a:lstStyle/>
-            <a:p>
-              <a:pPr algn="ctr"/>
-              <a:endParaRPr lang="en-US"/>
-            </a:p>
-          </p:txBody>
-        </p:sp>
-        <p:sp>
-          <p:nvSpPr>
-            <p:cNvPr id="35" name="Oval 34">
-              <a:extLst>
-                <a:ext uri="{FF2B5EF4-FFF2-40B4-BE49-F238E27FC236}">
-                  <a16:creationId xmlns:a16="http://schemas.microsoft.com/office/drawing/2014/main" id="{11322510-6983-60F8-9357-AAA53EDFD3E8}"/>
-                </a:ext>
-              </a:extLst>
-            </p:cNvPr>
-            <p:cNvSpPr/>
-            <p:nvPr/>
-          </p:nvSpPr>
-          <p:spPr>
-            <a:xfrm>
-              <a:off x="1727903" y="4666092"/>
-              <a:ext cx="107468" cy="107468"/>
-            </a:xfrm>
-            <a:prstGeom prst="ellipse">
-              <a:avLst/>
-            </a:prstGeom>
-          </p:spPr>
-          <p:style>
-            <a:lnRef idx="2">
-              <a:schemeClr val="accent2">
-                <a:shade val="15000"/>
-              </a:schemeClr>
-            </a:lnRef>
-            <a:fillRef idx="1">
-              <a:schemeClr val="accent2"/>
-            </a:fillRef>
-            <a:effectRef idx="0">
-              <a:schemeClr val="accent2"/>
-            </a:effectRef>
-            <a:fontRef idx="minor">
-              <a:schemeClr val="lt1"/>
-            </a:fontRef>
-          </p:style>
-          <p:txBody>
-            <a:bodyPr rtlCol="0" anchor="ctr"/>
-            <a:lstStyle/>
-            <a:p>
-              <a:pPr algn="ctr"/>
-              <a:endParaRPr lang="en-US"/>
-            </a:p>
-          </p:txBody>
-        </p:sp>
-        <p:sp>
-          <p:nvSpPr>
-            <p:cNvPr id="36" name="Oval 35">
-              <a:extLst>
-                <a:ext uri="{FF2B5EF4-FFF2-40B4-BE49-F238E27FC236}">
-                  <a16:creationId xmlns:a16="http://schemas.microsoft.com/office/drawing/2014/main" id="{4765BD51-9FB0-E8DB-323A-B3AB1F227BDE}"/>
-                </a:ext>
-              </a:extLst>
-            </p:cNvPr>
-            <p:cNvSpPr/>
-            <p:nvPr/>
-          </p:nvSpPr>
-          <p:spPr>
-            <a:xfrm>
-              <a:off x="2641328" y="3887313"/>
-              <a:ext cx="107468" cy="107468"/>
-            </a:xfrm>
-            <a:prstGeom prst="ellipse">
-              <a:avLst/>
-            </a:prstGeom>
-          </p:spPr>
-          <p:style>
-            <a:lnRef idx="2">
-              <a:schemeClr val="accent2">
-                <a:shade val="15000"/>
-              </a:schemeClr>
-            </a:lnRef>
-            <a:fillRef idx="1">
-              <a:schemeClr val="accent2"/>
-            </a:fillRef>
-            <a:effectRef idx="0">
-              <a:schemeClr val="accent2"/>
-            </a:effectRef>
-            <a:fontRef idx="minor">
-              <a:schemeClr val="lt1"/>
-            </a:fontRef>
-          </p:style>
-          <p:txBody>
-            <a:bodyPr rtlCol="0" anchor="ctr"/>
-            <a:lstStyle/>
-            <a:p>
-              <a:pPr algn="ctr"/>
-              <a:endParaRPr lang="en-US" dirty="0"/>
-            </a:p>
-          </p:txBody>
-        </p:sp>
-        <p:sp>
-          <p:nvSpPr>
             <p:cNvPr id="37" name="Oval 36">
               <a:extLst>
                 <a:ext uri="{FF2B5EF4-FFF2-40B4-BE49-F238E27FC236}">
@@ -4568,144 +4028,6 @@
                 <a:rPr lang="en-US" sz="1000" dirty="0"/>
                 <a:t>+</a:t>
               </a:r>
-            </a:p>
-          </p:txBody>
-        </p:sp>
-        <p:sp>
-          <p:nvSpPr>
-            <p:cNvPr id="38" name="Oval 37">
-              <a:extLst>
-                <a:ext uri="{FF2B5EF4-FFF2-40B4-BE49-F238E27FC236}">
-                  <a16:creationId xmlns:a16="http://schemas.microsoft.com/office/drawing/2014/main" id="{21DDED98-3005-C57B-78D8-C5BEC95F2BD7}"/>
-                </a:ext>
-              </a:extLst>
-            </p:cNvPr>
-            <p:cNvSpPr/>
-            <p:nvPr/>
-          </p:nvSpPr>
-          <p:spPr>
-            <a:xfrm>
-              <a:off x="2999138" y="1957064"/>
-              <a:ext cx="107468" cy="107468"/>
-            </a:xfrm>
-            <a:prstGeom prst="ellipse">
-              <a:avLst/>
-            </a:prstGeom>
-          </p:spPr>
-          <p:style>
-            <a:lnRef idx="2">
-              <a:schemeClr val="accent2">
-                <a:shade val="15000"/>
-              </a:schemeClr>
-            </a:lnRef>
-            <a:fillRef idx="1">
-              <a:schemeClr val="accent2"/>
-            </a:fillRef>
-            <a:effectRef idx="0">
-              <a:schemeClr val="accent2"/>
-            </a:effectRef>
-            <a:fontRef idx="minor">
-              <a:schemeClr val="lt1"/>
-            </a:fontRef>
-          </p:style>
-          <p:txBody>
-            <a:bodyPr rtlCol="0" anchor="ctr"/>
-            <a:lstStyle/>
-            <a:p>
-              <a:pPr algn="ctr"/>
-              <a:endParaRPr lang="en-US"/>
-            </a:p>
-          </p:txBody>
-        </p:sp>
-        <p:sp>
-          <p:nvSpPr>
-            <p:cNvPr id="39" name="Oval 38">
-              <a:extLst>
-                <a:ext uri="{FF2B5EF4-FFF2-40B4-BE49-F238E27FC236}">
-                  <a16:creationId xmlns:a16="http://schemas.microsoft.com/office/drawing/2014/main" id="{FE2550B2-E7B0-F2ED-AB8A-E8AA254B5CB3}"/>
-                </a:ext>
-              </a:extLst>
-            </p:cNvPr>
-            <p:cNvSpPr/>
-            <p:nvPr/>
-          </p:nvSpPr>
-          <p:spPr>
-            <a:xfrm>
-              <a:off x="3154518" y="2354735"/>
-              <a:ext cx="107468" cy="107468"/>
-            </a:xfrm>
-            <a:prstGeom prst="ellipse">
-              <a:avLst/>
-            </a:prstGeom>
-          </p:spPr>
-          <p:style>
-            <a:lnRef idx="2">
-              <a:schemeClr val="accent2">
-                <a:shade val="15000"/>
-              </a:schemeClr>
-            </a:lnRef>
-            <a:fillRef idx="1">
-              <a:schemeClr val="accent2"/>
-            </a:fillRef>
-            <a:effectRef idx="0">
-              <a:schemeClr val="accent2"/>
-            </a:effectRef>
-            <a:fontRef idx="minor">
-              <a:schemeClr val="lt1"/>
-            </a:fontRef>
-          </p:style>
-          <p:txBody>
-            <a:bodyPr rtlCol="0" anchor="ctr"/>
-            <a:lstStyle/>
-            <a:p>
-              <a:pPr algn="ctr"/>
-              <a:endParaRPr lang="en-US"/>
-            </a:p>
-          </p:txBody>
-        </p:sp>
-        <p:sp>
-          <p:nvSpPr>
-            <p:cNvPr id="40" name="Oval 39">
-              <a:extLst>
-                <a:ext uri="{FF2B5EF4-FFF2-40B4-BE49-F238E27FC236}">
-                  <a16:creationId xmlns:a16="http://schemas.microsoft.com/office/drawing/2014/main" id="{0F826D30-FE5F-3EEC-574A-CE9A667D24D9}"/>
-                </a:ext>
-              </a:extLst>
-            </p:cNvPr>
-            <p:cNvSpPr/>
-            <p:nvPr/>
-          </p:nvSpPr>
-          <p:spPr>
-            <a:xfrm>
-              <a:off x="3066438" y="3330925"/>
-              <a:ext cx="107468" cy="107468"/>
-            </a:xfrm>
-            <a:prstGeom prst="ellipse">
-              <a:avLst/>
-            </a:prstGeom>
-          </p:spPr>
-          <p:style>
-            <a:lnRef idx="2">
-              <a:schemeClr val="accent2">
-                <a:shade val="15000"/>
-              </a:schemeClr>
-            </a:lnRef>
-            <a:fillRef idx="1">
-              <a:schemeClr val="accent2"/>
-            </a:fillRef>
-            <a:effectRef idx="0">
-              <a:schemeClr val="accent2"/>
-            </a:effectRef>
-            <a:fontRef idx="minor">
-              <a:schemeClr val="lt1"/>
-            </a:fontRef>
-          </p:style>
-          <p:txBody>
-            <a:bodyPr rtlCol="0" anchor="ctr"/>
-            <a:lstStyle/>
-            <a:p>
-              <a:pPr algn="ctr"/>
-              <a:endParaRPr lang="en-US"/>
             </a:p>
           </p:txBody>
         </p:sp>
@@ -4809,52 +4131,6 @@
         </p:sp>
         <p:sp>
           <p:nvSpPr>
-            <p:cNvPr id="43" name="Oval 42">
-              <a:extLst>
-                <a:ext uri="{FF2B5EF4-FFF2-40B4-BE49-F238E27FC236}">
-                  <a16:creationId xmlns:a16="http://schemas.microsoft.com/office/drawing/2014/main" id="{7A4326CF-F969-4D23-58B4-2A901D530847}"/>
-                </a:ext>
-              </a:extLst>
-            </p:cNvPr>
-            <p:cNvSpPr/>
-            <p:nvPr/>
-          </p:nvSpPr>
-          <p:spPr>
-            <a:xfrm>
-              <a:off x="2166113" y="3289467"/>
-              <a:ext cx="107468" cy="107468"/>
-            </a:xfrm>
-            <a:prstGeom prst="ellipse">
-              <a:avLst/>
-            </a:prstGeom>
-          </p:spPr>
-          <p:style>
-            <a:lnRef idx="2">
-              <a:schemeClr val="accent2">
-                <a:shade val="15000"/>
-              </a:schemeClr>
-            </a:lnRef>
-            <a:fillRef idx="1">
-              <a:schemeClr val="accent2"/>
-            </a:fillRef>
-            <a:effectRef idx="0">
-              <a:schemeClr val="accent2"/>
-            </a:effectRef>
-            <a:fontRef idx="minor">
-              <a:schemeClr val="lt1"/>
-            </a:fontRef>
-          </p:style>
-          <p:txBody>
-            <a:bodyPr rtlCol="0" anchor="ctr"/>
-            <a:lstStyle/>
-            <a:p>
-              <a:pPr algn="ctr"/>
-              <a:endParaRPr lang="en-US"/>
-            </a:p>
-          </p:txBody>
-        </p:sp>
-        <p:sp>
-          <p:nvSpPr>
             <p:cNvPr id="44" name="Oval 43">
               <a:extLst>
                 <a:ext uri="{FF2B5EF4-FFF2-40B4-BE49-F238E27FC236}">
@@ -4916,7 +4192,7 @@
           </p:nvSpPr>
           <p:spPr>
             <a:xfrm>
-              <a:off x="4583148" y="2354735"/>
+              <a:off x="4550065" y="2372815"/>
               <a:ext cx="107468" cy="107468"/>
             </a:xfrm>
             <a:prstGeom prst="ellipse">
@@ -4948,52 +4224,6 @@
                 <a:rPr lang="en-US" sz="1000" dirty="0"/>
                 <a:t>+</a:t>
               </a:r>
-            </a:p>
-          </p:txBody>
-        </p:sp>
-        <p:sp>
-          <p:nvSpPr>
-            <p:cNvPr id="46" name="Oval 45">
-              <a:extLst>
-                <a:ext uri="{FF2B5EF4-FFF2-40B4-BE49-F238E27FC236}">
-                  <a16:creationId xmlns:a16="http://schemas.microsoft.com/office/drawing/2014/main" id="{33A77CFA-D3DF-7047-28DA-B53AF14A7F5B}"/>
-                </a:ext>
-              </a:extLst>
-            </p:cNvPr>
-            <p:cNvSpPr/>
-            <p:nvPr/>
-          </p:nvSpPr>
-          <p:spPr>
-            <a:xfrm>
-              <a:off x="2388407" y="2146610"/>
-              <a:ext cx="107468" cy="107468"/>
-            </a:xfrm>
-            <a:prstGeom prst="ellipse">
-              <a:avLst/>
-            </a:prstGeom>
-          </p:spPr>
-          <p:style>
-            <a:lnRef idx="2">
-              <a:schemeClr val="accent2">
-                <a:shade val="15000"/>
-              </a:schemeClr>
-            </a:lnRef>
-            <a:fillRef idx="1">
-              <a:schemeClr val="accent2"/>
-            </a:fillRef>
-            <a:effectRef idx="0">
-              <a:schemeClr val="accent2"/>
-            </a:effectRef>
-            <a:fontRef idx="minor">
-              <a:schemeClr val="lt1"/>
-            </a:fontRef>
-          </p:style>
-          <p:txBody>
-            <a:bodyPr rtlCol="0" anchor="ctr"/>
-            <a:lstStyle/>
-            <a:p>
-              <a:pPr algn="ctr"/>
-              <a:endParaRPr lang="en-US"/>
             </a:p>
           </p:txBody>
         </p:sp>
@@ -5048,10 +4278,10 @@
         </p:sp>
         <p:sp>
           <p:nvSpPr>
-            <p:cNvPr id="48" name="Oval 47">
+            <p:cNvPr id="27" name="Oval 26">
               <a:extLst>
                 <a:ext uri="{FF2B5EF4-FFF2-40B4-BE49-F238E27FC236}">
-                  <a16:creationId xmlns:a16="http://schemas.microsoft.com/office/drawing/2014/main" id="{825C84C0-246B-A0E9-1D26-E807D93CCFAA}"/>
+                  <a16:creationId xmlns:a16="http://schemas.microsoft.com/office/drawing/2014/main" id="{09264DDB-0406-295B-37D0-4F14B41F99FD}"/>
                 </a:ext>
               </a:extLst>
             </p:cNvPr>
@@ -5060,7 +4290,7 @@
           </p:nvSpPr>
           <p:spPr>
             <a:xfrm>
-              <a:off x="2934335" y="4461446"/>
+              <a:off x="1925838" y="3243504"/>
               <a:ext cx="107468" cy="107468"/>
             </a:xfrm>
             <a:prstGeom prst="ellipse">
@@ -5088,16 +4318,19 @@
             <a:lstStyle/>
             <a:p>
               <a:pPr algn="ctr"/>
-              <a:endParaRPr lang="en-US"/>
+              <a:r>
+                <a:rPr lang="en-US" sz="1000" dirty="0"/>
+                <a:t>+</a:t>
+              </a:r>
             </a:p>
           </p:txBody>
         </p:sp>
         <p:sp>
           <p:nvSpPr>
-            <p:cNvPr id="49" name="Oval 48">
+            <p:cNvPr id="53" name="Oval 52">
               <a:extLst>
                 <a:ext uri="{FF2B5EF4-FFF2-40B4-BE49-F238E27FC236}">
-                  <a16:creationId xmlns:a16="http://schemas.microsoft.com/office/drawing/2014/main" id="{4A3480EA-5B9A-7725-18A1-FF71067B4CE6}"/>
+                  <a16:creationId xmlns:a16="http://schemas.microsoft.com/office/drawing/2014/main" id="{50EA3CFE-F927-9E1B-662E-8ECD2538BE2C}"/>
                 </a:ext>
               </a:extLst>
             </p:cNvPr>
@@ -5106,7 +4339,7 @@
           </p:nvSpPr>
           <p:spPr>
             <a:xfrm>
-              <a:off x="2432657" y="4917355"/>
+              <a:off x="2364949" y="3172454"/>
               <a:ext cx="107468" cy="107468"/>
             </a:xfrm>
             <a:prstGeom prst="ellipse">
@@ -5134,16 +4367,19 @@
             <a:lstStyle/>
             <a:p>
               <a:pPr algn="ctr"/>
-              <a:endParaRPr lang="en-US"/>
+              <a:r>
+                <a:rPr lang="en-US" sz="1000" dirty="0"/>
+                <a:t>+</a:t>
+              </a:r>
             </a:p>
           </p:txBody>
         </p:sp>
         <p:sp>
           <p:nvSpPr>
-            <p:cNvPr id="50" name="Oval 49">
+            <p:cNvPr id="55" name="Oval 54">
               <a:extLst>
                 <a:ext uri="{FF2B5EF4-FFF2-40B4-BE49-F238E27FC236}">
-                  <a16:creationId xmlns:a16="http://schemas.microsoft.com/office/drawing/2014/main" id="{FFBC01CC-7B96-F3F5-75EE-DE15265C792F}"/>
+                  <a16:creationId xmlns:a16="http://schemas.microsoft.com/office/drawing/2014/main" id="{E44BB894-B186-5471-AD41-B26755354C05}"/>
                 </a:ext>
               </a:extLst>
             </p:cNvPr>
@@ -5152,7 +4388,7 @@
           </p:nvSpPr>
           <p:spPr>
             <a:xfrm>
-              <a:off x="2526480" y="3389933"/>
+              <a:off x="3426199" y="3540404"/>
               <a:ext cx="107468" cy="107468"/>
             </a:xfrm>
             <a:prstGeom prst="ellipse">
@@ -5180,16 +4416,19 @@
             <a:lstStyle/>
             <a:p>
               <a:pPr algn="ctr"/>
-              <a:endParaRPr lang="en-US"/>
+              <a:r>
+                <a:rPr lang="en-US" sz="1000" dirty="0"/>
+                <a:t>+</a:t>
+              </a:r>
             </a:p>
           </p:txBody>
         </p:sp>
         <p:sp>
           <p:nvSpPr>
-            <p:cNvPr id="51" name="Oval 50">
+            <p:cNvPr id="59" name="Oval 58">
               <a:extLst>
                 <a:ext uri="{FF2B5EF4-FFF2-40B4-BE49-F238E27FC236}">
-                  <a16:creationId xmlns:a16="http://schemas.microsoft.com/office/drawing/2014/main" id="{03005C79-7406-3C9E-E00E-396823EE2BFA}"/>
+                  <a16:creationId xmlns:a16="http://schemas.microsoft.com/office/drawing/2014/main" id="{B9414642-2C3D-E25D-4A7E-C03772AA6350}"/>
                 </a:ext>
               </a:extLst>
             </p:cNvPr>
@@ -5198,7 +4437,7 @@
           </p:nvSpPr>
           <p:spPr>
             <a:xfrm>
-              <a:off x="2839470" y="2662685"/>
+              <a:off x="2542360" y="3873773"/>
               <a:ext cx="107468" cy="107468"/>
             </a:xfrm>
             <a:prstGeom prst="ellipse">
@@ -5226,16 +4465,19 @@
             <a:lstStyle/>
             <a:p>
               <a:pPr algn="ctr"/>
-              <a:endParaRPr lang="en-US"/>
+              <a:r>
+                <a:rPr lang="en-US" sz="1000" dirty="0"/>
+                <a:t>+</a:t>
+              </a:r>
             </a:p>
           </p:txBody>
         </p:sp>
         <p:sp>
           <p:nvSpPr>
-            <p:cNvPr id="52" name="Oval 51">
+            <p:cNvPr id="61" name="Oval 60">
               <a:extLst>
                 <a:ext uri="{FF2B5EF4-FFF2-40B4-BE49-F238E27FC236}">
-                  <a16:creationId xmlns:a16="http://schemas.microsoft.com/office/drawing/2014/main" id="{7D5CC03C-E03C-B5AD-50DB-64258DC94A7B}"/>
+                  <a16:creationId xmlns:a16="http://schemas.microsoft.com/office/drawing/2014/main" id="{649906C9-4DE5-01B5-45F0-02952AAC8F33}"/>
                 </a:ext>
               </a:extLst>
             </p:cNvPr>
@@ -5244,7 +4486,7 @@
           </p:nvSpPr>
           <p:spPr>
             <a:xfrm>
-              <a:off x="2065286" y="2639995"/>
+              <a:off x="3008549" y="4797675"/>
               <a:ext cx="107468" cy="107468"/>
             </a:xfrm>
             <a:prstGeom prst="ellipse">
@@ -5272,42 +4514,205 @@
             <a:lstStyle/>
             <a:p>
               <a:pPr algn="ctr"/>
-              <a:endParaRPr lang="en-US"/>
+              <a:r>
+                <a:rPr lang="en-US" sz="1000" dirty="0"/>
+                <a:t>+</a:t>
+              </a:r>
             </a:p>
           </p:txBody>
         </p:sp>
         <p:sp>
           <p:nvSpPr>
-            <p:cNvPr id="58" name="TextBox 57">
+            <p:cNvPr id="62" name="Oval 61">
               <a:extLst>
                 <a:ext uri="{FF2B5EF4-FFF2-40B4-BE49-F238E27FC236}">
-                  <a16:creationId xmlns:a16="http://schemas.microsoft.com/office/drawing/2014/main" id="{60DBD950-1D60-2646-4724-37AB015EAD39}"/>
+                  <a16:creationId xmlns:a16="http://schemas.microsoft.com/office/drawing/2014/main" id="{CA286E83-C17A-9939-1075-C4C9B4B9CE82}"/>
                 </a:ext>
               </a:extLst>
             </p:cNvPr>
-            <p:cNvSpPr txBox="1"/>
+            <p:cNvSpPr/>
             <p:nvPr/>
           </p:nvSpPr>
           <p:spPr>
             <a:xfrm>
-              <a:off x="169931" y="5034319"/>
-              <a:ext cx="1348140" cy="369332"/>
+              <a:off x="2437745" y="1802359"/>
+              <a:ext cx="107468" cy="107468"/>
             </a:xfrm>
-            <a:prstGeom prst="rect">
+            <a:prstGeom prst="ellipse">
               <a:avLst/>
             </a:prstGeom>
-            <a:noFill/>
           </p:spPr>
+          <p:style>
+            <a:lnRef idx="2">
+              <a:schemeClr val="accent2">
+                <a:shade val="15000"/>
+              </a:schemeClr>
+            </a:lnRef>
+            <a:fillRef idx="1">
+              <a:schemeClr val="accent2"/>
+            </a:fillRef>
+            <a:effectRef idx="0">
+              <a:schemeClr val="accent2"/>
+            </a:effectRef>
+            <a:fontRef idx="minor">
+              <a:schemeClr val="lt1"/>
+            </a:fontRef>
+          </p:style>
           <p:txBody>
-            <a:bodyPr wrap="square" rtlCol="0">
-              <a:spAutoFit/>
-            </a:bodyPr>
+            <a:bodyPr rtlCol="0" anchor="ctr"/>
             <a:lstStyle/>
             <a:p>
               <a:pPr algn="ctr"/>
               <a:r>
-                <a:rPr lang="en-US" dirty="0"/>
-                <a:t>Membrane</a:t>
+                <a:rPr lang="en-US" sz="1000" dirty="0"/>
+                <a:t>+</a:t>
+              </a:r>
+            </a:p>
+          </p:txBody>
+        </p:sp>
+        <p:sp>
+          <p:nvSpPr>
+            <p:cNvPr id="63" name="Oval 62">
+              <a:extLst>
+                <a:ext uri="{FF2B5EF4-FFF2-40B4-BE49-F238E27FC236}">
+                  <a16:creationId xmlns:a16="http://schemas.microsoft.com/office/drawing/2014/main" id="{66587E36-1379-621D-6680-4DCC6690500B}"/>
+                </a:ext>
+              </a:extLst>
+            </p:cNvPr>
+            <p:cNvSpPr/>
+            <p:nvPr/>
+          </p:nvSpPr>
+          <p:spPr>
+            <a:xfrm>
+              <a:off x="1725154" y="1367920"/>
+              <a:ext cx="107468" cy="107468"/>
+            </a:xfrm>
+            <a:prstGeom prst="ellipse">
+              <a:avLst/>
+            </a:prstGeom>
+          </p:spPr>
+          <p:style>
+            <a:lnRef idx="2">
+              <a:schemeClr val="accent2">
+                <a:shade val="15000"/>
+              </a:schemeClr>
+            </a:lnRef>
+            <a:fillRef idx="1">
+              <a:schemeClr val="accent2"/>
+            </a:fillRef>
+            <a:effectRef idx="0">
+              <a:schemeClr val="accent2"/>
+            </a:effectRef>
+            <a:fontRef idx="minor">
+              <a:schemeClr val="lt1"/>
+            </a:fontRef>
+          </p:style>
+          <p:txBody>
+            <a:bodyPr rtlCol="0" anchor="ctr"/>
+            <a:lstStyle/>
+            <a:p>
+              <a:pPr algn="ctr"/>
+              <a:r>
+                <a:rPr lang="en-US" sz="1000" dirty="0"/>
+                <a:t>+</a:t>
+              </a:r>
+            </a:p>
+          </p:txBody>
+        </p:sp>
+        <p:sp>
+          <p:nvSpPr>
+            <p:cNvPr id="64" name="Oval 63">
+              <a:extLst>
+                <a:ext uri="{FF2B5EF4-FFF2-40B4-BE49-F238E27FC236}">
+                  <a16:creationId xmlns:a16="http://schemas.microsoft.com/office/drawing/2014/main" id="{F2ED4CD2-EDAC-0F65-5242-056C2B73A46B}"/>
+                </a:ext>
+              </a:extLst>
+            </p:cNvPr>
+            <p:cNvSpPr/>
+            <p:nvPr/>
+          </p:nvSpPr>
+          <p:spPr>
+            <a:xfrm>
+              <a:off x="1271553" y="2570246"/>
+              <a:ext cx="107468" cy="107468"/>
+            </a:xfrm>
+            <a:prstGeom prst="ellipse">
+              <a:avLst/>
+            </a:prstGeom>
+          </p:spPr>
+          <p:style>
+            <a:lnRef idx="2">
+              <a:schemeClr val="accent2">
+                <a:shade val="15000"/>
+              </a:schemeClr>
+            </a:lnRef>
+            <a:fillRef idx="1">
+              <a:schemeClr val="accent2"/>
+            </a:fillRef>
+            <a:effectRef idx="0">
+              <a:schemeClr val="accent2"/>
+            </a:effectRef>
+            <a:fontRef idx="minor">
+              <a:schemeClr val="lt1"/>
+            </a:fontRef>
+          </p:style>
+          <p:txBody>
+            <a:bodyPr rtlCol="0" anchor="ctr"/>
+            <a:lstStyle/>
+            <a:p>
+              <a:pPr algn="ctr"/>
+              <a:r>
+                <a:rPr lang="en-US" sz="1000" dirty="0"/>
+                <a:t>+</a:t>
+              </a:r>
+            </a:p>
+          </p:txBody>
+        </p:sp>
+        <p:sp>
+          <p:nvSpPr>
+            <p:cNvPr id="65" name="Oval 64">
+              <a:extLst>
+                <a:ext uri="{FF2B5EF4-FFF2-40B4-BE49-F238E27FC236}">
+                  <a16:creationId xmlns:a16="http://schemas.microsoft.com/office/drawing/2014/main" id="{AC34F898-EEDA-F8BB-251F-84B7FA7B55F2}"/>
+                </a:ext>
+              </a:extLst>
+            </p:cNvPr>
+            <p:cNvSpPr/>
+            <p:nvPr/>
+          </p:nvSpPr>
+          <p:spPr>
+            <a:xfrm>
+              <a:off x="1702304" y="4555447"/>
+              <a:ext cx="107468" cy="107468"/>
+            </a:xfrm>
+            <a:prstGeom prst="ellipse">
+              <a:avLst/>
+            </a:prstGeom>
+          </p:spPr>
+          <p:style>
+            <a:lnRef idx="2">
+              <a:schemeClr val="accent2">
+                <a:shade val="15000"/>
+              </a:schemeClr>
+            </a:lnRef>
+            <a:fillRef idx="1">
+              <a:schemeClr val="accent2"/>
+            </a:fillRef>
+            <a:effectRef idx="0">
+              <a:schemeClr val="accent2"/>
+            </a:effectRef>
+            <a:fontRef idx="minor">
+              <a:schemeClr val="lt1"/>
+            </a:fontRef>
+          </p:style>
+          <p:txBody>
+            <a:bodyPr rtlCol="0" anchor="ctr"/>
+            <a:lstStyle/>
+            <a:p>
+              <a:pPr algn="ctr"/>
+              <a:r>
+                <a:rPr lang="en-US" sz="1000" dirty="0"/>
+                <a:t>+</a:t>
               </a:r>
             </a:p>
           </p:txBody>
@@ -5757,7 +5162,7 @@
           <p:cNvPr id="2" name="Title 1">
             <a:extLst>
               <a:ext uri="{FF2B5EF4-FFF2-40B4-BE49-F238E27FC236}">
-                <a16:creationId xmlns:a16="http://schemas.microsoft.com/office/drawing/2014/main" id="{F45F6949-87CE-7A3F-307C-5A1024AB86E7}"/>
+                <a16:creationId xmlns:a16="http://schemas.microsoft.com/office/drawing/2014/main" id="{4041FD49-51CB-4608-A3ED-30B7E304CBD6}"/>
               </a:ext>
             </a:extLst>
           </p:cNvPr>
@@ -5770,90 +5175,29 @@
         </p:nvSpPr>
         <p:spPr/>
         <p:txBody>
-          <a:bodyPr/>
+          <a:bodyPr>
+            <a:normAutofit/>
+          </a:bodyPr>
           <a:lstStyle/>
           <a:p>
             <a:r>
               <a:rPr lang="en-US" dirty="0"/>
-              <a:t>Notes</a:t>
-            </a:r>
+              <a:t>Sidechain only    </a:t>
+            </a:r>
+            <a:r>
+              <a:rPr lang="en-US" sz="2400" dirty="0"/>
+              <a:t>(Continuous Gaussian Chain)</a:t>
+            </a:r>
+            <a:endParaRPr lang="en-US" dirty="0"/>
           </a:p>
         </p:txBody>
       </p:sp>
       <p:sp>
         <p:nvSpPr>
-          <p:cNvPr id="3" name="Content Placeholder 2">
+          <p:cNvPr id="3" name="Slide Number Placeholder 2">
             <a:extLst>
               <a:ext uri="{FF2B5EF4-FFF2-40B4-BE49-F238E27FC236}">
-                <a16:creationId xmlns:a16="http://schemas.microsoft.com/office/drawing/2014/main" id="{3271A915-9ED1-E592-EA0E-285BC9A3E70E}"/>
-              </a:ext>
-            </a:extLst>
-          </p:cNvPr>
-          <p:cNvSpPr>
-            <a:spLocks noGrp="1"/>
-          </p:cNvSpPr>
-          <p:nvPr>
-            <p:ph idx="1"/>
-          </p:nvPr>
-        </p:nvSpPr>
-        <p:spPr/>
-        <p:txBody>
-          <a:bodyPr/>
-          <a:lstStyle/>
-          <a:p>
-            <a:r>
-              <a:rPr lang="en-US" dirty="0"/>
-              <a:t>CV peaks—reaction to completion</a:t>
-            </a:r>
-          </a:p>
-          <a:p>
-            <a:pPr lvl="1"/>
-            <a:r>
-              <a:rPr lang="en-US" dirty="0"/>
-              <a:t>SCFT keeps increasing with charge density</a:t>
-            </a:r>
-          </a:p>
-          <a:p>
-            <a:pPr lvl="2"/>
-            <a:r>
-              <a:rPr lang="en-US" dirty="0"/>
-              <a:t>Length scale may be smaller, original \phi </a:t>
-            </a:r>
-            <a:r>
-              <a:rPr lang="en-US" dirty="0" err="1"/>
-              <a:t>dne</a:t>
-            </a:r>
-            <a:r>
-              <a:rPr lang="en-US" dirty="0"/>
-              <a:t> 0?</a:t>
-            </a:r>
-          </a:p>
-          <a:p>
-            <a:pPr lvl="2"/>
-            <a:endParaRPr lang="en-US" dirty="0"/>
-          </a:p>
-          <a:p>
-            <a:r>
-              <a:rPr lang="en-US" dirty="0"/>
-              <a:t>SWITCH TO DGC SOON – thread </a:t>
-            </a:r>
-            <a:r>
-              <a:rPr lang="en-US" dirty="0" err="1"/>
-              <a:t>dne</a:t>
-            </a:r>
-            <a:r>
-              <a:rPr lang="en-US" dirty="0"/>
-              <a:t> bead-spring at N = 2</a:t>
-            </a:r>
-          </a:p>
-        </p:txBody>
-      </p:sp>
-      <p:sp>
-        <p:nvSpPr>
-          <p:cNvPr id="4" name="Slide Number Placeholder 3">
-            <a:extLst>
-              <a:ext uri="{FF2B5EF4-FFF2-40B4-BE49-F238E27FC236}">
-                <a16:creationId xmlns:a16="http://schemas.microsoft.com/office/drawing/2014/main" id="{A3BF3B21-6169-3018-6969-075EE6DA91CF}"/>
+                <a16:creationId xmlns:a16="http://schemas.microsoft.com/office/drawing/2014/main" id="{0D80111F-C31C-4236-B41A-2BA68657A3E1}"/>
               </a:ext>
             </a:extLst>
           </p:cNvPr>
@@ -5877,99 +5221,12 @@
           </a:p>
         </p:txBody>
       </p:sp>
-    </p:spTree>
-    <p:extLst>
-      <p:ext uri="{BB962C8B-B14F-4D97-AF65-F5344CB8AC3E}">
-        <p14:creationId xmlns:p14="http://schemas.microsoft.com/office/powerpoint/2010/main" val="3368368083"/>
-      </p:ext>
-    </p:extLst>
-  </p:cSld>
-  <p:clrMapOvr>
-    <a:masterClrMapping/>
-  </p:clrMapOvr>
-</p:sld>
-</file>
-
-<file path=ppt/slides/slide5.xml><?xml version="1.0" encoding="utf-8"?>
-<p:sld xmlns:a="http://schemas.openxmlformats.org/drawingml/2006/main" xmlns:r="http://schemas.openxmlformats.org/officeDocument/2006/relationships" xmlns:p="http://schemas.openxmlformats.org/presentationml/2006/main">
-  <p:cSld>
-    <p:spTree>
-      <p:nvGrpSpPr>
-        <p:cNvPr id="1" name=""/>
-        <p:cNvGrpSpPr/>
-        <p:nvPr/>
-      </p:nvGrpSpPr>
-      <p:grpSpPr>
-        <a:xfrm>
-          <a:off x="0" y="0"/>
-          <a:ext cx="0" cy="0"/>
-          <a:chOff x="0" y="0"/>
-          <a:chExt cx="0" cy="0"/>
-        </a:xfrm>
-      </p:grpSpPr>
       <p:sp>
         <p:nvSpPr>
-          <p:cNvPr id="2" name="Title 1">
+          <p:cNvPr id="6" name="TextBox 5">
             <a:extLst>
               <a:ext uri="{FF2B5EF4-FFF2-40B4-BE49-F238E27FC236}">
-                <a16:creationId xmlns:a16="http://schemas.microsoft.com/office/drawing/2014/main" id="{4041FD49-51CB-4608-A3ED-30B7E304CBD6}"/>
-              </a:ext>
-            </a:extLst>
-          </p:cNvPr>
-          <p:cNvSpPr>
-            <a:spLocks noGrp="1"/>
-          </p:cNvSpPr>
-          <p:nvPr>
-            <p:ph type="title"/>
-          </p:nvPr>
-        </p:nvSpPr>
-        <p:spPr/>
-        <p:txBody>
-          <a:bodyPr/>
-          <a:lstStyle/>
-          <a:p>
-            <a:r>
-              <a:rPr lang="en-US" dirty="0"/>
-              <a:t>Sidechain only – CGC </a:t>
-            </a:r>
-          </a:p>
-        </p:txBody>
-      </p:sp>
-      <p:sp>
-        <p:nvSpPr>
-          <p:cNvPr id="3" name="Slide Number Placeholder 2">
-            <a:extLst>
-              <a:ext uri="{FF2B5EF4-FFF2-40B4-BE49-F238E27FC236}">
-                <a16:creationId xmlns:a16="http://schemas.microsoft.com/office/drawing/2014/main" id="{0D80111F-C31C-4236-B41A-2BA68657A3E1}"/>
-              </a:ext>
-            </a:extLst>
-          </p:cNvPr>
-          <p:cNvSpPr>
-            <a:spLocks noGrp="1"/>
-          </p:cNvSpPr>
-          <p:nvPr>
-            <p:ph type="sldNum" sz="quarter" idx="12"/>
-          </p:nvPr>
-        </p:nvSpPr>
-        <p:spPr/>
-        <p:txBody>
-          <a:bodyPr/>
-          <a:lstStyle/>
-          <a:p>
-            <a:fld id="{5911C0E6-D9CE-431C-92CB-BB39B872F930}" type="slidenum">
-              <a:rPr lang="en-US" smtClean="0"/>
-              <a:t>5</a:t>
-            </a:fld>
-            <a:endParaRPr lang="en-US"/>
-          </a:p>
-        </p:txBody>
-      </p:sp>
-      <p:sp>
-        <p:nvSpPr>
-          <p:cNvPr id="4" name="TextBox 3">
-            <a:extLst>
-              <a:ext uri="{FF2B5EF4-FFF2-40B4-BE49-F238E27FC236}">
-                <a16:creationId xmlns:a16="http://schemas.microsoft.com/office/drawing/2014/main" id="{BA57B694-7FAA-B47B-4669-4DE86E38ECC0}"/>
+                <a16:creationId xmlns:a16="http://schemas.microsoft.com/office/drawing/2014/main" id="{B44CD19D-D4BC-EABE-4DBB-8BD723B2ECE7}"/>
               </a:ext>
             </a:extLst>
           </p:cNvPr>
@@ -5978,42 +5235,7 @@
         </p:nvSpPr>
         <p:spPr>
           <a:xfrm>
-            <a:off x="716034" y="1033686"/>
-            <a:ext cx="1684868" cy="369332"/>
-          </a:xfrm>
-          <a:prstGeom prst="rect">
-            <a:avLst/>
-          </a:prstGeom>
-          <a:noFill/>
-        </p:spPr>
-        <p:txBody>
-          <a:bodyPr wrap="square" rtlCol="0">
-            <a:spAutoFit/>
-          </a:bodyPr>
-          <a:lstStyle/>
-          <a:p>
-            <a:r>
-              <a:rPr lang="en-US" dirty="0"/>
-              <a:t>1e−07 M (pH 7)</a:t>
-            </a:r>
-          </a:p>
-        </p:txBody>
-      </p:sp>
-      <p:sp>
-        <p:nvSpPr>
-          <p:cNvPr id="6" name="TextBox 5">
-            <a:extLst>
-              <a:ext uri="{FF2B5EF4-FFF2-40B4-BE49-F238E27FC236}">
-                <a16:creationId xmlns:a16="http://schemas.microsoft.com/office/drawing/2014/main" id="{B44CD19D-D4BC-EABE-4DBB-8BD723B2ECE7}"/>
-              </a:ext>
-            </a:extLst>
-          </p:cNvPr>
-          <p:cNvSpPr txBox="1"/>
-          <p:nvPr/>
-        </p:nvSpPr>
-        <p:spPr>
-          <a:xfrm>
-            <a:off x="6862409" y="1033686"/>
+            <a:off x="698675" y="1059086"/>
             <a:ext cx="1625600" cy="369332"/>
           </a:xfrm>
           <a:prstGeom prst="rect">
@@ -6049,7 +5271,7 @@
         </p:nvGrpSpPr>
         <p:grpSpPr>
           <a:xfrm>
-            <a:off x="6344175" y="1495550"/>
+            <a:off x="180441" y="1520950"/>
             <a:ext cx="2360996" cy="5262768"/>
             <a:chOff x="7430102" y="1397013"/>
             <a:chExt cx="2360996" cy="5262768"/>
@@ -6197,6 +5419,1077 @@
           </p:spPr>
         </p:pic>
       </p:grpSp>
+      <p:pic>
+        <p:nvPicPr>
+          <p:cNvPr id="1056" name="Picture 32">
+            <a:extLst>
+              <a:ext uri="{FF2B5EF4-FFF2-40B4-BE49-F238E27FC236}">
+                <a16:creationId xmlns:a16="http://schemas.microsoft.com/office/drawing/2014/main" id="{79A3044D-CD8D-9FCA-8689-1D94A19FE041}"/>
+              </a:ext>
+            </a:extLst>
+          </p:cNvPr>
+          <p:cNvPicPr>
+            <a:picLocks noChangeAspect="1" noChangeArrowheads="1"/>
+          </p:cNvPicPr>
+          <p:nvPr/>
+        </p:nvPicPr>
+        <p:blipFill>
+          <a:blip r:embed="rId5">
+            <a:extLst>
+              <a:ext uri="{28A0092B-C50C-407E-A947-70E740481C1C}">
+                <a14:useLocalDpi xmlns:a14="http://schemas.microsoft.com/office/drawing/2010/main" val="0"/>
+              </a:ext>
+            </a:extLst>
+          </a:blip>
+          <a:srcRect/>
+          <a:stretch>
+            <a:fillRect/>
+          </a:stretch>
+        </p:blipFill>
+        <p:spPr bwMode="auto">
+          <a:xfrm>
+            <a:off x="2665435" y="3964259"/>
+            <a:ext cx="3182539" cy="1926666"/>
+          </a:xfrm>
+          <a:prstGeom prst="rect">
+            <a:avLst/>
+          </a:prstGeom>
+          <a:noFill/>
+          <a:extLst>
+            <a:ext uri="{909E8E84-426E-40DD-AFC4-6F175D3DCCD1}">
+              <a14:hiddenFill xmlns:a14="http://schemas.microsoft.com/office/drawing/2010/main">
+                <a:solidFill>
+                  <a:srgbClr val="FFFFFF"/>
+                </a:solidFill>
+              </a14:hiddenFill>
+            </a:ext>
+          </a:extLst>
+        </p:spPr>
+      </p:pic>
+      <p:cxnSp>
+        <p:nvCxnSpPr>
+          <p:cNvPr id="5" name="Straight Arrow Connector 4">
+            <a:extLst>
+              <a:ext uri="{FF2B5EF4-FFF2-40B4-BE49-F238E27FC236}">
+                <a16:creationId xmlns:a16="http://schemas.microsoft.com/office/drawing/2014/main" id="{0609E4A2-C662-A860-0ED2-969666D65595}"/>
+              </a:ext>
+            </a:extLst>
+          </p:cNvPr>
+          <p:cNvCxnSpPr/>
+          <p:nvPr/>
+        </p:nvCxnSpPr>
+        <p:spPr>
+          <a:xfrm flipV="1">
+            <a:off x="926193" y="4075713"/>
+            <a:ext cx="533400" cy="601134"/>
+          </a:xfrm>
+          <a:prstGeom prst="straightConnector1">
+            <a:avLst/>
+          </a:prstGeom>
+          <a:ln w="12700">
+            <a:solidFill>
+              <a:schemeClr val="tx1"/>
+            </a:solidFill>
+            <a:tailEnd type="triangle"/>
+          </a:ln>
+        </p:spPr>
+        <p:style>
+          <a:lnRef idx="1">
+            <a:schemeClr val="accent1"/>
+          </a:lnRef>
+          <a:fillRef idx="0">
+            <a:schemeClr val="accent1"/>
+          </a:fillRef>
+          <a:effectRef idx="0">
+            <a:schemeClr val="accent1"/>
+          </a:effectRef>
+          <a:fontRef idx="minor">
+            <a:schemeClr val="tx1"/>
+          </a:fontRef>
+        </p:style>
+      </p:cxnSp>
+      <p:pic>
+        <p:nvPicPr>
+          <p:cNvPr id="7" name="Picture 6">
+            <a:extLst>
+              <a:ext uri="{FF2B5EF4-FFF2-40B4-BE49-F238E27FC236}">
+                <a16:creationId xmlns:a16="http://schemas.microsoft.com/office/drawing/2014/main" id="{269111BB-B02A-B2A7-0A90-AA2E0709EA5F}"/>
+              </a:ext>
+            </a:extLst>
+          </p:cNvPr>
+          <p:cNvPicPr>
+            <a:picLocks noChangeAspect="1"/>
+          </p:cNvPicPr>
+          <p:nvPr/>
+        </p:nvPicPr>
+        <p:blipFill>
+          <a:blip r:embed="rId6"/>
+          <a:stretch>
+            <a:fillRect/>
+          </a:stretch>
+        </p:blipFill>
+        <p:spPr>
+          <a:xfrm>
+            <a:off x="1511475" y="3964259"/>
+            <a:ext cx="186227" cy="117617"/>
+          </a:xfrm>
+          <a:prstGeom prst="rect">
+            <a:avLst/>
+          </a:prstGeom>
+        </p:spPr>
+      </p:pic>
+      <p:sp>
+        <p:nvSpPr>
+          <p:cNvPr id="8" name="TextBox 7">
+            <a:extLst>
+              <a:ext uri="{FF2B5EF4-FFF2-40B4-BE49-F238E27FC236}">
+                <a16:creationId xmlns:a16="http://schemas.microsoft.com/office/drawing/2014/main" id="{7EFDBFF7-5F91-79C6-D4F1-4EF337CB565F}"/>
+              </a:ext>
+            </a:extLst>
+          </p:cNvPr>
+          <p:cNvSpPr txBox="1"/>
+          <p:nvPr/>
+        </p:nvSpPr>
+        <p:spPr>
+          <a:xfrm>
+            <a:off x="6189133" y="1320800"/>
+            <a:ext cx="5401734" cy="4801314"/>
+          </a:xfrm>
+          <a:prstGeom prst="rect">
+            <a:avLst/>
+          </a:prstGeom>
+          <a:noFill/>
+        </p:spPr>
+        <p:txBody>
+          <a:bodyPr wrap="square" rtlCol="0">
+            <a:spAutoFit/>
+          </a:bodyPr>
+          <a:lstStyle/>
+          <a:p>
+            <a:r>
+              <a:rPr lang="en-US" dirty="0"/>
+              <a:t>Model: “grafting surface” is bulk membrane/thin film; only considering elasticity of sidechains</a:t>
+            </a:r>
+          </a:p>
+          <a:p>
+            <a:endParaRPr lang="en-US" dirty="0"/>
+          </a:p>
+          <a:p>
+            <a:pPr marL="285750" indent="-285750">
+              <a:buFont typeface="Arial" panose="020B0604020202020204" pitchFamily="34" charset="0"/>
+              <a:buChar char="•"/>
+            </a:pPr>
+            <a:r>
+              <a:rPr lang="en-US" dirty="0"/>
+              <a:t>True grafting density unknown, 7.31 c/nm</a:t>
+            </a:r>
+            <a:r>
+              <a:rPr lang="en-US" baseline="30000" dirty="0"/>
+              <a:t>2</a:t>
+            </a:r>
+            <a:r>
+              <a:rPr lang="en-US" dirty="0"/>
+              <a:t> is approximately the density of sidechains based on the random walk of its backbone</a:t>
+            </a:r>
+          </a:p>
+          <a:p>
+            <a:pPr marL="742950" lvl="1" indent="-285750">
+              <a:buFont typeface="Arial" panose="020B0604020202020204" pitchFamily="34" charset="0"/>
+              <a:buChar char="•"/>
+            </a:pPr>
+            <a:r>
+              <a:rPr lang="en-US" dirty="0"/>
+              <a:t>Also plotting one higher and one lower grafting density to explore its effect</a:t>
+            </a:r>
+          </a:p>
+          <a:p>
+            <a:pPr marL="742950" lvl="1" indent="-285750">
+              <a:buFont typeface="Arial" panose="020B0604020202020204" pitchFamily="34" charset="0"/>
+              <a:buChar char="•"/>
+            </a:pPr>
+            <a:endParaRPr lang="en-US" dirty="0"/>
+          </a:p>
+          <a:p>
+            <a:pPr marL="285750" indent="-285750">
+              <a:buFont typeface="Arial" panose="020B0604020202020204" pitchFamily="34" charset="0"/>
+              <a:buChar char="•"/>
+            </a:pPr>
+            <a:r>
+              <a:rPr lang="en-US" dirty="0"/>
+              <a:t>Left: Density of polymer on Pt surface as a function of membrane–Pt separation distance. Colors indicate Pt surface charge density</a:t>
+            </a:r>
+          </a:p>
+          <a:p>
+            <a:pPr marL="285750" indent="-285750">
+              <a:buFont typeface="Arial" panose="020B0604020202020204" pitchFamily="34" charset="0"/>
+              <a:buChar char="•"/>
+            </a:pPr>
+            <a:endParaRPr lang="en-US" dirty="0"/>
+          </a:p>
+          <a:p>
+            <a:pPr marL="285750" indent="-285750">
+              <a:buFont typeface="Arial" panose="020B0604020202020204" pitchFamily="34" charset="0"/>
+              <a:buChar char="•"/>
+            </a:pPr>
+            <a:r>
+              <a:rPr lang="en-US" dirty="0"/>
+              <a:t>Right: Polymer density distributions (solid) and proton distributions (dotted) for D = 2.5 nm and grafting density 7.31 c/nm</a:t>
+            </a:r>
+            <a:r>
+              <a:rPr lang="en-US" baseline="30000" dirty="0"/>
+              <a:t>2</a:t>
+            </a:r>
+            <a:r>
+              <a:rPr lang="en-US" dirty="0"/>
+              <a:t>. Density distribution of sulfonate block is dashed.</a:t>
+            </a:r>
+          </a:p>
+        </p:txBody>
+      </p:sp>
+      <p:pic>
+        <p:nvPicPr>
+          <p:cNvPr id="53" name="Picture 52">
+            <a:extLst>
+              <a:ext uri="{FF2B5EF4-FFF2-40B4-BE49-F238E27FC236}">
+                <a16:creationId xmlns:a16="http://schemas.microsoft.com/office/drawing/2014/main" id="{B7B9D77E-6B94-2932-DF86-57210AE5D47D}"/>
+              </a:ext>
+            </a:extLst>
+          </p:cNvPr>
+          <p:cNvPicPr>
+            <a:picLocks noChangeAspect="1"/>
+          </p:cNvPicPr>
+          <p:nvPr/>
+        </p:nvPicPr>
+        <p:blipFill>
+          <a:blip r:embed="rId7"/>
+          <a:stretch>
+            <a:fillRect/>
+          </a:stretch>
+        </p:blipFill>
+        <p:spPr>
+          <a:xfrm>
+            <a:off x="2758985" y="2044048"/>
+            <a:ext cx="2228614" cy="1823649"/>
+          </a:xfrm>
+          <a:prstGeom prst="rect">
+            <a:avLst/>
+          </a:prstGeom>
+        </p:spPr>
+      </p:pic>
+    </p:spTree>
+    <p:extLst>
+      <p:ext uri="{BB962C8B-B14F-4D97-AF65-F5344CB8AC3E}">
+        <p14:creationId xmlns:p14="http://schemas.microsoft.com/office/powerpoint/2010/main" val="3762529990"/>
+      </p:ext>
+    </p:extLst>
+  </p:cSld>
+  <p:clrMapOvr>
+    <a:masterClrMapping/>
+  </p:clrMapOvr>
+</p:sld>
+</file>
+
+<file path=ppt/slides/slide5.xml><?xml version="1.0" encoding="utf-8"?>
+<p:sld xmlns:a="http://schemas.openxmlformats.org/drawingml/2006/main" xmlns:r="http://schemas.openxmlformats.org/officeDocument/2006/relationships" xmlns:p="http://schemas.openxmlformats.org/presentationml/2006/main">
+  <p:cSld>
+    <p:spTree>
+      <p:nvGrpSpPr>
+        <p:cNvPr id="1" name=""/>
+        <p:cNvGrpSpPr/>
+        <p:nvPr/>
+      </p:nvGrpSpPr>
+      <p:grpSpPr>
+        <a:xfrm>
+          <a:off x="0" y="0"/>
+          <a:ext cx="0" cy="0"/>
+          <a:chOff x="0" y="0"/>
+          <a:chExt cx="0" cy="0"/>
+        </a:xfrm>
+      </p:grpSpPr>
+      <p:sp>
+        <p:nvSpPr>
+          <p:cNvPr id="2" name="Title 1">
+            <a:extLst>
+              <a:ext uri="{FF2B5EF4-FFF2-40B4-BE49-F238E27FC236}">
+                <a16:creationId xmlns:a16="http://schemas.microsoft.com/office/drawing/2014/main" id="{4041FD49-51CB-4608-A3ED-30B7E304CBD6}"/>
+              </a:ext>
+            </a:extLst>
+          </p:cNvPr>
+          <p:cNvSpPr>
+            <a:spLocks noGrp="1"/>
+          </p:cNvSpPr>
+          <p:nvPr>
+            <p:ph type="title"/>
+          </p:nvPr>
+        </p:nvSpPr>
+        <p:spPr/>
+        <p:txBody>
+          <a:bodyPr>
+            <a:normAutofit/>
+          </a:bodyPr>
+          <a:lstStyle/>
+          <a:p>
+            <a:r>
+              <a:rPr lang="en-US" dirty="0"/>
+              <a:t>Sidechain only    </a:t>
+            </a:r>
+            <a:r>
+              <a:rPr lang="en-US" sz="2400" dirty="0"/>
+              <a:t>(Continuous Gaussian Chain)</a:t>
+            </a:r>
+            <a:endParaRPr lang="en-US" dirty="0"/>
+          </a:p>
+        </p:txBody>
+      </p:sp>
+      <p:sp>
+        <p:nvSpPr>
+          <p:cNvPr id="3" name="Slide Number Placeholder 2">
+            <a:extLst>
+              <a:ext uri="{FF2B5EF4-FFF2-40B4-BE49-F238E27FC236}">
+                <a16:creationId xmlns:a16="http://schemas.microsoft.com/office/drawing/2014/main" id="{0D80111F-C31C-4236-B41A-2BA68657A3E1}"/>
+              </a:ext>
+            </a:extLst>
+          </p:cNvPr>
+          <p:cNvSpPr>
+            <a:spLocks noGrp="1"/>
+          </p:cNvSpPr>
+          <p:nvPr>
+            <p:ph type="sldNum" sz="quarter" idx="12"/>
+          </p:nvPr>
+        </p:nvSpPr>
+        <p:spPr/>
+        <p:txBody>
+          <a:bodyPr/>
+          <a:lstStyle/>
+          <a:p>
+            <a:fld id="{5911C0E6-D9CE-431C-92CB-BB39B872F930}" type="slidenum">
+              <a:rPr lang="en-US" smtClean="0"/>
+              <a:t>5</a:t>
+            </a:fld>
+            <a:endParaRPr lang="en-US"/>
+          </a:p>
+        </p:txBody>
+      </p:sp>
+      <p:sp>
+        <p:nvSpPr>
+          <p:cNvPr id="6" name="TextBox 5">
+            <a:extLst>
+              <a:ext uri="{FF2B5EF4-FFF2-40B4-BE49-F238E27FC236}">
+                <a16:creationId xmlns:a16="http://schemas.microsoft.com/office/drawing/2014/main" id="{B44CD19D-D4BC-EABE-4DBB-8BD723B2ECE7}"/>
+              </a:ext>
+            </a:extLst>
+          </p:cNvPr>
+          <p:cNvSpPr txBox="1"/>
+          <p:nvPr/>
+        </p:nvSpPr>
+        <p:spPr>
+          <a:xfrm>
+            <a:off x="698675" y="1059086"/>
+            <a:ext cx="1625600" cy="369332"/>
+          </a:xfrm>
+          <a:prstGeom prst="rect">
+            <a:avLst/>
+          </a:prstGeom>
+          <a:noFill/>
+        </p:spPr>
+        <p:txBody>
+          <a:bodyPr wrap="square" rtlCol="0">
+            <a:spAutoFit/>
+          </a:bodyPr>
+          <a:lstStyle/>
+          <a:p>
+            <a:pPr algn="ctr"/>
+            <a:r>
+              <a:rPr lang="en-US" dirty="0"/>
+              <a:t>0.100 M</a:t>
+            </a:r>
+          </a:p>
+        </p:txBody>
+      </p:sp>
+      <p:grpSp>
+        <p:nvGrpSpPr>
+          <p:cNvPr id="14" name="Group 13">
+            <a:extLst>
+              <a:ext uri="{FF2B5EF4-FFF2-40B4-BE49-F238E27FC236}">
+                <a16:creationId xmlns:a16="http://schemas.microsoft.com/office/drawing/2014/main" id="{3A7FCB36-F4C9-62A6-0A99-6E9203A4A25D}"/>
+              </a:ext>
+            </a:extLst>
+          </p:cNvPr>
+          <p:cNvGrpSpPr/>
+          <p:nvPr/>
+        </p:nvGrpSpPr>
+        <p:grpSpPr>
+          <a:xfrm>
+            <a:off x="180441" y="1520950"/>
+            <a:ext cx="2360996" cy="5262768"/>
+            <a:chOff x="7430102" y="1397013"/>
+            <a:chExt cx="2360996" cy="5262768"/>
+          </a:xfrm>
+        </p:grpSpPr>
+        <p:pic>
+          <p:nvPicPr>
+            <p:cNvPr id="1046" name="Picture 22">
+              <a:extLst>
+                <a:ext uri="{FF2B5EF4-FFF2-40B4-BE49-F238E27FC236}">
+                  <a16:creationId xmlns:a16="http://schemas.microsoft.com/office/drawing/2014/main" id="{79226F43-858A-2383-EDE1-5D16EE907128}"/>
+                </a:ext>
+              </a:extLst>
+            </p:cNvPr>
+            <p:cNvPicPr>
+              <a:picLocks noChangeAspect="1" noChangeArrowheads="1"/>
+            </p:cNvPicPr>
+            <p:nvPr/>
+          </p:nvPicPr>
+          <p:blipFill>
+            <a:blip r:embed="rId2">
+              <a:extLst>
+                <a:ext uri="{28A0092B-C50C-407E-A947-70E740481C1C}">
+                  <a14:useLocalDpi xmlns:a14="http://schemas.microsoft.com/office/drawing/2010/main" val="0"/>
+                </a:ext>
+              </a:extLst>
+            </a:blip>
+            <a:srcRect/>
+            <a:stretch>
+              <a:fillRect/>
+            </a:stretch>
+          </p:blipFill>
+          <p:spPr bwMode="auto">
+            <a:xfrm>
+              <a:off x="7430102" y="1397013"/>
+              <a:ext cx="2360996" cy="1993049"/>
+            </a:xfrm>
+            <a:prstGeom prst="rect">
+              <a:avLst/>
+            </a:prstGeom>
+            <a:noFill/>
+            <a:extLst>
+              <a:ext uri="{909E8E84-426E-40DD-AFC4-6F175D3DCCD1}">
+                <a14:hiddenFill xmlns:a14="http://schemas.microsoft.com/office/drawing/2010/main">
+                  <a:solidFill>
+                    <a:srgbClr val="FFFFFF"/>
+                  </a:solidFill>
+                </a14:hiddenFill>
+              </a:ext>
+            </a:extLst>
+          </p:spPr>
+        </p:pic>
+        <p:pic>
+          <p:nvPicPr>
+            <p:cNvPr id="1048" name="Picture 24">
+              <a:extLst>
+                <a:ext uri="{FF2B5EF4-FFF2-40B4-BE49-F238E27FC236}">
+                  <a16:creationId xmlns:a16="http://schemas.microsoft.com/office/drawing/2014/main" id="{1FBBFA4C-5217-D957-0878-C147CFB00D48}"/>
+                </a:ext>
+              </a:extLst>
+            </p:cNvPr>
+            <p:cNvPicPr>
+              <a:picLocks noChangeAspect="1" noChangeArrowheads="1"/>
+            </p:cNvPicPr>
+            <p:nvPr/>
+          </p:nvPicPr>
+          <p:blipFill>
+            <a:blip r:embed="rId3">
+              <a:extLst>
+                <a:ext uri="{28A0092B-C50C-407E-A947-70E740481C1C}">
+                  <a14:useLocalDpi xmlns:a14="http://schemas.microsoft.com/office/drawing/2010/main" val="0"/>
+                </a:ext>
+              </a:extLst>
+            </a:blip>
+            <a:srcRect/>
+            <a:stretch>
+              <a:fillRect/>
+            </a:stretch>
+          </p:blipFill>
+          <p:spPr bwMode="auto">
+            <a:xfrm>
+              <a:off x="7430102" y="3050691"/>
+              <a:ext cx="2360996" cy="1993049"/>
+            </a:xfrm>
+            <a:prstGeom prst="rect">
+              <a:avLst/>
+            </a:prstGeom>
+            <a:noFill/>
+            <a:extLst>
+              <a:ext uri="{909E8E84-426E-40DD-AFC4-6F175D3DCCD1}">
+                <a14:hiddenFill xmlns:a14="http://schemas.microsoft.com/office/drawing/2010/main">
+                  <a:solidFill>
+                    <a:srgbClr val="FFFFFF"/>
+                  </a:solidFill>
+                </a14:hiddenFill>
+              </a:ext>
+            </a:extLst>
+          </p:spPr>
+        </p:pic>
+        <p:pic>
+          <p:nvPicPr>
+            <p:cNvPr id="1050" name="Picture 26">
+              <a:extLst>
+                <a:ext uri="{FF2B5EF4-FFF2-40B4-BE49-F238E27FC236}">
+                  <a16:creationId xmlns:a16="http://schemas.microsoft.com/office/drawing/2014/main" id="{E62FA05B-E83E-8F1A-7908-17ED22F01EC5}"/>
+                </a:ext>
+              </a:extLst>
+            </p:cNvPr>
+            <p:cNvPicPr>
+              <a:picLocks noChangeAspect="1" noChangeArrowheads="1"/>
+            </p:cNvPicPr>
+            <p:nvPr/>
+          </p:nvPicPr>
+          <p:blipFill>
+            <a:blip r:embed="rId4">
+              <a:extLst>
+                <a:ext uri="{28A0092B-C50C-407E-A947-70E740481C1C}">
+                  <a14:useLocalDpi xmlns:a14="http://schemas.microsoft.com/office/drawing/2010/main" val="0"/>
+                </a:ext>
+              </a:extLst>
+            </a:blip>
+            <a:srcRect/>
+            <a:stretch>
+              <a:fillRect/>
+            </a:stretch>
+          </p:blipFill>
+          <p:spPr bwMode="auto">
+            <a:xfrm>
+              <a:off x="7544901" y="4725969"/>
+              <a:ext cx="2246197" cy="1933812"/>
+            </a:xfrm>
+            <a:prstGeom prst="rect">
+              <a:avLst/>
+            </a:prstGeom>
+            <a:noFill/>
+            <a:extLst>
+              <a:ext uri="{909E8E84-426E-40DD-AFC4-6F175D3DCCD1}">
+                <a14:hiddenFill xmlns:a14="http://schemas.microsoft.com/office/drawing/2010/main">
+                  <a:solidFill>
+                    <a:srgbClr val="FFFFFF"/>
+                  </a:solidFill>
+                </a14:hiddenFill>
+              </a:ext>
+            </a:extLst>
+          </p:spPr>
+        </p:pic>
+      </p:grpSp>
+      <p:pic>
+        <p:nvPicPr>
+          <p:cNvPr id="1056" name="Picture 32">
+            <a:extLst>
+              <a:ext uri="{FF2B5EF4-FFF2-40B4-BE49-F238E27FC236}">
+                <a16:creationId xmlns:a16="http://schemas.microsoft.com/office/drawing/2014/main" id="{79A3044D-CD8D-9FCA-8689-1D94A19FE041}"/>
+              </a:ext>
+            </a:extLst>
+          </p:cNvPr>
+          <p:cNvPicPr>
+            <a:picLocks noChangeAspect="1" noChangeArrowheads="1"/>
+          </p:cNvPicPr>
+          <p:nvPr/>
+        </p:nvPicPr>
+        <p:blipFill>
+          <a:blip r:embed="rId5">
+            <a:extLst>
+              <a:ext uri="{28A0092B-C50C-407E-A947-70E740481C1C}">
+                <a14:useLocalDpi xmlns:a14="http://schemas.microsoft.com/office/drawing/2010/main" val="0"/>
+              </a:ext>
+            </a:extLst>
+          </a:blip>
+          <a:srcRect/>
+          <a:stretch>
+            <a:fillRect/>
+          </a:stretch>
+        </p:blipFill>
+        <p:spPr bwMode="auto">
+          <a:xfrm>
+            <a:off x="2665435" y="3964259"/>
+            <a:ext cx="3182539" cy="1926666"/>
+          </a:xfrm>
+          <a:prstGeom prst="rect">
+            <a:avLst/>
+          </a:prstGeom>
+          <a:noFill/>
+          <a:extLst>
+            <a:ext uri="{909E8E84-426E-40DD-AFC4-6F175D3DCCD1}">
+              <a14:hiddenFill xmlns:a14="http://schemas.microsoft.com/office/drawing/2010/main">
+                <a:solidFill>
+                  <a:srgbClr val="FFFFFF"/>
+                </a:solidFill>
+              </a14:hiddenFill>
+            </a:ext>
+          </a:extLst>
+        </p:spPr>
+      </p:pic>
+      <p:cxnSp>
+        <p:nvCxnSpPr>
+          <p:cNvPr id="5" name="Straight Arrow Connector 4">
+            <a:extLst>
+              <a:ext uri="{FF2B5EF4-FFF2-40B4-BE49-F238E27FC236}">
+                <a16:creationId xmlns:a16="http://schemas.microsoft.com/office/drawing/2014/main" id="{0609E4A2-C662-A860-0ED2-969666D65595}"/>
+              </a:ext>
+            </a:extLst>
+          </p:cNvPr>
+          <p:cNvCxnSpPr/>
+          <p:nvPr/>
+        </p:nvCxnSpPr>
+        <p:spPr>
+          <a:xfrm flipV="1">
+            <a:off x="926193" y="4075713"/>
+            <a:ext cx="533400" cy="601134"/>
+          </a:xfrm>
+          <a:prstGeom prst="straightConnector1">
+            <a:avLst/>
+          </a:prstGeom>
+          <a:ln w="12700">
+            <a:solidFill>
+              <a:schemeClr val="tx1"/>
+            </a:solidFill>
+            <a:tailEnd type="triangle"/>
+          </a:ln>
+        </p:spPr>
+        <p:style>
+          <a:lnRef idx="1">
+            <a:schemeClr val="accent1"/>
+          </a:lnRef>
+          <a:fillRef idx="0">
+            <a:schemeClr val="accent1"/>
+          </a:fillRef>
+          <a:effectRef idx="0">
+            <a:schemeClr val="accent1"/>
+          </a:effectRef>
+          <a:fontRef idx="minor">
+            <a:schemeClr val="tx1"/>
+          </a:fontRef>
+        </p:style>
+      </p:cxnSp>
+      <p:pic>
+        <p:nvPicPr>
+          <p:cNvPr id="7" name="Picture 6">
+            <a:extLst>
+              <a:ext uri="{FF2B5EF4-FFF2-40B4-BE49-F238E27FC236}">
+                <a16:creationId xmlns:a16="http://schemas.microsoft.com/office/drawing/2014/main" id="{269111BB-B02A-B2A7-0A90-AA2E0709EA5F}"/>
+              </a:ext>
+            </a:extLst>
+          </p:cNvPr>
+          <p:cNvPicPr>
+            <a:picLocks noChangeAspect="1"/>
+          </p:cNvPicPr>
+          <p:nvPr/>
+        </p:nvPicPr>
+        <p:blipFill>
+          <a:blip r:embed="rId6"/>
+          <a:stretch>
+            <a:fillRect/>
+          </a:stretch>
+        </p:blipFill>
+        <p:spPr>
+          <a:xfrm>
+            <a:off x="1511475" y="3964259"/>
+            <a:ext cx="186227" cy="117617"/>
+          </a:xfrm>
+          <a:prstGeom prst="rect">
+            <a:avLst/>
+          </a:prstGeom>
+        </p:spPr>
+      </p:pic>
+      <p:sp>
+        <p:nvSpPr>
+          <p:cNvPr id="8" name="TextBox 7">
+            <a:extLst>
+              <a:ext uri="{FF2B5EF4-FFF2-40B4-BE49-F238E27FC236}">
+                <a16:creationId xmlns:a16="http://schemas.microsoft.com/office/drawing/2014/main" id="{7EFDBFF7-5F91-79C6-D4F1-4EF337CB565F}"/>
+              </a:ext>
+            </a:extLst>
+          </p:cNvPr>
+          <p:cNvSpPr txBox="1"/>
+          <p:nvPr/>
+        </p:nvSpPr>
+        <p:spPr>
+          <a:xfrm>
+            <a:off x="6011333" y="1320800"/>
+            <a:ext cx="5918200" cy="2031325"/>
+          </a:xfrm>
+          <a:prstGeom prst="rect">
+            <a:avLst/>
+          </a:prstGeom>
+          <a:noFill/>
+        </p:spPr>
+        <p:txBody>
+          <a:bodyPr wrap="square" rtlCol="0">
+            <a:spAutoFit/>
+          </a:bodyPr>
+          <a:lstStyle/>
+          <a:p>
+            <a:r>
+              <a:rPr lang="en-US" dirty="0"/>
+              <a:t>Discussion</a:t>
+            </a:r>
+          </a:p>
+          <a:p>
+            <a:pPr marL="285750" indent="-285750">
+              <a:buFont typeface="Arial" panose="020B0604020202020204" pitchFamily="34" charset="0"/>
+              <a:buChar char="•"/>
+            </a:pPr>
+            <a:r>
+              <a:rPr lang="en-US" dirty="0"/>
+              <a:t>In CV data, reaction goes to completion by 0.5 V (vs. RHE) </a:t>
+            </a:r>
+          </a:p>
+          <a:p>
+            <a:pPr marL="742950" lvl="1" indent="-285750">
+              <a:buFont typeface="Arial" panose="020B0604020202020204" pitchFamily="34" charset="0"/>
+              <a:buChar char="•"/>
+            </a:pPr>
+            <a:r>
+              <a:rPr lang="en-US" dirty="0"/>
+              <a:t>Surface charge ~10 </a:t>
+            </a:r>
+            <a:r>
+              <a:rPr lang="en-US" dirty="0" err="1"/>
+              <a:t>uC</a:t>
+            </a:r>
+            <a:r>
+              <a:rPr lang="en-US" dirty="0"/>
+              <a:t>/cm2 according to Saha &amp; </a:t>
+            </a:r>
+            <a:r>
+              <a:rPr lang="en-US" dirty="0" err="1"/>
+              <a:t>Zenyuk</a:t>
+            </a:r>
+            <a:r>
+              <a:rPr lang="en-US" dirty="0"/>
+              <a:t>. </a:t>
+            </a:r>
+            <a:r>
+              <a:rPr lang="en-US" i="1" dirty="0"/>
+              <a:t>JPCC</a:t>
+            </a:r>
+            <a:r>
+              <a:rPr lang="en-US" dirty="0"/>
+              <a:t>. 2021.</a:t>
+            </a:r>
+          </a:p>
+          <a:p>
+            <a:pPr marL="285750" indent="-285750">
+              <a:buFont typeface="Arial" panose="020B0604020202020204" pitchFamily="34" charset="0"/>
+              <a:buChar char="•"/>
+            </a:pPr>
+            <a:r>
+              <a:rPr lang="en-US" dirty="0"/>
+              <a:t>However, present results show monotonically increasing adsorption with surface charge density</a:t>
+            </a:r>
+          </a:p>
+          <a:p>
+            <a:pPr marL="285750" indent="-285750">
+              <a:buFont typeface="Arial" panose="020B0604020202020204" pitchFamily="34" charset="0"/>
+              <a:buChar char="•"/>
+            </a:pPr>
+            <a:endParaRPr lang="en-US" dirty="0"/>
+          </a:p>
+        </p:txBody>
+      </p:sp>
+      <p:pic>
+        <p:nvPicPr>
+          <p:cNvPr id="53" name="Picture 52">
+            <a:extLst>
+              <a:ext uri="{FF2B5EF4-FFF2-40B4-BE49-F238E27FC236}">
+                <a16:creationId xmlns:a16="http://schemas.microsoft.com/office/drawing/2014/main" id="{B7B9D77E-6B94-2932-DF86-57210AE5D47D}"/>
+              </a:ext>
+            </a:extLst>
+          </p:cNvPr>
+          <p:cNvPicPr>
+            <a:picLocks noChangeAspect="1"/>
+          </p:cNvPicPr>
+          <p:nvPr/>
+        </p:nvPicPr>
+        <p:blipFill>
+          <a:blip r:embed="rId7"/>
+          <a:stretch>
+            <a:fillRect/>
+          </a:stretch>
+        </p:blipFill>
+        <p:spPr>
+          <a:xfrm>
+            <a:off x="2758985" y="2044048"/>
+            <a:ext cx="2228614" cy="1823649"/>
+          </a:xfrm>
+          <a:prstGeom prst="rect">
+            <a:avLst/>
+          </a:prstGeom>
+        </p:spPr>
+      </p:pic>
+    </p:spTree>
+    <p:extLst>
+      <p:ext uri="{BB962C8B-B14F-4D97-AF65-F5344CB8AC3E}">
+        <p14:creationId xmlns:p14="http://schemas.microsoft.com/office/powerpoint/2010/main" val="2878993254"/>
+      </p:ext>
+    </p:extLst>
+  </p:cSld>
+  <p:clrMapOvr>
+    <a:masterClrMapping/>
+  </p:clrMapOvr>
+</p:sld>
+</file>
+
+<file path=ppt/slides/slide6.xml><?xml version="1.0" encoding="utf-8"?>
+<p:sld xmlns:a="http://schemas.openxmlformats.org/drawingml/2006/main" xmlns:r="http://schemas.openxmlformats.org/officeDocument/2006/relationships" xmlns:p="http://schemas.openxmlformats.org/presentationml/2006/main">
+  <p:cSld>
+    <p:spTree>
+      <p:nvGrpSpPr>
+        <p:cNvPr id="1" name=""/>
+        <p:cNvGrpSpPr/>
+        <p:nvPr/>
+      </p:nvGrpSpPr>
+      <p:grpSpPr>
+        <a:xfrm>
+          <a:off x="0" y="0"/>
+          <a:ext cx="0" cy="0"/>
+          <a:chOff x="0" y="0"/>
+          <a:chExt cx="0" cy="0"/>
+        </a:xfrm>
+      </p:grpSpPr>
+      <p:sp>
+        <p:nvSpPr>
+          <p:cNvPr id="2" name="Title 1">
+            <a:extLst>
+              <a:ext uri="{FF2B5EF4-FFF2-40B4-BE49-F238E27FC236}">
+                <a16:creationId xmlns:a16="http://schemas.microsoft.com/office/drawing/2014/main" id="{F45F6949-87CE-7A3F-307C-5A1024AB86E7}"/>
+              </a:ext>
+            </a:extLst>
+          </p:cNvPr>
+          <p:cNvSpPr>
+            <a:spLocks noGrp="1"/>
+          </p:cNvSpPr>
+          <p:nvPr>
+            <p:ph type="title"/>
+          </p:nvPr>
+        </p:nvSpPr>
+        <p:spPr/>
+        <p:txBody>
+          <a:bodyPr/>
+          <a:lstStyle/>
+          <a:p>
+            <a:r>
+              <a:rPr lang="en-US" dirty="0"/>
+              <a:t>Notes</a:t>
+            </a:r>
+          </a:p>
+        </p:txBody>
+      </p:sp>
+      <p:sp>
+        <p:nvSpPr>
+          <p:cNvPr id="3" name="Content Placeholder 2">
+            <a:extLst>
+              <a:ext uri="{FF2B5EF4-FFF2-40B4-BE49-F238E27FC236}">
+                <a16:creationId xmlns:a16="http://schemas.microsoft.com/office/drawing/2014/main" id="{3271A915-9ED1-E592-EA0E-285BC9A3E70E}"/>
+              </a:ext>
+            </a:extLst>
+          </p:cNvPr>
+          <p:cNvSpPr>
+            <a:spLocks noGrp="1"/>
+          </p:cNvSpPr>
+          <p:nvPr>
+            <p:ph idx="1"/>
+          </p:nvPr>
+        </p:nvSpPr>
+        <p:spPr/>
+        <p:txBody>
+          <a:bodyPr/>
+          <a:lstStyle/>
+          <a:p>
+            <a:r>
+              <a:rPr lang="en-US" dirty="0"/>
+              <a:t>CV peaks—reaction to completion</a:t>
+            </a:r>
+          </a:p>
+          <a:p>
+            <a:pPr lvl="1"/>
+            <a:r>
+              <a:rPr lang="en-US" dirty="0"/>
+              <a:t>SCFT keeps increasing with charge density</a:t>
+            </a:r>
+          </a:p>
+          <a:p>
+            <a:pPr lvl="2"/>
+            <a:r>
+              <a:rPr lang="en-US" dirty="0"/>
+              <a:t>Length scale may be smaller, original \phi </a:t>
+            </a:r>
+            <a:r>
+              <a:rPr lang="en-US" dirty="0" err="1"/>
+              <a:t>dne</a:t>
+            </a:r>
+            <a:r>
+              <a:rPr lang="en-US" dirty="0"/>
+              <a:t> 0?</a:t>
+            </a:r>
+          </a:p>
+          <a:p>
+            <a:pPr lvl="2"/>
+            <a:endParaRPr lang="en-US" dirty="0"/>
+          </a:p>
+          <a:p>
+            <a:r>
+              <a:rPr lang="en-US" dirty="0"/>
+              <a:t>SWITCH TO DGC SOON – thread </a:t>
+            </a:r>
+            <a:r>
+              <a:rPr lang="en-US" dirty="0" err="1"/>
+              <a:t>dne</a:t>
+            </a:r>
+            <a:r>
+              <a:rPr lang="en-US" dirty="0"/>
+              <a:t> bead-spring at N = 2</a:t>
+            </a:r>
+          </a:p>
+        </p:txBody>
+      </p:sp>
+      <p:sp>
+        <p:nvSpPr>
+          <p:cNvPr id="4" name="Slide Number Placeholder 3">
+            <a:extLst>
+              <a:ext uri="{FF2B5EF4-FFF2-40B4-BE49-F238E27FC236}">
+                <a16:creationId xmlns:a16="http://schemas.microsoft.com/office/drawing/2014/main" id="{A3BF3B21-6169-3018-6969-075EE6DA91CF}"/>
+              </a:ext>
+            </a:extLst>
+          </p:cNvPr>
+          <p:cNvSpPr>
+            <a:spLocks noGrp="1"/>
+          </p:cNvSpPr>
+          <p:nvPr>
+            <p:ph type="sldNum" sz="quarter" idx="12"/>
+          </p:nvPr>
+        </p:nvSpPr>
+        <p:spPr/>
+        <p:txBody>
+          <a:bodyPr/>
+          <a:lstStyle/>
+          <a:p>
+            <a:fld id="{5911C0E6-D9CE-431C-92CB-BB39B872F930}" type="slidenum">
+              <a:rPr lang="en-US" smtClean="0"/>
+              <a:t>6</a:t>
+            </a:fld>
+            <a:endParaRPr lang="en-US"/>
+          </a:p>
+        </p:txBody>
+      </p:sp>
+    </p:spTree>
+    <p:extLst>
+      <p:ext uri="{BB962C8B-B14F-4D97-AF65-F5344CB8AC3E}">
+        <p14:creationId xmlns:p14="http://schemas.microsoft.com/office/powerpoint/2010/main" val="3368368083"/>
+      </p:ext>
+    </p:extLst>
+  </p:cSld>
+  <p:clrMapOvr>
+    <a:masterClrMapping/>
+  </p:clrMapOvr>
+</p:sld>
+</file>
+
+<file path=ppt/slides/slide7.xml><?xml version="1.0" encoding="utf-8"?>
+<p:sld xmlns:a="http://schemas.openxmlformats.org/drawingml/2006/main" xmlns:r="http://schemas.openxmlformats.org/officeDocument/2006/relationships" xmlns:p="http://schemas.openxmlformats.org/presentationml/2006/main">
+  <p:cSld>
+    <p:spTree>
+      <p:nvGrpSpPr>
+        <p:cNvPr id="1" name=""/>
+        <p:cNvGrpSpPr/>
+        <p:nvPr/>
+      </p:nvGrpSpPr>
+      <p:grpSpPr>
+        <a:xfrm>
+          <a:off x="0" y="0"/>
+          <a:ext cx="0" cy="0"/>
+          <a:chOff x="0" y="0"/>
+          <a:chExt cx="0" cy="0"/>
+        </a:xfrm>
+      </p:grpSpPr>
+      <p:sp>
+        <p:nvSpPr>
+          <p:cNvPr id="2" name="Title 1">
+            <a:extLst>
+              <a:ext uri="{FF2B5EF4-FFF2-40B4-BE49-F238E27FC236}">
+                <a16:creationId xmlns:a16="http://schemas.microsoft.com/office/drawing/2014/main" id="{2427D711-D061-3623-3F75-C98942371E89}"/>
+              </a:ext>
+            </a:extLst>
+          </p:cNvPr>
+          <p:cNvSpPr>
+            <a:spLocks noGrp="1"/>
+          </p:cNvSpPr>
+          <p:nvPr>
+            <p:ph type="title"/>
+          </p:nvPr>
+        </p:nvSpPr>
+        <p:spPr/>
+        <p:txBody>
+          <a:bodyPr/>
+          <a:lstStyle/>
+          <a:p>
+            <a:r>
+              <a:rPr lang="en-US" dirty="0"/>
+              <a:t>Other</a:t>
+            </a:r>
+          </a:p>
+        </p:txBody>
+      </p:sp>
+      <p:sp>
+        <p:nvSpPr>
+          <p:cNvPr id="3" name="Slide Number Placeholder 2">
+            <a:extLst>
+              <a:ext uri="{FF2B5EF4-FFF2-40B4-BE49-F238E27FC236}">
+                <a16:creationId xmlns:a16="http://schemas.microsoft.com/office/drawing/2014/main" id="{093D3702-41E8-DFF4-0903-A1DD36D6C532}"/>
+              </a:ext>
+            </a:extLst>
+          </p:cNvPr>
+          <p:cNvSpPr>
+            <a:spLocks noGrp="1"/>
+          </p:cNvSpPr>
+          <p:nvPr>
+            <p:ph type="sldNum" sz="quarter" idx="12"/>
+          </p:nvPr>
+        </p:nvSpPr>
+        <p:spPr/>
+        <p:txBody>
+          <a:bodyPr/>
+          <a:lstStyle/>
+          <a:p>
+            <a:fld id="{5911C0E6-D9CE-431C-92CB-BB39B872F930}" type="slidenum">
+              <a:rPr lang="en-US" smtClean="0"/>
+              <a:t>7</a:t>
+            </a:fld>
+            <a:endParaRPr lang="en-US"/>
+          </a:p>
+        </p:txBody>
+      </p:sp>
+      <p:sp>
+        <p:nvSpPr>
+          <p:cNvPr id="4" name="TextBox 3">
+            <a:extLst>
+              <a:ext uri="{FF2B5EF4-FFF2-40B4-BE49-F238E27FC236}">
+                <a16:creationId xmlns:a16="http://schemas.microsoft.com/office/drawing/2014/main" id="{BA57B694-7FAA-B47B-4669-4DE86E38ECC0}"/>
+              </a:ext>
+            </a:extLst>
+          </p:cNvPr>
+          <p:cNvSpPr txBox="1"/>
+          <p:nvPr/>
+        </p:nvSpPr>
+        <p:spPr>
+          <a:xfrm>
+            <a:off x="716034" y="1033686"/>
+            <a:ext cx="1684868" cy="369332"/>
+          </a:xfrm>
+          <a:prstGeom prst="rect">
+            <a:avLst/>
+          </a:prstGeom>
+          <a:noFill/>
+        </p:spPr>
+        <p:txBody>
+          <a:bodyPr wrap="square" rtlCol="0">
+            <a:spAutoFit/>
+          </a:bodyPr>
+          <a:lstStyle/>
+          <a:p>
+            <a:r>
+              <a:rPr lang="en-US" dirty="0"/>
+              <a:t>1e−07 M (pH 7)</a:t>
+            </a:r>
+          </a:p>
+        </p:txBody>
+      </p:sp>
       <p:grpSp>
         <p:nvGrpSpPr>
           <p:cNvPr id="22" name="Group 21">
@@ -6252,7 +6545,7 @@
               <p:nvPr/>
             </p:nvPicPr>
             <p:blipFill>
-              <a:blip r:embed="rId5">
+              <a:blip r:embed="rId2">
                 <a:extLst>
                   <a:ext uri="{28A0092B-C50C-407E-A947-70E740481C1C}">
                     <a14:useLocalDpi xmlns:a14="http://schemas.microsoft.com/office/drawing/2010/main" val="0"/>
@@ -6299,7 +6592,7 @@
               <p:nvPr/>
             </p:nvPicPr>
             <p:blipFill>
-              <a:blip r:embed="rId6">
+              <a:blip r:embed="rId3">
                 <a:extLst>
                   <a:ext uri="{28A0092B-C50C-407E-A947-70E740481C1C}">
                     <a14:useLocalDpi xmlns:a14="http://schemas.microsoft.com/office/drawing/2010/main" val="0"/>
@@ -6346,7 +6639,7 @@
               <p:nvPr/>
             </p:nvPicPr>
             <p:blipFill>
-              <a:blip r:embed="rId7">
+              <a:blip r:embed="rId4">
                 <a:extLst>
                   <a:ext uri="{28A0092B-C50C-407E-A947-70E740481C1C}">
                     <a14:useLocalDpi xmlns:a14="http://schemas.microsoft.com/office/drawing/2010/main" val="0"/>
@@ -6456,7 +6749,7 @@
               <p:nvPr/>
             </p:nvPicPr>
             <p:blipFill>
-              <a:blip r:embed="rId8"/>
+              <a:blip r:embed="rId5"/>
               <a:stretch>
                 <a:fillRect/>
               </a:stretch>
@@ -6488,7 +6781,7 @@
           <p:nvPr/>
         </p:nvPicPr>
         <p:blipFill>
-          <a:blip r:embed="rId9">
+          <a:blip r:embed="rId6">
             <a:extLst>
               <a:ext uri="{28A0092B-C50C-407E-A947-70E740481C1C}">
                 <a14:useLocalDpi xmlns:a14="http://schemas.microsoft.com/office/drawing/2010/main" val="0"/>
@@ -6503,53 +6796,6 @@
         <p:spPr bwMode="auto">
           <a:xfrm>
             <a:off x="2615424" y="3178768"/>
-            <a:ext cx="3182539" cy="1926666"/>
-          </a:xfrm>
-          <a:prstGeom prst="rect">
-            <a:avLst/>
-          </a:prstGeom>
-          <a:noFill/>
-          <a:extLst>
-            <a:ext uri="{909E8E84-426E-40DD-AFC4-6F175D3DCCD1}">
-              <a14:hiddenFill xmlns:a14="http://schemas.microsoft.com/office/drawing/2010/main">
-                <a:solidFill>
-                  <a:srgbClr val="FFFFFF"/>
-                </a:solidFill>
-              </a14:hiddenFill>
-            </a:ext>
-          </a:extLst>
-        </p:spPr>
-      </p:pic>
-      <p:pic>
-        <p:nvPicPr>
-          <p:cNvPr id="1056" name="Picture 32">
-            <a:extLst>
-              <a:ext uri="{FF2B5EF4-FFF2-40B4-BE49-F238E27FC236}">
-                <a16:creationId xmlns:a16="http://schemas.microsoft.com/office/drawing/2014/main" id="{79A3044D-CD8D-9FCA-8689-1D94A19FE041}"/>
-              </a:ext>
-            </a:extLst>
-          </p:cNvPr>
-          <p:cNvPicPr>
-            <a:picLocks noChangeAspect="1" noChangeArrowheads="1"/>
-          </p:cNvPicPr>
-          <p:nvPr/>
-        </p:nvPicPr>
-        <p:blipFill>
-          <a:blip r:embed="rId10">
-            <a:extLst>
-              <a:ext uri="{28A0092B-C50C-407E-A947-70E740481C1C}">
-                <a14:useLocalDpi xmlns:a14="http://schemas.microsoft.com/office/drawing/2010/main" val="0"/>
-              </a:ext>
-            </a:extLst>
-          </a:blip>
-          <a:srcRect/>
-          <a:stretch>
-            <a:fillRect/>
-          </a:stretch>
-        </p:blipFill>
-        <p:spPr bwMode="auto">
-          <a:xfrm>
-            <a:off x="8819970" y="3215611"/>
             <a:ext cx="3182539" cy="1926666"/>
           </a:xfrm>
           <a:prstGeom prst="rect">
@@ -6622,7 +6868,7 @@
     </p:spTree>
     <p:extLst>
       <p:ext uri="{BB962C8B-B14F-4D97-AF65-F5344CB8AC3E}">
-        <p14:creationId xmlns:p14="http://schemas.microsoft.com/office/powerpoint/2010/main" val="3762529990"/>
+        <p14:creationId xmlns:p14="http://schemas.microsoft.com/office/powerpoint/2010/main" val="12071386"/>
       </p:ext>
     </p:extLst>
   </p:cSld>

--- a/NAF.pptx
+++ b/NAF.pptx
@@ -203,7 +203,7 @@
           <a:p>
             <a:fld id="{4299902A-6DB3-4A13-9B91-BEABFDA2FC16}" type="datetimeFigureOut">
               <a:rPr lang="en-US" smtClean="0"/>
-              <a:t>6/18/2024</a:t>
+              <a:t>6/19/2024</a:t>
             </a:fld>
             <a:endParaRPr lang="en-US"/>
           </a:p>
@@ -5235,8 +5235,8 @@
         </p:nvSpPr>
         <p:spPr>
           <a:xfrm>
-            <a:off x="698675" y="1059086"/>
-            <a:ext cx="1625600" cy="369332"/>
+            <a:off x="1430867" y="1415840"/>
+            <a:ext cx="2641600" cy="369332"/>
           </a:xfrm>
           <a:prstGeom prst="rect">
             <a:avLst/>
@@ -5252,17 +5252,64 @@
             <a:pPr algn="ctr"/>
             <a:r>
               <a:rPr lang="en-US" dirty="0"/>
-              <a:t>0.100 M</a:t>
+              <a:t>Ionic strength 0.100 M</a:t>
             </a:r>
           </a:p>
         </p:txBody>
       </p:sp>
+      <p:pic>
+        <p:nvPicPr>
+          <p:cNvPr id="1056" name="Picture 32">
+            <a:extLst>
+              <a:ext uri="{FF2B5EF4-FFF2-40B4-BE49-F238E27FC236}">
+                <a16:creationId xmlns:a16="http://schemas.microsoft.com/office/drawing/2014/main" id="{79A3044D-CD8D-9FCA-8689-1D94A19FE041}"/>
+              </a:ext>
+            </a:extLst>
+          </p:cNvPr>
+          <p:cNvPicPr>
+            <a:picLocks noChangeAspect="1" noChangeArrowheads="1"/>
+          </p:cNvPicPr>
+          <p:nvPr/>
+        </p:nvPicPr>
+        <p:blipFill>
+          <a:blip r:embed="rId2">
+            <a:extLst>
+              <a:ext uri="{28A0092B-C50C-407E-A947-70E740481C1C}">
+                <a14:useLocalDpi xmlns:a14="http://schemas.microsoft.com/office/drawing/2010/main" val="0"/>
+              </a:ext>
+            </a:extLst>
+          </a:blip>
+          <a:srcRect/>
+          <a:stretch>
+            <a:fillRect/>
+          </a:stretch>
+        </p:blipFill>
+        <p:spPr bwMode="auto">
+          <a:xfrm>
+            <a:off x="2640288" y="1907839"/>
+            <a:ext cx="3182539" cy="1926666"/>
+          </a:xfrm>
+          <a:prstGeom prst="rect">
+            <a:avLst/>
+          </a:prstGeom>
+          <a:noFill/>
+          <a:extLst>
+            <a:ext uri="{909E8E84-426E-40DD-AFC4-6F175D3DCCD1}">
+              <a14:hiddenFill xmlns:a14="http://schemas.microsoft.com/office/drawing/2010/main">
+                <a:solidFill>
+                  <a:srgbClr val="FFFFFF"/>
+                </a:solidFill>
+              </a14:hiddenFill>
+            </a:ext>
+          </a:extLst>
+        </p:spPr>
+      </p:pic>
       <p:grpSp>
         <p:nvGrpSpPr>
-          <p:cNvPr id="14" name="Group 13">
+          <p:cNvPr id="4" name="Group 3">
             <a:extLst>
               <a:ext uri="{FF2B5EF4-FFF2-40B4-BE49-F238E27FC236}">
-                <a16:creationId xmlns:a16="http://schemas.microsoft.com/office/drawing/2014/main" id="{3A7FCB36-F4C9-62A6-0A99-6E9203A4A25D}"/>
+                <a16:creationId xmlns:a16="http://schemas.microsoft.com/office/drawing/2014/main" id="{37E94E90-87A9-6A5A-BBD0-4E29F3C93011}"/>
               </a:ext>
             </a:extLst>
           </p:cNvPr>
@@ -5271,59 +5318,12 @@
         </p:nvGrpSpPr>
         <p:grpSpPr>
           <a:xfrm>
-            <a:off x="180441" y="1520950"/>
-            <a:ext cx="2360996" cy="5262768"/>
-            <a:chOff x="7430102" y="1397013"/>
-            <a:chExt cx="2360996" cy="5262768"/>
+            <a:off x="209959" y="2897341"/>
+            <a:ext cx="2360996" cy="1993049"/>
+            <a:chOff x="180441" y="3174628"/>
+            <a:chExt cx="2360996" cy="1993049"/>
           </a:xfrm>
         </p:grpSpPr>
-        <p:pic>
-          <p:nvPicPr>
-            <p:cNvPr id="1046" name="Picture 22">
-              <a:extLst>
-                <a:ext uri="{FF2B5EF4-FFF2-40B4-BE49-F238E27FC236}">
-                  <a16:creationId xmlns:a16="http://schemas.microsoft.com/office/drawing/2014/main" id="{79226F43-858A-2383-EDE1-5D16EE907128}"/>
-                </a:ext>
-              </a:extLst>
-            </p:cNvPr>
-            <p:cNvPicPr>
-              <a:picLocks noChangeAspect="1" noChangeArrowheads="1"/>
-            </p:cNvPicPr>
-            <p:nvPr/>
-          </p:nvPicPr>
-          <p:blipFill>
-            <a:blip r:embed="rId2">
-              <a:extLst>
-                <a:ext uri="{28A0092B-C50C-407E-A947-70E740481C1C}">
-                  <a14:useLocalDpi xmlns:a14="http://schemas.microsoft.com/office/drawing/2010/main" val="0"/>
-                </a:ext>
-              </a:extLst>
-            </a:blip>
-            <a:srcRect/>
-            <a:stretch>
-              <a:fillRect/>
-            </a:stretch>
-          </p:blipFill>
-          <p:spPr bwMode="auto">
-            <a:xfrm>
-              <a:off x="7430102" y="1397013"/>
-              <a:ext cx="2360996" cy="1993049"/>
-            </a:xfrm>
-            <a:prstGeom prst="rect">
-              <a:avLst/>
-            </a:prstGeom>
-            <a:noFill/>
-            <a:extLst>
-              <a:ext uri="{909E8E84-426E-40DD-AFC4-6F175D3DCCD1}">
-                <a14:hiddenFill xmlns:a14="http://schemas.microsoft.com/office/drawing/2010/main">
-                  <a:solidFill>
-                    <a:srgbClr val="FFFFFF"/>
-                  </a:solidFill>
-                </a14:hiddenFill>
-              </a:ext>
-            </a:extLst>
-          </p:spPr>
-        </p:pic>
         <p:pic>
           <p:nvPicPr>
             <p:cNvPr id="1048" name="Picture 24">
@@ -5353,7 +5353,7 @@
           </p:blipFill>
           <p:spPr bwMode="auto">
             <a:xfrm>
-              <a:off x="7430102" y="3050691"/>
+              <a:off x="180441" y="3174628"/>
               <a:ext cx="2360996" cy="1993049"/>
             </a:xfrm>
             <a:prstGeom prst="rect">
@@ -5371,149 +5371,213 @@
             </a:extLst>
           </p:spPr>
         </p:pic>
+        <p:cxnSp>
+          <p:nvCxnSpPr>
+            <p:cNvPr id="5" name="Straight Arrow Connector 4">
+              <a:extLst>
+                <a:ext uri="{FF2B5EF4-FFF2-40B4-BE49-F238E27FC236}">
+                  <a16:creationId xmlns:a16="http://schemas.microsoft.com/office/drawing/2014/main" id="{0609E4A2-C662-A860-0ED2-969666D65595}"/>
+                </a:ext>
+              </a:extLst>
+            </p:cNvPr>
+            <p:cNvCxnSpPr/>
+            <p:nvPr/>
+          </p:nvCxnSpPr>
+          <p:spPr>
+            <a:xfrm flipV="1">
+              <a:off x="926193" y="4075713"/>
+              <a:ext cx="533400" cy="601134"/>
+            </a:xfrm>
+            <a:prstGeom prst="straightConnector1">
+              <a:avLst/>
+            </a:prstGeom>
+            <a:ln w="12700">
+              <a:solidFill>
+                <a:schemeClr val="tx1"/>
+              </a:solidFill>
+              <a:tailEnd type="triangle"/>
+            </a:ln>
+          </p:spPr>
+          <p:style>
+            <a:lnRef idx="1">
+              <a:schemeClr val="accent1"/>
+            </a:lnRef>
+            <a:fillRef idx="0">
+              <a:schemeClr val="accent1"/>
+            </a:fillRef>
+            <a:effectRef idx="0">
+              <a:schemeClr val="accent1"/>
+            </a:effectRef>
+            <a:fontRef idx="minor">
+              <a:schemeClr val="tx1"/>
+            </a:fontRef>
+          </p:style>
+        </p:cxnSp>
         <p:pic>
           <p:nvPicPr>
-            <p:cNvPr id="1050" name="Picture 26">
+            <p:cNvPr id="7" name="Picture 6">
               <a:extLst>
                 <a:ext uri="{FF2B5EF4-FFF2-40B4-BE49-F238E27FC236}">
-                  <a16:creationId xmlns:a16="http://schemas.microsoft.com/office/drawing/2014/main" id="{E62FA05B-E83E-8F1A-7908-17ED22F01EC5}"/>
+                  <a16:creationId xmlns:a16="http://schemas.microsoft.com/office/drawing/2014/main" id="{269111BB-B02A-B2A7-0A90-AA2E0709EA5F}"/>
                 </a:ext>
               </a:extLst>
             </p:cNvPr>
             <p:cNvPicPr>
-              <a:picLocks noChangeAspect="1" noChangeArrowheads="1"/>
+              <a:picLocks noChangeAspect="1"/>
             </p:cNvPicPr>
             <p:nvPr/>
           </p:nvPicPr>
           <p:blipFill>
-            <a:blip r:embed="rId4">
-              <a:extLst>
-                <a:ext uri="{28A0092B-C50C-407E-A947-70E740481C1C}">
-                  <a14:useLocalDpi xmlns:a14="http://schemas.microsoft.com/office/drawing/2010/main" val="0"/>
-                </a:ext>
-              </a:extLst>
-            </a:blip>
-            <a:srcRect/>
+            <a:blip r:embed="rId4"/>
             <a:stretch>
               <a:fillRect/>
             </a:stretch>
           </p:blipFill>
-          <p:spPr bwMode="auto">
+          <p:spPr>
             <a:xfrm>
-              <a:off x="7544901" y="4725969"/>
-              <a:ext cx="2246197" cy="1933812"/>
+              <a:off x="1511475" y="3964259"/>
+              <a:ext cx="186227" cy="117617"/>
             </a:xfrm>
             <a:prstGeom prst="rect">
               <a:avLst/>
             </a:prstGeom>
-            <a:noFill/>
-            <a:extLst>
-              <a:ext uri="{909E8E84-426E-40DD-AFC4-6F175D3DCCD1}">
-                <a14:hiddenFill xmlns:a14="http://schemas.microsoft.com/office/drawing/2010/main">
-                  <a:solidFill>
-                    <a:srgbClr val="FFFFFF"/>
-                  </a:solidFill>
-                </a14:hiddenFill>
-              </a:ext>
-            </a:extLst>
           </p:spPr>
         </p:pic>
       </p:grpSp>
-      <p:pic>
-        <p:nvPicPr>
-          <p:cNvPr id="1056" name="Picture 32">
+      <p:sp>
+        <p:nvSpPr>
+          <p:cNvPr id="8" name="TextBox 7">
             <a:extLst>
               <a:ext uri="{FF2B5EF4-FFF2-40B4-BE49-F238E27FC236}">
-                <a16:creationId xmlns:a16="http://schemas.microsoft.com/office/drawing/2014/main" id="{79A3044D-CD8D-9FCA-8689-1D94A19FE041}"/>
+                <a16:creationId xmlns:a16="http://schemas.microsoft.com/office/drawing/2014/main" id="{7EFDBFF7-5F91-79C6-D4F1-4EF337CB565F}"/>
               </a:ext>
             </a:extLst>
           </p:cNvPr>
-          <p:cNvPicPr>
-            <a:picLocks noChangeAspect="1" noChangeArrowheads="1"/>
-          </p:cNvPicPr>
+          <p:cNvSpPr txBox="1"/>
           <p:nvPr/>
-        </p:nvPicPr>
-        <p:blipFill>
-          <a:blip r:embed="rId5">
-            <a:extLst>
-              <a:ext uri="{28A0092B-C50C-407E-A947-70E740481C1C}">
-                <a14:useLocalDpi xmlns:a14="http://schemas.microsoft.com/office/drawing/2010/main" val="0"/>
-              </a:ext>
-            </a:extLst>
-          </a:blip>
-          <a:srcRect/>
-          <a:stretch>
-            <a:fillRect/>
-          </a:stretch>
-        </p:blipFill>
-        <p:spPr bwMode="auto">
+        </p:nvSpPr>
+        <p:spPr>
           <a:xfrm>
-            <a:off x="2665435" y="3964259"/>
-            <a:ext cx="3182539" cy="1926666"/>
+            <a:off x="6189133" y="1320800"/>
+            <a:ext cx="5401734" cy="4247317"/>
           </a:xfrm>
           <a:prstGeom prst="rect">
             <a:avLst/>
           </a:prstGeom>
           <a:noFill/>
-          <a:extLst>
-            <a:ext uri="{909E8E84-426E-40DD-AFC4-6F175D3DCCD1}">
-              <a14:hiddenFill xmlns:a14="http://schemas.microsoft.com/office/drawing/2010/main">
-                <a:solidFill>
-                  <a:srgbClr val="FFFFFF"/>
-                </a:solidFill>
-              </a14:hiddenFill>
-            </a:ext>
-          </a:extLst>
+        </p:spPr>
+        <p:txBody>
+          <a:bodyPr wrap="square" rtlCol="0">
+            <a:spAutoFit/>
+          </a:bodyPr>
+          <a:lstStyle/>
+          <a:p>
+            <a:r>
+              <a:rPr lang="en-US" dirty="0"/>
+              <a:t>Model: “grafting surface” is bulk membrane/thin film; only considering elasticity of sidechains</a:t>
+            </a:r>
+          </a:p>
+          <a:p>
+            <a:endParaRPr lang="en-US" dirty="0"/>
+          </a:p>
+          <a:p>
+            <a:pPr marL="285750" indent="-285750">
+              <a:buFont typeface="Arial" panose="020B0604020202020204" pitchFamily="34" charset="0"/>
+              <a:buChar char="•"/>
+            </a:pPr>
+            <a:r>
+              <a:rPr lang="en-US" dirty="0"/>
+              <a:t>True grafting density unknown, 7.31 c/nm</a:t>
+            </a:r>
+            <a:r>
+              <a:rPr lang="en-US" baseline="30000" dirty="0"/>
+              <a:t>2</a:t>
+            </a:r>
+            <a:r>
+              <a:rPr lang="en-US" dirty="0"/>
+              <a:t> is approximately the density of sidechains based on the random walk of its backbone</a:t>
+            </a:r>
+          </a:p>
+          <a:p>
+            <a:pPr marL="742950" lvl="1" indent="-285750">
+              <a:buFont typeface="Arial" panose="020B0604020202020204" pitchFamily="34" charset="0"/>
+              <a:buChar char="•"/>
+            </a:pPr>
+            <a:endParaRPr lang="en-US" dirty="0"/>
+          </a:p>
+          <a:p>
+            <a:pPr marL="285750" indent="-285750">
+              <a:buFont typeface="Arial" panose="020B0604020202020204" pitchFamily="34" charset="0"/>
+              <a:buChar char="•"/>
+            </a:pPr>
+            <a:r>
+              <a:rPr lang="en-US" dirty="0"/>
+              <a:t>Left: Density of polymer on Pt surface as a function of membrane–Pt separation distance. Colors indicate Pt surface charge density</a:t>
+            </a:r>
+          </a:p>
+          <a:p>
+            <a:pPr marL="285750" indent="-285750">
+              <a:buFont typeface="Arial" panose="020B0604020202020204" pitchFamily="34" charset="0"/>
+              <a:buChar char="•"/>
+            </a:pPr>
+            <a:endParaRPr lang="en-US" dirty="0"/>
+          </a:p>
+          <a:p>
+            <a:pPr marL="285750" indent="-285750">
+              <a:buFont typeface="Arial" panose="020B0604020202020204" pitchFamily="34" charset="0"/>
+              <a:buChar char="•"/>
+            </a:pPr>
+            <a:r>
+              <a:rPr lang="en-US" dirty="0"/>
+              <a:t>Right: Polymer density distributions (solid) and proton distributions (dotted) for D = 2.5 nm and grafting density 7.31 c/nm</a:t>
+            </a:r>
+            <a:r>
+              <a:rPr lang="en-US" baseline="30000" dirty="0"/>
+              <a:t>2</a:t>
+            </a:r>
+            <a:r>
+              <a:rPr lang="en-US" dirty="0"/>
+              <a:t>. Density distribution of sulfonate block is dashed.</a:t>
+            </a:r>
+          </a:p>
+        </p:txBody>
+      </p:sp>
+      <p:pic>
+        <p:nvPicPr>
+          <p:cNvPr id="53" name="Picture 52">
+            <a:extLst>
+              <a:ext uri="{FF2B5EF4-FFF2-40B4-BE49-F238E27FC236}">
+                <a16:creationId xmlns:a16="http://schemas.microsoft.com/office/drawing/2014/main" id="{B7B9D77E-6B94-2932-DF86-57210AE5D47D}"/>
+              </a:ext>
+            </a:extLst>
+          </p:cNvPr>
+          <p:cNvPicPr>
+            <a:picLocks noChangeAspect="1"/>
+          </p:cNvPicPr>
+          <p:nvPr/>
+        </p:nvPicPr>
+        <p:blipFill>
+          <a:blip r:embed="rId5"/>
+          <a:stretch>
+            <a:fillRect/>
+          </a:stretch>
+        </p:blipFill>
+        <p:spPr>
+          <a:xfrm>
+            <a:off x="2754108" y="3893866"/>
+            <a:ext cx="2228614" cy="1823649"/>
+          </a:xfrm>
+          <a:prstGeom prst="rect">
+            <a:avLst/>
+          </a:prstGeom>
         </p:spPr>
       </p:pic>
-      <p:cxnSp>
-        <p:nvCxnSpPr>
-          <p:cNvPr id="5" name="Straight Arrow Connector 4">
-            <a:extLst>
-              <a:ext uri="{FF2B5EF4-FFF2-40B4-BE49-F238E27FC236}">
-                <a16:creationId xmlns:a16="http://schemas.microsoft.com/office/drawing/2014/main" id="{0609E4A2-C662-A860-0ED2-969666D65595}"/>
-              </a:ext>
-            </a:extLst>
-          </p:cNvPr>
-          <p:cNvCxnSpPr/>
-          <p:nvPr/>
-        </p:nvCxnSpPr>
-        <p:spPr>
-          <a:xfrm flipV="1">
-            <a:off x="926193" y="4075713"/>
-            <a:ext cx="533400" cy="601134"/>
-          </a:xfrm>
-          <a:prstGeom prst="straightConnector1">
-            <a:avLst/>
-          </a:prstGeom>
-          <a:ln w="12700">
-            <a:solidFill>
-              <a:schemeClr val="tx1"/>
-            </a:solidFill>
-            <a:tailEnd type="triangle"/>
-          </a:ln>
-        </p:spPr>
-        <p:style>
-          <a:lnRef idx="1">
-            <a:schemeClr val="accent1"/>
-          </a:lnRef>
-          <a:fillRef idx="0">
-            <a:schemeClr val="accent1"/>
-          </a:fillRef>
-          <a:effectRef idx="0">
-            <a:schemeClr val="accent1"/>
-          </a:effectRef>
-          <a:fontRef idx="minor">
-            <a:schemeClr val="tx1"/>
-          </a:fontRef>
-        </p:style>
-      </p:cxnSp>
       <p:pic>
         <p:nvPicPr>
-          <p:cNvPr id="7" name="Picture 6">
+          <p:cNvPr id="10" name="Picture 9">
             <a:extLst>
               <a:ext uri="{FF2B5EF4-FFF2-40B4-BE49-F238E27FC236}">
-                <a16:creationId xmlns:a16="http://schemas.microsoft.com/office/drawing/2014/main" id="{269111BB-B02A-B2A7-0A90-AA2E0709EA5F}"/>
+                <a16:creationId xmlns:a16="http://schemas.microsoft.com/office/drawing/2014/main" id="{FC7E66AD-946C-9D61-99A9-00225B560769}"/>
               </a:ext>
             </a:extLst>
           </p:cNvPr>
@@ -5530,146 +5594,8 @@
         </p:blipFill>
         <p:spPr>
           <a:xfrm>
-            <a:off x="1511475" y="3964259"/>
-            <a:ext cx="186227" cy="117617"/>
-          </a:xfrm>
-          <a:prstGeom prst="rect">
-            <a:avLst/>
-          </a:prstGeom>
-        </p:spPr>
-      </p:pic>
-      <p:sp>
-        <p:nvSpPr>
-          <p:cNvPr id="8" name="TextBox 7">
-            <a:extLst>
-              <a:ext uri="{FF2B5EF4-FFF2-40B4-BE49-F238E27FC236}">
-                <a16:creationId xmlns:a16="http://schemas.microsoft.com/office/drawing/2014/main" id="{7EFDBFF7-5F91-79C6-D4F1-4EF337CB565F}"/>
-              </a:ext>
-            </a:extLst>
-          </p:cNvPr>
-          <p:cNvSpPr txBox="1"/>
-          <p:nvPr/>
-        </p:nvSpPr>
-        <p:spPr>
-          <a:xfrm>
-            <a:off x="6189133" y="1320800"/>
-            <a:ext cx="5401734" cy="4801314"/>
-          </a:xfrm>
-          <a:prstGeom prst="rect">
-            <a:avLst/>
-          </a:prstGeom>
-          <a:noFill/>
-        </p:spPr>
-        <p:txBody>
-          <a:bodyPr wrap="square" rtlCol="0">
-            <a:spAutoFit/>
-          </a:bodyPr>
-          <a:lstStyle/>
-          <a:p>
-            <a:r>
-              <a:rPr lang="en-US" dirty="0"/>
-              <a:t>Model: “grafting surface” is bulk membrane/thin film; only considering elasticity of sidechains</a:t>
-            </a:r>
-          </a:p>
-          <a:p>
-            <a:endParaRPr lang="en-US" dirty="0"/>
-          </a:p>
-          <a:p>
-            <a:pPr marL="285750" indent="-285750">
-              <a:buFont typeface="Arial" panose="020B0604020202020204" pitchFamily="34" charset="0"/>
-              <a:buChar char="•"/>
-            </a:pPr>
-            <a:r>
-              <a:rPr lang="en-US" dirty="0"/>
-              <a:t>True grafting density unknown, 7.31 c/nm</a:t>
-            </a:r>
-            <a:r>
-              <a:rPr lang="en-US" baseline="30000" dirty="0"/>
-              <a:t>2</a:t>
-            </a:r>
-            <a:r>
-              <a:rPr lang="en-US" dirty="0"/>
-              <a:t> is approximately the density of sidechains based on the random walk of its backbone</a:t>
-            </a:r>
-          </a:p>
-          <a:p>
-            <a:pPr marL="742950" lvl="1" indent="-285750">
-              <a:buFont typeface="Arial" panose="020B0604020202020204" pitchFamily="34" charset="0"/>
-              <a:buChar char="•"/>
-            </a:pPr>
-            <a:r>
-              <a:rPr lang="en-US" dirty="0"/>
-              <a:t>Also plotting one higher and one lower grafting density to explore its effect</a:t>
-            </a:r>
-          </a:p>
-          <a:p>
-            <a:pPr marL="742950" lvl="1" indent="-285750">
-              <a:buFont typeface="Arial" panose="020B0604020202020204" pitchFamily="34" charset="0"/>
-              <a:buChar char="•"/>
-            </a:pPr>
-            <a:endParaRPr lang="en-US" dirty="0"/>
-          </a:p>
-          <a:p>
-            <a:pPr marL="285750" indent="-285750">
-              <a:buFont typeface="Arial" panose="020B0604020202020204" pitchFamily="34" charset="0"/>
-              <a:buChar char="•"/>
-            </a:pPr>
-            <a:r>
-              <a:rPr lang="en-US" dirty="0"/>
-              <a:t>Left: Density of polymer on Pt surface as a function of membrane–Pt separation distance. Colors indicate Pt surface charge density</a:t>
-            </a:r>
-          </a:p>
-          <a:p>
-            <a:pPr marL="285750" indent="-285750">
-              <a:buFont typeface="Arial" panose="020B0604020202020204" pitchFamily="34" charset="0"/>
-              <a:buChar char="•"/>
-            </a:pPr>
-            <a:endParaRPr lang="en-US" dirty="0"/>
-          </a:p>
-          <a:p>
-            <a:pPr marL="285750" indent="-285750">
-              <a:buFont typeface="Arial" panose="020B0604020202020204" pitchFamily="34" charset="0"/>
-              <a:buChar char="•"/>
-            </a:pPr>
-            <a:r>
-              <a:rPr lang="en-US" dirty="0"/>
-              <a:t>Right: Polymer density distributions (solid) and proton distributions (dotted) for D = 2.5 nm and grafting density 7.31 c/nm</a:t>
-            </a:r>
-            <a:r>
-              <a:rPr lang="en-US" baseline="30000" dirty="0"/>
-              <a:t>2</a:t>
-            </a:r>
-            <a:r>
-              <a:rPr lang="en-US" dirty="0"/>
-              <a:t>. Density distribution of sulfonate block is dashed.</a:t>
-            </a:r>
-          </a:p>
-        </p:txBody>
-      </p:sp>
-      <p:pic>
-        <p:nvPicPr>
-          <p:cNvPr id="53" name="Picture 52">
-            <a:extLst>
-              <a:ext uri="{FF2B5EF4-FFF2-40B4-BE49-F238E27FC236}">
-                <a16:creationId xmlns:a16="http://schemas.microsoft.com/office/drawing/2014/main" id="{B7B9D77E-6B94-2932-DF86-57210AE5D47D}"/>
-              </a:ext>
-            </a:extLst>
-          </p:cNvPr>
-          <p:cNvPicPr>
-            <a:picLocks noChangeAspect="1"/>
-          </p:cNvPicPr>
-          <p:nvPr/>
-        </p:nvPicPr>
-        <p:blipFill>
-          <a:blip r:embed="rId7"/>
-          <a:stretch>
-            <a:fillRect/>
-          </a:stretch>
-        </p:blipFill>
-        <p:spPr>
-          <a:xfrm>
-            <a:off x="2758985" y="2044048"/>
-            <a:ext cx="2228614" cy="1823649"/>
+            <a:off x="1917383" y="3197052"/>
+            <a:ext cx="498518" cy="1010882"/>
           </a:xfrm>
           <a:prstGeom prst="rect">
             <a:avLst/>
@@ -5706,274 +5632,12 @@
           <a:chExt cx="0" cy="0"/>
         </a:xfrm>
       </p:grpSpPr>
-      <p:sp>
-        <p:nvSpPr>
-          <p:cNvPr id="2" name="Title 1">
-            <a:extLst>
-              <a:ext uri="{FF2B5EF4-FFF2-40B4-BE49-F238E27FC236}">
-                <a16:creationId xmlns:a16="http://schemas.microsoft.com/office/drawing/2014/main" id="{4041FD49-51CB-4608-A3ED-30B7E304CBD6}"/>
-              </a:ext>
-            </a:extLst>
-          </p:cNvPr>
-          <p:cNvSpPr>
-            <a:spLocks noGrp="1"/>
-          </p:cNvSpPr>
-          <p:nvPr>
-            <p:ph type="title"/>
-          </p:nvPr>
-        </p:nvSpPr>
-        <p:spPr/>
-        <p:txBody>
-          <a:bodyPr>
-            <a:normAutofit/>
-          </a:bodyPr>
-          <a:lstStyle/>
-          <a:p>
-            <a:r>
-              <a:rPr lang="en-US" dirty="0"/>
-              <a:t>Sidechain only    </a:t>
-            </a:r>
-            <a:r>
-              <a:rPr lang="en-US" sz="2400" dirty="0"/>
-              <a:t>(Continuous Gaussian Chain)</a:t>
-            </a:r>
-            <a:endParaRPr lang="en-US" dirty="0"/>
-          </a:p>
-        </p:txBody>
-      </p:sp>
-      <p:sp>
-        <p:nvSpPr>
-          <p:cNvPr id="3" name="Slide Number Placeholder 2">
-            <a:extLst>
-              <a:ext uri="{FF2B5EF4-FFF2-40B4-BE49-F238E27FC236}">
-                <a16:creationId xmlns:a16="http://schemas.microsoft.com/office/drawing/2014/main" id="{0D80111F-C31C-4236-B41A-2BA68657A3E1}"/>
-              </a:ext>
-            </a:extLst>
-          </p:cNvPr>
-          <p:cNvSpPr>
-            <a:spLocks noGrp="1"/>
-          </p:cNvSpPr>
-          <p:nvPr>
-            <p:ph type="sldNum" sz="quarter" idx="12"/>
-          </p:nvPr>
-        </p:nvSpPr>
-        <p:spPr/>
-        <p:txBody>
-          <a:bodyPr/>
-          <a:lstStyle/>
-          <a:p>
-            <a:fld id="{5911C0E6-D9CE-431C-92CB-BB39B872F930}" type="slidenum">
-              <a:rPr lang="en-US" smtClean="0"/>
-              <a:t>5</a:t>
-            </a:fld>
-            <a:endParaRPr lang="en-US"/>
-          </a:p>
-        </p:txBody>
-      </p:sp>
-      <p:sp>
-        <p:nvSpPr>
-          <p:cNvPr id="6" name="TextBox 5">
-            <a:extLst>
-              <a:ext uri="{FF2B5EF4-FFF2-40B4-BE49-F238E27FC236}">
-                <a16:creationId xmlns:a16="http://schemas.microsoft.com/office/drawing/2014/main" id="{B44CD19D-D4BC-EABE-4DBB-8BD723B2ECE7}"/>
-              </a:ext>
-            </a:extLst>
-          </p:cNvPr>
-          <p:cNvSpPr txBox="1"/>
-          <p:nvPr/>
-        </p:nvSpPr>
-        <p:spPr>
-          <a:xfrm>
-            <a:off x="698675" y="1059086"/>
-            <a:ext cx="1625600" cy="369332"/>
-          </a:xfrm>
-          <a:prstGeom prst="rect">
-            <a:avLst/>
-          </a:prstGeom>
-          <a:noFill/>
-        </p:spPr>
-        <p:txBody>
-          <a:bodyPr wrap="square" rtlCol="0">
-            <a:spAutoFit/>
-          </a:bodyPr>
-          <a:lstStyle/>
-          <a:p>
-            <a:pPr algn="ctr"/>
-            <a:r>
-              <a:rPr lang="en-US" dirty="0"/>
-              <a:t>0.100 M</a:t>
-            </a:r>
-          </a:p>
-        </p:txBody>
-      </p:sp>
-      <p:grpSp>
-        <p:nvGrpSpPr>
-          <p:cNvPr id="14" name="Group 13">
-            <a:extLst>
-              <a:ext uri="{FF2B5EF4-FFF2-40B4-BE49-F238E27FC236}">
-                <a16:creationId xmlns:a16="http://schemas.microsoft.com/office/drawing/2014/main" id="{3A7FCB36-F4C9-62A6-0A99-6E9203A4A25D}"/>
-              </a:ext>
-            </a:extLst>
-          </p:cNvPr>
-          <p:cNvGrpSpPr/>
-          <p:nvPr/>
-        </p:nvGrpSpPr>
-        <p:grpSpPr>
-          <a:xfrm>
-            <a:off x="180441" y="1520950"/>
-            <a:ext cx="2360996" cy="5262768"/>
-            <a:chOff x="7430102" y="1397013"/>
-            <a:chExt cx="2360996" cy="5262768"/>
-          </a:xfrm>
-        </p:grpSpPr>
-        <p:pic>
-          <p:nvPicPr>
-            <p:cNvPr id="1046" name="Picture 22">
-              <a:extLst>
-                <a:ext uri="{FF2B5EF4-FFF2-40B4-BE49-F238E27FC236}">
-                  <a16:creationId xmlns:a16="http://schemas.microsoft.com/office/drawing/2014/main" id="{79226F43-858A-2383-EDE1-5D16EE907128}"/>
-                </a:ext>
-              </a:extLst>
-            </p:cNvPr>
-            <p:cNvPicPr>
-              <a:picLocks noChangeAspect="1" noChangeArrowheads="1"/>
-            </p:cNvPicPr>
-            <p:nvPr/>
-          </p:nvPicPr>
-          <p:blipFill>
-            <a:blip r:embed="rId2">
-              <a:extLst>
-                <a:ext uri="{28A0092B-C50C-407E-A947-70E740481C1C}">
-                  <a14:useLocalDpi xmlns:a14="http://schemas.microsoft.com/office/drawing/2010/main" val="0"/>
-                </a:ext>
-              </a:extLst>
-            </a:blip>
-            <a:srcRect/>
-            <a:stretch>
-              <a:fillRect/>
-            </a:stretch>
-          </p:blipFill>
-          <p:spPr bwMode="auto">
-            <a:xfrm>
-              <a:off x="7430102" y="1397013"/>
-              <a:ext cx="2360996" cy="1993049"/>
-            </a:xfrm>
-            <a:prstGeom prst="rect">
-              <a:avLst/>
-            </a:prstGeom>
-            <a:noFill/>
-            <a:extLst>
-              <a:ext uri="{909E8E84-426E-40DD-AFC4-6F175D3DCCD1}">
-                <a14:hiddenFill xmlns:a14="http://schemas.microsoft.com/office/drawing/2010/main">
-                  <a:solidFill>
-                    <a:srgbClr val="FFFFFF"/>
-                  </a:solidFill>
-                </a14:hiddenFill>
-              </a:ext>
-            </a:extLst>
-          </p:spPr>
-        </p:pic>
-        <p:pic>
-          <p:nvPicPr>
-            <p:cNvPr id="1048" name="Picture 24">
-              <a:extLst>
-                <a:ext uri="{FF2B5EF4-FFF2-40B4-BE49-F238E27FC236}">
-                  <a16:creationId xmlns:a16="http://schemas.microsoft.com/office/drawing/2014/main" id="{1FBBFA4C-5217-D957-0878-C147CFB00D48}"/>
-                </a:ext>
-              </a:extLst>
-            </p:cNvPr>
-            <p:cNvPicPr>
-              <a:picLocks noChangeAspect="1" noChangeArrowheads="1"/>
-            </p:cNvPicPr>
-            <p:nvPr/>
-          </p:nvPicPr>
-          <p:blipFill>
-            <a:blip r:embed="rId3">
-              <a:extLst>
-                <a:ext uri="{28A0092B-C50C-407E-A947-70E740481C1C}">
-                  <a14:useLocalDpi xmlns:a14="http://schemas.microsoft.com/office/drawing/2010/main" val="0"/>
-                </a:ext>
-              </a:extLst>
-            </a:blip>
-            <a:srcRect/>
-            <a:stretch>
-              <a:fillRect/>
-            </a:stretch>
-          </p:blipFill>
-          <p:spPr bwMode="auto">
-            <a:xfrm>
-              <a:off x="7430102" y="3050691"/>
-              <a:ext cx="2360996" cy="1993049"/>
-            </a:xfrm>
-            <a:prstGeom prst="rect">
-              <a:avLst/>
-            </a:prstGeom>
-            <a:noFill/>
-            <a:extLst>
-              <a:ext uri="{909E8E84-426E-40DD-AFC4-6F175D3DCCD1}">
-                <a14:hiddenFill xmlns:a14="http://schemas.microsoft.com/office/drawing/2010/main">
-                  <a:solidFill>
-                    <a:srgbClr val="FFFFFF"/>
-                  </a:solidFill>
-                </a14:hiddenFill>
-              </a:ext>
-            </a:extLst>
-          </p:spPr>
-        </p:pic>
-        <p:pic>
-          <p:nvPicPr>
-            <p:cNvPr id="1050" name="Picture 26">
-              <a:extLst>
-                <a:ext uri="{FF2B5EF4-FFF2-40B4-BE49-F238E27FC236}">
-                  <a16:creationId xmlns:a16="http://schemas.microsoft.com/office/drawing/2014/main" id="{E62FA05B-E83E-8F1A-7908-17ED22F01EC5}"/>
-                </a:ext>
-              </a:extLst>
-            </p:cNvPr>
-            <p:cNvPicPr>
-              <a:picLocks noChangeAspect="1" noChangeArrowheads="1"/>
-            </p:cNvPicPr>
-            <p:nvPr/>
-          </p:nvPicPr>
-          <p:blipFill>
-            <a:blip r:embed="rId4">
-              <a:extLst>
-                <a:ext uri="{28A0092B-C50C-407E-A947-70E740481C1C}">
-                  <a14:useLocalDpi xmlns:a14="http://schemas.microsoft.com/office/drawing/2010/main" val="0"/>
-                </a:ext>
-              </a:extLst>
-            </a:blip>
-            <a:srcRect/>
-            <a:stretch>
-              <a:fillRect/>
-            </a:stretch>
-          </p:blipFill>
-          <p:spPr bwMode="auto">
-            <a:xfrm>
-              <a:off x="7544901" y="4725969"/>
-              <a:ext cx="2246197" cy="1933812"/>
-            </a:xfrm>
-            <a:prstGeom prst="rect">
-              <a:avLst/>
-            </a:prstGeom>
-            <a:noFill/>
-            <a:extLst>
-              <a:ext uri="{909E8E84-426E-40DD-AFC4-6F175D3DCCD1}">
-                <a14:hiddenFill xmlns:a14="http://schemas.microsoft.com/office/drawing/2010/main">
-                  <a:solidFill>
-                    <a:srgbClr val="FFFFFF"/>
-                  </a:solidFill>
-                </a14:hiddenFill>
-              </a:ext>
-            </a:extLst>
-          </p:spPr>
-        </p:pic>
-      </p:grpSp>
       <p:pic>
         <p:nvPicPr>
-          <p:cNvPr id="1056" name="Picture 32">
+          <p:cNvPr id="2054" name="Picture 6">
             <a:extLst>
               <a:ext uri="{FF2B5EF4-FFF2-40B4-BE49-F238E27FC236}">
-                <a16:creationId xmlns:a16="http://schemas.microsoft.com/office/drawing/2014/main" id="{79A3044D-CD8D-9FCA-8689-1D94A19FE041}"/>
+                <a16:creationId xmlns:a16="http://schemas.microsoft.com/office/drawing/2014/main" id="{3E1E651E-3BA3-0D7D-1999-D17F6CE0E2CC}"/>
               </a:ext>
             </a:extLst>
           </p:cNvPr>
@@ -5982,23 +5646,21 @@
           </p:cNvPicPr>
           <p:nvPr/>
         </p:nvPicPr>
-        <p:blipFill>
-          <a:blip r:embed="rId5">
+        <p:blipFill rotWithShape="1">
+          <a:blip r:embed="rId2">
             <a:extLst>
               <a:ext uri="{28A0092B-C50C-407E-A947-70E740481C1C}">
                 <a14:useLocalDpi xmlns:a14="http://schemas.microsoft.com/office/drawing/2010/main" val="0"/>
               </a:ext>
             </a:extLst>
           </a:blip>
-          <a:srcRect/>
-          <a:stretch>
-            <a:fillRect/>
-          </a:stretch>
+          <a:srcRect l="50952" t="10684"/>
+          <a:stretch/>
         </p:blipFill>
         <p:spPr bwMode="auto">
           <a:xfrm>
-            <a:off x="2665435" y="3964259"/>
-            <a:ext cx="3182539" cy="1926666"/>
+            <a:off x="147265" y="1719167"/>
+            <a:ext cx="2563133" cy="2167033"/>
           </a:xfrm>
           <a:prstGeom prst="rect">
             <a:avLst/>
@@ -6015,6 +5677,246 @@
           </a:extLst>
         </p:spPr>
       </p:pic>
+      <p:sp>
+        <p:nvSpPr>
+          <p:cNvPr id="2" name="Title 1">
+            <a:extLst>
+              <a:ext uri="{FF2B5EF4-FFF2-40B4-BE49-F238E27FC236}">
+                <a16:creationId xmlns:a16="http://schemas.microsoft.com/office/drawing/2014/main" id="{4041FD49-51CB-4608-A3ED-30B7E304CBD6}"/>
+              </a:ext>
+            </a:extLst>
+          </p:cNvPr>
+          <p:cNvSpPr>
+            <a:spLocks noGrp="1"/>
+          </p:cNvSpPr>
+          <p:nvPr>
+            <p:ph type="title"/>
+          </p:nvPr>
+        </p:nvSpPr>
+        <p:spPr/>
+        <p:txBody>
+          <a:bodyPr>
+            <a:normAutofit/>
+          </a:bodyPr>
+          <a:lstStyle/>
+          <a:p>
+            <a:r>
+              <a:rPr lang="en-US" dirty="0"/>
+              <a:t>Sidechain only    </a:t>
+            </a:r>
+            <a:r>
+              <a:rPr lang="en-US" sz="2400" dirty="0"/>
+              <a:t>(Continuous Gaussian Chain)</a:t>
+            </a:r>
+            <a:endParaRPr lang="en-US" dirty="0"/>
+          </a:p>
+        </p:txBody>
+      </p:sp>
+      <p:sp>
+        <p:nvSpPr>
+          <p:cNvPr id="3" name="Slide Number Placeholder 2">
+            <a:extLst>
+              <a:ext uri="{FF2B5EF4-FFF2-40B4-BE49-F238E27FC236}">
+                <a16:creationId xmlns:a16="http://schemas.microsoft.com/office/drawing/2014/main" id="{0D80111F-C31C-4236-B41A-2BA68657A3E1}"/>
+              </a:ext>
+            </a:extLst>
+          </p:cNvPr>
+          <p:cNvSpPr>
+            <a:spLocks noGrp="1"/>
+          </p:cNvSpPr>
+          <p:nvPr>
+            <p:ph type="sldNum" sz="quarter" idx="12"/>
+          </p:nvPr>
+        </p:nvSpPr>
+        <p:spPr/>
+        <p:txBody>
+          <a:bodyPr/>
+          <a:lstStyle/>
+          <a:p>
+            <a:fld id="{5911C0E6-D9CE-431C-92CB-BB39B872F930}" type="slidenum">
+              <a:rPr lang="en-US" smtClean="0"/>
+              <a:t>5</a:t>
+            </a:fld>
+            <a:endParaRPr lang="en-US"/>
+          </a:p>
+        </p:txBody>
+      </p:sp>
+      <p:sp>
+        <p:nvSpPr>
+          <p:cNvPr id="6" name="TextBox 5">
+            <a:extLst>
+              <a:ext uri="{FF2B5EF4-FFF2-40B4-BE49-F238E27FC236}">
+                <a16:creationId xmlns:a16="http://schemas.microsoft.com/office/drawing/2014/main" id="{B44CD19D-D4BC-EABE-4DBB-8BD723B2ECE7}"/>
+              </a:ext>
+            </a:extLst>
+          </p:cNvPr>
+          <p:cNvSpPr txBox="1"/>
+          <p:nvPr/>
+        </p:nvSpPr>
+        <p:spPr>
+          <a:xfrm>
+            <a:off x="2034077" y="1265288"/>
+            <a:ext cx="1625600" cy="369332"/>
+          </a:xfrm>
+          <a:prstGeom prst="rect">
+            <a:avLst/>
+          </a:prstGeom>
+          <a:noFill/>
+        </p:spPr>
+        <p:txBody>
+          <a:bodyPr wrap="square" rtlCol="0">
+            <a:spAutoFit/>
+          </a:bodyPr>
+          <a:lstStyle/>
+          <a:p>
+            <a:pPr algn="ctr"/>
+            <a:r>
+              <a:rPr lang="en-US" dirty="0"/>
+              <a:t>0.100 M</a:t>
+            </a:r>
+          </a:p>
+        </p:txBody>
+      </p:sp>
+      <p:sp>
+        <p:nvSpPr>
+          <p:cNvPr id="8" name="TextBox 7">
+            <a:extLst>
+              <a:ext uri="{FF2B5EF4-FFF2-40B4-BE49-F238E27FC236}">
+                <a16:creationId xmlns:a16="http://schemas.microsoft.com/office/drawing/2014/main" id="{7EFDBFF7-5F91-79C6-D4F1-4EF337CB565F}"/>
+              </a:ext>
+            </a:extLst>
+          </p:cNvPr>
+          <p:cNvSpPr txBox="1"/>
+          <p:nvPr/>
+        </p:nvSpPr>
+        <p:spPr>
+          <a:xfrm>
+            <a:off x="6011333" y="1320800"/>
+            <a:ext cx="5918200" cy="3493264"/>
+          </a:xfrm>
+          <a:prstGeom prst="rect">
+            <a:avLst/>
+          </a:prstGeom>
+          <a:noFill/>
+        </p:spPr>
+        <p:txBody>
+          <a:bodyPr wrap="square" rtlCol="0">
+            <a:spAutoFit/>
+          </a:bodyPr>
+          <a:lstStyle/>
+          <a:p>
+            <a:pPr>
+              <a:spcAft>
+                <a:spcPts val="600"/>
+              </a:spcAft>
+            </a:pPr>
+            <a:r>
+              <a:rPr lang="en-US" dirty="0"/>
+              <a:t>Discussion</a:t>
+            </a:r>
+          </a:p>
+          <a:p>
+            <a:pPr marL="285750" indent="-285750">
+              <a:buFont typeface="Arial" panose="020B0604020202020204" pitchFamily="34" charset="0"/>
+              <a:buChar char="•"/>
+            </a:pPr>
+            <a:r>
+              <a:rPr lang="en-US" dirty="0"/>
+              <a:t>In CV data, reaction goes to completion by 0.5 V (vs. RHE) </a:t>
+            </a:r>
+          </a:p>
+          <a:p>
+            <a:pPr marL="285750" indent="-285750">
+              <a:buFont typeface="Arial" panose="020B0604020202020204" pitchFamily="34" charset="0"/>
+              <a:buChar char="•"/>
+            </a:pPr>
+            <a:endParaRPr lang="en-US" dirty="0"/>
+          </a:p>
+          <a:p>
+            <a:pPr marL="742950" lvl="1" indent="-285750">
+              <a:buFont typeface="Arial" panose="020B0604020202020204" pitchFamily="34" charset="0"/>
+              <a:buChar char="•"/>
+            </a:pPr>
+            <a:r>
+              <a:rPr lang="en-US" dirty="0"/>
+              <a:t>Surface charge ~10 </a:t>
+            </a:r>
+            <a:r>
+              <a:rPr lang="en-US" dirty="0" err="1"/>
+              <a:t>uC</a:t>
+            </a:r>
+            <a:r>
+              <a:rPr lang="en-US" dirty="0"/>
+              <a:t>/cm2 according to Saha &amp; </a:t>
+            </a:r>
+            <a:r>
+              <a:rPr lang="en-US" dirty="0" err="1"/>
+              <a:t>Zenyuk</a:t>
+            </a:r>
+            <a:r>
+              <a:rPr lang="en-US" dirty="0"/>
+              <a:t>. </a:t>
+            </a:r>
+            <a:r>
+              <a:rPr lang="en-US" i="1" dirty="0"/>
+              <a:t>JPCC</a:t>
+            </a:r>
+            <a:r>
+              <a:rPr lang="en-US" dirty="0"/>
+              <a:t>. 2021.</a:t>
+            </a:r>
+          </a:p>
+          <a:p>
+            <a:pPr marL="742950" lvl="1" indent="-285750">
+              <a:buFont typeface="Arial" panose="020B0604020202020204" pitchFamily="34" charset="0"/>
+              <a:buChar char="•"/>
+            </a:pPr>
+            <a:endParaRPr lang="en-US" dirty="0"/>
+          </a:p>
+          <a:p>
+            <a:pPr marL="285750" indent="-285750">
+              <a:buFont typeface="Arial" panose="020B0604020202020204" pitchFamily="34" charset="0"/>
+              <a:buChar char="•"/>
+            </a:pPr>
+            <a:r>
+              <a:rPr lang="en-US" dirty="0"/>
+              <a:t>Comparing SCFT free energies, small D favorable at low charges, becomes unfavorable as surface charge reaches 7 </a:t>
+            </a:r>
+            <a:r>
+              <a:rPr lang="en-US" dirty="0" err="1"/>
+              <a:t>uC</a:t>
+            </a:r>
+            <a:r>
+              <a:rPr lang="en-US" dirty="0"/>
+              <a:t>/cm2</a:t>
+            </a:r>
+          </a:p>
+          <a:p>
+            <a:pPr marL="285750" indent="-285750">
+              <a:buFont typeface="Arial" panose="020B0604020202020204" pitchFamily="34" charset="0"/>
+              <a:buChar char="•"/>
+            </a:pPr>
+            <a:endParaRPr lang="en-US" dirty="0"/>
+          </a:p>
+          <a:p>
+            <a:pPr marL="285750" indent="-285750">
+              <a:buFont typeface="Arial" panose="020B0604020202020204" pitchFamily="34" charset="0"/>
+              <a:buChar char="•"/>
+            </a:pPr>
+            <a:r>
+              <a:rPr lang="en-US" dirty="0"/>
+              <a:t>[WHAT ARE THE CONTRIBUTIONS]</a:t>
+            </a:r>
+          </a:p>
+          <a:p>
+            <a:pPr marL="285750" indent="-285750">
+              <a:buFont typeface="Arial" panose="020B0604020202020204" pitchFamily="34" charset="0"/>
+              <a:buChar char="•"/>
+            </a:pPr>
+            <a:endParaRPr lang="en-US" dirty="0"/>
+          </a:p>
+        </p:txBody>
+      </p:sp>
       <p:cxnSp>
         <p:nvCxnSpPr>
           <p:cNvPr id="5" name="Straight Arrow Connector 4">
@@ -6024,13 +5926,15 @@
               </a:ext>
             </a:extLst>
           </p:cNvPr>
-          <p:cNvCxnSpPr/>
+          <p:cNvCxnSpPr>
+            <a:cxnSpLocks/>
+          </p:cNvCxnSpPr>
           <p:nvPr/>
         </p:nvCxnSpPr>
         <p:spPr>
           <a:xfrm flipV="1">
-            <a:off x="926193" y="4075713"/>
-            <a:ext cx="533400" cy="601134"/>
+            <a:off x="817208" y="2628106"/>
+            <a:ext cx="469725" cy="592129"/>
           </a:xfrm>
           <a:prstGeom prst="straightConnector1">
             <a:avLst/>
@@ -6072,14 +5976,14 @@
           <p:nvPr/>
         </p:nvPicPr>
         <p:blipFill>
-          <a:blip r:embed="rId6"/>
+          <a:blip r:embed="rId3"/>
           <a:stretch>
             <a:fillRect/>
           </a:stretch>
         </p:blipFill>
         <p:spPr>
           <a:xfrm>
-            <a:off x="1511475" y="3964259"/>
+            <a:off x="1359755" y="2510489"/>
             <a:ext cx="186227" cy="117617"/>
           </a:xfrm>
           <a:prstGeom prst="rect">
@@ -6087,130 +5991,51 @@
           </a:prstGeom>
         </p:spPr>
       </p:pic>
-      <p:sp>
-        <p:nvSpPr>
-          <p:cNvPr id="8" name="TextBox 7">
+      <p:pic>
+        <p:nvPicPr>
+          <p:cNvPr id="2060" name="Picture 12">
             <a:extLst>
               <a:ext uri="{FF2B5EF4-FFF2-40B4-BE49-F238E27FC236}">
-                <a16:creationId xmlns:a16="http://schemas.microsoft.com/office/drawing/2014/main" id="{7EFDBFF7-5F91-79C6-D4F1-4EF337CB565F}"/>
+                <a16:creationId xmlns:a16="http://schemas.microsoft.com/office/drawing/2014/main" id="{452A0448-CA0E-3717-9DB6-5DE4D9499E86}"/>
               </a:ext>
             </a:extLst>
           </p:cNvPr>
-          <p:cNvSpPr txBox="1"/>
+          <p:cNvPicPr>
+            <a:picLocks noChangeAspect="1" noChangeArrowheads="1"/>
+          </p:cNvPicPr>
           <p:nvPr/>
-        </p:nvSpPr>
-        <p:spPr>
+        </p:nvPicPr>
+        <p:blipFill>
+          <a:blip r:embed="rId4">
+            <a:extLst>
+              <a:ext uri="{28A0092B-C50C-407E-A947-70E740481C1C}">
+                <a14:useLocalDpi xmlns:a14="http://schemas.microsoft.com/office/drawing/2010/main" val="0"/>
+              </a:ext>
+            </a:extLst>
+          </a:blip>
+          <a:srcRect/>
+          <a:stretch>
+            <a:fillRect/>
+          </a:stretch>
+        </p:blipFill>
+        <p:spPr bwMode="auto">
           <a:xfrm>
-            <a:off x="6011333" y="1320800"/>
-            <a:ext cx="5918200" cy="2031325"/>
+            <a:off x="2709385" y="1662802"/>
+            <a:ext cx="2853215" cy="2234165"/>
           </a:xfrm>
           <a:prstGeom prst="rect">
             <a:avLst/>
           </a:prstGeom>
           <a:noFill/>
-        </p:spPr>
-        <p:txBody>
-          <a:bodyPr wrap="square" rtlCol="0">
-            <a:spAutoFit/>
-          </a:bodyPr>
-          <a:lstStyle/>
-          <a:p>
-            <a:r>
-              <a:rPr lang="en-US" dirty="0"/>
-              <a:t>Discussion</a:t>
-            </a:r>
-          </a:p>
-          <a:p>
-            <a:pPr marL="285750" indent="-285750">
-              <a:buFont typeface="Arial" panose="020B0604020202020204" pitchFamily="34" charset="0"/>
-              <a:buChar char="•"/>
-            </a:pPr>
-            <a:r>
-              <a:rPr lang="en-US" dirty="0"/>
-              <a:t>In CV data, reaction goes to completion by 0.5 V (vs. RHE) </a:t>
-            </a:r>
-          </a:p>
-          <a:p>
-            <a:pPr marL="742950" lvl="1" indent="-285750">
-              <a:buFont typeface="Arial" panose="020B0604020202020204" pitchFamily="34" charset="0"/>
-              <a:buChar char="•"/>
-            </a:pPr>
-            <a:r>
-              <a:rPr lang="en-US" dirty="0"/>
-              <a:t>Surface charge ~10 </a:t>
-            </a:r>
-            <a:r>
-              <a:rPr lang="en-US" dirty="0" err="1"/>
-              <a:t>uC</a:t>
-            </a:r>
-            <a:r>
-              <a:rPr lang="en-US" dirty="0"/>
-              <a:t>/cm2 according to Saha &amp; </a:t>
-            </a:r>
-            <a:r>
-              <a:rPr lang="en-US" dirty="0" err="1"/>
-              <a:t>Zenyuk</a:t>
-            </a:r>
-            <a:r>
-              <a:rPr lang="en-US" dirty="0"/>
-              <a:t>. </a:t>
-            </a:r>
-            <a:r>
-              <a:rPr lang="en-US" i="1" dirty="0"/>
-              <a:t>JPCC</a:t>
-            </a:r>
-            <a:r>
-              <a:rPr lang="en-US" dirty="0"/>
-              <a:t>. 2021.</a:t>
-            </a:r>
-          </a:p>
-          <a:p>
-            <a:pPr marL="285750" indent="-285750">
-              <a:buFont typeface="Arial" panose="020B0604020202020204" pitchFamily="34" charset="0"/>
-              <a:buChar char="•"/>
-            </a:pPr>
-            <a:r>
-              <a:rPr lang="en-US" dirty="0"/>
-              <a:t>However, present results show monotonically increasing adsorption with surface charge density</a:t>
-            </a:r>
-          </a:p>
-          <a:p>
-            <a:pPr marL="285750" indent="-285750">
-              <a:buFont typeface="Arial" panose="020B0604020202020204" pitchFamily="34" charset="0"/>
-              <a:buChar char="•"/>
-            </a:pPr>
-            <a:endParaRPr lang="en-US" dirty="0"/>
-          </a:p>
-        </p:txBody>
-      </p:sp>
-      <p:pic>
-        <p:nvPicPr>
-          <p:cNvPr id="53" name="Picture 52">
-            <a:extLst>
-              <a:ext uri="{FF2B5EF4-FFF2-40B4-BE49-F238E27FC236}">
-                <a16:creationId xmlns:a16="http://schemas.microsoft.com/office/drawing/2014/main" id="{B7B9D77E-6B94-2932-DF86-57210AE5D47D}"/>
-              </a:ext>
-            </a:extLst>
-          </p:cNvPr>
-          <p:cNvPicPr>
-            <a:picLocks noChangeAspect="1"/>
-          </p:cNvPicPr>
-          <p:nvPr/>
-        </p:nvPicPr>
-        <p:blipFill>
-          <a:blip r:embed="rId7"/>
-          <a:stretch>
-            <a:fillRect/>
-          </a:stretch>
-        </p:blipFill>
-        <p:spPr>
-          <a:xfrm>
-            <a:off x="2758985" y="2044048"/>
-            <a:ext cx="2228614" cy="1823649"/>
-          </a:xfrm>
-          <a:prstGeom prst="rect">
-            <a:avLst/>
-          </a:prstGeom>
+          <a:extLst>
+            <a:ext uri="{909E8E84-426E-40DD-AFC4-6F175D3DCCD1}">
+              <a14:hiddenFill xmlns:a14="http://schemas.microsoft.com/office/drawing/2010/main">
+                <a:solidFill>
+                  <a:srgbClr val="FFFFFF"/>
+                </a:solidFill>
+              </a14:hiddenFill>
+            </a:ext>
+          </a:extLst>
         </p:spPr>
       </p:pic>
     </p:spTree>
@@ -6368,6 +6193,168 @@
           </a:p>
         </p:txBody>
       </p:sp>
+      <p:grpSp>
+        <p:nvGrpSpPr>
+          <p:cNvPr id="5" name="Group 4">
+            <a:extLst>
+              <a:ext uri="{FF2B5EF4-FFF2-40B4-BE49-F238E27FC236}">
+                <a16:creationId xmlns:a16="http://schemas.microsoft.com/office/drawing/2014/main" id="{34917C20-6633-1F1D-F407-354160A2BF3B}"/>
+              </a:ext>
+            </a:extLst>
+          </p:cNvPr>
+          <p:cNvGrpSpPr/>
+          <p:nvPr/>
+        </p:nvGrpSpPr>
+        <p:grpSpPr>
+          <a:xfrm>
+            <a:off x="7741175" y="1081157"/>
+            <a:ext cx="2360996" cy="5262768"/>
+            <a:chOff x="7430102" y="1397013"/>
+            <a:chExt cx="2360996" cy="5262768"/>
+          </a:xfrm>
+        </p:grpSpPr>
+        <p:pic>
+          <p:nvPicPr>
+            <p:cNvPr id="6" name="Picture 22">
+              <a:extLst>
+                <a:ext uri="{FF2B5EF4-FFF2-40B4-BE49-F238E27FC236}">
+                  <a16:creationId xmlns:a16="http://schemas.microsoft.com/office/drawing/2014/main" id="{24F15250-7E1C-8E7F-A17B-6CD3C7DD0A99}"/>
+                </a:ext>
+              </a:extLst>
+            </p:cNvPr>
+            <p:cNvPicPr>
+              <a:picLocks noChangeAspect="1" noChangeArrowheads="1"/>
+            </p:cNvPicPr>
+            <p:nvPr/>
+          </p:nvPicPr>
+          <p:blipFill>
+            <a:blip r:embed="rId2">
+              <a:extLst>
+                <a:ext uri="{28A0092B-C50C-407E-A947-70E740481C1C}">
+                  <a14:useLocalDpi xmlns:a14="http://schemas.microsoft.com/office/drawing/2010/main" val="0"/>
+                </a:ext>
+              </a:extLst>
+            </a:blip>
+            <a:srcRect/>
+            <a:stretch>
+              <a:fillRect/>
+            </a:stretch>
+          </p:blipFill>
+          <p:spPr bwMode="auto">
+            <a:xfrm>
+              <a:off x="7430102" y="1397013"/>
+              <a:ext cx="2360996" cy="1993049"/>
+            </a:xfrm>
+            <a:prstGeom prst="rect">
+              <a:avLst/>
+            </a:prstGeom>
+            <a:noFill/>
+            <a:extLst>
+              <a:ext uri="{909E8E84-426E-40DD-AFC4-6F175D3DCCD1}">
+                <a14:hiddenFill xmlns:a14="http://schemas.microsoft.com/office/drawing/2010/main">
+                  <a:solidFill>
+                    <a:srgbClr val="FFFFFF"/>
+                  </a:solidFill>
+                </a14:hiddenFill>
+              </a:ext>
+            </a:extLst>
+          </p:spPr>
+        </p:pic>
+        <p:pic>
+          <p:nvPicPr>
+            <p:cNvPr id="7" name="Picture 24">
+              <a:extLst>
+                <a:ext uri="{FF2B5EF4-FFF2-40B4-BE49-F238E27FC236}">
+                  <a16:creationId xmlns:a16="http://schemas.microsoft.com/office/drawing/2014/main" id="{A82EE2D3-4039-EA00-BF6F-0C3BF6B8ABEA}"/>
+                </a:ext>
+              </a:extLst>
+            </p:cNvPr>
+            <p:cNvPicPr>
+              <a:picLocks noChangeAspect="1" noChangeArrowheads="1"/>
+            </p:cNvPicPr>
+            <p:nvPr/>
+          </p:nvPicPr>
+          <p:blipFill>
+            <a:blip r:embed="rId3">
+              <a:extLst>
+                <a:ext uri="{28A0092B-C50C-407E-A947-70E740481C1C}">
+                  <a14:useLocalDpi xmlns:a14="http://schemas.microsoft.com/office/drawing/2010/main" val="0"/>
+                </a:ext>
+              </a:extLst>
+            </a:blip>
+            <a:srcRect/>
+            <a:stretch>
+              <a:fillRect/>
+            </a:stretch>
+          </p:blipFill>
+          <p:spPr bwMode="auto">
+            <a:xfrm>
+              <a:off x="7430102" y="3050691"/>
+              <a:ext cx="2360996" cy="1993049"/>
+            </a:xfrm>
+            <a:prstGeom prst="rect">
+              <a:avLst/>
+            </a:prstGeom>
+            <a:noFill/>
+            <a:extLst>
+              <a:ext uri="{909E8E84-426E-40DD-AFC4-6F175D3DCCD1}">
+                <a14:hiddenFill xmlns:a14="http://schemas.microsoft.com/office/drawing/2010/main">
+                  <a:solidFill>
+                    <a:srgbClr val="FFFFFF"/>
+                  </a:solidFill>
+                </a14:hiddenFill>
+              </a:ext>
+            </a:extLst>
+          </p:spPr>
+        </p:pic>
+        <p:pic>
+          <p:nvPicPr>
+            <p:cNvPr id="8" name="Picture 26">
+              <a:extLst>
+                <a:ext uri="{FF2B5EF4-FFF2-40B4-BE49-F238E27FC236}">
+                  <a16:creationId xmlns:a16="http://schemas.microsoft.com/office/drawing/2014/main" id="{BAC0C7CD-C401-10DF-6095-6AD271C3F653}"/>
+                </a:ext>
+              </a:extLst>
+            </p:cNvPr>
+            <p:cNvPicPr>
+              <a:picLocks noChangeAspect="1" noChangeArrowheads="1"/>
+            </p:cNvPicPr>
+            <p:nvPr/>
+          </p:nvPicPr>
+          <p:blipFill>
+            <a:blip r:embed="rId4">
+              <a:extLst>
+                <a:ext uri="{28A0092B-C50C-407E-A947-70E740481C1C}">
+                  <a14:useLocalDpi xmlns:a14="http://schemas.microsoft.com/office/drawing/2010/main" val="0"/>
+                </a:ext>
+              </a:extLst>
+            </a:blip>
+            <a:srcRect/>
+            <a:stretch>
+              <a:fillRect/>
+            </a:stretch>
+          </p:blipFill>
+          <p:spPr bwMode="auto">
+            <a:xfrm>
+              <a:off x="7544901" y="4725969"/>
+              <a:ext cx="2246197" cy="1933812"/>
+            </a:xfrm>
+            <a:prstGeom prst="rect">
+              <a:avLst/>
+            </a:prstGeom>
+            <a:noFill/>
+            <a:extLst>
+              <a:ext uri="{909E8E84-426E-40DD-AFC4-6F175D3DCCD1}">
+                <a14:hiddenFill xmlns:a14="http://schemas.microsoft.com/office/drawing/2010/main">
+                  <a:solidFill>
+                    <a:srgbClr val="FFFFFF"/>
+                  </a:solidFill>
+                </a14:hiddenFill>
+              </a:ext>
+            </a:extLst>
+          </p:spPr>
+        </p:pic>
+      </p:grpSp>
     </p:spTree>
     <p:extLst>
       <p:ext uri="{BB962C8B-B14F-4D97-AF65-F5344CB8AC3E}">

--- a/NAF.pptx
+++ b/NAF.pptx
@@ -5791,8 +5791,8 @@
         </p:nvSpPr>
         <p:spPr>
           <a:xfrm>
-            <a:off x="6011333" y="1320800"/>
-            <a:ext cx="5918200" cy="3493264"/>
+            <a:off x="6011333" y="1542852"/>
+            <a:ext cx="5918200" cy="3908762"/>
           </a:xfrm>
           <a:prstGeom prst="rect">
             <a:avLst/>
@@ -5807,7 +5807,7 @@
           <a:p>
             <a:pPr>
               <a:spcAft>
-                <a:spcPts val="600"/>
+                <a:spcPts val="1200"/>
               </a:spcAft>
             </a:pPr>
             <a:r>
@@ -5817,6 +5817,9 @@
           </a:p>
           <a:p>
             <a:pPr marL="285750" indent="-285750">
+              <a:spcAft>
+                <a:spcPts val="1200"/>
+              </a:spcAft>
               <a:buFont typeface="Arial" panose="020B0604020202020204" pitchFamily="34" charset="0"/>
               <a:buChar char="•"/>
             </a:pPr>
@@ -5826,20 +5829,53 @@
             </a:r>
           </a:p>
           <a:p>
-            <a:pPr marL="285750" indent="-285750">
+            <a:pPr marL="742950" lvl="1" indent="-285750">
+              <a:spcAft>
+                <a:spcPts val="1200"/>
+              </a:spcAft>
               <a:buFont typeface="Arial" panose="020B0604020202020204" pitchFamily="34" charset="0"/>
               <a:buChar char="•"/>
             </a:pPr>
-            <a:endParaRPr lang="en-US" dirty="0"/>
-          </a:p>
-          <a:p>
-            <a:pPr marL="742950" lvl="1" indent="-285750">
+            <a:r>
+              <a:rPr lang="en-US" dirty="0"/>
+              <a:t>Surface charge ~10 </a:t>
+            </a:r>
+            <a:r>
+              <a:rPr lang="en-US" dirty="0" err="1"/>
+              <a:t>uC</a:t>
+            </a:r>
+            <a:r>
+              <a:rPr lang="en-US" dirty="0"/>
+              <a:t>/cm2 according to Saha &amp; </a:t>
+            </a:r>
+            <a:r>
+              <a:rPr lang="en-US" dirty="0" err="1"/>
+              <a:t>Zenyuk</a:t>
+            </a:r>
+            <a:r>
+              <a:rPr lang="en-US" dirty="0"/>
+              <a:t>. </a:t>
+            </a:r>
+            <a:r>
+              <a:rPr lang="en-US" i="1" dirty="0"/>
+              <a:t>JPCC</a:t>
+            </a:r>
+            <a:r>
+              <a:rPr lang="en-US" dirty="0"/>
+              <a:t>. 2021.</a:t>
+            </a:r>
+          </a:p>
+          <a:p>
+            <a:pPr marL="285750" indent="-285750">
+              <a:spcAft>
+                <a:spcPts val="1200"/>
+              </a:spcAft>
               <a:buFont typeface="Arial" panose="020B0604020202020204" pitchFamily="34" charset="0"/>
               <a:buChar char="•"/>
             </a:pPr>
             <a:r>
               <a:rPr lang="en-US" dirty="0"/>
-              <a:t>Surface charge ~10 </a:t>
+              <a:t>(Top right) Comparing SCFT free energies, small D favorable at low charges, becomes unfavorable as surface charge reaches 7 </a:t>
             </a:r>
             <a:r>
               <a:rPr lang="en-US" dirty="0" err="1"/>
@@ -5847,69 +5883,32 @@
             </a:r>
             <a:r>
               <a:rPr lang="en-US" dirty="0"/>
-              <a:t>/cm2 according to Saha &amp; </a:t>
-            </a:r>
-            <a:r>
-              <a:rPr lang="en-US" dirty="0" err="1"/>
-              <a:t>Zenyuk</a:t>
-            </a:r>
-            <a:r>
-              <a:rPr lang="en-US" dirty="0"/>
-              <a:t>. </a:t>
-            </a:r>
-            <a:r>
-              <a:rPr lang="en-US" i="1" dirty="0"/>
-              <a:t>JPCC</a:t>
-            </a:r>
-            <a:r>
-              <a:rPr lang="en-US" dirty="0"/>
-              <a:t>. 2021.</a:t>
-            </a:r>
-          </a:p>
-          <a:p>
-            <a:pPr marL="742950" lvl="1" indent="-285750">
+              <a:t>/cm2</a:t>
+            </a:r>
+          </a:p>
+          <a:p>
+            <a:pPr marL="285750" indent="-285750">
+              <a:spcAft>
+                <a:spcPts val="1200"/>
+              </a:spcAft>
               <a:buFont typeface="Arial" panose="020B0604020202020204" pitchFamily="34" charset="0"/>
               <a:buChar char="•"/>
             </a:pPr>
+            <a:r>
+              <a:rPr lang="en-US" dirty="0"/>
+              <a:t>(Bottom right) Attraction (lower F when decreasing D) caused by electrostatics dominating. Repulsion caused by elastic </a:t>
+            </a:r>
+            <a:r>
+              <a:rPr lang="en-US"/>
+              <a:t>interactions dominating.</a:t>
+            </a:r>
             <a:endParaRPr lang="en-US" dirty="0"/>
           </a:p>
           <a:p>
             <a:pPr marL="285750" indent="-285750">
-              <a:buFont typeface="Arial" panose="020B0604020202020204" pitchFamily="34" charset="0"/>
-              <a:buChar char="•"/>
-            </a:pPr>
-            <a:r>
-              <a:rPr lang="en-US" dirty="0"/>
-              <a:t>Comparing SCFT free energies, small D favorable at low charges, becomes unfavorable as surface charge reaches 7 </a:t>
-            </a:r>
-            <a:r>
-              <a:rPr lang="en-US" dirty="0" err="1"/>
-              <a:t>uC</a:t>
-            </a:r>
-            <a:r>
-              <a:rPr lang="en-US" dirty="0"/>
-              <a:t>/cm2</a:t>
-            </a:r>
-          </a:p>
-          <a:p>
-            <a:pPr marL="285750" indent="-285750">
-              <a:buFont typeface="Arial" panose="020B0604020202020204" pitchFamily="34" charset="0"/>
-              <a:buChar char="•"/>
-            </a:pPr>
-            <a:endParaRPr lang="en-US" dirty="0"/>
-          </a:p>
-          <a:p>
-            <a:pPr marL="285750" indent="-285750">
-              <a:buFont typeface="Arial" panose="020B0604020202020204" pitchFamily="34" charset="0"/>
-              <a:buChar char="•"/>
-            </a:pPr>
-            <a:r>
-              <a:rPr lang="en-US" dirty="0"/>
-              <a:t>[WHAT ARE THE CONTRIBUTIONS]</a:t>
-            </a:r>
-          </a:p>
-          <a:p>
-            <a:pPr marL="285750" indent="-285750">
+              <a:spcAft>
+                <a:spcPts val="1200"/>
+              </a:spcAft>
               <a:buFont typeface="Arial" panose="020B0604020202020204" pitchFamily="34" charset="0"/>
               <a:buChar char="•"/>
             </a:pPr>
@@ -6022,6 +6021,53 @@
           <a:xfrm>
             <a:off x="2709385" y="1662802"/>
             <a:ext cx="2853215" cy="2234165"/>
+          </a:xfrm>
+          <a:prstGeom prst="rect">
+            <a:avLst/>
+          </a:prstGeom>
+          <a:noFill/>
+          <a:extLst>
+            <a:ext uri="{909E8E84-426E-40DD-AFC4-6F175D3DCCD1}">
+              <a14:hiddenFill xmlns:a14="http://schemas.microsoft.com/office/drawing/2010/main">
+                <a:solidFill>
+                  <a:srgbClr val="FFFFFF"/>
+                </a:solidFill>
+              </a14:hiddenFill>
+            </a:ext>
+          </a:extLst>
+        </p:spPr>
+      </p:pic>
+      <p:pic>
+        <p:nvPicPr>
+          <p:cNvPr id="2062" name="Picture 14">
+            <a:extLst>
+              <a:ext uri="{FF2B5EF4-FFF2-40B4-BE49-F238E27FC236}">
+                <a16:creationId xmlns:a16="http://schemas.microsoft.com/office/drawing/2014/main" id="{2A5DE5A2-0192-D1BE-C1ED-65E991C4D5B6}"/>
+              </a:ext>
+            </a:extLst>
+          </p:cNvPr>
+          <p:cNvPicPr>
+            <a:picLocks noChangeAspect="1" noChangeArrowheads="1"/>
+          </p:cNvPicPr>
+          <p:nvPr/>
+        </p:nvPicPr>
+        <p:blipFill>
+          <a:blip r:embed="rId5">
+            <a:extLst>
+              <a:ext uri="{28A0092B-C50C-407E-A947-70E740481C1C}">
+                <a14:useLocalDpi xmlns:a14="http://schemas.microsoft.com/office/drawing/2010/main" val="0"/>
+              </a:ext>
+            </a:extLst>
+          </a:blip>
+          <a:srcRect/>
+          <a:stretch>
+            <a:fillRect/>
+          </a:stretch>
+        </p:blipFill>
+        <p:spPr bwMode="auto">
+          <a:xfrm>
+            <a:off x="147265" y="3973489"/>
+            <a:ext cx="5348763" cy="2382861"/>
           </a:xfrm>
           <a:prstGeom prst="rect">
             <a:avLst/>
@@ -6119,34 +6165,8 @@
           <a:p>
             <a:r>
               <a:rPr lang="en-US" dirty="0"/>
-              <a:t>CV peaks—reaction to completion</a:t>
-            </a:r>
-          </a:p>
-          <a:p>
-            <a:pPr lvl="1"/>
-            <a:r>
-              <a:rPr lang="en-US" dirty="0"/>
-              <a:t>SCFT keeps increasing with charge density</a:t>
-            </a:r>
-          </a:p>
-          <a:p>
-            <a:pPr lvl="2"/>
-            <a:r>
-              <a:rPr lang="en-US" dirty="0"/>
-              <a:t>Length scale may be smaller, original \phi </a:t>
-            </a:r>
-            <a:r>
-              <a:rPr lang="en-US" dirty="0" err="1"/>
-              <a:t>dne</a:t>
-            </a:r>
-            <a:r>
-              <a:rPr lang="en-US" dirty="0"/>
-              <a:t> 0?</a:t>
-            </a:r>
-          </a:p>
-          <a:p>
-            <a:pPr lvl="2"/>
-            <a:endParaRPr lang="en-US" dirty="0"/>
+              <a:t>\</a:t>
+            </a:r>
           </a:p>
           <a:p>
             <a:r>

--- a/NAF.pptx
+++ b/NAF.pptx
@@ -5792,7 +5792,7 @@
         <p:spPr>
           <a:xfrm>
             <a:off x="6011333" y="1542852"/>
-            <a:ext cx="5918200" cy="3908762"/>
+            <a:ext cx="5918200" cy="4616648"/>
           </a:xfrm>
           <a:prstGeom prst="rect">
             <a:avLst/>
@@ -5875,7 +5875,28 @@
             </a:pPr>
             <a:r>
               <a:rPr lang="en-US" dirty="0"/>
-              <a:t>(Top right) Comparing SCFT free energies, small D favorable at low charges, becomes unfavorable as surface charge reaches 7 </a:t>
+              <a:t>(Top) SCFT free energies as a function of D. </a:t>
+            </a:r>
+          </a:p>
+          <a:p>
+            <a:pPr marL="742950" lvl="1" indent="-285750">
+              <a:spcAft>
+                <a:spcPts val="1200"/>
+              </a:spcAft>
+              <a:buFont typeface="Arial" panose="020B0604020202020204" pitchFamily="34" charset="0"/>
+              <a:buChar char="•"/>
+            </a:pPr>
+            <a:r>
+              <a:rPr lang="en-US" dirty="0"/>
+              <a:t>(Top right) Free energies for 1—10 </a:t>
+            </a:r>
+            <a:r>
+              <a:rPr lang="en-US" dirty="0" err="1"/>
+              <a:t>uC</a:t>
+            </a:r>
+            <a:r>
+              <a:rPr lang="en-US" dirty="0"/>
+              <a:t>/cm2 colored. Small D is favorable at low charges, becomes unfavorable as surface charge reaches ~7 </a:t>
             </a:r>
             <a:r>
               <a:rPr lang="en-US" dirty="0" err="1"/>
@@ -5896,13 +5917,24 @@
             </a:pPr>
             <a:r>
               <a:rPr lang="en-US" dirty="0"/>
-              <a:t>(Bottom right) Attraction (lower F when decreasing D) caused by electrostatics dominating. Repulsion caused by elastic </a:t>
-            </a:r>
-            <a:r>
-              <a:rPr lang="en-US"/>
-              <a:t>interactions dominating.</a:t>
-            </a:r>
-            <a:endParaRPr lang="en-US" dirty="0"/>
+              <a:t>(Bottom right) Normalized contributions of free energy for 1—10 </a:t>
+            </a:r>
+            <a:r>
+              <a:rPr lang="en-US" dirty="0" err="1"/>
+              <a:t>uC</a:t>
+            </a:r>
+            <a:r>
+              <a:rPr lang="en-US" dirty="0"/>
+              <a:t>/cm2. As surface charge increases, electrostatic interactions outweigh elastic penalties. At 10 </a:t>
+            </a:r>
+            <a:r>
+              <a:rPr lang="en-US" dirty="0" err="1"/>
+              <a:t>uC</a:t>
+            </a:r>
+            <a:r>
+              <a:rPr lang="en-US" dirty="0"/>
+              <a:t>/cm2, elastic penalties become dominant.</a:t>
+            </a:r>
           </a:p>
           <a:p>
             <a:pPr marL="285750" indent="-285750">

--- a/NAF.pptx
+++ b/NAF.pptx
@@ -9,8 +9,8 @@
   </p:notesMasterIdLst>
   <p:sldIdLst>
     <p:sldId id="256" r:id="rId2"/>
-    <p:sldId id="258" r:id="rId3"/>
-    <p:sldId id="259" r:id="rId4"/>
+    <p:sldId id="259" r:id="rId3"/>
+    <p:sldId id="258" r:id="rId4"/>
     <p:sldId id="257" r:id="rId5"/>
     <p:sldId id="262" r:id="rId6"/>
     <p:sldId id="260" r:id="rId7"/>
@@ -2485,7 +2485,7 @@
           <p:cNvPr id="2" name="Title 1">
             <a:extLst>
               <a:ext uri="{FF2B5EF4-FFF2-40B4-BE49-F238E27FC236}">
-                <a16:creationId xmlns:a16="http://schemas.microsoft.com/office/drawing/2014/main" id="{953FB28C-A291-83F3-63FD-068EFE175BE8}"/>
+                <a16:creationId xmlns:a16="http://schemas.microsoft.com/office/drawing/2014/main" id="{CA0C75CC-A6F4-70DB-60D2-325B3425A73B}"/>
               </a:ext>
             </a:extLst>
           </p:cNvPr>
@@ -2501,9 +2501,14 @@
           <a:bodyPr/>
           <a:lstStyle/>
           <a:p>
+            <a:pPr>
+              <a:spcAft>
+                <a:spcPts val="600"/>
+              </a:spcAft>
+            </a:pPr>
             <a:r>
               <a:rPr lang="en-US" dirty="0"/>
-              <a:t>System</a:t>
+              <a:t>Motivation</a:t>
             </a:r>
           </a:p>
         </p:txBody>
@@ -2513,7 +2518,7 @@
           <p:cNvPr id="4" name="Slide Number Placeholder 3">
             <a:extLst>
               <a:ext uri="{FF2B5EF4-FFF2-40B4-BE49-F238E27FC236}">
-                <a16:creationId xmlns:a16="http://schemas.microsoft.com/office/drawing/2014/main" id="{1C65E31E-01E1-A220-A504-7D643247FC10}"/>
+                <a16:creationId xmlns:a16="http://schemas.microsoft.com/office/drawing/2014/main" id="{1D085B51-269E-9C6D-5E1B-8B1F2FCA3493}"/>
               </a:ext>
             </a:extLst>
           </p:cNvPr>
@@ -2529,20 +2534,60 @@
           <a:bodyPr/>
           <a:lstStyle/>
           <a:p>
+            <a:pPr>
+              <a:spcAft>
+                <a:spcPts val="600"/>
+              </a:spcAft>
+            </a:pPr>
             <a:fld id="{5911C0E6-D9CE-431C-92CB-BB39B872F930}" type="slidenum">
               <a:rPr lang="en-US" smtClean="0"/>
+              <a:pPr>
+                <a:spcAft>
+                  <a:spcPts val="600"/>
+                </a:spcAft>
+              </a:pPr>
               <a:t>2</a:t>
             </a:fld>
             <a:endParaRPr lang="en-US"/>
           </a:p>
         </p:txBody>
       </p:sp>
+      <p:pic>
+        <p:nvPicPr>
+          <p:cNvPr id="8" name="Picture 7">
+            <a:extLst>
+              <a:ext uri="{FF2B5EF4-FFF2-40B4-BE49-F238E27FC236}">
+                <a16:creationId xmlns:a16="http://schemas.microsoft.com/office/drawing/2014/main" id="{C1BBD0DF-A6E4-67C2-CC1C-69FD149755C5}"/>
+              </a:ext>
+            </a:extLst>
+          </p:cNvPr>
+          <p:cNvPicPr>
+            <a:picLocks noChangeAspect="1"/>
+          </p:cNvPicPr>
+          <p:nvPr/>
+        </p:nvPicPr>
+        <p:blipFill>
+          <a:blip r:embed="rId2"/>
+          <a:stretch>
+            <a:fillRect/>
+          </a:stretch>
+        </p:blipFill>
+        <p:spPr>
+          <a:xfrm>
+            <a:off x="787462" y="2872386"/>
+            <a:ext cx="2810933" cy="1970685"/>
+          </a:xfrm>
+          <a:prstGeom prst="rect">
+            <a:avLst/>
+          </a:prstGeom>
+        </p:spPr>
+      </p:pic>
       <p:sp>
         <p:nvSpPr>
-          <p:cNvPr id="54" name="TextBox 53">
-            <a:extLst>
-              <a:ext uri="{FF2B5EF4-FFF2-40B4-BE49-F238E27FC236}">
-                <a16:creationId xmlns:a16="http://schemas.microsoft.com/office/drawing/2014/main" id="{01784940-308A-3DF9-1191-42510112BA7D}"/>
+          <p:cNvPr id="9" name="TextBox 8">
+            <a:extLst>
+              <a:ext uri="{FF2B5EF4-FFF2-40B4-BE49-F238E27FC236}">
+                <a16:creationId xmlns:a16="http://schemas.microsoft.com/office/drawing/2014/main" id="{B5161482-42B2-A3E1-D533-79C5629723AA}"/>
               </a:ext>
             </a:extLst>
           </p:cNvPr>
@@ -2551,8 +2596,8 @@
         </p:nvSpPr>
         <p:spPr>
           <a:xfrm>
-            <a:off x="5786330" y="1894992"/>
-            <a:ext cx="6084077" cy="3139321"/>
+            <a:off x="3987801" y="6538912"/>
+            <a:ext cx="6648569" cy="276999"/>
           </a:xfrm>
           <a:prstGeom prst="rect">
             <a:avLst/>
@@ -2565,6 +2610,546 @@
           </a:bodyPr>
           <a:lstStyle/>
           <a:p>
+            <a:pPr>
+              <a:spcAft>
+                <a:spcPts val="600"/>
+              </a:spcAft>
+            </a:pPr>
+            <a:r>
+              <a:rPr lang="en-US" sz="1200" dirty="0"/>
+              <a:t>Kodama et al. (2013) </a:t>
+            </a:r>
+            <a:r>
+              <a:rPr lang="en-US" sz="1200" i="1" dirty="0" err="1"/>
+              <a:t>Electrochem</a:t>
+            </a:r>
+            <a:r>
+              <a:rPr lang="en-US" sz="1200" i="1" dirty="0"/>
+              <a:t>. </a:t>
+            </a:r>
+            <a:r>
+              <a:rPr lang="en-US" sz="1200" i="1" dirty="0" err="1"/>
+              <a:t>Commun</a:t>
+            </a:r>
+            <a:r>
+              <a:rPr lang="en-US" sz="1200" i="1" dirty="0"/>
+              <a:t>. </a:t>
+            </a:r>
+            <a:r>
+              <a:rPr lang="en-US" sz="1200" dirty="0"/>
+              <a:t>Kodama et al. (2018</a:t>
+            </a:r>
+            <a:r>
+              <a:rPr lang="en-US" sz="1200" i="1" dirty="0"/>
+              <a:t>) ACS </a:t>
+            </a:r>
+            <a:r>
+              <a:rPr lang="en-US" sz="1200" i="1" dirty="0" err="1"/>
+              <a:t>Catal</a:t>
+            </a:r>
+            <a:r>
+              <a:rPr lang="en-US" sz="1200" dirty="0"/>
+              <a:t>. </a:t>
+            </a:r>
+          </a:p>
+        </p:txBody>
+      </p:sp>
+      <p:sp>
+        <p:nvSpPr>
+          <p:cNvPr id="10" name="TextBox 9">
+            <a:extLst>
+              <a:ext uri="{FF2B5EF4-FFF2-40B4-BE49-F238E27FC236}">
+                <a16:creationId xmlns:a16="http://schemas.microsoft.com/office/drawing/2014/main" id="{CE796E5B-B3BF-80D8-C238-0E315A0A6A9E}"/>
+              </a:ext>
+            </a:extLst>
+          </p:cNvPr>
+          <p:cNvSpPr txBox="1"/>
+          <p:nvPr/>
+        </p:nvSpPr>
+        <p:spPr>
+          <a:xfrm>
+            <a:off x="795866" y="1080938"/>
+            <a:ext cx="10354733" cy="1708160"/>
+          </a:xfrm>
+          <a:prstGeom prst="rect">
+            <a:avLst/>
+          </a:prstGeom>
+          <a:noFill/>
+        </p:spPr>
+        <p:txBody>
+          <a:bodyPr wrap="square" rtlCol="0">
+            <a:spAutoFit/>
+          </a:bodyPr>
+          <a:lstStyle/>
+          <a:p>
+            <a:pPr marL="285750" indent="-285750">
+              <a:spcAft>
+                <a:spcPts val="600"/>
+              </a:spcAft>
+              <a:buFont typeface="Arial" panose="020B0604020202020204" pitchFamily="34" charset="0"/>
+              <a:buChar char="•"/>
+            </a:pPr>
+            <a:r>
+              <a:rPr lang="en-US" dirty="0"/>
+              <a:t>For hydrogen fuel cells, Pt loading/efficiency is limiting factor for cost/efficacy</a:t>
+            </a:r>
+          </a:p>
+          <a:p>
+            <a:pPr marL="742950" lvl="1" indent="-285750">
+              <a:spcAft>
+                <a:spcPts val="600"/>
+              </a:spcAft>
+              <a:buFont typeface="Arial" panose="020B0604020202020204" pitchFamily="34" charset="0"/>
+              <a:buChar char="•"/>
+            </a:pPr>
+            <a:r>
+              <a:rPr lang="en-US" dirty="0"/>
+              <a:t>Leading theory: Pt poisoned by adsorbed SO3 from ionomer at high operating V</a:t>
+            </a:r>
+          </a:p>
+          <a:p>
+            <a:pPr marL="285750" indent="-285750">
+              <a:spcAft>
+                <a:spcPts val="600"/>
+              </a:spcAft>
+              <a:buFont typeface="Arial" panose="020B0604020202020204" pitchFamily="34" charset="0"/>
+              <a:buChar char="•"/>
+            </a:pPr>
+            <a:r>
+              <a:rPr lang="en-US" dirty="0"/>
+              <a:t>However, scientific community has limited understanding of polymer physics</a:t>
+            </a:r>
+          </a:p>
+          <a:p>
+            <a:pPr marL="742950" lvl="1" indent="-285750">
+              <a:spcAft>
+                <a:spcPts val="600"/>
+              </a:spcAft>
+              <a:buFont typeface="Arial" panose="020B0604020202020204" pitchFamily="34" charset="0"/>
+              <a:buChar char="•"/>
+            </a:pPr>
+            <a:r>
+              <a:rPr lang="en-US" dirty="0"/>
+              <a:t>Using polyelectrolyte brush SCFT can provide physical insights as well as computational framework for rational design of PEM ionomers</a:t>
+            </a:r>
+          </a:p>
+        </p:txBody>
+      </p:sp>
+      <p:sp>
+        <p:nvSpPr>
+          <p:cNvPr id="12" name="TextBox 11">
+            <a:extLst>
+              <a:ext uri="{FF2B5EF4-FFF2-40B4-BE49-F238E27FC236}">
+                <a16:creationId xmlns:a16="http://schemas.microsoft.com/office/drawing/2014/main" id="{7CB52E1D-26A7-7528-54EB-407A9DB3924C}"/>
+              </a:ext>
+            </a:extLst>
+          </p:cNvPr>
+          <p:cNvSpPr txBox="1"/>
+          <p:nvPr/>
+        </p:nvSpPr>
+        <p:spPr>
+          <a:xfrm>
+            <a:off x="3858622" y="3140511"/>
+            <a:ext cx="7304616" cy="3046988"/>
+          </a:xfrm>
+          <a:prstGeom prst="rect">
+            <a:avLst/>
+          </a:prstGeom>
+          <a:noFill/>
+        </p:spPr>
+        <p:txBody>
+          <a:bodyPr wrap="square">
+            <a:spAutoFit/>
+          </a:bodyPr>
+          <a:lstStyle/>
+          <a:p>
+            <a:pPr>
+              <a:spcAft>
+                <a:spcPts val="600"/>
+              </a:spcAft>
+            </a:pPr>
+            <a:r>
+              <a:rPr lang="en-US" dirty="0"/>
+              <a:t>Relevant experiments: </a:t>
+            </a:r>
+          </a:p>
+          <a:p>
+            <a:pPr marL="285750" indent="-285750">
+              <a:spcAft>
+                <a:spcPts val="600"/>
+              </a:spcAft>
+              <a:buFont typeface="Arial" panose="020B0604020202020204" pitchFamily="34" charset="0"/>
+              <a:buChar char="•"/>
+            </a:pPr>
+            <a:r>
+              <a:rPr lang="en-US" dirty="0"/>
+              <a:t>SO3 adsorption measured by cyclic voltammetry (CV) – 0.100 M HClO4</a:t>
+            </a:r>
+          </a:p>
+          <a:p>
+            <a:pPr marL="742950" lvl="1" indent="-285750">
+              <a:spcAft>
+                <a:spcPts val="600"/>
+              </a:spcAft>
+              <a:buFont typeface="Arial" panose="020B0604020202020204" pitchFamily="34" charset="0"/>
+              <a:buChar char="•"/>
+            </a:pPr>
+            <a:r>
+              <a:rPr lang="en-US" dirty="0"/>
+              <a:t>Apply potential at some scanning rate, measured current corresponds to interaction at electrode (e.g., reaction, adsorption)</a:t>
+            </a:r>
+          </a:p>
+          <a:p>
+            <a:pPr marL="285750" indent="-285750">
+              <a:spcAft>
+                <a:spcPts val="600"/>
+              </a:spcAft>
+              <a:buFont typeface="Arial" panose="020B0604020202020204" pitchFamily="34" charset="0"/>
+              <a:buChar char="•"/>
+            </a:pPr>
+            <a:r>
+              <a:rPr lang="en-US" dirty="0"/>
+              <a:t>(top) As humidity decreases, more current at lower voltage</a:t>
+            </a:r>
+          </a:p>
+          <a:p>
+            <a:pPr marL="742950" lvl="1" indent="-285750">
+              <a:spcAft>
+                <a:spcPts val="600"/>
+              </a:spcAft>
+              <a:buFont typeface="Arial" panose="020B0604020202020204" pitchFamily="34" charset="0"/>
+              <a:buChar char="•"/>
+            </a:pPr>
+            <a:r>
+              <a:rPr lang="en-US" dirty="0"/>
+              <a:t>As ionomer—Pt distance decreases, more adsorption</a:t>
+            </a:r>
+          </a:p>
+          <a:p>
+            <a:pPr marL="285750" indent="-285750">
+              <a:spcAft>
+                <a:spcPts val="600"/>
+              </a:spcAft>
+              <a:buFont typeface="Arial" panose="020B0604020202020204" pitchFamily="34" charset="0"/>
+              <a:buChar char="•"/>
+            </a:pPr>
+            <a:r>
+              <a:rPr lang="en-US" dirty="0"/>
+              <a:t>(bottom) Long sidechains (LC) more current than short sidechain (SC)</a:t>
+            </a:r>
+          </a:p>
+          <a:p>
+            <a:pPr marL="742950" lvl="1" indent="-285750">
+              <a:spcAft>
+                <a:spcPts val="600"/>
+              </a:spcAft>
+              <a:buFont typeface="Arial" panose="020B0604020202020204" pitchFamily="34" charset="0"/>
+              <a:buChar char="•"/>
+            </a:pPr>
+            <a:r>
+              <a:rPr lang="en-US" dirty="0"/>
+              <a:t>Note: LD = long distance between ether/SO3H; discussion becomes muddled on effect</a:t>
+            </a:r>
+          </a:p>
+        </p:txBody>
+      </p:sp>
+      <p:pic>
+        <p:nvPicPr>
+          <p:cNvPr id="14" name="Picture 13">
+            <a:extLst>
+              <a:ext uri="{FF2B5EF4-FFF2-40B4-BE49-F238E27FC236}">
+                <a16:creationId xmlns:a16="http://schemas.microsoft.com/office/drawing/2014/main" id="{9965273C-8215-52A4-AFEF-8D27CE1EC380}"/>
+              </a:ext>
+            </a:extLst>
+          </p:cNvPr>
+          <p:cNvPicPr>
+            <a:picLocks noChangeAspect="1"/>
+          </p:cNvPicPr>
+          <p:nvPr/>
+        </p:nvPicPr>
+        <p:blipFill>
+          <a:blip r:embed="rId3"/>
+          <a:stretch>
+            <a:fillRect/>
+          </a:stretch>
+        </p:blipFill>
+        <p:spPr>
+          <a:xfrm>
+            <a:off x="842494" y="4885406"/>
+            <a:ext cx="2759958" cy="1817406"/>
+          </a:xfrm>
+          <a:prstGeom prst="rect">
+            <a:avLst/>
+          </a:prstGeom>
+        </p:spPr>
+      </p:pic>
+      <p:sp>
+        <p:nvSpPr>
+          <p:cNvPr id="3" name="Rectangle 2">
+            <a:extLst>
+              <a:ext uri="{FF2B5EF4-FFF2-40B4-BE49-F238E27FC236}">
+                <a16:creationId xmlns:a16="http://schemas.microsoft.com/office/drawing/2014/main" id="{65E27D70-B49E-E1EC-1B47-C583D3C338AB}"/>
+              </a:ext>
+            </a:extLst>
+          </p:cNvPr>
+          <p:cNvSpPr/>
+          <p:nvPr/>
+        </p:nvSpPr>
+        <p:spPr>
+          <a:xfrm>
+            <a:off x="1947333" y="3024119"/>
+            <a:ext cx="575734" cy="1429347"/>
+          </a:xfrm>
+          <a:prstGeom prst="rect">
+            <a:avLst/>
+          </a:prstGeom>
+          <a:solidFill>
+            <a:srgbClr val="7030A0">
+              <a:alpha val="30000"/>
+            </a:srgbClr>
+          </a:solidFill>
+          <a:ln w="28575">
+            <a:solidFill>
+              <a:srgbClr val="7030A0"/>
+            </a:solidFill>
+          </a:ln>
+        </p:spPr>
+        <p:style>
+          <a:lnRef idx="2">
+            <a:schemeClr val="accent1">
+              <a:shade val="15000"/>
+            </a:schemeClr>
+          </a:lnRef>
+          <a:fillRef idx="1">
+            <a:schemeClr val="accent1"/>
+          </a:fillRef>
+          <a:effectRef idx="0">
+            <a:schemeClr val="accent1"/>
+          </a:effectRef>
+          <a:fontRef idx="minor">
+            <a:schemeClr val="lt1"/>
+          </a:fontRef>
+        </p:style>
+        <p:txBody>
+          <a:bodyPr rtlCol="0" anchor="ctr"/>
+          <a:lstStyle/>
+          <a:p>
+            <a:pPr algn="ctr"/>
+            <a:endParaRPr lang="en-US"/>
+          </a:p>
+        </p:txBody>
+      </p:sp>
+      <p:sp>
+        <p:nvSpPr>
+          <p:cNvPr id="5" name="TextBox 4">
+            <a:extLst>
+              <a:ext uri="{FF2B5EF4-FFF2-40B4-BE49-F238E27FC236}">
+                <a16:creationId xmlns:a16="http://schemas.microsoft.com/office/drawing/2014/main" id="{5A84D2A5-7F0E-EAB7-02B4-53AAFF37840E}"/>
+              </a:ext>
+            </a:extLst>
+          </p:cNvPr>
+          <p:cNvSpPr txBox="1"/>
+          <p:nvPr/>
+        </p:nvSpPr>
+        <p:spPr>
+          <a:xfrm>
+            <a:off x="1163051" y="2747120"/>
+            <a:ext cx="2262832" cy="276999"/>
+          </a:xfrm>
+          <a:prstGeom prst="rect">
+            <a:avLst/>
+          </a:prstGeom>
+          <a:noFill/>
+        </p:spPr>
+        <p:txBody>
+          <a:bodyPr wrap="square" rtlCol="0">
+            <a:spAutoFit/>
+          </a:bodyPr>
+          <a:lstStyle/>
+          <a:p>
+            <a:pPr algn="ctr"/>
+            <a:r>
+              <a:rPr lang="en-US" sz="1200" b="1" dirty="0">
+                <a:solidFill>
+                  <a:srgbClr val="7030A0"/>
+                </a:solidFill>
+              </a:rPr>
+              <a:t>SO3 (ad/de)sorption</a:t>
+            </a:r>
+          </a:p>
+        </p:txBody>
+      </p:sp>
+      <p:sp>
+        <p:nvSpPr>
+          <p:cNvPr id="6" name="Rectangle 5">
+            <a:extLst>
+              <a:ext uri="{FF2B5EF4-FFF2-40B4-BE49-F238E27FC236}">
+                <a16:creationId xmlns:a16="http://schemas.microsoft.com/office/drawing/2014/main" id="{35BDD742-F15B-29F7-D887-501B0789DB7D}"/>
+              </a:ext>
+            </a:extLst>
+          </p:cNvPr>
+          <p:cNvSpPr/>
+          <p:nvPr/>
+        </p:nvSpPr>
+        <p:spPr>
+          <a:xfrm>
+            <a:off x="2167466" y="4994804"/>
+            <a:ext cx="355601" cy="1361546"/>
+          </a:xfrm>
+          <a:prstGeom prst="rect">
+            <a:avLst/>
+          </a:prstGeom>
+          <a:solidFill>
+            <a:srgbClr val="7030A0">
+              <a:alpha val="30000"/>
+            </a:srgbClr>
+          </a:solidFill>
+          <a:ln w="28575">
+            <a:solidFill>
+              <a:srgbClr val="7030A0"/>
+            </a:solidFill>
+          </a:ln>
+        </p:spPr>
+        <p:style>
+          <a:lnRef idx="2">
+            <a:schemeClr val="accent1">
+              <a:shade val="15000"/>
+            </a:schemeClr>
+          </a:lnRef>
+          <a:fillRef idx="1">
+            <a:schemeClr val="accent1"/>
+          </a:fillRef>
+          <a:effectRef idx="0">
+            <a:schemeClr val="accent1"/>
+          </a:effectRef>
+          <a:fontRef idx="minor">
+            <a:schemeClr val="lt1"/>
+          </a:fontRef>
+        </p:style>
+        <p:txBody>
+          <a:bodyPr rtlCol="0" anchor="ctr"/>
+          <a:lstStyle/>
+          <a:p>
+            <a:pPr algn="ctr"/>
+            <a:endParaRPr lang="en-US"/>
+          </a:p>
+        </p:txBody>
+      </p:sp>
+    </p:spTree>
+    <p:extLst>
+      <p:ext uri="{BB962C8B-B14F-4D97-AF65-F5344CB8AC3E}">
+        <p14:creationId xmlns:p14="http://schemas.microsoft.com/office/powerpoint/2010/main" val="1045183812"/>
+      </p:ext>
+    </p:extLst>
+  </p:cSld>
+  <p:clrMapOvr>
+    <a:masterClrMapping/>
+  </p:clrMapOvr>
+</p:sld>
+</file>
+
+<file path=ppt/slides/slide3.xml><?xml version="1.0" encoding="utf-8"?>
+<p:sld xmlns:a="http://schemas.openxmlformats.org/drawingml/2006/main" xmlns:r="http://schemas.openxmlformats.org/officeDocument/2006/relationships" xmlns:p="http://schemas.openxmlformats.org/presentationml/2006/main">
+  <p:cSld>
+    <p:spTree>
+      <p:nvGrpSpPr>
+        <p:cNvPr id="1" name=""/>
+        <p:cNvGrpSpPr/>
+        <p:nvPr/>
+      </p:nvGrpSpPr>
+      <p:grpSpPr>
+        <a:xfrm>
+          <a:off x="0" y="0"/>
+          <a:ext cx="0" cy="0"/>
+          <a:chOff x="0" y="0"/>
+          <a:chExt cx="0" cy="0"/>
+        </a:xfrm>
+      </p:grpSpPr>
+      <p:sp>
+        <p:nvSpPr>
+          <p:cNvPr id="2" name="Title 1">
+            <a:extLst>
+              <a:ext uri="{FF2B5EF4-FFF2-40B4-BE49-F238E27FC236}">
+                <a16:creationId xmlns:a16="http://schemas.microsoft.com/office/drawing/2014/main" id="{953FB28C-A291-83F3-63FD-068EFE175BE8}"/>
+              </a:ext>
+            </a:extLst>
+          </p:cNvPr>
+          <p:cNvSpPr>
+            <a:spLocks noGrp="1"/>
+          </p:cNvSpPr>
+          <p:nvPr>
+            <p:ph type="title"/>
+          </p:nvPr>
+        </p:nvSpPr>
+        <p:spPr/>
+        <p:txBody>
+          <a:bodyPr/>
+          <a:lstStyle/>
+          <a:p>
+            <a:r>
+              <a:rPr lang="en-US" dirty="0"/>
+              <a:t>System</a:t>
+            </a:r>
+          </a:p>
+        </p:txBody>
+      </p:sp>
+      <p:sp>
+        <p:nvSpPr>
+          <p:cNvPr id="4" name="Slide Number Placeholder 3">
+            <a:extLst>
+              <a:ext uri="{FF2B5EF4-FFF2-40B4-BE49-F238E27FC236}">
+                <a16:creationId xmlns:a16="http://schemas.microsoft.com/office/drawing/2014/main" id="{1C65E31E-01E1-A220-A504-7D643247FC10}"/>
+              </a:ext>
+            </a:extLst>
+          </p:cNvPr>
+          <p:cNvSpPr>
+            <a:spLocks noGrp="1"/>
+          </p:cNvSpPr>
+          <p:nvPr>
+            <p:ph type="sldNum" sz="quarter" idx="12"/>
+          </p:nvPr>
+        </p:nvSpPr>
+        <p:spPr/>
+        <p:txBody>
+          <a:bodyPr/>
+          <a:lstStyle/>
+          <a:p>
+            <a:fld id="{5911C0E6-D9CE-431C-92CB-BB39B872F930}" type="slidenum">
+              <a:rPr lang="en-US" smtClean="0"/>
+              <a:t>3</a:t>
+            </a:fld>
+            <a:endParaRPr lang="en-US"/>
+          </a:p>
+        </p:txBody>
+      </p:sp>
+      <p:sp>
+        <p:nvSpPr>
+          <p:cNvPr id="54" name="TextBox 53">
+            <a:extLst>
+              <a:ext uri="{FF2B5EF4-FFF2-40B4-BE49-F238E27FC236}">
+                <a16:creationId xmlns:a16="http://schemas.microsoft.com/office/drawing/2014/main" id="{01784940-308A-3DF9-1191-42510112BA7D}"/>
+              </a:ext>
+            </a:extLst>
+          </p:cNvPr>
+          <p:cNvSpPr txBox="1"/>
+          <p:nvPr/>
+        </p:nvSpPr>
+        <p:spPr>
+          <a:xfrm>
+            <a:off x="5751717" y="1357055"/>
+            <a:ext cx="5958730" cy="3693319"/>
+          </a:xfrm>
+          <a:prstGeom prst="rect">
+            <a:avLst/>
+          </a:prstGeom>
+          <a:noFill/>
+        </p:spPr>
+        <p:txBody>
+          <a:bodyPr wrap="square" rtlCol="0">
+            <a:spAutoFit/>
+          </a:bodyPr>
+          <a:lstStyle/>
+          <a:p>
             <a:r>
               <a:rPr lang="en-US" i="1" dirty="0"/>
               <a:t>Simple picture:</a:t>
@@ -2610,7 +3195,7 @@
             </a:pPr>
             <a:r>
               <a:rPr lang="en-US" dirty="0"/>
-              <a:t>Proton source from splitting of hydrogen (cathode)</a:t>
+              <a:t>Proton source from splitting of hydrogen (cathode, far left of schematic)</a:t>
             </a:r>
           </a:p>
           <a:p>
@@ -2620,7 +3205,7 @@
             </a:pPr>
             <a:r>
               <a:rPr lang="en-US" dirty="0"/>
-              <a:t>Proton sink from reaction with oxygen at Pt, forming water (anode)</a:t>
+              <a:t>Proton sink from reaction with oxygen at Pt, forming water (anode, right side of schematic)</a:t>
             </a:r>
           </a:p>
           <a:p>
@@ -2643,7 +3228,7 @@
             </a:pPr>
             <a:r>
               <a:rPr lang="en-US" dirty="0"/>
-              <a:t>Solution of 0.100 M HClO4</a:t>
+              <a:t>Pt coated with thin film of ionomer immersed in solution of 0.100 M HClO4</a:t>
             </a:r>
           </a:p>
         </p:txBody>
@@ -4731,415 +5316,6 @@
 </p:sld>
 </file>
 
-<file path=ppt/slides/slide3.xml><?xml version="1.0" encoding="utf-8"?>
-<p:sld xmlns:a="http://schemas.openxmlformats.org/drawingml/2006/main" xmlns:r="http://schemas.openxmlformats.org/officeDocument/2006/relationships" xmlns:p="http://schemas.openxmlformats.org/presentationml/2006/main">
-  <p:cSld>
-    <p:spTree>
-      <p:nvGrpSpPr>
-        <p:cNvPr id="1" name=""/>
-        <p:cNvGrpSpPr/>
-        <p:nvPr/>
-      </p:nvGrpSpPr>
-      <p:grpSpPr>
-        <a:xfrm>
-          <a:off x="0" y="0"/>
-          <a:ext cx="0" cy="0"/>
-          <a:chOff x="0" y="0"/>
-          <a:chExt cx="0" cy="0"/>
-        </a:xfrm>
-      </p:grpSpPr>
-      <p:sp>
-        <p:nvSpPr>
-          <p:cNvPr id="2" name="Title 1">
-            <a:extLst>
-              <a:ext uri="{FF2B5EF4-FFF2-40B4-BE49-F238E27FC236}">
-                <a16:creationId xmlns:a16="http://schemas.microsoft.com/office/drawing/2014/main" id="{CA0C75CC-A6F4-70DB-60D2-325B3425A73B}"/>
-              </a:ext>
-            </a:extLst>
-          </p:cNvPr>
-          <p:cNvSpPr>
-            <a:spLocks noGrp="1"/>
-          </p:cNvSpPr>
-          <p:nvPr>
-            <p:ph type="title"/>
-          </p:nvPr>
-        </p:nvSpPr>
-        <p:spPr/>
-        <p:txBody>
-          <a:bodyPr/>
-          <a:lstStyle/>
-          <a:p>
-            <a:pPr>
-              <a:spcAft>
-                <a:spcPts val="600"/>
-              </a:spcAft>
-            </a:pPr>
-            <a:r>
-              <a:rPr lang="en-US" dirty="0"/>
-              <a:t>Motivation</a:t>
-            </a:r>
-          </a:p>
-        </p:txBody>
-      </p:sp>
-      <p:sp>
-        <p:nvSpPr>
-          <p:cNvPr id="4" name="Slide Number Placeholder 3">
-            <a:extLst>
-              <a:ext uri="{FF2B5EF4-FFF2-40B4-BE49-F238E27FC236}">
-                <a16:creationId xmlns:a16="http://schemas.microsoft.com/office/drawing/2014/main" id="{1D085B51-269E-9C6D-5E1B-8B1F2FCA3493}"/>
-              </a:ext>
-            </a:extLst>
-          </p:cNvPr>
-          <p:cNvSpPr>
-            <a:spLocks noGrp="1"/>
-          </p:cNvSpPr>
-          <p:nvPr>
-            <p:ph type="sldNum" sz="quarter" idx="12"/>
-          </p:nvPr>
-        </p:nvSpPr>
-        <p:spPr/>
-        <p:txBody>
-          <a:bodyPr/>
-          <a:lstStyle/>
-          <a:p>
-            <a:pPr>
-              <a:spcAft>
-                <a:spcPts val="600"/>
-              </a:spcAft>
-            </a:pPr>
-            <a:fld id="{5911C0E6-D9CE-431C-92CB-BB39B872F930}" type="slidenum">
-              <a:rPr lang="en-US" smtClean="0"/>
-              <a:pPr>
-                <a:spcAft>
-                  <a:spcPts val="600"/>
-                </a:spcAft>
-              </a:pPr>
-              <a:t>3</a:t>
-            </a:fld>
-            <a:endParaRPr lang="en-US"/>
-          </a:p>
-        </p:txBody>
-      </p:sp>
-      <p:pic>
-        <p:nvPicPr>
-          <p:cNvPr id="8" name="Picture 7">
-            <a:extLst>
-              <a:ext uri="{FF2B5EF4-FFF2-40B4-BE49-F238E27FC236}">
-                <a16:creationId xmlns:a16="http://schemas.microsoft.com/office/drawing/2014/main" id="{C1BBD0DF-A6E4-67C2-CC1C-69FD149755C5}"/>
-              </a:ext>
-            </a:extLst>
-          </p:cNvPr>
-          <p:cNvPicPr>
-            <a:picLocks noChangeAspect="1"/>
-          </p:cNvPicPr>
-          <p:nvPr/>
-        </p:nvPicPr>
-        <p:blipFill>
-          <a:blip r:embed="rId2"/>
-          <a:stretch>
-            <a:fillRect/>
-          </a:stretch>
-        </p:blipFill>
-        <p:spPr>
-          <a:xfrm>
-            <a:off x="685801" y="2502642"/>
-            <a:ext cx="2810933" cy="1970685"/>
-          </a:xfrm>
-          <a:prstGeom prst="rect">
-            <a:avLst/>
-          </a:prstGeom>
-        </p:spPr>
-      </p:pic>
-      <p:sp>
-        <p:nvSpPr>
-          <p:cNvPr id="9" name="TextBox 8">
-            <a:extLst>
-              <a:ext uri="{FF2B5EF4-FFF2-40B4-BE49-F238E27FC236}">
-                <a16:creationId xmlns:a16="http://schemas.microsoft.com/office/drawing/2014/main" id="{B5161482-42B2-A3E1-D533-79C5629723AA}"/>
-              </a:ext>
-            </a:extLst>
-          </p:cNvPr>
-          <p:cNvSpPr txBox="1"/>
-          <p:nvPr/>
-        </p:nvSpPr>
-        <p:spPr>
-          <a:xfrm>
-            <a:off x="160868" y="6495081"/>
-            <a:ext cx="11192932" cy="276999"/>
-          </a:xfrm>
-          <a:prstGeom prst="rect">
-            <a:avLst/>
-          </a:prstGeom>
-          <a:noFill/>
-        </p:spPr>
-        <p:txBody>
-          <a:bodyPr wrap="square" rtlCol="0">
-            <a:spAutoFit/>
-          </a:bodyPr>
-          <a:lstStyle/>
-          <a:p>
-            <a:pPr>
-              <a:spcAft>
-                <a:spcPts val="600"/>
-              </a:spcAft>
-            </a:pPr>
-            <a:r>
-              <a:rPr lang="en-US" sz="1200" dirty="0"/>
-              <a:t>Kodama et al. (2013) </a:t>
-            </a:r>
-            <a:r>
-              <a:rPr lang="en-US" sz="1200" i="1" dirty="0" err="1"/>
-              <a:t>Electrochem</a:t>
-            </a:r>
-            <a:r>
-              <a:rPr lang="en-US" sz="1200" i="1" dirty="0"/>
-              <a:t>. </a:t>
-            </a:r>
-            <a:r>
-              <a:rPr lang="en-US" sz="1200" i="1" dirty="0" err="1"/>
-              <a:t>Commun</a:t>
-            </a:r>
-            <a:r>
-              <a:rPr lang="en-US" sz="1200" i="1" dirty="0"/>
-              <a:t>. </a:t>
-            </a:r>
-            <a:r>
-              <a:rPr lang="en-US" sz="1200" dirty="0"/>
-              <a:t>Kodama et al. (2018</a:t>
-            </a:r>
-            <a:r>
-              <a:rPr lang="en-US" sz="1200" i="1" dirty="0"/>
-              <a:t>) ACS </a:t>
-            </a:r>
-            <a:r>
-              <a:rPr lang="en-US" sz="1200" i="1" dirty="0" err="1"/>
-              <a:t>Catal</a:t>
-            </a:r>
-            <a:r>
-              <a:rPr lang="en-US" sz="1200" dirty="0"/>
-              <a:t>. </a:t>
-            </a:r>
-          </a:p>
-        </p:txBody>
-      </p:sp>
-      <p:sp>
-        <p:nvSpPr>
-          <p:cNvPr id="10" name="TextBox 9">
-            <a:extLst>
-              <a:ext uri="{FF2B5EF4-FFF2-40B4-BE49-F238E27FC236}">
-                <a16:creationId xmlns:a16="http://schemas.microsoft.com/office/drawing/2014/main" id="{CE796E5B-B3BF-80D8-C238-0E315A0A6A9E}"/>
-              </a:ext>
-            </a:extLst>
-          </p:cNvPr>
-          <p:cNvSpPr txBox="1"/>
-          <p:nvPr/>
-        </p:nvSpPr>
-        <p:spPr>
-          <a:xfrm>
-            <a:off x="795866" y="1235855"/>
-            <a:ext cx="7179733" cy="1077218"/>
-          </a:xfrm>
-          <a:prstGeom prst="rect">
-            <a:avLst/>
-          </a:prstGeom>
-          <a:noFill/>
-        </p:spPr>
-        <p:txBody>
-          <a:bodyPr wrap="square" rtlCol="0">
-            <a:spAutoFit/>
-          </a:bodyPr>
-          <a:lstStyle/>
-          <a:p>
-            <a:pPr marL="285750" indent="-285750">
-              <a:spcAft>
-                <a:spcPts val="600"/>
-              </a:spcAft>
-              <a:buFont typeface="Arial" panose="020B0604020202020204" pitchFamily="34" charset="0"/>
-              <a:buChar char="•"/>
-            </a:pPr>
-            <a:r>
-              <a:rPr lang="en-US" dirty="0"/>
-              <a:t>Pt poisoned by adsorbed SO3 from ionomer</a:t>
-            </a:r>
-          </a:p>
-          <a:p>
-            <a:pPr marL="742950" lvl="1" indent="-285750">
-              <a:spcAft>
-                <a:spcPts val="600"/>
-              </a:spcAft>
-              <a:buFont typeface="Arial" panose="020B0604020202020204" pitchFamily="34" charset="0"/>
-              <a:buChar char="•"/>
-            </a:pPr>
-            <a:r>
-              <a:rPr lang="en-US" dirty="0"/>
-              <a:t>Pt loading/efficiency is limiting factor for fuel cells</a:t>
-            </a:r>
-          </a:p>
-          <a:p>
-            <a:pPr marL="285750" indent="-285750">
-              <a:spcAft>
-                <a:spcPts val="600"/>
-              </a:spcAft>
-              <a:buFont typeface="Arial" panose="020B0604020202020204" pitchFamily="34" charset="0"/>
-              <a:buChar char="•"/>
-            </a:pPr>
-            <a:r>
-              <a:rPr lang="en-US" dirty="0"/>
-              <a:t>Scientific community has limited understanding of polymer physics</a:t>
-            </a:r>
-          </a:p>
-        </p:txBody>
-      </p:sp>
-      <p:sp>
-        <p:nvSpPr>
-          <p:cNvPr id="12" name="TextBox 11">
-            <a:extLst>
-              <a:ext uri="{FF2B5EF4-FFF2-40B4-BE49-F238E27FC236}">
-                <a16:creationId xmlns:a16="http://schemas.microsoft.com/office/drawing/2014/main" id="{7CB52E1D-26A7-7528-54EB-407A9DB3924C}"/>
-              </a:ext>
-            </a:extLst>
-          </p:cNvPr>
-          <p:cNvSpPr txBox="1"/>
-          <p:nvPr/>
-        </p:nvSpPr>
-        <p:spPr>
-          <a:xfrm>
-            <a:off x="3913717" y="2502642"/>
-            <a:ext cx="7304616" cy="2693045"/>
-          </a:xfrm>
-          <a:prstGeom prst="rect">
-            <a:avLst/>
-          </a:prstGeom>
-          <a:noFill/>
-        </p:spPr>
-        <p:txBody>
-          <a:bodyPr wrap="square">
-            <a:spAutoFit/>
-          </a:bodyPr>
-          <a:lstStyle/>
-          <a:p>
-            <a:pPr marL="285750" indent="-285750">
-              <a:spcAft>
-                <a:spcPts val="600"/>
-              </a:spcAft>
-              <a:buFont typeface="Arial" panose="020B0604020202020204" pitchFamily="34" charset="0"/>
-              <a:buChar char="•"/>
-            </a:pPr>
-            <a:r>
-              <a:rPr lang="en-US" dirty="0"/>
-              <a:t>Adsorption measured by cyclic voltammetry (CV) – 0.100 M HClO4</a:t>
-            </a:r>
-          </a:p>
-          <a:p>
-            <a:pPr marL="742950" lvl="1" indent="-285750">
-              <a:spcAft>
-                <a:spcPts val="600"/>
-              </a:spcAft>
-              <a:buFont typeface="Arial" panose="020B0604020202020204" pitchFamily="34" charset="0"/>
-              <a:buChar char="•"/>
-            </a:pPr>
-            <a:r>
-              <a:rPr lang="en-US" dirty="0"/>
-              <a:t>Apply potential at some scanning rate, measured current corresponds to interaction at electrode (e.g., reaction, adsorption)</a:t>
-            </a:r>
-          </a:p>
-          <a:p>
-            <a:pPr marL="285750" indent="-285750">
-              <a:spcAft>
-                <a:spcPts val="600"/>
-              </a:spcAft>
-              <a:buFont typeface="Arial" panose="020B0604020202020204" pitchFamily="34" charset="0"/>
-              <a:buChar char="•"/>
-            </a:pPr>
-            <a:r>
-              <a:rPr lang="en-US" dirty="0"/>
-              <a:t>(top) As humidity decreases, more current at lower voltage</a:t>
-            </a:r>
-          </a:p>
-          <a:p>
-            <a:pPr marL="742950" lvl="1" indent="-285750">
-              <a:spcAft>
-                <a:spcPts val="600"/>
-              </a:spcAft>
-              <a:buFont typeface="Arial" panose="020B0604020202020204" pitchFamily="34" charset="0"/>
-              <a:buChar char="•"/>
-            </a:pPr>
-            <a:r>
-              <a:rPr lang="en-US" dirty="0"/>
-              <a:t>As ionomer-Pt distance decreases, more adsorption</a:t>
-            </a:r>
-          </a:p>
-          <a:p>
-            <a:pPr marL="285750" indent="-285750">
-              <a:spcAft>
-                <a:spcPts val="600"/>
-              </a:spcAft>
-              <a:buFont typeface="Arial" panose="020B0604020202020204" pitchFamily="34" charset="0"/>
-              <a:buChar char="•"/>
-            </a:pPr>
-            <a:r>
-              <a:rPr lang="en-US" dirty="0"/>
-              <a:t>(bottom) Long sidechains (LC) more current than short sidechain (SC)</a:t>
-            </a:r>
-          </a:p>
-          <a:p>
-            <a:pPr marL="742950" lvl="1" indent="-285750">
-              <a:spcAft>
-                <a:spcPts val="600"/>
-              </a:spcAft>
-              <a:buFont typeface="Arial" panose="020B0604020202020204" pitchFamily="34" charset="0"/>
-              <a:buChar char="•"/>
-            </a:pPr>
-            <a:r>
-              <a:rPr lang="en-US" dirty="0"/>
-              <a:t>Discussion on long distance between ether/SO3H (LD) becomes muddled</a:t>
-            </a:r>
-          </a:p>
-        </p:txBody>
-      </p:sp>
-      <p:pic>
-        <p:nvPicPr>
-          <p:cNvPr id="14" name="Picture 13">
-            <a:extLst>
-              <a:ext uri="{FF2B5EF4-FFF2-40B4-BE49-F238E27FC236}">
-                <a16:creationId xmlns:a16="http://schemas.microsoft.com/office/drawing/2014/main" id="{9965273C-8215-52A4-AFEF-8D27CE1EC380}"/>
-              </a:ext>
-            </a:extLst>
-          </p:cNvPr>
-          <p:cNvPicPr>
-            <a:picLocks noChangeAspect="1"/>
-          </p:cNvPicPr>
-          <p:nvPr/>
-        </p:nvPicPr>
-        <p:blipFill>
-          <a:blip r:embed="rId3"/>
-          <a:stretch>
-            <a:fillRect/>
-          </a:stretch>
-        </p:blipFill>
-        <p:spPr>
-          <a:xfrm>
-            <a:off x="740833" y="4473327"/>
-            <a:ext cx="2759958" cy="1817406"/>
-          </a:xfrm>
-          <a:prstGeom prst="rect">
-            <a:avLst/>
-          </a:prstGeom>
-        </p:spPr>
-      </p:pic>
-    </p:spTree>
-    <p:extLst>
-      <p:ext uri="{BB962C8B-B14F-4D97-AF65-F5344CB8AC3E}">
-        <p14:creationId xmlns:p14="http://schemas.microsoft.com/office/powerpoint/2010/main" val="1045183812"/>
-      </p:ext>
-    </p:extLst>
-  </p:cSld>
-  <p:clrMapOvr>
-    <a:masterClrMapping/>
-  </p:clrMapOvr>
-</p:sld>
-</file>
-
 <file path=ppt/slides/slide4.xml><?xml version="1.0" encoding="utf-8"?>
 <p:sld xmlns:a="http://schemas.openxmlformats.org/drawingml/2006/main" xmlns:r="http://schemas.openxmlformats.org/officeDocument/2006/relationships" xmlns:p="http://schemas.openxmlformats.org/presentationml/2006/main">
   <p:cSld>

--- a/NAF.pptx
+++ b/NAF.pptx
@@ -2574,7 +2574,7 @@
         </p:blipFill>
         <p:spPr>
           <a:xfrm>
-            <a:off x="787462" y="2872386"/>
+            <a:off x="787462" y="2931653"/>
             <a:ext cx="2810933" cy="1970685"/>
           </a:xfrm>
           <a:prstGeom prst="rect">
@@ -2596,7 +2596,7 @@
         </p:nvSpPr>
         <p:spPr>
           <a:xfrm>
-            <a:off x="3987801" y="6538912"/>
+            <a:off x="3858622" y="6564312"/>
             <a:ext cx="6648569" cy="276999"/>
           </a:xfrm>
           <a:prstGeom prst="rect">
@@ -2668,7 +2668,7 @@
         </p:nvSpPr>
         <p:spPr>
           <a:xfrm>
-            <a:off x="795866" y="1080938"/>
+            <a:off x="808505" y="1017793"/>
             <a:ext cx="10354733" cy="1708160"/>
           </a:xfrm>
           <a:prstGeom prst="rect">
@@ -2749,8 +2749,8 @@
         </p:nvSpPr>
         <p:spPr>
           <a:xfrm>
-            <a:off x="3858622" y="3140511"/>
-            <a:ext cx="7304616" cy="3046988"/>
+            <a:off x="3858621" y="3140511"/>
+            <a:ext cx="7969312" cy="3046988"/>
           </a:xfrm>
           <a:prstGeom prst="rect">
             <a:avLst/>
@@ -2822,7 +2822,7 @@
             </a:pPr>
             <a:r>
               <a:rPr lang="en-US" dirty="0"/>
-              <a:t>As ionomer—Pt distance decreases, more adsorption</a:t>
+              <a:t>Thus, as ionomer—Pt distance decreases, more SO3 adsorption</a:t>
             </a:r>
           </a:p>
           <a:p>
@@ -2835,7 +2835,7 @@
             </a:pPr>
             <a:r>
               <a:rPr lang="en-US" dirty="0"/>
-              <a:t>(bottom) Long sidechains (LC) more current than short sidechain (SC)</a:t>
+              <a:t>(bottom) Long ionomer sidechains (LC) more current than short sidechain (SC)</a:t>
             </a:r>
           </a:p>
           <a:p>
@@ -2875,7 +2875,7 @@
         </p:blipFill>
         <p:spPr>
           <a:xfrm>
-            <a:off x="842494" y="4885406"/>
+            <a:off x="842494" y="4944673"/>
             <a:ext cx="2759958" cy="1817406"/>
           </a:xfrm>
           <a:prstGeom prst="rect">
@@ -2897,8 +2897,8 @@
         </p:nvSpPr>
         <p:spPr>
           <a:xfrm>
-            <a:off x="1947333" y="3024119"/>
-            <a:ext cx="575734" cy="1429347"/>
+            <a:off x="1947333" y="3083386"/>
+            <a:ext cx="651934" cy="1429347"/>
           </a:xfrm>
           <a:prstGeom prst="rect">
             <a:avLst/>
@@ -2953,7 +2953,7 @@
         </p:nvSpPr>
         <p:spPr>
           <a:xfrm>
-            <a:off x="1163051" y="2747120"/>
+            <a:off x="1163051" y="2806387"/>
             <a:ext cx="2262832" cy="276999"/>
           </a:xfrm>
           <a:prstGeom prst="rect">
@@ -2993,8 +2993,8 @@
         </p:nvSpPr>
         <p:spPr>
           <a:xfrm>
-            <a:off x="2167466" y="4994804"/>
-            <a:ext cx="355601" cy="1361546"/>
+            <a:off x="2167466" y="5048771"/>
+            <a:ext cx="355601" cy="1366846"/>
           </a:xfrm>
           <a:prstGeom prst="rect">
             <a:avLst/>

--- a/NAF.pptx
+++ b/NAF.pptx
@@ -3136,8 +3136,8 @@
         </p:nvSpPr>
         <p:spPr>
           <a:xfrm>
-            <a:off x="5751717" y="1357055"/>
-            <a:ext cx="5958730" cy="3693319"/>
+            <a:off x="5302998" y="1323276"/>
+            <a:ext cx="6730905" cy="4847481"/>
           </a:xfrm>
           <a:prstGeom prst="rect">
             <a:avLst/>
@@ -3150,85 +3150,155 @@
           </a:bodyPr>
           <a:lstStyle/>
           <a:p>
-            <a:r>
-              <a:rPr lang="en-US" i="1" dirty="0"/>
-              <a:t>Simple picture:</a:t>
+            <a:pPr>
+              <a:spcAft>
+                <a:spcPts val="1200"/>
+              </a:spcAft>
+            </a:pPr>
+            <a:r>
+              <a:rPr lang="en-US" sz="1600" i="1" dirty="0"/>
+              <a:t>Schematic/Simplified system:</a:t>
             </a:r>
           </a:p>
           <a:p>
             <a:pPr marL="285750" indent="-285750">
+              <a:spcAft>
+                <a:spcPts val="600"/>
+              </a:spcAft>
               <a:buFont typeface="Arial" panose="020B0604020202020204" pitchFamily="34" charset="0"/>
               <a:buChar char="•"/>
             </a:pPr>
             <a:r>
-              <a:rPr lang="en-US" dirty="0"/>
+              <a:rPr lang="en-US" sz="1600" dirty="0"/>
               <a:t>Polymer brush immersed in solution</a:t>
             </a:r>
           </a:p>
           <a:p>
             <a:pPr marL="285750" indent="-285750">
+              <a:spcAft>
+                <a:spcPts val="600"/>
+              </a:spcAft>
               <a:buFont typeface="Arial" panose="020B0604020202020204" pitchFamily="34" charset="0"/>
               <a:buChar char="•"/>
             </a:pPr>
             <a:r>
-              <a:rPr lang="en-US" dirty="0"/>
+              <a:rPr lang="en-US" sz="1600" dirty="0"/>
               <a:t>Solution in contact with positively charged electrode</a:t>
             </a:r>
           </a:p>
           <a:p>
+            <a:pPr>
+              <a:spcAft>
+                <a:spcPts val="1200"/>
+              </a:spcAft>
+            </a:pPr>
+            <a:r>
+              <a:rPr lang="en-US" sz="1600" i="1" dirty="0"/>
+              <a:t>In real fuel cell:</a:t>
+            </a:r>
+          </a:p>
+          <a:p>
             <a:pPr marL="285750" indent="-285750">
+              <a:spcAft>
+                <a:spcPts val="600"/>
+              </a:spcAft>
               <a:buFont typeface="Arial" panose="020B0604020202020204" pitchFamily="34" charset="0"/>
               <a:buChar char="•"/>
             </a:pPr>
-            <a:endParaRPr lang="en-US" dirty="0"/>
-          </a:p>
-          <a:p>
-            <a:r>
-              <a:rPr lang="en-US" i="1" dirty="0"/>
-              <a:t>In real fuel cell:</a:t>
+            <a:r>
+              <a:rPr lang="en-US" sz="1600" dirty="0"/>
+              <a:t>Proton source from splitting of hydrogen (cathode, far left of schematic)</a:t>
             </a:r>
           </a:p>
           <a:p>
             <a:pPr marL="285750" indent="-285750">
+              <a:spcAft>
+                <a:spcPts val="600"/>
+              </a:spcAft>
               <a:buFont typeface="Arial" panose="020B0604020202020204" pitchFamily="34" charset="0"/>
               <a:buChar char="•"/>
             </a:pPr>
             <a:r>
-              <a:rPr lang="en-US" dirty="0"/>
-              <a:t>Proton source from splitting of hydrogen (cathode, far left of schematic)</a:t>
+              <a:rPr lang="en-US" sz="1600" dirty="0"/>
+              <a:t>Proton sink from reaction with oxygen at Pt, forming water (anode, right side of schematic)</a:t>
+            </a:r>
+          </a:p>
+          <a:p>
+            <a:pPr>
+              <a:spcAft>
+                <a:spcPts val="1200"/>
+              </a:spcAft>
+            </a:pPr>
+            <a:r>
+              <a:rPr lang="en-US" sz="1600" i="1" dirty="0"/>
+              <a:t>In CV experiments:</a:t>
             </a:r>
           </a:p>
           <a:p>
             <a:pPr marL="285750" indent="-285750">
+              <a:spcAft>
+                <a:spcPts val="1200"/>
+              </a:spcAft>
               <a:buFont typeface="Arial" panose="020B0604020202020204" pitchFamily="34" charset="0"/>
               <a:buChar char="•"/>
             </a:pPr>
             <a:r>
-              <a:rPr lang="en-US" dirty="0"/>
-              <a:t>Proton sink from reaction with oxygen at Pt, forming water (anode, right side of schematic)</a:t>
-            </a:r>
+              <a:rPr lang="en-US" sz="1600" dirty="0"/>
+              <a:t>Pt coated with thin film of ionomer immersed in solution of 0.100 M HClO4</a:t>
+            </a:r>
+          </a:p>
+          <a:p>
+            <a:pPr>
+              <a:spcAft>
+                <a:spcPts val="1200"/>
+              </a:spcAft>
+            </a:pPr>
+            <a:r>
+              <a:rPr lang="en-US" sz="1600" i="1" dirty="0"/>
+              <a:t>Preliminary SCFT model:</a:t>
+            </a:r>
+            <a:endParaRPr lang="en-US" sz="1600" dirty="0"/>
           </a:p>
           <a:p>
             <a:pPr marL="285750" indent="-285750">
+              <a:spcAft>
+                <a:spcPts val="600"/>
+              </a:spcAft>
               <a:buFont typeface="Arial" panose="020B0604020202020204" pitchFamily="34" charset="0"/>
               <a:buChar char="•"/>
             </a:pPr>
-            <a:endParaRPr lang="en-US" dirty="0"/>
-          </a:p>
-          <a:p>
-            <a:r>
-              <a:rPr lang="en-US" i="1" dirty="0"/>
-              <a:t>In CV experiments:</a:t>
-            </a:r>
-          </a:p>
-          <a:p>
-            <a:pPr marL="285750" indent="-285750">
+            <a:r>
+              <a:rPr lang="en-US" sz="1600" dirty="0"/>
+              <a:t>Grafted polymers are </a:t>
+            </a:r>
+            <a:r>
+              <a:rPr lang="en-US" sz="1600" dirty="0" err="1"/>
+              <a:t>Nafion</a:t>
+            </a:r>
+            <a:r>
+              <a:rPr lang="en-US" sz="1600" dirty="0"/>
+              <a:t> sidechains “grafted” onto the bulk ionomer membrane</a:t>
+            </a:r>
+          </a:p>
+          <a:p>
+            <a:pPr marL="742950" lvl="1" indent="-285750">
+              <a:spcAft>
+                <a:spcPts val="600"/>
+              </a:spcAft>
               <a:buFont typeface="Arial" panose="020B0604020202020204" pitchFamily="34" charset="0"/>
               <a:buChar char="•"/>
             </a:pPr>
             <a:r>
-              <a:rPr lang="en-US" dirty="0"/>
-              <a:t>Pt coated with thin film of ionomer immersed in solution of 0.100 M HClO4</a:t>
+              <a:rPr lang="en-US" sz="1600" dirty="0"/>
+              <a:t>In the future, this can be extended to consider entire </a:t>
+            </a:r>
+            <a:r>
+              <a:rPr lang="en-US" sz="1600" dirty="0" err="1"/>
+              <a:t>Nafion</a:t>
+            </a:r>
+            <a:r>
+              <a:rPr lang="en-US" sz="1600" dirty="0"/>
+              <a:t> chains to more accurately describe poisoning mechanism</a:t>
             </a:r>
           </a:p>
         </p:txBody>
@@ -3255,7 +3325,7 @@
         </p:blipFill>
         <p:spPr>
           <a:xfrm>
-            <a:off x="1390023" y="5585667"/>
+            <a:off x="457202" y="5699705"/>
             <a:ext cx="3024091" cy="987458"/>
           </a:xfrm>
           <a:prstGeom prst="rect">
@@ -3277,7 +3347,7 @@
         </p:nvGrpSpPr>
         <p:grpSpPr>
           <a:xfrm>
-            <a:off x="762002" y="1261121"/>
+            <a:off x="457202" y="1499503"/>
             <a:ext cx="4306480" cy="3779677"/>
             <a:chOff x="762002" y="1261121"/>
             <a:chExt cx="4306480" cy="3779677"/>
@@ -5303,6 +5373,165 @@
           </p:txBody>
         </p:sp>
       </p:grpSp>
+      <p:sp>
+        <p:nvSpPr>
+          <p:cNvPr id="3" name="TextBox 2">
+            <a:extLst>
+              <a:ext uri="{FF2B5EF4-FFF2-40B4-BE49-F238E27FC236}">
+                <a16:creationId xmlns:a16="http://schemas.microsoft.com/office/drawing/2014/main" id="{0B912488-21FF-E209-0FFC-000DBB67A3A8}"/>
+              </a:ext>
+            </a:extLst>
+          </p:cNvPr>
+          <p:cNvSpPr txBox="1"/>
+          <p:nvPr/>
+        </p:nvSpPr>
+        <p:spPr>
+          <a:xfrm>
+            <a:off x="4043689" y="5699705"/>
+            <a:ext cx="1174067" cy="369332"/>
+          </a:xfrm>
+          <a:prstGeom prst="rect">
+            <a:avLst/>
+          </a:prstGeom>
+          <a:noFill/>
+        </p:spPr>
+        <p:txBody>
+          <a:bodyPr wrap="square" rtlCol="0">
+            <a:spAutoFit/>
+          </a:bodyPr>
+          <a:lstStyle/>
+          <a:p>
+            <a:r>
+              <a:rPr lang="en-US" dirty="0"/>
+              <a:t>Backbone</a:t>
+            </a:r>
+          </a:p>
+        </p:txBody>
+      </p:sp>
+      <p:sp>
+        <p:nvSpPr>
+          <p:cNvPr id="6" name="TextBox 5">
+            <a:extLst>
+              <a:ext uri="{FF2B5EF4-FFF2-40B4-BE49-F238E27FC236}">
+                <a16:creationId xmlns:a16="http://schemas.microsoft.com/office/drawing/2014/main" id="{D3E3A2FF-9FEE-6877-95F0-A1D26F036D65}"/>
+              </a:ext>
+            </a:extLst>
+          </p:cNvPr>
+          <p:cNvSpPr txBox="1"/>
+          <p:nvPr/>
+        </p:nvSpPr>
+        <p:spPr>
+          <a:xfrm>
+            <a:off x="4058100" y="6065263"/>
+            <a:ext cx="1174067" cy="369332"/>
+          </a:xfrm>
+          <a:prstGeom prst="rect">
+            <a:avLst/>
+          </a:prstGeom>
+          <a:noFill/>
+        </p:spPr>
+        <p:txBody>
+          <a:bodyPr wrap="square" rtlCol="0">
+            <a:spAutoFit/>
+          </a:bodyPr>
+          <a:lstStyle/>
+          <a:p>
+            <a:r>
+              <a:rPr lang="en-US" dirty="0"/>
+              <a:t>Sidechain</a:t>
+            </a:r>
+          </a:p>
+        </p:txBody>
+      </p:sp>
+      <p:cxnSp>
+        <p:nvCxnSpPr>
+          <p:cNvPr id="23" name="Straight Arrow Connector 22">
+            <a:extLst>
+              <a:ext uri="{FF2B5EF4-FFF2-40B4-BE49-F238E27FC236}">
+                <a16:creationId xmlns:a16="http://schemas.microsoft.com/office/drawing/2014/main" id="{DF5A5187-BC60-1C4D-398F-AC8251D77847}"/>
+              </a:ext>
+            </a:extLst>
+          </p:cNvPr>
+          <p:cNvCxnSpPr>
+            <a:stCxn id="6" idx="1"/>
+          </p:cNvCxnSpPr>
+          <p:nvPr/>
+        </p:nvCxnSpPr>
+        <p:spPr>
+          <a:xfrm flipH="1" flipV="1">
+            <a:off x="3566535" y="6248399"/>
+            <a:ext cx="491565" cy="1530"/>
+          </a:xfrm>
+          <a:prstGeom prst="straightConnector1">
+            <a:avLst/>
+          </a:prstGeom>
+          <a:ln w="28575">
+            <a:solidFill>
+              <a:schemeClr val="tx1"/>
+            </a:solidFill>
+            <a:tailEnd type="triangle"/>
+          </a:ln>
+        </p:spPr>
+        <p:style>
+          <a:lnRef idx="1">
+            <a:schemeClr val="accent1"/>
+          </a:lnRef>
+          <a:fillRef idx="0">
+            <a:schemeClr val="accent1"/>
+          </a:fillRef>
+          <a:effectRef idx="0">
+            <a:schemeClr val="accent1"/>
+          </a:effectRef>
+          <a:fontRef idx="minor">
+            <a:schemeClr val="tx1"/>
+          </a:fontRef>
+        </p:style>
+      </p:cxnSp>
+      <p:cxnSp>
+        <p:nvCxnSpPr>
+          <p:cNvPr id="24" name="Straight Arrow Connector 23">
+            <a:extLst>
+              <a:ext uri="{FF2B5EF4-FFF2-40B4-BE49-F238E27FC236}">
+                <a16:creationId xmlns:a16="http://schemas.microsoft.com/office/drawing/2014/main" id="{86B6AB08-6AE2-1C57-5F3E-F2CA3D642D65}"/>
+              </a:ext>
+            </a:extLst>
+          </p:cNvPr>
+          <p:cNvCxnSpPr>
+            <a:cxnSpLocks/>
+            <a:stCxn id="3" idx="1"/>
+          </p:cNvCxnSpPr>
+          <p:nvPr/>
+        </p:nvCxnSpPr>
+        <p:spPr>
+          <a:xfrm flipH="1">
+            <a:off x="3156003" y="5884371"/>
+            <a:ext cx="887686" cy="0"/>
+          </a:xfrm>
+          <a:prstGeom prst="straightConnector1">
+            <a:avLst/>
+          </a:prstGeom>
+          <a:ln w="28575">
+            <a:solidFill>
+              <a:schemeClr val="tx1"/>
+            </a:solidFill>
+            <a:tailEnd type="triangle"/>
+          </a:ln>
+        </p:spPr>
+        <p:style>
+          <a:lnRef idx="1">
+            <a:schemeClr val="accent1"/>
+          </a:lnRef>
+          <a:fillRef idx="0">
+            <a:schemeClr val="accent1"/>
+          </a:fillRef>
+          <a:effectRef idx="0">
+            <a:schemeClr val="accent1"/>
+          </a:effectRef>
+          <a:fontRef idx="minor">
+            <a:schemeClr val="tx1"/>
+          </a:fontRef>
+        </p:style>
+      </p:cxnSp>
     </p:spTree>
     <p:extLst>
       <p:ext uri="{BB962C8B-B14F-4D97-AF65-F5344CB8AC3E}">

--- a/NAF.pptx
+++ b/NAF.pptx
@@ -3136,7 +3136,7 @@
         </p:nvSpPr>
         <p:spPr>
           <a:xfrm>
-            <a:off x="5302998" y="1323276"/>
+            <a:off x="5204775" y="1323276"/>
             <a:ext cx="6730905" cy="4847481"/>
           </a:xfrm>
           <a:prstGeom prst="rect">
@@ -3290,7 +3290,7 @@
             </a:pPr>
             <a:r>
               <a:rPr lang="en-US" sz="1600" dirty="0"/>
-              <a:t>In the future, this can be extended to consider entire </a:t>
+              <a:t>In the future, model can be extended to consider entire </a:t>
             </a:r>
             <a:r>
               <a:rPr lang="en-US" sz="1600" dirty="0" err="1"/>
@@ -5640,7 +5640,7 @@
         </p:nvSpPr>
         <p:spPr>
           <a:xfrm>
-            <a:off x="1430867" y="1415840"/>
+            <a:off x="222260" y="5884410"/>
             <a:ext cx="2641600" cy="369332"/>
           </a:xfrm>
           <a:prstGeom prst="rect">
@@ -5691,8 +5691,8 @@
         </p:blipFill>
         <p:spPr bwMode="auto">
           <a:xfrm>
-            <a:off x="2640288" y="1907839"/>
-            <a:ext cx="3182539" cy="1926666"/>
+            <a:off x="2890723" y="2098834"/>
+            <a:ext cx="3525074" cy="2134032"/>
           </a:xfrm>
           <a:prstGeom prst="rect">
             <a:avLst/>
@@ -5723,8 +5723,8 @@
         </p:nvGrpSpPr>
         <p:grpSpPr>
           <a:xfrm>
-            <a:off x="209959" y="2897341"/>
-            <a:ext cx="2360996" cy="1993049"/>
+            <a:off x="189879" y="3097444"/>
+            <a:ext cx="2673981" cy="2257257"/>
             <a:chOff x="180441" y="3174628"/>
             <a:chExt cx="2360996" cy="1993049"/>
           </a:xfrm>
@@ -5863,8 +5863,8 @@
         </p:nvSpPr>
         <p:spPr>
           <a:xfrm>
-            <a:off x="6189133" y="1320800"/>
-            <a:ext cx="5401734" cy="4247317"/>
+            <a:off x="6642744" y="1522843"/>
+            <a:ext cx="5401734" cy="3970318"/>
           </a:xfrm>
           <a:prstGeom prst="rect">
             <a:avLst/>
@@ -5917,7 +5917,7 @@
             </a:pPr>
             <a:r>
               <a:rPr lang="en-US" dirty="0"/>
-              <a:t>Left: Density of polymer on Pt surface as a function of membrane–Pt separation distance. Colors indicate Pt surface charge density</a:t>
+              <a:t>(Left) Density of polymer on Pt surface as a function of membrane–Pt separation distance. Colors indicate Pt surface charge density</a:t>
             </a:r>
           </a:p>
           <a:p>
@@ -5934,15 +5934,7 @@
             </a:pPr>
             <a:r>
               <a:rPr lang="en-US" dirty="0"/>
-              <a:t>Right: Polymer density distributions (solid) and proton distributions (dotted) for D = 2.5 nm and grafting density 7.31 c/nm</a:t>
-            </a:r>
-            <a:r>
-              <a:rPr lang="en-US" baseline="30000" dirty="0"/>
-              <a:t>2</a:t>
-            </a:r>
-            <a:r>
-              <a:rPr lang="en-US" dirty="0"/>
-              <a:t>. Density distribution of sulfonate block is dashed.</a:t>
+              <a:t>(Right) Polymer density distributions (solid) and proton distributions (dotted) for D = 2.5 nm. Density distribution of SO3 bead is dashed.</a:t>
             </a:r>
           </a:p>
         </p:txBody>
@@ -5969,8 +5961,8 @@
         </p:blipFill>
         <p:spPr>
           <a:xfrm>
-            <a:off x="2754108" y="3893866"/>
-            <a:ext cx="2228614" cy="1823649"/>
+            <a:off x="3011664" y="4353053"/>
+            <a:ext cx="2448155" cy="2003297"/>
           </a:xfrm>
           <a:prstGeom prst="rect">
             <a:avLst/>
@@ -5999,8 +5991,8 @@
         </p:blipFill>
         <p:spPr>
           <a:xfrm>
-            <a:off x="1917383" y="3197052"/>
-            <a:ext cx="498518" cy="1010882"/>
+            <a:off x="2163233" y="3429000"/>
+            <a:ext cx="550516" cy="1116322"/>
           </a:xfrm>
           <a:prstGeom prst="rect">
             <a:avLst/>
@@ -6064,7 +6056,7 @@
         </p:blipFill>
         <p:spPr bwMode="auto">
           <a:xfrm>
-            <a:off x="147265" y="1719167"/>
+            <a:off x="147265" y="1741785"/>
             <a:ext cx="2563133" cy="2167033"/>
           </a:xfrm>
           <a:prstGeom prst="rect">
@@ -6251,7 +6243,15 @@
             </a:r>
             <a:r>
               <a:rPr lang="en-US" dirty="0"/>
-              <a:t>/cm2 according to Saha &amp; </a:t>
+              <a:t>/cm</a:t>
+            </a:r>
+            <a:r>
+              <a:rPr lang="en-US" baseline="30000" dirty="0"/>
+              <a:t>2</a:t>
+            </a:r>
+            <a:r>
+              <a:rPr lang="en-US" dirty="0"/>
+              <a:t> according to Saha &amp; </a:t>
             </a:r>
             <a:r>
               <a:rPr lang="en-US" dirty="0" err="1"/>
@@ -6301,7 +6301,15 @@
             </a:r>
             <a:r>
               <a:rPr lang="en-US" dirty="0"/>
-              <a:t>/cm2 colored. Small D is favorable at low charges, becomes unfavorable as surface charge reaches ~7 </a:t>
+              <a:t>/cm</a:t>
+            </a:r>
+            <a:r>
+              <a:rPr lang="en-US" baseline="30000" dirty="0"/>
+              <a:t>2</a:t>
+            </a:r>
+            <a:r>
+              <a:rPr lang="en-US" dirty="0"/>
+              <a:t> colored. Small D is favorable at low charges, becomes unfavorable as surface charge reaches ~7 </a:t>
             </a:r>
             <a:r>
               <a:rPr lang="en-US" dirty="0" err="1"/>
@@ -6309,7 +6317,11 @@
             </a:r>
             <a:r>
               <a:rPr lang="en-US" dirty="0"/>
-              <a:t>/cm2</a:t>
+              <a:t>/cm</a:t>
+            </a:r>
+            <a:r>
+              <a:rPr lang="en-US" baseline="30000" dirty="0"/>
+              <a:t>2</a:t>
             </a:r>
           </a:p>
           <a:p>
@@ -6338,7 +6350,15 @@
             </a:r>
             <a:r>
               <a:rPr lang="en-US" dirty="0"/>
-              <a:t>/cm2, elastic penalties become dominant.</a:t>
+              <a:t>/cm</a:t>
+            </a:r>
+            <a:r>
+              <a:rPr lang="en-US" baseline="30000" dirty="0"/>
+              <a:t>2</a:t>
+            </a:r>
+            <a:r>
+              <a:rPr lang="en-US" dirty="0"/>
+              <a:t>, elastic penalties become dominant.</a:t>
             </a:r>
           </a:p>
           <a:p>
@@ -6456,7 +6476,7 @@
         </p:blipFill>
         <p:spPr bwMode="auto">
           <a:xfrm>
-            <a:off x="2709385" y="1662802"/>
+            <a:off x="2709385" y="1685420"/>
             <a:ext cx="2853215" cy="2234165"/>
           </a:xfrm>
           <a:prstGeom prst="rect">
@@ -6476,10 +6496,10 @@
       </p:pic>
       <p:pic>
         <p:nvPicPr>
-          <p:cNvPr id="2062" name="Picture 14">
-            <a:extLst>
-              <a:ext uri="{FF2B5EF4-FFF2-40B4-BE49-F238E27FC236}">
-                <a16:creationId xmlns:a16="http://schemas.microsoft.com/office/drawing/2014/main" id="{2A5DE5A2-0192-D1BE-C1ED-65E991C4D5B6}"/>
+          <p:cNvPr id="2064" name="Picture 16">
+            <a:extLst>
+              <a:ext uri="{FF2B5EF4-FFF2-40B4-BE49-F238E27FC236}">
+                <a16:creationId xmlns:a16="http://schemas.microsoft.com/office/drawing/2014/main" id="{2A8E24F7-B5EA-8404-3398-4F0936DEF97E}"/>
               </a:ext>
             </a:extLst>
           </p:cNvPr>
@@ -6503,8 +6523,8 @@
         </p:blipFill>
         <p:spPr bwMode="auto">
           <a:xfrm>
-            <a:off x="147265" y="3973489"/>
-            <a:ext cx="5348763" cy="2382861"/>
+            <a:off x="147265" y="4011724"/>
+            <a:ext cx="5262935" cy="2344626"/>
           </a:xfrm>
           <a:prstGeom prst="rect">
             <a:avLst/>

--- a/NAF.pptx
+++ b/NAF.pptx
@@ -5640,7 +5640,7 @@
         </p:nvSpPr>
         <p:spPr>
           <a:xfrm>
-            <a:off x="222260" y="5884410"/>
+            <a:off x="112193" y="5579610"/>
             <a:ext cx="2641600" cy="369332"/>
           </a:xfrm>
           <a:prstGeom prst="rect">
@@ -5691,7 +5691,7 @@
         </p:blipFill>
         <p:spPr bwMode="auto">
           <a:xfrm>
-            <a:off x="2890723" y="2098834"/>
+            <a:off x="2797590" y="1794034"/>
             <a:ext cx="3525074" cy="2134032"/>
           </a:xfrm>
           <a:prstGeom prst="rect">
@@ -5709,12 +5709,132 @@
           </a:extLst>
         </p:spPr>
       </p:pic>
+      <p:sp>
+        <p:nvSpPr>
+          <p:cNvPr id="8" name="TextBox 7">
+            <a:extLst>
+              <a:ext uri="{FF2B5EF4-FFF2-40B4-BE49-F238E27FC236}">
+                <a16:creationId xmlns:a16="http://schemas.microsoft.com/office/drawing/2014/main" id="{7EFDBFF7-5F91-79C6-D4F1-4EF337CB565F}"/>
+              </a:ext>
+            </a:extLst>
+          </p:cNvPr>
+          <p:cNvSpPr txBox="1"/>
+          <p:nvPr/>
+        </p:nvSpPr>
+        <p:spPr>
+          <a:xfrm>
+            <a:off x="6637040" y="1914092"/>
+            <a:ext cx="5401734" cy="3970318"/>
+          </a:xfrm>
+          <a:prstGeom prst="rect">
+            <a:avLst/>
+          </a:prstGeom>
+          <a:noFill/>
+        </p:spPr>
+        <p:txBody>
+          <a:bodyPr wrap="square" rtlCol="0">
+            <a:spAutoFit/>
+          </a:bodyPr>
+          <a:lstStyle/>
+          <a:p>
+            <a:r>
+              <a:rPr lang="en-US" dirty="0"/>
+              <a:t>Model: “grafting surface” is bulk membrane/thin film; only considering elasticity of sidechains</a:t>
+            </a:r>
+          </a:p>
+          <a:p>
+            <a:endParaRPr lang="en-US" dirty="0"/>
+          </a:p>
+          <a:p>
+            <a:pPr marL="285750" indent="-285750">
+              <a:buFont typeface="Arial" panose="020B0604020202020204" pitchFamily="34" charset="0"/>
+              <a:buChar char="•"/>
+            </a:pPr>
+            <a:r>
+              <a:rPr lang="en-US" dirty="0"/>
+              <a:t>True grafting density unknown, 7.31 c/nm</a:t>
+            </a:r>
+            <a:r>
+              <a:rPr lang="en-US" baseline="30000" dirty="0"/>
+              <a:t>2</a:t>
+            </a:r>
+            <a:r>
+              <a:rPr lang="en-US" dirty="0"/>
+              <a:t> is approximately the density of sidechains based on the random walk of its backbone</a:t>
+            </a:r>
+          </a:p>
+          <a:p>
+            <a:pPr marL="742950" lvl="1" indent="-285750">
+              <a:buFont typeface="Arial" panose="020B0604020202020204" pitchFamily="34" charset="0"/>
+              <a:buChar char="•"/>
+            </a:pPr>
+            <a:endParaRPr lang="en-US" dirty="0"/>
+          </a:p>
+          <a:p>
+            <a:pPr marL="285750" indent="-285750">
+              <a:buFont typeface="Arial" panose="020B0604020202020204" pitchFamily="34" charset="0"/>
+              <a:buChar char="•"/>
+            </a:pPr>
+            <a:r>
+              <a:rPr lang="en-US" dirty="0"/>
+              <a:t>(Left) Density of polymer on Pt surface as a function of membrane–Pt separation distance. Colors indicate Pt surface charge density</a:t>
+            </a:r>
+          </a:p>
+          <a:p>
+            <a:pPr marL="285750" indent="-285750">
+              <a:buFont typeface="Arial" panose="020B0604020202020204" pitchFamily="34" charset="0"/>
+              <a:buChar char="•"/>
+            </a:pPr>
+            <a:endParaRPr lang="en-US" dirty="0"/>
+          </a:p>
+          <a:p>
+            <a:pPr marL="285750" indent="-285750">
+              <a:buFont typeface="Arial" panose="020B0604020202020204" pitchFamily="34" charset="0"/>
+              <a:buChar char="•"/>
+            </a:pPr>
+            <a:r>
+              <a:rPr lang="en-US" dirty="0"/>
+              <a:t>(Right) Polymer density distributions (solid) and proton distributions (dotted) for D = 2.5 nm. Density distribution of SO3 bead is dashed.</a:t>
+            </a:r>
+          </a:p>
+        </p:txBody>
+      </p:sp>
+      <p:pic>
+        <p:nvPicPr>
+          <p:cNvPr id="53" name="Picture 52">
+            <a:extLst>
+              <a:ext uri="{FF2B5EF4-FFF2-40B4-BE49-F238E27FC236}">
+                <a16:creationId xmlns:a16="http://schemas.microsoft.com/office/drawing/2014/main" id="{B7B9D77E-6B94-2932-DF86-57210AE5D47D}"/>
+              </a:ext>
+            </a:extLst>
+          </p:cNvPr>
+          <p:cNvPicPr>
+            <a:picLocks noChangeAspect="1"/>
+          </p:cNvPicPr>
+          <p:nvPr/>
+        </p:nvPicPr>
+        <p:blipFill>
+          <a:blip r:embed="rId3"/>
+          <a:stretch>
+            <a:fillRect/>
+          </a:stretch>
+        </p:blipFill>
+        <p:spPr>
+          <a:xfrm>
+            <a:off x="2918531" y="4048253"/>
+            <a:ext cx="2448155" cy="2003297"/>
+          </a:xfrm>
+          <a:prstGeom prst="rect">
+            <a:avLst/>
+          </a:prstGeom>
+        </p:spPr>
+      </p:pic>
       <p:grpSp>
         <p:nvGrpSpPr>
-          <p:cNvPr id="4" name="Group 3">
-            <a:extLst>
-              <a:ext uri="{FF2B5EF4-FFF2-40B4-BE49-F238E27FC236}">
-                <a16:creationId xmlns:a16="http://schemas.microsoft.com/office/drawing/2014/main" id="{37E94E90-87A9-6A5A-BBD0-4E29F3C93011}"/>
+          <p:cNvPr id="12" name="Group 11">
+            <a:extLst>
+              <a:ext uri="{FF2B5EF4-FFF2-40B4-BE49-F238E27FC236}">
+                <a16:creationId xmlns:a16="http://schemas.microsoft.com/office/drawing/2014/main" id="{3268FC29-D14D-7AA6-1859-D94C8C516DC2}"/>
               </a:ext>
             </a:extLst>
           </p:cNvPr>
@@ -5723,12 +5843,57 @@
         </p:nvGrpSpPr>
         <p:grpSpPr>
           <a:xfrm>
-            <a:off x="189879" y="3097444"/>
-            <a:ext cx="2673981" cy="2257257"/>
-            <a:chOff x="180441" y="3174628"/>
-            <a:chExt cx="2360996" cy="1993049"/>
+            <a:off x="72622" y="2779359"/>
+            <a:ext cx="2755073" cy="2417602"/>
+            <a:chOff x="0" y="3075559"/>
+            <a:chExt cx="2755073" cy="2417602"/>
           </a:xfrm>
         </p:grpSpPr>
+        <p:pic>
+          <p:nvPicPr>
+            <p:cNvPr id="1028" name="Picture 4">
+              <a:extLst>
+                <a:ext uri="{FF2B5EF4-FFF2-40B4-BE49-F238E27FC236}">
+                  <a16:creationId xmlns:a16="http://schemas.microsoft.com/office/drawing/2014/main" id="{B8AAB22A-3571-1322-AA4F-E9A425C73F7A}"/>
+                </a:ext>
+              </a:extLst>
+            </p:cNvPr>
+            <p:cNvPicPr>
+              <a:picLocks noChangeAspect="1" noChangeArrowheads="1"/>
+            </p:cNvPicPr>
+            <p:nvPr/>
+          </p:nvPicPr>
+          <p:blipFill rotWithShape="1">
+            <a:blip r:embed="rId4">
+              <a:extLst>
+                <a:ext uri="{28A0092B-C50C-407E-A947-70E740481C1C}">
+                  <a14:useLocalDpi xmlns:a14="http://schemas.microsoft.com/office/drawing/2010/main" val="0"/>
+                </a:ext>
+              </a:extLst>
+            </a:blip>
+            <a:srcRect t="10000" r="50000"/>
+            <a:stretch/>
+          </p:blipFill>
+          <p:spPr bwMode="auto">
+            <a:xfrm>
+              <a:off x="0" y="3285538"/>
+              <a:ext cx="2641600" cy="2207623"/>
+            </a:xfrm>
+            <a:prstGeom prst="rect">
+              <a:avLst/>
+            </a:prstGeom>
+            <a:noFill/>
+            <a:extLst>
+              <a:ext uri="{909E8E84-426E-40DD-AFC4-6F175D3DCCD1}">
+                <a14:hiddenFill xmlns:a14="http://schemas.microsoft.com/office/drawing/2010/main">
+                  <a:solidFill>
+                    <a:srgbClr val="FFFFFF"/>
+                  </a:solidFill>
+                </a14:hiddenFill>
+              </a:ext>
+            </a:extLst>
+          </p:spPr>
+        </p:pic>
         <p:pic>
           <p:nvPicPr>
             <p:cNvPr id="1048" name="Picture 24">
@@ -5743,23 +5908,21 @@
             </p:cNvPicPr>
             <p:nvPr/>
           </p:nvPicPr>
-          <p:blipFill>
-            <a:blip r:embed="rId3">
+          <p:blipFill rotWithShape="1">
+            <a:blip r:embed="rId5">
               <a:extLst>
                 <a:ext uri="{28A0092B-C50C-407E-A947-70E740481C1C}">
                   <a14:useLocalDpi xmlns:a14="http://schemas.microsoft.com/office/drawing/2010/main" val="0"/>
                 </a:ext>
               </a:extLst>
             </a:blip>
-            <a:srcRect/>
-            <a:stretch>
-              <a:fillRect/>
-            </a:stretch>
+            <a:srcRect b="90698"/>
+            <a:stretch/>
           </p:blipFill>
           <p:spPr bwMode="auto">
             <a:xfrm>
-              <a:off x="180441" y="3174628"/>
-              <a:ext cx="2360996" cy="1993049"/>
+              <a:off x="81092" y="3075559"/>
+              <a:ext cx="2673981" cy="209979"/>
             </a:xfrm>
             <a:prstGeom prst="rect">
               <a:avLst/>
@@ -5785,13 +5948,15 @@
                 </a:ext>
               </a:extLst>
             </p:cNvPr>
-            <p:cNvCxnSpPr/>
+            <p:cNvCxnSpPr>
+              <a:cxnSpLocks/>
+            </p:cNvCxnSpPr>
             <p:nvPr/>
           </p:nvCxnSpPr>
           <p:spPr>
             <a:xfrm flipV="1">
-              <a:off x="926193" y="4075713"/>
-              <a:ext cx="533400" cy="601134"/>
+              <a:off x="710058" y="4222970"/>
+              <a:ext cx="466809" cy="698883"/>
             </a:xfrm>
             <a:prstGeom prst="straightConnector1">
               <a:avLst/>
@@ -5833,15 +5998,45 @@
             <p:nvPr/>
           </p:nvPicPr>
           <p:blipFill>
-            <a:blip r:embed="rId4"/>
+            <a:blip r:embed="rId6"/>
             <a:stretch>
               <a:fillRect/>
             </a:stretch>
           </p:blipFill>
           <p:spPr>
             <a:xfrm>
-              <a:off x="1511475" y="3964259"/>
-              <a:ext cx="186227" cy="117617"/>
+              <a:off x="1215076" y="4052473"/>
+              <a:ext cx="210914" cy="133209"/>
+            </a:xfrm>
+            <a:prstGeom prst="rect">
+              <a:avLst/>
+            </a:prstGeom>
+          </p:spPr>
+        </p:pic>
+        <p:pic>
+          <p:nvPicPr>
+            <p:cNvPr id="10" name="Picture 9">
+              <a:extLst>
+                <a:ext uri="{FF2B5EF4-FFF2-40B4-BE49-F238E27FC236}">
+                  <a16:creationId xmlns:a16="http://schemas.microsoft.com/office/drawing/2014/main" id="{FC7E66AD-946C-9D61-99A9-00225B560769}"/>
+                </a:ext>
+              </a:extLst>
+            </p:cNvPr>
+            <p:cNvPicPr>
+              <a:picLocks noChangeAspect="1"/>
+            </p:cNvPicPr>
+            <p:nvPr/>
+          </p:nvPicPr>
+          <p:blipFill>
+            <a:blip r:embed="rId7"/>
+            <a:stretch>
+              <a:fillRect/>
+            </a:stretch>
+          </p:blipFill>
+          <p:spPr>
+            <a:xfrm>
+              <a:off x="1869686" y="3428361"/>
+              <a:ext cx="550516" cy="1116322"/>
             </a:xfrm>
             <a:prstGeom prst="rect">
               <a:avLst/>
@@ -5849,156 +6044,6 @@
           </p:spPr>
         </p:pic>
       </p:grpSp>
-      <p:sp>
-        <p:nvSpPr>
-          <p:cNvPr id="8" name="TextBox 7">
-            <a:extLst>
-              <a:ext uri="{FF2B5EF4-FFF2-40B4-BE49-F238E27FC236}">
-                <a16:creationId xmlns:a16="http://schemas.microsoft.com/office/drawing/2014/main" id="{7EFDBFF7-5F91-79C6-D4F1-4EF337CB565F}"/>
-              </a:ext>
-            </a:extLst>
-          </p:cNvPr>
-          <p:cNvSpPr txBox="1"/>
-          <p:nvPr/>
-        </p:nvSpPr>
-        <p:spPr>
-          <a:xfrm>
-            <a:off x="6642744" y="1522843"/>
-            <a:ext cx="5401734" cy="3970318"/>
-          </a:xfrm>
-          <a:prstGeom prst="rect">
-            <a:avLst/>
-          </a:prstGeom>
-          <a:noFill/>
-        </p:spPr>
-        <p:txBody>
-          <a:bodyPr wrap="square" rtlCol="0">
-            <a:spAutoFit/>
-          </a:bodyPr>
-          <a:lstStyle/>
-          <a:p>
-            <a:r>
-              <a:rPr lang="en-US" dirty="0"/>
-              <a:t>Model: “grafting surface” is bulk membrane/thin film; only considering elasticity of sidechains</a:t>
-            </a:r>
-          </a:p>
-          <a:p>
-            <a:endParaRPr lang="en-US" dirty="0"/>
-          </a:p>
-          <a:p>
-            <a:pPr marL="285750" indent="-285750">
-              <a:buFont typeface="Arial" panose="020B0604020202020204" pitchFamily="34" charset="0"/>
-              <a:buChar char="•"/>
-            </a:pPr>
-            <a:r>
-              <a:rPr lang="en-US" dirty="0"/>
-              <a:t>True grafting density unknown, 7.31 c/nm</a:t>
-            </a:r>
-            <a:r>
-              <a:rPr lang="en-US" baseline="30000" dirty="0"/>
-              <a:t>2</a:t>
-            </a:r>
-            <a:r>
-              <a:rPr lang="en-US" dirty="0"/>
-              <a:t> is approximately the density of sidechains based on the random walk of its backbone</a:t>
-            </a:r>
-          </a:p>
-          <a:p>
-            <a:pPr marL="742950" lvl="1" indent="-285750">
-              <a:buFont typeface="Arial" panose="020B0604020202020204" pitchFamily="34" charset="0"/>
-              <a:buChar char="•"/>
-            </a:pPr>
-            <a:endParaRPr lang="en-US" dirty="0"/>
-          </a:p>
-          <a:p>
-            <a:pPr marL="285750" indent="-285750">
-              <a:buFont typeface="Arial" panose="020B0604020202020204" pitchFamily="34" charset="0"/>
-              <a:buChar char="•"/>
-            </a:pPr>
-            <a:r>
-              <a:rPr lang="en-US" dirty="0"/>
-              <a:t>(Left) Density of polymer on Pt surface as a function of membrane–Pt separation distance. Colors indicate Pt surface charge density</a:t>
-            </a:r>
-          </a:p>
-          <a:p>
-            <a:pPr marL="285750" indent="-285750">
-              <a:buFont typeface="Arial" panose="020B0604020202020204" pitchFamily="34" charset="0"/>
-              <a:buChar char="•"/>
-            </a:pPr>
-            <a:endParaRPr lang="en-US" dirty="0"/>
-          </a:p>
-          <a:p>
-            <a:pPr marL="285750" indent="-285750">
-              <a:buFont typeface="Arial" panose="020B0604020202020204" pitchFamily="34" charset="0"/>
-              <a:buChar char="•"/>
-            </a:pPr>
-            <a:r>
-              <a:rPr lang="en-US" dirty="0"/>
-              <a:t>(Right) Polymer density distributions (solid) and proton distributions (dotted) for D = 2.5 nm. Density distribution of SO3 bead is dashed.</a:t>
-            </a:r>
-          </a:p>
-        </p:txBody>
-      </p:sp>
-      <p:pic>
-        <p:nvPicPr>
-          <p:cNvPr id="53" name="Picture 52">
-            <a:extLst>
-              <a:ext uri="{FF2B5EF4-FFF2-40B4-BE49-F238E27FC236}">
-                <a16:creationId xmlns:a16="http://schemas.microsoft.com/office/drawing/2014/main" id="{B7B9D77E-6B94-2932-DF86-57210AE5D47D}"/>
-              </a:ext>
-            </a:extLst>
-          </p:cNvPr>
-          <p:cNvPicPr>
-            <a:picLocks noChangeAspect="1"/>
-          </p:cNvPicPr>
-          <p:nvPr/>
-        </p:nvPicPr>
-        <p:blipFill>
-          <a:blip r:embed="rId5"/>
-          <a:stretch>
-            <a:fillRect/>
-          </a:stretch>
-        </p:blipFill>
-        <p:spPr>
-          <a:xfrm>
-            <a:off x="3011664" y="4353053"/>
-            <a:ext cx="2448155" cy="2003297"/>
-          </a:xfrm>
-          <a:prstGeom prst="rect">
-            <a:avLst/>
-          </a:prstGeom>
-        </p:spPr>
-      </p:pic>
-      <p:pic>
-        <p:nvPicPr>
-          <p:cNvPr id="10" name="Picture 9">
-            <a:extLst>
-              <a:ext uri="{FF2B5EF4-FFF2-40B4-BE49-F238E27FC236}">
-                <a16:creationId xmlns:a16="http://schemas.microsoft.com/office/drawing/2014/main" id="{FC7E66AD-946C-9D61-99A9-00225B560769}"/>
-              </a:ext>
-            </a:extLst>
-          </p:cNvPr>
-          <p:cNvPicPr>
-            <a:picLocks noChangeAspect="1"/>
-          </p:cNvPicPr>
-          <p:nvPr/>
-        </p:nvPicPr>
-        <p:blipFill>
-          <a:blip r:embed="rId6"/>
-          <a:stretch>
-            <a:fillRect/>
-          </a:stretch>
-        </p:blipFill>
-        <p:spPr>
-          <a:xfrm>
-            <a:off x="2163233" y="3429000"/>
-            <a:ext cx="550516" cy="1116322"/>
-          </a:xfrm>
-          <a:prstGeom prst="rect">
-            <a:avLst/>
-          </a:prstGeom>
-        </p:spPr>
-      </p:pic>
     </p:spTree>
     <p:extLst>
       <p:ext uri="{BB962C8B-B14F-4D97-AF65-F5344CB8AC3E}">
@@ -6188,8 +6233,8 @@
         </p:nvSpPr>
         <p:spPr>
           <a:xfrm>
-            <a:off x="6011333" y="1542852"/>
-            <a:ext cx="5918200" cy="4616648"/>
+            <a:off x="5960533" y="2031381"/>
+            <a:ext cx="5918200" cy="3754874"/>
           </a:xfrm>
           <a:prstGeom prst="rect">
             <a:avLst/>
@@ -6202,17 +6247,6 @@
           </a:bodyPr>
           <a:lstStyle/>
           <a:p>
-            <a:pPr>
-              <a:spcAft>
-                <a:spcPts val="1200"/>
-              </a:spcAft>
-            </a:pPr>
-            <a:r>
-              <a:rPr lang="en-US" dirty="0"/>
-              <a:t>Discussion</a:t>
-            </a:r>
-          </a:p>
-          <a:p>
             <a:pPr marL="285750" indent="-285750">
               <a:spcAft>
                 <a:spcPts val="1200"/>
@@ -6360,16 +6394,6 @@
               <a:rPr lang="en-US" dirty="0"/>
               <a:t>, elastic penalties become dominant.</a:t>
             </a:r>
-          </a:p>
-          <a:p>
-            <a:pPr marL="285750" indent="-285750">
-              <a:spcAft>
-                <a:spcPts val="1200"/>
-              </a:spcAft>
-              <a:buFont typeface="Arial" panose="020B0604020202020204" pitchFamily="34" charset="0"/>
-              <a:buChar char="•"/>
-            </a:pPr>
-            <a:endParaRPr lang="en-US" dirty="0"/>
           </a:p>
         </p:txBody>
       </p:sp>

--- a/NAF.pptx
+++ b/NAF.pptx
@@ -5,7 +5,7 @@
     <p:sldMasterId id="2147483648" r:id="rId1"/>
   </p:sldMasterIdLst>
   <p:notesMasterIdLst>
-    <p:notesMasterId r:id="rId9"/>
+    <p:notesMasterId r:id="rId7"/>
   </p:notesMasterIdLst>
   <p:sldIdLst>
     <p:sldId id="256" r:id="rId2"/>
@@ -13,8 +13,6 @@
     <p:sldId id="258" r:id="rId4"/>
     <p:sldId id="257" r:id="rId5"/>
     <p:sldId id="262" r:id="rId6"/>
-    <p:sldId id="260" r:id="rId7"/>
-    <p:sldId id="261" r:id="rId8"/>
   </p:sldIdLst>
   <p:sldSz cx="12192000" cy="6858000"/>
   <p:notesSz cx="6858000" cy="9144000"/>
@@ -203,7 +201,7 @@
           <a:p>
             <a:fld id="{4299902A-6DB3-4A13-9B91-BEABFDA2FC16}" type="datetimeFigureOut">
               <a:rPr lang="en-US" smtClean="0"/>
-              <a:t>6/19/2024</a:t>
+              <a:t>6/21/2024</a:t>
             </a:fld>
             <a:endParaRPr lang="en-US"/>
           </a:p>
@@ -6233,8 +6231,8 @@
         </p:nvSpPr>
         <p:spPr>
           <a:xfrm>
-            <a:off x="5960533" y="2031381"/>
-            <a:ext cx="5918200" cy="3754874"/>
+            <a:off x="5985933" y="1342798"/>
+            <a:ext cx="5918200" cy="5016758"/>
           </a:xfrm>
           <a:prstGeom prst="rect">
             <a:avLst/>
@@ -6376,7 +6374,15 @@
             </a:r>
             <a:r>
               <a:rPr lang="en-US" dirty="0"/>
-              <a:t>/cm2. As surface charge increases, electrostatic interactions outweigh elastic penalties. At 10 </a:t>
+              <a:t>/cm</a:t>
+            </a:r>
+            <a:r>
+              <a:rPr lang="en-US" baseline="30000" dirty="0"/>
+              <a:t>2</a:t>
+            </a:r>
+            <a:r>
+              <a:rPr lang="en-US" dirty="0"/>
+              <a:t>. For &lt; 10 </a:t>
             </a:r>
             <a:r>
               <a:rPr lang="en-US" dirty="0" err="1"/>
@@ -6392,8 +6398,50 @@
             </a:r>
             <a:r>
               <a:rPr lang="en-US" dirty="0"/>
-              <a:t>, elastic penalties become dominant.</a:t>
-            </a:r>
+              <a:t>, electrostatic interactions outweigh elastic penalties and lower D is favorable. At 10 </a:t>
+            </a:r>
+            <a:r>
+              <a:rPr lang="en-US" dirty="0" err="1"/>
+              <a:t>uC</a:t>
+            </a:r>
+            <a:r>
+              <a:rPr lang="en-US" dirty="0"/>
+              <a:t>/cm</a:t>
+            </a:r>
+            <a:r>
+              <a:rPr lang="en-US" baseline="30000" dirty="0"/>
+              <a:t>2</a:t>
+            </a:r>
+            <a:r>
+              <a:rPr lang="en-US" dirty="0"/>
+              <a:t>, elastic penalties become dominant and higher D is favorable.</a:t>
+            </a:r>
+          </a:p>
+          <a:p>
+            <a:pPr marL="742950" lvl="1" indent="-285750">
+              <a:spcAft>
+                <a:spcPts val="1200"/>
+              </a:spcAft>
+              <a:buFont typeface="Arial" panose="020B0604020202020204" pitchFamily="34" charset="0"/>
+              <a:buChar char="•"/>
+            </a:pPr>
+            <a:r>
+              <a:rPr lang="en-US" dirty="0"/>
+              <a:t>Takeaway: competition between elastic stretching of sidearms and electrostatic attraction balances at 7 </a:t>
+            </a:r>
+            <a:r>
+              <a:rPr lang="en-US" dirty="0" err="1"/>
+              <a:t>uC</a:t>
+            </a:r>
+            <a:r>
+              <a:rPr lang="en-US" dirty="0"/>
+              <a:t>/cm</a:t>
+            </a:r>
+            <a:r>
+              <a:rPr lang="en-US" baseline="30000" dirty="0"/>
+              <a:t>2</a:t>
+            </a:r>
+            <a:endParaRPr lang="en-US" dirty="0"/>
           </a:p>
         </p:txBody>
       </p:sp>
@@ -6569,794 +6617,6 @@
     <p:extLst>
       <p:ext uri="{BB962C8B-B14F-4D97-AF65-F5344CB8AC3E}">
         <p14:creationId xmlns:p14="http://schemas.microsoft.com/office/powerpoint/2010/main" val="2878993254"/>
-      </p:ext>
-    </p:extLst>
-  </p:cSld>
-  <p:clrMapOvr>
-    <a:masterClrMapping/>
-  </p:clrMapOvr>
-</p:sld>
-</file>
-
-<file path=ppt/slides/slide6.xml><?xml version="1.0" encoding="utf-8"?>
-<p:sld xmlns:a="http://schemas.openxmlformats.org/drawingml/2006/main" xmlns:r="http://schemas.openxmlformats.org/officeDocument/2006/relationships" xmlns:p="http://schemas.openxmlformats.org/presentationml/2006/main">
-  <p:cSld>
-    <p:spTree>
-      <p:nvGrpSpPr>
-        <p:cNvPr id="1" name=""/>
-        <p:cNvGrpSpPr/>
-        <p:nvPr/>
-      </p:nvGrpSpPr>
-      <p:grpSpPr>
-        <a:xfrm>
-          <a:off x="0" y="0"/>
-          <a:ext cx="0" cy="0"/>
-          <a:chOff x="0" y="0"/>
-          <a:chExt cx="0" cy="0"/>
-        </a:xfrm>
-      </p:grpSpPr>
-      <p:sp>
-        <p:nvSpPr>
-          <p:cNvPr id="2" name="Title 1">
-            <a:extLst>
-              <a:ext uri="{FF2B5EF4-FFF2-40B4-BE49-F238E27FC236}">
-                <a16:creationId xmlns:a16="http://schemas.microsoft.com/office/drawing/2014/main" id="{F45F6949-87CE-7A3F-307C-5A1024AB86E7}"/>
-              </a:ext>
-            </a:extLst>
-          </p:cNvPr>
-          <p:cNvSpPr>
-            <a:spLocks noGrp="1"/>
-          </p:cNvSpPr>
-          <p:nvPr>
-            <p:ph type="title"/>
-          </p:nvPr>
-        </p:nvSpPr>
-        <p:spPr/>
-        <p:txBody>
-          <a:bodyPr/>
-          <a:lstStyle/>
-          <a:p>
-            <a:r>
-              <a:rPr lang="en-US" dirty="0"/>
-              <a:t>Notes</a:t>
-            </a:r>
-          </a:p>
-        </p:txBody>
-      </p:sp>
-      <p:sp>
-        <p:nvSpPr>
-          <p:cNvPr id="3" name="Content Placeholder 2">
-            <a:extLst>
-              <a:ext uri="{FF2B5EF4-FFF2-40B4-BE49-F238E27FC236}">
-                <a16:creationId xmlns:a16="http://schemas.microsoft.com/office/drawing/2014/main" id="{3271A915-9ED1-E592-EA0E-285BC9A3E70E}"/>
-              </a:ext>
-            </a:extLst>
-          </p:cNvPr>
-          <p:cNvSpPr>
-            <a:spLocks noGrp="1"/>
-          </p:cNvSpPr>
-          <p:nvPr>
-            <p:ph idx="1"/>
-          </p:nvPr>
-        </p:nvSpPr>
-        <p:spPr/>
-        <p:txBody>
-          <a:bodyPr/>
-          <a:lstStyle/>
-          <a:p>
-            <a:r>
-              <a:rPr lang="en-US" dirty="0"/>
-              <a:t>\</a:t>
-            </a:r>
-          </a:p>
-          <a:p>
-            <a:r>
-              <a:rPr lang="en-US" dirty="0"/>
-              <a:t>SWITCH TO DGC SOON – thread </a:t>
-            </a:r>
-            <a:r>
-              <a:rPr lang="en-US" dirty="0" err="1"/>
-              <a:t>dne</a:t>
-            </a:r>
-            <a:r>
-              <a:rPr lang="en-US" dirty="0"/>
-              <a:t> bead-spring at N = 2</a:t>
-            </a:r>
-          </a:p>
-        </p:txBody>
-      </p:sp>
-      <p:sp>
-        <p:nvSpPr>
-          <p:cNvPr id="4" name="Slide Number Placeholder 3">
-            <a:extLst>
-              <a:ext uri="{FF2B5EF4-FFF2-40B4-BE49-F238E27FC236}">
-                <a16:creationId xmlns:a16="http://schemas.microsoft.com/office/drawing/2014/main" id="{A3BF3B21-6169-3018-6969-075EE6DA91CF}"/>
-              </a:ext>
-            </a:extLst>
-          </p:cNvPr>
-          <p:cNvSpPr>
-            <a:spLocks noGrp="1"/>
-          </p:cNvSpPr>
-          <p:nvPr>
-            <p:ph type="sldNum" sz="quarter" idx="12"/>
-          </p:nvPr>
-        </p:nvSpPr>
-        <p:spPr/>
-        <p:txBody>
-          <a:bodyPr/>
-          <a:lstStyle/>
-          <a:p>
-            <a:fld id="{5911C0E6-D9CE-431C-92CB-BB39B872F930}" type="slidenum">
-              <a:rPr lang="en-US" smtClean="0"/>
-              <a:t>6</a:t>
-            </a:fld>
-            <a:endParaRPr lang="en-US"/>
-          </a:p>
-        </p:txBody>
-      </p:sp>
-      <p:grpSp>
-        <p:nvGrpSpPr>
-          <p:cNvPr id="5" name="Group 4">
-            <a:extLst>
-              <a:ext uri="{FF2B5EF4-FFF2-40B4-BE49-F238E27FC236}">
-                <a16:creationId xmlns:a16="http://schemas.microsoft.com/office/drawing/2014/main" id="{34917C20-6633-1F1D-F407-354160A2BF3B}"/>
-              </a:ext>
-            </a:extLst>
-          </p:cNvPr>
-          <p:cNvGrpSpPr/>
-          <p:nvPr/>
-        </p:nvGrpSpPr>
-        <p:grpSpPr>
-          <a:xfrm>
-            <a:off x="7741175" y="1081157"/>
-            <a:ext cx="2360996" cy="5262768"/>
-            <a:chOff x="7430102" y="1397013"/>
-            <a:chExt cx="2360996" cy="5262768"/>
-          </a:xfrm>
-        </p:grpSpPr>
-        <p:pic>
-          <p:nvPicPr>
-            <p:cNvPr id="6" name="Picture 22">
-              <a:extLst>
-                <a:ext uri="{FF2B5EF4-FFF2-40B4-BE49-F238E27FC236}">
-                  <a16:creationId xmlns:a16="http://schemas.microsoft.com/office/drawing/2014/main" id="{24F15250-7E1C-8E7F-A17B-6CD3C7DD0A99}"/>
-                </a:ext>
-              </a:extLst>
-            </p:cNvPr>
-            <p:cNvPicPr>
-              <a:picLocks noChangeAspect="1" noChangeArrowheads="1"/>
-            </p:cNvPicPr>
-            <p:nvPr/>
-          </p:nvPicPr>
-          <p:blipFill>
-            <a:blip r:embed="rId2">
-              <a:extLst>
-                <a:ext uri="{28A0092B-C50C-407E-A947-70E740481C1C}">
-                  <a14:useLocalDpi xmlns:a14="http://schemas.microsoft.com/office/drawing/2010/main" val="0"/>
-                </a:ext>
-              </a:extLst>
-            </a:blip>
-            <a:srcRect/>
-            <a:stretch>
-              <a:fillRect/>
-            </a:stretch>
-          </p:blipFill>
-          <p:spPr bwMode="auto">
-            <a:xfrm>
-              <a:off x="7430102" y="1397013"/>
-              <a:ext cx="2360996" cy="1993049"/>
-            </a:xfrm>
-            <a:prstGeom prst="rect">
-              <a:avLst/>
-            </a:prstGeom>
-            <a:noFill/>
-            <a:extLst>
-              <a:ext uri="{909E8E84-426E-40DD-AFC4-6F175D3DCCD1}">
-                <a14:hiddenFill xmlns:a14="http://schemas.microsoft.com/office/drawing/2010/main">
-                  <a:solidFill>
-                    <a:srgbClr val="FFFFFF"/>
-                  </a:solidFill>
-                </a14:hiddenFill>
-              </a:ext>
-            </a:extLst>
-          </p:spPr>
-        </p:pic>
-        <p:pic>
-          <p:nvPicPr>
-            <p:cNvPr id="7" name="Picture 24">
-              <a:extLst>
-                <a:ext uri="{FF2B5EF4-FFF2-40B4-BE49-F238E27FC236}">
-                  <a16:creationId xmlns:a16="http://schemas.microsoft.com/office/drawing/2014/main" id="{A82EE2D3-4039-EA00-BF6F-0C3BF6B8ABEA}"/>
-                </a:ext>
-              </a:extLst>
-            </p:cNvPr>
-            <p:cNvPicPr>
-              <a:picLocks noChangeAspect="1" noChangeArrowheads="1"/>
-            </p:cNvPicPr>
-            <p:nvPr/>
-          </p:nvPicPr>
-          <p:blipFill>
-            <a:blip r:embed="rId3">
-              <a:extLst>
-                <a:ext uri="{28A0092B-C50C-407E-A947-70E740481C1C}">
-                  <a14:useLocalDpi xmlns:a14="http://schemas.microsoft.com/office/drawing/2010/main" val="0"/>
-                </a:ext>
-              </a:extLst>
-            </a:blip>
-            <a:srcRect/>
-            <a:stretch>
-              <a:fillRect/>
-            </a:stretch>
-          </p:blipFill>
-          <p:spPr bwMode="auto">
-            <a:xfrm>
-              <a:off x="7430102" y="3050691"/>
-              <a:ext cx="2360996" cy="1993049"/>
-            </a:xfrm>
-            <a:prstGeom prst="rect">
-              <a:avLst/>
-            </a:prstGeom>
-            <a:noFill/>
-            <a:extLst>
-              <a:ext uri="{909E8E84-426E-40DD-AFC4-6F175D3DCCD1}">
-                <a14:hiddenFill xmlns:a14="http://schemas.microsoft.com/office/drawing/2010/main">
-                  <a:solidFill>
-                    <a:srgbClr val="FFFFFF"/>
-                  </a:solidFill>
-                </a14:hiddenFill>
-              </a:ext>
-            </a:extLst>
-          </p:spPr>
-        </p:pic>
-        <p:pic>
-          <p:nvPicPr>
-            <p:cNvPr id="8" name="Picture 26">
-              <a:extLst>
-                <a:ext uri="{FF2B5EF4-FFF2-40B4-BE49-F238E27FC236}">
-                  <a16:creationId xmlns:a16="http://schemas.microsoft.com/office/drawing/2014/main" id="{BAC0C7CD-C401-10DF-6095-6AD271C3F653}"/>
-                </a:ext>
-              </a:extLst>
-            </p:cNvPr>
-            <p:cNvPicPr>
-              <a:picLocks noChangeAspect="1" noChangeArrowheads="1"/>
-            </p:cNvPicPr>
-            <p:nvPr/>
-          </p:nvPicPr>
-          <p:blipFill>
-            <a:blip r:embed="rId4">
-              <a:extLst>
-                <a:ext uri="{28A0092B-C50C-407E-A947-70E740481C1C}">
-                  <a14:useLocalDpi xmlns:a14="http://schemas.microsoft.com/office/drawing/2010/main" val="0"/>
-                </a:ext>
-              </a:extLst>
-            </a:blip>
-            <a:srcRect/>
-            <a:stretch>
-              <a:fillRect/>
-            </a:stretch>
-          </p:blipFill>
-          <p:spPr bwMode="auto">
-            <a:xfrm>
-              <a:off x="7544901" y="4725969"/>
-              <a:ext cx="2246197" cy="1933812"/>
-            </a:xfrm>
-            <a:prstGeom prst="rect">
-              <a:avLst/>
-            </a:prstGeom>
-            <a:noFill/>
-            <a:extLst>
-              <a:ext uri="{909E8E84-426E-40DD-AFC4-6F175D3DCCD1}">
-                <a14:hiddenFill xmlns:a14="http://schemas.microsoft.com/office/drawing/2010/main">
-                  <a:solidFill>
-                    <a:srgbClr val="FFFFFF"/>
-                  </a:solidFill>
-                </a14:hiddenFill>
-              </a:ext>
-            </a:extLst>
-          </p:spPr>
-        </p:pic>
-      </p:grpSp>
-    </p:spTree>
-    <p:extLst>
-      <p:ext uri="{BB962C8B-B14F-4D97-AF65-F5344CB8AC3E}">
-        <p14:creationId xmlns:p14="http://schemas.microsoft.com/office/powerpoint/2010/main" val="3368368083"/>
-      </p:ext>
-    </p:extLst>
-  </p:cSld>
-  <p:clrMapOvr>
-    <a:masterClrMapping/>
-  </p:clrMapOvr>
-</p:sld>
-</file>
-
-<file path=ppt/slides/slide7.xml><?xml version="1.0" encoding="utf-8"?>
-<p:sld xmlns:a="http://schemas.openxmlformats.org/drawingml/2006/main" xmlns:r="http://schemas.openxmlformats.org/officeDocument/2006/relationships" xmlns:p="http://schemas.openxmlformats.org/presentationml/2006/main">
-  <p:cSld>
-    <p:spTree>
-      <p:nvGrpSpPr>
-        <p:cNvPr id="1" name=""/>
-        <p:cNvGrpSpPr/>
-        <p:nvPr/>
-      </p:nvGrpSpPr>
-      <p:grpSpPr>
-        <a:xfrm>
-          <a:off x="0" y="0"/>
-          <a:ext cx="0" cy="0"/>
-          <a:chOff x="0" y="0"/>
-          <a:chExt cx="0" cy="0"/>
-        </a:xfrm>
-      </p:grpSpPr>
-      <p:sp>
-        <p:nvSpPr>
-          <p:cNvPr id="2" name="Title 1">
-            <a:extLst>
-              <a:ext uri="{FF2B5EF4-FFF2-40B4-BE49-F238E27FC236}">
-                <a16:creationId xmlns:a16="http://schemas.microsoft.com/office/drawing/2014/main" id="{2427D711-D061-3623-3F75-C98942371E89}"/>
-              </a:ext>
-            </a:extLst>
-          </p:cNvPr>
-          <p:cNvSpPr>
-            <a:spLocks noGrp="1"/>
-          </p:cNvSpPr>
-          <p:nvPr>
-            <p:ph type="title"/>
-          </p:nvPr>
-        </p:nvSpPr>
-        <p:spPr/>
-        <p:txBody>
-          <a:bodyPr/>
-          <a:lstStyle/>
-          <a:p>
-            <a:r>
-              <a:rPr lang="en-US" dirty="0"/>
-              <a:t>Other</a:t>
-            </a:r>
-          </a:p>
-        </p:txBody>
-      </p:sp>
-      <p:sp>
-        <p:nvSpPr>
-          <p:cNvPr id="3" name="Slide Number Placeholder 2">
-            <a:extLst>
-              <a:ext uri="{FF2B5EF4-FFF2-40B4-BE49-F238E27FC236}">
-                <a16:creationId xmlns:a16="http://schemas.microsoft.com/office/drawing/2014/main" id="{093D3702-41E8-DFF4-0903-A1DD36D6C532}"/>
-              </a:ext>
-            </a:extLst>
-          </p:cNvPr>
-          <p:cNvSpPr>
-            <a:spLocks noGrp="1"/>
-          </p:cNvSpPr>
-          <p:nvPr>
-            <p:ph type="sldNum" sz="quarter" idx="12"/>
-          </p:nvPr>
-        </p:nvSpPr>
-        <p:spPr/>
-        <p:txBody>
-          <a:bodyPr/>
-          <a:lstStyle/>
-          <a:p>
-            <a:fld id="{5911C0E6-D9CE-431C-92CB-BB39B872F930}" type="slidenum">
-              <a:rPr lang="en-US" smtClean="0"/>
-              <a:t>7</a:t>
-            </a:fld>
-            <a:endParaRPr lang="en-US"/>
-          </a:p>
-        </p:txBody>
-      </p:sp>
-      <p:sp>
-        <p:nvSpPr>
-          <p:cNvPr id="4" name="TextBox 3">
-            <a:extLst>
-              <a:ext uri="{FF2B5EF4-FFF2-40B4-BE49-F238E27FC236}">
-                <a16:creationId xmlns:a16="http://schemas.microsoft.com/office/drawing/2014/main" id="{BA57B694-7FAA-B47B-4669-4DE86E38ECC0}"/>
-              </a:ext>
-            </a:extLst>
-          </p:cNvPr>
-          <p:cNvSpPr txBox="1"/>
-          <p:nvPr/>
-        </p:nvSpPr>
-        <p:spPr>
-          <a:xfrm>
-            <a:off x="716034" y="1033686"/>
-            <a:ext cx="1684868" cy="369332"/>
-          </a:xfrm>
-          <a:prstGeom prst="rect">
-            <a:avLst/>
-          </a:prstGeom>
-          <a:noFill/>
-        </p:spPr>
-        <p:txBody>
-          <a:bodyPr wrap="square" rtlCol="0">
-            <a:spAutoFit/>
-          </a:bodyPr>
-          <a:lstStyle/>
-          <a:p>
-            <a:r>
-              <a:rPr lang="en-US" dirty="0"/>
-              <a:t>1e−07 M (pH 7)</a:t>
-            </a:r>
-          </a:p>
-        </p:txBody>
-      </p:sp>
-      <p:grpSp>
-        <p:nvGrpSpPr>
-          <p:cNvPr id="22" name="Group 21">
-            <a:extLst>
-              <a:ext uri="{FF2B5EF4-FFF2-40B4-BE49-F238E27FC236}">
-                <a16:creationId xmlns:a16="http://schemas.microsoft.com/office/drawing/2014/main" id="{D6DA19A7-B8F9-6B1C-557F-2D12BA0016C8}"/>
-              </a:ext>
-            </a:extLst>
-          </p:cNvPr>
-          <p:cNvGrpSpPr/>
-          <p:nvPr/>
-        </p:nvGrpSpPr>
-        <p:grpSpPr>
-          <a:xfrm>
-            <a:off x="228601" y="1466160"/>
-            <a:ext cx="2338000" cy="5329750"/>
-            <a:chOff x="228601" y="1466160"/>
-            <a:chExt cx="2338000" cy="5329750"/>
-          </a:xfrm>
-        </p:grpSpPr>
-        <p:grpSp>
-          <p:nvGrpSpPr>
-            <p:cNvPr id="11" name="Group 10">
-              <a:extLst>
-                <a:ext uri="{FF2B5EF4-FFF2-40B4-BE49-F238E27FC236}">
-                  <a16:creationId xmlns:a16="http://schemas.microsoft.com/office/drawing/2014/main" id="{2F301B5F-6F70-6D69-A70D-77D33F928E99}"/>
-                </a:ext>
-              </a:extLst>
-            </p:cNvPr>
-            <p:cNvGrpSpPr/>
-            <p:nvPr/>
-          </p:nvGrpSpPr>
-          <p:grpSpPr>
-            <a:xfrm>
-              <a:off x="228601" y="1466160"/>
-              <a:ext cx="2338000" cy="5329750"/>
-              <a:chOff x="799888" y="1483135"/>
-              <a:chExt cx="2338000" cy="5329750"/>
-            </a:xfrm>
-          </p:grpSpPr>
-          <p:pic>
-            <p:nvPicPr>
-              <p:cNvPr id="1038" name="Picture 14">
-                <a:extLst>
-                  <a:ext uri="{FF2B5EF4-FFF2-40B4-BE49-F238E27FC236}">
-                    <a16:creationId xmlns:a16="http://schemas.microsoft.com/office/drawing/2014/main" id="{508B47B9-7FC5-936E-DBD2-B373CDA73E60}"/>
-                  </a:ext>
-                </a:extLst>
-              </p:cNvPr>
-              <p:cNvPicPr>
-                <a:picLocks noChangeAspect="1" noChangeArrowheads="1"/>
-              </p:cNvPicPr>
-              <p:nvPr/>
-            </p:nvPicPr>
-            <p:blipFill>
-              <a:blip r:embed="rId2">
-                <a:extLst>
-                  <a:ext uri="{28A0092B-C50C-407E-A947-70E740481C1C}">
-                    <a14:useLocalDpi xmlns:a14="http://schemas.microsoft.com/office/drawing/2010/main" val="0"/>
-                  </a:ext>
-                </a:extLst>
-              </a:blip>
-              <a:srcRect/>
-              <a:stretch>
-                <a:fillRect/>
-              </a:stretch>
-            </p:blipFill>
-            <p:spPr bwMode="auto">
-              <a:xfrm>
-                <a:off x="799888" y="1483135"/>
-                <a:ext cx="2338000" cy="1993049"/>
-              </a:xfrm>
-              <a:prstGeom prst="rect">
-                <a:avLst/>
-              </a:prstGeom>
-              <a:noFill/>
-              <a:extLst>
-                <a:ext uri="{909E8E84-426E-40DD-AFC4-6F175D3DCCD1}">
-                  <a14:hiddenFill xmlns:a14="http://schemas.microsoft.com/office/drawing/2010/main">
-                    <a:solidFill>
-                      <a:srgbClr val="FFFFFF"/>
-                    </a:solidFill>
-                  </a14:hiddenFill>
-                </a:ext>
-              </a:extLst>
-            </p:spPr>
-          </p:pic>
-          <p:pic>
-            <p:nvPicPr>
-              <p:cNvPr id="1036" name="Picture 12">
-                <a:extLst>
-                  <a:ext uri="{FF2B5EF4-FFF2-40B4-BE49-F238E27FC236}">
-                    <a16:creationId xmlns:a16="http://schemas.microsoft.com/office/drawing/2014/main" id="{1C580ACD-6FB2-CA35-C9DF-F0EAB5A2BE54}"/>
-                  </a:ext>
-                </a:extLst>
-              </p:cNvPr>
-              <p:cNvPicPr>
-                <a:picLocks noChangeAspect="1" noChangeArrowheads="1"/>
-              </p:cNvPicPr>
-              <p:nvPr/>
-            </p:nvPicPr>
-            <p:blipFill>
-              <a:blip r:embed="rId3">
-                <a:extLst>
-                  <a:ext uri="{28A0092B-C50C-407E-A947-70E740481C1C}">
-                    <a14:useLocalDpi xmlns:a14="http://schemas.microsoft.com/office/drawing/2010/main" val="0"/>
-                  </a:ext>
-                </a:extLst>
-              </a:blip>
-              <a:srcRect/>
-              <a:stretch>
-                <a:fillRect/>
-              </a:stretch>
-            </p:blipFill>
-            <p:spPr bwMode="auto">
-              <a:xfrm>
-                <a:off x="836828" y="3165355"/>
-                <a:ext cx="2295839" cy="1957109"/>
-              </a:xfrm>
-              <a:prstGeom prst="rect">
-                <a:avLst/>
-              </a:prstGeom>
-              <a:noFill/>
-              <a:extLst>
-                <a:ext uri="{909E8E84-426E-40DD-AFC4-6F175D3DCCD1}">
-                  <a14:hiddenFill xmlns:a14="http://schemas.microsoft.com/office/drawing/2010/main">
-                    <a:solidFill>
-                      <a:srgbClr val="FFFFFF"/>
-                    </a:solidFill>
-                  </a14:hiddenFill>
-                </a:ext>
-              </a:extLst>
-            </p:spPr>
-          </p:pic>
-          <p:pic>
-            <p:nvPicPr>
-              <p:cNvPr id="1034" name="Picture 10">
-                <a:extLst>
-                  <a:ext uri="{FF2B5EF4-FFF2-40B4-BE49-F238E27FC236}">
-                    <a16:creationId xmlns:a16="http://schemas.microsoft.com/office/drawing/2014/main" id="{DD9946C4-BB18-4D5A-70D8-8050E524CAAB}"/>
-                  </a:ext>
-                </a:extLst>
-              </p:cNvPr>
-              <p:cNvPicPr>
-                <a:picLocks noChangeAspect="1" noChangeArrowheads="1"/>
-              </p:cNvPicPr>
-              <p:nvPr/>
-            </p:nvPicPr>
-            <p:blipFill>
-              <a:blip r:embed="rId4">
-                <a:extLst>
-                  <a:ext uri="{28A0092B-C50C-407E-A947-70E740481C1C}">
-                    <a14:useLocalDpi xmlns:a14="http://schemas.microsoft.com/office/drawing/2010/main" val="0"/>
-                  </a:ext>
-                </a:extLst>
-              </a:blip>
-              <a:srcRect/>
-              <a:stretch>
-                <a:fillRect/>
-              </a:stretch>
-            </p:blipFill>
-            <p:spPr bwMode="auto">
-              <a:xfrm>
-                <a:off x="820968" y="4819836"/>
-                <a:ext cx="2295839" cy="1993049"/>
-              </a:xfrm>
-              <a:prstGeom prst="rect">
-                <a:avLst/>
-              </a:prstGeom>
-              <a:noFill/>
-              <a:extLst>
-                <a:ext uri="{909E8E84-426E-40DD-AFC4-6F175D3DCCD1}">
-                  <a14:hiddenFill xmlns:a14="http://schemas.microsoft.com/office/drawing/2010/main">
-                    <a:solidFill>
-                      <a:srgbClr val="FFFFFF"/>
-                    </a:solidFill>
-                  </a14:hiddenFill>
-                </a:ext>
-              </a:extLst>
-            </p:spPr>
-          </p:pic>
-        </p:grpSp>
-        <p:grpSp>
-          <p:nvGrpSpPr>
-            <p:cNvPr id="21" name="Group 20">
-              <a:extLst>
-                <a:ext uri="{FF2B5EF4-FFF2-40B4-BE49-F238E27FC236}">
-                  <a16:creationId xmlns:a16="http://schemas.microsoft.com/office/drawing/2014/main" id="{32429272-AFB1-C20D-BC7D-C722F26EE438}"/>
-                </a:ext>
-              </a:extLst>
-            </p:cNvPr>
-            <p:cNvGrpSpPr/>
-            <p:nvPr/>
-          </p:nvGrpSpPr>
-          <p:grpSpPr>
-            <a:xfrm>
-              <a:off x="926193" y="3975594"/>
-              <a:ext cx="533400" cy="701253"/>
-              <a:chOff x="926193" y="3975594"/>
-              <a:chExt cx="533400" cy="701253"/>
-            </a:xfrm>
-          </p:grpSpPr>
-          <p:cxnSp>
-            <p:nvCxnSpPr>
-              <p:cNvPr id="18" name="Straight Arrow Connector 17">
-                <a:extLst>
-                  <a:ext uri="{FF2B5EF4-FFF2-40B4-BE49-F238E27FC236}">
-                    <a16:creationId xmlns:a16="http://schemas.microsoft.com/office/drawing/2014/main" id="{4E489F27-9D66-EB81-2AF9-9143CCE164E4}"/>
-                  </a:ext>
-                </a:extLst>
-              </p:cNvPr>
-              <p:cNvCxnSpPr/>
-              <p:nvPr/>
-            </p:nvCxnSpPr>
-            <p:spPr>
-              <a:xfrm flipV="1">
-                <a:off x="926193" y="4075713"/>
-                <a:ext cx="533400" cy="601134"/>
-              </a:xfrm>
-              <a:prstGeom prst="straightConnector1">
-                <a:avLst/>
-              </a:prstGeom>
-              <a:ln w="12700">
-                <a:solidFill>
-                  <a:schemeClr val="tx1"/>
-                </a:solidFill>
-                <a:tailEnd type="triangle"/>
-              </a:ln>
-            </p:spPr>
-            <p:style>
-              <a:lnRef idx="1">
-                <a:schemeClr val="accent1"/>
-              </a:lnRef>
-              <a:fillRef idx="0">
-                <a:schemeClr val="accent1"/>
-              </a:fillRef>
-              <a:effectRef idx="0">
-                <a:schemeClr val="accent1"/>
-              </a:effectRef>
-              <a:fontRef idx="minor">
-                <a:schemeClr val="tx1"/>
-              </a:fontRef>
-            </p:style>
-          </p:cxnSp>
-          <p:pic>
-            <p:nvPicPr>
-              <p:cNvPr id="20" name="Picture 19">
-                <a:extLst>
-                  <a:ext uri="{FF2B5EF4-FFF2-40B4-BE49-F238E27FC236}">
-                    <a16:creationId xmlns:a16="http://schemas.microsoft.com/office/drawing/2014/main" id="{871F76BC-54D6-A63B-2AA5-ED420F72772D}"/>
-                  </a:ext>
-                </a:extLst>
-              </p:cNvPr>
-              <p:cNvPicPr>
-                <a:picLocks noChangeAspect="1"/>
-              </p:cNvPicPr>
-              <p:nvPr/>
-            </p:nvPicPr>
-            <p:blipFill>
-              <a:blip r:embed="rId5"/>
-              <a:stretch>
-                <a:fillRect/>
-              </a:stretch>
-            </p:blipFill>
-            <p:spPr>
-              <a:xfrm>
-                <a:off x="1143207" y="3975594"/>
-                <a:ext cx="186227" cy="117617"/>
-              </a:xfrm>
-              <a:prstGeom prst="rect">
-                <a:avLst/>
-              </a:prstGeom>
-            </p:spPr>
-          </p:pic>
-        </p:grpSp>
-      </p:grpSp>
-      <p:pic>
-        <p:nvPicPr>
-          <p:cNvPr id="1054" name="Picture 30">
-            <a:extLst>
-              <a:ext uri="{FF2B5EF4-FFF2-40B4-BE49-F238E27FC236}">
-                <a16:creationId xmlns:a16="http://schemas.microsoft.com/office/drawing/2014/main" id="{C48D6AD7-3F0F-E980-58CB-FD01660882C5}"/>
-              </a:ext>
-            </a:extLst>
-          </p:cNvPr>
-          <p:cNvPicPr>
-            <a:picLocks noChangeAspect="1" noChangeArrowheads="1"/>
-          </p:cNvPicPr>
-          <p:nvPr/>
-        </p:nvPicPr>
-        <p:blipFill>
-          <a:blip r:embed="rId6">
-            <a:extLst>
-              <a:ext uri="{28A0092B-C50C-407E-A947-70E740481C1C}">
-                <a14:useLocalDpi xmlns:a14="http://schemas.microsoft.com/office/drawing/2010/main" val="0"/>
-              </a:ext>
-            </a:extLst>
-          </a:blip>
-          <a:srcRect/>
-          <a:stretch>
-            <a:fillRect/>
-          </a:stretch>
-        </p:blipFill>
-        <p:spPr bwMode="auto">
-          <a:xfrm>
-            <a:off x="2615424" y="3178768"/>
-            <a:ext cx="3182539" cy="1926666"/>
-          </a:xfrm>
-          <a:prstGeom prst="rect">
-            <a:avLst/>
-          </a:prstGeom>
-          <a:noFill/>
-          <a:extLst>
-            <a:ext uri="{909E8E84-426E-40DD-AFC4-6F175D3DCCD1}">
-              <a14:hiddenFill xmlns:a14="http://schemas.microsoft.com/office/drawing/2010/main">
-                <a:solidFill>
-                  <a:srgbClr val="FFFFFF"/>
-                </a:solidFill>
-              </a14:hiddenFill>
-            </a:ext>
-          </a:extLst>
-        </p:spPr>
-      </p:pic>
-      <p:sp>
-        <p:nvSpPr>
-          <p:cNvPr id="23" name="Rectangle 22">
-            <a:extLst>
-              <a:ext uri="{FF2B5EF4-FFF2-40B4-BE49-F238E27FC236}">
-                <a16:creationId xmlns:a16="http://schemas.microsoft.com/office/drawing/2014/main" id="{2BF1DB38-6E2F-0AA9-57EF-8FDA82DD99DC}"/>
-              </a:ext>
-            </a:extLst>
-          </p:cNvPr>
-          <p:cNvSpPr/>
-          <p:nvPr/>
-        </p:nvSpPr>
-        <p:spPr>
-          <a:xfrm>
-            <a:off x="2954867" y="5199427"/>
-            <a:ext cx="2624667" cy="988483"/>
-          </a:xfrm>
-          <a:prstGeom prst="rect">
-            <a:avLst/>
-          </a:prstGeom>
-          <a:solidFill>
-            <a:schemeClr val="accent2"/>
-          </a:solidFill>
-        </p:spPr>
-        <p:style>
-          <a:lnRef idx="2">
-            <a:schemeClr val="accent1">
-              <a:shade val="15000"/>
-            </a:schemeClr>
-          </a:lnRef>
-          <a:fillRef idx="1">
-            <a:schemeClr val="accent1"/>
-          </a:fillRef>
-          <a:effectRef idx="0">
-            <a:schemeClr val="accent1"/>
-          </a:effectRef>
-          <a:fontRef idx="minor">
-            <a:schemeClr val="lt1"/>
-          </a:fontRef>
-        </p:style>
-        <p:txBody>
-          <a:bodyPr rtlCol="0" anchor="ctr"/>
-          <a:lstStyle/>
-          <a:p>
-            <a:pPr algn="ctr"/>
-            <a:r>
-              <a:rPr lang="en-US" dirty="0"/>
-              <a:t>Stretching to 4 nm shouldn’t be possible—artifact of CGC?</a:t>
-            </a:r>
-          </a:p>
-        </p:txBody>
-      </p:sp>
-    </p:spTree>
-    <p:extLst>
-      <p:ext uri="{BB962C8B-B14F-4D97-AF65-F5344CB8AC3E}">
-        <p14:creationId xmlns:p14="http://schemas.microsoft.com/office/powerpoint/2010/main" val="12071386"/>
       </p:ext>
     </p:extLst>
   </p:cSld>

--- a/NAF.pptx
+++ b/NAF.pptx
@@ -2444,7 +2444,10 @@
           <a:bodyPr/>
           <a:lstStyle/>
           <a:p>
-            <a:endParaRPr lang="en-US" dirty="0"/>
+            <a:r>
+              <a:rPr lang="en-US" dirty="0"/>
+              <a:t>Last updated 06/21/2024</a:t>
+            </a:r>
           </a:p>
         </p:txBody>
       </p:sp>
@@ -6441,7 +6444,10 @@
               <a:rPr lang="en-US" baseline="30000" dirty="0"/>
               <a:t>2</a:t>
             </a:r>
-            <a:endParaRPr lang="en-US" dirty="0"/>
+            <a:r>
+              <a:rPr lang="en-US" dirty="0"/>
+              <a:t> (very roughly 0.5 V)</a:t>
+            </a:r>
           </a:p>
         </p:txBody>
       </p:sp>

--- a/NAF.pptx
+++ b/NAF.pptx
@@ -5,14 +5,15 @@
     <p:sldMasterId id="2147483648" r:id="rId1"/>
   </p:sldMasterIdLst>
   <p:notesMasterIdLst>
-    <p:notesMasterId r:id="rId7"/>
+    <p:notesMasterId r:id="rId8"/>
   </p:notesMasterIdLst>
   <p:sldIdLst>
     <p:sldId id="256" r:id="rId2"/>
     <p:sldId id="259" r:id="rId3"/>
     <p:sldId id="258" r:id="rId4"/>
-    <p:sldId id="257" r:id="rId5"/>
-    <p:sldId id="262" r:id="rId6"/>
+    <p:sldId id="263" r:id="rId5"/>
+    <p:sldId id="257" r:id="rId6"/>
+    <p:sldId id="262" r:id="rId7"/>
   </p:sldIdLst>
   <p:sldSz cx="12192000" cy="6858000"/>
   <p:notesSz cx="6858000" cy="9144000"/>
@@ -5568,6 +5569,333 @@
           <p:cNvPr id="2" name="Title 1">
             <a:extLst>
               <a:ext uri="{FF2B5EF4-FFF2-40B4-BE49-F238E27FC236}">
+                <a16:creationId xmlns:a16="http://schemas.microsoft.com/office/drawing/2014/main" id="{0BCCA52D-D21F-6A87-805B-EF9B684D9C6B}"/>
+              </a:ext>
+            </a:extLst>
+          </p:cNvPr>
+          <p:cNvSpPr>
+            <a:spLocks noGrp="1"/>
+          </p:cNvSpPr>
+          <p:nvPr>
+            <p:ph type="title"/>
+          </p:nvPr>
+        </p:nvSpPr>
+        <p:spPr/>
+        <p:txBody>
+          <a:bodyPr/>
+          <a:lstStyle/>
+          <a:p>
+            <a:r>
+              <a:rPr lang="en-US" dirty="0"/>
+              <a:t>Model</a:t>
+            </a:r>
+          </a:p>
+        </p:txBody>
+      </p:sp>
+      <p:sp>
+        <p:nvSpPr>
+          <p:cNvPr id="3" name="Content Placeholder 2">
+            <a:extLst>
+              <a:ext uri="{FF2B5EF4-FFF2-40B4-BE49-F238E27FC236}">
+                <a16:creationId xmlns:a16="http://schemas.microsoft.com/office/drawing/2014/main" id="{FBE7D10C-C535-B9AF-AA31-56BAF916D8EC}"/>
+              </a:ext>
+            </a:extLst>
+          </p:cNvPr>
+          <p:cNvSpPr>
+            <a:spLocks noGrp="1"/>
+          </p:cNvSpPr>
+          <p:nvPr>
+            <p:ph idx="1"/>
+          </p:nvPr>
+        </p:nvSpPr>
+        <p:spPr>
+          <a:xfrm>
+            <a:off x="838200" y="1263491"/>
+            <a:ext cx="10515600" cy="5109249"/>
+          </a:xfrm>
+        </p:spPr>
+        <p:txBody>
+          <a:bodyPr>
+            <a:normAutofit/>
+          </a:bodyPr>
+          <a:lstStyle/>
+          <a:p>
+            <a:r>
+              <a:rPr lang="en-US" sz="2400" dirty="0"/>
+              <a:t>Interactions</a:t>
+            </a:r>
+          </a:p>
+          <a:p>
+            <a:endParaRPr lang="en-US" dirty="0"/>
+          </a:p>
+          <a:p>
+            <a:endParaRPr lang="en-US" sz="2400" dirty="0"/>
+          </a:p>
+          <a:p>
+            <a:endParaRPr lang="en-US" dirty="0"/>
+          </a:p>
+          <a:p>
+            <a:endParaRPr lang="en-US" sz="2400" dirty="0"/>
+          </a:p>
+          <a:p>
+            <a:r>
+              <a:rPr lang="en-US" sz="2400" dirty="0"/>
+              <a:t>S</a:t>
+            </a:r>
+            <a:r>
+              <a:rPr lang="en-US" dirty="0"/>
+              <a:t>elf-consistent field theory for charged multiblock macromolecules</a:t>
+            </a:r>
+          </a:p>
+          <a:p>
+            <a:pPr lvl="1"/>
+            <a:r>
+              <a:rPr lang="en-US" dirty="0"/>
+              <a:t>Coupled system of 5 algebraic equations and 2 partial differential equations</a:t>
+            </a:r>
+          </a:p>
+          <a:p>
+            <a:pPr lvl="1"/>
+            <a:r>
+              <a:rPr lang="en-US" dirty="0"/>
+              <a:t>For sidechain-only system, 2 blocks; Block 2 contains -</a:t>
+            </a:r>
+            <a:r>
+              <a:rPr lang="en-US"/>
+              <a:t>1</a:t>
+            </a:r>
+            <a:r>
+              <a:rPr lang="en-US" i="1"/>
+              <a:t>e</a:t>
+            </a:r>
+            <a:r>
+              <a:rPr lang="en-US"/>
+              <a:t> for SO3-</a:t>
+            </a:r>
+            <a:endParaRPr lang="en-US" dirty="0"/>
+          </a:p>
+        </p:txBody>
+      </p:sp>
+      <p:sp>
+        <p:nvSpPr>
+          <p:cNvPr id="23" name="Slide Number Placeholder 22">
+            <a:extLst>
+              <a:ext uri="{FF2B5EF4-FFF2-40B4-BE49-F238E27FC236}">
+                <a16:creationId xmlns:a16="http://schemas.microsoft.com/office/drawing/2014/main" id="{3640DB4C-A7A5-355A-BE46-AD20B9A4F813}"/>
+              </a:ext>
+            </a:extLst>
+          </p:cNvPr>
+          <p:cNvSpPr>
+            <a:spLocks noGrp="1"/>
+          </p:cNvSpPr>
+          <p:nvPr>
+            <p:ph type="sldNum" sz="quarter" idx="12"/>
+          </p:nvPr>
+        </p:nvSpPr>
+        <p:spPr/>
+        <p:txBody>
+          <a:bodyPr/>
+          <a:lstStyle/>
+          <a:p>
+            <a:fld id="{B40DB54C-0C58-4481-B5FF-5C3F14CFF9B3}" type="slidenum">
+              <a:rPr lang="en-US" smtClean="0"/>
+              <a:t>4</a:t>
+            </a:fld>
+            <a:endParaRPr lang="en-US"/>
+          </a:p>
+        </p:txBody>
+      </p:sp>
+      <p:grpSp>
+        <p:nvGrpSpPr>
+          <p:cNvPr id="8" name="Group 7">
+            <a:extLst>
+              <a:ext uri="{FF2B5EF4-FFF2-40B4-BE49-F238E27FC236}">
+                <a16:creationId xmlns:a16="http://schemas.microsoft.com/office/drawing/2014/main" id="{0B51F1FA-0307-4536-AA12-32195C5B75BE}"/>
+              </a:ext>
+            </a:extLst>
+          </p:cNvPr>
+          <p:cNvGrpSpPr/>
+          <p:nvPr/>
+        </p:nvGrpSpPr>
+        <p:grpSpPr>
+          <a:xfrm>
+            <a:off x="1855914" y="2173976"/>
+            <a:ext cx="9705566" cy="2001919"/>
+            <a:chOff x="1855914" y="2173976"/>
+            <a:chExt cx="9705566" cy="2001919"/>
+          </a:xfrm>
+        </p:grpSpPr>
+        <p:sp>
+          <p:nvSpPr>
+            <p:cNvPr id="13" name="TextBox 12">
+              <a:extLst>
+                <a:ext uri="{FF2B5EF4-FFF2-40B4-BE49-F238E27FC236}">
+                  <a16:creationId xmlns:a16="http://schemas.microsoft.com/office/drawing/2014/main" id="{3B910E88-6FC7-C628-950E-AC654D8AFCBE}"/>
+                </a:ext>
+              </a:extLst>
+            </p:cNvPr>
+            <p:cNvSpPr txBox="1"/>
+            <p:nvPr/>
+          </p:nvSpPr>
+          <p:spPr>
+            <a:xfrm>
+              <a:off x="8087476" y="2177259"/>
+              <a:ext cx="2860553" cy="401231"/>
+            </a:xfrm>
+            <a:prstGeom prst="rect">
+              <a:avLst/>
+            </a:prstGeom>
+            <a:noFill/>
+          </p:spPr>
+          <p:txBody>
+            <a:bodyPr wrap="square" rtlCol="0">
+              <a:spAutoFit/>
+            </a:bodyPr>
+            <a:lstStyle/>
+            <a:p>
+              <a:r>
+                <a:rPr lang="en-US" sz="2000" dirty="0"/>
+                <a:t>Elastic energy</a:t>
+              </a:r>
+            </a:p>
+          </p:txBody>
+        </p:sp>
+        <p:sp>
+          <p:nvSpPr>
+            <p:cNvPr id="14" name="TextBox 13">
+              <a:extLst>
+                <a:ext uri="{FF2B5EF4-FFF2-40B4-BE49-F238E27FC236}">
+                  <a16:creationId xmlns:a16="http://schemas.microsoft.com/office/drawing/2014/main" id="{FED98DCF-C4E3-C33C-4883-B6E0EB897675}"/>
+                </a:ext>
+              </a:extLst>
+            </p:cNvPr>
+            <p:cNvSpPr txBox="1"/>
+            <p:nvPr/>
+          </p:nvSpPr>
+          <p:spPr>
+            <a:xfrm>
+              <a:off x="8087477" y="2977554"/>
+              <a:ext cx="3474003" cy="400110"/>
+            </a:xfrm>
+            <a:prstGeom prst="rect">
+              <a:avLst/>
+            </a:prstGeom>
+            <a:noFill/>
+          </p:spPr>
+          <p:txBody>
+            <a:bodyPr wrap="square" rtlCol="0">
+              <a:spAutoFit/>
+            </a:bodyPr>
+            <a:lstStyle/>
+            <a:p>
+              <a:r>
+                <a:rPr lang="en-US" sz="2000" dirty="0"/>
+                <a:t>Flory-Huggins (Hydrophobicity)</a:t>
+              </a:r>
+            </a:p>
+          </p:txBody>
+        </p:sp>
+        <p:sp>
+          <p:nvSpPr>
+            <p:cNvPr id="15" name="TextBox 14">
+              <a:extLst>
+                <a:ext uri="{FF2B5EF4-FFF2-40B4-BE49-F238E27FC236}">
+                  <a16:creationId xmlns:a16="http://schemas.microsoft.com/office/drawing/2014/main" id="{A78D30D6-61CE-18CA-95B3-430192831C83}"/>
+                </a:ext>
+              </a:extLst>
+            </p:cNvPr>
+            <p:cNvSpPr txBox="1"/>
+            <p:nvPr/>
+          </p:nvSpPr>
+          <p:spPr>
+            <a:xfrm>
+              <a:off x="8087476" y="3722255"/>
+              <a:ext cx="2860553" cy="401231"/>
+            </a:xfrm>
+            <a:prstGeom prst="rect">
+              <a:avLst/>
+            </a:prstGeom>
+            <a:noFill/>
+          </p:spPr>
+          <p:txBody>
+            <a:bodyPr wrap="square" rtlCol="0">
+              <a:spAutoFit/>
+            </a:bodyPr>
+            <a:lstStyle/>
+            <a:p>
+              <a:r>
+                <a:rPr lang="en-US" sz="2000" dirty="0"/>
+                <a:t>Electrostatics</a:t>
+              </a:r>
+            </a:p>
+          </p:txBody>
+        </p:sp>
+        <p:pic>
+          <p:nvPicPr>
+            <p:cNvPr id="7" name="Picture 6">
+              <a:extLst>
+                <a:ext uri="{FF2B5EF4-FFF2-40B4-BE49-F238E27FC236}">
+                  <a16:creationId xmlns:a16="http://schemas.microsoft.com/office/drawing/2014/main" id="{8D3EAA72-2B56-ADC4-FF8F-CDC1EF005E9A}"/>
+                </a:ext>
+              </a:extLst>
+            </p:cNvPr>
+            <p:cNvPicPr>
+              <a:picLocks noChangeAspect="1"/>
+            </p:cNvPicPr>
+            <p:nvPr/>
+          </p:nvPicPr>
+          <p:blipFill>
+            <a:blip r:embed="rId2"/>
+            <a:stretch>
+              <a:fillRect/>
+            </a:stretch>
+          </p:blipFill>
+          <p:spPr>
+            <a:xfrm>
+              <a:off x="1855914" y="2173976"/>
+              <a:ext cx="5495760" cy="2001919"/>
+            </a:xfrm>
+            <a:prstGeom prst="rect">
+              <a:avLst/>
+            </a:prstGeom>
+          </p:spPr>
+        </p:pic>
+      </p:grpSp>
+    </p:spTree>
+    <p:extLst>
+      <p:ext uri="{BB962C8B-B14F-4D97-AF65-F5344CB8AC3E}">
+        <p14:creationId xmlns:p14="http://schemas.microsoft.com/office/powerpoint/2010/main" val="3803156305"/>
+      </p:ext>
+    </p:extLst>
+  </p:cSld>
+  <p:clrMapOvr>
+    <a:masterClrMapping/>
+  </p:clrMapOvr>
+</p:sld>
+</file>
+
+<file path=ppt/slides/slide5.xml><?xml version="1.0" encoding="utf-8"?>
+<p:sld xmlns:a="http://schemas.openxmlformats.org/drawingml/2006/main" xmlns:r="http://schemas.openxmlformats.org/officeDocument/2006/relationships" xmlns:p="http://schemas.openxmlformats.org/presentationml/2006/main">
+  <p:cSld>
+    <p:spTree>
+      <p:nvGrpSpPr>
+        <p:cNvPr id="1" name=""/>
+        <p:cNvGrpSpPr/>
+        <p:nvPr/>
+      </p:nvGrpSpPr>
+      <p:grpSpPr>
+        <a:xfrm>
+          <a:off x="0" y="0"/>
+          <a:ext cx="0" cy="0"/>
+          <a:chOff x="0" y="0"/>
+          <a:chExt cx="0" cy="0"/>
+        </a:xfrm>
+      </p:grpSpPr>
+      <p:sp>
+        <p:nvSpPr>
+          <p:cNvPr id="2" name="Title 1">
+            <a:extLst>
+              <a:ext uri="{FF2B5EF4-FFF2-40B4-BE49-F238E27FC236}">
                 <a16:creationId xmlns:a16="http://schemas.microsoft.com/office/drawing/2014/main" id="{4041FD49-51CB-4608-A3ED-30B7E304CBD6}"/>
               </a:ext>
             </a:extLst>
@@ -5621,7 +5949,7 @@
           <a:p>
             <a:fld id="{5911C0E6-D9CE-431C-92CB-BB39B872F930}" type="slidenum">
               <a:rPr lang="en-US" smtClean="0"/>
-              <a:t>4</a:t>
+              <a:t>5</a:t>
             </a:fld>
             <a:endParaRPr lang="en-US"/>
           </a:p>
@@ -6058,7 +6386,7 @@
 </p:sld>
 </file>
 
-<file path=ppt/slides/slide5.xml><?xml version="1.0" encoding="utf-8"?>
+<file path=ppt/slides/slide6.xml><?xml version="1.0" encoding="utf-8"?>
 <p:sld xmlns:a="http://schemas.openxmlformats.org/drawingml/2006/main" xmlns:r="http://schemas.openxmlformats.org/officeDocument/2006/relationships" xmlns:p="http://schemas.openxmlformats.org/presentationml/2006/main">
   <p:cSld>
     <p:spTree>
@@ -6178,7 +6506,7 @@
           <a:p>
             <a:fld id="{5911C0E6-D9CE-431C-92CB-BB39B872F930}" type="slidenum">
               <a:rPr lang="en-US" smtClean="0"/>
-              <a:t>5</a:t>
+              <a:t>6</a:t>
             </a:fld>
             <a:endParaRPr lang="en-US"/>
           </a:p>

--- a/NAF.pptx
+++ b/NAF.pptx
@@ -5658,21 +5658,16 @@
             <a:pPr lvl="1"/>
             <a:r>
               <a:rPr lang="en-US" dirty="0"/>
-              <a:t>For sidechain-only system, 2 blocks; Block 2 contains -</a:t>
-            </a:r>
-            <a:r>
-              <a:rPr lang="en-US"/>
-              <a:t>1</a:t>
-            </a:r>
-            <a:r>
-              <a:rPr lang="en-US" i="1"/>
+              <a:t>For sidechain-only system, 2 blocks; Block 2 contains -1</a:t>
+            </a:r>
+            <a:r>
+              <a:rPr lang="en-US" i="1" dirty="0"/>
               <a:t>e</a:t>
             </a:r>
             <a:r>
-              <a:rPr lang="en-US"/>
+              <a:rPr lang="en-US" dirty="0"/>
               <a:t> for SO3-</a:t>
             </a:r>
-            <a:endParaRPr lang="en-US" dirty="0"/>
           </a:p>
         </p:txBody>
       </p:sp>
@@ -6562,8 +6557,8 @@
         </p:nvSpPr>
         <p:spPr>
           <a:xfrm>
-            <a:off x="5985933" y="1342798"/>
-            <a:ext cx="5918200" cy="5016758"/>
+            <a:off x="5960533" y="1252109"/>
+            <a:ext cx="5918200" cy="5447645"/>
           </a:xfrm>
           <a:prstGeom prst="rect">
             <a:avLst/>
@@ -6584,7 +6579,7 @@
               <a:buChar char="•"/>
             </a:pPr>
             <a:r>
-              <a:rPr lang="en-US" dirty="0"/>
+              <a:rPr lang="en-US" sz="1600" dirty="0"/>
               <a:t>In CV data, reaction goes to completion by 0.5 V (vs. RHE) </a:t>
             </a:r>
           </a:p>
@@ -6597,39 +6592,39 @@
               <a:buChar char="•"/>
             </a:pPr>
             <a:r>
-              <a:rPr lang="en-US" dirty="0"/>
+              <a:rPr lang="en-US" sz="1600" dirty="0"/>
               <a:t>Surface charge ~10 </a:t>
             </a:r>
             <a:r>
-              <a:rPr lang="en-US" dirty="0" err="1"/>
+              <a:rPr lang="en-US" sz="1600" dirty="0" err="1"/>
               <a:t>uC</a:t>
             </a:r>
             <a:r>
-              <a:rPr lang="en-US" dirty="0"/>
+              <a:rPr lang="en-US" sz="1600" dirty="0"/>
               <a:t>/cm</a:t>
             </a:r>
             <a:r>
-              <a:rPr lang="en-US" baseline="30000" dirty="0"/>
+              <a:rPr lang="en-US" sz="1600" baseline="30000" dirty="0"/>
               <a:t>2</a:t>
             </a:r>
             <a:r>
-              <a:rPr lang="en-US" dirty="0"/>
+              <a:rPr lang="en-US" sz="1600" dirty="0"/>
               <a:t> according to Saha &amp; </a:t>
             </a:r>
             <a:r>
-              <a:rPr lang="en-US" dirty="0" err="1"/>
+              <a:rPr lang="en-US" sz="1600" dirty="0" err="1"/>
               <a:t>Zenyuk</a:t>
             </a:r>
             <a:r>
-              <a:rPr lang="en-US" dirty="0"/>
+              <a:rPr lang="en-US" sz="1600" dirty="0"/>
               <a:t>. </a:t>
             </a:r>
             <a:r>
-              <a:rPr lang="en-US" i="1" dirty="0"/>
+              <a:rPr lang="en-US" sz="1600" i="1" dirty="0"/>
               <a:t>JPCC</a:t>
             </a:r>
             <a:r>
-              <a:rPr lang="en-US" dirty="0"/>
+              <a:rPr lang="en-US" sz="1600" dirty="0"/>
               <a:t>. 2021.</a:t>
             </a:r>
           </a:p>
@@ -6642,7 +6637,7 @@
               <a:buChar char="•"/>
             </a:pPr>
             <a:r>
-              <a:rPr lang="en-US" dirty="0"/>
+              <a:rPr lang="en-US" sz="1600" dirty="0"/>
               <a:t>(Top) SCFT free energies as a function of D. </a:t>
             </a:r>
           </a:p>
@@ -6655,35 +6650,35 @@
               <a:buChar char="•"/>
             </a:pPr>
             <a:r>
-              <a:rPr lang="en-US" dirty="0"/>
+              <a:rPr lang="en-US" sz="1600" dirty="0"/>
               <a:t>(Top right) Free energies for 1—10 </a:t>
             </a:r>
             <a:r>
-              <a:rPr lang="en-US" dirty="0" err="1"/>
+              <a:rPr lang="en-US" sz="1600" dirty="0" err="1"/>
               <a:t>uC</a:t>
             </a:r>
             <a:r>
-              <a:rPr lang="en-US" dirty="0"/>
+              <a:rPr lang="en-US" sz="1600" dirty="0"/>
               <a:t>/cm</a:t>
             </a:r>
             <a:r>
-              <a:rPr lang="en-US" baseline="30000" dirty="0"/>
+              <a:rPr lang="en-US" sz="1600" baseline="30000" dirty="0"/>
               <a:t>2</a:t>
             </a:r>
             <a:r>
-              <a:rPr lang="en-US" dirty="0"/>
+              <a:rPr lang="en-US" sz="1600" dirty="0"/>
               <a:t> colored. Small D is favorable at low charges, becomes unfavorable as surface charge reaches ~7 </a:t>
             </a:r>
             <a:r>
-              <a:rPr lang="en-US" dirty="0" err="1"/>
+              <a:rPr lang="en-US" sz="1600" dirty="0" err="1"/>
               <a:t>uC</a:t>
             </a:r>
             <a:r>
-              <a:rPr lang="en-US" dirty="0"/>
+              <a:rPr lang="en-US" sz="1600" dirty="0"/>
               <a:t>/cm</a:t>
             </a:r>
             <a:r>
-              <a:rPr lang="en-US" baseline="30000" dirty="0"/>
+              <a:rPr lang="en-US" sz="1600" baseline="30000" dirty="0"/>
               <a:t>2</a:t>
             </a:r>
           </a:p>
@@ -6696,56 +6691,24 @@
               <a:buChar char="•"/>
             </a:pPr>
             <a:r>
-              <a:rPr lang="en-US" dirty="0"/>
+              <a:rPr lang="en-US" sz="1600" dirty="0"/>
               <a:t>(Bottom right) Normalized contributions of free energy for 1—10 </a:t>
             </a:r>
             <a:r>
-              <a:rPr lang="en-US" dirty="0" err="1"/>
+              <a:rPr lang="en-US" sz="1600" dirty="0" err="1"/>
               <a:t>uC</a:t>
             </a:r>
             <a:r>
-              <a:rPr lang="en-US" dirty="0"/>
+              <a:rPr lang="en-US" sz="1600" dirty="0"/>
               <a:t>/cm</a:t>
             </a:r>
             <a:r>
-              <a:rPr lang="en-US" baseline="30000" dirty="0"/>
+              <a:rPr lang="en-US" sz="1600" baseline="30000" dirty="0"/>
               <a:t>2</a:t>
             </a:r>
             <a:r>
-              <a:rPr lang="en-US" dirty="0"/>
-              <a:t>. For &lt; 10 </a:t>
-            </a:r>
-            <a:r>
-              <a:rPr lang="en-US" dirty="0" err="1"/>
-              <a:t>uC</a:t>
-            </a:r>
-            <a:r>
-              <a:rPr lang="en-US" dirty="0"/>
-              <a:t>/cm</a:t>
-            </a:r>
-            <a:r>
-              <a:rPr lang="en-US" baseline="30000" dirty="0"/>
-              <a:t>2</a:t>
-            </a:r>
-            <a:r>
-              <a:rPr lang="en-US" dirty="0"/>
-              <a:t>, electrostatic interactions outweigh elastic penalties and lower D is favorable. At 10 </a:t>
-            </a:r>
-            <a:r>
-              <a:rPr lang="en-US" dirty="0" err="1"/>
-              <a:t>uC</a:t>
-            </a:r>
-            <a:r>
-              <a:rPr lang="en-US" dirty="0"/>
-              <a:t>/cm</a:t>
-            </a:r>
-            <a:r>
-              <a:rPr lang="en-US" baseline="30000" dirty="0"/>
-              <a:t>2</a:t>
-            </a:r>
-            <a:r>
-              <a:rPr lang="en-US" dirty="0"/>
-              <a:t>, elastic penalties become dominant and higher D is favorable.</a:t>
+              <a:rPr lang="en-US" sz="1600" dirty="0"/>
+              <a:t>. Contributions that equal 1 at D = 2.0 are the dominant interactions.</a:t>
             </a:r>
           </a:p>
           <a:p>
@@ -6757,23 +6720,81 @@
               <a:buChar char="•"/>
             </a:pPr>
             <a:r>
-              <a:rPr lang="en-US" dirty="0"/>
+              <a:rPr lang="en-US" sz="1600" dirty="0"/>
+              <a:t>U: Hydrophobicity; W+S: Elastic/Polymer; Electrostatic</a:t>
+            </a:r>
+          </a:p>
+          <a:p>
+            <a:pPr marL="742950" lvl="1" indent="-285750">
+              <a:spcAft>
+                <a:spcPts val="1200"/>
+              </a:spcAft>
+              <a:buFont typeface="Arial" panose="020B0604020202020204" pitchFamily="34" charset="0"/>
+              <a:buChar char="•"/>
+            </a:pPr>
+            <a:r>
+              <a:rPr lang="en-US" sz="1600" dirty="0"/>
+              <a:t>For &lt; 10 </a:t>
+            </a:r>
+            <a:r>
+              <a:rPr lang="en-US" sz="1600" dirty="0" err="1"/>
+              <a:t>uC</a:t>
+            </a:r>
+            <a:r>
+              <a:rPr lang="en-US" sz="1600" dirty="0"/>
+              <a:t>/cm</a:t>
+            </a:r>
+            <a:r>
+              <a:rPr lang="en-US" sz="1600" baseline="30000" dirty="0"/>
+              <a:t>2</a:t>
+            </a:r>
+            <a:r>
+              <a:rPr lang="en-US" sz="1600" dirty="0"/>
+              <a:t>, electrostatic interactions outweigh elastic penalties and lower D is favorable. At 10 </a:t>
+            </a:r>
+            <a:r>
+              <a:rPr lang="en-US" sz="1600" dirty="0" err="1"/>
+              <a:t>uC</a:t>
+            </a:r>
+            <a:r>
+              <a:rPr lang="en-US" sz="1600" dirty="0"/>
+              <a:t>/cm</a:t>
+            </a:r>
+            <a:r>
+              <a:rPr lang="en-US" sz="1600" baseline="30000" dirty="0"/>
+              <a:t>2</a:t>
+            </a:r>
+            <a:r>
+              <a:rPr lang="en-US" sz="1600" dirty="0"/>
+              <a:t>, elastic penalties become dominant and higher D is favorable.</a:t>
+            </a:r>
+          </a:p>
+          <a:p>
+            <a:pPr marL="742950" lvl="1" indent="-285750">
+              <a:spcAft>
+                <a:spcPts val="1200"/>
+              </a:spcAft>
+              <a:buFont typeface="Arial" panose="020B0604020202020204" pitchFamily="34" charset="0"/>
+              <a:buChar char="•"/>
+            </a:pPr>
+            <a:r>
+              <a:rPr lang="en-US" sz="1600" dirty="0"/>
               <a:t>Takeaway: competition between elastic stretching of sidearms and electrostatic attraction balances at 7 </a:t>
             </a:r>
             <a:r>
-              <a:rPr lang="en-US" dirty="0" err="1"/>
+              <a:rPr lang="en-US" sz="1600" dirty="0" err="1"/>
               <a:t>uC</a:t>
             </a:r>
             <a:r>
-              <a:rPr lang="en-US" dirty="0"/>
+              <a:rPr lang="en-US" sz="1600" dirty="0"/>
               <a:t>/cm</a:t>
             </a:r>
             <a:r>
-              <a:rPr lang="en-US" baseline="30000" dirty="0"/>
+              <a:rPr lang="en-US" sz="1600" baseline="30000" dirty="0"/>
               <a:t>2</a:t>
             </a:r>
             <a:r>
-              <a:rPr lang="en-US" dirty="0"/>
+              <a:rPr lang="en-US" sz="1600" dirty="0"/>
               <a:t> (very roughly 0.5 V)</a:t>
             </a:r>
           </a:p>

--- a/NAF.pptx
+++ b/NAF.pptx
@@ -2706,7 +2706,7 @@
             </a:pPr>
             <a:r>
               <a:rPr lang="en-US" dirty="0"/>
-              <a:t>Leading theory: Pt poisoned by adsorbed SO3 from ionomer at high operating V</a:t>
+              <a:t>Leading theory: Pt poisoned by adsorbed ionomer SO3 at high operating V</a:t>
             </a:r>
           </a:p>
           <a:p>
@@ -3138,8 +3138,8 @@
         </p:nvSpPr>
         <p:spPr>
           <a:xfrm>
-            <a:off x="5204775" y="1323276"/>
-            <a:ext cx="6730905" cy="4847481"/>
+            <a:off x="5291669" y="1434918"/>
+            <a:ext cx="6730905" cy="4308872"/>
           </a:xfrm>
           <a:prstGeom prst="rect">
             <a:avLst/>
@@ -3154,7 +3154,7 @@
           <a:p>
             <a:pPr>
               <a:spcAft>
-                <a:spcPts val="1200"/>
+                <a:spcPts val="600"/>
               </a:spcAft>
             </a:pPr>
             <a:r>
@@ -3191,7 +3191,7 @@
           <a:p>
             <a:pPr>
               <a:spcAft>
-                <a:spcPts val="1200"/>
+                <a:spcPts val="600"/>
               </a:spcAft>
             </a:pPr>
             <a:r>
@@ -3228,7 +3228,7 @@
           <a:p>
             <a:pPr>
               <a:spcAft>
-                <a:spcPts val="1200"/>
+                <a:spcPts val="600"/>
               </a:spcAft>
             </a:pPr>
             <a:r>
@@ -3239,7 +3239,7 @@
           <a:p>
             <a:pPr marL="285750" indent="-285750">
               <a:spcAft>
-                <a:spcPts val="1200"/>
+                <a:spcPts val="600"/>
               </a:spcAft>
               <a:buFont typeface="Arial" panose="020B0604020202020204" pitchFamily="34" charset="0"/>
               <a:buChar char="•"/>
@@ -3252,7 +3252,7 @@
           <a:p>
             <a:pPr>
               <a:spcAft>
-                <a:spcPts val="1200"/>
+                <a:spcPts val="600"/>
               </a:spcAft>
             </a:pPr>
             <a:r>
@@ -5621,51 +5621,47 @@
           <a:lstStyle/>
           <a:p>
             <a:r>
-              <a:rPr lang="en-US" sz="2400" dirty="0"/>
+              <a:rPr lang="en-US" sz="2000" dirty="0"/>
               <a:t>Interactions</a:t>
             </a:r>
           </a:p>
           <a:p>
-            <a:endParaRPr lang="en-US" dirty="0"/>
-          </a:p>
-          <a:p>
-            <a:endParaRPr lang="en-US" sz="2400" dirty="0"/>
-          </a:p>
-          <a:p>
-            <a:endParaRPr lang="en-US" dirty="0"/>
-          </a:p>
-          <a:p>
-            <a:endParaRPr lang="en-US" sz="2400" dirty="0"/>
-          </a:p>
-          <a:p>
-            <a:r>
-              <a:rPr lang="en-US" sz="2400" dirty="0"/>
-              <a:t>S</a:t>
-            </a:r>
-            <a:r>
-              <a:rPr lang="en-US" dirty="0"/>
-              <a:t>elf-consistent field theory for charged multiblock macromolecules</a:t>
+            <a:endParaRPr lang="en-US" sz="2000" dirty="0"/>
+          </a:p>
+          <a:p>
+            <a:endParaRPr lang="en-US" sz="2000" dirty="0"/>
+          </a:p>
+          <a:p>
+            <a:endParaRPr lang="en-US" sz="2000" dirty="0"/>
+          </a:p>
+          <a:p>
+            <a:endParaRPr lang="en-US" sz="2000" dirty="0"/>
+          </a:p>
+          <a:p>
+            <a:r>
+              <a:rPr lang="en-US" sz="2000" dirty="0"/>
+              <a:t>Self-consistent field theory for charged multiblock macromolecules</a:t>
             </a:r>
           </a:p>
           <a:p>
             <a:pPr lvl="1"/>
             <a:r>
-              <a:rPr lang="en-US" dirty="0"/>
+              <a:rPr lang="en-US" sz="1800" dirty="0"/>
               <a:t>Coupled system of 5 algebraic equations and 2 partial differential equations</a:t>
             </a:r>
           </a:p>
           <a:p>
             <a:pPr lvl="1"/>
             <a:r>
-              <a:rPr lang="en-US" dirty="0"/>
+              <a:rPr lang="en-US" sz="1800" dirty="0"/>
               <a:t>For sidechain-only system, 2 blocks; Block 2 contains -1</a:t>
             </a:r>
             <a:r>
-              <a:rPr lang="en-US" i="1" dirty="0"/>
+              <a:rPr lang="en-US" sz="1800" i="1" dirty="0"/>
               <a:t>e</a:t>
             </a:r>
             <a:r>
-              <a:rPr lang="en-US" dirty="0"/>
+              <a:rPr lang="en-US" sz="1800" dirty="0"/>
               <a:t> for SO3-</a:t>
             </a:r>
           </a:p>
@@ -5714,7 +5710,7 @@
         </p:nvGrpSpPr>
         <p:grpSpPr>
           <a:xfrm>
-            <a:off x="1855914" y="2173976"/>
+            <a:off x="1534181" y="1886110"/>
             <a:ext cx="9705566" cy="2001919"/>
             <a:chOff x="1855914" y="2173976"/>
             <a:chExt cx="9705566" cy="2001919"/>

--- a/NAF.pptx
+++ b/NAF.pptx
@@ -5665,6 +5665,29 @@
               <a:t> for SO3-</a:t>
             </a:r>
           </a:p>
+          <a:p>
+            <a:pPr lvl="2"/>
+            <a:r>
+              <a:rPr lang="en-US" sz="1600" dirty="0"/>
+              <a:t>F-H parameters taken from literature (Wu, </a:t>
+            </a:r>
+            <a:r>
+              <a:rPr lang="en-US" sz="1600" dirty="0" err="1"/>
+              <a:t>Paddison</a:t>
+            </a:r>
+            <a:r>
+              <a:rPr lang="en-US" sz="1600" dirty="0"/>
+              <a:t>, Elliot, </a:t>
+            </a:r>
+            <a:r>
+              <a:rPr lang="en-US" sz="1600" i="1" dirty="0"/>
+              <a:t>Energy Env. Sci. </a:t>
+            </a:r>
+            <a:r>
+              <a:rPr lang="en-US" sz="1600" dirty="0"/>
+              <a:t>2008. 1. 284-293)</a:t>
+            </a:r>
+          </a:p>
         </p:txBody>
       </p:sp>
       <p:sp>

--- a/NAF.pptx
+++ b/NAF.pptx
@@ -6137,7 +6137,7 @@
             </a:pPr>
             <a:r>
               <a:rPr lang="en-US" dirty="0"/>
-              <a:t>(Right) Polymer density distributions (solid) and proton distributions (dotted) for D = 2.5 nm. Density distribution of SO3 bead is dashed.</a:t>
+              <a:t>(Right) Polymer density distributions (solid) and proton distributions (dotted) for D = 2.49 nm. Density distribution of SO3 bead is dashed.</a:t>
             </a:r>
           </a:p>
         </p:txBody>
@@ -6612,7 +6612,7 @@
             </a:pPr>
             <a:r>
               <a:rPr lang="en-US" sz="1600" dirty="0"/>
-              <a:t>Surface charge ~10 </a:t>
+              <a:t>Surface charge (metal) ~10 </a:t>
             </a:r>
             <a:r>
               <a:rPr lang="en-US" sz="1600" dirty="0" err="1"/>
@@ -6711,7 +6711,7 @@
             </a:pPr>
             <a:r>
               <a:rPr lang="en-US" sz="1600" dirty="0"/>
-              <a:t>(Bottom right) Normalized contributions of free energy for 1—10 </a:t>
+              <a:t>(Bottom right) Normalized contributions to free energy for 1—10 </a:t>
             </a:r>
             <a:r>
               <a:rPr lang="en-US" sz="1600" dirty="0" err="1"/>
@@ -6987,6 +6987,102 @@
           </a:extLst>
         </p:spPr>
       </p:pic>
+      <p:cxnSp>
+        <p:nvCxnSpPr>
+          <p:cNvPr id="4" name="Straight Arrow Connector 3">
+            <a:extLst>
+              <a:ext uri="{FF2B5EF4-FFF2-40B4-BE49-F238E27FC236}">
+                <a16:creationId xmlns:a16="http://schemas.microsoft.com/office/drawing/2014/main" id="{56245EA5-6F5D-6DE8-41E3-7F1BFBFA4E31}"/>
+              </a:ext>
+            </a:extLst>
+          </p:cNvPr>
+          <p:cNvCxnSpPr>
+            <a:cxnSpLocks/>
+          </p:cNvCxnSpPr>
+          <p:nvPr/>
+        </p:nvCxnSpPr>
+        <p:spPr>
+          <a:xfrm flipH="1">
+            <a:off x="2311452" y="3552298"/>
+            <a:ext cx="629661" cy="647169"/>
+          </a:xfrm>
+          <a:prstGeom prst="straightConnector1">
+            <a:avLst/>
+          </a:prstGeom>
+          <a:ln w="12700">
+            <a:solidFill>
+              <a:schemeClr val="tx1"/>
+            </a:solidFill>
+            <a:tailEnd type="triangle"/>
+          </a:ln>
+        </p:spPr>
+        <p:style>
+          <a:lnRef idx="1">
+            <a:schemeClr val="accent1"/>
+          </a:lnRef>
+          <a:fillRef idx="0">
+            <a:schemeClr val="accent1"/>
+          </a:fillRef>
+          <a:effectRef idx="0">
+            <a:schemeClr val="accent1"/>
+          </a:effectRef>
+          <a:fontRef idx="minor">
+            <a:schemeClr val="tx1"/>
+          </a:fontRef>
+        </p:style>
+      </p:cxnSp>
+      <p:sp>
+        <p:nvSpPr>
+          <p:cNvPr id="11" name="Rectangle 10">
+            <a:extLst>
+              <a:ext uri="{FF2B5EF4-FFF2-40B4-BE49-F238E27FC236}">
+                <a16:creationId xmlns:a16="http://schemas.microsoft.com/office/drawing/2014/main" id="{E7A378AA-3B9A-ED9B-82D9-A207EAFDA209}"/>
+              </a:ext>
+            </a:extLst>
+          </p:cNvPr>
+          <p:cNvSpPr/>
+          <p:nvPr/>
+        </p:nvSpPr>
+        <p:spPr>
+          <a:xfrm>
+            <a:off x="2941113" y="2673842"/>
+            <a:ext cx="878456" cy="878456"/>
+          </a:xfrm>
+          <a:prstGeom prst="rect">
+            <a:avLst/>
+          </a:prstGeom>
+          <a:noFill/>
+          <a:ln w="28575">
+            <a:solidFill>
+              <a:schemeClr val="tx1"/>
+            </a:solidFill>
+          </a:ln>
+        </p:spPr>
+        <p:style>
+          <a:lnRef idx="2">
+            <a:schemeClr val="accent1">
+              <a:shade val="15000"/>
+            </a:schemeClr>
+          </a:lnRef>
+          <a:fillRef idx="1">
+            <a:schemeClr val="accent1"/>
+          </a:fillRef>
+          <a:effectRef idx="0">
+            <a:schemeClr val="accent1"/>
+          </a:effectRef>
+          <a:fontRef idx="minor">
+            <a:schemeClr val="lt1"/>
+          </a:fontRef>
+        </p:style>
+        <p:txBody>
+          <a:bodyPr rtlCol="0" anchor="ctr"/>
+          <a:lstStyle/>
+          <a:p>
+            <a:pPr algn="ctr"/>
+            <a:endParaRPr lang="en-US"/>
+          </a:p>
+        </p:txBody>
+      </p:sp>
     </p:spTree>
     <p:extLst>
       <p:ext uri="{BB962C8B-B14F-4D97-AF65-F5344CB8AC3E}">

--- a/NAF.pptx
+++ b/NAF.pptx
@@ -6577,7 +6577,7 @@
         <p:spPr>
           <a:xfrm>
             <a:off x="5960533" y="1252109"/>
-            <a:ext cx="5918200" cy="5447645"/>
+            <a:ext cx="5918200" cy="5355312"/>
           </a:xfrm>
           <a:prstGeom prst="rect">
             <a:avLst/>
@@ -6969,8 +6969,8 @@
         </p:blipFill>
         <p:spPr bwMode="auto">
           <a:xfrm>
-            <a:off x="147265" y="4011724"/>
-            <a:ext cx="5262935" cy="2344626"/>
+            <a:off x="220189" y="4002396"/>
+            <a:ext cx="5253375" cy="2340367"/>
           </a:xfrm>
           <a:prstGeom prst="rect">
             <a:avLst/>
@@ -7003,8 +7003,8 @@
         </p:nvCxnSpPr>
         <p:spPr>
           <a:xfrm flipH="1">
-            <a:off x="2311452" y="3552298"/>
-            <a:ext cx="629661" cy="647169"/>
+            <a:off x="2641600" y="3552298"/>
+            <a:ext cx="299513" cy="423633"/>
           </a:xfrm>
           <a:prstGeom prst="straightConnector1">
             <a:avLst/>

--- a/NAF.pptx
+++ b/NAF.pptx
@@ -5,7 +5,7 @@
     <p:sldMasterId id="2147483648" r:id="rId1"/>
   </p:sldMasterIdLst>
   <p:notesMasterIdLst>
-    <p:notesMasterId r:id="rId8"/>
+    <p:notesMasterId r:id="rId10"/>
   </p:notesMasterIdLst>
   <p:sldIdLst>
     <p:sldId id="256" r:id="rId2"/>
@@ -14,6 +14,8 @@
     <p:sldId id="263" r:id="rId5"/>
     <p:sldId id="257" r:id="rId6"/>
     <p:sldId id="262" r:id="rId7"/>
+    <p:sldId id="264" r:id="rId8"/>
+    <p:sldId id="265" r:id="rId9"/>
   </p:sldIdLst>
   <p:sldSz cx="12192000" cy="6858000"/>
   <p:notesSz cx="6858000" cy="9144000"/>
@@ -202,7 +204,7 @@
           <a:p>
             <a:fld id="{4299902A-6DB3-4A13-9B91-BEABFDA2FC16}" type="datetimeFigureOut">
               <a:rPr lang="en-US" smtClean="0"/>
-              <a:t>6/21/2024</a:t>
+              <a:t>8/29/2024</a:t>
             </a:fld>
             <a:endParaRPr lang="en-US"/>
           </a:p>
@@ -7096,6 +7098,180 @@
 </p:sld>
 </file>
 
+<file path=ppt/slides/slide7.xml><?xml version="1.0" encoding="utf-8"?>
+<p:sld xmlns:a="http://schemas.openxmlformats.org/drawingml/2006/main" xmlns:r="http://schemas.openxmlformats.org/officeDocument/2006/relationships" xmlns:p="http://schemas.openxmlformats.org/presentationml/2006/main">
+  <p:cSld>
+    <p:spTree>
+      <p:nvGrpSpPr>
+        <p:cNvPr id="1" name=""/>
+        <p:cNvGrpSpPr/>
+        <p:nvPr/>
+      </p:nvGrpSpPr>
+      <p:grpSpPr>
+        <a:xfrm>
+          <a:off x="0" y="0"/>
+          <a:ext cx="0" cy="0"/>
+          <a:chOff x="0" y="0"/>
+          <a:chExt cx="0" cy="0"/>
+        </a:xfrm>
+      </p:grpSpPr>
+      <p:sp>
+        <p:nvSpPr>
+          <p:cNvPr id="2" name="Title 1">
+            <a:extLst>
+              <a:ext uri="{FF2B5EF4-FFF2-40B4-BE49-F238E27FC236}">
+                <a16:creationId xmlns:a16="http://schemas.microsoft.com/office/drawing/2014/main" id="{B48E75B8-CA31-A2EB-3470-F60D5EDC1E1A}"/>
+              </a:ext>
+            </a:extLst>
+          </p:cNvPr>
+          <p:cNvSpPr>
+            <a:spLocks noGrp="1"/>
+          </p:cNvSpPr>
+          <p:nvPr>
+            <p:ph type="title"/>
+          </p:nvPr>
+        </p:nvSpPr>
+        <p:spPr/>
+        <p:txBody>
+          <a:bodyPr/>
+          <a:lstStyle/>
+          <a:p>
+            <a:r>
+              <a:rPr lang="en-US" dirty="0"/>
+              <a:t>Counterion only validations</a:t>
+            </a:r>
+          </a:p>
+        </p:txBody>
+      </p:sp>
+      <p:sp>
+        <p:nvSpPr>
+          <p:cNvPr id="3" name="Slide Number Placeholder 2">
+            <a:extLst>
+              <a:ext uri="{FF2B5EF4-FFF2-40B4-BE49-F238E27FC236}">
+                <a16:creationId xmlns:a16="http://schemas.microsoft.com/office/drawing/2014/main" id="{84D2F789-F0CF-80E5-19BE-6E850B9C23E3}"/>
+              </a:ext>
+            </a:extLst>
+          </p:cNvPr>
+          <p:cNvSpPr>
+            <a:spLocks noGrp="1"/>
+          </p:cNvSpPr>
+          <p:nvPr>
+            <p:ph type="sldNum" sz="quarter" idx="12"/>
+          </p:nvPr>
+        </p:nvSpPr>
+        <p:spPr/>
+        <p:txBody>
+          <a:bodyPr/>
+          <a:lstStyle/>
+          <a:p>
+            <a:fld id="{5911C0E6-D9CE-431C-92CB-BB39B872F930}" type="slidenum">
+              <a:rPr lang="en-US" smtClean="0"/>
+              <a:t>7</a:t>
+            </a:fld>
+            <a:endParaRPr lang="en-US"/>
+          </a:p>
+        </p:txBody>
+      </p:sp>
+    </p:spTree>
+    <p:extLst>
+      <p:ext uri="{BB962C8B-B14F-4D97-AF65-F5344CB8AC3E}">
+        <p14:creationId xmlns:p14="http://schemas.microsoft.com/office/powerpoint/2010/main" val="76617825"/>
+      </p:ext>
+    </p:extLst>
+  </p:cSld>
+  <p:clrMapOvr>
+    <a:masterClrMapping/>
+  </p:clrMapOvr>
+</p:sld>
+</file>
+
+<file path=ppt/slides/slide8.xml><?xml version="1.0" encoding="utf-8"?>
+<p:sld xmlns:a="http://schemas.openxmlformats.org/drawingml/2006/main" xmlns:r="http://schemas.openxmlformats.org/officeDocument/2006/relationships" xmlns:p="http://schemas.openxmlformats.org/presentationml/2006/main">
+  <p:cSld>
+    <p:spTree>
+      <p:nvGrpSpPr>
+        <p:cNvPr id="1" name=""/>
+        <p:cNvGrpSpPr/>
+        <p:nvPr/>
+      </p:nvGrpSpPr>
+      <p:grpSpPr>
+        <a:xfrm>
+          <a:off x="0" y="0"/>
+          <a:ext cx="0" cy="0"/>
+          <a:chOff x="0" y="0"/>
+          <a:chExt cx="0" cy="0"/>
+        </a:xfrm>
+      </p:grpSpPr>
+      <p:sp>
+        <p:nvSpPr>
+          <p:cNvPr id="2" name="Title 1">
+            <a:extLst>
+              <a:ext uri="{FF2B5EF4-FFF2-40B4-BE49-F238E27FC236}">
+                <a16:creationId xmlns:a16="http://schemas.microsoft.com/office/drawing/2014/main" id="{533915FA-3FED-0ECF-2989-CA236DCA2D17}"/>
+              </a:ext>
+            </a:extLst>
+          </p:cNvPr>
+          <p:cNvSpPr>
+            <a:spLocks noGrp="1"/>
+          </p:cNvSpPr>
+          <p:nvPr>
+            <p:ph type="title"/>
+          </p:nvPr>
+        </p:nvSpPr>
+        <p:spPr/>
+        <p:txBody>
+          <a:bodyPr/>
+          <a:lstStyle/>
+          <a:p>
+            <a:r>
+              <a:rPr lang="en-US" dirty="0"/>
+              <a:t>Prelim results (20240829)</a:t>
+            </a:r>
+          </a:p>
+        </p:txBody>
+      </p:sp>
+      <p:sp>
+        <p:nvSpPr>
+          <p:cNvPr id="3" name="Slide Number Placeholder 2">
+            <a:extLst>
+              <a:ext uri="{FF2B5EF4-FFF2-40B4-BE49-F238E27FC236}">
+                <a16:creationId xmlns:a16="http://schemas.microsoft.com/office/drawing/2014/main" id="{F841ACFC-6AFD-3A7D-D3E4-264B003EA14C}"/>
+              </a:ext>
+            </a:extLst>
+          </p:cNvPr>
+          <p:cNvSpPr>
+            <a:spLocks noGrp="1"/>
+          </p:cNvSpPr>
+          <p:nvPr>
+            <p:ph type="sldNum" sz="quarter" idx="12"/>
+          </p:nvPr>
+        </p:nvSpPr>
+        <p:spPr/>
+        <p:txBody>
+          <a:bodyPr/>
+          <a:lstStyle/>
+          <a:p>
+            <a:fld id="{5911C0E6-D9CE-431C-92CB-BB39B872F930}" type="slidenum">
+              <a:rPr lang="en-US" smtClean="0"/>
+              <a:t>8</a:t>
+            </a:fld>
+            <a:endParaRPr lang="en-US"/>
+          </a:p>
+        </p:txBody>
+      </p:sp>
+    </p:spTree>
+    <p:extLst>
+      <p:ext uri="{BB962C8B-B14F-4D97-AF65-F5344CB8AC3E}">
+        <p14:creationId xmlns:p14="http://schemas.microsoft.com/office/powerpoint/2010/main" val="2655404517"/>
+      </p:ext>
+    </p:extLst>
+  </p:cSld>
+  <p:clrMapOvr>
+    <a:masterClrMapping/>
+  </p:clrMapOvr>
+</p:sld>
+</file>
+
 <file path=ppt/theme/theme1.xml><?xml version="1.0" encoding="utf-8"?>
 <a:theme xmlns:a="http://schemas.openxmlformats.org/drawingml/2006/main" name="Office Theme">
   <a:themeElements>

--- a/NAF.pptx
+++ b/NAF.pptx
@@ -204,7 +204,7 @@
           <a:p>
             <a:fld id="{4299902A-6DB3-4A13-9B91-BEABFDA2FC16}" type="datetimeFigureOut">
               <a:rPr lang="en-US" smtClean="0"/>
-              <a:t>8/29/2024</a:t>
+              <a:t>9/6/2024</a:t>
             </a:fld>
             <a:endParaRPr lang="en-US"/>
           </a:p>
@@ -7172,6 +7172,444 @@
           </a:p>
         </p:txBody>
       </p:sp>
+      <p:sp>
+        <p:nvSpPr>
+          <p:cNvPr id="4" name="TextBox 3">
+            <a:extLst>
+              <a:ext uri="{FF2B5EF4-FFF2-40B4-BE49-F238E27FC236}">
+                <a16:creationId xmlns:a16="http://schemas.microsoft.com/office/drawing/2014/main" id="{1605A9D5-0E3F-F843-D48A-77DE6FC2C0F8}"/>
+              </a:ext>
+            </a:extLst>
+          </p:cNvPr>
+          <p:cNvSpPr txBox="1"/>
+          <p:nvPr/>
+        </p:nvSpPr>
+        <p:spPr>
+          <a:xfrm>
+            <a:off x="1213945" y="1750948"/>
+            <a:ext cx="2542041" cy="287141"/>
+          </a:xfrm>
+          <a:prstGeom prst="rect">
+            <a:avLst/>
+          </a:prstGeom>
+          <a:noFill/>
+        </p:spPr>
+        <p:txBody>
+          <a:bodyPr wrap="square" rtlCol="0">
+            <a:spAutoFit/>
+          </a:bodyPr>
+          <a:lstStyle/>
+          <a:p>
+            <a:pPr algn="ctr"/>
+            <a:r>
+              <a:rPr lang="en-US" sz="1600" dirty="0"/>
+              <a:t>sigma = -5e-20 C/nm2</a:t>
+            </a:r>
+          </a:p>
+        </p:txBody>
+      </p:sp>
+      <p:pic>
+        <p:nvPicPr>
+          <p:cNvPr id="1028" name="Picture 4">
+            <a:extLst>
+              <a:ext uri="{FF2B5EF4-FFF2-40B4-BE49-F238E27FC236}">
+                <a16:creationId xmlns:a16="http://schemas.microsoft.com/office/drawing/2014/main" id="{0F865D6A-7B1C-DD2B-0F3D-10E51B8F81C0}"/>
+              </a:ext>
+            </a:extLst>
+          </p:cNvPr>
+          <p:cNvPicPr>
+            <a:picLocks noChangeAspect="1" noChangeArrowheads="1"/>
+          </p:cNvPicPr>
+          <p:nvPr/>
+        </p:nvPicPr>
+        <p:blipFill>
+          <a:blip r:embed="rId2">
+            <a:extLst>
+              <a:ext uri="{28A0092B-C50C-407E-A947-70E740481C1C}">
+                <a14:useLocalDpi xmlns:a14="http://schemas.microsoft.com/office/drawing/2010/main" val="0"/>
+              </a:ext>
+            </a:extLst>
+          </a:blip>
+          <a:srcRect/>
+          <a:stretch>
+            <a:fillRect/>
+          </a:stretch>
+        </p:blipFill>
+        <p:spPr bwMode="auto">
+          <a:xfrm>
+            <a:off x="3965833" y="1174041"/>
+            <a:ext cx="2351747" cy="1730320"/>
+          </a:xfrm>
+          <a:prstGeom prst="rect">
+            <a:avLst/>
+          </a:prstGeom>
+          <a:noFill/>
+          <a:extLst>
+            <a:ext uri="{909E8E84-426E-40DD-AFC4-6F175D3DCCD1}">
+              <a14:hiddenFill xmlns:a14="http://schemas.microsoft.com/office/drawing/2010/main">
+                <a:solidFill>
+                  <a:srgbClr val="FFFFFF"/>
+                </a:solidFill>
+              </a14:hiddenFill>
+            </a:ext>
+          </a:extLst>
+        </p:spPr>
+      </p:pic>
+      <p:sp>
+        <p:nvSpPr>
+          <p:cNvPr id="6" name="TextBox 5">
+            <a:extLst>
+              <a:ext uri="{FF2B5EF4-FFF2-40B4-BE49-F238E27FC236}">
+                <a16:creationId xmlns:a16="http://schemas.microsoft.com/office/drawing/2014/main" id="{663A9F9C-7D8D-3D28-936B-72C2482F4683}"/>
+              </a:ext>
+            </a:extLst>
+          </p:cNvPr>
+          <p:cNvSpPr txBox="1"/>
+          <p:nvPr/>
+        </p:nvSpPr>
+        <p:spPr>
+          <a:xfrm>
+            <a:off x="3922806" y="6413698"/>
+            <a:ext cx="2742426" cy="307777"/>
+          </a:xfrm>
+          <a:prstGeom prst="rect">
+            <a:avLst/>
+          </a:prstGeom>
+          <a:noFill/>
+        </p:spPr>
+        <p:txBody>
+          <a:bodyPr wrap="square" rtlCol="0">
+            <a:spAutoFit/>
+          </a:bodyPr>
+          <a:lstStyle/>
+          <a:p>
+            <a:r>
+              <a:rPr lang="en-US" sz="1400" b="1" dirty="0"/>
+              <a:t>Log-divergence, exact as lx </a:t>
+            </a:r>
+            <a:r>
+              <a:rPr lang="en-US" sz="1400" b="1" dirty="0">
+                <a:sym typeface="Wingdings" panose="05000000000000000000" pitchFamily="2" charset="2"/>
+              </a:rPr>
+              <a:t> </a:t>
+            </a:r>
+            <a:r>
+              <a:rPr lang="en-US" sz="1400" b="1" dirty="0" err="1">
+                <a:sym typeface="Wingdings" panose="05000000000000000000" pitchFamily="2" charset="2"/>
+              </a:rPr>
+              <a:t>infty</a:t>
+            </a:r>
+            <a:endParaRPr lang="en-US" sz="1400" b="1" dirty="0"/>
+          </a:p>
+        </p:txBody>
+      </p:sp>
+      <p:pic>
+        <p:nvPicPr>
+          <p:cNvPr id="1032" name="Picture 8">
+            <a:extLst>
+              <a:ext uri="{FF2B5EF4-FFF2-40B4-BE49-F238E27FC236}">
+                <a16:creationId xmlns:a16="http://schemas.microsoft.com/office/drawing/2014/main" id="{C72F6F8F-0657-0B22-B36D-4CB28FB42A20}"/>
+              </a:ext>
+            </a:extLst>
+          </p:cNvPr>
+          <p:cNvPicPr>
+            <a:picLocks noChangeAspect="1" noChangeArrowheads="1"/>
+          </p:cNvPicPr>
+          <p:nvPr/>
+        </p:nvPicPr>
+        <p:blipFill>
+          <a:blip r:embed="rId3">
+            <a:extLst>
+              <a:ext uri="{28A0092B-C50C-407E-A947-70E740481C1C}">
+                <a14:useLocalDpi xmlns:a14="http://schemas.microsoft.com/office/drawing/2010/main" val="0"/>
+              </a:ext>
+            </a:extLst>
+          </a:blip>
+          <a:srcRect/>
+          <a:stretch>
+            <a:fillRect/>
+          </a:stretch>
+        </p:blipFill>
+        <p:spPr bwMode="auto">
+          <a:xfrm>
+            <a:off x="6956386" y="1171817"/>
+            <a:ext cx="2542041" cy="1732544"/>
+          </a:xfrm>
+          <a:prstGeom prst="rect">
+            <a:avLst/>
+          </a:prstGeom>
+          <a:noFill/>
+          <a:extLst>
+            <a:ext uri="{909E8E84-426E-40DD-AFC4-6F175D3DCCD1}">
+              <a14:hiddenFill xmlns:a14="http://schemas.microsoft.com/office/drawing/2010/main">
+                <a:solidFill>
+                  <a:srgbClr val="FFFFFF"/>
+                </a:solidFill>
+              </a14:hiddenFill>
+            </a:ext>
+          </a:extLst>
+        </p:spPr>
+      </p:pic>
+      <p:sp>
+        <p:nvSpPr>
+          <p:cNvPr id="11" name="TextBox 10">
+            <a:extLst>
+              <a:ext uri="{FF2B5EF4-FFF2-40B4-BE49-F238E27FC236}">
+                <a16:creationId xmlns:a16="http://schemas.microsoft.com/office/drawing/2014/main" id="{7A4E16DB-E8B1-C8AB-2E63-FA35F6E229DC}"/>
+              </a:ext>
+            </a:extLst>
+          </p:cNvPr>
+          <p:cNvSpPr txBox="1"/>
+          <p:nvPr/>
+        </p:nvSpPr>
+        <p:spPr>
+          <a:xfrm>
+            <a:off x="1213945" y="3430253"/>
+            <a:ext cx="2542041" cy="287141"/>
+          </a:xfrm>
+          <a:prstGeom prst="rect">
+            <a:avLst/>
+          </a:prstGeom>
+          <a:noFill/>
+        </p:spPr>
+        <p:txBody>
+          <a:bodyPr wrap="square" rtlCol="0">
+            <a:spAutoFit/>
+          </a:bodyPr>
+          <a:lstStyle/>
+          <a:p>
+            <a:pPr algn="ctr"/>
+            <a:r>
+              <a:rPr lang="en-US" sz="1600" dirty="0"/>
+              <a:t>sigma = -10e-20 C/nm2</a:t>
+            </a:r>
+          </a:p>
+        </p:txBody>
+      </p:sp>
+      <p:sp>
+        <p:nvSpPr>
+          <p:cNvPr id="14" name="TextBox 13">
+            <a:extLst>
+              <a:ext uri="{FF2B5EF4-FFF2-40B4-BE49-F238E27FC236}">
+                <a16:creationId xmlns:a16="http://schemas.microsoft.com/office/drawing/2014/main" id="{AE713404-1A34-BC7C-E545-0984483E7A03}"/>
+              </a:ext>
+            </a:extLst>
+          </p:cNvPr>
+          <p:cNvSpPr txBox="1"/>
+          <p:nvPr/>
+        </p:nvSpPr>
+        <p:spPr>
+          <a:xfrm>
+            <a:off x="1213945" y="5108447"/>
+            <a:ext cx="2542041" cy="338554"/>
+          </a:xfrm>
+          <a:prstGeom prst="rect">
+            <a:avLst/>
+          </a:prstGeom>
+          <a:noFill/>
+        </p:spPr>
+        <p:txBody>
+          <a:bodyPr wrap="square" rtlCol="0">
+            <a:spAutoFit/>
+          </a:bodyPr>
+          <a:lstStyle/>
+          <a:p>
+            <a:pPr algn="ctr"/>
+            <a:r>
+              <a:rPr lang="en-US" sz="1600" dirty="0"/>
+              <a:t>sigma = -20e-20 C/nm2</a:t>
+            </a:r>
+          </a:p>
+        </p:txBody>
+      </p:sp>
+      <p:pic>
+        <p:nvPicPr>
+          <p:cNvPr id="1036" name="Picture 12">
+            <a:extLst>
+              <a:ext uri="{FF2B5EF4-FFF2-40B4-BE49-F238E27FC236}">
+                <a16:creationId xmlns:a16="http://schemas.microsoft.com/office/drawing/2014/main" id="{BE4F2731-AA06-78A6-DB5A-0C45E300CAC1}"/>
+              </a:ext>
+            </a:extLst>
+          </p:cNvPr>
+          <p:cNvPicPr>
+            <a:picLocks noChangeAspect="1" noChangeArrowheads="1"/>
+          </p:cNvPicPr>
+          <p:nvPr/>
+        </p:nvPicPr>
+        <p:blipFill>
+          <a:blip r:embed="rId4">
+            <a:extLst>
+              <a:ext uri="{28A0092B-C50C-407E-A947-70E740481C1C}">
+                <a14:useLocalDpi xmlns:a14="http://schemas.microsoft.com/office/drawing/2010/main" val="0"/>
+              </a:ext>
+            </a:extLst>
+          </a:blip>
+          <a:srcRect/>
+          <a:stretch>
+            <a:fillRect/>
+          </a:stretch>
+        </p:blipFill>
+        <p:spPr bwMode="auto">
+          <a:xfrm>
+            <a:off x="6894254" y="2904361"/>
+            <a:ext cx="2614083" cy="1726901"/>
+          </a:xfrm>
+          <a:prstGeom prst="rect">
+            <a:avLst/>
+          </a:prstGeom>
+          <a:noFill/>
+          <a:extLst>
+            <a:ext uri="{909E8E84-426E-40DD-AFC4-6F175D3DCCD1}">
+              <a14:hiddenFill xmlns:a14="http://schemas.microsoft.com/office/drawing/2010/main">
+                <a:solidFill>
+                  <a:srgbClr val="FFFFFF"/>
+                </a:solidFill>
+              </a14:hiddenFill>
+            </a:ext>
+          </a:extLst>
+        </p:spPr>
+      </p:pic>
+      <p:pic>
+        <p:nvPicPr>
+          <p:cNvPr id="1038" name="Picture 14">
+            <a:extLst>
+              <a:ext uri="{FF2B5EF4-FFF2-40B4-BE49-F238E27FC236}">
+                <a16:creationId xmlns:a16="http://schemas.microsoft.com/office/drawing/2014/main" id="{EC018F10-A16E-E7D1-E00F-78613B4F0244}"/>
+              </a:ext>
+            </a:extLst>
+          </p:cNvPr>
+          <p:cNvPicPr>
+            <a:picLocks noChangeAspect="1" noChangeArrowheads="1"/>
+          </p:cNvPicPr>
+          <p:nvPr/>
+        </p:nvPicPr>
+        <p:blipFill>
+          <a:blip r:embed="rId5">
+            <a:extLst>
+              <a:ext uri="{28A0092B-C50C-407E-A947-70E740481C1C}">
+                <a14:useLocalDpi xmlns:a14="http://schemas.microsoft.com/office/drawing/2010/main" val="0"/>
+              </a:ext>
+            </a:extLst>
+          </a:blip>
+          <a:srcRect/>
+          <a:stretch>
+            <a:fillRect/>
+          </a:stretch>
+        </p:blipFill>
+        <p:spPr bwMode="auto">
+          <a:xfrm>
+            <a:off x="6908688" y="4686797"/>
+            <a:ext cx="2513171" cy="1730320"/>
+          </a:xfrm>
+          <a:prstGeom prst="rect">
+            <a:avLst/>
+          </a:prstGeom>
+          <a:noFill/>
+          <a:extLst>
+            <a:ext uri="{909E8E84-426E-40DD-AFC4-6F175D3DCCD1}">
+              <a14:hiddenFill xmlns:a14="http://schemas.microsoft.com/office/drawing/2010/main">
+                <a:solidFill>
+                  <a:srgbClr val="FFFFFF"/>
+                </a:solidFill>
+              </a14:hiddenFill>
+            </a:ext>
+          </a:extLst>
+        </p:spPr>
+      </p:pic>
+      <p:pic>
+        <p:nvPicPr>
+          <p:cNvPr id="1040" name="Picture 16">
+            <a:extLst>
+              <a:ext uri="{FF2B5EF4-FFF2-40B4-BE49-F238E27FC236}">
+                <a16:creationId xmlns:a16="http://schemas.microsoft.com/office/drawing/2014/main" id="{1B77EB93-6636-B7AB-F8D4-E555AD77264B}"/>
+              </a:ext>
+            </a:extLst>
+          </p:cNvPr>
+          <p:cNvPicPr>
+            <a:picLocks noChangeAspect="1" noChangeArrowheads="1"/>
+          </p:cNvPicPr>
+          <p:nvPr/>
+        </p:nvPicPr>
+        <p:blipFill>
+          <a:blip r:embed="rId6">
+            <a:extLst>
+              <a:ext uri="{28A0092B-C50C-407E-A947-70E740481C1C}">
+                <a14:useLocalDpi xmlns:a14="http://schemas.microsoft.com/office/drawing/2010/main" val="0"/>
+              </a:ext>
+            </a:extLst>
+          </a:blip>
+          <a:srcRect/>
+          <a:stretch>
+            <a:fillRect/>
+          </a:stretch>
+        </p:blipFill>
+        <p:spPr bwMode="auto">
+          <a:xfrm>
+            <a:off x="3898853" y="2900942"/>
+            <a:ext cx="2418727" cy="1730320"/>
+          </a:xfrm>
+          <a:prstGeom prst="rect">
+            <a:avLst/>
+          </a:prstGeom>
+          <a:noFill/>
+          <a:extLst>
+            <a:ext uri="{909E8E84-426E-40DD-AFC4-6F175D3DCCD1}">
+              <a14:hiddenFill xmlns:a14="http://schemas.microsoft.com/office/drawing/2010/main">
+                <a:solidFill>
+                  <a:srgbClr val="FFFFFF"/>
+                </a:solidFill>
+              </a14:hiddenFill>
+            </a:ext>
+          </a:extLst>
+        </p:spPr>
+      </p:pic>
+      <p:pic>
+        <p:nvPicPr>
+          <p:cNvPr id="1042" name="Picture 18">
+            <a:extLst>
+              <a:ext uri="{FF2B5EF4-FFF2-40B4-BE49-F238E27FC236}">
+                <a16:creationId xmlns:a16="http://schemas.microsoft.com/office/drawing/2014/main" id="{A77872A0-B476-104B-BEB4-C57213D9F465}"/>
+              </a:ext>
+            </a:extLst>
+          </p:cNvPr>
+          <p:cNvPicPr>
+            <a:picLocks noChangeAspect="1" noChangeArrowheads="1"/>
+          </p:cNvPicPr>
+          <p:nvPr/>
+        </p:nvPicPr>
+        <p:blipFill>
+          <a:blip r:embed="rId7">
+            <a:extLst>
+              <a:ext uri="{28A0092B-C50C-407E-A947-70E740481C1C}">
+                <a14:useLocalDpi xmlns:a14="http://schemas.microsoft.com/office/drawing/2010/main" val="0"/>
+              </a:ext>
+            </a:extLst>
+          </a:blip>
+          <a:srcRect/>
+          <a:stretch>
+            <a:fillRect/>
+          </a:stretch>
+        </p:blipFill>
+        <p:spPr bwMode="auto">
+          <a:xfrm>
+            <a:off x="3922806" y="4686797"/>
+            <a:ext cx="2418727" cy="1730320"/>
+          </a:xfrm>
+          <a:prstGeom prst="rect">
+            <a:avLst/>
+          </a:prstGeom>
+          <a:noFill/>
+          <a:extLst>
+            <a:ext uri="{909E8E84-426E-40DD-AFC4-6F175D3DCCD1}">
+              <a14:hiddenFill xmlns:a14="http://schemas.microsoft.com/office/drawing/2010/main">
+                <a:solidFill>
+                  <a:srgbClr val="FFFFFF"/>
+                </a:solidFill>
+              </a14:hiddenFill>
+            </a:ext>
+          </a:extLst>
+        </p:spPr>
+      </p:pic>
     </p:spTree>
     <p:extLst>
       <p:ext uri="{BB962C8B-B14F-4D97-AF65-F5344CB8AC3E}">

--- a/NAF.pptx
+++ b/NAF.pptx
@@ -7663,7 +7663,7 @@
           <a:p>
             <a:r>
               <a:rPr lang="en-US" dirty="0"/>
-              <a:t>Prelim results (20240829)</a:t>
+              <a:t>Prelim results (20240906)</a:t>
             </a:r>
           </a:p>
         </p:txBody>
@@ -7694,6 +7694,269 @@
               <a:t>8</a:t>
             </a:fld>
             <a:endParaRPr lang="en-US"/>
+          </a:p>
+        </p:txBody>
+      </p:sp>
+      <p:pic>
+        <p:nvPicPr>
+          <p:cNvPr id="2052" name="Picture 4">
+            <a:extLst>
+              <a:ext uri="{FF2B5EF4-FFF2-40B4-BE49-F238E27FC236}">
+                <a16:creationId xmlns:a16="http://schemas.microsoft.com/office/drawing/2014/main" id="{38A653C6-36F0-1CF2-1ADA-4A528F51E433}"/>
+              </a:ext>
+            </a:extLst>
+          </p:cNvPr>
+          <p:cNvPicPr>
+            <a:picLocks noChangeAspect="1" noChangeArrowheads="1"/>
+          </p:cNvPicPr>
+          <p:nvPr/>
+        </p:nvPicPr>
+        <p:blipFill>
+          <a:blip r:embed="rId2">
+            <a:extLst>
+              <a:ext uri="{28A0092B-C50C-407E-A947-70E740481C1C}">
+                <a14:useLocalDpi xmlns:a14="http://schemas.microsoft.com/office/drawing/2010/main" val="0"/>
+              </a:ext>
+            </a:extLst>
+          </a:blip>
+          <a:srcRect/>
+          <a:stretch>
+            <a:fillRect/>
+          </a:stretch>
+        </p:blipFill>
+        <p:spPr bwMode="auto">
+          <a:xfrm>
+            <a:off x="314325" y="2497626"/>
+            <a:ext cx="4692579" cy="2613037"/>
+          </a:xfrm>
+          <a:prstGeom prst="rect">
+            <a:avLst/>
+          </a:prstGeom>
+          <a:noFill/>
+          <a:extLst>
+            <a:ext uri="{909E8E84-426E-40DD-AFC4-6F175D3DCCD1}">
+              <a14:hiddenFill xmlns:a14="http://schemas.microsoft.com/office/drawing/2010/main">
+                <a:solidFill>
+                  <a:srgbClr val="FFFFFF"/>
+                </a:solidFill>
+              </a14:hiddenFill>
+            </a:ext>
+          </a:extLst>
+        </p:spPr>
+      </p:pic>
+      <p:sp>
+        <p:nvSpPr>
+          <p:cNvPr id="4" name="TextBox 3">
+            <a:extLst>
+              <a:ext uri="{FF2B5EF4-FFF2-40B4-BE49-F238E27FC236}">
+                <a16:creationId xmlns:a16="http://schemas.microsoft.com/office/drawing/2014/main" id="{82431A3B-E847-5454-31FB-108D0D3943A3}"/>
+              </a:ext>
+            </a:extLst>
+          </p:cNvPr>
+          <p:cNvSpPr txBox="1"/>
+          <p:nvPr/>
+        </p:nvSpPr>
+        <p:spPr>
+          <a:xfrm>
+            <a:off x="4292600" y="1227667"/>
+            <a:ext cx="4199467" cy="369332"/>
+          </a:xfrm>
+          <a:prstGeom prst="rect">
+            <a:avLst/>
+          </a:prstGeom>
+          <a:noFill/>
+        </p:spPr>
+        <p:txBody>
+          <a:bodyPr wrap="square" rtlCol="0">
+            <a:spAutoFit/>
+          </a:bodyPr>
+          <a:lstStyle/>
+          <a:p>
+            <a:pPr algn="ctr"/>
+            <a:r>
+              <a:rPr lang="en-US" dirty="0"/>
+              <a:t>RH = 10%, sigma=1.35 nm-2</a:t>
+            </a:r>
+          </a:p>
+        </p:txBody>
+      </p:sp>
+      <p:sp>
+        <p:nvSpPr>
+          <p:cNvPr id="5" name="TextBox 4">
+            <a:extLst>
+              <a:ext uri="{FF2B5EF4-FFF2-40B4-BE49-F238E27FC236}">
+                <a16:creationId xmlns:a16="http://schemas.microsoft.com/office/drawing/2014/main" id="{7EA60FEE-782F-693D-8DD9-59ECC28733CD}"/>
+              </a:ext>
+            </a:extLst>
+          </p:cNvPr>
+          <p:cNvSpPr txBox="1"/>
+          <p:nvPr/>
+        </p:nvSpPr>
+        <p:spPr>
+          <a:xfrm>
+            <a:off x="1261532" y="2128293"/>
+            <a:ext cx="2015067" cy="369332"/>
+          </a:xfrm>
+          <a:prstGeom prst="rect">
+            <a:avLst/>
+          </a:prstGeom>
+          <a:noFill/>
+        </p:spPr>
+        <p:txBody>
+          <a:bodyPr wrap="square" rtlCol="0">
+            <a:spAutoFit/>
+          </a:bodyPr>
+          <a:lstStyle/>
+          <a:p>
+            <a:pPr algn="ctr"/>
+            <a:r>
+              <a:rPr lang="en-US" dirty="0" err="1"/>
+              <a:t>Lpha</a:t>
+            </a:r>
+            <a:r>
+              <a:rPr lang="en-US" dirty="0"/>
+              <a:t> = 0.6 nm</a:t>
+            </a:r>
+          </a:p>
+        </p:txBody>
+      </p:sp>
+      <p:pic>
+        <p:nvPicPr>
+          <p:cNvPr id="2054" name="Picture 6">
+            <a:extLst>
+              <a:ext uri="{FF2B5EF4-FFF2-40B4-BE49-F238E27FC236}">
+                <a16:creationId xmlns:a16="http://schemas.microsoft.com/office/drawing/2014/main" id="{CF41D099-27E5-397F-1A74-9D715D077A4C}"/>
+              </a:ext>
+            </a:extLst>
+          </p:cNvPr>
+          <p:cNvPicPr>
+            <a:picLocks noChangeAspect="1" noChangeArrowheads="1"/>
+          </p:cNvPicPr>
+          <p:nvPr/>
+        </p:nvPicPr>
+        <p:blipFill>
+          <a:blip r:embed="rId3">
+            <a:extLst>
+              <a:ext uri="{28A0092B-C50C-407E-A947-70E740481C1C}">
+                <a14:useLocalDpi xmlns:a14="http://schemas.microsoft.com/office/drawing/2010/main" val="0"/>
+              </a:ext>
+            </a:extLst>
+          </a:blip>
+          <a:srcRect/>
+          <a:stretch>
+            <a:fillRect/>
+          </a:stretch>
+        </p:blipFill>
+        <p:spPr bwMode="auto">
+          <a:xfrm>
+            <a:off x="5597525" y="2497625"/>
+            <a:ext cx="4692579" cy="2613037"/>
+          </a:xfrm>
+          <a:prstGeom prst="rect">
+            <a:avLst/>
+          </a:prstGeom>
+          <a:noFill/>
+          <a:extLst>
+            <a:ext uri="{909E8E84-426E-40DD-AFC4-6F175D3DCCD1}">
+              <a14:hiddenFill xmlns:a14="http://schemas.microsoft.com/office/drawing/2010/main">
+                <a:solidFill>
+                  <a:srgbClr val="FFFFFF"/>
+                </a:solidFill>
+              </a14:hiddenFill>
+            </a:ext>
+          </a:extLst>
+        </p:spPr>
+      </p:pic>
+      <p:sp>
+        <p:nvSpPr>
+          <p:cNvPr id="6" name="TextBox 5">
+            <a:extLst>
+              <a:ext uri="{FF2B5EF4-FFF2-40B4-BE49-F238E27FC236}">
+                <a16:creationId xmlns:a16="http://schemas.microsoft.com/office/drawing/2014/main" id="{90F391D5-9334-D2C3-2643-7204EEB8823B}"/>
+              </a:ext>
+            </a:extLst>
+          </p:cNvPr>
+          <p:cNvSpPr txBox="1"/>
+          <p:nvPr/>
+        </p:nvSpPr>
+        <p:spPr>
+          <a:xfrm>
+            <a:off x="6595533" y="2128293"/>
+            <a:ext cx="2015067" cy="369332"/>
+          </a:xfrm>
+          <a:prstGeom prst="rect">
+            <a:avLst/>
+          </a:prstGeom>
+          <a:noFill/>
+        </p:spPr>
+        <p:txBody>
+          <a:bodyPr wrap="square" rtlCol="0">
+            <a:spAutoFit/>
+          </a:bodyPr>
+          <a:lstStyle/>
+          <a:p>
+            <a:pPr algn="ctr"/>
+            <a:r>
+              <a:rPr lang="en-US" dirty="0" err="1"/>
+              <a:t>Lpha</a:t>
+            </a:r>
+            <a:r>
+              <a:rPr lang="en-US" dirty="0"/>
+              <a:t> = 1.0 nm</a:t>
+            </a:r>
+          </a:p>
+        </p:txBody>
+      </p:sp>
+      <p:sp>
+        <p:nvSpPr>
+          <p:cNvPr id="7" name="Rectangle 6">
+            <a:extLst>
+              <a:ext uri="{FF2B5EF4-FFF2-40B4-BE49-F238E27FC236}">
+                <a16:creationId xmlns:a16="http://schemas.microsoft.com/office/drawing/2014/main" id="{0204DB19-8F38-C75A-1571-1C8B09704D87}"/>
+              </a:ext>
+            </a:extLst>
+          </p:cNvPr>
+          <p:cNvSpPr/>
+          <p:nvPr/>
+        </p:nvSpPr>
+        <p:spPr>
+          <a:xfrm>
+            <a:off x="6049432" y="5194300"/>
+            <a:ext cx="3107267" cy="872066"/>
+          </a:xfrm>
+          <a:prstGeom prst="rect">
+            <a:avLst/>
+          </a:prstGeom>
+        </p:spPr>
+        <p:style>
+          <a:lnRef idx="2">
+            <a:schemeClr val="accent1">
+              <a:shade val="15000"/>
+            </a:schemeClr>
+          </a:lnRef>
+          <a:fillRef idx="1">
+            <a:schemeClr val="accent1"/>
+          </a:fillRef>
+          <a:effectRef idx="0">
+            <a:schemeClr val="accent1"/>
+          </a:effectRef>
+          <a:fontRef idx="minor">
+            <a:schemeClr val="lt1"/>
+          </a:fontRef>
+        </p:style>
+        <p:txBody>
+          <a:bodyPr rtlCol="0" anchor="ctr"/>
+          <a:lstStyle/>
+          <a:p>
+            <a:pPr algn="ctr"/>
+            <a:r>
+              <a:rPr lang="en-US" dirty="0" err="1"/>
+              <a:t>dz</a:t>
+            </a:r>
+            <a:r>
+              <a:rPr lang="en-US" dirty="0"/>
+              <a:t> decrease?</a:t>
+            </a:r>
           </a:p>
         </p:txBody>
       </p:sp>

--- a/NAF.pptx
+++ b/NAF.pptx
@@ -204,7 +204,7 @@
           <a:p>
             <a:fld id="{4299902A-6DB3-4A13-9B91-BEABFDA2FC16}" type="datetimeFigureOut">
               <a:rPr lang="en-US" smtClean="0"/>
-              <a:t>9/6/2024</a:t>
+              <a:t>9/7/2024</a:t>
             </a:fld>
             <a:endParaRPr lang="en-US"/>
           </a:p>
@@ -7907,12 +7907,59 @@
           </a:p>
         </p:txBody>
       </p:sp>
+      <p:pic>
+        <p:nvPicPr>
+          <p:cNvPr id="1026" name="Picture 2">
+            <a:extLst>
+              <a:ext uri="{FF2B5EF4-FFF2-40B4-BE49-F238E27FC236}">
+                <a16:creationId xmlns:a16="http://schemas.microsoft.com/office/drawing/2014/main" id="{0E81841A-EA93-708C-95E6-D412898F7277}"/>
+              </a:ext>
+            </a:extLst>
+          </p:cNvPr>
+          <p:cNvPicPr>
+            <a:picLocks noChangeAspect="1" noChangeArrowheads="1"/>
+          </p:cNvPicPr>
+          <p:nvPr/>
+        </p:nvPicPr>
+        <p:blipFill>
+          <a:blip r:embed="rId4">
+            <a:extLst>
+              <a:ext uri="{28A0092B-C50C-407E-A947-70E740481C1C}">
+                <a14:useLocalDpi xmlns:a14="http://schemas.microsoft.com/office/drawing/2010/main" val="0"/>
+              </a:ext>
+            </a:extLst>
+          </a:blip>
+          <a:srcRect/>
+          <a:stretch>
+            <a:fillRect/>
+          </a:stretch>
+        </p:blipFill>
+        <p:spPr bwMode="auto">
+          <a:xfrm>
+            <a:off x="6777045" y="3543769"/>
+            <a:ext cx="4692578" cy="2613037"/>
+          </a:xfrm>
+          <a:prstGeom prst="rect">
+            <a:avLst/>
+          </a:prstGeom>
+          <a:noFill/>
+          <a:extLst>
+            <a:ext uri="{909E8E84-426E-40DD-AFC4-6F175D3DCCD1}">
+              <a14:hiddenFill xmlns:a14="http://schemas.microsoft.com/office/drawing/2010/main">
+                <a:solidFill>
+                  <a:srgbClr val="FFFFFF"/>
+                </a:solidFill>
+              </a14:hiddenFill>
+            </a:ext>
+          </a:extLst>
+        </p:spPr>
+      </p:pic>
       <p:sp>
         <p:nvSpPr>
-          <p:cNvPr id="7" name="Rectangle 6">
-            <a:extLst>
-              <a:ext uri="{FF2B5EF4-FFF2-40B4-BE49-F238E27FC236}">
-                <a16:creationId xmlns:a16="http://schemas.microsoft.com/office/drawing/2014/main" id="{0204DB19-8F38-C75A-1571-1C8B09704D87}"/>
+          <p:cNvPr id="8" name="Rectangle 7">
+            <a:extLst>
+              <a:ext uri="{FF2B5EF4-FFF2-40B4-BE49-F238E27FC236}">
+                <a16:creationId xmlns:a16="http://schemas.microsoft.com/office/drawing/2014/main" id="{0CC0F909-3CAC-7AF8-6355-D431510D400D}"/>
               </a:ext>
             </a:extLst>
           </p:cNvPr>
@@ -7921,8 +7968,8 @@
         </p:nvSpPr>
         <p:spPr>
           <a:xfrm>
-            <a:off x="6049432" y="5194300"/>
-            <a:ext cx="3107267" cy="872066"/>
+            <a:off x="5560626" y="2932077"/>
+            <a:ext cx="1624472" cy="872066"/>
           </a:xfrm>
           <a:prstGeom prst="rect">
             <a:avLst/>
@@ -7955,7 +8002,60 @@
             </a:r>
             <a:r>
               <a:rPr lang="en-US" dirty="0"/>
-              <a:t> decrease?</a:t>
+              <a:t> = 0.05</a:t>
+            </a:r>
+          </a:p>
+        </p:txBody>
+      </p:sp>
+      <p:sp>
+        <p:nvSpPr>
+          <p:cNvPr id="7" name="Rectangle 6">
+            <a:extLst>
+              <a:ext uri="{FF2B5EF4-FFF2-40B4-BE49-F238E27FC236}">
+                <a16:creationId xmlns:a16="http://schemas.microsoft.com/office/drawing/2014/main" id="{0204DB19-8F38-C75A-1571-1C8B09704D87}"/>
+              </a:ext>
+            </a:extLst>
+          </p:cNvPr>
+          <p:cNvSpPr/>
+          <p:nvPr/>
+        </p:nvSpPr>
+        <p:spPr>
+          <a:xfrm>
+            <a:off x="7424638" y="3696708"/>
+            <a:ext cx="1624472" cy="872066"/>
+          </a:xfrm>
+          <a:prstGeom prst="rect">
+            <a:avLst/>
+          </a:prstGeom>
+        </p:spPr>
+        <p:style>
+          <a:lnRef idx="2">
+            <a:schemeClr val="accent1">
+              <a:shade val="15000"/>
+            </a:schemeClr>
+          </a:lnRef>
+          <a:fillRef idx="1">
+            <a:schemeClr val="accent1"/>
+          </a:fillRef>
+          <a:effectRef idx="0">
+            <a:schemeClr val="accent1"/>
+          </a:effectRef>
+          <a:fontRef idx="minor">
+            <a:schemeClr val="lt1"/>
+          </a:fontRef>
+        </p:style>
+        <p:txBody>
+          <a:bodyPr rtlCol="0" anchor="ctr"/>
+          <a:lstStyle/>
+          <a:p>
+            <a:pPr algn="ctr"/>
+            <a:r>
+              <a:rPr lang="en-US" dirty="0" err="1"/>
+              <a:t>dz</a:t>
+            </a:r>
+            <a:r>
+              <a:rPr lang="en-US" dirty="0"/>
+              <a:t> = 0.02</a:t>
             </a:r>
           </a:p>
         </p:txBody>

--- a/NAF.pptx
+++ b/NAF.pptx
@@ -204,7 +204,7 @@
           <a:p>
             <a:fld id="{4299902A-6DB3-4A13-9B91-BEABFDA2FC16}" type="datetimeFigureOut">
               <a:rPr lang="en-US" smtClean="0"/>
-              <a:t>9/7/2024</a:t>
+              <a:t>9/9/2024</a:t>
             </a:fld>
             <a:endParaRPr lang="en-US"/>
           </a:p>
@@ -7849,7 +7849,7 @@
         </p:blipFill>
         <p:spPr bwMode="auto">
           <a:xfrm>
-            <a:off x="5597525" y="2497625"/>
+            <a:off x="5402792" y="1813950"/>
             <a:ext cx="4692579" cy="2613037"/>
           </a:xfrm>
           <a:prstGeom prst="rect">
@@ -7881,7 +7881,7 @@
         </p:nvSpPr>
         <p:spPr>
           <a:xfrm>
-            <a:off x="6595533" y="2128293"/>
+            <a:off x="7749081" y="1559498"/>
             <a:ext cx="2015067" cy="369332"/>
           </a:xfrm>
           <a:prstGeom prst="rect">
@@ -7936,7 +7936,7 @@
         </p:blipFill>
         <p:spPr bwMode="auto">
           <a:xfrm>
-            <a:off x="6777045" y="3543769"/>
+            <a:off x="5234192" y="3743313"/>
             <a:ext cx="4692578" cy="2613037"/>
           </a:xfrm>
           <a:prstGeom prst="rect">
@@ -7968,7 +7968,7 @@
         </p:nvSpPr>
         <p:spPr>
           <a:xfrm>
-            <a:off x="5560626" y="2932077"/>
+            <a:off x="5365893" y="2248402"/>
             <a:ext cx="1624472" cy="872066"/>
           </a:xfrm>
           <a:prstGeom prst="rect">
@@ -8021,7 +8021,7 @@
         </p:nvSpPr>
         <p:spPr>
           <a:xfrm>
-            <a:off x="7424638" y="3696708"/>
+            <a:off x="4908183" y="4432218"/>
             <a:ext cx="1624472" cy="872066"/>
           </a:xfrm>
           <a:prstGeom prst="rect">

--- a/NAF.pptx
+++ b/NAF.pptx
@@ -5,7 +5,7 @@
     <p:sldMasterId id="2147483648" r:id="rId1"/>
   </p:sldMasterIdLst>
   <p:notesMasterIdLst>
-    <p:notesMasterId r:id="rId10"/>
+    <p:notesMasterId r:id="rId11"/>
   </p:notesMasterIdLst>
   <p:sldIdLst>
     <p:sldId id="256" r:id="rId2"/>
@@ -16,6 +16,7 @@
     <p:sldId id="262" r:id="rId7"/>
     <p:sldId id="264" r:id="rId8"/>
     <p:sldId id="265" r:id="rId9"/>
+    <p:sldId id="266" r:id="rId10"/>
   </p:sldIdLst>
   <p:sldSz cx="12192000" cy="6858000"/>
   <p:notesSz cx="6858000" cy="9144000"/>
@@ -204,7 +205,7 @@
           <a:p>
             <a:fld id="{4299902A-6DB3-4A13-9B91-BEABFDA2FC16}" type="datetimeFigureOut">
               <a:rPr lang="en-US" smtClean="0"/>
-              <a:t>9/9/2024</a:t>
+              <a:t>9/25/2024</a:t>
             </a:fld>
             <a:endParaRPr lang="en-US"/>
           </a:p>
@@ -8073,6 +8074,563 @@
 </p:sld>
 </file>
 
+<file path=ppt/slides/slide9.xml><?xml version="1.0" encoding="utf-8"?>
+<p:sld xmlns:a="http://schemas.openxmlformats.org/drawingml/2006/main" xmlns:r="http://schemas.openxmlformats.org/officeDocument/2006/relationships" xmlns:p="http://schemas.openxmlformats.org/presentationml/2006/main">
+  <p:cSld>
+    <p:spTree>
+      <p:nvGrpSpPr>
+        <p:cNvPr id="1" name=""/>
+        <p:cNvGrpSpPr/>
+        <p:nvPr/>
+      </p:nvGrpSpPr>
+      <p:grpSpPr>
+        <a:xfrm>
+          <a:off x="0" y="0"/>
+          <a:ext cx="0" cy="0"/>
+          <a:chOff x="0" y="0"/>
+          <a:chExt cx="0" cy="0"/>
+        </a:xfrm>
+      </p:grpSpPr>
+      <p:sp>
+        <p:nvSpPr>
+          <p:cNvPr id="2" name="Title 1">
+            <a:extLst>
+              <a:ext uri="{FF2B5EF4-FFF2-40B4-BE49-F238E27FC236}">
+                <a16:creationId xmlns:a16="http://schemas.microsoft.com/office/drawing/2014/main" id="{96E5D70C-5D00-1EFF-8C25-0C9324D4FB63}"/>
+              </a:ext>
+            </a:extLst>
+          </p:cNvPr>
+          <p:cNvSpPr>
+            <a:spLocks noGrp="1"/>
+          </p:cNvSpPr>
+          <p:nvPr>
+            <p:ph type="title"/>
+          </p:nvPr>
+        </p:nvSpPr>
+        <p:spPr/>
+        <p:txBody>
+          <a:bodyPr/>
+          <a:lstStyle/>
+          <a:p>
+            <a:endParaRPr lang="en-US"/>
+          </a:p>
+        </p:txBody>
+      </p:sp>
+      <p:sp>
+        <p:nvSpPr>
+          <p:cNvPr id="3" name="Slide Number Placeholder 2">
+            <a:extLst>
+              <a:ext uri="{FF2B5EF4-FFF2-40B4-BE49-F238E27FC236}">
+                <a16:creationId xmlns:a16="http://schemas.microsoft.com/office/drawing/2014/main" id="{7598627B-C1B6-B604-13A7-B14986EE920A}"/>
+              </a:ext>
+            </a:extLst>
+          </p:cNvPr>
+          <p:cNvSpPr>
+            <a:spLocks noGrp="1"/>
+          </p:cNvSpPr>
+          <p:nvPr>
+            <p:ph type="sldNum" sz="quarter" idx="12"/>
+          </p:nvPr>
+        </p:nvSpPr>
+        <p:spPr/>
+        <p:txBody>
+          <a:bodyPr/>
+          <a:lstStyle/>
+          <a:p>
+            <a:fld id="{5911C0E6-D9CE-431C-92CB-BB39B872F930}" type="slidenum">
+              <a:rPr lang="en-US" smtClean="0"/>
+              <a:t>9</a:t>
+            </a:fld>
+            <a:endParaRPr lang="en-US"/>
+          </a:p>
+        </p:txBody>
+      </p:sp>
+      <p:pic>
+        <p:nvPicPr>
+          <p:cNvPr id="1026" name="Picture 2">
+            <a:extLst>
+              <a:ext uri="{FF2B5EF4-FFF2-40B4-BE49-F238E27FC236}">
+                <a16:creationId xmlns:a16="http://schemas.microsoft.com/office/drawing/2014/main" id="{B5F78EB8-B0E6-ED7E-FD7C-87E7E8FBE3E2}"/>
+              </a:ext>
+            </a:extLst>
+          </p:cNvPr>
+          <p:cNvPicPr>
+            <a:picLocks noChangeAspect="1" noChangeArrowheads="1"/>
+          </p:cNvPicPr>
+          <p:nvPr/>
+        </p:nvPicPr>
+        <p:blipFill>
+          <a:blip r:embed="rId2">
+            <a:extLst>
+              <a:ext uri="{28A0092B-C50C-407E-A947-70E740481C1C}">
+                <a14:useLocalDpi xmlns:a14="http://schemas.microsoft.com/office/drawing/2010/main" val="0"/>
+              </a:ext>
+            </a:extLst>
+          </a:blip>
+          <a:srcRect/>
+          <a:stretch>
+            <a:fillRect/>
+          </a:stretch>
+        </p:blipFill>
+        <p:spPr bwMode="auto">
+          <a:xfrm>
+            <a:off x="0" y="1870264"/>
+            <a:ext cx="3146893" cy="2016911"/>
+          </a:xfrm>
+          <a:prstGeom prst="rect">
+            <a:avLst/>
+          </a:prstGeom>
+          <a:noFill/>
+          <a:extLst>
+            <a:ext uri="{909E8E84-426E-40DD-AFC4-6F175D3DCCD1}">
+              <a14:hiddenFill xmlns:a14="http://schemas.microsoft.com/office/drawing/2010/main">
+                <a:solidFill>
+                  <a:srgbClr val="FFFFFF"/>
+                </a:solidFill>
+              </a14:hiddenFill>
+            </a:ext>
+          </a:extLst>
+        </p:spPr>
+      </p:pic>
+      <p:sp>
+        <p:nvSpPr>
+          <p:cNvPr id="4" name="TextBox 3">
+            <a:extLst>
+              <a:ext uri="{FF2B5EF4-FFF2-40B4-BE49-F238E27FC236}">
+                <a16:creationId xmlns:a16="http://schemas.microsoft.com/office/drawing/2014/main" id="{9377FBE4-4387-8AA8-5D98-5B187A26BCB7}"/>
+              </a:ext>
+            </a:extLst>
+          </p:cNvPr>
+          <p:cNvSpPr txBox="1"/>
+          <p:nvPr/>
+        </p:nvSpPr>
+        <p:spPr>
+          <a:xfrm>
+            <a:off x="499680" y="1459467"/>
+            <a:ext cx="2015067" cy="369332"/>
+          </a:xfrm>
+          <a:prstGeom prst="rect">
+            <a:avLst/>
+          </a:prstGeom>
+          <a:noFill/>
+        </p:spPr>
+        <p:txBody>
+          <a:bodyPr wrap="square" rtlCol="0">
+            <a:spAutoFit/>
+          </a:bodyPr>
+          <a:lstStyle/>
+          <a:p>
+            <a:pPr algn="ctr"/>
+            <a:r>
+              <a:rPr lang="en-US" dirty="0"/>
+              <a:t>-1 e-20</a:t>
+            </a:r>
+          </a:p>
+        </p:txBody>
+      </p:sp>
+      <p:pic>
+        <p:nvPicPr>
+          <p:cNvPr id="1028" name="Picture 4">
+            <a:extLst>
+              <a:ext uri="{FF2B5EF4-FFF2-40B4-BE49-F238E27FC236}">
+                <a16:creationId xmlns:a16="http://schemas.microsoft.com/office/drawing/2014/main" id="{7AE48D7E-7298-7D11-0EAB-6B36B5E216B4}"/>
+              </a:ext>
+            </a:extLst>
+          </p:cNvPr>
+          <p:cNvPicPr>
+            <a:picLocks noChangeAspect="1" noChangeArrowheads="1"/>
+          </p:cNvPicPr>
+          <p:nvPr/>
+        </p:nvPicPr>
+        <p:blipFill>
+          <a:blip r:embed="rId3">
+            <a:extLst>
+              <a:ext uri="{28A0092B-C50C-407E-A947-70E740481C1C}">
+                <a14:useLocalDpi xmlns:a14="http://schemas.microsoft.com/office/drawing/2010/main" val="0"/>
+              </a:ext>
+            </a:extLst>
+          </a:blip>
+          <a:srcRect/>
+          <a:stretch>
+            <a:fillRect/>
+          </a:stretch>
+        </p:blipFill>
+        <p:spPr bwMode="auto">
+          <a:xfrm>
+            <a:off x="3089820" y="1828799"/>
+            <a:ext cx="3006180" cy="2016912"/>
+          </a:xfrm>
+          <a:prstGeom prst="rect">
+            <a:avLst/>
+          </a:prstGeom>
+          <a:noFill/>
+          <a:extLst>
+            <a:ext uri="{909E8E84-426E-40DD-AFC4-6F175D3DCCD1}">
+              <a14:hiddenFill xmlns:a14="http://schemas.microsoft.com/office/drawing/2010/main">
+                <a:solidFill>
+                  <a:srgbClr val="FFFFFF"/>
+                </a:solidFill>
+              </a14:hiddenFill>
+            </a:ext>
+          </a:extLst>
+        </p:spPr>
+      </p:pic>
+      <p:sp>
+        <p:nvSpPr>
+          <p:cNvPr id="5" name="TextBox 4">
+            <a:extLst>
+              <a:ext uri="{FF2B5EF4-FFF2-40B4-BE49-F238E27FC236}">
+                <a16:creationId xmlns:a16="http://schemas.microsoft.com/office/drawing/2014/main" id="{6AA71D96-3286-3D2A-4B06-A932304BD988}"/>
+              </a:ext>
+            </a:extLst>
+          </p:cNvPr>
+          <p:cNvSpPr txBox="1"/>
+          <p:nvPr/>
+        </p:nvSpPr>
+        <p:spPr>
+          <a:xfrm>
+            <a:off x="3560657" y="1465764"/>
+            <a:ext cx="2015067" cy="369332"/>
+          </a:xfrm>
+          <a:prstGeom prst="rect">
+            <a:avLst/>
+          </a:prstGeom>
+          <a:noFill/>
+        </p:spPr>
+        <p:txBody>
+          <a:bodyPr wrap="square" rtlCol="0">
+            <a:spAutoFit/>
+          </a:bodyPr>
+          <a:lstStyle/>
+          <a:p>
+            <a:pPr algn="ctr"/>
+            <a:r>
+              <a:rPr lang="en-US" dirty="0"/>
+              <a:t>-5 e-20</a:t>
+            </a:r>
+          </a:p>
+        </p:txBody>
+      </p:sp>
+      <p:pic>
+        <p:nvPicPr>
+          <p:cNvPr id="1030" name="Picture 6">
+            <a:extLst>
+              <a:ext uri="{FF2B5EF4-FFF2-40B4-BE49-F238E27FC236}">
+                <a16:creationId xmlns:a16="http://schemas.microsoft.com/office/drawing/2014/main" id="{51BE5055-A55C-D57D-2527-817D3F227D99}"/>
+              </a:ext>
+            </a:extLst>
+          </p:cNvPr>
+          <p:cNvPicPr>
+            <a:picLocks noChangeAspect="1" noChangeArrowheads="1"/>
+          </p:cNvPicPr>
+          <p:nvPr/>
+        </p:nvPicPr>
+        <p:blipFill>
+          <a:blip r:embed="rId4">
+            <a:extLst>
+              <a:ext uri="{28A0092B-C50C-407E-A947-70E740481C1C}">
+                <a14:useLocalDpi xmlns:a14="http://schemas.microsoft.com/office/drawing/2010/main" val="0"/>
+              </a:ext>
+            </a:extLst>
+          </a:blip>
+          <a:srcRect/>
+          <a:stretch>
+            <a:fillRect/>
+          </a:stretch>
+        </p:blipFill>
+        <p:spPr bwMode="auto">
+          <a:xfrm>
+            <a:off x="6123134" y="3845711"/>
+            <a:ext cx="3095524" cy="2076855"/>
+          </a:xfrm>
+          <a:prstGeom prst="rect">
+            <a:avLst/>
+          </a:prstGeom>
+          <a:noFill/>
+          <a:extLst>
+            <a:ext uri="{909E8E84-426E-40DD-AFC4-6F175D3DCCD1}">
+              <a14:hiddenFill xmlns:a14="http://schemas.microsoft.com/office/drawing/2010/main">
+                <a:solidFill>
+                  <a:srgbClr val="FFFFFF"/>
+                </a:solidFill>
+              </a14:hiddenFill>
+            </a:ext>
+          </a:extLst>
+        </p:spPr>
+      </p:pic>
+      <p:pic>
+        <p:nvPicPr>
+          <p:cNvPr id="1032" name="Picture 8">
+            <a:extLst>
+              <a:ext uri="{FF2B5EF4-FFF2-40B4-BE49-F238E27FC236}">
+                <a16:creationId xmlns:a16="http://schemas.microsoft.com/office/drawing/2014/main" id="{74776D8A-C559-3A98-1953-5479FFCF5D8C}"/>
+              </a:ext>
+            </a:extLst>
+          </p:cNvPr>
+          <p:cNvPicPr>
+            <a:picLocks noChangeAspect="1" noChangeArrowheads="1"/>
+          </p:cNvPicPr>
+          <p:nvPr/>
+        </p:nvPicPr>
+        <p:blipFill>
+          <a:blip r:embed="rId5">
+            <a:extLst>
+              <a:ext uri="{28A0092B-C50C-407E-A947-70E740481C1C}">
+                <a14:useLocalDpi xmlns:a14="http://schemas.microsoft.com/office/drawing/2010/main" val="0"/>
+              </a:ext>
+            </a:extLst>
+          </a:blip>
+          <a:srcRect/>
+          <a:stretch>
+            <a:fillRect/>
+          </a:stretch>
+        </p:blipFill>
+        <p:spPr bwMode="auto">
+          <a:xfrm>
+            <a:off x="6096000" y="1828799"/>
+            <a:ext cx="3053085" cy="2016912"/>
+          </a:xfrm>
+          <a:prstGeom prst="rect">
+            <a:avLst/>
+          </a:prstGeom>
+          <a:noFill/>
+          <a:extLst>
+            <a:ext uri="{909E8E84-426E-40DD-AFC4-6F175D3DCCD1}">
+              <a14:hiddenFill xmlns:a14="http://schemas.microsoft.com/office/drawing/2010/main">
+                <a:solidFill>
+                  <a:srgbClr val="FFFFFF"/>
+                </a:solidFill>
+              </a14:hiddenFill>
+            </a:ext>
+          </a:extLst>
+        </p:spPr>
+      </p:pic>
+      <p:sp>
+        <p:nvSpPr>
+          <p:cNvPr id="6" name="TextBox 5">
+            <a:extLst>
+              <a:ext uri="{FF2B5EF4-FFF2-40B4-BE49-F238E27FC236}">
+                <a16:creationId xmlns:a16="http://schemas.microsoft.com/office/drawing/2014/main" id="{379F85A2-D6B2-F701-0AB5-6D4B3E209F8D}"/>
+              </a:ext>
+            </a:extLst>
+          </p:cNvPr>
+          <p:cNvSpPr txBox="1"/>
+          <p:nvPr/>
+        </p:nvSpPr>
+        <p:spPr>
+          <a:xfrm>
+            <a:off x="6663362" y="1427241"/>
+            <a:ext cx="2015067" cy="369332"/>
+          </a:xfrm>
+          <a:prstGeom prst="rect">
+            <a:avLst/>
+          </a:prstGeom>
+          <a:noFill/>
+        </p:spPr>
+        <p:txBody>
+          <a:bodyPr wrap="square" rtlCol="0">
+            <a:spAutoFit/>
+          </a:bodyPr>
+          <a:lstStyle/>
+          <a:p>
+            <a:pPr algn="ctr"/>
+            <a:r>
+              <a:rPr lang="en-US" dirty="0"/>
+              <a:t>-10 e-20</a:t>
+            </a:r>
+          </a:p>
+        </p:txBody>
+      </p:sp>
+      <p:pic>
+        <p:nvPicPr>
+          <p:cNvPr id="1034" name="Picture 10">
+            <a:extLst>
+              <a:ext uri="{FF2B5EF4-FFF2-40B4-BE49-F238E27FC236}">
+                <a16:creationId xmlns:a16="http://schemas.microsoft.com/office/drawing/2014/main" id="{E28DF43D-0B40-C85A-C673-83285EE76CC7}"/>
+              </a:ext>
+            </a:extLst>
+          </p:cNvPr>
+          <p:cNvPicPr>
+            <a:picLocks noChangeAspect="1" noChangeArrowheads="1"/>
+          </p:cNvPicPr>
+          <p:nvPr/>
+        </p:nvPicPr>
+        <p:blipFill>
+          <a:blip r:embed="rId6">
+            <a:extLst>
+              <a:ext uri="{28A0092B-C50C-407E-A947-70E740481C1C}">
+                <a14:useLocalDpi xmlns:a14="http://schemas.microsoft.com/office/drawing/2010/main" val="0"/>
+              </a:ext>
+            </a:extLst>
+          </a:blip>
+          <a:srcRect/>
+          <a:stretch>
+            <a:fillRect/>
+          </a:stretch>
+        </p:blipFill>
+        <p:spPr bwMode="auto">
+          <a:xfrm>
+            <a:off x="3020429" y="3845711"/>
+            <a:ext cx="3095524" cy="2076855"/>
+          </a:xfrm>
+          <a:prstGeom prst="rect">
+            <a:avLst/>
+          </a:prstGeom>
+          <a:noFill/>
+          <a:extLst>
+            <a:ext uri="{909E8E84-426E-40DD-AFC4-6F175D3DCCD1}">
+              <a14:hiddenFill xmlns:a14="http://schemas.microsoft.com/office/drawing/2010/main">
+                <a:solidFill>
+                  <a:srgbClr val="FFFFFF"/>
+                </a:solidFill>
+              </a14:hiddenFill>
+            </a:ext>
+          </a:extLst>
+        </p:spPr>
+      </p:pic>
+      <p:pic>
+        <p:nvPicPr>
+          <p:cNvPr id="1036" name="Picture 12">
+            <a:extLst>
+              <a:ext uri="{FF2B5EF4-FFF2-40B4-BE49-F238E27FC236}">
+                <a16:creationId xmlns:a16="http://schemas.microsoft.com/office/drawing/2014/main" id="{DEA80948-8B2E-1FF3-F45D-BD328294E6F7}"/>
+              </a:ext>
+            </a:extLst>
+          </p:cNvPr>
+          <p:cNvPicPr>
+            <a:picLocks noChangeAspect="1" noChangeArrowheads="1"/>
+          </p:cNvPicPr>
+          <p:nvPr/>
+        </p:nvPicPr>
+        <p:blipFill>
+          <a:blip r:embed="rId7">
+            <a:extLst>
+              <a:ext uri="{28A0092B-C50C-407E-A947-70E740481C1C}">
+                <a14:useLocalDpi xmlns:a14="http://schemas.microsoft.com/office/drawing/2010/main" val="0"/>
+              </a:ext>
+            </a:extLst>
+          </a:blip>
+          <a:srcRect/>
+          <a:stretch>
+            <a:fillRect/>
+          </a:stretch>
+        </p:blipFill>
+        <p:spPr bwMode="auto">
+          <a:xfrm>
+            <a:off x="9225839" y="1828799"/>
+            <a:ext cx="2929426" cy="2016912"/>
+          </a:xfrm>
+          <a:prstGeom prst="rect">
+            <a:avLst/>
+          </a:prstGeom>
+          <a:noFill/>
+          <a:extLst>
+            <a:ext uri="{909E8E84-426E-40DD-AFC4-6F175D3DCCD1}">
+              <a14:hiddenFill xmlns:a14="http://schemas.microsoft.com/office/drawing/2010/main">
+                <a:solidFill>
+                  <a:srgbClr val="FFFFFF"/>
+                </a:solidFill>
+              </a14:hiddenFill>
+            </a:ext>
+          </a:extLst>
+        </p:spPr>
+      </p:pic>
+      <p:pic>
+        <p:nvPicPr>
+          <p:cNvPr id="1038" name="Picture 14">
+            <a:extLst>
+              <a:ext uri="{FF2B5EF4-FFF2-40B4-BE49-F238E27FC236}">
+                <a16:creationId xmlns:a16="http://schemas.microsoft.com/office/drawing/2014/main" id="{79CFD6CF-60AC-71DE-D5E9-640A14CD6615}"/>
+              </a:ext>
+            </a:extLst>
+          </p:cNvPr>
+          <p:cNvPicPr>
+            <a:picLocks noChangeAspect="1" noChangeArrowheads="1"/>
+          </p:cNvPicPr>
+          <p:nvPr/>
+        </p:nvPicPr>
+        <p:blipFill>
+          <a:blip r:embed="rId8">
+            <a:extLst>
+              <a:ext uri="{28A0092B-C50C-407E-A947-70E740481C1C}">
+                <a14:useLocalDpi xmlns:a14="http://schemas.microsoft.com/office/drawing/2010/main" val="0"/>
+              </a:ext>
+            </a:extLst>
+          </a:blip>
+          <a:srcRect/>
+          <a:stretch>
+            <a:fillRect/>
+          </a:stretch>
+        </p:blipFill>
+        <p:spPr bwMode="auto">
+          <a:xfrm>
+            <a:off x="9185076" y="3819129"/>
+            <a:ext cx="3006180" cy="2103437"/>
+          </a:xfrm>
+          <a:prstGeom prst="rect">
+            <a:avLst/>
+          </a:prstGeom>
+          <a:noFill/>
+          <a:extLst>
+            <a:ext uri="{909E8E84-426E-40DD-AFC4-6F175D3DCCD1}">
+              <a14:hiddenFill xmlns:a14="http://schemas.microsoft.com/office/drawing/2010/main">
+                <a:solidFill>
+                  <a:srgbClr val="FFFFFF"/>
+                </a:solidFill>
+              </a14:hiddenFill>
+            </a:ext>
+          </a:extLst>
+        </p:spPr>
+      </p:pic>
+      <p:sp>
+        <p:nvSpPr>
+          <p:cNvPr id="7" name="TextBox 6">
+            <a:extLst>
+              <a:ext uri="{FF2B5EF4-FFF2-40B4-BE49-F238E27FC236}">
+                <a16:creationId xmlns:a16="http://schemas.microsoft.com/office/drawing/2014/main" id="{656EB2AB-EE85-6834-099D-43645F0C31B8}"/>
+              </a:ext>
+            </a:extLst>
+          </p:cNvPr>
+          <p:cNvSpPr txBox="1"/>
+          <p:nvPr/>
+        </p:nvSpPr>
+        <p:spPr>
+          <a:xfrm>
+            <a:off x="9766067" y="1459467"/>
+            <a:ext cx="2015067" cy="369332"/>
+          </a:xfrm>
+          <a:prstGeom prst="rect">
+            <a:avLst/>
+          </a:prstGeom>
+          <a:noFill/>
+        </p:spPr>
+        <p:txBody>
+          <a:bodyPr wrap="square" rtlCol="0">
+            <a:spAutoFit/>
+          </a:bodyPr>
+          <a:lstStyle/>
+          <a:p>
+            <a:pPr algn="ctr"/>
+            <a:r>
+              <a:rPr lang="en-US" dirty="0"/>
+              <a:t>-20 e-20</a:t>
+            </a:r>
+          </a:p>
+        </p:txBody>
+      </p:sp>
+    </p:spTree>
+    <p:extLst>
+      <p:ext uri="{BB962C8B-B14F-4D97-AF65-F5344CB8AC3E}">
+        <p14:creationId xmlns:p14="http://schemas.microsoft.com/office/powerpoint/2010/main" val="1059440922"/>
+      </p:ext>
+    </p:extLst>
+  </p:cSld>
+  <p:clrMapOvr>
+    <a:masterClrMapping/>
+  </p:clrMapOvr>
+</p:sld>
+</file>
+
 <file path=ppt/theme/theme1.xml><?xml version="1.0" encoding="utf-8"?>
 <a:theme xmlns:a="http://schemas.openxmlformats.org/drawingml/2006/main" name="Office Theme">
   <a:themeElements>

--- a/NAF.pptx
+++ b/NAF.pptx
@@ -8093,31 +8093,6 @@
       </p:grpSpPr>
       <p:sp>
         <p:nvSpPr>
-          <p:cNvPr id="2" name="Title 1">
-            <a:extLst>
-              <a:ext uri="{FF2B5EF4-FFF2-40B4-BE49-F238E27FC236}">
-                <a16:creationId xmlns:a16="http://schemas.microsoft.com/office/drawing/2014/main" id="{96E5D70C-5D00-1EFF-8C25-0C9324D4FB63}"/>
-              </a:ext>
-            </a:extLst>
-          </p:cNvPr>
-          <p:cNvSpPr>
-            <a:spLocks noGrp="1"/>
-          </p:cNvSpPr>
-          <p:nvPr>
-            <p:ph type="title"/>
-          </p:nvPr>
-        </p:nvSpPr>
-        <p:spPr/>
-        <p:txBody>
-          <a:bodyPr/>
-          <a:lstStyle/>
-          <a:p>
-            <a:endParaRPr lang="en-US"/>
-          </a:p>
-        </p:txBody>
-      </p:sp>
-      <p:sp>
-        <p:nvSpPr>
           <p:cNvPr id="3" name="Slide Number Placeholder 2">
             <a:extLst>
               <a:ext uri="{FF2B5EF4-FFF2-40B4-BE49-F238E27FC236}">
@@ -8132,7 +8107,12 @@
             <p:ph type="sldNum" sz="quarter" idx="12"/>
           </p:nvPr>
         </p:nvSpPr>
-        <p:spPr/>
+        <p:spPr>
+          <a:xfrm>
+            <a:off x="8715164" y="6270866"/>
+            <a:ext cx="2743200" cy="365125"/>
+          </a:xfrm>
+        </p:spPr>
         <p:txBody>
           <a:bodyPr/>
           <a:lstStyle/>
@@ -8174,7 +8154,7 @@
         </p:blipFill>
         <p:spPr bwMode="auto">
           <a:xfrm>
-            <a:off x="0" y="1870264"/>
+            <a:off x="36735" y="815368"/>
             <a:ext cx="3146893" cy="2016911"/>
           </a:xfrm>
           <a:prstGeom prst="rect">
@@ -8206,7 +8186,7 @@
         </p:nvSpPr>
         <p:spPr>
           <a:xfrm>
-            <a:off x="499680" y="1459467"/>
+            <a:off x="536415" y="404571"/>
             <a:ext cx="2015067" cy="369332"/>
           </a:xfrm>
           <a:prstGeom prst="rect">
@@ -8222,7 +8202,11 @@
           <a:p>
             <a:pPr algn="ctr"/>
             <a:r>
-              <a:rPr lang="en-US" dirty="0"/>
+              <a:rPr lang="en-US" b="1" dirty="0">
+                <a:solidFill>
+                  <a:schemeClr val="bg1"/>
+                </a:solidFill>
+              </a:rPr>
               <a:t>-1 e-20</a:t>
             </a:r>
           </a:p>
@@ -8257,7 +8241,7 @@
         </p:blipFill>
         <p:spPr bwMode="auto">
           <a:xfrm>
-            <a:off x="3089820" y="1828799"/>
+            <a:off x="3126555" y="773903"/>
             <a:ext cx="3006180" cy="2016912"/>
           </a:xfrm>
           <a:prstGeom prst="rect">
@@ -8289,7 +8273,7 @@
         </p:nvSpPr>
         <p:spPr>
           <a:xfrm>
-            <a:off x="3560657" y="1465764"/>
+            <a:off x="3597392" y="410868"/>
             <a:ext cx="2015067" cy="369332"/>
           </a:xfrm>
           <a:prstGeom prst="rect">
@@ -8305,7 +8289,11 @@
           <a:p>
             <a:pPr algn="ctr"/>
             <a:r>
-              <a:rPr lang="en-US" dirty="0"/>
+              <a:rPr lang="en-US" b="1" dirty="0">
+                <a:solidFill>
+                  <a:schemeClr val="bg1"/>
+                </a:solidFill>
+              </a:rPr>
               <a:t>-5 e-20</a:t>
             </a:r>
           </a:p>
@@ -8340,7 +8328,7 @@
         </p:blipFill>
         <p:spPr bwMode="auto">
           <a:xfrm>
-            <a:off x="6123134" y="3845711"/>
+            <a:off x="6159869" y="2726647"/>
             <a:ext cx="3095524" cy="2076855"/>
           </a:xfrm>
           <a:prstGeom prst="rect">
@@ -8387,7 +8375,7 @@
         </p:blipFill>
         <p:spPr bwMode="auto">
           <a:xfrm>
-            <a:off x="6096000" y="1828799"/>
+            <a:off x="6132735" y="773903"/>
             <a:ext cx="3053085" cy="2016912"/>
           </a:xfrm>
           <a:prstGeom prst="rect">
@@ -8419,7 +8407,7 @@
         </p:nvSpPr>
         <p:spPr>
           <a:xfrm>
-            <a:off x="6663362" y="1427241"/>
+            <a:off x="6700097" y="372345"/>
             <a:ext cx="2015067" cy="369332"/>
           </a:xfrm>
           <a:prstGeom prst="rect">
@@ -8435,7 +8423,11 @@
           <a:p>
             <a:pPr algn="ctr"/>
             <a:r>
-              <a:rPr lang="en-US" dirty="0"/>
+              <a:rPr lang="en-US" b="1" dirty="0">
+                <a:solidFill>
+                  <a:schemeClr val="bg1"/>
+                </a:solidFill>
+              </a:rPr>
               <a:t>-10 e-20</a:t>
             </a:r>
           </a:p>
@@ -8470,7 +8462,7 @@
         </p:blipFill>
         <p:spPr bwMode="auto">
           <a:xfrm>
-            <a:off x="3020429" y="3845711"/>
+            <a:off x="3057164" y="2726647"/>
             <a:ext cx="3095524" cy="2076855"/>
           </a:xfrm>
           <a:prstGeom prst="rect">
@@ -8517,7 +8509,7 @@
         </p:blipFill>
         <p:spPr bwMode="auto">
           <a:xfrm>
-            <a:off x="9225839" y="1828799"/>
+            <a:off x="9262574" y="773903"/>
             <a:ext cx="2929426" cy="2016912"/>
           </a:xfrm>
           <a:prstGeom prst="rect">
@@ -8564,7 +8556,7 @@
         </p:blipFill>
         <p:spPr bwMode="auto">
           <a:xfrm>
-            <a:off x="9185076" y="3819129"/>
+            <a:off x="9221811" y="2700065"/>
             <a:ext cx="3006180" cy="2103437"/>
           </a:xfrm>
           <a:prstGeom prst="rect">
@@ -8596,7 +8588,7 @@
         </p:nvSpPr>
         <p:spPr>
           <a:xfrm>
-            <a:off x="9766067" y="1459467"/>
+            <a:off x="9802802" y="404571"/>
             <a:ext cx="2015067" cy="369332"/>
           </a:xfrm>
           <a:prstGeom prst="rect">
@@ -8612,12 +8604,204 @@
           <a:p>
             <a:pPr algn="ctr"/>
             <a:r>
-              <a:rPr lang="en-US" dirty="0"/>
+              <a:rPr lang="en-US" b="1" dirty="0">
+                <a:solidFill>
+                  <a:schemeClr val="bg1"/>
+                </a:solidFill>
+              </a:rPr>
               <a:t>-20 e-20</a:t>
             </a:r>
           </a:p>
         </p:txBody>
       </p:sp>
+      <p:pic>
+        <p:nvPicPr>
+          <p:cNvPr id="1040" name="Picture 16">
+            <a:extLst>
+              <a:ext uri="{FF2B5EF4-FFF2-40B4-BE49-F238E27FC236}">
+                <a16:creationId xmlns:a16="http://schemas.microsoft.com/office/drawing/2014/main" id="{8398AC77-9C12-2E8E-8432-FE0A0A1D198E}"/>
+              </a:ext>
+            </a:extLst>
+          </p:cNvPr>
+          <p:cNvPicPr>
+            <a:picLocks noChangeAspect="1" noChangeArrowheads="1"/>
+          </p:cNvPicPr>
+          <p:nvPr/>
+        </p:nvPicPr>
+        <p:blipFill>
+          <a:blip r:embed="rId9">
+            <a:extLst>
+              <a:ext uri="{28A0092B-C50C-407E-A947-70E740481C1C}">
+                <a14:useLocalDpi xmlns:a14="http://schemas.microsoft.com/office/drawing/2010/main" val="0"/>
+              </a:ext>
+            </a:extLst>
+          </a:blip>
+          <a:srcRect/>
+          <a:stretch>
+            <a:fillRect/>
+          </a:stretch>
+        </p:blipFill>
+        <p:spPr bwMode="auto">
+          <a:xfrm>
+            <a:off x="9221811" y="4781145"/>
+            <a:ext cx="2937142" cy="2076855"/>
+          </a:xfrm>
+          <a:prstGeom prst="rect">
+            <a:avLst/>
+          </a:prstGeom>
+          <a:noFill/>
+          <a:extLst>
+            <a:ext uri="{909E8E84-426E-40DD-AFC4-6F175D3DCCD1}">
+              <a14:hiddenFill xmlns:a14="http://schemas.microsoft.com/office/drawing/2010/main">
+                <a:solidFill>
+                  <a:srgbClr val="FFFFFF"/>
+                </a:solidFill>
+              </a14:hiddenFill>
+            </a:ext>
+          </a:extLst>
+        </p:spPr>
+      </p:pic>
+      <p:pic>
+        <p:nvPicPr>
+          <p:cNvPr id="1042" name="Picture 18">
+            <a:extLst>
+              <a:ext uri="{FF2B5EF4-FFF2-40B4-BE49-F238E27FC236}">
+                <a16:creationId xmlns:a16="http://schemas.microsoft.com/office/drawing/2014/main" id="{6576612B-81BA-BCE6-5E83-E37859250DA6}"/>
+              </a:ext>
+            </a:extLst>
+          </p:cNvPr>
+          <p:cNvPicPr>
+            <a:picLocks noChangeAspect="1" noChangeArrowheads="1"/>
+          </p:cNvPicPr>
+          <p:nvPr/>
+        </p:nvPicPr>
+        <p:blipFill>
+          <a:blip r:embed="rId10">
+            <a:extLst>
+              <a:ext uri="{28A0092B-C50C-407E-A947-70E740481C1C}">
+                <a14:useLocalDpi xmlns:a14="http://schemas.microsoft.com/office/drawing/2010/main" val="0"/>
+              </a:ext>
+            </a:extLst>
+          </a:blip>
+          <a:srcRect/>
+          <a:stretch>
+            <a:fillRect/>
+          </a:stretch>
+        </p:blipFill>
+        <p:spPr bwMode="auto">
+          <a:xfrm>
+            <a:off x="6126049" y="4744308"/>
+            <a:ext cx="3095524" cy="2098809"/>
+          </a:xfrm>
+          <a:prstGeom prst="rect">
+            <a:avLst/>
+          </a:prstGeom>
+          <a:noFill/>
+          <a:extLst>
+            <a:ext uri="{909E8E84-426E-40DD-AFC4-6F175D3DCCD1}">
+              <a14:hiddenFill xmlns:a14="http://schemas.microsoft.com/office/drawing/2010/main">
+                <a:solidFill>
+                  <a:srgbClr val="FFFFFF"/>
+                </a:solidFill>
+              </a14:hiddenFill>
+            </a:ext>
+          </a:extLst>
+        </p:spPr>
+      </p:pic>
+      <p:pic>
+        <p:nvPicPr>
+          <p:cNvPr id="1044" name="Picture 20">
+            <a:extLst>
+              <a:ext uri="{FF2B5EF4-FFF2-40B4-BE49-F238E27FC236}">
+                <a16:creationId xmlns:a16="http://schemas.microsoft.com/office/drawing/2014/main" id="{4246535D-6739-2325-B4DA-87011BB5192F}"/>
+              </a:ext>
+            </a:extLst>
+          </p:cNvPr>
+          <p:cNvPicPr>
+            <a:picLocks noChangeAspect="1" noChangeArrowheads="1"/>
+          </p:cNvPicPr>
+          <p:nvPr/>
+        </p:nvPicPr>
+        <p:blipFill>
+          <a:blip r:embed="rId11">
+            <a:extLst>
+              <a:ext uri="{28A0092B-C50C-407E-A947-70E740481C1C}">
+                <a14:useLocalDpi xmlns:a14="http://schemas.microsoft.com/office/drawing/2010/main" val="0"/>
+              </a:ext>
+            </a:extLst>
+          </a:blip>
+          <a:srcRect/>
+          <a:stretch>
+            <a:fillRect/>
+          </a:stretch>
+        </p:blipFill>
+        <p:spPr bwMode="auto">
+          <a:xfrm>
+            <a:off x="3146508" y="4702094"/>
+            <a:ext cx="3006180" cy="2070539"/>
+          </a:xfrm>
+          <a:prstGeom prst="rect">
+            <a:avLst/>
+          </a:prstGeom>
+          <a:noFill/>
+          <a:extLst>
+            <a:ext uri="{909E8E84-426E-40DD-AFC4-6F175D3DCCD1}">
+              <a14:hiddenFill xmlns:a14="http://schemas.microsoft.com/office/drawing/2010/main">
+                <a:solidFill>
+                  <a:srgbClr val="FFFFFF"/>
+                </a:solidFill>
+              </a14:hiddenFill>
+            </a:ext>
+          </a:extLst>
+        </p:spPr>
+      </p:pic>
+      <p:pic>
+        <p:nvPicPr>
+          <p:cNvPr id="1046" name="Picture 22">
+            <a:extLst>
+              <a:ext uri="{FF2B5EF4-FFF2-40B4-BE49-F238E27FC236}">
+                <a16:creationId xmlns:a16="http://schemas.microsoft.com/office/drawing/2014/main" id="{A3104EB0-11EF-7A58-4858-BB004B2BD7FC}"/>
+              </a:ext>
+            </a:extLst>
+          </p:cNvPr>
+          <p:cNvPicPr>
+            <a:picLocks noChangeAspect="1" noChangeArrowheads="1"/>
+          </p:cNvPicPr>
+          <p:nvPr/>
+        </p:nvPicPr>
+        <p:blipFill>
+          <a:blip r:embed="rId12">
+            <a:extLst>
+              <a:ext uri="{28A0092B-C50C-407E-A947-70E740481C1C}">
+                <a14:useLocalDpi xmlns:a14="http://schemas.microsoft.com/office/drawing/2010/main" val="0"/>
+              </a:ext>
+            </a:extLst>
+          </a:blip>
+          <a:srcRect/>
+          <a:stretch>
+            <a:fillRect/>
+          </a:stretch>
+        </p:blipFill>
+        <p:spPr bwMode="auto">
+          <a:xfrm>
+            <a:off x="0" y="4703562"/>
+            <a:ext cx="3146893" cy="2069071"/>
+          </a:xfrm>
+          <a:prstGeom prst="rect">
+            <a:avLst/>
+          </a:prstGeom>
+          <a:noFill/>
+          <a:extLst>
+            <a:ext uri="{909E8E84-426E-40DD-AFC4-6F175D3DCCD1}">
+              <a14:hiddenFill xmlns:a14="http://schemas.microsoft.com/office/drawing/2010/main">
+                <a:solidFill>
+                  <a:srgbClr val="FFFFFF"/>
+                </a:solidFill>
+              </a14:hiddenFill>
+            </a:ext>
+          </a:extLst>
+        </p:spPr>
+      </p:pic>
     </p:spTree>
     <p:extLst>
       <p:ext uri="{BB962C8B-B14F-4D97-AF65-F5344CB8AC3E}">

--- a/NAF.pptx
+++ b/NAF.pptx
@@ -8802,6 +8802,46 @@
           </a:extLst>
         </p:spPr>
       </p:pic>
+      <p:sp>
+        <p:nvSpPr>
+          <p:cNvPr id="8" name="TextBox 7">
+            <a:extLst>
+              <a:ext uri="{FF2B5EF4-FFF2-40B4-BE49-F238E27FC236}">
+                <a16:creationId xmlns:a16="http://schemas.microsoft.com/office/drawing/2014/main" id="{86F975A7-82F8-4FA9-9C2F-5B1FE05473F0}"/>
+              </a:ext>
+            </a:extLst>
+          </p:cNvPr>
+          <p:cNvSpPr txBox="1"/>
+          <p:nvPr/>
+        </p:nvSpPr>
+        <p:spPr>
+          <a:xfrm>
+            <a:off x="4896747" y="1715"/>
+            <a:ext cx="2015067" cy="369332"/>
+          </a:xfrm>
+          <a:prstGeom prst="rect">
+            <a:avLst/>
+          </a:prstGeom>
+          <a:noFill/>
+        </p:spPr>
+        <p:txBody>
+          <a:bodyPr wrap="square" rtlCol="0">
+            <a:spAutoFit/>
+          </a:bodyPr>
+          <a:lstStyle/>
+          <a:p>
+            <a:pPr algn="ctr"/>
+            <a:r>
+              <a:rPr lang="en-US" b="1" i="1" dirty="0">
+                <a:solidFill>
+                  <a:schemeClr val="bg1"/>
+                </a:solidFill>
+              </a:rPr>
+              <a:t>PB ONLY</a:t>
+            </a:r>
+          </a:p>
+        </p:txBody>
+      </p:sp>
     </p:spTree>
     <p:extLst>
       <p:ext uri="{BB962C8B-B14F-4D97-AF65-F5344CB8AC3E}">

--- a/NAF.pptx
+++ b/NAF.pptx
@@ -8509,7 +8509,7 @@
         </p:blipFill>
         <p:spPr bwMode="auto">
           <a:xfrm>
-            <a:off x="9262574" y="773903"/>
+            <a:off x="9158868" y="773903"/>
             <a:ext cx="2929426" cy="2016912"/>
           </a:xfrm>
           <a:prstGeom prst="rect">
@@ -8556,7 +8556,7 @@
         </p:blipFill>
         <p:spPr bwMode="auto">
           <a:xfrm>
-            <a:off x="9221811" y="2700065"/>
+            <a:off x="9189053" y="2713355"/>
             <a:ext cx="3006180" cy="2103437"/>
           </a:xfrm>
           <a:prstGeom prst="rect">
@@ -8616,10 +8616,10 @@
       </p:sp>
       <p:pic>
         <p:nvPicPr>
-          <p:cNvPr id="1040" name="Picture 16">
-            <a:extLst>
-              <a:ext uri="{FF2B5EF4-FFF2-40B4-BE49-F238E27FC236}">
-                <a16:creationId xmlns:a16="http://schemas.microsoft.com/office/drawing/2014/main" id="{8398AC77-9C12-2E8E-8432-FE0A0A1D198E}"/>
+          <p:cNvPr id="1042" name="Picture 18">
+            <a:extLst>
+              <a:ext uri="{FF2B5EF4-FFF2-40B4-BE49-F238E27FC236}">
+                <a16:creationId xmlns:a16="http://schemas.microsoft.com/office/drawing/2014/main" id="{6576612B-81BA-BCE6-5E83-E37859250DA6}"/>
               </a:ext>
             </a:extLst>
           </p:cNvPr>
@@ -8630,53 +8630,6 @@
         </p:nvPicPr>
         <p:blipFill>
           <a:blip r:embed="rId9">
-            <a:extLst>
-              <a:ext uri="{28A0092B-C50C-407E-A947-70E740481C1C}">
-                <a14:useLocalDpi xmlns:a14="http://schemas.microsoft.com/office/drawing/2010/main" val="0"/>
-              </a:ext>
-            </a:extLst>
-          </a:blip>
-          <a:srcRect/>
-          <a:stretch>
-            <a:fillRect/>
-          </a:stretch>
-        </p:blipFill>
-        <p:spPr bwMode="auto">
-          <a:xfrm>
-            <a:off x="9221811" y="4781145"/>
-            <a:ext cx="2937142" cy="2076855"/>
-          </a:xfrm>
-          <a:prstGeom prst="rect">
-            <a:avLst/>
-          </a:prstGeom>
-          <a:noFill/>
-          <a:extLst>
-            <a:ext uri="{909E8E84-426E-40DD-AFC4-6F175D3DCCD1}">
-              <a14:hiddenFill xmlns:a14="http://schemas.microsoft.com/office/drawing/2010/main">
-                <a:solidFill>
-                  <a:srgbClr val="FFFFFF"/>
-                </a:solidFill>
-              </a14:hiddenFill>
-            </a:ext>
-          </a:extLst>
-        </p:spPr>
-      </p:pic>
-      <p:pic>
-        <p:nvPicPr>
-          <p:cNvPr id="1042" name="Picture 18">
-            <a:extLst>
-              <a:ext uri="{FF2B5EF4-FFF2-40B4-BE49-F238E27FC236}">
-                <a16:creationId xmlns:a16="http://schemas.microsoft.com/office/drawing/2014/main" id="{6576612B-81BA-BCE6-5E83-E37859250DA6}"/>
-              </a:ext>
-            </a:extLst>
-          </p:cNvPr>
-          <p:cNvPicPr>
-            <a:picLocks noChangeAspect="1" noChangeArrowheads="1"/>
-          </p:cNvPicPr>
-          <p:nvPr/>
-        </p:nvPicPr>
-        <p:blipFill>
-          <a:blip r:embed="rId10">
             <a:extLst>
               <a:ext uri="{28A0092B-C50C-407E-A947-70E740481C1C}">
                 <a14:useLocalDpi xmlns:a14="http://schemas.microsoft.com/office/drawing/2010/main" val="0"/>
@@ -8723,7 +8676,7 @@
           <p:nvPr/>
         </p:nvPicPr>
         <p:blipFill>
-          <a:blip r:embed="rId11">
+          <a:blip r:embed="rId10">
             <a:extLst>
               <a:ext uri="{28A0092B-C50C-407E-A947-70E740481C1C}">
                 <a14:useLocalDpi xmlns:a14="http://schemas.microsoft.com/office/drawing/2010/main" val="0"/>
@@ -8770,7 +8723,7 @@
           <p:nvPr/>
         </p:nvPicPr>
         <p:blipFill>
-          <a:blip r:embed="rId12">
+          <a:blip r:embed="rId11">
             <a:extLst>
               <a:ext uri="{28A0092B-C50C-407E-A947-70E740481C1C}">
                 <a14:useLocalDpi xmlns:a14="http://schemas.microsoft.com/office/drawing/2010/main" val="0"/>
@@ -8842,6 +8795,53 @@
           </a:p>
         </p:txBody>
       </p:sp>
+      <p:pic>
+        <p:nvPicPr>
+          <p:cNvPr id="1048" name="Picture 24">
+            <a:extLst>
+              <a:ext uri="{FF2B5EF4-FFF2-40B4-BE49-F238E27FC236}">
+                <a16:creationId xmlns:a16="http://schemas.microsoft.com/office/drawing/2014/main" id="{0B023019-8668-7B14-C5E5-56F03FF12E52}"/>
+              </a:ext>
+            </a:extLst>
+          </p:cNvPr>
+          <p:cNvPicPr>
+            <a:picLocks noChangeAspect="1" noChangeArrowheads="1"/>
+          </p:cNvPicPr>
+          <p:nvPr/>
+        </p:nvPicPr>
+        <p:blipFill>
+          <a:blip r:embed="rId12">
+            <a:extLst>
+              <a:ext uri="{28A0092B-C50C-407E-A947-70E740481C1C}">
+                <a14:useLocalDpi xmlns:a14="http://schemas.microsoft.com/office/drawing/2010/main" val="0"/>
+              </a:ext>
+            </a:extLst>
+          </a:blip>
+          <a:srcRect/>
+          <a:stretch>
+            <a:fillRect/>
+          </a:stretch>
+        </p:blipFill>
+        <p:spPr bwMode="auto">
+          <a:xfrm>
+            <a:off x="9221573" y="4788610"/>
+            <a:ext cx="2926134" cy="2069071"/>
+          </a:xfrm>
+          <a:prstGeom prst="rect">
+            <a:avLst/>
+          </a:prstGeom>
+          <a:noFill/>
+          <a:extLst>
+            <a:ext uri="{909E8E84-426E-40DD-AFC4-6F175D3DCCD1}">
+              <a14:hiddenFill xmlns:a14="http://schemas.microsoft.com/office/drawing/2010/main">
+                <a:solidFill>
+                  <a:srgbClr val="FFFFFF"/>
+                </a:solidFill>
+              </a14:hiddenFill>
+            </a:ext>
+          </a:extLst>
+        </p:spPr>
+      </p:pic>
     </p:spTree>
     <p:extLst>
       <p:ext uri="{BB962C8B-B14F-4D97-AF65-F5344CB8AC3E}">

--- a/NAF.pptx
+++ b/NAF.pptx
@@ -8109,7 +8109,7 @@
         </p:nvSpPr>
         <p:spPr>
           <a:xfrm>
-            <a:off x="8715164" y="6270866"/>
+            <a:off x="8715164" y="6303092"/>
             <a:ext cx="2743200" cy="365125"/>
           </a:xfrm>
         </p:spPr>
@@ -8121,7 +8121,7 @@
               <a:rPr lang="en-US" smtClean="0"/>
               <a:t>9</a:t>
             </a:fld>
-            <a:endParaRPr lang="en-US"/>
+            <a:endParaRPr lang="en-US" dirty="0"/>
           </a:p>
         </p:txBody>
       </p:sp>
@@ -8154,7 +8154,7 @@
         </p:blipFill>
         <p:spPr bwMode="auto">
           <a:xfrm>
-            <a:off x="36735" y="815368"/>
+            <a:off x="-22973" y="782543"/>
             <a:ext cx="3146893" cy="2016911"/>
           </a:xfrm>
           <a:prstGeom prst="rect">
@@ -8301,10 +8301,10 @@
       </p:sp>
       <p:pic>
         <p:nvPicPr>
-          <p:cNvPr id="1030" name="Picture 6">
-            <a:extLst>
-              <a:ext uri="{FF2B5EF4-FFF2-40B4-BE49-F238E27FC236}">
-                <a16:creationId xmlns:a16="http://schemas.microsoft.com/office/drawing/2014/main" id="{51BE5055-A55C-D57D-2527-817D3F227D99}"/>
+          <p:cNvPr id="1032" name="Picture 8">
+            <a:extLst>
+              <a:ext uri="{FF2B5EF4-FFF2-40B4-BE49-F238E27FC236}">
+                <a16:creationId xmlns:a16="http://schemas.microsoft.com/office/drawing/2014/main" id="{74776D8A-C559-3A98-1953-5479FFCF5D8C}"/>
               </a:ext>
             </a:extLst>
           </p:cNvPr>
@@ -8315,53 +8315,6 @@
         </p:nvPicPr>
         <p:blipFill>
           <a:blip r:embed="rId4">
-            <a:extLst>
-              <a:ext uri="{28A0092B-C50C-407E-A947-70E740481C1C}">
-                <a14:useLocalDpi xmlns:a14="http://schemas.microsoft.com/office/drawing/2010/main" val="0"/>
-              </a:ext>
-            </a:extLst>
-          </a:blip>
-          <a:srcRect/>
-          <a:stretch>
-            <a:fillRect/>
-          </a:stretch>
-        </p:blipFill>
-        <p:spPr bwMode="auto">
-          <a:xfrm>
-            <a:off x="6159869" y="2726647"/>
-            <a:ext cx="3095524" cy="2076855"/>
-          </a:xfrm>
-          <a:prstGeom prst="rect">
-            <a:avLst/>
-          </a:prstGeom>
-          <a:noFill/>
-          <a:extLst>
-            <a:ext uri="{909E8E84-426E-40DD-AFC4-6F175D3DCCD1}">
-              <a14:hiddenFill xmlns:a14="http://schemas.microsoft.com/office/drawing/2010/main">
-                <a:solidFill>
-                  <a:srgbClr val="FFFFFF"/>
-                </a:solidFill>
-              </a14:hiddenFill>
-            </a:ext>
-          </a:extLst>
-        </p:spPr>
-      </p:pic>
-      <p:pic>
-        <p:nvPicPr>
-          <p:cNvPr id="1032" name="Picture 8">
-            <a:extLst>
-              <a:ext uri="{FF2B5EF4-FFF2-40B4-BE49-F238E27FC236}">
-                <a16:creationId xmlns:a16="http://schemas.microsoft.com/office/drawing/2014/main" id="{74776D8A-C559-3A98-1953-5479FFCF5D8C}"/>
-              </a:ext>
-            </a:extLst>
-          </p:cNvPr>
-          <p:cNvPicPr>
-            <a:picLocks noChangeAspect="1" noChangeArrowheads="1"/>
-          </p:cNvPicPr>
-          <p:nvPr/>
-        </p:nvPicPr>
-        <p:blipFill>
-          <a:blip r:embed="rId5">
             <a:extLst>
               <a:ext uri="{28A0092B-C50C-407E-A947-70E740481C1C}">
                 <a14:useLocalDpi xmlns:a14="http://schemas.microsoft.com/office/drawing/2010/main" val="0"/>
@@ -8435,10 +8388,10 @@
       </p:sp>
       <p:pic>
         <p:nvPicPr>
-          <p:cNvPr id="1034" name="Picture 10">
-            <a:extLst>
-              <a:ext uri="{FF2B5EF4-FFF2-40B4-BE49-F238E27FC236}">
-                <a16:creationId xmlns:a16="http://schemas.microsoft.com/office/drawing/2014/main" id="{E28DF43D-0B40-C85A-C673-83285EE76CC7}"/>
+          <p:cNvPr id="1036" name="Picture 12">
+            <a:extLst>
+              <a:ext uri="{FF2B5EF4-FFF2-40B4-BE49-F238E27FC236}">
+                <a16:creationId xmlns:a16="http://schemas.microsoft.com/office/drawing/2014/main" id="{DEA80948-8B2E-1FF3-F45D-BD328294E6F7}"/>
               </a:ext>
             </a:extLst>
           </p:cNvPr>
@@ -8448,54 +8401,7 @@
           <p:nvPr/>
         </p:nvPicPr>
         <p:blipFill>
-          <a:blip r:embed="rId6">
-            <a:extLst>
-              <a:ext uri="{28A0092B-C50C-407E-A947-70E740481C1C}">
-                <a14:useLocalDpi xmlns:a14="http://schemas.microsoft.com/office/drawing/2010/main" val="0"/>
-              </a:ext>
-            </a:extLst>
-          </a:blip>
-          <a:srcRect/>
-          <a:stretch>
-            <a:fillRect/>
-          </a:stretch>
-        </p:blipFill>
-        <p:spPr bwMode="auto">
-          <a:xfrm>
-            <a:off x="3057164" y="2726647"/>
-            <a:ext cx="3095524" cy="2076855"/>
-          </a:xfrm>
-          <a:prstGeom prst="rect">
-            <a:avLst/>
-          </a:prstGeom>
-          <a:noFill/>
-          <a:extLst>
-            <a:ext uri="{909E8E84-426E-40DD-AFC4-6F175D3DCCD1}">
-              <a14:hiddenFill xmlns:a14="http://schemas.microsoft.com/office/drawing/2010/main">
-                <a:solidFill>
-                  <a:srgbClr val="FFFFFF"/>
-                </a:solidFill>
-              </a14:hiddenFill>
-            </a:ext>
-          </a:extLst>
-        </p:spPr>
-      </p:pic>
-      <p:pic>
-        <p:nvPicPr>
-          <p:cNvPr id="1036" name="Picture 12">
-            <a:extLst>
-              <a:ext uri="{FF2B5EF4-FFF2-40B4-BE49-F238E27FC236}">
-                <a16:creationId xmlns:a16="http://schemas.microsoft.com/office/drawing/2014/main" id="{DEA80948-8B2E-1FF3-F45D-BD328294E6F7}"/>
-              </a:ext>
-            </a:extLst>
-          </p:cNvPr>
-          <p:cNvPicPr>
-            <a:picLocks noChangeAspect="1" noChangeArrowheads="1"/>
-          </p:cNvPicPr>
-          <p:nvPr/>
-        </p:nvPicPr>
-        <p:blipFill>
-          <a:blip r:embed="rId7">
+          <a:blip r:embed="rId5">
             <a:extLst>
               <a:ext uri="{28A0092B-C50C-407E-A947-70E740481C1C}">
                 <a14:useLocalDpi xmlns:a14="http://schemas.microsoft.com/office/drawing/2010/main" val="0"/>
@@ -8527,12 +8433,92 @@
           </a:extLst>
         </p:spPr>
       </p:pic>
+      <p:sp>
+        <p:nvSpPr>
+          <p:cNvPr id="7" name="TextBox 6">
+            <a:extLst>
+              <a:ext uri="{FF2B5EF4-FFF2-40B4-BE49-F238E27FC236}">
+                <a16:creationId xmlns:a16="http://schemas.microsoft.com/office/drawing/2014/main" id="{656EB2AB-EE85-6834-099D-43645F0C31B8}"/>
+              </a:ext>
+            </a:extLst>
+          </p:cNvPr>
+          <p:cNvSpPr txBox="1"/>
+          <p:nvPr/>
+        </p:nvSpPr>
+        <p:spPr>
+          <a:xfrm>
+            <a:off x="9802802" y="404571"/>
+            <a:ext cx="2015067" cy="369332"/>
+          </a:xfrm>
+          <a:prstGeom prst="rect">
+            <a:avLst/>
+          </a:prstGeom>
+          <a:noFill/>
+        </p:spPr>
+        <p:txBody>
+          <a:bodyPr wrap="square" rtlCol="0">
+            <a:spAutoFit/>
+          </a:bodyPr>
+          <a:lstStyle/>
+          <a:p>
+            <a:pPr algn="ctr"/>
+            <a:r>
+              <a:rPr lang="en-US" b="1" dirty="0">
+                <a:solidFill>
+                  <a:schemeClr val="bg1"/>
+                </a:solidFill>
+              </a:rPr>
+              <a:t>-20 e-20</a:t>
+            </a:r>
+          </a:p>
+        </p:txBody>
+      </p:sp>
+      <p:sp>
+        <p:nvSpPr>
+          <p:cNvPr id="8" name="TextBox 7">
+            <a:extLst>
+              <a:ext uri="{FF2B5EF4-FFF2-40B4-BE49-F238E27FC236}">
+                <a16:creationId xmlns:a16="http://schemas.microsoft.com/office/drawing/2014/main" id="{86F975A7-82F8-4FA9-9C2F-5B1FE05473F0}"/>
+              </a:ext>
+            </a:extLst>
+          </p:cNvPr>
+          <p:cNvSpPr txBox="1"/>
+          <p:nvPr/>
+        </p:nvSpPr>
+        <p:spPr>
+          <a:xfrm>
+            <a:off x="4896747" y="1715"/>
+            <a:ext cx="2015067" cy="369332"/>
+          </a:xfrm>
+          <a:prstGeom prst="rect">
+            <a:avLst/>
+          </a:prstGeom>
+          <a:noFill/>
+        </p:spPr>
+        <p:txBody>
+          <a:bodyPr wrap="square" rtlCol="0">
+            <a:spAutoFit/>
+          </a:bodyPr>
+          <a:lstStyle/>
+          <a:p>
+            <a:pPr algn="ctr"/>
+            <a:r>
+              <a:rPr lang="en-US" b="1" i="1" dirty="0">
+                <a:solidFill>
+                  <a:schemeClr val="bg1"/>
+                </a:solidFill>
+              </a:rPr>
+              <a:t>PB ONLY with DBC</a:t>
+            </a:r>
+          </a:p>
+        </p:txBody>
+      </p:sp>
       <p:pic>
         <p:nvPicPr>
-          <p:cNvPr id="1038" name="Picture 14">
-            <a:extLst>
-              <a:ext uri="{FF2B5EF4-FFF2-40B4-BE49-F238E27FC236}">
-                <a16:creationId xmlns:a16="http://schemas.microsoft.com/office/drawing/2014/main" id="{79CFD6CF-60AC-71DE-D5E9-640A14CD6615}"/>
+          <p:cNvPr id="1048" name="Picture 24">
+            <a:extLst>
+              <a:ext uri="{FF2B5EF4-FFF2-40B4-BE49-F238E27FC236}">
+                <a16:creationId xmlns:a16="http://schemas.microsoft.com/office/drawing/2014/main" id="{0B023019-8668-7B14-C5E5-56F03FF12E52}"/>
               </a:ext>
             </a:extLst>
           </p:cNvPr>
@@ -8542,7 +8528,7 @@
           <p:nvPr/>
         </p:nvPicPr>
         <p:blipFill>
-          <a:blip r:embed="rId8">
+          <a:blip r:embed="rId6">
             <a:extLst>
               <a:ext uri="{28A0092B-C50C-407E-A947-70E740481C1C}">
                 <a14:useLocalDpi xmlns:a14="http://schemas.microsoft.com/office/drawing/2010/main" val="0"/>
@@ -8556,8 +8542,102 @@
         </p:blipFill>
         <p:spPr bwMode="auto">
           <a:xfrm>
-            <a:off x="9189053" y="2713355"/>
-            <a:ext cx="3006180" cy="2103437"/>
+            <a:off x="9185820" y="2847897"/>
+            <a:ext cx="2926134" cy="2069071"/>
+          </a:xfrm>
+          <a:prstGeom prst="rect">
+            <a:avLst/>
+          </a:prstGeom>
+          <a:noFill/>
+          <a:extLst>
+            <a:ext uri="{909E8E84-426E-40DD-AFC4-6F175D3DCCD1}">
+              <a14:hiddenFill xmlns:a14="http://schemas.microsoft.com/office/drawing/2010/main">
+                <a:solidFill>
+                  <a:srgbClr val="FFFFFF"/>
+                </a:solidFill>
+              </a14:hiddenFill>
+            </a:ext>
+          </a:extLst>
+        </p:spPr>
+      </p:pic>
+      <p:pic>
+        <p:nvPicPr>
+          <p:cNvPr id="1050" name="Picture 26">
+            <a:extLst>
+              <a:ext uri="{FF2B5EF4-FFF2-40B4-BE49-F238E27FC236}">
+                <a16:creationId xmlns:a16="http://schemas.microsoft.com/office/drawing/2014/main" id="{0A981B0F-8E19-F73B-5EA9-4F34219ACE07}"/>
+              </a:ext>
+            </a:extLst>
+          </p:cNvPr>
+          <p:cNvPicPr>
+            <a:picLocks noChangeAspect="1" noChangeArrowheads="1"/>
+          </p:cNvPicPr>
+          <p:nvPr/>
+        </p:nvPicPr>
+        <p:blipFill>
+          <a:blip r:embed="rId7">
+            <a:extLst>
+              <a:ext uri="{28A0092B-C50C-407E-A947-70E740481C1C}">
+                <a14:useLocalDpi xmlns:a14="http://schemas.microsoft.com/office/drawing/2010/main" val="0"/>
+              </a:ext>
+            </a:extLst>
+          </a:blip>
+          <a:srcRect/>
+          <a:stretch>
+            <a:fillRect/>
+          </a:stretch>
+        </p:blipFill>
+        <p:spPr bwMode="auto">
+          <a:xfrm>
+            <a:off x="6172641" y="2823041"/>
+            <a:ext cx="3053830" cy="2070540"/>
+          </a:xfrm>
+          <a:prstGeom prst="rect">
+            <a:avLst/>
+          </a:prstGeom>
+          <a:noFill/>
+          <a:extLst>
+            <a:ext uri="{909E8E84-426E-40DD-AFC4-6F175D3DCCD1}">
+              <a14:hiddenFill xmlns:a14="http://schemas.microsoft.com/office/drawing/2010/main">
+                <a:solidFill>
+                  <a:srgbClr val="FFFFFF"/>
+                </a:solidFill>
+              </a14:hiddenFill>
+            </a:ext>
+          </a:extLst>
+        </p:spPr>
+      </p:pic>
+      <p:pic>
+        <p:nvPicPr>
+          <p:cNvPr id="1052" name="Picture 28">
+            <a:extLst>
+              <a:ext uri="{FF2B5EF4-FFF2-40B4-BE49-F238E27FC236}">
+                <a16:creationId xmlns:a16="http://schemas.microsoft.com/office/drawing/2014/main" id="{BFCEF9B6-381E-8CBD-DCA3-03F52DE14806}"/>
+              </a:ext>
+            </a:extLst>
+          </p:cNvPr>
+          <p:cNvPicPr>
+            <a:picLocks noChangeAspect="1" noChangeArrowheads="1"/>
+          </p:cNvPicPr>
+          <p:nvPr/>
+        </p:nvPicPr>
+        <p:blipFill>
+          <a:blip r:embed="rId8">
+            <a:extLst>
+              <a:ext uri="{28A0092B-C50C-407E-A947-70E740481C1C}">
+                <a14:useLocalDpi xmlns:a14="http://schemas.microsoft.com/office/drawing/2010/main" val="0"/>
+              </a:ext>
+            </a:extLst>
+          </a:blip>
+          <a:srcRect/>
+          <a:stretch>
+            <a:fillRect/>
+          </a:stretch>
+        </p:blipFill>
+        <p:spPr bwMode="auto">
+          <a:xfrm>
+            <a:off x="3104853" y="2808093"/>
+            <a:ext cx="3049585" cy="2100435"/>
           </a:xfrm>
           <a:prstGeom prst="rect">
             <a:avLst/>
@@ -8576,10 +8656,10 @@
       </p:pic>
       <p:sp>
         <p:nvSpPr>
-          <p:cNvPr id="7" name="TextBox 6">
-            <a:extLst>
-              <a:ext uri="{FF2B5EF4-FFF2-40B4-BE49-F238E27FC236}">
-                <a16:creationId xmlns:a16="http://schemas.microsoft.com/office/drawing/2014/main" id="{656EB2AB-EE85-6834-099D-43645F0C31B8}"/>
+          <p:cNvPr id="9" name="TextBox 8">
+            <a:extLst>
+              <a:ext uri="{FF2B5EF4-FFF2-40B4-BE49-F238E27FC236}">
+                <a16:creationId xmlns:a16="http://schemas.microsoft.com/office/drawing/2014/main" id="{430C5858-8FDE-FE96-B95C-49A5B810C475}"/>
               </a:ext>
             </a:extLst>
           </p:cNvPr>
@@ -8588,8 +8668,8 @@
         </p:nvSpPr>
         <p:spPr>
           <a:xfrm>
-            <a:off x="9802802" y="404571"/>
-            <a:ext cx="2015067" cy="369332"/>
+            <a:off x="2294467" y="5655733"/>
+            <a:ext cx="4617347" cy="307777"/>
           </a:xfrm>
           <a:prstGeom prst="rect">
             <a:avLst/>
@@ -8604,22 +8684,18 @@
           <a:p>
             <a:pPr algn="ctr"/>
             <a:r>
-              <a:rPr lang="en-US" b="1" dirty="0">
-                <a:solidFill>
-                  <a:schemeClr val="bg1"/>
-                </a:solidFill>
-              </a:rPr>
-              <a:t>-20 e-20</a:t>
+              <a:rPr lang="en-US" sz="1400" b="1" dirty="0"/>
+              <a:t>Linear divergence instead of log divergence</a:t>
             </a:r>
           </a:p>
         </p:txBody>
       </p:sp>
       <p:pic>
         <p:nvPicPr>
-          <p:cNvPr id="1042" name="Picture 18">
-            <a:extLst>
-              <a:ext uri="{FF2B5EF4-FFF2-40B4-BE49-F238E27FC236}">
-                <a16:creationId xmlns:a16="http://schemas.microsoft.com/office/drawing/2014/main" id="{6576612B-81BA-BCE6-5E83-E37859250DA6}"/>
+          <p:cNvPr id="1054" name="Picture 30">
+            <a:extLst>
+              <a:ext uri="{FF2B5EF4-FFF2-40B4-BE49-F238E27FC236}">
+                <a16:creationId xmlns:a16="http://schemas.microsoft.com/office/drawing/2014/main" id="{18809B4B-C788-EEB0-FB80-D308DDA2A33E}"/>
               </a:ext>
             </a:extLst>
           </p:cNvPr>
@@ -8643,189 +8719,8 @@
         </p:blipFill>
         <p:spPr bwMode="auto">
           <a:xfrm>
-            <a:off x="6126049" y="4744308"/>
-            <a:ext cx="3095524" cy="2098809"/>
-          </a:xfrm>
-          <a:prstGeom prst="rect">
-            <a:avLst/>
-          </a:prstGeom>
-          <a:noFill/>
-          <a:extLst>
-            <a:ext uri="{909E8E84-426E-40DD-AFC4-6F175D3DCCD1}">
-              <a14:hiddenFill xmlns:a14="http://schemas.microsoft.com/office/drawing/2010/main">
-                <a:solidFill>
-                  <a:srgbClr val="FFFFFF"/>
-                </a:solidFill>
-              </a14:hiddenFill>
-            </a:ext>
-          </a:extLst>
-        </p:spPr>
-      </p:pic>
-      <p:pic>
-        <p:nvPicPr>
-          <p:cNvPr id="1044" name="Picture 20">
-            <a:extLst>
-              <a:ext uri="{FF2B5EF4-FFF2-40B4-BE49-F238E27FC236}">
-                <a16:creationId xmlns:a16="http://schemas.microsoft.com/office/drawing/2014/main" id="{4246535D-6739-2325-B4DA-87011BB5192F}"/>
-              </a:ext>
-            </a:extLst>
-          </p:cNvPr>
-          <p:cNvPicPr>
-            <a:picLocks noChangeAspect="1" noChangeArrowheads="1"/>
-          </p:cNvPicPr>
-          <p:nvPr/>
-        </p:nvPicPr>
-        <p:blipFill>
-          <a:blip r:embed="rId10">
-            <a:extLst>
-              <a:ext uri="{28A0092B-C50C-407E-A947-70E740481C1C}">
-                <a14:useLocalDpi xmlns:a14="http://schemas.microsoft.com/office/drawing/2010/main" val="0"/>
-              </a:ext>
-            </a:extLst>
-          </a:blip>
-          <a:srcRect/>
-          <a:stretch>
-            <a:fillRect/>
-          </a:stretch>
-        </p:blipFill>
-        <p:spPr bwMode="auto">
-          <a:xfrm>
-            <a:off x="3146508" y="4702094"/>
-            <a:ext cx="3006180" cy="2070539"/>
-          </a:xfrm>
-          <a:prstGeom prst="rect">
-            <a:avLst/>
-          </a:prstGeom>
-          <a:noFill/>
-          <a:extLst>
-            <a:ext uri="{909E8E84-426E-40DD-AFC4-6F175D3DCCD1}">
-              <a14:hiddenFill xmlns:a14="http://schemas.microsoft.com/office/drawing/2010/main">
-                <a:solidFill>
-                  <a:srgbClr val="FFFFFF"/>
-                </a:solidFill>
-              </a14:hiddenFill>
-            </a:ext>
-          </a:extLst>
-        </p:spPr>
-      </p:pic>
-      <p:pic>
-        <p:nvPicPr>
-          <p:cNvPr id="1046" name="Picture 22">
-            <a:extLst>
-              <a:ext uri="{FF2B5EF4-FFF2-40B4-BE49-F238E27FC236}">
-                <a16:creationId xmlns:a16="http://schemas.microsoft.com/office/drawing/2014/main" id="{A3104EB0-11EF-7A58-4858-BB004B2BD7FC}"/>
-              </a:ext>
-            </a:extLst>
-          </p:cNvPr>
-          <p:cNvPicPr>
-            <a:picLocks noChangeAspect="1" noChangeArrowheads="1"/>
-          </p:cNvPicPr>
-          <p:nvPr/>
-        </p:nvPicPr>
-        <p:blipFill>
-          <a:blip r:embed="rId11">
-            <a:extLst>
-              <a:ext uri="{28A0092B-C50C-407E-A947-70E740481C1C}">
-                <a14:useLocalDpi xmlns:a14="http://schemas.microsoft.com/office/drawing/2010/main" val="0"/>
-              </a:ext>
-            </a:extLst>
-          </a:blip>
-          <a:srcRect/>
-          <a:stretch>
-            <a:fillRect/>
-          </a:stretch>
-        </p:blipFill>
-        <p:spPr bwMode="auto">
-          <a:xfrm>
-            <a:off x="0" y="4703562"/>
-            <a:ext cx="3146893" cy="2069071"/>
-          </a:xfrm>
-          <a:prstGeom prst="rect">
-            <a:avLst/>
-          </a:prstGeom>
-          <a:noFill/>
-          <a:extLst>
-            <a:ext uri="{909E8E84-426E-40DD-AFC4-6F175D3DCCD1}">
-              <a14:hiddenFill xmlns:a14="http://schemas.microsoft.com/office/drawing/2010/main">
-                <a:solidFill>
-                  <a:srgbClr val="FFFFFF"/>
-                </a:solidFill>
-              </a14:hiddenFill>
-            </a:ext>
-          </a:extLst>
-        </p:spPr>
-      </p:pic>
-      <p:sp>
-        <p:nvSpPr>
-          <p:cNvPr id="8" name="TextBox 7">
-            <a:extLst>
-              <a:ext uri="{FF2B5EF4-FFF2-40B4-BE49-F238E27FC236}">
-                <a16:creationId xmlns:a16="http://schemas.microsoft.com/office/drawing/2014/main" id="{86F975A7-82F8-4FA9-9C2F-5B1FE05473F0}"/>
-              </a:ext>
-            </a:extLst>
-          </p:cNvPr>
-          <p:cNvSpPr txBox="1"/>
-          <p:nvPr/>
-        </p:nvSpPr>
-        <p:spPr>
-          <a:xfrm>
-            <a:off x="4896747" y="1715"/>
-            <a:ext cx="2015067" cy="369332"/>
-          </a:xfrm>
-          <a:prstGeom prst="rect">
-            <a:avLst/>
-          </a:prstGeom>
-          <a:noFill/>
-        </p:spPr>
-        <p:txBody>
-          <a:bodyPr wrap="square" rtlCol="0">
-            <a:spAutoFit/>
-          </a:bodyPr>
-          <a:lstStyle/>
-          <a:p>
-            <a:pPr algn="ctr"/>
-            <a:r>
-              <a:rPr lang="en-US" b="1" i="1" dirty="0">
-                <a:solidFill>
-                  <a:schemeClr val="bg1"/>
-                </a:solidFill>
-              </a:rPr>
-              <a:t>PB ONLY</a:t>
-            </a:r>
-          </a:p>
-        </p:txBody>
-      </p:sp>
-      <p:pic>
-        <p:nvPicPr>
-          <p:cNvPr id="1048" name="Picture 24">
-            <a:extLst>
-              <a:ext uri="{FF2B5EF4-FFF2-40B4-BE49-F238E27FC236}">
-                <a16:creationId xmlns:a16="http://schemas.microsoft.com/office/drawing/2014/main" id="{0B023019-8668-7B14-C5E5-56F03FF12E52}"/>
-              </a:ext>
-            </a:extLst>
-          </p:cNvPr>
-          <p:cNvPicPr>
-            <a:picLocks noChangeAspect="1" noChangeArrowheads="1"/>
-          </p:cNvPicPr>
-          <p:nvPr/>
-        </p:nvPicPr>
-        <p:blipFill>
-          <a:blip r:embed="rId12">
-            <a:extLst>
-              <a:ext uri="{28A0092B-C50C-407E-A947-70E740481C1C}">
-                <a14:useLocalDpi xmlns:a14="http://schemas.microsoft.com/office/drawing/2010/main" val="0"/>
-              </a:ext>
-            </a:extLst>
-          </a:blip>
-          <a:srcRect/>
-          <a:stretch>
-            <a:fillRect/>
-          </a:stretch>
-        </p:blipFill>
-        <p:spPr bwMode="auto">
-          <a:xfrm>
-            <a:off x="9221573" y="4788610"/>
-            <a:ext cx="2926134" cy="2069071"/>
+            <a:off x="-21656" y="2790815"/>
+            <a:ext cx="3146894" cy="2069072"/>
           </a:xfrm>
           <a:prstGeom prst="rect">
             <a:avLst/>

--- a/NAF.pptx
+++ b/NAF.pptx
@@ -7132,15 +7132,43 @@
             <p:ph type="title"/>
           </p:nvPr>
         </p:nvSpPr>
-        <p:spPr/>
+        <p:spPr>
+          <a:xfrm>
+            <a:off x="-1" y="136525"/>
+            <a:ext cx="12706351" cy="800128"/>
+          </a:xfrm>
+        </p:spPr>
         <p:txBody>
-          <a:bodyPr/>
+          <a:bodyPr>
+            <a:normAutofit/>
+          </a:bodyPr>
           <a:lstStyle/>
           <a:p>
             <a:r>
-              <a:rPr lang="en-US" dirty="0"/>
-              <a:t>Counterion only validations</a:t>
-            </a:r>
+              <a:rPr lang="en-US" sz="3600" dirty="0"/>
+              <a:t>Counterion only validations </a:t>
+            </a:r>
+            <a:r>
+              <a:rPr lang="en-US" sz="2400" dirty="0"/>
+              <a:t>(</a:t>
+            </a:r>
+            <a:r>
+              <a:rPr lang="en-US" sz="2400" dirty="0" err="1"/>
+              <a:t>nbc</a:t>
+            </a:r>
+            <a:r>
+              <a:rPr lang="en-US" sz="2400" dirty="0"/>
+              <a:t> both, </a:t>
+            </a:r>
+            <a:r>
+              <a:rPr lang="en-US" sz="2400" dirty="0" err="1"/>
+              <a:t>dbc</a:t>
+            </a:r>
+            <a:r>
+              <a:rPr lang="en-US" sz="2400" dirty="0"/>
+              <a:t> at some point)</a:t>
+            </a:r>
+            <a:endParaRPr lang="en-US" sz="3600" dirty="0"/>
           </a:p>
         </p:txBody>
       </p:sp>
@@ -8154,7 +8182,7 @@
         </p:blipFill>
         <p:spPr bwMode="auto">
           <a:xfrm>
-            <a:off x="-22973" y="782543"/>
+            <a:off x="28364" y="1854593"/>
             <a:ext cx="3146893" cy="2016911"/>
           </a:xfrm>
           <a:prstGeom prst="rect">
@@ -8186,7 +8214,7 @@
         </p:nvSpPr>
         <p:spPr>
           <a:xfrm>
-            <a:off x="536415" y="404571"/>
+            <a:off x="547846" y="1485261"/>
             <a:ext cx="2015067" cy="369332"/>
           </a:xfrm>
           <a:prstGeom prst="rect">
@@ -8202,11 +8230,7 @@
           <a:p>
             <a:pPr algn="ctr"/>
             <a:r>
-              <a:rPr lang="en-US" b="1" dirty="0">
-                <a:solidFill>
-                  <a:schemeClr val="bg1"/>
-                </a:solidFill>
-              </a:rPr>
+              <a:rPr lang="en-US" dirty="0"/>
               <a:t>-1 e-20</a:t>
             </a:r>
           </a:p>
@@ -8241,7 +8265,7 @@
         </p:blipFill>
         <p:spPr bwMode="auto">
           <a:xfrm>
-            <a:off x="3126555" y="773903"/>
+            <a:off x="3177892" y="1845953"/>
             <a:ext cx="3006180" cy="2016912"/>
           </a:xfrm>
           <a:prstGeom prst="rect">
@@ -8273,7 +8297,7 @@
         </p:nvSpPr>
         <p:spPr>
           <a:xfrm>
-            <a:off x="3597392" y="410868"/>
+            <a:off x="3608823" y="1491558"/>
             <a:ext cx="2015067" cy="369332"/>
           </a:xfrm>
           <a:prstGeom prst="rect">
@@ -8289,11 +8313,7 @@
           <a:p>
             <a:pPr algn="ctr"/>
             <a:r>
-              <a:rPr lang="en-US" b="1" dirty="0">
-                <a:solidFill>
-                  <a:schemeClr val="bg1"/>
-                </a:solidFill>
-              </a:rPr>
+              <a:rPr lang="en-US" dirty="0"/>
               <a:t>-5 e-20</a:t>
             </a:r>
           </a:p>
@@ -8328,7 +8348,7 @@
         </p:blipFill>
         <p:spPr bwMode="auto">
           <a:xfrm>
-            <a:off x="6132735" y="773903"/>
+            <a:off x="6184072" y="1845953"/>
             <a:ext cx="3053085" cy="2016912"/>
           </a:xfrm>
           <a:prstGeom prst="rect">
@@ -8360,7 +8380,7 @@
         </p:nvSpPr>
         <p:spPr>
           <a:xfrm>
-            <a:off x="6700097" y="372345"/>
+            <a:off x="6711528" y="1453035"/>
             <a:ext cx="2015067" cy="369332"/>
           </a:xfrm>
           <a:prstGeom prst="rect">
@@ -8376,11 +8396,7 @@
           <a:p>
             <a:pPr algn="ctr"/>
             <a:r>
-              <a:rPr lang="en-US" b="1" dirty="0">
-                <a:solidFill>
-                  <a:schemeClr val="bg1"/>
-                </a:solidFill>
-              </a:rPr>
+              <a:rPr lang="en-US" dirty="0"/>
               <a:t>-10 e-20</a:t>
             </a:r>
           </a:p>
@@ -8415,7 +8431,7 @@
         </p:blipFill>
         <p:spPr bwMode="auto">
           <a:xfrm>
-            <a:off x="9158868" y="773903"/>
+            <a:off x="9210205" y="1845953"/>
             <a:ext cx="2929426" cy="2016912"/>
           </a:xfrm>
           <a:prstGeom prst="rect">
@@ -8447,7 +8463,7 @@
         </p:nvSpPr>
         <p:spPr>
           <a:xfrm>
-            <a:off x="9802802" y="404571"/>
+            <a:off x="9814233" y="1485261"/>
             <a:ext cx="2015067" cy="369332"/>
           </a:xfrm>
           <a:prstGeom prst="rect">
@@ -8463,11 +8479,7 @@
           <a:p>
             <a:pPr algn="ctr"/>
             <a:r>
-              <a:rPr lang="en-US" b="1" dirty="0">
-                <a:solidFill>
-                  <a:schemeClr val="bg1"/>
-                </a:solidFill>
-              </a:rPr>
+              <a:rPr lang="en-US" dirty="0"/>
               <a:t>-20 e-20</a:t>
             </a:r>
           </a:p>
@@ -8487,7 +8499,7 @@
         </p:nvSpPr>
         <p:spPr>
           <a:xfrm>
-            <a:off x="4896747" y="1715"/>
+            <a:off x="4896747" y="382603"/>
             <a:ext cx="2015067" cy="369332"/>
           </a:xfrm>
           <a:prstGeom prst="rect">
@@ -8542,7 +8554,7 @@
         </p:blipFill>
         <p:spPr bwMode="auto">
           <a:xfrm>
-            <a:off x="9185820" y="2847897"/>
+            <a:off x="9237157" y="3919947"/>
             <a:ext cx="2926134" cy="2069071"/>
           </a:xfrm>
           <a:prstGeom prst="rect">
@@ -8589,7 +8601,7 @@
         </p:blipFill>
         <p:spPr bwMode="auto">
           <a:xfrm>
-            <a:off x="6172641" y="2823041"/>
+            <a:off x="6223978" y="3895091"/>
             <a:ext cx="3053830" cy="2070540"/>
           </a:xfrm>
           <a:prstGeom prst="rect">
@@ -8636,7 +8648,7 @@
         </p:blipFill>
         <p:spPr bwMode="auto">
           <a:xfrm>
-            <a:off x="3104853" y="2808093"/>
+            <a:off x="3156190" y="3880143"/>
             <a:ext cx="3049585" cy="2100435"/>
           </a:xfrm>
           <a:prstGeom prst="rect">
@@ -8668,7 +8680,7 @@
         </p:nvSpPr>
         <p:spPr>
           <a:xfrm>
-            <a:off x="2294467" y="5655733"/>
+            <a:off x="2322831" y="5995315"/>
             <a:ext cx="4617347" cy="307777"/>
           </a:xfrm>
           <a:prstGeom prst="rect">
@@ -8719,7 +8731,7 @@
         </p:blipFill>
         <p:spPr bwMode="auto">
           <a:xfrm>
-            <a:off x="-21656" y="2790815"/>
+            <a:off x="29681" y="3862865"/>
             <a:ext cx="3146894" cy="2069072"/>
           </a:xfrm>
           <a:prstGeom prst="rect">

--- a/NAF.pptx
+++ b/NAF.pptx
@@ -5,7 +5,7 @@
     <p:sldMasterId id="2147483648" r:id="rId1"/>
   </p:sldMasterIdLst>
   <p:notesMasterIdLst>
-    <p:notesMasterId r:id="rId11"/>
+    <p:notesMasterId r:id="rId12"/>
   </p:notesMasterIdLst>
   <p:sldIdLst>
     <p:sldId id="256" r:id="rId2"/>
@@ -14,9 +14,10 @@
     <p:sldId id="263" r:id="rId5"/>
     <p:sldId id="257" r:id="rId6"/>
     <p:sldId id="262" r:id="rId7"/>
-    <p:sldId id="264" r:id="rId8"/>
-    <p:sldId id="265" r:id="rId9"/>
-    <p:sldId id="266" r:id="rId10"/>
+    <p:sldId id="267" r:id="rId8"/>
+    <p:sldId id="264" r:id="rId9"/>
+    <p:sldId id="265" r:id="rId10"/>
+    <p:sldId id="266" r:id="rId11"/>
   </p:sldIdLst>
   <p:sldSz cx="12192000" cy="6858000"/>
   <p:notesSz cx="6858000" cy="9144000"/>
@@ -205,7 +206,7 @@
           <a:p>
             <a:fld id="{4299902A-6DB3-4A13-9B91-BEABFDA2FC16}" type="datetimeFigureOut">
               <a:rPr lang="en-US" smtClean="0"/>
-              <a:t>9/25/2024</a:t>
+              <a:t>9/28/2024</a:t>
             </a:fld>
             <a:endParaRPr lang="en-US"/>
           </a:p>
@@ -2459,6 +2460,666 @@
     <p:extLst>
       <p:ext uri="{BB962C8B-B14F-4D97-AF65-F5344CB8AC3E}">
         <p14:creationId xmlns:p14="http://schemas.microsoft.com/office/powerpoint/2010/main" val="3189493290"/>
+      </p:ext>
+    </p:extLst>
+  </p:cSld>
+  <p:clrMapOvr>
+    <a:masterClrMapping/>
+  </p:clrMapOvr>
+</p:sld>
+</file>
+
+<file path=ppt/slides/slide10.xml><?xml version="1.0" encoding="utf-8"?>
+<p:sld xmlns:a="http://schemas.openxmlformats.org/drawingml/2006/main" xmlns:r="http://schemas.openxmlformats.org/officeDocument/2006/relationships" xmlns:p="http://schemas.openxmlformats.org/presentationml/2006/main">
+  <p:cSld>
+    <p:spTree>
+      <p:nvGrpSpPr>
+        <p:cNvPr id="1" name=""/>
+        <p:cNvGrpSpPr/>
+        <p:nvPr/>
+      </p:nvGrpSpPr>
+      <p:grpSpPr>
+        <a:xfrm>
+          <a:off x="0" y="0"/>
+          <a:ext cx="0" cy="0"/>
+          <a:chOff x="0" y="0"/>
+          <a:chExt cx="0" cy="0"/>
+        </a:xfrm>
+      </p:grpSpPr>
+      <p:sp>
+        <p:nvSpPr>
+          <p:cNvPr id="3" name="Slide Number Placeholder 2">
+            <a:extLst>
+              <a:ext uri="{FF2B5EF4-FFF2-40B4-BE49-F238E27FC236}">
+                <a16:creationId xmlns:a16="http://schemas.microsoft.com/office/drawing/2014/main" id="{7598627B-C1B6-B604-13A7-B14986EE920A}"/>
+              </a:ext>
+            </a:extLst>
+          </p:cNvPr>
+          <p:cNvSpPr>
+            <a:spLocks noGrp="1"/>
+          </p:cNvSpPr>
+          <p:nvPr>
+            <p:ph type="sldNum" sz="quarter" idx="12"/>
+          </p:nvPr>
+        </p:nvSpPr>
+        <p:spPr>
+          <a:xfrm>
+            <a:off x="8715164" y="6303092"/>
+            <a:ext cx="2743200" cy="365125"/>
+          </a:xfrm>
+        </p:spPr>
+        <p:txBody>
+          <a:bodyPr/>
+          <a:lstStyle/>
+          <a:p>
+            <a:fld id="{5911C0E6-D9CE-431C-92CB-BB39B872F930}" type="slidenum">
+              <a:rPr lang="en-US" smtClean="0"/>
+              <a:t>10</a:t>
+            </a:fld>
+            <a:endParaRPr lang="en-US" dirty="0"/>
+          </a:p>
+        </p:txBody>
+      </p:sp>
+      <p:pic>
+        <p:nvPicPr>
+          <p:cNvPr id="1026" name="Picture 2">
+            <a:extLst>
+              <a:ext uri="{FF2B5EF4-FFF2-40B4-BE49-F238E27FC236}">
+                <a16:creationId xmlns:a16="http://schemas.microsoft.com/office/drawing/2014/main" id="{B5F78EB8-B0E6-ED7E-FD7C-87E7E8FBE3E2}"/>
+              </a:ext>
+            </a:extLst>
+          </p:cNvPr>
+          <p:cNvPicPr>
+            <a:picLocks noChangeAspect="1" noChangeArrowheads="1"/>
+          </p:cNvPicPr>
+          <p:nvPr/>
+        </p:nvPicPr>
+        <p:blipFill>
+          <a:blip r:embed="rId2">
+            <a:extLst>
+              <a:ext uri="{28A0092B-C50C-407E-A947-70E740481C1C}">
+                <a14:useLocalDpi xmlns:a14="http://schemas.microsoft.com/office/drawing/2010/main" val="0"/>
+              </a:ext>
+            </a:extLst>
+          </a:blip>
+          <a:srcRect/>
+          <a:stretch>
+            <a:fillRect/>
+          </a:stretch>
+        </p:blipFill>
+        <p:spPr bwMode="auto">
+          <a:xfrm>
+            <a:off x="28364" y="1854593"/>
+            <a:ext cx="3146893" cy="2016911"/>
+          </a:xfrm>
+          <a:prstGeom prst="rect">
+            <a:avLst/>
+          </a:prstGeom>
+          <a:noFill/>
+          <a:extLst>
+            <a:ext uri="{909E8E84-426E-40DD-AFC4-6F175D3DCCD1}">
+              <a14:hiddenFill xmlns:a14="http://schemas.microsoft.com/office/drawing/2010/main">
+                <a:solidFill>
+                  <a:srgbClr val="FFFFFF"/>
+                </a:solidFill>
+              </a14:hiddenFill>
+            </a:ext>
+          </a:extLst>
+        </p:spPr>
+      </p:pic>
+      <p:sp>
+        <p:nvSpPr>
+          <p:cNvPr id="4" name="TextBox 3">
+            <a:extLst>
+              <a:ext uri="{FF2B5EF4-FFF2-40B4-BE49-F238E27FC236}">
+                <a16:creationId xmlns:a16="http://schemas.microsoft.com/office/drawing/2014/main" id="{9377FBE4-4387-8AA8-5D98-5B187A26BCB7}"/>
+              </a:ext>
+            </a:extLst>
+          </p:cNvPr>
+          <p:cNvSpPr txBox="1"/>
+          <p:nvPr/>
+        </p:nvSpPr>
+        <p:spPr>
+          <a:xfrm>
+            <a:off x="547846" y="1485261"/>
+            <a:ext cx="2015067" cy="369332"/>
+          </a:xfrm>
+          <a:prstGeom prst="rect">
+            <a:avLst/>
+          </a:prstGeom>
+          <a:noFill/>
+        </p:spPr>
+        <p:txBody>
+          <a:bodyPr wrap="square" rtlCol="0">
+            <a:spAutoFit/>
+          </a:bodyPr>
+          <a:lstStyle/>
+          <a:p>
+            <a:pPr algn="ctr"/>
+            <a:r>
+              <a:rPr lang="en-US" dirty="0"/>
+              <a:t>-1 e-20</a:t>
+            </a:r>
+          </a:p>
+        </p:txBody>
+      </p:sp>
+      <p:pic>
+        <p:nvPicPr>
+          <p:cNvPr id="1028" name="Picture 4">
+            <a:extLst>
+              <a:ext uri="{FF2B5EF4-FFF2-40B4-BE49-F238E27FC236}">
+                <a16:creationId xmlns:a16="http://schemas.microsoft.com/office/drawing/2014/main" id="{7AE48D7E-7298-7D11-0EAB-6B36B5E216B4}"/>
+              </a:ext>
+            </a:extLst>
+          </p:cNvPr>
+          <p:cNvPicPr>
+            <a:picLocks noChangeAspect="1" noChangeArrowheads="1"/>
+          </p:cNvPicPr>
+          <p:nvPr/>
+        </p:nvPicPr>
+        <p:blipFill>
+          <a:blip r:embed="rId3">
+            <a:extLst>
+              <a:ext uri="{28A0092B-C50C-407E-A947-70E740481C1C}">
+                <a14:useLocalDpi xmlns:a14="http://schemas.microsoft.com/office/drawing/2010/main" val="0"/>
+              </a:ext>
+            </a:extLst>
+          </a:blip>
+          <a:srcRect/>
+          <a:stretch>
+            <a:fillRect/>
+          </a:stretch>
+        </p:blipFill>
+        <p:spPr bwMode="auto">
+          <a:xfrm>
+            <a:off x="3177892" y="1845953"/>
+            <a:ext cx="3006180" cy="2016912"/>
+          </a:xfrm>
+          <a:prstGeom prst="rect">
+            <a:avLst/>
+          </a:prstGeom>
+          <a:noFill/>
+          <a:extLst>
+            <a:ext uri="{909E8E84-426E-40DD-AFC4-6F175D3DCCD1}">
+              <a14:hiddenFill xmlns:a14="http://schemas.microsoft.com/office/drawing/2010/main">
+                <a:solidFill>
+                  <a:srgbClr val="FFFFFF"/>
+                </a:solidFill>
+              </a14:hiddenFill>
+            </a:ext>
+          </a:extLst>
+        </p:spPr>
+      </p:pic>
+      <p:sp>
+        <p:nvSpPr>
+          <p:cNvPr id="5" name="TextBox 4">
+            <a:extLst>
+              <a:ext uri="{FF2B5EF4-FFF2-40B4-BE49-F238E27FC236}">
+                <a16:creationId xmlns:a16="http://schemas.microsoft.com/office/drawing/2014/main" id="{6AA71D96-3286-3D2A-4B06-A932304BD988}"/>
+              </a:ext>
+            </a:extLst>
+          </p:cNvPr>
+          <p:cNvSpPr txBox="1"/>
+          <p:nvPr/>
+        </p:nvSpPr>
+        <p:spPr>
+          <a:xfrm>
+            <a:off x="3608823" y="1491558"/>
+            <a:ext cx="2015067" cy="369332"/>
+          </a:xfrm>
+          <a:prstGeom prst="rect">
+            <a:avLst/>
+          </a:prstGeom>
+          <a:noFill/>
+        </p:spPr>
+        <p:txBody>
+          <a:bodyPr wrap="square" rtlCol="0">
+            <a:spAutoFit/>
+          </a:bodyPr>
+          <a:lstStyle/>
+          <a:p>
+            <a:pPr algn="ctr"/>
+            <a:r>
+              <a:rPr lang="en-US" dirty="0"/>
+              <a:t>-5 e-20</a:t>
+            </a:r>
+          </a:p>
+        </p:txBody>
+      </p:sp>
+      <p:pic>
+        <p:nvPicPr>
+          <p:cNvPr id="1032" name="Picture 8">
+            <a:extLst>
+              <a:ext uri="{FF2B5EF4-FFF2-40B4-BE49-F238E27FC236}">
+                <a16:creationId xmlns:a16="http://schemas.microsoft.com/office/drawing/2014/main" id="{74776D8A-C559-3A98-1953-5479FFCF5D8C}"/>
+              </a:ext>
+            </a:extLst>
+          </p:cNvPr>
+          <p:cNvPicPr>
+            <a:picLocks noChangeAspect="1" noChangeArrowheads="1"/>
+          </p:cNvPicPr>
+          <p:nvPr/>
+        </p:nvPicPr>
+        <p:blipFill>
+          <a:blip r:embed="rId4">
+            <a:extLst>
+              <a:ext uri="{28A0092B-C50C-407E-A947-70E740481C1C}">
+                <a14:useLocalDpi xmlns:a14="http://schemas.microsoft.com/office/drawing/2010/main" val="0"/>
+              </a:ext>
+            </a:extLst>
+          </a:blip>
+          <a:srcRect/>
+          <a:stretch>
+            <a:fillRect/>
+          </a:stretch>
+        </p:blipFill>
+        <p:spPr bwMode="auto">
+          <a:xfrm>
+            <a:off x="6184072" y="1845953"/>
+            <a:ext cx="3053085" cy="2016912"/>
+          </a:xfrm>
+          <a:prstGeom prst="rect">
+            <a:avLst/>
+          </a:prstGeom>
+          <a:noFill/>
+          <a:extLst>
+            <a:ext uri="{909E8E84-426E-40DD-AFC4-6F175D3DCCD1}">
+              <a14:hiddenFill xmlns:a14="http://schemas.microsoft.com/office/drawing/2010/main">
+                <a:solidFill>
+                  <a:srgbClr val="FFFFFF"/>
+                </a:solidFill>
+              </a14:hiddenFill>
+            </a:ext>
+          </a:extLst>
+        </p:spPr>
+      </p:pic>
+      <p:sp>
+        <p:nvSpPr>
+          <p:cNvPr id="6" name="TextBox 5">
+            <a:extLst>
+              <a:ext uri="{FF2B5EF4-FFF2-40B4-BE49-F238E27FC236}">
+                <a16:creationId xmlns:a16="http://schemas.microsoft.com/office/drawing/2014/main" id="{379F85A2-D6B2-F701-0AB5-6D4B3E209F8D}"/>
+              </a:ext>
+            </a:extLst>
+          </p:cNvPr>
+          <p:cNvSpPr txBox="1"/>
+          <p:nvPr/>
+        </p:nvSpPr>
+        <p:spPr>
+          <a:xfrm>
+            <a:off x="6711528" y="1453035"/>
+            <a:ext cx="2015067" cy="369332"/>
+          </a:xfrm>
+          <a:prstGeom prst="rect">
+            <a:avLst/>
+          </a:prstGeom>
+          <a:noFill/>
+        </p:spPr>
+        <p:txBody>
+          <a:bodyPr wrap="square" rtlCol="0">
+            <a:spAutoFit/>
+          </a:bodyPr>
+          <a:lstStyle/>
+          <a:p>
+            <a:pPr algn="ctr"/>
+            <a:r>
+              <a:rPr lang="en-US" dirty="0"/>
+              <a:t>-10 e-20</a:t>
+            </a:r>
+          </a:p>
+        </p:txBody>
+      </p:sp>
+      <p:pic>
+        <p:nvPicPr>
+          <p:cNvPr id="1036" name="Picture 12">
+            <a:extLst>
+              <a:ext uri="{FF2B5EF4-FFF2-40B4-BE49-F238E27FC236}">
+                <a16:creationId xmlns:a16="http://schemas.microsoft.com/office/drawing/2014/main" id="{DEA80948-8B2E-1FF3-F45D-BD328294E6F7}"/>
+              </a:ext>
+            </a:extLst>
+          </p:cNvPr>
+          <p:cNvPicPr>
+            <a:picLocks noChangeAspect="1" noChangeArrowheads="1"/>
+          </p:cNvPicPr>
+          <p:nvPr/>
+        </p:nvPicPr>
+        <p:blipFill>
+          <a:blip r:embed="rId5">
+            <a:extLst>
+              <a:ext uri="{28A0092B-C50C-407E-A947-70E740481C1C}">
+                <a14:useLocalDpi xmlns:a14="http://schemas.microsoft.com/office/drawing/2010/main" val="0"/>
+              </a:ext>
+            </a:extLst>
+          </a:blip>
+          <a:srcRect/>
+          <a:stretch>
+            <a:fillRect/>
+          </a:stretch>
+        </p:blipFill>
+        <p:spPr bwMode="auto">
+          <a:xfrm>
+            <a:off x="9210205" y="1845953"/>
+            <a:ext cx="2929426" cy="2016912"/>
+          </a:xfrm>
+          <a:prstGeom prst="rect">
+            <a:avLst/>
+          </a:prstGeom>
+          <a:noFill/>
+          <a:extLst>
+            <a:ext uri="{909E8E84-426E-40DD-AFC4-6F175D3DCCD1}">
+              <a14:hiddenFill xmlns:a14="http://schemas.microsoft.com/office/drawing/2010/main">
+                <a:solidFill>
+                  <a:srgbClr val="FFFFFF"/>
+                </a:solidFill>
+              </a14:hiddenFill>
+            </a:ext>
+          </a:extLst>
+        </p:spPr>
+      </p:pic>
+      <p:sp>
+        <p:nvSpPr>
+          <p:cNvPr id="7" name="TextBox 6">
+            <a:extLst>
+              <a:ext uri="{FF2B5EF4-FFF2-40B4-BE49-F238E27FC236}">
+                <a16:creationId xmlns:a16="http://schemas.microsoft.com/office/drawing/2014/main" id="{656EB2AB-EE85-6834-099D-43645F0C31B8}"/>
+              </a:ext>
+            </a:extLst>
+          </p:cNvPr>
+          <p:cNvSpPr txBox="1"/>
+          <p:nvPr/>
+        </p:nvSpPr>
+        <p:spPr>
+          <a:xfrm>
+            <a:off x="9814233" y="1485261"/>
+            <a:ext cx="2015067" cy="369332"/>
+          </a:xfrm>
+          <a:prstGeom prst="rect">
+            <a:avLst/>
+          </a:prstGeom>
+          <a:noFill/>
+        </p:spPr>
+        <p:txBody>
+          <a:bodyPr wrap="square" rtlCol="0">
+            <a:spAutoFit/>
+          </a:bodyPr>
+          <a:lstStyle/>
+          <a:p>
+            <a:pPr algn="ctr"/>
+            <a:r>
+              <a:rPr lang="en-US" dirty="0"/>
+              <a:t>-20 e-20</a:t>
+            </a:r>
+          </a:p>
+        </p:txBody>
+      </p:sp>
+      <p:sp>
+        <p:nvSpPr>
+          <p:cNvPr id="8" name="TextBox 7">
+            <a:extLst>
+              <a:ext uri="{FF2B5EF4-FFF2-40B4-BE49-F238E27FC236}">
+                <a16:creationId xmlns:a16="http://schemas.microsoft.com/office/drawing/2014/main" id="{86F975A7-82F8-4FA9-9C2F-5B1FE05473F0}"/>
+              </a:ext>
+            </a:extLst>
+          </p:cNvPr>
+          <p:cNvSpPr txBox="1"/>
+          <p:nvPr/>
+        </p:nvSpPr>
+        <p:spPr>
+          <a:xfrm>
+            <a:off x="4896747" y="382603"/>
+            <a:ext cx="2015067" cy="369332"/>
+          </a:xfrm>
+          <a:prstGeom prst="rect">
+            <a:avLst/>
+          </a:prstGeom>
+          <a:noFill/>
+        </p:spPr>
+        <p:txBody>
+          <a:bodyPr wrap="square" rtlCol="0">
+            <a:spAutoFit/>
+          </a:bodyPr>
+          <a:lstStyle/>
+          <a:p>
+            <a:pPr algn="ctr"/>
+            <a:r>
+              <a:rPr lang="en-US" b="1" i="1" dirty="0">
+                <a:solidFill>
+                  <a:schemeClr val="bg1"/>
+                </a:solidFill>
+              </a:rPr>
+              <a:t>PB ONLY with DBC</a:t>
+            </a:r>
+          </a:p>
+        </p:txBody>
+      </p:sp>
+      <p:pic>
+        <p:nvPicPr>
+          <p:cNvPr id="1048" name="Picture 24">
+            <a:extLst>
+              <a:ext uri="{FF2B5EF4-FFF2-40B4-BE49-F238E27FC236}">
+                <a16:creationId xmlns:a16="http://schemas.microsoft.com/office/drawing/2014/main" id="{0B023019-8668-7B14-C5E5-56F03FF12E52}"/>
+              </a:ext>
+            </a:extLst>
+          </p:cNvPr>
+          <p:cNvPicPr>
+            <a:picLocks noChangeAspect="1" noChangeArrowheads="1"/>
+          </p:cNvPicPr>
+          <p:nvPr/>
+        </p:nvPicPr>
+        <p:blipFill>
+          <a:blip r:embed="rId6">
+            <a:extLst>
+              <a:ext uri="{28A0092B-C50C-407E-A947-70E740481C1C}">
+                <a14:useLocalDpi xmlns:a14="http://schemas.microsoft.com/office/drawing/2010/main" val="0"/>
+              </a:ext>
+            </a:extLst>
+          </a:blip>
+          <a:srcRect/>
+          <a:stretch>
+            <a:fillRect/>
+          </a:stretch>
+        </p:blipFill>
+        <p:spPr bwMode="auto">
+          <a:xfrm>
+            <a:off x="9237157" y="3919947"/>
+            <a:ext cx="2926134" cy="2069071"/>
+          </a:xfrm>
+          <a:prstGeom prst="rect">
+            <a:avLst/>
+          </a:prstGeom>
+          <a:noFill/>
+          <a:extLst>
+            <a:ext uri="{909E8E84-426E-40DD-AFC4-6F175D3DCCD1}">
+              <a14:hiddenFill xmlns:a14="http://schemas.microsoft.com/office/drawing/2010/main">
+                <a:solidFill>
+                  <a:srgbClr val="FFFFFF"/>
+                </a:solidFill>
+              </a14:hiddenFill>
+            </a:ext>
+          </a:extLst>
+        </p:spPr>
+      </p:pic>
+      <p:pic>
+        <p:nvPicPr>
+          <p:cNvPr id="1050" name="Picture 26">
+            <a:extLst>
+              <a:ext uri="{FF2B5EF4-FFF2-40B4-BE49-F238E27FC236}">
+                <a16:creationId xmlns:a16="http://schemas.microsoft.com/office/drawing/2014/main" id="{0A981B0F-8E19-F73B-5EA9-4F34219ACE07}"/>
+              </a:ext>
+            </a:extLst>
+          </p:cNvPr>
+          <p:cNvPicPr>
+            <a:picLocks noChangeAspect="1" noChangeArrowheads="1"/>
+          </p:cNvPicPr>
+          <p:nvPr/>
+        </p:nvPicPr>
+        <p:blipFill>
+          <a:blip r:embed="rId7">
+            <a:extLst>
+              <a:ext uri="{28A0092B-C50C-407E-A947-70E740481C1C}">
+                <a14:useLocalDpi xmlns:a14="http://schemas.microsoft.com/office/drawing/2010/main" val="0"/>
+              </a:ext>
+            </a:extLst>
+          </a:blip>
+          <a:srcRect/>
+          <a:stretch>
+            <a:fillRect/>
+          </a:stretch>
+        </p:blipFill>
+        <p:spPr bwMode="auto">
+          <a:xfrm>
+            <a:off x="6223978" y="3895091"/>
+            <a:ext cx="3053830" cy="2070540"/>
+          </a:xfrm>
+          <a:prstGeom prst="rect">
+            <a:avLst/>
+          </a:prstGeom>
+          <a:noFill/>
+          <a:extLst>
+            <a:ext uri="{909E8E84-426E-40DD-AFC4-6F175D3DCCD1}">
+              <a14:hiddenFill xmlns:a14="http://schemas.microsoft.com/office/drawing/2010/main">
+                <a:solidFill>
+                  <a:srgbClr val="FFFFFF"/>
+                </a:solidFill>
+              </a14:hiddenFill>
+            </a:ext>
+          </a:extLst>
+        </p:spPr>
+      </p:pic>
+      <p:pic>
+        <p:nvPicPr>
+          <p:cNvPr id="1052" name="Picture 28">
+            <a:extLst>
+              <a:ext uri="{FF2B5EF4-FFF2-40B4-BE49-F238E27FC236}">
+                <a16:creationId xmlns:a16="http://schemas.microsoft.com/office/drawing/2014/main" id="{BFCEF9B6-381E-8CBD-DCA3-03F52DE14806}"/>
+              </a:ext>
+            </a:extLst>
+          </p:cNvPr>
+          <p:cNvPicPr>
+            <a:picLocks noChangeAspect="1" noChangeArrowheads="1"/>
+          </p:cNvPicPr>
+          <p:nvPr/>
+        </p:nvPicPr>
+        <p:blipFill>
+          <a:blip r:embed="rId8">
+            <a:extLst>
+              <a:ext uri="{28A0092B-C50C-407E-A947-70E740481C1C}">
+                <a14:useLocalDpi xmlns:a14="http://schemas.microsoft.com/office/drawing/2010/main" val="0"/>
+              </a:ext>
+            </a:extLst>
+          </a:blip>
+          <a:srcRect/>
+          <a:stretch>
+            <a:fillRect/>
+          </a:stretch>
+        </p:blipFill>
+        <p:spPr bwMode="auto">
+          <a:xfrm>
+            <a:off x="3156190" y="3880143"/>
+            <a:ext cx="3049585" cy="2100435"/>
+          </a:xfrm>
+          <a:prstGeom prst="rect">
+            <a:avLst/>
+          </a:prstGeom>
+          <a:noFill/>
+          <a:extLst>
+            <a:ext uri="{909E8E84-426E-40DD-AFC4-6F175D3DCCD1}">
+              <a14:hiddenFill xmlns:a14="http://schemas.microsoft.com/office/drawing/2010/main">
+                <a:solidFill>
+                  <a:srgbClr val="FFFFFF"/>
+                </a:solidFill>
+              </a14:hiddenFill>
+            </a:ext>
+          </a:extLst>
+        </p:spPr>
+      </p:pic>
+      <p:sp>
+        <p:nvSpPr>
+          <p:cNvPr id="9" name="TextBox 8">
+            <a:extLst>
+              <a:ext uri="{FF2B5EF4-FFF2-40B4-BE49-F238E27FC236}">
+                <a16:creationId xmlns:a16="http://schemas.microsoft.com/office/drawing/2014/main" id="{430C5858-8FDE-FE96-B95C-49A5B810C475}"/>
+              </a:ext>
+            </a:extLst>
+          </p:cNvPr>
+          <p:cNvSpPr txBox="1"/>
+          <p:nvPr/>
+        </p:nvSpPr>
+        <p:spPr>
+          <a:xfrm>
+            <a:off x="2322831" y="5995315"/>
+            <a:ext cx="4617347" cy="307777"/>
+          </a:xfrm>
+          <a:prstGeom prst="rect">
+            <a:avLst/>
+          </a:prstGeom>
+          <a:noFill/>
+        </p:spPr>
+        <p:txBody>
+          <a:bodyPr wrap="square" rtlCol="0">
+            <a:spAutoFit/>
+          </a:bodyPr>
+          <a:lstStyle/>
+          <a:p>
+            <a:pPr algn="ctr"/>
+            <a:r>
+              <a:rPr lang="en-US" sz="1400" b="1" dirty="0"/>
+              <a:t>Linear divergence instead of log divergence</a:t>
+            </a:r>
+          </a:p>
+        </p:txBody>
+      </p:sp>
+      <p:pic>
+        <p:nvPicPr>
+          <p:cNvPr id="1054" name="Picture 30">
+            <a:extLst>
+              <a:ext uri="{FF2B5EF4-FFF2-40B4-BE49-F238E27FC236}">
+                <a16:creationId xmlns:a16="http://schemas.microsoft.com/office/drawing/2014/main" id="{18809B4B-C788-EEB0-FB80-D308DDA2A33E}"/>
+              </a:ext>
+            </a:extLst>
+          </p:cNvPr>
+          <p:cNvPicPr>
+            <a:picLocks noChangeAspect="1" noChangeArrowheads="1"/>
+          </p:cNvPicPr>
+          <p:nvPr/>
+        </p:nvPicPr>
+        <p:blipFill>
+          <a:blip r:embed="rId9">
+            <a:extLst>
+              <a:ext uri="{28A0092B-C50C-407E-A947-70E740481C1C}">
+                <a14:useLocalDpi xmlns:a14="http://schemas.microsoft.com/office/drawing/2010/main" val="0"/>
+              </a:ext>
+            </a:extLst>
+          </a:blip>
+          <a:srcRect/>
+          <a:stretch>
+            <a:fillRect/>
+          </a:stretch>
+        </p:blipFill>
+        <p:spPr bwMode="auto">
+          <a:xfrm>
+            <a:off x="29681" y="3862865"/>
+            <a:ext cx="3146894" cy="2069072"/>
+          </a:xfrm>
+          <a:prstGeom prst="rect">
+            <a:avLst/>
+          </a:prstGeom>
+          <a:noFill/>
+          <a:extLst>
+            <a:ext uri="{909E8E84-426E-40DD-AFC4-6F175D3DCCD1}">
+              <a14:hiddenFill xmlns:a14="http://schemas.microsoft.com/office/drawing/2010/main">
+                <a:solidFill>
+                  <a:srgbClr val="FFFFFF"/>
+                </a:solidFill>
+              </a14:hiddenFill>
+            </a:ext>
+          </a:extLst>
+        </p:spPr>
+      </p:pic>
+    </p:spTree>
+    <p:extLst>
+      <p:ext uri="{BB962C8B-B14F-4D97-AF65-F5344CB8AC3E}">
+        <p14:creationId xmlns:p14="http://schemas.microsoft.com/office/powerpoint/2010/main" val="1059440922"/>
       </p:ext>
     </p:extLst>
   </p:cSld>
@@ -7121,6 +7782,222 @@
           <p:cNvPr id="2" name="Title 1">
             <a:extLst>
               <a:ext uri="{FF2B5EF4-FFF2-40B4-BE49-F238E27FC236}">
+                <a16:creationId xmlns:a16="http://schemas.microsoft.com/office/drawing/2014/main" id="{EF5DF91D-7A20-E514-20CF-B16956140860}"/>
+              </a:ext>
+            </a:extLst>
+          </p:cNvPr>
+          <p:cNvSpPr>
+            <a:spLocks noGrp="1"/>
+          </p:cNvSpPr>
+          <p:nvPr>
+            <p:ph type="title"/>
+          </p:nvPr>
+        </p:nvSpPr>
+        <p:spPr/>
+        <p:txBody>
+          <a:bodyPr/>
+          <a:lstStyle/>
+          <a:p>
+            <a:r>
+              <a:rPr lang="en-US" dirty="0"/>
+              <a:t>Counterion only; validations</a:t>
+            </a:r>
+          </a:p>
+        </p:txBody>
+      </p:sp>
+      <p:sp>
+        <p:nvSpPr>
+          <p:cNvPr id="3" name="Slide Number Placeholder 2">
+            <a:extLst>
+              <a:ext uri="{FF2B5EF4-FFF2-40B4-BE49-F238E27FC236}">
+                <a16:creationId xmlns:a16="http://schemas.microsoft.com/office/drawing/2014/main" id="{373400F5-E8A0-8C77-DBF3-011E07B4EF18}"/>
+              </a:ext>
+            </a:extLst>
+          </p:cNvPr>
+          <p:cNvSpPr>
+            <a:spLocks noGrp="1"/>
+          </p:cNvSpPr>
+          <p:nvPr>
+            <p:ph type="sldNum" sz="quarter" idx="12"/>
+          </p:nvPr>
+        </p:nvSpPr>
+        <p:spPr/>
+        <p:txBody>
+          <a:bodyPr/>
+          <a:lstStyle/>
+          <a:p>
+            <a:fld id="{5911C0E6-D9CE-431C-92CB-BB39B872F930}" type="slidenum">
+              <a:rPr lang="en-US" smtClean="0"/>
+              <a:t>7</a:t>
+            </a:fld>
+            <a:endParaRPr lang="en-US"/>
+          </a:p>
+        </p:txBody>
+      </p:sp>
+      <p:sp>
+        <p:nvSpPr>
+          <p:cNvPr id="4" name="TextBox 3">
+            <a:extLst>
+              <a:ext uri="{FF2B5EF4-FFF2-40B4-BE49-F238E27FC236}">
+                <a16:creationId xmlns:a16="http://schemas.microsoft.com/office/drawing/2014/main" id="{DE88AB65-BBF7-3C72-F15F-D980F6BF8D73}"/>
+              </a:ext>
+            </a:extLst>
+          </p:cNvPr>
+          <p:cNvSpPr txBox="1"/>
+          <p:nvPr/>
+        </p:nvSpPr>
+        <p:spPr>
+          <a:xfrm>
+            <a:off x="148389" y="6356350"/>
+            <a:ext cx="10218821" cy="369332"/>
+          </a:xfrm>
+          <a:prstGeom prst="rect">
+            <a:avLst/>
+          </a:prstGeom>
+          <a:noFill/>
+        </p:spPr>
+        <p:txBody>
+          <a:bodyPr wrap="square" rtlCol="0">
+            <a:spAutoFit/>
+          </a:bodyPr>
+          <a:lstStyle/>
+          <a:p>
+            <a:r>
+              <a:rPr lang="en-US" dirty="0"/>
+              <a:t>Method: Newton iteration (a = 0.8), DBC left, NBC right</a:t>
+            </a:r>
+          </a:p>
+        </p:txBody>
+      </p:sp>
+      <p:pic>
+        <p:nvPicPr>
+          <p:cNvPr id="1028" name="Picture 4">
+            <a:extLst>
+              <a:ext uri="{FF2B5EF4-FFF2-40B4-BE49-F238E27FC236}">
+                <a16:creationId xmlns:a16="http://schemas.microsoft.com/office/drawing/2014/main" id="{042E365C-6B20-A7E7-6587-B19EC20EF62A}"/>
+              </a:ext>
+            </a:extLst>
+          </p:cNvPr>
+          <p:cNvPicPr>
+            <a:picLocks noChangeAspect="1" noChangeArrowheads="1"/>
+          </p:cNvPicPr>
+          <p:nvPr/>
+        </p:nvPicPr>
+        <p:blipFill>
+          <a:blip r:embed="rId2">
+            <a:extLst>
+              <a:ext uri="{28A0092B-C50C-407E-A947-70E740481C1C}">
+                <a14:useLocalDpi xmlns:a14="http://schemas.microsoft.com/office/drawing/2010/main" val="0"/>
+              </a:ext>
+            </a:extLst>
+          </a:blip>
+          <a:srcRect/>
+          <a:stretch>
+            <a:fillRect/>
+          </a:stretch>
+        </p:blipFill>
+        <p:spPr bwMode="auto">
+          <a:xfrm>
+            <a:off x="403811" y="1364696"/>
+            <a:ext cx="3462337" cy="2433637"/>
+          </a:xfrm>
+          <a:prstGeom prst="rect">
+            <a:avLst/>
+          </a:prstGeom>
+          <a:noFill/>
+          <a:extLst>
+            <a:ext uri="{909E8E84-426E-40DD-AFC4-6F175D3DCCD1}">
+              <a14:hiddenFill xmlns:a14="http://schemas.microsoft.com/office/drawing/2010/main">
+                <a:solidFill>
+                  <a:srgbClr val="FFFFFF"/>
+                </a:solidFill>
+              </a14:hiddenFill>
+            </a:ext>
+          </a:extLst>
+        </p:spPr>
+      </p:pic>
+      <p:pic>
+        <p:nvPicPr>
+          <p:cNvPr id="1030" name="Picture 6">
+            <a:extLst>
+              <a:ext uri="{FF2B5EF4-FFF2-40B4-BE49-F238E27FC236}">
+                <a16:creationId xmlns:a16="http://schemas.microsoft.com/office/drawing/2014/main" id="{5D7693C9-438F-A395-F641-3052F665DCA0}"/>
+              </a:ext>
+            </a:extLst>
+          </p:cNvPr>
+          <p:cNvPicPr>
+            <a:picLocks noChangeAspect="1" noChangeArrowheads="1"/>
+          </p:cNvPicPr>
+          <p:nvPr/>
+        </p:nvPicPr>
+        <p:blipFill>
+          <a:blip r:embed="rId3">
+            <a:extLst>
+              <a:ext uri="{28A0092B-C50C-407E-A947-70E740481C1C}">
+                <a14:useLocalDpi xmlns:a14="http://schemas.microsoft.com/office/drawing/2010/main" val="0"/>
+              </a:ext>
+            </a:extLst>
+          </a:blip>
+          <a:srcRect/>
+          <a:stretch>
+            <a:fillRect/>
+          </a:stretch>
+        </p:blipFill>
+        <p:spPr bwMode="auto">
+          <a:xfrm>
+            <a:off x="4037096" y="1364696"/>
+            <a:ext cx="3462337" cy="2450491"/>
+          </a:xfrm>
+          <a:prstGeom prst="rect">
+            <a:avLst/>
+          </a:prstGeom>
+          <a:noFill/>
+          <a:extLst>
+            <a:ext uri="{909E8E84-426E-40DD-AFC4-6F175D3DCCD1}">
+              <a14:hiddenFill xmlns:a14="http://schemas.microsoft.com/office/drawing/2010/main">
+                <a:solidFill>
+                  <a:srgbClr val="FFFFFF"/>
+                </a:solidFill>
+              </a14:hiddenFill>
+            </a:ext>
+          </a:extLst>
+        </p:spPr>
+      </p:pic>
+    </p:spTree>
+    <p:extLst>
+      <p:ext uri="{BB962C8B-B14F-4D97-AF65-F5344CB8AC3E}">
+        <p14:creationId xmlns:p14="http://schemas.microsoft.com/office/powerpoint/2010/main" val="1602863882"/>
+      </p:ext>
+    </p:extLst>
+  </p:cSld>
+  <p:clrMapOvr>
+    <a:masterClrMapping/>
+  </p:clrMapOvr>
+</p:sld>
+</file>
+
+<file path=ppt/slides/slide8.xml><?xml version="1.0" encoding="utf-8"?>
+<p:sld xmlns:a="http://schemas.openxmlformats.org/drawingml/2006/main" xmlns:r="http://schemas.openxmlformats.org/officeDocument/2006/relationships" xmlns:p="http://schemas.openxmlformats.org/presentationml/2006/main">
+  <p:cSld>
+    <p:spTree>
+      <p:nvGrpSpPr>
+        <p:cNvPr id="1" name=""/>
+        <p:cNvGrpSpPr/>
+        <p:nvPr/>
+      </p:nvGrpSpPr>
+      <p:grpSpPr>
+        <a:xfrm>
+          <a:off x="0" y="0"/>
+          <a:ext cx="0" cy="0"/>
+          <a:chOff x="0" y="0"/>
+          <a:chExt cx="0" cy="0"/>
+        </a:xfrm>
+      </p:grpSpPr>
+      <p:sp>
+        <p:nvSpPr>
+          <p:cNvPr id="2" name="Title 1">
+            <a:extLst>
+              <a:ext uri="{FF2B5EF4-FFF2-40B4-BE49-F238E27FC236}">
                 <a16:creationId xmlns:a16="http://schemas.microsoft.com/office/drawing/2014/main" id="{B48E75B8-CA31-A2EB-3470-F60D5EDC1E1A}"/>
               </a:ext>
             </a:extLst>
@@ -7195,7 +8072,7 @@
           <a:p>
             <a:fld id="{5911C0E6-D9CE-431C-92CB-BB39B872F930}" type="slidenum">
               <a:rPr lang="en-US" smtClean="0"/>
-              <a:t>7</a:t>
+              <a:t>8</a:t>
             </a:fld>
             <a:endParaRPr lang="en-US"/>
           </a:p>
@@ -7639,6 +8516,41 @@
           </a:extLst>
         </p:spPr>
       </p:pic>
+      <p:sp>
+        <p:nvSpPr>
+          <p:cNvPr id="5" name="TextBox 4">
+            <a:extLst>
+              <a:ext uri="{FF2B5EF4-FFF2-40B4-BE49-F238E27FC236}">
+                <a16:creationId xmlns:a16="http://schemas.microsoft.com/office/drawing/2014/main" id="{1B48940B-4865-9E61-FC1A-B3CC14EC30A9}"/>
+              </a:ext>
+            </a:extLst>
+          </p:cNvPr>
+          <p:cNvSpPr txBox="1"/>
+          <p:nvPr/>
+        </p:nvSpPr>
+        <p:spPr>
+          <a:xfrm>
+            <a:off x="7543801" y="6384630"/>
+            <a:ext cx="4503822" cy="369332"/>
+          </a:xfrm>
+          <a:prstGeom prst="rect">
+            <a:avLst/>
+          </a:prstGeom>
+          <a:noFill/>
+        </p:spPr>
+        <p:txBody>
+          <a:bodyPr wrap="square" rtlCol="0">
+            <a:spAutoFit/>
+          </a:bodyPr>
+          <a:lstStyle/>
+          <a:p>
+            <a:r>
+              <a:rPr lang="en-US" dirty="0"/>
+              <a:t>Method: NBC left, NBC right, DBC somewhere</a:t>
+            </a:r>
+          </a:p>
+        </p:txBody>
+      </p:sp>
     </p:spTree>
     <p:extLst>
       <p:ext uri="{BB962C8B-B14F-4D97-AF65-F5344CB8AC3E}">
@@ -7652,7 +8564,7 @@
 </p:sld>
 </file>
 
-<file path=ppt/slides/slide8.xml><?xml version="1.0" encoding="utf-8"?>
+<file path=ppt/slides/slide9.xml><?xml version="1.0" encoding="utf-8"?>
 <p:sld xmlns:a="http://schemas.openxmlformats.org/drawingml/2006/main" xmlns:r="http://schemas.openxmlformats.org/officeDocument/2006/relationships" xmlns:p="http://schemas.openxmlformats.org/presentationml/2006/main">
   <p:cSld>
     <p:spTree>
@@ -7720,7 +8632,7 @@
           <a:p>
             <a:fld id="{5911C0E6-D9CE-431C-92CB-BB39B872F930}" type="slidenum">
               <a:rPr lang="en-US" smtClean="0"/>
-              <a:t>8</a:t>
+              <a:t>9</a:t>
             </a:fld>
             <a:endParaRPr lang="en-US"/>
           </a:p>
@@ -8093,666 +9005,6 @@
     <p:extLst>
       <p:ext uri="{BB962C8B-B14F-4D97-AF65-F5344CB8AC3E}">
         <p14:creationId xmlns:p14="http://schemas.microsoft.com/office/powerpoint/2010/main" val="2655404517"/>
-      </p:ext>
-    </p:extLst>
-  </p:cSld>
-  <p:clrMapOvr>
-    <a:masterClrMapping/>
-  </p:clrMapOvr>
-</p:sld>
-</file>
-
-<file path=ppt/slides/slide9.xml><?xml version="1.0" encoding="utf-8"?>
-<p:sld xmlns:a="http://schemas.openxmlformats.org/drawingml/2006/main" xmlns:r="http://schemas.openxmlformats.org/officeDocument/2006/relationships" xmlns:p="http://schemas.openxmlformats.org/presentationml/2006/main">
-  <p:cSld>
-    <p:spTree>
-      <p:nvGrpSpPr>
-        <p:cNvPr id="1" name=""/>
-        <p:cNvGrpSpPr/>
-        <p:nvPr/>
-      </p:nvGrpSpPr>
-      <p:grpSpPr>
-        <a:xfrm>
-          <a:off x="0" y="0"/>
-          <a:ext cx="0" cy="0"/>
-          <a:chOff x="0" y="0"/>
-          <a:chExt cx="0" cy="0"/>
-        </a:xfrm>
-      </p:grpSpPr>
-      <p:sp>
-        <p:nvSpPr>
-          <p:cNvPr id="3" name="Slide Number Placeholder 2">
-            <a:extLst>
-              <a:ext uri="{FF2B5EF4-FFF2-40B4-BE49-F238E27FC236}">
-                <a16:creationId xmlns:a16="http://schemas.microsoft.com/office/drawing/2014/main" id="{7598627B-C1B6-B604-13A7-B14986EE920A}"/>
-              </a:ext>
-            </a:extLst>
-          </p:cNvPr>
-          <p:cNvSpPr>
-            <a:spLocks noGrp="1"/>
-          </p:cNvSpPr>
-          <p:nvPr>
-            <p:ph type="sldNum" sz="quarter" idx="12"/>
-          </p:nvPr>
-        </p:nvSpPr>
-        <p:spPr>
-          <a:xfrm>
-            <a:off x="8715164" y="6303092"/>
-            <a:ext cx="2743200" cy="365125"/>
-          </a:xfrm>
-        </p:spPr>
-        <p:txBody>
-          <a:bodyPr/>
-          <a:lstStyle/>
-          <a:p>
-            <a:fld id="{5911C0E6-D9CE-431C-92CB-BB39B872F930}" type="slidenum">
-              <a:rPr lang="en-US" smtClean="0"/>
-              <a:t>9</a:t>
-            </a:fld>
-            <a:endParaRPr lang="en-US" dirty="0"/>
-          </a:p>
-        </p:txBody>
-      </p:sp>
-      <p:pic>
-        <p:nvPicPr>
-          <p:cNvPr id="1026" name="Picture 2">
-            <a:extLst>
-              <a:ext uri="{FF2B5EF4-FFF2-40B4-BE49-F238E27FC236}">
-                <a16:creationId xmlns:a16="http://schemas.microsoft.com/office/drawing/2014/main" id="{B5F78EB8-B0E6-ED7E-FD7C-87E7E8FBE3E2}"/>
-              </a:ext>
-            </a:extLst>
-          </p:cNvPr>
-          <p:cNvPicPr>
-            <a:picLocks noChangeAspect="1" noChangeArrowheads="1"/>
-          </p:cNvPicPr>
-          <p:nvPr/>
-        </p:nvPicPr>
-        <p:blipFill>
-          <a:blip r:embed="rId2">
-            <a:extLst>
-              <a:ext uri="{28A0092B-C50C-407E-A947-70E740481C1C}">
-                <a14:useLocalDpi xmlns:a14="http://schemas.microsoft.com/office/drawing/2010/main" val="0"/>
-              </a:ext>
-            </a:extLst>
-          </a:blip>
-          <a:srcRect/>
-          <a:stretch>
-            <a:fillRect/>
-          </a:stretch>
-        </p:blipFill>
-        <p:spPr bwMode="auto">
-          <a:xfrm>
-            <a:off x="28364" y="1854593"/>
-            <a:ext cx="3146893" cy="2016911"/>
-          </a:xfrm>
-          <a:prstGeom prst="rect">
-            <a:avLst/>
-          </a:prstGeom>
-          <a:noFill/>
-          <a:extLst>
-            <a:ext uri="{909E8E84-426E-40DD-AFC4-6F175D3DCCD1}">
-              <a14:hiddenFill xmlns:a14="http://schemas.microsoft.com/office/drawing/2010/main">
-                <a:solidFill>
-                  <a:srgbClr val="FFFFFF"/>
-                </a:solidFill>
-              </a14:hiddenFill>
-            </a:ext>
-          </a:extLst>
-        </p:spPr>
-      </p:pic>
-      <p:sp>
-        <p:nvSpPr>
-          <p:cNvPr id="4" name="TextBox 3">
-            <a:extLst>
-              <a:ext uri="{FF2B5EF4-FFF2-40B4-BE49-F238E27FC236}">
-                <a16:creationId xmlns:a16="http://schemas.microsoft.com/office/drawing/2014/main" id="{9377FBE4-4387-8AA8-5D98-5B187A26BCB7}"/>
-              </a:ext>
-            </a:extLst>
-          </p:cNvPr>
-          <p:cNvSpPr txBox="1"/>
-          <p:nvPr/>
-        </p:nvSpPr>
-        <p:spPr>
-          <a:xfrm>
-            <a:off x="547846" y="1485261"/>
-            <a:ext cx="2015067" cy="369332"/>
-          </a:xfrm>
-          <a:prstGeom prst="rect">
-            <a:avLst/>
-          </a:prstGeom>
-          <a:noFill/>
-        </p:spPr>
-        <p:txBody>
-          <a:bodyPr wrap="square" rtlCol="0">
-            <a:spAutoFit/>
-          </a:bodyPr>
-          <a:lstStyle/>
-          <a:p>
-            <a:pPr algn="ctr"/>
-            <a:r>
-              <a:rPr lang="en-US" dirty="0"/>
-              <a:t>-1 e-20</a:t>
-            </a:r>
-          </a:p>
-        </p:txBody>
-      </p:sp>
-      <p:pic>
-        <p:nvPicPr>
-          <p:cNvPr id="1028" name="Picture 4">
-            <a:extLst>
-              <a:ext uri="{FF2B5EF4-FFF2-40B4-BE49-F238E27FC236}">
-                <a16:creationId xmlns:a16="http://schemas.microsoft.com/office/drawing/2014/main" id="{7AE48D7E-7298-7D11-0EAB-6B36B5E216B4}"/>
-              </a:ext>
-            </a:extLst>
-          </p:cNvPr>
-          <p:cNvPicPr>
-            <a:picLocks noChangeAspect="1" noChangeArrowheads="1"/>
-          </p:cNvPicPr>
-          <p:nvPr/>
-        </p:nvPicPr>
-        <p:blipFill>
-          <a:blip r:embed="rId3">
-            <a:extLst>
-              <a:ext uri="{28A0092B-C50C-407E-A947-70E740481C1C}">
-                <a14:useLocalDpi xmlns:a14="http://schemas.microsoft.com/office/drawing/2010/main" val="0"/>
-              </a:ext>
-            </a:extLst>
-          </a:blip>
-          <a:srcRect/>
-          <a:stretch>
-            <a:fillRect/>
-          </a:stretch>
-        </p:blipFill>
-        <p:spPr bwMode="auto">
-          <a:xfrm>
-            <a:off x="3177892" y="1845953"/>
-            <a:ext cx="3006180" cy="2016912"/>
-          </a:xfrm>
-          <a:prstGeom prst="rect">
-            <a:avLst/>
-          </a:prstGeom>
-          <a:noFill/>
-          <a:extLst>
-            <a:ext uri="{909E8E84-426E-40DD-AFC4-6F175D3DCCD1}">
-              <a14:hiddenFill xmlns:a14="http://schemas.microsoft.com/office/drawing/2010/main">
-                <a:solidFill>
-                  <a:srgbClr val="FFFFFF"/>
-                </a:solidFill>
-              </a14:hiddenFill>
-            </a:ext>
-          </a:extLst>
-        </p:spPr>
-      </p:pic>
-      <p:sp>
-        <p:nvSpPr>
-          <p:cNvPr id="5" name="TextBox 4">
-            <a:extLst>
-              <a:ext uri="{FF2B5EF4-FFF2-40B4-BE49-F238E27FC236}">
-                <a16:creationId xmlns:a16="http://schemas.microsoft.com/office/drawing/2014/main" id="{6AA71D96-3286-3D2A-4B06-A932304BD988}"/>
-              </a:ext>
-            </a:extLst>
-          </p:cNvPr>
-          <p:cNvSpPr txBox="1"/>
-          <p:nvPr/>
-        </p:nvSpPr>
-        <p:spPr>
-          <a:xfrm>
-            <a:off x="3608823" y="1491558"/>
-            <a:ext cx="2015067" cy="369332"/>
-          </a:xfrm>
-          <a:prstGeom prst="rect">
-            <a:avLst/>
-          </a:prstGeom>
-          <a:noFill/>
-        </p:spPr>
-        <p:txBody>
-          <a:bodyPr wrap="square" rtlCol="0">
-            <a:spAutoFit/>
-          </a:bodyPr>
-          <a:lstStyle/>
-          <a:p>
-            <a:pPr algn="ctr"/>
-            <a:r>
-              <a:rPr lang="en-US" dirty="0"/>
-              <a:t>-5 e-20</a:t>
-            </a:r>
-          </a:p>
-        </p:txBody>
-      </p:sp>
-      <p:pic>
-        <p:nvPicPr>
-          <p:cNvPr id="1032" name="Picture 8">
-            <a:extLst>
-              <a:ext uri="{FF2B5EF4-FFF2-40B4-BE49-F238E27FC236}">
-                <a16:creationId xmlns:a16="http://schemas.microsoft.com/office/drawing/2014/main" id="{74776D8A-C559-3A98-1953-5479FFCF5D8C}"/>
-              </a:ext>
-            </a:extLst>
-          </p:cNvPr>
-          <p:cNvPicPr>
-            <a:picLocks noChangeAspect="1" noChangeArrowheads="1"/>
-          </p:cNvPicPr>
-          <p:nvPr/>
-        </p:nvPicPr>
-        <p:blipFill>
-          <a:blip r:embed="rId4">
-            <a:extLst>
-              <a:ext uri="{28A0092B-C50C-407E-A947-70E740481C1C}">
-                <a14:useLocalDpi xmlns:a14="http://schemas.microsoft.com/office/drawing/2010/main" val="0"/>
-              </a:ext>
-            </a:extLst>
-          </a:blip>
-          <a:srcRect/>
-          <a:stretch>
-            <a:fillRect/>
-          </a:stretch>
-        </p:blipFill>
-        <p:spPr bwMode="auto">
-          <a:xfrm>
-            <a:off x="6184072" y="1845953"/>
-            <a:ext cx="3053085" cy="2016912"/>
-          </a:xfrm>
-          <a:prstGeom prst="rect">
-            <a:avLst/>
-          </a:prstGeom>
-          <a:noFill/>
-          <a:extLst>
-            <a:ext uri="{909E8E84-426E-40DD-AFC4-6F175D3DCCD1}">
-              <a14:hiddenFill xmlns:a14="http://schemas.microsoft.com/office/drawing/2010/main">
-                <a:solidFill>
-                  <a:srgbClr val="FFFFFF"/>
-                </a:solidFill>
-              </a14:hiddenFill>
-            </a:ext>
-          </a:extLst>
-        </p:spPr>
-      </p:pic>
-      <p:sp>
-        <p:nvSpPr>
-          <p:cNvPr id="6" name="TextBox 5">
-            <a:extLst>
-              <a:ext uri="{FF2B5EF4-FFF2-40B4-BE49-F238E27FC236}">
-                <a16:creationId xmlns:a16="http://schemas.microsoft.com/office/drawing/2014/main" id="{379F85A2-D6B2-F701-0AB5-6D4B3E209F8D}"/>
-              </a:ext>
-            </a:extLst>
-          </p:cNvPr>
-          <p:cNvSpPr txBox="1"/>
-          <p:nvPr/>
-        </p:nvSpPr>
-        <p:spPr>
-          <a:xfrm>
-            <a:off x="6711528" y="1453035"/>
-            <a:ext cx="2015067" cy="369332"/>
-          </a:xfrm>
-          <a:prstGeom prst="rect">
-            <a:avLst/>
-          </a:prstGeom>
-          <a:noFill/>
-        </p:spPr>
-        <p:txBody>
-          <a:bodyPr wrap="square" rtlCol="0">
-            <a:spAutoFit/>
-          </a:bodyPr>
-          <a:lstStyle/>
-          <a:p>
-            <a:pPr algn="ctr"/>
-            <a:r>
-              <a:rPr lang="en-US" dirty="0"/>
-              <a:t>-10 e-20</a:t>
-            </a:r>
-          </a:p>
-        </p:txBody>
-      </p:sp>
-      <p:pic>
-        <p:nvPicPr>
-          <p:cNvPr id="1036" name="Picture 12">
-            <a:extLst>
-              <a:ext uri="{FF2B5EF4-FFF2-40B4-BE49-F238E27FC236}">
-                <a16:creationId xmlns:a16="http://schemas.microsoft.com/office/drawing/2014/main" id="{DEA80948-8B2E-1FF3-F45D-BD328294E6F7}"/>
-              </a:ext>
-            </a:extLst>
-          </p:cNvPr>
-          <p:cNvPicPr>
-            <a:picLocks noChangeAspect="1" noChangeArrowheads="1"/>
-          </p:cNvPicPr>
-          <p:nvPr/>
-        </p:nvPicPr>
-        <p:blipFill>
-          <a:blip r:embed="rId5">
-            <a:extLst>
-              <a:ext uri="{28A0092B-C50C-407E-A947-70E740481C1C}">
-                <a14:useLocalDpi xmlns:a14="http://schemas.microsoft.com/office/drawing/2010/main" val="0"/>
-              </a:ext>
-            </a:extLst>
-          </a:blip>
-          <a:srcRect/>
-          <a:stretch>
-            <a:fillRect/>
-          </a:stretch>
-        </p:blipFill>
-        <p:spPr bwMode="auto">
-          <a:xfrm>
-            <a:off x="9210205" y="1845953"/>
-            <a:ext cx="2929426" cy="2016912"/>
-          </a:xfrm>
-          <a:prstGeom prst="rect">
-            <a:avLst/>
-          </a:prstGeom>
-          <a:noFill/>
-          <a:extLst>
-            <a:ext uri="{909E8E84-426E-40DD-AFC4-6F175D3DCCD1}">
-              <a14:hiddenFill xmlns:a14="http://schemas.microsoft.com/office/drawing/2010/main">
-                <a:solidFill>
-                  <a:srgbClr val="FFFFFF"/>
-                </a:solidFill>
-              </a14:hiddenFill>
-            </a:ext>
-          </a:extLst>
-        </p:spPr>
-      </p:pic>
-      <p:sp>
-        <p:nvSpPr>
-          <p:cNvPr id="7" name="TextBox 6">
-            <a:extLst>
-              <a:ext uri="{FF2B5EF4-FFF2-40B4-BE49-F238E27FC236}">
-                <a16:creationId xmlns:a16="http://schemas.microsoft.com/office/drawing/2014/main" id="{656EB2AB-EE85-6834-099D-43645F0C31B8}"/>
-              </a:ext>
-            </a:extLst>
-          </p:cNvPr>
-          <p:cNvSpPr txBox="1"/>
-          <p:nvPr/>
-        </p:nvSpPr>
-        <p:spPr>
-          <a:xfrm>
-            <a:off x="9814233" y="1485261"/>
-            <a:ext cx="2015067" cy="369332"/>
-          </a:xfrm>
-          <a:prstGeom prst="rect">
-            <a:avLst/>
-          </a:prstGeom>
-          <a:noFill/>
-        </p:spPr>
-        <p:txBody>
-          <a:bodyPr wrap="square" rtlCol="0">
-            <a:spAutoFit/>
-          </a:bodyPr>
-          <a:lstStyle/>
-          <a:p>
-            <a:pPr algn="ctr"/>
-            <a:r>
-              <a:rPr lang="en-US" dirty="0"/>
-              <a:t>-20 e-20</a:t>
-            </a:r>
-          </a:p>
-        </p:txBody>
-      </p:sp>
-      <p:sp>
-        <p:nvSpPr>
-          <p:cNvPr id="8" name="TextBox 7">
-            <a:extLst>
-              <a:ext uri="{FF2B5EF4-FFF2-40B4-BE49-F238E27FC236}">
-                <a16:creationId xmlns:a16="http://schemas.microsoft.com/office/drawing/2014/main" id="{86F975A7-82F8-4FA9-9C2F-5B1FE05473F0}"/>
-              </a:ext>
-            </a:extLst>
-          </p:cNvPr>
-          <p:cNvSpPr txBox="1"/>
-          <p:nvPr/>
-        </p:nvSpPr>
-        <p:spPr>
-          <a:xfrm>
-            <a:off x="4896747" y="382603"/>
-            <a:ext cx="2015067" cy="369332"/>
-          </a:xfrm>
-          <a:prstGeom prst="rect">
-            <a:avLst/>
-          </a:prstGeom>
-          <a:noFill/>
-        </p:spPr>
-        <p:txBody>
-          <a:bodyPr wrap="square" rtlCol="0">
-            <a:spAutoFit/>
-          </a:bodyPr>
-          <a:lstStyle/>
-          <a:p>
-            <a:pPr algn="ctr"/>
-            <a:r>
-              <a:rPr lang="en-US" b="1" i="1" dirty="0">
-                <a:solidFill>
-                  <a:schemeClr val="bg1"/>
-                </a:solidFill>
-              </a:rPr>
-              <a:t>PB ONLY with DBC</a:t>
-            </a:r>
-          </a:p>
-        </p:txBody>
-      </p:sp>
-      <p:pic>
-        <p:nvPicPr>
-          <p:cNvPr id="1048" name="Picture 24">
-            <a:extLst>
-              <a:ext uri="{FF2B5EF4-FFF2-40B4-BE49-F238E27FC236}">
-                <a16:creationId xmlns:a16="http://schemas.microsoft.com/office/drawing/2014/main" id="{0B023019-8668-7B14-C5E5-56F03FF12E52}"/>
-              </a:ext>
-            </a:extLst>
-          </p:cNvPr>
-          <p:cNvPicPr>
-            <a:picLocks noChangeAspect="1" noChangeArrowheads="1"/>
-          </p:cNvPicPr>
-          <p:nvPr/>
-        </p:nvPicPr>
-        <p:blipFill>
-          <a:blip r:embed="rId6">
-            <a:extLst>
-              <a:ext uri="{28A0092B-C50C-407E-A947-70E740481C1C}">
-                <a14:useLocalDpi xmlns:a14="http://schemas.microsoft.com/office/drawing/2010/main" val="0"/>
-              </a:ext>
-            </a:extLst>
-          </a:blip>
-          <a:srcRect/>
-          <a:stretch>
-            <a:fillRect/>
-          </a:stretch>
-        </p:blipFill>
-        <p:spPr bwMode="auto">
-          <a:xfrm>
-            <a:off x="9237157" y="3919947"/>
-            <a:ext cx="2926134" cy="2069071"/>
-          </a:xfrm>
-          <a:prstGeom prst="rect">
-            <a:avLst/>
-          </a:prstGeom>
-          <a:noFill/>
-          <a:extLst>
-            <a:ext uri="{909E8E84-426E-40DD-AFC4-6F175D3DCCD1}">
-              <a14:hiddenFill xmlns:a14="http://schemas.microsoft.com/office/drawing/2010/main">
-                <a:solidFill>
-                  <a:srgbClr val="FFFFFF"/>
-                </a:solidFill>
-              </a14:hiddenFill>
-            </a:ext>
-          </a:extLst>
-        </p:spPr>
-      </p:pic>
-      <p:pic>
-        <p:nvPicPr>
-          <p:cNvPr id="1050" name="Picture 26">
-            <a:extLst>
-              <a:ext uri="{FF2B5EF4-FFF2-40B4-BE49-F238E27FC236}">
-                <a16:creationId xmlns:a16="http://schemas.microsoft.com/office/drawing/2014/main" id="{0A981B0F-8E19-F73B-5EA9-4F34219ACE07}"/>
-              </a:ext>
-            </a:extLst>
-          </p:cNvPr>
-          <p:cNvPicPr>
-            <a:picLocks noChangeAspect="1" noChangeArrowheads="1"/>
-          </p:cNvPicPr>
-          <p:nvPr/>
-        </p:nvPicPr>
-        <p:blipFill>
-          <a:blip r:embed="rId7">
-            <a:extLst>
-              <a:ext uri="{28A0092B-C50C-407E-A947-70E740481C1C}">
-                <a14:useLocalDpi xmlns:a14="http://schemas.microsoft.com/office/drawing/2010/main" val="0"/>
-              </a:ext>
-            </a:extLst>
-          </a:blip>
-          <a:srcRect/>
-          <a:stretch>
-            <a:fillRect/>
-          </a:stretch>
-        </p:blipFill>
-        <p:spPr bwMode="auto">
-          <a:xfrm>
-            <a:off x="6223978" y="3895091"/>
-            <a:ext cx="3053830" cy="2070540"/>
-          </a:xfrm>
-          <a:prstGeom prst="rect">
-            <a:avLst/>
-          </a:prstGeom>
-          <a:noFill/>
-          <a:extLst>
-            <a:ext uri="{909E8E84-426E-40DD-AFC4-6F175D3DCCD1}">
-              <a14:hiddenFill xmlns:a14="http://schemas.microsoft.com/office/drawing/2010/main">
-                <a:solidFill>
-                  <a:srgbClr val="FFFFFF"/>
-                </a:solidFill>
-              </a14:hiddenFill>
-            </a:ext>
-          </a:extLst>
-        </p:spPr>
-      </p:pic>
-      <p:pic>
-        <p:nvPicPr>
-          <p:cNvPr id="1052" name="Picture 28">
-            <a:extLst>
-              <a:ext uri="{FF2B5EF4-FFF2-40B4-BE49-F238E27FC236}">
-                <a16:creationId xmlns:a16="http://schemas.microsoft.com/office/drawing/2014/main" id="{BFCEF9B6-381E-8CBD-DCA3-03F52DE14806}"/>
-              </a:ext>
-            </a:extLst>
-          </p:cNvPr>
-          <p:cNvPicPr>
-            <a:picLocks noChangeAspect="1" noChangeArrowheads="1"/>
-          </p:cNvPicPr>
-          <p:nvPr/>
-        </p:nvPicPr>
-        <p:blipFill>
-          <a:blip r:embed="rId8">
-            <a:extLst>
-              <a:ext uri="{28A0092B-C50C-407E-A947-70E740481C1C}">
-                <a14:useLocalDpi xmlns:a14="http://schemas.microsoft.com/office/drawing/2010/main" val="0"/>
-              </a:ext>
-            </a:extLst>
-          </a:blip>
-          <a:srcRect/>
-          <a:stretch>
-            <a:fillRect/>
-          </a:stretch>
-        </p:blipFill>
-        <p:spPr bwMode="auto">
-          <a:xfrm>
-            <a:off x="3156190" y="3880143"/>
-            <a:ext cx="3049585" cy="2100435"/>
-          </a:xfrm>
-          <a:prstGeom prst="rect">
-            <a:avLst/>
-          </a:prstGeom>
-          <a:noFill/>
-          <a:extLst>
-            <a:ext uri="{909E8E84-426E-40DD-AFC4-6F175D3DCCD1}">
-              <a14:hiddenFill xmlns:a14="http://schemas.microsoft.com/office/drawing/2010/main">
-                <a:solidFill>
-                  <a:srgbClr val="FFFFFF"/>
-                </a:solidFill>
-              </a14:hiddenFill>
-            </a:ext>
-          </a:extLst>
-        </p:spPr>
-      </p:pic>
-      <p:sp>
-        <p:nvSpPr>
-          <p:cNvPr id="9" name="TextBox 8">
-            <a:extLst>
-              <a:ext uri="{FF2B5EF4-FFF2-40B4-BE49-F238E27FC236}">
-                <a16:creationId xmlns:a16="http://schemas.microsoft.com/office/drawing/2014/main" id="{430C5858-8FDE-FE96-B95C-49A5B810C475}"/>
-              </a:ext>
-            </a:extLst>
-          </p:cNvPr>
-          <p:cNvSpPr txBox="1"/>
-          <p:nvPr/>
-        </p:nvSpPr>
-        <p:spPr>
-          <a:xfrm>
-            <a:off x="2322831" y="5995315"/>
-            <a:ext cx="4617347" cy="307777"/>
-          </a:xfrm>
-          <a:prstGeom prst="rect">
-            <a:avLst/>
-          </a:prstGeom>
-          <a:noFill/>
-        </p:spPr>
-        <p:txBody>
-          <a:bodyPr wrap="square" rtlCol="0">
-            <a:spAutoFit/>
-          </a:bodyPr>
-          <a:lstStyle/>
-          <a:p>
-            <a:pPr algn="ctr"/>
-            <a:r>
-              <a:rPr lang="en-US" sz="1400" b="1" dirty="0"/>
-              <a:t>Linear divergence instead of log divergence</a:t>
-            </a:r>
-          </a:p>
-        </p:txBody>
-      </p:sp>
-      <p:pic>
-        <p:nvPicPr>
-          <p:cNvPr id="1054" name="Picture 30">
-            <a:extLst>
-              <a:ext uri="{FF2B5EF4-FFF2-40B4-BE49-F238E27FC236}">
-                <a16:creationId xmlns:a16="http://schemas.microsoft.com/office/drawing/2014/main" id="{18809B4B-C788-EEB0-FB80-D308DDA2A33E}"/>
-              </a:ext>
-            </a:extLst>
-          </p:cNvPr>
-          <p:cNvPicPr>
-            <a:picLocks noChangeAspect="1" noChangeArrowheads="1"/>
-          </p:cNvPicPr>
-          <p:nvPr/>
-        </p:nvPicPr>
-        <p:blipFill>
-          <a:blip r:embed="rId9">
-            <a:extLst>
-              <a:ext uri="{28A0092B-C50C-407E-A947-70E740481C1C}">
-                <a14:useLocalDpi xmlns:a14="http://schemas.microsoft.com/office/drawing/2010/main" val="0"/>
-              </a:ext>
-            </a:extLst>
-          </a:blip>
-          <a:srcRect/>
-          <a:stretch>
-            <a:fillRect/>
-          </a:stretch>
-        </p:blipFill>
-        <p:spPr bwMode="auto">
-          <a:xfrm>
-            <a:off x="29681" y="3862865"/>
-            <a:ext cx="3146894" cy="2069072"/>
-          </a:xfrm>
-          <a:prstGeom prst="rect">
-            <a:avLst/>
-          </a:prstGeom>
-          <a:noFill/>
-          <a:extLst>
-            <a:ext uri="{909E8E84-426E-40DD-AFC4-6F175D3DCCD1}">
-              <a14:hiddenFill xmlns:a14="http://schemas.microsoft.com/office/drawing/2010/main">
-                <a:solidFill>
-                  <a:srgbClr val="FFFFFF"/>
-                </a:solidFill>
-              </a14:hiddenFill>
-            </a:ext>
-          </a:extLst>
-        </p:spPr>
-      </p:pic>
-    </p:spTree>
-    <p:extLst>
-      <p:ext uri="{BB962C8B-B14F-4D97-AF65-F5344CB8AC3E}">
-        <p14:creationId xmlns:p14="http://schemas.microsoft.com/office/powerpoint/2010/main" val="1059440922"/>
       </p:ext>
     </p:extLst>
   </p:cSld>

--- a/NAF.pptx
+++ b/NAF.pptx
@@ -7898,7 +7898,7 @@
         </p:blipFill>
         <p:spPr bwMode="auto">
           <a:xfrm>
-            <a:off x="403811" y="1364696"/>
+            <a:off x="624892" y="1829917"/>
             <a:ext cx="3462337" cy="2433637"/>
           </a:xfrm>
           <a:prstGeom prst="rect">
@@ -7918,10 +7918,10 @@
       </p:pic>
       <p:pic>
         <p:nvPicPr>
-          <p:cNvPr id="1030" name="Picture 6">
-            <a:extLst>
-              <a:ext uri="{FF2B5EF4-FFF2-40B4-BE49-F238E27FC236}">
-                <a16:creationId xmlns:a16="http://schemas.microsoft.com/office/drawing/2014/main" id="{5D7693C9-438F-A395-F641-3052F665DCA0}"/>
+          <p:cNvPr id="1032" name="Picture 8">
+            <a:extLst>
+              <a:ext uri="{FF2B5EF4-FFF2-40B4-BE49-F238E27FC236}">
+                <a16:creationId xmlns:a16="http://schemas.microsoft.com/office/drawing/2014/main" id="{36CF8BB1-37A7-B610-6793-D1E36BB7D442}"/>
               </a:ext>
             </a:extLst>
           </p:cNvPr>
@@ -7945,7 +7945,54 @@
         </p:blipFill>
         <p:spPr bwMode="auto">
           <a:xfrm>
-            <a:off x="4037096" y="1364696"/>
+            <a:off x="7891462" y="1813063"/>
+            <a:ext cx="3462338" cy="2450491"/>
+          </a:xfrm>
+          <a:prstGeom prst="rect">
+            <a:avLst/>
+          </a:prstGeom>
+          <a:noFill/>
+          <a:extLst>
+            <a:ext uri="{909E8E84-426E-40DD-AFC4-6F175D3DCCD1}">
+              <a14:hiddenFill xmlns:a14="http://schemas.microsoft.com/office/drawing/2010/main">
+                <a:solidFill>
+                  <a:srgbClr val="FFFFFF"/>
+                </a:solidFill>
+              </a14:hiddenFill>
+            </a:ext>
+          </a:extLst>
+        </p:spPr>
+      </p:pic>
+      <p:pic>
+        <p:nvPicPr>
+          <p:cNvPr id="1034" name="Picture 10">
+            <a:extLst>
+              <a:ext uri="{FF2B5EF4-FFF2-40B4-BE49-F238E27FC236}">
+                <a16:creationId xmlns:a16="http://schemas.microsoft.com/office/drawing/2014/main" id="{94EC5316-90E7-B091-0E1B-36A077794517}"/>
+              </a:ext>
+            </a:extLst>
+          </p:cNvPr>
+          <p:cNvPicPr>
+            <a:picLocks noChangeAspect="1" noChangeArrowheads="1"/>
+          </p:cNvPicPr>
+          <p:nvPr/>
+        </p:nvPicPr>
+        <p:blipFill>
+          <a:blip r:embed="rId4">
+            <a:extLst>
+              <a:ext uri="{28A0092B-C50C-407E-A947-70E740481C1C}">
+                <a14:useLocalDpi xmlns:a14="http://schemas.microsoft.com/office/drawing/2010/main" val="0"/>
+              </a:ext>
+            </a:extLst>
+          </a:blip>
+          <a:srcRect/>
+          <a:stretch>
+            <a:fillRect/>
+          </a:stretch>
+        </p:blipFill>
+        <p:spPr bwMode="auto">
+          <a:xfrm>
+            <a:off x="4258177" y="1858805"/>
             <a:ext cx="3462337" cy="2450491"/>
           </a:xfrm>
           <a:prstGeom prst="rect">

--- a/NAF.pptx
+++ b/NAF.pptx
@@ -7965,10 +7965,10 @@
       </p:pic>
       <p:pic>
         <p:nvPicPr>
-          <p:cNvPr id="1034" name="Picture 10">
-            <a:extLst>
-              <a:ext uri="{FF2B5EF4-FFF2-40B4-BE49-F238E27FC236}">
-                <a16:creationId xmlns:a16="http://schemas.microsoft.com/office/drawing/2014/main" id="{94EC5316-90E7-B091-0E1B-36A077794517}"/>
+          <p:cNvPr id="1036" name="Picture 12">
+            <a:extLst>
+              <a:ext uri="{FF2B5EF4-FFF2-40B4-BE49-F238E27FC236}">
+                <a16:creationId xmlns:a16="http://schemas.microsoft.com/office/drawing/2014/main" id="{525ECB76-8E5B-887A-D64C-4890119ECD76}"/>
               </a:ext>
             </a:extLst>
           </p:cNvPr>
@@ -7992,7 +7992,7 @@
         </p:blipFill>
         <p:spPr bwMode="auto">
           <a:xfrm>
-            <a:off x="4258177" y="1858805"/>
+            <a:off x="4258177" y="1829917"/>
             <a:ext cx="3462337" cy="2450491"/>
           </a:xfrm>
           <a:prstGeom prst="rect">
@@ -8069,30 +8069,9 @@
           <a:lstStyle/>
           <a:p>
             <a:r>
-              <a:rPr lang="en-US" sz="3600" dirty="0"/>
-              <a:t>Counterion only validations </a:t>
-            </a:r>
-            <a:r>
-              <a:rPr lang="en-US" sz="2400" dirty="0"/>
-              <a:t>(</a:t>
-            </a:r>
-            <a:r>
-              <a:rPr lang="en-US" sz="2400" dirty="0" err="1"/>
-              <a:t>nbc</a:t>
-            </a:r>
-            <a:r>
-              <a:rPr lang="en-US" sz="2400" dirty="0"/>
-              <a:t> both, </a:t>
-            </a:r>
-            <a:r>
-              <a:rPr lang="en-US" sz="2400" dirty="0" err="1"/>
-              <a:t>dbc</a:t>
-            </a:r>
-            <a:r>
-              <a:rPr lang="en-US" sz="2400" dirty="0"/>
-              <a:t> at some point)</a:t>
-            </a:r>
-            <a:endParaRPr lang="en-US" sz="3600" dirty="0"/>
+              <a:rPr lang="en-US" dirty="0"/>
+              <a:t>Counterion only; validations</a:t>
+            </a:r>
           </a:p>
         </p:txBody>
       </p:sp>

--- a/NAF.pptx
+++ b/NAF.pptx
@@ -14,10 +14,10 @@
     <p:sldId id="263" r:id="rId5"/>
     <p:sldId id="257" r:id="rId6"/>
     <p:sldId id="262" r:id="rId7"/>
-    <p:sldId id="267" r:id="rId8"/>
-    <p:sldId id="264" r:id="rId9"/>
-    <p:sldId id="265" r:id="rId10"/>
-    <p:sldId id="266" r:id="rId11"/>
+    <p:sldId id="264" r:id="rId8"/>
+    <p:sldId id="265" r:id="rId9"/>
+    <p:sldId id="267" r:id="rId10"/>
+    <p:sldId id="268" r:id="rId11"/>
   </p:sldIdLst>
   <p:sldSz cx="12192000" cy="6858000"/>
   <p:notesSz cx="6858000" cy="9144000"/>
@@ -206,7 +206,7 @@
           <a:p>
             <a:fld id="{4299902A-6DB3-4A13-9B91-BEABFDA2FC16}" type="datetimeFigureOut">
               <a:rPr lang="en-US" smtClean="0"/>
-              <a:t>9/28/2024</a:t>
+              <a:t>9/30/2024</a:t>
             </a:fld>
             <a:endParaRPr lang="en-US"/>
           </a:p>
@@ -2488,10 +2488,40 @@
       </p:grpSpPr>
       <p:sp>
         <p:nvSpPr>
+          <p:cNvPr id="2" name="Title 1">
+            <a:extLst>
+              <a:ext uri="{FF2B5EF4-FFF2-40B4-BE49-F238E27FC236}">
+                <a16:creationId xmlns:a16="http://schemas.microsoft.com/office/drawing/2014/main" id="{EF5DF91D-7A20-E514-20CF-B16956140860}"/>
+              </a:ext>
+            </a:extLst>
+          </p:cNvPr>
+          <p:cNvSpPr>
+            <a:spLocks noGrp="1"/>
+          </p:cNvSpPr>
+          <p:nvPr>
+            <p:ph type="title"/>
+          </p:nvPr>
+        </p:nvSpPr>
+        <p:spPr/>
+        <p:txBody>
+          <a:bodyPr>
+            <a:normAutofit fontScale="90000"/>
+          </a:bodyPr>
+          <a:lstStyle/>
+          <a:p>
+            <a:r>
+              <a:rPr lang="en-US" dirty="0"/>
+              <a:t>Counterion only; (t) NBC—NBC validations</a:t>
+            </a:r>
+          </a:p>
+        </p:txBody>
+      </p:sp>
+      <p:sp>
+        <p:nvSpPr>
           <p:cNvPr id="3" name="Slide Number Placeholder 2">
             <a:extLst>
               <a:ext uri="{FF2B5EF4-FFF2-40B4-BE49-F238E27FC236}">
-                <a16:creationId xmlns:a16="http://schemas.microsoft.com/office/drawing/2014/main" id="{7598627B-C1B6-B604-13A7-B14986EE920A}"/>
+                <a16:creationId xmlns:a16="http://schemas.microsoft.com/office/drawing/2014/main" id="{373400F5-E8A0-8C77-DBF3-011E07B4EF18}"/>
               </a:ext>
             </a:extLst>
           </p:cNvPr>
@@ -2502,12 +2532,7 @@
             <p:ph type="sldNum" sz="quarter" idx="12"/>
           </p:nvPr>
         </p:nvSpPr>
-        <p:spPr>
-          <a:xfrm>
-            <a:off x="8715164" y="6303092"/>
-            <a:ext cx="2743200" cy="365125"/>
-          </a:xfrm>
-        </p:spPr>
+        <p:spPr/>
         <p:txBody>
           <a:bodyPr/>
           <a:lstStyle/>
@@ -2516,63 +2541,16 @@
               <a:rPr lang="en-US" smtClean="0"/>
               <a:t>10</a:t>
             </a:fld>
-            <a:endParaRPr lang="en-US" dirty="0"/>
+            <a:endParaRPr lang="en-US"/>
           </a:p>
         </p:txBody>
       </p:sp>
-      <p:pic>
-        <p:nvPicPr>
-          <p:cNvPr id="1026" name="Picture 2">
-            <a:extLst>
-              <a:ext uri="{FF2B5EF4-FFF2-40B4-BE49-F238E27FC236}">
-                <a16:creationId xmlns:a16="http://schemas.microsoft.com/office/drawing/2014/main" id="{B5F78EB8-B0E6-ED7E-FD7C-87E7E8FBE3E2}"/>
-              </a:ext>
-            </a:extLst>
-          </p:cNvPr>
-          <p:cNvPicPr>
-            <a:picLocks noChangeAspect="1" noChangeArrowheads="1"/>
-          </p:cNvPicPr>
-          <p:nvPr/>
-        </p:nvPicPr>
-        <p:blipFill>
-          <a:blip r:embed="rId2">
-            <a:extLst>
-              <a:ext uri="{28A0092B-C50C-407E-A947-70E740481C1C}">
-                <a14:useLocalDpi xmlns:a14="http://schemas.microsoft.com/office/drawing/2010/main" val="0"/>
-              </a:ext>
-            </a:extLst>
-          </a:blip>
-          <a:srcRect/>
-          <a:stretch>
-            <a:fillRect/>
-          </a:stretch>
-        </p:blipFill>
-        <p:spPr bwMode="auto">
-          <a:xfrm>
-            <a:off x="28364" y="1854593"/>
-            <a:ext cx="3146893" cy="2016911"/>
-          </a:xfrm>
-          <a:prstGeom prst="rect">
-            <a:avLst/>
-          </a:prstGeom>
-          <a:noFill/>
-          <a:extLst>
-            <a:ext uri="{909E8E84-426E-40DD-AFC4-6F175D3DCCD1}">
-              <a14:hiddenFill xmlns:a14="http://schemas.microsoft.com/office/drawing/2010/main">
-                <a:solidFill>
-                  <a:srgbClr val="FFFFFF"/>
-                </a:solidFill>
-              </a14:hiddenFill>
-            </a:ext>
-          </a:extLst>
-        </p:spPr>
-      </p:pic>
       <p:sp>
         <p:nvSpPr>
           <p:cNvPr id="4" name="TextBox 3">
             <a:extLst>
               <a:ext uri="{FF2B5EF4-FFF2-40B4-BE49-F238E27FC236}">
-                <a16:creationId xmlns:a16="http://schemas.microsoft.com/office/drawing/2014/main" id="{9377FBE4-4387-8AA8-5D98-5B187A26BCB7}"/>
+                <a16:creationId xmlns:a16="http://schemas.microsoft.com/office/drawing/2014/main" id="{DE88AB65-BBF7-3C72-F15F-D980F6BF8D73}"/>
               </a:ext>
             </a:extLst>
           </p:cNvPr>
@@ -2581,8 +2559,8 @@
         </p:nvSpPr>
         <p:spPr>
           <a:xfrm>
-            <a:off x="547846" y="1485261"/>
-            <a:ext cx="2015067" cy="369332"/>
+            <a:off x="148389" y="6356350"/>
+            <a:ext cx="10218821" cy="369332"/>
           </a:xfrm>
           <a:prstGeom prst="rect">
             <a:avLst/>
@@ -2595,20 +2573,19 @@
           </a:bodyPr>
           <a:lstStyle/>
           <a:p>
-            <a:pPr algn="ctr"/>
             <a:r>
               <a:rPr lang="en-US" dirty="0"/>
-              <a:t>-1 e-20</a:t>
+              <a:t>Method: Heat. SS at gradient change zero. Nested newton iteration. NBC right, NBC left.  psi(0) = 0 shifted.</a:t>
             </a:r>
           </a:p>
         </p:txBody>
       </p:sp>
       <p:pic>
         <p:nvPicPr>
-          <p:cNvPr id="1028" name="Picture 4">
-            <a:extLst>
-              <a:ext uri="{FF2B5EF4-FFF2-40B4-BE49-F238E27FC236}">
-                <a16:creationId xmlns:a16="http://schemas.microsoft.com/office/drawing/2014/main" id="{7AE48D7E-7298-7D11-0EAB-6B36B5E216B4}"/>
+          <p:cNvPr id="1026" name="Picture 2">
+            <a:extLst>
+              <a:ext uri="{FF2B5EF4-FFF2-40B4-BE49-F238E27FC236}">
+                <a16:creationId xmlns:a16="http://schemas.microsoft.com/office/drawing/2014/main" id="{7A1285BB-F587-4BC0-9F12-D3EB10355CD3}"/>
               </a:ext>
             </a:extLst>
           </p:cNvPr>
@@ -2618,7 +2595,7 @@
           <p:nvPr/>
         </p:nvPicPr>
         <p:blipFill>
-          <a:blip r:embed="rId3">
+          <a:blip r:embed="rId2">
             <a:extLst>
               <a:ext uri="{28A0092B-C50C-407E-A947-70E740481C1C}">
                 <a14:useLocalDpi xmlns:a14="http://schemas.microsoft.com/office/drawing/2010/main" val="0"/>
@@ -2632,297 +2609,8 @@
         </p:blipFill>
         <p:spPr bwMode="auto">
           <a:xfrm>
-            <a:off x="3177892" y="1845953"/>
-            <a:ext cx="3006180" cy="2016912"/>
-          </a:xfrm>
-          <a:prstGeom prst="rect">
-            <a:avLst/>
-          </a:prstGeom>
-          <a:noFill/>
-          <a:extLst>
-            <a:ext uri="{909E8E84-426E-40DD-AFC4-6F175D3DCCD1}">
-              <a14:hiddenFill xmlns:a14="http://schemas.microsoft.com/office/drawing/2010/main">
-                <a:solidFill>
-                  <a:srgbClr val="FFFFFF"/>
-                </a:solidFill>
-              </a14:hiddenFill>
-            </a:ext>
-          </a:extLst>
-        </p:spPr>
-      </p:pic>
-      <p:sp>
-        <p:nvSpPr>
-          <p:cNvPr id="5" name="TextBox 4">
-            <a:extLst>
-              <a:ext uri="{FF2B5EF4-FFF2-40B4-BE49-F238E27FC236}">
-                <a16:creationId xmlns:a16="http://schemas.microsoft.com/office/drawing/2014/main" id="{6AA71D96-3286-3D2A-4B06-A932304BD988}"/>
-              </a:ext>
-            </a:extLst>
-          </p:cNvPr>
-          <p:cNvSpPr txBox="1"/>
-          <p:nvPr/>
-        </p:nvSpPr>
-        <p:spPr>
-          <a:xfrm>
-            <a:off x="3608823" y="1491558"/>
-            <a:ext cx="2015067" cy="369332"/>
-          </a:xfrm>
-          <a:prstGeom prst="rect">
-            <a:avLst/>
-          </a:prstGeom>
-          <a:noFill/>
-        </p:spPr>
-        <p:txBody>
-          <a:bodyPr wrap="square" rtlCol="0">
-            <a:spAutoFit/>
-          </a:bodyPr>
-          <a:lstStyle/>
-          <a:p>
-            <a:pPr algn="ctr"/>
-            <a:r>
-              <a:rPr lang="en-US" dirty="0"/>
-              <a:t>-5 e-20</a:t>
-            </a:r>
-          </a:p>
-        </p:txBody>
-      </p:sp>
-      <p:pic>
-        <p:nvPicPr>
-          <p:cNvPr id="1032" name="Picture 8">
-            <a:extLst>
-              <a:ext uri="{FF2B5EF4-FFF2-40B4-BE49-F238E27FC236}">
-                <a16:creationId xmlns:a16="http://schemas.microsoft.com/office/drawing/2014/main" id="{74776D8A-C559-3A98-1953-5479FFCF5D8C}"/>
-              </a:ext>
-            </a:extLst>
-          </p:cNvPr>
-          <p:cNvPicPr>
-            <a:picLocks noChangeAspect="1" noChangeArrowheads="1"/>
-          </p:cNvPicPr>
-          <p:nvPr/>
-        </p:nvPicPr>
-        <p:blipFill>
-          <a:blip r:embed="rId4">
-            <a:extLst>
-              <a:ext uri="{28A0092B-C50C-407E-A947-70E740481C1C}">
-                <a14:useLocalDpi xmlns:a14="http://schemas.microsoft.com/office/drawing/2010/main" val="0"/>
-              </a:ext>
-            </a:extLst>
-          </a:blip>
-          <a:srcRect/>
-          <a:stretch>
-            <a:fillRect/>
-          </a:stretch>
-        </p:blipFill>
-        <p:spPr bwMode="auto">
-          <a:xfrm>
-            <a:off x="6184072" y="1845953"/>
-            <a:ext cx="3053085" cy="2016912"/>
-          </a:xfrm>
-          <a:prstGeom prst="rect">
-            <a:avLst/>
-          </a:prstGeom>
-          <a:noFill/>
-          <a:extLst>
-            <a:ext uri="{909E8E84-426E-40DD-AFC4-6F175D3DCCD1}">
-              <a14:hiddenFill xmlns:a14="http://schemas.microsoft.com/office/drawing/2010/main">
-                <a:solidFill>
-                  <a:srgbClr val="FFFFFF"/>
-                </a:solidFill>
-              </a14:hiddenFill>
-            </a:ext>
-          </a:extLst>
-        </p:spPr>
-      </p:pic>
-      <p:sp>
-        <p:nvSpPr>
-          <p:cNvPr id="6" name="TextBox 5">
-            <a:extLst>
-              <a:ext uri="{FF2B5EF4-FFF2-40B4-BE49-F238E27FC236}">
-                <a16:creationId xmlns:a16="http://schemas.microsoft.com/office/drawing/2014/main" id="{379F85A2-D6B2-F701-0AB5-6D4B3E209F8D}"/>
-              </a:ext>
-            </a:extLst>
-          </p:cNvPr>
-          <p:cNvSpPr txBox="1"/>
-          <p:nvPr/>
-        </p:nvSpPr>
-        <p:spPr>
-          <a:xfrm>
-            <a:off x="6711528" y="1453035"/>
-            <a:ext cx="2015067" cy="369332"/>
-          </a:xfrm>
-          <a:prstGeom prst="rect">
-            <a:avLst/>
-          </a:prstGeom>
-          <a:noFill/>
-        </p:spPr>
-        <p:txBody>
-          <a:bodyPr wrap="square" rtlCol="0">
-            <a:spAutoFit/>
-          </a:bodyPr>
-          <a:lstStyle/>
-          <a:p>
-            <a:pPr algn="ctr"/>
-            <a:r>
-              <a:rPr lang="en-US" dirty="0"/>
-              <a:t>-10 e-20</a:t>
-            </a:r>
-          </a:p>
-        </p:txBody>
-      </p:sp>
-      <p:pic>
-        <p:nvPicPr>
-          <p:cNvPr id="1036" name="Picture 12">
-            <a:extLst>
-              <a:ext uri="{FF2B5EF4-FFF2-40B4-BE49-F238E27FC236}">
-                <a16:creationId xmlns:a16="http://schemas.microsoft.com/office/drawing/2014/main" id="{DEA80948-8B2E-1FF3-F45D-BD328294E6F7}"/>
-              </a:ext>
-            </a:extLst>
-          </p:cNvPr>
-          <p:cNvPicPr>
-            <a:picLocks noChangeAspect="1" noChangeArrowheads="1"/>
-          </p:cNvPicPr>
-          <p:nvPr/>
-        </p:nvPicPr>
-        <p:blipFill>
-          <a:blip r:embed="rId5">
-            <a:extLst>
-              <a:ext uri="{28A0092B-C50C-407E-A947-70E740481C1C}">
-                <a14:useLocalDpi xmlns:a14="http://schemas.microsoft.com/office/drawing/2010/main" val="0"/>
-              </a:ext>
-            </a:extLst>
-          </a:blip>
-          <a:srcRect/>
-          <a:stretch>
-            <a:fillRect/>
-          </a:stretch>
-        </p:blipFill>
-        <p:spPr bwMode="auto">
-          <a:xfrm>
-            <a:off x="9210205" y="1845953"/>
-            <a:ext cx="2929426" cy="2016912"/>
-          </a:xfrm>
-          <a:prstGeom prst="rect">
-            <a:avLst/>
-          </a:prstGeom>
-          <a:noFill/>
-          <a:extLst>
-            <a:ext uri="{909E8E84-426E-40DD-AFC4-6F175D3DCCD1}">
-              <a14:hiddenFill xmlns:a14="http://schemas.microsoft.com/office/drawing/2010/main">
-                <a:solidFill>
-                  <a:srgbClr val="FFFFFF"/>
-                </a:solidFill>
-              </a14:hiddenFill>
-            </a:ext>
-          </a:extLst>
-        </p:spPr>
-      </p:pic>
-      <p:sp>
-        <p:nvSpPr>
-          <p:cNvPr id="7" name="TextBox 6">
-            <a:extLst>
-              <a:ext uri="{FF2B5EF4-FFF2-40B4-BE49-F238E27FC236}">
-                <a16:creationId xmlns:a16="http://schemas.microsoft.com/office/drawing/2014/main" id="{656EB2AB-EE85-6834-099D-43645F0C31B8}"/>
-              </a:ext>
-            </a:extLst>
-          </p:cNvPr>
-          <p:cNvSpPr txBox="1"/>
-          <p:nvPr/>
-        </p:nvSpPr>
-        <p:spPr>
-          <a:xfrm>
-            <a:off x="9814233" y="1485261"/>
-            <a:ext cx="2015067" cy="369332"/>
-          </a:xfrm>
-          <a:prstGeom prst="rect">
-            <a:avLst/>
-          </a:prstGeom>
-          <a:noFill/>
-        </p:spPr>
-        <p:txBody>
-          <a:bodyPr wrap="square" rtlCol="0">
-            <a:spAutoFit/>
-          </a:bodyPr>
-          <a:lstStyle/>
-          <a:p>
-            <a:pPr algn="ctr"/>
-            <a:r>
-              <a:rPr lang="en-US" dirty="0"/>
-              <a:t>-20 e-20</a:t>
-            </a:r>
-          </a:p>
-        </p:txBody>
-      </p:sp>
-      <p:sp>
-        <p:nvSpPr>
-          <p:cNvPr id="8" name="TextBox 7">
-            <a:extLst>
-              <a:ext uri="{FF2B5EF4-FFF2-40B4-BE49-F238E27FC236}">
-                <a16:creationId xmlns:a16="http://schemas.microsoft.com/office/drawing/2014/main" id="{86F975A7-82F8-4FA9-9C2F-5B1FE05473F0}"/>
-              </a:ext>
-            </a:extLst>
-          </p:cNvPr>
-          <p:cNvSpPr txBox="1"/>
-          <p:nvPr/>
-        </p:nvSpPr>
-        <p:spPr>
-          <a:xfrm>
-            <a:off x="4896747" y="382603"/>
-            <a:ext cx="2015067" cy="369332"/>
-          </a:xfrm>
-          <a:prstGeom prst="rect">
-            <a:avLst/>
-          </a:prstGeom>
-          <a:noFill/>
-        </p:spPr>
-        <p:txBody>
-          <a:bodyPr wrap="square" rtlCol="0">
-            <a:spAutoFit/>
-          </a:bodyPr>
-          <a:lstStyle/>
-          <a:p>
-            <a:pPr algn="ctr"/>
-            <a:r>
-              <a:rPr lang="en-US" b="1" i="1" dirty="0">
-                <a:solidFill>
-                  <a:schemeClr val="bg1"/>
-                </a:solidFill>
-              </a:rPr>
-              <a:t>PB ONLY with DBC</a:t>
-            </a:r>
-          </a:p>
-        </p:txBody>
-      </p:sp>
-      <p:pic>
-        <p:nvPicPr>
-          <p:cNvPr id="1048" name="Picture 24">
-            <a:extLst>
-              <a:ext uri="{FF2B5EF4-FFF2-40B4-BE49-F238E27FC236}">
-                <a16:creationId xmlns:a16="http://schemas.microsoft.com/office/drawing/2014/main" id="{0B023019-8668-7B14-C5E5-56F03FF12E52}"/>
-              </a:ext>
-            </a:extLst>
-          </p:cNvPr>
-          <p:cNvPicPr>
-            <a:picLocks noChangeAspect="1" noChangeArrowheads="1"/>
-          </p:cNvPicPr>
-          <p:nvPr/>
-        </p:nvPicPr>
-        <p:blipFill>
-          <a:blip r:embed="rId6">
-            <a:extLst>
-              <a:ext uri="{28A0092B-C50C-407E-A947-70E740481C1C}">
-                <a14:useLocalDpi xmlns:a14="http://schemas.microsoft.com/office/drawing/2010/main" val="0"/>
-              </a:ext>
-            </a:extLst>
-          </a:blip>
-          <a:srcRect/>
-          <a:stretch>
-            <a:fillRect/>
-          </a:stretch>
-        </p:blipFill>
-        <p:spPr bwMode="auto">
-          <a:xfrm>
-            <a:off x="9237157" y="3919947"/>
-            <a:ext cx="2926134" cy="2069071"/>
+            <a:off x="372980" y="1257095"/>
+            <a:ext cx="3638972" cy="2597087"/>
           </a:xfrm>
           <a:prstGeom prst="rect">
             <a:avLst/>
@@ -2941,10 +2629,10 @@
       </p:pic>
       <p:pic>
         <p:nvPicPr>
-          <p:cNvPr id="1050" name="Picture 26">
-            <a:extLst>
-              <a:ext uri="{FF2B5EF4-FFF2-40B4-BE49-F238E27FC236}">
-                <a16:creationId xmlns:a16="http://schemas.microsoft.com/office/drawing/2014/main" id="{0A981B0F-8E19-F73B-5EA9-4F34219ACE07}"/>
+          <p:cNvPr id="1030" name="Picture 6">
+            <a:extLst>
+              <a:ext uri="{FF2B5EF4-FFF2-40B4-BE49-F238E27FC236}">
+                <a16:creationId xmlns:a16="http://schemas.microsoft.com/office/drawing/2014/main" id="{AFA50B5A-D98E-6A83-174D-467D4F5A1840}"/>
               </a:ext>
             </a:extLst>
           </p:cNvPr>
@@ -2954,7 +2642,7 @@
           <p:nvPr/>
         </p:nvPicPr>
         <p:blipFill>
-          <a:blip r:embed="rId7">
+          <a:blip r:embed="rId3">
             <a:extLst>
               <a:ext uri="{28A0092B-C50C-407E-A947-70E740481C1C}">
                 <a14:useLocalDpi xmlns:a14="http://schemas.microsoft.com/office/drawing/2010/main" val="0"/>
@@ -2968,8 +2656,8 @@
         </p:blipFill>
         <p:spPr bwMode="auto">
           <a:xfrm>
-            <a:off x="6223978" y="3895091"/>
-            <a:ext cx="3053830" cy="2070540"/>
+            <a:off x="4156331" y="1278677"/>
+            <a:ext cx="3638971" cy="2575505"/>
           </a:xfrm>
           <a:prstGeom prst="rect">
             <a:avLst/>
@@ -2988,10 +2676,10 @@
       </p:pic>
       <p:pic>
         <p:nvPicPr>
-          <p:cNvPr id="1052" name="Picture 28">
-            <a:extLst>
-              <a:ext uri="{FF2B5EF4-FFF2-40B4-BE49-F238E27FC236}">
-                <a16:creationId xmlns:a16="http://schemas.microsoft.com/office/drawing/2014/main" id="{BFCEF9B6-381E-8CBD-DCA3-03F52DE14806}"/>
+          <p:cNvPr id="6" name="Picture 8">
+            <a:extLst>
+              <a:ext uri="{FF2B5EF4-FFF2-40B4-BE49-F238E27FC236}">
+                <a16:creationId xmlns:a16="http://schemas.microsoft.com/office/drawing/2014/main" id="{119A5719-429D-D803-7FA1-7D0464234A7C}"/>
               </a:ext>
             </a:extLst>
           </p:cNvPr>
@@ -3001,7 +2689,7 @@
           <p:nvPr/>
         </p:nvPicPr>
         <p:blipFill>
-          <a:blip r:embed="rId8">
+          <a:blip r:embed="rId4">
             <a:extLst>
               <a:ext uri="{28A0092B-C50C-407E-A947-70E740481C1C}">
                 <a14:useLocalDpi xmlns:a14="http://schemas.microsoft.com/office/drawing/2010/main" val="0"/>
@@ -3015,91 +2703,8 @@
         </p:blipFill>
         <p:spPr bwMode="auto">
           <a:xfrm>
-            <a:off x="3156190" y="3880143"/>
-            <a:ext cx="3049585" cy="2100435"/>
-          </a:xfrm>
-          <a:prstGeom prst="rect">
-            <a:avLst/>
-          </a:prstGeom>
-          <a:noFill/>
-          <a:extLst>
-            <a:ext uri="{909E8E84-426E-40DD-AFC4-6F175D3DCCD1}">
-              <a14:hiddenFill xmlns:a14="http://schemas.microsoft.com/office/drawing/2010/main">
-                <a:solidFill>
-                  <a:srgbClr val="FFFFFF"/>
-                </a:solidFill>
-              </a14:hiddenFill>
-            </a:ext>
-          </a:extLst>
-        </p:spPr>
-      </p:pic>
-      <p:sp>
-        <p:nvSpPr>
-          <p:cNvPr id="9" name="TextBox 8">
-            <a:extLst>
-              <a:ext uri="{FF2B5EF4-FFF2-40B4-BE49-F238E27FC236}">
-                <a16:creationId xmlns:a16="http://schemas.microsoft.com/office/drawing/2014/main" id="{430C5858-8FDE-FE96-B95C-49A5B810C475}"/>
-              </a:ext>
-            </a:extLst>
-          </p:cNvPr>
-          <p:cNvSpPr txBox="1"/>
-          <p:nvPr/>
-        </p:nvSpPr>
-        <p:spPr>
-          <a:xfrm>
-            <a:off x="2322831" y="5995315"/>
-            <a:ext cx="4617347" cy="307777"/>
-          </a:xfrm>
-          <a:prstGeom prst="rect">
-            <a:avLst/>
-          </a:prstGeom>
-          <a:noFill/>
-        </p:spPr>
-        <p:txBody>
-          <a:bodyPr wrap="square" rtlCol="0">
-            <a:spAutoFit/>
-          </a:bodyPr>
-          <a:lstStyle/>
-          <a:p>
-            <a:pPr algn="ctr"/>
-            <a:r>
-              <a:rPr lang="en-US" sz="1400" b="1" dirty="0"/>
-              <a:t>Linear divergence instead of log divergence</a:t>
-            </a:r>
-          </a:p>
-        </p:txBody>
-      </p:sp>
-      <p:pic>
-        <p:nvPicPr>
-          <p:cNvPr id="1054" name="Picture 30">
-            <a:extLst>
-              <a:ext uri="{FF2B5EF4-FFF2-40B4-BE49-F238E27FC236}">
-                <a16:creationId xmlns:a16="http://schemas.microsoft.com/office/drawing/2014/main" id="{18809B4B-C788-EEB0-FB80-D308DDA2A33E}"/>
-              </a:ext>
-            </a:extLst>
-          </p:cNvPr>
-          <p:cNvPicPr>
-            <a:picLocks noChangeAspect="1" noChangeArrowheads="1"/>
-          </p:cNvPicPr>
-          <p:nvPr/>
-        </p:nvPicPr>
-        <p:blipFill>
-          <a:blip r:embed="rId9">
-            <a:extLst>
-              <a:ext uri="{28A0092B-C50C-407E-A947-70E740481C1C}">
-                <a14:useLocalDpi xmlns:a14="http://schemas.microsoft.com/office/drawing/2010/main" val="0"/>
-              </a:ext>
-            </a:extLst>
-          </a:blip>
-          <a:srcRect/>
-          <a:stretch>
-            <a:fillRect/>
-          </a:stretch>
-        </p:blipFill>
-        <p:spPr bwMode="auto">
-          <a:xfrm>
-            <a:off x="29681" y="3862865"/>
-            <a:ext cx="3146894" cy="2069072"/>
+            <a:off x="7939681" y="1278677"/>
+            <a:ext cx="3638972" cy="2575505"/>
           </a:xfrm>
           <a:prstGeom prst="rect">
             <a:avLst/>
@@ -3119,7 +2724,7 @@
     </p:spTree>
     <p:extLst>
       <p:ext uri="{BB962C8B-B14F-4D97-AF65-F5344CB8AC3E}">
-        <p14:creationId xmlns:p14="http://schemas.microsoft.com/office/powerpoint/2010/main" val="1059440922"/>
+        <p14:creationId xmlns:p14="http://schemas.microsoft.com/office/powerpoint/2010/main" val="1836936299"/>
       </p:ext>
     </p:extLst>
   </p:cSld>
@@ -7782,7 +7387,7 @@
           <p:cNvPr id="2" name="Title 1">
             <a:extLst>
               <a:ext uri="{FF2B5EF4-FFF2-40B4-BE49-F238E27FC236}">
-                <a16:creationId xmlns:a16="http://schemas.microsoft.com/office/drawing/2014/main" id="{EF5DF91D-7A20-E514-20CF-B16956140860}"/>
+                <a16:creationId xmlns:a16="http://schemas.microsoft.com/office/drawing/2014/main" id="{B48E75B8-CA31-A2EB-3470-F60D5EDC1E1A}"/>
               </a:ext>
             </a:extLst>
           </p:cNvPr>
@@ -7793,14 +7398,21 @@
             <p:ph type="title"/>
           </p:nvPr>
         </p:nvSpPr>
-        <p:spPr/>
+        <p:spPr>
+          <a:xfrm>
+            <a:off x="-1" y="136525"/>
+            <a:ext cx="12706351" cy="800128"/>
+          </a:xfrm>
+        </p:spPr>
         <p:txBody>
-          <a:bodyPr/>
+          <a:bodyPr>
+            <a:normAutofit/>
+          </a:bodyPr>
           <a:lstStyle/>
           <a:p>
             <a:r>
               <a:rPr lang="en-US" dirty="0"/>
-              <a:t>Counterion only; validations</a:t>
+              <a:t>Counterion only; NBC—(D)—NBC validations</a:t>
             </a:r>
           </a:p>
         </p:txBody>
@@ -7810,7 +7422,7 @@
           <p:cNvPr id="3" name="Slide Number Placeholder 2">
             <a:extLst>
               <a:ext uri="{FF2B5EF4-FFF2-40B4-BE49-F238E27FC236}">
-                <a16:creationId xmlns:a16="http://schemas.microsoft.com/office/drawing/2014/main" id="{373400F5-E8A0-8C77-DBF3-011E07B4EF18}"/>
+                <a16:creationId xmlns:a16="http://schemas.microsoft.com/office/drawing/2014/main" id="{84D2F789-F0CF-80E5-19BE-6E850B9C23E3}"/>
               </a:ext>
             </a:extLst>
           </p:cNvPr>
@@ -7839,7 +7451,7 @@
           <p:cNvPr id="4" name="TextBox 3">
             <a:extLst>
               <a:ext uri="{FF2B5EF4-FFF2-40B4-BE49-F238E27FC236}">
-                <a16:creationId xmlns:a16="http://schemas.microsoft.com/office/drawing/2014/main" id="{DE88AB65-BBF7-3C72-F15F-D980F6BF8D73}"/>
+                <a16:creationId xmlns:a16="http://schemas.microsoft.com/office/drawing/2014/main" id="{1605A9D5-0E3F-F843-D48A-77DE6FC2C0F8}"/>
               </a:ext>
             </a:extLst>
           </p:cNvPr>
@@ -7848,8 +7460,8 @@
         </p:nvSpPr>
         <p:spPr>
           <a:xfrm>
-            <a:off x="148389" y="6356350"/>
-            <a:ext cx="10218821" cy="369332"/>
+            <a:off x="1213945" y="1750948"/>
+            <a:ext cx="2542041" cy="287141"/>
           </a:xfrm>
           <a:prstGeom prst="rect">
             <a:avLst/>
@@ -7862,9 +7474,10 @@
           </a:bodyPr>
           <a:lstStyle/>
           <a:p>
-            <a:r>
-              <a:rPr lang="en-US" dirty="0"/>
-              <a:t>Method: Newton iteration (a = 0.8), DBC left, NBC right</a:t>
+            <a:pPr algn="ctr"/>
+            <a:r>
+              <a:rPr lang="en-US" sz="1600" dirty="0"/>
+              <a:t>sigma = -5e-20 C/nm2</a:t>
             </a:r>
           </a:p>
         </p:txBody>
@@ -7874,7 +7487,7 @@
           <p:cNvPr id="1028" name="Picture 4">
             <a:extLst>
               <a:ext uri="{FF2B5EF4-FFF2-40B4-BE49-F238E27FC236}">
-                <a16:creationId xmlns:a16="http://schemas.microsoft.com/office/drawing/2014/main" id="{042E365C-6B20-A7E7-6587-B19EC20EF62A}"/>
+                <a16:creationId xmlns:a16="http://schemas.microsoft.com/office/drawing/2014/main" id="{0F865D6A-7B1C-DD2B-0F3D-10E51B8F81C0}"/>
               </a:ext>
             </a:extLst>
           </p:cNvPr>
@@ -7898,8 +7511,222 @@
         </p:blipFill>
         <p:spPr bwMode="auto">
           <a:xfrm>
-            <a:off x="624892" y="1829917"/>
-            <a:ext cx="3462337" cy="2433637"/>
+            <a:off x="3965833" y="1174041"/>
+            <a:ext cx="2351747" cy="1730320"/>
+          </a:xfrm>
+          <a:prstGeom prst="rect">
+            <a:avLst/>
+          </a:prstGeom>
+          <a:noFill/>
+          <a:extLst>
+            <a:ext uri="{909E8E84-426E-40DD-AFC4-6F175D3DCCD1}">
+              <a14:hiddenFill xmlns:a14="http://schemas.microsoft.com/office/drawing/2010/main">
+                <a:solidFill>
+                  <a:srgbClr val="FFFFFF"/>
+                </a:solidFill>
+              </a14:hiddenFill>
+            </a:ext>
+          </a:extLst>
+        </p:spPr>
+      </p:pic>
+      <p:sp>
+        <p:nvSpPr>
+          <p:cNvPr id="6" name="TextBox 5">
+            <a:extLst>
+              <a:ext uri="{FF2B5EF4-FFF2-40B4-BE49-F238E27FC236}">
+                <a16:creationId xmlns:a16="http://schemas.microsoft.com/office/drawing/2014/main" id="{663A9F9C-7D8D-3D28-936B-72C2482F4683}"/>
+              </a:ext>
+            </a:extLst>
+          </p:cNvPr>
+          <p:cNvSpPr txBox="1"/>
+          <p:nvPr/>
+        </p:nvSpPr>
+        <p:spPr>
+          <a:xfrm>
+            <a:off x="3922806" y="6413698"/>
+            <a:ext cx="2742426" cy="307777"/>
+          </a:xfrm>
+          <a:prstGeom prst="rect">
+            <a:avLst/>
+          </a:prstGeom>
+          <a:noFill/>
+        </p:spPr>
+        <p:txBody>
+          <a:bodyPr wrap="square" rtlCol="0">
+            <a:spAutoFit/>
+          </a:bodyPr>
+          <a:lstStyle/>
+          <a:p>
+            <a:r>
+              <a:rPr lang="en-US" sz="1400" b="1" dirty="0"/>
+              <a:t>Log-divergence, exact as lx </a:t>
+            </a:r>
+            <a:r>
+              <a:rPr lang="en-US" sz="1400" b="1" dirty="0">
+                <a:sym typeface="Wingdings" panose="05000000000000000000" pitchFamily="2" charset="2"/>
+              </a:rPr>
+              <a:t> </a:t>
+            </a:r>
+            <a:r>
+              <a:rPr lang="en-US" sz="1400" b="1" dirty="0" err="1">
+                <a:sym typeface="Wingdings" panose="05000000000000000000" pitchFamily="2" charset="2"/>
+              </a:rPr>
+              <a:t>infty</a:t>
+            </a:r>
+            <a:endParaRPr lang="en-US" sz="1400" b="1" dirty="0"/>
+          </a:p>
+        </p:txBody>
+      </p:sp>
+      <p:pic>
+        <p:nvPicPr>
+          <p:cNvPr id="1032" name="Picture 8">
+            <a:extLst>
+              <a:ext uri="{FF2B5EF4-FFF2-40B4-BE49-F238E27FC236}">
+                <a16:creationId xmlns:a16="http://schemas.microsoft.com/office/drawing/2014/main" id="{C72F6F8F-0657-0B22-B36D-4CB28FB42A20}"/>
+              </a:ext>
+            </a:extLst>
+          </p:cNvPr>
+          <p:cNvPicPr>
+            <a:picLocks noChangeAspect="1" noChangeArrowheads="1"/>
+          </p:cNvPicPr>
+          <p:nvPr/>
+        </p:nvPicPr>
+        <p:blipFill>
+          <a:blip r:embed="rId3">
+            <a:extLst>
+              <a:ext uri="{28A0092B-C50C-407E-A947-70E740481C1C}">
+                <a14:useLocalDpi xmlns:a14="http://schemas.microsoft.com/office/drawing/2010/main" val="0"/>
+              </a:ext>
+            </a:extLst>
+          </a:blip>
+          <a:srcRect/>
+          <a:stretch>
+            <a:fillRect/>
+          </a:stretch>
+        </p:blipFill>
+        <p:spPr bwMode="auto">
+          <a:xfrm>
+            <a:off x="6956386" y="1171817"/>
+            <a:ext cx="2542041" cy="1732544"/>
+          </a:xfrm>
+          <a:prstGeom prst="rect">
+            <a:avLst/>
+          </a:prstGeom>
+          <a:noFill/>
+          <a:extLst>
+            <a:ext uri="{909E8E84-426E-40DD-AFC4-6F175D3DCCD1}">
+              <a14:hiddenFill xmlns:a14="http://schemas.microsoft.com/office/drawing/2010/main">
+                <a:solidFill>
+                  <a:srgbClr val="FFFFFF"/>
+                </a:solidFill>
+              </a14:hiddenFill>
+            </a:ext>
+          </a:extLst>
+        </p:spPr>
+      </p:pic>
+      <p:sp>
+        <p:nvSpPr>
+          <p:cNvPr id="11" name="TextBox 10">
+            <a:extLst>
+              <a:ext uri="{FF2B5EF4-FFF2-40B4-BE49-F238E27FC236}">
+                <a16:creationId xmlns:a16="http://schemas.microsoft.com/office/drawing/2014/main" id="{7A4E16DB-E8B1-C8AB-2E63-FA35F6E229DC}"/>
+              </a:ext>
+            </a:extLst>
+          </p:cNvPr>
+          <p:cNvSpPr txBox="1"/>
+          <p:nvPr/>
+        </p:nvSpPr>
+        <p:spPr>
+          <a:xfrm>
+            <a:off x="1213945" y="3430253"/>
+            <a:ext cx="2542041" cy="287141"/>
+          </a:xfrm>
+          <a:prstGeom prst="rect">
+            <a:avLst/>
+          </a:prstGeom>
+          <a:noFill/>
+        </p:spPr>
+        <p:txBody>
+          <a:bodyPr wrap="square" rtlCol="0">
+            <a:spAutoFit/>
+          </a:bodyPr>
+          <a:lstStyle/>
+          <a:p>
+            <a:pPr algn="ctr"/>
+            <a:r>
+              <a:rPr lang="en-US" sz="1600" dirty="0"/>
+              <a:t>sigma = -10e-20 C/nm2</a:t>
+            </a:r>
+          </a:p>
+        </p:txBody>
+      </p:sp>
+      <p:sp>
+        <p:nvSpPr>
+          <p:cNvPr id="14" name="TextBox 13">
+            <a:extLst>
+              <a:ext uri="{FF2B5EF4-FFF2-40B4-BE49-F238E27FC236}">
+                <a16:creationId xmlns:a16="http://schemas.microsoft.com/office/drawing/2014/main" id="{AE713404-1A34-BC7C-E545-0984483E7A03}"/>
+              </a:ext>
+            </a:extLst>
+          </p:cNvPr>
+          <p:cNvSpPr txBox="1"/>
+          <p:nvPr/>
+        </p:nvSpPr>
+        <p:spPr>
+          <a:xfrm>
+            <a:off x="1213945" y="5108447"/>
+            <a:ext cx="2542041" cy="338554"/>
+          </a:xfrm>
+          <a:prstGeom prst="rect">
+            <a:avLst/>
+          </a:prstGeom>
+          <a:noFill/>
+        </p:spPr>
+        <p:txBody>
+          <a:bodyPr wrap="square" rtlCol="0">
+            <a:spAutoFit/>
+          </a:bodyPr>
+          <a:lstStyle/>
+          <a:p>
+            <a:pPr algn="ctr"/>
+            <a:r>
+              <a:rPr lang="en-US" sz="1600" dirty="0"/>
+              <a:t>sigma = -20e-20 C/nm2</a:t>
+            </a:r>
+          </a:p>
+        </p:txBody>
+      </p:sp>
+      <p:pic>
+        <p:nvPicPr>
+          <p:cNvPr id="1036" name="Picture 12">
+            <a:extLst>
+              <a:ext uri="{FF2B5EF4-FFF2-40B4-BE49-F238E27FC236}">
+                <a16:creationId xmlns:a16="http://schemas.microsoft.com/office/drawing/2014/main" id="{BE4F2731-AA06-78A6-DB5A-0C45E300CAC1}"/>
+              </a:ext>
+            </a:extLst>
+          </p:cNvPr>
+          <p:cNvPicPr>
+            <a:picLocks noChangeAspect="1" noChangeArrowheads="1"/>
+          </p:cNvPicPr>
+          <p:nvPr/>
+        </p:nvPicPr>
+        <p:blipFill>
+          <a:blip r:embed="rId4">
+            <a:extLst>
+              <a:ext uri="{28A0092B-C50C-407E-A947-70E740481C1C}">
+                <a14:useLocalDpi xmlns:a14="http://schemas.microsoft.com/office/drawing/2010/main" val="0"/>
+              </a:ext>
+            </a:extLst>
+          </a:blip>
+          <a:srcRect/>
+          <a:stretch>
+            <a:fillRect/>
+          </a:stretch>
+        </p:blipFill>
+        <p:spPr bwMode="auto">
+          <a:xfrm>
+            <a:off x="6894254" y="2904361"/>
+            <a:ext cx="2614083" cy="1726901"/>
           </a:xfrm>
           <a:prstGeom prst="rect">
             <a:avLst/>
@@ -7918,10 +7745,10 @@
       </p:pic>
       <p:pic>
         <p:nvPicPr>
-          <p:cNvPr id="1032" name="Picture 8">
-            <a:extLst>
-              <a:ext uri="{FF2B5EF4-FFF2-40B4-BE49-F238E27FC236}">
-                <a16:creationId xmlns:a16="http://schemas.microsoft.com/office/drawing/2014/main" id="{36CF8BB1-37A7-B610-6793-D1E36BB7D442}"/>
+          <p:cNvPr id="1038" name="Picture 14">
+            <a:extLst>
+              <a:ext uri="{FF2B5EF4-FFF2-40B4-BE49-F238E27FC236}">
+                <a16:creationId xmlns:a16="http://schemas.microsoft.com/office/drawing/2014/main" id="{EC018F10-A16E-E7D1-E00F-78613B4F0244}"/>
               </a:ext>
             </a:extLst>
           </p:cNvPr>
@@ -7931,7 +7758,7 @@
           <p:nvPr/>
         </p:nvPicPr>
         <p:blipFill>
-          <a:blip r:embed="rId3">
+          <a:blip r:embed="rId5">
             <a:extLst>
               <a:ext uri="{28A0092B-C50C-407E-A947-70E740481C1C}">
                 <a14:useLocalDpi xmlns:a14="http://schemas.microsoft.com/office/drawing/2010/main" val="0"/>
@@ -7945,8 +7772,8 @@
         </p:blipFill>
         <p:spPr bwMode="auto">
           <a:xfrm>
-            <a:off x="7891462" y="1813063"/>
-            <a:ext cx="3462338" cy="2450491"/>
+            <a:off x="6908688" y="4686797"/>
+            <a:ext cx="2513171" cy="1730320"/>
           </a:xfrm>
           <a:prstGeom prst="rect">
             <a:avLst/>
@@ -7965,10 +7792,10 @@
       </p:pic>
       <p:pic>
         <p:nvPicPr>
-          <p:cNvPr id="1036" name="Picture 12">
-            <a:extLst>
-              <a:ext uri="{FF2B5EF4-FFF2-40B4-BE49-F238E27FC236}">
-                <a16:creationId xmlns:a16="http://schemas.microsoft.com/office/drawing/2014/main" id="{525ECB76-8E5B-887A-D64C-4890119ECD76}"/>
+          <p:cNvPr id="1040" name="Picture 16">
+            <a:extLst>
+              <a:ext uri="{FF2B5EF4-FFF2-40B4-BE49-F238E27FC236}">
+                <a16:creationId xmlns:a16="http://schemas.microsoft.com/office/drawing/2014/main" id="{1B77EB93-6636-B7AB-F8D4-E555AD77264B}"/>
               </a:ext>
             </a:extLst>
           </p:cNvPr>
@@ -7978,7 +7805,7 @@
           <p:nvPr/>
         </p:nvPicPr>
         <p:blipFill>
-          <a:blip r:embed="rId4">
+          <a:blip r:embed="rId6">
             <a:extLst>
               <a:ext uri="{28A0092B-C50C-407E-A947-70E740481C1C}">
                 <a14:useLocalDpi xmlns:a14="http://schemas.microsoft.com/office/drawing/2010/main" val="0"/>
@@ -7992,8 +7819,8 @@
         </p:blipFill>
         <p:spPr bwMode="auto">
           <a:xfrm>
-            <a:off x="4258177" y="1829917"/>
-            <a:ext cx="3462337" cy="2450491"/>
+            <a:off x="3898853" y="2900942"/>
+            <a:ext cx="2418727" cy="1730320"/>
           </a:xfrm>
           <a:prstGeom prst="rect">
             <a:avLst/>
@@ -8010,10 +7837,92 @@
           </a:extLst>
         </p:spPr>
       </p:pic>
+      <p:pic>
+        <p:nvPicPr>
+          <p:cNvPr id="1042" name="Picture 18">
+            <a:extLst>
+              <a:ext uri="{FF2B5EF4-FFF2-40B4-BE49-F238E27FC236}">
+                <a16:creationId xmlns:a16="http://schemas.microsoft.com/office/drawing/2014/main" id="{A77872A0-B476-104B-BEB4-C57213D9F465}"/>
+              </a:ext>
+            </a:extLst>
+          </p:cNvPr>
+          <p:cNvPicPr>
+            <a:picLocks noChangeAspect="1" noChangeArrowheads="1"/>
+          </p:cNvPicPr>
+          <p:nvPr/>
+        </p:nvPicPr>
+        <p:blipFill>
+          <a:blip r:embed="rId7">
+            <a:extLst>
+              <a:ext uri="{28A0092B-C50C-407E-A947-70E740481C1C}">
+                <a14:useLocalDpi xmlns:a14="http://schemas.microsoft.com/office/drawing/2010/main" val="0"/>
+              </a:ext>
+            </a:extLst>
+          </a:blip>
+          <a:srcRect/>
+          <a:stretch>
+            <a:fillRect/>
+          </a:stretch>
+        </p:blipFill>
+        <p:spPr bwMode="auto">
+          <a:xfrm>
+            <a:off x="3922806" y="4686797"/>
+            <a:ext cx="2418727" cy="1730320"/>
+          </a:xfrm>
+          <a:prstGeom prst="rect">
+            <a:avLst/>
+          </a:prstGeom>
+          <a:noFill/>
+          <a:extLst>
+            <a:ext uri="{909E8E84-426E-40DD-AFC4-6F175D3DCCD1}">
+              <a14:hiddenFill xmlns:a14="http://schemas.microsoft.com/office/drawing/2010/main">
+                <a:solidFill>
+                  <a:srgbClr val="FFFFFF"/>
+                </a:solidFill>
+              </a14:hiddenFill>
+            </a:ext>
+          </a:extLst>
+        </p:spPr>
+      </p:pic>
+      <p:sp>
+        <p:nvSpPr>
+          <p:cNvPr id="5" name="TextBox 4">
+            <a:extLst>
+              <a:ext uri="{FF2B5EF4-FFF2-40B4-BE49-F238E27FC236}">
+                <a16:creationId xmlns:a16="http://schemas.microsoft.com/office/drawing/2014/main" id="{1B48940B-4865-9E61-FC1A-B3CC14EC30A9}"/>
+              </a:ext>
+            </a:extLst>
+          </p:cNvPr>
+          <p:cNvSpPr txBox="1"/>
+          <p:nvPr/>
+        </p:nvSpPr>
+        <p:spPr>
+          <a:xfrm>
+            <a:off x="7543801" y="6384630"/>
+            <a:ext cx="4503822" cy="369332"/>
+          </a:xfrm>
+          <a:prstGeom prst="rect">
+            <a:avLst/>
+          </a:prstGeom>
+          <a:noFill/>
+        </p:spPr>
+        <p:txBody>
+          <a:bodyPr wrap="square" rtlCol="0">
+            <a:spAutoFit/>
+          </a:bodyPr>
+          <a:lstStyle/>
+          <a:p>
+            <a:r>
+              <a:rPr lang="en-US" dirty="0"/>
+              <a:t>Method: NBC left, NBC right, DBC somewhere</a:t>
+            </a:r>
+          </a:p>
+        </p:txBody>
+      </p:sp>
     </p:spTree>
     <p:extLst>
       <p:ext uri="{BB962C8B-B14F-4D97-AF65-F5344CB8AC3E}">
-        <p14:creationId xmlns:p14="http://schemas.microsoft.com/office/powerpoint/2010/main" val="1602863882"/>
+        <p14:creationId xmlns:p14="http://schemas.microsoft.com/office/powerpoint/2010/main" val="76617825"/>
       </p:ext>
     </p:extLst>
   </p:cSld>
@@ -8045,7 +7954,7 @@
           <p:cNvPr id="2" name="Title 1">
             <a:extLst>
               <a:ext uri="{FF2B5EF4-FFF2-40B4-BE49-F238E27FC236}">
-                <a16:creationId xmlns:a16="http://schemas.microsoft.com/office/drawing/2014/main" id="{B48E75B8-CA31-A2EB-3470-F60D5EDC1E1A}"/>
+                <a16:creationId xmlns:a16="http://schemas.microsoft.com/office/drawing/2014/main" id="{533915FA-3FED-0ECF-2989-CA236DCA2D17}"/>
               </a:ext>
             </a:extLst>
           </p:cNvPr>
@@ -8056,21 +7965,14 @@
             <p:ph type="title"/>
           </p:nvPr>
         </p:nvSpPr>
-        <p:spPr>
-          <a:xfrm>
-            <a:off x="-1" y="136525"/>
-            <a:ext cx="12706351" cy="800128"/>
-          </a:xfrm>
-        </p:spPr>
+        <p:spPr/>
         <p:txBody>
-          <a:bodyPr>
-            <a:normAutofit/>
-          </a:bodyPr>
+          <a:bodyPr/>
           <a:lstStyle/>
           <a:p>
             <a:r>
               <a:rPr lang="en-US" dirty="0"/>
-              <a:t>Counterion only; validations</a:t>
+              <a:t>Prelim results (20240906)</a:t>
             </a:r>
           </a:p>
         </p:txBody>
@@ -8080,7 +7982,7 @@
           <p:cNvPr id="3" name="Slide Number Placeholder 2">
             <a:extLst>
               <a:ext uri="{FF2B5EF4-FFF2-40B4-BE49-F238E27FC236}">
-                <a16:creationId xmlns:a16="http://schemas.microsoft.com/office/drawing/2014/main" id="{84D2F789-F0CF-80E5-19BE-6E850B9C23E3}"/>
+                <a16:creationId xmlns:a16="http://schemas.microsoft.com/office/drawing/2014/main" id="{F841ACFC-6AFD-3A7D-D3E4-264B003EA14C}"/>
               </a:ext>
             </a:extLst>
           </p:cNvPr>
@@ -8099,566 +8001,6 @@
             <a:fld id="{5911C0E6-D9CE-431C-92CB-BB39B872F930}" type="slidenum">
               <a:rPr lang="en-US" smtClean="0"/>
               <a:t>8</a:t>
-            </a:fld>
-            <a:endParaRPr lang="en-US"/>
-          </a:p>
-        </p:txBody>
-      </p:sp>
-      <p:sp>
-        <p:nvSpPr>
-          <p:cNvPr id="4" name="TextBox 3">
-            <a:extLst>
-              <a:ext uri="{FF2B5EF4-FFF2-40B4-BE49-F238E27FC236}">
-                <a16:creationId xmlns:a16="http://schemas.microsoft.com/office/drawing/2014/main" id="{1605A9D5-0E3F-F843-D48A-77DE6FC2C0F8}"/>
-              </a:ext>
-            </a:extLst>
-          </p:cNvPr>
-          <p:cNvSpPr txBox="1"/>
-          <p:nvPr/>
-        </p:nvSpPr>
-        <p:spPr>
-          <a:xfrm>
-            <a:off x="1213945" y="1750948"/>
-            <a:ext cx="2542041" cy="287141"/>
-          </a:xfrm>
-          <a:prstGeom prst="rect">
-            <a:avLst/>
-          </a:prstGeom>
-          <a:noFill/>
-        </p:spPr>
-        <p:txBody>
-          <a:bodyPr wrap="square" rtlCol="0">
-            <a:spAutoFit/>
-          </a:bodyPr>
-          <a:lstStyle/>
-          <a:p>
-            <a:pPr algn="ctr"/>
-            <a:r>
-              <a:rPr lang="en-US" sz="1600" dirty="0"/>
-              <a:t>sigma = -5e-20 C/nm2</a:t>
-            </a:r>
-          </a:p>
-        </p:txBody>
-      </p:sp>
-      <p:pic>
-        <p:nvPicPr>
-          <p:cNvPr id="1028" name="Picture 4">
-            <a:extLst>
-              <a:ext uri="{FF2B5EF4-FFF2-40B4-BE49-F238E27FC236}">
-                <a16:creationId xmlns:a16="http://schemas.microsoft.com/office/drawing/2014/main" id="{0F865D6A-7B1C-DD2B-0F3D-10E51B8F81C0}"/>
-              </a:ext>
-            </a:extLst>
-          </p:cNvPr>
-          <p:cNvPicPr>
-            <a:picLocks noChangeAspect="1" noChangeArrowheads="1"/>
-          </p:cNvPicPr>
-          <p:nvPr/>
-        </p:nvPicPr>
-        <p:blipFill>
-          <a:blip r:embed="rId2">
-            <a:extLst>
-              <a:ext uri="{28A0092B-C50C-407E-A947-70E740481C1C}">
-                <a14:useLocalDpi xmlns:a14="http://schemas.microsoft.com/office/drawing/2010/main" val="0"/>
-              </a:ext>
-            </a:extLst>
-          </a:blip>
-          <a:srcRect/>
-          <a:stretch>
-            <a:fillRect/>
-          </a:stretch>
-        </p:blipFill>
-        <p:spPr bwMode="auto">
-          <a:xfrm>
-            <a:off x="3965833" y="1174041"/>
-            <a:ext cx="2351747" cy="1730320"/>
-          </a:xfrm>
-          <a:prstGeom prst="rect">
-            <a:avLst/>
-          </a:prstGeom>
-          <a:noFill/>
-          <a:extLst>
-            <a:ext uri="{909E8E84-426E-40DD-AFC4-6F175D3DCCD1}">
-              <a14:hiddenFill xmlns:a14="http://schemas.microsoft.com/office/drawing/2010/main">
-                <a:solidFill>
-                  <a:srgbClr val="FFFFFF"/>
-                </a:solidFill>
-              </a14:hiddenFill>
-            </a:ext>
-          </a:extLst>
-        </p:spPr>
-      </p:pic>
-      <p:sp>
-        <p:nvSpPr>
-          <p:cNvPr id="6" name="TextBox 5">
-            <a:extLst>
-              <a:ext uri="{FF2B5EF4-FFF2-40B4-BE49-F238E27FC236}">
-                <a16:creationId xmlns:a16="http://schemas.microsoft.com/office/drawing/2014/main" id="{663A9F9C-7D8D-3D28-936B-72C2482F4683}"/>
-              </a:ext>
-            </a:extLst>
-          </p:cNvPr>
-          <p:cNvSpPr txBox="1"/>
-          <p:nvPr/>
-        </p:nvSpPr>
-        <p:spPr>
-          <a:xfrm>
-            <a:off x="3922806" y="6413698"/>
-            <a:ext cx="2742426" cy="307777"/>
-          </a:xfrm>
-          <a:prstGeom prst="rect">
-            <a:avLst/>
-          </a:prstGeom>
-          <a:noFill/>
-        </p:spPr>
-        <p:txBody>
-          <a:bodyPr wrap="square" rtlCol="0">
-            <a:spAutoFit/>
-          </a:bodyPr>
-          <a:lstStyle/>
-          <a:p>
-            <a:r>
-              <a:rPr lang="en-US" sz="1400" b="1" dirty="0"/>
-              <a:t>Log-divergence, exact as lx </a:t>
-            </a:r>
-            <a:r>
-              <a:rPr lang="en-US" sz="1400" b="1" dirty="0">
-                <a:sym typeface="Wingdings" panose="05000000000000000000" pitchFamily="2" charset="2"/>
-              </a:rPr>
-              <a:t> </a:t>
-            </a:r>
-            <a:r>
-              <a:rPr lang="en-US" sz="1400" b="1" dirty="0" err="1">
-                <a:sym typeface="Wingdings" panose="05000000000000000000" pitchFamily="2" charset="2"/>
-              </a:rPr>
-              <a:t>infty</a:t>
-            </a:r>
-            <a:endParaRPr lang="en-US" sz="1400" b="1" dirty="0"/>
-          </a:p>
-        </p:txBody>
-      </p:sp>
-      <p:pic>
-        <p:nvPicPr>
-          <p:cNvPr id="1032" name="Picture 8">
-            <a:extLst>
-              <a:ext uri="{FF2B5EF4-FFF2-40B4-BE49-F238E27FC236}">
-                <a16:creationId xmlns:a16="http://schemas.microsoft.com/office/drawing/2014/main" id="{C72F6F8F-0657-0B22-B36D-4CB28FB42A20}"/>
-              </a:ext>
-            </a:extLst>
-          </p:cNvPr>
-          <p:cNvPicPr>
-            <a:picLocks noChangeAspect="1" noChangeArrowheads="1"/>
-          </p:cNvPicPr>
-          <p:nvPr/>
-        </p:nvPicPr>
-        <p:blipFill>
-          <a:blip r:embed="rId3">
-            <a:extLst>
-              <a:ext uri="{28A0092B-C50C-407E-A947-70E740481C1C}">
-                <a14:useLocalDpi xmlns:a14="http://schemas.microsoft.com/office/drawing/2010/main" val="0"/>
-              </a:ext>
-            </a:extLst>
-          </a:blip>
-          <a:srcRect/>
-          <a:stretch>
-            <a:fillRect/>
-          </a:stretch>
-        </p:blipFill>
-        <p:spPr bwMode="auto">
-          <a:xfrm>
-            <a:off x="6956386" y="1171817"/>
-            <a:ext cx="2542041" cy="1732544"/>
-          </a:xfrm>
-          <a:prstGeom prst="rect">
-            <a:avLst/>
-          </a:prstGeom>
-          <a:noFill/>
-          <a:extLst>
-            <a:ext uri="{909E8E84-426E-40DD-AFC4-6F175D3DCCD1}">
-              <a14:hiddenFill xmlns:a14="http://schemas.microsoft.com/office/drawing/2010/main">
-                <a:solidFill>
-                  <a:srgbClr val="FFFFFF"/>
-                </a:solidFill>
-              </a14:hiddenFill>
-            </a:ext>
-          </a:extLst>
-        </p:spPr>
-      </p:pic>
-      <p:sp>
-        <p:nvSpPr>
-          <p:cNvPr id="11" name="TextBox 10">
-            <a:extLst>
-              <a:ext uri="{FF2B5EF4-FFF2-40B4-BE49-F238E27FC236}">
-                <a16:creationId xmlns:a16="http://schemas.microsoft.com/office/drawing/2014/main" id="{7A4E16DB-E8B1-C8AB-2E63-FA35F6E229DC}"/>
-              </a:ext>
-            </a:extLst>
-          </p:cNvPr>
-          <p:cNvSpPr txBox="1"/>
-          <p:nvPr/>
-        </p:nvSpPr>
-        <p:spPr>
-          <a:xfrm>
-            <a:off x="1213945" y="3430253"/>
-            <a:ext cx="2542041" cy="287141"/>
-          </a:xfrm>
-          <a:prstGeom prst="rect">
-            <a:avLst/>
-          </a:prstGeom>
-          <a:noFill/>
-        </p:spPr>
-        <p:txBody>
-          <a:bodyPr wrap="square" rtlCol="0">
-            <a:spAutoFit/>
-          </a:bodyPr>
-          <a:lstStyle/>
-          <a:p>
-            <a:pPr algn="ctr"/>
-            <a:r>
-              <a:rPr lang="en-US" sz="1600" dirty="0"/>
-              <a:t>sigma = -10e-20 C/nm2</a:t>
-            </a:r>
-          </a:p>
-        </p:txBody>
-      </p:sp>
-      <p:sp>
-        <p:nvSpPr>
-          <p:cNvPr id="14" name="TextBox 13">
-            <a:extLst>
-              <a:ext uri="{FF2B5EF4-FFF2-40B4-BE49-F238E27FC236}">
-                <a16:creationId xmlns:a16="http://schemas.microsoft.com/office/drawing/2014/main" id="{AE713404-1A34-BC7C-E545-0984483E7A03}"/>
-              </a:ext>
-            </a:extLst>
-          </p:cNvPr>
-          <p:cNvSpPr txBox="1"/>
-          <p:nvPr/>
-        </p:nvSpPr>
-        <p:spPr>
-          <a:xfrm>
-            <a:off x="1213945" y="5108447"/>
-            <a:ext cx="2542041" cy="338554"/>
-          </a:xfrm>
-          <a:prstGeom prst="rect">
-            <a:avLst/>
-          </a:prstGeom>
-          <a:noFill/>
-        </p:spPr>
-        <p:txBody>
-          <a:bodyPr wrap="square" rtlCol="0">
-            <a:spAutoFit/>
-          </a:bodyPr>
-          <a:lstStyle/>
-          <a:p>
-            <a:pPr algn="ctr"/>
-            <a:r>
-              <a:rPr lang="en-US" sz="1600" dirty="0"/>
-              <a:t>sigma = -20e-20 C/nm2</a:t>
-            </a:r>
-          </a:p>
-        </p:txBody>
-      </p:sp>
-      <p:pic>
-        <p:nvPicPr>
-          <p:cNvPr id="1036" name="Picture 12">
-            <a:extLst>
-              <a:ext uri="{FF2B5EF4-FFF2-40B4-BE49-F238E27FC236}">
-                <a16:creationId xmlns:a16="http://schemas.microsoft.com/office/drawing/2014/main" id="{BE4F2731-AA06-78A6-DB5A-0C45E300CAC1}"/>
-              </a:ext>
-            </a:extLst>
-          </p:cNvPr>
-          <p:cNvPicPr>
-            <a:picLocks noChangeAspect="1" noChangeArrowheads="1"/>
-          </p:cNvPicPr>
-          <p:nvPr/>
-        </p:nvPicPr>
-        <p:blipFill>
-          <a:blip r:embed="rId4">
-            <a:extLst>
-              <a:ext uri="{28A0092B-C50C-407E-A947-70E740481C1C}">
-                <a14:useLocalDpi xmlns:a14="http://schemas.microsoft.com/office/drawing/2010/main" val="0"/>
-              </a:ext>
-            </a:extLst>
-          </a:blip>
-          <a:srcRect/>
-          <a:stretch>
-            <a:fillRect/>
-          </a:stretch>
-        </p:blipFill>
-        <p:spPr bwMode="auto">
-          <a:xfrm>
-            <a:off x="6894254" y="2904361"/>
-            <a:ext cx="2614083" cy="1726901"/>
-          </a:xfrm>
-          <a:prstGeom prst="rect">
-            <a:avLst/>
-          </a:prstGeom>
-          <a:noFill/>
-          <a:extLst>
-            <a:ext uri="{909E8E84-426E-40DD-AFC4-6F175D3DCCD1}">
-              <a14:hiddenFill xmlns:a14="http://schemas.microsoft.com/office/drawing/2010/main">
-                <a:solidFill>
-                  <a:srgbClr val="FFFFFF"/>
-                </a:solidFill>
-              </a14:hiddenFill>
-            </a:ext>
-          </a:extLst>
-        </p:spPr>
-      </p:pic>
-      <p:pic>
-        <p:nvPicPr>
-          <p:cNvPr id="1038" name="Picture 14">
-            <a:extLst>
-              <a:ext uri="{FF2B5EF4-FFF2-40B4-BE49-F238E27FC236}">
-                <a16:creationId xmlns:a16="http://schemas.microsoft.com/office/drawing/2014/main" id="{EC018F10-A16E-E7D1-E00F-78613B4F0244}"/>
-              </a:ext>
-            </a:extLst>
-          </p:cNvPr>
-          <p:cNvPicPr>
-            <a:picLocks noChangeAspect="1" noChangeArrowheads="1"/>
-          </p:cNvPicPr>
-          <p:nvPr/>
-        </p:nvPicPr>
-        <p:blipFill>
-          <a:blip r:embed="rId5">
-            <a:extLst>
-              <a:ext uri="{28A0092B-C50C-407E-A947-70E740481C1C}">
-                <a14:useLocalDpi xmlns:a14="http://schemas.microsoft.com/office/drawing/2010/main" val="0"/>
-              </a:ext>
-            </a:extLst>
-          </a:blip>
-          <a:srcRect/>
-          <a:stretch>
-            <a:fillRect/>
-          </a:stretch>
-        </p:blipFill>
-        <p:spPr bwMode="auto">
-          <a:xfrm>
-            <a:off x="6908688" y="4686797"/>
-            <a:ext cx="2513171" cy="1730320"/>
-          </a:xfrm>
-          <a:prstGeom prst="rect">
-            <a:avLst/>
-          </a:prstGeom>
-          <a:noFill/>
-          <a:extLst>
-            <a:ext uri="{909E8E84-426E-40DD-AFC4-6F175D3DCCD1}">
-              <a14:hiddenFill xmlns:a14="http://schemas.microsoft.com/office/drawing/2010/main">
-                <a:solidFill>
-                  <a:srgbClr val="FFFFFF"/>
-                </a:solidFill>
-              </a14:hiddenFill>
-            </a:ext>
-          </a:extLst>
-        </p:spPr>
-      </p:pic>
-      <p:pic>
-        <p:nvPicPr>
-          <p:cNvPr id="1040" name="Picture 16">
-            <a:extLst>
-              <a:ext uri="{FF2B5EF4-FFF2-40B4-BE49-F238E27FC236}">
-                <a16:creationId xmlns:a16="http://schemas.microsoft.com/office/drawing/2014/main" id="{1B77EB93-6636-B7AB-F8D4-E555AD77264B}"/>
-              </a:ext>
-            </a:extLst>
-          </p:cNvPr>
-          <p:cNvPicPr>
-            <a:picLocks noChangeAspect="1" noChangeArrowheads="1"/>
-          </p:cNvPicPr>
-          <p:nvPr/>
-        </p:nvPicPr>
-        <p:blipFill>
-          <a:blip r:embed="rId6">
-            <a:extLst>
-              <a:ext uri="{28A0092B-C50C-407E-A947-70E740481C1C}">
-                <a14:useLocalDpi xmlns:a14="http://schemas.microsoft.com/office/drawing/2010/main" val="0"/>
-              </a:ext>
-            </a:extLst>
-          </a:blip>
-          <a:srcRect/>
-          <a:stretch>
-            <a:fillRect/>
-          </a:stretch>
-        </p:blipFill>
-        <p:spPr bwMode="auto">
-          <a:xfrm>
-            <a:off x="3898853" y="2900942"/>
-            <a:ext cx="2418727" cy="1730320"/>
-          </a:xfrm>
-          <a:prstGeom prst="rect">
-            <a:avLst/>
-          </a:prstGeom>
-          <a:noFill/>
-          <a:extLst>
-            <a:ext uri="{909E8E84-426E-40DD-AFC4-6F175D3DCCD1}">
-              <a14:hiddenFill xmlns:a14="http://schemas.microsoft.com/office/drawing/2010/main">
-                <a:solidFill>
-                  <a:srgbClr val="FFFFFF"/>
-                </a:solidFill>
-              </a14:hiddenFill>
-            </a:ext>
-          </a:extLst>
-        </p:spPr>
-      </p:pic>
-      <p:pic>
-        <p:nvPicPr>
-          <p:cNvPr id="1042" name="Picture 18">
-            <a:extLst>
-              <a:ext uri="{FF2B5EF4-FFF2-40B4-BE49-F238E27FC236}">
-                <a16:creationId xmlns:a16="http://schemas.microsoft.com/office/drawing/2014/main" id="{A77872A0-B476-104B-BEB4-C57213D9F465}"/>
-              </a:ext>
-            </a:extLst>
-          </p:cNvPr>
-          <p:cNvPicPr>
-            <a:picLocks noChangeAspect="1" noChangeArrowheads="1"/>
-          </p:cNvPicPr>
-          <p:nvPr/>
-        </p:nvPicPr>
-        <p:blipFill>
-          <a:blip r:embed="rId7">
-            <a:extLst>
-              <a:ext uri="{28A0092B-C50C-407E-A947-70E740481C1C}">
-                <a14:useLocalDpi xmlns:a14="http://schemas.microsoft.com/office/drawing/2010/main" val="0"/>
-              </a:ext>
-            </a:extLst>
-          </a:blip>
-          <a:srcRect/>
-          <a:stretch>
-            <a:fillRect/>
-          </a:stretch>
-        </p:blipFill>
-        <p:spPr bwMode="auto">
-          <a:xfrm>
-            <a:off x="3922806" y="4686797"/>
-            <a:ext cx="2418727" cy="1730320"/>
-          </a:xfrm>
-          <a:prstGeom prst="rect">
-            <a:avLst/>
-          </a:prstGeom>
-          <a:noFill/>
-          <a:extLst>
-            <a:ext uri="{909E8E84-426E-40DD-AFC4-6F175D3DCCD1}">
-              <a14:hiddenFill xmlns:a14="http://schemas.microsoft.com/office/drawing/2010/main">
-                <a:solidFill>
-                  <a:srgbClr val="FFFFFF"/>
-                </a:solidFill>
-              </a14:hiddenFill>
-            </a:ext>
-          </a:extLst>
-        </p:spPr>
-      </p:pic>
-      <p:sp>
-        <p:nvSpPr>
-          <p:cNvPr id="5" name="TextBox 4">
-            <a:extLst>
-              <a:ext uri="{FF2B5EF4-FFF2-40B4-BE49-F238E27FC236}">
-                <a16:creationId xmlns:a16="http://schemas.microsoft.com/office/drawing/2014/main" id="{1B48940B-4865-9E61-FC1A-B3CC14EC30A9}"/>
-              </a:ext>
-            </a:extLst>
-          </p:cNvPr>
-          <p:cNvSpPr txBox="1"/>
-          <p:nvPr/>
-        </p:nvSpPr>
-        <p:spPr>
-          <a:xfrm>
-            <a:off x="7543801" y="6384630"/>
-            <a:ext cx="4503822" cy="369332"/>
-          </a:xfrm>
-          <a:prstGeom prst="rect">
-            <a:avLst/>
-          </a:prstGeom>
-          <a:noFill/>
-        </p:spPr>
-        <p:txBody>
-          <a:bodyPr wrap="square" rtlCol="0">
-            <a:spAutoFit/>
-          </a:bodyPr>
-          <a:lstStyle/>
-          <a:p>
-            <a:r>
-              <a:rPr lang="en-US" dirty="0"/>
-              <a:t>Method: NBC left, NBC right, DBC somewhere</a:t>
-            </a:r>
-          </a:p>
-        </p:txBody>
-      </p:sp>
-    </p:spTree>
-    <p:extLst>
-      <p:ext uri="{BB962C8B-B14F-4D97-AF65-F5344CB8AC3E}">
-        <p14:creationId xmlns:p14="http://schemas.microsoft.com/office/powerpoint/2010/main" val="76617825"/>
-      </p:ext>
-    </p:extLst>
-  </p:cSld>
-  <p:clrMapOvr>
-    <a:masterClrMapping/>
-  </p:clrMapOvr>
-</p:sld>
-</file>
-
-<file path=ppt/slides/slide9.xml><?xml version="1.0" encoding="utf-8"?>
-<p:sld xmlns:a="http://schemas.openxmlformats.org/drawingml/2006/main" xmlns:r="http://schemas.openxmlformats.org/officeDocument/2006/relationships" xmlns:p="http://schemas.openxmlformats.org/presentationml/2006/main">
-  <p:cSld>
-    <p:spTree>
-      <p:nvGrpSpPr>
-        <p:cNvPr id="1" name=""/>
-        <p:cNvGrpSpPr/>
-        <p:nvPr/>
-      </p:nvGrpSpPr>
-      <p:grpSpPr>
-        <a:xfrm>
-          <a:off x="0" y="0"/>
-          <a:ext cx="0" cy="0"/>
-          <a:chOff x="0" y="0"/>
-          <a:chExt cx="0" cy="0"/>
-        </a:xfrm>
-      </p:grpSpPr>
-      <p:sp>
-        <p:nvSpPr>
-          <p:cNvPr id="2" name="Title 1">
-            <a:extLst>
-              <a:ext uri="{FF2B5EF4-FFF2-40B4-BE49-F238E27FC236}">
-                <a16:creationId xmlns:a16="http://schemas.microsoft.com/office/drawing/2014/main" id="{533915FA-3FED-0ECF-2989-CA236DCA2D17}"/>
-              </a:ext>
-            </a:extLst>
-          </p:cNvPr>
-          <p:cNvSpPr>
-            <a:spLocks noGrp="1"/>
-          </p:cNvSpPr>
-          <p:nvPr>
-            <p:ph type="title"/>
-          </p:nvPr>
-        </p:nvSpPr>
-        <p:spPr/>
-        <p:txBody>
-          <a:bodyPr/>
-          <a:lstStyle/>
-          <a:p>
-            <a:r>
-              <a:rPr lang="en-US" dirty="0"/>
-              <a:t>Prelim results (20240906)</a:t>
-            </a:r>
-          </a:p>
-        </p:txBody>
-      </p:sp>
-      <p:sp>
-        <p:nvSpPr>
-          <p:cNvPr id="3" name="Slide Number Placeholder 2">
-            <a:extLst>
-              <a:ext uri="{FF2B5EF4-FFF2-40B4-BE49-F238E27FC236}">
-                <a16:creationId xmlns:a16="http://schemas.microsoft.com/office/drawing/2014/main" id="{F841ACFC-6AFD-3A7D-D3E4-264B003EA14C}"/>
-              </a:ext>
-            </a:extLst>
-          </p:cNvPr>
-          <p:cNvSpPr>
-            <a:spLocks noGrp="1"/>
-          </p:cNvSpPr>
-          <p:nvPr>
-            <p:ph type="sldNum" sz="quarter" idx="12"/>
-          </p:nvPr>
-        </p:nvSpPr>
-        <p:spPr/>
-        <p:txBody>
-          <a:bodyPr/>
-          <a:lstStyle/>
-          <a:p>
-            <a:fld id="{5911C0E6-D9CE-431C-92CB-BB39B872F930}" type="slidenum">
-              <a:rPr lang="en-US" smtClean="0"/>
-              <a:t>9</a:t>
             </a:fld>
             <a:endParaRPr lang="en-US"/>
           </a:p>
@@ -8903,7 +8245,7 @@
         </p:blipFill>
         <p:spPr bwMode="auto">
           <a:xfrm>
-            <a:off x="5234192" y="3743313"/>
+            <a:off x="4618609" y="4085150"/>
             <a:ext cx="4692578" cy="2613037"/>
           </a:xfrm>
           <a:prstGeom prst="rect">
@@ -8988,7 +8330,7 @@
         </p:nvSpPr>
         <p:spPr>
           <a:xfrm>
-            <a:off x="4908183" y="4432218"/>
+            <a:off x="4292600" y="4774055"/>
             <a:ext cx="1624472" cy="872066"/>
           </a:xfrm>
           <a:prstGeom prst="rect">
@@ -9031,6 +8373,269 @@
     <p:extLst>
       <p:ext uri="{BB962C8B-B14F-4D97-AF65-F5344CB8AC3E}">
         <p14:creationId xmlns:p14="http://schemas.microsoft.com/office/powerpoint/2010/main" val="2655404517"/>
+      </p:ext>
+    </p:extLst>
+  </p:cSld>
+  <p:clrMapOvr>
+    <a:masterClrMapping/>
+  </p:clrMapOvr>
+</p:sld>
+</file>
+
+<file path=ppt/slides/slide9.xml><?xml version="1.0" encoding="utf-8"?>
+<p:sld xmlns:a="http://schemas.openxmlformats.org/drawingml/2006/main" xmlns:r="http://schemas.openxmlformats.org/officeDocument/2006/relationships" xmlns:p="http://schemas.openxmlformats.org/presentationml/2006/main">
+  <p:cSld>
+    <p:spTree>
+      <p:nvGrpSpPr>
+        <p:cNvPr id="1" name=""/>
+        <p:cNvGrpSpPr/>
+        <p:nvPr/>
+      </p:nvGrpSpPr>
+      <p:grpSpPr>
+        <a:xfrm>
+          <a:off x="0" y="0"/>
+          <a:ext cx="0" cy="0"/>
+          <a:chOff x="0" y="0"/>
+          <a:chExt cx="0" cy="0"/>
+        </a:xfrm>
+      </p:grpSpPr>
+      <p:sp>
+        <p:nvSpPr>
+          <p:cNvPr id="2" name="Title 1">
+            <a:extLst>
+              <a:ext uri="{FF2B5EF4-FFF2-40B4-BE49-F238E27FC236}">
+                <a16:creationId xmlns:a16="http://schemas.microsoft.com/office/drawing/2014/main" id="{EF5DF91D-7A20-E514-20CF-B16956140860}"/>
+              </a:ext>
+            </a:extLst>
+          </p:cNvPr>
+          <p:cNvSpPr>
+            <a:spLocks noGrp="1"/>
+          </p:cNvSpPr>
+          <p:nvPr>
+            <p:ph type="title"/>
+          </p:nvPr>
+        </p:nvSpPr>
+        <p:spPr/>
+        <p:txBody>
+          <a:bodyPr/>
+          <a:lstStyle/>
+          <a:p>
+            <a:r>
+              <a:rPr lang="en-US" dirty="0"/>
+              <a:t>Counterion only; DBC—NBC validations</a:t>
+            </a:r>
+          </a:p>
+        </p:txBody>
+      </p:sp>
+      <p:sp>
+        <p:nvSpPr>
+          <p:cNvPr id="3" name="Slide Number Placeholder 2">
+            <a:extLst>
+              <a:ext uri="{FF2B5EF4-FFF2-40B4-BE49-F238E27FC236}">
+                <a16:creationId xmlns:a16="http://schemas.microsoft.com/office/drawing/2014/main" id="{373400F5-E8A0-8C77-DBF3-011E07B4EF18}"/>
+              </a:ext>
+            </a:extLst>
+          </p:cNvPr>
+          <p:cNvSpPr>
+            <a:spLocks noGrp="1"/>
+          </p:cNvSpPr>
+          <p:nvPr>
+            <p:ph type="sldNum" sz="quarter" idx="12"/>
+          </p:nvPr>
+        </p:nvSpPr>
+        <p:spPr/>
+        <p:txBody>
+          <a:bodyPr/>
+          <a:lstStyle/>
+          <a:p>
+            <a:fld id="{5911C0E6-D9CE-431C-92CB-BB39B872F930}" type="slidenum">
+              <a:rPr lang="en-US" smtClean="0"/>
+              <a:t>9</a:t>
+            </a:fld>
+            <a:endParaRPr lang="en-US"/>
+          </a:p>
+        </p:txBody>
+      </p:sp>
+      <p:sp>
+        <p:nvSpPr>
+          <p:cNvPr id="4" name="TextBox 3">
+            <a:extLst>
+              <a:ext uri="{FF2B5EF4-FFF2-40B4-BE49-F238E27FC236}">
+                <a16:creationId xmlns:a16="http://schemas.microsoft.com/office/drawing/2014/main" id="{DE88AB65-BBF7-3C72-F15F-D980F6BF8D73}"/>
+              </a:ext>
+            </a:extLst>
+          </p:cNvPr>
+          <p:cNvSpPr txBox="1"/>
+          <p:nvPr/>
+        </p:nvSpPr>
+        <p:spPr>
+          <a:xfrm>
+            <a:off x="148389" y="6356350"/>
+            <a:ext cx="10218821" cy="369332"/>
+          </a:xfrm>
+          <a:prstGeom prst="rect">
+            <a:avLst/>
+          </a:prstGeom>
+          <a:noFill/>
+        </p:spPr>
+        <p:txBody>
+          <a:bodyPr wrap="square" rtlCol="0">
+            <a:spAutoFit/>
+          </a:bodyPr>
+          <a:lstStyle/>
+          <a:p>
+            <a:r>
+              <a:rPr lang="en-US" dirty="0"/>
+              <a:t>Method: Newton iteration (a = 0.8), DBC right, NBC left</a:t>
+            </a:r>
+          </a:p>
+        </p:txBody>
+      </p:sp>
+      <p:pic>
+        <p:nvPicPr>
+          <p:cNvPr id="1028" name="Picture 4">
+            <a:extLst>
+              <a:ext uri="{FF2B5EF4-FFF2-40B4-BE49-F238E27FC236}">
+                <a16:creationId xmlns:a16="http://schemas.microsoft.com/office/drawing/2014/main" id="{042E365C-6B20-A7E7-6587-B19EC20EF62A}"/>
+              </a:ext>
+            </a:extLst>
+          </p:cNvPr>
+          <p:cNvPicPr>
+            <a:picLocks noChangeAspect="1" noChangeArrowheads="1"/>
+          </p:cNvPicPr>
+          <p:nvPr/>
+        </p:nvPicPr>
+        <p:blipFill>
+          <a:blip r:embed="rId2">
+            <a:extLst>
+              <a:ext uri="{28A0092B-C50C-407E-A947-70E740481C1C}">
+                <a14:useLocalDpi xmlns:a14="http://schemas.microsoft.com/office/drawing/2010/main" val="0"/>
+              </a:ext>
+            </a:extLst>
+          </a:blip>
+          <a:srcRect/>
+          <a:stretch>
+            <a:fillRect/>
+          </a:stretch>
+        </p:blipFill>
+        <p:spPr bwMode="auto">
+          <a:xfrm>
+            <a:off x="624892" y="2220608"/>
+            <a:ext cx="3462337" cy="2433637"/>
+          </a:xfrm>
+          <a:prstGeom prst="rect">
+            <a:avLst/>
+          </a:prstGeom>
+          <a:noFill/>
+          <a:extLst>
+            <a:ext uri="{909E8E84-426E-40DD-AFC4-6F175D3DCCD1}">
+              <a14:hiddenFill xmlns:a14="http://schemas.microsoft.com/office/drawing/2010/main">
+                <a:solidFill>
+                  <a:srgbClr val="FFFFFF"/>
+                </a:solidFill>
+              </a14:hiddenFill>
+            </a:ext>
+          </a:extLst>
+        </p:spPr>
+      </p:pic>
+      <p:pic>
+        <p:nvPicPr>
+          <p:cNvPr id="1032" name="Picture 8">
+            <a:extLst>
+              <a:ext uri="{FF2B5EF4-FFF2-40B4-BE49-F238E27FC236}">
+                <a16:creationId xmlns:a16="http://schemas.microsoft.com/office/drawing/2014/main" id="{36CF8BB1-37A7-B610-6793-D1E36BB7D442}"/>
+              </a:ext>
+            </a:extLst>
+          </p:cNvPr>
+          <p:cNvPicPr>
+            <a:picLocks noChangeAspect="1" noChangeArrowheads="1"/>
+          </p:cNvPicPr>
+          <p:nvPr/>
+        </p:nvPicPr>
+        <p:blipFill>
+          <a:blip r:embed="rId3">
+            <a:extLst>
+              <a:ext uri="{28A0092B-C50C-407E-A947-70E740481C1C}">
+                <a14:useLocalDpi xmlns:a14="http://schemas.microsoft.com/office/drawing/2010/main" val="0"/>
+              </a:ext>
+            </a:extLst>
+          </a:blip>
+          <a:srcRect/>
+          <a:stretch>
+            <a:fillRect/>
+          </a:stretch>
+        </p:blipFill>
+        <p:spPr bwMode="auto">
+          <a:xfrm>
+            <a:off x="7891462" y="2203754"/>
+            <a:ext cx="3462338" cy="2450491"/>
+          </a:xfrm>
+          <a:prstGeom prst="rect">
+            <a:avLst/>
+          </a:prstGeom>
+          <a:noFill/>
+          <a:extLst>
+            <a:ext uri="{909E8E84-426E-40DD-AFC4-6F175D3DCCD1}">
+              <a14:hiddenFill xmlns:a14="http://schemas.microsoft.com/office/drawing/2010/main">
+                <a:solidFill>
+                  <a:srgbClr val="FFFFFF"/>
+                </a:solidFill>
+              </a14:hiddenFill>
+            </a:ext>
+          </a:extLst>
+        </p:spPr>
+      </p:pic>
+      <p:pic>
+        <p:nvPicPr>
+          <p:cNvPr id="1036" name="Picture 12">
+            <a:extLst>
+              <a:ext uri="{FF2B5EF4-FFF2-40B4-BE49-F238E27FC236}">
+                <a16:creationId xmlns:a16="http://schemas.microsoft.com/office/drawing/2014/main" id="{525ECB76-8E5B-887A-D64C-4890119ECD76}"/>
+              </a:ext>
+            </a:extLst>
+          </p:cNvPr>
+          <p:cNvPicPr>
+            <a:picLocks noChangeAspect="1" noChangeArrowheads="1"/>
+          </p:cNvPicPr>
+          <p:nvPr/>
+        </p:nvPicPr>
+        <p:blipFill>
+          <a:blip r:embed="rId4">
+            <a:extLst>
+              <a:ext uri="{28A0092B-C50C-407E-A947-70E740481C1C}">
+                <a14:useLocalDpi xmlns:a14="http://schemas.microsoft.com/office/drawing/2010/main" val="0"/>
+              </a:ext>
+            </a:extLst>
+          </a:blip>
+          <a:srcRect/>
+          <a:stretch>
+            <a:fillRect/>
+          </a:stretch>
+        </p:blipFill>
+        <p:spPr bwMode="auto">
+          <a:xfrm>
+            <a:off x="4258177" y="2220608"/>
+            <a:ext cx="3462337" cy="2450491"/>
+          </a:xfrm>
+          <a:prstGeom prst="rect">
+            <a:avLst/>
+          </a:prstGeom>
+          <a:noFill/>
+          <a:extLst>
+            <a:ext uri="{909E8E84-426E-40DD-AFC4-6F175D3DCCD1}">
+              <a14:hiddenFill xmlns:a14="http://schemas.microsoft.com/office/drawing/2010/main">
+                <a:solidFill>
+                  <a:srgbClr val="FFFFFF"/>
+                </a:solidFill>
+              </a14:hiddenFill>
+            </a:ext>
+          </a:extLst>
+        </p:spPr>
+      </p:pic>
+    </p:spTree>
+    <p:extLst>
+      <p:ext uri="{BB962C8B-B14F-4D97-AF65-F5344CB8AC3E}">
+        <p14:creationId xmlns:p14="http://schemas.microsoft.com/office/powerpoint/2010/main" val="1602863882"/>
       </p:ext>
     </p:extLst>
   </p:cSld>

--- a/NAF.pptx
+++ b/NAF.pptx
@@ -2703,7 +2703,7 @@
         </p:blipFill>
         <p:spPr bwMode="auto">
           <a:xfrm>
-            <a:off x="7939681" y="1278677"/>
+            <a:off x="257289" y="3718741"/>
             <a:ext cx="3638972" cy="2575505"/>
           </a:xfrm>
           <a:prstGeom prst="rect">
@@ -2721,6 +2721,229 @@
           </a:extLst>
         </p:spPr>
       </p:pic>
+      <p:sp>
+        <p:nvSpPr>
+          <p:cNvPr id="7" name="TextBox 6">
+            <a:extLst>
+              <a:ext uri="{FF2B5EF4-FFF2-40B4-BE49-F238E27FC236}">
+                <a16:creationId xmlns:a16="http://schemas.microsoft.com/office/drawing/2014/main" id="{D9CAEE41-3D0B-BBF7-0176-DA7618BEF139}"/>
+              </a:ext>
+            </a:extLst>
+          </p:cNvPr>
+          <p:cNvSpPr txBox="1"/>
+          <p:nvPr/>
+        </p:nvSpPr>
+        <p:spPr>
+          <a:xfrm>
+            <a:off x="4796655" y="3127712"/>
+            <a:ext cx="2598690" cy="276999"/>
+          </a:xfrm>
+          <a:prstGeom prst="rect">
+            <a:avLst/>
+          </a:prstGeom>
+          <a:noFill/>
+        </p:spPr>
+        <p:txBody>
+          <a:bodyPr wrap="square" rtlCol="0">
+            <a:spAutoFit/>
+          </a:bodyPr>
+          <a:lstStyle/>
+          <a:p>
+            <a:pPr algn="ctr"/>
+            <a:r>
+              <a:rPr lang="en-US" sz="1200" dirty="0"/>
+              <a:t>T = 1.0; </a:t>
+            </a:r>
+            <a:r>
+              <a:rPr lang="en-US" sz="1200" dirty="0" err="1"/>
+              <a:t>Nt</a:t>
+            </a:r>
+            <a:r>
+              <a:rPr lang="en-US" sz="1200" dirty="0"/>
+              <a:t> = 20,000</a:t>
+            </a:r>
+          </a:p>
+        </p:txBody>
+      </p:sp>
+      <p:sp>
+        <p:nvSpPr>
+          <p:cNvPr id="8" name="TextBox 7">
+            <a:extLst>
+              <a:ext uri="{FF2B5EF4-FFF2-40B4-BE49-F238E27FC236}">
+                <a16:creationId xmlns:a16="http://schemas.microsoft.com/office/drawing/2014/main" id="{20E5DB7A-FBFF-1115-A1E7-17699D3DE105}"/>
+              </a:ext>
+            </a:extLst>
+          </p:cNvPr>
+          <p:cNvSpPr txBox="1"/>
+          <p:nvPr/>
+        </p:nvSpPr>
+        <p:spPr>
+          <a:xfrm>
+            <a:off x="893121" y="3115907"/>
+            <a:ext cx="2598690" cy="276999"/>
+          </a:xfrm>
+          <a:prstGeom prst="rect">
+            <a:avLst/>
+          </a:prstGeom>
+          <a:noFill/>
+        </p:spPr>
+        <p:txBody>
+          <a:bodyPr wrap="square" rtlCol="0">
+            <a:spAutoFit/>
+          </a:bodyPr>
+          <a:lstStyle/>
+          <a:p>
+            <a:pPr algn="ctr"/>
+            <a:r>
+              <a:rPr lang="en-US" sz="1200" dirty="0"/>
+              <a:t>T = 1.0; </a:t>
+            </a:r>
+            <a:r>
+              <a:rPr lang="en-US" sz="1200" dirty="0" err="1"/>
+              <a:t>Nt</a:t>
+            </a:r>
+            <a:r>
+              <a:rPr lang="en-US" sz="1200" dirty="0"/>
+              <a:t> = 20,000</a:t>
+            </a:r>
+          </a:p>
+        </p:txBody>
+      </p:sp>
+      <p:sp>
+        <p:nvSpPr>
+          <p:cNvPr id="9" name="TextBox 8">
+            <a:extLst>
+              <a:ext uri="{FF2B5EF4-FFF2-40B4-BE49-F238E27FC236}">
+                <a16:creationId xmlns:a16="http://schemas.microsoft.com/office/drawing/2014/main" id="{4D06381A-1570-9257-2B50-235A30BD5BE9}"/>
+              </a:ext>
+            </a:extLst>
+          </p:cNvPr>
+          <p:cNvSpPr txBox="1"/>
+          <p:nvPr/>
+        </p:nvSpPr>
+        <p:spPr>
+          <a:xfrm>
+            <a:off x="781307" y="5555970"/>
+            <a:ext cx="2598690" cy="276999"/>
+          </a:xfrm>
+          <a:prstGeom prst="rect">
+            <a:avLst/>
+          </a:prstGeom>
+          <a:noFill/>
+        </p:spPr>
+        <p:txBody>
+          <a:bodyPr wrap="square" rtlCol="0">
+            <a:spAutoFit/>
+          </a:bodyPr>
+          <a:lstStyle/>
+          <a:p>
+            <a:pPr algn="ctr"/>
+            <a:r>
+              <a:rPr lang="en-US" sz="1200" dirty="0"/>
+              <a:t>T = 1.0; </a:t>
+            </a:r>
+            <a:r>
+              <a:rPr lang="en-US" sz="1200" dirty="0" err="1"/>
+              <a:t>Nt</a:t>
+            </a:r>
+            <a:r>
+              <a:rPr lang="en-US" sz="1200" dirty="0"/>
+              <a:t> = 20,000</a:t>
+            </a:r>
+          </a:p>
+        </p:txBody>
+      </p:sp>
+      <p:pic>
+        <p:nvPicPr>
+          <p:cNvPr id="1034" name="Picture 10">
+            <a:extLst>
+              <a:ext uri="{FF2B5EF4-FFF2-40B4-BE49-F238E27FC236}">
+                <a16:creationId xmlns:a16="http://schemas.microsoft.com/office/drawing/2014/main" id="{28980C50-DDFC-6565-C0BA-F74E7CA246E6}"/>
+              </a:ext>
+            </a:extLst>
+          </p:cNvPr>
+          <p:cNvPicPr>
+            <a:picLocks noChangeAspect="1" noChangeArrowheads="1"/>
+          </p:cNvPicPr>
+          <p:nvPr/>
+        </p:nvPicPr>
+        <p:blipFill>
+          <a:blip r:embed="rId5">
+            <a:extLst>
+              <a:ext uri="{28A0092B-C50C-407E-A947-70E740481C1C}">
+                <a14:useLocalDpi xmlns:a14="http://schemas.microsoft.com/office/drawing/2010/main" val="0"/>
+              </a:ext>
+            </a:extLst>
+          </a:blip>
+          <a:srcRect/>
+          <a:stretch>
+            <a:fillRect/>
+          </a:stretch>
+        </p:blipFill>
+        <p:spPr bwMode="auto">
+          <a:xfrm>
+            <a:off x="4156331" y="3718741"/>
+            <a:ext cx="3638971" cy="2637609"/>
+          </a:xfrm>
+          <a:prstGeom prst="rect">
+            <a:avLst/>
+          </a:prstGeom>
+          <a:noFill/>
+          <a:extLst>
+            <a:ext uri="{909E8E84-426E-40DD-AFC4-6F175D3DCCD1}">
+              <a14:hiddenFill xmlns:a14="http://schemas.microsoft.com/office/drawing/2010/main">
+                <a:solidFill>
+                  <a:srgbClr val="FFFFFF"/>
+                </a:solidFill>
+              </a14:hiddenFill>
+            </a:ext>
+          </a:extLst>
+        </p:spPr>
+      </p:pic>
+      <p:sp>
+        <p:nvSpPr>
+          <p:cNvPr id="10" name="TextBox 9">
+            <a:extLst>
+              <a:ext uri="{FF2B5EF4-FFF2-40B4-BE49-F238E27FC236}">
+                <a16:creationId xmlns:a16="http://schemas.microsoft.com/office/drawing/2014/main" id="{BECB71AB-D06E-1DDB-D0F1-9A724B38EF88}"/>
+              </a:ext>
+            </a:extLst>
+          </p:cNvPr>
+          <p:cNvSpPr txBox="1"/>
+          <p:nvPr/>
+        </p:nvSpPr>
+        <p:spPr>
+          <a:xfrm>
+            <a:off x="4676471" y="5635496"/>
+            <a:ext cx="2598690" cy="276999"/>
+          </a:xfrm>
+          <a:prstGeom prst="rect">
+            <a:avLst/>
+          </a:prstGeom>
+          <a:noFill/>
+        </p:spPr>
+        <p:txBody>
+          <a:bodyPr wrap="square" rtlCol="0">
+            <a:spAutoFit/>
+          </a:bodyPr>
+          <a:lstStyle/>
+          <a:p>
+            <a:pPr algn="ctr"/>
+            <a:r>
+              <a:rPr lang="en-US" sz="1200" dirty="0"/>
+              <a:t>T = 1.0; </a:t>
+            </a:r>
+            <a:r>
+              <a:rPr lang="en-US" sz="1200" dirty="0" err="1"/>
+              <a:t>Nt</a:t>
+            </a:r>
+            <a:r>
+              <a:rPr lang="en-US" sz="1200" dirty="0"/>
+              <a:t> = 20,000</a:t>
+            </a:r>
+          </a:p>
+        </p:txBody>
+      </p:sp>
     </p:spTree>
     <p:extLst>
       <p:ext uri="{BB962C8B-B14F-4D97-AF65-F5344CB8AC3E}">

--- a/NAF.pptx
+++ b/NAF.pptx
@@ -5,7 +5,7 @@
     <p:sldMasterId id="2147483648" r:id="rId1"/>
   </p:sldMasterIdLst>
   <p:notesMasterIdLst>
-    <p:notesMasterId r:id="rId12"/>
+    <p:notesMasterId r:id="rId13"/>
   </p:notesMasterIdLst>
   <p:sldIdLst>
     <p:sldId id="256" r:id="rId2"/>
@@ -18,6 +18,7 @@
     <p:sldId id="265" r:id="rId9"/>
     <p:sldId id="267" r:id="rId10"/>
     <p:sldId id="268" r:id="rId11"/>
+    <p:sldId id="269" r:id="rId12"/>
   </p:sldIdLst>
   <p:sldSz cx="12192000" cy="6858000"/>
   <p:notesSz cx="6858000" cy="9144000"/>
@@ -2609,7 +2610,7 @@
         </p:blipFill>
         <p:spPr bwMode="auto">
           <a:xfrm>
-            <a:off x="372980" y="1257095"/>
+            <a:off x="2312649" y="1252888"/>
             <a:ext cx="3638972" cy="2597087"/>
           </a:xfrm>
           <a:prstGeom prst="rect">
@@ -2656,7 +2657,7 @@
         </p:blipFill>
         <p:spPr bwMode="auto">
           <a:xfrm>
-            <a:off x="4156331" y="1278677"/>
+            <a:off x="6096000" y="1274470"/>
             <a:ext cx="3638971" cy="2575505"/>
           </a:xfrm>
           <a:prstGeom prst="rect">
@@ -2703,7 +2704,7 @@
         </p:blipFill>
         <p:spPr bwMode="auto">
           <a:xfrm>
-            <a:off x="257289" y="3718741"/>
+            <a:off x="2196958" y="3714534"/>
             <a:ext cx="3638972" cy="2575505"/>
           </a:xfrm>
           <a:prstGeom prst="rect">
@@ -2735,7 +2736,7 @@
         </p:nvSpPr>
         <p:spPr>
           <a:xfrm>
-            <a:off x="4796655" y="3127712"/>
+            <a:off x="6736324" y="3123505"/>
             <a:ext cx="2598690" cy="276999"/>
           </a:xfrm>
           <a:prstGeom prst="rect">
@@ -2779,7 +2780,7 @@
         </p:nvSpPr>
         <p:spPr>
           <a:xfrm>
-            <a:off x="893121" y="3115907"/>
+            <a:off x="2832790" y="3111700"/>
             <a:ext cx="2598690" cy="276999"/>
           </a:xfrm>
           <a:prstGeom prst="rect">
@@ -2823,7 +2824,7 @@
         </p:nvSpPr>
         <p:spPr>
           <a:xfrm>
-            <a:off x="781307" y="5555970"/>
+            <a:off x="2720976" y="5551763"/>
             <a:ext cx="2598690" cy="276999"/>
           </a:xfrm>
           <a:prstGeom prst="rect">
@@ -2882,7 +2883,7 @@
         </p:blipFill>
         <p:spPr bwMode="auto">
           <a:xfrm>
-            <a:off x="4156331" y="3718741"/>
+            <a:off x="6096000" y="3714534"/>
             <a:ext cx="3638971" cy="2637609"/>
           </a:xfrm>
           <a:prstGeom prst="rect">
@@ -2914,7 +2915,7 @@
         </p:nvSpPr>
         <p:spPr>
           <a:xfrm>
-            <a:off x="4676471" y="5635496"/>
+            <a:off x="6616140" y="5631289"/>
             <a:ext cx="2598690" cy="276999"/>
           </a:xfrm>
           <a:prstGeom prst="rect">
@@ -2948,6 +2949,306 @@
     <p:extLst>
       <p:ext uri="{BB962C8B-B14F-4D97-AF65-F5344CB8AC3E}">
         <p14:creationId xmlns:p14="http://schemas.microsoft.com/office/powerpoint/2010/main" val="1836936299"/>
+      </p:ext>
+    </p:extLst>
+  </p:cSld>
+  <p:clrMapOvr>
+    <a:masterClrMapping/>
+  </p:clrMapOvr>
+</p:sld>
+</file>
+
+<file path=ppt/slides/slide11.xml><?xml version="1.0" encoding="utf-8"?>
+<p:sld xmlns:a="http://schemas.openxmlformats.org/drawingml/2006/main" xmlns:r="http://schemas.openxmlformats.org/officeDocument/2006/relationships" xmlns:p="http://schemas.openxmlformats.org/presentationml/2006/main">
+  <p:cSld>
+    <p:spTree>
+      <p:nvGrpSpPr>
+        <p:cNvPr id="1" name=""/>
+        <p:cNvGrpSpPr/>
+        <p:nvPr/>
+      </p:nvGrpSpPr>
+      <p:grpSpPr>
+        <a:xfrm>
+          <a:off x="0" y="0"/>
+          <a:ext cx="0" cy="0"/>
+          <a:chOff x="0" y="0"/>
+          <a:chExt cx="0" cy="0"/>
+        </a:xfrm>
+      </p:grpSpPr>
+      <p:sp>
+        <p:nvSpPr>
+          <p:cNvPr id="2" name="Title 1">
+            <a:extLst>
+              <a:ext uri="{FF2B5EF4-FFF2-40B4-BE49-F238E27FC236}">
+                <a16:creationId xmlns:a16="http://schemas.microsoft.com/office/drawing/2014/main" id="{F529BAC4-0B47-62CB-1187-503ED7E0C81A}"/>
+              </a:ext>
+            </a:extLst>
+          </p:cNvPr>
+          <p:cNvSpPr>
+            <a:spLocks noGrp="1"/>
+          </p:cNvSpPr>
+          <p:nvPr>
+            <p:ph type="title"/>
+          </p:nvPr>
+        </p:nvSpPr>
+        <p:spPr/>
+        <p:txBody>
+          <a:bodyPr/>
+          <a:lstStyle/>
+          <a:p>
+            <a:r>
+              <a:rPr lang="en-US" dirty="0"/>
+              <a:t>Time in “Heat”</a:t>
+            </a:r>
+          </a:p>
+        </p:txBody>
+      </p:sp>
+      <p:sp>
+        <p:nvSpPr>
+          <p:cNvPr id="3" name="Slide Number Placeholder 2">
+            <a:extLst>
+              <a:ext uri="{FF2B5EF4-FFF2-40B4-BE49-F238E27FC236}">
+                <a16:creationId xmlns:a16="http://schemas.microsoft.com/office/drawing/2014/main" id="{08E5643D-33A3-C1F4-646A-FA35476661A1}"/>
+              </a:ext>
+            </a:extLst>
+          </p:cNvPr>
+          <p:cNvSpPr>
+            <a:spLocks noGrp="1"/>
+          </p:cNvSpPr>
+          <p:nvPr>
+            <p:ph type="sldNum" sz="quarter" idx="12"/>
+          </p:nvPr>
+        </p:nvSpPr>
+        <p:spPr/>
+        <p:txBody>
+          <a:bodyPr/>
+          <a:lstStyle/>
+          <a:p>
+            <a:fld id="{5911C0E6-D9CE-431C-92CB-BB39B872F930}" type="slidenum">
+              <a:rPr lang="en-US" smtClean="0"/>
+              <a:t>11</a:t>
+            </a:fld>
+            <a:endParaRPr lang="en-US"/>
+          </a:p>
+        </p:txBody>
+      </p:sp>
+      <p:pic>
+        <p:nvPicPr>
+          <p:cNvPr id="2050" name="Picture 2">
+            <a:extLst>
+              <a:ext uri="{FF2B5EF4-FFF2-40B4-BE49-F238E27FC236}">
+                <a16:creationId xmlns:a16="http://schemas.microsoft.com/office/drawing/2014/main" id="{2B3901D9-F2C0-6D0E-70F4-9BF0FB7397A4}"/>
+              </a:ext>
+            </a:extLst>
+          </p:cNvPr>
+          <p:cNvPicPr>
+            <a:picLocks noChangeAspect="1" noChangeArrowheads="1"/>
+          </p:cNvPicPr>
+          <p:nvPr/>
+        </p:nvPicPr>
+        <p:blipFill>
+          <a:blip r:embed="rId2">
+            <a:extLst>
+              <a:ext uri="{28A0092B-C50C-407E-A947-70E740481C1C}">
+                <a14:useLocalDpi xmlns:a14="http://schemas.microsoft.com/office/drawing/2010/main" val="0"/>
+              </a:ext>
+            </a:extLst>
+          </a:blip>
+          <a:srcRect/>
+          <a:stretch>
+            <a:fillRect/>
+          </a:stretch>
+        </p:blipFill>
+        <p:spPr bwMode="auto">
+          <a:xfrm>
+            <a:off x="1637547" y="1144176"/>
+            <a:ext cx="3469857" cy="2515031"/>
+          </a:xfrm>
+          <a:prstGeom prst="rect">
+            <a:avLst/>
+          </a:prstGeom>
+          <a:noFill/>
+          <a:extLst>
+            <a:ext uri="{909E8E84-426E-40DD-AFC4-6F175D3DCCD1}">
+              <a14:hiddenFill xmlns:a14="http://schemas.microsoft.com/office/drawing/2010/main">
+                <a:solidFill>
+                  <a:srgbClr val="FFFFFF"/>
+                </a:solidFill>
+              </a14:hiddenFill>
+            </a:ext>
+          </a:extLst>
+        </p:spPr>
+      </p:pic>
+      <p:sp>
+        <p:nvSpPr>
+          <p:cNvPr id="5" name="TextBox 4">
+            <a:extLst>
+              <a:ext uri="{FF2B5EF4-FFF2-40B4-BE49-F238E27FC236}">
+                <a16:creationId xmlns:a16="http://schemas.microsoft.com/office/drawing/2014/main" id="{0980DD90-A1FB-30AA-EAE4-09E77008138A}"/>
+              </a:ext>
+            </a:extLst>
+          </p:cNvPr>
+          <p:cNvSpPr txBox="1"/>
+          <p:nvPr/>
+        </p:nvSpPr>
+        <p:spPr>
+          <a:xfrm>
+            <a:off x="-183126" y="2201637"/>
+            <a:ext cx="1787336" cy="400110"/>
+          </a:xfrm>
+          <a:prstGeom prst="rect">
+            <a:avLst/>
+          </a:prstGeom>
+          <a:noFill/>
+        </p:spPr>
+        <p:txBody>
+          <a:bodyPr wrap="square" rtlCol="0">
+            <a:spAutoFit/>
+          </a:bodyPr>
+          <a:lstStyle/>
+          <a:p>
+            <a:pPr algn="ctr"/>
+            <a:r>
+              <a:rPr lang="en-US" sz="2000" dirty="0"/>
+              <a:t>N = 1000</a:t>
+            </a:r>
+          </a:p>
+        </p:txBody>
+      </p:sp>
+      <p:pic>
+        <p:nvPicPr>
+          <p:cNvPr id="2052" name="Picture 4">
+            <a:extLst>
+              <a:ext uri="{FF2B5EF4-FFF2-40B4-BE49-F238E27FC236}">
+                <a16:creationId xmlns:a16="http://schemas.microsoft.com/office/drawing/2014/main" id="{2480464A-7450-5690-8658-1DDC61F5FDC4}"/>
+              </a:ext>
+            </a:extLst>
+          </p:cNvPr>
+          <p:cNvPicPr>
+            <a:picLocks noChangeAspect="1" noChangeArrowheads="1"/>
+          </p:cNvPicPr>
+          <p:nvPr/>
+        </p:nvPicPr>
+        <p:blipFill>
+          <a:blip r:embed="rId3">
+            <a:extLst>
+              <a:ext uri="{28A0092B-C50C-407E-A947-70E740481C1C}">
+                <a14:useLocalDpi xmlns:a14="http://schemas.microsoft.com/office/drawing/2010/main" val="0"/>
+              </a:ext>
+            </a:extLst>
+          </a:blip>
+          <a:srcRect/>
+          <a:stretch>
+            <a:fillRect/>
+          </a:stretch>
+        </p:blipFill>
+        <p:spPr bwMode="auto">
+          <a:xfrm>
+            <a:off x="8610600" y="1131469"/>
+            <a:ext cx="3469858" cy="2515032"/>
+          </a:xfrm>
+          <a:prstGeom prst="rect">
+            <a:avLst/>
+          </a:prstGeom>
+          <a:noFill/>
+          <a:extLst>
+            <a:ext uri="{909E8E84-426E-40DD-AFC4-6F175D3DCCD1}">
+              <a14:hiddenFill xmlns:a14="http://schemas.microsoft.com/office/drawing/2010/main">
+                <a:solidFill>
+                  <a:srgbClr val="FFFFFF"/>
+                </a:solidFill>
+              </a14:hiddenFill>
+            </a:ext>
+          </a:extLst>
+        </p:spPr>
+      </p:pic>
+      <p:pic>
+        <p:nvPicPr>
+          <p:cNvPr id="2054" name="Picture 6">
+            <a:extLst>
+              <a:ext uri="{FF2B5EF4-FFF2-40B4-BE49-F238E27FC236}">
+                <a16:creationId xmlns:a16="http://schemas.microsoft.com/office/drawing/2014/main" id="{F943F6E1-FE57-13F7-D9E0-B6D082725572}"/>
+              </a:ext>
+            </a:extLst>
+          </p:cNvPr>
+          <p:cNvPicPr>
+            <a:picLocks noChangeAspect="1" noChangeArrowheads="1"/>
+          </p:cNvPicPr>
+          <p:nvPr/>
+        </p:nvPicPr>
+        <p:blipFill>
+          <a:blip r:embed="rId4">
+            <a:extLst>
+              <a:ext uri="{28A0092B-C50C-407E-A947-70E740481C1C}">
+                <a14:useLocalDpi xmlns:a14="http://schemas.microsoft.com/office/drawing/2010/main" val="0"/>
+              </a:ext>
+            </a:extLst>
+          </a:blip>
+          <a:srcRect/>
+          <a:stretch>
+            <a:fillRect/>
+          </a:stretch>
+        </p:blipFill>
+        <p:spPr bwMode="auto">
+          <a:xfrm>
+            <a:off x="5124073" y="1153423"/>
+            <a:ext cx="3469858" cy="2515032"/>
+          </a:xfrm>
+          <a:prstGeom prst="rect">
+            <a:avLst/>
+          </a:prstGeom>
+          <a:noFill/>
+          <a:extLst>
+            <a:ext uri="{909E8E84-426E-40DD-AFC4-6F175D3DCCD1}">
+              <a14:hiddenFill xmlns:a14="http://schemas.microsoft.com/office/drawing/2010/main">
+                <a:solidFill>
+                  <a:srgbClr val="FFFFFF"/>
+                </a:solidFill>
+              </a14:hiddenFill>
+            </a:ext>
+          </a:extLst>
+        </p:spPr>
+      </p:pic>
+      <p:sp>
+        <p:nvSpPr>
+          <p:cNvPr id="6" name="TextBox 5">
+            <a:extLst>
+              <a:ext uri="{FF2B5EF4-FFF2-40B4-BE49-F238E27FC236}">
+                <a16:creationId xmlns:a16="http://schemas.microsoft.com/office/drawing/2014/main" id="{C9BC1176-1F38-CAC2-112F-8ED878F0842B}"/>
+              </a:ext>
+            </a:extLst>
+          </p:cNvPr>
+          <p:cNvSpPr txBox="1"/>
+          <p:nvPr/>
+        </p:nvSpPr>
+        <p:spPr>
+          <a:xfrm>
+            <a:off x="-149789" y="4056199"/>
+            <a:ext cx="1787336" cy="400110"/>
+          </a:xfrm>
+          <a:prstGeom prst="rect">
+            <a:avLst/>
+          </a:prstGeom>
+          <a:noFill/>
+        </p:spPr>
+        <p:txBody>
+          <a:bodyPr wrap="square" rtlCol="0">
+            <a:spAutoFit/>
+          </a:bodyPr>
+          <a:lstStyle/>
+          <a:p>
+            <a:pPr algn="ctr"/>
+            <a:r>
+              <a:rPr lang="en-US" sz="2000" dirty="0"/>
+              <a:t>N = 2500</a:t>
+            </a:r>
+          </a:p>
+        </p:txBody>
+      </p:sp>
+    </p:spTree>
+    <p:extLst>
+      <p:ext uri="{BB962C8B-B14F-4D97-AF65-F5344CB8AC3E}">
+        <p14:creationId xmlns:p14="http://schemas.microsoft.com/office/powerpoint/2010/main" val="2237290529"/>
       </p:ext>
     </p:extLst>
   </p:cSld>

--- a/NAF.pptx
+++ b/NAF.pptx
@@ -3223,7 +3223,7 @@
         </p:nvSpPr>
         <p:spPr>
           <a:xfrm>
-            <a:off x="-149789" y="4056199"/>
+            <a:off x="-183126" y="4748916"/>
             <a:ext cx="1787336" cy="400110"/>
           </a:xfrm>
           <a:prstGeom prst="rect">
@@ -3240,11 +3240,58 @@
             <a:pPr algn="ctr"/>
             <a:r>
               <a:rPr lang="en-US" sz="2000" dirty="0"/>
-              <a:t>N = 2500</a:t>
+              <a:t>N = 5000</a:t>
             </a:r>
           </a:p>
         </p:txBody>
       </p:sp>
+      <p:pic>
+        <p:nvPicPr>
+          <p:cNvPr id="2056" name="Picture 8">
+            <a:extLst>
+              <a:ext uri="{FF2B5EF4-FFF2-40B4-BE49-F238E27FC236}">
+                <a16:creationId xmlns:a16="http://schemas.microsoft.com/office/drawing/2014/main" id="{251CD903-0F54-9612-FB23-6E2518BEE806}"/>
+              </a:ext>
+            </a:extLst>
+          </p:cNvPr>
+          <p:cNvPicPr>
+            <a:picLocks noChangeAspect="1" noChangeArrowheads="1"/>
+          </p:cNvPicPr>
+          <p:nvPr/>
+        </p:nvPicPr>
+        <p:blipFill>
+          <a:blip r:embed="rId5">
+            <a:extLst>
+              <a:ext uri="{28A0092B-C50C-407E-A947-70E740481C1C}">
+                <a14:useLocalDpi xmlns:a14="http://schemas.microsoft.com/office/drawing/2010/main" val="0"/>
+              </a:ext>
+            </a:extLst>
+          </a:blip>
+          <a:srcRect/>
+          <a:stretch>
+            <a:fillRect/>
+          </a:stretch>
+        </p:blipFill>
+        <p:spPr bwMode="auto">
+          <a:xfrm>
+            <a:off x="5090735" y="3854024"/>
+            <a:ext cx="3503196" cy="2539196"/>
+          </a:xfrm>
+          <a:prstGeom prst="rect">
+            <a:avLst/>
+          </a:prstGeom>
+          <a:noFill/>
+          <a:extLst>
+            <a:ext uri="{909E8E84-426E-40DD-AFC4-6F175D3DCCD1}">
+              <a14:hiddenFill xmlns:a14="http://schemas.microsoft.com/office/drawing/2010/main">
+                <a:solidFill>
+                  <a:srgbClr val="FFFFFF"/>
+                </a:solidFill>
+              </a14:hiddenFill>
+            </a:ext>
+          </a:extLst>
+        </p:spPr>
+      </p:pic>
     </p:spTree>
     <p:extLst>
       <p:ext uri="{BB962C8B-B14F-4D97-AF65-F5344CB8AC3E}">

--- a/NAF.pptx
+++ b/NAF.pptx
@@ -2487,6 +2487,144 @@
           <a:chExt cx="0" cy="0"/>
         </a:xfrm>
       </p:grpSpPr>
+      <p:pic>
+        <p:nvPicPr>
+          <p:cNvPr id="1030" name="Picture 6">
+            <a:extLst>
+              <a:ext uri="{FF2B5EF4-FFF2-40B4-BE49-F238E27FC236}">
+                <a16:creationId xmlns:a16="http://schemas.microsoft.com/office/drawing/2014/main" id="{AFA50B5A-D98E-6A83-174D-467D4F5A1840}"/>
+              </a:ext>
+            </a:extLst>
+          </p:cNvPr>
+          <p:cNvPicPr>
+            <a:picLocks noChangeAspect="1" noChangeArrowheads="1"/>
+          </p:cNvPicPr>
+          <p:nvPr/>
+        </p:nvPicPr>
+        <p:blipFill>
+          <a:blip r:embed="rId2">
+            <a:extLst>
+              <a:ext uri="{28A0092B-C50C-407E-A947-70E740481C1C}">
+                <a14:useLocalDpi xmlns:a14="http://schemas.microsoft.com/office/drawing/2010/main" val="0"/>
+              </a:ext>
+            </a:extLst>
+          </a:blip>
+          <a:srcRect/>
+          <a:stretch>
+            <a:fillRect/>
+          </a:stretch>
+        </p:blipFill>
+        <p:spPr bwMode="auto">
+          <a:xfrm>
+            <a:off x="6096000" y="1274470"/>
+            <a:ext cx="3638971" cy="2575505"/>
+          </a:xfrm>
+          <a:prstGeom prst="rect">
+            <a:avLst/>
+          </a:prstGeom>
+          <a:noFill/>
+          <a:extLst>
+            <a:ext uri="{909E8E84-426E-40DD-AFC4-6F175D3DCCD1}">
+              <a14:hiddenFill xmlns:a14="http://schemas.microsoft.com/office/drawing/2010/main">
+                <a:solidFill>
+                  <a:srgbClr val="FFFFFF"/>
+                </a:solidFill>
+              </a14:hiddenFill>
+            </a:ext>
+          </a:extLst>
+        </p:spPr>
+      </p:pic>
+      <p:sp>
+        <p:nvSpPr>
+          <p:cNvPr id="7" name="TextBox 6">
+            <a:extLst>
+              <a:ext uri="{FF2B5EF4-FFF2-40B4-BE49-F238E27FC236}">
+                <a16:creationId xmlns:a16="http://schemas.microsoft.com/office/drawing/2014/main" id="{D9CAEE41-3D0B-BBF7-0176-DA7618BEF139}"/>
+              </a:ext>
+            </a:extLst>
+          </p:cNvPr>
+          <p:cNvSpPr txBox="1"/>
+          <p:nvPr/>
+        </p:nvSpPr>
+        <p:spPr>
+          <a:xfrm>
+            <a:off x="6736324" y="3123505"/>
+            <a:ext cx="2598690" cy="276999"/>
+          </a:xfrm>
+          <a:prstGeom prst="rect">
+            <a:avLst/>
+          </a:prstGeom>
+          <a:noFill/>
+        </p:spPr>
+        <p:txBody>
+          <a:bodyPr wrap="square" rtlCol="0">
+            <a:spAutoFit/>
+          </a:bodyPr>
+          <a:lstStyle/>
+          <a:p>
+            <a:pPr algn="ctr"/>
+            <a:r>
+              <a:rPr lang="en-US" sz="1200" dirty="0"/>
+              <a:t>T = 1.0; </a:t>
+            </a:r>
+            <a:r>
+              <a:rPr lang="en-US" sz="1200" dirty="0" err="1"/>
+              <a:t>Nt</a:t>
+            </a:r>
+            <a:r>
+              <a:rPr lang="en-US" sz="1200" dirty="0"/>
+              <a:t> = 20,000</a:t>
+            </a:r>
+          </a:p>
+        </p:txBody>
+      </p:sp>
+      <p:pic>
+        <p:nvPicPr>
+          <p:cNvPr id="1028" name="Picture 4">
+            <a:extLst>
+              <a:ext uri="{FF2B5EF4-FFF2-40B4-BE49-F238E27FC236}">
+                <a16:creationId xmlns:a16="http://schemas.microsoft.com/office/drawing/2014/main" id="{CA2BD1BC-1EF1-5CEA-FA2F-DD0677B05C3B}"/>
+              </a:ext>
+            </a:extLst>
+          </p:cNvPr>
+          <p:cNvPicPr>
+            <a:picLocks noChangeAspect="1" noChangeArrowheads="1"/>
+          </p:cNvPicPr>
+          <p:nvPr/>
+        </p:nvPicPr>
+        <p:blipFill>
+          <a:blip r:embed="rId3">
+            <a:extLst>
+              <a:ext uri="{28A0092B-C50C-407E-A947-70E740481C1C}">
+                <a14:useLocalDpi xmlns:a14="http://schemas.microsoft.com/office/drawing/2010/main" val="0"/>
+              </a:ext>
+            </a:extLst>
+          </a:blip>
+          <a:srcRect/>
+          <a:stretch>
+            <a:fillRect/>
+          </a:stretch>
+        </p:blipFill>
+        <p:spPr bwMode="auto">
+          <a:xfrm>
+            <a:off x="6181681" y="3714533"/>
+            <a:ext cx="3553290" cy="2575505"/>
+          </a:xfrm>
+          <a:prstGeom prst="rect">
+            <a:avLst/>
+          </a:prstGeom>
+          <a:noFill/>
+          <a:extLst>
+            <a:ext uri="{909E8E84-426E-40DD-AFC4-6F175D3DCCD1}">
+              <a14:hiddenFill xmlns:a14="http://schemas.microsoft.com/office/drawing/2010/main">
+                <a:solidFill>
+                  <a:srgbClr val="FFFFFF"/>
+                </a:solidFill>
+              </a14:hiddenFill>
+            </a:ext>
+          </a:extLst>
+        </p:spPr>
+      </p:pic>
       <p:sp>
         <p:nvSpPr>
           <p:cNvPr id="2" name="Title 1">
@@ -2596,7 +2734,7 @@
           <p:nvPr/>
         </p:nvPicPr>
         <p:blipFill>
-          <a:blip r:embed="rId2">
+          <a:blip r:embed="rId4">
             <a:extLst>
               <a:ext uri="{28A0092B-C50C-407E-A947-70E740481C1C}">
                 <a14:useLocalDpi xmlns:a14="http://schemas.microsoft.com/office/drawing/2010/main" val="0"/>
@@ -2630,10 +2768,10 @@
       </p:pic>
       <p:pic>
         <p:nvPicPr>
-          <p:cNvPr id="1030" name="Picture 6">
-            <a:extLst>
-              <a:ext uri="{FF2B5EF4-FFF2-40B4-BE49-F238E27FC236}">
-                <a16:creationId xmlns:a16="http://schemas.microsoft.com/office/drawing/2014/main" id="{AFA50B5A-D98E-6A83-174D-467D4F5A1840}"/>
+          <p:cNvPr id="6" name="Picture 8">
+            <a:extLst>
+              <a:ext uri="{FF2B5EF4-FFF2-40B4-BE49-F238E27FC236}">
+                <a16:creationId xmlns:a16="http://schemas.microsoft.com/office/drawing/2014/main" id="{119A5719-429D-D803-7FA1-7D0464234A7C}"/>
               </a:ext>
             </a:extLst>
           </p:cNvPr>
@@ -2643,54 +2781,7 @@
           <p:nvPr/>
         </p:nvPicPr>
         <p:blipFill>
-          <a:blip r:embed="rId3">
-            <a:extLst>
-              <a:ext uri="{28A0092B-C50C-407E-A947-70E740481C1C}">
-                <a14:useLocalDpi xmlns:a14="http://schemas.microsoft.com/office/drawing/2010/main" val="0"/>
-              </a:ext>
-            </a:extLst>
-          </a:blip>
-          <a:srcRect/>
-          <a:stretch>
-            <a:fillRect/>
-          </a:stretch>
-        </p:blipFill>
-        <p:spPr bwMode="auto">
-          <a:xfrm>
-            <a:off x="6096000" y="1274470"/>
-            <a:ext cx="3638971" cy="2575505"/>
-          </a:xfrm>
-          <a:prstGeom prst="rect">
-            <a:avLst/>
-          </a:prstGeom>
-          <a:noFill/>
-          <a:extLst>
-            <a:ext uri="{909E8E84-426E-40DD-AFC4-6F175D3DCCD1}">
-              <a14:hiddenFill xmlns:a14="http://schemas.microsoft.com/office/drawing/2010/main">
-                <a:solidFill>
-                  <a:srgbClr val="FFFFFF"/>
-                </a:solidFill>
-              </a14:hiddenFill>
-            </a:ext>
-          </a:extLst>
-        </p:spPr>
-      </p:pic>
-      <p:pic>
-        <p:nvPicPr>
-          <p:cNvPr id="6" name="Picture 8">
-            <a:extLst>
-              <a:ext uri="{FF2B5EF4-FFF2-40B4-BE49-F238E27FC236}">
-                <a16:creationId xmlns:a16="http://schemas.microsoft.com/office/drawing/2014/main" id="{119A5719-429D-D803-7FA1-7D0464234A7C}"/>
-              </a:ext>
-            </a:extLst>
-          </p:cNvPr>
-          <p:cNvPicPr>
-            <a:picLocks noChangeAspect="1" noChangeArrowheads="1"/>
-          </p:cNvPicPr>
-          <p:nvPr/>
-        </p:nvPicPr>
-        <p:blipFill>
-          <a:blip r:embed="rId4">
+          <a:blip r:embed="rId5">
             <a:extLst>
               <a:ext uri="{28A0092B-C50C-407E-A947-70E740481C1C}">
                 <a14:useLocalDpi xmlns:a14="http://schemas.microsoft.com/office/drawing/2010/main" val="0"/>
@@ -2724,50 +2815,6 @@
       </p:pic>
       <p:sp>
         <p:nvSpPr>
-          <p:cNvPr id="7" name="TextBox 6">
-            <a:extLst>
-              <a:ext uri="{FF2B5EF4-FFF2-40B4-BE49-F238E27FC236}">
-                <a16:creationId xmlns:a16="http://schemas.microsoft.com/office/drawing/2014/main" id="{D9CAEE41-3D0B-BBF7-0176-DA7618BEF139}"/>
-              </a:ext>
-            </a:extLst>
-          </p:cNvPr>
-          <p:cNvSpPr txBox="1"/>
-          <p:nvPr/>
-        </p:nvSpPr>
-        <p:spPr>
-          <a:xfrm>
-            <a:off x="6736324" y="3123505"/>
-            <a:ext cx="2598690" cy="276999"/>
-          </a:xfrm>
-          <a:prstGeom prst="rect">
-            <a:avLst/>
-          </a:prstGeom>
-          <a:noFill/>
-        </p:spPr>
-        <p:txBody>
-          <a:bodyPr wrap="square" rtlCol="0">
-            <a:spAutoFit/>
-          </a:bodyPr>
-          <a:lstStyle/>
-          <a:p>
-            <a:pPr algn="ctr"/>
-            <a:r>
-              <a:rPr lang="en-US" sz="1200" dirty="0"/>
-              <a:t>T = 1.0; </a:t>
-            </a:r>
-            <a:r>
-              <a:rPr lang="en-US" sz="1200" dirty="0" err="1"/>
-              <a:t>Nt</a:t>
-            </a:r>
-            <a:r>
-              <a:rPr lang="en-US" sz="1200" dirty="0"/>
-              <a:t> = 20,000</a:t>
-            </a:r>
-          </a:p>
-        </p:txBody>
-      </p:sp>
-      <p:sp>
-        <p:nvSpPr>
           <p:cNvPr id="8" name="TextBox 7">
             <a:extLst>
               <a:ext uri="{FF2B5EF4-FFF2-40B4-BE49-F238E27FC236}">
@@ -2854,53 +2901,6 @@
           </a:p>
         </p:txBody>
       </p:sp>
-      <p:pic>
-        <p:nvPicPr>
-          <p:cNvPr id="1034" name="Picture 10">
-            <a:extLst>
-              <a:ext uri="{FF2B5EF4-FFF2-40B4-BE49-F238E27FC236}">
-                <a16:creationId xmlns:a16="http://schemas.microsoft.com/office/drawing/2014/main" id="{28980C50-DDFC-6565-C0BA-F74E7CA246E6}"/>
-              </a:ext>
-            </a:extLst>
-          </p:cNvPr>
-          <p:cNvPicPr>
-            <a:picLocks noChangeAspect="1" noChangeArrowheads="1"/>
-          </p:cNvPicPr>
-          <p:nvPr/>
-        </p:nvPicPr>
-        <p:blipFill>
-          <a:blip r:embed="rId5">
-            <a:extLst>
-              <a:ext uri="{28A0092B-C50C-407E-A947-70E740481C1C}">
-                <a14:useLocalDpi xmlns:a14="http://schemas.microsoft.com/office/drawing/2010/main" val="0"/>
-              </a:ext>
-            </a:extLst>
-          </a:blip>
-          <a:srcRect/>
-          <a:stretch>
-            <a:fillRect/>
-          </a:stretch>
-        </p:blipFill>
-        <p:spPr bwMode="auto">
-          <a:xfrm>
-            <a:off x="6096000" y="3714534"/>
-            <a:ext cx="3638971" cy="2637609"/>
-          </a:xfrm>
-          <a:prstGeom prst="rect">
-            <a:avLst/>
-          </a:prstGeom>
-          <a:noFill/>
-          <a:extLst>
-            <a:ext uri="{909E8E84-426E-40DD-AFC4-6F175D3DCCD1}">
-              <a14:hiddenFill xmlns:a14="http://schemas.microsoft.com/office/drawing/2010/main">
-                <a:solidFill>
-                  <a:srgbClr val="FFFFFF"/>
-                </a:solidFill>
-              </a14:hiddenFill>
-            </a:ext>
-          </a:extLst>
-        </p:spPr>
-      </p:pic>
       <p:sp>
         <p:nvSpPr>
           <p:cNvPr id="10" name="TextBox 9">
@@ -2915,7 +2915,7 @@
         </p:nvSpPr>
         <p:spPr>
           <a:xfrm>
-            <a:off x="6616140" y="5631289"/>
+            <a:off x="6655087" y="5583530"/>
             <a:ext cx="2598690" cy="276999"/>
           </a:xfrm>
           <a:prstGeom prst="rect">
@@ -3061,7 +3061,7 @@
         </p:blipFill>
         <p:spPr bwMode="auto">
           <a:xfrm>
-            <a:off x="1637547" y="1144176"/>
+            <a:off x="1620878" y="1586998"/>
             <a:ext cx="3469857" cy="2515031"/>
           </a:xfrm>
           <a:prstGeom prst="rect">
@@ -3093,7 +3093,7 @@
         </p:nvSpPr>
         <p:spPr>
           <a:xfrm>
-            <a:off x="-183126" y="2201637"/>
+            <a:off x="-174792" y="2565703"/>
             <a:ext cx="1787336" cy="400110"/>
           </a:xfrm>
           <a:prstGeom prst="rect">
@@ -3144,7 +3144,7 @@
         </p:blipFill>
         <p:spPr bwMode="auto">
           <a:xfrm>
-            <a:off x="8610600" y="1131469"/>
+            <a:off x="8593931" y="1574291"/>
             <a:ext cx="3469858" cy="2515032"/>
           </a:xfrm>
           <a:prstGeom prst="rect">
@@ -3191,7 +3191,7 @@
         </p:blipFill>
         <p:spPr bwMode="auto">
           <a:xfrm>
-            <a:off x="5124073" y="1153423"/>
+            <a:off x="5107404" y="1596245"/>
             <a:ext cx="3469858" cy="2515032"/>
           </a:xfrm>
           <a:prstGeom prst="rect">
@@ -3292,6 +3292,119 @@
           </a:extLst>
         </p:spPr>
       </p:pic>
+      <p:sp>
+        <p:nvSpPr>
+          <p:cNvPr id="4" name="TextBox 3">
+            <a:extLst>
+              <a:ext uri="{FF2B5EF4-FFF2-40B4-BE49-F238E27FC236}">
+                <a16:creationId xmlns:a16="http://schemas.microsoft.com/office/drawing/2014/main" id="{841DC9EF-44E8-6F44-653D-F2A2B943001D}"/>
+              </a:ext>
+            </a:extLst>
+          </p:cNvPr>
+          <p:cNvSpPr txBox="1"/>
+          <p:nvPr/>
+        </p:nvSpPr>
+        <p:spPr>
+          <a:xfrm>
+            <a:off x="2436737" y="1051462"/>
+            <a:ext cx="1948995" cy="400110"/>
+          </a:xfrm>
+          <a:prstGeom prst="rect">
+            <a:avLst/>
+          </a:prstGeom>
+          <a:noFill/>
+        </p:spPr>
+        <p:txBody>
+          <a:bodyPr wrap="square" rtlCol="0">
+            <a:spAutoFit/>
+          </a:bodyPr>
+          <a:lstStyle/>
+          <a:p>
+            <a:pPr algn="ctr"/>
+            <a:r>
+              <a:rPr lang="en-US" sz="2000" dirty="0"/>
+              <a:t>Total T, const </a:t>
+            </a:r>
+            <a:r>
+              <a:rPr lang="en-US" sz="2000" dirty="0" err="1"/>
+              <a:t>Nt</a:t>
+            </a:r>
+            <a:endParaRPr lang="en-US" sz="2000" dirty="0"/>
+          </a:p>
+        </p:txBody>
+      </p:sp>
+      <p:sp>
+        <p:nvSpPr>
+          <p:cNvPr id="7" name="TextBox 6">
+            <a:extLst>
+              <a:ext uri="{FF2B5EF4-FFF2-40B4-BE49-F238E27FC236}">
+                <a16:creationId xmlns:a16="http://schemas.microsoft.com/office/drawing/2014/main" id="{1D69125D-D1AD-DB45-3293-BD635A3E8F83}"/>
+              </a:ext>
+            </a:extLst>
+          </p:cNvPr>
+          <p:cNvSpPr txBox="1"/>
+          <p:nvPr/>
+        </p:nvSpPr>
+        <p:spPr>
+          <a:xfrm>
+            <a:off x="5882944" y="1051462"/>
+            <a:ext cx="1940263" cy="400110"/>
+          </a:xfrm>
+          <a:prstGeom prst="rect">
+            <a:avLst/>
+          </a:prstGeom>
+          <a:noFill/>
+        </p:spPr>
+        <p:txBody>
+          <a:bodyPr wrap="square" rtlCol="0">
+            <a:spAutoFit/>
+          </a:bodyPr>
+          <a:lstStyle/>
+          <a:p>
+            <a:pPr algn="ctr"/>
+            <a:r>
+              <a:rPr lang="en-US" sz="2000" dirty="0"/>
+              <a:t>dT, const Total T</a:t>
+            </a:r>
+          </a:p>
+        </p:txBody>
+      </p:sp>
+      <p:sp>
+        <p:nvSpPr>
+          <p:cNvPr id="8" name="TextBox 7">
+            <a:extLst>
+              <a:ext uri="{FF2B5EF4-FFF2-40B4-BE49-F238E27FC236}">
+                <a16:creationId xmlns:a16="http://schemas.microsoft.com/office/drawing/2014/main" id="{EA276B8C-25C0-5AD8-9878-5E52FB087677}"/>
+              </a:ext>
+            </a:extLst>
+          </p:cNvPr>
+          <p:cNvSpPr txBox="1"/>
+          <p:nvPr/>
+        </p:nvSpPr>
+        <p:spPr>
+          <a:xfrm>
+            <a:off x="9383254" y="1051462"/>
+            <a:ext cx="1891211" cy="400110"/>
+          </a:xfrm>
+          <a:prstGeom prst="rect">
+            <a:avLst/>
+          </a:prstGeom>
+          <a:noFill/>
+        </p:spPr>
+        <p:txBody>
+          <a:bodyPr wrap="square" rtlCol="0">
+            <a:spAutoFit/>
+          </a:bodyPr>
+          <a:lstStyle/>
+          <a:p>
+            <a:pPr algn="ctr"/>
+            <a:r>
+              <a:rPr lang="en-US" sz="2000" dirty="0"/>
+              <a:t>Total T, const dT</a:t>
+            </a:r>
+          </a:p>
+        </p:txBody>
+      </p:sp>
     </p:spTree>
     <p:extLst>
       <p:ext uri="{BB962C8B-B14F-4D97-AF65-F5344CB8AC3E}">
@@ -8988,7 +9101,9 @@
         </p:nvSpPr>
         <p:spPr/>
         <p:txBody>
-          <a:bodyPr/>
+          <a:bodyPr>
+            <a:normAutofit fontScale="90000"/>
+          </a:bodyPr>
           <a:lstStyle/>
           <a:p>
             <a:r>

--- a/NAF.pptx
+++ b/NAF.pptx
@@ -5,7 +5,7 @@
     <p:sldMasterId id="2147483648" r:id="rId1"/>
   </p:sldMasterIdLst>
   <p:notesMasterIdLst>
-    <p:notesMasterId r:id="rId13"/>
+    <p:notesMasterId r:id="rId14"/>
   </p:notesMasterIdLst>
   <p:sldIdLst>
     <p:sldId id="256" r:id="rId2"/>
@@ -19,6 +19,7 @@
     <p:sldId id="267" r:id="rId10"/>
     <p:sldId id="268" r:id="rId11"/>
     <p:sldId id="269" r:id="rId12"/>
+    <p:sldId id="270" r:id="rId13"/>
   </p:sldIdLst>
   <p:sldSz cx="12192000" cy="6858000"/>
   <p:notesSz cx="6858000" cy="9144000"/>
@@ -207,7 +208,7 @@
           <a:p>
             <a:fld id="{4299902A-6DB3-4A13-9B91-BEABFDA2FC16}" type="datetimeFigureOut">
               <a:rPr lang="en-US" smtClean="0"/>
-              <a:t>9/30/2024</a:t>
+              <a:t>10/17/2024</a:t>
             </a:fld>
             <a:endParaRPr lang="en-US"/>
           </a:p>
@@ -2945,6 +2946,55 @@
           </a:p>
         </p:txBody>
       </p:sp>
+      <p:sp>
+        <p:nvSpPr>
+          <p:cNvPr id="5" name="Rectangle 4">
+            <a:extLst>
+              <a:ext uri="{FF2B5EF4-FFF2-40B4-BE49-F238E27FC236}">
+                <a16:creationId xmlns:a16="http://schemas.microsoft.com/office/drawing/2014/main" id="{3140A2EC-0796-285A-1AE0-C86AD0A4EA9F}"/>
+              </a:ext>
+            </a:extLst>
+          </p:cNvPr>
+          <p:cNvSpPr/>
+          <p:nvPr/>
+        </p:nvSpPr>
+        <p:spPr>
+          <a:xfrm>
+            <a:off x="4800600" y="3194432"/>
+            <a:ext cx="3327400" cy="800128"/>
+          </a:xfrm>
+          <a:prstGeom prst="rect">
+            <a:avLst/>
+          </a:prstGeom>
+        </p:spPr>
+        <p:style>
+          <a:lnRef idx="2">
+            <a:schemeClr val="accent1">
+              <a:shade val="15000"/>
+            </a:schemeClr>
+          </a:lnRef>
+          <a:fillRef idx="1">
+            <a:schemeClr val="accent1"/>
+          </a:fillRef>
+          <a:effectRef idx="0">
+            <a:schemeClr val="accent1"/>
+          </a:effectRef>
+          <a:fontRef idx="minor">
+            <a:schemeClr val="lt1"/>
+          </a:fontRef>
+        </p:style>
+        <p:txBody>
+          <a:bodyPr rtlCol="0" anchor="ctr"/>
+          <a:lstStyle/>
+          <a:p>
+            <a:pPr algn="ctr"/>
+            <a:r>
+              <a:rPr lang="en-US" dirty="0"/>
+              <a:t>Doesn’t properly reflect slope 0. Abandoned</a:t>
+            </a:r>
+          </a:p>
+        </p:txBody>
+      </p:sp>
     </p:spTree>
     <p:extLst>
       <p:ext uri="{BB962C8B-B14F-4D97-AF65-F5344CB8AC3E}">
@@ -3405,10 +3455,334 @@
           </a:p>
         </p:txBody>
       </p:sp>
+      <p:sp>
+        <p:nvSpPr>
+          <p:cNvPr id="9" name="Rectangle 8">
+            <a:extLst>
+              <a:ext uri="{FF2B5EF4-FFF2-40B4-BE49-F238E27FC236}">
+                <a16:creationId xmlns:a16="http://schemas.microsoft.com/office/drawing/2014/main" id="{54228788-9EED-C623-9898-03350DBEB9CA}"/>
+              </a:ext>
+            </a:extLst>
+          </p:cNvPr>
+          <p:cNvSpPr/>
+          <p:nvPr/>
+        </p:nvSpPr>
+        <p:spPr>
+          <a:xfrm>
+            <a:off x="4800600" y="3194432"/>
+            <a:ext cx="3327400" cy="800128"/>
+          </a:xfrm>
+          <a:prstGeom prst="rect">
+            <a:avLst/>
+          </a:prstGeom>
+        </p:spPr>
+        <p:style>
+          <a:lnRef idx="2">
+            <a:schemeClr val="accent1">
+              <a:shade val="15000"/>
+            </a:schemeClr>
+          </a:lnRef>
+          <a:fillRef idx="1">
+            <a:schemeClr val="accent1"/>
+          </a:fillRef>
+          <a:effectRef idx="0">
+            <a:schemeClr val="accent1"/>
+          </a:effectRef>
+          <a:fontRef idx="minor">
+            <a:schemeClr val="lt1"/>
+          </a:fontRef>
+        </p:style>
+        <p:txBody>
+          <a:bodyPr rtlCol="0" anchor="ctr"/>
+          <a:lstStyle/>
+          <a:p>
+            <a:pPr algn="ctr"/>
+            <a:r>
+              <a:rPr lang="en-US" dirty="0"/>
+              <a:t>Doesn’t properly reflect slope 0. Abandoned</a:t>
+            </a:r>
+          </a:p>
+        </p:txBody>
+      </p:sp>
     </p:spTree>
     <p:extLst>
       <p:ext uri="{BB962C8B-B14F-4D97-AF65-F5344CB8AC3E}">
         <p14:creationId xmlns:p14="http://schemas.microsoft.com/office/powerpoint/2010/main" val="2237290529"/>
+      </p:ext>
+    </p:extLst>
+  </p:cSld>
+  <p:clrMapOvr>
+    <a:masterClrMapping/>
+  </p:clrMapOvr>
+</p:sld>
+</file>
+
+<file path=ppt/slides/slide12.xml><?xml version="1.0" encoding="utf-8"?>
+<p:sld xmlns:a="http://schemas.openxmlformats.org/drawingml/2006/main" xmlns:r="http://schemas.openxmlformats.org/officeDocument/2006/relationships" xmlns:p="http://schemas.openxmlformats.org/presentationml/2006/main">
+  <p:cSld>
+    <p:spTree>
+      <p:nvGrpSpPr>
+        <p:cNvPr id="1" name=""/>
+        <p:cNvGrpSpPr/>
+        <p:nvPr/>
+      </p:nvGrpSpPr>
+      <p:grpSpPr>
+        <a:xfrm>
+          <a:off x="0" y="0"/>
+          <a:ext cx="0" cy="0"/>
+          <a:chOff x="0" y="0"/>
+          <a:chExt cx="0" cy="0"/>
+        </a:xfrm>
+      </p:grpSpPr>
+      <p:sp>
+        <p:nvSpPr>
+          <p:cNvPr id="2" name="Title 1">
+            <a:extLst>
+              <a:ext uri="{FF2B5EF4-FFF2-40B4-BE49-F238E27FC236}">
+                <a16:creationId xmlns:a16="http://schemas.microsoft.com/office/drawing/2014/main" id="{B3436272-836D-489D-55E0-0D4D0B415472}"/>
+              </a:ext>
+            </a:extLst>
+          </p:cNvPr>
+          <p:cNvSpPr>
+            <a:spLocks noGrp="1"/>
+          </p:cNvSpPr>
+          <p:nvPr>
+            <p:ph type="title"/>
+          </p:nvPr>
+        </p:nvSpPr>
+        <p:spPr/>
+        <p:txBody>
+          <a:bodyPr/>
+          <a:lstStyle/>
+          <a:p>
+            <a:r>
+              <a:rPr lang="en-US" dirty="0"/>
+              <a:t>Counterion only; uneven grid</a:t>
+            </a:r>
+          </a:p>
+        </p:txBody>
+      </p:sp>
+      <p:sp>
+        <p:nvSpPr>
+          <p:cNvPr id="3" name="Slide Number Placeholder 2">
+            <a:extLst>
+              <a:ext uri="{FF2B5EF4-FFF2-40B4-BE49-F238E27FC236}">
+                <a16:creationId xmlns:a16="http://schemas.microsoft.com/office/drawing/2014/main" id="{C7B67C98-748A-3022-A142-F88F92AB605F}"/>
+              </a:ext>
+            </a:extLst>
+          </p:cNvPr>
+          <p:cNvSpPr>
+            <a:spLocks noGrp="1"/>
+          </p:cNvSpPr>
+          <p:nvPr>
+            <p:ph type="sldNum" sz="quarter" idx="12"/>
+          </p:nvPr>
+        </p:nvSpPr>
+        <p:spPr/>
+        <p:txBody>
+          <a:bodyPr/>
+          <a:lstStyle/>
+          <a:p>
+            <a:fld id="{5911C0E6-D9CE-431C-92CB-BB39B872F930}" type="slidenum">
+              <a:rPr lang="en-US" smtClean="0"/>
+              <a:t>12</a:t>
+            </a:fld>
+            <a:endParaRPr lang="en-US"/>
+          </a:p>
+        </p:txBody>
+      </p:sp>
+      <p:pic>
+        <p:nvPicPr>
+          <p:cNvPr id="1026" name="Picture 2">
+            <a:extLst>
+              <a:ext uri="{FF2B5EF4-FFF2-40B4-BE49-F238E27FC236}">
+                <a16:creationId xmlns:a16="http://schemas.microsoft.com/office/drawing/2014/main" id="{BCCD8C5C-47A6-1DF8-A781-9F598721C3A3}"/>
+              </a:ext>
+            </a:extLst>
+          </p:cNvPr>
+          <p:cNvPicPr>
+            <a:picLocks noChangeAspect="1" noChangeArrowheads="1"/>
+          </p:cNvPicPr>
+          <p:nvPr/>
+        </p:nvPicPr>
+        <p:blipFill>
+          <a:blip r:embed="rId2">
+            <a:extLst>
+              <a:ext uri="{28A0092B-C50C-407E-A947-70E740481C1C}">
+                <a14:useLocalDpi xmlns:a14="http://schemas.microsoft.com/office/drawing/2010/main" val="0"/>
+              </a:ext>
+            </a:extLst>
+          </a:blip>
+          <a:srcRect/>
+          <a:stretch>
+            <a:fillRect/>
+          </a:stretch>
+        </p:blipFill>
+        <p:spPr bwMode="auto">
+          <a:xfrm>
+            <a:off x="2345266" y="1325935"/>
+            <a:ext cx="3301470" cy="2320566"/>
+          </a:xfrm>
+          <a:prstGeom prst="rect">
+            <a:avLst/>
+          </a:prstGeom>
+          <a:noFill/>
+          <a:extLst>
+            <a:ext uri="{909E8E84-426E-40DD-AFC4-6F175D3DCCD1}">
+              <a14:hiddenFill xmlns:a14="http://schemas.microsoft.com/office/drawing/2010/main">
+                <a:solidFill>
+                  <a:srgbClr val="FFFFFF"/>
+                </a:solidFill>
+              </a14:hiddenFill>
+            </a:ext>
+          </a:extLst>
+        </p:spPr>
+      </p:pic>
+      <p:pic>
+        <p:nvPicPr>
+          <p:cNvPr id="1034" name="Picture 10">
+            <a:extLst>
+              <a:ext uri="{FF2B5EF4-FFF2-40B4-BE49-F238E27FC236}">
+                <a16:creationId xmlns:a16="http://schemas.microsoft.com/office/drawing/2014/main" id="{827A3F17-D1FD-1CCE-EFB6-A27DE6A988FB}"/>
+              </a:ext>
+            </a:extLst>
+          </p:cNvPr>
+          <p:cNvPicPr>
+            <a:picLocks noChangeAspect="1" noChangeArrowheads="1"/>
+          </p:cNvPicPr>
+          <p:nvPr/>
+        </p:nvPicPr>
+        <p:blipFill>
+          <a:blip r:embed="rId3">
+            <a:extLst>
+              <a:ext uri="{28A0092B-C50C-407E-A947-70E740481C1C}">
+                <a14:useLocalDpi xmlns:a14="http://schemas.microsoft.com/office/drawing/2010/main" val="0"/>
+              </a:ext>
+            </a:extLst>
+          </a:blip>
+          <a:srcRect/>
+          <a:stretch>
+            <a:fillRect/>
+          </a:stretch>
+        </p:blipFill>
+        <p:spPr bwMode="auto">
+          <a:xfrm>
+            <a:off x="5646736" y="1325935"/>
+            <a:ext cx="3301470" cy="2320566"/>
+          </a:xfrm>
+          <a:prstGeom prst="rect">
+            <a:avLst/>
+          </a:prstGeom>
+          <a:noFill/>
+          <a:extLst>
+            <a:ext uri="{909E8E84-426E-40DD-AFC4-6F175D3DCCD1}">
+              <a14:hiddenFill xmlns:a14="http://schemas.microsoft.com/office/drawing/2010/main">
+                <a:solidFill>
+                  <a:srgbClr val="FFFFFF"/>
+                </a:solidFill>
+              </a14:hiddenFill>
+            </a:ext>
+          </a:extLst>
+        </p:spPr>
+      </p:pic>
+      <p:pic>
+        <p:nvPicPr>
+          <p:cNvPr id="1036" name="Picture 12">
+            <a:extLst>
+              <a:ext uri="{FF2B5EF4-FFF2-40B4-BE49-F238E27FC236}">
+                <a16:creationId xmlns:a16="http://schemas.microsoft.com/office/drawing/2014/main" id="{4B11AD6F-DC55-FBBF-E77E-C76AB4010446}"/>
+              </a:ext>
+            </a:extLst>
+          </p:cNvPr>
+          <p:cNvPicPr>
+            <a:picLocks noChangeAspect="1" noChangeArrowheads="1"/>
+          </p:cNvPicPr>
+          <p:nvPr/>
+        </p:nvPicPr>
+        <p:blipFill>
+          <a:blip r:embed="rId4">
+            <a:extLst>
+              <a:ext uri="{28A0092B-C50C-407E-A947-70E740481C1C}">
+                <a14:useLocalDpi xmlns:a14="http://schemas.microsoft.com/office/drawing/2010/main" val="0"/>
+              </a:ext>
+            </a:extLst>
+          </a:blip>
+          <a:srcRect/>
+          <a:stretch>
+            <a:fillRect/>
+          </a:stretch>
+        </p:blipFill>
+        <p:spPr bwMode="auto">
+          <a:xfrm>
+            <a:off x="2345266" y="3646501"/>
+            <a:ext cx="3301471" cy="2320566"/>
+          </a:xfrm>
+          <a:prstGeom prst="rect">
+            <a:avLst/>
+          </a:prstGeom>
+          <a:noFill/>
+          <a:extLst>
+            <a:ext uri="{909E8E84-426E-40DD-AFC4-6F175D3DCCD1}">
+              <a14:hiddenFill xmlns:a14="http://schemas.microsoft.com/office/drawing/2010/main">
+                <a:solidFill>
+                  <a:srgbClr val="FFFFFF"/>
+                </a:solidFill>
+              </a14:hiddenFill>
+            </a:ext>
+          </a:extLst>
+        </p:spPr>
+      </p:pic>
+      <p:pic>
+        <p:nvPicPr>
+          <p:cNvPr id="1040" name="Picture 16">
+            <a:extLst>
+              <a:ext uri="{FF2B5EF4-FFF2-40B4-BE49-F238E27FC236}">
+                <a16:creationId xmlns:a16="http://schemas.microsoft.com/office/drawing/2014/main" id="{D14B1E99-EEC4-C0E1-FE4C-67EF8FD71457}"/>
+              </a:ext>
+            </a:extLst>
+          </p:cNvPr>
+          <p:cNvPicPr>
+            <a:picLocks noChangeAspect="1" noChangeArrowheads="1"/>
+          </p:cNvPicPr>
+          <p:nvPr/>
+        </p:nvPicPr>
+        <p:blipFill>
+          <a:blip r:embed="rId5">
+            <a:extLst>
+              <a:ext uri="{28A0092B-C50C-407E-A947-70E740481C1C}">
+                <a14:useLocalDpi xmlns:a14="http://schemas.microsoft.com/office/drawing/2010/main" val="0"/>
+              </a:ext>
+            </a:extLst>
+          </a:blip>
+          <a:srcRect/>
+          <a:stretch>
+            <a:fillRect/>
+          </a:stretch>
+        </p:blipFill>
+        <p:spPr bwMode="auto">
+          <a:xfrm>
+            <a:off x="5646735" y="3646501"/>
+            <a:ext cx="3301471" cy="2320566"/>
+          </a:xfrm>
+          <a:prstGeom prst="rect">
+            <a:avLst/>
+          </a:prstGeom>
+          <a:noFill/>
+          <a:extLst>
+            <a:ext uri="{909E8E84-426E-40DD-AFC4-6F175D3DCCD1}">
+              <a14:hiddenFill xmlns:a14="http://schemas.microsoft.com/office/drawing/2010/main">
+                <a:solidFill>
+                  <a:srgbClr val="FFFFFF"/>
+                </a:solidFill>
+              </a14:hiddenFill>
+            </a:ext>
+          </a:extLst>
+        </p:spPr>
+      </p:pic>
+    </p:spTree>
+    <p:extLst>
+      <p:ext uri="{BB962C8B-B14F-4D97-AF65-F5344CB8AC3E}">
+        <p14:creationId xmlns:p14="http://schemas.microsoft.com/office/powerpoint/2010/main" val="3168892698"/>
       </p:ext>
     </p:extLst>
   </p:cSld>

--- a/NAF.pptx
+++ b/NAF.pptx
@@ -3593,10 +3593,10 @@
       </p:sp>
       <p:pic>
         <p:nvPicPr>
-          <p:cNvPr id="1026" name="Picture 2">
-            <a:extLst>
-              <a:ext uri="{FF2B5EF4-FFF2-40B4-BE49-F238E27FC236}">
-                <a16:creationId xmlns:a16="http://schemas.microsoft.com/office/drawing/2014/main" id="{BCCD8C5C-47A6-1DF8-A781-9F598721C3A3}"/>
+          <p:cNvPr id="1042" name="Picture 18">
+            <a:extLst>
+              <a:ext uri="{FF2B5EF4-FFF2-40B4-BE49-F238E27FC236}">
+                <a16:creationId xmlns:a16="http://schemas.microsoft.com/office/drawing/2014/main" id="{A64E2537-7F5C-6576-CE5E-4997091DE72B}"/>
               </a:ext>
             </a:extLst>
           </p:cNvPr>
@@ -3620,8 +3620,8 @@
         </p:blipFill>
         <p:spPr bwMode="auto">
           <a:xfrm>
-            <a:off x="2345266" y="1325935"/>
-            <a:ext cx="3301470" cy="2320566"/>
+            <a:off x="1380702" y="1036745"/>
+            <a:ext cx="1704553" cy="1253348"/>
           </a:xfrm>
           <a:prstGeom prst="rect">
             <a:avLst/>
@@ -3640,10 +3640,10 @@
       </p:pic>
       <p:pic>
         <p:nvPicPr>
-          <p:cNvPr id="1034" name="Picture 10">
-            <a:extLst>
-              <a:ext uri="{FF2B5EF4-FFF2-40B4-BE49-F238E27FC236}">
-                <a16:creationId xmlns:a16="http://schemas.microsoft.com/office/drawing/2014/main" id="{827A3F17-D1FD-1CCE-EFB6-A27DE6A988FB}"/>
+          <p:cNvPr id="1044" name="Picture 20">
+            <a:extLst>
+              <a:ext uri="{FF2B5EF4-FFF2-40B4-BE49-F238E27FC236}">
+                <a16:creationId xmlns:a16="http://schemas.microsoft.com/office/drawing/2014/main" id="{27394E69-756B-7B07-6C3E-0F0C4DA7B282}"/>
               </a:ext>
             </a:extLst>
           </p:cNvPr>
@@ -3667,8 +3667,8 @@
         </p:blipFill>
         <p:spPr bwMode="auto">
           <a:xfrm>
-            <a:off x="5646736" y="1325935"/>
-            <a:ext cx="3301470" cy="2320566"/>
+            <a:off x="1363766" y="2179354"/>
+            <a:ext cx="1704553" cy="1253348"/>
           </a:xfrm>
           <a:prstGeom prst="rect">
             <a:avLst/>
@@ -3687,10 +3687,10 @@
       </p:pic>
       <p:pic>
         <p:nvPicPr>
-          <p:cNvPr id="1036" name="Picture 12">
-            <a:extLst>
-              <a:ext uri="{FF2B5EF4-FFF2-40B4-BE49-F238E27FC236}">
-                <a16:creationId xmlns:a16="http://schemas.microsoft.com/office/drawing/2014/main" id="{4B11AD6F-DC55-FBBF-E77E-C76AB4010446}"/>
+          <p:cNvPr id="1046" name="Picture 22">
+            <a:extLst>
+              <a:ext uri="{FF2B5EF4-FFF2-40B4-BE49-F238E27FC236}">
+                <a16:creationId xmlns:a16="http://schemas.microsoft.com/office/drawing/2014/main" id="{ADE9A683-F360-2DDB-5BEB-ADB131974DDD}"/>
               </a:ext>
             </a:extLst>
           </p:cNvPr>
@@ -3714,8 +3714,8 @@
         </p:blipFill>
         <p:spPr bwMode="auto">
           <a:xfrm>
-            <a:off x="2345266" y="3646501"/>
-            <a:ext cx="3301471" cy="2320566"/>
+            <a:off x="1355297" y="3321120"/>
+            <a:ext cx="1704553" cy="1253348"/>
           </a:xfrm>
           <a:prstGeom prst="rect">
             <a:avLst/>
@@ -3734,10 +3734,10 @@
       </p:pic>
       <p:pic>
         <p:nvPicPr>
-          <p:cNvPr id="1040" name="Picture 16">
-            <a:extLst>
-              <a:ext uri="{FF2B5EF4-FFF2-40B4-BE49-F238E27FC236}">
-                <a16:creationId xmlns:a16="http://schemas.microsoft.com/office/drawing/2014/main" id="{D14B1E99-EEC4-C0E1-FE4C-67EF8FD71457}"/>
+          <p:cNvPr id="1048" name="Picture 24">
+            <a:extLst>
+              <a:ext uri="{FF2B5EF4-FFF2-40B4-BE49-F238E27FC236}">
+                <a16:creationId xmlns:a16="http://schemas.microsoft.com/office/drawing/2014/main" id="{B6ACD7A2-AE91-3798-8448-C4C2867489E4}"/>
               </a:ext>
             </a:extLst>
           </p:cNvPr>
@@ -3761,8 +3761,424 @@
         </p:blipFill>
         <p:spPr bwMode="auto">
           <a:xfrm>
-            <a:off x="5646735" y="3646501"/>
-            <a:ext cx="3301471" cy="2320566"/>
+            <a:off x="1355296" y="4462886"/>
+            <a:ext cx="1704553" cy="1253348"/>
+          </a:xfrm>
+          <a:prstGeom prst="rect">
+            <a:avLst/>
+          </a:prstGeom>
+          <a:noFill/>
+          <a:extLst>
+            <a:ext uri="{909E8E84-426E-40DD-AFC4-6F175D3DCCD1}">
+              <a14:hiddenFill xmlns:a14="http://schemas.microsoft.com/office/drawing/2010/main">
+                <a:solidFill>
+                  <a:srgbClr val="FFFFFF"/>
+                </a:solidFill>
+              </a14:hiddenFill>
+            </a:ext>
+          </a:extLst>
+        </p:spPr>
+      </p:pic>
+      <p:pic>
+        <p:nvPicPr>
+          <p:cNvPr id="1050" name="Picture 26">
+            <a:extLst>
+              <a:ext uri="{FF2B5EF4-FFF2-40B4-BE49-F238E27FC236}">
+                <a16:creationId xmlns:a16="http://schemas.microsoft.com/office/drawing/2014/main" id="{428F7499-02F0-B225-5A07-BA7A38229A1E}"/>
+              </a:ext>
+            </a:extLst>
+          </p:cNvPr>
+          <p:cNvPicPr>
+            <a:picLocks noChangeAspect="1" noChangeArrowheads="1"/>
+          </p:cNvPicPr>
+          <p:nvPr/>
+        </p:nvPicPr>
+        <p:blipFill>
+          <a:blip r:embed="rId6">
+            <a:extLst>
+              <a:ext uri="{28A0092B-C50C-407E-A947-70E740481C1C}">
+                <a14:useLocalDpi xmlns:a14="http://schemas.microsoft.com/office/drawing/2010/main" val="0"/>
+              </a:ext>
+            </a:extLst>
+          </a:blip>
+          <a:srcRect/>
+          <a:stretch>
+            <a:fillRect/>
+          </a:stretch>
+        </p:blipFill>
+        <p:spPr bwMode="auto">
+          <a:xfrm>
+            <a:off x="1355295" y="5604652"/>
+            <a:ext cx="1704553" cy="1253348"/>
+          </a:xfrm>
+          <a:prstGeom prst="rect">
+            <a:avLst/>
+          </a:prstGeom>
+          <a:noFill/>
+          <a:extLst>
+            <a:ext uri="{909E8E84-426E-40DD-AFC4-6F175D3DCCD1}">
+              <a14:hiddenFill xmlns:a14="http://schemas.microsoft.com/office/drawing/2010/main">
+                <a:solidFill>
+                  <a:srgbClr val="FFFFFF"/>
+                </a:solidFill>
+              </a14:hiddenFill>
+            </a:ext>
+          </a:extLst>
+        </p:spPr>
+      </p:pic>
+      <p:sp>
+        <p:nvSpPr>
+          <p:cNvPr id="6" name="TextBox 5">
+            <a:extLst>
+              <a:ext uri="{FF2B5EF4-FFF2-40B4-BE49-F238E27FC236}">
+                <a16:creationId xmlns:a16="http://schemas.microsoft.com/office/drawing/2014/main" id="{040976B6-03C0-93A4-9F20-39B7C3E2C186}"/>
+              </a:ext>
+            </a:extLst>
+          </p:cNvPr>
+          <p:cNvSpPr txBox="1"/>
+          <p:nvPr/>
+        </p:nvSpPr>
+        <p:spPr>
+          <a:xfrm>
+            <a:off x="245533" y="1482694"/>
+            <a:ext cx="1109762" cy="369332"/>
+          </a:xfrm>
+          <a:prstGeom prst="rect">
+            <a:avLst/>
+          </a:prstGeom>
+          <a:noFill/>
+        </p:spPr>
+        <p:txBody>
+          <a:bodyPr wrap="square" rtlCol="0">
+            <a:spAutoFit/>
+          </a:bodyPr>
+          <a:lstStyle/>
+          <a:p>
+            <a:pPr algn="ctr"/>
+            <a:r>
+              <a:rPr lang="en-US"/>
+              <a:t>N = 50</a:t>
+            </a:r>
+            <a:endParaRPr lang="en-US" dirty="0"/>
+          </a:p>
+        </p:txBody>
+      </p:sp>
+      <p:sp>
+        <p:nvSpPr>
+          <p:cNvPr id="7" name="TextBox 6">
+            <a:extLst>
+              <a:ext uri="{FF2B5EF4-FFF2-40B4-BE49-F238E27FC236}">
+                <a16:creationId xmlns:a16="http://schemas.microsoft.com/office/drawing/2014/main" id="{12A4C896-AC34-703A-9D84-D7C492C1F379}"/>
+              </a:ext>
+            </a:extLst>
+          </p:cNvPr>
+          <p:cNvSpPr txBox="1"/>
+          <p:nvPr/>
+        </p:nvSpPr>
+        <p:spPr>
+          <a:xfrm>
+            <a:off x="237068" y="2621362"/>
+            <a:ext cx="1109762" cy="369332"/>
+          </a:xfrm>
+          <a:prstGeom prst="rect">
+            <a:avLst/>
+          </a:prstGeom>
+          <a:noFill/>
+        </p:spPr>
+        <p:txBody>
+          <a:bodyPr wrap="square" rtlCol="0">
+            <a:spAutoFit/>
+          </a:bodyPr>
+          <a:lstStyle/>
+          <a:p>
+            <a:pPr algn="ctr"/>
+            <a:r>
+              <a:rPr lang="en-US" dirty="0"/>
+              <a:t>N = 100</a:t>
+            </a:r>
+          </a:p>
+        </p:txBody>
+      </p:sp>
+      <p:sp>
+        <p:nvSpPr>
+          <p:cNvPr id="8" name="TextBox 7">
+            <a:extLst>
+              <a:ext uri="{FF2B5EF4-FFF2-40B4-BE49-F238E27FC236}">
+                <a16:creationId xmlns:a16="http://schemas.microsoft.com/office/drawing/2014/main" id="{01596658-D5B9-C4F3-8E6C-A9B32C80B5FA}"/>
+              </a:ext>
+            </a:extLst>
+          </p:cNvPr>
+          <p:cNvSpPr txBox="1"/>
+          <p:nvPr/>
+        </p:nvSpPr>
+        <p:spPr>
+          <a:xfrm>
+            <a:off x="237066" y="3760030"/>
+            <a:ext cx="1109762" cy="369332"/>
+          </a:xfrm>
+          <a:prstGeom prst="rect">
+            <a:avLst/>
+          </a:prstGeom>
+          <a:noFill/>
+        </p:spPr>
+        <p:txBody>
+          <a:bodyPr wrap="square" rtlCol="0">
+            <a:spAutoFit/>
+          </a:bodyPr>
+          <a:lstStyle/>
+          <a:p>
+            <a:pPr algn="ctr"/>
+            <a:r>
+              <a:rPr lang="en-US" dirty="0"/>
+              <a:t>N = 250</a:t>
+            </a:r>
+          </a:p>
+        </p:txBody>
+      </p:sp>
+      <p:sp>
+        <p:nvSpPr>
+          <p:cNvPr id="9" name="TextBox 8">
+            <a:extLst>
+              <a:ext uri="{FF2B5EF4-FFF2-40B4-BE49-F238E27FC236}">
+                <a16:creationId xmlns:a16="http://schemas.microsoft.com/office/drawing/2014/main" id="{516EA0B1-2660-E27B-1BE9-D20619B11B15}"/>
+              </a:ext>
+            </a:extLst>
+          </p:cNvPr>
+          <p:cNvSpPr txBox="1"/>
+          <p:nvPr/>
+        </p:nvSpPr>
+        <p:spPr>
+          <a:xfrm>
+            <a:off x="237066" y="4867991"/>
+            <a:ext cx="1109762" cy="369332"/>
+          </a:xfrm>
+          <a:prstGeom prst="rect">
+            <a:avLst/>
+          </a:prstGeom>
+          <a:noFill/>
+        </p:spPr>
+        <p:txBody>
+          <a:bodyPr wrap="square" rtlCol="0">
+            <a:spAutoFit/>
+          </a:bodyPr>
+          <a:lstStyle/>
+          <a:p>
+            <a:pPr algn="ctr"/>
+            <a:r>
+              <a:rPr lang="en-US" dirty="0"/>
+              <a:t>N = 500</a:t>
+            </a:r>
+          </a:p>
+        </p:txBody>
+      </p:sp>
+      <p:sp>
+        <p:nvSpPr>
+          <p:cNvPr id="10" name="TextBox 9">
+            <a:extLst>
+              <a:ext uri="{FF2B5EF4-FFF2-40B4-BE49-F238E27FC236}">
+                <a16:creationId xmlns:a16="http://schemas.microsoft.com/office/drawing/2014/main" id="{0BE3DEF5-9259-C55E-CCBD-D61835F23BD8}"/>
+              </a:ext>
+            </a:extLst>
+          </p:cNvPr>
+          <p:cNvSpPr txBox="1"/>
+          <p:nvPr/>
+        </p:nvSpPr>
+        <p:spPr>
+          <a:xfrm>
+            <a:off x="237066" y="5975952"/>
+            <a:ext cx="1109762" cy="369332"/>
+          </a:xfrm>
+          <a:prstGeom prst="rect">
+            <a:avLst/>
+          </a:prstGeom>
+          <a:noFill/>
+        </p:spPr>
+        <p:txBody>
+          <a:bodyPr wrap="square" rtlCol="0">
+            <a:spAutoFit/>
+          </a:bodyPr>
+          <a:lstStyle/>
+          <a:p>
+            <a:pPr algn="ctr"/>
+            <a:r>
+              <a:rPr lang="en-US" dirty="0"/>
+              <a:t>N = 1000</a:t>
+            </a:r>
+          </a:p>
+        </p:txBody>
+      </p:sp>
+      <p:pic>
+        <p:nvPicPr>
+          <p:cNvPr id="1052" name="Picture 28">
+            <a:extLst>
+              <a:ext uri="{FF2B5EF4-FFF2-40B4-BE49-F238E27FC236}">
+                <a16:creationId xmlns:a16="http://schemas.microsoft.com/office/drawing/2014/main" id="{8D14E277-BDD1-4CFC-BAD5-8AD4D035DA4D}"/>
+              </a:ext>
+            </a:extLst>
+          </p:cNvPr>
+          <p:cNvPicPr>
+            <a:picLocks noChangeAspect="1" noChangeArrowheads="1"/>
+          </p:cNvPicPr>
+          <p:nvPr/>
+        </p:nvPicPr>
+        <p:blipFill>
+          <a:blip r:embed="rId7">
+            <a:extLst>
+              <a:ext uri="{28A0092B-C50C-407E-A947-70E740481C1C}">
+                <a14:useLocalDpi xmlns:a14="http://schemas.microsoft.com/office/drawing/2010/main" val="0"/>
+              </a:ext>
+            </a:extLst>
+          </a:blip>
+          <a:srcRect/>
+          <a:stretch>
+            <a:fillRect/>
+          </a:stretch>
+        </p:blipFill>
+        <p:spPr bwMode="auto">
+          <a:xfrm>
+            <a:off x="3989932" y="1279754"/>
+            <a:ext cx="3314670" cy="2329844"/>
+          </a:xfrm>
+          <a:prstGeom prst="rect">
+            <a:avLst/>
+          </a:prstGeom>
+          <a:noFill/>
+          <a:extLst>
+            <a:ext uri="{909E8E84-426E-40DD-AFC4-6F175D3DCCD1}">
+              <a14:hiddenFill xmlns:a14="http://schemas.microsoft.com/office/drawing/2010/main">
+                <a:solidFill>
+                  <a:srgbClr val="FFFFFF"/>
+                </a:solidFill>
+              </a14:hiddenFill>
+            </a:ext>
+          </a:extLst>
+        </p:spPr>
+      </p:pic>
+      <p:pic>
+        <p:nvPicPr>
+          <p:cNvPr id="1054" name="Picture 30">
+            <a:extLst>
+              <a:ext uri="{FF2B5EF4-FFF2-40B4-BE49-F238E27FC236}">
+                <a16:creationId xmlns:a16="http://schemas.microsoft.com/office/drawing/2014/main" id="{17D58055-CFDA-D44C-E657-8E42DB0F9227}"/>
+              </a:ext>
+            </a:extLst>
+          </p:cNvPr>
+          <p:cNvPicPr>
+            <a:picLocks noChangeAspect="1" noChangeArrowheads="1"/>
+          </p:cNvPicPr>
+          <p:nvPr/>
+        </p:nvPicPr>
+        <p:blipFill>
+          <a:blip r:embed="rId8">
+            <a:extLst>
+              <a:ext uri="{28A0092B-C50C-407E-A947-70E740481C1C}">
+                <a14:useLocalDpi xmlns:a14="http://schemas.microsoft.com/office/drawing/2010/main" val="0"/>
+              </a:ext>
+            </a:extLst>
+          </a:blip>
+          <a:srcRect/>
+          <a:stretch>
+            <a:fillRect/>
+          </a:stretch>
+        </p:blipFill>
+        <p:spPr bwMode="auto">
+          <a:xfrm>
+            <a:off x="7496627" y="1261857"/>
+            <a:ext cx="3314671" cy="2365638"/>
+          </a:xfrm>
+          <a:prstGeom prst="rect">
+            <a:avLst/>
+          </a:prstGeom>
+          <a:noFill/>
+          <a:extLst>
+            <a:ext uri="{909E8E84-426E-40DD-AFC4-6F175D3DCCD1}">
+              <a14:hiddenFill xmlns:a14="http://schemas.microsoft.com/office/drawing/2010/main">
+                <a:solidFill>
+                  <a:srgbClr val="FFFFFF"/>
+                </a:solidFill>
+              </a14:hiddenFill>
+            </a:ext>
+          </a:extLst>
+        </p:spPr>
+      </p:pic>
+      <p:pic>
+        <p:nvPicPr>
+          <p:cNvPr id="1056" name="Picture 32">
+            <a:extLst>
+              <a:ext uri="{FF2B5EF4-FFF2-40B4-BE49-F238E27FC236}">
+                <a16:creationId xmlns:a16="http://schemas.microsoft.com/office/drawing/2014/main" id="{E6C8F860-301E-1B4F-862A-9555AEA5C080}"/>
+              </a:ext>
+            </a:extLst>
+          </p:cNvPr>
+          <p:cNvPicPr>
+            <a:picLocks noChangeAspect="1" noChangeArrowheads="1"/>
+          </p:cNvPicPr>
+          <p:nvPr/>
+        </p:nvPicPr>
+        <p:blipFill>
+          <a:blip r:embed="rId9">
+            <a:extLst>
+              <a:ext uri="{28A0092B-C50C-407E-A947-70E740481C1C}">
+                <a14:useLocalDpi xmlns:a14="http://schemas.microsoft.com/office/drawing/2010/main" val="0"/>
+              </a:ext>
+            </a:extLst>
+          </a:blip>
+          <a:srcRect/>
+          <a:stretch>
+            <a:fillRect/>
+          </a:stretch>
+        </p:blipFill>
+        <p:spPr bwMode="auto">
+          <a:xfrm>
+            <a:off x="3989931" y="3760030"/>
+            <a:ext cx="3198269" cy="2282563"/>
+          </a:xfrm>
+          <a:prstGeom prst="rect">
+            <a:avLst/>
+          </a:prstGeom>
+          <a:noFill/>
+          <a:extLst>
+            <a:ext uri="{909E8E84-426E-40DD-AFC4-6F175D3DCCD1}">
+              <a14:hiddenFill xmlns:a14="http://schemas.microsoft.com/office/drawing/2010/main">
+                <a:solidFill>
+                  <a:srgbClr val="FFFFFF"/>
+                </a:solidFill>
+              </a14:hiddenFill>
+            </a:ext>
+          </a:extLst>
+        </p:spPr>
+      </p:pic>
+      <p:pic>
+        <p:nvPicPr>
+          <p:cNvPr id="1058" name="Picture 34">
+            <a:extLst>
+              <a:ext uri="{FF2B5EF4-FFF2-40B4-BE49-F238E27FC236}">
+                <a16:creationId xmlns:a16="http://schemas.microsoft.com/office/drawing/2014/main" id="{6F34F49E-973E-D946-E050-9354D9AC18EE}"/>
+              </a:ext>
+            </a:extLst>
+          </p:cNvPr>
+          <p:cNvPicPr>
+            <a:picLocks noChangeAspect="1" noChangeArrowheads="1"/>
+          </p:cNvPicPr>
+          <p:nvPr/>
+        </p:nvPicPr>
+        <p:blipFill>
+          <a:blip r:embed="rId10">
+            <a:extLst>
+              <a:ext uri="{28A0092B-C50C-407E-A947-70E740481C1C}">
+                <a14:useLocalDpi xmlns:a14="http://schemas.microsoft.com/office/drawing/2010/main" val="0"/>
+              </a:ext>
+            </a:extLst>
+          </a:blip>
+          <a:srcRect/>
+          <a:stretch>
+            <a:fillRect/>
+          </a:stretch>
+        </p:blipFill>
+        <p:spPr bwMode="auto">
+          <a:xfrm>
+            <a:off x="7496627" y="3747485"/>
+            <a:ext cx="3180417" cy="2365637"/>
           </a:xfrm>
           <a:prstGeom prst="rect">
             <a:avLst/>

--- a/NAF.pptx
+++ b/NAF.pptx
@@ -5,7 +5,7 @@
     <p:sldMasterId id="2147483648" r:id="rId1"/>
   </p:sldMasterIdLst>
   <p:notesMasterIdLst>
-    <p:notesMasterId r:id="rId14"/>
+    <p:notesMasterId r:id="rId15"/>
   </p:notesMasterIdLst>
   <p:sldIdLst>
     <p:sldId id="256" r:id="rId2"/>
@@ -20,6 +20,7 @@
     <p:sldId id="268" r:id="rId11"/>
     <p:sldId id="269" r:id="rId12"/>
     <p:sldId id="270" r:id="rId13"/>
+    <p:sldId id="271" r:id="rId14"/>
   </p:sldIdLst>
   <p:sldSz cx="12192000" cy="6858000"/>
   <p:notesSz cx="6858000" cy="9144000"/>
@@ -3534,69 +3535,12 @@
           <a:chExt cx="0" cy="0"/>
         </a:xfrm>
       </p:grpSpPr>
-      <p:sp>
-        <p:nvSpPr>
-          <p:cNvPr id="2" name="Title 1">
-            <a:extLst>
-              <a:ext uri="{FF2B5EF4-FFF2-40B4-BE49-F238E27FC236}">
-                <a16:creationId xmlns:a16="http://schemas.microsoft.com/office/drawing/2014/main" id="{B3436272-836D-489D-55E0-0D4D0B415472}"/>
-              </a:ext>
-            </a:extLst>
-          </p:cNvPr>
-          <p:cNvSpPr>
-            <a:spLocks noGrp="1"/>
-          </p:cNvSpPr>
-          <p:nvPr>
-            <p:ph type="title"/>
-          </p:nvPr>
-        </p:nvSpPr>
-        <p:spPr/>
-        <p:txBody>
-          <a:bodyPr/>
-          <a:lstStyle/>
-          <a:p>
-            <a:r>
-              <a:rPr lang="en-US" dirty="0"/>
-              <a:t>Counterion only; uneven grid</a:t>
-            </a:r>
-          </a:p>
-        </p:txBody>
-      </p:sp>
-      <p:sp>
-        <p:nvSpPr>
-          <p:cNvPr id="3" name="Slide Number Placeholder 2">
-            <a:extLst>
-              <a:ext uri="{FF2B5EF4-FFF2-40B4-BE49-F238E27FC236}">
-                <a16:creationId xmlns:a16="http://schemas.microsoft.com/office/drawing/2014/main" id="{C7B67C98-748A-3022-A142-F88F92AB605F}"/>
-              </a:ext>
-            </a:extLst>
-          </p:cNvPr>
-          <p:cNvSpPr>
-            <a:spLocks noGrp="1"/>
-          </p:cNvSpPr>
-          <p:nvPr>
-            <p:ph type="sldNum" sz="quarter" idx="12"/>
-          </p:nvPr>
-        </p:nvSpPr>
-        <p:spPr/>
-        <p:txBody>
-          <a:bodyPr/>
-          <a:lstStyle/>
-          <a:p>
-            <a:fld id="{5911C0E6-D9CE-431C-92CB-BB39B872F930}" type="slidenum">
-              <a:rPr lang="en-US" smtClean="0"/>
-              <a:t>12</a:t>
-            </a:fld>
-            <a:endParaRPr lang="en-US"/>
-          </a:p>
-        </p:txBody>
-      </p:sp>
       <p:pic>
         <p:nvPicPr>
-          <p:cNvPr id="1042" name="Picture 18">
-            <a:extLst>
-              <a:ext uri="{FF2B5EF4-FFF2-40B4-BE49-F238E27FC236}">
-                <a16:creationId xmlns:a16="http://schemas.microsoft.com/office/drawing/2014/main" id="{A64E2537-7F5C-6576-CE5E-4997091DE72B}"/>
+          <p:cNvPr id="1060" name="Picture 36">
+            <a:extLst>
+              <a:ext uri="{FF2B5EF4-FFF2-40B4-BE49-F238E27FC236}">
+                <a16:creationId xmlns:a16="http://schemas.microsoft.com/office/drawing/2014/main" id="{5F6541FA-4D75-D115-EB6A-E94C885273B7}"/>
               </a:ext>
             </a:extLst>
           </p:cNvPr>
@@ -3620,8 +3564,8 @@
         </p:blipFill>
         <p:spPr bwMode="auto">
           <a:xfrm>
-            <a:off x="1380702" y="1036745"/>
-            <a:ext cx="1704553" cy="1253348"/>
+            <a:off x="2908358" y="2665259"/>
+            <a:ext cx="3436669" cy="2572064"/>
           </a:xfrm>
           <a:prstGeom prst="rect">
             <a:avLst/>
@@ -3638,12 +3582,69 @@
           </a:extLst>
         </p:spPr>
       </p:pic>
+      <p:sp>
+        <p:nvSpPr>
+          <p:cNvPr id="2" name="Title 1">
+            <a:extLst>
+              <a:ext uri="{FF2B5EF4-FFF2-40B4-BE49-F238E27FC236}">
+                <a16:creationId xmlns:a16="http://schemas.microsoft.com/office/drawing/2014/main" id="{B3436272-836D-489D-55E0-0D4D0B415472}"/>
+              </a:ext>
+            </a:extLst>
+          </p:cNvPr>
+          <p:cNvSpPr>
+            <a:spLocks noGrp="1"/>
+          </p:cNvSpPr>
+          <p:nvPr>
+            <p:ph type="title"/>
+          </p:nvPr>
+        </p:nvSpPr>
+        <p:spPr/>
+        <p:txBody>
+          <a:bodyPr/>
+          <a:lstStyle/>
+          <a:p>
+            <a:r>
+              <a:rPr lang="en-US" dirty="0"/>
+              <a:t>Counterion only; uneven grid (N)</a:t>
+            </a:r>
+          </a:p>
+        </p:txBody>
+      </p:sp>
+      <p:sp>
+        <p:nvSpPr>
+          <p:cNvPr id="3" name="Slide Number Placeholder 2">
+            <a:extLst>
+              <a:ext uri="{FF2B5EF4-FFF2-40B4-BE49-F238E27FC236}">
+                <a16:creationId xmlns:a16="http://schemas.microsoft.com/office/drawing/2014/main" id="{C7B67C98-748A-3022-A142-F88F92AB605F}"/>
+              </a:ext>
+            </a:extLst>
+          </p:cNvPr>
+          <p:cNvSpPr>
+            <a:spLocks noGrp="1"/>
+          </p:cNvSpPr>
+          <p:nvPr>
+            <p:ph type="sldNum" sz="quarter" idx="12"/>
+          </p:nvPr>
+        </p:nvSpPr>
+        <p:spPr/>
+        <p:txBody>
+          <a:bodyPr/>
+          <a:lstStyle/>
+          <a:p>
+            <a:fld id="{5911C0E6-D9CE-431C-92CB-BB39B872F930}" type="slidenum">
+              <a:rPr lang="en-US" smtClean="0"/>
+              <a:t>12</a:t>
+            </a:fld>
+            <a:endParaRPr lang="en-US"/>
+          </a:p>
+        </p:txBody>
+      </p:sp>
       <p:pic>
         <p:nvPicPr>
-          <p:cNvPr id="1044" name="Picture 20">
-            <a:extLst>
-              <a:ext uri="{FF2B5EF4-FFF2-40B4-BE49-F238E27FC236}">
-                <a16:creationId xmlns:a16="http://schemas.microsoft.com/office/drawing/2014/main" id="{27394E69-756B-7B07-6C3E-0F0C4DA7B282}"/>
+          <p:cNvPr id="1042" name="Picture 18">
+            <a:extLst>
+              <a:ext uri="{FF2B5EF4-FFF2-40B4-BE49-F238E27FC236}">
+                <a16:creationId xmlns:a16="http://schemas.microsoft.com/office/drawing/2014/main" id="{A64E2537-7F5C-6576-CE5E-4997091DE72B}"/>
               </a:ext>
             </a:extLst>
           </p:cNvPr>
@@ -3667,7 +3668,7 @@
         </p:blipFill>
         <p:spPr bwMode="auto">
           <a:xfrm>
-            <a:off x="1363766" y="2179354"/>
+            <a:off x="1075902" y="1036745"/>
             <a:ext cx="1704553" cy="1253348"/>
           </a:xfrm>
           <a:prstGeom prst="rect">
@@ -3687,10 +3688,10 @@
       </p:pic>
       <p:pic>
         <p:nvPicPr>
-          <p:cNvPr id="1046" name="Picture 22">
-            <a:extLst>
-              <a:ext uri="{FF2B5EF4-FFF2-40B4-BE49-F238E27FC236}">
-                <a16:creationId xmlns:a16="http://schemas.microsoft.com/office/drawing/2014/main" id="{ADE9A683-F360-2DDB-5BEB-ADB131974DDD}"/>
+          <p:cNvPr id="1044" name="Picture 20">
+            <a:extLst>
+              <a:ext uri="{FF2B5EF4-FFF2-40B4-BE49-F238E27FC236}">
+                <a16:creationId xmlns:a16="http://schemas.microsoft.com/office/drawing/2014/main" id="{27394E69-756B-7B07-6C3E-0F0C4DA7B282}"/>
               </a:ext>
             </a:extLst>
           </p:cNvPr>
@@ -3714,7 +3715,7 @@
         </p:blipFill>
         <p:spPr bwMode="auto">
           <a:xfrm>
-            <a:off x="1355297" y="3321120"/>
+            <a:off x="1058966" y="2179354"/>
             <a:ext cx="1704553" cy="1253348"/>
           </a:xfrm>
           <a:prstGeom prst="rect">
@@ -3734,10 +3735,10 @@
       </p:pic>
       <p:pic>
         <p:nvPicPr>
-          <p:cNvPr id="1048" name="Picture 24">
-            <a:extLst>
-              <a:ext uri="{FF2B5EF4-FFF2-40B4-BE49-F238E27FC236}">
-                <a16:creationId xmlns:a16="http://schemas.microsoft.com/office/drawing/2014/main" id="{B6ACD7A2-AE91-3798-8448-C4C2867489E4}"/>
+          <p:cNvPr id="1046" name="Picture 22">
+            <a:extLst>
+              <a:ext uri="{FF2B5EF4-FFF2-40B4-BE49-F238E27FC236}">
+                <a16:creationId xmlns:a16="http://schemas.microsoft.com/office/drawing/2014/main" id="{ADE9A683-F360-2DDB-5BEB-ADB131974DDD}"/>
               </a:ext>
             </a:extLst>
           </p:cNvPr>
@@ -3761,7 +3762,7 @@
         </p:blipFill>
         <p:spPr bwMode="auto">
           <a:xfrm>
-            <a:off x="1355296" y="4462886"/>
+            <a:off x="1050497" y="3321120"/>
             <a:ext cx="1704553" cy="1253348"/>
           </a:xfrm>
           <a:prstGeom prst="rect">
@@ -3781,10 +3782,10 @@
       </p:pic>
       <p:pic>
         <p:nvPicPr>
-          <p:cNvPr id="1050" name="Picture 26">
-            <a:extLst>
-              <a:ext uri="{FF2B5EF4-FFF2-40B4-BE49-F238E27FC236}">
-                <a16:creationId xmlns:a16="http://schemas.microsoft.com/office/drawing/2014/main" id="{428F7499-02F0-B225-5A07-BA7A38229A1E}"/>
+          <p:cNvPr id="1048" name="Picture 24">
+            <a:extLst>
+              <a:ext uri="{FF2B5EF4-FFF2-40B4-BE49-F238E27FC236}">
+                <a16:creationId xmlns:a16="http://schemas.microsoft.com/office/drawing/2014/main" id="{B6ACD7A2-AE91-3798-8448-C4C2867489E4}"/>
               </a:ext>
             </a:extLst>
           </p:cNvPr>
@@ -3808,7 +3809,7 @@
         </p:blipFill>
         <p:spPr bwMode="auto">
           <a:xfrm>
-            <a:off x="1355295" y="5604652"/>
+            <a:off x="1050496" y="4462886"/>
             <a:ext cx="1704553" cy="1253348"/>
           </a:xfrm>
           <a:prstGeom prst="rect">
@@ -3826,193 +3827,12 @@
           </a:extLst>
         </p:spPr>
       </p:pic>
-      <p:sp>
-        <p:nvSpPr>
-          <p:cNvPr id="6" name="TextBox 5">
-            <a:extLst>
-              <a:ext uri="{FF2B5EF4-FFF2-40B4-BE49-F238E27FC236}">
-                <a16:creationId xmlns:a16="http://schemas.microsoft.com/office/drawing/2014/main" id="{040976B6-03C0-93A4-9F20-39B7C3E2C186}"/>
-              </a:ext>
-            </a:extLst>
-          </p:cNvPr>
-          <p:cNvSpPr txBox="1"/>
-          <p:nvPr/>
-        </p:nvSpPr>
-        <p:spPr>
-          <a:xfrm>
-            <a:off x="245533" y="1482694"/>
-            <a:ext cx="1109762" cy="369332"/>
-          </a:xfrm>
-          <a:prstGeom prst="rect">
-            <a:avLst/>
-          </a:prstGeom>
-          <a:noFill/>
-        </p:spPr>
-        <p:txBody>
-          <a:bodyPr wrap="square" rtlCol="0">
-            <a:spAutoFit/>
-          </a:bodyPr>
-          <a:lstStyle/>
-          <a:p>
-            <a:pPr algn="ctr"/>
-            <a:r>
-              <a:rPr lang="en-US"/>
-              <a:t>N = 50</a:t>
-            </a:r>
-            <a:endParaRPr lang="en-US" dirty="0"/>
-          </a:p>
-        </p:txBody>
-      </p:sp>
-      <p:sp>
-        <p:nvSpPr>
-          <p:cNvPr id="7" name="TextBox 6">
-            <a:extLst>
-              <a:ext uri="{FF2B5EF4-FFF2-40B4-BE49-F238E27FC236}">
-                <a16:creationId xmlns:a16="http://schemas.microsoft.com/office/drawing/2014/main" id="{12A4C896-AC34-703A-9D84-D7C492C1F379}"/>
-              </a:ext>
-            </a:extLst>
-          </p:cNvPr>
-          <p:cNvSpPr txBox="1"/>
-          <p:nvPr/>
-        </p:nvSpPr>
-        <p:spPr>
-          <a:xfrm>
-            <a:off x="237068" y="2621362"/>
-            <a:ext cx="1109762" cy="369332"/>
-          </a:xfrm>
-          <a:prstGeom prst="rect">
-            <a:avLst/>
-          </a:prstGeom>
-          <a:noFill/>
-        </p:spPr>
-        <p:txBody>
-          <a:bodyPr wrap="square" rtlCol="0">
-            <a:spAutoFit/>
-          </a:bodyPr>
-          <a:lstStyle/>
-          <a:p>
-            <a:pPr algn="ctr"/>
-            <a:r>
-              <a:rPr lang="en-US" dirty="0"/>
-              <a:t>N = 100</a:t>
-            </a:r>
-          </a:p>
-        </p:txBody>
-      </p:sp>
-      <p:sp>
-        <p:nvSpPr>
-          <p:cNvPr id="8" name="TextBox 7">
-            <a:extLst>
-              <a:ext uri="{FF2B5EF4-FFF2-40B4-BE49-F238E27FC236}">
-                <a16:creationId xmlns:a16="http://schemas.microsoft.com/office/drawing/2014/main" id="{01596658-D5B9-C4F3-8E6C-A9B32C80B5FA}"/>
-              </a:ext>
-            </a:extLst>
-          </p:cNvPr>
-          <p:cNvSpPr txBox="1"/>
-          <p:nvPr/>
-        </p:nvSpPr>
-        <p:spPr>
-          <a:xfrm>
-            <a:off x="237066" y="3760030"/>
-            <a:ext cx="1109762" cy="369332"/>
-          </a:xfrm>
-          <a:prstGeom prst="rect">
-            <a:avLst/>
-          </a:prstGeom>
-          <a:noFill/>
-        </p:spPr>
-        <p:txBody>
-          <a:bodyPr wrap="square" rtlCol="0">
-            <a:spAutoFit/>
-          </a:bodyPr>
-          <a:lstStyle/>
-          <a:p>
-            <a:pPr algn="ctr"/>
-            <a:r>
-              <a:rPr lang="en-US" dirty="0"/>
-              <a:t>N = 250</a:t>
-            </a:r>
-          </a:p>
-        </p:txBody>
-      </p:sp>
-      <p:sp>
-        <p:nvSpPr>
-          <p:cNvPr id="9" name="TextBox 8">
-            <a:extLst>
-              <a:ext uri="{FF2B5EF4-FFF2-40B4-BE49-F238E27FC236}">
-                <a16:creationId xmlns:a16="http://schemas.microsoft.com/office/drawing/2014/main" id="{516EA0B1-2660-E27B-1BE9-D20619B11B15}"/>
-              </a:ext>
-            </a:extLst>
-          </p:cNvPr>
-          <p:cNvSpPr txBox="1"/>
-          <p:nvPr/>
-        </p:nvSpPr>
-        <p:spPr>
-          <a:xfrm>
-            <a:off x="237066" y="4867991"/>
-            <a:ext cx="1109762" cy="369332"/>
-          </a:xfrm>
-          <a:prstGeom prst="rect">
-            <a:avLst/>
-          </a:prstGeom>
-          <a:noFill/>
-        </p:spPr>
-        <p:txBody>
-          <a:bodyPr wrap="square" rtlCol="0">
-            <a:spAutoFit/>
-          </a:bodyPr>
-          <a:lstStyle/>
-          <a:p>
-            <a:pPr algn="ctr"/>
-            <a:r>
-              <a:rPr lang="en-US" dirty="0"/>
-              <a:t>N = 500</a:t>
-            </a:r>
-          </a:p>
-        </p:txBody>
-      </p:sp>
-      <p:sp>
-        <p:nvSpPr>
-          <p:cNvPr id="10" name="TextBox 9">
-            <a:extLst>
-              <a:ext uri="{FF2B5EF4-FFF2-40B4-BE49-F238E27FC236}">
-                <a16:creationId xmlns:a16="http://schemas.microsoft.com/office/drawing/2014/main" id="{0BE3DEF5-9259-C55E-CCBD-D61835F23BD8}"/>
-              </a:ext>
-            </a:extLst>
-          </p:cNvPr>
-          <p:cNvSpPr txBox="1"/>
-          <p:nvPr/>
-        </p:nvSpPr>
-        <p:spPr>
-          <a:xfrm>
-            <a:off x="237066" y="5975952"/>
-            <a:ext cx="1109762" cy="369332"/>
-          </a:xfrm>
-          <a:prstGeom prst="rect">
-            <a:avLst/>
-          </a:prstGeom>
-          <a:noFill/>
-        </p:spPr>
-        <p:txBody>
-          <a:bodyPr wrap="square" rtlCol="0">
-            <a:spAutoFit/>
-          </a:bodyPr>
-          <a:lstStyle/>
-          <a:p>
-            <a:pPr algn="ctr"/>
-            <a:r>
-              <a:rPr lang="en-US" dirty="0"/>
-              <a:t>N = 1000</a:t>
-            </a:r>
-          </a:p>
-        </p:txBody>
-      </p:sp>
       <p:pic>
         <p:nvPicPr>
-          <p:cNvPr id="1052" name="Picture 28">
-            <a:extLst>
-              <a:ext uri="{FF2B5EF4-FFF2-40B4-BE49-F238E27FC236}">
-                <a16:creationId xmlns:a16="http://schemas.microsoft.com/office/drawing/2014/main" id="{8D14E277-BDD1-4CFC-BAD5-8AD4D035DA4D}"/>
+          <p:cNvPr id="1050" name="Picture 26">
+            <a:extLst>
+              <a:ext uri="{FF2B5EF4-FFF2-40B4-BE49-F238E27FC236}">
+                <a16:creationId xmlns:a16="http://schemas.microsoft.com/office/drawing/2014/main" id="{428F7499-02F0-B225-5A07-BA7A38229A1E}"/>
               </a:ext>
             </a:extLst>
           </p:cNvPr>
@@ -4036,8 +3856,8 @@
         </p:blipFill>
         <p:spPr bwMode="auto">
           <a:xfrm>
-            <a:off x="3989932" y="1279754"/>
-            <a:ext cx="3314670" cy="2329844"/>
+            <a:off x="1050495" y="5604652"/>
+            <a:ext cx="1704553" cy="1253348"/>
           </a:xfrm>
           <a:prstGeom prst="rect">
             <a:avLst/>
@@ -4054,6 +3874,187 @@
           </a:extLst>
         </p:spPr>
       </p:pic>
+      <p:sp>
+        <p:nvSpPr>
+          <p:cNvPr id="6" name="TextBox 5">
+            <a:extLst>
+              <a:ext uri="{FF2B5EF4-FFF2-40B4-BE49-F238E27FC236}">
+                <a16:creationId xmlns:a16="http://schemas.microsoft.com/office/drawing/2014/main" id="{040976B6-03C0-93A4-9F20-39B7C3E2C186}"/>
+              </a:ext>
+            </a:extLst>
+          </p:cNvPr>
+          <p:cNvSpPr txBox="1"/>
+          <p:nvPr/>
+        </p:nvSpPr>
+        <p:spPr>
+          <a:xfrm>
+            <a:off x="118533" y="1482694"/>
+            <a:ext cx="1109762" cy="369332"/>
+          </a:xfrm>
+          <a:prstGeom prst="rect">
+            <a:avLst/>
+          </a:prstGeom>
+          <a:noFill/>
+        </p:spPr>
+        <p:txBody>
+          <a:bodyPr wrap="square" rtlCol="0">
+            <a:spAutoFit/>
+          </a:bodyPr>
+          <a:lstStyle/>
+          <a:p>
+            <a:pPr algn="ctr"/>
+            <a:r>
+              <a:rPr lang="en-US"/>
+              <a:t>N = 50</a:t>
+            </a:r>
+            <a:endParaRPr lang="en-US" dirty="0"/>
+          </a:p>
+        </p:txBody>
+      </p:sp>
+      <p:sp>
+        <p:nvSpPr>
+          <p:cNvPr id="7" name="TextBox 6">
+            <a:extLst>
+              <a:ext uri="{FF2B5EF4-FFF2-40B4-BE49-F238E27FC236}">
+                <a16:creationId xmlns:a16="http://schemas.microsoft.com/office/drawing/2014/main" id="{12A4C896-AC34-703A-9D84-D7C492C1F379}"/>
+              </a:ext>
+            </a:extLst>
+          </p:cNvPr>
+          <p:cNvSpPr txBox="1"/>
+          <p:nvPr/>
+        </p:nvSpPr>
+        <p:spPr>
+          <a:xfrm>
+            <a:off x="110068" y="2621362"/>
+            <a:ext cx="1109762" cy="369332"/>
+          </a:xfrm>
+          <a:prstGeom prst="rect">
+            <a:avLst/>
+          </a:prstGeom>
+          <a:noFill/>
+        </p:spPr>
+        <p:txBody>
+          <a:bodyPr wrap="square" rtlCol="0">
+            <a:spAutoFit/>
+          </a:bodyPr>
+          <a:lstStyle/>
+          <a:p>
+            <a:pPr algn="ctr"/>
+            <a:r>
+              <a:rPr lang="en-US" dirty="0"/>
+              <a:t>N = 100</a:t>
+            </a:r>
+          </a:p>
+        </p:txBody>
+      </p:sp>
+      <p:sp>
+        <p:nvSpPr>
+          <p:cNvPr id="8" name="TextBox 7">
+            <a:extLst>
+              <a:ext uri="{FF2B5EF4-FFF2-40B4-BE49-F238E27FC236}">
+                <a16:creationId xmlns:a16="http://schemas.microsoft.com/office/drawing/2014/main" id="{01596658-D5B9-C4F3-8E6C-A9B32C80B5FA}"/>
+              </a:ext>
+            </a:extLst>
+          </p:cNvPr>
+          <p:cNvSpPr txBox="1"/>
+          <p:nvPr/>
+        </p:nvSpPr>
+        <p:spPr>
+          <a:xfrm>
+            <a:off x="110066" y="3760030"/>
+            <a:ext cx="1109762" cy="369332"/>
+          </a:xfrm>
+          <a:prstGeom prst="rect">
+            <a:avLst/>
+          </a:prstGeom>
+          <a:noFill/>
+        </p:spPr>
+        <p:txBody>
+          <a:bodyPr wrap="square" rtlCol="0">
+            <a:spAutoFit/>
+          </a:bodyPr>
+          <a:lstStyle/>
+          <a:p>
+            <a:pPr algn="ctr"/>
+            <a:r>
+              <a:rPr lang="en-US" dirty="0"/>
+              <a:t>N = 250</a:t>
+            </a:r>
+          </a:p>
+        </p:txBody>
+      </p:sp>
+      <p:sp>
+        <p:nvSpPr>
+          <p:cNvPr id="9" name="TextBox 8">
+            <a:extLst>
+              <a:ext uri="{FF2B5EF4-FFF2-40B4-BE49-F238E27FC236}">
+                <a16:creationId xmlns:a16="http://schemas.microsoft.com/office/drawing/2014/main" id="{516EA0B1-2660-E27B-1BE9-D20619B11B15}"/>
+              </a:ext>
+            </a:extLst>
+          </p:cNvPr>
+          <p:cNvSpPr txBox="1"/>
+          <p:nvPr/>
+        </p:nvSpPr>
+        <p:spPr>
+          <a:xfrm>
+            <a:off x="110066" y="4867991"/>
+            <a:ext cx="1109762" cy="369332"/>
+          </a:xfrm>
+          <a:prstGeom prst="rect">
+            <a:avLst/>
+          </a:prstGeom>
+          <a:noFill/>
+        </p:spPr>
+        <p:txBody>
+          <a:bodyPr wrap="square" rtlCol="0">
+            <a:spAutoFit/>
+          </a:bodyPr>
+          <a:lstStyle/>
+          <a:p>
+            <a:pPr algn="ctr"/>
+            <a:r>
+              <a:rPr lang="en-US" dirty="0"/>
+              <a:t>N = 500</a:t>
+            </a:r>
+          </a:p>
+        </p:txBody>
+      </p:sp>
+      <p:sp>
+        <p:nvSpPr>
+          <p:cNvPr id="10" name="TextBox 9">
+            <a:extLst>
+              <a:ext uri="{FF2B5EF4-FFF2-40B4-BE49-F238E27FC236}">
+                <a16:creationId xmlns:a16="http://schemas.microsoft.com/office/drawing/2014/main" id="{0BE3DEF5-9259-C55E-CCBD-D61835F23BD8}"/>
+              </a:ext>
+            </a:extLst>
+          </p:cNvPr>
+          <p:cNvSpPr txBox="1"/>
+          <p:nvPr/>
+        </p:nvSpPr>
+        <p:spPr>
+          <a:xfrm>
+            <a:off x="110066" y="5975952"/>
+            <a:ext cx="1109762" cy="369332"/>
+          </a:xfrm>
+          <a:prstGeom prst="rect">
+            <a:avLst/>
+          </a:prstGeom>
+          <a:noFill/>
+        </p:spPr>
+        <p:txBody>
+          <a:bodyPr wrap="square" rtlCol="0">
+            <a:spAutoFit/>
+          </a:bodyPr>
+          <a:lstStyle/>
+          <a:p>
+            <a:pPr algn="ctr"/>
+            <a:r>
+              <a:rPr lang="en-US" dirty="0"/>
+              <a:t>N = 1000</a:t>
+            </a:r>
+          </a:p>
+        </p:txBody>
+      </p:sp>
       <p:pic>
         <p:nvPicPr>
           <p:cNvPr id="1054" name="Picture 30">
@@ -4083,8 +4084,8 @@
         </p:blipFill>
         <p:spPr bwMode="auto">
           <a:xfrm>
-            <a:off x="7496627" y="1261857"/>
-            <a:ext cx="3314671" cy="2365638"/>
+            <a:off x="9333002" y="2000295"/>
+            <a:ext cx="2858998" cy="2040430"/>
           </a:xfrm>
           <a:prstGeom prst="rect">
             <a:avLst/>
@@ -4103,10 +4104,10 @@
       </p:pic>
       <p:pic>
         <p:nvPicPr>
-          <p:cNvPr id="1056" name="Picture 32">
-            <a:extLst>
-              <a:ext uri="{FF2B5EF4-FFF2-40B4-BE49-F238E27FC236}">
-                <a16:creationId xmlns:a16="http://schemas.microsoft.com/office/drawing/2014/main" id="{E6C8F860-301E-1B4F-862A-9555AEA5C080}"/>
+          <p:cNvPr id="1058" name="Picture 34">
+            <a:extLst>
+              <a:ext uri="{FF2B5EF4-FFF2-40B4-BE49-F238E27FC236}">
+                <a16:creationId xmlns:a16="http://schemas.microsoft.com/office/drawing/2014/main" id="{6F34F49E-973E-D946-E050-9354D9AC18EE}"/>
               </a:ext>
             </a:extLst>
           </p:cNvPr>
@@ -4130,8 +4131,8 @@
         </p:blipFill>
         <p:spPr bwMode="auto">
           <a:xfrm>
-            <a:off x="3989931" y="3760030"/>
-            <a:ext cx="3198269" cy="2282563"/>
+            <a:off x="9333002" y="3735318"/>
+            <a:ext cx="2743200" cy="2040429"/>
           </a:xfrm>
           <a:prstGeom prst="rect">
             <a:avLst/>
@@ -4150,10 +4151,10 @@
       </p:pic>
       <p:pic>
         <p:nvPicPr>
-          <p:cNvPr id="1058" name="Picture 34">
-            <a:extLst>
-              <a:ext uri="{FF2B5EF4-FFF2-40B4-BE49-F238E27FC236}">
-                <a16:creationId xmlns:a16="http://schemas.microsoft.com/office/drawing/2014/main" id="{6F34F49E-973E-D946-E050-9354D9AC18EE}"/>
+          <p:cNvPr id="1052" name="Picture 28">
+            <a:extLst>
+              <a:ext uri="{FF2B5EF4-FFF2-40B4-BE49-F238E27FC236}">
+                <a16:creationId xmlns:a16="http://schemas.microsoft.com/office/drawing/2014/main" id="{8D14E277-BDD1-4CFC-BAD5-8AD4D035DA4D}"/>
               </a:ext>
             </a:extLst>
           </p:cNvPr>
@@ -4177,8 +4178,8 @@
         </p:blipFill>
         <p:spPr bwMode="auto">
           <a:xfrm>
-            <a:off x="7496627" y="3747485"/>
-            <a:ext cx="3180417" cy="2365637"/>
+            <a:off x="6506807" y="2050473"/>
+            <a:ext cx="2858997" cy="2009557"/>
           </a:xfrm>
           <a:prstGeom prst="rect">
             <a:avLst/>
@@ -4195,10 +4196,141 @@
           </a:extLst>
         </p:spPr>
       </p:pic>
+      <p:pic>
+        <p:nvPicPr>
+          <p:cNvPr id="1056" name="Picture 32">
+            <a:extLst>
+              <a:ext uri="{FF2B5EF4-FFF2-40B4-BE49-F238E27FC236}">
+                <a16:creationId xmlns:a16="http://schemas.microsoft.com/office/drawing/2014/main" id="{E6C8F860-301E-1B4F-862A-9555AEA5C080}"/>
+              </a:ext>
+            </a:extLst>
+          </p:cNvPr>
+          <p:cNvPicPr>
+            <a:picLocks noChangeAspect="1" noChangeArrowheads="1"/>
+          </p:cNvPicPr>
+          <p:nvPr/>
+        </p:nvPicPr>
+        <p:blipFill>
+          <a:blip r:embed="rId11">
+            <a:extLst>
+              <a:ext uri="{28A0092B-C50C-407E-A947-70E740481C1C}">
+                <a14:useLocalDpi xmlns:a14="http://schemas.microsoft.com/office/drawing/2010/main" val="0"/>
+              </a:ext>
+            </a:extLst>
+          </a:blip>
+          <a:srcRect/>
+          <a:stretch>
+            <a:fillRect/>
+          </a:stretch>
+        </p:blipFill>
+        <p:spPr bwMode="auto">
+          <a:xfrm>
+            <a:off x="6506807" y="3748186"/>
+            <a:ext cx="2758597" cy="1968775"/>
+          </a:xfrm>
+          <a:prstGeom prst="rect">
+            <a:avLst/>
+          </a:prstGeom>
+          <a:noFill/>
+          <a:extLst>
+            <a:ext uri="{909E8E84-426E-40DD-AFC4-6F175D3DCCD1}">
+              <a14:hiddenFill xmlns:a14="http://schemas.microsoft.com/office/drawing/2010/main">
+                <a:solidFill>
+                  <a:srgbClr val="FFFFFF"/>
+                </a:solidFill>
+              </a14:hiddenFill>
+            </a:ext>
+          </a:extLst>
+        </p:spPr>
+      </p:pic>
     </p:spTree>
     <p:extLst>
       <p:ext uri="{BB962C8B-B14F-4D97-AF65-F5344CB8AC3E}">
         <p14:creationId xmlns:p14="http://schemas.microsoft.com/office/powerpoint/2010/main" val="3168892698"/>
+      </p:ext>
+    </p:extLst>
+  </p:cSld>
+  <p:clrMapOvr>
+    <a:masterClrMapping/>
+  </p:clrMapOvr>
+</p:sld>
+</file>
+
+<file path=ppt/slides/slide13.xml><?xml version="1.0" encoding="utf-8"?>
+<p:sld xmlns:a="http://schemas.openxmlformats.org/drawingml/2006/main" xmlns:r="http://schemas.openxmlformats.org/officeDocument/2006/relationships" xmlns:p="http://schemas.openxmlformats.org/presentationml/2006/main">
+  <p:cSld>
+    <p:spTree>
+      <p:nvGrpSpPr>
+        <p:cNvPr id="1" name=""/>
+        <p:cNvGrpSpPr/>
+        <p:nvPr/>
+      </p:nvGrpSpPr>
+      <p:grpSpPr>
+        <a:xfrm>
+          <a:off x="0" y="0"/>
+          <a:ext cx="0" cy="0"/>
+          <a:chOff x="0" y="0"/>
+          <a:chExt cx="0" cy="0"/>
+        </a:xfrm>
+      </p:grpSpPr>
+      <p:sp>
+        <p:nvSpPr>
+          <p:cNvPr id="2" name="Title 1">
+            <a:extLst>
+              <a:ext uri="{FF2B5EF4-FFF2-40B4-BE49-F238E27FC236}">
+                <a16:creationId xmlns:a16="http://schemas.microsoft.com/office/drawing/2014/main" id="{F6C7137D-573F-6D22-276C-4603F951633C}"/>
+              </a:ext>
+            </a:extLst>
+          </p:cNvPr>
+          <p:cNvSpPr>
+            <a:spLocks noGrp="1"/>
+          </p:cNvSpPr>
+          <p:nvPr>
+            <p:ph type="title"/>
+          </p:nvPr>
+        </p:nvSpPr>
+        <p:spPr/>
+        <p:txBody>
+          <a:bodyPr/>
+          <a:lstStyle/>
+          <a:p>
+            <a:endParaRPr lang="en-US"/>
+          </a:p>
+        </p:txBody>
+      </p:sp>
+      <p:sp>
+        <p:nvSpPr>
+          <p:cNvPr id="3" name="Slide Number Placeholder 2">
+            <a:extLst>
+              <a:ext uri="{FF2B5EF4-FFF2-40B4-BE49-F238E27FC236}">
+                <a16:creationId xmlns:a16="http://schemas.microsoft.com/office/drawing/2014/main" id="{452CB1D3-714B-3463-C98F-0D71710BA68B}"/>
+              </a:ext>
+            </a:extLst>
+          </p:cNvPr>
+          <p:cNvSpPr>
+            <a:spLocks noGrp="1"/>
+          </p:cNvSpPr>
+          <p:nvPr>
+            <p:ph type="sldNum" sz="quarter" idx="12"/>
+          </p:nvPr>
+        </p:nvSpPr>
+        <p:spPr/>
+        <p:txBody>
+          <a:bodyPr/>
+          <a:lstStyle/>
+          <a:p>
+            <a:fld id="{5911C0E6-D9CE-431C-92CB-BB39B872F930}" type="slidenum">
+              <a:rPr lang="en-US" smtClean="0"/>
+              <a:t>13</a:t>
+            </a:fld>
+            <a:endParaRPr lang="en-US"/>
+          </a:p>
+        </p:txBody>
+      </p:sp>
+    </p:spTree>
+    <p:extLst>
+      <p:ext uri="{BB962C8B-B14F-4D97-AF65-F5344CB8AC3E}">
+        <p14:creationId xmlns:p14="http://schemas.microsoft.com/office/powerpoint/2010/main" val="2235809049"/>
       </p:ext>
     </p:extLst>
   </p:cSld>

--- a/NAF.pptx
+++ b/NAF.pptx
@@ -4243,6 +4243,84 @@
           </a:extLst>
         </p:spPr>
       </p:pic>
+      <p:cxnSp>
+        <p:nvCxnSpPr>
+          <p:cNvPr id="12" name="Straight Connector 11">
+            <a:extLst>
+              <a:ext uri="{FF2B5EF4-FFF2-40B4-BE49-F238E27FC236}">
+                <a16:creationId xmlns:a16="http://schemas.microsoft.com/office/drawing/2014/main" id="{9B399F55-9CD1-7E09-D6F3-16DC0CEC9835}"/>
+              </a:ext>
+            </a:extLst>
+          </p:cNvPr>
+          <p:cNvCxnSpPr>
+            <a:cxnSpLocks/>
+          </p:cNvCxnSpPr>
+          <p:nvPr/>
+        </p:nvCxnSpPr>
+        <p:spPr>
+          <a:xfrm>
+            <a:off x="2506135" y="1036745"/>
+            <a:ext cx="0" cy="5684730"/>
+          </a:xfrm>
+          <a:prstGeom prst="line">
+            <a:avLst/>
+          </a:prstGeom>
+          <a:ln w="19050">
+            <a:solidFill>
+              <a:srgbClr val="C00000"/>
+            </a:solidFill>
+          </a:ln>
+        </p:spPr>
+        <p:style>
+          <a:lnRef idx="1">
+            <a:schemeClr val="accent1"/>
+          </a:lnRef>
+          <a:fillRef idx="0">
+            <a:schemeClr val="accent1"/>
+          </a:fillRef>
+          <a:effectRef idx="0">
+            <a:schemeClr val="accent1"/>
+          </a:effectRef>
+          <a:fontRef idx="minor">
+            <a:schemeClr val="tx1"/>
+          </a:fontRef>
+        </p:style>
+      </p:cxnSp>
+      <p:sp>
+        <p:nvSpPr>
+          <p:cNvPr id="15" name="TextBox 14">
+            <a:extLst>
+              <a:ext uri="{FF2B5EF4-FFF2-40B4-BE49-F238E27FC236}">
+                <a16:creationId xmlns:a16="http://schemas.microsoft.com/office/drawing/2014/main" id="{A274E17C-510C-B562-FCB0-59D18E763C5B}"/>
+              </a:ext>
+            </a:extLst>
+          </p:cNvPr>
+          <p:cNvSpPr txBox="1"/>
+          <p:nvPr/>
+        </p:nvSpPr>
+        <p:spPr>
+          <a:xfrm>
+            <a:off x="2908358" y="1216563"/>
+            <a:ext cx="2277533" cy="276999"/>
+          </a:xfrm>
+          <a:prstGeom prst="rect">
+            <a:avLst/>
+          </a:prstGeom>
+          <a:noFill/>
+        </p:spPr>
+        <p:txBody>
+          <a:bodyPr wrap="square" rtlCol="0">
+            <a:spAutoFit/>
+          </a:bodyPr>
+          <a:lstStyle/>
+          <a:p>
+            <a:r>
+              <a:rPr lang="en-US" sz="1200" dirty="0"/>
+              <a:t>Transition knee in red (z=90)</a:t>
+            </a:r>
+          </a:p>
+        </p:txBody>
+      </p:sp>
     </p:spTree>
     <p:extLst>
       <p:ext uri="{BB962C8B-B14F-4D97-AF65-F5344CB8AC3E}">

--- a/NAF.pptx
+++ b/NAF.pptx
@@ -3535,12 +3535,69 @@
           <a:chExt cx="0" cy="0"/>
         </a:xfrm>
       </p:grpSpPr>
+      <p:sp>
+        <p:nvSpPr>
+          <p:cNvPr id="2" name="Title 1">
+            <a:extLst>
+              <a:ext uri="{FF2B5EF4-FFF2-40B4-BE49-F238E27FC236}">
+                <a16:creationId xmlns:a16="http://schemas.microsoft.com/office/drawing/2014/main" id="{B3436272-836D-489D-55E0-0D4D0B415472}"/>
+              </a:ext>
+            </a:extLst>
+          </p:cNvPr>
+          <p:cNvSpPr>
+            <a:spLocks noGrp="1"/>
+          </p:cNvSpPr>
+          <p:nvPr>
+            <p:ph type="title"/>
+          </p:nvPr>
+        </p:nvSpPr>
+        <p:spPr/>
+        <p:txBody>
+          <a:bodyPr/>
+          <a:lstStyle/>
+          <a:p>
+            <a:r>
+              <a:rPr lang="en-US" dirty="0"/>
+              <a:t>Counterion only; uneven grid (N)</a:t>
+            </a:r>
+          </a:p>
+        </p:txBody>
+      </p:sp>
+      <p:sp>
+        <p:nvSpPr>
+          <p:cNvPr id="3" name="Slide Number Placeholder 2">
+            <a:extLst>
+              <a:ext uri="{FF2B5EF4-FFF2-40B4-BE49-F238E27FC236}">
+                <a16:creationId xmlns:a16="http://schemas.microsoft.com/office/drawing/2014/main" id="{C7B67C98-748A-3022-A142-F88F92AB605F}"/>
+              </a:ext>
+            </a:extLst>
+          </p:cNvPr>
+          <p:cNvSpPr>
+            <a:spLocks noGrp="1"/>
+          </p:cNvSpPr>
+          <p:nvPr>
+            <p:ph type="sldNum" sz="quarter" idx="12"/>
+          </p:nvPr>
+        </p:nvSpPr>
+        <p:spPr/>
+        <p:txBody>
+          <a:bodyPr/>
+          <a:lstStyle/>
+          <a:p>
+            <a:fld id="{5911C0E6-D9CE-431C-92CB-BB39B872F930}" type="slidenum">
+              <a:rPr lang="en-US" smtClean="0"/>
+              <a:t>12</a:t>
+            </a:fld>
+            <a:endParaRPr lang="en-US"/>
+          </a:p>
+        </p:txBody>
+      </p:sp>
       <p:pic>
         <p:nvPicPr>
-          <p:cNvPr id="1060" name="Picture 36">
-            <a:extLst>
-              <a:ext uri="{FF2B5EF4-FFF2-40B4-BE49-F238E27FC236}">
-                <a16:creationId xmlns:a16="http://schemas.microsoft.com/office/drawing/2014/main" id="{5F6541FA-4D75-D115-EB6A-E94C885273B7}"/>
+          <p:cNvPr id="1042" name="Picture 18">
+            <a:extLst>
+              <a:ext uri="{FF2B5EF4-FFF2-40B4-BE49-F238E27FC236}">
+                <a16:creationId xmlns:a16="http://schemas.microsoft.com/office/drawing/2014/main" id="{A64E2537-7F5C-6576-CE5E-4997091DE72B}"/>
               </a:ext>
             </a:extLst>
           </p:cNvPr>
@@ -3564,8 +3621,8 @@
         </p:blipFill>
         <p:spPr bwMode="auto">
           <a:xfrm>
-            <a:off x="2908358" y="2665259"/>
-            <a:ext cx="3436669" cy="2572064"/>
+            <a:off x="1075902" y="1036745"/>
+            <a:ext cx="1704553" cy="1253348"/>
           </a:xfrm>
           <a:prstGeom prst="rect">
             <a:avLst/>
@@ -3582,69 +3639,12 @@
           </a:extLst>
         </p:spPr>
       </p:pic>
-      <p:sp>
-        <p:nvSpPr>
-          <p:cNvPr id="2" name="Title 1">
-            <a:extLst>
-              <a:ext uri="{FF2B5EF4-FFF2-40B4-BE49-F238E27FC236}">
-                <a16:creationId xmlns:a16="http://schemas.microsoft.com/office/drawing/2014/main" id="{B3436272-836D-489D-55E0-0D4D0B415472}"/>
-              </a:ext>
-            </a:extLst>
-          </p:cNvPr>
-          <p:cNvSpPr>
-            <a:spLocks noGrp="1"/>
-          </p:cNvSpPr>
-          <p:nvPr>
-            <p:ph type="title"/>
-          </p:nvPr>
-        </p:nvSpPr>
-        <p:spPr/>
-        <p:txBody>
-          <a:bodyPr/>
-          <a:lstStyle/>
-          <a:p>
-            <a:r>
-              <a:rPr lang="en-US" dirty="0"/>
-              <a:t>Counterion only; uneven grid (N)</a:t>
-            </a:r>
-          </a:p>
-        </p:txBody>
-      </p:sp>
-      <p:sp>
-        <p:nvSpPr>
-          <p:cNvPr id="3" name="Slide Number Placeholder 2">
-            <a:extLst>
-              <a:ext uri="{FF2B5EF4-FFF2-40B4-BE49-F238E27FC236}">
-                <a16:creationId xmlns:a16="http://schemas.microsoft.com/office/drawing/2014/main" id="{C7B67C98-748A-3022-A142-F88F92AB605F}"/>
-              </a:ext>
-            </a:extLst>
-          </p:cNvPr>
-          <p:cNvSpPr>
-            <a:spLocks noGrp="1"/>
-          </p:cNvSpPr>
-          <p:nvPr>
-            <p:ph type="sldNum" sz="quarter" idx="12"/>
-          </p:nvPr>
-        </p:nvSpPr>
-        <p:spPr/>
-        <p:txBody>
-          <a:bodyPr/>
-          <a:lstStyle/>
-          <a:p>
-            <a:fld id="{5911C0E6-D9CE-431C-92CB-BB39B872F930}" type="slidenum">
-              <a:rPr lang="en-US" smtClean="0"/>
-              <a:t>12</a:t>
-            </a:fld>
-            <a:endParaRPr lang="en-US"/>
-          </a:p>
-        </p:txBody>
-      </p:sp>
       <p:pic>
         <p:nvPicPr>
-          <p:cNvPr id="1042" name="Picture 18">
-            <a:extLst>
-              <a:ext uri="{FF2B5EF4-FFF2-40B4-BE49-F238E27FC236}">
-                <a16:creationId xmlns:a16="http://schemas.microsoft.com/office/drawing/2014/main" id="{A64E2537-7F5C-6576-CE5E-4997091DE72B}"/>
+          <p:cNvPr id="1044" name="Picture 20">
+            <a:extLst>
+              <a:ext uri="{FF2B5EF4-FFF2-40B4-BE49-F238E27FC236}">
+                <a16:creationId xmlns:a16="http://schemas.microsoft.com/office/drawing/2014/main" id="{27394E69-756B-7B07-6C3E-0F0C4DA7B282}"/>
               </a:ext>
             </a:extLst>
           </p:cNvPr>
@@ -3668,7 +3668,7 @@
         </p:blipFill>
         <p:spPr bwMode="auto">
           <a:xfrm>
-            <a:off x="1075902" y="1036745"/>
+            <a:off x="1058966" y="2179354"/>
             <a:ext cx="1704553" cy="1253348"/>
           </a:xfrm>
           <a:prstGeom prst="rect">
@@ -3688,10 +3688,10 @@
       </p:pic>
       <p:pic>
         <p:nvPicPr>
-          <p:cNvPr id="1044" name="Picture 20">
-            <a:extLst>
-              <a:ext uri="{FF2B5EF4-FFF2-40B4-BE49-F238E27FC236}">
-                <a16:creationId xmlns:a16="http://schemas.microsoft.com/office/drawing/2014/main" id="{27394E69-756B-7B07-6C3E-0F0C4DA7B282}"/>
+          <p:cNvPr id="1046" name="Picture 22">
+            <a:extLst>
+              <a:ext uri="{FF2B5EF4-FFF2-40B4-BE49-F238E27FC236}">
+                <a16:creationId xmlns:a16="http://schemas.microsoft.com/office/drawing/2014/main" id="{ADE9A683-F360-2DDB-5BEB-ADB131974DDD}"/>
               </a:ext>
             </a:extLst>
           </p:cNvPr>
@@ -3715,7 +3715,7 @@
         </p:blipFill>
         <p:spPr bwMode="auto">
           <a:xfrm>
-            <a:off x="1058966" y="2179354"/>
+            <a:off x="1050497" y="3321120"/>
             <a:ext cx="1704553" cy="1253348"/>
           </a:xfrm>
           <a:prstGeom prst="rect">
@@ -3735,10 +3735,10 @@
       </p:pic>
       <p:pic>
         <p:nvPicPr>
-          <p:cNvPr id="1046" name="Picture 22">
-            <a:extLst>
-              <a:ext uri="{FF2B5EF4-FFF2-40B4-BE49-F238E27FC236}">
-                <a16:creationId xmlns:a16="http://schemas.microsoft.com/office/drawing/2014/main" id="{ADE9A683-F360-2DDB-5BEB-ADB131974DDD}"/>
+          <p:cNvPr id="1048" name="Picture 24">
+            <a:extLst>
+              <a:ext uri="{FF2B5EF4-FFF2-40B4-BE49-F238E27FC236}">
+                <a16:creationId xmlns:a16="http://schemas.microsoft.com/office/drawing/2014/main" id="{B6ACD7A2-AE91-3798-8448-C4C2867489E4}"/>
               </a:ext>
             </a:extLst>
           </p:cNvPr>
@@ -3762,7 +3762,7 @@
         </p:blipFill>
         <p:spPr bwMode="auto">
           <a:xfrm>
-            <a:off x="1050497" y="3321120"/>
+            <a:off x="1050496" y="4462886"/>
             <a:ext cx="1704553" cy="1253348"/>
           </a:xfrm>
           <a:prstGeom prst="rect">
@@ -3782,10 +3782,10 @@
       </p:pic>
       <p:pic>
         <p:nvPicPr>
-          <p:cNvPr id="1048" name="Picture 24">
-            <a:extLst>
-              <a:ext uri="{FF2B5EF4-FFF2-40B4-BE49-F238E27FC236}">
-                <a16:creationId xmlns:a16="http://schemas.microsoft.com/office/drawing/2014/main" id="{B6ACD7A2-AE91-3798-8448-C4C2867489E4}"/>
+          <p:cNvPr id="1050" name="Picture 26">
+            <a:extLst>
+              <a:ext uri="{FF2B5EF4-FFF2-40B4-BE49-F238E27FC236}">
+                <a16:creationId xmlns:a16="http://schemas.microsoft.com/office/drawing/2014/main" id="{428F7499-02F0-B225-5A07-BA7A38229A1E}"/>
               </a:ext>
             </a:extLst>
           </p:cNvPr>
@@ -3809,7 +3809,7 @@
         </p:blipFill>
         <p:spPr bwMode="auto">
           <a:xfrm>
-            <a:off x="1050496" y="4462886"/>
+            <a:off x="1050495" y="5604652"/>
             <a:ext cx="1704553" cy="1253348"/>
           </a:xfrm>
           <a:prstGeom prst="rect">
@@ -3827,12 +3827,193 @@
           </a:extLst>
         </p:spPr>
       </p:pic>
+      <p:sp>
+        <p:nvSpPr>
+          <p:cNvPr id="6" name="TextBox 5">
+            <a:extLst>
+              <a:ext uri="{FF2B5EF4-FFF2-40B4-BE49-F238E27FC236}">
+                <a16:creationId xmlns:a16="http://schemas.microsoft.com/office/drawing/2014/main" id="{040976B6-03C0-93A4-9F20-39B7C3E2C186}"/>
+              </a:ext>
+            </a:extLst>
+          </p:cNvPr>
+          <p:cNvSpPr txBox="1"/>
+          <p:nvPr/>
+        </p:nvSpPr>
+        <p:spPr>
+          <a:xfrm>
+            <a:off x="118533" y="1482694"/>
+            <a:ext cx="1109762" cy="369332"/>
+          </a:xfrm>
+          <a:prstGeom prst="rect">
+            <a:avLst/>
+          </a:prstGeom>
+          <a:noFill/>
+        </p:spPr>
+        <p:txBody>
+          <a:bodyPr wrap="square" rtlCol="0">
+            <a:spAutoFit/>
+          </a:bodyPr>
+          <a:lstStyle/>
+          <a:p>
+            <a:pPr algn="ctr"/>
+            <a:r>
+              <a:rPr lang="en-US"/>
+              <a:t>N = 50</a:t>
+            </a:r>
+            <a:endParaRPr lang="en-US" dirty="0"/>
+          </a:p>
+        </p:txBody>
+      </p:sp>
+      <p:sp>
+        <p:nvSpPr>
+          <p:cNvPr id="7" name="TextBox 6">
+            <a:extLst>
+              <a:ext uri="{FF2B5EF4-FFF2-40B4-BE49-F238E27FC236}">
+                <a16:creationId xmlns:a16="http://schemas.microsoft.com/office/drawing/2014/main" id="{12A4C896-AC34-703A-9D84-D7C492C1F379}"/>
+              </a:ext>
+            </a:extLst>
+          </p:cNvPr>
+          <p:cNvSpPr txBox="1"/>
+          <p:nvPr/>
+        </p:nvSpPr>
+        <p:spPr>
+          <a:xfrm>
+            <a:off x="110068" y="2621362"/>
+            <a:ext cx="1109762" cy="369332"/>
+          </a:xfrm>
+          <a:prstGeom prst="rect">
+            <a:avLst/>
+          </a:prstGeom>
+          <a:noFill/>
+        </p:spPr>
+        <p:txBody>
+          <a:bodyPr wrap="square" rtlCol="0">
+            <a:spAutoFit/>
+          </a:bodyPr>
+          <a:lstStyle/>
+          <a:p>
+            <a:pPr algn="ctr"/>
+            <a:r>
+              <a:rPr lang="en-US" dirty="0"/>
+              <a:t>N = 100</a:t>
+            </a:r>
+          </a:p>
+        </p:txBody>
+      </p:sp>
+      <p:sp>
+        <p:nvSpPr>
+          <p:cNvPr id="8" name="TextBox 7">
+            <a:extLst>
+              <a:ext uri="{FF2B5EF4-FFF2-40B4-BE49-F238E27FC236}">
+                <a16:creationId xmlns:a16="http://schemas.microsoft.com/office/drawing/2014/main" id="{01596658-D5B9-C4F3-8E6C-A9B32C80B5FA}"/>
+              </a:ext>
+            </a:extLst>
+          </p:cNvPr>
+          <p:cNvSpPr txBox="1"/>
+          <p:nvPr/>
+        </p:nvSpPr>
+        <p:spPr>
+          <a:xfrm>
+            <a:off x="110066" y="3760030"/>
+            <a:ext cx="1109762" cy="369332"/>
+          </a:xfrm>
+          <a:prstGeom prst="rect">
+            <a:avLst/>
+          </a:prstGeom>
+          <a:noFill/>
+        </p:spPr>
+        <p:txBody>
+          <a:bodyPr wrap="square" rtlCol="0">
+            <a:spAutoFit/>
+          </a:bodyPr>
+          <a:lstStyle/>
+          <a:p>
+            <a:pPr algn="ctr"/>
+            <a:r>
+              <a:rPr lang="en-US" dirty="0"/>
+              <a:t>N = 250</a:t>
+            </a:r>
+          </a:p>
+        </p:txBody>
+      </p:sp>
+      <p:sp>
+        <p:nvSpPr>
+          <p:cNvPr id="9" name="TextBox 8">
+            <a:extLst>
+              <a:ext uri="{FF2B5EF4-FFF2-40B4-BE49-F238E27FC236}">
+                <a16:creationId xmlns:a16="http://schemas.microsoft.com/office/drawing/2014/main" id="{516EA0B1-2660-E27B-1BE9-D20619B11B15}"/>
+              </a:ext>
+            </a:extLst>
+          </p:cNvPr>
+          <p:cNvSpPr txBox="1"/>
+          <p:nvPr/>
+        </p:nvSpPr>
+        <p:spPr>
+          <a:xfrm>
+            <a:off x="110066" y="4867991"/>
+            <a:ext cx="1109762" cy="369332"/>
+          </a:xfrm>
+          <a:prstGeom prst="rect">
+            <a:avLst/>
+          </a:prstGeom>
+          <a:noFill/>
+        </p:spPr>
+        <p:txBody>
+          <a:bodyPr wrap="square" rtlCol="0">
+            <a:spAutoFit/>
+          </a:bodyPr>
+          <a:lstStyle/>
+          <a:p>
+            <a:pPr algn="ctr"/>
+            <a:r>
+              <a:rPr lang="en-US" dirty="0"/>
+              <a:t>N = 500</a:t>
+            </a:r>
+          </a:p>
+        </p:txBody>
+      </p:sp>
+      <p:sp>
+        <p:nvSpPr>
+          <p:cNvPr id="10" name="TextBox 9">
+            <a:extLst>
+              <a:ext uri="{FF2B5EF4-FFF2-40B4-BE49-F238E27FC236}">
+                <a16:creationId xmlns:a16="http://schemas.microsoft.com/office/drawing/2014/main" id="{0BE3DEF5-9259-C55E-CCBD-D61835F23BD8}"/>
+              </a:ext>
+            </a:extLst>
+          </p:cNvPr>
+          <p:cNvSpPr txBox="1"/>
+          <p:nvPr/>
+        </p:nvSpPr>
+        <p:spPr>
+          <a:xfrm>
+            <a:off x="110066" y="5975952"/>
+            <a:ext cx="1109762" cy="369332"/>
+          </a:xfrm>
+          <a:prstGeom prst="rect">
+            <a:avLst/>
+          </a:prstGeom>
+          <a:noFill/>
+        </p:spPr>
+        <p:txBody>
+          <a:bodyPr wrap="square" rtlCol="0">
+            <a:spAutoFit/>
+          </a:bodyPr>
+          <a:lstStyle/>
+          <a:p>
+            <a:pPr algn="ctr"/>
+            <a:r>
+              <a:rPr lang="en-US" dirty="0"/>
+              <a:t>N = 1000</a:t>
+            </a:r>
+          </a:p>
+        </p:txBody>
+      </p:sp>
       <p:pic>
         <p:nvPicPr>
-          <p:cNvPr id="1050" name="Picture 26">
-            <a:extLst>
-              <a:ext uri="{FF2B5EF4-FFF2-40B4-BE49-F238E27FC236}">
-                <a16:creationId xmlns:a16="http://schemas.microsoft.com/office/drawing/2014/main" id="{428F7499-02F0-B225-5A07-BA7A38229A1E}"/>
+          <p:cNvPr id="1054" name="Picture 30">
+            <a:extLst>
+              <a:ext uri="{FF2B5EF4-FFF2-40B4-BE49-F238E27FC236}">
+                <a16:creationId xmlns:a16="http://schemas.microsoft.com/office/drawing/2014/main" id="{17D58055-CFDA-D44C-E657-8E42DB0F9227}"/>
               </a:ext>
             </a:extLst>
           </p:cNvPr>
@@ -3856,8 +4037,8 @@
         </p:blipFill>
         <p:spPr bwMode="auto">
           <a:xfrm>
-            <a:off x="1050495" y="5604652"/>
-            <a:ext cx="1704553" cy="1253348"/>
+            <a:off x="9333002" y="2000295"/>
+            <a:ext cx="2858998" cy="2040430"/>
           </a:xfrm>
           <a:prstGeom prst="rect">
             <a:avLst/>
@@ -3874,193 +4055,12 @@
           </a:extLst>
         </p:spPr>
       </p:pic>
-      <p:sp>
-        <p:nvSpPr>
-          <p:cNvPr id="6" name="TextBox 5">
-            <a:extLst>
-              <a:ext uri="{FF2B5EF4-FFF2-40B4-BE49-F238E27FC236}">
-                <a16:creationId xmlns:a16="http://schemas.microsoft.com/office/drawing/2014/main" id="{040976B6-03C0-93A4-9F20-39B7C3E2C186}"/>
-              </a:ext>
-            </a:extLst>
-          </p:cNvPr>
-          <p:cNvSpPr txBox="1"/>
-          <p:nvPr/>
-        </p:nvSpPr>
-        <p:spPr>
-          <a:xfrm>
-            <a:off x="118533" y="1482694"/>
-            <a:ext cx="1109762" cy="369332"/>
-          </a:xfrm>
-          <a:prstGeom prst="rect">
-            <a:avLst/>
-          </a:prstGeom>
-          <a:noFill/>
-        </p:spPr>
-        <p:txBody>
-          <a:bodyPr wrap="square" rtlCol="0">
-            <a:spAutoFit/>
-          </a:bodyPr>
-          <a:lstStyle/>
-          <a:p>
-            <a:pPr algn="ctr"/>
-            <a:r>
-              <a:rPr lang="en-US"/>
-              <a:t>N = 50</a:t>
-            </a:r>
-            <a:endParaRPr lang="en-US" dirty="0"/>
-          </a:p>
-        </p:txBody>
-      </p:sp>
-      <p:sp>
-        <p:nvSpPr>
-          <p:cNvPr id="7" name="TextBox 6">
-            <a:extLst>
-              <a:ext uri="{FF2B5EF4-FFF2-40B4-BE49-F238E27FC236}">
-                <a16:creationId xmlns:a16="http://schemas.microsoft.com/office/drawing/2014/main" id="{12A4C896-AC34-703A-9D84-D7C492C1F379}"/>
-              </a:ext>
-            </a:extLst>
-          </p:cNvPr>
-          <p:cNvSpPr txBox="1"/>
-          <p:nvPr/>
-        </p:nvSpPr>
-        <p:spPr>
-          <a:xfrm>
-            <a:off x="110068" y="2621362"/>
-            <a:ext cx="1109762" cy="369332"/>
-          </a:xfrm>
-          <a:prstGeom prst="rect">
-            <a:avLst/>
-          </a:prstGeom>
-          <a:noFill/>
-        </p:spPr>
-        <p:txBody>
-          <a:bodyPr wrap="square" rtlCol="0">
-            <a:spAutoFit/>
-          </a:bodyPr>
-          <a:lstStyle/>
-          <a:p>
-            <a:pPr algn="ctr"/>
-            <a:r>
-              <a:rPr lang="en-US" dirty="0"/>
-              <a:t>N = 100</a:t>
-            </a:r>
-          </a:p>
-        </p:txBody>
-      </p:sp>
-      <p:sp>
-        <p:nvSpPr>
-          <p:cNvPr id="8" name="TextBox 7">
-            <a:extLst>
-              <a:ext uri="{FF2B5EF4-FFF2-40B4-BE49-F238E27FC236}">
-                <a16:creationId xmlns:a16="http://schemas.microsoft.com/office/drawing/2014/main" id="{01596658-D5B9-C4F3-8E6C-A9B32C80B5FA}"/>
-              </a:ext>
-            </a:extLst>
-          </p:cNvPr>
-          <p:cNvSpPr txBox="1"/>
-          <p:nvPr/>
-        </p:nvSpPr>
-        <p:spPr>
-          <a:xfrm>
-            <a:off x="110066" y="3760030"/>
-            <a:ext cx="1109762" cy="369332"/>
-          </a:xfrm>
-          <a:prstGeom prst="rect">
-            <a:avLst/>
-          </a:prstGeom>
-          <a:noFill/>
-        </p:spPr>
-        <p:txBody>
-          <a:bodyPr wrap="square" rtlCol="0">
-            <a:spAutoFit/>
-          </a:bodyPr>
-          <a:lstStyle/>
-          <a:p>
-            <a:pPr algn="ctr"/>
-            <a:r>
-              <a:rPr lang="en-US" dirty="0"/>
-              <a:t>N = 250</a:t>
-            </a:r>
-          </a:p>
-        </p:txBody>
-      </p:sp>
-      <p:sp>
-        <p:nvSpPr>
-          <p:cNvPr id="9" name="TextBox 8">
-            <a:extLst>
-              <a:ext uri="{FF2B5EF4-FFF2-40B4-BE49-F238E27FC236}">
-                <a16:creationId xmlns:a16="http://schemas.microsoft.com/office/drawing/2014/main" id="{516EA0B1-2660-E27B-1BE9-D20619B11B15}"/>
-              </a:ext>
-            </a:extLst>
-          </p:cNvPr>
-          <p:cNvSpPr txBox="1"/>
-          <p:nvPr/>
-        </p:nvSpPr>
-        <p:spPr>
-          <a:xfrm>
-            <a:off x="110066" y="4867991"/>
-            <a:ext cx="1109762" cy="369332"/>
-          </a:xfrm>
-          <a:prstGeom prst="rect">
-            <a:avLst/>
-          </a:prstGeom>
-          <a:noFill/>
-        </p:spPr>
-        <p:txBody>
-          <a:bodyPr wrap="square" rtlCol="0">
-            <a:spAutoFit/>
-          </a:bodyPr>
-          <a:lstStyle/>
-          <a:p>
-            <a:pPr algn="ctr"/>
-            <a:r>
-              <a:rPr lang="en-US" dirty="0"/>
-              <a:t>N = 500</a:t>
-            </a:r>
-          </a:p>
-        </p:txBody>
-      </p:sp>
-      <p:sp>
-        <p:nvSpPr>
-          <p:cNvPr id="10" name="TextBox 9">
-            <a:extLst>
-              <a:ext uri="{FF2B5EF4-FFF2-40B4-BE49-F238E27FC236}">
-                <a16:creationId xmlns:a16="http://schemas.microsoft.com/office/drawing/2014/main" id="{0BE3DEF5-9259-C55E-CCBD-D61835F23BD8}"/>
-              </a:ext>
-            </a:extLst>
-          </p:cNvPr>
-          <p:cNvSpPr txBox="1"/>
-          <p:nvPr/>
-        </p:nvSpPr>
-        <p:spPr>
-          <a:xfrm>
-            <a:off x="110066" y="5975952"/>
-            <a:ext cx="1109762" cy="369332"/>
-          </a:xfrm>
-          <a:prstGeom prst="rect">
-            <a:avLst/>
-          </a:prstGeom>
-          <a:noFill/>
-        </p:spPr>
-        <p:txBody>
-          <a:bodyPr wrap="square" rtlCol="0">
-            <a:spAutoFit/>
-          </a:bodyPr>
-          <a:lstStyle/>
-          <a:p>
-            <a:pPr algn="ctr"/>
-            <a:r>
-              <a:rPr lang="en-US" dirty="0"/>
-              <a:t>N = 1000</a:t>
-            </a:r>
-          </a:p>
-        </p:txBody>
-      </p:sp>
       <p:pic>
         <p:nvPicPr>
-          <p:cNvPr id="1054" name="Picture 30">
-            <a:extLst>
-              <a:ext uri="{FF2B5EF4-FFF2-40B4-BE49-F238E27FC236}">
-                <a16:creationId xmlns:a16="http://schemas.microsoft.com/office/drawing/2014/main" id="{17D58055-CFDA-D44C-E657-8E42DB0F9227}"/>
+          <p:cNvPr id="1058" name="Picture 34">
+            <a:extLst>
+              <a:ext uri="{FF2B5EF4-FFF2-40B4-BE49-F238E27FC236}">
+                <a16:creationId xmlns:a16="http://schemas.microsoft.com/office/drawing/2014/main" id="{6F34F49E-973E-D946-E050-9354D9AC18EE}"/>
               </a:ext>
             </a:extLst>
           </p:cNvPr>
@@ -4084,8 +4084,8 @@
         </p:blipFill>
         <p:spPr bwMode="auto">
           <a:xfrm>
-            <a:off x="9333002" y="2000295"/>
-            <a:ext cx="2858998" cy="2040430"/>
+            <a:off x="9333002" y="3735318"/>
+            <a:ext cx="2743200" cy="2040429"/>
           </a:xfrm>
           <a:prstGeom prst="rect">
             <a:avLst/>
@@ -4104,10 +4104,10 @@
       </p:pic>
       <p:pic>
         <p:nvPicPr>
-          <p:cNvPr id="1058" name="Picture 34">
-            <a:extLst>
-              <a:ext uri="{FF2B5EF4-FFF2-40B4-BE49-F238E27FC236}">
-                <a16:creationId xmlns:a16="http://schemas.microsoft.com/office/drawing/2014/main" id="{6F34F49E-973E-D946-E050-9354D9AC18EE}"/>
+          <p:cNvPr id="1052" name="Picture 28">
+            <a:extLst>
+              <a:ext uri="{FF2B5EF4-FFF2-40B4-BE49-F238E27FC236}">
+                <a16:creationId xmlns:a16="http://schemas.microsoft.com/office/drawing/2014/main" id="{8D14E277-BDD1-4CFC-BAD5-8AD4D035DA4D}"/>
               </a:ext>
             </a:extLst>
           </p:cNvPr>
@@ -4131,8 +4131,8 @@
         </p:blipFill>
         <p:spPr bwMode="auto">
           <a:xfrm>
-            <a:off x="9333002" y="3735318"/>
-            <a:ext cx="2743200" cy="2040429"/>
+            <a:off x="6506807" y="2050473"/>
+            <a:ext cx="2858997" cy="2009557"/>
           </a:xfrm>
           <a:prstGeom prst="rect">
             <a:avLst/>
@@ -4151,10 +4151,10 @@
       </p:pic>
       <p:pic>
         <p:nvPicPr>
-          <p:cNvPr id="1052" name="Picture 28">
-            <a:extLst>
-              <a:ext uri="{FF2B5EF4-FFF2-40B4-BE49-F238E27FC236}">
-                <a16:creationId xmlns:a16="http://schemas.microsoft.com/office/drawing/2014/main" id="{8D14E277-BDD1-4CFC-BAD5-8AD4D035DA4D}"/>
+          <p:cNvPr id="1056" name="Picture 32">
+            <a:extLst>
+              <a:ext uri="{FF2B5EF4-FFF2-40B4-BE49-F238E27FC236}">
+                <a16:creationId xmlns:a16="http://schemas.microsoft.com/office/drawing/2014/main" id="{E6C8F860-301E-1B4F-862A-9555AEA5C080}"/>
               </a:ext>
             </a:extLst>
           </p:cNvPr>
@@ -4165,53 +4165,6 @@
         </p:nvPicPr>
         <p:blipFill>
           <a:blip r:embed="rId10">
-            <a:extLst>
-              <a:ext uri="{28A0092B-C50C-407E-A947-70E740481C1C}">
-                <a14:useLocalDpi xmlns:a14="http://schemas.microsoft.com/office/drawing/2010/main" val="0"/>
-              </a:ext>
-            </a:extLst>
-          </a:blip>
-          <a:srcRect/>
-          <a:stretch>
-            <a:fillRect/>
-          </a:stretch>
-        </p:blipFill>
-        <p:spPr bwMode="auto">
-          <a:xfrm>
-            <a:off x="6506807" y="2050473"/>
-            <a:ext cx="2858997" cy="2009557"/>
-          </a:xfrm>
-          <a:prstGeom prst="rect">
-            <a:avLst/>
-          </a:prstGeom>
-          <a:noFill/>
-          <a:extLst>
-            <a:ext uri="{909E8E84-426E-40DD-AFC4-6F175D3DCCD1}">
-              <a14:hiddenFill xmlns:a14="http://schemas.microsoft.com/office/drawing/2010/main">
-                <a:solidFill>
-                  <a:srgbClr val="FFFFFF"/>
-                </a:solidFill>
-              </a14:hiddenFill>
-            </a:ext>
-          </a:extLst>
-        </p:spPr>
-      </p:pic>
-      <p:pic>
-        <p:nvPicPr>
-          <p:cNvPr id="1056" name="Picture 32">
-            <a:extLst>
-              <a:ext uri="{FF2B5EF4-FFF2-40B4-BE49-F238E27FC236}">
-                <a16:creationId xmlns:a16="http://schemas.microsoft.com/office/drawing/2014/main" id="{E6C8F860-301E-1B4F-862A-9555AEA5C080}"/>
-              </a:ext>
-            </a:extLst>
-          </p:cNvPr>
-          <p:cNvPicPr>
-            <a:picLocks noChangeAspect="1" noChangeArrowheads="1"/>
-          </p:cNvPicPr>
-          <p:nvPr/>
-        </p:nvPicPr>
-        <p:blipFill>
-          <a:blip r:embed="rId11">
             <a:extLst>
               <a:ext uri="{28A0092B-C50C-407E-A947-70E740481C1C}">
                 <a14:useLocalDpi xmlns:a14="http://schemas.microsoft.com/office/drawing/2010/main" val="0"/>
@@ -4321,6 +4274,53 @@
           </a:p>
         </p:txBody>
       </p:sp>
+      <p:pic>
+        <p:nvPicPr>
+          <p:cNvPr id="1062" name="Picture 38">
+            <a:extLst>
+              <a:ext uri="{FF2B5EF4-FFF2-40B4-BE49-F238E27FC236}">
+                <a16:creationId xmlns:a16="http://schemas.microsoft.com/office/drawing/2014/main" id="{FF7C98AD-6D8F-08CE-6CD5-42F0B92ED771}"/>
+              </a:ext>
+            </a:extLst>
+          </p:cNvPr>
+          <p:cNvPicPr>
+            <a:picLocks noChangeAspect="1" noChangeArrowheads="1"/>
+          </p:cNvPicPr>
+          <p:nvPr/>
+        </p:nvPicPr>
+        <p:blipFill>
+          <a:blip r:embed="rId11">
+            <a:extLst>
+              <a:ext uri="{28A0092B-C50C-407E-A947-70E740481C1C}">
+                <a14:useLocalDpi xmlns:a14="http://schemas.microsoft.com/office/drawing/2010/main" val="0"/>
+              </a:ext>
+            </a:extLst>
+          </a:blip>
+          <a:srcRect/>
+          <a:stretch>
+            <a:fillRect/>
+          </a:stretch>
+        </p:blipFill>
+        <p:spPr bwMode="auto">
+          <a:xfrm>
+            <a:off x="2919099" y="2704510"/>
+            <a:ext cx="3570772" cy="2672429"/>
+          </a:xfrm>
+          <a:prstGeom prst="rect">
+            <a:avLst/>
+          </a:prstGeom>
+          <a:noFill/>
+          <a:extLst>
+            <a:ext uri="{909E8E84-426E-40DD-AFC4-6F175D3DCCD1}">
+              <a14:hiddenFill xmlns:a14="http://schemas.microsoft.com/office/drawing/2010/main">
+                <a:solidFill>
+                  <a:srgbClr val="FFFFFF"/>
+                </a:solidFill>
+              </a14:hiddenFill>
+            </a:ext>
+          </a:extLst>
+        </p:spPr>
+      </p:pic>
     </p:spTree>
     <p:extLst>
       <p:ext uri="{BB962C8B-B14F-4D97-AF65-F5344CB8AC3E}">

--- a/NAF.pptx
+++ b/NAF.pptx
@@ -4212,7 +4212,7 @@
         </p:nvCxnSpPr>
         <p:spPr>
           <a:xfrm>
-            <a:off x="2506135" y="1036745"/>
+            <a:off x="2514602" y="1036745"/>
             <a:ext cx="0" cy="5684730"/>
           </a:xfrm>
           <a:prstGeom prst="line">
@@ -4269,7 +4269,7 @@
           <a:p>
             <a:r>
               <a:rPr lang="en-US" sz="1200" dirty="0"/>
-              <a:t>Transition knee in red (z=90)</a:t>
+              <a:t>Transition knee in red (z ~ 90)</a:t>
             </a:r>
           </a:p>
         </p:txBody>

--- a/NAF.pptx
+++ b/NAF.pptx
@@ -4321,6 +4321,42 @@
           </a:extLst>
         </p:spPr>
       </p:pic>
+      <p:sp>
+        <p:nvSpPr>
+          <p:cNvPr id="16" name="TextBox 15">
+            <a:extLst>
+              <a:ext uri="{FF2B5EF4-FFF2-40B4-BE49-F238E27FC236}">
+                <a16:creationId xmlns:a16="http://schemas.microsoft.com/office/drawing/2014/main" id="{17B4BA82-DF93-93A0-D95B-00B0F7C9A0BC}"/>
+              </a:ext>
+            </a:extLst>
+          </p:cNvPr>
+          <p:cNvSpPr txBox="1"/>
+          <p:nvPr/>
+        </p:nvSpPr>
+        <p:spPr>
+          <a:xfrm>
+            <a:off x="3809550" y="5483295"/>
+            <a:ext cx="2277533" cy="276999"/>
+          </a:xfrm>
+          <a:prstGeom prst="rect">
+            <a:avLst/>
+          </a:prstGeom>
+          <a:noFill/>
+        </p:spPr>
+        <p:txBody>
+          <a:bodyPr wrap="square" rtlCol="0">
+            <a:spAutoFit/>
+          </a:bodyPr>
+          <a:lstStyle/>
+          <a:p>
+            <a:pPr algn="ctr"/>
+            <a:r>
+              <a:rPr lang="en-US" sz="1200" dirty="0"/>
+              <a:t>Analytical dotted</a:t>
+            </a:r>
+          </a:p>
+        </p:txBody>
+      </p:sp>
     </p:spTree>
     <p:extLst>
       <p:ext uri="{BB962C8B-B14F-4D97-AF65-F5344CB8AC3E}">

--- a/NAF.pptx
+++ b/NAF.pptx
@@ -3558,7 +3558,7 @@
           <a:p>
             <a:r>
               <a:rPr lang="en-US" dirty="0"/>
-              <a:t>Counterion only; uneven grid (N)</a:t>
+              <a:t>Uneven grid (N)</a:t>
             </a:r>
           </a:p>
         </p:txBody>
@@ -3857,10 +3857,9 @@
           <a:p>
             <a:pPr algn="ctr"/>
             <a:r>
-              <a:rPr lang="en-US"/>
+              <a:rPr lang="en-US" dirty="0"/>
               <a:t>N = 50</a:t>
             </a:r>
-            <a:endParaRPr lang="en-US" dirty="0"/>
           </a:p>
         </p:txBody>
       </p:sp>
@@ -4387,6 +4386,53 @@
           <a:chExt cx="0" cy="0"/>
         </a:xfrm>
       </p:grpSpPr>
+      <p:pic>
+        <p:nvPicPr>
+          <p:cNvPr id="2060" name="Picture 12">
+            <a:extLst>
+              <a:ext uri="{FF2B5EF4-FFF2-40B4-BE49-F238E27FC236}">
+                <a16:creationId xmlns:a16="http://schemas.microsoft.com/office/drawing/2014/main" id="{41E8D11D-6FF1-B35C-B852-0F0A3F0ACA20}"/>
+              </a:ext>
+            </a:extLst>
+          </p:cNvPr>
+          <p:cNvPicPr>
+            <a:picLocks noChangeAspect="1" noChangeArrowheads="1"/>
+          </p:cNvPicPr>
+          <p:nvPr/>
+        </p:nvPicPr>
+        <p:blipFill>
+          <a:blip r:embed="rId2">
+            <a:extLst>
+              <a:ext uri="{28A0092B-C50C-407E-A947-70E740481C1C}">
+                <a14:useLocalDpi xmlns:a14="http://schemas.microsoft.com/office/drawing/2010/main" val="0"/>
+              </a:ext>
+            </a:extLst>
+          </a:blip>
+          <a:srcRect/>
+          <a:stretch>
+            <a:fillRect/>
+          </a:stretch>
+        </p:blipFill>
+        <p:spPr bwMode="auto">
+          <a:xfrm>
+            <a:off x="1128776" y="1371070"/>
+            <a:ext cx="2524761" cy="1803401"/>
+          </a:xfrm>
+          <a:prstGeom prst="rect">
+            <a:avLst/>
+          </a:prstGeom>
+          <a:noFill/>
+          <a:extLst>
+            <a:ext uri="{909E8E84-426E-40DD-AFC4-6F175D3DCCD1}">
+              <a14:hiddenFill xmlns:a14="http://schemas.microsoft.com/office/drawing/2010/main">
+                <a:solidFill>
+                  <a:srgbClr val="FFFFFF"/>
+                </a:solidFill>
+              </a14:hiddenFill>
+            </a:ext>
+          </a:extLst>
+        </p:spPr>
+      </p:pic>
       <p:sp>
         <p:nvSpPr>
           <p:cNvPr id="2" name="Title 1">
@@ -4408,7 +4454,10 @@
           <a:bodyPr/>
           <a:lstStyle/>
           <a:p>
-            <a:endParaRPr lang="en-US"/>
+            <a:r>
+              <a:rPr lang="en-US" dirty="0"/>
+              <a:t>Uneven grid (L)</a:t>
+            </a:r>
           </a:p>
         </p:txBody>
       </p:sp>
@@ -4438,6 +4487,400 @@
               <a:t>13</a:t>
             </a:fld>
             <a:endParaRPr lang="en-US"/>
+          </a:p>
+        </p:txBody>
+      </p:sp>
+      <p:pic>
+        <p:nvPicPr>
+          <p:cNvPr id="2050" name="Picture 2">
+            <a:extLst>
+              <a:ext uri="{FF2B5EF4-FFF2-40B4-BE49-F238E27FC236}">
+                <a16:creationId xmlns:a16="http://schemas.microsoft.com/office/drawing/2014/main" id="{685DD4D1-5E1E-393A-9B14-CE059C456A09}"/>
+              </a:ext>
+            </a:extLst>
+          </p:cNvPr>
+          <p:cNvPicPr>
+            <a:picLocks noChangeAspect="1" noChangeArrowheads="1"/>
+          </p:cNvPicPr>
+          <p:nvPr/>
+        </p:nvPicPr>
+        <p:blipFill>
+          <a:blip r:embed="rId3">
+            <a:extLst>
+              <a:ext uri="{28A0092B-C50C-407E-A947-70E740481C1C}">
+                <a14:useLocalDpi xmlns:a14="http://schemas.microsoft.com/office/drawing/2010/main" val="0"/>
+              </a:ext>
+            </a:extLst>
+          </a:blip>
+          <a:srcRect/>
+          <a:stretch>
+            <a:fillRect/>
+          </a:stretch>
+        </p:blipFill>
+        <p:spPr bwMode="auto">
+          <a:xfrm>
+            <a:off x="6223494" y="2530009"/>
+            <a:ext cx="4109183" cy="2939646"/>
+          </a:xfrm>
+          <a:prstGeom prst="rect">
+            <a:avLst/>
+          </a:prstGeom>
+          <a:noFill/>
+          <a:extLst>
+            <a:ext uri="{909E8E84-426E-40DD-AFC4-6F175D3DCCD1}">
+              <a14:hiddenFill xmlns:a14="http://schemas.microsoft.com/office/drawing/2010/main">
+                <a:solidFill>
+                  <a:srgbClr val="FFFFFF"/>
+                </a:solidFill>
+              </a14:hiddenFill>
+            </a:ext>
+          </a:extLst>
+        </p:spPr>
+      </p:pic>
+      <p:pic>
+        <p:nvPicPr>
+          <p:cNvPr id="2056" name="Picture 8">
+            <a:extLst>
+              <a:ext uri="{FF2B5EF4-FFF2-40B4-BE49-F238E27FC236}">
+                <a16:creationId xmlns:a16="http://schemas.microsoft.com/office/drawing/2014/main" id="{F7CC2312-09AA-87A9-C3C7-5513660A813C}"/>
+              </a:ext>
+            </a:extLst>
+          </p:cNvPr>
+          <p:cNvPicPr>
+            <a:picLocks noChangeAspect="1" noChangeArrowheads="1"/>
+          </p:cNvPicPr>
+          <p:nvPr/>
+        </p:nvPicPr>
+        <p:blipFill>
+          <a:blip r:embed="rId4">
+            <a:extLst>
+              <a:ext uri="{28A0092B-C50C-407E-A947-70E740481C1C}">
+                <a14:useLocalDpi xmlns:a14="http://schemas.microsoft.com/office/drawing/2010/main" val="0"/>
+              </a:ext>
+            </a:extLst>
+          </a:blip>
+          <a:srcRect/>
+          <a:stretch>
+            <a:fillRect/>
+          </a:stretch>
+        </p:blipFill>
+        <p:spPr bwMode="auto">
+          <a:xfrm>
+            <a:off x="1128777" y="3014133"/>
+            <a:ext cx="2524760" cy="1803400"/>
+          </a:xfrm>
+          <a:prstGeom prst="rect">
+            <a:avLst/>
+          </a:prstGeom>
+          <a:noFill/>
+          <a:extLst>
+            <a:ext uri="{909E8E84-426E-40DD-AFC4-6F175D3DCCD1}">
+              <a14:hiddenFill xmlns:a14="http://schemas.microsoft.com/office/drawing/2010/main">
+                <a:solidFill>
+                  <a:srgbClr val="FFFFFF"/>
+                </a:solidFill>
+              </a14:hiddenFill>
+            </a:ext>
+          </a:extLst>
+        </p:spPr>
+      </p:pic>
+      <p:pic>
+        <p:nvPicPr>
+          <p:cNvPr id="2058" name="Picture 10">
+            <a:extLst>
+              <a:ext uri="{FF2B5EF4-FFF2-40B4-BE49-F238E27FC236}">
+                <a16:creationId xmlns:a16="http://schemas.microsoft.com/office/drawing/2014/main" id="{01077240-9147-8861-AEBD-F32C43474A48}"/>
+              </a:ext>
+            </a:extLst>
+          </p:cNvPr>
+          <p:cNvPicPr>
+            <a:picLocks noChangeAspect="1" noChangeArrowheads="1"/>
+          </p:cNvPicPr>
+          <p:nvPr/>
+        </p:nvPicPr>
+        <p:blipFill>
+          <a:blip r:embed="rId5">
+            <a:extLst>
+              <a:ext uri="{28A0092B-C50C-407E-A947-70E740481C1C}">
+                <a14:useLocalDpi xmlns:a14="http://schemas.microsoft.com/office/drawing/2010/main" val="0"/>
+              </a:ext>
+            </a:extLst>
+          </a:blip>
+          <a:srcRect/>
+          <a:stretch>
+            <a:fillRect/>
+          </a:stretch>
+        </p:blipFill>
+        <p:spPr bwMode="auto">
+          <a:xfrm>
+            <a:off x="1128777" y="4657196"/>
+            <a:ext cx="2524760" cy="1803400"/>
+          </a:xfrm>
+          <a:prstGeom prst="rect">
+            <a:avLst/>
+          </a:prstGeom>
+          <a:noFill/>
+          <a:extLst>
+            <a:ext uri="{909E8E84-426E-40DD-AFC4-6F175D3DCCD1}">
+              <a14:hiddenFill xmlns:a14="http://schemas.microsoft.com/office/drawing/2010/main">
+                <a:solidFill>
+                  <a:srgbClr val="FFFFFF"/>
+                </a:solidFill>
+              </a14:hiddenFill>
+            </a:ext>
+          </a:extLst>
+        </p:spPr>
+      </p:pic>
+      <p:sp>
+        <p:nvSpPr>
+          <p:cNvPr id="4" name="TextBox 3">
+            <a:extLst>
+              <a:ext uri="{FF2B5EF4-FFF2-40B4-BE49-F238E27FC236}">
+                <a16:creationId xmlns:a16="http://schemas.microsoft.com/office/drawing/2014/main" id="{EA778F53-5D87-510E-4AAC-424D57EE9698}"/>
+              </a:ext>
+            </a:extLst>
+          </p:cNvPr>
+          <p:cNvSpPr txBox="1"/>
+          <p:nvPr/>
+        </p:nvSpPr>
+        <p:spPr>
+          <a:xfrm>
+            <a:off x="101600" y="2007936"/>
+            <a:ext cx="1109762" cy="369332"/>
+          </a:xfrm>
+          <a:prstGeom prst="rect">
+            <a:avLst/>
+          </a:prstGeom>
+          <a:noFill/>
+        </p:spPr>
+        <p:txBody>
+          <a:bodyPr wrap="square" rtlCol="0">
+            <a:spAutoFit/>
+          </a:bodyPr>
+          <a:lstStyle/>
+          <a:p>
+            <a:pPr algn="ctr"/>
+            <a:r>
+              <a:rPr lang="en-US" dirty="0"/>
+              <a:t>L = 100</a:t>
+            </a:r>
+          </a:p>
+        </p:txBody>
+      </p:sp>
+      <p:sp>
+        <p:nvSpPr>
+          <p:cNvPr id="5" name="TextBox 4">
+            <a:extLst>
+              <a:ext uri="{FF2B5EF4-FFF2-40B4-BE49-F238E27FC236}">
+                <a16:creationId xmlns:a16="http://schemas.microsoft.com/office/drawing/2014/main" id="{EBE28790-2533-CF6B-362D-9021A52B0273}"/>
+              </a:ext>
+            </a:extLst>
+          </p:cNvPr>
+          <p:cNvSpPr txBox="1"/>
+          <p:nvPr/>
+        </p:nvSpPr>
+        <p:spPr>
+          <a:xfrm>
+            <a:off x="101600" y="3630500"/>
+            <a:ext cx="1109762" cy="369332"/>
+          </a:xfrm>
+          <a:prstGeom prst="rect">
+            <a:avLst/>
+          </a:prstGeom>
+          <a:noFill/>
+        </p:spPr>
+        <p:txBody>
+          <a:bodyPr wrap="square" rtlCol="0">
+            <a:spAutoFit/>
+          </a:bodyPr>
+          <a:lstStyle/>
+          <a:p>
+            <a:pPr algn="ctr"/>
+            <a:r>
+              <a:rPr lang="en-US" dirty="0"/>
+              <a:t>L = 200</a:t>
+            </a:r>
+          </a:p>
+        </p:txBody>
+      </p:sp>
+      <p:sp>
+        <p:nvSpPr>
+          <p:cNvPr id="6" name="TextBox 5">
+            <a:extLst>
+              <a:ext uri="{FF2B5EF4-FFF2-40B4-BE49-F238E27FC236}">
+                <a16:creationId xmlns:a16="http://schemas.microsoft.com/office/drawing/2014/main" id="{AF6A6FB9-94F2-B181-AE59-941C276F4A5E}"/>
+              </a:ext>
+            </a:extLst>
+          </p:cNvPr>
+          <p:cNvSpPr txBox="1"/>
+          <p:nvPr/>
+        </p:nvSpPr>
+        <p:spPr>
+          <a:xfrm>
+            <a:off x="101600" y="5306497"/>
+            <a:ext cx="1109762" cy="369332"/>
+          </a:xfrm>
+          <a:prstGeom prst="rect">
+            <a:avLst/>
+          </a:prstGeom>
+          <a:noFill/>
+        </p:spPr>
+        <p:txBody>
+          <a:bodyPr wrap="square" rtlCol="0">
+            <a:spAutoFit/>
+          </a:bodyPr>
+          <a:lstStyle/>
+          <a:p>
+            <a:pPr algn="ctr"/>
+            <a:r>
+              <a:rPr lang="en-US" dirty="0"/>
+              <a:t>L = 500</a:t>
+            </a:r>
+          </a:p>
+        </p:txBody>
+      </p:sp>
+      <p:sp>
+        <p:nvSpPr>
+          <p:cNvPr id="7" name="TextBox 6">
+            <a:extLst>
+              <a:ext uri="{FF2B5EF4-FFF2-40B4-BE49-F238E27FC236}">
+                <a16:creationId xmlns:a16="http://schemas.microsoft.com/office/drawing/2014/main" id="{9CBDA34D-E8FF-E373-D9E1-EA515746D6D6}"/>
+              </a:ext>
+            </a:extLst>
+          </p:cNvPr>
+          <p:cNvSpPr txBox="1"/>
+          <p:nvPr/>
+        </p:nvSpPr>
+        <p:spPr>
+          <a:xfrm>
+            <a:off x="3939711" y="2007936"/>
+            <a:ext cx="1109762" cy="369332"/>
+          </a:xfrm>
+          <a:prstGeom prst="rect">
+            <a:avLst/>
+          </a:prstGeom>
+          <a:noFill/>
+        </p:spPr>
+        <p:txBody>
+          <a:bodyPr wrap="square" rtlCol="0">
+            <a:spAutoFit/>
+          </a:bodyPr>
+          <a:lstStyle/>
+          <a:p>
+            <a:pPr algn="ctr"/>
+            <a:r>
+              <a:rPr lang="en-US" dirty="0"/>
+              <a:t>Original</a:t>
+            </a:r>
+          </a:p>
+        </p:txBody>
+      </p:sp>
+      <p:sp>
+        <p:nvSpPr>
+          <p:cNvPr id="8" name="TextBox 7">
+            <a:extLst>
+              <a:ext uri="{FF2B5EF4-FFF2-40B4-BE49-F238E27FC236}">
+                <a16:creationId xmlns:a16="http://schemas.microsoft.com/office/drawing/2014/main" id="{FD52D838-8109-9A4B-0545-A6F95DE6C2D8}"/>
+              </a:ext>
+            </a:extLst>
+          </p:cNvPr>
+          <p:cNvSpPr txBox="1"/>
+          <p:nvPr/>
+        </p:nvSpPr>
+        <p:spPr>
+          <a:xfrm>
+            <a:off x="3841453" y="3429000"/>
+            <a:ext cx="1306279" cy="646331"/>
+          </a:xfrm>
+          <a:prstGeom prst="rect">
+            <a:avLst/>
+          </a:prstGeom>
+          <a:noFill/>
+        </p:spPr>
+        <p:txBody>
+          <a:bodyPr wrap="square" rtlCol="0">
+            <a:spAutoFit/>
+          </a:bodyPr>
+          <a:lstStyle/>
+          <a:p>
+            <a:pPr algn="ctr"/>
+            <a:r>
+              <a:rPr lang="en-US" dirty="0"/>
+              <a:t>Extend left evenly</a:t>
+            </a:r>
+          </a:p>
+        </p:txBody>
+      </p:sp>
+      <p:sp>
+        <p:nvSpPr>
+          <p:cNvPr id="9" name="TextBox 8">
+            <a:extLst>
+              <a:ext uri="{FF2B5EF4-FFF2-40B4-BE49-F238E27FC236}">
+                <a16:creationId xmlns:a16="http://schemas.microsoft.com/office/drawing/2014/main" id="{27A32FC2-939C-CA10-F50B-885F5509DE11}"/>
+              </a:ext>
+            </a:extLst>
+          </p:cNvPr>
+          <p:cNvSpPr txBox="1"/>
+          <p:nvPr/>
+        </p:nvSpPr>
+        <p:spPr>
+          <a:xfrm>
+            <a:off x="3841453" y="5112994"/>
+            <a:ext cx="1306279" cy="646331"/>
+          </a:xfrm>
+          <a:prstGeom prst="rect">
+            <a:avLst/>
+          </a:prstGeom>
+          <a:noFill/>
+        </p:spPr>
+        <p:txBody>
+          <a:bodyPr wrap="square" rtlCol="0">
+            <a:spAutoFit/>
+          </a:bodyPr>
+          <a:lstStyle/>
+          <a:p>
+            <a:pPr algn="ctr"/>
+            <a:r>
+              <a:rPr lang="en-US" dirty="0"/>
+              <a:t>Extend left evenly</a:t>
+            </a:r>
+          </a:p>
+        </p:txBody>
+      </p:sp>
+      <p:sp>
+        <p:nvSpPr>
+          <p:cNvPr id="10" name="TextBox 9">
+            <a:extLst>
+              <a:ext uri="{FF2B5EF4-FFF2-40B4-BE49-F238E27FC236}">
+                <a16:creationId xmlns:a16="http://schemas.microsoft.com/office/drawing/2014/main" id="{6CB92EDC-32FC-797F-05EA-5C3F162CFF80}"/>
+              </a:ext>
+            </a:extLst>
+          </p:cNvPr>
+          <p:cNvSpPr txBox="1"/>
+          <p:nvPr/>
+        </p:nvSpPr>
+        <p:spPr>
+          <a:xfrm>
+            <a:off x="6971806" y="2152078"/>
+            <a:ext cx="3213594" cy="369332"/>
+          </a:xfrm>
+          <a:prstGeom prst="rect">
+            <a:avLst/>
+          </a:prstGeom>
+          <a:noFill/>
+        </p:spPr>
+        <p:txBody>
+          <a:bodyPr wrap="square" rtlCol="0">
+            <a:spAutoFit/>
+          </a:bodyPr>
+          <a:lstStyle/>
+          <a:p>
+            <a:pPr algn="ctr"/>
+            <a:r>
+              <a:rPr lang="en-US"/>
+              <a:t>s = −20e-20</a:t>
+            </a:r>
+            <a:endParaRPr lang="en-US" dirty="0"/>
           </a:p>
         </p:txBody>
       </p:sp>

--- a/NAF.pptx
+++ b/NAF.pptx
@@ -5,7 +5,7 @@
     <p:sldMasterId id="2147483648" r:id="rId1"/>
   </p:sldMasterIdLst>
   <p:notesMasterIdLst>
-    <p:notesMasterId r:id="rId15"/>
+    <p:notesMasterId r:id="rId16"/>
   </p:notesMasterIdLst>
   <p:sldIdLst>
     <p:sldId id="256" r:id="rId2"/>
@@ -19,8 +19,9 @@
     <p:sldId id="267" r:id="rId10"/>
     <p:sldId id="268" r:id="rId11"/>
     <p:sldId id="269" r:id="rId12"/>
-    <p:sldId id="270" r:id="rId13"/>
-    <p:sldId id="271" r:id="rId14"/>
+    <p:sldId id="272" r:id="rId13"/>
+    <p:sldId id="270" r:id="rId14"/>
+    <p:sldId id="271" r:id="rId15"/>
   </p:sldIdLst>
   <p:sldSz cx="12192000" cy="6858000"/>
   <p:notesSz cx="6858000" cy="9144000"/>
@@ -3540,7 +3541,7 @@
           <p:cNvPr id="2" name="Title 1">
             <a:extLst>
               <a:ext uri="{FF2B5EF4-FFF2-40B4-BE49-F238E27FC236}">
-                <a16:creationId xmlns:a16="http://schemas.microsoft.com/office/drawing/2014/main" id="{B3436272-836D-489D-55E0-0D4D0B415472}"/>
+                <a16:creationId xmlns:a16="http://schemas.microsoft.com/office/drawing/2014/main" id="{A882F99E-BC1F-78C6-B99D-E6D55E663FA9}"/>
               </a:ext>
             </a:extLst>
           </p:cNvPr>
@@ -3558,7 +3559,7 @@
           <a:p>
             <a:r>
               <a:rPr lang="en-US" dirty="0"/>
-              <a:t>Uneven grid (N)</a:t>
+              <a:t>Uneven grid (theory)</a:t>
             </a:r>
           </a:p>
         </p:txBody>
@@ -3568,7 +3569,7 @@
           <p:cNvPr id="3" name="Slide Number Placeholder 2">
             <a:extLst>
               <a:ext uri="{FF2B5EF4-FFF2-40B4-BE49-F238E27FC236}">
-                <a16:creationId xmlns:a16="http://schemas.microsoft.com/office/drawing/2014/main" id="{C7B67C98-748A-3022-A142-F88F92AB605F}"/>
+                <a16:creationId xmlns:a16="http://schemas.microsoft.com/office/drawing/2014/main" id="{5FB93948-1CF0-2B79-F8DC-73C7261BCEB7}"/>
               </a:ext>
             </a:extLst>
           </p:cNvPr>
@@ -3594,764 +3595,128 @@
       </p:sp>
       <p:pic>
         <p:nvPicPr>
-          <p:cNvPr id="1042" name="Picture 18">
-            <a:extLst>
-              <a:ext uri="{FF2B5EF4-FFF2-40B4-BE49-F238E27FC236}">
-                <a16:creationId xmlns:a16="http://schemas.microsoft.com/office/drawing/2014/main" id="{A64E2537-7F5C-6576-CE5E-4997091DE72B}"/>
+          <p:cNvPr id="5" name="Picture 4">
+            <a:extLst>
+              <a:ext uri="{FF2B5EF4-FFF2-40B4-BE49-F238E27FC236}">
+                <a16:creationId xmlns:a16="http://schemas.microsoft.com/office/drawing/2014/main" id="{B16B6D6E-6E98-E940-6FD1-68B314E12810}"/>
               </a:ext>
             </a:extLst>
           </p:cNvPr>
           <p:cNvPicPr>
-            <a:picLocks noChangeAspect="1" noChangeArrowheads="1"/>
+            <a:picLocks noChangeAspect="1"/>
           </p:cNvPicPr>
           <p:nvPr/>
         </p:nvPicPr>
         <p:blipFill>
-          <a:blip r:embed="rId2">
-            <a:extLst>
-              <a:ext uri="{28A0092B-C50C-407E-A947-70E740481C1C}">
-                <a14:useLocalDpi xmlns:a14="http://schemas.microsoft.com/office/drawing/2010/main" val="0"/>
-              </a:ext>
-            </a:extLst>
-          </a:blip>
-          <a:srcRect/>
+          <a:blip r:embed="rId2"/>
           <a:stretch>
             <a:fillRect/>
           </a:stretch>
         </p:blipFill>
-        <p:spPr bwMode="auto">
-          <a:xfrm>
-            <a:off x="1075902" y="1036745"/>
-            <a:ext cx="1704553" cy="1253348"/>
+        <p:spPr>
+          <a:xfrm>
+            <a:off x="4210439" y="1237112"/>
+            <a:ext cx="3263122" cy="5420333"/>
           </a:xfrm>
           <a:prstGeom prst="rect">
             <a:avLst/>
           </a:prstGeom>
-          <a:noFill/>
-          <a:extLst>
-            <a:ext uri="{909E8E84-426E-40DD-AFC4-6F175D3DCCD1}">
-              <a14:hiddenFill xmlns:a14="http://schemas.microsoft.com/office/drawing/2010/main">
-                <a:solidFill>
-                  <a:srgbClr val="FFFFFF"/>
-                </a:solidFill>
-              </a14:hiddenFill>
-            </a:ext>
-          </a:extLst>
-        </p:spPr>
-      </p:pic>
-      <p:pic>
-        <p:nvPicPr>
-          <p:cNvPr id="1044" name="Picture 20">
-            <a:extLst>
-              <a:ext uri="{FF2B5EF4-FFF2-40B4-BE49-F238E27FC236}">
-                <a16:creationId xmlns:a16="http://schemas.microsoft.com/office/drawing/2014/main" id="{27394E69-756B-7B07-6C3E-0F0C4DA7B282}"/>
-              </a:ext>
-            </a:extLst>
-          </p:cNvPr>
-          <p:cNvPicPr>
-            <a:picLocks noChangeAspect="1" noChangeArrowheads="1"/>
-          </p:cNvPicPr>
-          <p:nvPr/>
-        </p:nvPicPr>
-        <p:blipFill>
-          <a:blip r:embed="rId3">
-            <a:extLst>
-              <a:ext uri="{28A0092B-C50C-407E-A947-70E740481C1C}">
-                <a14:useLocalDpi xmlns:a14="http://schemas.microsoft.com/office/drawing/2010/main" val="0"/>
-              </a:ext>
-            </a:extLst>
-          </a:blip>
-          <a:srcRect/>
-          <a:stretch>
-            <a:fillRect/>
-          </a:stretch>
-        </p:blipFill>
-        <p:spPr bwMode="auto">
-          <a:xfrm>
-            <a:off x="1058966" y="2179354"/>
-            <a:ext cx="1704553" cy="1253348"/>
-          </a:xfrm>
-          <a:prstGeom prst="rect">
-            <a:avLst/>
-          </a:prstGeom>
-          <a:noFill/>
-          <a:extLst>
-            <a:ext uri="{909E8E84-426E-40DD-AFC4-6F175D3DCCD1}">
-              <a14:hiddenFill xmlns:a14="http://schemas.microsoft.com/office/drawing/2010/main">
-                <a:solidFill>
-                  <a:srgbClr val="FFFFFF"/>
-                </a:solidFill>
-              </a14:hiddenFill>
-            </a:ext>
-          </a:extLst>
-        </p:spPr>
-      </p:pic>
-      <p:pic>
-        <p:nvPicPr>
-          <p:cNvPr id="1046" name="Picture 22">
-            <a:extLst>
-              <a:ext uri="{FF2B5EF4-FFF2-40B4-BE49-F238E27FC236}">
-                <a16:creationId xmlns:a16="http://schemas.microsoft.com/office/drawing/2014/main" id="{ADE9A683-F360-2DDB-5BEB-ADB131974DDD}"/>
-              </a:ext>
-            </a:extLst>
-          </p:cNvPr>
-          <p:cNvPicPr>
-            <a:picLocks noChangeAspect="1" noChangeArrowheads="1"/>
-          </p:cNvPicPr>
-          <p:nvPr/>
-        </p:nvPicPr>
-        <p:blipFill>
-          <a:blip r:embed="rId4">
-            <a:extLst>
-              <a:ext uri="{28A0092B-C50C-407E-A947-70E740481C1C}">
-                <a14:useLocalDpi xmlns:a14="http://schemas.microsoft.com/office/drawing/2010/main" val="0"/>
-              </a:ext>
-            </a:extLst>
-          </a:blip>
-          <a:srcRect/>
-          <a:stretch>
-            <a:fillRect/>
-          </a:stretch>
-        </p:blipFill>
-        <p:spPr bwMode="auto">
-          <a:xfrm>
-            <a:off x="1050497" y="3321120"/>
-            <a:ext cx="1704553" cy="1253348"/>
-          </a:xfrm>
-          <a:prstGeom prst="rect">
-            <a:avLst/>
-          </a:prstGeom>
-          <a:noFill/>
-          <a:extLst>
-            <a:ext uri="{909E8E84-426E-40DD-AFC4-6F175D3DCCD1}">
-              <a14:hiddenFill xmlns:a14="http://schemas.microsoft.com/office/drawing/2010/main">
-                <a:solidFill>
-                  <a:srgbClr val="FFFFFF"/>
-                </a:solidFill>
-              </a14:hiddenFill>
-            </a:ext>
-          </a:extLst>
-        </p:spPr>
-      </p:pic>
-      <p:pic>
-        <p:nvPicPr>
-          <p:cNvPr id="1048" name="Picture 24">
-            <a:extLst>
-              <a:ext uri="{FF2B5EF4-FFF2-40B4-BE49-F238E27FC236}">
-                <a16:creationId xmlns:a16="http://schemas.microsoft.com/office/drawing/2014/main" id="{B6ACD7A2-AE91-3798-8448-C4C2867489E4}"/>
-              </a:ext>
-            </a:extLst>
-          </p:cNvPr>
-          <p:cNvPicPr>
-            <a:picLocks noChangeAspect="1" noChangeArrowheads="1"/>
-          </p:cNvPicPr>
-          <p:nvPr/>
-        </p:nvPicPr>
-        <p:blipFill>
-          <a:blip r:embed="rId5">
-            <a:extLst>
-              <a:ext uri="{28A0092B-C50C-407E-A947-70E740481C1C}">
-                <a14:useLocalDpi xmlns:a14="http://schemas.microsoft.com/office/drawing/2010/main" val="0"/>
-              </a:ext>
-            </a:extLst>
-          </a:blip>
-          <a:srcRect/>
-          <a:stretch>
-            <a:fillRect/>
-          </a:stretch>
-        </p:blipFill>
-        <p:spPr bwMode="auto">
-          <a:xfrm>
-            <a:off x="1050496" y="4462886"/>
-            <a:ext cx="1704553" cy="1253348"/>
-          </a:xfrm>
-          <a:prstGeom prst="rect">
-            <a:avLst/>
-          </a:prstGeom>
-          <a:noFill/>
-          <a:extLst>
-            <a:ext uri="{909E8E84-426E-40DD-AFC4-6F175D3DCCD1}">
-              <a14:hiddenFill xmlns:a14="http://schemas.microsoft.com/office/drawing/2010/main">
-                <a:solidFill>
-                  <a:srgbClr val="FFFFFF"/>
-                </a:solidFill>
-              </a14:hiddenFill>
-            </a:ext>
-          </a:extLst>
-        </p:spPr>
-      </p:pic>
-      <p:pic>
-        <p:nvPicPr>
-          <p:cNvPr id="1050" name="Picture 26">
-            <a:extLst>
-              <a:ext uri="{FF2B5EF4-FFF2-40B4-BE49-F238E27FC236}">
-                <a16:creationId xmlns:a16="http://schemas.microsoft.com/office/drawing/2014/main" id="{428F7499-02F0-B225-5A07-BA7A38229A1E}"/>
-              </a:ext>
-            </a:extLst>
-          </p:cNvPr>
-          <p:cNvPicPr>
-            <a:picLocks noChangeAspect="1" noChangeArrowheads="1"/>
-          </p:cNvPicPr>
-          <p:nvPr/>
-        </p:nvPicPr>
-        <p:blipFill>
-          <a:blip r:embed="rId6">
-            <a:extLst>
-              <a:ext uri="{28A0092B-C50C-407E-A947-70E740481C1C}">
-                <a14:useLocalDpi xmlns:a14="http://schemas.microsoft.com/office/drawing/2010/main" val="0"/>
-              </a:ext>
-            </a:extLst>
-          </a:blip>
-          <a:srcRect/>
-          <a:stretch>
-            <a:fillRect/>
-          </a:stretch>
-        </p:blipFill>
-        <p:spPr bwMode="auto">
-          <a:xfrm>
-            <a:off x="1050495" y="5604652"/>
-            <a:ext cx="1704553" cy="1253348"/>
-          </a:xfrm>
-          <a:prstGeom prst="rect">
-            <a:avLst/>
-          </a:prstGeom>
-          <a:noFill/>
-          <a:extLst>
-            <a:ext uri="{909E8E84-426E-40DD-AFC4-6F175D3DCCD1}">
-              <a14:hiddenFill xmlns:a14="http://schemas.microsoft.com/office/drawing/2010/main">
-                <a:solidFill>
-                  <a:srgbClr val="FFFFFF"/>
-                </a:solidFill>
-              </a14:hiddenFill>
-            </a:ext>
-          </a:extLst>
         </p:spPr>
       </p:pic>
       <p:sp>
         <p:nvSpPr>
-          <p:cNvPr id="6" name="TextBox 5">
-            <a:extLst>
-              <a:ext uri="{FF2B5EF4-FFF2-40B4-BE49-F238E27FC236}">
-                <a16:creationId xmlns:a16="http://schemas.microsoft.com/office/drawing/2014/main" id="{040976B6-03C0-93A4-9F20-39B7C3E2C186}"/>
-              </a:ext>
-            </a:extLst>
-          </p:cNvPr>
-          <p:cNvSpPr txBox="1"/>
+          <p:cNvPr id="6" name="Rectangle 5">
+            <a:extLst>
+              <a:ext uri="{FF2B5EF4-FFF2-40B4-BE49-F238E27FC236}">
+                <a16:creationId xmlns:a16="http://schemas.microsoft.com/office/drawing/2014/main" id="{4D255CB1-E2B3-DF62-5F52-DD214CA7CF24}"/>
+              </a:ext>
+            </a:extLst>
+          </p:cNvPr>
+          <p:cNvSpPr/>
           <p:nvPr/>
         </p:nvSpPr>
         <p:spPr>
           <a:xfrm>
-            <a:off x="118533" y="1482694"/>
-            <a:ext cx="1109762" cy="369332"/>
+            <a:off x="846667" y="3657600"/>
+            <a:ext cx="1710266" cy="651933"/>
           </a:xfrm>
           <a:prstGeom prst="rect">
             <a:avLst/>
           </a:prstGeom>
-          <a:noFill/>
-        </p:spPr>
-        <p:txBody>
-          <a:bodyPr wrap="square" rtlCol="0">
-            <a:spAutoFit/>
-          </a:bodyPr>
-          <a:lstStyle/>
-          <a:p>
-            <a:pPr algn="ctr"/>
-            <a:r>
-              <a:rPr lang="en-US" dirty="0"/>
-              <a:t>N = 50</a:t>
-            </a:r>
-          </a:p>
-        </p:txBody>
-      </p:sp>
-      <p:sp>
-        <p:nvSpPr>
-          <p:cNvPr id="7" name="TextBox 6">
-            <a:extLst>
-              <a:ext uri="{FF2B5EF4-FFF2-40B4-BE49-F238E27FC236}">
-                <a16:creationId xmlns:a16="http://schemas.microsoft.com/office/drawing/2014/main" id="{12A4C896-AC34-703A-9D84-D7C492C1F379}"/>
-              </a:ext>
-            </a:extLst>
-          </p:cNvPr>
-          <p:cNvSpPr txBox="1"/>
-          <p:nvPr/>
-        </p:nvSpPr>
-        <p:spPr>
-          <a:xfrm>
-            <a:off x="110068" y="2621362"/>
-            <a:ext cx="1109762" cy="369332"/>
-          </a:xfrm>
-          <a:prstGeom prst="rect">
-            <a:avLst/>
-          </a:prstGeom>
-          <a:noFill/>
-        </p:spPr>
-        <p:txBody>
-          <a:bodyPr wrap="square" rtlCol="0">
-            <a:spAutoFit/>
-          </a:bodyPr>
-          <a:lstStyle/>
-          <a:p>
-            <a:pPr algn="ctr"/>
-            <a:r>
-              <a:rPr lang="en-US" dirty="0"/>
-              <a:t>N = 100</a:t>
-            </a:r>
-          </a:p>
-        </p:txBody>
-      </p:sp>
-      <p:sp>
-        <p:nvSpPr>
-          <p:cNvPr id="8" name="TextBox 7">
-            <a:extLst>
-              <a:ext uri="{FF2B5EF4-FFF2-40B4-BE49-F238E27FC236}">
-                <a16:creationId xmlns:a16="http://schemas.microsoft.com/office/drawing/2014/main" id="{01596658-D5B9-C4F3-8E6C-A9B32C80B5FA}"/>
-              </a:ext>
-            </a:extLst>
-          </p:cNvPr>
-          <p:cNvSpPr txBox="1"/>
-          <p:nvPr/>
-        </p:nvSpPr>
-        <p:spPr>
-          <a:xfrm>
-            <a:off x="110066" y="3760030"/>
-            <a:ext cx="1109762" cy="369332"/>
-          </a:xfrm>
-          <a:prstGeom prst="rect">
-            <a:avLst/>
-          </a:prstGeom>
-          <a:noFill/>
-        </p:spPr>
-        <p:txBody>
-          <a:bodyPr wrap="square" rtlCol="0">
-            <a:spAutoFit/>
-          </a:bodyPr>
-          <a:lstStyle/>
-          <a:p>
-            <a:pPr algn="ctr"/>
-            <a:r>
-              <a:rPr lang="en-US" dirty="0"/>
-              <a:t>N = 250</a:t>
-            </a:r>
-          </a:p>
-        </p:txBody>
-      </p:sp>
-      <p:sp>
-        <p:nvSpPr>
-          <p:cNvPr id="9" name="TextBox 8">
-            <a:extLst>
-              <a:ext uri="{FF2B5EF4-FFF2-40B4-BE49-F238E27FC236}">
-                <a16:creationId xmlns:a16="http://schemas.microsoft.com/office/drawing/2014/main" id="{516EA0B1-2660-E27B-1BE9-D20619B11B15}"/>
-              </a:ext>
-            </a:extLst>
-          </p:cNvPr>
-          <p:cNvSpPr txBox="1"/>
-          <p:nvPr/>
-        </p:nvSpPr>
-        <p:spPr>
-          <a:xfrm>
-            <a:off x="110066" y="4867991"/>
-            <a:ext cx="1109762" cy="369332"/>
-          </a:xfrm>
-          <a:prstGeom prst="rect">
-            <a:avLst/>
-          </a:prstGeom>
-          <a:noFill/>
-        </p:spPr>
-        <p:txBody>
-          <a:bodyPr wrap="square" rtlCol="0">
-            <a:spAutoFit/>
-          </a:bodyPr>
-          <a:lstStyle/>
-          <a:p>
-            <a:pPr algn="ctr"/>
-            <a:r>
-              <a:rPr lang="en-US" dirty="0"/>
-              <a:t>N = 500</a:t>
-            </a:r>
-          </a:p>
-        </p:txBody>
-      </p:sp>
-      <p:sp>
-        <p:nvSpPr>
-          <p:cNvPr id="10" name="TextBox 9">
-            <a:extLst>
-              <a:ext uri="{FF2B5EF4-FFF2-40B4-BE49-F238E27FC236}">
-                <a16:creationId xmlns:a16="http://schemas.microsoft.com/office/drawing/2014/main" id="{0BE3DEF5-9259-C55E-CCBD-D61835F23BD8}"/>
-              </a:ext>
-            </a:extLst>
-          </p:cNvPr>
-          <p:cNvSpPr txBox="1"/>
-          <p:nvPr/>
-        </p:nvSpPr>
-        <p:spPr>
-          <a:xfrm>
-            <a:off x="110066" y="5975952"/>
-            <a:ext cx="1109762" cy="369332"/>
-          </a:xfrm>
-          <a:prstGeom prst="rect">
-            <a:avLst/>
-          </a:prstGeom>
-          <a:noFill/>
-        </p:spPr>
-        <p:txBody>
-          <a:bodyPr wrap="square" rtlCol="0">
-            <a:spAutoFit/>
-          </a:bodyPr>
-          <a:lstStyle/>
-          <a:p>
-            <a:pPr algn="ctr"/>
-            <a:r>
-              <a:rPr lang="en-US" dirty="0"/>
-              <a:t>N = 1000</a:t>
-            </a:r>
-          </a:p>
-        </p:txBody>
-      </p:sp>
-      <p:pic>
-        <p:nvPicPr>
-          <p:cNvPr id="1054" name="Picture 30">
-            <a:extLst>
-              <a:ext uri="{FF2B5EF4-FFF2-40B4-BE49-F238E27FC236}">
-                <a16:creationId xmlns:a16="http://schemas.microsoft.com/office/drawing/2014/main" id="{17D58055-CFDA-D44C-E657-8E42DB0F9227}"/>
-              </a:ext>
-            </a:extLst>
-          </p:cNvPr>
-          <p:cNvPicPr>
-            <a:picLocks noChangeAspect="1" noChangeArrowheads="1"/>
-          </p:cNvPicPr>
-          <p:nvPr/>
-        </p:nvPicPr>
-        <p:blipFill>
-          <a:blip r:embed="rId7">
-            <a:extLst>
-              <a:ext uri="{28A0092B-C50C-407E-A947-70E740481C1C}">
-                <a14:useLocalDpi xmlns:a14="http://schemas.microsoft.com/office/drawing/2010/main" val="0"/>
-              </a:ext>
-            </a:extLst>
-          </a:blip>
-          <a:srcRect/>
-          <a:stretch>
-            <a:fillRect/>
-          </a:stretch>
-        </p:blipFill>
-        <p:spPr bwMode="auto">
-          <a:xfrm>
-            <a:off x="9333002" y="2000295"/>
-            <a:ext cx="2858998" cy="2040430"/>
-          </a:xfrm>
-          <a:prstGeom prst="rect">
-            <a:avLst/>
-          </a:prstGeom>
-          <a:noFill/>
-          <a:extLst>
-            <a:ext uri="{909E8E84-426E-40DD-AFC4-6F175D3DCCD1}">
-              <a14:hiddenFill xmlns:a14="http://schemas.microsoft.com/office/drawing/2010/main">
-                <a:solidFill>
-                  <a:srgbClr val="FFFFFF"/>
-                </a:solidFill>
-              </a14:hiddenFill>
-            </a:ext>
-          </a:extLst>
-        </p:spPr>
-      </p:pic>
-      <p:pic>
-        <p:nvPicPr>
-          <p:cNvPr id="1058" name="Picture 34">
-            <a:extLst>
-              <a:ext uri="{FF2B5EF4-FFF2-40B4-BE49-F238E27FC236}">
-                <a16:creationId xmlns:a16="http://schemas.microsoft.com/office/drawing/2014/main" id="{6F34F49E-973E-D946-E050-9354D9AC18EE}"/>
-              </a:ext>
-            </a:extLst>
-          </p:cNvPr>
-          <p:cNvPicPr>
-            <a:picLocks noChangeAspect="1" noChangeArrowheads="1"/>
-          </p:cNvPicPr>
-          <p:nvPr/>
-        </p:nvPicPr>
-        <p:blipFill>
-          <a:blip r:embed="rId8">
-            <a:extLst>
-              <a:ext uri="{28A0092B-C50C-407E-A947-70E740481C1C}">
-                <a14:useLocalDpi xmlns:a14="http://schemas.microsoft.com/office/drawing/2010/main" val="0"/>
-              </a:ext>
-            </a:extLst>
-          </a:blip>
-          <a:srcRect/>
-          <a:stretch>
-            <a:fillRect/>
-          </a:stretch>
-        </p:blipFill>
-        <p:spPr bwMode="auto">
-          <a:xfrm>
-            <a:off x="9333002" y="3735318"/>
-            <a:ext cx="2743200" cy="2040429"/>
-          </a:xfrm>
-          <a:prstGeom prst="rect">
-            <a:avLst/>
-          </a:prstGeom>
-          <a:noFill/>
-          <a:extLst>
-            <a:ext uri="{909E8E84-426E-40DD-AFC4-6F175D3DCCD1}">
-              <a14:hiddenFill xmlns:a14="http://schemas.microsoft.com/office/drawing/2010/main">
-                <a:solidFill>
-                  <a:srgbClr val="FFFFFF"/>
-                </a:solidFill>
-              </a14:hiddenFill>
-            </a:ext>
-          </a:extLst>
-        </p:spPr>
-      </p:pic>
-      <p:pic>
-        <p:nvPicPr>
-          <p:cNvPr id="1052" name="Picture 28">
-            <a:extLst>
-              <a:ext uri="{FF2B5EF4-FFF2-40B4-BE49-F238E27FC236}">
-                <a16:creationId xmlns:a16="http://schemas.microsoft.com/office/drawing/2014/main" id="{8D14E277-BDD1-4CFC-BAD5-8AD4D035DA4D}"/>
-              </a:ext>
-            </a:extLst>
-          </p:cNvPr>
-          <p:cNvPicPr>
-            <a:picLocks noChangeAspect="1" noChangeArrowheads="1"/>
-          </p:cNvPicPr>
-          <p:nvPr/>
-        </p:nvPicPr>
-        <p:blipFill>
-          <a:blip r:embed="rId9">
-            <a:extLst>
-              <a:ext uri="{28A0092B-C50C-407E-A947-70E740481C1C}">
-                <a14:useLocalDpi xmlns:a14="http://schemas.microsoft.com/office/drawing/2010/main" val="0"/>
-              </a:ext>
-            </a:extLst>
-          </a:blip>
-          <a:srcRect/>
-          <a:stretch>
-            <a:fillRect/>
-          </a:stretch>
-        </p:blipFill>
-        <p:spPr bwMode="auto">
-          <a:xfrm>
-            <a:off x="6506807" y="2050473"/>
-            <a:ext cx="2858997" cy="2009557"/>
-          </a:xfrm>
-          <a:prstGeom prst="rect">
-            <a:avLst/>
-          </a:prstGeom>
-          <a:noFill/>
-          <a:extLst>
-            <a:ext uri="{909E8E84-426E-40DD-AFC4-6F175D3DCCD1}">
-              <a14:hiddenFill xmlns:a14="http://schemas.microsoft.com/office/drawing/2010/main">
-                <a:solidFill>
-                  <a:srgbClr val="FFFFFF"/>
-                </a:solidFill>
-              </a14:hiddenFill>
-            </a:ext>
-          </a:extLst>
-        </p:spPr>
-      </p:pic>
-      <p:pic>
-        <p:nvPicPr>
-          <p:cNvPr id="1056" name="Picture 32">
-            <a:extLst>
-              <a:ext uri="{FF2B5EF4-FFF2-40B4-BE49-F238E27FC236}">
-                <a16:creationId xmlns:a16="http://schemas.microsoft.com/office/drawing/2014/main" id="{E6C8F860-301E-1B4F-862A-9555AEA5C080}"/>
-              </a:ext>
-            </a:extLst>
-          </p:cNvPr>
-          <p:cNvPicPr>
-            <a:picLocks noChangeAspect="1" noChangeArrowheads="1"/>
-          </p:cNvPicPr>
-          <p:nvPr/>
-        </p:nvPicPr>
-        <p:blipFill>
-          <a:blip r:embed="rId10">
-            <a:extLst>
-              <a:ext uri="{28A0092B-C50C-407E-A947-70E740481C1C}">
-                <a14:useLocalDpi xmlns:a14="http://schemas.microsoft.com/office/drawing/2010/main" val="0"/>
-              </a:ext>
-            </a:extLst>
-          </a:blip>
-          <a:srcRect/>
-          <a:stretch>
-            <a:fillRect/>
-          </a:stretch>
-        </p:blipFill>
-        <p:spPr bwMode="auto">
-          <a:xfrm>
-            <a:off x="6506807" y="3748186"/>
-            <a:ext cx="2758597" cy="1968775"/>
-          </a:xfrm>
-          <a:prstGeom prst="rect">
-            <a:avLst/>
-          </a:prstGeom>
-          <a:noFill/>
-          <a:extLst>
-            <a:ext uri="{909E8E84-426E-40DD-AFC4-6F175D3DCCD1}">
-              <a14:hiddenFill xmlns:a14="http://schemas.microsoft.com/office/drawing/2010/main">
-                <a:solidFill>
-                  <a:srgbClr val="FFFFFF"/>
-                </a:solidFill>
-              </a14:hiddenFill>
-            </a:ext>
-          </a:extLst>
-        </p:spPr>
-      </p:pic>
-      <p:cxnSp>
-        <p:nvCxnSpPr>
-          <p:cNvPr id="12" name="Straight Connector 11">
-            <a:extLst>
-              <a:ext uri="{FF2B5EF4-FFF2-40B4-BE49-F238E27FC236}">
-                <a16:creationId xmlns:a16="http://schemas.microsoft.com/office/drawing/2014/main" id="{9B399F55-9CD1-7E09-D6F3-16DC0CEC9835}"/>
-              </a:ext>
-            </a:extLst>
-          </p:cNvPr>
-          <p:cNvCxnSpPr>
-            <a:cxnSpLocks/>
-          </p:cNvCxnSpPr>
-          <p:nvPr/>
-        </p:nvCxnSpPr>
-        <p:spPr>
-          <a:xfrm>
-            <a:off x="2514602" y="1036745"/>
-            <a:ext cx="0" cy="5684730"/>
-          </a:xfrm>
-          <a:prstGeom prst="line">
-            <a:avLst/>
-          </a:prstGeom>
-          <a:ln w="19050">
-            <a:solidFill>
-              <a:srgbClr val="C00000"/>
-            </a:solidFill>
-          </a:ln>
         </p:spPr>
         <p:style>
-          <a:lnRef idx="1">
-            <a:schemeClr val="accent1"/>
+          <a:lnRef idx="2">
+            <a:schemeClr val="accent1">
+              <a:shade val="15000"/>
+            </a:schemeClr>
           </a:lnRef>
-          <a:fillRef idx="0">
+          <a:fillRef idx="1">
             <a:schemeClr val="accent1"/>
           </a:fillRef>
           <a:effectRef idx="0">
             <a:schemeClr val="accent1"/>
           </a:effectRef>
           <a:fontRef idx="minor">
-            <a:schemeClr val="tx1"/>
+            <a:schemeClr val="lt1"/>
           </a:fontRef>
         </p:style>
-      </p:cxnSp>
+        <p:txBody>
+          <a:bodyPr rtlCol="0" anchor="ctr"/>
+          <a:lstStyle/>
+          <a:p>
+            <a:pPr algn="ctr"/>
+            <a:r>
+              <a:rPr lang="en-US" dirty="0"/>
+              <a:t>Mapping theory</a:t>
+            </a:r>
+          </a:p>
+        </p:txBody>
+      </p:sp>
       <p:sp>
         <p:nvSpPr>
-          <p:cNvPr id="15" name="TextBox 14">
-            <a:extLst>
-              <a:ext uri="{FF2B5EF4-FFF2-40B4-BE49-F238E27FC236}">
-                <a16:creationId xmlns:a16="http://schemas.microsoft.com/office/drawing/2014/main" id="{A274E17C-510C-B562-FCB0-59D18E763C5B}"/>
-              </a:ext>
-            </a:extLst>
-          </p:cNvPr>
-          <p:cNvSpPr txBox="1"/>
+          <p:cNvPr id="7" name="Rectangle 6">
+            <a:extLst>
+              <a:ext uri="{FF2B5EF4-FFF2-40B4-BE49-F238E27FC236}">
+                <a16:creationId xmlns:a16="http://schemas.microsoft.com/office/drawing/2014/main" id="{A85A3970-0AB8-8D51-9FE7-701040430290}"/>
+              </a:ext>
+            </a:extLst>
+          </p:cNvPr>
+          <p:cNvSpPr/>
           <p:nvPr/>
         </p:nvSpPr>
         <p:spPr>
           <a:xfrm>
-            <a:off x="2908358" y="1216563"/>
-            <a:ext cx="2277533" cy="276999"/>
+            <a:off x="9355667" y="3657600"/>
+            <a:ext cx="1710266" cy="651933"/>
           </a:xfrm>
           <a:prstGeom prst="rect">
             <a:avLst/>
           </a:prstGeom>
-          <a:noFill/>
-        </p:spPr>
+        </p:spPr>
+        <p:style>
+          <a:lnRef idx="2">
+            <a:schemeClr val="accent1">
+              <a:shade val="15000"/>
+            </a:schemeClr>
+          </a:lnRef>
+          <a:fillRef idx="1">
+            <a:schemeClr val="accent1"/>
+          </a:fillRef>
+          <a:effectRef idx="0">
+            <a:schemeClr val="accent1"/>
+          </a:effectRef>
+          <a:fontRef idx="minor">
+            <a:schemeClr val="lt1"/>
+          </a:fontRef>
+        </p:style>
         <p:txBody>
-          <a:bodyPr wrap="square" rtlCol="0">
-            <a:spAutoFit/>
-          </a:bodyPr>
+          <a:bodyPr rtlCol="0" anchor="ctr"/>
           <a:lstStyle/>
           <a:p>
-            <a:r>
-              <a:rPr lang="en-US" sz="1200" dirty="0"/>
-              <a:t>Transition knee in red (z ~ 90)</a:t>
-            </a:r>
-          </a:p>
-        </p:txBody>
-      </p:sp>
-      <p:pic>
-        <p:nvPicPr>
-          <p:cNvPr id="1062" name="Picture 38">
-            <a:extLst>
-              <a:ext uri="{FF2B5EF4-FFF2-40B4-BE49-F238E27FC236}">
-                <a16:creationId xmlns:a16="http://schemas.microsoft.com/office/drawing/2014/main" id="{FF7C98AD-6D8F-08CE-6CD5-42F0B92ED771}"/>
-              </a:ext>
-            </a:extLst>
-          </p:cNvPr>
-          <p:cNvPicPr>
-            <a:picLocks noChangeAspect="1" noChangeArrowheads="1"/>
-          </p:cNvPicPr>
-          <p:nvPr/>
-        </p:nvPicPr>
-        <p:blipFill>
-          <a:blip r:embed="rId11">
-            <a:extLst>
-              <a:ext uri="{28A0092B-C50C-407E-A947-70E740481C1C}">
-                <a14:useLocalDpi xmlns:a14="http://schemas.microsoft.com/office/drawing/2010/main" val="0"/>
-              </a:ext>
-            </a:extLst>
-          </a:blip>
-          <a:srcRect/>
-          <a:stretch>
-            <a:fillRect/>
-          </a:stretch>
-        </p:blipFill>
-        <p:spPr bwMode="auto">
-          <a:xfrm>
-            <a:off x="2919099" y="2704510"/>
-            <a:ext cx="3570772" cy="2672429"/>
-          </a:xfrm>
-          <a:prstGeom prst="rect">
-            <a:avLst/>
-          </a:prstGeom>
-          <a:noFill/>
-          <a:extLst>
-            <a:ext uri="{909E8E84-426E-40DD-AFC4-6F175D3DCCD1}">
-              <a14:hiddenFill xmlns:a14="http://schemas.microsoft.com/office/drawing/2010/main">
-                <a:solidFill>
-                  <a:srgbClr val="FFFFFF"/>
-                </a:solidFill>
-              </a14:hiddenFill>
-            </a:ext>
-          </a:extLst>
-        </p:spPr>
-      </p:pic>
-      <p:sp>
-        <p:nvSpPr>
-          <p:cNvPr id="16" name="TextBox 15">
-            <a:extLst>
-              <a:ext uri="{FF2B5EF4-FFF2-40B4-BE49-F238E27FC236}">
-                <a16:creationId xmlns:a16="http://schemas.microsoft.com/office/drawing/2014/main" id="{17B4BA82-DF93-93A0-D95B-00B0F7C9A0BC}"/>
-              </a:ext>
-            </a:extLst>
-          </p:cNvPr>
-          <p:cNvSpPr txBox="1"/>
-          <p:nvPr/>
-        </p:nvSpPr>
-        <p:spPr>
-          <a:xfrm>
-            <a:off x="3809550" y="5483295"/>
-            <a:ext cx="2277533" cy="276999"/>
-          </a:xfrm>
-          <a:prstGeom prst="rect">
-            <a:avLst/>
-          </a:prstGeom>
-          <a:noFill/>
-        </p:spPr>
-        <p:txBody>
-          <a:bodyPr wrap="square" rtlCol="0">
-            <a:spAutoFit/>
-          </a:bodyPr>
-          <a:lstStyle/>
-          <a:p>
             <a:pPr algn="ctr"/>
             <a:r>
-              <a:rPr lang="en-US" sz="1200" dirty="0"/>
-              <a:t>Analytical dotted</a:t>
+              <a:rPr lang="en-US" dirty="0"/>
+              <a:t>FD equations</a:t>
             </a:r>
           </a:p>
         </p:txBody>
@@ -4359,7 +3724,7 @@
     </p:spTree>
     <p:extLst>
       <p:ext uri="{BB962C8B-B14F-4D97-AF65-F5344CB8AC3E}">
-        <p14:creationId xmlns:p14="http://schemas.microsoft.com/office/powerpoint/2010/main" val="3168892698"/>
+        <p14:creationId xmlns:p14="http://schemas.microsoft.com/office/powerpoint/2010/main" val="3777167393"/>
       </p:ext>
     </p:extLst>
   </p:cSld>
@@ -4386,59 +3751,12 @@
           <a:chExt cx="0" cy="0"/>
         </a:xfrm>
       </p:grpSpPr>
-      <p:pic>
-        <p:nvPicPr>
-          <p:cNvPr id="2060" name="Picture 12">
-            <a:extLst>
-              <a:ext uri="{FF2B5EF4-FFF2-40B4-BE49-F238E27FC236}">
-                <a16:creationId xmlns:a16="http://schemas.microsoft.com/office/drawing/2014/main" id="{41E8D11D-6FF1-B35C-B852-0F0A3F0ACA20}"/>
-              </a:ext>
-            </a:extLst>
-          </p:cNvPr>
-          <p:cNvPicPr>
-            <a:picLocks noChangeAspect="1" noChangeArrowheads="1"/>
-          </p:cNvPicPr>
-          <p:nvPr/>
-        </p:nvPicPr>
-        <p:blipFill>
-          <a:blip r:embed="rId2">
-            <a:extLst>
-              <a:ext uri="{28A0092B-C50C-407E-A947-70E740481C1C}">
-                <a14:useLocalDpi xmlns:a14="http://schemas.microsoft.com/office/drawing/2010/main" val="0"/>
-              </a:ext>
-            </a:extLst>
-          </a:blip>
-          <a:srcRect/>
-          <a:stretch>
-            <a:fillRect/>
-          </a:stretch>
-        </p:blipFill>
-        <p:spPr bwMode="auto">
-          <a:xfrm>
-            <a:off x="1128776" y="1371070"/>
-            <a:ext cx="2524761" cy="1803401"/>
-          </a:xfrm>
-          <a:prstGeom prst="rect">
-            <a:avLst/>
-          </a:prstGeom>
-          <a:noFill/>
-          <a:extLst>
-            <a:ext uri="{909E8E84-426E-40DD-AFC4-6F175D3DCCD1}">
-              <a14:hiddenFill xmlns:a14="http://schemas.microsoft.com/office/drawing/2010/main">
-                <a:solidFill>
-                  <a:srgbClr val="FFFFFF"/>
-                </a:solidFill>
-              </a14:hiddenFill>
-            </a:ext>
-          </a:extLst>
-        </p:spPr>
-      </p:pic>
       <p:sp>
         <p:nvSpPr>
           <p:cNvPr id="2" name="Title 1">
             <a:extLst>
               <a:ext uri="{FF2B5EF4-FFF2-40B4-BE49-F238E27FC236}">
-                <a16:creationId xmlns:a16="http://schemas.microsoft.com/office/drawing/2014/main" id="{F6C7137D-573F-6D22-276C-4603F951633C}"/>
+                <a16:creationId xmlns:a16="http://schemas.microsoft.com/office/drawing/2014/main" id="{B3436272-836D-489D-55E0-0D4D0B415472}"/>
               </a:ext>
             </a:extLst>
           </p:cNvPr>
@@ -4456,7 +3774,7 @@
           <a:p>
             <a:r>
               <a:rPr lang="en-US" dirty="0"/>
-              <a:t>Uneven grid (L)</a:t>
+              <a:t>Uneven grid (N)</a:t>
             </a:r>
           </a:p>
         </p:txBody>
@@ -4466,7 +3784,7 @@
           <p:cNvPr id="3" name="Slide Number Placeholder 2">
             <a:extLst>
               <a:ext uri="{FF2B5EF4-FFF2-40B4-BE49-F238E27FC236}">
-                <a16:creationId xmlns:a16="http://schemas.microsoft.com/office/drawing/2014/main" id="{452CB1D3-714B-3463-C98F-0D71710BA68B}"/>
+                <a16:creationId xmlns:a16="http://schemas.microsoft.com/office/drawing/2014/main" id="{C7B67C98-748A-3022-A142-F88F92AB605F}"/>
               </a:ext>
             </a:extLst>
           </p:cNvPr>
@@ -4492,10 +3810,10 @@
       </p:sp>
       <p:pic>
         <p:nvPicPr>
-          <p:cNvPr id="2050" name="Picture 2">
-            <a:extLst>
-              <a:ext uri="{FF2B5EF4-FFF2-40B4-BE49-F238E27FC236}">
-                <a16:creationId xmlns:a16="http://schemas.microsoft.com/office/drawing/2014/main" id="{685DD4D1-5E1E-393A-9B14-CE059C456A09}"/>
+          <p:cNvPr id="1042" name="Picture 18">
+            <a:extLst>
+              <a:ext uri="{FF2B5EF4-FFF2-40B4-BE49-F238E27FC236}">
+                <a16:creationId xmlns:a16="http://schemas.microsoft.com/office/drawing/2014/main" id="{A64E2537-7F5C-6576-CE5E-4997091DE72B}"/>
               </a:ext>
             </a:extLst>
           </p:cNvPr>
@@ -4505,7 +3823,7 @@
           <p:nvPr/>
         </p:nvPicPr>
         <p:blipFill>
-          <a:blip r:embed="rId3">
+          <a:blip r:embed="rId2">
             <a:extLst>
               <a:ext uri="{28A0092B-C50C-407E-A947-70E740481C1C}">
                 <a14:useLocalDpi xmlns:a14="http://schemas.microsoft.com/office/drawing/2010/main" val="0"/>
@@ -4519,8 +3837,8 @@
         </p:blipFill>
         <p:spPr bwMode="auto">
           <a:xfrm>
-            <a:off x="6223494" y="2530009"/>
-            <a:ext cx="4109183" cy="2939646"/>
+            <a:off x="1075902" y="1036745"/>
+            <a:ext cx="1704553" cy="1253348"/>
           </a:xfrm>
           <a:prstGeom prst="rect">
             <a:avLst/>
@@ -4539,10 +3857,10 @@
       </p:pic>
       <p:pic>
         <p:nvPicPr>
-          <p:cNvPr id="2056" name="Picture 8">
-            <a:extLst>
-              <a:ext uri="{FF2B5EF4-FFF2-40B4-BE49-F238E27FC236}">
-                <a16:creationId xmlns:a16="http://schemas.microsoft.com/office/drawing/2014/main" id="{F7CC2312-09AA-87A9-C3C7-5513660A813C}"/>
+          <p:cNvPr id="1044" name="Picture 20">
+            <a:extLst>
+              <a:ext uri="{FF2B5EF4-FFF2-40B4-BE49-F238E27FC236}">
+                <a16:creationId xmlns:a16="http://schemas.microsoft.com/office/drawing/2014/main" id="{27394E69-756B-7B07-6C3E-0F0C4DA7B282}"/>
               </a:ext>
             </a:extLst>
           </p:cNvPr>
@@ -4552,7 +3870,7 @@
           <p:nvPr/>
         </p:nvPicPr>
         <p:blipFill>
-          <a:blip r:embed="rId4">
+          <a:blip r:embed="rId3">
             <a:extLst>
               <a:ext uri="{28A0092B-C50C-407E-A947-70E740481C1C}">
                 <a14:useLocalDpi xmlns:a14="http://schemas.microsoft.com/office/drawing/2010/main" val="0"/>
@@ -4566,8 +3884,8 @@
         </p:blipFill>
         <p:spPr bwMode="auto">
           <a:xfrm>
-            <a:off x="1128777" y="3014133"/>
-            <a:ext cx="2524760" cy="1803400"/>
+            <a:off x="1058966" y="2179354"/>
+            <a:ext cx="1704553" cy="1253348"/>
           </a:xfrm>
           <a:prstGeom prst="rect">
             <a:avLst/>
@@ -4586,10 +3904,10 @@
       </p:pic>
       <p:pic>
         <p:nvPicPr>
-          <p:cNvPr id="2058" name="Picture 10">
-            <a:extLst>
-              <a:ext uri="{FF2B5EF4-FFF2-40B4-BE49-F238E27FC236}">
-                <a16:creationId xmlns:a16="http://schemas.microsoft.com/office/drawing/2014/main" id="{01077240-9147-8861-AEBD-F32C43474A48}"/>
+          <p:cNvPr id="1046" name="Picture 22">
+            <a:extLst>
+              <a:ext uri="{FF2B5EF4-FFF2-40B4-BE49-F238E27FC236}">
+                <a16:creationId xmlns:a16="http://schemas.microsoft.com/office/drawing/2014/main" id="{ADE9A683-F360-2DDB-5BEB-ADB131974DDD}"/>
               </a:ext>
             </a:extLst>
           </p:cNvPr>
@@ -4599,7 +3917,7 @@
           <p:nvPr/>
         </p:nvPicPr>
         <p:blipFill>
-          <a:blip r:embed="rId5">
+          <a:blip r:embed="rId4">
             <a:extLst>
               <a:ext uri="{28A0092B-C50C-407E-A947-70E740481C1C}">
                 <a14:useLocalDpi xmlns:a14="http://schemas.microsoft.com/office/drawing/2010/main" val="0"/>
@@ -4613,8 +3931,8 @@
         </p:blipFill>
         <p:spPr bwMode="auto">
           <a:xfrm>
-            <a:off x="1128777" y="4657196"/>
-            <a:ext cx="2524760" cy="1803400"/>
+            <a:off x="1050497" y="3321120"/>
+            <a:ext cx="1704553" cy="1253348"/>
           </a:xfrm>
           <a:prstGeom prst="rect">
             <a:avLst/>
@@ -4631,12 +3949,106 @@
           </a:extLst>
         </p:spPr>
       </p:pic>
+      <p:pic>
+        <p:nvPicPr>
+          <p:cNvPr id="1048" name="Picture 24">
+            <a:extLst>
+              <a:ext uri="{FF2B5EF4-FFF2-40B4-BE49-F238E27FC236}">
+                <a16:creationId xmlns:a16="http://schemas.microsoft.com/office/drawing/2014/main" id="{B6ACD7A2-AE91-3798-8448-C4C2867489E4}"/>
+              </a:ext>
+            </a:extLst>
+          </p:cNvPr>
+          <p:cNvPicPr>
+            <a:picLocks noChangeAspect="1" noChangeArrowheads="1"/>
+          </p:cNvPicPr>
+          <p:nvPr/>
+        </p:nvPicPr>
+        <p:blipFill>
+          <a:blip r:embed="rId5">
+            <a:extLst>
+              <a:ext uri="{28A0092B-C50C-407E-A947-70E740481C1C}">
+                <a14:useLocalDpi xmlns:a14="http://schemas.microsoft.com/office/drawing/2010/main" val="0"/>
+              </a:ext>
+            </a:extLst>
+          </a:blip>
+          <a:srcRect/>
+          <a:stretch>
+            <a:fillRect/>
+          </a:stretch>
+        </p:blipFill>
+        <p:spPr bwMode="auto">
+          <a:xfrm>
+            <a:off x="1050496" y="4462886"/>
+            <a:ext cx="1704553" cy="1253348"/>
+          </a:xfrm>
+          <a:prstGeom prst="rect">
+            <a:avLst/>
+          </a:prstGeom>
+          <a:noFill/>
+          <a:extLst>
+            <a:ext uri="{909E8E84-426E-40DD-AFC4-6F175D3DCCD1}">
+              <a14:hiddenFill xmlns:a14="http://schemas.microsoft.com/office/drawing/2010/main">
+                <a:solidFill>
+                  <a:srgbClr val="FFFFFF"/>
+                </a:solidFill>
+              </a14:hiddenFill>
+            </a:ext>
+          </a:extLst>
+        </p:spPr>
+      </p:pic>
+      <p:pic>
+        <p:nvPicPr>
+          <p:cNvPr id="1050" name="Picture 26">
+            <a:extLst>
+              <a:ext uri="{FF2B5EF4-FFF2-40B4-BE49-F238E27FC236}">
+                <a16:creationId xmlns:a16="http://schemas.microsoft.com/office/drawing/2014/main" id="{428F7499-02F0-B225-5A07-BA7A38229A1E}"/>
+              </a:ext>
+            </a:extLst>
+          </p:cNvPr>
+          <p:cNvPicPr>
+            <a:picLocks noChangeAspect="1" noChangeArrowheads="1"/>
+          </p:cNvPicPr>
+          <p:nvPr/>
+        </p:nvPicPr>
+        <p:blipFill>
+          <a:blip r:embed="rId6">
+            <a:extLst>
+              <a:ext uri="{28A0092B-C50C-407E-A947-70E740481C1C}">
+                <a14:useLocalDpi xmlns:a14="http://schemas.microsoft.com/office/drawing/2010/main" val="0"/>
+              </a:ext>
+            </a:extLst>
+          </a:blip>
+          <a:srcRect/>
+          <a:stretch>
+            <a:fillRect/>
+          </a:stretch>
+        </p:blipFill>
+        <p:spPr bwMode="auto">
+          <a:xfrm>
+            <a:off x="1050495" y="5604652"/>
+            <a:ext cx="1704553" cy="1253348"/>
+          </a:xfrm>
+          <a:prstGeom prst="rect">
+            <a:avLst/>
+          </a:prstGeom>
+          <a:noFill/>
+          <a:extLst>
+            <a:ext uri="{909E8E84-426E-40DD-AFC4-6F175D3DCCD1}">
+              <a14:hiddenFill xmlns:a14="http://schemas.microsoft.com/office/drawing/2010/main">
+                <a:solidFill>
+                  <a:srgbClr val="FFFFFF"/>
+                </a:solidFill>
+              </a14:hiddenFill>
+            </a:ext>
+          </a:extLst>
+        </p:spPr>
+      </p:pic>
       <p:sp>
         <p:nvSpPr>
-          <p:cNvPr id="4" name="TextBox 3">
-            <a:extLst>
-              <a:ext uri="{FF2B5EF4-FFF2-40B4-BE49-F238E27FC236}">
-                <a16:creationId xmlns:a16="http://schemas.microsoft.com/office/drawing/2014/main" id="{EA778F53-5D87-510E-4AAC-424D57EE9698}"/>
+          <p:cNvPr id="6" name="TextBox 5">
+            <a:extLst>
+              <a:ext uri="{FF2B5EF4-FFF2-40B4-BE49-F238E27FC236}">
+                <a16:creationId xmlns:a16="http://schemas.microsoft.com/office/drawing/2014/main" id="{040976B6-03C0-93A4-9F20-39B7C3E2C186}"/>
               </a:ext>
             </a:extLst>
           </p:cNvPr>
@@ -4645,7 +4057,7 @@
         </p:nvSpPr>
         <p:spPr>
           <a:xfrm>
-            <a:off x="101600" y="2007936"/>
+            <a:off x="118533" y="1482694"/>
             <a:ext cx="1109762" cy="369332"/>
           </a:xfrm>
           <a:prstGeom prst="rect">
@@ -4662,6 +4074,810 @@
             <a:pPr algn="ctr"/>
             <a:r>
               <a:rPr lang="en-US" dirty="0"/>
+              <a:t>N = 50</a:t>
+            </a:r>
+          </a:p>
+        </p:txBody>
+      </p:sp>
+      <p:sp>
+        <p:nvSpPr>
+          <p:cNvPr id="7" name="TextBox 6">
+            <a:extLst>
+              <a:ext uri="{FF2B5EF4-FFF2-40B4-BE49-F238E27FC236}">
+                <a16:creationId xmlns:a16="http://schemas.microsoft.com/office/drawing/2014/main" id="{12A4C896-AC34-703A-9D84-D7C492C1F379}"/>
+              </a:ext>
+            </a:extLst>
+          </p:cNvPr>
+          <p:cNvSpPr txBox="1"/>
+          <p:nvPr/>
+        </p:nvSpPr>
+        <p:spPr>
+          <a:xfrm>
+            <a:off x="110068" y="2621362"/>
+            <a:ext cx="1109762" cy="369332"/>
+          </a:xfrm>
+          <a:prstGeom prst="rect">
+            <a:avLst/>
+          </a:prstGeom>
+          <a:noFill/>
+        </p:spPr>
+        <p:txBody>
+          <a:bodyPr wrap="square" rtlCol="0">
+            <a:spAutoFit/>
+          </a:bodyPr>
+          <a:lstStyle/>
+          <a:p>
+            <a:pPr algn="ctr"/>
+            <a:r>
+              <a:rPr lang="en-US" dirty="0"/>
+              <a:t>N = 100</a:t>
+            </a:r>
+          </a:p>
+        </p:txBody>
+      </p:sp>
+      <p:sp>
+        <p:nvSpPr>
+          <p:cNvPr id="8" name="TextBox 7">
+            <a:extLst>
+              <a:ext uri="{FF2B5EF4-FFF2-40B4-BE49-F238E27FC236}">
+                <a16:creationId xmlns:a16="http://schemas.microsoft.com/office/drawing/2014/main" id="{01596658-D5B9-C4F3-8E6C-A9B32C80B5FA}"/>
+              </a:ext>
+            </a:extLst>
+          </p:cNvPr>
+          <p:cNvSpPr txBox="1"/>
+          <p:nvPr/>
+        </p:nvSpPr>
+        <p:spPr>
+          <a:xfrm>
+            <a:off x="110066" y="3760030"/>
+            <a:ext cx="1109762" cy="369332"/>
+          </a:xfrm>
+          <a:prstGeom prst="rect">
+            <a:avLst/>
+          </a:prstGeom>
+          <a:noFill/>
+        </p:spPr>
+        <p:txBody>
+          <a:bodyPr wrap="square" rtlCol="0">
+            <a:spAutoFit/>
+          </a:bodyPr>
+          <a:lstStyle/>
+          <a:p>
+            <a:pPr algn="ctr"/>
+            <a:r>
+              <a:rPr lang="en-US" dirty="0"/>
+              <a:t>N = 250</a:t>
+            </a:r>
+          </a:p>
+        </p:txBody>
+      </p:sp>
+      <p:sp>
+        <p:nvSpPr>
+          <p:cNvPr id="9" name="TextBox 8">
+            <a:extLst>
+              <a:ext uri="{FF2B5EF4-FFF2-40B4-BE49-F238E27FC236}">
+                <a16:creationId xmlns:a16="http://schemas.microsoft.com/office/drawing/2014/main" id="{516EA0B1-2660-E27B-1BE9-D20619B11B15}"/>
+              </a:ext>
+            </a:extLst>
+          </p:cNvPr>
+          <p:cNvSpPr txBox="1"/>
+          <p:nvPr/>
+        </p:nvSpPr>
+        <p:spPr>
+          <a:xfrm>
+            <a:off x="110066" y="4867991"/>
+            <a:ext cx="1109762" cy="369332"/>
+          </a:xfrm>
+          <a:prstGeom prst="rect">
+            <a:avLst/>
+          </a:prstGeom>
+          <a:noFill/>
+        </p:spPr>
+        <p:txBody>
+          <a:bodyPr wrap="square" rtlCol="0">
+            <a:spAutoFit/>
+          </a:bodyPr>
+          <a:lstStyle/>
+          <a:p>
+            <a:pPr algn="ctr"/>
+            <a:r>
+              <a:rPr lang="en-US" dirty="0"/>
+              <a:t>N = 500</a:t>
+            </a:r>
+          </a:p>
+        </p:txBody>
+      </p:sp>
+      <p:sp>
+        <p:nvSpPr>
+          <p:cNvPr id="10" name="TextBox 9">
+            <a:extLst>
+              <a:ext uri="{FF2B5EF4-FFF2-40B4-BE49-F238E27FC236}">
+                <a16:creationId xmlns:a16="http://schemas.microsoft.com/office/drawing/2014/main" id="{0BE3DEF5-9259-C55E-CCBD-D61835F23BD8}"/>
+              </a:ext>
+            </a:extLst>
+          </p:cNvPr>
+          <p:cNvSpPr txBox="1"/>
+          <p:nvPr/>
+        </p:nvSpPr>
+        <p:spPr>
+          <a:xfrm>
+            <a:off x="110066" y="5975952"/>
+            <a:ext cx="1109762" cy="369332"/>
+          </a:xfrm>
+          <a:prstGeom prst="rect">
+            <a:avLst/>
+          </a:prstGeom>
+          <a:noFill/>
+        </p:spPr>
+        <p:txBody>
+          <a:bodyPr wrap="square" rtlCol="0">
+            <a:spAutoFit/>
+          </a:bodyPr>
+          <a:lstStyle/>
+          <a:p>
+            <a:pPr algn="ctr"/>
+            <a:r>
+              <a:rPr lang="en-US" dirty="0"/>
+              <a:t>N = 1000</a:t>
+            </a:r>
+          </a:p>
+        </p:txBody>
+      </p:sp>
+      <p:pic>
+        <p:nvPicPr>
+          <p:cNvPr id="1054" name="Picture 30">
+            <a:extLst>
+              <a:ext uri="{FF2B5EF4-FFF2-40B4-BE49-F238E27FC236}">
+                <a16:creationId xmlns:a16="http://schemas.microsoft.com/office/drawing/2014/main" id="{17D58055-CFDA-D44C-E657-8E42DB0F9227}"/>
+              </a:ext>
+            </a:extLst>
+          </p:cNvPr>
+          <p:cNvPicPr>
+            <a:picLocks noChangeAspect="1" noChangeArrowheads="1"/>
+          </p:cNvPicPr>
+          <p:nvPr/>
+        </p:nvPicPr>
+        <p:blipFill>
+          <a:blip r:embed="rId7">
+            <a:extLst>
+              <a:ext uri="{28A0092B-C50C-407E-A947-70E740481C1C}">
+                <a14:useLocalDpi xmlns:a14="http://schemas.microsoft.com/office/drawing/2010/main" val="0"/>
+              </a:ext>
+            </a:extLst>
+          </a:blip>
+          <a:srcRect/>
+          <a:stretch>
+            <a:fillRect/>
+          </a:stretch>
+        </p:blipFill>
+        <p:spPr bwMode="auto">
+          <a:xfrm>
+            <a:off x="9333002" y="2000295"/>
+            <a:ext cx="2858998" cy="2040430"/>
+          </a:xfrm>
+          <a:prstGeom prst="rect">
+            <a:avLst/>
+          </a:prstGeom>
+          <a:noFill/>
+          <a:extLst>
+            <a:ext uri="{909E8E84-426E-40DD-AFC4-6F175D3DCCD1}">
+              <a14:hiddenFill xmlns:a14="http://schemas.microsoft.com/office/drawing/2010/main">
+                <a:solidFill>
+                  <a:srgbClr val="FFFFFF"/>
+                </a:solidFill>
+              </a14:hiddenFill>
+            </a:ext>
+          </a:extLst>
+        </p:spPr>
+      </p:pic>
+      <p:pic>
+        <p:nvPicPr>
+          <p:cNvPr id="1058" name="Picture 34">
+            <a:extLst>
+              <a:ext uri="{FF2B5EF4-FFF2-40B4-BE49-F238E27FC236}">
+                <a16:creationId xmlns:a16="http://schemas.microsoft.com/office/drawing/2014/main" id="{6F34F49E-973E-D946-E050-9354D9AC18EE}"/>
+              </a:ext>
+            </a:extLst>
+          </p:cNvPr>
+          <p:cNvPicPr>
+            <a:picLocks noChangeAspect="1" noChangeArrowheads="1"/>
+          </p:cNvPicPr>
+          <p:nvPr/>
+        </p:nvPicPr>
+        <p:blipFill>
+          <a:blip r:embed="rId8">
+            <a:extLst>
+              <a:ext uri="{28A0092B-C50C-407E-A947-70E740481C1C}">
+                <a14:useLocalDpi xmlns:a14="http://schemas.microsoft.com/office/drawing/2010/main" val="0"/>
+              </a:ext>
+            </a:extLst>
+          </a:blip>
+          <a:srcRect/>
+          <a:stretch>
+            <a:fillRect/>
+          </a:stretch>
+        </p:blipFill>
+        <p:spPr bwMode="auto">
+          <a:xfrm>
+            <a:off x="9333002" y="3735318"/>
+            <a:ext cx="2743200" cy="2040429"/>
+          </a:xfrm>
+          <a:prstGeom prst="rect">
+            <a:avLst/>
+          </a:prstGeom>
+          <a:noFill/>
+          <a:extLst>
+            <a:ext uri="{909E8E84-426E-40DD-AFC4-6F175D3DCCD1}">
+              <a14:hiddenFill xmlns:a14="http://schemas.microsoft.com/office/drawing/2010/main">
+                <a:solidFill>
+                  <a:srgbClr val="FFFFFF"/>
+                </a:solidFill>
+              </a14:hiddenFill>
+            </a:ext>
+          </a:extLst>
+        </p:spPr>
+      </p:pic>
+      <p:pic>
+        <p:nvPicPr>
+          <p:cNvPr id="1052" name="Picture 28">
+            <a:extLst>
+              <a:ext uri="{FF2B5EF4-FFF2-40B4-BE49-F238E27FC236}">
+                <a16:creationId xmlns:a16="http://schemas.microsoft.com/office/drawing/2014/main" id="{8D14E277-BDD1-4CFC-BAD5-8AD4D035DA4D}"/>
+              </a:ext>
+            </a:extLst>
+          </p:cNvPr>
+          <p:cNvPicPr>
+            <a:picLocks noChangeAspect="1" noChangeArrowheads="1"/>
+          </p:cNvPicPr>
+          <p:nvPr/>
+        </p:nvPicPr>
+        <p:blipFill>
+          <a:blip r:embed="rId9">
+            <a:extLst>
+              <a:ext uri="{28A0092B-C50C-407E-A947-70E740481C1C}">
+                <a14:useLocalDpi xmlns:a14="http://schemas.microsoft.com/office/drawing/2010/main" val="0"/>
+              </a:ext>
+            </a:extLst>
+          </a:blip>
+          <a:srcRect/>
+          <a:stretch>
+            <a:fillRect/>
+          </a:stretch>
+        </p:blipFill>
+        <p:spPr bwMode="auto">
+          <a:xfrm>
+            <a:off x="6506807" y="2050473"/>
+            <a:ext cx="2858997" cy="2009557"/>
+          </a:xfrm>
+          <a:prstGeom prst="rect">
+            <a:avLst/>
+          </a:prstGeom>
+          <a:noFill/>
+          <a:extLst>
+            <a:ext uri="{909E8E84-426E-40DD-AFC4-6F175D3DCCD1}">
+              <a14:hiddenFill xmlns:a14="http://schemas.microsoft.com/office/drawing/2010/main">
+                <a:solidFill>
+                  <a:srgbClr val="FFFFFF"/>
+                </a:solidFill>
+              </a14:hiddenFill>
+            </a:ext>
+          </a:extLst>
+        </p:spPr>
+      </p:pic>
+      <p:pic>
+        <p:nvPicPr>
+          <p:cNvPr id="1056" name="Picture 32">
+            <a:extLst>
+              <a:ext uri="{FF2B5EF4-FFF2-40B4-BE49-F238E27FC236}">
+                <a16:creationId xmlns:a16="http://schemas.microsoft.com/office/drawing/2014/main" id="{E6C8F860-301E-1B4F-862A-9555AEA5C080}"/>
+              </a:ext>
+            </a:extLst>
+          </p:cNvPr>
+          <p:cNvPicPr>
+            <a:picLocks noChangeAspect="1" noChangeArrowheads="1"/>
+          </p:cNvPicPr>
+          <p:nvPr/>
+        </p:nvPicPr>
+        <p:blipFill>
+          <a:blip r:embed="rId10">
+            <a:extLst>
+              <a:ext uri="{28A0092B-C50C-407E-A947-70E740481C1C}">
+                <a14:useLocalDpi xmlns:a14="http://schemas.microsoft.com/office/drawing/2010/main" val="0"/>
+              </a:ext>
+            </a:extLst>
+          </a:blip>
+          <a:srcRect/>
+          <a:stretch>
+            <a:fillRect/>
+          </a:stretch>
+        </p:blipFill>
+        <p:spPr bwMode="auto">
+          <a:xfrm>
+            <a:off x="6506807" y="3748186"/>
+            <a:ext cx="2758597" cy="1968775"/>
+          </a:xfrm>
+          <a:prstGeom prst="rect">
+            <a:avLst/>
+          </a:prstGeom>
+          <a:noFill/>
+          <a:extLst>
+            <a:ext uri="{909E8E84-426E-40DD-AFC4-6F175D3DCCD1}">
+              <a14:hiddenFill xmlns:a14="http://schemas.microsoft.com/office/drawing/2010/main">
+                <a:solidFill>
+                  <a:srgbClr val="FFFFFF"/>
+                </a:solidFill>
+              </a14:hiddenFill>
+            </a:ext>
+          </a:extLst>
+        </p:spPr>
+      </p:pic>
+      <p:cxnSp>
+        <p:nvCxnSpPr>
+          <p:cNvPr id="12" name="Straight Connector 11">
+            <a:extLst>
+              <a:ext uri="{FF2B5EF4-FFF2-40B4-BE49-F238E27FC236}">
+                <a16:creationId xmlns:a16="http://schemas.microsoft.com/office/drawing/2014/main" id="{9B399F55-9CD1-7E09-D6F3-16DC0CEC9835}"/>
+              </a:ext>
+            </a:extLst>
+          </p:cNvPr>
+          <p:cNvCxnSpPr>
+            <a:cxnSpLocks/>
+          </p:cNvCxnSpPr>
+          <p:nvPr/>
+        </p:nvCxnSpPr>
+        <p:spPr>
+          <a:xfrm>
+            <a:off x="2514602" y="1036745"/>
+            <a:ext cx="0" cy="5684730"/>
+          </a:xfrm>
+          <a:prstGeom prst="line">
+            <a:avLst/>
+          </a:prstGeom>
+          <a:ln w="19050">
+            <a:solidFill>
+              <a:srgbClr val="C00000"/>
+            </a:solidFill>
+          </a:ln>
+        </p:spPr>
+        <p:style>
+          <a:lnRef idx="1">
+            <a:schemeClr val="accent1"/>
+          </a:lnRef>
+          <a:fillRef idx="0">
+            <a:schemeClr val="accent1"/>
+          </a:fillRef>
+          <a:effectRef idx="0">
+            <a:schemeClr val="accent1"/>
+          </a:effectRef>
+          <a:fontRef idx="minor">
+            <a:schemeClr val="tx1"/>
+          </a:fontRef>
+        </p:style>
+      </p:cxnSp>
+      <p:sp>
+        <p:nvSpPr>
+          <p:cNvPr id="15" name="TextBox 14">
+            <a:extLst>
+              <a:ext uri="{FF2B5EF4-FFF2-40B4-BE49-F238E27FC236}">
+                <a16:creationId xmlns:a16="http://schemas.microsoft.com/office/drawing/2014/main" id="{A274E17C-510C-B562-FCB0-59D18E763C5B}"/>
+              </a:ext>
+            </a:extLst>
+          </p:cNvPr>
+          <p:cNvSpPr txBox="1"/>
+          <p:nvPr/>
+        </p:nvSpPr>
+        <p:spPr>
+          <a:xfrm>
+            <a:off x="2908358" y="1216563"/>
+            <a:ext cx="2277533" cy="276999"/>
+          </a:xfrm>
+          <a:prstGeom prst="rect">
+            <a:avLst/>
+          </a:prstGeom>
+          <a:noFill/>
+        </p:spPr>
+        <p:txBody>
+          <a:bodyPr wrap="square" rtlCol="0">
+            <a:spAutoFit/>
+          </a:bodyPr>
+          <a:lstStyle/>
+          <a:p>
+            <a:r>
+              <a:rPr lang="en-US" sz="1200" dirty="0"/>
+              <a:t>Transition knee in red (z ~ 90)</a:t>
+            </a:r>
+          </a:p>
+        </p:txBody>
+      </p:sp>
+      <p:pic>
+        <p:nvPicPr>
+          <p:cNvPr id="1062" name="Picture 38">
+            <a:extLst>
+              <a:ext uri="{FF2B5EF4-FFF2-40B4-BE49-F238E27FC236}">
+                <a16:creationId xmlns:a16="http://schemas.microsoft.com/office/drawing/2014/main" id="{FF7C98AD-6D8F-08CE-6CD5-42F0B92ED771}"/>
+              </a:ext>
+            </a:extLst>
+          </p:cNvPr>
+          <p:cNvPicPr>
+            <a:picLocks noChangeAspect="1" noChangeArrowheads="1"/>
+          </p:cNvPicPr>
+          <p:nvPr/>
+        </p:nvPicPr>
+        <p:blipFill>
+          <a:blip r:embed="rId11">
+            <a:extLst>
+              <a:ext uri="{28A0092B-C50C-407E-A947-70E740481C1C}">
+                <a14:useLocalDpi xmlns:a14="http://schemas.microsoft.com/office/drawing/2010/main" val="0"/>
+              </a:ext>
+            </a:extLst>
+          </a:blip>
+          <a:srcRect/>
+          <a:stretch>
+            <a:fillRect/>
+          </a:stretch>
+        </p:blipFill>
+        <p:spPr bwMode="auto">
+          <a:xfrm>
+            <a:off x="2919099" y="2704510"/>
+            <a:ext cx="3570772" cy="2672429"/>
+          </a:xfrm>
+          <a:prstGeom prst="rect">
+            <a:avLst/>
+          </a:prstGeom>
+          <a:noFill/>
+          <a:extLst>
+            <a:ext uri="{909E8E84-426E-40DD-AFC4-6F175D3DCCD1}">
+              <a14:hiddenFill xmlns:a14="http://schemas.microsoft.com/office/drawing/2010/main">
+                <a:solidFill>
+                  <a:srgbClr val="FFFFFF"/>
+                </a:solidFill>
+              </a14:hiddenFill>
+            </a:ext>
+          </a:extLst>
+        </p:spPr>
+      </p:pic>
+      <p:sp>
+        <p:nvSpPr>
+          <p:cNvPr id="16" name="TextBox 15">
+            <a:extLst>
+              <a:ext uri="{FF2B5EF4-FFF2-40B4-BE49-F238E27FC236}">
+                <a16:creationId xmlns:a16="http://schemas.microsoft.com/office/drawing/2014/main" id="{17B4BA82-DF93-93A0-D95B-00B0F7C9A0BC}"/>
+              </a:ext>
+            </a:extLst>
+          </p:cNvPr>
+          <p:cNvSpPr txBox="1"/>
+          <p:nvPr/>
+        </p:nvSpPr>
+        <p:spPr>
+          <a:xfrm>
+            <a:off x="3809550" y="5483295"/>
+            <a:ext cx="2277533" cy="276999"/>
+          </a:xfrm>
+          <a:prstGeom prst="rect">
+            <a:avLst/>
+          </a:prstGeom>
+          <a:noFill/>
+        </p:spPr>
+        <p:txBody>
+          <a:bodyPr wrap="square" rtlCol="0">
+            <a:spAutoFit/>
+          </a:bodyPr>
+          <a:lstStyle/>
+          <a:p>
+            <a:pPr algn="ctr"/>
+            <a:r>
+              <a:rPr lang="en-US" sz="1200" dirty="0"/>
+              <a:t>Analytical dotted</a:t>
+            </a:r>
+          </a:p>
+        </p:txBody>
+      </p:sp>
+    </p:spTree>
+    <p:extLst>
+      <p:ext uri="{BB962C8B-B14F-4D97-AF65-F5344CB8AC3E}">
+        <p14:creationId xmlns:p14="http://schemas.microsoft.com/office/powerpoint/2010/main" val="3168892698"/>
+      </p:ext>
+    </p:extLst>
+  </p:cSld>
+  <p:clrMapOvr>
+    <a:masterClrMapping/>
+  </p:clrMapOvr>
+</p:sld>
+</file>
+
+<file path=ppt/slides/slide14.xml><?xml version="1.0" encoding="utf-8"?>
+<p:sld xmlns:a="http://schemas.openxmlformats.org/drawingml/2006/main" xmlns:r="http://schemas.openxmlformats.org/officeDocument/2006/relationships" xmlns:p="http://schemas.openxmlformats.org/presentationml/2006/main">
+  <p:cSld>
+    <p:spTree>
+      <p:nvGrpSpPr>
+        <p:cNvPr id="1" name=""/>
+        <p:cNvGrpSpPr/>
+        <p:nvPr/>
+      </p:nvGrpSpPr>
+      <p:grpSpPr>
+        <a:xfrm>
+          <a:off x="0" y="0"/>
+          <a:ext cx="0" cy="0"/>
+          <a:chOff x="0" y="0"/>
+          <a:chExt cx="0" cy="0"/>
+        </a:xfrm>
+      </p:grpSpPr>
+      <p:pic>
+        <p:nvPicPr>
+          <p:cNvPr id="2060" name="Picture 12">
+            <a:extLst>
+              <a:ext uri="{FF2B5EF4-FFF2-40B4-BE49-F238E27FC236}">
+                <a16:creationId xmlns:a16="http://schemas.microsoft.com/office/drawing/2014/main" id="{41E8D11D-6FF1-B35C-B852-0F0A3F0ACA20}"/>
+              </a:ext>
+            </a:extLst>
+          </p:cNvPr>
+          <p:cNvPicPr>
+            <a:picLocks noChangeAspect="1" noChangeArrowheads="1"/>
+          </p:cNvPicPr>
+          <p:nvPr/>
+        </p:nvPicPr>
+        <p:blipFill>
+          <a:blip r:embed="rId2">
+            <a:extLst>
+              <a:ext uri="{28A0092B-C50C-407E-A947-70E740481C1C}">
+                <a14:useLocalDpi xmlns:a14="http://schemas.microsoft.com/office/drawing/2010/main" val="0"/>
+              </a:ext>
+            </a:extLst>
+          </a:blip>
+          <a:srcRect/>
+          <a:stretch>
+            <a:fillRect/>
+          </a:stretch>
+        </p:blipFill>
+        <p:spPr bwMode="auto">
+          <a:xfrm>
+            <a:off x="1128776" y="1371070"/>
+            <a:ext cx="2524761" cy="1803401"/>
+          </a:xfrm>
+          <a:prstGeom prst="rect">
+            <a:avLst/>
+          </a:prstGeom>
+          <a:noFill/>
+          <a:extLst>
+            <a:ext uri="{909E8E84-426E-40DD-AFC4-6F175D3DCCD1}">
+              <a14:hiddenFill xmlns:a14="http://schemas.microsoft.com/office/drawing/2010/main">
+                <a:solidFill>
+                  <a:srgbClr val="FFFFFF"/>
+                </a:solidFill>
+              </a14:hiddenFill>
+            </a:ext>
+          </a:extLst>
+        </p:spPr>
+      </p:pic>
+      <p:sp>
+        <p:nvSpPr>
+          <p:cNvPr id="2" name="Title 1">
+            <a:extLst>
+              <a:ext uri="{FF2B5EF4-FFF2-40B4-BE49-F238E27FC236}">
+                <a16:creationId xmlns:a16="http://schemas.microsoft.com/office/drawing/2014/main" id="{F6C7137D-573F-6D22-276C-4603F951633C}"/>
+              </a:ext>
+            </a:extLst>
+          </p:cNvPr>
+          <p:cNvSpPr>
+            <a:spLocks noGrp="1"/>
+          </p:cNvSpPr>
+          <p:nvPr>
+            <p:ph type="title"/>
+          </p:nvPr>
+        </p:nvSpPr>
+        <p:spPr/>
+        <p:txBody>
+          <a:bodyPr/>
+          <a:lstStyle/>
+          <a:p>
+            <a:r>
+              <a:rPr lang="en-US" dirty="0"/>
+              <a:t>Uneven grid (L)</a:t>
+            </a:r>
+          </a:p>
+        </p:txBody>
+      </p:sp>
+      <p:sp>
+        <p:nvSpPr>
+          <p:cNvPr id="3" name="Slide Number Placeholder 2">
+            <a:extLst>
+              <a:ext uri="{FF2B5EF4-FFF2-40B4-BE49-F238E27FC236}">
+                <a16:creationId xmlns:a16="http://schemas.microsoft.com/office/drawing/2014/main" id="{452CB1D3-714B-3463-C98F-0D71710BA68B}"/>
+              </a:ext>
+            </a:extLst>
+          </p:cNvPr>
+          <p:cNvSpPr>
+            <a:spLocks noGrp="1"/>
+          </p:cNvSpPr>
+          <p:nvPr>
+            <p:ph type="sldNum" sz="quarter" idx="12"/>
+          </p:nvPr>
+        </p:nvSpPr>
+        <p:spPr/>
+        <p:txBody>
+          <a:bodyPr/>
+          <a:lstStyle/>
+          <a:p>
+            <a:fld id="{5911C0E6-D9CE-431C-92CB-BB39B872F930}" type="slidenum">
+              <a:rPr lang="en-US" smtClean="0"/>
+              <a:t>14</a:t>
+            </a:fld>
+            <a:endParaRPr lang="en-US"/>
+          </a:p>
+        </p:txBody>
+      </p:sp>
+      <p:pic>
+        <p:nvPicPr>
+          <p:cNvPr id="2050" name="Picture 2">
+            <a:extLst>
+              <a:ext uri="{FF2B5EF4-FFF2-40B4-BE49-F238E27FC236}">
+                <a16:creationId xmlns:a16="http://schemas.microsoft.com/office/drawing/2014/main" id="{685DD4D1-5E1E-393A-9B14-CE059C456A09}"/>
+              </a:ext>
+            </a:extLst>
+          </p:cNvPr>
+          <p:cNvPicPr>
+            <a:picLocks noChangeAspect="1" noChangeArrowheads="1"/>
+          </p:cNvPicPr>
+          <p:nvPr/>
+        </p:nvPicPr>
+        <p:blipFill>
+          <a:blip r:embed="rId3">
+            <a:extLst>
+              <a:ext uri="{28A0092B-C50C-407E-A947-70E740481C1C}">
+                <a14:useLocalDpi xmlns:a14="http://schemas.microsoft.com/office/drawing/2010/main" val="0"/>
+              </a:ext>
+            </a:extLst>
+          </a:blip>
+          <a:srcRect/>
+          <a:stretch>
+            <a:fillRect/>
+          </a:stretch>
+        </p:blipFill>
+        <p:spPr bwMode="auto">
+          <a:xfrm>
+            <a:off x="6223494" y="2530009"/>
+            <a:ext cx="4109183" cy="2939646"/>
+          </a:xfrm>
+          <a:prstGeom prst="rect">
+            <a:avLst/>
+          </a:prstGeom>
+          <a:noFill/>
+          <a:extLst>
+            <a:ext uri="{909E8E84-426E-40DD-AFC4-6F175D3DCCD1}">
+              <a14:hiddenFill xmlns:a14="http://schemas.microsoft.com/office/drawing/2010/main">
+                <a:solidFill>
+                  <a:srgbClr val="FFFFFF"/>
+                </a:solidFill>
+              </a14:hiddenFill>
+            </a:ext>
+          </a:extLst>
+        </p:spPr>
+      </p:pic>
+      <p:pic>
+        <p:nvPicPr>
+          <p:cNvPr id="2056" name="Picture 8">
+            <a:extLst>
+              <a:ext uri="{FF2B5EF4-FFF2-40B4-BE49-F238E27FC236}">
+                <a16:creationId xmlns:a16="http://schemas.microsoft.com/office/drawing/2014/main" id="{F7CC2312-09AA-87A9-C3C7-5513660A813C}"/>
+              </a:ext>
+            </a:extLst>
+          </p:cNvPr>
+          <p:cNvPicPr>
+            <a:picLocks noChangeAspect="1" noChangeArrowheads="1"/>
+          </p:cNvPicPr>
+          <p:nvPr/>
+        </p:nvPicPr>
+        <p:blipFill>
+          <a:blip r:embed="rId4">
+            <a:extLst>
+              <a:ext uri="{28A0092B-C50C-407E-A947-70E740481C1C}">
+                <a14:useLocalDpi xmlns:a14="http://schemas.microsoft.com/office/drawing/2010/main" val="0"/>
+              </a:ext>
+            </a:extLst>
+          </a:blip>
+          <a:srcRect/>
+          <a:stretch>
+            <a:fillRect/>
+          </a:stretch>
+        </p:blipFill>
+        <p:spPr bwMode="auto">
+          <a:xfrm>
+            <a:off x="1128777" y="3014133"/>
+            <a:ext cx="2524760" cy="1803400"/>
+          </a:xfrm>
+          <a:prstGeom prst="rect">
+            <a:avLst/>
+          </a:prstGeom>
+          <a:noFill/>
+          <a:extLst>
+            <a:ext uri="{909E8E84-426E-40DD-AFC4-6F175D3DCCD1}">
+              <a14:hiddenFill xmlns:a14="http://schemas.microsoft.com/office/drawing/2010/main">
+                <a:solidFill>
+                  <a:srgbClr val="FFFFFF"/>
+                </a:solidFill>
+              </a14:hiddenFill>
+            </a:ext>
+          </a:extLst>
+        </p:spPr>
+      </p:pic>
+      <p:pic>
+        <p:nvPicPr>
+          <p:cNvPr id="2058" name="Picture 10">
+            <a:extLst>
+              <a:ext uri="{FF2B5EF4-FFF2-40B4-BE49-F238E27FC236}">
+                <a16:creationId xmlns:a16="http://schemas.microsoft.com/office/drawing/2014/main" id="{01077240-9147-8861-AEBD-F32C43474A48}"/>
+              </a:ext>
+            </a:extLst>
+          </p:cNvPr>
+          <p:cNvPicPr>
+            <a:picLocks noChangeAspect="1" noChangeArrowheads="1"/>
+          </p:cNvPicPr>
+          <p:nvPr/>
+        </p:nvPicPr>
+        <p:blipFill>
+          <a:blip r:embed="rId5">
+            <a:extLst>
+              <a:ext uri="{28A0092B-C50C-407E-A947-70E740481C1C}">
+                <a14:useLocalDpi xmlns:a14="http://schemas.microsoft.com/office/drawing/2010/main" val="0"/>
+              </a:ext>
+            </a:extLst>
+          </a:blip>
+          <a:srcRect/>
+          <a:stretch>
+            <a:fillRect/>
+          </a:stretch>
+        </p:blipFill>
+        <p:spPr bwMode="auto">
+          <a:xfrm>
+            <a:off x="1128777" y="4657196"/>
+            <a:ext cx="2524760" cy="1803400"/>
+          </a:xfrm>
+          <a:prstGeom prst="rect">
+            <a:avLst/>
+          </a:prstGeom>
+          <a:noFill/>
+          <a:extLst>
+            <a:ext uri="{909E8E84-426E-40DD-AFC4-6F175D3DCCD1}">
+              <a14:hiddenFill xmlns:a14="http://schemas.microsoft.com/office/drawing/2010/main">
+                <a:solidFill>
+                  <a:srgbClr val="FFFFFF"/>
+                </a:solidFill>
+              </a14:hiddenFill>
+            </a:ext>
+          </a:extLst>
+        </p:spPr>
+      </p:pic>
+      <p:sp>
+        <p:nvSpPr>
+          <p:cNvPr id="4" name="TextBox 3">
+            <a:extLst>
+              <a:ext uri="{FF2B5EF4-FFF2-40B4-BE49-F238E27FC236}">
+                <a16:creationId xmlns:a16="http://schemas.microsoft.com/office/drawing/2014/main" id="{EA778F53-5D87-510E-4AAC-424D57EE9698}"/>
+              </a:ext>
+            </a:extLst>
+          </p:cNvPr>
+          <p:cNvSpPr txBox="1"/>
+          <p:nvPr/>
+        </p:nvSpPr>
+        <p:spPr>
+          <a:xfrm>
+            <a:off x="101600" y="2007936"/>
+            <a:ext cx="1109762" cy="369332"/>
+          </a:xfrm>
+          <a:prstGeom prst="rect">
+            <a:avLst/>
+          </a:prstGeom>
+          <a:noFill/>
+        </p:spPr>
+        <p:txBody>
+          <a:bodyPr wrap="square" rtlCol="0">
+            <a:spAutoFit/>
+          </a:bodyPr>
+          <a:lstStyle/>
+          <a:p>
+            <a:pPr algn="ctr"/>
+            <a:r>
+              <a:rPr lang="en-US" dirty="0"/>
               <a:t>L = 100</a:t>
             </a:r>
           </a:p>
@@ -4877,10 +5093,9 @@
           <a:p>
             <a:pPr algn="ctr"/>
             <a:r>
-              <a:rPr lang="en-US"/>
+              <a:rPr lang="en-US" dirty="0"/>
               <a:t>s = −20e-20</a:t>
             </a:r>
-            <a:endParaRPr lang="en-US" dirty="0"/>
           </a:p>
         </p:txBody>
       </p:sp>

--- a/NAF.pptx
+++ b/NAF.pptx
@@ -5,7 +5,7 @@
     <p:sldMasterId id="2147483648" r:id="rId1"/>
   </p:sldMasterIdLst>
   <p:notesMasterIdLst>
-    <p:notesMasterId r:id="rId16"/>
+    <p:notesMasterId r:id="rId17"/>
   </p:notesMasterIdLst>
   <p:sldIdLst>
     <p:sldId id="256" r:id="rId2"/>
@@ -22,6 +22,7 @@
     <p:sldId id="272" r:id="rId13"/>
     <p:sldId id="270" r:id="rId14"/>
     <p:sldId id="271" r:id="rId15"/>
+    <p:sldId id="273" r:id="rId16"/>
   </p:sldIdLst>
   <p:sldSz cx="12192000" cy="6858000"/>
   <p:notesSz cx="6858000" cy="9144000"/>
@@ -4631,8 +4632,8 @@
         </p:blipFill>
         <p:spPr bwMode="auto">
           <a:xfrm>
-            <a:off x="1128776" y="1371070"/>
-            <a:ext cx="2524761" cy="1803401"/>
+            <a:off x="1116874" y="2760854"/>
+            <a:ext cx="2016821" cy="1440587"/>
           </a:xfrm>
           <a:prstGeom prst="rect">
             <a:avLst/>
@@ -4782,8 +4783,8 @@
         </p:blipFill>
         <p:spPr bwMode="auto">
           <a:xfrm>
-            <a:off x="1128777" y="3014133"/>
-            <a:ext cx="2524760" cy="1803400"/>
+            <a:off x="1116875" y="4089612"/>
+            <a:ext cx="2016820" cy="1440586"/>
           </a:xfrm>
           <a:prstGeom prst="rect">
             <a:avLst/>
@@ -4829,8 +4830,8 @@
         </p:blipFill>
         <p:spPr bwMode="auto">
           <a:xfrm>
-            <a:off x="1128777" y="4657196"/>
-            <a:ext cx="2524760" cy="1803400"/>
+            <a:off x="1116877" y="5417414"/>
+            <a:ext cx="2016820" cy="1440586"/>
           </a:xfrm>
           <a:prstGeom prst="rect">
             <a:avLst/>
@@ -4861,7 +4862,7 @@
         </p:nvSpPr>
         <p:spPr>
           <a:xfrm>
-            <a:off x="101600" y="2007936"/>
+            <a:off x="101600" y="3204148"/>
             <a:ext cx="1109762" cy="369332"/>
           </a:xfrm>
           <a:prstGeom prst="rect">
@@ -4897,7 +4898,7 @@
         </p:nvSpPr>
         <p:spPr>
           <a:xfrm>
-            <a:off x="101600" y="3630500"/>
+            <a:off x="101600" y="4568369"/>
             <a:ext cx="1109762" cy="369332"/>
           </a:xfrm>
           <a:prstGeom prst="rect">
@@ -4933,7 +4934,7 @@
         </p:nvSpPr>
         <p:spPr>
           <a:xfrm>
-            <a:off x="101600" y="5306497"/>
+            <a:off x="101600" y="5840976"/>
             <a:ext cx="1109762" cy="369332"/>
           </a:xfrm>
           <a:prstGeom prst="rect">
@@ -4969,7 +4970,7 @@
         </p:nvSpPr>
         <p:spPr>
           <a:xfrm>
-            <a:off x="3939711" y="2007936"/>
+            <a:off x="3594088" y="3204148"/>
             <a:ext cx="1109762" cy="369332"/>
           </a:xfrm>
           <a:prstGeom prst="rect">
@@ -5005,7 +5006,7 @@
         </p:nvSpPr>
         <p:spPr>
           <a:xfrm>
-            <a:off x="3841453" y="3429000"/>
+            <a:off x="3495829" y="4429869"/>
             <a:ext cx="1306279" cy="646331"/>
           </a:xfrm>
           <a:prstGeom prst="rect">
@@ -5029,10 +5030,10 @@
       </p:sp>
       <p:sp>
         <p:nvSpPr>
-          <p:cNvPr id="9" name="TextBox 8">
-            <a:extLst>
-              <a:ext uri="{FF2B5EF4-FFF2-40B4-BE49-F238E27FC236}">
-                <a16:creationId xmlns:a16="http://schemas.microsoft.com/office/drawing/2014/main" id="{27A32FC2-939C-CA10-F50B-885F5509DE11}"/>
+          <p:cNvPr id="10" name="TextBox 9">
+            <a:extLst>
+              <a:ext uri="{FF2B5EF4-FFF2-40B4-BE49-F238E27FC236}">
+                <a16:creationId xmlns:a16="http://schemas.microsoft.com/office/drawing/2014/main" id="{6CB92EDC-32FC-797F-05EA-5C3F162CFF80}"/>
               </a:ext>
             </a:extLst>
           </p:cNvPr>
@@ -5041,8 +5042,8 @@
         </p:nvSpPr>
         <p:spPr>
           <a:xfrm>
-            <a:off x="3841453" y="5112994"/>
-            <a:ext cx="1306279" cy="646331"/>
+            <a:off x="6971806" y="2152078"/>
+            <a:ext cx="3213594" cy="369332"/>
           </a:xfrm>
           <a:prstGeom prst="rect">
             <a:avLst/>
@@ -5058,42 +5059,6 @@
             <a:pPr algn="ctr"/>
             <a:r>
               <a:rPr lang="en-US" dirty="0"/>
-              <a:t>Extend left evenly</a:t>
-            </a:r>
-          </a:p>
-        </p:txBody>
-      </p:sp>
-      <p:sp>
-        <p:nvSpPr>
-          <p:cNvPr id="10" name="TextBox 9">
-            <a:extLst>
-              <a:ext uri="{FF2B5EF4-FFF2-40B4-BE49-F238E27FC236}">
-                <a16:creationId xmlns:a16="http://schemas.microsoft.com/office/drawing/2014/main" id="{6CB92EDC-32FC-797F-05EA-5C3F162CFF80}"/>
-              </a:ext>
-            </a:extLst>
-          </p:cNvPr>
-          <p:cNvSpPr txBox="1"/>
-          <p:nvPr/>
-        </p:nvSpPr>
-        <p:spPr>
-          <a:xfrm>
-            <a:off x="6971806" y="2152078"/>
-            <a:ext cx="3213594" cy="369332"/>
-          </a:xfrm>
-          <a:prstGeom prst="rect">
-            <a:avLst/>
-          </a:prstGeom>
-          <a:noFill/>
-        </p:spPr>
-        <p:txBody>
-          <a:bodyPr wrap="square" rtlCol="0">
-            <a:spAutoFit/>
-          </a:bodyPr>
-          <a:lstStyle/>
-          <a:p>
-            <a:pPr algn="ctr"/>
-            <a:r>
-              <a:rPr lang="en-US" dirty="0"/>
               <a:t>s = −20e-20</a:t>
             </a:r>
           </a:p>
@@ -5103,6 +5068,93 @@
     <p:extLst>
       <p:ext uri="{BB962C8B-B14F-4D97-AF65-F5344CB8AC3E}">
         <p14:creationId xmlns:p14="http://schemas.microsoft.com/office/powerpoint/2010/main" val="2235809049"/>
+      </p:ext>
+    </p:extLst>
+  </p:cSld>
+  <p:clrMapOvr>
+    <a:masterClrMapping/>
+  </p:clrMapOvr>
+</p:sld>
+</file>
+
+<file path=ppt/slides/slide15.xml><?xml version="1.0" encoding="utf-8"?>
+<p:sld xmlns:a="http://schemas.openxmlformats.org/drawingml/2006/main" xmlns:r="http://schemas.openxmlformats.org/officeDocument/2006/relationships" xmlns:p="http://schemas.openxmlformats.org/presentationml/2006/main">
+  <p:cSld>
+    <p:spTree>
+      <p:nvGrpSpPr>
+        <p:cNvPr id="1" name=""/>
+        <p:cNvGrpSpPr/>
+        <p:nvPr/>
+      </p:nvGrpSpPr>
+      <p:grpSpPr>
+        <a:xfrm>
+          <a:off x="0" y="0"/>
+          <a:ext cx="0" cy="0"/>
+          <a:chOff x="0" y="0"/>
+          <a:chExt cx="0" cy="0"/>
+        </a:xfrm>
+      </p:grpSpPr>
+      <p:sp>
+        <p:nvSpPr>
+          <p:cNvPr id="2" name="Title 1">
+            <a:extLst>
+              <a:ext uri="{FF2B5EF4-FFF2-40B4-BE49-F238E27FC236}">
+                <a16:creationId xmlns:a16="http://schemas.microsoft.com/office/drawing/2014/main" id="{51EE6E43-0725-3B88-DC7A-CB09649B4EBD}"/>
+              </a:ext>
+            </a:extLst>
+          </p:cNvPr>
+          <p:cNvSpPr>
+            <a:spLocks noGrp="1"/>
+          </p:cNvSpPr>
+          <p:nvPr>
+            <p:ph type="title"/>
+          </p:nvPr>
+        </p:nvSpPr>
+        <p:spPr/>
+        <p:txBody>
+          <a:bodyPr/>
+          <a:lstStyle/>
+          <a:p>
+            <a:r>
+              <a:rPr lang="en-US" dirty="0"/>
+              <a:t>Uneven grid + polymer</a:t>
+            </a:r>
+          </a:p>
+        </p:txBody>
+      </p:sp>
+      <p:sp>
+        <p:nvSpPr>
+          <p:cNvPr id="3" name="Slide Number Placeholder 2">
+            <a:extLst>
+              <a:ext uri="{FF2B5EF4-FFF2-40B4-BE49-F238E27FC236}">
+                <a16:creationId xmlns:a16="http://schemas.microsoft.com/office/drawing/2014/main" id="{86729100-60DF-93DD-FE95-4A614BBCF0F1}"/>
+              </a:ext>
+            </a:extLst>
+          </p:cNvPr>
+          <p:cNvSpPr>
+            <a:spLocks noGrp="1"/>
+          </p:cNvSpPr>
+          <p:nvPr>
+            <p:ph type="sldNum" sz="quarter" idx="12"/>
+          </p:nvPr>
+        </p:nvSpPr>
+        <p:spPr/>
+        <p:txBody>
+          <a:bodyPr/>
+          <a:lstStyle/>
+          <a:p>
+            <a:fld id="{5911C0E6-D9CE-431C-92CB-BB39B872F930}" type="slidenum">
+              <a:rPr lang="en-US" smtClean="0"/>
+              <a:t>15</a:t>
+            </a:fld>
+            <a:endParaRPr lang="en-US"/>
+          </a:p>
+        </p:txBody>
+      </p:sp>
+    </p:spTree>
+    <p:extLst>
+      <p:ext uri="{BB962C8B-B14F-4D97-AF65-F5344CB8AC3E}">
+        <p14:creationId xmlns:p14="http://schemas.microsoft.com/office/powerpoint/2010/main" val="1173165859"/>
       </p:ext>
     </p:extLst>
   </p:cSld>

--- a/NAF.pptx
+++ b/NAF.pptx
@@ -4605,10 +4605,10 @@
       </p:grpSpPr>
       <p:pic>
         <p:nvPicPr>
-          <p:cNvPr id="2060" name="Picture 12">
-            <a:extLst>
-              <a:ext uri="{FF2B5EF4-FFF2-40B4-BE49-F238E27FC236}">
-                <a16:creationId xmlns:a16="http://schemas.microsoft.com/office/drawing/2014/main" id="{41E8D11D-6FF1-B35C-B852-0F0A3F0ACA20}"/>
+          <p:cNvPr id="2066" name="Picture 18">
+            <a:extLst>
+              <a:ext uri="{FF2B5EF4-FFF2-40B4-BE49-F238E27FC236}">
+                <a16:creationId xmlns:a16="http://schemas.microsoft.com/office/drawing/2014/main" id="{3EABF0F0-F65D-7CB7-C728-06B648137B9C}"/>
               </a:ext>
             </a:extLst>
           </p:cNvPr>
@@ -4632,8 +4632,8 @@
         </p:blipFill>
         <p:spPr bwMode="auto">
           <a:xfrm>
-            <a:off x="1116874" y="2760854"/>
-            <a:ext cx="2016821" cy="1440587"/>
+            <a:off x="1116873" y="1418133"/>
+            <a:ext cx="2016822" cy="1440587"/>
           </a:xfrm>
           <a:prstGeom prst="rect">
             <a:avLst/>
@@ -4650,69 +4650,12 @@
           </a:extLst>
         </p:spPr>
       </p:pic>
-      <p:sp>
-        <p:nvSpPr>
-          <p:cNvPr id="2" name="Title 1">
-            <a:extLst>
-              <a:ext uri="{FF2B5EF4-FFF2-40B4-BE49-F238E27FC236}">
-                <a16:creationId xmlns:a16="http://schemas.microsoft.com/office/drawing/2014/main" id="{F6C7137D-573F-6D22-276C-4603F951633C}"/>
-              </a:ext>
-            </a:extLst>
-          </p:cNvPr>
-          <p:cNvSpPr>
-            <a:spLocks noGrp="1"/>
-          </p:cNvSpPr>
-          <p:nvPr>
-            <p:ph type="title"/>
-          </p:nvPr>
-        </p:nvSpPr>
-        <p:spPr/>
-        <p:txBody>
-          <a:bodyPr/>
-          <a:lstStyle/>
-          <a:p>
-            <a:r>
-              <a:rPr lang="en-US" dirty="0"/>
-              <a:t>Uneven grid (L)</a:t>
-            </a:r>
-          </a:p>
-        </p:txBody>
-      </p:sp>
-      <p:sp>
-        <p:nvSpPr>
-          <p:cNvPr id="3" name="Slide Number Placeholder 2">
-            <a:extLst>
-              <a:ext uri="{FF2B5EF4-FFF2-40B4-BE49-F238E27FC236}">
-                <a16:creationId xmlns:a16="http://schemas.microsoft.com/office/drawing/2014/main" id="{452CB1D3-714B-3463-C98F-0D71710BA68B}"/>
-              </a:ext>
-            </a:extLst>
-          </p:cNvPr>
-          <p:cNvSpPr>
-            <a:spLocks noGrp="1"/>
-          </p:cNvSpPr>
-          <p:nvPr>
-            <p:ph type="sldNum" sz="quarter" idx="12"/>
-          </p:nvPr>
-        </p:nvSpPr>
-        <p:spPr/>
-        <p:txBody>
-          <a:bodyPr/>
-          <a:lstStyle/>
-          <a:p>
-            <a:fld id="{5911C0E6-D9CE-431C-92CB-BB39B872F930}" type="slidenum">
-              <a:rPr lang="en-US" smtClean="0"/>
-              <a:t>14</a:t>
-            </a:fld>
-            <a:endParaRPr lang="en-US"/>
-          </a:p>
-        </p:txBody>
-      </p:sp>
       <p:pic>
         <p:nvPicPr>
-          <p:cNvPr id="2050" name="Picture 2">
-            <a:extLst>
-              <a:ext uri="{FF2B5EF4-FFF2-40B4-BE49-F238E27FC236}">
-                <a16:creationId xmlns:a16="http://schemas.microsoft.com/office/drawing/2014/main" id="{685DD4D1-5E1E-393A-9B14-CE059C456A09}"/>
+          <p:cNvPr id="2060" name="Picture 12">
+            <a:extLst>
+              <a:ext uri="{FF2B5EF4-FFF2-40B4-BE49-F238E27FC236}">
+                <a16:creationId xmlns:a16="http://schemas.microsoft.com/office/drawing/2014/main" id="{41E8D11D-6FF1-B35C-B852-0F0A3F0ACA20}"/>
               </a:ext>
             </a:extLst>
           </p:cNvPr>
@@ -4736,8 +4679,8 @@
         </p:blipFill>
         <p:spPr bwMode="auto">
           <a:xfrm>
-            <a:off x="6223494" y="2530009"/>
-            <a:ext cx="4109183" cy="2939646"/>
+            <a:off x="1116874" y="2760854"/>
+            <a:ext cx="2016821" cy="1440587"/>
           </a:xfrm>
           <a:prstGeom prst="rect">
             <a:avLst/>
@@ -4754,6 +4697,63 @@
           </a:extLst>
         </p:spPr>
       </p:pic>
+      <p:sp>
+        <p:nvSpPr>
+          <p:cNvPr id="2" name="Title 1">
+            <a:extLst>
+              <a:ext uri="{FF2B5EF4-FFF2-40B4-BE49-F238E27FC236}">
+                <a16:creationId xmlns:a16="http://schemas.microsoft.com/office/drawing/2014/main" id="{F6C7137D-573F-6D22-276C-4603F951633C}"/>
+              </a:ext>
+            </a:extLst>
+          </p:cNvPr>
+          <p:cNvSpPr>
+            <a:spLocks noGrp="1"/>
+          </p:cNvSpPr>
+          <p:nvPr>
+            <p:ph type="title"/>
+          </p:nvPr>
+        </p:nvSpPr>
+        <p:spPr/>
+        <p:txBody>
+          <a:bodyPr/>
+          <a:lstStyle/>
+          <a:p>
+            <a:r>
+              <a:rPr lang="en-US" dirty="0"/>
+              <a:t>Uneven grid (L)</a:t>
+            </a:r>
+          </a:p>
+        </p:txBody>
+      </p:sp>
+      <p:sp>
+        <p:nvSpPr>
+          <p:cNvPr id="3" name="Slide Number Placeholder 2">
+            <a:extLst>
+              <a:ext uri="{FF2B5EF4-FFF2-40B4-BE49-F238E27FC236}">
+                <a16:creationId xmlns:a16="http://schemas.microsoft.com/office/drawing/2014/main" id="{452CB1D3-714B-3463-C98F-0D71710BA68B}"/>
+              </a:ext>
+            </a:extLst>
+          </p:cNvPr>
+          <p:cNvSpPr>
+            <a:spLocks noGrp="1"/>
+          </p:cNvSpPr>
+          <p:nvPr>
+            <p:ph type="sldNum" sz="quarter" idx="12"/>
+          </p:nvPr>
+        </p:nvSpPr>
+        <p:spPr/>
+        <p:txBody>
+          <a:bodyPr/>
+          <a:lstStyle/>
+          <a:p>
+            <a:fld id="{5911C0E6-D9CE-431C-92CB-BB39B872F930}" type="slidenum">
+              <a:rPr lang="en-US" smtClean="0"/>
+              <a:t>14</a:t>
+            </a:fld>
+            <a:endParaRPr lang="en-US"/>
+          </a:p>
+        </p:txBody>
+      </p:sp>
       <p:pic>
         <p:nvPicPr>
           <p:cNvPr id="2056" name="Picture 8">
@@ -5023,7 +5023,7 @@
             <a:pPr algn="ctr"/>
             <a:r>
               <a:rPr lang="en-US" dirty="0"/>
-              <a:t>Extend left evenly</a:t>
+              <a:t>Extend left (evenly)</a:t>
             </a:r>
           </a:p>
         </p:txBody>
@@ -5042,7 +5042,7 @@
         </p:nvSpPr>
         <p:spPr>
           <a:xfrm>
-            <a:off x="6971806" y="2152078"/>
+            <a:off x="7252475" y="2143800"/>
             <a:ext cx="3213594" cy="369332"/>
           </a:xfrm>
           <a:prstGeom prst="rect">
@@ -5064,6 +5064,213 @@
           </a:p>
         </p:txBody>
       </p:sp>
+      <p:pic>
+        <p:nvPicPr>
+          <p:cNvPr id="2064" name="Picture 16">
+            <a:extLst>
+              <a:ext uri="{FF2B5EF4-FFF2-40B4-BE49-F238E27FC236}">
+                <a16:creationId xmlns:a16="http://schemas.microsoft.com/office/drawing/2014/main" id="{B90DC5C4-0CF4-F56D-23C8-2AB17DE74EB2}"/>
+              </a:ext>
+            </a:extLst>
+          </p:cNvPr>
+          <p:cNvPicPr>
+            <a:picLocks noChangeAspect="1" noChangeArrowheads="1"/>
+          </p:cNvPicPr>
+          <p:nvPr/>
+        </p:nvPicPr>
+        <p:blipFill>
+          <a:blip r:embed="rId6">
+            <a:extLst>
+              <a:ext uri="{28A0092B-C50C-407E-A947-70E740481C1C}">
+                <a14:useLocalDpi xmlns:a14="http://schemas.microsoft.com/office/drawing/2010/main" val="0"/>
+              </a:ext>
+            </a:extLst>
+          </a:blip>
+          <a:srcRect/>
+          <a:stretch>
+            <a:fillRect/>
+          </a:stretch>
+        </p:blipFill>
+        <p:spPr bwMode="auto">
+          <a:xfrm>
+            <a:off x="8531260" y="2639942"/>
+            <a:ext cx="3660740" cy="2618837"/>
+          </a:xfrm>
+          <a:prstGeom prst="rect">
+            <a:avLst/>
+          </a:prstGeom>
+          <a:noFill/>
+          <a:extLst>
+            <a:ext uri="{909E8E84-426E-40DD-AFC4-6F175D3DCCD1}">
+              <a14:hiddenFill xmlns:a14="http://schemas.microsoft.com/office/drawing/2010/main">
+                <a:solidFill>
+                  <a:srgbClr val="FFFFFF"/>
+                </a:solidFill>
+              </a14:hiddenFill>
+            </a:ext>
+          </a:extLst>
+        </p:spPr>
+      </p:pic>
+      <p:sp>
+        <p:nvSpPr>
+          <p:cNvPr id="11" name="TextBox 10">
+            <a:extLst>
+              <a:ext uri="{FF2B5EF4-FFF2-40B4-BE49-F238E27FC236}">
+                <a16:creationId xmlns:a16="http://schemas.microsoft.com/office/drawing/2014/main" id="{29D334B9-E7FC-6D29-F751-1784F1B23D3E}"/>
+              </a:ext>
+            </a:extLst>
+          </p:cNvPr>
+          <p:cNvSpPr txBox="1"/>
+          <p:nvPr/>
+        </p:nvSpPr>
+        <p:spPr>
+          <a:xfrm>
+            <a:off x="101600" y="1934402"/>
+            <a:ext cx="1109762" cy="369332"/>
+          </a:xfrm>
+          <a:prstGeom prst="rect">
+            <a:avLst/>
+          </a:prstGeom>
+          <a:noFill/>
+        </p:spPr>
+        <p:txBody>
+          <a:bodyPr wrap="square" rtlCol="0">
+            <a:spAutoFit/>
+          </a:bodyPr>
+          <a:lstStyle/>
+          <a:p>
+            <a:pPr algn="ctr"/>
+            <a:r>
+              <a:rPr lang="en-US" dirty="0"/>
+              <a:t>L = 50</a:t>
+            </a:r>
+          </a:p>
+        </p:txBody>
+      </p:sp>
+      <p:sp>
+        <p:nvSpPr>
+          <p:cNvPr id="12" name="TextBox 11">
+            <a:extLst>
+              <a:ext uri="{FF2B5EF4-FFF2-40B4-BE49-F238E27FC236}">
+                <a16:creationId xmlns:a16="http://schemas.microsoft.com/office/drawing/2014/main" id="{38A82413-3E61-1A21-5EBE-E3996BA9F2DB}"/>
+              </a:ext>
+            </a:extLst>
+          </p:cNvPr>
+          <p:cNvSpPr txBox="1"/>
+          <p:nvPr/>
+        </p:nvSpPr>
+        <p:spPr>
+          <a:xfrm>
+            <a:off x="3594088" y="1885734"/>
+            <a:ext cx="1109762" cy="646331"/>
+          </a:xfrm>
+          <a:prstGeom prst="rect">
+            <a:avLst/>
+          </a:prstGeom>
+          <a:noFill/>
+        </p:spPr>
+        <p:txBody>
+          <a:bodyPr wrap="square" rtlCol="0">
+            <a:spAutoFit/>
+          </a:bodyPr>
+          <a:lstStyle/>
+          <a:p>
+            <a:pPr algn="ctr"/>
+            <a:r>
+              <a:rPr lang="en-US" dirty="0"/>
+              <a:t>Chop from left</a:t>
+            </a:r>
+          </a:p>
+        </p:txBody>
+      </p:sp>
+      <p:pic>
+        <p:nvPicPr>
+          <p:cNvPr id="2062" name="Picture 14">
+            <a:extLst>
+              <a:ext uri="{FF2B5EF4-FFF2-40B4-BE49-F238E27FC236}">
+                <a16:creationId xmlns:a16="http://schemas.microsoft.com/office/drawing/2014/main" id="{9BD06989-FD30-A4BD-4097-14EE25BF5A8D}"/>
+              </a:ext>
+            </a:extLst>
+          </p:cNvPr>
+          <p:cNvPicPr>
+            <a:picLocks noChangeAspect="1" noChangeArrowheads="1"/>
+          </p:cNvPicPr>
+          <p:nvPr/>
+        </p:nvPicPr>
+        <p:blipFill>
+          <a:blip r:embed="rId7">
+            <a:extLst>
+              <a:ext uri="{28A0092B-C50C-407E-A947-70E740481C1C}">
+                <a14:useLocalDpi xmlns:a14="http://schemas.microsoft.com/office/drawing/2010/main" val="0"/>
+              </a:ext>
+            </a:extLst>
+          </a:blip>
+          <a:srcRect/>
+          <a:stretch>
+            <a:fillRect/>
+          </a:stretch>
+        </p:blipFill>
+        <p:spPr bwMode="auto">
+          <a:xfrm>
+            <a:off x="5198531" y="2639941"/>
+            <a:ext cx="3660741" cy="2618837"/>
+          </a:xfrm>
+          <a:prstGeom prst="rect">
+            <a:avLst/>
+          </a:prstGeom>
+          <a:noFill/>
+          <a:extLst>
+            <a:ext uri="{909E8E84-426E-40DD-AFC4-6F175D3DCCD1}">
+              <a14:hiddenFill xmlns:a14="http://schemas.microsoft.com/office/drawing/2010/main">
+                <a:solidFill>
+                  <a:srgbClr val="FFFFFF"/>
+                </a:solidFill>
+              </a14:hiddenFill>
+            </a:ext>
+          </a:extLst>
+        </p:spPr>
+      </p:pic>
+      <p:cxnSp>
+        <p:nvCxnSpPr>
+          <p:cNvPr id="14" name="Straight Connector 13">
+            <a:extLst>
+              <a:ext uri="{FF2B5EF4-FFF2-40B4-BE49-F238E27FC236}">
+                <a16:creationId xmlns:a16="http://schemas.microsoft.com/office/drawing/2014/main" id="{F724A2D5-8826-EFD2-134C-E4094FCD102A}"/>
+              </a:ext>
+            </a:extLst>
+          </p:cNvPr>
+          <p:cNvCxnSpPr/>
+          <p:nvPr/>
+        </p:nvCxnSpPr>
+        <p:spPr>
+          <a:xfrm>
+            <a:off x="7594600" y="2328466"/>
+            <a:ext cx="0" cy="2930312"/>
+          </a:xfrm>
+          <a:prstGeom prst="line">
+            <a:avLst/>
+          </a:prstGeom>
+          <a:ln w="19050">
+            <a:solidFill>
+              <a:srgbClr val="C00000"/>
+            </a:solidFill>
+          </a:ln>
+        </p:spPr>
+        <p:style>
+          <a:lnRef idx="1">
+            <a:schemeClr val="accent1"/>
+          </a:lnRef>
+          <a:fillRef idx="0">
+            <a:schemeClr val="accent1"/>
+          </a:fillRef>
+          <a:effectRef idx="0">
+            <a:schemeClr val="accent1"/>
+          </a:effectRef>
+          <a:fontRef idx="minor">
+            <a:schemeClr val="tx1"/>
+          </a:fontRef>
+        </p:style>
+      </p:cxnSp>
     </p:spTree>
     <p:extLst>
       <p:ext uri="{BB962C8B-B14F-4D97-AF65-F5344CB8AC3E}">

--- a/NAF.pptx
+++ b/NAF.pptx
@@ -5324,7 +5324,7 @@
           <a:p>
             <a:r>
               <a:rPr lang="en-US" dirty="0"/>
-              <a:t>Uneven grid + polymer</a:t>
+              <a:t>Uneven grid + homo “polymer”</a:t>
             </a:r>
           </a:p>
         </p:txBody>
@@ -5358,6 +5358,466 @@
           </a:p>
         </p:txBody>
       </p:sp>
+      <p:grpSp>
+        <p:nvGrpSpPr>
+          <p:cNvPr id="17" name="Group 16">
+            <a:extLst>
+              <a:ext uri="{FF2B5EF4-FFF2-40B4-BE49-F238E27FC236}">
+                <a16:creationId xmlns:a16="http://schemas.microsoft.com/office/drawing/2014/main" id="{F285392D-EE11-A4D6-1CFE-644014E8C4FD}"/>
+              </a:ext>
+            </a:extLst>
+          </p:cNvPr>
+          <p:cNvGrpSpPr/>
+          <p:nvPr/>
+        </p:nvGrpSpPr>
+        <p:grpSpPr>
+          <a:xfrm>
+            <a:off x="67353" y="1290134"/>
+            <a:ext cx="3578127" cy="3060250"/>
+            <a:chOff x="67353" y="1290134"/>
+            <a:chExt cx="3578127" cy="3060250"/>
+          </a:xfrm>
+        </p:grpSpPr>
+        <p:pic>
+          <p:nvPicPr>
+            <p:cNvPr id="3098" name="Picture 26">
+              <a:extLst>
+                <a:ext uri="{FF2B5EF4-FFF2-40B4-BE49-F238E27FC236}">
+                  <a16:creationId xmlns:a16="http://schemas.microsoft.com/office/drawing/2014/main" id="{7AD77E36-B196-31B3-9EDE-249884DE59EA}"/>
+                </a:ext>
+              </a:extLst>
+            </p:cNvPr>
+            <p:cNvPicPr>
+              <a:picLocks noChangeAspect="1" noChangeArrowheads="1"/>
+            </p:cNvPicPr>
+            <p:nvPr/>
+          </p:nvPicPr>
+          <p:blipFill>
+            <a:blip r:embed="rId2">
+              <a:extLst>
+                <a:ext uri="{28A0092B-C50C-407E-A947-70E740481C1C}">
+                  <a14:useLocalDpi xmlns:a14="http://schemas.microsoft.com/office/drawing/2010/main" val="0"/>
+                </a:ext>
+              </a:extLst>
+            </a:blip>
+            <a:srcRect/>
+            <a:stretch>
+              <a:fillRect/>
+            </a:stretch>
+          </p:blipFill>
+          <p:spPr bwMode="auto">
+            <a:xfrm>
+              <a:off x="67353" y="1642465"/>
+              <a:ext cx="3578127" cy="2197630"/>
+            </a:xfrm>
+            <a:prstGeom prst="rect">
+              <a:avLst/>
+            </a:prstGeom>
+            <a:noFill/>
+            <a:extLst>
+              <a:ext uri="{909E8E84-426E-40DD-AFC4-6F175D3DCCD1}">
+                <a14:hiddenFill xmlns:a14="http://schemas.microsoft.com/office/drawing/2010/main">
+                  <a:solidFill>
+                    <a:srgbClr val="FFFFFF"/>
+                  </a:solidFill>
+                </a14:hiddenFill>
+              </a:ext>
+            </a:extLst>
+          </p:spPr>
+        </p:pic>
+        <p:sp>
+          <p:nvSpPr>
+            <p:cNvPr id="4" name="TextBox 3">
+              <a:extLst>
+                <a:ext uri="{FF2B5EF4-FFF2-40B4-BE49-F238E27FC236}">
+                  <a16:creationId xmlns:a16="http://schemas.microsoft.com/office/drawing/2014/main" id="{10EAA61F-C9A7-2F94-8192-BDE86166A5F8}"/>
+                </a:ext>
+              </a:extLst>
+            </p:cNvPr>
+            <p:cNvSpPr txBox="1"/>
+            <p:nvPr/>
+          </p:nvSpPr>
+          <p:spPr>
+            <a:xfrm>
+              <a:off x="933551" y="1290134"/>
+              <a:ext cx="2032000" cy="369332"/>
+            </a:xfrm>
+            <a:prstGeom prst="rect">
+              <a:avLst/>
+            </a:prstGeom>
+            <a:noFill/>
+          </p:spPr>
+          <p:txBody>
+            <a:bodyPr wrap="square" rtlCol="0">
+              <a:spAutoFit/>
+            </a:bodyPr>
+            <a:lstStyle/>
+            <a:p>
+              <a:pPr algn="ctr"/>
+              <a:r>
+                <a:rPr lang="en-US" dirty="0"/>
+                <a:t>s = −1e-20</a:t>
+              </a:r>
+            </a:p>
+          </p:txBody>
+        </p:sp>
+        <p:cxnSp>
+          <p:nvCxnSpPr>
+            <p:cNvPr id="5" name="Straight Connector 4">
+              <a:extLst>
+                <a:ext uri="{FF2B5EF4-FFF2-40B4-BE49-F238E27FC236}">
+                  <a16:creationId xmlns:a16="http://schemas.microsoft.com/office/drawing/2014/main" id="{78A89C16-803C-F4F3-1FA7-35998D09D417}"/>
+                </a:ext>
+              </a:extLst>
+            </p:cNvPr>
+            <p:cNvCxnSpPr>
+              <a:cxnSpLocks/>
+            </p:cNvCxnSpPr>
+            <p:nvPr/>
+          </p:nvCxnSpPr>
+          <p:spPr>
+            <a:xfrm>
+              <a:off x="2516817" y="1744267"/>
+              <a:ext cx="0" cy="2606117"/>
+            </a:xfrm>
+            <a:prstGeom prst="line">
+              <a:avLst/>
+            </a:prstGeom>
+            <a:ln w="19050">
+              <a:solidFill>
+                <a:schemeClr val="tx1"/>
+              </a:solidFill>
+            </a:ln>
+          </p:spPr>
+          <p:style>
+            <a:lnRef idx="1">
+              <a:schemeClr val="accent1"/>
+            </a:lnRef>
+            <a:fillRef idx="0">
+              <a:schemeClr val="accent1"/>
+            </a:fillRef>
+            <a:effectRef idx="0">
+              <a:schemeClr val="accent1"/>
+            </a:effectRef>
+            <a:fontRef idx="minor">
+              <a:schemeClr val="tx1"/>
+            </a:fontRef>
+          </p:style>
+        </p:cxnSp>
+        <p:sp>
+          <p:nvSpPr>
+            <p:cNvPr id="7" name="TextBox 6">
+              <a:extLst>
+                <a:ext uri="{FF2B5EF4-FFF2-40B4-BE49-F238E27FC236}">
+                  <a16:creationId xmlns:a16="http://schemas.microsoft.com/office/drawing/2014/main" id="{309A0A01-9632-7474-2245-FFB3C5A22555}"/>
+                </a:ext>
+              </a:extLst>
+            </p:cNvPr>
+            <p:cNvSpPr txBox="1"/>
+            <p:nvPr/>
+          </p:nvSpPr>
+          <p:spPr>
+            <a:xfrm>
+              <a:off x="2426280" y="3806294"/>
+              <a:ext cx="903333" cy="523220"/>
+            </a:xfrm>
+            <a:prstGeom prst="rect">
+              <a:avLst/>
+            </a:prstGeom>
+            <a:noFill/>
+          </p:spPr>
+          <p:txBody>
+            <a:bodyPr wrap="square" rtlCol="0">
+              <a:spAutoFit/>
+            </a:bodyPr>
+            <a:lstStyle/>
+            <a:p>
+              <a:pPr algn="ctr"/>
+              <a:r>
+                <a:rPr lang="en-US" sz="1400" dirty="0"/>
+                <a:t>Homo charge</a:t>
+              </a:r>
+            </a:p>
+          </p:txBody>
+        </p:sp>
+      </p:grpSp>
+      <p:pic>
+        <p:nvPicPr>
+          <p:cNvPr id="3088" name="Picture 16">
+            <a:extLst>
+              <a:ext uri="{FF2B5EF4-FFF2-40B4-BE49-F238E27FC236}">
+                <a16:creationId xmlns:a16="http://schemas.microsoft.com/office/drawing/2014/main" id="{24D197C6-7A4F-4FA9-09AF-B71CA6EC50A2}"/>
+              </a:ext>
+            </a:extLst>
+          </p:cNvPr>
+          <p:cNvPicPr>
+            <a:picLocks noChangeAspect="1" noChangeArrowheads="1"/>
+          </p:cNvPicPr>
+          <p:nvPr/>
+        </p:nvPicPr>
+        <p:blipFill>
+          <a:blip r:embed="rId3">
+            <a:extLst>
+              <a:ext uri="{28A0092B-C50C-407E-A947-70E740481C1C}">
+                <a14:useLocalDpi xmlns:a14="http://schemas.microsoft.com/office/drawing/2010/main" val="0"/>
+              </a:ext>
+            </a:extLst>
+          </a:blip>
+          <a:srcRect/>
+          <a:stretch>
+            <a:fillRect/>
+          </a:stretch>
+        </p:blipFill>
+        <p:spPr bwMode="auto">
+          <a:xfrm>
+            <a:off x="0" y="4477517"/>
+            <a:ext cx="3645480" cy="2197630"/>
+          </a:xfrm>
+          <a:prstGeom prst="rect">
+            <a:avLst/>
+          </a:prstGeom>
+          <a:noFill/>
+          <a:extLst>
+            <a:ext uri="{909E8E84-426E-40DD-AFC4-6F175D3DCCD1}">
+              <a14:hiddenFill xmlns:a14="http://schemas.microsoft.com/office/drawing/2010/main">
+                <a:solidFill>
+                  <a:srgbClr val="FFFFFF"/>
+                </a:solidFill>
+              </a14:hiddenFill>
+            </a:ext>
+          </a:extLst>
+        </p:spPr>
+      </p:pic>
+      <p:grpSp>
+        <p:nvGrpSpPr>
+          <p:cNvPr id="18" name="Group 17">
+            <a:extLst>
+              <a:ext uri="{FF2B5EF4-FFF2-40B4-BE49-F238E27FC236}">
+                <a16:creationId xmlns:a16="http://schemas.microsoft.com/office/drawing/2014/main" id="{F6D55DA5-D59C-789F-2E58-576E7406CD3A}"/>
+              </a:ext>
+            </a:extLst>
+          </p:cNvPr>
+          <p:cNvGrpSpPr/>
+          <p:nvPr/>
+        </p:nvGrpSpPr>
+        <p:grpSpPr>
+          <a:xfrm>
+            <a:off x="3578127" y="1309956"/>
+            <a:ext cx="3645479" cy="3040428"/>
+            <a:chOff x="3556120" y="1359408"/>
+            <a:chExt cx="3645479" cy="3040428"/>
+          </a:xfrm>
+        </p:grpSpPr>
+        <p:pic>
+          <p:nvPicPr>
+            <p:cNvPr id="3100" name="Picture 28">
+              <a:extLst>
+                <a:ext uri="{FF2B5EF4-FFF2-40B4-BE49-F238E27FC236}">
+                  <a16:creationId xmlns:a16="http://schemas.microsoft.com/office/drawing/2014/main" id="{3A758434-8039-8F74-A1C7-B5FA9614407D}"/>
+                </a:ext>
+              </a:extLst>
+            </p:cNvPr>
+            <p:cNvPicPr>
+              <a:picLocks noChangeAspect="1" noChangeArrowheads="1"/>
+            </p:cNvPicPr>
+            <p:nvPr/>
+          </p:nvPicPr>
+          <p:blipFill>
+            <a:blip r:embed="rId4">
+              <a:extLst>
+                <a:ext uri="{28A0092B-C50C-407E-A947-70E740481C1C}">
+                  <a14:useLocalDpi xmlns:a14="http://schemas.microsoft.com/office/drawing/2010/main" val="0"/>
+                </a:ext>
+              </a:extLst>
+            </a:blip>
+            <a:srcRect/>
+            <a:stretch>
+              <a:fillRect/>
+            </a:stretch>
+          </p:blipFill>
+          <p:spPr bwMode="auto">
+            <a:xfrm>
+              <a:off x="3556120" y="1709591"/>
+              <a:ext cx="3645479" cy="2238996"/>
+            </a:xfrm>
+            <a:prstGeom prst="rect">
+              <a:avLst/>
+            </a:prstGeom>
+            <a:noFill/>
+            <a:extLst>
+              <a:ext uri="{909E8E84-426E-40DD-AFC4-6F175D3DCCD1}">
+                <a14:hiddenFill xmlns:a14="http://schemas.microsoft.com/office/drawing/2010/main">
+                  <a:solidFill>
+                    <a:srgbClr val="FFFFFF"/>
+                  </a:solidFill>
+                </a14:hiddenFill>
+              </a:ext>
+            </a:extLst>
+          </p:spPr>
+        </p:pic>
+        <p:sp>
+          <p:nvSpPr>
+            <p:cNvPr id="11" name="TextBox 10">
+              <a:extLst>
+                <a:ext uri="{FF2B5EF4-FFF2-40B4-BE49-F238E27FC236}">
+                  <a16:creationId xmlns:a16="http://schemas.microsoft.com/office/drawing/2014/main" id="{6942C621-68DF-33B8-5F7B-2CC583A193D5}"/>
+                </a:ext>
+              </a:extLst>
+            </p:cNvPr>
+            <p:cNvSpPr txBox="1"/>
+            <p:nvPr/>
+          </p:nvSpPr>
+          <p:spPr>
+            <a:xfrm>
+              <a:off x="4413304" y="1359408"/>
+              <a:ext cx="2032000" cy="369332"/>
+            </a:xfrm>
+            <a:prstGeom prst="rect">
+              <a:avLst/>
+            </a:prstGeom>
+            <a:noFill/>
+          </p:spPr>
+          <p:txBody>
+            <a:bodyPr wrap="square" rtlCol="0">
+              <a:spAutoFit/>
+            </a:bodyPr>
+            <a:lstStyle/>
+            <a:p>
+              <a:pPr algn="ctr"/>
+              <a:r>
+                <a:rPr lang="en-US" dirty="0"/>
+                <a:t>s = −5e-20</a:t>
+              </a:r>
+            </a:p>
+          </p:txBody>
+        </p:sp>
+        <p:cxnSp>
+          <p:nvCxnSpPr>
+            <p:cNvPr id="12" name="Straight Connector 11">
+              <a:extLst>
+                <a:ext uri="{FF2B5EF4-FFF2-40B4-BE49-F238E27FC236}">
+                  <a16:creationId xmlns:a16="http://schemas.microsoft.com/office/drawing/2014/main" id="{48957343-879F-BA28-8DFB-B1AF530267BD}"/>
+                </a:ext>
+              </a:extLst>
+            </p:cNvPr>
+            <p:cNvCxnSpPr>
+              <a:cxnSpLocks/>
+            </p:cNvCxnSpPr>
+            <p:nvPr/>
+          </p:nvCxnSpPr>
+          <p:spPr>
+            <a:xfrm>
+              <a:off x="6072817" y="1786602"/>
+              <a:ext cx="0" cy="2606117"/>
+            </a:xfrm>
+            <a:prstGeom prst="line">
+              <a:avLst/>
+            </a:prstGeom>
+            <a:ln w="19050">
+              <a:solidFill>
+                <a:schemeClr val="tx1"/>
+              </a:solidFill>
+            </a:ln>
+          </p:spPr>
+          <p:style>
+            <a:lnRef idx="1">
+              <a:schemeClr val="accent1"/>
+            </a:lnRef>
+            <a:fillRef idx="0">
+              <a:schemeClr val="accent1"/>
+            </a:fillRef>
+            <a:effectRef idx="0">
+              <a:schemeClr val="accent1"/>
+            </a:effectRef>
+            <a:fontRef idx="minor">
+              <a:schemeClr val="tx1"/>
+            </a:fontRef>
+          </p:style>
+        </p:cxnSp>
+        <p:sp>
+          <p:nvSpPr>
+            <p:cNvPr id="13" name="TextBox 12">
+              <a:extLst>
+                <a:ext uri="{FF2B5EF4-FFF2-40B4-BE49-F238E27FC236}">
+                  <a16:creationId xmlns:a16="http://schemas.microsoft.com/office/drawing/2014/main" id="{784D2798-7BF9-AD12-96B1-D4BDB757F7E0}"/>
+                </a:ext>
+              </a:extLst>
+            </p:cNvPr>
+            <p:cNvSpPr txBox="1"/>
+            <p:nvPr/>
+          </p:nvSpPr>
+          <p:spPr>
+            <a:xfrm>
+              <a:off x="5993638" y="3876616"/>
+              <a:ext cx="903333" cy="523220"/>
+            </a:xfrm>
+            <a:prstGeom prst="rect">
+              <a:avLst/>
+            </a:prstGeom>
+            <a:noFill/>
+          </p:spPr>
+          <p:txBody>
+            <a:bodyPr wrap="square" rtlCol="0">
+              <a:spAutoFit/>
+            </a:bodyPr>
+            <a:lstStyle/>
+            <a:p>
+              <a:pPr algn="ctr"/>
+              <a:r>
+                <a:rPr lang="en-US" sz="1400" dirty="0"/>
+                <a:t>Homo charge</a:t>
+              </a:r>
+            </a:p>
+          </p:txBody>
+        </p:sp>
+      </p:grpSp>
+      <p:pic>
+        <p:nvPicPr>
+          <p:cNvPr id="3102" name="Picture 30">
+            <a:extLst>
+              <a:ext uri="{FF2B5EF4-FFF2-40B4-BE49-F238E27FC236}">
+                <a16:creationId xmlns:a16="http://schemas.microsoft.com/office/drawing/2014/main" id="{51FBA160-AE2C-8FB0-838C-6F079DABA711}"/>
+              </a:ext>
+            </a:extLst>
+          </p:cNvPr>
+          <p:cNvPicPr>
+            <a:picLocks noChangeAspect="1" noChangeArrowheads="1"/>
+          </p:cNvPicPr>
+          <p:nvPr/>
+        </p:nvPicPr>
+        <p:blipFill>
+          <a:blip r:embed="rId5">
+            <a:extLst>
+              <a:ext uri="{28A0092B-C50C-407E-A947-70E740481C1C}">
+                <a14:useLocalDpi xmlns:a14="http://schemas.microsoft.com/office/drawing/2010/main" val="0"/>
+              </a:ext>
+            </a:extLst>
+          </a:blip>
+          <a:srcRect/>
+          <a:stretch>
+            <a:fillRect/>
+          </a:stretch>
+        </p:blipFill>
+        <p:spPr bwMode="auto">
+          <a:xfrm>
+            <a:off x="3578127" y="4470400"/>
+            <a:ext cx="3578128" cy="2197630"/>
+          </a:xfrm>
+          <a:prstGeom prst="rect">
+            <a:avLst/>
+          </a:prstGeom>
+          <a:noFill/>
+          <a:extLst>
+            <a:ext uri="{909E8E84-426E-40DD-AFC4-6F175D3DCCD1}">
+              <a14:hiddenFill xmlns:a14="http://schemas.microsoft.com/office/drawing/2010/main">
+                <a:solidFill>
+                  <a:srgbClr val="FFFFFF"/>
+                </a:solidFill>
+              </a14:hiddenFill>
+            </a:ext>
+          </a:extLst>
+        </p:spPr>
+      </p:pic>
     </p:spTree>
     <p:extLst>
       <p:ext uri="{BB962C8B-B14F-4D97-AF65-F5344CB8AC3E}">

--- a/NAF.pptx
+++ b/NAF.pptx
@@ -5707,7 +5707,7 @@
           </p:nvCxnSpPr>
           <p:spPr>
             <a:xfrm>
-              <a:off x="6072817" y="1786602"/>
+              <a:off x="6051730" y="1793719"/>
               <a:ext cx="0" cy="2606117"/>
             </a:xfrm>
             <a:prstGeom prst="line">
@@ -5818,6 +5818,236 @@
           </a:extLst>
         </p:spPr>
       </p:pic>
+      <p:pic>
+        <p:nvPicPr>
+          <p:cNvPr id="3104" name="Picture 32">
+            <a:extLst>
+              <a:ext uri="{FF2B5EF4-FFF2-40B4-BE49-F238E27FC236}">
+                <a16:creationId xmlns:a16="http://schemas.microsoft.com/office/drawing/2014/main" id="{21DCC453-78EF-ABE3-FD7B-724B221576F3}"/>
+              </a:ext>
+            </a:extLst>
+          </p:cNvPr>
+          <p:cNvPicPr>
+            <a:picLocks noChangeAspect="1" noChangeArrowheads="1"/>
+          </p:cNvPicPr>
+          <p:nvPr/>
+        </p:nvPicPr>
+        <p:blipFill>
+          <a:blip r:embed="rId6">
+            <a:extLst>
+              <a:ext uri="{28A0092B-C50C-407E-A947-70E740481C1C}">
+                <a14:useLocalDpi xmlns:a14="http://schemas.microsoft.com/office/drawing/2010/main" val="0"/>
+              </a:ext>
+            </a:extLst>
+          </a:blip>
+          <a:srcRect/>
+          <a:stretch>
+            <a:fillRect/>
+          </a:stretch>
+        </p:blipFill>
+        <p:spPr bwMode="auto">
+          <a:xfrm>
+            <a:off x="7223606" y="4491083"/>
+            <a:ext cx="3578128" cy="2197630"/>
+          </a:xfrm>
+          <a:prstGeom prst="rect">
+            <a:avLst/>
+          </a:prstGeom>
+          <a:noFill/>
+          <a:extLst>
+            <a:ext uri="{909E8E84-426E-40DD-AFC4-6F175D3DCCD1}">
+              <a14:hiddenFill xmlns:a14="http://schemas.microsoft.com/office/drawing/2010/main">
+                <a:solidFill>
+                  <a:srgbClr val="FFFFFF"/>
+                </a:solidFill>
+              </a14:hiddenFill>
+            </a:ext>
+          </a:extLst>
+        </p:spPr>
+      </p:pic>
+      <p:grpSp>
+        <p:nvGrpSpPr>
+          <p:cNvPr id="22" name="Group 21">
+            <a:extLst>
+              <a:ext uri="{FF2B5EF4-FFF2-40B4-BE49-F238E27FC236}">
+                <a16:creationId xmlns:a16="http://schemas.microsoft.com/office/drawing/2014/main" id="{36D9204A-3B7A-58C5-3A78-1C288F8FA9B8}"/>
+              </a:ext>
+            </a:extLst>
+          </p:cNvPr>
+          <p:cNvGrpSpPr/>
+          <p:nvPr/>
+        </p:nvGrpSpPr>
+        <p:grpSpPr>
+          <a:xfrm>
+            <a:off x="7144307" y="1309956"/>
+            <a:ext cx="3645478" cy="3078215"/>
+            <a:chOff x="7144307" y="1309956"/>
+            <a:chExt cx="3645478" cy="3078215"/>
+          </a:xfrm>
+        </p:grpSpPr>
+        <p:pic>
+          <p:nvPicPr>
+            <p:cNvPr id="3106" name="Picture 34">
+              <a:extLst>
+                <a:ext uri="{FF2B5EF4-FFF2-40B4-BE49-F238E27FC236}">
+                  <a16:creationId xmlns:a16="http://schemas.microsoft.com/office/drawing/2014/main" id="{B5062D8F-CDFF-67E4-0C01-A5B1144E63EA}"/>
+                </a:ext>
+              </a:extLst>
+            </p:cNvPr>
+            <p:cNvPicPr>
+              <a:picLocks noChangeAspect="1" noChangeArrowheads="1"/>
+            </p:cNvPicPr>
+            <p:nvPr/>
+          </p:nvPicPr>
+          <p:blipFill>
+            <a:blip r:embed="rId7">
+              <a:extLst>
+                <a:ext uri="{28A0092B-C50C-407E-A947-70E740481C1C}">
+                  <a14:useLocalDpi xmlns:a14="http://schemas.microsoft.com/office/drawing/2010/main" val="0"/>
+                </a:ext>
+              </a:extLst>
+            </a:blip>
+            <a:srcRect/>
+            <a:stretch>
+              <a:fillRect/>
+            </a:stretch>
+          </p:blipFill>
+          <p:spPr bwMode="auto">
+            <a:xfrm>
+              <a:off x="7144307" y="1676257"/>
+              <a:ext cx="3645478" cy="2238996"/>
+            </a:xfrm>
+            <a:prstGeom prst="rect">
+              <a:avLst/>
+            </a:prstGeom>
+            <a:noFill/>
+            <a:extLst>
+              <a:ext uri="{909E8E84-426E-40DD-AFC4-6F175D3DCCD1}">
+                <a14:hiddenFill xmlns:a14="http://schemas.microsoft.com/office/drawing/2010/main">
+                  <a:solidFill>
+                    <a:srgbClr val="FFFFFF"/>
+                  </a:solidFill>
+                </a14:hiddenFill>
+              </a:ext>
+            </a:extLst>
+          </p:spPr>
+        </p:pic>
+        <p:sp>
+          <p:nvSpPr>
+            <p:cNvPr id="19" name="TextBox 18">
+              <a:extLst>
+                <a:ext uri="{FF2B5EF4-FFF2-40B4-BE49-F238E27FC236}">
+                  <a16:creationId xmlns:a16="http://schemas.microsoft.com/office/drawing/2014/main" id="{E90F31E7-15E3-E10F-8DC8-922EDA6C6D73}"/>
+                </a:ext>
+              </a:extLst>
+            </p:cNvPr>
+            <p:cNvSpPr txBox="1"/>
+            <p:nvPr/>
+          </p:nvSpPr>
+          <p:spPr>
+            <a:xfrm>
+              <a:off x="7951046" y="1309956"/>
+              <a:ext cx="2032000" cy="369332"/>
+            </a:xfrm>
+            <a:prstGeom prst="rect">
+              <a:avLst/>
+            </a:prstGeom>
+            <a:noFill/>
+          </p:spPr>
+          <p:txBody>
+            <a:bodyPr wrap="square" rtlCol="0">
+              <a:spAutoFit/>
+            </a:bodyPr>
+            <a:lstStyle/>
+            <a:p>
+              <a:pPr algn="ctr"/>
+              <a:r>
+                <a:rPr lang="en-US" dirty="0"/>
+                <a:t>s = −10e-20</a:t>
+              </a:r>
+            </a:p>
+          </p:txBody>
+        </p:sp>
+        <p:cxnSp>
+          <p:nvCxnSpPr>
+            <p:cNvPr id="20" name="Straight Connector 19">
+              <a:extLst>
+                <a:ext uri="{FF2B5EF4-FFF2-40B4-BE49-F238E27FC236}">
+                  <a16:creationId xmlns:a16="http://schemas.microsoft.com/office/drawing/2014/main" id="{81CE3A50-6B7D-D287-6982-451637CA6862}"/>
+                </a:ext>
+              </a:extLst>
+            </p:cNvPr>
+            <p:cNvCxnSpPr>
+              <a:cxnSpLocks/>
+            </p:cNvCxnSpPr>
+            <p:nvPr/>
+          </p:nvCxnSpPr>
+          <p:spPr>
+            <a:xfrm>
+              <a:off x="9633891" y="1782054"/>
+              <a:ext cx="0" cy="2606117"/>
+            </a:xfrm>
+            <a:prstGeom prst="line">
+              <a:avLst/>
+            </a:prstGeom>
+            <a:ln w="19050">
+              <a:solidFill>
+                <a:schemeClr val="tx1"/>
+              </a:solidFill>
+            </a:ln>
+          </p:spPr>
+          <p:style>
+            <a:lnRef idx="1">
+              <a:schemeClr val="accent1"/>
+            </a:lnRef>
+            <a:fillRef idx="0">
+              <a:schemeClr val="accent1"/>
+            </a:fillRef>
+            <a:effectRef idx="0">
+              <a:schemeClr val="accent1"/>
+            </a:effectRef>
+            <a:fontRef idx="minor">
+              <a:schemeClr val="tx1"/>
+            </a:fontRef>
+          </p:style>
+        </p:cxnSp>
+        <p:sp>
+          <p:nvSpPr>
+            <p:cNvPr id="21" name="TextBox 20">
+              <a:extLst>
+                <a:ext uri="{FF2B5EF4-FFF2-40B4-BE49-F238E27FC236}">
+                  <a16:creationId xmlns:a16="http://schemas.microsoft.com/office/drawing/2014/main" id="{5F58AA4D-7516-91B5-E171-68662267B2E8}"/>
+                </a:ext>
+              </a:extLst>
+            </p:cNvPr>
+            <p:cNvSpPr txBox="1"/>
+            <p:nvPr/>
+          </p:nvSpPr>
+          <p:spPr>
+            <a:xfrm>
+              <a:off x="9559938" y="3846112"/>
+              <a:ext cx="903333" cy="523220"/>
+            </a:xfrm>
+            <a:prstGeom prst="rect">
+              <a:avLst/>
+            </a:prstGeom>
+            <a:noFill/>
+          </p:spPr>
+          <p:txBody>
+            <a:bodyPr wrap="square" rtlCol="0">
+              <a:spAutoFit/>
+            </a:bodyPr>
+            <a:lstStyle/>
+            <a:p>
+              <a:pPr algn="ctr"/>
+              <a:r>
+                <a:rPr lang="en-US" sz="1400" dirty="0"/>
+                <a:t>Homo charge</a:t>
+              </a:r>
+            </a:p>
+          </p:txBody>
+        </p:sp>
+      </p:grpSp>
     </p:spTree>
     <p:extLst>
       <p:ext uri="{BB962C8B-B14F-4D97-AF65-F5344CB8AC3E}">

--- a/NAF.pptx
+++ b/NAF.pptx
@@ -5,7 +5,7 @@
     <p:sldMasterId id="2147483648" r:id="rId1"/>
   </p:sldMasterIdLst>
   <p:notesMasterIdLst>
-    <p:notesMasterId r:id="rId17"/>
+    <p:notesMasterId r:id="rId18"/>
   </p:notesMasterIdLst>
   <p:sldIdLst>
     <p:sldId id="256" r:id="rId2"/>
@@ -23,6 +23,7 @@
     <p:sldId id="270" r:id="rId14"/>
     <p:sldId id="271" r:id="rId15"/>
     <p:sldId id="273" r:id="rId16"/>
+    <p:sldId id="274" r:id="rId17"/>
   </p:sldIdLst>
   <p:sldSz cx="12192000" cy="6858000"/>
   <p:notesSz cx="6858000" cy="9144000"/>
@@ -5317,14 +5318,21 @@
             <p:ph type="title"/>
           </p:nvPr>
         </p:nvSpPr>
-        <p:spPr/>
+        <p:spPr>
+          <a:xfrm>
+            <a:off x="0" y="136525"/>
+            <a:ext cx="11480800" cy="800128"/>
+          </a:xfrm>
+        </p:spPr>
         <p:txBody>
-          <a:bodyPr/>
+          <a:bodyPr>
+            <a:normAutofit fontScale="90000"/>
+          </a:bodyPr>
           <a:lstStyle/>
           <a:p>
             <a:r>
               <a:rPr lang="en-US" dirty="0"/>
-              <a:t>Uneven grid + homo “polymer”</a:t>
+              <a:t>Uneven grid + homo “polymer” (neg. surf)</a:t>
             </a:r>
           </a:p>
         </p:txBody>
@@ -6052,6 +6060,100 @@
     <p:extLst>
       <p:ext uri="{BB962C8B-B14F-4D97-AF65-F5344CB8AC3E}">
         <p14:creationId xmlns:p14="http://schemas.microsoft.com/office/powerpoint/2010/main" val="1173165859"/>
+      </p:ext>
+    </p:extLst>
+  </p:cSld>
+  <p:clrMapOvr>
+    <a:masterClrMapping/>
+  </p:clrMapOvr>
+</p:sld>
+</file>
+
+<file path=ppt/slides/slide16.xml><?xml version="1.0" encoding="utf-8"?>
+<p:sld xmlns:a="http://schemas.openxmlformats.org/drawingml/2006/main" xmlns:r="http://schemas.openxmlformats.org/officeDocument/2006/relationships" xmlns:p="http://schemas.openxmlformats.org/presentationml/2006/main">
+  <p:cSld>
+    <p:spTree>
+      <p:nvGrpSpPr>
+        <p:cNvPr id="1" name=""/>
+        <p:cNvGrpSpPr/>
+        <p:nvPr/>
+      </p:nvGrpSpPr>
+      <p:grpSpPr>
+        <a:xfrm>
+          <a:off x="0" y="0"/>
+          <a:ext cx="0" cy="0"/>
+          <a:chOff x="0" y="0"/>
+          <a:chExt cx="0" cy="0"/>
+        </a:xfrm>
+      </p:grpSpPr>
+      <p:sp>
+        <p:nvSpPr>
+          <p:cNvPr id="2" name="Title 1">
+            <a:extLst>
+              <a:ext uri="{FF2B5EF4-FFF2-40B4-BE49-F238E27FC236}">
+                <a16:creationId xmlns:a16="http://schemas.microsoft.com/office/drawing/2014/main" id="{826E282E-3EAC-27F6-C90F-3CD02C8AEEAB}"/>
+              </a:ext>
+            </a:extLst>
+          </p:cNvPr>
+          <p:cNvSpPr>
+            <a:spLocks noGrp="1"/>
+          </p:cNvSpPr>
+          <p:nvPr>
+            <p:ph type="title"/>
+          </p:nvPr>
+        </p:nvSpPr>
+        <p:spPr>
+          <a:xfrm>
+            <a:off x="-1" y="136525"/>
+            <a:ext cx="11540067" cy="800128"/>
+          </a:xfrm>
+        </p:spPr>
+        <p:txBody>
+          <a:bodyPr>
+            <a:normAutofit/>
+          </a:bodyPr>
+          <a:lstStyle/>
+          <a:p>
+            <a:r>
+              <a:rPr lang="en-US" dirty="0"/>
+              <a:t>Uneven grid + homo “polymer” (pos. surf)</a:t>
+            </a:r>
+          </a:p>
+        </p:txBody>
+      </p:sp>
+      <p:sp>
+        <p:nvSpPr>
+          <p:cNvPr id="3" name="Slide Number Placeholder 2">
+            <a:extLst>
+              <a:ext uri="{FF2B5EF4-FFF2-40B4-BE49-F238E27FC236}">
+                <a16:creationId xmlns:a16="http://schemas.microsoft.com/office/drawing/2014/main" id="{402EB97D-F2A5-5424-289B-A979094D318B}"/>
+              </a:ext>
+            </a:extLst>
+          </p:cNvPr>
+          <p:cNvSpPr>
+            <a:spLocks noGrp="1"/>
+          </p:cNvSpPr>
+          <p:nvPr>
+            <p:ph type="sldNum" sz="quarter" idx="12"/>
+          </p:nvPr>
+        </p:nvSpPr>
+        <p:spPr/>
+        <p:txBody>
+          <a:bodyPr/>
+          <a:lstStyle/>
+          <a:p>
+            <a:fld id="{5911C0E6-D9CE-431C-92CB-BB39B872F930}" type="slidenum">
+              <a:rPr lang="en-US" smtClean="0"/>
+              <a:t>16</a:t>
+            </a:fld>
+            <a:endParaRPr lang="en-US"/>
+          </a:p>
+        </p:txBody>
+      </p:sp>
+    </p:spTree>
+    <p:extLst>
+      <p:ext uri="{BB962C8B-B14F-4D97-AF65-F5344CB8AC3E}">
+        <p14:creationId xmlns:p14="http://schemas.microsoft.com/office/powerpoint/2010/main" val="2132409809"/>
       </p:ext>
     </p:extLst>
   </p:cSld>

--- a/NAF.pptx
+++ b/NAF.pptx
@@ -212,7 +212,7 @@
           <a:p>
             <a:fld id="{4299902A-6DB3-4A13-9B91-BEABFDA2FC16}" type="datetimeFigureOut">
               <a:rPr lang="en-US" smtClean="0"/>
-              <a:t>10/17/2024</a:t>
+              <a:t>10/18/2024</a:t>
             </a:fld>
             <a:endParaRPr lang="en-US"/>
           </a:p>
@@ -4471,7 +4471,7 @@
         <p:spPr>
           <a:xfrm>
             <a:off x="2908358" y="1216563"/>
-            <a:ext cx="2277533" cy="276999"/>
+            <a:ext cx="2277533" cy="461665"/>
           </a:xfrm>
           <a:prstGeom prst="rect">
             <a:avLst/>
@@ -4488,6 +4488,9 @@
               <a:rPr lang="en-US" sz="1200" dirty="0"/>
               <a:t>Transition knee in red (z ~ 90)</a:t>
             </a:r>
+          </a:p>
+          <a:p>
+            <a:endParaRPr lang="en-US" sz="1200" dirty="0"/>
           </a:p>
         </p:txBody>
       </p:sp>
@@ -4574,6 +4577,36 @@
           </a:p>
         </p:txBody>
       </p:sp>
+      <p:pic>
+        <p:nvPicPr>
+          <p:cNvPr id="5" name="Picture 4">
+            <a:extLst>
+              <a:ext uri="{FF2B5EF4-FFF2-40B4-BE49-F238E27FC236}">
+                <a16:creationId xmlns:a16="http://schemas.microsoft.com/office/drawing/2014/main" id="{C9CF7FE1-8AC5-4BF5-D055-2372EE5BB424}"/>
+              </a:ext>
+            </a:extLst>
+          </p:cNvPr>
+          <p:cNvPicPr>
+            <a:picLocks noChangeAspect="1"/>
+          </p:cNvPicPr>
+          <p:nvPr/>
+        </p:nvPicPr>
+        <p:blipFill>
+          <a:blip r:embed="rId12"/>
+          <a:stretch>
+            <a:fillRect/>
+          </a:stretch>
+        </p:blipFill>
+        <p:spPr>
+          <a:xfrm>
+            <a:off x="2986053" y="1506868"/>
+            <a:ext cx="3025281" cy="326342"/>
+          </a:xfrm>
+          <a:prstGeom prst="rect">
+            <a:avLst/>
+          </a:prstGeom>
+        </p:spPr>
+      </p:pic>
     </p:spTree>
     <p:extLst>
       <p:ext uri="{BB962C8B-B14F-4D97-AF65-F5344CB8AC3E}">
@@ -4971,7 +5004,7 @@
         </p:nvSpPr>
         <p:spPr>
           <a:xfrm>
-            <a:off x="3594088" y="3204148"/>
+            <a:off x="3365486" y="3204148"/>
             <a:ext cx="1109762" cy="369332"/>
           </a:xfrm>
           <a:prstGeom prst="rect">
@@ -5007,7 +5040,7 @@
         </p:nvSpPr>
         <p:spPr>
           <a:xfrm>
-            <a:off x="3495829" y="4429869"/>
+            <a:off x="3267227" y="4429869"/>
             <a:ext cx="1306279" cy="646331"/>
           </a:xfrm>
           <a:prstGeom prst="rect">
@@ -5162,7 +5195,7 @@
         </p:nvSpPr>
         <p:spPr>
           <a:xfrm>
-            <a:off x="3594088" y="1885734"/>
+            <a:off x="3365486" y="1885734"/>
             <a:ext cx="1109762" cy="646331"/>
           </a:xfrm>
           <a:prstGeom prst="rect">
@@ -5326,7 +5359,7 @@
         </p:spPr>
         <p:txBody>
           <a:bodyPr>
-            <a:normAutofit fontScale="90000"/>
+            <a:normAutofit/>
           </a:bodyPr>
           <a:lstStyle/>
           <a:p>
@@ -6150,6 +6183,555 @@
           </a:p>
         </p:txBody>
       </p:sp>
+      <p:grpSp>
+        <p:nvGrpSpPr>
+          <p:cNvPr id="7" name="Group 6">
+            <a:extLst>
+              <a:ext uri="{FF2B5EF4-FFF2-40B4-BE49-F238E27FC236}">
+                <a16:creationId xmlns:a16="http://schemas.microsoft.com/office/drawing/2014/main" id="{61726511-DE47-136A-CBC4-04CDB03C5D56}"/>
+              </a:ext>
+            </a:extLst>
+          </p:cNvPr>
+          <p:cNvGrpSpPr/>
+          <p:nvPr/>
+        </p:nvGrpSpPr>
+        <p:grpSpPr>
+          <a:xfrm>
+            <a:off x="161881" y="1028888"/>
+            <a:ext cx="3885275" cy="2559050"/>
+            <a:chOff x="1348316" y="1258865"/>
+            <a:chExt cx="4536017" cy="2987663"/>
+          </a:xfrm>
+        </p:grpSpPr>
+        <p:pic>
+          <p:nvPicPr>
+            <p:cNvPr id="1026" name="Picture 2">
+              <a:extLst>
+                <a:ext uri="{FF2B5EF4-FFF2-40B4-BE49-F238E27FC236}">
+                  <a16:creationId xmlns:a16="http://schemas.microsoft.com/office/drawing/2014/main" id="{2668314A-4649-347D-12AF-7EEA581B939F}"/>
+                </a:ext>
+              </a:extLst>
+            </p:cNvPr>
+            <p:cNvPicPr>
+              <a:picLocks noChangeAspect="1" noChangeArrowheads="1"/>
+            </p:cNvPicPr>
+            <p:nvPr/>
+          </p:nvPicPr>
+          <p:blipFill>
+            <a:blip r:embed="rId2">
+              <a:extLst>
+                <a:ext uri="{28A0092B-C50C-407E-A947-70E740481C1C}">
+                  <a14:useLocalDpi xmlns:a14="http://schemas.microsoft.com/office/drawing/2010/main" val="0"/>
+                </a:ext>
+              </a:extLst>
+            </a:blip>
+            <a:srcRect/>
+            <a:stretch>
+              <a:fillRect/>
+            </a:stretch>
+          </p:blipFill>
+          <p:spPr bwMode="auto">
+            <a:xfrm>
+              <a:off x="1348316" y="1566361"/>
+              <a:ext cx="4536017" cy="2089463"/>
+            </a:xfrm>
+            <a:prstGeom prst="rect">
+              <a:avLst/>
+            </a:prstGeom>
+            <a:noFill/>
+            <a:extLst>
+              <a:ext uri="{909E8E84-426E-40DD-AFC4-6F175D3DCCD1}">
+                <a14:hiddenFill xmlns:a14="http://schemas.microsoft.com/office/drawing/2010/main">
+                  <a:solidFill>
+                    <a:srgbClr val="FFFFFF"/>
+                  </a:solidFill>
+                </a14:hiddenFill>
+              </a:ext>
+            </a:extLst>
+          </p:spPr>
+        </p:pic>
+        <p:sp>
+          <p:nvSpPr>
+            <p:cNvPr id="4" name="TextBox 3">
+              <a:extLst>
+                <a:ext uri="{FF2B5EF4-FFF2-40B4-BE49-F238E27FC236}">
+                  <a16:creationId xmlns:a16="http://schemas.microsoft.com/office/drawing/2014/main" id="{7E4FF6B8-9AC0-8BA1-637A-7D59D801BADA}"/>
+                </a:ext>
+              </a:extLst>
+            </p:cNvPr>
+            <p:cNvSpPr txBox="1"/>
+            <p:nvPr/>
+          </p:nvSpPr>
+          <p:spPr>
+            <a:xfrm>
+              <a:off x="2245885" y="1258865"/>
+              <a:ext cx="2032000" cy="369332"/>
+            </a:xfrm>
+            <a:prstGeom prst="rect">
+              <a:avLst/>
+            </a:prstGeom>
+            <a:noFill/>
+          </p:spPr>
+          <p:txBody>
+            <a:bodyPr wrap="square" rtlCol="0">
+              <a:spAutoFit/>
+            </a:bodyPr>
+            <a:lstStyle/>
+            <a:p>
+              <a:pPr algn="ctr"/>
+              <a:r>
+                <a:rPr lang="en-US" dirty="0"/>
+                <a:t>s = +1e-20</a:t>
+              </a:r>
+            </a:p>
+          </p:txBody>
+        </p:sp>
+        <p:cxnSp>
+          <p:nvCxnSpPr>
+            <p:cNvPr id="5" name="Straight Connector 4">
+              <a:extLst>
+                <a:ext uri="{FF2B5EF4-FFF2-40B4-BE49-F238E27FC236}">
+                  <a16:creationId xmlns:a16="http://schemas.microsoft.com/office/drawing/2014/main" id="{D9A26B16-F0E1-1DD8-2AAB-A5C35B1854D0}"/>
+                </a:ext>
+              </a:extLst>
+            </p:cNvPr>
+            <p:cNvCxnSpPr>
+              <a:cxnSpLocks/>
+            </p:cNvCxnSpPr>
+            <p:nvPr/>
+          </p:nvCxnSpPr>
+          <p:spPr>
+            <a:xfrm>
+              <a:off x="3679685" y="1640411"/>
+              <a:ext cx="0" cy="2606117"/>
+            </a:xfrm>
+            <a:prstGeom prst="line">
+              <a:avLst/>
+            </a:prstGeom>
+            <a:ln w="19050">
+              <a:solidFill>
+                <a:schemeClr val="tx1"/>
+              </a:solidFill>
+            </a:ln>
+          </p:spPr>
+          <p:style>
+            <a:lnRef idx="1">
+              <a:schemeClr val="accent1"/>
+            </a:lnRef>
+            <a:fillRef idx="0">
+              <a:schemeClr val="accent1"/>
+            </a:fillRef>
+            <a:effectRef idx="0">
+              <a:schemeClr val="accent1"/>
+            </a:effectRef>
+            <a:fontRef idx="minor">
+              <a:schemeClr val="tx1"/>
+            </a:fontRef>
+          </p:style>
+        </p:cxnSp>
+        <p:sp>
+          <p:nvSpPr>
+            <p:cNvPr id="6" name="TextBox 5">
+              <a:extLst>
+                <a:ext uri="{FF2B5EF4-FFF2-40B4-BE49-F238E27FC236}">
+                  <a16:creationId xmlns:a16="http://schemas.microsoft.com/office/drawing/2014/main" id="{D00C444B-F5A4-6740-2A97-3334D1255000}"/>
+                </a:ext>
+              </a:extLst>
+            </p:cNvPr>
+            <p:cNvSpPr txBox="1"/>
+            <p:nvPr/>
+          </p:nvSpPr>
+          <p:spPr>
+            <a:xfrm>
+              <a:off x="3610076" y="3689566"/>
+              <a:ext cx="903333" cy="523220"/>
+            </a:xfrm>
+            <a:prstGeom prst="rect">
+              <a:avLst/>
+            </a:prstGeom>
+            <a:noFill/>
+          </p:spPr>
+          <p:txBody>
+            <a:bodyPr wrap="square" rtlCol="0">
+              <a:spAutoFit/>
+            </a:bodyPr>
+            <a:lstStyle/>
+            <a:p>
+              <a:pPr algn="ctr"/>
+              <a:r>
+                <a:rPr lang="en-US" sz="1400" dirty="0"/>
+                <a:t>Homo charge</a:t>
+              </a:r>
+            </a:p>
+          </p:txBody>
+        </p:sp>
+      </p:grpSp>
+      <p:grpSp>
+        <p:nvGrpSpPr>
+          <p:cNvPr id="11" name="Group 10">
+            <a:extLst>
+              <a:ext uri="{FF2B5EF4-FFF2-40B4-BE49-F238E27FC236}">
+                <a16:creationId xmlns:a16="http://schemas.microsoft.com/office/drawing/2014/main" id="{4E899E29-5446-66DB-B426-19AF4A6EF440}"/>
+              </a:ext>
+            </a:extLst>
+          </p:cNvPr>
+          <p:cNvGrpSpPr/>
+          <p:nvPr/>
+        </p:nvGrpSpPr>
+        <p:grpSpPr>
+          <a:xfrm>
+            <a:off x="4101426" y="1028888"/>
+            <a:ext cx="3885276" cy="2612015"/>
+            <a:chOff x="5022609" y="1070029"/>
+            <a:chExt cx="4536017" cy="3049499"/>
+          </a:xfrm>
+        </p:grpSpPr>
+        <p:pic>
+          <p:nvPicPr>
+            <p:cNvPr id="1028" name="Picture 4">
+              <a:extLst>
+                <a:ext uri="{FF2B5EF4-FFF2-40B4-BE49-F238E27FC236}">
+                  <a16:creationId xmlns:a16="http://schemas.microsoft.com/office/drawing/2014/main" id="{58CB0DB9-289B-AB63-3C95-3E70570410C4}"/>
+                </a:ext>
+              </a:extLst>
+            </p:cNvPr>
+            <p:cNvPicPr>
+              <a:picLocks noChangeAspect="1" noChangeArrowheads="1"/>
+            </p:cNvPicPr>
+            <p:nvPr/>
+          </p:nvPicPr>
+          <p:blipFill>
+            <a:blip r:embed="rId3">
+              <a:extLst>
+                <a:ext uri="{28A0092B-C50C-407E-A947-70E740481C1C}">
+                  <a14:useLocalDpi xmlns:a14="http://schemas.microsoft.com/office/drawing/2010/main" val="0"/>
+                </a:ext>
+              </a:extLst>
+            </a:blip>
+            <a:srcRect/>
+            <a:stretch>
+              <a:fillRect/>
+            </a:stretch>
+          </p:blipFill>
+          <p:spPr bwMode="auto">
+            <a:xfrm>
+              <a:off x="5022609" y="1439361"/>
+              <a:ext cx="4536017" cy="2089463"/>
+            </a:xfrm>
+            <a:prstGeom prst="rect">
+              <a:avLst/>
+            </a:prstGeom>
+            <a:noFill/>
+            <a:extLst>
+              <a:ext uri="{909E8E84-426E-40DD-AFC4-6F175D3DCCD1}">
+                <a14:hiddenFill xmlns:a14="http://schemas.microsoft.com/office/drawing/2010/main">
+                  <a:solidFill>
+                    <a:srgbClr val="FFFFFF"/>
+                  </a:solidFill>
+                </a14:hiddenFill>
+              </a:ext>
+            </a:extLst>
+          </p:spPr>
+        </p:pic>
+        <p:sp>
+          <p:nvSpPr>
+            <p:cNvPr id="8" name="TextBox 7">
+              <a:extLst>
+                <a:ext uri="{FF2B5EF4-FFF2-40B4-BE49-F238E27FC236}">
+                  <a16:creationId xmlns:a16="http://schemas.microsoft.com/office/drawing/2014/main" id="{575FD56E-A680-70CC-5508-D418C3320318}"/>
+                </a:ext>
+              </a:extLst>
+            </p:cNvPr>
+            <p:cNvSpPr txBox="1"/>
+            <p:nvPr/>
+          </p:nvSpPr>
+          <p:spPr>
+            <a:xfrm>
+              <a:off x="5770032" y="1070029"/>
+              <a:ext cx="2032000" cy="369332"/>
+            </a:xfrm>
+            <a:prstGeom prst="rect">
+              <a:avLst/>
+            </a:prstGeom>
+            <a:noFill/>
+          </p:spPr>
+          <p:txBody>
+            <a:bodyPr wrap="square" rtlCol="0">
+              <a:spAutoFit/>
+            </a:bodyPr>
+            <a:lstStyle/>
+            <a:p>
+              <a:pPr algn="ctr"/>
+              <a:r>
+                <a:rPr lang="en-US" dirty="0"/>
+                <a:t>s = +5e-20</a:t>
+              </a:r>
+            </a:p>
+          </p:txBody>
+        </p:sp>
+        <p:cxnSp>
+          <p:nvCxnSpPr>
+            <p:cNvPr id="9" name="Straight Connector 8">
+              <a:extLst>
+                <a:ext uri="{FF2B5EF4-FFF2-40B4-BE49-F238E27FC236}">
+                  <a16:creationId xmlns:a16="http://schemas.microsoft.com/office/drawing/2014/main" id="{DB445F09-1C56-CE66-6FA4-0FD09C2F4886}"/>
+                </a:ext>
+              </a:extLst>
+            </p:cNvPr>
+            <p:cNvCxnSpPr>
+              <a:cxnSpLocks/>
+            </p:cNvCxnSpPr>
+            <p:nvPr/>
+          </p:nvCxnSpPr>
+          <p:spPr>
+            <a:xfrm>
+              <a:off x="7350945" y="1513411"/>
+              <a:ext cx="0" cy="2606117"/>
+            </a:xfrm>
+            <a:prstGeom prst="line">
+              <a:avLst/>
+            </a:prstGeom>
+            <a:ln w="19050">
+              <a:solidFill>
+                <a:schemeClr val="tx1"/>
+              </a:solidFill>
+            </a:ln>
+          </p:spPr>
+          <p:style>
+            <a:lnRef idx="1">
+              <a:schemeClr val="accent1"/>
+            </a:lnRef>
+            <a:fillRef idx="0">
+              <a:schemeClr val="accent1"/>
+            </a:fillRef>
+            <a:effectRef idx="0">
+              <a:schemeClr val="accent1"/>
+            </a:effectRef>
+            <a:fontRef idx="minor">
+              <a:schemeClr val="tx1"/>
+            </a:fontRef>
+          </p:style>
+        </p:cxnSp>
+        <p:sp>
+          <p:nvSpPr>
+            <p:cNvPr id="10" name="TextBox 9">
+              <a:extLst>
+                <a:ext uri="{FF2B5EF4-FFF2-40B4-BE49-F238E27FC236}">
+                  <a16:creationId xmlns:a16="http://schemas.microsoft.com/office/drawing/2014/main" id="{3E46A2BB-1476-CF14-0122-07686272B895}"/>
+                </a:ext>
+              </a:extLst>
+            </p:cNvPr>
+            <p:cNvSpPr txBox="1"/>
+            <p:nvPr/>
+          </p:nvSpPr>
+          <p:spPr>
+            <a:xfrm>
+              <a:off x="7281336" y="3562566"/>
+              <a:ext cx="903333" cy="523220"/>
+            </a:xfrm>
+            <a:prstGeom prst="rect">
+              <a:avLst/>
+            </a:prstGeom>
+            <a:noFill/>
+          </p:spPr>
+          <p:txBody>
+            <a:bodyPr wrap="square" rtlCol="0">
+              <a:spAutoFit/>
+            </a:bodyPr>
+            <a:lstStyle/>
+            <a:p>
+              <a:pPr algn="ctr"/>
+              <a:r>
+                <a:rPr lang="en-US" sz="1400" dirty="0"/>
+                <a:t>Homo charge</a:t>
+              </a:r>
+            </a:p>
+          </p:txBody>
+        </p:sp>
+      </p:grpSp>
+      <p:grpSp>
+        <p:nvGrpSpPr>
+          <p:cNvPr id="15" name="Group 14">
+            <a:extLst>
+              <a:ext uri="{FF2B5EF4-FFF2-40B4-BE49-F238E27FC236}">
+                <a16:creationId xmlns:a16="http://schemas.microsoft.com/office/drawing/2014/main" id="{F38FBBF7-6D39-4994-40CE-85835C0FAB07}"/>
+              </a:ext>
+            </a:extLst>
+          </p:cNvPr>
+          <p:cNvGrpSpPr/>
+          <p:nvPr/>
+        </p:nvGrpSpPr>
+        <p:grpSpPr>
+          <a:xfrm>
+            <a:off x="8040972" y="1029630"/>
+            <a:ext cx="3957796" cy="2616871"/>
+            <a:chOff x="9149155" y="1198945"/>
+            <a:chExt cx="4620683" cy="3055168"/>
+          </a:xfrm>
+        </p:grpSpPr>
+        <p:pic>
+          <p:nvPicPr>
+            <p:cNvPr id="1030" name="Picture 6">
+              <a:extLst>
+                <a:ext uri="{FF2B5EF4-FFF2-40B4-BE49-F238E27FC236}">
+                  <a16:creationId xmlns:a16="http://schemas.microsoft.com/office/drawing/2014/main" id="{EFC01567-09E5-45C9-4ABB-14878610D3FA}"/>
+                </a:ext>
+              </a:extLst>
+            </p:cNvPr>
+            <p:cNvPicPr>
+              <a:picLocks noChangeAspect="1" noChangeArrowheads="1"/>
+            </p:cNvPicPr>
+            <p:nvPr/>
+          </p:nvPicPr>
+          <p:blipFill>
+            <a:blip r:embed="rId4">
+              <a:extLst>
+                <a:ext uri="{28A0092B-C50C-407E-A947-70E740481C1C}">
+                  <a14:useLocalDpi xmlns:a14="http://schemas.microsoft.com/office/drawing/2010/main" val="0"/>
+                </a:ext>
+              </a:extLst>
+            </a:blip>
+            <a:srcRect/>
+            <a:stretch>
+              <a:fillRect/>
+            </a:stretch>
+          </p:blipFill>
+          <p:spPr bwMode="auto">
+            <a:xfrm>
+              <a:off x="9149155" y="1559254"/>
+              <a:ext cx="4620683" cy="2090654"/>
+            </a:xfrm>
+            <a:prstGeom prst="rect">
+              <a:avLst/>
+            </a:prstGeom>
+            <a:noFill/>
+            <a:extLst>
+              <a:ext uri="{909E8E84-426E-40DD-AFC4-6F175D3DCCD1}">
+                <a14:hiddenFill xmlns:a14="http://schemas.microsoft.com/office/drawing/2010/main">
+                  <a:solidFill>
+                    <a:srgbClr val="FFFFFF"/>
+                  </a:solidFill>
+                </a14:hiddenFill>
+              </a:ext>
+            </a:extLst>
+          </p:spPr>
+        </p:pic>
+        <p:sp>
+          <p:nvSpPr>
+            <p:cNvPr id="12" name="TextBox 11">
+              <a:extLst>
+                <a:ext uri="{FF2B5EF4-FFF2-40B4-BE49-F238E27FC236}">
+                  <a16:creationId xmlns:a16="http://schemas.microsoft.com/office/drawing/2014/main" id="{08BF91FE-56CF-1C8A-6097-A47290A11383}"/>
+                </a:ext>
+              </a:extLst>
+            </p:cNvPr>
+            <p:cNvSpPr txBox="1"/>
+            <p:nvPr/>
+          </p:nvSpPr>
+          <p:spPr>
+            <a:xfrm>
+              <a:off x="9833215" y="1198945"/>
+              <a:ext cx="2032000" cy="369332"/>
+            </a:xfrm>
+            <a:prstGeom prst="rect">
+              <a:avLst/>
+            </a:prstGeom>
+            <a:noFill/>
+          </p:spPr>
+          <p:txBody>
+            <a:bodyPr wrap="square" rtlCol="0">
+              <a:spAutoFit/>
+            </a:bodyPr>
+            <a:lstStyle/>
+            <a:p>
+              <a:pPr algn="ctr"/>
+              <a:r>
+                <a:rPr lang="en-US" dirty="0"/>
+                <a:t>s = +10e-20</a:t>
+              </a:r>
+            </a:p>
+          </p:txBody>
+        </p:sp>
+        <p:cxnSp>
+          <p:nvCxnSpPr>
+            <p:cNvPr id="13" name="Straight Connector 12">
+              <a:extLst>
+                <a:ext uri="{FF2B5EF4-FFF2-40B4-BE49-F238E27FC236}">
+                  <a16:creationId xmlns:a16="http://schemas.microsoft.com/office/drawing/2014/main" id="{BF217A14-73DC-F15B-BB38-1A777DF13FB7}"/>
+                </a:ext>
+              </a:extLst>
+            </p:cNvPr>
+            <p:cNvCxnSpPr>
+              <a:cxnSpLocks/>
+            </p:cNvCxnSpPr>
+            <p:nvPr/>
+          </p:nvCxnSpPr>
+          <p:spPr>
+            <a:xfrm>
+              <a:off x="11562050" y="1647996"/>
+              <a:ext cx="0" cy="2606117"/>
+            </a:xfrm>
+            <a:prstGeom prst="line">
+              <a:avLst/>
+            </a:prstGeom>
+            <a:ln w="19050">
+              <a:solidFill>
+                <a:schemeClr val="tx1"/>
+              </a:solidFill>
+            </a:ln>
+          </p:spPr>
+          <p:style>
+            <a:lnRef idx="1">
+              <a:schemeClr val="accent1"/>
+            </a:lnRef>
+            <a:fillRef idx="0">
+              <a:schemeClr val="accent1"/>
+            </a:fillRef>
+            <a:effectRef idx="0">
+              <a:schemeClr val="accent1"/>
+            </a:effectRef>
+            <a:fontRef idx="minor">
+              <a:schemeClr val="tx1"/>
+            </a:fontRef>
+          </p:style>
+        </p:cxnSp>
+        <p:sp>
+          <p:nvSpPr>
+            <p:cNvPr id="14" name="TextBox 13">
+              <a:extLst>
+                <a:ext uri="{FF2B5EF4-FFF2-40B4-BE49-F238E27FC236}">
+                  <a16:creationId xmlns:a16="http://schemas.microsoft.com/office/drawing/2014/main" id="{C5E9B501-0DAC-B84E-C605-6856EA6D7976}"/>
+                </a:ext>
+              </a:extLst>
+            </p:cNvPr>
+            <p:cNvSpPr txBox="1"/>
+            <p:nvPr/>
+          </p:nvSpPr>
+          <p:spPr>
+            <a:xfrm>
+              <a:off x="11492441" y="3697151"/>
+              <a:ext cx="903333" cy="523220"/>
+            </a:xfrm>
+            <a:prstGeom prst="rect">
+              <a:avLst/>
+            </a:prstGeom>
+            <a:noFill/>
+          </p:spPr>
+          <p:txBody>
+            <a:bodyPr wrap="square" rtlCol="0">
+              <a:spAutoFit/>
+            </a:bodyPr>
+            <a:lstStyle/>
+            <a:p>
+              <a:pPr algn="ctr"/>
+              <a:r>
+                <a:rPr lang="en-US" sz="1400" dirty="0"/>
+                <a:t>Homo charge</a:t>
+              </a:r>
+            </a:p>
+          </p:txBody>
+        </p:sp>
+      </p:grpSp>
     </p:spTree>
     <p:extLst>
       <p:ext uri="{BB962C8B-B14F-4D97-AF65-F5344CB8AC3E}">
@@ -11847,7 +12429,7 @@
         <p:spPr/>
         <p:txBody>
           <a:bodyPr>
-            <a:normAutofit fontScale="90000"/>
+            <a:normAutofit/>
           </a:bodyPr>
           <a:lstStyle/>
           <a:p>

--- a/NAF.pptx
+++ b/NAF.pptx
@@ -5399,195 +5399,12 @@
           </a:p>
         </p:txBody>
       </p:sp>
-      <p:grpSp>
-        <p:nvGrpSpPr>
-          <p:cNvPr id="17" name="Group 16">
-            <a:extLst>
-              <a:ext uri="{FF2B5EF4-FFF2-40B4-BE49-F238E27FC236}">
-                <a16:creationId xmlns:a16="http://schemas.microsoft.com/office/drawing/2014/main" id="{F285392D-EE11-A4D6-1CFE-644014E8C4FD}"/>
-              </a:ext>
-            </a:extLst>
-          </p:cNvPr>
-          <p:cNvGrpSpPr/>
-          <p:nvPr/>
-        </p:nvGrpSpPr>
-        <p:grpSpPr>
-          <a:xfrm>
-            <a:off x="67353" y="1290134"/>
-            <a:ext cx="3578127" cy="3060250"/>
-            <a:chOff x="67353" y="1290134"/>
-            <a:chExt cx="3578127" cy="3060250"/>
-          </a:xfrm>
-        </p:grpSpPr>
-        <p:pic>
-          <p:nvPicPr>
-            <p:cNvPr id="3098" name="Picture 26">
-              <a:extLst>
-                <a:ext uri="{FF2B5EF4-FFF2-40B4-BE49-F238E27FC236}">
-                  <a16:creationId xmlns:a16="http://schemas.microsoft.com/office/drawing/2014/main" id="{7AD77E36-B196-31B3-9EDE-249884DE59EA}"/>
-                </a:ext>
-              </a:extLst>
-            </p:cNvPr>
-            <p:cNvPicPr>
-              <a:picLocks noChangeAspect="1" noChangeArrowheads="1"/>
-            </p:cNvPicPr>
-            <p:nvPr/>
-          </p:nvPicPr>
-          <p:blipFill>
-            <a:blip r:embed="rId2">
-              <a:extLst>
-                <a:ext uri="{28A0092B-C50C-407E-A947-70E740481C1C}">
-                  <a14:useLocalDpi xmlns:a14="http://schemas.microsoft.com/office/drawing/2010/main" val="0"/>
-                </a:ext>
-              </a:extLst>
-            </a:blip>
-            <a:srcRect/>
-            <a:stretch>
-              <a:fillRect/>
-            </a:stretch>
-          </p:blipFill>
-          <p:spPr bwMode="auto">
-            <a:xfrm>
-              <a:off x="67353" y="1642465"/>
-              <a:ext cx="3578127" cy="2197630"/>
-            </a:xfrm>
-            <a:prstGeom prst="rect">
-              <a:avLst/>
-            </a:prstGeom>
-            <a:noFill/>
-            <a:extLst>
-              <a:ext uri="{909E8E84-426E-40DD-AFC4-6F175D3DCCD1}">
-                <a14:hiddenFill xmlns:a14="http://schemas.microsoft.com/office/drawing/2010/main">
-                  <a:solidFill>
-                    <a:srgbClr val="FFFFFF"/>
-                  </a:solidFill>
-                </a14:hiddenFill>
-              </a:ext>
-            </a:extLst>
-          </p:spPr>
-        </p:pic>
-        <p:sp>
-          <p:nvSpPr>
-            <p:cNvPr id="4" name="TextBox 3">
-              <a:extLst>
-                <a:ext uri="{FF2B5EF4-FFF2-40B4-BE49-F238E27FC236}">
-                  <a16:creationId xmlns:a16="http://schemas.microsoft.com/office/drawing/2014/main" id="{10EAA61F-C9A7-2F94-8192-BDE86166A5F8}"/>
-                </a:ext>
-              </a:extLst>
-            </p:cNvPr>
-            <p:cNvSpPr txBox="1"/>
-            <p:nvPr/>
-          </p:nvSpPr>
-          <p:spPr>
-            <a:xfrm>
-              <a:off x="933551" y="1290134"/>
-              <a:ext cx="2032000" cy="369332"/>
-            </a:xfrm>
-            <a:prstGeom prst="rect">
-              <a:avLst/>
-            </a:prstGeom>
-            <a:noFill/>
-          </p:spPr>
-          <p:txBody>
-            <a:bodyPr wrap="square" rtlCol="0">
-              <a:spAutoFit/>
-            </a:bodyPr>
-            <a:lstStyle/>
-            <a:p>
-              <a:pPr algn="ctr"/>
-              <a:r>
-                <a:rPr lang="en-US" dirty="0"/>
-                <a:t>s = −1e-20</a:t>
-              </a:r>
-            </a:p>
-          </p:txBody>
-        </p:sp>
-        <p:cxnSp>
-          <p:nvCxnSpPr>
-            <p:cNvPr id="5" name="Straight Connector 4">
-              <a:extLst>
-                <a:ext uri="{FF2B5EF4-FFF2-40B4-BE49-F238E27FC236}">
-                  <a16:creationId xmlns:a16="http://schemas.microsoft.com/office/drawing/2014/main" id="{78A89C16-803C-F4F3-1FA7-35998D09D417}"/>
-                </a:ext>
-              </a:extLst>
-            </p:cNvPr>
-            <p:cNvCxnSpPr>
-              <a:cxnSpLocks/>
-            </p:cNvCxnSpPr>
-            <p:nvPr/>
-          </p:nvCxnSpPr>
-          <p:spPr>
-            <a:xfrm>
-              <a:off x="2516817" y="1744267"/>
-              <a:ext cx="0" cy="2606117"/>
-            </a:xfrm>
-            <a:prstGeom prst="line">
-              <a:avLst/>
-            </a:prstGeom>
-            <a:ln w="19050">
-              <a:solidFill>
-                <a:schemeClr val="tx1"/>
-              </a:solidFill>
-            </a:ln>
-          </p:spPr>
-          <p:style>
-            <a:lnRef idx="1">
-              <a:schemeClr val="accent1"/>
-            </a:lnRef>
-            <a:fillRef idx="0">
-              <a:schemeClr val="accent1"/>
-            </a:fillRef>
-            <a:effectRef idx="0">
-              <a:schemeClr val="accent1"/>
-            </a:effectRef>
-            <a:fontRef idx="minor">
-              <a:schemeClr val="tx1"/>
-            </a:fontRef>
-          </p:style>
-        </p:cxnSp>
-        <p:sp>
-          <p:nvSpPr>
-            <p:cNvPr id="7" name="TextBox 6">
-              <a:extLst>
-                <a:ext uri="{FF2B5EF4-FFF2-40B4-BE49-F238E27FC236}">
-                  <a16:creationId xmlns:a16="http://schemas.microsoft.com/office/drawing/2014/main" id="{309A0A01-9632-7474-2245-FFB3C5A22555}"/>
-                </a:ext>
-              </a:extLst>
-            </p:cNvPr>
-            <p:cNvSpPr txBox="1"/>
-            <p:nvPr/>
-          </p:nvSpPr>
-          <p:spPr>
-            <a:xfrm>
-              <a:off x="2426280" y="3806294"/>
-              <a:ext cx="903333" cy="523220"/>
-            </a:xfrm>
-            <a:prstGeom prst="rect">
-              <a:avLst/>
-            </a:prstGeom>
-            <a:noFill/>
-          </p:spPr>
-          <p:txBody>
-            <a:bodyPr wrap="square" rtlCol="0">
-              <a:spAutoFit/>
-            </a:bodyPr>
-            <a:lstStyle/>
-            <a:p>
-              <a:pPr algn="ctr"/>
-              <a:r>
-                <a:rPr lang="en-US" sz="1400" dirty="0"/>
-                <a:t>Homo charge</a:t>
-              </a:r>
-            </a:p>
-          </p:txBody>
-        </p:sp>
-      </p:grpSp>
       <p:pic>
         <p:nvPicPr>
-          <p:cNvPr id="3088" name="Picture 16">
-            <a:extLst>
-              <a:ext uri="{FF2B5EF4-FFF2-40B4-BE49-F238E27FC236}">
-                <a16:creationId xmlns:a16="http://schemas.microsoft.com/office/drawing/2014/main" id="{24D197C6-7A4F-4FA9-09AF-B71CA6EC50A2}"/>
+          <p:cNvPr id="3098" name="Picture 26">
+            <a:extLst>
+              <a:ext uri="{FF2B5EF4-FFF2-40B4-BE49-F238E27FC236}">
+                <a16:creationId xmlns:a16="http://schemas.microsoft.com/office/drawing/2014/main" id="{7AD77E36-B196-31B3-9EDE-249884DE59EA}"/>
               </a:ext>
             </a:extLst>
           </p:cNvPr>
@@ -5597,7 +5414,7 @@
           <p:nvPr/>
         </p:nvPicPr>
         <p:blipFill>
-          <a:blip r:embed="rId3">
+          <a:blip r:embed="rId2">
             <a:extLst>
               <a:ext uri="{28A0092B-C50C-407E-A947-70E740481C1C}">
                 <a14:useLocalDpi xmlns:a14="http://schemas.microsoft.com/office/drawing/2010/main" val="0"/>
@@ -5611,8 +5428,8 @@
         </p:blipFill>
         <p:spPr bwMode="auto">
           <a:xfrm>
-            <a:off x="0" y="4477517"/>
-            <a:ext cx="3645480" cy="2197630"/>
+            <a:off x="11948" y="1741661"/>
+            <a:ext cx="3032261" cy="1862368"/>
           </a:xfrm>
           <a:prstGeom prst="rect">
             <a:avLst/>
@@ -5629,6 +5446,42 @@
           </a:extLst>
         </p:spPr>
       </p:pic>
+      <p:sp>
+        <p:nvSpPr>
+          <p:cNvPr id="4" name="TextBox 3">
+            <a:extLst>
+              <a:ext uri="{FF2B5EF4-FFF2-40B4-BE49-F238E27FC236}">
+                <a16:creationId xmlns:a16="http://schemas.microsoft.com/office/drawing/2014/main" id="{10EAA61F-C9A7-2F94-8192-BDE86166A5F8}"/>
+              </a:ext>
+            </a:extLst>
+          </p:cNvPr>
+          <p:cNvSpPr txBox="1"/>
+          <p:nvPr/>
+        </p:nvSpPr>
+        <p:spPr>
+          <a:xfrm>
+            <a:off x="531494" y="1399811"/>
+            <a:ext cx="2032000" cy="369332"/>
+          </a:xfrm>
+          <a:prstGeom prst="rect">
+            <a:avLst/>
+          </a:prstGeom>
+          <a:noFill/>
+        </p:spPr>
+        <p:txBody>
+          <a:bodyPr wrap="square" rtlCol="0">
+            <a:spAutoFit/>
+          </a:bodyPr>
+          <a:lstStyle/>
+          <a:p>
+            <a:pPr algn="ctr"/>
+            <a:r>
+              <a:rPr lang="en-US" dirty="0"/>
+              <a:t>s = −1e-20</a:t>
+            </a:r>
+          </a:p>
+        </p:txBody>
+      </p:sp>
       <p:grpSp>
         <p:nvGrpSpPr>
           <p:cNvPr id="18" name="Group 17">
@@ -5664,7 +5517,7 @@
             <p:nvPr/>
           </p:nvPicPr>
           <p:blipFill>
-            <a:blip r:embed="rId4">
+            <a:blip r:embed="rId3">
               <a:extLst>
                 <a:ext uri="{28A0092B-C50C-407E-A947-70E740481C1C}">
                   <a14:useLocalDpi xmlns:a14="http://schemas.microsoft.com/office/drawing/2010/main" val="0"/>
@@ -5812,100 +5665,6 @@
           </p:txBody>
         </p:sp>
       </p:grpSp>
-      <p:pic>
-        <p:nvPicPr>
-          <p:cNvPr id="3102" name="Picture 30">
-            <a:extLst>
-              <a:ext uri="{FF2B5EF4-FFF2-40B4-BE49-F238E27FC236}">
-                <a16:creationId xmlns:a16="http://schemas.microsoft.com/office/drawing/2014/main" id="{51FBA160-AE2C-8FB0-838C-6F079DABA711}"/>
-              </a:ext>
-            </a:extLst>
-          </p:cNvPr>
-          <p:cNvPicPr>
-            <a:picLocks noChangeAspect="1" noChangeArrowheads="1"/>
-          </p:cNvPicPr>
-          <p:nvPr/>
-        </p:nvPicPr>
-        <p:blipFill>
-          <a:blip r:embed="rId5">
-            <a:extLst>
-              <a:ext uri="{28A0092B-C50C-407E-A947-70E740481C1C}">
-                <a14:useLocalDpi xmlns:a14="http://schemas.microsoft.com/office/drawing/2010/main" val="0"/>
-              </a:ext>
-            </a:extLst>
-          </a:blip>
-          <a:srcRect/>
-          <a:stretch>
-            <a:fillRect/>
-          </a:stretch>
-        </p:blipFill>
-        <p:spPr bwMode="auto">
-          <a:xfrm>
-            <a:off x="3578127" y="4470400"/>
-            <a:ext cx="3578128" cy="2197630"/>
-          </a:xfrm>
-          <a:prstGeom prst="rect">
-            <a:avLst/>
-          </a:prstGeom>
-          <a:noFill/>
-          <a:extLst>
-            <a:ext uri="{909E8E84-426E-40DD-AFC4-6F175D3DCCD1}">
-              <a14:hiddenFill xmlns:a14="http://schemas.microsoft.com/office/drawing/2010/main">
-                <a:solidFill>
-                  <a:srgbClr val="FFFFFF"/>
-                </a:solidFill>
-              </a14:hiddenFill>
-            </a:ext>
-          </a:extLst>
-        </p:spPr>
-      </p:pic>
-      <p:pic>
-        <p:nvPicPr>
-          <p:cNvPr id="3104" name="Picture 32">
-            <a:extLst>
-              <a:ext uri="{FF2B5EF4-FFF2-40B4-BE49-F238E27FC236}">
-                <a16:creationId xmlns:a16="http://schemas.microsoft.com/office/drawing/2014/main" id="{21DCC453-78EF-ABE3-FD7B-724B221576F3}"/>
-              </a:ext>
-            </a:extLst>
-          </p:cNvPr>
-          <p:cNvPicPr>
-            <a:picLocks noChangeAspect="1" noChangeArrowheads="1"/>
-          </p:cNvPicPr>
-          <p:nvPr/>
-        </p:nvPicPr>
-        <p:blipFill>
-          <a:blip r:embed="rId6">
-            <a:extLst>
-              <a:ext uri="{28A0092B-C50C-407E-A947-70E740481C1C}">
-                <a14:useLocalDpi xmlns:a14="http://schemas.microsoft.com/office/drawing/2010/main" val="0"/>
-              </a:ext>
-            </a:extLst>
-          </a:blip>
-          <a:srcRect/>
-          <a:stretch>
-            <a:fillRect/>
-          </a:stretch>
-        </p:blipFill>
-        <p:spPr bwMode="auto">
-          <a:xfrm>
-            <a:off x="7223606" y="4491083"/>
-            <a:ext cx="3578128" cy="2197630"/>
-          </a:xfrm>
-          <a:prstGeom prst="rect">
-            <a:avLst/>
-          </a:prstGeom>
-          <a:noFill/>
-          <a:extLst>
-            <a:ext uri="{909E8E84-426E-40DD-AFC4-6F175D3DCCD1}">
-              <a14:hiddenFill xmlns:a14="http://schemas.microsoft.com/office/drawing/2010/main">
-                <a:solidFill>
-                  <a:srgbClr val="FFFFFF"/>
-                </a:solidFill>
-              </a14:hiddenFill>
-            </a:ext>
-          </a:extLst>
-        </p:spPr>
-      </p:pic>
       <p:grpSp>
         <p:nvGrpSpPr>
           <p:cNvPr id="22" name="Group 21">
@@ -5941,7 +5700,7 @@
             <p:nvPr/>
           </p:nvPicPr>
           <p:blipFill>
-            <a:blip r:embed="rId7">
+            <a:blip r:embed="rId4">
               <a:extLst>
                 <a:ext uri="{28A0092B-C50C-407E-A947-70E740481C1C}">
                   <a14:useLocalDpi xmlns:a14="http://schemas.microsoft.com/office/drawing/2010/main" val="0"/>
@@ -6067,6 +5826,534 @@
           <p:spPr>
             <a:xfrm>
               <a:off x="9559938" y="3846112"/>
+              <a:ext cx="903333" cy="523220"/>
+            </a:xfrm>
+            <a:prstGeom prst="rect">
+              <a:avLst/>
+            </a:prstGeom>
+            <a:noFill/>
+          </p:spPr>
+          <p:txBody>
+            <a:bodyPr wrap="square" rtlCol="0">
+              <a:spAutoFit/>
+            </a:bodyPr>
+            <a:lstStyle/>
+            <a:p>
+              <a:pPr algn="ctr"/>
+              <a:r>
+                <a:rPr lang="en-US" sz="1400" dirty="0"/>
+                <a:t>Homo charge</a:t>
+              </a:r>
+            </a:p>
+          </p:txBody>
+        </p:sp>
+      </p:grpSp>
+      <p:pic>
+        <p:nvPicPr>
+          <p:cNvPr id="8" name="Picture 2">
+            <a:extLst>
+              <a:ext uri="{FF2B5EF4-FFF2-40B4-BE49-F238E27FC236}">
+                <a16:creationId xmlns:a16="http://schemas.microsoft.com/office/drawing/2014/main" id="{7C2BBEAC-412B-E65E-4C06-8C8C2CEB96EE}"/>
+              </a:ext>
+            </a:extLst>
+          </p:cNvPr>
+          <p:cNvPicPr>
+            <a:picLocks noChangeAspect="1" noChangeArrowheads="1"/>
+          </p:cNvPicPr>
+          <p:nvPr/>
+        </p:nvPicPr>
+        <p:blipFill>
+          <a:blip r:embed="rId5">
+            <a:extLst>
+              <a:ext uri="{28A0092B-C50C-407E-A947-70E740481C1C}">
+                <a14:useLocalDpi xmlns:a14="http://schemas.microsoft.com/office/drawing/2010/main" val="0"/>
+              </a:ext>
+            </a:extLst>
+          </a:blip>
+          <a:srcRect/>
+          <a:stretch>
+            <a:fillRect/>
+          </a:stretch>
+        </p:blipFill>
+        <p:spPr bwMode="auto">
+          <a:xfrm>
+            <a:off x="2594" y="4116961"/>
+            <a:ext cx="4043015" cy="1862368"/>
+          </a:xfrm>
+          <a:prstGeom prst="rect">
+            <a:avLst/>
+          </a:prstGeom>
+          <a:noFill/>
+          <a:extLst>
+            <a:ext uri="{909E8E84-426E-40DD-AFC4-6F175D3DCCD1}">
+              <a14:hiddenFill xmlns:a14="http://schemas.microsoft.com/office/drawing/2010/main">
+                <a:solidFill>
+                  <a:srgbClr val="FFFFFF"/>
+                </a:solidFill>
+              </a14:hiddenFill>
+            </a:ext>
+          </a:extLst>
+        </p:spPr>
+      </p:pic>
+      <p:sp>
+        <p:nvSpPr>
+          <p:cNvPr id="9" name="TextBox 8">
+            <a:extLst>
+              <a:ext uri="{FF2B5EF4-FFF2-40B4-BE49-F238E27FC236}">
+                <a16:creationId xmlns:a16="http://schemas.microsoft.com/office/drawing/2014/main" id="{D1B07469-E52A-F2DA-DE11-1149B5990346}"/>
+              </a:ext>
+            </a:extLst>
+          </p:cNvPr>
+          <p:cNvSpPr txBox="1"/>
+          <p:nvPr/>
+        </p:nvSpPr>
+        <p:spPr>
+          <a:xfrm>
+            <a:off x="459848" y="3774514"/>
+            <a:ext cx="2066486" cy="375600"/>
+          </a:xfrm>
+          <a:prstGeom prst="rect">
+            <a:avLst/>
+          </a:prstGeom>
+          <a:noFill/>
+        </p:spPr>
+        <p:txBody>
+          <a:bodyPr wrap="square" rtlCol="0">
+            <a:spAutoFit/>
+          </a:bodyPr>
+          <a:lstStyle/>
+          <a:p>
+            <a:pPr algn="ctr"/>
+            <a:r>
+              <a:rPr lang="en-US" dirty="0"/>
+              <a:t>s = +1e-20</a:t>
+            </a:r>
+          </a:p>
+        </p:txBody>
+      </p:sp>
+      <p:cxnSp>
+        <p:nvCxnSpPr>
+          <p:cNvPr id="10" name="Straight Connector 9">
+            <a:extLst>
+              <a:ext uri="{FF2B5EF4-FFF2-40B4-BE49-F238E27FC236}">
+                <a16:creationId xmlns:a16="http://schemas.microsoft.com/office/drawing/2014/main" id="{484806ED-8471-FA2C-B8D3-0461A19634EF}"/>
+              </a:ext>
+            </a:extLst>
+          </p:cNvPr>
+          <p:cNvCxnSpPr>
+            <a:cxnSpLocks/>
+          </p:cNvCxnSpPr>
+          <p:nvPr/>
+        </p:nvCxnSpPr>
+        <p:spPr>
+          <a:xfrm>
+            <a:off x="2089657" y="1838964"/>
+            <a:ext cx="0" cy="4756881"/>
+          </a:xfrm>
+          <a:prstGeom prst="line">
+            <a:avLst/>
+          </a:prstGeom>
+          <a:ln w="19050">
+            <a:solidFill>
+              <a:schemeClr val="tx1"/>
+            </a:solidFill>
+          </a:ln>
+        </p:spPr>
+        <p:style>
+          <a:lnRef idx="1">
+            <a:schemeClr val="accent1"/>
+          </a:lnRef>
+          <a:fillRef idx="0">
+            <a:schemeClr val="accent1"/>
+          </a:fillRef>
+          <a:effectRef idx="0">
+            <a:schemeClr val="accent1"/>
+          </a:effectRef>
+          <a:fontRef idx="minor">
+            <a:schemeClr val="tx1"/>
+          </a:fontRef>
+        </p:style>
+      </p:cxnSp>
+      <p:sp>
+        <p:nvSpPr>
+          <p:cNvPr id="14" name="TextBox 13">
+            <a:extLst>
+              <a:ext uri="{FF2B5EF4-FFF2-40B4-BE49-F238E27FC236}">
+                <a16:creationId xmlns:a16="http://schemas.microsoft.com/office/drawing/2014/main" id="{743E073F-6E9D-9A14-91D1-B6026BD55BB3}"/>
+              </a:ext>
+            </a:extLst>
+          </p:cNvPr>
+          <p:cNvSpPr txBox="1"/>
+          <p:nvPr/>
+        </p:nvSpPr>
+        <p:spPr>
+          <a:xfrm>
+            <a:off x="2003626" y="6035387"/>
+            <a:ext cx="918664" cy="532100"/>
+          </a:xfrm>
+          <a:prstGeom prst="rect">
+            <a:avLst/>
+          </a:prstGeom>
+          <a:noFill/>
+        </p:spPr>
+        <p:txBody>
+          <a:bodyPr wrap="square" rtlCol="0">
+            <a:spAutoFit/>
+          </a:bodyPr>
+          <a:lstStyle/>
+          <a:p>
+            <a:pPr algn="ctr"/>
+            <a:r>
+              <a:rPr lang="en-US" sz="1400" dirty="0"/>
+              <a:t>Homo charge</a:t>
+            </a:r>
+          </a:p>
+        </p:txBody>
+      </p:sp>
+      <p:grpSp>
+        <p:nvGrpSpPr>
+          <p:cNvPr id="15" name="Group 14">
+            <a:extLst>
+              <a:ext uri="{FF2B5EF4-FFF2-40B4-BE49-F238E27FC236}">
+                <a16:creationId xmlns:a16="http://schemas.microsoft.com/office/drawing/2014/main" id="{891A69E4-D72C-58AD-A6E0-EBC3ECC0D4D4}"/>
+              </a:ext>
+            </a:extLst>
+          </p:cNvPr>
+          <p:cNvGrpSpPr/>
+          <p:nvPr/>
+        </p:nvGrpSpPr>
+        <p:grpSpPr>
+          <a:xfrm>
+            <a:off x="4266562" y="4116961"/>
+            <a:ext cx="4573077" cy="3074414"/>
+            <a:chOff x="5022609" y="1070029"/>
+            <a:chExt cx="4536017" cy="3049499"/>
+          </a:xfrm>
+        </p:grpSpPr>
+        <p:pic>
+          <p:nvPicPr>
+            <p:cNvPr id="16" name="Picture 4">
+              <a:extLst>
+                <a:ext uri="{FF2B5EF4-FFF2-40B4-BE49-F238E27FC236}">
+                  <a16:creationId xmlns:a16="http://schemas.microsoft.com/office/drawing/2014/main" id="{AFB2799D-062A-8A7A-8981-71709FFF4142}"/>
+                </a:ext>
+              </a:extLst>
+            </p:cNvPr>
+            <p:cNvPicPr>
+              <a:picLocks noChangeAspect="1" noChangeArrowheads="1"/>
+            </p:cNvPicPr>
+            <p:nvPr/>
+          </p:nvPicPr>
+          <p:blipFill>
+            <a:blip r:embed="rId6">
+              <a:extLst>
+                <a:ext uri="{28A0092B-C50C-407E-A947-70E740481C1C}">
+                  <a14:useLocalDpi xmlns:a14="http://schemas.microsoft.com/office/drawing/2010/main" val="0"/>
+                </a:ext>
+              </a:extLst>
+            </a:blip>
+            <a:srcRect/>
+            <a:stretch>
+              <a:fillRect/>
+            </a:stretch>
+          </p:blipFill>
+          <p:spPr bwMode="auto">
+            <a:xfrm>
+              <a:off x="5022609" y="1439361"/>
+              <a:ext cx="4536017" cy="2089463"/>
+            </a:xfrm>
+            <a:prstGeom prst="rect">
+              <a:avLst/>
+            </a:prstGeom>
+            <a:noFill/>
+            <a:extLst>
+              <a:ext uri="{909E8E84-426E-40DD-AFC4-6F175D3DCCD1}">
+                <a14:hiddenFill xmlns:a14="http://schemas.microsoft.com/office/drawing/2010/main">
+                  <a:solidFill>
+                    <a:srgbClr val="FFFFFF"/>
+                  </a:solidFill>
+                </a14:hiddenFill>
+              </a:ext>
+            </a:extLst>
+          </p:spPr>
+        </p:pic>
+        <p:sp>
+          <p:nvSpPr>
+            <p:cNvPr id="23" name="TextBox 22">
+              <a:extLst>
+                <a:ext uri="{FF2B5EF4-FFF2-40B4-BE49-F238E27FC236}">
+                  <a16:creationId xmlns:a16="http://schemas.microsoft.com/office/drawing/2014/main" id="{D9435957-E2B9-1C82-3B69-D3EFAC94CD69}"/>
+                </a:ext>
+              </a:extLst>
+            </p:cNvPr>
+            <p:cNvSpPr txBox="1"/>
+            <p:nvPr/>
+          </p:nvSpPr>
+          <p:spPr>
+            <a:xfrm>
+              <a:off x="5770032" y="1070029"/>
+              <a:ext cx="2032000" cy="369332"/>
+            </a:xfrm>
+            <a:prstGeom prst="rect">
+              <a:avLst/>
+            </a:prstGeom>
+            <a:noFill/>
+          </p:spPr>
+          <p:txBody>
+            <a:bodyPr wrap="square" rtlCol="0">
+              <a:spAutoFit/>
+            </a:bodyPr>
+            <a:lstStyle/>
+            <a:p>
+              <a:pPr algn="ctr"/>
+              <a:r>
+                <a:rPr lang="en-US" dirty="0"/>
+                <a:t>s = +5e-20</a:t>
+              </a:r>
+            </a:p>
+          </p:txBody>
+        </p:sp>
+        <p:cxnSp>
+          <p:nvCxnSpPr>
+            <p:cNvPr id="24" name="Straight Connector 23">
+              <a:extLst>
+                <a:ext uri="{FF2B5EF4-FFF2-40B4-BE49-F238E27FC236}">
+                  <a16:creationId xmlns:a16="http://schemas.microsoft.com/office/drawing/2014/main" id="{CC973081-85A4-087A-99E6-2DE0E3571307}"/>
+                </a:ext>
+              </a:extLst>
+            </p:cNvPr>
+            <p:cNvCxnSpPr>
+              <a:cxnSpLocks/>
+            </p:cNvCxnSpPr>
+            <p:nvPr/>
+          </p:nvCxnSpPr>
+          <p:spPr>
+            <a:xfrm>
+              <a:off x="7350945" y="1513411"/>
+              <a:ext cx="0" cy="2606117"/>
+            </a:xfrm>
+            <a:prstGeom prst="line">
+              <a:avLst/>
+            </a:prstGeom>
+            <a:ln w="19050">
+              <a:solidFill>
+                <a:schemeClr val="tx1"/>
+              </a:solidFill>
+            </a:ln>
+          </p:spPr>
+          <p:style>
+            <a:lnRef idx="1">
+              <a:schemeClr val="accent1"/>
+            </a:lnRef>
+            <a:fillRef idx="0">
+              <a:schemeClr val="accent1"/>
+            </a:fillRef>
+            <a:effectRef idx="0">
+              <a:schemeClr val="accent1"/>
+            </a:effectRef>
+            <a:fontRef idx="minor">
+              <a:schemeClr val="tx1"/>
+            </a:fontRef>
+          </p:style>
+        </p:cxnSp>
+        <p:sp>
+          <p:nvSpPr>
+            <p:cNvPr id="25" name="TextBox 24">
+              <a:extLst>
+                <a:ext uri="{FF2B5EF4-FFF2-40B4-BE49-F238E27FC236}">
+                  <a16:creationId xmlns:a16="http://schemas.microsoft.com/office/drawing/2014/main" id="{71F8F801-BC9C-F6E3-E4E6-36591D8E991A}"/>
+                </a:ext>
+              </a:extLst>
+            </p:cNvPr>
+            <p:cNvSpPr txBox="1"/>
+            <p:nvPr/>
+          </p:nvSpPr>
+          <p:spPr>
+            <a:xfrm>
+              <a:off x="7281336" y="3562566"/>
+              <a:ext cx="903333" cy="523220"/>
+            </a:xfrm>
+            <a:prstGeom prst="rect">
+              <a:avLst/>
+            </a:prstGeom>
+            <a:noFill/>
+          </p:spPr>
+          <p:txBody>
+            <a:bodyPr wrap="square" rtlCol="0">
+              <a:spAutoFit/>
+            </a:bodyPr>
+            <a:lstStyle/>
+            <a:p>
+              <a:pPr algn="ctr"/>
+              <a:r>
+                <a:rPr lang="en-US" sz="1400" dirty="0"/>
+                <a:t>Homo charge</a:t>
+              </a:r>
+            </a:p>
+          </p:txBody>
+        </p:sp>
+      </p:grpSp>
+      <p:grpSp>
+        <p:nvGrpSpPr>
+          <p:cNvPr id="26" name="Group 25">
+            <a:extLst>
+              <a:ext uri="{FF2B5EF4-FFF2-40B4-BE49-F238E27FC236}">
+                <a16:creationId xmlns:a16="http://schemas.microsoft.com/office/drawing/2014/main" id="{AD67A6C4-8D24-9070-FC57-5480512DB8DD}"/>
+              </a:ext>
+            </a:extLst>
+          </p:cNvPr>
+          <p:cNvGrpSpPr/>
+          <p:nvPr/>
+        </p:nvGrpSpPr>
+        <p:grpSpPr>
+          <a:xfrm>
+            <a:off x="8117172" y="4330256"/>
+            <a:ext cx="3957796" cy="2616871"/>
+            <a:chOff x="9149155" y="1198945"/>
+            <a:chExt cx="4620683" cy="3055168"/>
+          </a:xfrm>
+        </p:grpSpPr>
+        <p:pic>
+          <p:nvPicPr>
+            <p:cNvPr id="27" name="Picture 6">
+              <a:extLst>
+                <a:ext uri="{FF2B5EF4-FFF2-40B4-BE49-F238E27FC236}">
+                  <a16:creationId xmlns:a16="http://schemas.microsoft.com/office/drawing/2014/main" id="{48F6D043-A69D-8932-0D21-8E9DE329B15B}"/>
+                </a:ext>
+              </a:extLst>
+            </p:cNvPr>
+            <p:cNvPicPr>
+              <a:picLocks noChangeAspect="1" noChangeArrowheads="1"/>
+            </p:cNvPicPr>
+            <p:nvPr/>
+          </p:nvPicPr>
+          <p:blipFill>
+            <a:blip r:embed="rId7">
+              <a:extLst>
+                <a:ext uri="{28A0092B-C50C-407E-A947-70E740481C1C}">
+                  <a14:useLocalDpi xmlns:a14="http://schemas.microsoft.com/office/drawing/2010/main" val="0"/>
+                </a:ext>
+              </a:extLst>
+            </a:blip>
+            <a:srcRect/>
+            <a:stretch>
+              <a:fillRect/>
+            </a:stretch>
+          </p:blipFill>
+          <p:spPr bwMode="auto">
+            <a:xfrm>
+              <a:off x="9149155" y="1559254"/>
+              <a:ext cx="4620683" cy="2090654"/>
+            </a:xfrm>
+            <a:prstGeom prst="rect">
+              <a:avLst/>
+            </a:prstGeom>
+            <a:noFill/>
+            <a:extLst>
+              <a:ext uri="{909E8E84-426E-40DD-AFC4-6F175D3DCCD1}">
+                <a14:hiddenFill xmlns:a14="http://schemas.microsoft.com/office/drawing/2010/main">
+                  <a:solidFill>
+                    <a:srgbClr val="FFFFFF"/>
+                  </a:solidFill>
+                </a14:hiddenFill>
+              </a:ext>
+            </a:extLst>
+          </p:spPr>
+        </p:pic>
+        <p:sp>
+          <p:nvSpPr>
+            <p:cNvPr id="28" name="TextBox 27">
+              <a:extLst>
+                <a:ext uri="{FF2B5EF4-FFF2-40B4-BE49-F238E27FC236}">
+                  <a16:creationId xmlns:a16="http://schemas.microsoft.com/office/drawing/2014/main" id="{DFB5647D-51CD-F09B-37DC-533C823D4678}"/>
+                </a:ext>
+              </a:extLst>
+            </p:cNvPr>
+            <p:cNvSpPr txBox="1"/>
+            <p:nvPr/>
+          </p:nvSpPr>
+          <p:spPr>
+            <a:xfrm>
+              <a:off x="9833215" y="1198945"/>
+              <a:ext cx="2032000" cy="369332"/>
+            </a:xfrm>
+            <a:prstGeom prst="rect">
+              <a:avLst/>
+            </a:prstGeom>
+            <a:noFill/>
+          </p:spPr>
+          <p:txBody>
+            <a:bodyPr wrap="square" rtlCol="0">
+              <a:spAutoFit/>
+            </a:bodyPr>
+            <a:lstStyle/>
+            <a:p>
+              <a:pPr algn="ctr"/>
+              <a:r>
+                <a:rPr lang="en-US" dirty="0"/>
+                <a:t>s = +10e-20</a:t>
+              </a:r>
+            </a:p>
+          </p:txBody>
+        </p:sp>
+        <p:cxnSp>
+          <p:nvCxnSpPr>
+            <p:cNvPr id="29" name="Straight Connector 28">
+              <a:extLst>
+                <a:ext uri="{FF2B5EF4-FFF2-40B4-BE49-F238E27FC236}">
+                  <a16:creationId xmlns:a16="http://schemas.microsoft.com/office/drawing/2014/main" id="{B980E16F-FBEE-D204-A7FD-95EE2E0A02B5}"/>
+                </a:ext>
+              </a:extLst>
+            </p:cNvPr>
+            <p:cNvCxnSpPr>
+              <a:cxnSpLocks/>
+            </p:cNvCxnSpPr>
+            <p:nvPr/>
+          </p:nvCxnSpPr>
+          <p:spPr>
+            <a:xfrm>
+              <a:off x="11562050" y="1647996"/>
+              <a:ext cx="0" cy="2606117"/>
+            </a:xfrm>
+            <a:prstGeom prst="line">
+              <a:avLst/>
+            </a:prstGeom>
+            <a:ln w="19050">
+              <a:solidFill>
+                <a:schemeClr val="tx1"/>
+              </a:solidFill>
+            </a:ln>
+          </p:spPr>
+          <p:style>
+            <a:lnRef idx="1">
+              <a:schemeClr val="accent1"/>
+            </a:lnRef>
+            <a:fillRef idx="0">
+              <a:schemeClr val="accent1"/>
+            </a:fillRef>
+            <a:effectRef idx="0">
+              <a:schemeClr val="accent1"/>
+            </a:effectRef>
+            <a:fontRef idx="minor">
+              <a:schemeClr val="tx1"/>
+            </a:fontRef>
+          </p:style>
+        </p:cxnSp>
+        <p:sp>
+          <p:nvSpPr>
+            <p:cNvPr id="30" name="TextBox 29">
+              <a:extLst>
+                <a:ext uri="{FF2B5EF4-FFF2-40B4-BE49-F238E27FC236}">
+                  <a16:creationId xmlns:a16="http://schemas.microsoft.com/office/drawing/2014/main" id="{5967C212-CC99-BE85-7EF6-1B239232F7D7}"/>
+                </a:ext>
+              </a:extLst>
+            </p:cNvPr>
+            <p:cNvSpPr txBox="1"/>
+            <p:nvPr/>
+          </p:nvSpPr>
+          <p:spPr>
+            <a:xfrm>
+              <a:off x="11492441" y="3697151"/>
               <a:ext cx="903333" cy="523220"/>
             </a:xfrm>
             <a:prstGeom prst="rect">

--- a/NAF.pptx
+++ b/NAF.pptx
@@ -5,7 +5,7 @@
     <p:sldMasterId id="2147483648" r:id="rId1"/>
   </p:sldMasterIdLst>
   <p:notesMasterIdLst>
-    <p:notesMasterId r:id="rId18"/>
+    <p:notesMasterId r:id="rId17"/>
   </p:notesMasterIdLst>
   <p:sldIdLst>
     <p:sldId id="256" r:id="rId2"/>
@@ -23,7 +23,6 @@
     <p:sldId id="270" r:id="rId14"/>
     <p:sldId id="271" r:id="rId15"/>
     <p:sldId id="273" r:id="rId16"/>
-    <p:sldId id="274" r:id="rId17"/>
   </p:sldIdLst>
   <p:sldSz cx="12192000" cy="6858000"/>
   <p:notesSz cx="6858000" cy="9144000"/>
@@ -5359,13 +5358,13 @@
         </p:spPr>
         <p:txBody>
           <a:bodyPr>
-            <a:normAutofit/>
+            <a:normAutofit fontScale="90000"/>
           </a:bodyPr>
           <a:lstStyle/>
           <a:p>
             <a:r>
               <a:rPr lang="en-US" dirty="0"/>
-              <a:t>Uneven grid + homo “polymer” (neg. surf)</a:t>
+              <a:t>Uneven grid + homo “polymer” (neg/pos surf)</a:t>
             </a:r>
           </a:p>
         </p:txBody>
@@ -5399,95 +5398,12 @@
           </a:p>
         </p:txBody>
       </p:sp>
-      <p:pic>
-        <p:nvPicPr>
-          <p:cNvPr id="3098" name="Picture 26">
-            <a:extLst>
-              <a:ext uri="{FF2B5EF4-FFF2-40B4-BE49-F238E27FC236}">
-                <a16:creationId xmlns:a16="http://schemas.microsoft.com/office/drawing/2014/main" id="{7AD77E36-B196-31B3-9EDE-249884DE59EA}"/>
-              </a:ext>
-            </a:extLst>
-          </p:cNvPr>
-          <p:cNvPicPr>
-            <a:picLocks noChangeAspect="1" noChangeArrowheads="1"/>
-          </p:cNvPicPr>
-          <p:nvPr/>
-        </p:nvPicPr>
-        <p:blipFill>
-          <a:blip r:embed="rId2">
-            <a:extLst>
-              <a:ext uri="{28A0092B-C50C-407E-A947-70E740481C1C}">
-                <a14:useLocalDpi xmlns:a14="http://schemas.microsoft.com/office/drawing/2010/main" val="0"/>
-              </a:ext>
-            </a:extLst>
-          </a:blip>
-          <a:srcRect/>
-          <a:stretch>
-            <a:fillRect/>
-          </a:stretch>
-        </p:blipFill>
-        <p:spPr bwMode="auto">
-          <a:xfrm>
-            <a:off x="11948" y="1741661"/>
-            <a:ext cx="3032261" cy="1862368"/>
-          </a:xfrm>
-          <a:prstGeom prst="rect">
-            <a:avLst/>
-          </a:prstGeom>
-          <a:noFill/>
-          <a:extLst>
-            <a:ext uri="{909E8E84-426E-40DD-AFC4-6F175D3DCCD1}">
-              <a14:hiddenFill xmlns:a14="http://schemas.microsoft.com/office/drawing/2010/main">
-                <a:solidFill>
-                  <a:srgbClr val="FFFFFF"/>
-                </a:solidFill>
-              </a14:hiddenFill>
-            </a:ext>
-          </a:extLst>
-        </p:spPr>
-      </p:pic>
-      <p:sp>
-        <p:nvSpPr>
-          <p:cNvPr id="4" name="TextBox 3">
-            <a:extLst>
-              <a:ext uri="{FF2B5EF4-FFF2-40B4-BE49-F238E27FC236}">
-                <a16:creationId xmlns:a16="http://schemas.microsoft.com/office/drawing/2014/main" id="{10EAA61F-C9A7-2F94-8192-BDE86166A5F8}"/>
-              </a:ext>
-            </a:extLst>
-          </p:cNvPr>
-          <p:cNvSpPr txBox="1"/>
-          <p:nvPr/>
-        </p:nvSpPr>
-        <p:spPr>
-          <a:xfrm>
-            <a:off x="531494" y="1399811"/>
-            <a:ext cx="2032000" cy="369332"/>
-          </a:xfrm>
-          <a:prstGeom prst="rect">
-            <a:avLst/>
-          </a:prstGeom>
-          <a:noFill/>
-        </p:spPr>
-        <p:txBody>
-          <a:bodyPr wrap="square" rtlCol="0">
-            <a:spAutoFit/>
-          </a:bodyPr>
-          <a:lstStyle/>
-          <a:p>
-            <a:pPr algn="ctr"/>
-            <a:r>
-              <a:rPr lang="en-US" dirty="0"/>
-              <a:t>s = −1e-20</a:t>
-            </a:r>
-          </a:p>
-        </p:txBody>
-      </p:sp>
       <p:grpSp>
         <p:nvGrpSpPr>
-          <p:cNvPr id="18" name="Group 17">
-            <a:extLst>
-              <a:ext uri="{FF2B5EF4-FFF2-40B4-BE49-F238E27FC236}">
-                <a16:creationId xmlns:a16="http://schemas.microsoft.com/office/drawing/2014/main" id="{F6D55DA5-D59C-789F-2E58-576E7406CD3A}"/>
+          <p:cNvPr id="41" name="Group 40">
+            <a:extLst>
+              <a:ext uri="{FF2B5EF4-FFF2-40B4-BE49-F238E27FC236}">
+                <a16:creationId xmlns:a16="http://schemas.microsoft.com/office/drawing/2014/main" id="{3AA0B2CA-305D-0102-6853-106CFC8B0CD8}"/>
               </a:ext>
             </a:extLst>
           </p:cNvPr>
@@ -5496,18 +5412,101 @@
         </p:nvGrpSpPr>
         <p:grpSpPr>
           <a:xfrm>
-            <a:off x="3578127" y="1309956"/>
-            <a:ext cx="3645479" cy="3040428"/>
-            <a:chOff x="3556120" y="1359408"/>
-            <a:chExt cx="3645479" cy="3040428"/>
+            <a:off x="0" y="1121187"/>
+            <a:ext cx="4043015" cy="5029791"/>
+            <a:chOff x="2594" y="1399811"/>
+            <a:chExt cx="4043015" cy="5029791"/>
           </a:xfrm>
         </p:grpSpPr>
         <p:pic>
           <p:nvPicPr>
-            <p:cNvPr id="3100" name="Picture 28">
+            <p:cNvPr id="3098" name="Picture 26">
               <a:extLst>
                 <a:ext uri="{FF2B5EF4-FFF2-40B4-BE49-F238E27FC236}">
-                  <a16:creationId xmlns:a16="http://schemas.microsoft.com/office/drawing/2014/main" id="{3A758434-8039-8F74-A1C7-B5FA9614407D}"/>
+                  <a16:creationId xmlns:a16="http://schemas.microsoft.com/office/drawing/2014/main" id="{7AD77E36-B196-31B3-9EDE-249884DE59EA}"/>
+                </a:ext>
+              </a:extLst>
+            </p:cNvPr>
+            <p:cNvPicPr>
+              <a:picLocks noChangeAspect="1" noChangeArrowheads="1"/>
+            </p:cNvPicPr>
+            <p:nvPr/>
+          </p:nvPicPr>
+          <p:blipFill>
+            <a:blip r:embed="rId2">
+              <a:extLst>
+                <a:ext uri="{28A0092B-C50C-407E-A947-70E740481C1C}">
+                  <a14:useLocalDpi xmlns:a14="http://schemas.microsoft.com/office/drawing/2010/main" val="0"/>
+                </a:ext>
+              </a:extLst>
+            </a:blip>
+            <a:srcRect/>
+            <a:stretch>
+              <a:fillRect/>
+            </a:stretch>
+          </p:blipFill>
+          <p:spPr bwMode="auto">
+            <a:xfrm>
+              <a:off x="11948" y="1741661"/>
+              <a:ext cx="3032261" cy="1862368"/>
+            </a:xfrm>
+            <a:prstGeom prst="rect">
+              <a:avLst/>
+            </a:prstGeom>
+            <a:noFill/>
+            <a:extLst>
+              <a:ext uri="{909E8E84-426E-40DD-AFC4-6F175D3DCCD1}">
+                <a14:hiddenFill xmlns:a14="http://schemas.microsoft.com/office/drawing/2010/main">
+                  <a:solidFill>
+                    <a:srgbClr val="FFFFFF"/>
+                  </a:solidFill>
+                </a14:hiddenFill>
+              </a:ext>
+            </a:extLst>
+          </p:spPr>
+        </p:pic>
+        <p:sp>
+          <p:nvSpPr>
+            <p:cNvPr id="4" name="TextBox 3">
+              <a:extLst>
+                <a:ext uri="{FF2B5EF4-FFF2-40B4-BE49-F238E27FC236}">
+                  <a16:creationId xmlns:a16="http://schemas.microsoft.com/office/drawing/2014/main" id="{10EAA61F-C9A7-2F94-8192-BDE86166A5F8}"/>
+                </a:ext>
+              </a:extLst>
+            </p:cNvPr>
+            <p:cNvSpPr txBox="1"/>
+            <p:nvPr/>
+          </p:nvSpPr>
+          <p:spPr>
+            <a:xfrm>
+              <a:off x="531494" y="1399811"/>
+              <a:ext cx="2032000" cy="369332"/>
+            </a:xfrm>
+            <a:prstGeom prst="rect">
+              <a:avLst/>
+            </a:prstGeom>
+            <a:noFill/>
+          </p:spPr>
+          <p:txBody>
+            <a:bodyPr wrap="square" rtlCol="0">
+              <a:spAutoFit/>
+            </a:bodyPr>
+            <a:lstStyle/>
+            <a:p>
+              <a:pPr algn="ctr"/>
+              <a:r>
+                <a:rPr lang="en-US" dirty="0"/>
+                <a:t>s = −1e-20</a:t>
+              </a:r>
+            </a:p>
+          </p:txBody>
+        </p:sp>
+        <p:pic>
+          <p:nvPicPr>
+            <p:cNvPr id="8" name="Picture 2">
+              <a:extLst>
+                <a:ext uri="{FF2B5EF4-FFF2-40B4-BE49-F238E27FC236}">
+                  <a16:creationId xmlns:a16="http://schemas.microsoft.com/office/drawing/2014/main" id="{7C2BBEAC-412B-E65E-4C06-8C8C2CEB96EE}"/>
                 </a:ext>
               </a:extLst>
             </p:cNvPr>
@@ -5531,8 +5530,8 @@
           </p:blipFill>
           <p:spPr bwMode="auto">
             <a:xfrm>
-              <a:off x="3556120" y="1709591"/>
-              <a:ext cx="3645479" cy="2238996"/>
+              <a:off x="2594" y="4116961"/>
+              <a:ext cx="4043015" cy="1862368"/>
             </a:xfrm>
             <a:prstGeom prst="rect">
               <a:avLst/>
@@ -5551,10 +5550,10 @@
         </p:pic>
         <p:sp>
           <p:nvSpPr>
-            <p:cNvPr id="11" name="TextBox 10">
+            <p:cNvPr id="9" name="TextBox 8">
               <a:extLst>
                 <a:ext uri="{FF2B5EF4-FFF2-40B4-BE49-F238E27FC236}">
-                  <a16:creationId xmlns:a16="http://schemas.microsoft.com/office/drawing/2014/main" id="{6942C621-68DF-33B8-5F7B-2CC583A193D5}"/>
+                  <a16:creationId xmlns:a16="http://schemas.microsoft.com/office/drawing/2014/main" id="{D1B07469-E52A-F2DA-DE11-1149B5990346}"/>
                 </a:ext>
               </a:extLst>
             </p:cNvPr>
@@ -5563,8 +5562,8 @@
           </p:nvSpPr>
           <p:spPr>
             <a:xfrm>
-              <a:off x="4413304" y="1359408"/>
-              <a:ext cx="2032000" cy="369332"/>
+              <a:off x="511297" y="3786815"/>
+              <a:ext cx="2066486" cy="375600"/>
             </a:xfrm>
             <a:prstGeom prst="rect">
               <a:avLst/>
@@ -5580,17 +5579,17 @@
               <a:pPr algn="ctr"/>
               <a:r>
                 <a:rPr lang="en-US" dirty="0"/>
-                <a:t>s = −5e-20</a:t>
+                <a:t>s = +1e-20</a:t>
               </a:r>
             </a:p>
           </p:txBody>
         </p:sp>
         <p:cxnSp>
           <p:nvCxnSpPr>
-            <p:cNvPr id="12" name="Straight Connector 11">
+            <p:cNvPr id="10" name="Straight Connector 9">
               <a:extLst>
                 <a:ext uri="{FF2B5EF4-FFF2-40B4-BE49-F238E27FC236}">
-                  <a16:creationId xmlns:a16="http://schemas.microsoft.com/office/drawing/2014/main" id="{48957343-879F-BA28-8DFB-B1AF530267BD}"/>
+                  <a16:creationId xmlns:a16="http://schemas.microsoft.com/office/drawing/2014/main" id="{484806ED-8471-FA2C-B8D3-0461A19634EF}"/>
                 </a:ext>
               </a:extLst>
             </p:cNvPr>
@@ -5601,8 +5600,8 @@
           </p:nvCxnSpPr>
           <p:spPr>
             <a:xfrm>
-              <a:off x="6051730" y="1793719"/>
-              <a:ext cx="0" cy="2606117"/>
+              <a:off x="2089657" y="1801104"/>
+              <a:ext cx="0" cy="3961521"/>
             </a:xfrm>
             <a:prstGeom prst="line">
               <a:avLst/>
@@ -5630,10 +5629,10 @@
         </p:cxnSp>
         <p:sp>
           <p:nvSpPr>
-            <p:cNvPr id="13" name="TextBox 12">
+            <p:cNvPr id="14" name="TextBox 13">
               <a:extLst>
                 <a:ext uri="{FF2B5EF4-FFF2-40B4-BE49-F238E27FC236}">
-                  <a16:creationId xmlns:a16="http://schemas.microsoft.com/office/drawing/2014/main" id="{784D2798-7BF9-AD12-96B1-D4BDB757F7E0}"/>
+                  <a16:creationId xmlns:a16="http://schemas.microsoft.com/office/drawing/2014/main" id="{743E073F-6E9D-9A14-91D1-B6026BD55BB3}"/>
                 </a:ext>
               </a:extLst>
             </p:cNvPr>
@@ -5642,8 +5641,8 @@
           </p:nvSpPr>
           <p:spPr>
             <a:xfrm>
-              <a:off x="5993638" y="3876616"/>
-              <a:ext cx="903333" cy="523220"/>
+              <a:off x="1910309" y="5897502"/>
+              <a:ext cx="918664" cy="532100"/>
             </a:xfrm>
             <a:prstGeom prst="rect">
               <a:avLst/>
@@ -5667,10 +5666,10 @@
       </p:grpSp>
       <p:grpSp>
         <p:nvGrpSpPr>
-          <p:cNvPr id="22" name="Group 21">
-            <a:extLst>
-              <a:ext uri="{FF2B5EF4-FFF2-40B4-BE49-F238E27FC236}">
-                <a16:creationId xmlns:a16="http://schemas.microsoft.com/office/drawing/2014/main" id="{36D9204A-3B7A-58C5-3A78-1C288F8FA9B8}"/>
+          <p:cNvPr id="42" name="Group 41">
+            <a:extLst>
+              <a:ext uri="{FF2B5EF4-FFF2-40B4-BE49-F238E27FC236}">
+                <a16:creationId xmlns:a16="http://schemas.microsoft.com/office/drawing/2014/main" id="{A6641566-DD5F-69AA-C2D0-D168E4C884B4}"/>
               </a:ext>
             </a:extLst>
           </p:cNvPr>
@@ -5679,18 +5678,18 @@
         </p:nvGrpSpPr>
         <p:grpSpPr>
           <a:xfrm>
-            <a:off x="7144307" y="1309956"/>
-            <a:ext cx="3645478" cy="3078215"/>
-            <a:chOff x="7144307" y="1309956"/>
-            <a:chExt cx="3645478" cy="3078215"/>
+            <a:off x="4032749" y="1121187"/>
+            <a:ext cx="4043016" cy="5040230"/>
+            <a:chOff x="4005811" y="1396741"/>
+            <a:chExt cx="4043016" cy="5040230"/>
           </a:xfrm>
         </p:grpSpPr>
         <p:pic>
           <p:nvPicPr>
-            <p:cNvPr id="3106" name="Picture 34">
+            <p:cNvPr id="3100" name="Picture 28">
               <a:extLst>
                 <a:ext uri="{FF2B5EF4-FFF2-40B4-BE49-F238E27FC236}">
-                  <a16:creationId xmlns:a16="http://schemas.microsoft.com/office/drawing/2014/main" id="{B5062D8F-CDFF-67E4-0C01-A5B1144E63EA}"/>
+                  <a16:creationId xmlns:a16="http://schemas.microsoft.com/office/drawing/2014/main" id="{3A758434-8039-8F74-A1C7-B5FA9614407D}"/>
                 </a:ext>
               </a:extLst>
             </p:cNvPr>
@@ -5714,8 +5713,8 @@
           </p:blipFill>
           <p:spPr bwMode="auto">
             <a:xfrm>
-              <a:off x="7144307" y="1676257"/>
-              <a:ext cx="3645478" cy="2238996"/>
+              <a:off x="4016077" y="1731041"/>
+              <a:ext cx="3032262" cy="1862368"/>
             </a:xfrm>
             <a:prstGeom prst="rect">
               <a:avLst/>
@@ -5734,10 +5733,10 @@
         </p:pic>
         <p:sp>
           <p:nvSpPr>
-            <p:cNvPr id="19" name="TextBox 18">
+            <p:cNvPr id="11" name="TextBox 10">
               <a:extLst>
                 <a:ext uri="{FF2B5EF4-FFF2-40B4-BE49-F238E27FC236}">
-                  <a16:creationId xmlns:a16="http://schemas.microsoft.com/office/drawing/2014/main" id="{E90F31E7-15E3-E10F-8DC8-922EDA6C6D73}"/>
+                  <a16:creationId xmlns:a16="http://schemas.microsoft.com/office/drawing/2014/main" id="{6942C621-68DF-33B8-5F7B-2CC583A193D5}"/>
                 </a:ext>
               </a:extLst>
             </p:cNvPr>
@@ -5746,7 +5745,7 @@
           </p:nvSpPr>
           <p:spPr>
             <a:xfrm>
-              <a:off x="7951046" y="1309956"/>
+              <a:off x="4534665" y="1396741"/>
               <a:ext cx="2032000" cy="369332"/>
             </a:xfrm>
             <a:prstGeom prst="rect">
@@ -5763,273 +5762,11 @@
               <a:pPr algn="ctr"/>
               <a:r>
                 <a:rPr lang="en-US" dirty="0"/>
-                <a:t>s = −10e-20</a:t>
+                <a:t>s = −5e-20</a:t>
               </a:r>
             </a:p>
           </p:txBody>
         </p:sp>
-        <p:cxnSp>
-          <p:nvCxnSpPr>
-            <p:cNvPr id="20" name="Straight Connector 19">
-              <a:extLst>
-                <a:ext uri="{FF2B5EF4-FFF2-40B4-BE49-F238E27FC236}">
-                  <a16:creationId xmlns:a16="http://schemas.microsoft.com/office/drawing/2014/main" id="{81CE3A50-6B7D-D287-6982-451637CA6862}"/>
-                </a:ext>
-              </a:extLst>
-            </p:cNvPr>
-            <p:cNvCxnSpPr>
-              <a:cxnSpLocks/>
-            </p:cNvCxnSpPr>
-            <p:nvPr/>
-          </p:nvCxnSpPr>
-          <p:spPr>
-            <a:xfrm>
-              <a:off x="9633891" y="1782054"/>
-              <a:ext cx="0" cy="2606117"/>
-            </a:xfrm>
-            <a:prstGeom prst="line">
-              <a:avLst/>
-            </a:prstGeom>
-            <a:ln w="19050">
-              <a:solidFill>
-                <a:schemeClr val="tx1"/>
-              </a:solidFill>
-            </a:ln>
-          </p:spPr>
-          <p:style>
-            <a:lnRef idx="1">
-              <a:schemeClr val="accent1"/>
-            </a:lnRef>
-            <a:fillRef idx="0">
-              <a:schemeClr val="accent1"/>
-            </a:fillRef>
-            <a:effectRef idx="0">
-              <a:schemeClr val="accent1"/>
-            </a:effectRef>
-            <a:fontRef idx="minor">
-              <a:schemeClr val="tx1"/>
-            </a:fontRef>
-          </p:style>
-        </p:cxnSp>
-        <p:sp>
-          <p:nvSpPr>
-            <p:cNvPr id="21" name="TextBox 20">
-              <a:extLst>
-                <a:ext uri="{FF2B5EF4-FFF2-40B4-BE49-F238E27FC236}">
-                  <a16:creationId xmlns:a16="http://schemas.microsoft.com/office/drawing/2014/main" id="{5F58AA4D-7516-91B5-E171-68662267B2E8}"/>
-                </a:ext>
-              </a:extLst>
-            </p:cNvPr>
-            <p:cNvSpPr txBox="1"/>
-            <p:nvPr/>
-          </p:nvSpPr>
-          <p:spPr>
-            <a:xfrm>
-              <a:off x="9559938" y="3846112"/>
-              <a:ext cx="903333" cy="523220"/>
-            </a:xfrm>
-            <a:prstGeom prst="rect">
-              <a:avLst/>
-            </a:prstGeom>
-            <a:noFill/>
-          </p:spPr>
-          <p:txBody>
-            <a:bodyPr wrap="square" rtlCol="0">
-              <a:spAutoFit/>
-            </a:bodyPr>
-            <a:lstStyle/>
-            <a:p>
-              <a:pPr algn="ctr"/>
-              <a:r>
-                <a:rPr lang="en-US" sz="1400" dirty="0"/>
-                <a:t>Homo charge</a:t>
-              </a:r>
-            </a:p>
-          </p:txBody>
-        </p:sp>
-      </p:grpSp>
-      <p:pic>
-        <p:nvPicPr>
-          <p:cNvPr id="8" name="Picture 2">
-            <a:extLst>
-              <a:ext uri="{FF2B5EF4-FFF2-40B4-BE49-F238E27FC236}">
-                <a16:creationId xmlns:a16="http://schemas.microsoft.com/office/drawing/2014/main" id="{7C2BBEAC-412B-E65E-4C06-8C8C2CEB96EE}"/>
-              </a:ext>
-            </a:extLst>
-          </p:cNvPr>
-          <p:cNvPicPr>
-            <a:picLocks noChangeAspect="1" noChangeArrowheads="1"/>
-          </p:cNvPicPr>
-          <p:nvPr/>
-        </p:nvPicPr>
-        <p:blipFill>
-          <a:blip r:embed="rId5">
-            <a:extLst>
-              <a:ext uri="{28A0092B-C50C-407E-A947-70E740481C1C}">
-                <a14:useLocalDpi xmlns:a14="http://schemas.microsoft.com/office/drawing/2010/main" val="0"/>
-              </a:ext>
-            </a:extLst>
-          </a:blip>
-          <a:srcRect/>
-          <a:stretch>
-            <a:fillRect/>
-          </a:stretch>
-        </p:blipFill>
-        <p:spPr bwMode="auto">
-          <a:xfrm>
-            <a:off x="2594" y="4116961"/>
-            <a:ext cx="4043015" cy="1862368"/>
-          </a:xfrm>
-          <a:prstGeom prst="rect">
-            <a:avLst/>
-          </a:prstGeom>
-          <a:noFill/>
-          <a:extLst>
-            <a:ext uri="{909E8E84-426E-40DD-AFC4-6F175D3DCCD1}">
-              <a14:hiddenFill xmlns:a14="http://schemas.microsoft.com/office/drawing/2010/main">
-                <a:solidFill>
-                  <a:srgbClr val="FFFFFF"/>
-                </a:solidFill>
-              </a14:hiddenFill>
-            </a:ext>
-          </a:extLst>
-        </p:spPr>
-      </p:pic>
-      <p:sp>
-        <p:nvSpPr>
-          <p:cNvPr id="9" name="TextBox 8">
-            <a:extLst>
-              <a:ext uri="{FF2B5EF4-FFF2-40B4-BE49-F238E27FC236}">
-                <a16:creationId xmlns:a16="http://schemas.microsoft.com/office/drawing/2014/main" id="{D1B07469-E52A-F2DA-DE11-1149B5990346}"/>
-              </a:ext>
-            </a:extLst>
-          </p:cNvPr>
-          <p:cNvSpPr txBox="1"/>
-          <p:nvPr/>
-        </p:nvSpPr>
-        <p:spPr>
-          <a:xfrm>
-            <a:off x="459848" y="3774514"/>
-            <a:ext cx="2066486" cy="375600"/>
-          </a:xfrm>
-          <a:prstGeom prst="rect">
-            <a:avLst/>
-          </a:prstGeom>
-          <a:noFill/>
-        </p:spPr>
-        <p:txBody>
-          <a:bodyPr wrap="square" rtlCol="0">
-            <a:spAutoFit/>
-          </a:bodyPr>
-          <a:lstStyle/>
-          <a:p>
-            <a:pPr algn="ctr"/>
-            <a:r>
-              <a:rPr lang="en-US" dirty="0"/>
-              <a:t>s = +1e-20</a:t>
-            </a:r>
-          </a:p>
-        </p:txBody>
-      </p:sp>
-      <p:cxnSp>
-        <p:nvCxnSpPr>
-          <p:cNvPr id="10" name="Straight Connector 9">
-            <a:extLst>
-              <a:ext uri="{FF2B5EF4-FFF2-40B4-BE49-F238E27FC236}">
-                <a16:creationId xmlns:a16="http://schemas.microsoft.com/office/drawing/2014/main" id="{484806ED-8471-FA2C-B8D3-0461A19634EF}"/>
-              </a:ext>
-            </a:extLst>
-          </p:cNvPr>
-          <p:cNvCxnSpPr>
-            <a:cxnSpLocks/>
-          </p:cNvCxnSpPr>
-          <p:nvPr/>
-        </p:nvCxnSpPr>
-        <p:spPr>
-          <a:xfrm>
-            <a:off x="2089657" y="1838964"/>
-            <a:ext cx="0" cy="4756881"/>
-          </a:xfrm>
-          <a:prstGeom prst="line">
-            <a:avLst/>
-          </a:prstGeom>
-          <a:ln w="19050">
-            <a:solidFill>
-              <a:schemeClr val="tx1"/>
-            </a:solidFill>
-          </a:ln>
-        </p:spPr>
-        <p:style>
-          <a:lnRef idx="1">
-            <a:schemeClr val="accent1"/>
-          </a:lnRef>
-          <a:fillRef idx="0">
-            <a:schemeClr val="accent1"/>
-          </a:fillRef>
-          <a:effectRef idx="0">
-            <a:schemeClr val="accent1"/>
-          </a:effectRef>
-          <a:fontRef idx="minor">
-            <a:schemeClr val="tx1"/>
-          </a:fontRef>
-        </p:style>
-      </p:cxnSp>
-      <p:sp>
-        <p:nvSpPr>
-          <p:cNvPr id="14" name="TextBox 13">
-            <a:extLst>
-              <a:ext uri="{FF2B5EF4-FFF2-40B4-BE49-F238E27FC236}">
-                <a16:creationId xmlns:a16="http://schemas.microsoft.com/office/drawing/2014/main" id="{743E073F-6E9D-9A14-91D1-B6026BD55BB3}"/>
-              </a:ext>
-            </a:extLst>
-          </p:cNvPr>
-          <p:cNvSpPr txBox="1"/>
-          <p:nvPr/>
-        </p:nvSpPr>
-        <p:spPr>
-          <a:xfrm>
-            <a:off x="2003626" y="6035387"/>
-            <a:ext cx="918664" cy="532100"/>
-          </a:xfrm>
-          <a:prstGeom prst="rect">
-            <a:avLst/>
-          </a:prstGeom>
-          <a:noFill/>
-        </p:spPr>
-        <p:txBody>
-          <a:bodyPr wrap="square" rtlCol="0">
-            <a:spAutoFit/>
-          </a:bodyPr>
-          <a:lstStyle/>
-          <a:p>
-            <a:pPr algn="ctr"/>
-            <a:r>
-              <a:rPr lang="en-US" sz="1400" dirty="0"/>
-              <a:t>Homo charge</a:t>
-            </a:r>
-          </a:p>
-        </p:txBody>
-      </p:sp>
-      <p:grpSp>
-        <p:nvGrpSpPr>
-          <p:cNvPr id="15" name="Group 14">
-            <a:extLst>
-              <a:ext uri="{FF2B5EF4-FFF2-40B4-BE49-F238E27FC236}">
-                <a16:creationId xmlns:a16="http://schemas.microsoft.com/office/drawing/2014/main" id="{891A69E4-D72C-58AD-A6E0-EBC3ECC0D4D4}"/>
-              </a:ext>
-            </a:extLst>
-          </p:cNvPr>
-          <p:cNvGrpSpPr/>
-          <p:nvPr/>
-        </p:nvGrpSpPr>
-        <p:grpSpPr>
-          <a:xfrm>
-            <a:off x="4266562" y="4116961"/>
-            <a:ext cx="4573077" cy="3074414"/>
-            <a:chOff x="5022609" y="1070029"/>
-            <a:chExt cx="4536017" cy="3049499"/>
-          </a:xfrm>
-        </p:grpSpPr>
         <p:pic>
           <p:nvPicPr>
             <p:cNvPr id="16" name="Picture 4">
@@ -6045,7 +5782,7 @@
             <p:nvPr/>
           </p:nvPicPr>
           <p:blipFill>
-            <a:blip r:embed="rId6">
+            <a:blip r:embed="rId5">
               <a:extLst>
                 <a:ext uri="{28A0092B-C50C-407E-A947-70E740481C1C}">
                   <a14:useLocalDpi xmlns:a14="http://schemas.microsoft.com/office/drawing/2010/main" val="0"/>
@@ -6059,8 +5796,8 @@
           </p:blipFill>
           <p:spPr bwMode="auto">
             <a:xfrm>
-              <a:off x="5022609" y="1439361"/>
-              <a:ext cx="4536017" cy="2089463"/>
+              <a:off x="4005811" y="4116961"/>
+              <a:ext cx="4043016" cy="1862368"/>
             </a:xfrm>
             <a:prstGeom prst="rect">
               <a:avLst/>
@@ -6091,8 +5828,8 @@
           </p:nvSpPr>
           <p:spPr>
             <a:xfrm>
-              <a:off x="5770032" y="1070029"/>
-              <a:ext cx="2032000" cy="369332"/>
+              <a:off x="4518063" y="3753433"/>
+              <a:ext cx="2048602" cy="372350"/>
             </a:xfrm>
             <a:prstGeom prst="rect">
               <a:avLst/>
@@ -6129,8 +5866,8 @@
           </p:nvCxnSpPr>
           <p:spPr>
             <a:xfrm>
-              <a:off x="7350945" y="1513411"/>
-              <a:ext cx="0" cy="2606117"/>
+              <a:off x="6086475" y="1801104"/>
+              <a:ext cx="0" cy="3961521"/>
             </a:xfrm>
             <a:prstGeom prst="line">
               <a:avLst/>
@@ -6170,8 +5907,8 @@
           </p:nvSpPr>
           <p:spPr>
             <a:xfrm>
-              <a:off x="7281336" y="3562566"/>
-              <a:ext cx="903333" cy="523220"/>
+              <a:off x="5905165" y="5909476"/>
+              <a:ext cx="910713" cy="527495"/>
             </a:xfrm>
             <a:prstGeom prst="rect">
               <a:avLst/>
@@ -6195,10 +5932,10 @@
       </p:grpSp>
       <p:grpSp>
         <p:nvGrpSpPr>
-          <p:cNvPr id="26" name="Group 25">
-            <a:extLst>
-              <a:ext uri="{FF2B5EF4-FFF2-40B4-BE49-F238E27FC236}">
-                <a16:creationId xmlns:a16="http://schemas.microsoft.com/office/drawing/2014/main" id="{AD67A6C4-8D24-9070-FC57-5480512DB8DD}"/>
+          <p:cNvPr id="44" name="Group 43">
+            <a:extLst>
+              <a:ext uri="{FF2B5EF4-FFF2-40B4-BE49-F238E27FC236}">
+                <a16:creationId xmlns:a16="http://schemas.microsoft.com/office/drawing/2014/main" id="{153BA095-2AE5-BF87-E89E-F3A8CC9B0A7A}"/>
               </a:ext>
             </a:extLst>
           </p:cNvPr>
@@ -6207,12 +5944,95 @@
         </p:nvGrpSpPr>
         <p:grpSpPr>
           <a:xfrm>
-            <a:off x="8117172" y="4330256"/>
-            <a:ext cx="3957796" cy="2616871"/>
-            <a:chOff x="9149155" y="1198945"/>
-            <a:chExt cx="4620683" cy="3055168"/>
+            <a:off x="8025297" y="1156292"/>
+            <a:ext cx="4043016" cy="5015524"/>
+            <a:chOff x="8025028" y="1399811"/>
+            <a:chExt cx="4043016" cy="5015524"/>
           </a:xfrm>
         </p:grpSpPr>
+        <p:pic>
+          <p:nvPicPr>
+            <p:cNvPr id="3106" name="Picture 34">
+              <a:extLst>
+                <a:ext uri="{FF2B5EF4-FFF2-40B4-BE49-F238E27FC236}">
+                  <a16:creationId xmlns:a16="http://schemas.microsoft.com/office/drawing/2014/main" id="{B5062D8F-CDFF-67E4-0C01-A5B1144E63EA}"/>
+                </a:ext>
+              </a:extLst>
+            </p:cNvPr>
+            <p:cNvPicPr>
+              <a:picLocks noChangeAspect="1" noChangeArrowheads="1"/>
+            </p:cNvPicPr>
+            <p:nvPr/>
+          </p:nvPicPr>
+          <p:blipFill>
+            <a:blip r:embed="rId6">
+              <a:extLst>
+                <a:ext uri="{28A0092B-C50C-407E-A947-70E740481C1C}">
+                  <a14:useLocalDpi xmlns:a14="http://schemas.microsoft.com/office/drawing/2010/main" val="0"/>
+                </a:ext>
+              </a:extLst>
+            </a:blip>
+            <a:srcRect/>
+            <a:stretch>
+              <a:fillRect/>
+            </a:stretch>
+          </p:blipFill>
+          <p:spPr bwMode="auto">
+            <a:xfrm>
+              <a:off x="8066892" y="1760932"/>
+              <a:ext cx="3032260" cy="1862367"/>
+            </a:xfrm>
+            <a:prstGeom prst="rect">
+              <a:avLst/>
+            </a:prstGeom>
+            <a:noFill/>
+            <a:extLst>
+              <a:ext uri="{909E8E84-426E-40DD-AFC4-6F175D3DCCD1}">
+                <a14:hiddenFill xmlns:a14="http://schemas.microsoft.com/office/drawing/2010/main">
+                  <a:solidFill>
+                    <a:srgbClr val="FFFFFF"/>
+                  </a:solidFill>
+                </a14:hiddenFill>
+              </a:ext>
+            </a:extLst>
+          </p:spPr>
+        </p:pic>
+        <p:sp>
+          <p:nvSpPr>
+            <p:cNvPr id="19" name="TextBox 18">
+              <a:extLst>
+                <a:ext uri="{FF2B5EF4-FFF2-40B4-BE49-F238E27FC236}">
+                  <a16:creationId xmlns:a16="http://schemas.microsoft.com/office/drawing/2014/main" id="{E90F31E7-15E3-E10F-8DC8-922EDA6C6D73}"/>
+                </a:ext>
+              </a:extLst>
+            </p:cNvPr>
+            <p:cNvSpPr txBox="1"/>
+            <p:nvPr/>
+          </p:nvSpPr>
+          <p:spPr>
+            <a:xfrm>
+              <a:off x="8610600" y="1399811"/>
+              <a:ext cx="2032000" cy="369332"/>
+            </a:xfrm>
+            <a:prstGeom prst="rect">
+              <a:avLst/>
+            </a:prstGeom>
+            <a:noFill/>
+          </p:spPr>
+          <p:txBody>
+            <a:bodyPr wrap="square" rtlCol="0">
+              <a:spAutoFit/>
+            </a:bodyPr>
+            <a:lstStyle/>
+            <a:p>
+              <a:pPr algn="ctr"/>
+              <a:r>
+                <a:rPr lang="en-US" dirty="0"/>
+                <a:t>s = −10e-20</a:t>
+              </a:r>
+            </a:p>
+          </p:txBody>
+        </p:sp>
         <p:pic>
           <p:nvPicPr>
             <p:cNvPr id="27" name="Picture 6">
@@ -6242,8 +6062,8 @@
           </p:blipFill>
           <p:spPr bwMode="auto">
             <a:xfrm>
-              <a:off x="9149155" y="1559254"/>
-              <a:ext cx="4620683" cy="2090654"/>
+              <a:off x="8025028" y="4133798"/>
+              <a:ext cx="4043016" cy="1829285"/>
             </a:xfrm>
             <a:prstGeom prst="rect">
               <a:avLst/>
@@ -6274,8 +6094,8 @@
           </p:nvSpPr>
           <p:spPr>
             <a:xfrm>
-              <a:off x="9833215" y="1198945"/>
-              <a:ext cx="2032000" cy="369332"/>
+              <a:off x="8818077" y="3780766"/>
+              <a:ext cx="1740488" cy="316347"/>
             </a:xfrm>
             <a:prstGeom prst="rect">
               <a:avLst/>
@@ -6312,8 +6132,8 @@
           </p:nvCxnSpPr>
           <p:spPr>
             <a:xfrm>
-              <a:off x="11562050" y="1647996"/>
-              <a:ext cx="0" cy="2606117"/>
+              <a:off x="10142386" y="1834882"/>
+              <a:ext cx="0" cy="3935009"/>
             </a:xfrm>
             <a:prstGeom prst="line">
               <a:avLst/>
@@ -6353,8 +6173,8 @@
           </p:nvSpPr>
           <p:spPr>
             <a:xfrm>
-              <a:off x="11492441" y="3697151"/>
-              <a:ext cx="903333" cy="523220"/>
+              <a:off x="10151911" y="5967177"/>
+              <a:ext cx="773740" cy="448158"/>
             </a:xfrm>
             <a:prstGeom prst="rect">
               <a:avLst/>
@@ -6380,649 +6200,6 @@
     <p:extLst>
       <p:ext uri="{BB962C8B-B14F-4D97-AF65-F5344CB8AC3E}">
         <p14:creationId xmlns:p14="http://schemas.microsoft.com/office/powerpoint/2010/main" val="1173165859"/>
-      </p:ext>
-    </p:extLst>
-  </p:cSld>
-  <p:clrMapOvr>
-    <a:masterClrMapping/>
-  </p:clrMapOvr>
-</p:sld>
-</file>
-
-<file path=ppt/slides/slide16.xml><?xml version="1.0" encoding="utf-8"?>
-<p:sld xmlns:a="http://schemas.openxmlformats.org/drawingml/2006/main" xmlns:r="http://schemas.openxmlformats.org/officeDocument/2006/relationships" xmlns:p="http://schemas.openxmlformats.org/presentationml/2006/main">
-  <p:cSld>
-    <p:spTree>
-      <p:nvGrpSpPr>
-        <p:cNvPr id="1" name=""/>
-        <p:cNvGrpSpPr/>
-        <p:nvPr/>
-      </p:nvGrpSpPr>
-      <p:grpSpPr>
-        <a:xfrm>
-          <a:off x="0" y="0"/>
-          <a:ext cx="0" cy="0"/>
-          <a:chOff x="0" y="0"/>
-          <a:chExt cx="0" cy="0"/>
-        </a:xfrm>
-      </p:grpSpPr>
-      <p:sp>
-        <p:nvSpPr>
-          <p:cNvPr id="2" name="Title 1">
-            <a:extLst>
-              <a:ext uri="{FF2B5EF4-FFF2-40B4-BE49-F238E27FC236}">
-                <a16:creationId xmlns:a16="http://schemas.microsoft.com/office/drawing/2014/main" id="{826E282E-3EAC-27F6-C90F-3CD02C8AEEAB}"/>
-              </a:ext>
-            </a:extLst>
-          </p:cNvPr>
-          <p:cNvSpPr>
-            <a:spLocks noGrp="1"/>
-          </p:cNvSpPr>
-          <p:nvPr>
-            <p:ph type="title"/>
-          </p:nvPr>
-        </p:nvSpPr>
-        <p:spPr>
-          <a:xfrm>
-            <a:off x="-1" y="136525"/>
-            <a:ext cx="11540067" cy="800128"/>
-          </a:xfrm>
-        </p:spPr>
-        <p:txBody>
-          <a:bodyPr>
-            <a:normAutofit/>
-          </a:bodyPr>
-          <a:lstStyle/>
-          <a:p>
-            <a:r>
-              <a:rPr lang="en-US" dirty="0"/>
-              <a:t>Uneven grid + homo “polymer” (pos. surf)</a:t>
-            </a:r>
-          </a:p>
-        </p:txBody>
-      </p:sp>
-      <p:sp>
-        <p:nvSpPr>
-          <p:cNvPr id="3" name="Slide Number Placeholder 2">
-            <a:extLst>
-              <a:ext uri="{FF2B5EF4-FFF2-40B4-BE49-F238E27FC236}">
-                <a16:creationId xmlns:a16="http://schemas.microsoft.com/office/drawing/2014/main" id="{402EB97D-F2A5-5424-289B-A979094D318B}"/>
-              </a:ext>
-            </a:extLst>
-          </p:cNvPr>
-          <p:cNvSpPr>
-            <a:spLocks noGrp="1"/>
-          </p:cNvSpPr>
-          <p:nvPr>
-            <p:ph type="sldNum" sz="quarter" idx="12"/>
-          </p:nvPr>
-        </p:nvSpPr>
-        <p:spPr/>
-        <p:txBody>
-          <a:bodyPr/>
-          <a:lstStyle/>
-          <a:p>
-            <a:fld id="{5911C0E6-D9CE-431C-92CB-BB39B872F930}" type="slidenum">
-              <a:rPr lang="en-US" smtClean="0"/>
-              <a:t>16</a:t>
-            </a:fld>
-            <a:endParaRPr lang="en-US"/>
-          </a:p>
-        </p:txBody>
-      </p:sp>
-      <p:grpSp>
-        <p:nvGrpSpPr>
-          <p:cNvPr id="7" name="Group 6">
-            <a:extLst>
-              <a:ext uri="{FF2B5EF4-FFF2-40B4-BE49-F238E27FC236}">
-                <a16:creationId xmlns:a16="http://schemas.microsoft.com/office/drawing/2014/main" id="{61726511-DE47-136A-CBC4-04CDB03C5D56}"/>
-              </a:ext>
-            </a:extLst>
-          </p:cNvPr>
-          <p:cNvGrpSpPr/>
-          <p:nvPr/>
-        </p:nvGrpSpPr>
-        <p:grpSpPr>
-          <a:xfrm>
-            <a:off x="161881" y="1028888"/>
-            <a:ext cx="3885275" cy="2559050"/>
-            <a:chOff x="1348316" y="1258865"/>
-            <a:chExt cx="4536017" cy="2987663"/>
-          </a:xfrm>
-        </p:grpSpPr>
-        <p:pic>
-          <p:nvPicPr>
-            <p:cNvPr id="1026" name="Picture 2">
-              <a:extLst>
-                <a:ext uri="{FF2B5EF4-FFF2-40B4-BE49-F238E27FC236}">
-                  <a16:creationId xmlns:a16="http://schemas.microsoft.com/office/drawing/2014/main" id="{2668314A-4649-347D-12AF-7EEA581B939F}"/>
-                </a:ext>
-              </a:extLst>
-            </p:cNvPr>
-            <p:cNvPicPr>
-              <a:picLocks noChangeAspect="1" noChangeArrowheads="1"/>
-            </p:cNvPicPr>
-            <p:nvPr/>
-          </p:nvPicPr>
-          <p:blipFill>
-            <a:blip r:embed="rId2">
-              <a:extLst>
-                <a:ext uri="{28A0092B-C50C-407E-A947-70E740481C1C}">
-                  <a14:useLocalDpi xmlns:a14="http://schemas.microsoft.com/office/drawing/2010/main" val="0"/>
-                </a:ext>
-              </a:extLst>
-            </a:blip>
-            <a:srcRect/>
-            <a:stretch>
-              <a:fillRect/>
-            </a:stretch>
-          </p:blipFill>
-          <p:spPr bwMode="auto">
-            <a:xfrm>
-              <a:off x="1348316" y="1566361"/>
-              <a:ext cx="4536017" cy="2089463"/>
-            </a:xfrm>
-            <a:prstGeom prst="rect">
-              <a:avLst/>
-            </a:prstGeom>
-            <a:noFill/>
-            <a:extLst>
-              <a:ext uri="{909E8E84-426E-40DD-AFC4-6F175D3DCCD1}">
-                <a14:hiddenFill xmlns:a14="http://schemas.microsoft.com/office/drawing/2010/main">
-                  <a:solidFill>
-                    <a:srgbClr val="FFFFFF"/>
-                  </a:solidFill>
-                </a14:hiddenFill>
-              </a:ext>
-            </a:extLst>
-          </p:spPr>
-        </p:pic>
-        <p:sp>
-          <p:nvSpPr>
-            <p:cNvPr id="4" name="TextBox 3">
-              <a:extLst>
-                <a:ext uri="{FF2B5EF4-FFF2-40B4-BE49-F238E27FC236}">
-                  <a16:creationId xmlns:a16="http://schemas.microsoft.com/office/drawing/2014/main" id="{7E4FF6B8-9AC0-8BA1-637A-7D59D801BADA}"/>
-                </a:ext>
-              </a:extLst>
-            </p:cNvPr>
-            <p:cNvSpPr txBox="1"/>
-            <p:nvPr/>
-          </p:nvSpPr>
-          <p:spPr>
-            <a:xfrm>
-              <a:off x="2245885" y="1258865"/>
-              <a:ext cx="2032000" cy="369332"/>
-            </a:xfrm>
-            <a:prstGeom prst="rect">
-              <a:avLst/>
-            </a:prstGeom>
-            <a:noFill/>
-          </p:spPr>
-          <p:txBody>
-            <a:bodyPr wrap="square" rtlCol="0">
-              <a:spAutoFit/>
-            </a:bodyPr>
-            <a:lstStyle/>
-            <a:p>
-              <a:pPr algn="ctr"/>
-              <a:r>
-                <a:rPr lang="en-US" dirty="0"/>
-                <a:t>s = +1e-20</a:t>
-              </a:r>
-            </a:p>
-          </p:txBody>
-        </p:sp>
-        <p:cxnSp>
-          <p:nvCxnSpPr>
-            <p:cNvPr id="5" name="Straight Connector 4">
-              <a:extLst>
-                <a:ext uri="{FF2B5EF4-FFF2-40B4-BE49-F238E27FC236}">
-                  <a16:creationId xmlns:a16="http://schemas.microsoft.com/office/drawing/2014/main" id="{D9A26B16-F0E1-1DD8-2AAB-A5C35B1854D0}"/>
-                </a:ext>
-              </a:extLst>
-            </p:cNvPr>
-            <p:cNvCxnSpPr>
-              <a:cxnSpLocks/>
-            </p:cNvCxnSpPr>
-            <p:nvPr/>
-          </p:nvCxnSpPr>
-          <p:spPr>
-            <a:xfrm>
-              <a:off x="3679685" y="1640411"/>
-              <a:ext cx="0" cy="2606117"/>
-            </a:xfrm>
-            <a:prstGeom prst="line">
-              <a:avLst/>
-            </a:prstGeom>
-            <a:ln w="19050">
-              <a:solidFill>
-                <a:schemeClr val="tx1"/>
-              </a:solidFill>
-            </a:ln>
-          </p:spPr>
-          <p:style>
-            <a:lnRef idx="1">
-              <a:schemeClr val="accent1"/>
-            </a:lnRef>
-            <a:fillRef idx="0">
-              <a:schemeClr val="accent1"/>
-            </a:fillRef>
-            <a:effectRef idx="0">
-              <a:schemeClr val="accent1"/>
-            </a:effectRef>
-            <a:fontRef idx="minor">
-              <a:schemeClr val="tx1"/>
-            </a:fontRef>
-          </p:style>
-        </p:cxnSp>
-        <p:sp>
-          <p:nvSpPr>
-            <p:cNvPr id="6" name="TextBox 5">
-              <a:extLst>
-                <a:ext uri="{FF2B5EF4-FFF2-40B4-BE49-F238E27FC236}">
-                  <a16:creationId xmlns:a16="http://schemas.microsoft.com/office/drawing/2014/main" id="{D00C444B-F5A4-6740-2A97-3334D1255000}"/>
-                </a:ext>
-              </a:extLst>
-            </p:cNvPr>
-            <p:cNvSpPr txBox="1"/>
-            <p:nvPr/>
-          </p:nvSpPr>
-          <p:spPr>
-            <a:xfrm>
-              <a:off x="3610076" y="3689566"/>
-              <a:ext cx="903333" cy="523220"/>
-            </a:xfrm>
-            <a:prstGeom prst="rect">
-              <a:avLst/>
-            </a:prstGeom>
-            <a:noFill/>
-          </p:spPr>
-          <p:txBody>
-            <a:bodyPr wrap="square" rtlCol="0">
-              <a:spAutoFit/>
-            </a:bodyPr>
-            <a:lstStyle/>
-            <a:p>
-              <a:pPr algn="ctr"/>
-              <a:r>
-                <a:rPr lang="en-US" sz="1400" dirty="0"/>
-                <a:t>Homo charge</a:t>
-              </a:r>
-            </a:p>
-          </p:txBody>
-        </p:sp>
-      </p:grpSp>
-      <p:grpSp>
-        <p:nvGrpSpPr>
-          <p:cNvPr id="11" name="Group 10">
-            <a:extLst>
-              <a:ext uri="{FF2B5EF4-FFF2-40B4-BE49-F238E27FC236}">
-                <a16:creationId xmlns:a16="http://schemas.microsoft.com/office/drawing/2014/main" id="{4E899E29-5446-66DB-B426-19AF4A6EF440}"/>
-              </a:ext>
-            </a:extLst>
-          </p:cNvPr>
-          <p:cNvGrpSpPr/>
-          <p:nvPr/>
-        </p:nvGrpSpPr>
-        <p:grpSpPr>
-          <a:xfrm>
-            <a:off x="4101426" y="1028888"/>
-            <a:ext cx="3885276" cy="2612015"/>
-            <a:chOff x="5022609" y="1070029"/>
-            <a:chExt cx="4536017" cy="3049499"/>
-          </a:xfrm>
-        </p:grpSpPr>
-        <p:pic>
-          <p:nvPicPr>
-            <p:cNvPr id="1028" name="Picture 4">
-              <a:extLst>
-                <a:ext uri="{FF2B5EF4-FFF2-40B4-BE49-F238E27FC236}">
-                  <a16:creationId xmlns:a16="http://schemas.microsoft.com/office/drawing/2014/main" id="{58CB0DB9-289B-AB63-3C95-3E70570410C4}"/>
-                </a:ext>
-              </a:extLst>
-            </p:cNvPr>
-            <p:cNvPicPr>
-              <a:picLocks noChangeAspect="1" noChangeArrowheads="1"/>
-            </p:cNvPicPr>
-            <p:nvPr/>
-          </p:nvPicPr>
-          <p:blipFill>
-            <a:blip r:embed="rId3">
-              <a:extLst>
-                <a:ext uri="{28A0092B-C50C-407E-A947-70E740481C1C}">
-                  <a14:useLocalDpi xmlns:a14="http://schemas.microsoft.com/office/drawing/2010/main" val="0"/>
-                </a:ext>
-              </a:extLst>
-            </a:blip>
-            <a:srcRect/>
-            <a:stretch>
-              <a:fillRect/>
-            </a:stretch>
-          </p:blipFill>
-          <p:spPr bwMode="auto">
-            <a:xfrm>
-              <a:off x="5022609" y="1439361"/>
-              <a:ext cx="4536017" cy="2089463"/>
-            </a:xfrm>
-            <a:prstGeom prst="rect">
-              <a:avLst/>
-            </a:prstGeom>
-            <a:noFill/>
-            <a:extLst>
-              <a:ext uri="{909E8E84-426E-40DD-AFC4-6F175D3DCCD1}">
-                <a14:hiddenFill xmlns:a14="http://schemas.microsoft.com/office/drawing/2010/main">
-                  <a:solidFill>
-                    <a:srgbClr val="FFFFFF"/>
-                  </a:solidFill>
-                </a14:hiddenFill>
-              </a:ext>
-            </a:extLst>
-          </p:spPr>
-        </p:pic>
-        <p:sp>
-          <p:nvSpPr>
-            <p:cNvPr id="8" name="TextBox 7">
-              <a:extLst>
-                <a:ext uri="{FF2B5EF4-FFF2-40B4-BE49-F238E27FC236}">
-                  <a16:creationId xmlns:a16="http://schemas.microsoft.com/office/drawing/2014/main" id="{575FD56E-A680-70CC-5508-D418C3320318}"/>
-                </a:ext>
-              </a:extLst>
-            </p:cNvPr>
-            <p:cNvSpPr txBox="1"/>
-            <p:nvPr/>
-          </p:nvSpPr>
-          <p:spPr>
-            <a:xfrm>
-              <a:off x="5770032" y="1070029"/>
-              <a:ext cx="2032000" cy="369332"/>
-            </a:xfrm>
-            <a:prstGeom prst="rect">
-              <a:avLst/>
-            </a:prstGeom>
-            <a:noFill/>
-          </p:spPr>
-          <p:txBody>
-            <a:bodyPr wrap="square" rtlCol="0">
-              <a:spAutoFit/>
-            </a:bodyPr>
-            <a:lstStyle/>
-            <a:p>
-              <a:pPr algn="ctr"/>
-              <a:r>
-                <a:rPr lang="en-US" dirty="0"/>
-                <a:t>s = +5e-20</a:t>
-              </a:r>
-            </a:p>
-          </p:txBody>
-        </p:sp>
-        <p:cxnSp>
-          <p:nvCxnSpPr>
-            <p:cNvPr id="9" name="Straight Connector 8">
-              <a:extLst>
-                <a:ext uri="{FF2B5EF4-FFF2-40B4-BE49-F238E27FC236}">
-                  <a16:creationId xmlns:a16="http://schemas.microsoft.com/office/drawing/2014/main" id="{DB445F09-1C56-CE66-6FA4-0FD09C2F4886}"/>
-                </a:ext>
-              </a:extLst>
-            </p:cNvPr>
-            <p:cNvCxnSpPr>
-              <a:cxnSpLocks/>
-            </p:cNvCxnSpPr>
-            <p:nvPr/>
-          </p:nvCxnSpPr>
-          <p:spPr>
-            <a:xfrm>
-              <a:off x="7350945" y="1513411"/>
-              <a:ext cx="0" cy="2606117"/>
-            </a:xfrm>
-            <a:prstGeom prst="line">
-              <a:avLst/>
-            </a:prstGeom>
-            <a:ln w="19050">
-              <a:solidFill>
-                <a:schemeClr val="tx1"/>
-              </a:solidFill>
-            </a:ln>
-          </p:spPr>
-          <p:style>
-            <a:lnRef idx="1">
-              <a:schemeClr val="accent1"/>
-            </a:lnRef>
-            <a:fillRef idx="0">
-              <a:schemeClr val="accent1"/>
-            </a:fillRef>
-            <a:effectRef idx="0">
-              <a:schemeClr val="accent1"/>
-            </a:effectRef>
-            <a:fontRef idx="minor">
-              <a:schemeClr val="tx1"/>
-            </a:fontRef>
-          </p:style>
-        </p:cxnSp>
-        <p:sp>
-          <p:nvSpPr>
-            <p:cNvPr id="10" name="TextBox 9">
-              <a:extLst>
-                <a:ext uri="{FF2B5EF4-FFF2-40B4-BE49-F238E27FC236}">
-                  <a16:creationId xmlns:a16="http://schemas.microsoft.com/office/drawing/2014/main" id="{3E46A2BB-1476-CF14-0122-07686272B895}"/>
-                </a:ext>
-              </a:extLst>
-            </p:cNvPr>
-            <p:cNvSpPr txBox="1"/>
-            <p:nvPr/>
-          </p:nvSpPr>
-          <p:spPr>
-            <a:xfrm>
-              <a:off x="7281336" y="3562566"/>
-              <a:ext cx="903333" cy="523220"/>
-            </a:xfrm>
-            <a:prstGeom prst="rect">
-              <a:avLst/>
-            </a:prstGeom>
-            <a:noFill/>
-          </p:spPr>
-          <p:txBody>
-            <a:bodyPr wrap="square" rtlCol="0">
-              <a:spAutoFit/>
-            </a:bodyPr>
-            <a:lstStyle/>
-            <a:p>
-              <a:pPr algn="ctr"/>
-              <a:r>
-                <a:rPr lang="en-US" sz="1400" dirty="0"/>
-                <a:t>Homo charge</a:t>
-              </a:r>
-            </a:p>
-          </p:txBody>
-        </p:sp>
-      </p:grpSp>
-      <p:grpSp>
-        <p:nvGrpSpPr>
-          <p:cNvPr id="15" name="Group 14">
-            <a:extLst>
-              <a:ext uri="{FF2B5EF4-FFF2-40B4-BE49-F238E27FC236}">
-                <a16:creationId xmlns:a16="http://schemas.microsoft.com/office/drawing/2014/main" id="{F38FBBF7-6D39-4994-40CE-85835C0FAB07}"/>
-              </a:ext>
-            </a:extLst>
-          </p:cNvPr>
-          <p:cNvGrpSpPr/>
-          <p:nvPr/>
-        </p:nvGrpSpPr>
-        <p:grpSpPr>
-          <a:xfrm>
-            <a:off x="8040972" y="1029630"/>
-            <a:ext cx="3957796" cy="2616871"/>
-            <a:chOff x="9149155" y="1198945"/>
-            <a:chExt cx="4620683" cy="3055168"/>
-          </a:xfrm>
-        </p:grpSpPr>
-        <p:pic>
-          <p:nvPicPr>
-            <p:cNvPr id="1030" name="Picture 6">
-              <a:extLst>
-                <a:ext uri="{FF2B5EF4-FFF2-40B4-BE49-F238E27FC236}">
-                  <a16:creationId xmlns:a16="http://schemas.microsoft.com/office/drawing/2014/main" id="{EFC01567-09E5-45C9-4ABB-14878610D3FA}"/>
-                </a:ext>
-              </a:extLst>
-            </p:cNvPr>
-            <p:cNvPicPr>
-              <a:picLocks noChangeAspect="1" noChangeArrowheads="1"/>
-            </p:cNvPicPr>
-            <p:nvPr/>
-          </p:nvPicPr>
-          <p:blipFill>
-            <a:blip r:embed="rId4">
-              <a:extLst>
-                <a:ext uri="{28A0092B-C50C-407E-A947-70E740481C1C}">
-                  <a14:useLocalDpi xmlns:a14="http://schemas.microsoft.com/office/drawing/2010/main" val="0"/>
-                </a:ext>
-              </a:extLst>
-            </a:blip>
-            <a:srcRect/>
-            <a:stretch>
-              <a:fillRect/>
-            </a:stretch>
-          </p:blipFill>
-          <p:spPr bwMode="auto">
-            <a:xfrm>
-              <a:off x="9149155" y="1559254"/>
-              <a:ext cx="4620683" cy="2090654"/>
-            </a:xfrm>
-            <a:prstGeom prst="rect">
-              <a:avLst/>
-            </a:prstGeom>
-            <a:noFill/>
-            <a:extLst>
-              <a:ext uri="{909E8E84-426E-40DD-AFC4-6F175D3DCCD1}">
-                <a14:hiddenFill xmlns:a14="http://schemas.microsoft.com/office/drawing/2010/main">
-                  <a:solidFill>
-                    <a:srgbClr val="FFFFFF"/>
-                  </a:solidFill>
-                </a14:hiddenFill>
-              </a:ext>
-            </a:extLst>
-          </p:spPr>
-        </p:pic>
-        <p:sp>
-          <p:nvSpPr>
-            <p:cNvPr id="12" name="TextBox 11">
-              <a:extLst>
-                <a:ext uri="{FF2B5EF4-FFF2-40B4-BE49-F238E27FC236}">
-                  <a16:creationId xmlns:a16="http://schemas.microsoft.com/office/drawing/2014/main" id="{08BF91FE-56CF-1C8A-6097-A47290A11383}"/>
-                </a:ext>
-              </a:extLst>
-            </p:cNvPr>
-            <p:cNvSpPr txBox="1"/>
-            <p:nvPr/>
-          </p:nvSpPr>
-          <p:spPr>
-            <a:xfrm>
-              <a:off x="9833215" y="1198945"/>
-              <a:ext cx="2032000" cy="369332"/>
-            </a:xfrm>
-            <a:prstGeom prst="rect">
-              <a:avLst/>
-            </a:prstGeom>
-            <a:noFill/>
-          </p:spPr>
-          <p:txBody>
-            <a:bodyPr wrap="square" rtlCol="0">
-              <a:spAutoFit/>
-            </a:bodyPr>
-            <a:lstStyle/>
-            <a:p>
-              <a:pPr algn="ctr"/>
-              <a:r>
-                <a:rPr lang="en-US" dirty="0"/>
-                <a:t>s = +10e-20</a:t>
-              </a:r>
-            </a:p>
-          </p:txBody>
-        </p:sp>
-        <p:cxnSp>
-          <p:nvCxnSpPr>
-            <p:cNvPr id="13" name="Straight Connector 12">
-              <a:extLst>
-                <a:ext uri="{FF2B5EF4-FFF2-40B4-BE49-F238E27FC236}">
-                  <a16:creationId xmlns:a16="http://schemas.microsoft.com/office/drawing/2014/main" id="{BF217A14-73DC-F15B-BB38-1A777DF13FB7}"/>
-                </a:ext>
-              </a:extLst>
-            </p:cNvPr>
-            <p:cNvCxnSpPr>
-              <a:cxnSpLocks/>
-            </p:cNvCxnSpPr>
-            <p:nvPr/>
-          </p:nvCxnSpPr>
-          <p:spPr>
-            <a:xfrm>
-              <a:off x="11562050" y="1647996"/>
-              <a:ext cx="0" cy="2606117"/>
-            </a:xfrm>
-            <a:prstGeom prst="line">
-              <a:avLst/>
-            </a:prstGeom>
-            <a:ln w="19050">
-              <a:solidFill>
-                <a:schemeClr val="tx1"/>
-              </a:solidFill>
-            </a:ln>
-          </p:spPr>
-          <p:style>
-            <a:lnRef idx="1">
-              <a:schemeClr val="accent1"/>
-            </a:lnRef>
-            <a:fillRef idx="0">
-              <a:schemeClr val="accent1"/>
-            </a:fillRef>
-            <a:effectRef idx="0">
-              <a:schemeClr val="accent1"/>
-            </a:effectRef>
-            <a:fontRef idx="minor">
-              <a:schemeClr val="tx1"/>
-            </a:fontRef>
-          </p:style>
-        </p:cxnSp>
-        <p:sp>
-          <p:nvSpPr>
-            <p:cNvPr id="14" name="TextBox 13">
-              <a:extLst>
-                <a:ext uri="{FF2B5EF4-FFF2-40B4-BE49-F238E27FC236}">
-                  <a16:creationId xmlns:a16="http://schemas.microsoft.com/office/drawing/2014/main" id="{C5E9B501-0DAC-B84E-C605-6856EA6D7976}"/>
-                </a:ext>
-              </a:extLst>
-            </p:cNvPr>
-            <p:cNvSpPr txBox="1"/>
-            <p:nvPr/>
-          </p:nvSpPr>
-          <p:spPr>
-            <a:xfrm>
-              <a:off x="11492441" y="3697151"/>
-              <a:ext cx="903333" cy="523220"/>
-            </a:xfrm>
-            <a:prstGeom prst="rect">
-              <a:avLst/>
-            </a:prstGeom>
-            <a:noFill/>
-          </p:spPr>
-          <p:txBody>
-            <a:bodyPr wrap="square" rtlCol="0">
-              <a:spAutoFit/>
-            </a:bodyPr>
-            <a:lstStyle/>
-            <a:p>
-              <a:pPr algn="ctr"/>
-              <a:r>
-                <a:rPr lang="en-US" sz="1400" dirty="0"/>
-                <a:t>Homo charge</a:t>
-              </a:r>
-            </a:p>
-          </p:txBody>
-        </p:sp>
-      </p:grpSp>
-    </p:spTree>
-    <p:extLst>
-      <p:ext uri="{BB962C8B-B14F-4D97-AF65-F5344CB8AC3E}">
-        <p14:creationId xmlns:p14="http://schemas.microsoft.com/office/powerpoint/2010/main" val="2132409809"/>
       </p:ext>
     </p:extLst>
   </p:cSld>

--- a/NAF.pptx
+++ b/NAF.pptx
@@ -5,7 +5,7 @@
     <p:sldMasterId id="2147483648" r:id="rId1"/>
   </p:sldMasterIdLst>
   <p:notesMasterIdLst>
-    <p:notesMasterId r:id="rId17"/>
+    <p:notesMasterId r:id="rId18"/>
   </p:notesMasterIdLst>
   <p:sldIdLst>
     <p:sldId id="256" r:id="rId2"/>
@@ -22,7 +22,8 @@
     <p:sldId id="272" r:id="rId13"/>
     <p:sldId id="270" r:id="rId14"/>
     <p:sldId id="271" r:id="rId15"/>
-    <p:sldId id="273" r:id="rId16"/>
+    <p:sldId id="274" r:id="rId16"/>
+    <p:sldId id="273" r:id="rId17"/>
   </p:sldIdLst>
   <p:sldSz cx="12192000" cy="6858000"/>
   <p:notesSz cx="6858000" cy="9144000"/>
@@ -4753,7 +4754,7 @@
           <a:p>
             <a:r>
               <a:rPr lang="en-US" dirty="0"/>
-              <a:t>Uneven grid (L)</a:t>
+              <a:t>Uneven grid (Lx, left)</a:t>
             </a:r>
           </a:p>
         </p:txBody>
@@ -5063,10 +5064,10 @@
       </p:sp>
       <p:sp>
         <p:nvSpPr>
-          <p:cNvPr id="10" name="TextBox 9">
-            <a:extLst>
-              <a:ext uri="{FF2B5EF4-FFF2-40B4-BE49-F238E27FC236}">
-                <a16:creationId xmlns:a16="http://schemas.microsoft.com/office/drawing/2014/main" id="{6CB92EDC-32FC-797F-05EA-5C3F162CFF80}"/>
+          <p:cNvPr id="11" name="TextBox 10">
+            <a:extLst>
+              <a:ext uri="{FF2B5EF4-FFF2-40B4-BE49-F238E27FC236}">
+                <a16:creationId xmlns:a16="http://schemas.microsoft.com/office/drawing/2014/main" id="{29D334B9-E7FC-6D29-F751-1784F1B23D3E}"/>
               </a:ext>
             </a:extLst>
           </p:cNvPr>
@@ -5075,8 +5076,8 @@
         </p:nvSpPr>
         <p:spPr>
           <a:xfrm>
-            <a:off x="7252475" y="2143800"/>
-            <a:ext cx="3213594" cy="369332"/>
+            <a:off x="101600" y="1934402"/>
+            <a:ext cx="1109762" cy="369332"/>
           </a:xfrm>
           <a:prstGeom prst="rect">
             <a:avLst/>
@@ -5092,64 +5093,17 @@
             <a:pPr algn="ctr"/>
             <a:r>
               <a:rPr lang="en-US" dirty="0"/>
-              <a:t>s = −20e-20</a:t>
+              <a:t>L = 50</a:t>
             </a:r>
           </a:p>
         </p:txBody>
       </p:sp>
-      <p:pic>
-        <p:nvPicPr>
-          <p:cNvPr id="2064" name="Picture 16">
-            <a:extLst>
-              <a:ext uri="{FF2B5EF4-FFF2-40B4-BE49-F238E27FC236}">
-                <a16:creationId xmlns:a16="http://schemas.microsoft.com/office/drawing/2014/main" id="{B90DC5C4-0CF4-F56D-23C8-2AB17DE74EB2}"/>
-              </a:ext>
-            </a:extLst>
-          </p:cNvPr>
-          <p:cNvPicPr>
-            <a:picLocks noChangeAspect="1" noChangeArrowheads="1"/>
-          </p:cNvPicPr>
-          <p:nvPr/>
-        </p:nvPicPr>
-        <p:blipFill>
-          <a:blip r:embed="rId6">
-            <a:extLst>
-              <a:ext uri="{28A0092B-C50C-407E-A947-70E740481C1C}">
-                <a14:useLocalDpi xmlns:a14="http://schemas.microsoft.com/office/drawing/2010/main" val="0"/>
-              </a:ext>
-            </a:extLst>
-          </a:blip>
-          <a:srcRect/>
-          <a:stretch>
-            <a:fillRect/>
-          </a:stretch>
-        </p:blipFill>
-        <p:spPr bwMode="auto">
-          <a:xfrm>
-            <a:off x="8531260" y="2639942"/>
-            <a:ext cx="3660740" cy="2618837"/>
-          </a:xfrm>
-          <a:prstGeom prst="rect">
-            <a:avLst/>
-          </a:prstGeom>
-          <a:noFill/>
-          <a:extLst>
-            <a:ext uri="{909E8E84-426E-40DD-AFC4-6F175D3DCCD1}">
-              <a14:hiddenFill xmlns:a14="http://schemas.microsoft.com/office/drawing/2010/main">
-                <a:solidFill>
-                  <a:srgbClr val="FFFFFF"/>
-                </a:solidFill>
-              </a14:hiddenFill>
-            </a:ext>
-          </a:extLst>
-        </p:spPr>
-      </p:pic>
       <p:sp>
         <p:nvSpPr>
-          <p:cNvPr id="11" name="TextBox 10">
-            <a:extLst>
-              <a:ext uri="{FF2B5EF4-FFF2-40B4-BE49-F238E27FC236}">
-                <a16:creationId xmlns:a16="http://schemas.microsoft.com/office/drawing/2014/main" id="{29D334B9-E7FC-6D29-F751-1784F1B23D3E}"/>
+          <p:cNvPr id="12" name="TextBox 11">
+            <a:extLst>
+              <a:ext uri="{FF2B5EF4-FFF2-40B4-BE49-F238E27FC236}">
+                <a16:creationId xmlns:a16="http://schemas.microsoft.com/office/drawing/2014/main" id="{38A82413-3E61-1A21-5EBE-E3996BA9F2DB}"/>
               </a:ext>
             </a:extLst>
           </p:cNvPr>
@@ -5158,8 +5112,8 @@
         </p:nvSpPr>
         <p:spPr>
           <a:xfrm>
-            <a:off x="101600" y="1934402"/>
-            <a:ext cx="1109762" cy="369332"/>
+            <a:off x="3365486" y="1885734"/>
+            <a:ext cx="1109762" cy="646331"/>
           </a:xfrm>
           <a:prstGeom prst="rect">
             <a:avLst/>
@@ -5175,135 +5129,203 @@
             <a:pPr algn="ctr"/>
             <a:r>
               <a:rPr lang="en-US" dirty="0"/>
-              <a:t>L = 50</a:t>
+              <a:t>Chop from left</a:t>
             </a:r>
           </a:p>
         </p:txBody>
       </p:sp>
-      <p:sp>
-        <p:nvSpPr>
-          <p:cNvPr id="12" name="TextBox 11">
-            <a:extLst>
-              <a:ext uri="{FF2B5EF4-FFF2-40B4-BE49-F238E27FC236}">
-                <a16:creationId xmlns:a16="http://schemas.microsoft.com/office/drawing/2014/main" id="{38A82413-3E61-1A21-5EBE-E3996BA9F2DB}"/>
-              </a:ext>
-            </a:extLst>
-          </p:cNvPr>
-          <p:cNvSpPr txBox="1"/>
+      <p:grpSp>
+        <p:nvGrpSpPr>
+          <p:cNvPr id="9" name="Group 8">
+            <a:extLst>
+              <a:ext uri="{FF2B5EF4-FFF2-40B4-BE49-F238E27FC236}">
+                <a16:creationId xmlns:a16="http://schemas.microsoft.com/office/drawing/2014/main" id="{6287314B-6AB7-763B-AB37-22318898F823}"/>
+              </a:ext>
+            </a:extLst>
+          </p:cNvPr>
+          <p:cNvGrpSpPr/>
           <p:nvPr/>
-        </p:nvSpPr>
-        <p:spPr>
-          <a:xfrm>
-            <a:off x="3365486" y="1885734"/>
-            <a:ext cx="1109762" cy="646331"/>
-          </a:xfrm>
-          <a:prstGeom prst="rect">
-            <a:avLst/>
-          </a:prstGeom>
-          <a:noFill/>
-        </p:spPr>
-        <p:txBody>
-          <a:bodyPr wrap="square" rtlCol="0">
-            <a:spAutoFit/>
-          </a:bodyPr>
-          <a:lstStyle/>
-          <a:p>
-            <a:pPr algn="ctr"/>
-            <a:r>
-              <a:rPr lang="en-US" dirty="0"/>
-              <a:t>Chop from left</a:t>
-            </a:r>
-          </a:p>
-        </p:txBody>
-      </p:sp>
-      <p:pic>
-        <p:nvPicPr>
-          <p:cNvPr id="2062" name="Picture 14">
-            <a:extLst>
-              <a:ext uri="{FF2B5EF4-FFF2-40B4-BE49-F238E27FC236}">
-                <a16:creationId xmlns:a16="http://schemas.microsoft.com/office/drawing/2014/main" id="{9BD06989-FD30-A4BD-4097-14EE25BF5A8D}"/>
-              </a:ext>
-            </a:extLst>
-          </p:cNvPr>
-          <p:cNvPicPr>
-            <a:picLocks noChangeAspect="1" noChangeArrowheads="1"/>
-          </p:cNvPicPr>
-          <p:nvPr/>
-        </p:nvPicPr>
-        <p:blipFill>
-          <a:blip r:embed="rId7">
-            <a:extLst>
-              <a:ext uri="{28A0092B-C50C-407E-A947-70E740481C1C}">
-                <a14:useLocalDpi xmlns:a14="http://schemas.microsoft.com/office/drawing/2010/main" val="0"/>
-              </a:ext>
-            </a:extLst>
-          </a:blip>
-          <a:srcRect/>
-          <a:stretch>
-            <a:fillRect/>
-          </a:stretch>
-        </p:blipFill>
-        <p:spPr bwMode="auto">
-          <a:xfrm>
-            <a:off x="5198531" y="2639941"/>
-            <a:ext cx="3660741" cy="2618837"/>
-          </a:xfrm>
-          <a:prstGeom prst="rect">
-            <a:avLst/>
-          </a:prstGeom>
-          <a:noFill/>
-          <a:extLst>
-            <a:ext uri="{909E8E84-426E-40DD-AFC4-6F175D3DCCD1}">
-              <a14:hiddenFill xmlns:a14="http://schemas.microsoft.com/office/drawing/2010/main">
-                <a:solidFill>
-                  <a:srgbClr val="FFFFFF"/>
-                </a:solidFill>
-              </a14:hiddenFill>
-            </a:ext>
-          </a:extLst>
-        </p:spPr>
-      </p:pic>
-      <p:cxnSp>
-        <p:nvCxnSpPr>
-          <p:cNvPr id="14" name="Straight Connector 13">
-            <a:extLst>
-              <a:ext uri="{FF2B5EF4-FFF2-40B4-BE49-F238E27FC236}">
-                <a16:creationId xmlns:a16="http://schemas.microsoft.com/office/drawing/2014/main" id="{F724A2D5-8826-EFD2-134C-E4094FCD102A}"/>
-              </a:ext>
-            </a:extLst>
-          </p:cNvPr>
-          <p:cNvCxnSpPr/>
-          <p:nvPr/>
-        </p:nvCxnSpPr>
-        <p:spPr>
-          <a:xfrm>
-            <a:off x="7594600" y="2328466"/>
-            <a:ext cx="0" cy="2930312"/>
-          </a:xfrm>
-          <a:prstGeom prst="line">
-            <a:avLst/>
-          </a:prstGeom>
-          <a:ln w="19050">
-            <a:solidFill>
-              <a:srgbClr val="C00000"/>
-            </a:solidFill>
-          </a:ln>
-        </p:spPr>
-        <p:style>
-          <a:lnRef idx="1">
-            <a:schemeClr val="accent1"/>
-          </a:lnRef>
-          <a:fillRef idx="0">
-            <a:schemeClr val="accent1"/>
-          </a:fillRef>
-          <a:effectRef idx="0">
-            <a:schemeClr val="accent1"/>
-          </a:effectRef>
-          <a:fontRef idx="minor">
-            <a:schemeClr val="tx1"/>
-          </a:fontRef>
-        </p:style>
-      </p:cxnSp>
+        </p:nvGrpSpPr>
+        <p:grpSpPr>
+          <a:xfrm>
+            <a:off x="5113865" y="974633"/>
+            <a:ext cx="6993469" cy="3114979"/>
+            <a:chOff x="5198531" y="2143800"/>
+            <a:chExt cx="6993469" cy="3114979"/>
+          </a:xfrm>
+        </p:grpSpPr>
+        <p:sp>
+          <p:nvSpPr>
+            <p:cNvPr id="10" name="TextBox 9">
+              <a:extLst>
+                <a:ext uri="{FF2B5EF4-FFF2-40B4-BE49-F238E27FC236}">
+                  <a16:creationId xmlns:a16="http://schemas.microsoft.com/office/drawing/2014/main" id="{6CB92EDC-32FC-797F-05EA-5C3F162CFF80}"/>
+                </a:ext>
+              </a:extLst>
+            </p:cNvPr>
+            <p:cNvSpPr txBox="1"/>
+            <p:nvPr/>
+          </p:nvSpPr>
+          <p:spPr>
+            <a:xfrm>
+              <a:off x="7252475" y="2143800"/>
+              <a:ext cx="3213594" cy="369332"/>
+            </a:xfrm>
+            <a:prstGeom prst="rect">
+              <a:avLst/>
+            </a:prstGeom>
+            <a:noFill/>
+          </p:spPr>
+          <p:txBody>
+            <a:bodyPr wrap="square" rtlCol="0">
+              <a:spAutoFit/>
+            </a:bodyPr>
+            <a:lstStyle/>
+            <a:p>
+              <a:pPr algn="ctr"/>
+              <a:r>
+                <a:rPr lang="en-US" dirty="0"/>
+                <a:t>s = −20e-20</a:t>
+              </a:r>
+            </a:p>
+          </p:txBody>
+        </p:sp>
+        <p:pic>
+          <p:nvPicPr>
+            <p:cNvPr id="2064" name="Picture 16">
+              <a:extLst>
+                <a:ext uri="{FF2B5EF4-FFF2-40B4-BE49-F238E27FC236}">
+                  <a16:creationId xmlns:a16="http://schemas.microsoft.com/office/drawing/2014/main" id="{B90DC5C4-0CF4-F56D-23C8-2AB17DE74EB2}"/>
+                </a:ext>
+              </a:extLst>
+            </p:cNvPr>
+            <p:cNvPicPr>
+              <a:picLocks noChangeAspect="1" noChangeArrowheads="1"/>
+            </p:cNvPicPr>
+            <p:nvPr/>
+          </p:nvPicPr>
+          <p:blipFill>
+            <a:blip r:embed="rId6">
+              <a:extLst>
+                <a:ext uri="{28A0092B-C50C-407E-A947-70E740481C1C}">
+                  <a14:useLocalDpi xmlns:a14="http://schemas.microsoft.com/office/drawing/2010/main" val="0"/>
+                </a:ext>
+              </a:extLst>
+            </a:blip>
+            <a:srcRect/>
+            <a:stretch>
+              <a:fillRect/>
+            </a:stretch>
+          </p:blipFill>
+          <p:spPr bwMode="auto">
+            <a:xfrm>
+              <a:off x="8531260" y="2639942"/>
+              <a:ext cx="3660740" cy="2618837"/>
+            </a:xfrm>
+            <a:prstGeom prst="rect">
+              <a:avLst/>
+            </a:prstGeom>
+            <a:noFill/>
+            <a:extLst>
+              <a:ext uri="{909E8E84-426E-40DD-AFC4-6F175D3DCCD1}">
+                <a14:hiddenFill xmlns:a14="http://schemas.microsoft.com/office/drawing/2010/main">
+                  <a:solidFill>
+                    <a:srgbClr val="FFFFFF"/>
+                  </a:solidFill>
+                </a14:hiddenFill>
+              </a:ext>
+            </a:extLst>
+          </p:spPr>
+        </p:pic>
+        <p:pic>
+          <p:nvPicPr>
+            <p:cNvPr id="2062" name="Picture 14">
+              <a:extLst>
+                <a:ext uri="{FF2B5EF4-FFF2-40B4-BE49-F238E27FC236}">
+                  <a16:creationId xmlns:a16="http://schemas.microsoft.com/office/drawing/2014/main" id="{9BD06989-FD30-A4BD-4097-14EE25BF5A8D}"/>
+                </a:ext>
+              </a:extLst>
+            </p:cNvPr>
+            <p:cNvPicPr>
+              <a:picLocks noChangeAspect="1" noChangeArrowheads="1"/>
+            </p:cNvPicPr>
+            <p:nvPr/>
+          </p:nvPicPr>
+          <p:blipFill>
+            <a:blip r:embed="rId7">
+              <a:extLst>
+                <a:ext uri="{28A0092B-C50C-407E-A947-70E740481C1C}">
+                  <a14:useLocalDpi xmlns:a14="http://schemas.microsoft.com/office/drawing/2010/main" val="0"/>
+                </a:ext>
+              </a:extLst>
+            </a:blip>
+            <a:srcRect/>
+            <a:stretch>
+              <a:fillRect/>
+            </a:stretch>
+          </p:blipFill>
+          <p:spPr bwMode="auto">
+            <a:xfrm>
+              <a:off x="5198531" y="2639941"/>
+              <a:ext cx="3660741" cy="2618837"/>
+            </a:xfrm>
+            <a:prstGeom prst="rect">
+              <a:avLst/>
+            </a:prstGeom>
+            <a:noFill/>
+            <a:extLst>
+              <a:ext uri="{909E8E84-426E-40DD-AFC4-6F175D3DCCD1}">
+                <a14:hiddenFill xmlns:a14="http://schemas.microsoft.com/office/drawing/2010/main">
+                  <a:solidFill>
+                    <a:srgbClr val="FFFFFF"/>
+                  </a:solidFill>
+                </a14:hiddenFill>
+              </a:ext>
+            </a:extLst>
+          </p:spPr>
+        </p:pic>
+        <p:cxnSp>
+          <p:nvCxnSpPr>
+            <p:cNvPr id="14" name="Straight Connector 13">
+              <a:extLst>
+                <a:ext uri="{FF2B5EF4-FFF2-40B4-BE49-F238E27FC236}">
+                  <a16:creationId xmlns:a16="http://schemas.microsoft.com/office/drawing/2014/main" id="{F724A2D5-8826-EFD2-134C-E4094FCD102A}"/>
+                </a:ext>
+              </a:extLst>
+            </p:cNvPr>
+            <p:cNvCxnSpPr/>
+            <p:nvPr/>
+          </p:nvCxnSpPr>
+          <p:spPr>
+            <a:xfrm>
+              <a:off x="7594600" y="2328466"/>
+              <a:ext cx="0" cy="2930312"/>
+            </a:xfrm>
+            <a:prstGeom prst="line">
+              <a:avLst/>
+            </a:prstGeom>
+            <a:ln w="19050">
+              <a:solidFill>
+                <a:srgbClr val="C00000"/>
+              </a:solidFill>
+            </a:ln>
+          </p:spPr>
+          <p:style>
+            <a:lnRef idx="1">
+              <a:schemeClr val="accent1"/>
+            </a:lnRef>
+            <a:fillRef idx="0">
+              <a:schemeClr val="accent1"/>
+            </a:fillRef>
+            <a:effectRef idx="0">
+              <a:schemeClr val="accent1"/>
+            </a:effectRef>
+            <a:fontRef idx="minor">
+              <a:schemeClr val="tx1"/>
+            </a:fontRef>
+          </p:style>
+        </p:cxnSp>
+      </p:grpSp>
     </p:spTree>
     <p:extLst>
       <p:ext uri="{BB962C8B-B14F-4D97-AF65-F5344CB8AC3E}">
@@ -5318,6 +5340,539 @@
 </file>
 
 <file path=ppt/slides/slide15.xml><?xml version="1.0" encoding="utf-8"?>
+<p:sld xmlns:a="http://schemas.openxmlformats.org/drawingml/2006/main" xmlns:r="http://schemas.openxmlformats.org/officeDocument/2006/relationships" xmlns:p="http://schemas.openxmlformats.org/presentationml/2006/main">
+  <p:cSld>
+    <p:spTree>
+      <p:nvGrpSpPr>
+        <p:cNvPr id="1" name="">
+          <a:extLst>
+            <a:ext uri="{FF2B5EF4-FFF2-40B4-BE49-F238E27FC236}">
+              <a16:creationId xmlns:a16="http://schemas.microsoft.com/office/drawing/2014/main" id="{F2C427B7-831A-502E-BD6D-0D7F0BCBB797}"/>
+            </a:ext>
+          </a:extLst>
+        </p:cNvPr>
+        <p:cNvGrpSpPr/>
+        <p:nvPr/>
+      </p:nvGrpSpPr>
+      <p:grpSpPr>
+        <a:xfrm>
+          <a:off x="0" y="0"/>
+          <a:ext cx="0" cy="0"/>
+          <a:chOff x="0" y="0"/>
+          <a:chExt cx="0" cy="0"/>
+        </a:xfrm>
+      </p:grpSpPr>
+      <p:pic>
+        <p:nvPicPr>
+          <p:cNvPr id="2066" name="Picture 18">
+            <a:extLst>
+              <a:ext uri="{FF2B5EF4-FFF2-40B4-BE49-F238E27FC236}">
+                <a16:creationId xmlns:a16="http://schemas.microsoft.com/office/drawing/2014/main" id="{E061C75F-C17C-6FA7-8F92-CE6269D5EFD8}"/>
+              </a:ext>
+            </a:extLst>
+          </p:cNvPr>
+          <p:cNvPicPr>
+            <a:picLocks noChangeAspect="1" noChangeArrowheads="1"/>
+          </p:cNvPicPr>
+          <p:nvPr/>
+        </p:nvPicPr>
+        <p:blipFill>
+          <a:blip r:embed="rId2">
+            <a:extLst>
+              <a:ext uri="{28A0092B-C50C-407E-A947-70E740481C1C}">
+                <a14:useLocalDpi xmlns:a14="http://schemas.microsoft.com/office/drawing/2010/main" val="0"/>
+              </a:ext>
+            </a:extLst>
+          </a:blip>
+          <a:srcRect/>
+          <a:stretch>
+            <a:fillRect/>
+          </a:stretch>
+        </p:blipFill>
+        <p:spPr bwMode="auto">
+          <a:xfrm>
+            <a:off x="1116873" y="1418133"/>
+            <a:ext cx="2016822" cy="1440587"/>
+          </a:xfrm>
+          <a:prstGeom prst="rect">
+            <a:avLst/>
+          </a:prstGeom>
+          <a:noFill/>
+          <a:extLst>
+            <a:ext uri="{909E8E84-426E-40DD-AFC4-6F175D3DCCD1}">
+              <a14:hiddenFill xmlns:a14="http://schemas.microsoft.com/office/drawing/2010/main">
+                <a:solidFill>
+                  <a:srgbClr val="FFFFFF"/>
+                </a:solidFill>
+              </a14:hiddenFill>
+            </a:ext>
+          </a:extLst>
+        </p:spPr>
+      </p:pic>
+      <p:pic>
+        <p:nvPicPr>
+          <p:cNvPr id="2060" name="Picture 12">
+            <a:extLst>
+              <a:ext uri="{FF2B5EF4-FFF2-40B4-BE49-F238E27FC236}">
+                <a16:creationId xmlns:a16="http://schemas.microsoft.com/office/drawing/2014/main" id="{F11BF033-B64E-684A-4305-C26F2F320469}"/>
+              </a:ext>
+            </a:extLst>
+          </p:cNvPr>
+          <p:cNvPicPr>
+            <a:picLocks noChangeAspect="1" noChangeArrowheads="1"/>
+          </p:cNvPicPr>
+          <p:nvPr/>
+        </p:nvPicPr>
+        <p:blipFill>
+          <a:blip r:embed="rId3">
+            <a:extLst>
+              <a:ext uri="{28A0092B-C50C-407E-A947-70E740481C1C}">
+                <a14:useLocalDpi xmlns:a14="http://schemas.microsoft.com/office/drawing/2010/main" val="0"/>
+              </a:ext>
+            </a:extLst>
+          </a:blip>
+          <a:srcRect/>
+          <a:stretch>
+            <a:fillRect/>
+          </a:stretch>
+        </p:blipFill>
+        <p:spPr bwMode="auto">
+          <a:xfrm>
+            <a:off x="1116874" y="2760854"/>
+            <a:ext cx="2016821" cy="1440587"/>
+          </a:xfrm>
+          <a:prstGeom prst="rect">
+            <a:avLst/>
+          </a:prstGeom>
+          <a:noFill/>
+          <a:extLst>
+            <a:ext uri="{909E8E84-426E-40DD-AFC4-6F175D3DCCD1}">
+              <a14:hiddenFill xmlns:a14="http://schemas.microsoft.com/office/drawing/2010/main">
+                <a:solidFill>
+                  <a:srgbClr val="FFFFFF"/>
+                </a:solidFill>
+              </a14:hiddenFill>
+            </a:ext>
+          </a:extLst>
+        </p:spPr>
+      </p:pic>
+      <p:sp>
+        <p:nvSpPr>
+          <p:cNvPr id="2" name="Title 1">
+            <a:extLst>
+              <a:ext uri="{FF2B5EF4-FFF2-40B4-BE49-F238E27FC236}">
+                <a16:creationId xmlns:a16="http://schemas.microsoft.com/office/drawing/2014/main" id="{C628C490-9822-0282-F834-C6D8A233956F}"/>
+              </a:ext>
+            </a:extLst>
+          </p:cNvPr>
+          <p:cNvSpPr>
+            <a:spLocks noGrp="1"/>
+          </p:cNvSpPr>
+          <p:nvPr>
+            <p:ph type="title"/>
+          </p:nvPr>
+        </p:nvSpPr>
+        <p:spPr/>
+        <p:txBody>
+          <a:bodyPr/>
+          <a:lstStyle/>
+          <a:p>
+            <a:r>
+              <a:rPr lang="en-US" dirty="0"/>
+              <a:t>Uneven grid (Lx, right)</a:t>
+            </a:r>
+          </a:p>
+        </p:txBody>
+      </p:sp>
+      <p:sp>
+        <p:nvSpPr>
+          <p:cNvPr id="3" name="Slide Number Placeholder 2">
+            <a:extLst>
+              <a:ext uri="{FF2B5EF4-FFF2-40B4-BE49-F238E27FC236}">
+                <a16:creationId xmlns:a16="http://schemas.microsoft.com/office/drawing/2014/main" id="{3E7A7FC9-1511-4948-8B25-372C0B8A71FB}"/>
+              </a:ext>
+            </a:extLst>
+          </p:cNvPr>
+          <p:cNvSpPr>
+            <a:spLocks noGrp="1"/>
+          </p:cNvSpPr>
+          <p:nvPr>
+            <p:ph type="sldNum" sz="quarter" idx="12"/>
+          </p:nvPr>
+        </p:nvSpPr>
+        <p:spPr/>
+        <p:txBody>
+          <a:bodyPr/>
+          <a:lstStyle/>
+          <a:p>
+            <a:fld id="{5911C0E6-D9CE-431C-92CB-BB39B872F930}" type="slidenum">
+              <a:rPr lang="en-US" smtClean="0"/>
+              <a:t>15</a:t>
+            </a:fld>
+            <a:endParaRPr lang="en-US"/>
+          </a:p>
+        </p:txBody>
+      </p:sp>
+      <p:pic>
+        <p:nvPicPr>
+          <p:cNvPr id="2056" name="Picture 8">
+            <a:extLst>
+              <a:ext uri="{FF2B5EF4-FFF2-40B4-BE49-F238E27FC236}">
+                <a16:creationId xmlns:a16="http://schemas.microsoft.com/office/drawing/2014/main" id="{312FF390-BC33-01FE-CA7B-1E25146BEBFC}"/>
+              </a:ext>
+            </a:extLst>
+          </p:cNvPr>
+          <p:cNvPicPr>
+            <a:picLocks noChangeAspect="1" noChangeArrowheads="1"/>
+          </p:cNvPicPr>
+          <p:nvPr/>
+        </p:nvPicPr>
+        <p:blipFill>
+          <a:blip r:embed="rId4">
+            <a:extLst>
+              <a:ext uri="{28A0092B-C50C-407E-A947-70E740481C1C}">
+                <a14:useLocalDpi xmlns:a14="http://schemas.microsoft.com/office/drawing/2010/main" val="0"/>
+              </a:ext>
+            </a:extLst>
+          </a:blip>
+          <a:srcRect/>
+          <a:stretch>
+            <a:fillRect/>
+          </a:stretch>
+        </p:blipFill>
+        <p:spPr bwMode="auto">
+          <a:xfrm>
+            <a:off x="1116875" y="4089612"/>
+            <a:ext cx="2016820" cy="1440586"/>
+          </a:xfrm>
+          <a:prstGeom prst="rect">
+            <a:avLst/>
+          </a:prstGeom>
+          <a:noFill/>
+          <a:extLst>
+            <a:ext uri="{909E8E84-426E-40DD-AFC4-6F175D3DCCD1}">
+              <a14:hiddenFill xmlns:a14="http://schemas.microsoft.com/office/drawing/2010/main">
+                <a:solidFill>
+                  <a:srgbClr val="FFFFFF"/>
+                </a:solidFill>
+              </a14:hiddenFill>
+            </a:ext>
+          </a:extLst>
+        </p:spPr>
+      </p:pic>
+      <p:pic>
+        <p:nvPicPr>
+          <p:cNvPr id="2058" name="Picture 10">
+            <a:extLst>
+              <a:ext uri="{FF2B5EF4-FFF2-40B4-BE49-F238E27FC236}">
+                <a16:creationId xmlns:a16="http://schemas.microsoft.com/office/drawing/2014/main" id="{10D42DD2-A83D-AFEE-750F-B62A88102965}"/>
+              </a:ext>
+            </a:extLst>
+          </p:cNvPr>
+          <p:cNvPicPr>
+            <a:picLocks noChangeAspect="1" noChangeArrowheads="1"/>
+          </p:cNvPicPr>
+          <p:nvPr/>
+        </p:nvPicPr>
+        <p:blipFill>
+          <a:blip r:embed="rId5">
+            <a:extLst>
+              <a:ext uri="{28A0092B-C50C-407E-A947-70E740481C1C}">
+                <a14:useLocalDpi xmlns:a14="http://schemas.microsoft.com/office/drawing/2010/main" val="0"/>
+              </a:ext>
+            </a:extLst>
+          </a:blip>
+          <a:srcRect/>
+          <a:stretch>
+            <a:fillRect/>
+          </a:stretch>
+        </p:blipFill>
+        <p:spPr bwMode="auto">
+          <a:xfrm>
+            <a:off x="1116877" y="5417414"/>
+            <a:ext cx="2016820" cy="1440586"/>
+          </a:xfrm>
+          <a:prstGeom prst="rect">
+            <a:avLst/>
+          </a:prstGeom>
+          <a:noFill/>
+          <a:extLst>
+            <a:ext uri="{909E8E84-426E-40DD-AFC4-6F175D3DCCD1}">
+              <a14:hiddenFill xmlns:a14="http://schemas.microsoft.com/office/drawing/2010/main">
+                <a:solidFill>
+                  <a:srgbClr val="FFFFFF"/>
+                </a:solidFill>
+              </a14:hiddenFill>
+            </a:ext>
+          </a:extLst>
+        </p:spPr>
+      </p:pic>
+      <p:sp>
+        <p:nvSpPr>
+          <p:cNvPr id="4" name="TextBox 3">
+            <a:extLst>
+              <a:ext uri="{FF2B5EF4-FFF2-40B4-BE49-F238E27FC236}">
+                <a16:creationId xmlns:a16="http://schemas.microsoft.com/office/drawing/2014/main" id="{C5FE713C-DE14-86E9-0794-012B044AC44C}"/>
+              </a:ext>
+            </a:extLst>
+          </p:cNvPr>
+          <p:cNvSpPr txBox="1"/>
+          <p:nvPr/>
+        </p:nvSpPr>
+        <p:spPr>
+          <a:xfrm>
+            <a:off x="101600" y="3204148"/>
+            <a:ext cx="1109762" cy="369332"/>
+          </a:xfrm>
+          <a:prstGeom prst="rect">
+            <a:avLst/>
+          </a:prstGeom>
+          <a:noFill/>
+        </p:spPr>
+        <p:txBody>
+          <a:bodyPr wrap="square" rtlCol="0">
+            <a:spAutoFit/>
+          </a:bodyPr>
+          <a:lstStyle/>
+          <a:p>
+            <a:pPr algn="ctr"/>
+            <a:r>
+              <a:rPr lang="en-US" dirty="0"/>
+              <a:t>L = 100</a:t>
+            </a:r>
+          </a:p>
+        </p:txBody>
+      </p:sp>
+      <p:sp>
+        <p:nvSpPr>
+          <p:cNvPr id="5" name="TextBox 4">
+            <a:extLst>
+              <a:ext uri="{FF2B5EF4-FFF2-40B4-BE49-F238E27FC236}">
+                <a16:creationId xmlns:a16="http://schemas.microsoft.com/office/drawing/2014/main" id="{405457FB-153D-2D18-B8E0-BCF76D4214C1}"/>
+              </a:ext>
+            </a:extLst>
+          </p:cNvPr>
+          <p:cNvSpPr txBox="1"/>
+          <p:nvPr/>
+        </p:nvSpPr>
+        <p:spPr>
+          <a:xfrm>
+            <a:off x="101600" y="4568369"/>
+            <a:ext cx="1109762" cy="369332"/>
+          </a:xfrm>
+          <a:prstGeom prst="rect">
+            <a:avLst/>
+          </a:prstGeom>
+          <a:noFill/>
+        </p:spPr>
+        <p:txBody>
+          <a:bodyPr wrap="square" rtlCol="0">
+            <a:spAutoFit/>
+          </a:bodyPr>
+          <a:lstStyle/>
+          <a:p>
+            <a:pPr algn="ctr"/>
+            <a:r>
+              <a:rPr lang="en-US" dirty="0"/>
+              <a:t>L = 101</a:t>
+            </a:r>
+          </a:p>
+        </p:txBody>
+      </p:sp>
+      <p:sp>
+        <p:nvSpPr>
+          <p:cNvPr id="6" name="TextBox 5">
+            <a:extLst>
+              <a:ext uri="{FF2B5EF4-FFF2-40B4-BE49-F238E27FC236}">
+                <a16:creationId xmlns:a16="http://schemas.microsoft.com/office/drawing/2014/main" id="{E918215F-E6D1-1CD6-F5CD-C3125D2C6F5F}"/>
+              </a:ext>
+            </a:extLst>
+          </p:cNvPr>
+          <p:cNvSpPr txBox="1"/>
+          <p:nvPr/>
+        </p:nvSpPr>
+        <p:spPr>
+          <a:xfrm>
+            <a:off x="101600" y="5840976"/>
+            <a:ext cx="1109762" cy="369332"/>
+          </a:xfrm>
+          <a:prstGeom prst="rect">
+            <a:avLst/>
+          </a:prstGeom>
+          <a:noFill/>
+        </p:spPr>
+        <p:txBody>
+          <a:bodyPr wrap="square" rtlCol="0">
+            <a:spAutoFit/>
+          </a:bodyPr>
+          <a:lstStyle/>
+          <a:p>
+            <a:pPr algn="ctr"/>
+            <a:r>
+              <a:rPr lang="en-US" dirty="0"/>
+              <a:t>L = 110</a:t>
+            </a:r>
+          </a:p>
+        </p:txBody>
+      </p:sp>
+      <p:sp>
+        <p:nvSpPr>
+          <p:cNvPr id="7" name="TextBox 6">
+            <a:extLst>
+              <a:ext uri="{FF2B5EF4-FFF2-40B4-BE49-F238E27FC236}">
+                <a16:creationId xmlns:a16="http://schemas.microsoft.com/office/drawing/2014/main" id="{F6723146-A752-C947-F39A-268B97D6546D}"/>
+              </a:ext>
+            </a:extLst>
+          </p:cNvPr>
+          <p:cNvSpPr txBox="1"/>
+          <p:nvPr/>
+        </p:nvSpPr>
+        <p:spPr>
+          <a:xfrm>
+            <a:off x="3365486" y="3204148"/>
+            <a:ext cx="1109762" cy="369332"/>
+          </a:xfrm>
+          <a:prstGeom prst="rect">
+            <a:avLst/>
+          </a:prstGeom>
+          <a:noFill/>
+        </p:spPr>
+        <p:txBody>
+          <a:bodyPr wrap="square" rtlCol="0">
+            <a:spAutoFit/>
+          </a:bodyPr>
+          <a:lstStyle/>
+          <a:p>
+            <a:pPr algn="ctr"/>
+            <a:r>
+              <a:rPr lang="en-US" dirty="0"/>
+              <a:t>Original</a:t>
+            </a:r>
+          </a:p>
+        </p:txBody>
+      </p:sp>
+      <p:sp>
+        <p:nvSpPr>
+          <p:cNvPr id="8" name="TextBox 7">
+            <a:extLst>
+              <a:ext uri="{FF2B5EF4-FFF2-40B4-BE49-F238E27FC236}">
+                <a16:creationId xmlns:a16="http://schemas.microsoft.com/office/drawing/2014/main" id="{39179A5E-92EE-BC0D-08CE-182AFC392093}"/>
+              </a:ext>
+            </a:extLst>
+          </p:cNvPr>
+          <p:cNvSpPr txBox="1"/>
+          <p:nvPr/>
+        </p:nvSpPr>
+        <p:spPr>
+          <a:xfrm>
+            <a:off x="3267227" y="4429869"/>
+            <a:ext cx="1400023" cy="646331"/>
+          </a:xfrm>
+          <a:prstGeom prst="rect">
+            <a:avLst/>
+          </a:prstGeom>
+          <a:noFill/>
+        </p:spPr>
+        <p:txBody>
+          <a:bodyPr wrap="square" rtlCol="0">
+            <a:spAutoFit/>
+          </a:bodyPr>
+          <a:lstStyle/>
+          <a:p>
+            <a:pPr algn="ctr"/>
+            <a:r>
+              <a:rPr lang="en-US" dirty="0"/>
+              <a:t>Extend right (evenly)</a:t>
+            </a:r>
+          </a:p>
+        </p:txBody>
+      </p:sp>
+      <p:sp>
+        <p:nvSpPr>
+          <p:cNvPr id="11" name="TextBox 10">
+            <a:extLst>
+              <a:ext uri="{FF2B5EF4-FFF2-40B4-BE49-F238E27FC236}">
+                <a16:creationId xmlns:a16="http://schemas.microsoft.com/office/drawing/2014/main" id="{B7093B4A-16B4-6D86-E88E-86553260D17A}"/>
+              </a:ext>
+            </a:extLst>
+          </p:cNvPr>
+          <p:cNvSpPr txBox="1"/>
+          <p:nvPr/>
+        </p:nvSpPr>
+        <p:spPr>
+          <a:xfrm>
+            <a:off x="101600" y="1934402"/>
+            <a:ext cx="1109762" cy="369332"/>
+          </a:xfrm>
+          <a:prstGeom prst="rect">
+            <a:avLst/>
+          </a:prstGeom>
+          <a:noFill/>
+        </p:spPr>
+        <p:txBody>
+          <a:bodyPr wrap="square" rtlCol="0">
+            <a:spAutoFit/>
+          </a:bodyPr>
+          <a:lstStyle/>
+          <a:p>
+            <a:pPr algn="ctr"/>
+            <a:r>
+              <a:rPr lang="en-US" dirty="0"/>
+              <a:t>L = 99</a:t>
+            </a:r>
+          </a:p>
+        </p:txBody>
+      </p:sp>
+      <p:sp>
+        <p:nvSpPr>
+          <p:cNvPr id="12" name="TextBox 11">
+            <a:extLst>
+              <a:ext uri="{FF2B5EF4-FFF2-40B4-BE49-F238E27FC236}">
+                <a16:creationId xmlns:a16="http://schemas.microsoft.com/office/drawing/2014/main" id="{F72917ED-6D01-1C14-24C9-D84D5E76F117}"/>
+              </a:ext>
+            </a:extLst>
+          </p:cNvPr>
+          <p:cNvSpPr txBox="1"/>
+          <p:nvPr/>
+        </p:nvSpPr>
+        <p:spPr>
+          <a:xfrm>
+            <a:off x="3365486" y="1885734"/>
+            <a:ext cx="1301764" cy="646331"/>
+          </a:xfrm>
+          <a:prstGeom prst="rect">
+            <a:avLst/>
+          </a:prstGeom>
+          <a:noFill/>
+        </p:spPr>
+        <p:txBody>
+          <a:bodyPr wrap="square" rtlCol="0">
+            <a:spAutoFit/>
+          </a:bodyPr>
+          <a:lstStyle/>
+          <a:p>
+            <a:pPr algn="ctr"/>
+            <a:r>
+              <a:rPr lang="en-US" dirty="0"/>
+              <a:t>Chop from right</a:t>
+            </a:r>
+          </a:p>
+        </p:txBody>
+      </p:sp>
+    </p:spTree>
+    <p:extLst>
+      <p:ext uri="{BB962C8B-B14F-4D97-AF65-F5344CB8AC3E}">
+        <p14:creationId xmlns:p14="http://schemas.microsoft.com/office/powerpoint/2010/main" val="2267607462"/>
+      </p:ext>
+    </p:extLst>
+  </p:cSld>
+  <p:clrMapOvr>
+    <a:masterClrMapping/>
+  </p:clrMapOvr>
+</p:sld>
+</file>
+
+<file path=ppt/slides/slide16.xml><?xml version="1.0" encoding="utf-8"?>
 <p:sld xmlns:a="http://schemas.openxmlformats.org/drawingml/2006/main" xmlns:r="http://schemas.openxmlformats.org/officeDocument/2006/relationships" xmlns:p="http://schemas.openxmlformats.org/presentationml/2006/main">
   <p:cSld>
     <p:spTree>
@@ -5392,7 +5947,7 @@
           <a:p>
             <a:fld id="{5911C0E6-D9CE-431C-92CB-BB39B872F930}" type="slidenum">
               <a:rPr lang="en-US" smtClean="0"/>
-              <a:t>15</a:t>
+              <a:t>16</a:t>
             </a:fld>
             <a:endParaRPr lang="en-US"/>
           </a:p>
@@ -5412,7 +5967,7 @@
         </p:nvGrpSpPr>
         <p:grpSpPr>
           <a:xfrm>
-            <a:off x="0" y="1121187"/>
+            <a:off x="38100" y="1216437"/>
             <a:ext cx="4043015" cy="5029791"/>
             <a:chOff x="2594" y="1399811"/>
             <a:chExt cx="4043015" cy="5029791"/>
@@ -5678,7 +6233,7 @@
         </p:nvGrpSpPr>
         <p:grpSpPr>
           <a:xfrm>
-            <a:off x="4032749" y="1121187"/>
+            <a:off x="4070849" y="1216437"/>
             <a:ext cx="4043016" cy="5040230"/>
             <a:chOff x="4005811" y="1396741"/>
             <a:chExt cx="4043016" cy="5040230"/>
@@ -5944,7 +6499,7 @@
         </p:nvGrpSpPr>
         <p:grpSpPr>
           <a:xfrm>
-            <a:off x="8025297" y="1156292"/>
+            <a:off x="8063397" y="1251542"/>
             <a:ext cx="4043016" cy="5015524"/>
             <a:chOff x="8025028" y="1399811"/>
             <a:chExt cx="4043016" cy="5015524"/>

--- a/NAF.pptx
+++ b/NAF.pptx
@@ -4897,7 +4897,7 @@
         <p:spPr>
           <a:xfrm>
             <a:off x="101600" y="3204148"/>
-            <a:ext cx="1109762" cy="369332"/>
+            <a:ext cx="1109762" cy="646331"/>
           </a:xfrm>
           <a:prstGeom prst="rect">
             <a:avLst/>
@@ -4916,6 +4916,13 @@
               <a:t>L = 100</a:t>
             </a:r>
           </a:p>
+          <a:p>
+            <a:pPr algn="ctr"/>
+            <a:r>
+              <a:rPr lang="en-US" dirty="0"/>
+              <a:t>(N=1000)</a:t>
+            </a:r>
+          </a:p>
         </p:txBody>
       </p:sp>
       <p:sp>
@@ -4933,7 +4940,7 @@
         <p:spPr>
           <a:xfrm>
             <a:off x="101600" y="4568369"/>
-            <a:ext cx="1109762" cy="369332"/>
+            <a:ext cx="1109762" cy="646331"/>
           </a:xfrm>
           <a:prstGeom prst="rect">
             <a:avLst/>
@@ -4952,6 +4959,13 @@
               <a:t>L = 200</a:t>
             </a:r>
           </a:p>
+          <a:p>
+            <a:pPr algn="ctr"/>
+            <a:r>
+              <a:rPr lang="en-US" dirty="0"/>
+              <a:t>(N=1471)</a:t>
+            </a:r>
+          </a:p>
         </p:txBody>
       </p:sp>
       <p:sp>
@@ -4969,7 +4983,7 @@
         <p:spPr>
           <a:xfrm>
             <a:off x="101600" y="5840976"/>
-            <a:ext cx="1109762" cy="369332"/>
+            <a:ext cx="1109762" cy="646331"/>
           </a:xfrm>
           <a:prstGeom prst="rect">
             <a:avLst/>
@@ -4988,6 +5002,13 @@
               <a:t>L = 500</a:t>
             </a:r>
           </a:p>
+          <a:p>
+            <a:pPr algn="ctr"/>
+            <a:r>
+              <a:rPr lang="en-US" dirty="0"/>
+              <a:t>(N=2884)</a:t>
+            </a:r>
+          </a:p>
         </p:txBody>
       </p:sp>
       <p:sp>
@@ -5077,7 +5098,7 @@
         <p:spPr>
           <a:xfrm>
             <a:off x="101600" y="1934402"/>
-            <a:ext cx="1109762" cy="369332"/>
+            <a:ext cx="1109762" cy="646331"/>
           </a:xfrm>
           <a:prstGeom prst="rect">
             <a:avLst/>
@@ -5096,6 +5117,13 @@
               <a:t>L = 50</a:t>
             </a:r>
           </a:p>
+          <a:p>
+            <a:pPr algn="ctr"/>
+            <a:r>
+              <a:rPr lang="en-US" dirty="0"/>
+              <a:t>(N=764)</a:t>
+            </a:r>
+          </a:p>
         </p:txBody>
       </p:sp>
       <p:sp>
@@ -5136,10 +5164,10 @@
       </p:sp>
       <p:grpSp>
         <p:nvGrpSpPr>
-          <p:cNvPr id="9" name="Group 8">
-            <a:extLst>
-              <a:ext uri="{FF2B5EF4-FFF2-40B4-BE49-F238E27FC236}">
-                <a16:creationId xmlns:a16="http://schemas.microsoft.com/office/drawing/2014/main" id="{6287314B-6AB7-763B-AB37-22318898F823}"/>
+          <p:cNvPr id="15" name="Group 14">
+            <a:extLst>
+              <a:ext uri="{FF2B5EF4-FFF2-40B4-BE49-F238E27FC236}">
+                <a16:creationId xmlns:a16="http://schemas.microsoft.com/office/drawing/2014/main" id="{9E4D3A00-289D-6224-45D4-B44A9531AD50}"/>
               </a:ext>
             </a:extLst>
           </p:cNvPr>
@@ -5148,183 +5176,215 @@
         </p:nvGrpSpPr>
         <p:grpSpPr>
           <a:xfrm>
-            <a:off x="5113865" y="974633"/>
+            <a:off x="5028140" y="2208899"/>
             <a:ext cx="6993469" cy="3114979"/>
-            <a:chOff x="5198531" y="2143800"/>
+            <a:chOff x="5028140" y="2208899"/>
             <a:chExt cx="6993469" cy="3114979"/>
           </a:xfrm>
         </p:grpSpPr>
-        <p:sp>
-          <p:nvSpPr>
-            <p:cNvPr id="10" name="TextBox 9">
+        <p:grpSp>
+          <p:nvGrpSpPr>
+            <p:cNvPr id="9" name="Group 8">
               <a:extLst>
                 <a:ext uri="{FF2B5EF4-FFF2-40B4-BE49-F238E27FC236}">
-                  <a16:creationId xmlns:a16="http://schemas.microsoft.com/office/drawing/2014/main" id="{6CB92EDC-32FC-797F-05EA-5C3F162CFF80}"/>
+                  <a16:creationId xmlns:a16="http://schemas.microsoft.com/office/drawing/2014/main" id="{6287314B-6AB7-763B-AB37-22318898F823}"/>
                 </a:ext>
               </a:extLst>
             </p:cNvPr>
-            <p:cNvSpPr txBox="1"/>
+            <p:cNvGrpSpPr/>
+            <p:nvPr/>
+          </p:nvGrpSpPr>
+          <p:grpSpPr>
+            <a:xfrm>
+              <a:off x="5028140" y="2208899"/>
+              <a:ext cx="6993469" cy="3114979"/>
+              <a:chOff x="5198531" y="2143800"/>
+              <a:chExt cx="6993469" cy="3114979"/>
+            </a:xfrm>
+          </p:grpSpPr>
+          <p:sp>
+            <p:nvSpPr>
+              <p:cNvPr id="10" name="TextBox 9">
+                <a:extLst>
+                  <a:ext uri="{FF2B5EF4-FFF2-40B4-BE49-F238E27FC236}">
+                    <a16:creationId xmlns:a16="http://schemas.microsoft.com/office/drawing/2014/main" id="{6CB92EDC-32FC-797F-05EA-5C3F162CFF80}"/>
+                  </a:ext>
+                </a:extLst>
+              </p:cNvPr>
+              <p:cNvSpPr txBox="1"/>
+              <p:nvPr/>
+            </p:nvSpPr>
+            <p:spPr>
+              <a:xfrm>
+                <a:off x="7252475" y="2143800"/>
+                <a:ext cx="3213594" cy="369332"/>
+              </a:xfrm>
+              <a:prstGeom prst="rect">
+                <a:avLst/>
+              </a:prstGeom>
+              <a:noFill/>
+            </p:spPr>
+            <p:txBody>
+              <a:bodyPr wrap="square" rtlCol="0">
+                <a:spAutoFit/>
+              </a:bodyPr>
+              <a:lstStyle/>
+              <a:p>
+                <a:pPr algn="ctr"/>
+                <a:r>
+                  <a:rPr lang="en-US" dirty="0"/>
+                  <a:t>s = −20e-20</a:t>
+                </a:r>
+              </a:p>
+            </p:txBody>
+          </p:sp>
+          <p:pic>
+            <p:nvPicPr>
+              <p:cNvPr id="2064" name="Picture 16">
+                <a:extLst>
+                  <a:ext uri="{FF2B5EF4-FFF2-40B4-BE49-F238E27FC236}">
+                    <a16:creationId xmlns:a16="http://schemas.microsoft.com/office/drawing/2014/main" id="{B90DC5C4-0CF4-F56D-23C8-2AB17DE74EB2}"/>
+                  </a:ext>
+                </a:extLst>
+              </p:cNvPr>
+              <p:cNvPicPr>
+                <a:picLocks noChangeAspect="1" noChangeArrowheads="1"/>
+              </p:cNvPicPr>
+              <p:nvPr/>
+            </p:nvPicPr>
+            <p:blipFill>
+              <a:blip r:embed="rId6">
+                <a:extLst>
+                  <a:ext uri="{28A0092B-C50C-407E-A947-70E740481C1C}">
+                    <a14:useLocalDpi xmlns:a14="http://schemas.microsoft.com/office/drawing/2010/main" val="0"/>
+                  </a:ext>
+                </a:extLst>
+              </a:blip>
+              <a:srcRect/>
+              <a:stretch>
+                <a:fillRect/>
+              </a:stretch>
+            </p:blipFill>
+            <p:spPr bwMode="auto">
+              <a:xfrm>
+                <a:off x="8531260" y="2639942"/>
+                <a:ext cx="3660740" cy="2618837"/>
+              </a:xfrm>
+              <a:prstGeom prst="rect">
+                <a:avLst/>
+              </a:prstGeom>
+              <a:noFill/>
+              <a:extLst>
+                <a:ext uri="{909E8E84-426E-40DD-AFC4-6F175D3DCCD1}">
+                  <a14:hiddenFill xmlns:a14="http://schemas.microsoft.com/office/drawing/2010/main">
+                    <a:solidFill>
+                      <a:srgbClr val="FFFFFF"/>
+                    </a:solidFill>
+                  </a14:hiddenFill>
+                </a:ext>
+              </a:extLst>
+            </p:spPr>
+          </p:pic>
+          <p:pic>
+            <p:nvPicPr>
+              <p:cNvPr id="2062" name="Picture 14">
+                <a:extLst>
+                  <a:ext uri="{FF2B5EF4-FFF2-40B4-BE49-F238E27FC236}">
+                    <a16:creationId xmlns:a16="http://schemas.microsoft.com/office/drawing/2014/main" id="{9BD06989-FD30-A4BD-4097-14EE25BF5A8D}"/>
+                  </a:ext>
+                </a:extLst>
+              </p:cNvPr>
+              <p:cNvPicPr>
+                <a:picLocks noChangeAspect="1" noChangeArrowheads="1"/>
+              </p:cNvPicPr>
+              <p:nvPr/>
+            </p:nvPicPr>
+            <p:blipFill>
+              <a:blip r:embed="rId7">
+                <a:extLst>
+                  <a:ext uri="{28A0092B-C50C-407E-A947-70E740481C1C}">
+                    <a14:useLocalDpi xmlns:a14="http://schemas.microsoft.com/office/drawing/2010/main" val="0"/>
+                  </a:ext>
+                </a:extLst>
+              </a:blip>
+              <a:srcRect/>
+              <a:stretch>
+                <a:fillRect/>
+              </a:stretch>
+            </p:blipFill>
+            <p:spPr bwMode="auto">
+              <a:xfrm>
+                <a:off x="5198531" y="2639941"/>
+                <a:ext cx="3660741" cy="2618837"/>
+              </a:xfrm>
+              <a:prstGeom prst="rect">
+                <a:avLst/>
+              </a:prstGeom>
+              <a:noFill/>
+              <a:extLst>
+                <a:ext uri="{909E8E84-426E-40DD-AFC4-6F175D3DCCD1}">
+                  <a14:hiddenFill xmlns:a14="http://schemas.microsoft.com/office/drawing/2010/main">
+                    <a:solidFill>
+                      <a:srgbClr val="FFFFFF"/>
+                    </a:solidFill>
+                  </a14:hiddenFill>
+                </a:ext>
+              </a:extLst>
+            </p:spPr>
+          </p:pic>
+        </p:grpSp>
+        <p:sp>
+          <p:nvSpPr>
+            <p:cNvPr id="13" name="Rectangle 12">
+              <a:extLst>
+                <a:ext uri="{FF2B5EF4-FFF2-40B4-BE49-F238E27FC236}">
+                  <a16:creationId xmlns:a16="http://schemas.microsoft.com/office/drawing/2014/main" id="{05765789-B611-2B7D-959D-B48B72E7302A}"/>
+                </a:ext>
+              </a:extLst>
+            </p:cNvPr>
+            <p:cNvSpPr/>
             <p:nvPr/>
           </p:nvSpPr>
           <p:spPr>
             <a:xfrm>
-              <a:off x="7252475" y="2143800"/>
-              <a:ext cx="3213594" cy="369332"/>
+              <a:off x="7419976" y="2724089"/>
+              <a:ext cx="1152524" cy="2152711"/>
             </a:xfrm>
             <a:prstGeom prst="rect">
               <a:avLst/>
             </a:prstGeom>
             <a:noFill/>
-          </p:spPr>
-          <p:txBody>
-            <a:bodyPr wrap="square" rtlCol="0">
-              <a:spAutoFit/>
-            </a:bodyPr>
-            <a:lstStyle/>
-            <a:p>
-              <a:pPr algn="ctr"/>
-              <a:r>
-                <a:rPr lang="en-US" dirty="0"/>
-                <a:t>s = −20e-20</a:t>
-              </a:r>
-            </a:p>
-          </p:txBody>
-        </p:sp>
-        <p:pic>
-          <p:nvPicPr>
-            <p:cNvPr id="2064" name="Picture 16">
-              <a:extLst>
-                <a:ext uri="{FF2B5EF4-FFF2-40B4-BE49-F238E27FC236}">
-                  <a16:creationId xmlns:a16="http://schemas.microsoft.com/office/drawing/2014/main" id="{B90DC5C4-0CF4-F56D-23C8-2AB17DE74EB2}"/>
-                </a:ext>
-              </a:extLst>
-            </p:cNvPr>
-            <p:cNvPicPr>
-              <a:picLocks noChangeAspect="1" noChangeArrowheads="1"/>
-            </p:cNvPicPr>
-            <p:nvPr/>
-          </p:nvPicPr>
-          <p:blipFill>
-            <a:blip r:embed="rId6">
-              <a:extLst>
-                <a:ext uri="{28A0092B-C50C-407E-A947-70E740481C1C}">
-                  <a14:useLocalDpi xmlns:a14="http://schemas.microsoft.com/office/drawing/2010/main" val="0"/>
-                </a:ext>
-              </a:extLst>
-            </a:blip>
-            <a:srcRect/>
-            <a:stretch>
-              <a:fillRect/>
-            </a:stretch>
-          </p:blipFill>
-          <p:spPr bwMode="auto">
-            <a:xfrm>
-              <a:off x="8531260" y="2639942"/>
-              <a:ext cx="3660740" cy="2618837"/>
-            </a:xfrm>
-            <a:prstGeom prst="rect">
-              <a:avLst/>
-            </a:prstGeom>
-            <a:noFill/>
-            <a:extLst>
-              <a:ext uri="{909E8E84-426E-40DD-AFC4-6F175D3DCCD1}">
-                <a14:hiddenFill xmlns:a14="http://schemas.microsoft.com/office/drawing/2010/main">
-                  <a:solidFill>
-                    <a:srgbClr val="FFFFFF"/>
-                  </a:solidFill>
-                </a14:hiddenFill>
-              </a:ext>
-            </a:extLst>
-          </p:spPr>
-        </p:pic>
-        <p:pic>
-          <p:nvPicPr>
-            <p:cNvPr id="2062" name="Picture 14">
-              <a:extLst>
-                <a:ext uri="{FF2B5EF4-FFF2-40B4-BE49-F238E27FC236}">
-                  <a16:creationId xmlns:a16="http://schemas.microsoft.com/office/drawing/2014/main" id="{9BD06989-FD30-A4BD-4097-14EE25BF5A8D}"/>
-                </a:ext>
-              </a:extLst>
-            </p:cNvPr>
-            <p:cNvPicPr>
-              <a:picLocks noChangeAspect="1" noChangeArrowheads="1"/>
-            </p:cNvPicPr>
-            <p:nvPr/>
-          </p:nvPicPr>
-          <p:blipFill>
-            <a:blip r:embed="rId7">
-              <a:extLst>
-                <a:ext uri="{28A0092B-C50C-407E-A947-70E740481C1C}">
-                  <a14:useLocalDpi xmlns:a14="http://schemas.microsoft.com/office/drawing/2010/main" val="0"/>
-                </a:ext>
-              </a:extLst>
-            </a:blip>
-            <a:srcRect/>
-            <a:stretch>
-              <a:fillRect/>
-            </a:stretch>
-          </p:blipFill>
-          <p:spPr bwMode="auto">
-            <a:xfrm>
-              <a:off x="5198531" y="2639941"/>
-              <a:ext cx="3660741" cy="2618837"/>
-            </a:xfrm>
-            <a:prstGeom prst="rect">
-              <a:avLst/>
-            </a:prstGeom>
-            <a:noFill/>
-            <a:extLst>
-              <a:ext uri="{909E8E84-426E-40DD-AFC4-6F175D3DCCD1}">
-                <a14:hiddenFill xmlns:a14="http://schemas.microsoft.com/office/drawing/2010/main">
-                  <a:solidFill>
-                    <a:srgbClr val="FFFFFF"/>
-                  </a:solidFill>
-                </a14:hiddenFill>
-              </a:ext>
-            </a:extLst>
-          </p:spPr>
-        </p:pic>
-        <p:cxnSp>
-          <p:nvCxnSpPr>
-            <p:cNvPr id="14" name="Straight Connector 13">
-              <a:extLst>
-                <a:ext uri="{FF2B5EF4-FFF2-40B4-BE49-F238E27FC236}">
-                  <a16:creationId xmlns:a16="http://schemas.microsoft.com/office/drawing/2014/main" id="{F724A2D5-8826-EFD2-134C-E4094FCD102A}"/>
-                </a:ext>
-              </a:extLst>
-            </p:cNvPr>
-            <p:cNvCxnSpPr/>
-            <p:nvPr/>
-          </p:nvCxnSpPr>
-          <p:spPr>
-            <a:xfrm>
-              <a:off x="7594600" y="2328466"/>
-              <a:ext cx="0" cy="2930312"/>
-            </a:xfrm>
-            <a:prstGeom prst="line">
-              <a:avLst/>
-            </a:prstGeom>
             <a:ln w="19050">
               <a:solidFill>
-                <a:srgbClr val="C00000"/>
+                <a:srgbClr val="FF0000"/>
               </a:solidFill>
             </a:ln>
           </p:spPr>
           <p:style>
-            <a:lnRef idx="1">
-              <a:schemeClr val="accent1"/>
+            <a:lnRef idx="2">
+              <a:schemeClr val="accent1">
+                <a:shade val="15000"/>
+              </a:schemeClr>
             </a:lnRef>
-            <a:fillRef idx="0">
+            <a:fillRef idx="1">
               <a:schemeClr val="accent1"/>
             </a:fillRef>
             <a:effectRef idx="0">
               <a:schemeClr val="accent1"/>
             </a:effectRef>
             <a:fontRef idx="minor">
-              <a:schemeClr val="tx1"/>
+              <a:schemeClr val="lt1"/>
             </a:fontRef>
           </p:style>
-        </p:cxnSp>
+          <p:txBody>
+            <a:bodyPr rtlCol="0" anchor="ctr"/>
+            <a:lstStyle/>
+            <a:p>
+              <a:pPr algn="ctr"/>
+              <a:endParaRPr lang="en-US"/>
+            </a:p>
+          </p:txBody>
+        </p:sp>
       </p:grpSp>
     </p:spTree>
     <p:extLst>
@@ -5364,10 +5424,10 @@
       </p:grpSpPr>
       <p:pic>
         <p:nvPicPr>
-          <p:cNvPr id="2066" name="Picture 18">
-            <a:extLst>
-              <a:ext uri="{FF2B5EF4-FFF2-40B4-BE49-F238E27FC236}">
-                <a16:creationId xmlns:a16="http://schemas.microsoft.com/office/drawing/2014/main" id="{E061C75F-C17C-6FA7-8F92-CE6269D5EFD8}"/>
+          <p:cNvPr id="4106" name="Picture 10">
+            <a:extLst>
+              <a:ext uri="{FF2B5EF4-FFF2-40B4-BE49-F238E27FC236}">
+                <a16:creationId xmlns:a16="http://schemas.microsoft.com/office/drawing/2014/main" id="{6BF90413-C0D7-19BE-630F-2C31106F5E69}"/>
               </a:ext>
             </a:extLst>
           </p:cNvPr>
@@ -5391,8 +5451,8 @@
         </p:blipFill>
         <p:spPr bwMode="auto">
           <a:xfrm>
-            <a:off x="1116873" y="1418133"/>
-            <a:ext cx="2016822" cy="1440587"/>
+            <a:off x="1181285" y="1323301"/>
+            <a:ext cx="2016820" cy="1482956"/>
           </a:xfrm>
           <a:prstGeom prst="rect">
             <a:avLst/>
@@ -5409,12 +5469,349 @@
           </a:extLst>
         </p:spPr>
       </p:pic>
+      <p:sp>
+        <p:nvSpPr>
+          <p:cNvPr id="2" name="Title 1">
+            <a:extLst>
+              <a:ext uri="{FF2B5EF4-FFF2-40B4-BE49-F238E27FC236}">
+                <a16:creationId xmlns:a16="http://schemas.microsoft.com/office/drawing/2014/main" id="{C628C490-9822-0282-F834-C6D8A233956F}"/>
+              </a:ext>
+            </a:extLst>
+          </p:cNvPr>
+          <p:cNvSpPr>
+            <a:spLocks noGrp="1"/>
+          </p:cNvSpPr>
+          <p:nvPr>
+            <p:ph type="title"/>
+          </p:nvPr>
+        </p:nvSpPr>
+        <p:spPr/>
+        <p:txBody>
+          <a:bodyPr/>
+          <a:lstStyle/>
+          <a:p>
+            <a:r>
+              <a:rPr lang="en-US" dirty="0"/>
+              <a:t>Uneven grid (Lx, right)</a:t>
+            </a:r>
+          </a:p>
+        </p:txBody>
+      </p:sp>
+      <p:sp>
+        <p:nvSpPr>
+          <p:cNvPr id="3" name="Slide Number Placeholder 2">
+            <a:extLst>
+              <a:ext uri="{FF2B5EF4-FFF2-40B4-BE49-F238E27FC236}">
+                <a16:creationId xmlns:a16="http://schemas.microsoft.com/office/drawing/2014/main" id="{3E7A7FC9-1511-4948-8B25-372C0B8A71FB}"/>
+              </a:ext>
+            </a:extLst>
+          </p:cNvPr>
+          <p:cNvSpPr>
+            <a:spLocks noGrp="1"/>
+          </p:cNvSpPr>
+          <p:nvPr>
+            <p:ph type="sldNum" sz="quarter" idx="12"/>
+          </p:nvPr>
+        </p:nvSpPr>
+        <p:spPr/>
+        <p:txBody>
+          <a:bodyPr/>
+          <a:lstStyle/>
+          <a:p>
+            <a:fld id="{5911C0E6-D9CE-431C-92CB-BB39B872F930}" type="slidenum">
+              <a:rPr lang="en-US" smtClean="0"/>
+              <a:t>15</a:t>
+            </a:fld>
+            <a:endParaRPr lang="en-US"/>
+          </a:p>
+        </p:txBody>
+      </p:sp>
+      <p:sp>
+        <p:nvSpPr>
+          <p:cNvPr id="4" name="TextBox 3">
+            <a:extLst>
+              <a:ext uri="{FF2B5EF4-FFF2-40B4-BE49-F238E27FC236}">
+                <a16:creationId xmlns:a16="http://schemas.microsoft.com/office/drawing/2014/main" id="{C5FE713C-DE14-86E9-0794-012B044AC44C}"/>
+              </a:ext>
+            </a:extLst>
+          </p:cNvPr>
+          <p:cNvSpPr txBox="1"/>
+          <p:nvPr/>
+        </p:nvSpPr>
+        <p:spPr>
+          <a:xfrm>
+            <a:off x="101600" y="3204148"/>
+            <a:ext cx="1109762" cy="646331"/>
+          </a:xfrm>
+          <a:prstGeom prst="rect">
+            <a:avLst/>
+          </a:prstGeom>
+          <a:noFill/>
+        </p:spPr>
+        <p:txBody>
+          <a:bodyPr wrap="square" rtlCol="0">
+            <a:spAutoFit/>
+          </a:bodyPr>
+          <a:lstStyle/>
+          <a:p>
+            <a:pPr algn="ctr"/>
+            <a:r>
+              <a:rPr lang="en-US" dirty="0"/>
+              <a:t>L = 100</a:t>
+            </a:r>
+          </a:p>
+          <a:p>
+            <a:pPr algn="ctr"/>
+            <a:r>
+              <a:rPr lang="en-US" dirty="0"/>
+              <a:t>(N=1000)</a:t>
+            </a:r>
+          </a:p>
+        </p:txBody>
+      </p:sp>
+      <p:sp>
+        <p:nvSpPr>
+          <p:cNvPr id="5" name="TextBox 4">
+            <a:extLst>
+              <a:ext uri="{FF2B5EF4-FFF2-40B4-BE49-F238E27FC236}">
+                <a16:creationId xmlns:a16="http://schemas.microsoft.com/office/drawing/2014/main" id="{405457FB-153D-2D18-B8E0-BCF76D4214C1}"/>
+              </a:ext>
+            </a:extLst>
+          </p:cNvPr>
+          <p:cNvSpPr txBox="1"/>
+          <p:nvPr/>
+        </p:nvSpPr>
+        <p:spPr>
+          <a:xfrm>
+            <a:off x="101600" y="4568369"/>
+            <a:ext cx="1109762" cy="646331"/>
+          </a:xfrm>
+          <a:prstGeom prst="rect">
+            <a:avLst/>
+          </a:prstGeom>
+          <a:noFill/>
+        </p:spPr>
+        <p:txBody>
+          <a:bodyPr wrap="square" rtlCol="0">
+            <a:spAutoFit/>
+          </a:bodyPr>
+          <a:lstStyle/>
+          <a:p>
+            <a:pPr algn="ctr"/>
+            <a:r>
+              <a:rPr lang="en-US" dirty="0"/>
+              <a:t>L = 101</a:t>
+            </a:r>
+          </a:p>
+          <a:p>
+            <a:pPr algn="ctr"/>
+            <a:r>
+              <a:rPr lang="en-US" dirty="0"/>
+              <a:t>(N=1051)</a:t>
+            </a:r>
+          </a:p>
+        </p:txBody>
+      </p:sp>
+      <p:sp>
+        <p:nvSpPr>
+          <p:cNvPr id="6" name="TextBox 5">
+            <a:extLst>
+              <a:ext uri="{FF2B5EF4-FFF2-40B4-BE49-F238E27FC236}">
+                <a16:creationId xmlns:a16="http://schemas.microsoft.com/office/drawing/2014/main" id="{E918215F-E6D1-1CD6-F5CD-C3125D2C6F5F}"/>
+              </a:ext>
+            </a:extLst>
+          </p:cNvPr>
+          <p:cNvSpPr txBox="1"/>
+          <p:nvPr/>
+        </p:nvSpPr>
+        <p:spPr>
+          <a:xfrm>
+            <a:off x="101600" y="5840976"/>
+            <a:ext cx="1109762" cy="646331"/>
+          </a:xfrm>
+          <a:prstGeom prst="rect">
+            <a:avLst/>
+          </a:prstGeom>
+          <a:noFill/>
+        </p:spPr>
+        <p:txBody>
+          <a:bodyPr wrap="square" rtlCol="0">
+            <a:spAutoFit/>
+          </a:bodyPr>
+          <a:lstStyle/>
+          <a:p>
+            <a:pPr algn="ctr"/>
+            <a:r>
+              <a:rPr lang="en-US" dirty="0"/>
+              <a:t>L = 110</a:t>
+            </a:r>
+          </a:p>
+          <a:p>
+            <a:pPr algn="ctr"/>
+            <a:r>
+              <a:rPr lang="en-US" dirty="0"/>
+              <a:t>(N=1508)</a:t>
+            </a:r>
+          </a:p>
+        </p:txBody>
+      </p:sp>
+      <p:sp>
+        <p:nvSpPr>
+          <p:cNvPr id="7" name="TextBox 6">
+            <a:extLst>
+              <a:ext uri="{FF2B5EF4-FFF2-40B4-BE49-F238E27FC236}">
+                <a16:creationId xmlns:a16="http://schemas.microsoft.com/office/drawing/2014/main" id="{F6723146-A752-C947-F39A-268B97D6546D}"/>
+              </a:ext>
+            </a:extLst>
+          </p:cNvPr>
+          <p:cNvSpPr txBox="1"/>
+          <p:nvPr/>
+        </p:nvSpPr>
+        <p:spPr>
+          <a:xfrm>
+            <a:off x="3365486" y="3204148"/>
+            <a:ext cx="1109762" cy="369332"/>
+          </a:xfrm>
+          <a:prstGeom prst="rect">
+            <a:avLst/>
+          </a:prstGeom>
+          <a:noFill/>
+        </p:spPr>
+        <p:txBody>
+          <a:bodyPr wrap="square" rtlCol="0">
+            <a:spAutoFit/>
+          </a:bodyPr>
+          <a:lstStyle/>
+          <a:p>
+            <a:pPr algn="ctr"/>
+            <a:r>
+              <a:rPr lang="en-US" dirty="0"/>
+              <a:t>Original</a:t>
+            </a:r>
+          </a:p>
+        </p:txBody>
+      </p:sp>
+      <p:sp>
+        <p:nvSpPr>
+          <p:cNvPr id="8" name="TextBox 7">
+            <a:extLst>
+              <a:ext uri="{FF2B5EF4-FFF2-40B4-BE49-F238E27FC236}">
+                <a16:creationId xmlns:a16="http://schemas.microsoft.com/office/drawing/2014/main" id="{39179A5E-92EE-BC0D-08CE-182AFC392093}"/>
+              </a:ext>
+            </a:extLst>
+          </p:cNvPr>
+          <p:cNvSpPr txBox="1"/>
+          <p:nvPr/>
+        </p:nvSpPr>
+        <p:spPr>
+          <a:xfrm>
+            <a:off x="3267227" y="4429869"/>
+            <a:ext cx="1400023" cy="646331"/>
+          </a:xfrm>
+          <a:prstGeom prst="rect">
+            <a:avLst/>
+          </a:prstGeom>
+          <a:noFill/>
+        </p:spPr>
+        <p:txBody>
+          <a:bodyPr wrap="square" rtlCol="0">
+            <a:spAutoFit/>
+          </a:bodyPr>
+          <a:lstStyle/>
+          <a:p>
+            <a:pPr algn="ctr"/>
+            <a:r>
+              <a:rPr lang="en-US" dirty="0"/>
+              <a:t>Extend right (evenly)</a:t>
+            </a:r>
+          </a:p>
+        </p:txBody>
+      </p:sp>
+      <p:sp>
+        <p:nvSpPr>
+          <p:cNvPr id="11" name="TextBox 10">
+            <a:extLst>
+              <a:ext uri="{FF2B5EF4-FFF2-40B4-BE49-F238E27FC236}">
+                <a16:creationId xmlns:a16="http://schemas.microsoft.com/office/drawing/2014/main" id="{B7093B4A-16B4-6D86-E88E-86553260D17A}"/>
+              </a:ext>
+            </a:extLst>
+          </p:cNvPr>
+          <p:cNvSpPr txBox="1"/>
+          <p:nvPr/>
+        </p:nvSpPr>
+        <p:spPr>
+          <a:xfrm>
+            <a:off x="101600" y="1934402"/>
+            <a:ext cx="1109762" cy="646331"/>
+          </a:xfrm>
+          <a:prstGeom prst="rect">
+            <a:avLst/>
+          </a:prstGeom>
+          <a:noFill/>
+        </p:spPr>
+        <p:txBody>
+          <a:bodyPr wrap="square" rtlCol="0">
+            <a:spAutoFit/>
+          </a:bodyPr>
+          <a:lstStyle/>
+          <a:p>
+            <a:pPr algn="ctr"/>
+            <a:r>
+              <a:rPr lang="en-US" dirty="0"/>
+              <a:t>L = 95</a:t>
+            </a:r>
+          </a:p>
+          <a:p>
+            <a:pPr algn="ctr"/>
+            <a:r>
+              <a:rPr lang="en-US" dirty="0"/>
+              <a:t>(N=746)</a:t>
+            </a:r>
+          </a:p>
+        </p:txBody>
+      </p:sp>
+      <p:sp>
+        <p:nvSpPr>
+          <p:cNvPr id="12" name="TextBox 11">
+            <a:extLst>
+              <a:ext uri="{FF2B5EF4-FFF2-40B4-BE49-F238E27FC236}">
+                <a16:creationId xmlns:a16="http://schemas.microsoft.com/office/drawing/2014/main" id="{F72917ED-6D01-1C14-24C9-D84D5E76F117}"/>
+              </a:ext>
+            </a:extLst>
+          </p:cNvPr>
+          <p:cNvSpPr txBox="1"/>
+          <p:nvPr/>
+        </p:nvSpPr>
+        <p:spPr>
+          <a:xfrm>
+            <a:off x="3365486" y="1885734"/>
+            <a:ext cx="1301764" cy="646331"/>
+          </a:xfrm>
+          <a:prstGeom prst="rect">
+            <a:avLst/>
+          </a:prstGeom>
+          <a:noFill/>
+        </p:spPr>
+        <p:txBody>
+          <a:bodyPr wrap="square" rtlCol="0">
+            <a:spAutoFit/>
+          </a:bodyPr>
+          <a:lstStyle/>
+          <a:p>
+            <a:pPr algn="ctr"/>
+            <a:r>
+              <a:rPr lang="en-US" dirty="0"/>
+              <a:t>Chop from right</a:t>
+            </a:r>
+          </a:p>
+        </p:txBody>
+      </p:sp>
       <p:pic>
         <p:nvPicPr>
-          <p:cNvPr id="2060" name="Picture 12">
-            <a:extLst>
-              <a:ext uri="{FF2B5EF4-FFF2-40B4-BE49-F238E27FC236}">
-                <a16:creationId xmlns:a16="http://schemas.microsoft.com/office/drawing/2014/main" id="{F11BF033-B64E-684A-4305-C26F2F320469}"/>
+          <p:cNvPr id="2050" name="Picture 2">
+            <a:extLst>
+              <a:ext uri="{FF2B5EF4-FFF2-40B4-BE49-F238E27FC236}">
+                <a16:creationId xmlns:a16="http://schemas.microsoft.com/office/drawing/2014/main" id="{45C5C52B-B28A-29CE-2989-B4580E418E20}"/>
               </a:ext>
             </a:extLst>
           </p:cNvPr>
@@ -5438,8 +5835,8 @@
         </p:blipFill>
         <p:spPr bwMode="auto">
           <a:xfrm>
-            <a:off x="1116874" y="2760854"/>
-            <a:ext cx="2016821" cy="1440587"/>
+            <a:off x="1181754" y="2687522"/>
+            <a:ext cx="2016820" cy="1482956"/>
           </a:xfrm>
           <a:prstGeom prst="rect">
             <a:avLst/>
@@ -5456,69 +5853,12 @@
           </a:extLst>
         </p:spPr>
       </p:pic>
-      <p:sp>
-        <p:nvSpPr>
-          <p:cNvPr id="2" name="Title 1">
-            <a:extLst>
-              <a:ext uri="{FF2B5EF4-FFF2-40B4-BE49-F238E27FC236}">
-                <a16:creationId xmlns:a16="http://schemas.microsoft.com/office/drawing/2014/main" id="{C628C490-9822-0282-F834-C6D8A233956F}"/>
-              </a:ext>
-            </a:extLst>
-          </p:cNvPr>
-          <p:cNvSpPr>
-            <a:spLocks noGrp="1"/>
-          </p:cNvSpPr>
-          <p:nvPr>
-            <p:ph type="title"/>
-          </p:nvPr>
-        </p:nvSpPr>
-        <p:spPr/>
-        <p:txBody>
-          <a:bodyPr/>
-          <a:lstStyle/>
-          <a:p>
-            <a:r>
-              <a:rPr lang="en-US" dirty="0"/>
-              <a:t>Uneven grid (Lx, right)</a:t>
-            </a:r>
-          </a:p>
-        </p:txBody>
-      </p:sp>
-      <p:sp>
-        <p:nvSpPr>
-          <p:cNvPr id="3" name="Slide Number Placeholder 2">
-            <a:extLst>
-              <a:ext uri="{FF2B5EF4-FFF2-40B4-BE49-F238E27FC236}">
-                <a16:creationId xmlns:a16="http://schemas.microsoft.com/office/drawing/2014/main" id="{3E7A7FC9-1511-4948-8B25-372C0B8A71FB}"/>
-              </a:ext>
-            </a:extLst>
-          </p:cNvPr>
-          <p:cNvSpPr>
-            <a:spLocks noGrp="1"/>
-          </p:cNvSpPr>
-          <p:nvPr>
-            <p:ph type="sldNum" sz="quarter" idx="12"/>
-          </p:nvPr>
-        </p:nvSpPr>
-        <p:spPr/>
-        <p:txBody>
-          <a:bodyPr/>
-          <a:lstStyle/>
-          <a:p>
-            <a:fld id="{5911C0E6-D9CE-431C-92CB-BB39B872F930}" type="slidenum">
-              <a:rPr lang="en-US" smtClean="0"/>
-              <a:t>15</a:t>
-            </a:fld>
-            <a:endParaRPr lang="en-US"/>
-          </a:p>
-        </p:txBody>
-      </p:sp>
       <p:pic>
         <p:nvPicPr>
-          <p:cNvPr id="2056" name="Picture 8">
-            <a:extLst>
-              <a:ext uri="{FF2B5EF4-FFF2-40B4-BE49-F238E27FC236}">
-                <a16:creationId xmlns:a16="http://schemas.microsoft.com/office/drawing/2014/main" id="{312FF390-BC33-01FE-CA7B-1E25146BEBFC}"/>
+          <p:cNvPr id="4098" name="Picture 2">
+            <a:extLst>
+              <a:ext uri="{FF2B5EF4-FFF2-40B4-BE49-F238E27FC236}">
+                <a16:creationId xmlns:a16="http://schemas.microsoft.com/office/drawing/2014/main" id="{7563E86B-FD9E-8AEA-B2D6-2F9C4595DA11}"/>
               </a:ext>
             </a:extLst>
           </p:cNvPr>
@@ -5542,8 +5882,8 @@
         </p:blipFill>
         <p:spPr bwMode="auto">
           <a:xfrm>
-            <a:off x="1116875" y="4089612"/>
-            <a:ext cx="2016820" cy="1440586"/>
+            <a:off x="1181753" y="4037938"/>
+            <a:ext cx="2016821" cy="1482957"/>
           </a:xfrm>
           <a:prstGeom prst="rect">
             <a:avLst/>
@@ -5562,10 +5902,10 @@
       </p:pic>
       <p:pic>
         <p:nvPicPr>
-          <p:cNvPr id="2058" name="Picture 10">
-            <a:extLst>
-              <a:ext uri="{FF2B5EF4-FFF2-40B4-BE49-F238E27FC236}">
-                <a16:creationId xmlns:a16="http://schemas.microsoft.com/office/drawing/2014/main" id="{10D42DD2-A83D-AFEE-750F-B62A88102965}"/>
+          <p:cNvPr id="4100" name="Picture 4">
+            <a:extLst>
+              <a:ext uri="{FF2B5EF4-FFF2-40B4-BE49-F238E27FC236}">
+                <a16:creationId xmlns:a16="http://schemas.microsoft.com/office/drawing/2014/main" id="{70F0142E-1D3B-B972-6B43-14D3C8BE6353}"/>
               </a:ext>
             </a:extLst>
           </p:cNvPr>
@@ -5589,8 +5929,8 @@
         </p:blipFill>
         <p:spPr bwMode="auto">
           <a:xfrm>
-            <a:off x="1116877" y="5417414"/>
-            <a:ext cx="2016820" cy="1440586"/>
+            <a:off x="1181752" y="5388355"/>
+            <a:ext cx="2016820" cy="1482956"/>
           </a:xfrm>
           <a:prstGeom prst="rect">
             <a:avLst/>
@@ -5607,258 +5947,209 @@
           </a:extLst>
         </p:spPr>
       </p:pic>
-      <p:sp>
-        <p:nvSpPr>
-          <p:cNvPr id="4" name="TextBox 3">
-            <a:extLst>
-              <a:ext uri="{FF2B5EF4-FFF2-40B4-BE49-F238E27FC236}">
-                <a16:creationId xmlns:a16="http://schemas.microsoft.com/office/drawing/2014/main" id="{C5FE713C-DE14-86E9-0794-012B044AC44C}"/>
-              </a:ext>
-            </a:extLst>
-          </p:cNvPr>
-          <p:cNvSpPr txBox="1"/>
+      <p:grpSp>
+        <p:nvGrpSpPr>
+          <p:cNvPr id="23" name="Group 22">
+            <a:extLst>
+              <a:ext uri="{FF2B5EF4-FFF2-40B4-BE49-F238E27FC236}">
+                <a16:creationId xmlns:a16="http://schemas.microsoft.com/office/drawing/2014/main" id="{E1FD5EB4-586A-FF33-8924-068230D8A9A4}"/>
+              </a:ext>
+            </a:extLst>
+          </p:cNvPr>
+          <p:cNvGrpSpPr/>
           <p:nvPr/>
-        </p:nvSpPr>
-        <p:spPr>
-          <a:xfrm>
-            <a:off x="101600" y="3204148"/>
-            <a:ext cx="1109762" cy="369332"/>
-          </a:xfrm>
-          <a:prstGeom prst="rect">
-            <a:avLst/>
-          </a:prstGeom>
-          <a:noFill/>
-        </p:spPr>
-        <p:txBody>
-          <a:bodyPr wrap="square" rtlCol="0">
-            <a:spAutoFit/>
-          </a:bodyPr>
-          <a:lstStyle/>
-          <a:p>
-            <a:pPr algn="ctr"/>
-            <a:r>
-              <a:rPr lang="en-US" dirty="0"/>
-              <a:t>L = 100</a:t>
-            </a:r>
-          </a:p>
-        </p:txBody>
-      </p:sp>
-      <p:sp>
-        <p:nvSpPr>
-          <p:cNvPr id="5" name="TextBox 4">
-            <a:extLst>
-              <a:ext uri="{FF2B5EF4-FFF2-40B4-BE49-F238E27FC236}">
-                <a16:creationId xmlns:a16="http://schemas.microsoft.com/office/drawing/2014/main" id="{405457FB-153D-2D18-B8E0-BCF76D4214C1}"/>
-              </a:ext>
-            </a:extLst>
-          </p:cNvPr>
-          <p:cNvSpPr txBox="1"/>
-          <p:nvPr/>
-        </p:nvSpPr>
-        <p:spPr>
-          <a:xfrm>
-            <a:off x="101600" y="4568369"/>
-            <a:ext cx="1109762" cy="369332"/>
-          </a:xfrm>
-          <a:prstGeom prst="rect">
-            <a:avLst/>
-          </a:prstGeom>
-          <a:noFill/>
-        </p:spPr>
-        <p:txBody>
-          <a:bodyPr wrap="square" rtlCol="0">
-            <a:spAutoFit/>
-          </a:bodyPr>
-          <a:lstStyle/>
-          <a:p>
-            <a:pPr algn="ctr"/>
-            <a:r>
-              <a:rPr lang="en-US" dirty="0"/>
-              <a:t>L = 101</a:t>
-            </a:r>
-          </a:p>
-        </p:txBody>
-      </p:sp>
-      <p:sp>
-        <p:nvSpPr>
-          <p:cNvPr id="6" name="TextBox 5">
-            <a:extLst>
-              <a:ext uri="{FF2B5EF4-FFF2-40B4-BE49-F238E27FC236}">
-                <a16:creationId xmlns:a16="http://schemas.microsoft.com/office/drawing/2014/main" id="{E918215F-E6D1-1CD6-F5CD-C3125D2C6F5F}"/>
-              </a:ext>
-            </a:extLst>
-          </p:cNvPr>
-          <p:cNvSpPr txBox="1"/>
-          <p:nvPr/>
-        </p:nvSpPr>
-        <p:spPr>
-          <a:xfrm>
-            <a:off x="101600" y="5840976"/>
-            <a:ext cx="1109762" cy="369332"/>
-          </a:xfrm>
-          <a:prstGeom prst="rect">
-            <a:avLst/>
-          </a:prstGeom>
-          <a:noFill/>
-        </p:spPr>
-        <p:txBody>
-          <a:bodyPr wrap="square" rtlCol="0">
-            <a:spAutoFit/>
-          </a:bodyPr>
-          <a:lstStyle/>
-          <a:p>
-            <a:pPr algn="ctr"/>
-            <a:r>
-              <a:rPr lang="en-US" dirty="0"/>
-              <a:t>L = 110</a:t>
-            </a:r>
-          </a:p>
-        </p:txBody>
-      </p:sp>
-      <p:sp>
-        <p:nvSpPr>
-          <p:cNvPr id="7" name="TextBox 6">
-            <a:extLst>
-              <a:ext uri="{FF2B5EF4-FFF2-40B4-BE49-F238E27FC236}">
-                <a16:creationId xmlns:a16="http://schemas.microsoft.com/office/drawing/2014/main" id="{F6723146-A752-C947-F39A-268B97D6546D}"/>
-              </a:ext>
-            </a:extLst>
-          </p:cNvPr>
-          <p:cNvSpPr txBox="1"/>
-          <p:nvPr/>
-        </p:nvSpPr>
-        <p:spPr>
-          <a:xfrm>
-            <a:off x="3365486" y="3204148"/>
-            <a:ext cx="1109762" cy="369332"/>
-          </a:xfrm>
-          <a:prstGeom prst="rect">
-            <a:avLst/>
-          </a:prstGeom>
-          <a:noFill/>
-        </p:spPr>
-        <p:txBody>
-          <a:bodyPr wrap="square" rtlCol="0">
-            <a:spAutoFit/>
-          </a:bodyPr>
-          <a:lstStyle/>
-          <a:p>
-            <a:pPr algn="ctr"/>
-            <a:r>
-              <a:rPr lang="en-US" dirty="0"/>
-              <a:t>Original</a:t>
-            </a:r>
-          </a:p>
-        </p:txBody>
-      </p:sp>
-      <p:sp>
-        <p:nvSpPr>
-          <p:cNvPr id="8" name="TextBox 7">
-            <a:extLst>
-              <a:ext uri="{FF2B5EF4-FFF2-40B4-BE49-F238E27FC236}">
-                <a16:creationId xmlns:a16="http://schemas.microsoft.com/office/drawing/2014/main" id="{39179A5E-92EE-BC0D-08CE-182AFC392093}"/>
-              </a:ext>
-            </a:extLst>
-          </p:cNvPr>
-          <p:cNvSpPr txBox="1"/>
-          <p:nvPr/>
-        </p:nvSpPr>
-        <p:spPr>
-          <a:xfrm>
-            <a:off x="3267227" y="4429869"/>
-            <a:ext cx="1400023" cy="646331"/>
-          </a:xfrm>
-          <a:prstGeom prst="rect">
-            <a:avLst/>
-          </a:prstGeom>
-          <a:noFill/>
-        </p:spPr>
-        <p:txBody>
-          <a:bodyPr wrap="square" rtlCol="0">
-            <a:spAutoFit/>
-          </a:bodyPr>
-          <a:lstStyle/>
-          <a:p>
-            <a:pPr algn="ctr"/>
-            <a:r>
-              <a:rPr lang="en-US" dirty="0"/>
-              <a:t>Extend right (evenly)</a:t>
-            </a:r>
-          </a:p>
-        </p:txBody>
-      </p:sp>
-      <p:sp>
-        <p:nvSpPr>
-          <p:cNvPr id="11" name="TextBox 10">
-            <a:extLst>
-              <a:ext uri="{FF2B5EF4-FFF2-40B4-BE49-F238E27FC236}">
-                <a16:creationId xmlns:a16="http://schemas.microsoft.com/office/drawing/2014/main" id="{B7093B4A-16B4-6D86-E88E-86553260D17A}"/>
-              </a:ext>
-            </a:extLst>
-          </p:cNvPr>
-          <p:cNvSpPr txBox="1"/>
-          <p:nvPr/>
-        </p:nvSpPr>
-        <p:spPr>
-          <a:xfrm>
-            <a:off x="101600" y="1934402"/>
-            <a:ext cx="1109762" cy="369332"/>
-          </a:xfrm>
-          <a:prstGeom prst="rect">
-            <a:avLst/>
-          </a:prstGeom>
-          <a:noFill/>
-        </p:spPr>
-        <p:txBody>
-          <a:bodyPr wrap="square" rtlCol="0">
-            <a:spAutoFit/>
-          </a:bodyPr>
-          <a:lstStyle/>
-          <a:p>
-            <a:pPr algn="ctr"/>
-            <a:r>
-              <a:rPr lang="en-US" dirty="0"/>
-              <a:t>L = 99</a:t>
-            </a:r>
-          </a:p>
-        </p:txBody>
-      </p:sp>
-      <p:sp>
-        <p:nvSpPr>
-          <p:cNvPr id="12" name="TextBox 11">
-            <a:extLst>
-              <a:ext uri="{FF2B5EF4-FFF2-40B4-BE49-F238E27FC236}">
-                <a16:creationId xmlns:a16="http://schemas.microsoft.com/office/drawing/2014/main" id="{F72917ED-6D01-1C14-24C9-D84D5E76F117}"/>
-              </a:ext>
-            </a:extLst>
-          </p:cNvPr>
-          <p:cNvSpPr txBox="1"/>
-          <p:nvPr/>
-        </p:nvSpPr>
-        <p:spPr>
-          <a:xfrm>
-            <a:off x="3365486" y="1885734"/>
-            <a:ext cx="1301764" cy="646331"/>
-          </a:xfrm>
-          <a:prstGeom prst="rect">
-            <a:avLst/>
-          </a:prstGeom>
-          <a:noFill/>
-        </p:spPr>
-        <p:txBody>
-          <a:bodyPr wrap="square" rtlCol="0">
-            <a:spAutoFit/>
-          </a:bodyPr>
-          <a:lstStyle/>
-          <a:p>
-            <a:pPr algn="ctr"/>
-            <a:r>
-              <a:rPr lang="en-US" dirty="0"/>
-              <a:t>Chop from right</a:t>
-            </a:r>
-          </a:p>
-        </p:txBody>
-      </p:sp>
+        </p:nvGrpSpPr>
+        <p:grpSpPr>
+          <a:xfrm>
+            <a:off x="4972936" y="2257567"/>
+            <a:ext cx="7117464" cy="3091965"/>
+            <a:chOff x="5079128" y="2117963"/>
+            <a:chExt cx="7117464" cy="3091965"/>
+          </a:xfrm>
+        </p:grpSpPr>
+        <p:sp>
+          <p:nvSpPr>
+            <p:cNvPr id="21" name="TextBox 20">
+              <a:extLst>
+                <a:ext uri="{FF2B5EF4-FFF2-40B4-BE49-F238E27FC236}">
+                  <a16:creationId xmlns:a16="http://schemas.microsoft.com/office/drawing/2014/main" id="{664971D9-FEB3-D2C5-FCEB-1DEBB68A5778}"/>
+                </a:ext>
+              </a:extLst>
+            </p:cNvPr>
+            <p:cNvSpPr txBox="1"/>
+            <p:nvPr/>
+          </p:nvSpPr>
+          <p:spPr>
+            <a:xfrm>
+              <a:off x="7232054" y="2117963"/>
+              <a:ext cx="3213594" cy="369332"/>
+            </a:xfrm>
+            <a:prstGeom prst="rect">
+              <a:avLst/>
+            </a:prstGeom>
+            <a:noFill/>
+          </p:spPr>
+          <p:txBody>
+            <a:bodyPr wrap="square" rtlCol="0">
+              <a:spAutoFit/>
+            </a:bodyPr>
+            <a:lstStyle/>
+            <a:p>
+              <a:pPr algn="ctr"/>
+              <a:r>
+                <a:rPr lang="en-US" dirty="0"/>
+                <a:t>s = −20e-20</a:t>
+              </a:r>
+            </a:p>
+          </p:txBody>
+        </p:sp>
+        <p:pic>
+          <p:nvPicPr>
+            <p:cNvPr id="4110" name="Picture 14">
+              <a:extLst>
+                <a:ext uri="{FF2B5EF4-FFF2-40B4-BE49-F238E27FC236}">
+                  <a16:creationId xmlns:a16="http://schemas.microsoft.com/office/drawing/2014/main" id="{8AB00CEA-1D3A-C687-5D38-922D9420FDDC}"/>
+                </a:ext>
+              </a:extLst>
+            </p:cNvPr>
+            <p:cNvPicPr>
+              <a:picLocks noChangeAspect="1" noChangeArrowheads="1"/>
+            </p:cNvPicPr>
+            <p:nvPr/>
+          </p:nvPicPr>
+          <p:blipFill>
+            <a:blip r:embed="rId6">
+              <a:extLst>
+                <a:ext uri="{28A0092B-C50C-407E-A947-70E740481C1C}">
+                  <a14:useLocalDpi xmlns:a14="http://schemas.microsoft.com/office/drawing/2010/main" val="0"/>
+                </a:ext>
+              </a:extLst>
+            </a:blip>
+            <a:srcRect/>
+            <a:stretch>
+              <a:fillRect/>
+            </a:stretch>
+          </p:blipFill>
+          <p:spPr bwMode="auto">
+            <a:xfrm>
+              <a:off x="5079128" y="2580733"/>
+              <a:ext cx="3579097" cy="2629195"/>
+            </a:xfrm>
+            <a:prstGeom prst="rect">
+              <a:avLst/>
+            </a:prstGeom>
+            <a:noFill/>
+            <a:extLst>
+              <a:ext uri="{909E8E84-426E-40DD-AFC4-6F175D3DCCD1}">
+                <a14:hiddenFill xmlns:a14="http://schemas.microsoft.com/office/drawing/2010/main">
+                  <a:solidFill>
+                    <a:srgbClr val="FFFFFF"/>
+                  </a:solidFill>
+                </a14:hiddenFill>
+              </a:ext>
+            </a:extLst>
+          </p:spPr>
+        </p:pic>
+        <p:pic>
+          <p:nvPicPr>
+            <p:cNvPr id="4112" name="Picture 16">
+              <a:extLst>
+                <a:ext uri="{FF2B5EF4-FFF2-40B4-BE49-F238E27FC236}">
+                  <a16:creationId xmlns:a16="http://schemas.microsoft.com/office/drawing/2014/main" id="{F6BE39ED-D089-0B06-354D-78E31B723F79}"/>
+                </a:ext>
+              </a:extLst>
+            </p:cNvPr>
+            <p:cNvPicPr>
+              <a:picLocks noChangeAspect="1" noChangeArrowheads="1"/>
+            </p:cNvPicPr>
+            <p:nvPr/>
+          </p:nvPicPr>
+          <p:blipFill>
+            <a:blip r:embed="rId7">
+              <a:extLst>
+                <a:ext uri="{28A0092B-C50C-407E-A947-70E740481C1C}">
+                  <a14:useLocalDpi xmlns:a14="http://schemas.microsoft.com/office/drawing/2010/main" val="0"/>
+                </a:ext>
+              </a:extLst>
+            </a:blip>
+            <a:srcRect/>
+            <a:stretch>
+              <a:fillRect/>
+            </a:stretch>
+          </p:blipFill>
+          <p:spPr bwMode="auto">
+            <a:xfrm>
+              <a:off x="8694704" y="2532065"/>
+              <a:ext cx="3501888" cy="2629195"/>
+            </a:xfrm>
+            <a:prstGeom prst="rect">
+              <a:avLst/>
+            </a:prstGeom>
+            <a:noFill/>
+            <a:extLst>
+              <a:ext uri="{909E8E84-426E-40DD-AFC4-6F175D3DCCD1}">
+                <a14:hiddenFill xmlns:a14="http://schemas.microsoft.com/office/drawing/2010/main">
+                  <a:solidFill>
+                    <a:srgbClr val="FFFFFF"/>
+                  </a:solidFill>
+                </a14:hiddenFill>
+              </a:ext>
+            </a:extLst>
+          </p:spPr>
+        </p:pic>
+        <p:sp>
+          <p:nvSpPr>
+            <p:cNvPr id="22" name="Rectangle 21">
+              <a:extLst>
+                <a:ext uri="{FF2B5EF4-FFF2-40B4-BE49-F238E27FC236}">
+                  <a16:creationId xmlns:a16="http://schemas.microsoft.com/office/drawing/2014/main" id="{A1868C48-3E08-0544-536B-17A2A58F7BB2}"/>
+                </a:ext>
+              </a:extLst>
+            </p:cNvPr>
+            <p:cNvSpPr/>
+            <p:nvPr/>
+          </p:nvSpPr>
+          <p:spPr>
+            <a:xfrm>
+              <a:off x="8560595" y="2600264"/>
+              <a:ext cx="73818" cy="2152711"/>
+            </a:xfrm>
+            <a:prstGeom prst="rect">
+              <a:avLst/>
+            </a:prstGeom>
+            <a:noFill/>
+            <a:ln w="19050">
+              <a:solidFill>
+                <a:srgbClr val="FF0000"/>
+              </a:solidFill>
+            </a:ln>
+          </p:spPr>
+          <p:style>
+            <a:lnRef idx="2">
+              <a:schemeClr val="accent1">
+                <a:shade val="15000"/>
+              </a:schemeClr>
+            </a:lnRef>
+            <a:fillRef idx="1">
+              <a:schemeClr val="accent1"/>
+            </a:fillRef>
+            <a:effectRef idx="0">
+              <a:schemeClr val="accent1"/>
+            </a:effectRef>
+            <a:fontRef idx="minor">
+              <a:schemeClr val="lt1"/>
+            </a:fontRef>
+          </p:style>
+          <p:txBody>
+            <a:bodyPr rtlCol="0" anchor="ctr"/>
+            <a:lstStyle/>
+            <a:p>
+              <a:pPr algn="ctr"/>
+              <a:endParaRPr lang="en-US"/>
+            </a:p>
+          </p:txBody>
+        </p:sp>
+      </p:grpSp>
     </p:spTree>
     <p:extLst>
       <p:ext uri="{BB962C8B-B14F-4D97-AF65-F5344CB8AC3E}">

--- a/NAF.pptx
+++ b/NAF.pptx
@@ -4485,12 +4485,20 @@
           <a:lstStyle/>
           <a:p>
             <a:r>
-              <a:rPr lang="en-US" sz="1200" dirty="0"/>
+              <a:rPr lang="en-US" sz="1200" dirty="0">
+                <a:solidFill>
+                  <a:srgbClr val="C00000"/>
+                </a:solidFill>
+              </a:rPr>
               <a:t>Transition knee in red (z ~ 90)</a:t>
             </a:r>
           </a:p>
           <a:p>
-            <a:endParaRPr lang="en-US" sz="1200" dirty="0"/>
+            <a:endParaRPr lang="en-US" sz="1200" dirty="0">
+              <a:solidFill>
+                <a:srgbClr val="C00000"/>
+              </a:solidFill>
+            </a:endParaRPr>
           </a:p>
         </p:txBody>
       </p:sp>

--- a/NAF.pptx
+++ b/NAF.pptx
@@ -4439,6 +4439,7 @@
             <a:solidFill>
               <a:srgbClr val="C00000"/>
             </a:solidFill>
+            <a:prstDash val="dash"/>
           </a:ln>
         </p:spPr>
         <p:style>

--- a/NAF.pptx
+++ b/NAF.pptx
@@ -5,7 +5,7 @@
     <p:sldMasterId id="2147483648" r:id="rId1"/>
   </p:sldMasterIdLst>
   <p:notesMasterIdLst>
-    <p:notesMasterId r:id="rId18"/>
+    <p:notesMasterId r:id="rId19"/>
   </p:notesMasterIdLst>
   <p:sldIdLst>
     <p:sldId id="256" r:id="rId2"/>
@@ -20,10 +20,11 @@
     <p:sldId id="268" r:id="rId11"/>
     <p:sldId id="269" r:id="rId12"/>
     <p:sldId id="272" r:id="rId13"/>
-    <p:sldId id="270" r:id="rId14"/>
-    <p:sldId id="271" r:id="rId15"/>
-    <p:sldId id="274" r:id="rId16"/>
-    <p:sldId id="273" r:id="rId17"/>
+    <p:sldId id="275" r:id="rId14"/>
+    <p:sldId id="270" r:id="rId15"/>
+    <p:sldId id="271" r:id="rId16"/>
+    <p:sldId id="274" r:id="rId17"/>
+    <p:sldId id="273" r:id="rId18"/>
   </p:sldIdLst>
   <p:sldSz cx="12192000" cy="6858000"/>
   <p:notesSz cx="6858000" cy="9144000"/>
@@ -3758,7 +3759,7 @@
           <p:cNvPr id="2" name="Title 1">
             <a:extLst>
               <a:ext uri="{FF2B5EF4-FFF2-40B4-BE49-F238E27FC236}">
-                <a16:creationId xmlns:a16="http://schemas.microsoft.com/office/drawing/2014/main" id="{B3436272-836D-489D-55E0-0D4D0B415472}"/>
+                <a16:creationId xmlns:a16="http://schemas.microsoft.com/office/drawing/2014/main" id="{3F58BA33-6CE8-4C6A-4397-2E8BAE79FFFA}"/>
               </a:ext>
             </a:extLst>
           </p:cNvPr>
@@ -3776,7 +3777,7 @@
           <a:p>
             <a:r>
               <a:rPr lang="en-US" dirty="0"/>
-              <a:t>Uneven grid (N)</a:t>
+              <a:t>Uneven grid (analytical compare)</a:t>
             </a:r>
           </a:p>
         </p:txBody>
@@ -3786,7 +3787,7 @@
           <p:cNvPr id="3" name="Slide Number Placeholder 2">
             <a:extLst>
               <a:ext uri="{FF2B5EF4-FFF2-40B4-BE49-F238E27FC236}">
-                <a16:creationId xmlns:a16="http://schemas.microsoft.com/office/drawing/2014/main" id="{C7B67C98-748A-3022-A142-F88F92AB605F}"/>
+                <a16:creationId xmlns:a16="http://schemas.microsoft.com/office/drawing/2014/main" id="{B4C6B200-B8E2-6E95-7A7F-8E7753C12055}"/>
               </a:ext>
             </a:extLst>
           </p:cNvPr>
@@ -3812,10 +3813,10 @@
       </p:sp>
       <p:pic>
         <p:nvPicPr>
-          <p:cNvPr id="1042" name="Picture 18">
-            <a:extLst>
-              <a:ext uri="{FF2B5EF4-FFF2-40B4-BE49-F238E27FC236}">
-                <a16:creationId xmlns:a16="http://schemas.microsoft.com/office/drawing/2014/main" id="{A64E2537-7F5C-6576-CE5E-4997091DE72B}"/>
+          <p:cNvPr id="5122" name="Picture 2">
+            <a:extLst>
+              <a:ext uri="{FF2B5EF4-FFF2-40B4-BE49-F238E27FC236}">
+                <a16:creationId xmlns:a16="http://schemas.microsoft.com/office/drawing/2014/main" id="{14B33E95-8636-64AA-9F76-53A662868F8C}"/>
               </a:ext>
             </a:extLst>
           </p:cNvPr>
@@ -3839,8 +3840,8 @@
         </p:blipFill>
         <p:spPr bwMode="auto">
           <a:xfrm>
-            <a:off x="1075902" y="1036745"/>
-            <a:ext cx="1704553" cy="1253348"/>
+            <a:off x="121027" y="2231687"/>
+            <a:ext cx="4716334" cy="3529787"/>
           </a:xfrm>
           <a:prstGeom prst="rect">
             <a:avLst/>
@@ -3857,769 +3858,327 @@
           </a:extLst>
         </p:spPr>
       </p:pic>
-      <p:pic>
-        <p:nvPicPr>
-          <p:cNvPr id="1044" name="Picture 20">
-            <a:extLst>
-              <a:ext uri="{FF2B5EF4-FFF2-40B4-BE49-F238E27FC236}">
-                <a16:creationId xmlns:a16="http://schemas.microsoft.com/office/drawing/2014/main" id="{27394E69-756B-7B07-6C3E-0F0C4DA7B282}"/>
-              </a:ext>
-            </a:extLst>
-          </p:cNvPr>
-          <p:cNvPicPr>
-            <a:picLocks noChangeAspect="1" noChangeArrowheads="1"/>
-          </p:cNvPicPr>
+      <p:grpSp>
+        <p:nvGrpSpPr>
+          <p:cNvPr id="15" name="Group 14">
+            <a:extLst>
+              <a:ext uri="{FF2B5EF4-FFF2-40B4-BE49-F238E27FC236}">
+                <a16:creationId xmlns:a16="http://schemas.microsoft.com/office/drawing/2014/main" id="{F4558A8F-B6B2-7CA4-0161-044C6CB80145}"/>
+              </a:ext>
+            </a:extLst>
+          </p:cNvPr>
+          <p:cNvGrpSpPr/>
           <p:nvPr/>
-        </p:nvPicPr>
-        <p:blipFill>
-          <a:blip r:embed="rId3">
-            <a:extLst>
-              <a:ext uri="{28A0092B-C50C-407E-A947-70E740481C1C}">
-                <a14:useLocalDpi xmlns:a14="http://schemas.microsoft.com/office/drawing/2010/main" val="0"/>
-              </a:ext>
-            </a:extLst>
-          </a:blip>
-          <a:srcRect/>
-          <a:stretch>
-            <a:fillRect/>
-          </a:stretch>
-        </p:blipFill>
-        <p:spPr bwMode="auto">
-          <a:xfrm>
-            <a:off x="1058966" y="2179354"/>
-            <a:ext cx="1704553" cy="1253348"/>
-          </a:xfrm>
-          <a:prstGeom prst="rect">
-            <a:avLst/>
-          </a:prstGeom>
-          <a:noFill/>
-          <a:extLst>
-            <a:ext uri="{909E8E84-426E-40DD-AFC4-6F175D3DCCD1}">
-              <a14:hiddenFill xmlns:a14="http://schemas.microsoft.com/office/drawing/2010/main">
-                <a:solidFill>
-                  <a:srgbClr val="FFFFFF"/>
-                </a:solidFill>
-              </a14:hiddenFill>
-            </a:ext>
-          </a:extLst>
-        </p:spPr>
-      </p:pic>
-      <p:pic>
-        <p:nvPicPr>
-          <p:cNvPr id="1046" name="Picture 22">
-            <a:extLst>
-              <a:ext uri="{FF2B5EF4-FFF2-40B4-BE49-F238E27FC236}">
-                <a16:creationId xmlns:a16="http://schemas.microsoft.com/office/drawing/2014/main" id="{ADE9A683-F360-2DDB-5BEB-ADB131974DDD}"/>
-              </a:ext>
-            </a:extLst>
-          </p:cNvPr>
-          <p:cNvPicPr>
-            <a:picLocks noChangeAspect="1" noChangeArrowheads="1"/>
-          </p:cNvPicPr>
+        </p:nvGrpSpPr>
+        <p:grpSpPr>
+          <a:xfrm>
+            <a:off x="5134212" y="2736080"/>
+            <a:ext cx="4709248" cy="713790"/>
+            <a:chOff x="5134212" y="2736080"/>
+            <a:chExt cx="4709248" cy="713790"/>
+          </a:xfrm>
+        </p:grpSpPr>
+        <p:sp>
+          <p:nvSpPr>
+            <p:cNvPr id="11" name="TextBox 10">
+              <a:extLst>
+                <a:ext uri="{FF2B5EF4-FFF2-40B4-BE49-F238E27FC236}">
+                  <a16:creationId xmlns:a16="http://schemas.microsoft.com/office/drawing/2014/main" id="{BC1866C3-7612-7965-D320-B34EA517051D}"/>
+                </a:ext>
+              </a:extLst>
+            </p:cNvPr>
+            <p:cNvSpPr txBox="1"/>
+            <p:nvPr/>
+          </p:nvSpPr>
+          <p:spPr>
+            <a:xfrm>
+              <a:off x="5134212" y="2736080"/>
+              <a:ext cx="1236134" cy="369332"/>
+            </a:xfrm>
+            <a:prstGeom prst="rect">
+              <a:avLst/>
+            </a:prstGeom>
+            <a:noFill/>
+          </p:spPr>
+          <p:txBody>
+            <a:bodyPr wrap="square" rtlCol="0">
+              <a:spAutoFit/>
+            </a:bodyPr>
+            <a:lstStyle/>
+            <a:p>
+              <a:r>
+                <a:rPr lang="en-US" dirty="0"/>
+                <a:t>Dotted:</a:t>
+              </a:r>
+            </a:p>
+          </p:txBody>
+        </p:sp>
+        <p:pic>
+          <p:nvPicPr>
+            <p:cNvPr id="13" name="Picture 12">
+              <a:extLst>
+                <a:ext uri="{FF2B5EF4-FFF2-40B4-BE49-F238E27FC236}">
+                  <a16:creationId xmlns:a16="http://schemas.microsoft.com/office/drawing/2014/main" id="{DB5D56FF-CA26-7459-7D96-4776181EE968}"/>
+                </a:ext>
+              </a:extLst>
+            </p:cNvPr>
+            <p:cNvPicPr>
+              <a:picLocks noChangeAspect="1"/>
+            </p:cNvPicPr>
+            <p:nvPr/>
+          </p:nvPicPr>
+          <p:blipFill>
+            <a:blip r:embed="rId3"/>
+            <a:stretch>
+              <a:fillRect/>
+            </a:stretch>
+          </p:blipFill>
+          <p:spPr>
+            <a:xfrm>
+              <a:off x="6221626" y="2760427"/>
+              <a:ext cx="3621834" cy="369331"/>
+            </a:xfrm>
+            <a:prstGeom prst="rect">
+              <a:avLst/>
+            </a:prstGeom>
+          </p:spPr>
+        </p:pic>
+        <p:sp>
+          <p:nvSpPr>
+            <p:cNvPr id="14" name="TextBox 13">
+              <a:extLst>
+                <a:ext uri="{FF2B5EF4-FFF2-40B4-BE49-F238E27FC236}">
+                  <a16:creationId xmlns:a16="http://schemas.microsoft.com/office/drawing/2014/main" id="{D8E33595-02C6-CC3B-10F5-6AB7CDED35CA}"/>
+                </a:ext>
+              </a:extLst>
+            </p:cNvPr>
+            <p:cNvSpPr txBox="1"/>
+            <p:nvPr/>
+          </p:nvSpPr>
+          <p:spPr>
+            <a:xfrm>
+              <a:off x="6352279" y="3172871"/>
+              <a:ext cx="3360527" cy="276999"/>
+            </a:xfrm>
+            <a:prstGeom prst="rect">
+              <a:avLst/>
+            </a:prstGeom>
+            <a:noFill/>
+          </p:spPr>
+          <p:txBody>
+            <a:bodyPr wrap="square" rtlCol="0">
+              <a:spAutoFit/>
+            </a:bodyPr>
+            <a:lstStyle/>
+            <a:p>
+              <a:r>
+                <a:rPr lang="en-US" sz="1200" dirty="0"/>
+                <a:t>Infinite boundary condition, log-divergence</a:t>
+              </a:r>
+            </a:p>
+          </p:txBody>
+        </p:sp>
+      </p:grpSp>
+      <p:grpSp>
+        <p:nvGrpSpPr>
+          <p:cNvPr id="17" name="Group 16">
+            <a:extLst>
+              <a:ext uri="{FF2B5EF4-FFF2-40B4-BE49-F238E27FC236}">
+                <a16:creationId xmlns:a16="http://schemas.microsoft.com/office/drawing/2014/main" id="{8C36A51E-6FB0-386C-59CB-4D619D139825}"/>
+              </a:ext>
+            </a:extLst>
+          </p:cNvPr>
+          <p:cNvGrpSpPr/>
           <p:nvPr/>
-        </p:nvPicPr>
-        <p:blipFill>
-          <a:blip r:embed="rId4">
-            <a:extLst>
-              <a:ext uri="{28A0092B-C50C-407E-A947-70E740481C1C}">
-                <a14:useLocalDpi xmlns:a14="http://schemas.microsoft.com/office/drawing/2010/main" val="0"/>
-              </a:ext>
-            </a:extLst>
-          </a:blip>
-          <a:srcRect/>
-          <a:stretch>
-            <a:fillRect/>
-          </a:stretch>
-        </p:blipFill>
-        <p:spPr bwMode="auto">
-          <a:xfrm>
-            <a:off x="1050497" y="3321120"/>
-            <a:ext cx="1704553" cy="1253348"/>
-          </a:xfrm>
-          <a:prstGeom prst="rect">
-            <a:avLst/>
-          </a:prstGeom>
-          <a:noFill/>
-          <a:extLst>
-            <a:ext uri="{909E8E84-426E-40DD-AFC4-6F175D3DCCD1}">
-              <a14:hiddenFill xmlns:a14="http://schemas.microsoft.com/office/drawing/2010/main">
-                <a:solidFill>
-                  <a:srgbClr val="FFFFFF"/>
-                </a:solidFill>
-              </a14:hiddenFill>
-            </a:ext>
-          </a:extLst>
-        </p:spPr>
-      </p:pic>
-      <p:pic>
-        <p:nvPicPr>
-          <p:cNvPr id="1048" name="Picture 24">
-            <a:extLst>
-              <a:ext uri="{FF2B5EF4-FFF2-40B4-BE49-F238E27FC236}">
-                <a16:creationId xmlns:a16="http://schemas.microsoft.com/office/drawing/2014/main" id="{B6ACD7A2-AE91-3798-8448-C4C2867489E4}"/>
-              </a:ext>
-            </a:extLst>
-          </p:cNvPr>
-          <p:cNvPicPr>
-            <a:picLocks noChangeAspect="1" noChangeArrowheads="1"/>
-          </p:cNvPicPr>
-          <p:nvPr/>
-        </p:nvPicPr>
-        <p:blipFill>
-          <a:blip r:embed="rId5">
-            <a:extLst>
-              <a:ext uri="{28A0092B-C50C-407E-A947-70E740481C1C}">
-                <a14:useLocalDpi xmlns:a14="http://schemas.microsoft.com/office/drawing/2010/main" val="0"/>
-              </a:ext>
-            </a:extLst>
-          </a:blip>
-          <a:srcRect/>
-          <a:stretch>
-            <a:fillRect/>
-          </a:stretch>
-        </p:blipFill>
-        <p:spPr bwMode="auto">
-          <a:xfrm>
-            <a:off x="1050496" y="4462886"/>
-            <a:ext cx="1704553" cy="1253348"/>
-          </a:xfrm>
-          <a:prstGeom prst="rect">
-            <a:avLst/>
-          </a:prstGeom>
-          <a:noFill/>
-          <a:extLst>
-            <a:ext uri="{909E8E84-426E-40DD-AFC4-6F175D3DCCD1}">
-              <a14:hiddenFill xmlns:a14="http://schemas.microsoft.com/office/drawing/2010/main">
-                <a:solidFill>
-                  <a:srgbClr val="FFFFFF"/>
-                </a:solidFill>
-              </a14:hiddenFill>
-            </a:ext>
-          </a:extLst>
-        </p:spPr>
-      </p:pic>
-      <p:pic>
-        <p:nvPicPr>
-          <p:cNvPr id="1050" name="Picture 26">
-            <a:extLst>
-              <a:ext uri="{FF2B5EF4-FFF2-40B4-BE49-F238E27FC236}">
-                <a16:creationId xmlns:a16="http://schemas.microsoft.com/office/drawing/2014/main" id="{428F7499-02F0-B225-5A07-BA7A38229A1E}"/>
-              </a:ext>
-            </a:extLst>
-          </p:cNvPr>
-          <p:cNvPicPr>
-            <a:picLocks noChangeAspect="1" noChangeArrowheads="1"/>
-          </p:cNvPicPr>
-          <p:nvPr/>
-        </p:nvPicPr>
-        <p:blipFill>
-          <a:blip r:embed="rId6">
-            <a:extLst>
-              <a:ext uri="{28A0092B-C50C-407E-A947-70E740481C1C}">
-                <a14:useLocalDpi xmlns:a14="http://schemas.microsoft.com/office/drawing/2010/main" val="0"/>
-              </a:ext>
-            </a:extLst>
-          </a:blip>
-          <a:srcRect/>
-          <a:stretch>
-            <a:fillRect/>
-          </a:stretch>
-        </p:blipFill>
-        <p:spPr bwMode="auto">
-          <a:xfrm>
-            <a:off x="1050495" y="5604652"/>
-            <a:ext cx="1704553" cy="1253348"/>
-          </a:xfrm>
-          <a:prstGeom prst="rect">
-            <a:avLst/>
-          </a:prstGeom>
-          <a:noFill/>
-          <a:extLst>
-            <a:ext uri="{909E8E84-426E-40DD-AFC4-6F175D3DCCD1}">
-              <a14:hiddenFill xmlns:a14="http://schemas.microsoft.com/office/drawing/2010/main">
-                <a:solidFill>
-                  <a:srgbClr val="FFFFFF"/>
-                </a:solidFill>
-              </a14:hiddenFill>
-            </a:ext>
-          </a:extLst>
-        </p:spPr>
-      </p:pic>
-      <p:sp>
-        <p:nvSpPr>
-          <p:cNvPr id="6" name="TextBox 5">
-            <a:extLst>
-              <a:ext uri="{FF2B5EF4-FFF2-40B4-BE49-F238E27FC236}">
-                <a16:creationId xmlns:a16="http://schemas.microsoft.com/office/drawing/2014/main" id="{040976B6-03C0-93A4-9F20-39B7C3E2C186}"/>
-              </a:ext>
-            </a:extLst>
-          </p:cNvPr>
-          <p:cNvSpPr txBox="1"/>
-          <p:nvPr/>
-        </p:nvSpPr>
-        <p:spPr>
-          <a:xfrm>
-            <a:off x="118533" y="1482694"/>
-            <a:ext cx="1109762" cy="369332"/>
-          </a:xfrm>
-          <a:prstGeom prst="rect">
-            <a:avLst/>
-          </a:prstGeom>
-          <a:noFill/>
-        </p:spPr>
-        <p:txBody>
-          <a:bodyPr wrap="square" rtlCol="0">
-            <a:spAutoFit/>
-          </a:bodyPr>
-          <a:lstStyle/>
-          <a:p>
-            <a:pPr algn="ctr"/>
-            <a:r>
-              <a:rPr lang="en-US" dirty="0"/>
-              <a:t>N = 50</a:t>
-            </a:r>
-          </a:p>
-        </p:txBody>
-      </p:sp>
-      <p:sp>
-        <p:nvSpPr>
-          <p:cNvPr id="7" name="TextBox 6">
-            <a:extLst>
-              <a:ext uri="{FF2B5EF4-FFF2-40B4-BE49-F238E27FC236}">
-                <a16:creationId xmlns:a16="http://schemas.microsoft.com/office/drawing/2014/main" id="{12A4C896-AC34-703A-9D84-D7C492C1F379}"/>
-              </a:ext>
-            </a:extLst>
-          </p:cNvPr>
-          <p:cNvSpPr txBox="1"/>
-          <p:nvPr/>
-        </p:nvSpPr>
-        <p:spPr>
-          <a:xfrm>
-            <a:off x="110068" y="2621362"/>
-            <a:ext cx="1109762" cy="369332"/>
-          </a:xfrm>
-          <a:prstGeom prst="rect">
-            <a:avLst/>
-          </a:prstGeom>
-          <a:noFill/>
-        </p:spPr>
-        <p:txBody>
-          <a:bodyPr wrap="square" rtlCol="0">
-            <a:spAutoFit/>
-          </a:bodyPr>
-          <a:lstStyle/>
-          <a:p>
-            <a:pPr algn="ctr"/>
-            <a:r>
-              <a:rPr lang="en-US" dirty="0"/>
-              <a:t>N = 100</a:t>
-            </a:r>
-          </a:p>
-        </p:txBody>
-      </p:sp>
-      <p:sp>
-        <p:nvSpPr>
-          <p:cNvPr id="8" name="TextBox 7">
-            <a:extLst>
-              <a:ext uri="{FF2B5EF4-FFF2-40B4-BE49-F238E27FC236}">
-                <a16:creationId xmlns:a16="http://schemas.microsoft.com/office/drawing/2014/main" id="{01596658-D5B9-C4F3-8E6C-A9B32C80B5FA}"/>
-              </a:ext>
-            </a:extLst>
-          </p:cNvPr>
-          <p:cNvSpPr txBox="1"/>
-          <p:nvPr/>
-        </p:nvSpPr>
-        <p:spPr>
-          <a:xfrm>
-            <a:off x="110066" y="3760030"/>
-            <a:ext cx="1109762" cy="369332"/>
-          </a:xfrm>
-          <a:prstGeom prst="rect">
-            <a:avLst/>
-          </a:prstGeom>
-          <a:noFill/>
-        </p:spPr>
-        <p:txBody>
-          <a:bodyPr wrap="square" rtlCol="0">
-            <a:spAutoFit/>
-          </a:bodyPr>
-          <a:lstStyle/>
-          <a:p>
-            <a:pPr algn="ctr"/>
-            <a:r>
-              <a:rPr lang="en-US" dirty="0"/>
-              <a:t>N = 250</a:t>
-            </a:r>
-          </a:p>
-        </p:txBody>
-      </p:sp>
-      <p:sp>
-        <p:nvSpPr>
-          <p:cNvPr id="9" name="TextBox 8">
-            <a:extLst>
-              <a:ext uri="{FF2B5EF4-FFF2-40B4-BE49-F238E27FC236}">
-                <a16:creationId xmlns:a16="http://schemas.microsoft.com/office/drawing/2014/main" id="{516EA0B1-2660-E27B-1BE9-D20619B11B15}"/>
-              </a:ext>
-            </a:extLst>
-          </p:cNvPr>
-          <p:cNvSpPr txBox="1"/>
-          <p:nvPr/>
-        </p:nvSpPr>
-        <p:spPr>
-          <a:xfrm>
-            <a:off x="110066" y="4867991"/>
-            <a:ext cx="1109762" cy="369332"/>
-          </a:xfrm>
-          <a:prstGeom prst="rect">
-            <a:avLst/>
-          </a:prstGeom>
-          <a:noFill/>
-        </p:spPr>
-        <p:txBody>
-          <a:bodyPr wrap="square" rtlCol="0">
-            <a:spAutoFit/>
-          </a:bodyPr>
-          <a:lstStyle/>
-          <a:p>
-            <a:pPr algn="ctr"/>
-            <a:r>
-              <a:rPr lang="en-US" dirty="0"/>
-              <a:t>N = 500</a:t>
-            </a:r>
-          </a:p>
-        </p:txBody>
-      </p:sp>
-      <p:sp>
-        <p:nvSpPr>
-          <p:cNvPr id="10" name="TextBox 9">
-            <a:extLst>
-              <a:ext uri="{FF2B5EF4-FFF2-40B4-BE49-F238E27FC236}">
-                <a16:creationId xmlns:a16="http://schemas.microsoft.com/office/drawing/2014/main" id="{0BE3DEF5-9259-C55E-CCBD-D61835F23BD8}"/>
-              </a:ext>
-            </a:extLst>
-          </p:cNvPr>
-          <p:cNvSpPr txBox="1"/>
-          <p:nvPr/>
-        </p:nvSpPr>
-        <p:spPr>
-          <a:xfrm>
-            <a:off x="110066" y="5975952"/>
-            <a:ext cx="1109762" cy="369332"/>
-          </a:xfrm>
-          <a:prstGeom prst="rect">
-            <a:avLst/>
-          </a:prstGeom>
-          <a:noFill/>
-        </p:spPr>
-        <p:txBody>
-          <a:bodyPr wrap="square" rtlCol="0">
-            <a:spAutoFit/>
-          </a:bodyPr>
-          <a:lstStyle/>
-          <a:p>
-            <a:pPr algn="ctr"/>
-            <a:r>
-              <a:rPr lang="en-US" dirty="0"/>
-              <a:t>N = 1000</a:t>
-            </a:r>
-          </a:p>
-        </p:txBody>
-      </p:sp>
-      <p:pic>
-        <p:nvPicPr>
-          <p:cNvPr id="1054" name="Picture 30">
-            <a:extLst>
-              <a:ext uri="{FF2B5EF4-FFF2-40B4-BE49-F238E27FC236}">
-                <a16:creationId xmlns:a16="http://schemas.microsoft.com/office/drawing/2014/main" id="{17D58055-CFDA-D44C-E657-8E42DB0F9227}"/>
-              </a:ext>
-            </a:extLst>
-          </p:cNvPr>
-          <p:cNvPicPr>
-            <a:picLocks noChangeAspect="1" noChangeArrowheads="1"/>
-          </p:cNvPicPr>
-          <p:nvPr/>
-        </p:nvPicPr>
-        <p:blipFill>
-          <a:blip r:embed="rId7">
-            <a:extLst>
-              <a:ext uri="{28A0092B-C50C-407E-A947-70E740481C1C}">
-                <a14:useLocalDpi xmlns:a14="http://schemas.microsoft.com/office/drawing/2010/main" val="0"/>
-              </a:ext>
-            </a:extLst>
-          </a:blip>
-          <a:srcRect/>
-          <a:stretch>
-            <a:fillRect/>
-          </a:stretch>
-        </p:blipFill>
-        <p:spPr bwMode="auto">
-          <a:xfrm>
-            <a:off x="9333002" y="2000295"/>
-            <a:ext cx="2858998" cy="2040430"/>
-          </a:xfrm>
-          <a:prstGeom prst="rect">
-            <a:avLst/>
-          </a:prstGeom>
-          <a:noFill/>
-          <a:extLst>
-            <a:ext uri="{909E8E84-426E-40DD-AFC4-6F175D3DCCD1}">
-              <a14:hiddenFill xmlns:a14="http://schemas.microsoft.com/office/drawing/2010/main">
-                <a:solidFill>
-                  <a:srgbClr val="FFFFFF"/>
-                </a:solidFill>
-              </a14:hiddenFill>
-            </a:ext>
-          </a:extLst>
-        </p:spPr>
-      </p:pic>
-      <p:pic>
-        <p:nvPicPr>
-          <p:cNvPr id="1058" name="Picture 34">
-            <a:extLst>
-              <a:ext uri="{FF2B5EF4-FFF2-40B4-BE49-F238E27FC236}">
-                <a16:creationId xmlns:a16="http://schemas.microsoft.com/office/drawing/2014/main" id="{6F34F49E-973E-D946-E050-9354D9AC18EE}"/>
-              </a:ext>
-            </a:extLst>
-          </p:cNvPr>
-          <p:cNvPicPr>
-            <a:picLocks noChangeAspect="1" noChangeArrowheads="1"/>
-          </p:cNvPicPr>
-          <p:nvPr/>
-        </p:nvPicPr>
-        <p:blipFill>
-          <a:blip r:embed="rId8">
-            <a:extLst>
-              <a:ext uri="{28A0092B-C50C-407E-A947-70E740481C1C}">
-                <a14:useLocalDpi xmlns:a14="http://schemas.microsoft.com/office/drawing/2010/main" val="0"/>
-              </a:ext>
-            </a:extLst>
-          </a:blip>
-          <a:srcRect/>
-          <a:stretch>
-            <a:fillRect/>
-          </a:stretch>
-        </p:blipFill>
-        <p:spPr bwMode="auto">
-          <a:xfrm>
-            <a:off x="9333002" y="3735318"/>
-            <a:ext cx="2743200" cy="2040429"/>
-          </a:xfrm>
-          <a:prstGeom prst="rect">
-            <a:avLst/>
-          </a:prstGeom>
-          <a:noFill/>
-          <a:extLst>
-            <a:ext uri="{909E8E84-426E-40DD-AFC4-6F175D3DCCD1}">
-              <a14:hiddenFill xmlns:a14="http://schemas.microsoft.com/office/drawing/2010/main">
-                <a:solidFill>
-                  <a:srgbClr val="FFFFFF"/>
-                </a:solidFill>
-              </a14:hiddenFill>
-            </a:ext>
-          </a:extLst>
-        </p:spPr>
-      </p:pic>
-      <p:pic>
-        <p:nvPicPr>
-          <p:cNvPr id="1052" name="Picture 28">
-            <a:extLst>
-              <a:ext uri="{FF2B5EF4-FFF2-40B4-BE49-F238E27FC236}">
-                <a16:creationId xmlns:a16="http://schemas.microsoft.com/office/drawing/2014/main" id="{8D14E277-BDD1-4CFC-BAD5-8AD4D035DA4D}"/>
-              </a:ext>
-            </a:extLst>
-          </p:cNvPr>
-          <p:cNvPicPr>
-            <a:picLocks noChangeAspect="1" noChangeArrowheads="1"/>
-          </p:cNvPicPr>
-          <p:nvPr/>
-        </p:nvPicPr>
-        <p:blipFill>
-          <a:blip r:embed="rId9">
-            <a:extLst>
-              <a:ext uri="{28A0092B-C50C-407E-A947-70E740481C1C}">
-                <a14:useLocalDpi xmlns:a14="http://schemas.microsoft.com/office/drawing/2010/main" val="0"/>
-              </a:ext>
-            </a:extLst>
-          </a:blip>
-          <a:srcRect/>
-          <a:stretch>
-            <a:fillRect/>
-          </a:stretch>
-        </p:blipFill>
-        <p:spPr bwMode="auto">
-          <a:xfrm>
-            <a:off x="6506807" y="2050473"/>
-            <a:ext cx="2858997" cy="2009557"/>
-          </a:xfrm>
-          <a:prstGeom prst="rect">
-            <a:avLst/>
-          </a:prstGeom>
-          <a:noFill/>
-          <a:extLst>
-            <a:ext uri="{909E8E84-426E-40DD-AFC4-6F175D3DCCD1}">
-              <a14:hiddenFill xmlns:a14="http://schemas.microsoft.com/office/drawing/2010/main">
-                <a:solidFill>
-                  <a:srgbClr val="FFFFFF"/>
-                </a:solidFill>
-              </a14:hiddenFill>
-            </a:ext>
-          </a:extLst>
-        </p:spPr>
-      </p:pic>
-      <p:pic>
-        <p:nvPicPr>
-          <p:cNvPr id="1056" name="Picture 32">
-            <a:extLst>
-              <a:ext uri="{FF2B5EF4-FFF2-40B4-BE49-F238E27FC236}">
-                <a16:creationId xmlns:a16="http://schemas.microsoft.com/office/drawing/2014/main" id="{E6C8F860-301E-1B4F-862A-9555AEA5C080}"/>
-              </a:ext>
-            </a:extLst>
-          </p:cNvPr>
-          <p:cNvPicPr>
-            <a:picLocks noChangeAspect="1" noChangeArrowheads="1"/>
-          </p:cNvPicPr>
-          <p:nvPr/>
-        </p:nvPicPr>
-        <p:blipFill>
-          <a:blip r:embed="rId10">
-            <a:extLst>
-              <a:ext uri="{28A0092B-C50C-407E-A947-70E740481C1C}">
-                <a14:useLocalDpi xmlns:a14="http://schemas.microsoft.com/office/drawing/2010/main" val="0"/>
-              </a:ext>
-            </a:extLst>
-          </a:blip>
-          <a:srcRect/>
-          <a:stretch>
-            <a:fillRect/>
-          </a:stretch>
-        </p:blipFill>
-        <p:spPr bwMode="auto">
-          <a:xfrm>
-            <a:off x="6506807" y="3748186"/>
-            <a:ext cx="2758597" cy="1968775"/>
-          </a:xfrm>
-          <a:prstGeom prst="rect">
-            <a:avLst/>
-          </a:prstGeom>
-          <a:noFill/>
-          <a:extLst>
-            <a:ext uri="{909E8E84-426E-40DD-AFC4-6F175D3DCCD1}">
-              <a14:hiddenFill xmlns:a14="http://schemas.microsoft.com/office/drawing/2010/main">
-                <a:solidFill>
-                  <a:srgbClr val="FFFFFF"/>
-                </a:solidFill>
-              </a14:hiddenFill>
-            </a:ext>
-          </a:extLst>
-        </p:spPr>
-      </p:pic>
-      <p:cxnSp>
-        <p:nvCxnSpPr>
-          <p:cNvPr id="12" name="Straight Connector 11">
-            <a:extLst>
-              <a:ext uri="{FF2B5EF4-FFF2-40B4-BE49-F238E27FC236}">
-                <a16:creationId xmlns:a16="http://schemas.microsoft.com/office/drawing/2014/main" id="{9B399F55-9CD1-7E09-D6F3-16DC0CEC9835}"/>
-              </a:ext>
-            </a:extLst>
-          </p:cNvPr>
-          <p:cNvCxnSpPr>
-            <a:cxnSpLocks/>
-          </p:cNvCxnSpPr>
-          <p:nvPr/>
-        </p:nvCxnSpPr>
-        <p:spPr>
-          <a:xfrm>
-            <a:off x="2514602" y="1036745"/>
-            <a:ext cx="0" cy="5684730"/>
-          </a:xfrm>
-          <a:prstGeom prst="line">
-            <a:avLst/>
-          </a:prstGeom>
-          <a:ln w="19050">
-            <a:solidFill>
-              <a:srgbClr val="C00000"/>
-            </a:solidFill>
-            <a:prstDash val="dash"/>
-          </a:ln>
-        </p:spPr>
-        <p:style>
-          <a:lnRef idx="1">
-            <a:schemeClr val="accent1"/>
-          </a:lnRef>
-          <a:fillRef idx="0">
-            <a:schemeClr val="accent1"/>
-          </a:fillRef>
-          <a:effectRef idx="0">
-            <a:schemeClr val="accent1"/>
-          </a:effectRef>
-          <a:fontRef idx="minor">
-            <a:schemeClr val="tx1"/>
-          </a:fontRef>
-        </p:style>
-      </p:cxnSp>
-      <p:sp>
-        <p:nvSpPr>
-          <p:cNvPr id="15" name="TextBox 14">
-            <a:extLst>
-              <a:ext uri="{FF2B5EF4-FFF2-40B4-BE49-F238E27FC236}">
-                <a16:creationId xmlns:a16="http://schemas.microsoft.com/office/drawing/2014/main" id="{A274E17C-510C-B562-FCB0-59D18E763C5B}"/>
-              </a:ext>
-            </a:extLst>
-          </p:cNvPr>
-          <p:cNvSpPr txBox="1"/>
-          <p:nvPr/>
-        </p:nvSpPr>
-        <p:spPr>
-          <a:xfrm>
-            <a:off x="2908358" y="1216563"/>
-            <a:ext cx="2277533" cy="461665"/>
-          </a:xfrm>
-          <a:prstGeom prst="rect">
-            <a:avLst/>
-          </a:prstGeom>
-          <a:noFill/>
-        </p:spPr>
-        <p:txBody>
-          <a:bodyPr wrap="square" rtlCol="0">
-            <a:spAutoFit/>
-          </a:bodyPr>
-          <a:lstStyle/>
-          <a:p>
-            <a:r>
-              <a:rPr lang="en-US" sz="1200" dirty="0">
-                <a:solidFill>
-                  <a:srgbClr val="C00000"/>
-                </a:solidFill>
-              </a:rPr>
-              <a:t>Transition knee in red (z ~ 90)</a:t>
-            </a:r>
-          </a:p>
-          <a:p>
-            <a:endParaRPr lang="en-US" sz="1200" dirty="0">
-              <a:solidFill>
-                <a:srgbClr val="C00000"/>
-              </a:solidFill>
-            </a:endParaRPr>
-          </a:p>
-        </p:txBody>
-      </p:sp>
-      <p:pic>
-        <p:nvPicPr>
-          <p:cNvPr id="1062" name="Picture 38">
-            <a:extLst>
-              <a:ext uri="{FF2B5EF4-FFF2-40B4-BE49-F238E27FC236}">
-                <a16:creationId xmlns:a16="http://schemas.microsoft.com/office/drawing/2014/main" id="{FF7C98AD-6D8F-08CE-6CD5-42F0B92ED771}"/>
-              </a:ext>
-            </a:extLst>
-          </p:cNvPr>
-          <p:cNvPicPr>
-            <a:picLocks noChangeAspect="1" noChangeArrowheads="1"/>
-          </p:cNvPicPr>
-          <p:nvPr/>
-        </p:nvPicPr>
-        <p:blipFill>
-          <a:blip r:embed="rId11">
-            <a:extLst>
-              <a:ext uri="{28A0092B-C50C-407E-A947-70E740481C1C}">
-                <a14:useLocalDpi xmlns:a14="http://schemas.microsoft.com/office/drawing/2010/main" val="0"/>
-              </a:ext>
-            </a:extLst>
-          </a:blip>
-          <a:srcRect/>
-          <a:stretch>
-            <a:fillRect/>
-          </a:stretch>
-        </p:blipFill>
-        <p:spPr bwMode="auto">
-          <a:xfrm>
-            <a:off x="2919099" y="2704510"/>
-            <a:ext cx="3570772" cy="2672429"/>
-          </a:xfrm>
-          <a:prstGeom prst="rect">
-            <a:avLst/>
-          </a:prstGeom>
-          <a:noFill/>
-          <a:extLst>
-            <a:ext uri="{909E8E84-426E-40DD-AFC4-6F175D3DCCD1}">
-              <a14:hiddenFill xmlns:a14="http://schemas.microsoft.com/office/drawing/2010/main">
-                <a:solidFill>
-                  <a:srgbClr val="FFFFFF"/>
-                </a:solidFill>
-              </a14:hiddenFill>
-            </a:ext>
-          </a:extLst>
-        </p:spPr>
-      </p:pic>
-      <p:sp>
-        <p:nvSpPr>
-          <p:cNvPr id="16" name="TextBox 15">
-            <a:extLst>
-              <a:ext uri="{FF2B5EF4-FFF2-40B4-BE49-F238E27FC236}">
-                <a16:creationId xmlns:a16="http://schemas.microsoft.com/office/drawing/2014/main" id="{17B4BA82-DF93-93A0-D95B-00B0F7C9A0BC}"/>
-              </a:ext>
-            </a:extLst>
-          </p:cNvPr>
-          <p:cNvSpPr txBox="1"/>
-          <p:nvPr/>
-        </p:nvSpPr>
-        <p:spPr>
-          <a:xfrm>
-            <a:off x="3809550" y="5483295"/>
-            <a:ext cx="2277533" cy="276999"/>
-          </a:xfrm>
-          <a:prstGeom prst="rect">
-            <a:avLst/>
-          </a:prstGeom>
-          <a:noFill/>
-        </p:spPr>
-        <p:txBody>
-          <a:bodyPr wrap="square" rtlCol="0">
-            <a:spAutoFit/>
-          </a:bodyPr>
-          <a:lstStyle/>
-          <a:p>
-            <a:pPr algn="ctr"/>
-            <a:r>
-              <a:rPr lang="en-US" sz="1200" dirty="0"/>
-              <a:t>Analytical dotted</a:t>
-            </a:r>
-          </a:p>
-        </p:txBody>
-      </p:sp>
-      <p:pic>
-        <p:nvPicPr>
-          <p:cNvPr id="5" name="Picture 4">
-            <a:extLst>
-              <a:ext uri="{FF2B5EF4-FFF2-40B4-BE49-F238E27FC236}">
-                <a16:creationId xmlns:a16="http://schemas.microsoft.com/office/drawing/2014/main" id="{C9CF7FE1-8AC5-4BF5-D055-2372EE5BB424}"/>
-              </a:ext>
-            </a:extLst>
-          </p:cNvPr>
-          <p:cNvPicPr>
-            <a:picLocks noChangeAspect="1"/>
-          </p:cNvPicPr>
-          <p:nvPr/>
-        </p:nvPicPr>
-        <p:blipFill>
-          <a:blip r:embed="rId12"/>
-          <a:stretch>
-            <a:fillRect/>
-          </a:stretch>
-        </p:blipFill>
-        <p:spPr>
-          <a:xfrm>
-            <a:off x="2986053" y="1506868"/>
-            <a:ext cx="3025281" cy="326342"/>
-          </a:xfrm>
-          <a:prstGeom prst="rect">
-            <a:avLst/>
-          </a:prstGeom>
-        </p:spPr>
-      </p:pic>
+        </p:nvGrpSpPr>
+        <p:grpSpPr>
+          <a:xfrm>
+            <a:off x="5134212" y="3706421"/>
+            <a:ext cx="6837335" cy="1422745"/>
+            <a:chOff x="5134212" y="3706421"/>
+            <a:chExt cx="6837335" cy="1422745"/>
+          </a:xfrm>
+        </p:grpSpPr>
+        <p:pic>
+          <p:nvPicPr>
+            <p:cNvPr id="5" name="Picture 4">
+              <a:extLst>
+                <a:ext uri="{FF2B5EF4-FFF2-40B4-BE49-F238E27FC236}">
+                  <a16:creationId xmlns:a16="http://schemas.microsoft.com/office/drawing/2014/main" id="{14141201-BD02-DBF5-CFAF-72D175EA4B05}"/>
+                </a:ext>
+              </a:extLst>
+            </p:cNvPr>
+            <p:cNvPicPr>
+              <a:picLocks noChangeAspect="1"/>
+            </p:cNvPicPr>
+            <p:nvPr/>
+          </p:nvPicPr>
+          <p:blipFill>
+            <a:blip r:embed="rId4"/>
+            <a:stretch>
+              <a:fillRect/>
+            </a:stretch>
+          </p:blipFill>
+          <p:spPr>
+            <a:xfrm>
+              <a:off x="6168707" y="3794329"/>
+              <a:ext cx="2743201" cy="961828"/>
+            </a:xfrm>
+            <a:prstGeom prst="rect">
+              <a:avLst/>
+            </a:prstGeom>
+          </p:spPr>
+        </p:pic>
+        <p:sp>
+          <p:nvSpPr>
+            <p:cNvPr id="6" name="TextBox 5">
+              <a:extLst>
+                <a:ext uri="{FF2B5EF4-FFF2-40B4-BE49-F238E27FC236}">
+                  <a16:creationId xmlns:a16="http://schemas.microsoft.com/office/drawing/2014/main" id="{70772536-6113-1FAD-AFB3-9A39BCF0E82B}"/>
+                </a:ext>
+              </a:extLst>
+            </p:cNvPr>
+            <p:cNvSpPr txBox="1"/>
+            <p:nvPr/>
+          </p:nvSpPr>
+          <p:spPr>
+            <a:xfrm>
+              <a:off x="9228347" y="4643656"/>
+              <a:ext cx="2641920" cy="276999"/>
+            </a:xfrm>
+            <a:prstGeom prst="rect">
+              <a:avLst/>
+            </a:prstGeom>
+            <a:noFill/>
+          </p:spPr>
+          <p:txBody>
+            <a:bodyPr wrap="square" rtlCol="0">
+              <a:spAutoFit/>
+            </a:bodyPr>
+            <a:lstStyle/>
+            <a:p>
+              <a:r>
+                <a:rPr lang="en-US" sz="1200" dirty="0"/>
+                <a:t>Srinivasan et al. Part I. 2024. </a:t>
+              </a:r>
+              <a:r>
+                <a:rPr lang="en-US" sz="1200" i="1" dirty="0"/>
+                <a:t>Langmuir</a:t>
+              </a:r>
+              <a:endParaRPr lang="en-US" sz="1200" dirty="0"/>
+            </a:p>
+          </p:txBody>
+        </p:sp>
+        <p:sp>
+          <p:nvSpPr>
+            <p:cNvPr id="8" name="TextBox 7">
+              <a:extLst>
+                <a:ext uri="{FF2B5EF4-FFF2-40B4-BE49-F238E27FC236}">
+                  <a16:creationId xmlns:a16="http://schemas.microsoft.com/office/drawing/2014/main" id="{DA10584F-3755-7EBF-F80D-35C85FFF10E7}"/>
+                </a:ext>
+              </a:extLst>
+            </p:cNvPr>
+            <p:cNvSpPr txBox="1"/>
+            <p:nvPr/>
+          </p:nvSpPr>
+          <p:spPr>
+            <a:xfrm>
+              <a:off x="9228347" y="3706421"/>
+              <a:ext cx="2743200" cy="830997"/>
+            </a:xfrm>
+            <a:prstGeom prst="rect">
+              <a:avLst/>
+            </a:prstGeom>
+            <a:noFill/>
+          </p:spPr>
+          <p:txBody>
+            <a:bodyPr wrap="square" rtlCol="0">
+              <a:spAutoFit/>
+            </a:bodyPr>
+            <a:lstStyle/>
+            <a:p>
+              <a:r>
+                <a:rPr lang="en-US" sz="1200" dirty="0"/>
+                <a:t>Note: midpoint concentration can be calculated analytically but wasn’t quite right. In plot, used midpoint concentration obtained with N = 10,000</a:t>
+              </a:r>
+            </a:p>
+          </p:txBody>
+        </p:sp>
+        <p:sp>
+          <p:nvSpPr>
+            <p:cNvPr id="10" name="TextBox 9">
+              <a:extLst>
+                <a:ext uri="{FF2B5EF4-FFF2-40B4-BE49-F238E27FC236}">
+                  <a16:creationId xmlns:a16="http://schemas.microsoft.com/office/drawing/2014/main" id="{8A0B6B1B-1E11-A18F-7F04-5F71BA849150}"/>
+                </a:ext>
+              </a:extLst>
+            </p:cNvPr>
+            <p:cNvSpPr txBox="1"/>
+            <p:nvPr/>
+          </p:nvSpPr>
+          <p:spPr>
+            <a:xfrm>
+              <a:off x="5134212" y="3937254"/>
+              <a:ext cx="1236134" cy="369332"/>
+            </a:xfrm>
+            <a:prstGeom prst="rect">
+              <a:avLst/>
+            </a:prstGeom>
+            <a:noFill/>
+          </p:spPr>
+          <p:txBody>
+            <a:bodyPr wrap="square" rtlCol="0">
+              <a:spAutoFit/>
+            </a:bodyPr>
+            <a:lstStyle/>
+            <a:p>
+              <a:r>
+                <a:rPr lang="en-US" dirty="0"/>
+                <a:t>Dashed:</a:t>
+              </a:r>
+            </a:p>
+          </p:txBody>
+        </p:sp>
+        <p:sp>
+          <p:nvSpPr>
+            <p:cNvPr id="16" name="TextBox 15">
+              <a:extLst>
+                <a:ext uri="{FF2B5EF4-FFF2-40B4-BE49-F238E27FC236}">
+                  <a16:creationId xmlns:a16="http://schemas.microsoft.com/office/drawing/2014/main" id="{A7C655A2-0E61-BE57-D4E2-1A58BF41242B}"/>
+                </a:ext>
+              </a:extLst>
+            </p:cNvPr>
+            <p:cNvSpPr txBox="1"/>
+            <p:nvPr/>
+          </p:nvSpPr>
+          <p:spPr>
+            <a:xfrm>
+              <a:off x="6352278" y="4852167"/>
+              <a:ext cx="3360527" cy="276999"/>
+            </a:xfrm>
+            <a:prstGeom prst="rect">
+              <a:avLst/>
+            </a:prstGeom>
+            <a:noFill/>
+          </p:spPr>
+          <p:txBody>
+            <a:bodyPr wrap="square" rtlCol="0">
+              <a:spAutoFit/>
+            </a:bodyPr>
+            <a:lstStyle/>
+            <a:p>
+              <a:r>
+                <a:rPr lang="en-US" sz="1200" dirty="0"/>
+                <a:t>Finite boundary condition</a:t>
+              </a:r>
+            </a:p>
+          </p:txBody>
+        </p:sp>
+      </p:grpSp>
     </p:spTree>
     <p:extLst>
       <p:ext uri="{BB962C8B-B14F-4D97-AF65-F5344CB8AC3E}">
-        <p14:creationId xmlns:p14="http://schemas.microsoft.com/office/powerpoint/2010/main" val="3168892698"/>
+        <p14:creationId xmlns:p14="http://schemas.microsoft.com/office/powerpoint/2010/main" val="3614348224"/>
       </p:ext>
     </p:extLst>
   </p:cSld>
@@ -4646,12 +4205,69 @@
           <a:chExt cx="0" cy="0"/>
         </a:xfrm>
       </p:grpSpPr>
+      <p:sp>
+        <p:nvSpPr>
+          <p:cNvPr id="2" name="Title 1">
+            <a:extLst>
+              <a:ext uri="{FF2B5EF4-FFF2-40B4-BE49-F238E27FC236}">
+                <a16:creationId xmlns:a16="http://schemas.microsoft.com/office/drawing/2014/main" id="{B3436272-836D-489D-55E0-0D4D0B415472}"/>
+              </a:ext>
+            </a:extLst>
+          </p:cNvPr>
+          <p:cNvSpPr>
+            <a:spLocks noGrp="1"/>
+          </p:cNvSpPr>
+          <p:nvPr>
+            <p:ph type="title"/>
+          </p:nvPr>
+        </p:nvSpPr>
+        <p:spPr/>
+        <p:txBody>
+          <a:bodyPr/>
+          <a:lstStyle/>
+          <a:p>
+            <a:r>
+              <a:rPr lang="en-US" dirty="0"/>
+              <a:t>Uneven grid (N)</a:t>
+            </a:r>
+          </a:p>
+        </p:txBody>
+      </p:sp>
+      <p:sp>
+        <p:nvSpPr>
+          <p:cNvPr id="3" name="Slide Number Placeholder 2">
+            <a:extLst>
+              <a:ext uri="{FF2B5EF4-FFF2-40B4-BE49-F238E27FC236}">
+                <a16:creationId xmlns:a16="http://schemas.microsoft.com/office/drawing/2014/main" id="{C7B67C98-748A-3022-A142-F88F92AB605F}"/>
+              </a:ext>
+            </a:extLst>
+          </p:cNvPr>
+          <p:cNvSpPr>
+            <a:spLocks noGrp="1"/>
+          </p:cNvSpPr>
+          <p:nvPr>
+            <p:ph type="sldNum" sz="quarter" idx="12"/>
+          </p:nvPr>
+        </p:nvSpPr>
+        <p:spPr/>
+        <p:txBody>
+          <a:bodyPr/>
+          <a:lstStyle/>
+          <a:p>
+            <a:fld id="{5911C0E6-D9CE-431C-92CB-BB39B872F930}" type="slidenum">
+              <a:rPr lang="en-US" smtClean="0"/>
+              <a:t>14</a:t>
+            </a:fld>
+            <a:endParaRPr lang="en-US"/>
+          </a:p>
+        </p:txBody>
+      </p:sp>
       <p:pic>
         <p:nvPicPr>
-          <p:cNvPr id="2066" name="Picture 18">
-            <a:extLst>
-              <a:ext uri="{FF2B5EF4-FFF2-40B4-BE49-F238E27FC236}">
-                <a16:creationId xmlns:a16="http://schemas.microsoft.com/office/drawing/2014/main" id="{3EABF0F0-F65D-7CB7-C728-06B648137B9C}"/>
+          <p:cNvPr id="1042" name="Picture 18">
+            <a:extLst>
+              <a:ext uri="{FF2B5EF4-FFF2-40B4-BE49-F238E27FC236}">
+                <a16:creationId xmlns:a16="http://schemas.microsoft.com/office/drawing/2014/main" id="{A64E2537-7F5C-6576-CE5E-4997091DE72B}"/>
               </a:ext>
             </a:extLst>
           </p:cNvPr>
@@ -4675,8 +4291,8 @@
         </p:blipFill>
         <p:spPr bwMode="auto">
           <a:xfrm>
-            <a:off x="1116873" y="1418133"/>
-            <a:ext cx="2016822" cy="1440587"/>
+            <a:off x="1075902" y="1036745"/>
+            <a:ext cx="1704553" cy="1253348"/>
           </a:xfrm>
           <a:prstGeom prst="rect">
             <a:avLst/>
@@ -4695,10 +4311,10 @@
       </p:pic>
       <p:pic>
         <p:nvPicPr>
-          <p:cNvPr id="2060" name="Picture 12">
-            <a:extLst>
-              <a:ext uri="{FF2B5EF4-FFF2-40B4-BE49-F238E27FC236}">
-                <a16:creationId xmlns:a16="http://schemas.microsoft.com/office/drawing/2014/main" id="{41E8D11D-6FF1-B35C-B852-0F0A3F0ACA20}"/>
+          <p:cNvPr id="1044" name="Picture 20">
+            <a:extLst>
+              <a:ext uri="{FF2B5EF4-FFF2-40B4-BE49-F238E27FC236}">
+                <a16:creationId xmlns:a16="http://schemas.microsoft.com/office/drawing/2014/main" id="{27394E69-756B-7B07-6C3E-0F0C4DA7B282}"/>
               </a:ext>
             </a:extLst>
           </p:cNvPr>
@@ -4722,8 +4338,8 @@
         </p:blipFill>
         <p:spPr bwMode="auto">
           <a:xfrm>
-            <a:off x="1116874" y="2760854"/>
-            <a:ext cx="2016821" cy="1440587"/>
+            <a:off x="1058966" y="2179354"/>
+            <a:ext cx="1704553" cy="1253348"/>
           </a:xfrm>
           <a:prstGeom prst="rect">
             <a:avLst/>
@@ -4740,6 +4356,880 @@
           </a:extLst>
         </p:spPr>
       </p:pic>
+      <p:pic>
+        <p:nvPicPr>
+          <p:cNvPr id="1046" name="Picture 22">
+            <a:extLst>
+              <a:ext uri="{FF2B5EF4-FFF2-40B4-BE49-F238E27FC236}">
+                <a16:creationId xmlns:a16="http://schemas.microsoft.com/office/drawing/2014/main" id="{ADE9A683-F360-2DDB-5BEB-ADB131974DDD}"/>
+              </a:ext>
+            </a:extLst>
+          </p:cNvPr>
+          <p:cNvPicPr>
+            <a:picLocks noChangeAspect="1" noChangeArrowheads="1"/>
+          </p:cNvPicPr>
+          <p:nvPr/>
+        </p:nvPicPr>
+        <p:blipFill>
+          <a:blip r:embed="rId4">
+            <a:extLst>
+              <a:ext uri="{28A0092B-C50C-407E-A947-70E740481C1C}">
+                <a14:useLocalDpi xmlns:a14="http://schemas.microsoft.com/office/drawing/2010/main" val="0"/>
+              </a:ext>
+            </a:extLst>
+          </a:blip>
+          <a:srcRect/>
+          <a:stretch>
+            <a:fillRect/>
+          </a:stretch>
+        </p:blipFill>
+        <p:spPr bwMode="auto">
+          <a:xfrm>
+            <a:off x="1050497" y="3321120"/>
+            <a:ext cx="1704553" cy="1253348"/>
+          </a:xfrm>
+          <a:prstGeom prst="rect">
+            <a:avLst/>
+          </a:prstGeom>
+          <a:noFill/>
+          <a:extLst>
+            <a:ext uri="{909E8E84-426E-40DD-AFC4-6F175D3DCCD1}">
+              <a14:hiddenFill xmlns:a14="http://schemas.microsoft.com/office/drawing/2010/main">
+                <a:solidFill>
+                  <a:srgbClr val="FFFFFF"/>
+                </a:solidFill>
+              </a14:hiddenFill>
+            </a:ext>
+          </a:extLst>
+        </p:spPr>
+      </p:pic>
+      <p:pic>
+        <p:nvPicPr>
+          <p:cNvPr id="1048" name="Picture 24">
+            <a:extLst>
+              <a:ext uri="{FF2B5EF4-FFF2-40B4-BE49-F238E27FC236}">
+                <a16:creationId xmlns:a16="http://schemas.microsoft.com/office/drawing/2014/main" id="{B6ACD7A2-AE91-3798-8448-C4C2867489E4}"/>
+              </a:ext>
+            </a:extLst>
+          </p:cNvPr>
+          <p:cNvPicPr>
+            <a:picLocks noChangeAspect="1" noChangeArrowheads="1"/>
+          </p:cNvPicPr>
+          <p:nvPr/>
+        </p:nvPicPr>
+        <p:blipFill>
+          <a:blip r:embed="rId5">
+            <a:extLst>
+              <a:ext uri="{28A0092B-C50C-407E-A947-70E740481C1C}">
+                <a14:useLocalDpi xmlns:a14="http://schemas.microsoft.com/office/drawing/2010/main" val="0"/>
+              </a:ext>
+            </a:extLst>
+          </a:blip>
+          <a:srcRect/>
+          <a:stretch>
+            <a:fillRect/>
+          </a:stretch>
+        </p:blipFill>
+        <p:spPr bwMode="auto">
+          <a:xfrm>
+            <a:off x="1050496" y="4462886"/>
+            <a:ext cx="1704553" cy="1253348"/>
+          </a:xfrm>
+          <a:prstGeom prst="rect">
+            <a:avLst/>
+          </a:prstGeom>
+          <a:noFill/>
+          <a:extLst>
+            <a:ext uri="{909E8E84-426E-40DD-AFC4-6F175D3DCCD1}">
+              <a14:hiddenFill xmlns:a14="http://schemas.microsoft.com/office/drawing/2010/main">
+                <a:solidFill>
+                  <a:srgbClr val="FFFFFF"/>
+                </a:solidFill>
+              </a14:hiddenFill>
+            </a:ext>
+          </a:extLst>
+        </p:spPr>
+      </p:pic>
+      <p:pic>
+        <p:nvPicPr>
+          <p:cNvPr id="1050" name="Picture 26">
+            <a:extLst>
+              <a:ext uri="{FF2B5EF4-FFF2-40B4-BE49-F238E27FC236}">
+                <a16:creationId xmlns:a16="http://schemas.microsoft.com/office/drawing/2014/main" id="{428F7499-02F0-B225-5A07-BA7A38229A1E}"/>
+              </a:ext>
+            </a:extLst>
+          </p:cNvPr>
+          <p:cNvPicPr>
+            <a:picLocks noChangeAspect="1" noChangeArrowheads="1"/>
+          </p:cNvPicPr>
+          <p:nvPr/>
+        </p:nvPicPr>
+        <p:blipFill>
+          <a:blip r:embed="rId6">
+            <a:extLst>
+              <a:ext uri="{28A0092B-C50C-407E-A947-70E740481C1C}">
+                <a14:useLocalDpi xmlns:a14="http://schemas.microsoft.com/office/drawing/2010/main" val="0"/>
+              </a:ext>
+            </a:extLst>
+          </a:blip>
+          <a:srcRect/>
+          <a:stretch>
+            <a:fillRect/>
+          </a:stretch>
+        </p:blipFill>
+        <p:spPr bwMode="auto">
+          <a:xfrm>
+            <a:off x="1050495" y="5604652"/>
+            <a:ext cx="1704553" cy="1253348"/>
+          </a:xfrm>
+          <a:prstGeom prst="rect">
+            <a:avLst/>
+          </a:prstGeom>
+          <a:noFill/>
+          <a:extLst>
+            <a:ext uri="{909E8E84-426E-40DD-AFC4-6F175D3DCCD1}">
+              <a14:hiddenFill xmlns:a14="http://schemas.microsoft.com/office/drawing/2010/main">
+                <a:solidFill>
+                  <a:srgbClr val="FFFFFF"/>
+                </a:solidFill>
+              </a14:hiddenFill>
+            </a:ext>
+          </a:extLst>
+        </p:spPr>
+      </p:pic>
+      <p:sp>
+        <p:nvSpPr>
+          <p:cNvPr id="6" name="TextBox 5">
+            <a:extLst>
+              <a:ext uri="{FF2B5EF4-FFF2-40B4-BE49-F238E27FC236}">
+                <a16:creationId xmlns:a16="http://schemas.microsoft.com/office/drawing/2014/main" id="{040976B6-03C0-93A4-9F20-39B7C3E2C186}"/>
+              </a:ext>
+            </a:extLst>
+          </p:cNvPr>
+          <p:cNvSpPr txBox="1"/>
+          <p:nvPr/>
+        </p:nvSpPr>
+        <p:spPr>
+          <a:xfrm>
+            <a:off x="118533" y="1482694"/>
+            <a:ext cx="1109762" cy="369332"/>
+          </a:xfrm>
+          <a:prstGeom prst="rect">
+            <a:avLst/>
+          </a:prstGeom>
+          <a:noFill/>
+        </p:spPr>
+        <p:txBody>
+          <a:bodyPr wrap="square" rtlCol="0">
+            <a:spAutoFit/>
+          </a:bodyPr>
+          <a:lstStyle/>
+          <a:p>
+            <a:pPr algn="ctr"/>
+            <a:r>
+              <a:rPr lang="en-US" dirty="0"/>
+              <a:t>N = 50</a:t>
+            </a:r>
+          </a:p>
+        </p:txBody>
+      </p:sp>
+      <p:sp>
+        <p:nvSpPr>
+          <p:cNvPr id="7" name="TextBox 6">
+            <a:extLst>
+              <a:ext uri="{FF2B5EF4-FFF2-40B4-BE49-F238E27FC236}">
+                <a16:creationId xmlns:a16="http://schemas.microsoft.com/office/drawing/2014/main" id="{12A4C896-AC34-703A-9D84-D7C492C1F379}"/>
+              </a:ext>
+            </a:extLst>
+          </p:cNvPr>
+          <p:cNvSpPr txBox="1"/>
+          <p:nvPr/>
+        </p:nvSpPr>
+        <p:spPr>
+          <a:xfrm>
+            <a:off x="110068" y="2621362"/>
+            <a:ext cx="1109762" cy="369332"/>
+          </a:xfrm>
+          <a:prstGeom prst="rect">
+            <a:avLst/>
+          </a:prstGeom>
+          <a:noFill/>
+        </p:spPr>
+        <p:txBody>
+          <a:bodyPr wrap="square" rtlCol="0">
+            <a:spAutoFit/>
+          </a:bodyPr>
+          <a:lstStyle/>
+          <a:p>
+            <a:pPr algn="ctr"/>
+            <a:r>
+              <a:rPr lang="en-US" dirty="0"/>
+              <a:t>N = 100</a:t>
+            </a:r>
+          </a:p>
+        </p:txBody>
+      </p:sp>
+      <p:sp>
+        <p:nvSpPr>
+          <p:cNvPr id="8" name="TextBox 7">
+            <a:extLst>
+              <a:ext uri="{FF2B5EF4-FFF2-40B4-BE49-F238E27FC236}">
+                <a16:creationId xmlns:a16="http://schemas.microsoft.com/office/drawing/2014/main" id="{01596658-D5B9-C4F3-8E6C-A9B32C80B5FA}"/>
+              </a:ext>
+            </a:extLst>
+          </p:cNvPr>
+          <p:cNvSpPr txBox="1"/>
+          <p:nvPr/>
+        </p:nvSpPr>
+        <p:spPr>
+          <a:xfrm>
+            <a:off x="110066" y="3760030"/>
+            <a:ext cx="1109762" cy="369332"/>
+          </a:xfrm>
+          <a:prstGeom prst="rect">
+            <a:avLst/>
+          </a:prstGeom>
+          <a:noFill/>
+        </p:spPr>
+        <p:txBody>
+          <a:bodyPr wrap="square" rtlCol="0">
+            <a:spAutoFit/>
+          </a:bodyPr>
+          <a:lstStyle/>
+          <a:p>
+            <a:pPr algn="ctr"/>
+            <a:r>
+              <a:rPr lang="en-US" dirty="0"/>
+              <a:t>N = 250</a:t>
+            </a:r>
+          </a:p>
+        </p:txBody>
+      </p:sp>
+      <p:sp>
+        <p:nvSpPr>
+          <p:cNvPr id="9" name="TextBox 8">
+            <a:extLst>
+              <a:ext uri="{FF2B5EF4-FFF2-40B4-BE49-F238E27FC236}">
+                <a16:creationId xmlns:a16="http://schemas.microsoft.com/office/drawing/2014/main" id="{516EA0B1-2660-E27B-1BE9-D20619B11B15}"/>
+              </a:ext>
+            </a:extLst>
+          </p:cNvPr>
+          <p:cNvSpPr txBox="1"/>
+          <p:nvPr/>
+        </p:nvSpPr>
+        <p:spPr>
+          <a:xfrm>
+            <a:off x="110066" y="4867991"/>
+            <a:ext cx="1109762" cy="369332"/>
+          </a:xfrm>
+          <a:prstGeom prst="rect">
+            <a:avLst/>
+          </a:prstGeom>
+          <a:noFill/>
+        </p:spPr>
+        <p:txBody>
+          <a:bodyPr wrap="square" rtlCol="0">
+            <a:spAutoFit/>
+          </a:bodyPr>
+          <a:lstStyle/>
+          <a:p>
+            <a:pPr algn="ctr"/>
+            <a:r>
+              <a:rPr lang="en-US" dirty="0"/>
+              <a:t>N = 500</a:t>
+            </a:r>
+          </a:p>
+        </p:txBody>
+      </p:sp>
+      <p:sp>
+        <p:nvSpPr>
+          <p:cNvPr id="10" name="TextBox 9">
+            <a:extLst>
+              <a:ext uri="{FF2B5EF4-FFF2-40B4-BE49-F238E27FC236}">
+                <a16:creationId xmlns:a16="http://schemas.microsoft.com/office/drawing/2014/main" id="{0BE3DEF5-9259-C55E-CCBD-D61835F23BD8}"/>
+              </a:ext>
+            </a:extLst>
+          </p:cNvPr>
+          <p:cNvSpPr txBox="1"/>
+          <p:nvPr/>
+        </p:nvSpPr>
+        <p:spPr>
+          <a:xfrm>
+            <a:off x="110066" y="5975952"/>
+            <a:ext cx="1109762" cy="369332"/>
+          </a:xfrm>
+          <a:prstGeom prst="rect">
+            <a:avLst/>
+          </a:prstGeom>
+          <a:noFill/>
+        </p:spPr>
+        <p:txBody>
+          <a:bodyPr wrap="square" rtlCol="0">
+            <a:spAutoFit/>
+          </a:bodyPr>
+          <a:lstStyle/>
+          <a:p>
+            <a:pPr algn="ctr"/>
+            <a:r>
+              <a:rPr lang="en-US" dirty="0"/>
+              <a:t>N = 1000</a:t>
+            </a:r>
+          </a:p>
+        </p:txBody>
+      </p:sp>
+      <p:pic>
+        <p:nvPicPr>
+          <p:cNvPr id="1054" name="Picture 30">
+            <a:extLst>
+              <a:ext uri="{FF2B5EF4-FFF2-40B4-BE49-F238E27FC236}">
+                <a16:creationId xmlns:a16="http://schemas.microsoft.com/office/drawing/2014/main" id="{17D58055-CFDA-D44C-E657-8E42DB0F9227}"/>
+              </a:ext>
+            </a:extLst>
+          </p:cNvPr>
+          <p:cNvPicPr>
+            <a:picLocks noChangeAspect="1" noChangeArrowheads="1"/>
+          </p:cNvPicPr>
+          <p:nvPr/>
+        </p:nvPicPr>
+        <p:blipFill>
+          <a:blip r:embed="rId7">
+            <a:extLst>
+              <a:ext uri="{28A0092B-C50C-407E-A947-70E740481C1C}">
+                <a14:useLocalDpi xmlns:a14="http://schemas.microsoft.com/office/drawing/2010/main" val="0"/>
+              </a:ext>
+            </a:extLst>
+          </a:blip>
+          <a:srcRect/>
+          <a:stretch>
+            <a:fillRect/>
+          </a:stretch>
+        </p:blipFill>
+        <p:spPr bwMode="auto">
+          <a:xfrm>
+            <a:off x="9333002" y="2000295"/>
+            <a:ext cx="2858998" cy="2040430"/>
+          </a:xfrm>
+          <a:prstGeom prst="rect">
+            <a:avLst/>
+          </a:prstGeom>
+          <a:noFill/>
+          <a:extLst>
+            <a:ext uri="{909E8E84-426E-40DD-AFC4-6F175D3DCCD1}">
+              <a14:hiddenFill xmlns:a14="http://schemas.microsoft.com/office/drawing/2010/main">
+                <a:solidFill>
+                  <a:srgbClr val="FFFFFF"/>
+                </a:solidFill>
+              </a14:hiddenFill>
+            </a:ext>
+          </a:extLst>
+        </p:spPr>
+      </p:pic>
+      <p:pic>
+        <p:nvPicPr>
+          <p:cNvPr id="1058" name="Picture 34">
+            <a:extLst>
+              <a:ext uri="{FF2B5EF4-FFF2-40B4-BE49-F238E27FC236}">
+                <a16:creationId xmlns:a16="http://schemas.microsoft.com/office/drawing/2014/main" id="{6F34F49E-973E-D946-E050-9354D9AC18EE}"/>
+              </a:ext>
+            </a:extLst>
+          </p:cNvPr>
+          <p:cNvPicPr>
+            <a:picLocks noChangeAspect="1" noChangeArrowheads="1"/>
+          </p:cNvPicPr>
+          <p:nvPr/>
+        </p:nvPicPr>
+        <p:blipFill>
+          <a:blip r:embed="rId8">
+            <a:extLst>
+              <a:ext uri="{28A0092B-C50C-407E-A947-70E740481C1C}">
+                <a14:useLocalDpi xmlns:a14="http://schemas.microsoft.com/office/drawing/2010/main" val="0"/>
+              </a:ext>
+            </a:extLst>
+          </a:blip>
+          <a:srcRect/>
+          <a:stretch>
+            <a:fillRect/>
+          </a:stretch>
+        </p:blipFill>
+        <p:spPr bwMode="auto">
+          <a:xfrm>
+            <a:off x="9333002" y="3735318"/>
+            <a:ext cx="2743200" cy="2040429"/>
+          </a:xfrm>
+          <a:prstGeom prst="rect">
+            <a:avLst/>
+          </a:prstGeom>
+          <a:noFill/>
+          <a:extLst>
+            <a:ext uri="{909E8E84-426E-40DD-AFC4-6F175D3DCCD1}">
+              <a14:hiddenFill xmlns:a14="http://schemas.microsoft.com/office/drawing/2010/main">
+                <a:solidFill>
+                  <a:srgbClr val="FFFFFF"/>
+                </a:solidFill>
+              </a14:hiddenFill>
+            </a:ext>
+          </a:extLst>
+        </p:spPr>
+      </p:pic>
+      <p:pic>
+        <p:nvPicPr>
+          <p:cNvPr id="1052" name="Picture 28">
+            <a:extLst>
+              <a:ext uri="{FF2B5EF4-FFF2-40B4-BE49-F238E27FC236}">
+                <a16:creationId xmlns:a16="http://schemas.microsoft.com/office/drawing/2014/main" id="{8D14E277-BDD1-4CFC-BAD5-8AD4D035DA4D}"/>
+              </a:ext>
+            </a:extLst>
+          </p:cNvPr>
+          <p:cNvPicPr>
+            <a:picLocks noChangeAspect="1" noChangeArrowheads="1"/>
+          </p:cNvPicPr>
+          <p:nvPr/>
+        </p:nvPicPr>
+        <p:blipFill>
+          <a:blip r:embed="rId9">
+            <a:extLst>
+              <a:ext uri="{28A0092B-C50C-407E-A947-70E740481C1C}">
+                <a14:useLocalDpi xmlns:a14="http://schemas.microsoft.com/office/drawing/2010/main" val="0"/>
+              </a:ext>
+            </a:extLst>
+          </a:blip>
+          <a:srcRect/>
+          <a:stretch>
+            <a:fillRect/>
+          </a:stretch>
+        </p:blipFill>
+        <p:spPr bwMode="auto">
+          <a:xfrm>
+            <a:off x="6506807" y="2050473"/>
+            <a:ext cx="2858997" cy="2009557"/>
+          </a:xfrm>
+          <a:prstGeom prst="rect">
+            <a:avLst/>
+          </a:prstGeom>
+          <a:noFill/>
+          <a:extLst>
+            <a:ext uri="{909E8E84-426E-40DD-AFC4-6F175D3DCCD1}">
+              <a14:hiddenFill xmlns:a14="http://schemas.microsoft.com/office/drawing/2010/main">
+                <a:solidFill>
+                  <a:srgbClr val="FFFFFF"/>
+                </a:solidFill>
+              </a14:hiddenFill>
+            </a:ext>
+          </a:extLst>
+        </p:spPr>
+      </p:pic>
+      <p:pic>
+        <p:nvPicPr>
+          <p:cNvPr id="1056" name="Picture 32">
+            <a:extLst>
+              <a:ext uri="{FF2B5EF4-FFF2-40B4-BE49-F238E27FC236}">
+                <a16:creationId xmlns:a16="http://schemas.microsoft.com/office/drawing/2014/main" id="{E6C8F860-301E-1B4F-862A-9555AEA5C080}"/>
+              </a:ext>
+            </a:extLst>
+          </p:cNvPr>
+          <p:cNvPicPr>
+            <a:picLocks noChangeAspect="1" noChangeArrowheads="1"/>
+          </p:cNvPicPr>
+          <p:nvPr/>
+        </p:nvPicPr>
+        <p:blipFill>
+          <a:blip r:embed="rId10">
+            <a:extLst>
+              <a:ext uri="{28A0092B-C50C-407E-A947-70E740481C1C}">
+                <a14:useLocalDpi xmlns:a14="http://schemas.microsoft.com/office/drawing/2010/main" val="0"/>
+              </a:ext>
+            </a:extLst>
+          </a:blip>
+          <a:srcRect/>
+          <a:stretch>
+            <a:fillRect/>
+          </a:stretch>
+        </p:blipFill>
+        <p:spPr bwMode="auto">
+          <a:xfrm>
+            <a:off x="6506807" y="3748186"/>
+            <a:ext cx="2758597" cy="1968775"/>
+          </a:xfrm>
+          <a:prstGeom prst="rect">
+            <a:avLst/>
+          </a:prstGeom>
+          <a:noFill/>
+          <a:extLst>
+            <a:ext uri="{909E8E84-426E-40DD-AFC4-6F175D3DCCD1}">
+              <a14:hiddenFill xmlns:a14="http://schemas.microsoft.com/office/drawing/2010/main">
+                <a:solidFill>
+                  <a:srgbClr val="FFFFFF"/>
+                </a:solidFill>
+              </a14:hiddenFill>
+            </a:ext>
+          </a:extLst>
+        </p:spPr>
+      </p:pic>
+      <p:cxnSp>
+        <p:nvCxnSpPr>
+          <p:cNvPr id="12" name="Straight Connector 11">
+            <a:extLst>
+              <a:ext uri="{FF2B5EF4-FFF2-40B4-BE49-F238E27FC236}">
+                <a16:creationId xmlns:a16="http://schemas.microsoft.com/office/drawing/2014/main" id="{9B399F55-9CD1-7E09-D6F3-16DC0CEC9835}"/>
+              </a:ext>
+            </a:extLst>
+          </p:cNvPr>
+          <p:cNvCxnSpPr>
+            <a:cxnSpLocks/>
+          </p:cNvCxnSpPr>
+          <p:nvPr/>
+        </p:nvCxnSpPr>
+        <p:spPr>
+          <a:xfrm>
+            <a:off x="2514602" y="1036745"/>
+            <a:ext cx="0" cy="5684730"/>
+          </a:xfrm>
+          <a:prstGeom prst="line">
+            <a:avLst/>
+          </a:prstGeom>
+          <a:ln w="19050">
+            <a:solidFill>
+              <a:srgbClr val="C00000"/>
+            </a:solidFill>
+            <a:prstDash val="dash"/>
+          </a:ln>
+        </p:spPr>
+        <p:style>
+          <a:lnRef idx="1">
+            <a:schemeClr val="accent1"/>
+          </a:lnRef>
+          <a:fillRef idx="0">
+            <a:schemeClr val="accent1"/>
+          </a:fillRef>
+          <a:effectRef idx="0">
+            <a:schemeClr val="accent1"/>
+          </a:effectRef>
+          <a:fontRef idx="minor">
+            <a:schemeClr val="tx1"/>
+          </a:fontRef>
+        </p:style>
+      </p:cxnSp>
+      <p:sp>
+        <p:nvSpPr>
+          <p:cNvPr id="15" name="TextBox 14">
+            <a:extLst>
+              <a:ext uri="{FF2B5EF4-FFF2-40B4-BE49-F238E27FC236}">
+                <a16:creationId xmlns:a16="http://schemas.microsoft.com/office/drawing/2014/main" id="{A274E17C-510C-B562-FCB0-59D18E763C5B}"/>
+              </a:ext>
+            </a:extLst>
+          </p:cNvPr>
+          <p:cNvSpPr txBox="1"/>
+          <p:nvPr/>
+        </p:nvSpPr>
+        <p:spPr>
+          <a:xfrm>
+            <a:off x="2908358" y="1216563"/>
+            <a:ext cx="2277533" cy="461665"/>
+          </a:xfrm>
+          <a:prstGeom prst="rect">
+            <a:avLst/>
+          </a:prstGeom>
+          <a:noFill/>
+        </p:spPr>
+        <p:txBody>
+          <a:bodyPr wrap="square" rtlCol="0">
+            <a:spAutoFit/>
+          </a:bodyPr>
+          <a:lstStyle/>
+          <a:p>
+            <a:r>
+              <a:rPr lang="en-US" sz="1200" dirty="0">
+                <a:solidFill>
+                  <a:srgbClr val="C00000"/>
+                </a:solidFill>
+              </a:rPr>
+              <a:t>Transition knee in red (z ~ 90)</a:t>
+            </a:r>
+          </a:p>
+          <a:p>
+            <a:endParaRPr lang="en-US" sz="1200" dirty="0">
+              <a:solidFill>
+                <a:srgbClr val="C00000"/>
+              </a:solidFill>
+            </a:endParaRPr>
+          </a:p>
+        </p:txBody>
+      </p:sp>
+      <p:pic>
+        <p:nvPicPr>
+          <p:cNvPr id="1062" name="Picture 38">
+            <a:extLst>
+              <a:ext uri="{FF2B5EF4-FFF2-40B4-BE49-F238E27FC236}">
+                <a16:creationId xmlns:a16="http://schemas.microsoft.com/office/drawing/2014/main" id="{FF7C98AD-6D8F-08CE-6CD5-42F0B92ED771}"/>
+              </a:ext>
+            </a:extLst>
+          </p:cNvPr>
+          <p:cNvPicPr>
+            <a:picLocks noChangeAspect="1" noChangeArrowheads="1"/>
+          </p:cNvPicPr>
+          <p:nvPr/>
+        </p:nvPicPr>
+        <p:blipFill>
+          <a:blip r:embed="rId11">
+            <a:extLst>
+              <a:ext uri="{28A0092B-C50C-407E-A947-70E740481C1C}">
+                <a14:useLocalDpi xmlns:a14="http://schemas.microsoft.com/office/drawing/2010/main" val="0"/>
+              </a:ext>
+            </a:extLst>
+          </a:blip>
+          <a:srcRect/>
+          <a:stretch>
+            <a:fillRect/>
+          </a:stretch>
+        </p:blipFill>
+        <p:spPr bwMode="auto">
+          <a:xfrm>
+            <a:off x="2919099" y="2704510"/>
+            <a:ext cx="3570772" cy="2672429"/>
+          </a:xfrm>
+          <a:prstGeom prst="rect">
+            <a:avLst/>
+          </a:prstGeom>
+          <a:noFill/>
+          <a:extLst>
+            <a:ext uri="{909E8E84-426E-40DD-AFC4-6F175D3DCCD1}">
+              <a14:hiddenFill xmlns:a14="http://schemas.microsoft.com/office/drawing/2010/main">
+                <a:solidFill>
+                  <a:srgbClr val="FFFFFF"/>
+                </a:solidFill>
+              </a14:hiddenFill>
+            </a:ext>
+          </a:extLst>
+        </p:spPr>
+      </p:pic>
+      <p:sp>
+        <p:nvSpPr>
+          <p:cNvPr id="16" name="TextBox 15">
+            <a:extLst>
+              <a:ext uri="{FF2B5EF4-FFF2-40B4-BE49-F238E27FC236}">
+                <a16:creationId xmlns:a16="http://schemas.microsoft.com/office/drawing/2014/main" id="{17B4BA82-DF93-93A0-D95B-00B0F7C9A0BC}"/>
+              </a:ext>
+            </a:extLst>
+          </p:cNvPr>
+          <p:cNvSpPr txBox="1"/>
+          <p:nvPr/>
+        </p:nvSpPr>
+        <p:spPr>
+          <a:xfrm>
+            <a:off x="3809550" y="5483295"/>
+            <a:ext cx="2277533" cy="276999"/>
+          </a:xfrm>
+          <a:prstGeom prst="rect">
+            <a:avLst/>
+          </a:prstGeom>
+          <a:noFill/>
+        </p:spPr>
+        <p:txBody>
+          <a:bodyPr wrap="square" rtlCol="0">
+            <a:spAutoFit/>
+          </a:bodyPr>
+          <a:lstStyle/>
+          <a:p>
+            <a:pPr algn="ctr"/>
+            <a:r>
+              <a:rPr lang="en-US" sz="1200" dirty="0"/>
+              <a:t>Analytical dotted</a:t>
+            </a:r>
+          </a:p>
+        </p:txBody>
+      </p:sp>
+      <p:pic>
+        <p:nvPicPr>
+          <p:cNvPr id="5" name="Picture 4">
+            <a:extLst>
+              <a:ext uri="{FF2B5EF4-FFF2-40B4-BE49-F238E27FC236}">
+                <a16:creationId xmlns:a16="http://schemas.microsoft.com/office/drawing/2014/main" id="{C9CF7FE1-8AC5-4BF5-D055-2372EE5BB424}"/>
+              </a:ext>
+            </a:extLst>
+          </p:cNvPr>
+          <p:cNvPicPr>
+            <a:picLocks noChangeAspect="1"/>
+          </p:cNvPicPr>
+          <p:nvPr/>
+        </p:nvPicPr>
+        <p:blipFill>
+          <a:blip r:embed="rId12"/>
+          <a:stretch>
+            <a:fillRect/>
+          </a:stretch>
+        </p:blipFill>
+        <p:spPr>
+          <a:xfrm>
+            <a:off x="2986053" y="1506868"/>
+            <a:ext cx="3025281" cy="326342"/>
+          </a:xfrm>
+          <a:prstGeom prst="rect">
+            <a:avLst/>
+          </a:prstGeom>
+        </p:spPr>
+      </p:pic>
+      <p:sp>
+        <p:nvSpPr>
+          <p:cNvPr id="11" name="TextBox 10">
+            <a:extLst>
+              <a:ext uri="{FF2B5EF4-FFF2-40B4-BE49-F238E27FC236}">
+                <a16:creationId xmlns:a16="http://schemas.microsoft.com/office/drawing/2014/main" id="{EADAF1DB-9397-854F-027F-767953804AA9}"/>
+              </a:ext>
+            </a:extLst>
+          </p:cNvPr>
+          <p:cNvSpPr txBox="1"/>
+          <p:nvPr/>
+        </p:nvSpPr>
+        <p:spPr>
+          <a:xfrm>
+            <a:off x="8838565" y="1208374"/>
+            <a:ext cx="2718435" cy="461665"/>
+          </a:xfrm>
+          <a:prstGeom prst="rect">
+            <a:avLst/>
+          </a:prstGeom>
+          <a:noFill/>
+        </p:spPr>
+        <p:txBody>
+          <a:bodyPr wrap="square" rtlCol="0">
+            <a:spAutoFit/>
+          </a:bodyPr>
+          <a:lstStyle/>
+          <a:p>
+            <a:r>
+              <a:rPr lang="en-US" sz="1200" dirty="0"/>
+              <a:t>Analytical = log-divergence (original)</a:t>
+            </a:r>
+          </a:p>
+          <a:p>
+            <a:endParaRPr lang="en-US" sz="1200" dirty="0"/>
+          </a:p>
+        </p:txBody>
+      </p:sp>
+    </p:spTree>
+    <p:extLst>
+      <p:ext uri="{BB962C8B-B14F-4D97-AF65-F5344CB8AC3E}">
+        <p14:creationId xmlns:p14="http://schemas.microsoft.com/office/powerpoint/2010/main" val="3168892698"/>
+      </p:ext>
+    </p:extLst>
+  </p:cSld>
+  <p:clrMapOvr>
+    <a:masterClrMapping/>
+  </p:clrMapOvr>
+</p:sld>
+</file>
+
+<file path=ppt/slides/slide15.xml><?xml version="1.0" encoding="utf-8"?>
+<p:sld xmlns:a="http://schemas.openxmlformats.org/drawingml/2006/main" xmlns:r="http://schemas.openxmlformats.org/officeDocument/2006/relationships" xmlns:p="http://schemas.openxmlformats.org/presentationml/2006/main">
+  <p:cSld>
+    <p:spTree>
+      <p:nvGrpSpPr>
+        <p:cNvPr id="1" name=""/>
+        <p:cNvGrpSpPr/>
+        <p:nvPr/>
+      </p:nvGrpSpPr>
+      <p:grpSpPr>
+        <a:xfrm>
+          <a:off x="0" y="0"/>
+          <a:ext cx="0" cy="0"/>
+          <a:chOff x="0" y="0"/>
+          <a:chExt cx="0" cy="0"/>
+        </a:xfrm>
+      </p:grpSpPr>
+      <p:pic>
+        <p:nvPicPr>
+          <p:cNvPr id="2066" name="Picture 18">
+            <a:extLst>
+              <a:ext uri="{FF2B5EF4-FFF2-40B4-BE49-F238E27FC236}">
+                <a16:creationId xmlns:a16="http://schemas.microsoft.com/office/drawing/2014/main" id="{3EABF0F0-F65D-7CB7-C728-06B648137B9C}"/>
+              </a:ext>
+            </a:extLst>
+          </p:cNvPr>
+          <p:cNvPicPr>
+            <a:picLocks noChangeAspect="1" noChangeArrowheads="1"/>
+          </p:cNvPicPr>
+          <p:nvPr/>
+        </p:nvPicPr>
+        <p:blipFill>
+          <a:blip r:embed="rId2">
+            <a:extLst>
+              <a:ext uri="{28A0092B-C50C-407E-A947-70E740481C1C}">
+                <a14:useLocalDpi xmlns:a14="http://schemas.microsoft.com/office/drawing/2010/main" val="0"/>
+              </a:ext>
+            </a:extLst>
+          </a:blip>
+          <a:srcRect/>
+          <a:stretch>
+            <a:fillRect/>
+          </a:stretch>
+        </p:blipFill>
+        <p:spPr bwMode="auto">
+          <a:xfrm>
+            <a:off x="1116873" y="1418133"/>
+            <a:ext cx="2016822" cy="1440587"/>
+          </a:xfrm>
+          <a:prstGeom prst="rect">
+            <a:avLst/>
+          </a:prstGeom>
+          <a:noFill/>
+          <a:extLst>
+            <a:ext uri="{909E8E84-426E-40DD-AFC4-6F175D3DCCD1}">
+              <a14:hiddenFill xmlns:a14="http://schemas.microsoft.com/office/drawing/2010/main">
+                <a:solidFill>
+                  <a:srgbClr val="FFFFFF"/>
+                </a:solidFill>
+              </a14:hiddenFill>
+            </a:ext>
+          </a:extLst>
+        </p:spPr>
+      </p:pic>
+      <p:pic>
+        <p:nvPicPr>
+          <p:cNvPr id="2060" name="Picture 12">
+            <a:extLst>
+              <a:ext uri="{FF2B5EF4-FFF2-40B4-BE49-F238E27FC236}">
+                <a16:creationId xmlns:a16="http://schemas.microsoft.com/office/drawing/2014/main" id="{41E8D11D-6FF1-B35C-B852-0F0A3F0ACA20}"/>
+              </a:ext>
+            </a:extLst>
+          </p:cNvPr>
+          <p:cNvPicPr>
+            <a:picLocks noChangeAspect="1" noChangeArrowheads="1"/>
+          </p:cNvPicPr>
+          <p:nvPr/>
+        </p:nvPicPr>
+        <p:blipFill>
+          <a:blip r:embed="rId3">
+            <a:extLst>
+              <a:ext uri="{28A0092B-C50C-407E-A947-70E740481C1C}">
+                <a14:useLocalDpi xmlns:a14="http://schemas.microsoft.com/office/drawing/2010/main" val="0"/>
+              </a:ext>
+            </a:extLst>
+          </a:blip>
+          <a:srcRect/>
+          <a:stretch>
+            <a:fillRect/>
+          </a:stretch>
+        </p:blipFill>
+        <p:spPr bwMode="auto">
+          <a:xfrm>
+            <a:off x="1116874" y="2760854"/>
+            <a:ext cx="2016821" cy="1440587"/>
+          </a:xfrm>
+          <a:prstGeom prst="rect">
+            <a:avLst/>
+          </a:prstGeom>
+          <a:noFill/>
+          <a:extLst>
+            <a:ext uri="{909E8E84-426E-40DD-AFC4-6F175D3DCCD1}">
+              <a14:hiddenFill xmlns:a14="http://schemas.microsoft.com/office/drawing/2010/main">
+                <a:solidFill>
+                  <a:srgbClr val="FFFFFF"/>
+                </a:solidFill>
+              </a14:hiddenFill>
+            </a:ext>
+          </a:extLst>
+        </p:spPr>
+      </p:pic>
       <p:sp>
         <p:nvSpPr>
           <p:cNvPr id="2" name="Title 1">
@@ -4791,7 +5281,7 @@
           <a:p>
             <a:fld id="{5911C0E6-D9CE-431C-92CB-BB39B872F930}" type="slidenum">
               <a:rPr lang="en-US" smtClean="0"/>
-              <a:t>14</a:t>
+              <a:t>15</a:t>
             </a:fld>
             <a:endParaRPr lang="en-US"/>
           </a:p>
@@ -5408,7 +5898,7 @@
 </p:sld>
 </file>
 
-<file path=ppt/slides/slide15.xml><?xml version="1.0" encoding="utf-8"?>
+<file path=ppt/slides/slide16.xml><?xml version="1.0" encoding="utf-8"?>
 <p:sld xmlns:a="http://schemas.openxmlformats.org/drawingml/2006/main" xmlns:r="http://schemas.openxmlformats.org/officeDocument/2006/relationships" xmlns:p="http://schemas.openxmlformats.org/presentationml/2006/main">
   <p:cSld>
     <p:spTree>
@@ -5529,7 +6019,7 @@
           <a:p>
             <a:fld id="{5911C0E6-D9CE-431C-92CB-BB39B872F930}" type="slidenum">
               <a:rPr lang="en-US" smtClean="0"/>
-              <a:t>15</a:t>
+              <a:t>16</a:t>
             </a:fld>
             <a:endParaRPr lang="en-US"/>
           </a:p>
@@ -6172,7 +6662,7 @@
 </p:sld>
 </file>
 
-<file path=ppt/slides/slide16.xml><?xml version="1.0" encoding="utf-8"?>
+<file path=ppt/slides/slide17.xml><?xml version="1.0" encoding="utf-8"?>
 <p:sld xmlns:a="http://schemas.openxmlformats.org/drawingml/2006/main" xmlns:r="http://schemas.openxmlformats.org/officeDocument/2006/relationships" xmlns:p="http://schemas.openxmlformats.org/presentationml/2006/main">
   <p:cSld>
     <p:spTree>
@@ -6247,7 +6737,7 @@
           <a:p>
             <a:fld id="{5911C0E6-D9CE-431C-92CB-BB39B872F930}" type="slidenum">
               <a:rPr lang="en-US" smtClean="0"/>
-              <a:t>16</a:t>
+              <a:t>17</a:t>
             </a:fld>
             <a:endParaRPr lang="en-US"/>
           </a:p>

--- a/NAF.pptx
+++ b/NAF.pptx
@@ -5,7 +5,7 @@
     <p:sldMasterId id="2147483648" r:id="rId1"/>
   </p:sldMasterIdLst>
   <p:notesMasterIdLst>
-    <p:notesMasterId r:id="rId19"/>
+    <p:notesMasterId r:id="rId22"/>
   </p:notesMasterIdLst>
   <p:sldIdLst>
     <p:sldId id="256" r:id="rId2"/>
@@ -14,17 +14,20 @@
     <p:sldId id="263" r:id="rId5"/>
     <p:sldId id="257" r:id="rId6"/>
     <p:sldId id="262" r:id="rId7"/>
-    <p:sldId id="264" r:id="rId8"/>
-    <p:sldId id="265" r:id="rId9"/>
-    <p:sldId id="267" r:id="rId10"/>
-    <p:sldId id="268" r:id="rId11"/>
-    <p:sldId id="269" r:id="rId12"/>
-    <p:sldId id="272" r:id="rId13"/>
-    <p:sldId id="275" r:id="rId14"/>
-    <p:sldId id="270" r:id="rId15"/>
-    <p:sldId id="271" r:id="rId16"/>
-    <p:sldId id="274" r:id="rId17"/>
-    <p:sldId id="273" r:id="rId18"/>
+    <p:sldId id="277" r:id="rId8"/>
+    <p:sldId id="264" r:id="rId9"/>
+    <p:sldId id="265" r:id="rId10"/>
+    <p:sldId id="267" r:id="rId11"/>
+    <p:sldId id="268" r:id="rId12"/>
+    <p:sldId id="269" r:id="rId13"/>
+    <p:sldId id="272" r:id="rId14"/>
+    <p:sldId id="275" r:id="rId15"/>
+    <p:sldId id="270" r:id="rId16"/>
+    <p:sldId id="271" r:id="rId17"/>
+    <p:sldId id="274" r:id="rId18"/>
+    <p:sldId id="273" r:id="rId19"/>
+    <p:sldId id="278" r:id="rId20"/>
+    <p:sldId id="276" r:id="rId21"/>
   </p:sldIdLst>
   <p:sldSz cx="12192000" cy="6858000"/>
   <p:notesSz cx="6858000" cy="9144000"/>
@@ -213,7 +216,7 @@
           <a:p>
             <a:fld id="{4299902A-6DB3-4A13-9B91-BEABFDA2FC16}" type="datetimeFigureOut">
               <a:rPr lang="en-US" smtClean="0"/>
-              <a:t>10/18/2024</a:t>
+              <a:t>10/29/2024</a:t>
             </a:fld>
             <a:endParaRPr lang="en-US"/>
           </a:p>
@@ -2493,144 +2496,6 @@
           <a:chExt cx="0" cy="0"/>
         </a:xfrm>
       </p:grpSpPr>
-      <p:pic>
-        <p:nvPicPr>
-          <p:cNvPr id="1030" name="Picture 6">
-            <a:extLst>
-              <a:ext uri="{FF2B5EF4-FFF2-40B4-BE49-F238E27FC236}">
-                <a16:creationId xmlns:a16="http://schemas.microsoft.com/office/drawing/2014/main" id="{AFA50B5A-D98E-6A83-174D-467D4F5A1840}"/>
-              </a:ext>
-            </a:extLst>
-          </p:cNvPr>
-          <p:cNvPicPr>
-            <a:picLocks noChangeAspect="1" noChangeArrowheads="1"/>
-          </p:cNvPicPr>
-          <p:nvPr/>
-        </p:nvPicPr>
-        <p:blipFill>
-          <a:blip r:embed="rId2">
-            <a:extLst>
-              <a:ext uri="{28A0092B-C50C-407E-A947-70E740481C1C}">
-                <a14:useLocalDpi xmlns:a14="http://schemas.microsoft.com/office/drawing/2010/main" val="0"/>
-              </a:ext>
-            </a:extLst>
-          </a:blip>
-          <a:srcRect/>
-          <a:stretch>
-            <a:fillRect/>
-          </a:stretch>
-        </p:blipFill>
-        <p:spPr bwMode="auto">
-          <a:xfrm>
-            <a:off x="6096000" y="1274470"/>
-            <a:ext cx="3638971" cy="2575505"/>
-          </a:xfrm>
-          <a:prstGeom prst="rect">
-            <a:avLst/>
-          </a:prstGeom>
-          <a:noFill/>
-          <a:extLst>
-            <a:ext uri="{909E8E84-426E-40DD-AFC4-6F175D3DCCD1}">
-              <a14:hiddenFill xmlns:a14="http://schemas.microsoft.com/office/drawing/2010/main">
-                <a:solidFill>
-                  <a:srgbClr val="FFFFFF"/>
-                </a:solidFill>
-              </a14:hiddenFill>
-            </a:ext>
-          </a:extLst>
-        </p:spPr>
-      </p:pic>
-      <p:sp>
-        <p:nvSpPr>
-          <p:cNvPr id="7" name="TextBox 6">
-            <a:extLst>
-              <a:ext uri="{FF2B5EF4-FFF2-40B4-BE49-F238E27FC236}">
-                <a16:creationId xmlns:a16="http://schemas.microsoft.com/office/drawing/2014/main" id="{D9CAEE41-3D0B-BBF7-0176-DA7618BEF139}"/>
-              </a:ext>
-            </a:extLst>
-          </p:cNvPr>
-          <p:cNvSpPr txBox="1"/>
-          <p:nvPr/>
-        </p:nvSpPr>
-        <p:spPr>
-          <a:xfrm>
-            <a:off x="6736324" y="3123505"/>
-            <a:ext cx="2598690" cy="276999"/>
-          </a:xfrm>
-          <a:prstGeom prst="rect">
-            <a:avLst/>
-          </a:prstGeom>
-          <a:noFill/>
-        </p:spPr>
-        <p:txBody>
-          <a:bodyPr wrap="square" rtlCol="0">
-            <a:spAutoFit/>
-          </a:bodyPr>
-          <a:lstStyle/>
-          <a:p>
-            <a:pPr algn="ctr"/>
-            <a:r>
-              <a:rPr lang="en-US" sz="1200" dirty="0"/>
-              <a:t>T = 1.0; </a:t>
-            </a:r>
-            <a:r>
-              <a:rPr lang="en-US" sz="1200" dirty="0" err="1"/>
-              <a:t>Nt</a:t>
-            </a:r>
-            <a:r>
-              <a:rPr lang="en-US" sz="1200" dirty="0"/>
-              <a:t> = 20,000</a:t>
-            </a:r>
-          </a:p>
-        </p:txBody>
-      </p:sp>
-      <p:pic>
-        <p:nvPicPr>
-          <p:cNvPr id="1028" name="Picture 4">
-            <a:extLst>
-              <a:ext uri="{FF2B5EF4-FFF2-40B4-BE49-F238E27FC236}">
-                <a16:creationId xmlns:a16="http://schemas.microsoft.com/office/drawing/2014/main" id="{CA2BD1BC-1EF1-5CEA-FA2F-DD0677B05C3B}"/>
-              </a:ext>
-            </a:extLst>
-          </p:cNvPr>
-          <p:cNvPicPr>
-            <a:picLocks noChangeAspect="1" noChangeArrowheads="1"/>
-          </p:cNvPicPr>
-          <p:nvPr/>
-        </p:nvPicPr>
-        <p:blipFill>
-          <a:blip r:embed="rId3">
-            <a:extLst>
-              <a:ext uri="{28A0092B-C50C-407E-A947-70E740481C1C}">
-                <a14:useLocalDpi xmlns:a14="http://schemas.microsoft.com/office/drawing/2010/main" val="0"/>
-              </a:ext>
-            </a:extLst>
-          </a:blip>
-          <a:srcRect/>
-          <a:stretch>
-            <a:fillRect/>
-          </a:stretch>
-        </p:blipFill>
-        <p:spPr bwMode="auto">
-          <a:xfrm>
-            <a:off x="6181681" y="3714533"/>
-            <a:ext cx="3553290" cy="2575505"/>
-          </a:xfrm>
-          <a:prstGeom prst="rect">
-            <a:avLst/>
-          </a:prstGeom>
-          <a:noFill/>
-          <a:extLst>
-            <a:ext uri="{909E8E84-426E-40DD-AFC4-6F175D3DCCD1}">
-              <a14:hiddenFill xmlns:a14="http://schemas.microsoft.com/office/drawing/2010/main">
-                <a:solidFill>
-                  <a:srgbClr val="FFFFFF"/>
-                </a:solidFill>
-              </a14:hiddenFill>
-            </a:ext>
-          </a:extLst>
-        </p:spPr>
-      </p:pic>
       <p:sp>
         <p:nvSpPr>
           <p:cNvPr id="2" name="Title 1">
@@ -2650,13 +2515,13 @@
         <p:spPr/>
         <p:txBody>
           <a:bodyPr>
-            <a:normAutofit fontScale="90000"/>
+            <a:normAutofit/>
           </a:bodyPr>
           <a:lstStyle/>
           <a:p>
             <a:r>
               <a:rPr lang="en-US" dirty="0"/>
-              <a:t>Counterion only; (t) NBC—NBC validations</a:t>
+              <a:t>Counterion only; DBC—NBC validations</a:t>
             </a:r>
           </a:p>
         </p:txBody>
@@ -2720,17 +2585,17 @@
           <a:p>
             <a:r>
               <a:rPr lang="en-US" dirty="0"/>
-              <a:t>Method: Heat. SS at gradient change zero. Nested newton iteration. NBC right, NBC left.  psi(0) = 0 shifted.</a:t>
+              <a:t>Method: Newton iteration (a = 0.8), DBC right, NBC left</a:t>
             </a:r>
           </a:p>
         </p:txBody>
       </p:sp>
       <p:pic>
         <p:nvPicPr>
-          <p:cNvPr id="1026" name="Picture 2">
-            <a:extLst>
-              <a:ext uri="{FF2B5EF4-FFF2-40B4-BE49-F238E27FC236}">
-                <a16:creationId xmlns:a16="http://schemas.microsoft.com/office/drawing/2014/main" id="{7A1285BB-F587-4BC0-9F12-D3EB10355CD3}"/>
+          <p:cNvPr id="1028" name="Picture 4">
+            <a:extLst>
+              <a:ext uri="{FF2B5EF4-FFF2-40B4-BE49-F238E27FC236}">
+                <a16:creationId xmlns:a16="http://schemas.microsoft.com/office/drawing/2014/main" id="{042E365C-6B20-A7E7-6587-B19EC20EF62A}"/>
               </a:ext>
             </a:extLst>
           </p:cNvPr>
@@ -2740,7 +2605,7 @@
           <p:nvPr/>
         </p:nvPicPr>
         <p:blipFill>
-          <a:blip r:embed="rId4">
+          <a:blip r:embed="rId2">
             <a:extLst>
               <a:ext uri="{28A0092B-C50C-407E-A947-70E740481C1C}">
                 <a14:useLocalDpi xmlns:a14="http://schemas.microsoft.com/office/drawing/2010/main" val="0"/>
@@ -2754,8 +2619,8 @@
         </p:blipFill>
         <p:spPr bwMode="auto">
           <a:xfrm>
-            <a:off x="2312649" y="1252888"/>
-            <a:ext cx="3638972" cy="2597087"/>
+            <a:off x="624892" y="2220608"/>
+            <a:ext cx="3462337" cy="2433637"/>
           </a:xfrm>
           <a:prstGeom prst="rect">
             <a:avLst/>
@@ -2774,10 +2639,10 @@
       </p:pic>
       <p:pic>
         <p:nvPicPr>
-          <p:cNvPr id="6" name="Picture 8">
-            <a:extLst>
-              <a:ext uri="{FF2B5EF4-FFF2-40B4-BE49-F238E27FC236}">
-                <a16:creationId xmlns:a16="http://schemas.microsoft.com/office/drawing/2014/main" id="{119A5719-429D-D803-7FA1-7D0464234A7C}"/>
+          <p:cNvPr id="1032" name="Picture 8">
+            <a:extLst>
+              <a:ext uri="{FF2B5EF4-FFF2-40B4-BE49-F238E27FC236}">
+                <a16:creationId xmlns:a16="http://schemas.microsoft.com/office/drawing/2014/main" id="{36CF8BB1-37A7-B610-6793-D1E36BB7D442}"/>
               </a:ext>
             </a:extLst>
           </p:cNvPr>
@@ -2787,7 +2652,7 @@
           <p:nvPr/>
         </p:nvPicPr>
         <p:blipFill>
-          <a:blip r:embed="rId5">
+          <a:blip r:embed="rId3">
             <a:extLst>
               <a:ext uri="{28A0092B-C50C-407E-A947-70E740481C1C}">
                 <a14:useLocalDpi xmlns:a14="http://schemas.microsoft.com/office/drawing/2010/main" val="0"/>
@@ -2801,8 +2666,8 @@
         </p:blipFill>
         <p:spPr bwMode="auto">
           <a:xfrm>
-            <a:off x="2196958" y="3714534"/>
-            <a:ext cx="3638972" cy="2575505"/>
+            <a:off x="7891462" y="2203754"/>
+            <a:ext cx="3462338" cy="2450491"/>
           </a:xfrm>
           <a:prstGeom prst="rect">
             <a:avLst/>
@@ -2819,191 +2684,57 @@
           </a:extLst>
         </p:spPr>
       </p:pic>
-      <p:sp>
-        <p:nvSpPr>
-          <p:cNvPr id="8" name="TextBox 7">
-            <a:extLst>
-              <a:ext uri="{FF2B5EF4-FFF2-40B4-BE49-F238E27FC236}">
-                <a16:creationId xmlns:a16="http://schemas.microsoft.com/office/drawing/2014/main" id="{20E5DB7A-FBFF-1115-A1E7-17699D3DE105}"/>
-              </a:ext>
-            </a:extLst>
-          </p:cNvPr>
-          <p:cNvSpPr txBox="1"/>
+      <p:pic>
+        <p:nvPicPr>
+          <p:cNvPr id="1036" name="Picture 12">
+            <a:extLst>
+              <a:ext uri="{FF2B5EF4-FFF2-40B4-BE49-F238E27FC236}">
+                <a16:creationId xmlns:a16="http://schemas.microsoft.com/office/drawing/2014/main" id="{525ECB76-8E5B-887A-D64C-4890119ECD76}"/>
+              </a:ext>
+            </a:extLst>
+          </p:cNvPr>
+          <p:cNvPicPr>
+            <a:picLocks noChangeAspect="1" noChangeArrowheads="1"/>
+          </p:cNvPicPr>
           <p:nvPr/>
-        </p:nvSpPr>
-        <p:spPr>
-          <a:xfrm>
-            <a:off x="2832790" y="3111700"/>
-            <a:ext cx="2598690" cy="276999"/>
+        </p:nvPicPr>
+        <p:blipFill>
+          <a:blip r:embed="rId4">
+            <a:extLst>
+              <a:ext uri="{28A0092B-C50C-407E-A947-70E740481C1C}">
+                <a14:useLocalDpi xmlns:a14="http://schemas.microsoft.com/office/drawing/2010/main" val="0"/>
+              </a:ext>
+            </a:extLst>
+          </a:blip>
+          <a:srcRect/>
+          <a:stretch>
+            <a:fillRect/>
+          </a:stretch>
+        </p:blipFill>
+        <p:spPr bwMode="auto">
+          <a:xfrm>
+            <a:off x="4258177" y="2220608"/>
+            <a:ext cx="3462337" cy="2450491"/>
           </a:xfrm>
           <a:prstGeom prst="rect">
             <a:avLst/>
           </a:prstGeom>
           <a:noFill/>
+          <a:extLst>
+            <a:ext uri="{909E8E84-426E-40DD-AFC4-6F175D3DCCD1}">
+              <a14:hiddenFill xmlns:a14="http://schemas.microsoft.com/office/drawing/2010/main">
+                <a:solidFill>
+                  <a:srgbClr val="FFFFFF"/>
+                </a:solidFill>
+              </a14:hiddenFill>
+            </a:ext>
+          </a:extLst>
         </p:spPr>
-        <p:txBody>
-          <a:bodyPr wrap="square" rtlCol="0">
-            <a:spAutoFit/>
-          </a:bodyPr>
-          <a:lstStyle/>
-          <a:p>
-            <a:pPr algn="ctr"/>
-            <a:r>
-              <a:rPr lang="en-US" sz="1200" dirty="0"/>
-              <a:t>T = 1.0; </a:t>
-            </a:r>
-            <a:r>
-              <a:rPr lang="en-US" sz="1200" dirty="0" err="1"/>
-              <a:t>Nt</a:t>
-            </a:r>
-            <a:r>
-              <a:rPr lang="en-US" sz="1200" dirty="0"/>
-              <a:t> = 20,000</a:t>
-            </a:r>
-          </a:p>
-        </p:txBody>
-      </p:sp>
-      <p:sp>
-        <p:nvSpPr>
-          <p:cNvPr id="9" name="TextBox 8">
-            <a:extLst>
-              <a:ext uri="{FF2B5EF4-FFF2-40B4-BE49-F238E27FC236}">
-                <a16:creationId xmlns:a16="http://schemas.microsoft.com/office/drawing/2014/main" id="{4D06381A-1570-9257-2B50-235A30BD5BE9}"/>
-              </a:ext>
-            </a:extLst>
-          </p:cNvPr>
-          <p:cNvSpPr txBox="1"/>
-          <p:nvPr/>
-        </p:nvSpPr>
-        <p:spPr>
-          <a:xfrm>
-            <a:off x="2720976" y="5551763"/>
-            <a:ext cx="2598690" cy="276999"/>
-          </a:xfrm>
-          <a:prstGeom prst="rect">
-            <a:avLst/>
-          </a:prstGeom>
-          <a:noFill/>
-        </p:spPr>
-        <p:txBody>
-          <a:bodyPr wrap="square" rtlCol="0">
-            <a:spAutoFit/>
-          </a:bodyPr>
-          <a:lstStyle/>
-          <a:p>
-            <a:pPr algn="ctr"/>
-            <a:r>
-              <a:rPr lang="en-US" sz="1200" dirty="0"/>
-              <a:t>T = 1.0; </a:t>
-            </a:r>
-            <a:r>
-              <a:rPr lang="en-US" sz="1200" dirty="0" err="1"/>
-              <a:t>Nt</a:t>
-            </a:r>
-            <a:r>
-              <a:rPr lang="en-US" sz="1200" dirty="0"/>
-              <a:t> = 20,000</a:t>
-            </a:r>
-          </a:p>
-        </p:txBody>
-      </p:sp>
-      <p:sp>
-        <p:nvSpPr>
-          <p:cNvPr id="10" name="TextBox 9">
-            <a:extLst>
-              <a:ext uri="{FF2B5EF4-FFF2-40B4-BE49-F238E27FC236}">
-                <a16:creationId xmlns:a16="http://schemas.microsoft.com/office/drawing/2014/main" id="{BECB71AB-D06E-1DDB-D0F1-9A724B38EF88}"/>
-              </a:ext>
-            </a:extLst>
-          </p:cNvPr>
-          <p:cNvSpPr txBox="1"/>
-          <p:nvPr/>
-        </p:nvSpPr>
-        <p:spPr>
-          <a:xfrm>
-            <a:off x="6655087" y="5583530"/>
-            <a:ext cx="2598690" cy="276999"/>
-          </a:xfrm>
-          <a:prstGeom prst="rect">
-            <a:avLst/>
-          </a:prstGeom>
-          <a:noFill/>
-        </p:spPr>
-        <p:txBody>
-          <a:bodyPr wrap="square" rtlCol="0">
-            <a:spAutoFit/>
-          </a:bodyPr>
-          <a:lstStyle/>
-          <a:p>
-            <a:pPr algn="ctr"/>
-            <a:r>
-              <a:rPr lang="en-US" sz="1200" dirty="0"/>
-              <a:t>T = 1.0; </a:t>
-            </a:r>
-            <a:r>
-              <a:rPr lang="en-US" sz="1200" dirty="0" err="1"/>
-              <a:t>Nt</a:t>
-            </a:r>
-            <a:r>
-              <a:rPr lang="en-US" sz="1200" dirty="0"/>
-              <a:t> = 20,000</a:t>
-            </a:r>
-          </a:p>
-        </p:txBody>
-      </p:sp>
-      <p:sp>
-        <p:nvSpPr>
-          <p:cNvPr id="5" name="Rectangle 4">
-            <a:extLst>
-              <a:ext uri="{FF2B5EF4-FFF2-40B4-BE49-F238E27FC236}">
-                <a16:creationId xmlns:a16="http://schemas.microsoft.com/office/drawing/2014/main" id="{3140A2EC-0796-285A-1AE0-C86AD0A4EA9F}"/>
-              </a:ext>
-            </a:extLst>
-          </p:cNvPr>
-          <p:cNvSpPr/>
-          <p:nvPr/>
-        </p:nvSpPr>
-        <p:spPr>
-          <a:xfrm>
-            <a:off x="4800600" y="3194432"/>
-            <a:ext cx="3327400" cy="800128"/>
-          </a:xfrm>
-          <a:prstGeom prst="rect">
-            <a:avLst/>
-          </a:prstGeom>
-        </p:spPr>
-        <p:style>
-          <a:lnRef idx="2">
-            <a:schemeClr val="accent1">
-              <a:shade val="15000"/>
-            </a:schemeClr>
-          </a:lnRef>
-          <a:fillRef idx="1">
-            <a:schemeClr val="accent1"/>
-          </a:fillRef>
-          <a:effectRef idx="0">
-            <a:schemeClr val="accent1"/>
-          </a:effectRef>
-          <a:fontRef idx="minor">
-            <a:schemeClr val="lt1"/>
-          </a:fontRef>
-        </p:style>
-        <p:txBody>
-          <a:bodyPr rtlCol="0" anchor="ctr"/>
-          <a:lstStyle/>
-          <a:p>
-            <a:pPr algn="ctr"/>
-            <a:r>
-              <a:rPr lang="en-US" dirty="0"/>
-              <a:t>Doesn’t properly reflect slope 0. Abandoned</a:t>
-            </a:r>
-          </a:p>
-        </p:txBody>
-      </p:sp>
+      </p:pic>
     </p:spTree>
     <p:extLst>
       <p:ext uri="{BB962C8B-B14F-4D97-AF65-F5344CB8AC3E}">
-        <p14:creationId xmlns:p14="http://schemas.microsoft.com/office/powerpoint/2010/main" val="1836936299"/>
+        <p14:creationId xmlns:p14="http://schemas.microsoft.com/office/powerpoint/2010/main" val="1602863882"/>
       </p:ext>
     </p:extLst>
   </p:cSld>
@@ -3030,69 +2761,12 @@
           <a:chExt cx="0" cy="0"/>
         </a:xfrm>
       </p:grpSpPr>
-      <p:sp>
-        <p:nvSpPr>
-          <p:cNvPr id="2" name="Title 1">
-            <a:extLst>
-              <a:ext uri="{FF2B5EF4-FFF2-40B4-BE49-F238E27FC236}">
-                <a16:creationId xmlns:a16="http://schemas.microsoft.com/office/drawing/2014/main" id="{F529BAC4-0B47-62CB-1187-503ED7E0C81A}"/>
-              </a:ext>
-            </a:extLst>
-          </p:cNvPr>
-          <p:cNvSpPr>
-            <a:spLocks noGrp="1"/>
-          </p:cNvSpPr>
-          <p:nvPr>
-            <p:ph type="title"/>
-          </p:nvPr>
-        </p:nvSpPr>
-        <p:spPr/>
-        <p:txBody>
-          <a:bodyPr/>
-          <a:lstStyle/>
-          <a:p>
-            <a:r>
-              <a:rPr lang="en-US" dirty="0"/>
-              <a:t>Time in “Heat”</a:t>
-            </a:r>
-          </a:p>
-        </p:txBody>
-      </p:sp>
-      <p:sp>
-        <p:nvSpPr>
-          <p:cNvPr id="3" name="Slide Number Placeholder 2">
-            <a:extLst>
-              <a:ext uri="{FF2B5EF4-FFF2-40B4-BE49-F238E27FC236}">
-                <a16:creationId xmlns:a16="http://schemas.microsoft.com/office/drawing/2014/main" id="{08E5643D-33A3-C1F4-646A-FA35476661A1}"/>
-              </a:ext>
-            </a:extLst>
-          </p:cNvPr>
-          <p:cNvSpPr>
-            <a:spLocks noGrp="1"/>
-          </p:cNvSpPr>
-          <p:nvPr>
-            <p:ph type="sldNum" sz="quarter" idx="12"/>
-          </p:nvPr>
-        </p:nvSpPr>
-        <p:spPr/>
-        <p:txBody>
-          <a:bodyPr/>
-          <a:lstStyle/>
-          <a:p>
-            <a:fld id="{5911C0E6-D9CE-431C-92CB-BB39B872F930}" type="slidenum">
-              <a:rPr lang="en-US" smtClean="0"/>
-              <a:t>11</a:t>
-            </a:fld>
-            <a:endParaRPr lang="en-US"/>
-          </a:p>
-        </p:txBody>
-      </p:sp>
       <p:pic>
         <p:nvPicPr>
-          <p:cNvPr id="2050" name="Picture 2">
-            <a:extLst>
-              <a:ext uri="{FF2B5EF4-FFF2-40B4-BE49-F238E27FC236}">
-                <a16:creationId xmlns:a16="http://schemas.microsoft.com/office/drawing/2014/main" id="{2B3901D9-F2C0-6D0E-70F4-9BF0FB7397A4}"/>
+          <p:cNvPr id="1030" name="Picture 6">
+            <a:extLst>
+              <a:ext uri="{FF2B5EF4-FFF2-40B4-BE49-F238E27FC236}">
+                <a16:creationId xmlns:a16="http://schemas.microsoft.com/office/drawing/2014/main" id="{AFA50B5A-D98E-6A83-174D-467D4F5A1840}"/>
               </a:ext>
             </a:extLst>
           </p:cNvPr>
@@ -3116,8 +2790,8 @@
         </p:blipFill>
         <p:spPr bwMode="auto">
           <a:xfrm>
-            <a:off x="1620878" y="1586998"/>
-            <a:ext cx="3469857" cy="2515031"/>
+            <a:off x="6096000" y="1274470"/>
+            <a:ext cx="3638971" cy="2575505"/>
           </a:xfrm>
           <a:prstGeom prst="rect">
             <a:avLst/>
@@ -3136,10 +2810,10 @@
       </p:pic>
       <p:sp>
         <p:nvSpPr>
-          <p:cNvPr id="5" name="TextBox 4">
-            <a:extLst>
-              <a:ext uri="{FF2B5EF4-FFF2-40B4-BE49-F238E27FC236}">
-                <a16:creationId xmlns:a16="http://schemas.microsoft.com/office/drawing/2014/main" id="{0980DD90-A1FB-30AA-EAE4-09E77008138A}"/>
+          <p:cNvPr id="7" name="TextBox 6">
+            <a:extLst>
+              <a:ext uri="{FF2B5EF4-FFF2-40B4-BE49-F238E27FC236}">
+                <a16:creationId xmlns:a16="http://schemas.microsoft.com/office/drawing/2014/main" id="{D9CAEE41-3D0B-BBF7-0176-DA7618BEF139}"/>
               </a:ext>
             </a:extLst>
           </p:cNvPr>
@@ -3148,8 +2822,8 @@
         </p:nvSpPr>
         <p:spPr>
           <a:xfrm>
-            <a:off x="-174792" y="2565703"/>
-            <a:ext cx="1787336" cy="400110"/>
+            <a:off x="6736324" y="3123505"/>
+            <a:ext cx="2598690" cy="276999"/>
           </a:xfrm>
           <a:prstGeom prst="rect">
             <a:avLst/>
@@ -3164,18 +2838,26 @@
           <a:p>
             <a:pPr algn="ctr"/>
             <a:r>
-              <a:rPr lang="en-US" sz="2000" dirty="0"/>
-              <a:t>N = 1000</a:t>
+              <a:rPr lang="en-US" sz="1200" dirty="0"/>
+              <a:t>T = 1.0; </a:t>
+            </a:r>
+            <a:r>
+              <a:rPr lang="en-US" sz="1200" dirty="0" err="1"/>
+              <a:t>Nt</a:t>
+            </a:r>
+            <a:r>
+              <a:rPr lang="en-US" sz="1200" dirty="0"/>
+              <a:t> = 20,000</a:t>
             </a:r>
           </a:p>
         </p:txBody>
       </p:sp>
       <p:pic>
         <p:nvPicPr>
-          <p:cNvPr id="2052" name="Picture 4">
-            <a:extLst>
-              <a:ext uri="{FF2B5EF4-FFF2-40B4-BE49-F238E27FC236}">
-                <a16:creationId xmlns:a16="http://schemas.microsoft.com/office/drawing/2014/main" id="{2480464A-7450-5690-8658-1DDC61F5FDC4}"/>
+          <p:cNvPr id="1028" name="Picture 4">
+            <a:extLst>
+              <a:ext uri="{FF2B5EF4-FFF2-40B4-BE49-F238E27FC236}">
+                <a16:creationId xmlns:a16="http://schemas.microsoft.com/office/drawing/2014/main" id="{CA2BD1BC-1EF1-5CEA-FA2F-DD0677B05C3B}"/>
               </a:ext>
             </a:extLst>
           </p:cNvPr>
@@ -3199,8 +2881,149 @@
         </p:blipFill>
         <p:spPr bwMode="auto">
           <a:xfrm>
-            <a:off x="8593931" y="1574291"/>
-            <a:ext cx="3469858" cy="2515032"/>
+            <a:off x="6181681" y="3714533"/>
+            <a:ext cx="3553290" cy="2575505"/>
+          </a:xfrm>
+          <a:prstGeom prst="rect">
+            <a:avLst/>
+          </a:prstGeom>
+          <a:noFill/>
+          <a:extLst>
+            <a:ext uri="{909E8E84-426E-40DD-AFC4-6F175D3DCCD1}">
+              <a14:hiddenFill xmlns:a14="http://schemas.microsoft.com/office/drawing/2010/main">
+                <a:solidFill>
+                  <a:srgbClr val="FFFFFF"/>
+                </a:solidFill>
+              </a14:hiddenFill>
+            </a:ext>
+          </a:extLst>
+        </p:spPr>
+      </p:pic>
+      <p:sp>
+        <p:nvSpPr>
+          <p:cNvPr id="2" name="Title 1">
+            <a:extLst>
+              <a:ext uri="{FF2B5EF4-FFF2-40B4-BE49-F238E27FC236}">
+                <a16:creationId xmlns:a16="http://schemas.microsoft.com/office/drawing/2014/main" id="{EF5DF91D-7A20-E514-20CF-B16956140860}"/>
+              </a:ext>
+            </a:extLst>
+          </p:cNvPr>
+          <p:cNvSpPr>
+            <a:spLocks noGrp="1"/>
+          </p:cNvSpPr>
+          <p:nvPr>
+            <p:ph type="title"/>
+          </p:nvPr>
+        </p:nvSpPr>
+        <p:spPr/>
+        <p:txBody>
+          <a:bodyPr>
+            <a:normAutofit fontScale="90000"/>
+          </a:bodyPr>
+          <a:lstStyle/>
+          <a:p>
+            <a:r>
+              <a:rPr lang="en-US" dirty="0"/>
+              <a:t>Counterion only; (t) NBC—NBC validations</a:t>
+            </a:r>
+          </a:p>
+        </p:txBody>
+      </p:sp>
+      <p:sp>
+        <p:nvSpPr>
+          <p:cNvPr id="3" name="Slide Number Placeholder 2">
+            <a:extLst>
+              <a:ext uri="{FF2B5EF4-FFF2-40B4-BE49-F238E27FC236}">
+                <a16:creationId xmlns:a16="http://schemas.microsoft.com/office/drawing/2014/main" id="{373400F5-E8A0-8C77-DBF3-011E07B4EF18}"/>
+              </a:ext>
+            </a:extLst>
+          </p:cNvPr>
+          <p:cNvSpPr>
+            <a:spLocks noGrp="1"/>
+          </p:cNvSpPr>
+          <p:nvPr>
+            <p:ph type="sldNum" sz="quarter" idx="12"/>
+          </p:nvPr>
+        </p:nvSpPr>
+        <p:spPr/>
+        <p:txBody>
+          <a:bodyPr/>
+          <a:lstStyle/>
+          <a:p>
+            <a:fld id="{5911C0E6-D9CE-431C-92CB-BB39B872F930}" type="slidenum">
+              <a:rPr lang="en-US" smtClean="0"/>
+              <a:t>11</a:t>
+            </a:fld>
+            <a:endParaRPr lang="en-US"/>
+          </a:p>
+        </p:txBody>
+      </p:sp>
+      <p:sp>
+        <p:nvSpPr>
+          <p:cNvPr id="4" name="TextBox 3">
+            <a:extLst>
+              <a:ext uri="{FF2B5EF4-FFF2-40B4-BE49-F238E27FC236}">
+                <a16:creationId xmlns:a16="http://schemas.microsoft.com/office/drawing/2014/main" id="{DE88AB65-BBF7-3C72-F15F-D980F6BF8D73}"/>
+              </a:ext>
+            </a:extLst>
+          </p:cNvPr>
+          <p:cNvSpPr txBox="1"/>
+          <p:nvPr/>
+        </p:nvSpPr>
+        <p:spPr>
+          <a:xfrm>
+            <a:off x="148389" y="6356350"/>
+            <a:ext cx="10218821" cy="369332"/>
+          </a:xfrm>
+          <a:prstGeom prst="rect">
+            <a:avLst/>
+          </a:prstGeom>
+          <a:noFill/>
+        </p:spPr>
+        <p:txBody>
+          <a:bodyPr wrap="square" rtlCol="0">
+            <a:spAutoFit/>
+          </a:bodyPr>
+          <a:lstStyle/>
+          <a:p>
+            <a:r>
+              <a:rPr lang="en-US" dirty="0"/>
+              <a:t>Method: Heat. SS at gradient change zero. Nested newton iteration. NBC right, NBC left.  psi(0) = 0 shifted.</a:t>
+            </a:r>
+          </a:p>
+        </p:txBody>
+      </p:sp>
+      <p:pic>
+        <p:nvPicPr>
+          <p:cNvPr id="1026" name="Picture 2">
+            <a:extLst>
+              <a:ext uri="{FF2B5EF4-FFF2-40B4-BE49-F238E27FC236}">
+                <a16:creationId xmlns:a16="http://schemas.microsoft.com/office/drawing/2014/main" id="{7A1285BB-F587-4BC0-9F12-D3EB10355CD3}"/>
+              </a:ext>
+            </a:extLst>
+          </p:cNvPr>
+          <p:cNvPicPr>
+            <a:picLocks noChangeAspect="1" noChangeArrowheads="1"/>
+          </p:cNvPicPr>
+          <p:nvPr/>
+        </p:nvPicPr>
+        <p:blipFill>
+          <a:blip r:embed="rId4">
+            <a:extLst>
+              <a:ext uri="{28A0092B-C50C-407E-A947-70E740481C1C}">
+                <a14:useLocalDpi xmlns:a14="http://schemas.microsoft.com/office/drawing/2010/main" val="0"/>
+              </a:ext>
+            </a:extLst>
+          </a:blip>
+          <a:srcRect/>
+          <a:stretch>
+            <a:fillRect/>
+          </a:stretch>
+        </p:blipFill>
+        <p:spPr bwMode="auto">
+          <a:xfrm>
+            <a:off x="2312649" y="1252888"/>
+            <a:ext cx="3638972" cy="2597087"/>
           </a:xfrm>
           <a:prstGeom prst="rect">
             <a:avLst/>
@@ -3219,10 +3042,10 @@
       </p:pic>
       <p:pic>
         <p:nvPicPr>
-          <p:cNvPr id="2054" name="Picture 6">
-            <a:extLst>
-              <a:ext uri="{FF2B5EF4-FFF2-40B4-BE49-F238E27FC236}">
-                <a16:creationId xmlns:a16="http://schemas.microsoft.com/office/drawing/2014/main" id="{F943F6E1-FE57-13F7-D9E0-B6D082725572}"/>
+          <p:cNvPr id="6" name="Picture 8">
+            <a:extLst>
+              <a:ext uri="{FF2B5EF4-FFF2-40B4-BE49-F238E27FC236}">
+                <a16:creationId xmlns:a16="http://schemas.microsoft.com/office/drawing/2014/main" id="{119A5719-429D-D803-7FA1-7D0464234A7C}"/>
               </a:ext>
             </a:extLst>
           </p:cNvPr>
@@ -3232,7 +3055,7 @@
           <p:nvPr/>
         </p:nvPicPr>
         <p:blipFill>
-          <a:blip r:embed="rId4">
+          <a:blip r:embed="rId5">
             <a:extLst>
               <a:ext uri="{28A0092B-C50C-407E-A947-70E740481C1C}">
                 <a14:useLocalDpi xmlns:a14="http://schemas.microsoft.com/office/drawing/2010/main" val="0"/>
@@ -3246,8 +3069,8 @@
         </p:blipFill>
         <p:spPr bwMode="auto">
           <a:xfrm>
-            <a:off x="5107404" y="1596245"/>
-            <a:ext cx="3469858" cy="2515032"/>
+            <a:off x="2196958" y="3714534"/>
+            <a:ext cx="3638972" cy="2575505"/>
           </a:xfrm>
           <a:prstGeom prst="rect">
             <a:avLst/>
@@ -3266,10 +3089,10 @@
       </p:pic>
       <p:sp>
         <p:nvSpPr>
-          <p:cNvPr id="6" name="TextBox 5">
-            <a:extLst>
-              <a:ext uri="{FF2B5EF4-FFF2-40B4-BE49-F238E27FC236}">
-                <a16:creationId xmlns:a16="http://schemas.microsoft.com/office/drawing/2014/main" id="{C9BC1176-1F38-CAC2-112F-8ED878F0842B}"/>
+          <p:cNvPr id="8" name="TextBox 7">
+            <a:extLst>
+              <a:ext uri="{FF2B5EF4-FFF2-40B4-BE49-F238E27FC236}">
+                <a16:creationId xmlns:a16="http://schemas.microsoft.com/office/drawing/2014/main" id="{20E5DB7A-FBFF-1115-A1E7-17699D3DE105}"/>
               </a:ext>
             </a:extLst>
           </p:cNvPr>
@@ -3278,8 +3101,8 @@
         </p:nvSpPr>
         <p:spPr>
           <a:xfrm>
-            <a:off x="-183126" y="4748916"/>
-            <a:ext cx="1787336" cy="400110"/>
+            <a:off x="2832790" y="3111700"/>
+            <a:ext cx="2598690" cy="276999"/>
           </a:xfrm>
           <a:prstGeom prst="rect">
             <a:avLst/>
@@ -3294,65 +3117,26 @@
           <a:p>
             <a:pPr algn="ctr"/>
             <a:r>
-              <a:rPr lang="en-US" sz="2000" dirty="0"/>
-              <a:t>N = 5000</a:t>
+              <a:rPr lang="en-US" sz="1200" dirty="0"/>
+              <a:t>T = 1.0; </a:t>
+            </a:r>
+            <a:r>
+              <a:rPr lang="en-US" sz="1200" dirty="0" err="1"/>
+              <a:t>Nt</a:t>
+            </a:r>
+            <a:r>
+              <a:rPr lang="en-US" sz="1200" dirty="0"/>
+              <a:t> = 20,000</a:t>
             </a:r>
           </a:p>
         </p:txBody>
       </p:sp>
-      <p:pic>
-        <p:nvPicPr>
-          <p:cNvPr id="2056" name="Picture 8">
-            <a:extLst>
-              <a:ext uri="{FF2B5EF4-FFF2-40B4-BE49-F238E27FC236}">
-                <a16:creationId xmlns:a16="http://schemas.microsoft.com/office/drawing/2014/main" id="{251CD903-0F54-9612-FB23-6E2518BEE806}"/>
-              </a:ext>
-            </a:extLst>
-          </p:cNvPr>
-          <p:cNvPicPr>
-            <a:picLocks noChangeAspect="1" noChangeArrowheads="1"/>
-          </p:cNvPicPr>
-          <p:nvPr/>
-        </p:nvPicPr>
-        <p:blipFill>
-          <a:blip r:embed="rId5">
-            <a:extLst>
-              <a:ext uri="{28A0092B-C50C-407E-A947-70E740481C1C}">
-                <a14:useLocalDpi xmlns:a14="http://schemas.microsoft.com/office/drawing/2010/main" val="0"/>
-              </a:ext>
-            </a:extLst>
-          </a:blip>
-          <a:srcRect/>
-          <a:stretch>
-            <a:fillRect/>
-          </a:stretch>
-        </p:blipFill>
-        <p:spPr bwMode="auto">
-          <a:xfrm>
-            <a:off x="5090735" y="3854024"/>
-            <a:ext cx="3503196" cy="2539196"/>
-          </a:xfrm>
-          <a:prstGeom prst="rect">
-            <a:avLst/>
-          </a:prstGeom>
-          <a:noFill/>
-          <a:extLst>
-            <a:ext uri="{909E8E84-426E-40DD-AFC4-6F175D3DCCD1}">
-              <a14:hiddenFill xmlns:a14="http://schemas.microsoft.com/office/drawing/2010/main">
-                <a:solidFill>
-                  <a:srgbClr val="FFFFFF"/>
-                </a:solidFill>
-              </a14:hiddenFill>
-            </a:ext>
-          </a:extLst>
-        </p:spPr>
-      </p:pic>
       <p:sp>
         <p:nvSpPr>
-          <p:cNvPr id="4" name="TextBox 3">
-            <a:extLst>
-              <a:ext uri="{FF2B5EF4-FFF2-40B4-BE49-F238E27FC236}">
-                <a16:creationId xmlns:a16="http://schemas.microsoft.com/office/drawing/2014/main" id="{841DC9EF-44E8-6F44-653D-F2A2B943001D}"/>
+          <p:cNvPr id="9" name="TextBox 8">
+            <a:extLst>
+              <a:ext uri="{FF2B5EF4-FFF2-40B4-BE49-F238E27FC236}">
+                <a16:creationId xmlns:a16="http://schemas.microsoft.com/office/drawing/2014/main" id="{4D06381A-1570-9257-2B50-235A30BD5BE9}"/>
               </a:ext>
             </a:extLst>
           </p:cNvPr>
@@ -3361,8 +3145,8 @@
         </p:nvSpPr>
         <p:spPr>
           <a:xfrm>
-            <a:off x="2436737" y="1051462"/>
-            <a:ext cx="1948995" cy="400110"/>
+            <a:off x="2720976" y="5551763"/>
+            <a:ext cx="2598690" cy="276999"/>
           </a:xfrm>
           <a:prstGeom prst="rect">
             <a:avLst/>
@@ -3377,23 +3161,26 @@
           <a:p>
             <a:pPr algn="ctr"/>
             <a:r>
-              <a:rPr lang="en-US" sz="2000" dirty="0"/>
-              <a:t>Total T, const </a:t>
-            </a:r>
-            <a:r>
-              <a:rPr lang="en-US" sz="2000" dirty="0" err="1"/>
+              <a:rPr lang="en-US" sz="1200" dirty="0"/>
+              <a:t>T = 1.0; </a:t>
+            </a:r>
+            <a:r>
+              <a:rPr lang="en-US" sz="1200" dirty="0" err="1"/>
               <a:t>Nt</a:t>
             </a:r>
-            <a:endParaRPr lang="en-US" sz="2000" dirty="0"/>
+            <a:r>
+              <a:rPr lang="en-US" sz="1200" dirty="0"/>
+              <a:t> = 20,000</a:t>
+            </a:r>
           </a:p>
         </p:txBody>
       </p:sp>
       <p:sp>
         <p:nvSpPr>
-          <p:cNvPr id="7" name="TextBox 6">
-            <a:extLst>
-              <a:ext uri="{FF2B5EF4-FFF2-40B4-BE49-F238E27FC236}">
-                <a16:creationId xmlns:a16="http://schemas.microsoft.com/office/drawing/2014/main" id="{1D69125D-D1AD-DB45-3293-BD635A3E8F83}"/>
+          <p:cNvPr id="10" name="TextBox 9">
+            <a:extLst>
+              <a:ext uri="{FF2B5EF4-FFF2-40B4-BE49-F238E27FC236}">
+                <a16:creationId xmlns:a16="http://schemas.microsoft.com/office/drawing/2014/main" id="{BECB71AB-D06E-1DDB-D0F1-9A724B38EF88}"/>
               </a:ext>
             </a:extLst>
           </p:cNvPr>
@@ -3402,8 +3189,8 @@
         </p:nvSpPr>
         <p:spPr>
           <a:xfrm>
-            <a:off x="5882944" y="1051462"/>
-            <a:ext cx="1940263" cy="400110"/>
+            <a:off x="6655087" y="5583530"/>
+            <a:ext cx="2598690" cy="276999"/>
           </a:xfrm>
           <a:prstGeom prst="rect">
             <a:avLst/>
@@ -3418,54 +3205,26 @@
           <a:p>
             <a:pPr algn="ctr"/>
             <a:r>
-              <a:rPr lang="en-US" sz="2000" dirty="0"/>
-              <a:t>dT, const Total T</a:t>
+              <a:rPr lang="en-US" sz="1200" dirty="0"/>
+              <a:t>T = 1.0; </a:t>
+            </a:r>
+            <a:r>
+              <a:rPr lang="en-US" sz="1200" dirty="0" err="1"/>
+              <a:t>Nt</a:t>
+            </a:r>
+            <a:r>
+              <a:rPr lang="en-US" sz="1200" dirty="0"/>
+              <a:t> = 20,000</a:t>
             </a:r>
           </a:p>
         </p:txBody>
       </p:sp>
       <p:sp>
         <p:nvSpPr>
-          <p:cNvPr id="8" name="TextBox 7">
-            <a:extLst>
-              <a:ext uri="{FF2B5EF4-FFF2-40B4-BE49-F238E27FC236}">
-                <a16:creationId xmlns:a16="http://schemas.microsoft.com/office/drawing/2014/main" id="{EA276B8C-25C0-5AD8-9878-5E52FB087677}"/>
-              </a:ext>
-            </a:extLst>
-          </p:cNvPr>
-          <p:cNvSpPr txBox="1"/>
-          <p:nvPr/>
-        </p:nvSpPr>
-        <p:spPr>
-          <a:xfrm>
-            <a:off x="9383254" y="1051462"/>
-            <a:ext cx="1891211" cy="400110"/>
-          </a:xfrm>
-          <a:prstGeom prst="rect">
-            <a:avLst/>
-          </a:prstGeom>
-          <a:noFill/>
-        </p:spPr>
-        <p:txBody>
-          <a:bodyPr wrap="square" rtlCol="0">
-            <a:spAutoFit/>
-          </a:bodyPr>
-          <a:lstStyle/>
-          <a:p>
-            <a:pPr algn="ctr"/>
-            <a:r>
-              <a:rPr lang="en-US" sz="2000" dirty="0"/>
-              <a:t>Total T, const dT</a:t>
-            </a:r>
-          </a:p>
-        </p:txBody>
-      </p:sp>
-      <p:sp>
-        <p:nvSpPr>
-          <p:cNvPr id="9" name="Rectangle 8">
-            <a:extLst>
-              <a:ext uri="{FF2B5EF4-FFF2-40B4-BE49-F238E27FC236}">
-                <a16:creationId xmlns:a16="http://schemas.microsoft.com/office/drawing/2014/main" id="{54228788-9EED-C623-9898-03350DBEB9CA}"/>
+          <p:cNvPr id="5" name="Rectangle 4">
+            <a:extLst>
+              <a:ext uri="{FF2B5EF4-FFF2-40B4-BE49-F238E27FC236}">
+                <a16:creationId xmlns:a16="http://schemas.microsoft.com/office/drawing/2014/main" id="{3140A2EC-0796-285A-1AE0-C86AD0A4EA9F}"/>
               </a:ext>
             </a:extLst>
           </p:cNvPr>
@@ -3512,7 +3271,7 @@
     </p:spTree>
     <p:extLst>
       <p:ext uri="{BB962C8B-B14F-4D97-AF65-F5344CB8AC3E}">
-        <p14:creationId xmlns:p14="http://schemas.microsoft.com/office/powerpoint/2010/main" val="2237290529"/>
+        <p14:creationId xmlns:p14="http://schemas.microsoft.com/office/powerpoint/2010/main" val="1836936299"/>
       </p:ext>
     </p:extLst>
   </p:cSld>
@@ -3544,7 +3303,7 @@
           <p:cNvPr id="2" name="Title 1">
             <a:extLst>
               <a:ext uri="{FF2B5EF4-FFF2-40B4-BE49-F238E27FC236}">
-                <a16:creationId xmlns:a16="http://schemas.microsoft.com/office/drawing/2014/main" id="{A882F99E-BC1F-78C6-B99D-E6D55E663FA9}"/>
+                <a16:creationId xmlns:a16="http://schemas.microsoft.com/office/drawing/2014/main" id="{F529BAC4-0B47-62CB-1187-503ED7E0C81A}"/>
               </a:ext>
             </a:extLst>
           </p:cNvPr>
@@ -3562,7 +3321,7 @@
           <a:p>
             <a:r>
               <a:rPr lang="en-US" dirty="0"/>
-              <a:t>Uneven grid (theory)</a:t>
+              <a:t>Time in “Heat”</a:t>
             </a:r>
           </a:p>
         </p:txBody>
@@ -3572,7 +3331,7 @@
           <p:cNvPr id="3" name="Slide Number Placeholder 2">
             <a:extLst>
               <a:ext uri="{FF2B5EF4-FFF2-40B4-BE49-F238E27FC236}">
-                <a16:creationId xmlns:a16="http://schemas.microsoft.com/office/drawing/2014/main" id="{5FB93948-1CF0-2B79-F8DC-73C7261BCEB7}"/>
+                <a16:creationId xmlns:a16="http://schemas.microsoft.com/office/drawing/2014/main" id="{08E5643D-33A3-C1F4-646A-FA35476661A1}"/>
               </a:ext>
             </a:extLst>
           </p:cNvPr>
@@ -3598,40 +3357,383 @@
       </p:sp>
       <p:pic>
         <p:nvPicPr>
-          <p:cNvPr id="5" name="Picture 4">
-            <a:extLst>
-              <a:ext uri="{FF2B5EF4-FFF2-40B4-BE49-F238E27FC236}">
-                <a16:creationId xmlns:a16="http://schemas.microsoft.com/office/drawing/2014/main" id="{B16B6D6E-6E98-E940-6FD1-68B314E12810}"/>
+          <p:cNvPr id="2050" name="Picture 2">
+            <a:extLst>
+              <a:ext uri="{FF2B5EF4-FFF2-40B4-BE49-F238E27FC236}">
+                <a16:creationId xmlns:a16="http://schemas.microsoft.com/office/drawing/2014/main" id="{2B3901D9-F2C0-6D0E-70F4-9BF0FB7397A4}"/>
               </a:ext>
             </a:extLst>
           </p:cNvPr>
           <p:cNvPicPr>
-            <a:picLocks noChangeAspect="1"/>
+            <a:picLocks noChangeAspect="1" noChangeArrowheads="1"/>
           </p:cNvPicPr>
           <p:nvPr/>
         </p:nvPicPr>
         <p:blipFill>
-          <a:blip r:embed="rId2"/>
+          <a:blip r:embed="rId2">
+            <a:extLst>
+              <a:ext uri="{28A0092B-C50C-407E-A947-70E740481C1C}">
+                <a14:useLocalDpi xmlns:a14="http://schemas.microsoft.com/office/drawing/2010/main" val="0"/>
+              </a:ext>
+            </a:extLst>
+          </a:blip>
+          <a:srcRect/>
           <a:stretch>
             <a:fillRect/>
           </a:stretch>
         </p:blipFill>
-        <p:spPr>
-          <a:xfrm>
-            <a:off x="4210439" y="1237112"/>
-            <a:ext cx="3263122" cy="5420333"/>
+        <p:spPr bwMode="auto">
+          <a:xfrm>
+            <a:off x="1620878" y="1586998"/>
+            <a:ext cx="3469857" cy="2515031"/>
           </a:xfrm>
           <a:prstGeom prst="rect">
             <a:avLst/>
           </a:prstGeom>
+          <a:noFill/>
+          <a:extLst>
+            <a:ext uri="{909E8E84-426E-40DD-AFC4-6F175D3DCCD1}">
+              <a14:hiddenFill xmlns:a14="http://schemas.microsoft.com/office/drawing/2010/main">
+                <a:solidFill>
+                  <a:srgbClr val="FFFFFF"/>
+                </a:solidFill>
+              </a14:hiddenFill>
+            </a:ext>
+          </a:extLst>
         </p:spPr>
       </p:pic>
       <p:sp>
         <p:nvSpPr>
-          <p:cNvPr id="6" name="Rectangle 5">
-            <a:extLst>
-              <a:ext uri="{FF2B5EF4-FFF2-40B4-BE49-F238E27FC236}">
-                <a16:creationId xmlns:a16="http://schemas.microsoft.com/office/drawing/2014/main" id="{4D255CB1-E2B3-DF62-5F52-DD214CA7CF24}"/>
+          <p:cNvPr id="5" name="TextBox 4">
+            <a:extLst>
+              <a:ext uri="{FF2B5EF4-FFF2-40B4-BE49-F238E27FC236}">
+                <a16:creationId xmlns:a16="http://schemas.microsoft.com/office/drawing/2014/main" id="{0980DD90-A1FB-30AA-EAE4-09E77008138A}"/>
+              </a:ext>
+            </a:extLst>
+          </p:cNvPr>
+          <p:cNvSpPr txBox="1"/>
+          <p:nvPr/>
+        </p:nvSpPr>
+        <p:spPr>
+          <a:xfrm>
+            <a:off x="-174792" y="2565703"/>
+            <a:ext cx="1787336" cy="400110"/>
+          </a:xfrm>
+          <a:prstGeom prst="rect">
+            <a:avLst/>
+          </a:prstGeom>
+          <a:noFill/>
+        </p:spPr>
+        <p:txBody>
+          <a:bodyPr wrap="square" rtlCol="0">
+            <a:spAutoFit/>
+          </a:bodyPr>
+          <a:lstStyle/>
+          <a:p>
+            <a:pPr algn="ctr"/>
+            <a:r>
+              <a:rPr lang="en-US" sz="2000" dirty="0"/>
+              <a:t>N = 1000</a:t>
+            </a:r>
+          </a:p>
+        </p:txBody>
+      </p:sp>
+      <p:pic>
+        <p:nvPicPr>
+          <p:cNvPr id="2052" name="Picture 4">
+            <a:extLst>
+              <a:ext uri="{FF2B5EF4-FFF2-40B4-BE49-F238E27FC236}">
+                <a16:creationId xmlns:a16="http://schemas.microsoft.com/office/drawing/2014/main" id="{2480464A-7450-5690-8658-1DDC61F5FDC4}"/>
+              </a:ext>
+            </a:extLst>
+          </p:cNvPr>
+          <p:cNvPicPr>
+            <a:picLocks noChangeAspect="1" noChangeArrowheads="1"/>
+          </p:cNvPicPr>
+          <p:nvPr/>
+        </p:nvPicPr>
+        <p:blipFill>
+          <a:blip r:embed="rId3">
+            <a:extLst>
+              <a:ext uri="{28A0092B-C50C-407E-A947-70E740481C1C}">
+                <a14:useLocalDpi xmlns:a14="http://schemas.microsoft.com/office/drawing/2010/main" val="0"/>
+              </a:ext>
+            </a:extLst>
+          </a:blip>
+          <a:srcRect/>
+          <a:stretch>
+            <a:fillRect/>
+          </a:stretch>
+        </p:blipFill>
+        <p:spPr bwMode="auto">
+          <a:xfrm>
+            <a:off x="8593931" y="1574291"/>
+            <a:ext cx="3469858" cy="2515032"/>
+          </a:xfrm>
+          <a:prstGeom prst="rect">
+            <a:avLst/>
+          </a:prstGeom>
+          <a:noFill/>
+          <a:extLst>
+            <a:ext uri="{909E8E84-426E-40DD-AFC4-6F175D3DCCD1}">
+              <a14:hiddenFill xmlns:a14="http://schemas.microsoft.com/office/drawing/2010/main">
+                <a:solidFill>
+                  <a:srgbClr val="FFFFFF"/>
+                </a:solidFill>
+              </a14:hiddenFill>
+            </a:ext>
+          </a:extLst>
+        </p:spPr>
+      </p:pic>
+      <p:pic>
+        <p:nvPicPr>
+          <p:cNvPr id="2054" name="Picture 6">
+            <a:extLst>
+              <a:ext uri="{FF2B5EF4-FFF2-40B4-BE49-F238E27FC236}">
+                <a16:creationId xmlns:a16="http://schemas.microsoft.com/office/drawing/2014/main" id="{F943F6E1-FE57-13F7-D9E0-B6D082725572}"/>
+              </a:ext>
+            </a:extLst>
+          </p:cNvPr>
+          <p:cNvPicPr>
+            <a:picLocks noChangeAspect="1" noChangeArrowheads="1"/>
+          </p:cNvPicPr>
+          <p:nvPr/>
+        </p:nvPicPr>
+        <p:blipFill>
+          <a:blip r:embed="rId4">
+            <a:extLst>
+              <a:ext uri="{28A0092B-C50C-407E-A947-70E740481C1C}">
+                <a14:useLocalDpi xmlns:a14="http://schemas.microsoft.com/office/drawing/2010/main" val="0"/>
+              </a:ext>
+            </a:extLst>
+          </a:blip>
+          <a:srcRect/>
+          <a:stretch>
+            <a:fillRect/>
+          </a:stretch>
+        </p:blipFill>
+        <p:spPr bwMode="auto">
+          <a:xfrm>
+            <a:off x="5107404" y="1596245"/>
+            <a:ext cx="3469858" cy="2515032"/>
+          </a:xfrm>
+          <a:prstGeom prst="rect">
+            <a:avLst/>
+          </a:prstGeom>
+          <a:noFill/>
+          <a:extLst>
+            <a:ext uri="{909E8E84-426E-40DD-AFC4-6F175D3DCCD1}">
+              <a14:hiddenFill xmlns:a14="http://schemas.microsoft.com/office/drawing/2010/main">
+                <a:solidFill>
+                  <a:srgbClr val="FFFFFF"/>
+                </a:solidFill>
+              </a14:hiddenFill>
+            </a:ext>
+          </a:extLst>
+        </p:spPr>
+      </p:pic>
+      <p:sp>
+        <p:nvSpPr>
+          <p:cNvPr id="6" name="TextBox 5">
+            <a:extLst>
+              <a:ext uri="{FF2B5EF4-FFF2-40B4-BE49-F238E27FC236}">
+                <a16:creationId xmlns:a16="http://schemas.microsoft.com/office/drawing/2014/main" id="{C9BC1176-1F38-CAC2-112F-8ED878F0842B}"/>
+              </a:ext>
+            </a:extLst>
+          </p:cNvPr>
+          <p:cNvSpPr txBox="1"/>
+          <p:nvPr/>
+        </p:nvSpPr>
+        <p:spPr>
+          <a:xfrm>
+            <a:off x="-183126" y="4748916"/>
+            <a:ext cx="1787336" cy="400110"/>
+          </a:xfrm>
+          <a:prstGeom prst="rect">
+            <a:avLst/>
+          </a:prstGeom>
+          <a:noFill/>
+        </p:spPr>
+        <p:txBody>
+          <a:bodyPr wrap="square" rtlCol="0">
+            <a:spAutoFit/>
+          </a:bodyPr>
+          <a:lstStyle/>
+          <a:p>
+            <a:pPr algn="ctr"/>
+            <a:r>
+              <a:rPr lang="en-US" sz="2000" dirty="0"/>
+              <a:t>N = 5000</a:t>
+            </a:r>
+          </a:p>
+        </p:txBody>
+      </p:sp>
+      <p:pic>
+        <p:nvPicPr>
+          <p:cNvPr id="2056" name="Picture 8">
+            <a:extLst>
+              <a:ext uri="{FF2B5EF4-FFF2-40B4-BE49-F238E27FC236}">
+                <a16:creationId xmlns:a16="http://schemas.microsoft.com/office/drawing/2014/main" id="{251CD903-0F54-9612-FB23-6E2518BEE806}"/>
+              </a:ext>
+            </a:extLst>
+          </p:cNvPr>
+          <p:cNvPicPr>
+            <a:picLocks noChangeAspect="1" noChangeArrowheads="1"/>
+          </p:cNvPicPr>
+          <p:nvPr/>
+        </p:nvPicPr>
+        <p:blipFill>
+          <a:blip r:embed="rId5">
+            <a:extLst>
+              <a:ext uri="{28A0092B-C50C-407E-A947-70E740481C1C}">
+                <a14:useLocalDpi xmlns:a14="http://schemas.microsoft.com/office/drawing/2010/main" val="0"/>
+              </a:ext>
+            </a:extLst>
+          </a:blip>
+          <a:srcRect/>
+          <a:stretch>
+            <a:fillRect/>
+          </a:stretch>
+        </p:blipFill>
+        <p:spPr bwMode="auto">
+          <a:xfrm>
+            <a:off x="5090735" y="3854024"/>
+            <a:ext cx="3503196" cy="2539196"/>
+          </a:xfrm>
+          <a:prstGeom prst="rect">
+            <a:avLst/>
+          </a:prstGeom>
+          <a:noFill/>
+          <a:extLst>
+            <a:ext uri="{909E8E84-426E-40DD-AFC4-6F175D3DCCD1}">
+              <a14:hiddenFill xmlns:a14="http://schemas.microsoft.com/office/drawing/2010/main">
+                <a:solidFill>
+                  <a:srgbClr val="FFFFFF"/>
+                </a:solidFill>
+              </a14:hiddenFill>
+            </a:ext>
+          </a:extLst>
+        </p:spPr>
+      </p:pic>
+      <p:sp>
+        <p:nvSpPr>
+          <p:cNvPr id="4" name="TextBox 3">
+            <a:extLst>
+              <a:ext uri="{FF2B5EF4-FFF2-40B4-BE49-F238E27FC236}">
+                <a16:creationId xmlns:a16="http://schemas.microsoft.com/office/drawing/2014/main" id="{841DC9EF-44E8-6F44-653D-F2A2B943001D}"/>
+              </a:ext>
+            </a:extLst>
+          </p:cNvPr>
+          <p:cNvSpPr txBox="1"/>
+          <p:nvPr/>
+        </p:nvSpPr>
+        <p:spPr>
+          <a:xfrm>
+            <a:off x="2436737" y="1051462"/>
+            <a:ext cx="1948995" cy="400110"/>
+          </a:xfrm>
+          <a:prstGeom prst="rect">
+            <a:avLst/>
+          </a:prstGeom>
+          <a:noFill/>
+        </p:spPr>
+        <p:txBody>
+          <a:bodyPr wrap="square" rtlCol="0">
+            <a:spAutoFit/>
+          </a:bodyPr>
+          <a:lstStyle/>
+          <a:p>
+            <a:pPr algn="ctr"/>
+            <a:r>
+              <a:rPr lang="en-US" sz="2000" dirty="0"/>
+              <a:t>Total T, const </a:t>
+            </a:r>
+            <a:r>
+              <a:rPr lang="en-US" sz="2000" dirty="0" err="1"/>
+              <a:t>Nt</a:t>
+            </a:r>
+            <a:endParaRPr lang="en-US" sz="2000" dirty="0"/>
+          </a:p>
+        </p:txBody>
+      </p:sp>
+      <p:sp>
+        <p:nvSpPr>
+          <p:cNvPr id="7" name="TextBox 6">
+            <a:extLst>
+              <a:ext uri="{FF2B5EF4-FFF2-40B4-BE49-F238E27FC236}">
+                <a16:creationId xmlns:a16="http://schemas.microsoft.com/office/drawing/2014/main" id="{1D69125D-D1AD-DB45-3293-BD635A3E8F83}"/>
+              </a:ext>
+            </a:extLst>
+          </p:cNvPr>
+          <p:cNvSpPr txBox="1"/>
+          <p:nvPr/>
+        </p:nvSpPr>
+        <p:spPr>
+          <a:xfrm>
+            <a:off x="5882944" y="1051462"/>
+            <a:ext cx="1940263" cy="400110"/>
+          </a:xfrm>
+          <a:prstGeom prst="rect">
+            <a:avLst/>
+          </a:prstGeom>
+          <a:noFill/>
+        </p:spPr>
+        <p:txBody>
+          <a:bodyPr wrap="square" rtlCol="0">
+            <a:spAutoFit/>
+          </a:bodyPr>
+          <a:lstStyle/>
+          <a:p>
+            <a:pPr algn="ctr"/>
+            <a:r>
+              <a:rPr lang="en-US" sz="2000" dirty="0"/>
+              <a:t>dT, const Total T</a:t>
+            </a:r>
+          </a:p>
+        </p:txBody>
+      </p:sp>
+      <p:sp>
+        <p:nvSpPr>
+          <p:cNvPr id="8" name="TextBox 7">
+            <a:extLst>
+              <a:ext uri="{FF2B5EF4-FFF2-40B4-BE49-F238E27FC236}">
+                <a16:creationId xmlns:a16="http://schemas.microsoft.com/office/drawing/2014/main" id="{EA276B8C-25C0-5AD8-9878-5E52FB087677}"/>
+              </a:ext>
+            </a:extLst>
+          </p:cNvPr>
+          <p:cNvSpPr txBox="1"/>
+          <p:nvPr/>
+        </p:nvSpPr>
+        <p:spPr>
+          <a:xfrm>
+            <a:off x="9383254" y="1051462"/>
+            <a:ext cx="1891211" cy="400110"/>
+          </a:xfrm>
+          <a:prstGeom prst="rect">
+            <a:avLst/>
+          </a:prstGeom>
+          <a:noFill/>
+        </p:spPr>
+        <p:txBody>
+          <a:bodyPr wrap="square" rtlCol="0">
+            <a:spAutoFit/>
+          </a:bodyPr>
+          <a:lstStyle/>
+          <a:p>
+            <a:pPr algn="ctr"/>
+            <a:r>
+              <a:rPr lang="en-US" sz="2000" dirty="0"/>
+              <a:t>Total T, const dT</a:t>
+            </a:r>
+          </a:p>
+        </p:txBody>
+      </p:sp>
+      <p:sp>
+        <p:nvSpPr>
+          <p:cNvPr id="9" name="Rectangle 8">
+            <a:extLst>
+              <a:ext uri="{FF2B5EF4-FFF2-40B4-BE49-F238E27FC236}">
+                <a16:creationId xmlns:a16="http://schemas.microsoft.com/office/drawing/2014/main" id="{54228788-9EED-C623-9898-03350DBEB9CA}"/>
               </a:ext>
             </a:extLst>
           </p:cNvPr>
@@ -3640,8 +3742,8 @@
         </p:nvSpPr>
         <p:spPr>
           <a:xfrm>
-            <a:off x="846667" y="3657600"/>
-            <a:ext cx="1710266" cy="651933"/>
+            <a:off x="4800600" y="3194432"/>
+            <a:ext cx="3327400" cy="800128"/>
           </a:xfrm>
           <a:prstGeom prst="rect">
             <a:avLst/>
@@ -3670,56 +3772,7 @@
             <a:pPr algn="ctr"/>
             <a:r>
               <a:rPr lang="en-US" dirty="0"/>
-              <a:t>Mapping theory</a:t>
-            </a:r>
-          </a:p>
-        </p:txBody>
-      </p:sp>
-      <p:sp>
-        <p:nvSpPr>
-          <p:cNvPr id="7" name="Rectangle 6">
-            <a:extLst>
-              <a:ext uri="{FF2B5EF4-FFF2-40B4-BE49-F238E27FC236}">
-                <a16:creationId xmlns:a16="http://schemas.microsoft.com/office/drawing/2014/main" id="{A85A3970-0AB8-8D51-9FE7-701040430290}"/>
-              </a:ext>
-            </a:extLst>
-          </p:cNvPr>
-          <p:cNvSpPr/>
-          <p:nvPr/>
-        </p:nvSpPr>
-        <p:spPr>
-          <a:xfrm>
-            <a:off x="9355667" y="3657600"/>
-            <a:ext cx="1710266" cy="651933"/>
-          </a:xfrm>
-          <a:prstGeom prst="rect">
-            <a:avLst/>
-          </a:prstGeom>
-        </p:spPr>
-        <p:style>
-          <a:lnRef idx="2">
-            <a:schemeClr val="accent1">
-              <a:shade val="15000"/>
-            </a:schemeClr>
-          </a:lnRef>
-          <a:fillRef idx="1">
-            <a:schemeClr val="accent1"/>
-          </a:fillRef>
-          <a:effectRef idx="0">
-            <a:schemeClr val="accent1"/>
-          </a:effectRef>
-          <a:fontRef idx="minor">
-            <a:schemeClr val="lt1"/>
-          </a:fontRef>
-        </p:style>
-        <p:txBody>
-          <a:bodyPr rtlCol="0" anchor="ctr"/>
-          <a:lstStyle/>
-          <a:p>
-            <a:pPr algn="ctr"/>
-            <a:r>
-              <a:rPr lang="en-US" dirty="0"/>
-              <a:t>FD equations</a:t>
+              <a:t>Doesn’t properly reflect slope 0. Abandoned</a:t>
             </a:r>
           </a:p>
         </p:txBody>
@@ -3727,7 +3780,7 @@
     </p:spTree>
     <p:extLst>
       <p:ext uri="{BB962C8B-B14F-4D97-AF65-F5344CB8AC3E}">
-        <p14:creationId xmlns:p14="http://schemas.microsoft.com/office/powerpoint/2010/main" val="3777167393"/>
+        <p14:creationId xmlns:p14="http://schemas.microsoft.com/office/powerpoint/2010/main" val="2237290529"/>
       </p:ext>
     </p:extLst>
   </p:cSld>
@@ -3759,7 +3812,7 @@
           <p:cNvPr id="2" name="Title 1">
             <a:extLst>
               <a:ext uri="{FF2B5EF4-FFF2-40B4-BE49-F238E27FC236}">
-                <a16:creationId xmlns:a16="http://schemas.microsoft.com/office/drawing/2014/main" id="{3F58BA33-6CE8-4C6A-4397-2E8BAE79FFFA}"/>
+                <a16:creationId xmlns:a16="http://schemas.microsoft.com/office/drawing/2014/main" id="{A882F99E-BC1F-78C6-B99D-E6D55E663FA9}"/>
               </a:ext>
             </a:extLst>
           </p:cNvPr>
@@ -3777,7 +3830,7 @@
           <a:p>
             <a:r>
               <a:rPr lang="en-US" dirty="0"/>
-              <a:t>Uneven grid (analytical compare)</a:t>
+              <a:t>Uneven grid (theory)</a:t>
             </a:r>
           </a:p>
         </p:txBody>
@@ -3787,7 +3840,7 @@
           <p:cNvPr id="3" name="Slide Number Placeholder 2">
             <a:extLst>
               <a:ext uri="{FF2B5EF4-FFF2-40B4-BE49-F238E27FC236}">
-                <a16:creationId xmlns:a16="http://schemas.microsoft.com/office/drawing/2014/main" id="{B4C6B200-B8E2-6E95-7A7F-8E7753C12055}"/>
+                <a16:creationId xmlns:a16="http://schemas.microsoft.com/office/drawing/2014/main" id="{5FB93948-1CF0-2B79-F8DC-73C7261BCEB7}"/>
               </a:ext>
             </a:extLst>
           </p:cNvPr>
@@ -3806,6 +3859,221 @@
             <a:fld id="{5911C0E6-D9CE-431C-92CB-BB39B872F930}" type="slidenum">
               <a:rPr lang="en-US" smtClean="0"/>
               <a:t>13</a:t>
+            </a:fld>
+            <a:endParaRPr lang="en-US"/>
+          </a:p>
+        </p:txBody>
+      </p:sp>
+      <p:pic>
+        <p:nvPicPr>
+          <p:cNvPr id="5" name="Picture 4">
+            <a:extLst>
+              <a:ext uri="{FF2B5EF4-FFF2-40B4-BE49-F238E27FC236}">
+                <a16:creationId xmlns:a16="http://schemas.microsoft.com/office/drawing/2014/main" id="{B16B6D6E-6E98-E940-6FD1-68B314E12810}"/>
+              </a:ext>
+            </a:extLst>
+          </p:cNvPr>
+          <p:cNvPicPr>
+            <a:picLocks noChangeAspect="1"/>
+          </p:cNvPicPr>
+          <p:nvPr/>
+        </p:nvPicPr>
+        <p:blipFill>
+          <a:blip r:embed="rId2"/>
+          <a:stretch>
+            <a:fillRect/>
+          </a:stretch>
+        </p:blipFill>
+        <p:spPr>
+          <a:xfrm>
+            <a:off x="4210439" y="1237112"/>
+            <a:ext cx="3263122" cy="5420333"/>
+          </a:xfrm>
+          <a:prstGeom prst="rect">
+            <a:avLst/>
+          </a:prstGeom>
+        </p:spPr>
+      </p:pic>
+      <p:sp>
+        <p:nvSpPr>
+          <p:cNvPr id="6" name="Rectangle 5">
+            <a:extLst>
+              <a:ext uri="{FF2B5EF4-FFF2-40B4-BE49-F238E27FC236}">
+                <a16:creationId xmlns:a16="http://schemas.microsoft.com/office/drawing/2014/main" id="{4D255CB1-E2B3-DF62-5F52-DD214CA7CF24}"/>
+              </a:ext>
+            </a:extLst>
+          </p:cNvPr>
+          <p:cNvSpPr/>
+          <p:nvPr/>
+        </p:nvSpPr>
+        <p:spPr>
+          <a:xfrm>
+            <a:off x="846667" y="3657600"/>
+            <a:ext cx="1710266" cy="651933"/>
+          </a:xfrm>
+          <a:prstGeom prst="rect">
+            <a:avLst/>
+          </a:prstGeom>
+        </p:spPr>
+        <p:style>
+          <a:lnRef idx="2">
+            <a:schemeClr val="accent1">
+              <a:shade val="15000"/>
+            </a:schemeClr>
+          </a:lnRef>
+          <a:fillRef idx="1">
+            <a:schemeClr val="accent1"/>
+          </a:fillRef>
+          <a:effectRef idx="0">
+            <a:schemeClr val="accent1"/>
+          </a:effectRef>
+          <a:fontRef idx="minor">
+            <a:schemeClr val="lt1"/>
+          </a:fontRef>
+        </p:style>
+        <p:txBody>
+          <a:bodyPr rtlCol="0" anchor="ctr"/>
+          <a:lstStyle/>
+          <a:p>
+            <a:pPr algn="ctr"/>
+            <a:r>
+              <a:rPr lang="en-US" dirty="0"/>
+              <a:t>Mapping theory</a:t>
+            </a:r>
+          </a:p>
+        </p:txBody>
+      </p:sp>
+      <p:sp>
+        <p:nvSpPr>
+          <p:cNvPr id="7" name="Rectangle 6">
+            <a:extLst>
+              <a:ext uri="{FF2B5EF4-FFF2-40B4-BE49-F238E27FC236}">
+                <a16:creationId xmlns:a16="http://schemas.microsoft.com/office/drawing/2014/main" id="{A85A3970-0AB8-8D51-9FE7-701040430290}"/>
+              </a:ext>
+            </a:extLst>
+          </p:cNvPr>
+          <p:cNvSpPr/>
+          <p:nvPr/>
+        </p:nvSpPr>
+        <p:spPr>
+          <a:xfrm>
+            <a:off x="9355667" y="3657600"/>
+            <a:ext cx="1710266" cy="651933"/>
+          </a:xfrm>
+          <a:prstGeom prst="rect">
+            <a:avLst/>
+          </a:prstGeom>
+        </p:spPr>
+        <p:style>
+          <a:lnRef idx="2">
+            <a:schemeClr val="accent1">
+              <a:shade val="15000"/>
+            </a:schemeClr>
+          </a:lnRef>
+          <a:fillRef idx="1">
+            <a:schemeClr val="accent1"/>
+          </a:fillRef>
+          <a:effectRef idx="0">
+            <a:schemeClr val="accent1"/>
+          </a:effectRef>
+          <a:fontRef idx="minor">
+            <a:schemeClr val="lt1"/>
+          </a:fontRef>
+        </p:style>
+        <p:txBody>
+          <a:bodyPr rtlCol="0" anchor="ctr"/>
+          <a:lstStyle/>
+          <a:p>
+            <a:pPr algn="ctr"/>
+            <a:r>
+              <a:rPr lang="en-US" dirty="0"/>
+              <a:t>FD equations</a:t>
+            </a:r>
+          </a:p>
+        </p:txBody>
+      </p:sp>
+    </p:spTree>
+    <p:extLst>
+      <p:ext uri="{BB962C8B-B14F-4D97-AF65-F5344CB8AC3E}">
+        <p14:creationId xmlns:p14="http://schemas.microsoft.com/office/powerpoint/2010/main" val="3777167393"/>
+      </p:ext>
+    </p:extLst>
+  </p:cSld>
+  <p:clrMapOvr>
+    <a:masterClrMapping/>
+  </p:clrMapOvr>
+</p:sld>
+</file>
+
+<file path=ppt/slides/slide14.xml><?xml version="1.0" encoding="utf-8"?>
+<p:sld xmlns:a="http://schemas.openxmlformats.org/drawingml/2006/main" xmlns:r="http://schemas.openxmlformats.org/officeDocument/2006/relationships" xmlns:p="http://schemas.openxmlformats.org/presentationml/2006/main">
+  <p:cSld>
+    <p:spTree>
+      <p:nvGrpSpPr>
+        <p:cNvPr id="1" name=""/>
+        <p:cNvGrpSpPr/>
+        <p:nvPr/>
+      </p:nvGrpSpPr>
+      <p:grpSpPr>
+        <a:xfrm>
+          <a:off x="0" y="0"/>
+          <a:ext cx="0" cy="0"/>
+          <a:chOff x="0" y="0"/>
+          <a:chExt cx="0" cy="0"/>
+        </a:xfrm>
+      </p:grpSpPr>
+      <p:sp>
+        <p:nvSpPr>
+          <p:cNvPr id="2" name="Title 1">
+            <a:extLst>
+              <a:ext uri="{FF2B5EF4-FFF2-40B4-BE49-F238E27FC236}">
+                <a16:creationId xmlns:a16="http://schemas.microsoft.com/office/drawing/2014/main" id="{3F58BA33-6CE8-4C6A-4397-2E8BAE79FFFA}"/>
+              </a:ext>
+            </a:extLst>
+          </p:cNvPr>
+          <p:cNvSpPr>
+            <a:spLocks noGrp="1"/>
+          </p:cNvSpPr>
+          <p:nvPr>
+            <p:ph type="title"/>
+          </p:nvPr>
+        </p:nvSpPr>
+        <p:spPr/>
+        <p:txBody>
+          <a:bodyPr/>
+          <a:lstStyle/>
+          <a:p>
+            <a:r>
+              <a:rPr lang="en-US" dirty="0"/>
+              <a:t>Uneven grid (analytical compare)</a:t>
+            </a:r>
+          </a:p>
+        </p:txBody>
+      </p:sp>
+      <p:sp>
+        <p:nvSpPr>
+          <p:cNvPr id="3" name="Slide Number Placeholder 2">
+            <a:extLst>
+              <a:ext uri="{FF2B5EF4-FFF2-40B4-BE49-F238E27FC236}">
+                <a16:creationId xmlns:a16="http://schemas.microsoft.com/office/drawing/2014/main" id="{B4C6B200-B8E2-6E95-7A7F-8E7753C12055}"/>
+              </a:ext>
+            </a:extLst>
+          </p:cNvPr>
+          <p:cNvSpPr>
+            <a:spLocks noGrp="1"/>
+          </p:cNvSpPr>
+          <p:nvPr>
+            <p:ph type="sldNum" sz="quarter" idx="12"/>
+          </p:nvPr>
+        </p:nvSpPr>
+        <p:spPr/>
+        <p:txBody>
+          <a:bodyPr/>
+          <a:lstStyle/>
+          <a:p>
+            <a:fld id="{5911C0E6-D9CE-431C-92CB-BB39B872F930}" type="slidenum">
+              <a:rPr lang="en-US" smtClean="0"/>
+              <a:t>14</a:t>
             </a:fld>
             <a:endParaRPr lang="en-US"/>
           </a:p>
@@ -4188,7 +4456,7 @@
 </p:sld>
 </file>
 
-<file path=ppt/slides/slide14.xml><?xml version="1.0" encoding="utf-8"?>
+<file path=ppt/slides/slide15.xml><?xml version="1.0" encoding="utf-8"?>
 <p:sld xmlns:a="http://schemas.openxmlformats.org/drawingml/2006/main" xmlns:r="http://schemas.openxmlformats.org/officeDocument/2006/relationships" xmlns:p="http://schemas.openxmlformats.org/presentationml/2006/main">
   <p:cSld>
     <p:spTree>
@@ -4256,7 +4524,7 @@
           <a:p>
             <a:fld id="{5911C0E6-D9CE-431C-92CB-BB39B872F930}" type="slidenum">
               <a:rPr lang="en-US" smtClean="0"/>
-              <a:t>14</a:t>
+              <a:t>15</a:t>
             </a:fld>
             <a:endParaRPr lang="en-US"/>
           </a:p>
@@ -5119,7 +5387,7 @@
 </p:sld>
 </file>
 
-<file path=ppt/slides/slide15.xml><?xml version="1.0" encoding="utf-8"?>
+<file path=ppt/slides/slide16.xml><?xml version="1.0" encoding="utf-8"?>
 <p:sld xmlns:a="http://schemas.openxmlformats.org/drawingml/2006/main" xmlns:r="http://schemas.openxmlformats.org/officeDocument/2006/relationships" xmlns:p="http://schemas.openxmlformats.org/presentationml/2006/main">
   <p:cSld>
     <p:spTree>
@@ -5281,7 +5549,7 @@
           <a:p>
             <a:fld id="{5911C0E6-D9CE-431C-92CB-BB39B872F930}" type="slidenum">
               <a:rPr lang="en-US" smtClean="0"/>
-              <a:t>15</a:t>
+              <a:t>16</a:t>
             </a:fld>
             <a:endParaRPr lang="en-US"/>
           </a:p>
@@ -5898,7 +6166,7 @@
 </p:sld>
 </file>
 
-<file path=ppt/slides/slide16.xml><?xml version="1.0" encoding="utf-8"?>
+<file path=ppt/slides/slide17.xml><?xml version="1.0" encoding="utf-8"?>
 <p:sld xmlns:a="http://schemas.openxmlformats.org/drawingml/2006/main" xmlns:r="http://schemas.openxmlformats.org/officeDocument/2006/relationships" xmlns:p="http://schemas.openxmlformats.org/presentationml/2006/main">
   <p:cSld>
     <p:spTree>
@@ -6019,7 +6287,7 @@
           <a:p>
             <a:fld id="{5911C0E6-D9CE-431C-92CB-BB39B872F930}" type="slidenum">
               <a:rPr lang="en-US" smtClean="0"/>
-              <a:t>16</a:t>
+              <a:t>17</a:t>
             </a:fld>
             <a:endParaRPr lang="en-US"/>
           </a:p>
@@ -6662,7 +6930,7 @@
 </p:sld>
 </file>
 
-<file path=ppt/slides/slide17.xml><?xml version="1.0" encoding="utf-8"?>
+<file path=ppt/slides/slide18.xml><?xml version="1.0" encoding="utf-8"?>
 <p:sld xmlns:a="http://schemas.openxmlformats.org/drawingml/2006/main" xmlns:r="http://schemas.openxmlformats.org/officeDocument/2006/relationships" xmlns:p="http://schemas.openxmlformats.org/presentationml/2006/main">
   <p:cSld>
     <p:spTree>
@@ -6737,7 +7005,7 @@
           <a:p>
             <a:fld id="{5911C0E6-D9CE-431C-92CB-BB39B872F930}" type="slidenum">
               <a:rPr lang="en-US" smtClean="0"/>
-              <a:t>17</a:t>
+              <a:t>18</a:t>
             </a:fld>
             <a:endParaRPr lang="en-US"/>
           </a:p>
@@ -7554,6 +7822,119 @@
 </p:sld>
 </file>
 
+<file path=ppt/slides/slide19.xml><?xml version="1.0" encoding="utf-8"?>
+<p:sld xmlns:a="http://schemas.openxmlformats.org/drawingml/2006/main" xmlns:r="http://schemas.openxmlformats.org/officeDocument/2006/relationships" xmlns:p="http://schemas.openxmlformats.org/presentationml/2006/main">
+  <p:cSld>
+    <p:spTree>
+      <p:nvGrpSpPr>
+        <p:cNvPr id="1" name=""/>
+        <p:cNvGrpSpPr/>
+        <p:nvPr/>
+      </p:nvGrpSpPr>
+      <p:grpSpPr>
+        <a:xfrm>
+          <a:off x="0" y="0"/>
+          <a:ext cx="0" cy="0"/>
+          <a:chOff x="0" y="0"/>
+          <a:chExt cx="0" cy="0"/>
+        </a:xfrm>
+      </p:grpSpPr>
+      <p:sp>
+        <p:nvSpPr>
+          <p:cNvPr id="2" name="Title 1">
+            <a:extLst>
+              <a:ext uri="{FF2B5EF4-FFF2-40B4-BE49-F238E27FC236}">
+                <a16:creationId xmlns:a16="http://schemas.microsoft.com/office/drawing/2014/main" id="{1973669C-48E5-E1B0-C350-0B8F0E597A53}"/>
+              </a:ext>
+            </a:extLst>
+          </p:cNvPr>
+          <p:cNvSpPr>
+            <a:spLocks noGrp="1"/>
+          </p:cNvSpPr>
+          <p:nvPr>
+            <p:ph type="title"/>
+          </p:nvPr>
+        </p:nvSpPr>
+        <p:spPr/>
+        <p:txBody>
+          <a:bodyPr/>
+          <a:lstStyle/>
+          <a:p>
+            <a:r>
+              <a:rPr lang="en-US" dirty="0"/>
+              <a:t>Full SCFT Validations</a:t>
+            </a:r>
+          </a:p>
+        </p:txBody>
+      </p:sp>
+      <p:sp>
+        <p:nvSpPr>
+          <p:cNvPr id="3" name="Text Placeholder 2">
+            <a:extLst>
+              <a:ext uri="{FF2B5EF4-FFF2-40B4-BE49-F238E27FC236}">
+                <a16:creationId xmlns:a16="http://schemas.microsoft.com/office/drawing/2014/main" id="{8905B755-A670-1624-BABA-3E8B858C5027}"/>
+              </a:ext>
+            </a:extLst>
+          </p:cNvPr>
+          <p:cNvSpPr>
+            <a:spLocks noGrp="1"/>
+          </p:cNvSpPr>
+          <p:nvPr>
+            <p:ph type="body" idx="1"/>
+          </p:nvPr>
+        </p:nvSpPr>
+        <p:spPr/>
+        <p:txBody>
+          <a:bodyPr/>
+          <a:lstStyle/>
+          <a:p>
+            <a:endParaRPr lang="en-US" dirty="0"/>
+          </a:p>
+        </p:txBody>
+      </p:sp>
+      <p:sp>
+        <p:nvSpPr>
+          <p:cNvPr id="4" name="Slide Number Placeholder 3">
+            <a:extLst>
+              <a:ext uri="{FF2B5EF4-FFF2-40B4-BE49-F238E27FC236}">
+                <a16:creationId xmlns:a16="http://schemas.microsoft.com/office/drawing/2014/main" id="{53AB1005-5395-8CD5-A3EB-EB0774417950}"/>
+              </a:ext>
+            </a:extLst>
+          </p:cNvPr>
+          <p:cNvSpPr>
+            <a:spLocks noGrp="1"/>
+          </p:cNvSpPr>
+          <p:nvPr>
+            <p:ph type="sldNum" sz="quarter" idx="12"/>
+          </p:nvPr>
+        </p:nvSpPr>
+        <p:spPr/>
+        <p:txBody>
+          <a:bodyPr/>
+          <a:lstStyle/>
+          <a:p>
+            <a:fld id="{5911C0E6-D9CE-431C-92CB-BB39B872F930}" type="slidenum">
+              <a:rPr lang="en-US" smtClean="0"/>
+              <a:pPr/>
+              <a:t>19</a:t>
+            </a:fld>
+            <a:endParaRPr lang="en-US" dirty="0"/>
+          </a:p>
+        </p:txBody>
+      </p:sp>
+    </p:spTree>
+    <p:extLst>
+      <p:ext uri="{BB962C8B-B14F-4D97-AF65-F5344CB8AC3E}">
+        <p14:creationId xmlns:p14="http://schemas.microsoft.com/office/powerpoint/2010/main" val="3112095108"/>
+      </p:ext>
+    </p:extLst>
+  </p:cSld>
+  <p:clrMapOvr>
+    <a:masterClrMapping/>
+  </p:clrMapOvr>
+</p:sld>
+</file>
+
 <file path=ppt/slides/slide2.xml><?xml version="1.0" encoding="utf-8"?>
 <p:sld xmlns:a="http://schemas.openxmlformats.org/drawingml/2006/main" xmlns:r="http://schemas.openxmlformats.org/officeDocument/2006/relationships" xmlns:p="http://schemas.openxmlformats.org/presentationml/2006/main">
   <p:cSld>
@@ -8130,6 +8511,93 @@
     <p:extLst>
       <p:ext uri="{BB962C8B-B14F-4D97-AF65-F5344CB8AC3E}">
         <p14:creationId xmlns:p14="http://schemas.microsoft.com/office/powerpoint/2010/main" val="1045183812"/>
+      </p:ext>
+    </p:extLst>
+  </p:cSld>
+  <p:clrMapOvr>
+    <a:masterClrMapping/>
+  </p:clrMapOvr>
+</p:sld>
+</file>
+
+<file path=ppt/slides/slide20.xml><?xml version="1.0" encoding="utf-8"?>
+<p:sld xmlns:a="http://schemas.openxmlformats.org/drawingml/2006/main" xmlns:r="http://schemas.openxmlformats.org/officeDocument/2006/relationships" xmlns:p="http://schemas.openxmlformats.org/presentationml/2006/main">
+  <p:cSld>
+    <p:spTree>
+      <p:nvGrpSpPr>
+        <p:cNvPr id="1" name=""/>
+        <p:cNvGrpSpPr/>
+        <p:nvPr/>
+      </p:nvGrpSpPr>
+      <p:grpSpPr>
+        <a:xfrm>
+          <a:off x="0" y="0"/>
+          <a:ext cx="0" cy="0"/>
+          <a:chOff x="0" y="0"/>
+          <a:chExt cx="0" cy="0"/>
+        </a:xfrm>
+      </p:grpSpPr>
+      <p:sp>
+        <p:nvSpPr>
+          <p:cNvPr id="2" name="Title 1">
+            <a:extLst>
+              <a:ext uri="{FF2B5EF4-FFF2-40B4-BE49-F238E27FC236}">
+                <a16:creationId xmlns:a16="http://schemas.microsoft.com/office/drawing/2014/main" id="{4F3E0B48-21B4-0AF6-EAEE-66D23171E5F3}"/>
+              </a:ext>
+            </a:extLst>
+          </p:cNvPr>
+          <p:cNvSpPr>
+            <a:spLocks noGrp="1"/>
+          </p:cNvSpPr>
+          <p:nvPr>
+            <p:ph type="title"/>
+          </p:nvPr>
+        </p:nvSpPr>
+        <p:spPr/>
+        <p:txBody>
+          <a:bodyPr/>
+          <a:lstStyle/>
+          <a:p>
+            <a:r>
+              <a:rPr lang="en-US" dirty="0"/>
+              <a:t>Surface charge (neutral polymer)</a:t>
+            </a:r>
+          </a:p>
+        </p:txBody>
+      </p:sp>
+      <p:sp>
+        <p:nvSpPr>
+          <p:cNvPr id="3" name="Slide Number Placeholder 2">
+            <a:extLst>
+              <a:ext uri="{FF2B5EF4-FFF2-40B4-BE49-F238E27FC236}">
+                <a16:creationId xmlns:a16="http://schemas.microsoft.com/office/drawing/2014/main" id="{4A495ABE-7B01-512F-34BE-9FA195CC958C}"/>
+              </a:ext>
+            </a:extLst>
+          </p:cNvPr>
+          <p:cNvSpPr>
+            <a:spLocks noGrp="1"/>
+          </p:cNvSpPr>
+          <p:nvPr>
+            <p:ph type="sldNum" sz="quarter" idx="12"/>
+          </p:nvPr>
+        </p:nvSpPr>
+        <p:spPr/>
+        <p:txBody>
+          <a:bodyPr/>
+          <a:lstStyle/>
+          <a:p>
+            <a:fld id="{5911C0E6-D9CE-431C-92CB-BB39B872F930}" type="slidenum">
+              <a:rPr lang="en-US" smtClean="0"/>
+              <a:t>20</a:t>
+            </a:fld>
+            <a:endParaRPr lang="en-US"/>
+          </a:p>
+        </p:txBody>
+      </p:sp>
+    </p:spTree>
+    <p:extLst>
+      <p:ext uri="{BB962C8B-B14F-4D97-AF65-F5344CB8AC3E}">
+        <p14:creationId xmlns:p14="http://schemas.microsoft.com/office/powerpoint/2010/main" val="4148675431"/>
       </p:ext>
     </p:extLst>
   </p:cSld>
@@ -12207,7 +12675,7 @@
           <p:cNvPr id="2" name="Title 1">
             <a:extLst>
               <a:ext uri="{FF2B5EF4-FFF2-40B4-BE49-F238E27FC236}">
-                <a16:creationId xmlns:a16="http://schemas.microsoft.com/office/drawing/2014/main" id="{B48E75B8-CA31-A2EB-3470-F60D5EDC1E1A}"/>
+                <a16:creationId xmlns:a16="http://schemas.microsoft.com/office/drawing/2014/main" id="{4C5D2275-C697-254E-5FC4-3E62D282D1DD}"/>
               </a:ext>
             </a:extLst>
           </p:cNvPr>
@@ -12218,31 +12686,49 @@
             <p:ph type="title"/>
           </p:nvPr>
         </p:nvSpPr>
-        <p:spPr>
-          <a:xfrm>
-            <a:off x="-1" y="136525"/>
-            <a:ext cx="12706351" cy="800128"/>
-          </a:xfrm>
-        </p:spPr>
+        <p:spPr/>
         <p:txBody>
-          <a:bodyPr>
-            <a:normAutofit/>
-          </a:bodyPr>
+          <a:bodyPr/>
           <a:lstStyle/>
           <a:p>
             <a:r>
               <a:rPr lang="en-US" dirty="0"/>
-              <a:t>Counterion only; NBC—(D)—NBC validations</a:t>
+              <a:t>Counterion PB</a:t>
             </a:r>
           </a:p>
         </p:txBody>
       </p:sp>
       <p:sp>
         <p:nvSpPr>
-          <p:cNvPr id="3" name="Slide Number Placeholder 2">
-            <a:extLst>
-              <a:ext uri="{FF2B5EF4-FFF2-40B4-BE49-F238E27FC236}">
-                <a16:creationId xmlns:a16="http://schemas.microsoft.com/office/drawing/2014/main" id="{84D2F789-F0CF-80E5-19BE-6E850B9C23E3}"/>
+          <p:cNvPr id="3" name="Text Placeholder 2">
+            <a:extLst>
+              <a:ext uri="{FF2B5EF4-FFF2-40B4-BE49-F238E27FC236}">
+                <a16:creationId xmlns:a16="http://schemas.microsoft.com/office/drawing/2014/main" id="{82E5995D-D445-E2EC-1E30-392AC2A748AA}"/>
+              </a:ext>
+            </a:extLst>
+          </p:cNvPr>
+          <p:cNvSpPr>
+            <a:spLocks noGrp="1"/>
+          </p:cNvSpPr>
+          <p:nvPr>
+            <p:ph type="body" idx="1"/>
+          </p:nvPr>
+        </p:nvSpPr>
+        <p:spPr/>
+        <p:txBody>
+          <a:bodyPr/>
+          <a:lstStyle/>
+          <a:p>
+            <a:endParaRPr lang="en-US"/>
+          </a:p>
+        </p:txBody>
+      </p:sp>
+      <p:sp>
+        <p:nvSpPr>
+          <p:cNvPr id="4" name="Slide Number Placeholder 3">
+            <a:extLst>
+              <a:ext uri="{FF2B5EF4-FFF2-40B4-BE49-F238E27FC236}">
+                <a16:creationId xmlns:a16="http://schemas.microsoft.com/office/drawing/2014/main" id="{F4C21313-B619-93AC-0A76-9D8D4C4E9CDD}"/>
               </a:ext>
             </a:extLst>
           </p:cNvPr>
@@ -12260,489 +12746,17 @@
           <a:p>
             <a:fld id="{5911C0E6-D9CE-431C-92CB-BB39B872F930}" type="slidenum">
               <a:rPr lang="en-US" smtClean="0"/>
+              <a:pPr/>
               <a:t>7</a:t>
             </a:fld>
-            <a:endParaRPr lang="en-US"/>
-          </a:p>
-        </p:txBody>
-      </p:sp>
-      <p:sp>
-        <p:nvSpPr>
-          <p:cNvPr id="4" name="TextBox 3">
-            <a:extLst>
-              <a:ext uri="{FF2B5EF4-FFF2-40B4-BE49-F238E27FC236}">
-                <a16:creationId xmlns:a16="http://schemas.microsoft.com/office/drawing/2014/main" id="{1605A9D5-0E3F-F843-D48A-77DE6FC2C0F8}"/>
-              </a:ext>
-            </a:extLst>
-          </p:cNvPr>
-          <p:cNvSpPr txBox="1"/>
-          <p:nvPr/>
-        </p:nvSpPr>
-        <p:spPr>
-          <a:xfrm>
-            <a:off x="1213945" y="1750948"/>
-            <a:ext cx="2542041" cy="287141"/>
-          </a:xfrm>
-          <a:prstGeom prst="rect">
-            <a:avLst/>
-          </a:prstGeom>
-          <a:noFill/>
-        </p:spPr>
-        <p:txBody>
-          <a:bodyPr wrap="square" rtlCol="0">
-            <a:spAutoFit/>
-          </a:bodyPr>
-          <a:lstStyle/>
-          <a:p>
-            <a:pPr algn="ctr"/>
-            <a:r>
-              <a:rPr lang="en-US" sz="1600" dirty="0"/>
-              <a:t>sigma = -5e-20 C/nm2</a:t>
-            </a:r>
-          </a:p>
-        </p:txBody>
-      </p:sp>
-      <p:pic>
-        <p:nvPicPr>
-          <p:cNvPr id="1028" name="Picture 4">
-            <a:extLst>
-              <a:ext uri="{FF2B5EF4-FFF2-40B4-BE49-F238E27FC236}">
-                <a16:creationId xmlns:a16="http://schemas.microsoft.com/office/drawing/2014/main" id="{0F865D6A-7B1C-DD2B-0F3D-10E51B8F81C0}"/>
-              </a:ext>
-            </a:extLst>
-          </p:cNvPr>
-          <p:cNvPicPr>
-            <a:picLocks noChangeAspect="1" noChangeArrowheads="1"/>
-          </p:cNvPicPr>
-          <p:nvPr/>
-        </p:nvPicPr>
-        <p:blipFill>
-          <a:blip r:embed="rId2">
-            <a:extLst>
-              <a:ext uri="{28A0092B-C50C-407E-A947-70E740481C1C}">
-                <a14:useLocalDpi xmlns:a14="http://schemas.microsoft.com/office/drawing/2010/main" val="0"/>
-              </a:ext>
-            </a:extLst>
-          </a:blip>
-          <a:srcRect/>
-          <a:stretch>
-            <a:fillRect/>
-          </a:stretch>
-        </p:blipFill>
-        <p:spPr bwMode="auto">
-          <a:xfrm>
-            <a:off x="3965833" y="1174041"/>
-            <a:ext cx="2351747" cy="1730320"/>
-          </a:xfrm>
-          <a:prstGeom prst="rect">
-            <a:avLst/>
-          </a:prstGeom>
-          <a:noFill/>
-          <a:extLst>
-            <a:ext uri="{909E8E84-426E-40DD-AFC4-6F175D3DCCD1}">
-              <a14:hiddenFill xmlns:a14="http://schemas.microsoft.com/office/drawing/2010/main">
-                <a:solidFill>
-                  <a:srgbClr val="FFFFFF"/>
-                </a:solidFill>
-              </a14:hiddenFill>
-            </a:ext>
-          </a:extLst>
-        </p:spPr>
-      </p:pic>
-      <p:sp>
-        <p:nvSpPr>
-          <p:cNvPr id="6" name="TextBox 5">
-            <a:extLst>
-              <a:ext uri="{FF2B5EF4-FFF2-40B4-BE49-F238E27FC236}">
-                <a16:creationId xmlns:a16="http://schemas.microsoft.com/office/drawing/2014/main" id="{663A9F9C-7D8D-3D28-936B-72C2482F4683}"/>
-              </a:ext>
-            </a:extLst>
-          </p:cNvPr>
-          <p:cNvSpPr txBox="1"/>
-          <p:nvPr/>
-        </p:nvSpPr>
-        <p:spPr>
-          <a:xfrm>
-            <a:off x="3922806" y="6413698"/>
-            <a:ext cx="2742426" cy="307777"/>
-          </a:xfrm>
-          <a:prstGeom prst="rect">
-            <a:avLst/>
-          </a:prstGeom>
-          <a:noFill/>
-        </p:spPr>
-        <p:txBody>
-          <a:bodyPr wrap="square" rtlCol="0">
-            <a:spAutoFit/>
-          </a:bodyPr>
-          <a:lstStyle/>
-          <a:p>
-            <a:r>
-              <a:rPr lang="en-US" sz="1400" b="1" dirty="0"/>
-              <a:t>Log-divergence, exact as lx </a:t>
-            </a:r>
-            <a:r>
-              <a:rPr lang="en-US" sz="1400" b="1" dirty="0">
-                <a:sym typeface="Wingdings" panose="05000000000000000000" pitchFamily="2" charset="2"/>
-              </a:rPr>
-              <a:t> </a:t>
-            </a:r>
-            <a:r>
-              <a:rPr lang="en-US" sz="1400" b="1" dirty="0" err="1">
-                <a:sym typeface="Wingdings" panose="05000000000000000000" pitchFamily="2" charset="2"/>
-              </a:rPr>
-              <a:t>infty</a:t>
-            </a:r>
-            <a:endParaRPr lang="en-US" sz="1400" b="1" dirty="0"/>
-          </a:p>
-        </p:txBody>
-      </p:sp>
-      <p:pic>
-        <p:nvPicPr>
-          <p:cNvPr id="1032" name="Picture 8">
-            <a:extLst>
-              <a:ext uri="{FF2B5EF4-FFF2-40B4-BE49-F238E27FC236}">
-                <a16:creationId xmlns:a16="http://schemas.microsoft.com/office/drawing/2014/main" id="{C72F6F8F-0657-0B22-B36D-4CB28FB42A20}"/>
-              </a:ext>
-            </a:extLst>
-          </p:cNvPr>
-          <p:cNvPicPr>
-            <a:picLocks noChangeAspect="1" noChangeArrowheads="1"/>
-          </p:cNvPicPr>
-          <p:nvPr/>
-        </p:nvPicPr>
-        <p:blipFill>
-          <a:blip r:embed="rId3">
-            <a:extLst>
-              <a:ext uri="{28A0092B-C50C-407E-A947-70E740481C1C}">
-                <a14:useLocalDpi xmlns:a14="http://schemas.microsoft.com/office/drawing/2010/main" val="0"/>
-              </a:ext>
-            </a:extLst>
-          </a:blip>
-          <a:srcRect/>
-          <a:stretch>
-            <a:fillRect/>
-          </a:stretch>
-        </p:blipFill>
-        <p:spPr bwMode="auto">
-          <a:xfrm>
-            <a:off x="6956386" y="1171817"/>
-            <a:ext cx="2542041" cy="1732544"/>
-          </a:xfrm>
-          <a:prstGeom prst="rect">
-            <a:avLst/>
-          </a:prstGeom>
-          <a:noFill/>
-          <a:extLst>
-            <a:ext uri="{909E8E84-426E-40DD-AFC4-6F175D3DCCD1}">
-              <a14:hiddenFill xmlns:a14="http://schemas.microsoft.com/office/drawing/2010/main">
-                <a:solidFill>
-                  <a:srgbClr val="FFFFFF"/>
-                </a:solidFill>
-              </a14:hiddenFill>
-            </a:ext>
-          </a:extLst>
-        </p:spPr>
-      </p:pic>
-      <p:sp>
-        <p:nvSpPr>
-          <p:cNvPr id="11" name="TextBox 10">
-            <a:extLst>
-              <a:ext uri="{FF2B5EF4-FFF2-40B4-BE49-F238E27FC236}">
-                <a16:creationId xmlns:a16="http://schemas.microsoft.com/office/drawing/2014/main" id="{7A4E16DB-E8B1-C8AB-2E63-FA35F6E229DC}"/>
-              </a:ext>
-            </a:extLst>
-          </p:cNvPr>
-          <p:cNvSpPr txBox="1"/>
-          <p:nvPr/>
-        </p:nvSpPr>
-        <p:spPr>
-          <a:xfrm>
-            <a:off x="1213945" y="3430253"/>
-            <a:ext cx="2542041" cy="287141"/>
-          </a:xfrm>
-          <a:prstGeom prst="rect">
-            <a:avLst/>
-          </a:prstGeom>
-          <a:noFill/>
-        </p:spPr>
-        <p:txBody>
-          <a:bodyPr wrap="square" rtlCol="0">
-            <a:spAutoFit/>
-          </a:bodyPr>
-          <a:lstStyle/>
-          <a:p>
-            <a:pPr algn="ctr"/>
-            <a:r>
-              <a:rPr lang="en-US" sz="1600" dirty="0"/>
-              <a:t>sigma = -10e-20 C/nm2</a:t>
-            </a:r>
-          </a:p>
-        </p:txBody>
-      </p:sp>
-      <p:sp>
-        <p:nvSpPr>
-          <p:cNvPr id="14" name="TextBox 13">
-            <a:extLst>
-              <a:ext uri="{FF2B5EF4-FFF2-40B4-BE49-F238E27FC236}">
-                <a16:creationId xmlns:a16="http://schemas.microsoft.com/office/drawing/2014/main" id="{AE713404-1A34-BC7C-E545-0984483E7A03}"/>
-              </a:ext>
-            </a:extLst>
-          </p:cNvPr>
-          <p:cNvSpPr txBox="1"/>
-          <p:nvPr/>
-        </p:nvSpPr>
-        <p:spPr>
-          <a:xfrm>
-            <a:off x="1213945" y="5108447"/>
-            <a:ext cx="2542041" cy="338554"/>
-          </a:xfrm>
-          <a:prstGeom prst="rect">
-            <a:avLst/>
-          </a:prstGeom>
-          <a:noFill/>
-        </p:spPr>
-        <p:txBody>
-          <a:bodyPr wrap="square" rtlCol="0">
-            <a:spAutoFit/>
-          </a:bodyPr>
-          <a:lstStyle/>
-          <a:p>
-            <a:pPr algn="ctr"/>
-            <a:r>
-              <a:rPr lang="en-US" sz="1600" dirty="0"/>
-              <a:t>sigma = -20e-20 C/nm2</a:t>
-            </a:r>
-          </a:p>
-        </p:txBody>
-      </p:sp>
-      <p:pic>
-        <p:nvPicPr>
-          <p:cNvPr id="1036" name="Picture 12">
-            <a:extLst>
-              <a:ext uri="{FF2B5EF4-FFF2-40B4-BE49-F238E27FC236}">
-                <a16:creationId xmlns:a16="http://schemas.microsoft.com/office/drawing/2014/main" id="{BE4F2731-AA06-78A6-DB5A-0C45E300CAC1}"/>
-              </a:ext>
-            </a:extLst>
-          </p:cNvPr>
-          <p:cNvPicPr>
-            <a:picLocks noChangeAspect="1" noChangeArrowheads="1"/>
-          </p:cNvPicPr>
-          <p:nvPr/>
-        </p:nvPicPr>
-        <p:blipFill>
-          <a:blip r:embed="rId4">
-            <a:extLst>
-              <a:ext uri="{28A0092B-C50C-407E-A947-70E740481C1C}">
-                <a14:useLocalDpi xmlns:a14="http://schemas.microsoft.com/office/drawing/2010/main" val="0"/>
-              </a:ext>
-            </a:extLst>
-          </a:blip>
-          <a:srcRect/>
-          <a:stretch>
-            <a:fillRect/>
-          </a:stretch>
-        </p:blipFill>
-        <p:spPr bwMode="auto">
-          <a:xfrm>
-            <a:off x="6894254" y="2904361"/>
-            <a:ext cx="2614083" cy="1726901"/>
-          </a:xfrm>
-          <a:prstGeom prst="rect">
-            <a:avLst/>
-          </a:prstGeom>
-          <a:noFill/>
-          <a:extLst>
-            <a:ext uri="{909E8E84-426E-40DD-AFC4-6F175D3DCCD1}">
-              <a14:hiddenFill xmlns:a14="http://schemas.microsoft.com/office/drawing/2010/main">
-                <a:solidFill>
-                  <a:srgbClr val="FFFFFF"/>
-                </a:solidFill>
-              </a14:hiddenFill>
-            </a:ext>
-          </a:extLst>
-        </p:spPr>
-      </p:pic>
-      <p:pic>
-        <p:nvPicPr>
-          <p:cNvPr id="1038" name="Picture 14">
-            <a:extLst>
-              <a:ext uri="{FF2B5EF4-FFF2-40B4-BE49-F238E27FC236}">
-                <a16:creationId xmlns:a16="http://schemas.microsoft.com/office/drawing/2014/main" id="{EC018F10-A16E-E7D1-E00F-78613B4F0244}"/>
-              </a:ext>
-            </a:extLst>
-          </p:cNvPr>
-          <p:cNvPicPr>
-            <a:picLocks noChangeAspect="1" noChangeArrowheads="1"/>
-          </p:cNvPicPr>
-          <p:nvPr/>
-        </p:nvPicPr>
-        <p:blipFill>
-          <a:blip r:embed="rId5">
-            <a:extLst>
-              <a:ext uri="{28A0092B-C50C-407E-A947-70E740481C1C}">
-                <a14:useLocalDpi xmlns:a14="http://schemas.microsoft.com/office/drawing/2010/main" val="0"/>
-              </a:ext>
-            </a:extLst>
-          </a:blip>
-          <a:srcRect/>
-          <a:stretch>
-            <a:fillRect/>
-          </a:stretch>
-        </p:blipFill>
-        <p:spPr bwMode="auto">
-          <a:xfrm>
-            <a:off x="6908688" y="4686797"/>
-            <a:ext cx="2513171" cy="1730320"/>
-          </a:xfrm>
-          <a:prstGeom prst="rect">
-            <a:avLst/>
-          </a:prstGeom>
-          <a:noFill/>
-          <a:extLst>
-            <a:ext uri="{909E8E84-426E-40DD-AFC4-6F175D3DCCD1}">
-              <a14:hiddenFill xmlns:a14="http://schemas.microsoft.com/office/drawing/2010/main">
-                <a:solidFill>
-                  <a:srgbClr val="FFFFFF"/>
-                </a:solidFill>
-              </a14:hiddenFill>
-            </a:ext>
-          </a:extLst>
-        </p:spPr>
-      </p:pic>
-      <p:pic>
-        <p:nvPicPr>
-          <p:cNvPr id="1040" name="Picture 16">
-            <a:extLst>
-              <a:ext uri="{FF2B5EF4-FFF2-40B4-BE49-F238E27FC236}">
-                <a16:creationId xmlns:a16="http://schemas.microsoft.com/office/drawing/2014/main" id="{1B77EB93-6636-B7AB-F8D4-E555AD77264B}"/>
-              </a:ext>
-            </a:extLst>
-          </p:cNvPr>
-          <p:cNvPicPr>
-            <a:picLocks noChangeAspect="1" noChangeArrowheads="1"/>
-          </p:cNvPicPr>
-          <p:nvPr/>
-        </p:nvPicPr>
-        <p:blipFill>
-          <a:blip r:embed="rId6">
-            <a:extLst>
-              <a:ext uri="{28A0092B-C50C-407E-A947-70E740481C1C}">
-                <a14:useLocalDpi xmlns:a14="http://schemas.microsoft.com/office/drawing/2010/main" val="0"/>
-              </a:ext>
-            </a:extLst>
-          </a:blip>
-          <a:srcRect/>
-          <a:stretch>
-            <a:fillRect/>
-          </a:stretch>
-        </p:blipFill>
-        <p:spPr bwMode="auto">
-          <a:xfrm>
-            <a:off x="3898853" y="2900942"/>
-            <a:ext cx="2418727" cy="1730320"/>
-          </a:xfrm>
-          <a:prstGeom prst="rect">
-            <a:avLst/>
-          </a:prstGeom>
-          <a:noFill/>
-          <a:extLst>
-            <a:ext uri="{909E8E84-426E-40DD-AFC4-6F175D3DCCD1}">
-              <a14:hiddenFill xmlns:a14="http://schemas.microsoft.com/office/drawing/2010/main">
-                <a:solidFill>
-                  <a:srgbClr val="FFFFFF"/>
-                </a:solidFill>
-              </a14:hiddenFill>
-            </a:ext>
-          </a:extLst>
-        </p:spPr>
-      </p:pic>
-      <p:pic>
-        <p:nvPicPr>
-          <p:cNvPr id="1042" name="Picture 18">
-            <a:extLst>
-              <a:ext uri="{FF2B5EF4-FFF2-40B4-BE49-F238E27FC236}">
-                <a16:creationId xmlns:a16="http://schemas.microsoft.com/office/drawing/2014/main" id="{A77872A0-B476-104B-BEB4-C57213D9F465}"/>
-              </a:ext>
-            </a:extLst>
-          </p:cNvPr>
-          <p:cNvPicPr>
-            <a:picLocks noChangeAspect="1" noChangeArrowheads="1"/>
-          </p:cNvPicPr>
-          <p:nvPr/>
-        </p:nvPicPr>
-        <p:blipFill>
-          <a:blip r:embed="rId7">
-            <a:extLst>
-              <a:ext uri="{28A0092B-C50C-407E-A947-70E740481C1C}">
-                <a14:useLocalDpi xmlns:a14="http://schemas.microsoft.com/office/drawing/2010/main" val="0"/>
-              </a:ext>
-            </a:extLst>
-          </a:blip>
-          <a:srcRect/>
-          <a:stretch>
-            <a:fillRect/>
-          </a:stretch>
-        </p:blipFill>
-        <p:spPr bwMode="auto">
-          <a:xfrm>
-            <a:off x="3922806" y="4686797"/>
-            <a:ext cx="2418727" cy="1730320"/>
-          </a:xfrm>
-          <a:prstGeom prst="rect">
-            <a:avLst/>
-          </a:prstGeom>
-          <a:noFill/>
-          <a:extLst>
-            <a:ext uri="{909E8E84-426E-40DD-AFC4-6F175D3DCCD1}">
-              <a14:hiddenFill xmlns:a14="http://schemas.microsoft.com/office/drawing/2010/main">
-                <a:solidFill>
-                  <a:srgbClr val="FFFFFF"/>
-                </a:solidFill>
-              </a14:hiddenFill>
-            </a:ext>
-          </a:extLst>
-        </p:spPr>
-      </p:pic>
-      <p:sp>
-        <p:nvSpPr>
-          <p:cNvPr id="5" name="TextBox 4">
-            <a:extLst>
-              <a:ext uri="{FF2B5EF4-FFF2-40B4-BE49-F238E27FC236}">
-                <a16:creationId xmlns:a16="http://schemas.microsoft.com/office/drawing/2014/main" id="{1B48940B-4865-9E61-FC1A-B3CC14EC30A9}"/>
-              </a:ext>
-            </a:extLst>
-          </p:cNvPr>
-          <p:cNvSpPr txBox="1"/>
-          <p:nvPr/>
-        </p:nvSpPr>
-        <p:spPr>
-          <a:xfrm>
-            <a:off x="7543801" y="6384630"/>
-            <a:ext cx="4503822" cy="369332"/>
-          </a:xfrm>
-          <a:prstGeom prst="rect">
-            <a:avLst/>
-          </a:prstGeom>
-          <a:noFill/>
-        </p:spPr>
-        <p:txBody>
-          <a:bodyPr wrap="square" rtlCol="0">
-            <a:spAutoFit/>
-          </a:bodyPr>
-          <a:lstStyle/>
-          <a:p>
-            <a:r>
-              <a:rPr lang="en-US" dirty="0"/>
-              <a:t>Method: NBC left, NBC right, DBC somewhere</a:t>
-            </a:r>
+            <a:endParaRPr lang="en-US" dirty="0"/>
           </a:p>
         </p:txBody>
       </p:sp>
     </p:spTree>
     <p:extLst>
       <p:ext uri="{BB962C8B-B14F-4D97-AF65-F5344CB8AC3E}">
-        <p14:creationId xmlns:p14="http://schemas.microsoft.com/office/powerpoint/2010/main" val="76617825"/>
+        <p14:creationId xmlns:p14="http://schemas.microsoft.com/office/powerpoint/2010/main" val="3928817503"/>
       </p:ext>
     </p:extLst>
   </p:cSld>
@@ -12774,7 +12788,7 @@
           <p:cNvPr id="2" name="Title 1">
             <a:extLst>
               <a:ext uri="{FF2B5EF4-FFF2-40B4-BE49-F238E27FC236}">
-                <a16:creationId xmlns:a16="http://schemas.microsoft.com/office/drawing/2014/main" id="{533915FA-3FED-0ECF-2989-CA236DCA2D17}"/>
+                <a16:creationId xmlns:a16="http://schemas.microsoft.com/office/drawing/2014/main" id="{B48E75B8-CA31-A2EB-3470-F60D5EDC1E1A}"/>
               </a:ext>
             </a:extLst>
           </p:cNvPr>
@@ -12785,14 +12799,21 @@
             <p:ph type="title"/>
           </p:nvPr>
         </p:nvSpPr>
-        <p:spPr/>
+        <p:spPr>
+          <a:xfrm>
+            <a:off x="-1" y="136525"/>
+            <a:ext cx="12706351" cy="800128"/>
+          </a:xfrm>
+        </p:spPr>
         <p:txBody>
-          <a:bodyPr/>
+          <a:bodyPr>
+            <a:normAutofit/>
+          </a:bodyPr>
           <a:lstStyle/>
           <a:p>
             <a:r>
               <a:rPr lang="en-US" dirty="0"/>
-              <a:t>Prelim results (20240906)</a:t>
+              <a:t>Counterion only; NBC—(D)—NBC validations</a:t>
             </a:r>
           </a:p>
         </p:txBody>
@@ -12802,7 +12823,7 @@
           <p:cNvPr id="3" name="Slide Number Placeholder 2">
             <a:extLst>
               <a:ext uri="{FF2B5EF4-FFF2-40B4-BE49-F238E27FC236}">
-                <a16:creationId xmlns:a16="http://schemas.microsoft.com/office/drawing/2014/main" id="{F841ACFC-6AFD-3A7D-D3E4-264B003EA14C}"/>
+                <a16:creationId xmlns:a16="http://schemas.microsoft.com/office/drawing/2014/main" id="{84D2F789-F0CF-80E5-19BE-6E850B9C23E3}"/>
               </a:ext>
             </a:extLst>
           </p:cNvPr>
@@ -12826,59 +12847,12 @@
           </a:p>
         </p:txBody>
       </p:sp>
-      <p:pic>
-        <p:nvPicPr>
-          <p:cNvPr id="2052" name="Picture 4">
-            <a:extLst>
-              <a:ext uri="{FF2B5EF4-FFF2-40B4-BE49-F238E27FC236}">
-                <a16:creationId xmlns:a16="http://schemas.microsoft.com/office/drawing/2014/main" id="{38A653C6-36F0-1CF2-1ADA-4A528F51E433}"/>
-              </a:ext>
-            </a:extLst>
-          </p:cNvPr>
-          <p:cNvPicPr>
-            <a:picLocks noChangeAspect="1" noChangeArrowheads="1"/>
-          </p:cNvPicPr>
-          <p:nvPr/>
-        </p:nvPicPr>
-        <p:blipFill>
-          <a:blip r:embed="rId2">
-            <a:extLst>
-              <a:ext uri="{28A0092B-C50C-407E-A947-70E740481C1C}">
-                <a14:useLocalDpi xmlns:a14="http://schemas.microsoft.com/office/drawing/2010/main" val="0"/>
-              </a:ext>
-            </a:extLst>
-          </a:blip>
-          <a:srcRect/>
-          <a:stretch>
-            <a:fillRect/>
-          </a:stretch>
-        </p:blipFill>
-        <p:spPr bwMode="auto">
-          <a:xfrm>
-            <a:off x="314325" y="2497626"/>
-            <a:ext cx="4692579" cy="2613037"/>
-          </a:xfrm>
-          <a:prstGeom prst="rect">
-            <a:avLst/>
-          </a:prstGeom>
-          <a:noFill/>
-          <a:extLst>
-            <a:ext uri="{909E8E84-426E-40DD-AFC4-6F175D3DCCD1}">
-              <a14:hiddenFill xmlns:a14="http://schemas.microsoft.com/office/drawing/2010/main">
-                <a:solidFill>
-                  <a:srgbClr val="FFFFFF"/>
-                </a:solidFill>
-              </a14:hiddenFill>
-            </a:ext>
-          </a:extLst>
-        </p:spPr>
-      </p:pic>
       <p:sp>
         <p:nvSpPr>
           <p:cNvPr id="4" name="TextBox 3">
             <a:extLst>
               <a:ext uri="{FF2B5EF4-FFF2-40B4-BE49-F238E27FC236}">
-                <a16:creationId xmlns:a16="http://schemas.microsoft.com/office/drawing/2014/main" id="{82431A3B-E847-5454-31FB-108D0D3943A3}"/>
+                <a16:creationId xmlns:a16="http://schemas.microsoft.com/office/drawing/2014/main" id="{1605A9D5-0E3F-F843-D48A-77DE6FC2C0F8}"/>
               </a:ext>
             </a:extLst>
           </p:cNvPr>
@@ -12887,8 +12861,8 @@
         </p:nvSpPr>
         <p:spPr>
           <a:xfrm>
-            <a:off x="4292600" y="1227667"/>
-            <a:ext cx="4199467" cy="369332"/>
+            <a:off x="1213945" y="1750948"/>
+            <a:ext cx="2542041" cy="287141"/>
           </a:xfrm>
           <a:prstGeom prst="rect">
             <a:avLst/>
@@ -12903,58 +12877,18 @@
           <a:p>
             <a:pPr algn="ctr"/>
             <a:r>
-              <a:rPr lang="en-US" dirty="0"/>
-              <a:t>RH = 10%, sigma=1.35 nm-2</a:t>
-            </a:r>
-          </a:p>
-        </p:txBody>
-      </p:sp>
-      <p:sp>
-        <p:nvSpPr>
-          <p:cNvPr id="5" name="TextBox 4">
-            <a:extLst>
-              <a:ext uri="{FF2B5EF4-FFF2-40B4-BE49-F238E27FC236}">
-                <a16:creationId xmlns:a16="http://schemas.microsoft.com/office/drawing/2014/main" id="{7EA60FEE-782F-693D-8DD9-59ECC28733CD}"/>
-              </a:ext>
-            </a:extLst>
-          </p:cNvPr>
-          <p:cNvSpPr txBox="1"/>
-          <p:nvPr/>
-        </p:nvSpPr>
-        <p:spPr>
-          <a:xfrm>
-            <a:off x="1261532" y="2128293"/>
-            <a:ext cx="2015067" cy="369332"/>
-          </a:xfrm>
-          <a:prstGeom prst="rect">
-            <a:avLst/>
-          </a:prstGeom>
-          <a:noFill/>
-        </p:spPr>
-        <p:txBody>
-          <a:bodyPr wrap="square" rtlCol="0">
-            <a:spAutoFit/>
-          </a:bodyPr>
-          <a:lstStyle/>
-          <a:p>
-            <a:pPr algn="ctr"/>
-            <a:r>
-              <a:rPr lang="en-US" dirty="0" err="1"/>
-              <a:t>Lpha</a:t>
-            </a:r>
-            <a:r>
-              <a:rPr lang="en-US" dirty="0"/>
-              <a:t> = 0.6 nm</a:t>
+              <a:rPr lang="en-US" sz="1600" dirty="0"/>
+              <a:t>sigma = -5e-20 C/nm2</a:t>
             </a:r>
           </a:p>
         </p:txBody>
       </p:sp>
       <p:pic>
         <p:nvPicPr>
-          <p:cNvPr id="2054" name="Picture 6">
-            <a:extLst>
-              <a:ext uri="{FF2B5EF4-FFF2-40B4-BE49-F238E27FC236}">
-                <a16:creationId xmlns:a16="http://schemas.microsoft.com/office/drawing/2014/main" id="{CF41D099-27E5-397F-1A74-9D715D077A4C}"/>
+          <p:cNvPr id="1028" name="Picture 4">
+            <a:extLst>
+              <a:ext uri="{FF2B5EF4-FFF2-40B4-BE49-F238E27FC236}">
+                <a16:creationId xmlns:a16="http://schemas.microsoft.com/office/drawing/2014/main" id="{0F865D6A-7B1C-DD2B-0F3D-10E51B8F81C0}"/>
               </a:ext>
             </a:extLst>
           </p:cNvPr>
@@ -12964,7 +12898,7 @@
           <p:nvPr/>
         </p:nvPicPr>
         <p:blipFill>
-          <a:blip r:embed="rId3">
+          <a:blip r:embed="rId2">
             <a:extLst>
               <a:ext uri="{28A0092B-C50C-407E-A947-70E740481C1C}">
                 <a14:useLocalDpi xmlns:a14="http://schemas.microsoft.com/office/drawing/2010/main" val="0"/>
@@ -12978,8 +12912,8 @@
         </p:blipFill>
         <p:spPr bwMode="auto">
           <a:xfrm>
-            <a:off x="5402792" y="1813950"/>
-            <a:ext cx="4692579" cy="2613037"/>
+            <a:off x="3965833" y="1174041"/>
+            <a:ext cx="2351747" cy="1730320"/>
           </a:xfrm>
           <a:prstGeom prst="rect">
             <a:avLst/>
@@ -13001,7 +12935,7 @@
           <p:cNvPr id="6" name="TextBox 5">
             <a:extLst>
               <a:ext uri="{FF2B5EF4-FFF2-40B4-BE49-F238E27FC236}">
-                <a16:creationId xmlns:a16="http://schemas.microsoft.com/office/drawing/2014/main" id="{90F391D5-9334-D2C3-2643-7204EEB8823B}"/>
+                <a16:creationId xmlns:a16="http://schemas.microsoft.com/office/drawing/2014/main" id="{663A9F9C-7D8D-3D28-936B-72C2482F4683}"/>
               </a:ext>
             </a:extLst>
           </p:cNvPr>
@@ -13010,8 +12944,8 @@
         </p:nvSpPr>
         <p:spPr>
           <a:xfrm>
-            <a:off x="7749081" y="1559498"/>
-            <a:ext cx="2015067" cy="369332"/>
+            <a:off x="3922806" y="6413698"/>
+            <a:ext cx="2742426" cy="307777"/>
           </a:xfrm>
           <a:prstGeom prst="rect">
             <a:avLst/>
@@ -13024,24 +12958,32 @@
           </a:bodyPr>
           <a:lstStyle/>
           <a:p>
-            <a:pPr algn="ctr"/>
-            <a:r>
-              <a:rPr lang="en-US" dirty="0" err="1"/>
-              <a:t>Lpha</a:t>
-            </a:r>
-            <a:r>
-              <a:rPr lang="en-US" dirty="0"/>
-              <a:t> = 1.0 nm</a:t>
-            </a:r>
+            <a:r>
+              <a:rPr lang="en-US" sz="1400" b="1" dirty="0"/>
+              <a:t>Log-divergence, exact as lx </a:t>
+            </a:r>
+            <a:r>
+              <a:rPr lang="en-US" sz="1400" b="1" dirty="0">
+                <a:sym typeface="Wingdings" panose="05000000000000000000" pitchFamily="2" charset="2"/>
+              </a:rPr>
+              <a:t> </a:t>
+            </a:r>
+            <a:r>
+              <a:rPr lang="en-US" sz="1400" b="1" dirty="0" err="1">
+                <a:sym typeface="Wingdings" panose="05000000000000000000" pitchFamily="2" charset="2"/>
+              </a:rPr>
+              <a:t>infty</a:t>
+            </a:r>
+            <a:endParaRPr lang="en-US" sz="1400" b="1" dirty="0"/>
           </a:p>
         </p:txBody>
       </p:sp>
       <p:pic>
         <p:nvPicPr>
-          <p:cNvPr id="1026" name="Picture 2">
-            <a:extLst>
-              <a:ext uri="{FF2B5EF4-FFF2-40B4-BE49-F238E27FC236}">
-                <a16:creationId xmlns:a16="http://schemas.microsoft.com/office/drawing/2014/main" id="{0E81841A-EA93-708C-95E6-D412898F7277}"/>
+          <p:cNvPr id="1032" name="Picture 8">
+            <a:extLst>
+              <a:ext uri="{FF2B5EF4-FFF2-40B4-BE49-F238E27FC236}">
+                <a16:creationId xmlns:a16="http://schemas.microsoft.com/office/drawing/2014/main" id="{C72F6F8F-0657-0B22-B36D-4CB28FB42A20}"/>
               </a:ext>
             </a:extLst>
           </p:cNvPr>
@@ -13051,7 +12993,7 @@
           <p:nvPr/>
         </p:nvPicPr>
         <p:blipFill>
-          <a:blip r:embed="rId4">
+          <a:blip r:embed="rId3">
             <a:extLst>
               <a:ext uri="{28A0092B-C50C-407E-A947-70E740481C1C}">
                 <a14:useLocalDpi xmlns:a14="http://schemas.microsoft.com/office/drawing/2010/main" val="0"/>
@@ -13065,8 +13007,8 @@
         </p:blipFill>
         <p:spPr bwMode="auto">
           <a:xfrm>
-            <a:off x="4618609" y="4085150"/>
-            <a:ext cx="4692578" cy="2613037"/>
+            <a:off x="6956386" y="1171817"/>
+            <a:ext cx="2542041" cy="1732544"/>
           </a:xfrm>
           <a:prstGeom prst="rect">
             <a:avLst/>
@@ -13085,106 +13027,295 @@
       </p:pic>
       <p:sp>
         <p:nvSpPr>
-          <p:cNvPr id="8" name="Rectangle 7">
-            <a:extLst>
-              <a:ext uri="{FF2B5EF4-FFF2-40B4-BE49-F238E27FC236}">
-                <a16:creationId xmlns:a16="http://schemas.microsoft.com/office/drawing/2014/main" id="{0CC0F909-3CAC-7AF8-6355-D431510D400D}"/>
-              </a:ext>
-            </a:extLst>
-          </p:cNvPr>
-          <p:cNvSpPr/>
+          <p:cNvPr id="11" name="TextBox 10">
+            <a:extLst>
+              <a:ext uri="{FF2B5EF4-FFF2-40B4-BE49-F238E27FC236}">
+                <a16:creationId xmlns:a16="http://schemas.microsoft.com/office/drawing/2014/main" id="{7A4E16DB-E8B1-C8AB-2E63-FA35F6E229DC}"/>
+              </a:ext>
+            </a:extLst>
+          </p:cNvPr>
+          <p:cNvSpPr txBox="1"/>
           <p:nvPr/>
         </p:nvSpPr>
         <p:spPr>
           <a:xfrm>
-            <a:off x="5365893" y="2248402"/>
-            <a:ext cx="1624472" cy="872066"/>
+            <a:off x="1213945" y="3430253"/>
+            <a:ext cx="2542041" cy="287141"/>
           </a:xfrm>
           <a:prstGeom prst="rect">
             <a:avLst/>
           </a:prstGeom>
+          <a:noFill/>
         </p:spPr>
-        <p:style>
-          <a:lnRef idx="2">
-            <a:schemeClr val="accent1">
-              <a:shade val="15000"/>
-            </a:schemeClr>
-          </a:lnRef>
-          <a:fillRef idx="1">
-            <a:schemeClr val="accent1"/>
-          </a:fillRef>
-          <a:effectRef idx="0">
-            <a:schemeClr val="accent1"/>
-          </a:effectRef>
-          <a:fontRef idx="minor">
-            <a:schemeClr val="lt1"/>
-          </a:fontRef>
-        </p:style>
         <p:txBody>
-          <a:bodyPr rtlCol="0" anchor="ctr"/>
+          <a:bodyPr wrap="square" rtlCol="0">
+            <a:spAutoFit/>
+          </a:bodyPr>
           <a:lstStyle/>
           <a:p>
             <a:pPr algn="ctr"/>
             <a:r>
-              <a:rPr lang="en-US" dirty="0" err="1"/>
-              <a:t>dz</a:t>
-            </a:r>
-            <a:r>
-              <a:rPr lang="en-US" dirty="0"/>
-              <a:t> = 0.05</a:t>
+              <a:rPr lang="en-US" sz="1600" dirty="0"/>
+              <a:t>sigma = -10e-20 C/nm2</a:t>
             </a:r>
           </a:p>
         </p:txBody>
       </p:sp>
       <p:sp>
         <p:nvSpPr>
-          <p:cNvPr id="7" name="Rectangle 6">
-            <a:extLst>
-              <a:ext uri="{FF2B5EF4-FFF2-40B4-BE49-F238E27FC236}">
-                <a16:creationId xmlns:a16="http://schemas.microsoft.com/office/drawing/2014/main" id="{0204DB19-8F38-C75A-1571-1C8B09704D87}"/>
-              </a:ext>
-            </a:extLst>
-          </p:cNvPr>
-          <p:cNvSpPr/>
+          <p:cNvPr id="14" name="TextBox 13">
+            <a:extLst>
+              <a:ext uri="{FF2B5EF4-FFF2-40B4-BE49-F238E27FC236}">
+                <a16:creationId xmlns:a16="http://schemas.microsoft.com/office/drawing/2014/main" id="{AE713404-1A34-BC7C-E545-0984483E7A03}"/>
+              </a:ext>
+            </a:extLst>
+          </p:cNvPr>
+          <p:cNvSpPr txBox="1"/>
           <p:nvPr/>
         </p:nvSpPr>
         <p:spPr>
           <a:xfrm>
-            <a:off x="4292600" y="4774055"/>
-            <a:ext cx="1624472" cy="872066"/>
+            <a:off x="1213945" y="5108447"/>
+            <a:ext cx="2542041" cy="338554"/>
           </a:xfrm>
           <a:prstGeom prst="rect">
             <a:avLst/>
           </a:prstGeom>
+          <a:noFill/>
         </p:spPr>
-        <p:style>
-          <a:lnRef idx="2">
-            <a:schemeClr val="accent1">
-              <a:shade val="15000"/>
-            </a:schemeClr>
-          </a:lnRef>
-          <a:fillRef idx="1">
-            <a:schemeClr val="accent1"/>
-          </a:fillRef>
-          <a:effectRef idx="0">
-            <a:schemeClr val="accent1"/>
-          </a:effectRef>
-          <a:fontRef idx="minor">
-            <a:schemeClr val="lt1"/>
-          </a:fontRef>
-        </p:style>
         <p:txBody>
-          <a:bodyPr rtlCol="0" anchor="ctr"/>
+          <a:bodyPr wrap="square" rtlCol="0">
+            <a:spAutoFit/>
+          </a:bodyPr>
           <a:lstStyle/>
           <a:p>
             <a:pPr algn="ctr"/>
             <a:r>
-              <a:rPr lang="en-US" dirty="0" err="1"/>
-              <a:t>dz</a:t>
-            </a:r>
+              <a:rPr lang="en-US" sz="1600" dirty="0"/>
+              <a:t>sigma = -20e-20 C/nm2</a:t>
+            </a:r>
+          </a:p>
+        </p:txBody>
+      </p:sp>
+      <p:pic>
+        <p:nvPicPr>
+          <p:cNvPr id="1036" name="Picture 12">
+            <a:extLst>
+              <a:ext uri="{FF2B5EF4-FFF2-40B4-BE49-F238E27FC236}">
+                <a16:creationId xmlns:a16="http://schemas.microsoft.com/office/drawing/2014/main" id="{BE4F2731-AA06-78A6-DB5A-0C45E300CAC1}"/>
+              </a:ext>
+            </a:extLst>
+          </p:cNvPr>
+          <p:cNvPicPr>
+            <a:picLocks noChangeAspect="1" noChangeArrowheads="1"/>
+          </p:cNvPicPr>
+          <p:nvPr/>
+        </p:nvPicPr>
+        <p:blipFill>
+          <a:blip r:embed="rId4">
+            <a:extLst>
+              <a:ext uri="{28A0092B-C50C-407E-A947-70E740481C1C}">
+                <a14:useLocalDpi xmlns:a14="http://schemas.microsoft.com/office/drawing/2010/main" val="0"/>
+              </a:ext>
+            </a:extLst>
+          </a:blip>
+          <a:srcRect/>
+          <a:stretch>
+            <a:fillRect/>
+          </a:stretch>
+        </p:blipFill>
+        <p:spPr bwMode="auto">
+          <a:xfrm>
+            <a:off x="6894254" y="2904361"/>
+            <a:ext cx="2614083" cy="1726901"/>
+          </a:xfrm>
+          <a:prstGeom prst="rect">
+            <a:avLst/>
+          </a:prstGeom>
+          <a:noFill/>
+          <a:extLst>
+            <a:ext uri="{909E8E84-426E-40DD-AFC4-6F175D3DCCD1}">
+              <a14:hiddenFill xmlns:a14="http://schemas.microsoft.com/office/drawing/2010/main">
+                <a:solidFill>
+                  <a:srgbClr val="FFFFFF"/>
+                </a:solidFill>
+              </a14:hiddenFill>
+            </a:ext>
+          </a:extLst>
+        </p:spPr>
+      </p:pic>
+      <p:pic>
+        <p:nvPicPr>
+          <p:cNvPr id="1038" name="Picture 14">
+            <a:extLst>
+              <a:ext uri="{FF2B5EF4-FFF2-40B4-BE49-F238E27FC236}">
+                <a16:creationId xmlns:a16="http://schemas.microsoft.com/office/drawing/2014/main" id="{EC018F10-A16E-E7D1-E00F-78613B4F0244}"/>
+              </a:ext>
+            </a:extLst>
+          </p:cNvPr>
+          <p:cNvPicPr>
+            <a:picLocks noChangeAspect="1" noChangeArrowheads="1"/>
+          </p:cNvPicPr>
+          <p:nvPr/>
+        </p:nvPicPr>
+        <p:blipFill>
+          <a:blip r:embed="rId5">
+            <a:extLst>
+              <a:ext uri="{28A0092B-C50C-407E-A947-70E740481C1C}">
+                <a14:useLocalDpi xmlns:a14="http://schemas.microsoft.com/office/drawing/2010/main" val="0"/>
+              </a:ext>
+            </a:extLst>
+          </a:blip>
+          <a:srcRect/>
+          <a:stretch>
+            <a:fillRect/>
+          </a:stretch>
+        </p:blipFill>
+        <p:spPr bwMode="auto">
+          <a:xfrm>
+            <a:off x="6908688" y="4686797"/>
+            <a:ext cx="2513171" cy="1730320"/>
+          </a:xfrm>
+          <a:prstGeom prst="rect">
+            <a:avLst/>
+          </a:prstGeom>
+          <a:noFill/>
+          <a:extLst>
+            <a:ext uri="{909E8E84-426E-40DD-AFC4-6F175D3DCCD1}">
+              <a14:hiddenFill xmlns:a14="http://schemas.microsoft.com/office/drawing/2010/main">
+                <a:solidFill>
+                  <a:srgbClr val="FFFFFF"/>
+                </a:solidFill>
+              </a14:hiddenFill>
+            </a:ext>
+          </a:extLst>
+        </p:spPr>
+      </p:pic>
+      <p:pic>
+        <p:nvPicPr>
+          <p:cNvPr id="1040" name="Picture 16">
+            <a:extLst>
+              <a:ext uri="{FF2B5EF4-FFF2-40B4-BE49-F238E27FC236}">
+                <a16:creationId xmlns:a16="http://schemas.microsoft.com/office/drawing/2014/main" id="{1B77EB93-6636-B7AB-F8D4-E555AD77264B}"/>
+              </a:ext>
+            </a:extLst>
+          </p:cNvPr>
+          <p:cNvPicPr>
+            <a:picLocks noChangeAspect="1" noChangeArrowheads="1"/>
+          </p:cNvPicPr>
+          <p:nvPr/>
+        </p:nvPicPr>
+        <p:blipFill>
+          <a:blip r:embed="rId6">
+            <a:extLst>
+              <a:ext uri="{28A0092B-C50C-407E-A947-70E740481C1C}">
+                <a14:useLocalDpi xmlns:a14="http://schemas.microsoft.com/office/drawing/2010/main" val="0"/>
+              </a:ext>
+            </a:extLst>
+          </a:blip>
+          <a:srcRect/>
+          <a:stretch>
+            <a:fillRect/>
+          </a:stretch>
+        </p:blipFill>
+        <p:spPr bwMode="auto">
+          <a:xfrm>
+            <a:off x="3898853" y="2900942"/>
+            <a:ext cx="2418727" cy="1730320"/>
+          </a:xfrm>
+          <a:prstGeom prst="rect">
+            <a:avLst/>
+          </a:prstGeom>
+          <a:noFill/>
+          <a:extLst>
+            <a:ext uri="{909E8E84-426E-40DD-AFC4-6F175D3DCCD1}">
+              <a14:hiddenFill xmlns:a14="http://schemas.microsoft.com/office/drawing/2010/main">
+                <a:solidFill>
+                  <a:srgbClr val="FFFFFF"/>
+                </a:solidFill>
+              </a14:hiddenFill>
+            </a:ext>
+          </a:extLst>
+        </p:spPr>
+      </p:pic>
+      <p:pic>
+        <p:nvPicPr>
+          <p:cNvPr id="1042" name="Picture 18">
+            <a:extLst>
+              <a:ext uri="{FF2B5EF4-FFF2-40B4-BE49-F238E27FC236}">
+                <a16:creationId xmlns:a16="http://schemas.microsoft.com/office/drawing/2014/main" id="{A77872A0-B476-104B-BEB4-C57213D9F465}"/>
+              </a:ext>
+            </a:extLst>
+          </p:cNvPr>
+          <p:cNvPicPr>
+            <a:picLocks noChangeAspect="1" noChangeArrowheads="1"/>
+          </p:cNvPicPr>
+          <p:nvPr/>
+        </p:nvPicPr>
+        <p:blipFill>
+          <a:blip r:embed="rId7">
+            <a:extLst>
+              <a:ext uri="{28A0092B-C50C-407E-A947-70E740481C1C}">
+                <a14:useLocalDpi xmlns:a14="http://schemas.microsoft.com/office/drawing/2010/main" val="0"/>
+              </a:ext>
+            </a:extLst>
+          </a:blip>
+          <a:srcRect/>
+          <a:stretch>
+            <a:fillRect/>
+          </a:stretch>
+        </p:blipFill>
+        <p:spPr bwMode="auto">
+          <a:xfrm>
+            <a:off x="3922806" y="4686797"/>
+            <a:ext cx="2418727" cy="1730320"/>
+          </a:xfrm>
+          <a:prstGeom prst="rect">
+            <a:avLst/>
+          </a:prstGeom>
+          <a:noFill/>
+          <a:extLst>
+            <a:ext uri="{909E8E84-426E-40DD-AFC4-6F175D3DCCD1}">
+              <a14:hiddenFill xmlns:a14="http://schemas.microsoft.com/office/drawing/2010/main">
+                <a:solidFill>
+                  <a:srgbClr val="FFFFFF"/>
+                </a:solidFill>
+              </a14:hiddenFill>
+            </a:ext>
+          </a:extLst>
+        </p:spPr>
+      </p:pic>
+      <p:sp>
+        <p:nvSpPr>
+          <p:cNvPr id="5" name="TextBox 4">
+            <a:extLst>
+              <a:ext uri="{FF2B5EF4-FFF2-40B4-BE49-F238E27FC236}">
+                <a16:creationId xmlns:a16="http://schemas.microsoft.com/office/drawing/2014/main" id="{1B48940B-4865-9E61-FC1A-B3CC14EC30A9}"/>
+              </a:ext>
+            </a:extLst>
+          </p:cNvPr>
+          <p:cNvSpPr txBox="1"/>
+          <p:nvPr/>
+        </p:nvSpPr>
+        <p:spPr>
+          <a:xfrm>
+            <a:off x="7543801" y="6384630"/>
+            <a:ext cx="4503822" cy="369332"/>
+          </a:xfrm>
+          <a:prstGeom prst="rect">
+            <a:avLst/>
+          </a:prstGeom>
+          <a:noFill/>
+        </p:spPr>
+        <p:txBody>
+          <a:bodyPr wrap="square" rtlCol="0">
+            <a:spAutoFit/>
+          </a:bodyPr>
+          <a:lstStyle/>
+          <a:p>
             <a:r>
               <a:rPr lang="en-US" dirty="0"/>
-              <a:t> = 0.02</a:t>
+              <a:t>Method: NBC left, NBC right, DBC somewhere</a:t>
             </a:r>
           </a:p>
         </p:txBody>
@@ -13192,7 +13323,7 @@
     </p:spTree>
     <p:extLst>
       <p:ext uri="{BB962C8B-B14F-4D97-AF65-F5344CB8AC3E}">
-        <p14:creationId xmlns:p14="http://schemas.microsoft.com/office/powerpoint/2010/main" val="2655404517"/>
+        <p14:creationId xmlns:p14="http://schemas.microsoft.com/office/powerpoint/2010/main" val="76617825"/>
       </p:ext>
     </p:extLst>
   </p:cSld>
@@ -13224,7 +13355,7 @@
           <p:cNvPr id="2" name="Title 1">
             <a:extLst>
               <a:ext uri="{FF2B5EF4-FFF2-40B4-BE49-F238E27FC236}">
-                <a16:creationId xmlns:a16="http://schemas.microsoft.com/office/drawing/2014/main" id="{EF5DF91D-7A20-E514-20CF-B16956140860}"/>
+                <a16:creationId xmlns:a16="http://schemas.microsoft.com/office/drawing/2014/main" id="{533915FA-3FED-0ECF-2989-CA236DCA2D17}"/>
               </a:ext>
             </a:extLst>
           </p:cNvPr>
@@ -13237,14 +13368,12 @@
         </p:nvSpPr>
         <p:spPr/>
         <p:txBody>
-          <a:bodyPr>
-            <a:normAutofit/>
-          </a:bodyPr>
+          <a:bodyPr/>
           <a:lstStyle/>
           <a:p>
             <a:r>
               <a:rPr lang="en-US" dirty="0"/>
-              <a:t>Counterion only; DBC—NBC validations</a:t>
+              <a:t>Prelim results (20240906)</a:t>
             </a:r>
           </a:p>
         </p:txBody>
@@ -13254,7 +13383,7 @@
           <p:cNvPr id="3" name="Slide Number Placeholder 2">
             <a:extLst>
               <a:ext uri="{FF2B5EF4-FFF2-40B4-BE49-F238E27FC236}">
-                <a16:creationId xmlns:a16="http://schemas.microsoft.com/office/drawing/2014/main" id="{373400F5-E8A0-8C77-DBF3-011E07B4EF18}"/>
+                <a16:creationId xmlns:a16="http://schemas.microsoft.com/office/drawing/2014/main" id="{F841ACFC-6AFD-3A7D-D3E4-264B003EA14C}"/>
               </a:ext>
             </a:extLst>
           </p:cNvPr>
@@ -13278,47 +13407,12 @@
           </a:p>
         </p:txBody>
       </p:sp>
-      <p:sp>
-        <p:nvSpPr>
-          <p:cNvPr id="4" name="TextBox 3">
-            <a:extLst>
-              <a:ext uri="{FF2B5EF4-FFF2-40B4-BE49-F238E27FC236}">
-                <a16:creationId xmlns:a16="http://schemas.microsoft.com/office/drawing/2014/main" id="{DE88AB65-BBF7-3C72-F15F-D980F6BF8D73}"/>
-              </a:ext>
-            </a:extLst>
-          </p:cNvPr>
-          <p:cNvSpPr txBox="1"/>
-          <p:nvPr/>
-        </p:nvSpPr>
-        <p:spPr>
-          <a:xfrm>
-            <a:off x="148389" y="6356350"/>
-            <a:ext cx="10218821" cy="369332"/>
-          </a:xfrm>
-          <a:prstGeom prst="rect">
-            <a:avLst/>
-          </a:prstGeom>
-          <a:noFill/>
-        </p:spPr>
-        <p:txBody>
-          <a:bodyPr wrap="square" rtlCol="0">
-            <a:spAutoFit/>
-          </a:bodyPr>
-          <a:lstStyle/>
-          <a:p>
-            <a:r>
-              <a:rPr lang="en-US" dirty="0"/>
-              <a:t>Method: Newton iteration (a = 0.8), DBC right, NBC left</a:t>
-            </a:r>
-          </a:p>
-        </p:txBody>
-      </p:sp>
       <p:pic>
         <p:nvPicPr>
-          <p:cNvPr id="1028" name="Picture 4">
-            <a:extLst>
-              <a:ext uri="{FF2B5EF4-FFF2-40B4-BE49-F238E27FC236}">
-                <a16:creationId xmlns:a16="http://schemas.microsoft.com/office/drawing/2014/main" id="{042E365C-6B20-A7E7-6587-B19EC20EF62A}"/>
+          <p:cNvPr id="2052" name="Picture 4">
+            <a:extLst>
+              <a:ext uri="{FF2B5EF4-FFF2-40B4-BE49-F238E27FC236}">
+                <a16:creationId xmlns:a16="http://schemas.microsoft.com/office/drawing/2014/main" id="{38A653C6-36F0-1CF2-1ADA-4A528F51E433}"/>
               </a:ext>
             </a:extLst>
           </p:cNvPr>
@@ -13342,8 +13436,8 @@
         </p:blipFill>
         <p:spPr bwMode="auto">
           <a:xfrm>
-            <a:off x="624892" y="2220608"/>
-            <a:ext cx="3462337" cy="2433637"/>
+            <a:off x="314325" y="2497626"/>
+            <a:ext cx="4692579" cy="2613037"/>
           </a:xfrm>
           <a:prstGeom prst="rect">
             <a:avLst/>
@@ -13360,12 +13454,88 @@
           </a:extLst>
         </p:spPr>
       </p:pic>
+      <p:sp>
+        <p:nvSpPr>
+          <p:cNvPr id="4" name="TextBox 3">
+            <a:extLst>
+              <a:ext uri="{FF2B5EF4-FFF2-40B4-BE49-F238E27FC236}">
+                <a16:creationId xmlns:a16="http://schemas.microsoft.com/office/drawing/2014/main" id="{82431A3B-E847-5454-31FB-108D0D3943A3}"/>
+              </a:ext>
+            </a:extLst>
+          </p:cNvPr>
+          <p:cNvSpPr txBox="1"/>
+          <p:nvPr/>
+        </p:nvSpPr>
+        <p:spPr>
+          <a:xfrm>
+            <a:off x="4292600" y="1227667"/>
+            <a:ext cx="4199467" cy="369332"/>
+          </a:xfrm>
+          <a:prstGeom prst="rect">
+            <a:avLst/>
+          </a:prstGeom>
+          <a:noFill/>
+        </p:spPr>
+        <p:txBody>
+          <a:bodyPr wrap="square" rtlCol="0">
+            <a:spAutoFit/>
+          </a:bodyPr>
+          <a:lstStyle/>
+          <a:p>
+            <a:pPr algn="ctr"/>
+            <a:r>
+              <a:rPr lang="en-US" dirty="0"/>
+              <a:t>RH = 10%, sigma=1.35 nm-2</a:t>
+            </a:r>
+          </a:p>
+        </p:txBody>
+      </p:sp>
+      <p:sp>
+        <p:nvSpPr>
+          <p:cNvPr id="5" name="TextBox 4">
+            <a:extLst>
+              <a:ext uri="{FF2B5EF4-FFF2-40B4-BE49-F238E27FC236}">
+                <a16:creationId xmlns:a16="http://schemas.microsoft.com/office/drawing/2014/main" id="{7EA60FEE-782F-693D-8DD9-59ECC28733CD}"/>
+              </a:ext>
+            </a:extLst>
+          </p:cNvPr>
+          <p:cNvSpPr txBox="1"/>
+          <p:nvPr/>
+        </p:nvSpPr>
+        <p:spPr>
+          <a:xfrm>
+            <a:off x="1261532" y="2128293"/>
+            <a:ext cx="2015067" cy="369332"/>
+          </a:xfrm>
+          <a:prstGeom prst="rect">
+            <a:avLst/>
+          </a:prstGeom>
+          <a:noFill/>
+        </p:spPr>
+        <p:txBody>
+          <a:bodyPr wrap="square" rtlCol="0">
+            <a:spAutoFit/>
+          </a:bodyPr>
+          <a:lstStyle/>
+          <a:p>
+            <a:pPr algn="ctr"/>
+            <a:r>
+              <a:rPr lang="en-US" dirty="0" err="1"/>
+              <a:t>Lpha</a:t>
+            </a:r>
+            <a:r>
+              <a:rPr lang="en-US" dirty="0"/>
+              <a:t> = 0.6 nm</a:t>
+            </a:r>
+          </a:p>
+        </p:txBody>
+      </p:sp>
       <p:pic>
         <p:nvPicPr>
-          <p:cNvPr id="1032" name="Picture 8">
-            <a:extLst>
-              <a:ext uri="{FF2B5EF4-FFF2-40B4-BE49-F238E27FC236}">
-                <a16:creationId xmlns:a16="http://schemas.microsoft.com/office/drawing/2014/main" id="{36CF8BB1-37A7-B610-6793-D1E36BB7D442}"/>
+          <p:cNvPr id="2054" name="Picture 6">
+            <a:extLst>
+              <a:ext uri="{FF2B5EF4-FFF2-40B4-BE49-F238E27FC236}">
+                <a16:creationId xmlns:a16="http://schemas.microsoft.com/office/drawing/2014/main" id="{CF41D099-27E5-397F-1A74-9D715D077A4C}"/>
               </a:ext>
             </a:extLst>
           </p:cNvPr>
@@ -13389,8 +13559,8 @@
         </p:blipFill>
         <p:spPr bwMode="auto">
           <a:xfrm>
-            <a:off x="7891462" y="2203754"/>
-            <a:ext cx="3462338" cy="2450491"/>
+            <a:off x="5402792" y="1813950"/>
+            <a:ext cx="4692579" cy="2613037"/>
           </a:xfrm>
           <a:prstGeom prst="rect">
             <a:avLst/>
@@ -13407,12 +13577,52 @@
           </a:extLst>
         </p:spPr>
       </p:pic>
+      <p:sp>
+        <p:nvSpPr>
+          <p:cNvPr id="6" name="TextBox 5">
+            <a:extLst>
+              <a:ext uri="{FF2B5EF4-FFF2-40B4-BE49-F238E27FC236}">
+                <a16:creationId xmlns:a16="http://schemas.microsoft.com/office/drawing/2014/main" id="{90F391D5-9334-D2C3-2643-7204EEB8823B}"/>
+              </a:ext>
+            </a:extLst>
+          </p:cNvPr>
+          <p:cNvSpPr txBox="1"/>
+          <p:nvPr/>
+        </p:nvSpPr>
+        <p:spPr>
+          <a:xfrm>
+            <a:off x="7749081" y="1559498"/>
+            <a:ext cx="2015067" cy="369332"/>
+          </a:xfrm>
+          <a:prstGeom prst="rect">
+            <a:avLst/>
+          </a:prstGeom>
+          <a:noFill/>
+        </p:spPr>
+        <p:txBody>
+          <a:bodyPr wrap="square" rtlCol="0">
+            <a:spAutoFit/>
+          </a:bodyPr>
+          <a:lstStyle/>
+          <a:p>
+            <a:pPr algn="ctr"/>
+            <a:r>
+              <a:rPr lang="en-US" dirty="0" err="1"/>
+              <a:t>Lpha</a:t>
+            </a:r>
+            <a:r>
+              <a:rPr lang="en-US" dirty="0"/>
+              <a:t> = 1.0 nm</a:t>
+            </a:r>
+          </a:p>
+        </p:txBody>
+      </p:sp>
       <p:pic>
         <p:nvPicPr>
-          <p:cNvPr id="1036" name="Picture 12">
-            <a:extLst>
-              <a:ext uri="{FF2B5EF4-FFF2-40B4-BE49-F238E27FC236}">
-                <a16:creationId xmlns:a16="http://schemas.microsoft.com/office/drawing/2014/main" id="{525ECB76-8E5B-887A-D64C-4890119ECD76}"/>
+          <p:cNvPr id="1026" name="Picture 2">
+            <a:extLst>
+              <a:ext uri="{FF2B5EF4-FFF2-40B4-BE49-F238E27FC236}">
+                <a16:creationId xmlns:a16="http://schemas.microsoft.com/office/drawing/2014/main" id="{0E81841A-EA93-708C-95E6-D412898F7277}"/>
               </a:ext>
             </a:extLst>
           </p:cNvPr>
@@ -13436,8 +13646,8 @@
         </p:blipFill>
         <p:spPr bwMode="auto">
           <a:xfrm>
-            <a:off x="4258177" y="2220608"/>
-            <a:ext cx="3462337" cy="2450491"/>
+            <a:off x="4618609" y="4085150"/>
+            <a:ext cx="4692578" cy="2613037"/>
           </a:xfrm>
           <a:prstGeom prst="rect">
             <a:avLst/>
@@ -13454,10 +13664,116 @@
           </a:extLst>
         </p:spPr>
       </p:pic>
+      <p:sp>
+        <p:nvSpPr>
+          <p:cNvPr id="8" name="Rectangle 7">
+            <a:extLst>
+              <a:ext uri="{FF2B5EF4-FFF2-40B4-BE49-F238E27FC236}">
+                <a16:creationId xmlns:a16="http://schemas.microsoft.com/office/drawing/2014/main" id="{0CC0F909-3CAC-7AF8-6355-D431510D400D}"/>
+              </a:ext>
+            </a:extLst>
+          </p:cNvPr>
+          <p:cNvSpPr/>
+          <p:nvPr/>
+        </p:nvSpPr>
+        <p:spPr>
+          <a:xfrm>
+            <a:off x="5365893" y="2248402"/>
+            <a:ext cx="1624472" cy="872066"/>
+          </a:xfrm>
+          <a:prstGeom prst="rect">
+            <a:avLst/>
+          </a:prstGeom>
+        </p:spPr>
+        <p:style>
+          <a:lnRef idx="2">
+            <a:schemeClr val="accent1">
+              <a:shade val="15000"/>
+            </a:schemeClr>
+          </a:lnRef>
+          <a:fillRef idx="1">
+            <a:schemeClr val="accent1"/>
+          </a:fillRef>
+          <a:effectRef idx="0">
+            <a:schemeClr val="accent1"/>
+          </a:effectRef>
+          <a:fontRef idx="minor">
+            <a:schemeClr val="lt1"/>
+          </a:fontRef>
+        </p:style>
+        <p:txBody>
+          <a:bodyPr rtlCol="0" anchor="ctr"/>
+          <a:lstStyle/>
+          <a:p>
+            <a:pPr algn="ctr"/>
+            <a:r>
+              <a:rPr lang="en-US" dirty="0" err="1"/>
+              <a:t>dz</a:t>
+            </a:r>
+            <a:r>
+              <a:rPr lang="en-US" dirty="0"/>
+              <a:t> = 0.05</a:t>
+            </a:r>
+          </a:p>
+        </p:txBody>
+      </p:sp>
+      <p:sp>
+        <p:nvSpPr>
+          <p:cNvPr id="7" name="Rectangle 6">
+            <a:extLst>
+              <a:ext uri="{FF2B5EF4-FFF2-40B4-BE49-F238E27FC236}">
+                <a16:creationId xmlns:a16="http://schemas.microsoft.com/office/drawing/2014/main" id="{0204DB19-8F38-C75A-1571-1C8B09704D87}"/>
+              </a:ext>
+            </a:extLst>
+          </p:cNvPr>
+          <p:cNvSpPr/>
+          <p:nvPr/>
+        </p:nvSpPr>
+        <p:spPr>
+          <a:xfrm>
+            <a:off x="4292600" y="4774055"/>
+            <a:ext cx="1624472" cy="872066"/>
+          </a:xfrm>
+          <a:prstGeom prst="rect">
+            <a:avLst/>
+          </a:prstGeom>
+        </p:spPr>
+        <p:style>
+          <a:lnRef idx="2">
+            <a:schemeClr val="accent1">
+              <a:shade val="15000"/>
+            </a:schemeClr>
+          </a:lnRef>
+          <a:fillRef idx="1">
+            <a:schemeClr val="accent1"/>
+          </a:fillRef>
+          <a:effectRef idx="0">
+            <a:schemeClr val="accent1"/>
+          </a:effectRef>
+          <a:fontRef idx="minor">
+            <a:schemeClr val="lt1"/>
+          </a:fontRef>
+        </p:style>
+        <p:txBody>
+          <a:bodyPr rtlCol="0" anchor="ctr"/>
+          <a:lstStyle/>
+          <a:p>
+            <a:pPr algn="ctr"/>
+            <a:r>
+              <a:rPr lang="en-US" dirty="0" err="1"/>
+              <a:t>dz</a:t>
+            </a:r>
+            <a:r>
+              <a:rPr lang="en-US" dirty="0"/>
+              <a:t> = 0.02</a:t>
+            </a:r>
+          </a:p>
+        </p:txBody>
+      </p:sp>
     </p:spTree>
     <p:extLst>
       <p:ext uri="{BB962C8B-B14F-4D97-AF65-F5344CB8AC3E}">
-        <p14:creationId xmlns:p14="http://schemas.microsoft.com/office/powerpoint/2010/main" val="1602863882"/>
+        <p14:creationId xmlns:p14="http://schemas.microsoft.com/office/powerpoint/2010/main" val="2655404517"/>
       </p:ext>
     </p:extLst>
   </p:cSld>

--- a/NAF.pptx
+++ b/NAF.pptx
@@ -5,7 +5,7 @@
     <p:sldMasterId id="2147483648" r:id="rId1"/>
   </p:sldMasterIdLst>
   <p:notesMasterIdLst>
-    <p:notesMasterId r:id="rId22"/>
+    <p:notesMasterId r:id="rId24"/>
   </p:notesMasterIdLst>
   <p:sldIdLst>
     <p:sldId id="256" r:id="rId2"/>
@@ -28,6 +28,8 @@
     <p:sldId id="273" r:id="rId19"/>
     <p:sldId id="278" r:id="rId20"/>
     <p:sldId id="276" r:id="rId21"/>
+    <p:sldId id="279" r:id="rId22"/>
+    <p:sldId id="280" r:id="rId23"/>
   </p:sldIdLst>
   <p:sldSz cx="12192000" cy="6858000"/>
   <p:notesSz cx="6858000" cy="9144000"/>
@@ -216,7 +218,7 @@
           <a:p>
             <a:fld id="{4299902A-6DB3-4A13-9B91-BEABFDA2FC16}" type="datetimeFigureOut">
               <a:rPr lang="en-US" smtClean="0"/>
-              <a:t>10/29/2024</a:t>
+              <a:t>11/1/2024</a:t>
             </a:fld>
             <a:endParaRPr lang="en-US"/>
           </a:p>
@@ -2515,7 +2517,7 @@
         <p:spPr/>
         <p:txBody>
           <a:bodyPr>
-            <a:normAutofit/>
+            <a:normAutofit fontScale="90000"/>
           </a:bodyPr>
           <a:lstStyle/>
           <a:p>
@@ -4327,7 +4329,7 @@
             <a:p>
               <a:r>
                 <a:rPr lang="en-US" sz="1200" dirty="0"/>
-                <a:t>Srinivasan et al. Part I. 2024. </a:t>
+                <a:t>Srivastav et al. Part I. 2024. </a:t>
               </a:r>
               <a:r>
                 <a:rPr lang="en-US" sz="1200" i="1" dirty="0"/>
@@ -8594,10 +8596,985 @@
           </a:p>
         </p:txBody>
       </p:sp>
+      <p:grpSp>
+        <p:nvGrpSpPr>
+          <p:cNvPr id="4" name="Group 3">
+            <a:extLst>
+              <a:ext uri="{FF2B5EF4-FFF2-40B4-BE49-F238E27FC236}">
+                <a16:creationId xmlns:a16="http://schemas.microsoft.com/office/drawing/2014/main" id="{4B0A104D-9A9F-8485-76F1-08782C94FD64}"/>
+              </a:ext>
+            </a:extLst>
+          </p:cNvPr>
+          <p:cNvGrpSpPr/>
+          <p:nvPr/>
+        </p:nvGrpSpPr>
+        <p:grpSpPr>
+          <a:xfrm>
+            <a:off x="1758540" y="4966826"/>
+            <a:ext cx="8674920" cy="1389524"/>
+            <a:chOff x="5134212" y="3794329"/>
+            <a:chExt cx="7421854" cy="1389524"/>
+          </a:xfrm>
+        </p:grpSpPr>
+        <p:pic>
+          <p:nvPicPr>
+            <p:cNvPr id="5" name="Picture 4">
+              <a:extLst>
+                <a:ext uri="{FF2B5EF4-FFF2-40B4-BE49-F238E27FC236}">
+                  <a16:creationId xmlns:a16="http://schemas.microsoft.com/office/drawing/2014/main" id="{71F51229-44EB-9472-F3CF-0993DDE77BE7}"/>
+                </a:ext>
+              </a:extLst>
+            </p:cNvPr>
+            <p:cNvPicPr>
+              <a:picLocks noChangeAspect="1"/>
+            </p:cNvPicPr>
+            <p:nvPr/>
+          </p:nvPicPr>
+          <p:blipFill>
+            <a:blip r:embed="rId2"/>
+            <a:stretch>
+              <a:fillRect/>
+            </a:stretch>
+          </p:blipFill>
+          <p:spPr>
+            <a:xfrm>
+              <a:off x="6168707" y="3794329"/>
+              <a:ext cx="2743201" cy="961828"/>
+            </a:xfrm>
+            <a:prstGeom prst="rect">
+              <a:avLst/>
+            </a:prstGeom>
+          </p:spPr>
+        </p:pic>
+        <p:sp>
+          <p:nvSpPr>
+            <p:cNvPr id="6" name="TextBox 5">
+              <a:extLst>
+                <a:ext uri="{FF2B5EF4-FFF2-40B4-BE49-F238E27FC236}">
+                  <a16:creationId xmlns:a16="http://schemas.microsoft.com/office/drawing/2014/main" id="{FCD42C33-A90F-277B-DDB0-B89B69205A43}"/>
+                </a:ext>
+              </a:extLst>
+            </p:cNvPr>
+            <p:cNvSpPr txBox="1"/>
+            <p:nvPr/>
+          </p:nvSpPr>
+          <p:spPr>
+            <a:xfrm>
+              <a:off x="9219881" y="4660633"/>
+              <a:ext cx="2641920" cy="523220"/>
+            </a:xfrm>
+            <a:prstGeom prst="rect">
+              <a:avLst/>
+            </a:prstGeom>
+            <a:noFill/>
+          </p:spPr>
+          <p:txBody>
+            <a:bodyPr wrap="square" rtlCol="0">
+              <a:spAutoFit/>
+            </a:bodyPr>
+            <a:lstStyle/>
+            <a:p>
+              <a:r>
+                <a:rPr lang="en-US" sz="1400" dirty="0"/>
+                <a:t>Srivastav et al. Part I. 2024. </a:t>
+              </a:r>
+              <a:r>
+                <a:rPr lang="en-US" sz="1400" i="1" dirty="0"/>
+                <a:t>Langmuir</a:t>
+              </a:r>
+              <a:endParaRPr lang="en-US" sz="1400" dirty="0"/>
+            </a:p>
+          </p:txBody>
+        </p:sp>
+        <p:sp>
+          <p:nvSpPr>
+            <p:cNvPr id="7" name="TextBox 6">
+              <a:extLst>
+                <a:ext uri="{FF2B5EF4-FFF2-40B4-BE49-F238E27FC236}">
+                  <a16:creationId xmlns:a16="http://schemas.microsoft.com/office/drawing/2014/main" id="{30006976-5A10-7068-20A8-E2560E86F086}"/>
+                </a:ext>
+              </a:extLst>
+            </p:cNvPr>
+            <p:cNvSpPr txBox="1"/>
+            <p:nvPr/>
+          </p:nvSpPr>
+          <p:spPr>
+            <a:xfrm>
+              <a:off x="9219881" y="3819349"/>
+              <a:ext cx="3336185" cy="954107"/>
+            </a:xfrm>
+            <a:prstGeom prst="rect">
+              <a:avLst/>
+            </a:prstGeom>
+            <a:noFill/>
+          </p:spPr>
+          <p:txBody>
+            <a:bodyPr wrap="square" rtlCol="0">
+              <a:spAutoFit/>
+            </a:bodyPr>
+            <a:lstStyle/>
+            <a:p>
+              <a:r>
+                <a:rPr lang="en-US" sz="1400" dirty="0"/>
+                <a:t>Note: midpoint concentration can be calculated analytically but couldn’t get to work. In plot, used midpoint concentration obtained with N = 10,000</a:t>
+              </a:r>
+            </a:p>
+          </p:txBody>
+        </p:sp>
+        <p:sp>
+          <p:nvSpPr>
+            <p:cNvPr id="8" name="TextBox 7">
+              <a:extLst>
+                <a:ext uri="{FF2B5EF4-FFF2-40B4-BE49-F238E27FC236}">
+                  <a16:creationId xmlns:a16="http://schemas.microsoft.com/office/drawing/2014/main" id="{4B7A62C6-FD48-8F30-5E6C-DE4ABF92CD2B}"/>
+                </a:ext>
+              </a:extLst>
+            </p:cNvPr>
+            <p:cNvSpPr txBox="1"/>
+            <p:nvPr/>
+          </p:nvSpPr>
+          <p:spPr>
+            <a:xfrm>
+              <a:off x="5134212" y="3937254"/>
+              <a:ext cx="1236134" cy="400110"/>
+            </a:xfrm>
+            <a:prstGeom prst="rect">
+              <a:avLst/>
+            </a:prstGeom>
+            <a:noFill/>
+          </p:spPr>
+          <p:txBody>
+            <a:bodyPr wrap="square" rtlCol="0">
+              <a:spAutoFit/>
+            </a:bodyPr>
+            <a:lstStyle/>
+            <a:p>
+              <a:r>
+                <a:rPr lang="en-US" sz="2000" dirty="0"/>
+                <a:t>Dashed:</a:t>
+              </a:r>
+            </a:p>
+          </p:txBody>
+        </p:sp>
+        <p:sp>
+          <p:nvSpPr>
+            <p:cNvPr id="9" name="TextBox 8">
+              <a:extLst>
+                <a:ext uri="{FF2B5EF4-FFF2-40B4-BE49-F238E27FC236}">
+                  <a16:creationId xmlns:a16="http://schemas.microsoft.com/office/drawing/2014/main" id="{105C7394-B924-CB56-1253-BC6CAFF94763}"/>
+                </a:ext>
+              </a:extLst>
+            </p:cNvPr>
+            <p:cNvSpPr txBox="1"/>
+            <p:nvPr/>
+          </p:nvSpPr>
+          <p:spPr>
+            <a:xfrm>
+              <a:off x="6352278" y="4852167"/>
+              <a:ext cx="3360527" cy="307777"/>
+            </a:xfrm>
+            <a:prstGeom prst="rect">
+              <a:avLst/>
+            </a:prstGeom>
+            <a:noFill/>
+          </p:spPr>
+          <p:txBody>
+            <a:bodyPr wrap="square" rtlCol="0">
+              <a:spAutoFit/>
+            </a:bodyPr>
+            <a:lstStyle/>
+            <a:p>
+              <a:r>
+                <a:rPr lang="en-US" sz="1400" dirty="0"/>
+                <a:t>Finite boundary condition</a:t>
+              </a:r>
+            </a:p>
+          </p:txBody>
+        </p:sp>
+      </p:grpSp>
+      <p:pic>
+        <p:nvPicPr>
+          <p:cNvPr id="1030" name="Picture 6">
+            <a:extLst>
+              <a:ext uri="{FF2B5EF4-FFF2-40B4-BE49-F238E27FC236}">
+                <a16:creationId xmlns:a16="http://schemas.microsoft.com/office/drawing/2014/main" id="{E835B3AF-76D9-82EE-0D8A-42963BC41304}"/>
+              </a:ext>
+            </a:extLst>
+          </p:cNvPr>
+          <p:cNvPicPr>
+            <a:picLocks noChangeAspect="1" noChangeArrowheads="1"/>
+          </p:cNvPicPr>
+          <p:nvPr/>
+        </p:nvPicPr>
+        <p:blipFill>
+          <a:blip r:embed="rId3">
+            <a:extLst>
+              <a:ext uri="{28A0092B-C50C-407E-A947-70E740481C1C}">
+                <a14:useLocalDpi xmlns:a14="http://schemas.microsoft.com/office/drawing/2010/main" val="0"/>
+              </a:ext>
+            </a:extLst>
+          </a:blip>
+          <a:srcRect/>
+          <a:stretch>
+            <a:fillRect/>
+          </a:stretch>
+        </p:blipFill>
+        <p:spPr bwMode="auto">
+          <a:xfrm>
+            <a:off x="6236400" y="1534799"/>
+            <a:ext cx="4968216" cy="3091922"/>
+          </a:xfrm>
+          <a:prstGeom prst="rect">
+            <a:avLst/>
+          </a:prstGeom>
+          <a:noFill/>
+          <a:extLst>
+            <a:ext uri="{909E8E84-426E-40DD-AFC4-6F175D3DCCD1}">
+              <a14:hiddenFill xmlns:a14="http://schemas.microsoft.com/office/drawing/2010/main">
+                <a:solidFill>
+                  <a:srgbClr val="FFFFFF"/>
+                </a:solidFill>
+              </a14:hiddenFill>
+            </a:ext>
+          </a:extLst>
+        </p:spPr>
+      </p:pic>
+      <p:pic>
+        <p:nvPicPr>
+          <p:cNvPr id="1032" name="Picture 8">
+            <a:extLst>
+              <a:ext uri="{FF2B5EF4-FFF2-40B4-BE49-F238E27FC236}">
+                <a16:creationId xmlns:a16="http://schemas.microsoft.com/office/drawing/2014/main" id="{659F591E-4CF9-E1A9-40A1-B63162E08174}"/>
+              </a:ext>
+            </a:extLst>
+          </p:cNvPr>
+          <p:cNvPicPr>
+            <a:picLocks noChangeAspect="1" noChangeArrowheads="1"/>
+          </p:cNvPicPr>
+          <p:nvPr/>
+        </p:nvPicPr>
+        <p:blipFill>
+          <a:blip r:embed="rId4">
+            <a:extLst>
+              <a:ext uri="{28A0092B-C50C-407E-A947-70E740481C1C}">
+                <a14:useLocalDpi xmlns:a14="http://schemas.microsoft.com/office/drawing/2010/main" val="0"/>
+              </a:ext>
+            </a:extLst>
+          </a:blip>
+          <a:srcRect/>
+          <a:stretch>
+            <a:fillRect/>
+          </a:stretch>
+        </p:blipFill>
+        <p:spPr bwMode="auto">
+          <a:xfrm>
+            <a:off x="1150243" y="1534799"/>
+            <a:ext cx="4909161" cy="3091922"/>
+          </a:xfrm>
+          <a:prstGeom prst="rect">
+            <a:avLst/>
+          </a:prstGeom>
+          <a:noFill/>
+          <a:extLst>
+            <a:ext uri="{909E8E84-426E-40DD-AFC4-6F175D3DCCD1}">
+              <a14:hiddenFill xmlns:a14="http://schemas.microsoft.com/office/drawing/2010/main">
+                <a:solidFill>
+                  <a:srgbClr val="FFFFFF"/>
+                </a:solidFill>
+              </a14:hiddenFill>
+            </a:ext>
+          </a:extLst>
+        </p:spPr>
+      </p:pic>
     </p:spTree>
     <p:extLst>
       <p:ext uri="{BB962C8B-B14F-4D97-AF65-F5344CB8AC3E}">
         <p14:creationId xmlns:p14="http://schemas.microsoft.com/office/powerpoint/2010/main" val="4148675431"/>
+      </p:ext>
+    </p:extLst>
+  </p:cSld>
+  <p:clrMapOvr>
+    <a:masterClrMapping/>
+  </p:clrMapOvr>
+</p:sld>
+</file>
+
+<file path=ppt/slides/slide21.xml><?xml version="1.0" encoding="utf-8"?>
+<p:sld xmlns:a="http://schemas.openxmlformats.org/drawingml/2006/main" xmlns:r="http://schemas.openxmlformats.org/officeDocument/2006/relationships" xmlns:p="http://schemas.openxmlformats.org/presentationml/2006/main">
+  <p:cSld>
+    <p:spTree>
+      <p:nvGrpSpPr>
+        <p:cNvPr id="1" name=""/>
+        <p:cNvGrpSpPr/>
+        <p:nvPr/>
+      </p:nvGrpSpPr>
+      <p:grpSpPr>
+        <a:xfrm>
+          <a:off x="0" y="0"/>
+          <a:ext cx="0" cy="0"/>
+          <a:chOff x="0" y="0"/>
+          <a:chExt cx="0" cy="0"/>
+        </a:xfrm>
+      </p:grpSpPr>
+      <p:sp>
+        <p:nvSpPr>
+          <p:cNvPr id="2" name="Title 1">
+            <a:extLst>
+              <a:ext uri="{FF2B5EF4-FFF2-40B4-BE49-F238E27FC236}">
+                <a16:creationId xmlns:a16="http://schemas.microsoft.com/office/drawing/2014/main" id="{06086369-11B5-FB64-0AEB-67FA9B80CD04}"/>
+              </a:ext>
+            </a:extLst>
+          </p:cNvPr>
+          <p:cNvSpPr>
+            <a:spLocks noGrp="1"/>
+          </p:cNvSpPr>
+          <p:nvPr>
+            <p:ph type="title"/>
+          </p:nvPr>
+        </p:nvSpPr>
+        <p:spPr>
+          <a:xfrm>
+            <a:off x="0" y="136525"/>
+            <a:ext cx="12192000" cy="800128"/>
+          </a:xfrm>
+        </p:spPr>
+        <p:txBody>
+          <a:bodyPr/>
+          <a:lstStyle/>
+          <a:p>
+            <a:r>
+              <a:rPr lang="en-US" dirty="0"/>
+              <a:t>Extending PEM (left), </a:t>
+            </a:r>
+            <a:r>
+              <a:rPr lang="en-US" sz="2800" dirty="0"/>
+              <a:t>s = -10e-20 C/nm2</a:t>
+            </a:r>
+          </a:p>
+        </p:txBody>
+      </p:sp>
+      <p:sp>
+        <p:nvSpPr>
+          <p:cNvPr id="3" name="Slide Number Placeholder 2">
+            <a:extLst>
+              <a:ext uri="{FF2B5EF4-FFF2-40B4-BE49-F238E27FC236}">
+                <a16:creationId xmlns:a16="http://schemas.microsoft.com/office/drawing/2014/main" id="{ED2093FC-D19D-683B-7B5A-99944CCED6A6}"/>
+              </a:ext>
+            </a:extLst>
+          </p:cNvPr>
+          <p:cNvSpPr>
+            <a:spLocks noGrp="1"/>
+          </p:cNvSpPr>
+          <p:nvPr>
+            <p:ph type="sldNum" sz="quarter" idx="12"/>
+          </p:nvPr>
+        </p:nvSpPr>
+        <p:spPr/>
+        <p:txBody>
+          <a:bodyPr/>
+          <a:lstStyle/>
+          <a:p>
+            <a:fld id="{5911C0E6-D9CE-431C-92CB-BB39B872F930}" type="slidenum">
+              <a:rPr lang="en-US" smtClean="0"/>
+              <a:t>21</a:t>
+            </a:fld>
+            <a:endParaRPr lang="en-US"/>
+          </a:p>
+        </p:txBody>
+      </p:sp>
+      <p:sp>
+        <p:nvSpPr>
+          <p:cNvPr id="4" name="Rectangle 3">
+            <a:extLst>
+              <a:ext uri="{FF2B5EF4-FFF2-40B4-BE49-F238E27FC236}">
+                <a16:creationId xmlns:a16="http://schemas.microsoft.com/office/drawing/2014/main" id="{6B12644E-0CE1-8196-194B-0E57B76F9D25}"/>
+              </a:ext>
+            </a:extLst>
+          </p:cNvPr>
+          <p:cNvSpPr/>
+          <p:nvPr/>
+        </p:nvSpPr>
+        <p:spPr>
+          <a:xfrm>
+            <a:off x="1425190" y="4515369"/>
+            <a:ext cx="3462867" cy="702734"/>
+          </a:xfrm>
+          <a:prstGeom prst="rect">
+            <a:avLst/>
+          </a:prstGeom>
+          <a:solidFill>
+            <a:schemeClr val="accent6"/>
+          </a:solidFill>
+        </p:spPr>
+        <p:style>
+          <a:lnRef idx="2">
+            <a:schemeClr val="accent1">
+              <a:shade val="15000"/>
+            </a:schemeClr>
+          </a:lnRef>
+          <a:fillRef idx="1">
+            <a:schemeClr val="accent1"/>
+          </a:fillRef>
+          <a:effectRef idx="0">
+            <a:schemeClr val="accent1"/>
+          </a:effectRef>
+          <a:fontRef idx="minor">
+            <a:schemeClr val="lt1"/>
+          </a:fontRef>
+        </p:style>
+        <p:txBody>
+          <a:bodyPr rtlCol="0" anchor="ctr"/>
+          <a:lstStyle/>
+          <a:p>
+            <a:pPr algn="ctr"/>
+            <a:r>
+              <a:rPr lang="en-US" dirty="0"/>
+              <a:t>Redo 145 &amp; 195 by scaling N10000 to </a:t>
+            </a:r>
+            <a:r>
+              <a:rPr lang="en-US" dirty="0" err="1"/>
+              <a:t>Lz</a:t>
+            </a:r>
+            <a:r>
+              <a:rPr lang="en-US" dirty="0"/>
+              <a:t> (check by </a:t>
+            </a:r>
+            <a:r>
+              <a:rPr lang="en-US" dirty="0" err="1"/>
+              <a:t>xscale</a:t>
+            </a:r>
+            <a:r>
+              <a:rPr lang="en-US" dirty="0"/>
+              <a:t>(log))</a:t>
+            </a:r>
+          </a:p>
+        </p:txBody>
+      </p:sp>
+      <p:grpSp>
+        <p:nvGrpSpPr>
+          <p:cNvPr id="8" name="Group 7">
+            <a:extLst>
+              <a:ext uri="{FF2B5EF4-FFF2-40B4-BE49-F238E27FC236}">
+                <a16:creationId xmlns:a16="http://schemas.microsoft.com/office/drawing/2014/main" id="{93DC170F-0F44-E96B-67FB-6309A8A18265}"/>
+              </a:ext>
+            </a:extLst>
+          </p:cNvPr>
+          <p:cNvGrpSpPr/>
+          <p:nvPr/>
+        </p:nvGrpSpPr>
+        <p:grpSpPr>
+          <a:xfrm>
+            <a:off x="518719" y="5861633"/>
+            <a:ext cx="4709248" cy="713790"/>
+            <a:chOff x="5134212" y="2736080"/>
+            <a:chExt cx="4709248" cy="713790"/>
+          </a:xfrm>
+        </p:grpSpPr>
+        <p:sp>
+          <p:nvSpPr>
+            <p:cNvPr id="9" name="TextBox 8">
+              <a:extLst>
+                <a:ext uri="{FF2B5EF4-FFF2-40B4-BE49-F238E27FC236}">
+                  <a16:creationId xmlns:a16="http://schemas.microsoft.com/office/drawing/2014/main" id="{AF258E25-569C-72D6-6335-B5B838A324BC}"/>
+                </a:ext>
+              </a:extLst>
+            </p:cNvPr>
+            <p:cNvSpPr txBox="1"/>
+            <p:nvPr/>
+          </p:nvSpPr>
+          <p:spPr>
+            <a:xfrm>
+              <a:off x="5134212" y="2736080"/>
+              <a:ext cx="1236134" cy="369332"/>
+            </a:xfrm>
+            <a:prstGeom prst="rect">
+              <a:avLst/>
+            </a:prstGeom>
+            <a:noFill/>
+          </p:spPr>
+          <p:txBody>
+            <a:bodyPr wrap="square" rtlCol="0">
+              <a:spAutoFit/>
+            </a:bodyPr>
+            <a:lstStyle/>
+            <a:p>
+              <a:r>
+                <a:rPr lang="en-US" dirty="0"/>
+                <a:t>Dotted:</a:t>
+              </a:r>
+            </a:p>
+          </p:txBody>
+        </p:sp>
+        <p:pic>
+          <p:nvPicPr>
+            <p:cNvPr id="10" name="Picture 9">
+              <a:extLst>
+                <a:ext uri="{FF2B5EF4-FFF2-40B4-BE49-F238E27FC236}">
+                  <a16:creationId xmlns:a16="http://schemas.microsoft.com/office/drawing/2014/main" id="{7A5C036E-9454-AB51-8774-2D34CF055B0A}"/>
+                </a:ext>
+              </a:extLst>
+            </p:cNvPr>
+            <p:cNvPicPr>
+              <a:picLocks noChangeAspect="1"/>
+            </p:cNvPicPr>
+            <p:nvPr/>
+          </p:nvPicPr>
+          <p:blipFill>
+            <a:blip r:embed="rId2"/>
+            <a:stretch>
+              <a:fillRect/>
+            </a:stretch>
+          </p:blipFill>
+          <p:spPr>
+            <a:xfrm>
+              <a:off x="6221626" y="2760427"/>
+              <a:ext cx="3621834" cy="369331"/>
+            </a:xfrm>
+            <a:prstGeom prst="rect">
+              <a:avLst/>
+            </a:prstGeom>
+          </p:spPr>
+        </p:pic>
+        <p:sp>
+          <p:nvSpPr>
+            <p:cNvPr id="11" name="TextBox 10">
+              <a:extLst>
+                <a:ext uri="{FF2B5EF4-FFF2-40B4-BE49-F238E27FC236}">
+                  <a16:creationId xmlns:a16="http://schemas.microsoft.com/office/drawing/2014/main" id="{F70D5BA1-832B-B7E1-3CE8-B1E64B2AD5E8}"/>
+                </a:ext>
+              </a:extLst>
+            </p:cNvPr>
+            <p:cNvSpPr txBox="1"/>
+            <p:nvPr/>
+          </p:nvSpPr>
+          <p:spPr>
+            <a:xfrm>
+              <a:off x="6352279" y="3172871"/>
+              <a:ext cx="3360527" cy="276999"/>
+            </a:xfrm>
+            <a:prstGeom prst="rect">
+              <a:avLst/>
+            </a:prstGeom>
+            <a:noFill/>
+          </p:spPr>
+          <p:txBody>
+            <a:bodyPr wrap="square" rtlCol="0">
+              <a:spAutoFit/>
+            </a:bodyPr>
+            <a:lstStyle/>
+            <a:p>
+              <a:r>
+                <a:rPr lang="en-US" sz="1200" dirty="0"/>
+                <a:t>Infinite boundary condition, log-divergence</a:t>
+              </a:r>
+            </a:p>
+          </p:txBody>
+        </p:sp>
+      </p:grpSp>
+      <p:pic>
+        <p:nvPicPr>
+          <p:cNvPr id="2052" name="Picture 4">
+            <a:extLst>
+              <a:ext uri="{FF2B5EF4-FFF2-40B4-BE49-F238E27FC236}">
+                <a16:creationId xmlns:a16="http://schemas.microsoft.com/office/drawing/2014/main" id="{4377F367-DCC3-4316-2CB5-FA92B47FA2D3}"/>
+              </a:ext>
+            </a:extLst>
+          </p:cNvPr>
+          <p:cNvPicPr>
+            <a:picLocks noChangeAspect="1" noChangeArrowheads="1"/>
+          </p:cNvPicPr>
+          <p:nvPr/>
+        </p:nvPicPr>
+        <p:blipFill>
+          <a:blip r:embed="rId3">
+            <a:extLst>
+              <a:ext uri="{28A0092B-C50C-407E-A947-70E740481C1C}">
+                <a14:useLocalDpi xmlns:a14="http://schemas.microsoft.com/office/drawing/2010/main" val="0"/>
+              </a:ext>
+            </a:extLst>
+          </a:blip>
+          <a:srcRect/>
+          <a:stretch>
+            <a:fillRect/>
+          </a:stretch>
+        </p:blipFill>
+        <p:spPr bwMode="auto">
+          <a:xfrm>
+            <a:off x="6590590" y="1121508"/>
+            <a:ext cx="5082691" cy="2738169"/>
+          </a:xfrm>
+          <a:prstGeom prst="rect">
+            <a:avLst/>
+          </a:prstGeom>
+          <a:noFill/>
+          <a:extLst>
+            <a:ext uri="{909E8E84-426E-40DD-AFC4-6F175D3DCCD1}">
+              <a14:hiddenFill xmlns:a14="http://schemas.microsoft.com/office/drawing/2010/main">
+                <a:solidFill>
+                  <a:srgbClr val="FFFFFF"/>
+                </a:solidFill>
+              </a14:hiddenFill>
+            </a:ext>
+          </a:extLst>
+        </p:spPr>
+      </p:pic>
+      <p:pic>
+        <p:nvPicPr>
+          <p:cNvPr id="2054" name="Picture 6">
+            <a:extLst>
+              <a:ext uri="{FF2B5EF4-FFF2-40B4-BE49-F238E27FC236}">
+                <a16:creationId xmlns:a16="http://schemas.microsoft.com/office/drawing/2014/main" id="{CDAB377F-C1DD-DD0A-8726-A96A28138609}"/>
+              </a:ext>
+            </a:extLst>
+          </p:cNvPr>
+          <p:cNvPicPr>
+            <a:picLocks noChangeAspect="1" noChangeArrowheads="1"/>
+          </p:cNvPicPr>
+          <p:nvPr/>
+        </p:nvPicPr>
+        <p:blipFill>
+          <a:blip r:embed="rId4">
+            <a:extLst>
+              <a:ext uri="{28A0092B-C50C-407E-A947-70E740481C1C}">
+                <a14:useLocalDpi xmlns:a14="http://schemas.microsoft.com/office/drawing/2010/main" val="0"/>
+              </a:ext>
+            </a:extLst>
+          </a:blip>
+          <a:srcRect/>
+          <a:stretch>
+            <a:fillRect/>
+          </a:stretch>
+        </p:blipFill>
+        <p:spPr bwMode="auto">
+          <a:xfrm>
+            <a:off x="1096963" y="1443273"/>
+            <a:ext cx="4488912" cy="2750331"/>
+          </a:xfrm>
+          <a:prstGeom prst="rect">
+            <a:avLst/>
+          </a:prstGeom>
+          <a:noFill/>
+          <a:extLst>
+            <a:ext uri="{909E8E84-426E-40DD-AFC4-6F175D3DCCD1}">
+              <a14:hiddenFill xmlns:a14="http://schemas.microsoft.com/office/drawing/2010/main">
+                <a:solidFill>
+                  <a:srgbClr val="FFFFFF"/>
+                </a:solidFill>
+              </a14:hiddenFill>
+            </a:ext>
+          </a:extLst>
+        </p:spPr>
+      </p:pic>
+      <p:pic>
+        <p:nvPicPr>
+          <p:cNvPr id="2056" name="Picture 8">
+            <a:extLst>
+              <a:ext uri="{FF2B5EF4-FFF2-40B4-BE49-F238E27FC236}">
+                <a16:creationId xmlns:a16="http://schemas.microsoft.com/office/drawing/2014/main" id="{199384BD-102E-A14B-7019-30C72940FAC9}"/>
+              </a:ext>
+            </a:extLst>
+          </p:cNvPr>
+          <p:cNvPicPr>
+            <a:picLocks noChangeAspect="1" noChangeArrowheads="1"/>
+          </p:cNvPicPr>
+          <p:nvPr/>
+        </p:nvPicPr>
+        <p:blipFill>
+          <a:blip r:embed="rId5">
+            <a:extLst>
+              <a:ext uri="{28A0092B-C50C-407E-A947-70E740481C1C}">
+                <a14:useLocalDpi xmlns:a14="http://schemas.microsoft.com/office/drawing/2010/main" val="0"/>
+              </a:ext>
+            </a:extLst>
+          </a:blip>
+          <a:srcRect/>
+          <a:stretch>
+            <a:fillRect/>
+          </a:stretch>
+        </p:blipFill>
+        <p:spPr bwMode="auto">
+          <a:xfrm>
+            <a:off x="6652110" y="3983306"/>
+            <a:ext cx="3635455" cy="2738169"/>
+          </a:xfrm>
+          <a:prstGeom prst="rect">
+            <a:avLst/>
+          </a:prstGeom>
+          <a:noFill/>
+          <a:extLst>
+            <a:ext uri="{909E8E84-426E-40DD-AFC4-6F175D3DCCD1}">
+              <a14:hiddenFill xmlns:a14="http://schemas.microsoft.com/office/drawing/2010/main">
+                <a:solidFill>
+                  <a:srgbClr val="FFFFFF"/>
+                </a:solidFill>
+              </a14:hiddenFill>
+            </a:ext>
+          </a:extLst>
+        </p:spPr>
+      </p:pic>
+    </p:spTree>
+    <p:extLst>
+      <p:ext uri="{BB962C8B-B14F-4D97-AF65-F5344CB8AC3E}">
+        <p14:creationId xmlns:p14="http://schemas.microsoft.com/office/powerpoint/2010/main" val="1892170498"/>
+      </p:ext>
+    </p:extLst>
+  </p:cSld>
+  <p:clrMapOvr>
+    <a:masterClrMapping/>
+  </p:clrMapOvr>
+</p:sld>
+</file>
+
+<file path=ppt/slides/slide22.xml><?xml version="1.0" encoding="utf-8"?>
+<p:sld xmlns:a="http://schemas.openxmlformats.org/drawingml/2006/main" xmlns:r="http://schemas.openxmlformats.org/officeDocument/2006/relationships" xmlns:p="http://schemas.openxmlformats.org/presentationml/2006/main">
+  <p:cSld>
+    <p:spTree>
+      <p:nvGrpSpPr>
+        <p:cNvPr id="1" name="">
+          <a:extLst>
+            <a:ext uri="{FF2B5EF4-FFF2-40B4-BE49-F238E27FC236}">
+              <a16:creationId xmlns:a16="http://schemas.microsoft.com/office/drawing/2014/main" id="{1D30DAB2-1072-31A8-39DE-255F9933A911}"/>
+            </a:ext>
+          </a:extLst>
+        </p:cNvPr>
+        <p:cNvGrpSpPr/>
+        <p:nvPr/>
+      </p:nvGrpSpPr>
+      <p:grpSpPr>
+        <a:xfrm>
+          <a:off x="0" y="0"/>
+          <a:ext cx="0" cy="0"/>
+          <a:chOff x="0" y="0"/>
+          <a:chExt cx="0" cy="0"/>
+        </a:xfrm>
+      </p:grpSpPr>
+      <p:sp>
+        <p:nvSpPr>
+          <p:cNvPr id="2" name="Title 1">
+            <a:extLst>
+              <a:ext uri="{FF2B5EF4-FFF2-40B4-BE49-F238E27FC236}">
+                <a16:creationId xmlns:a16="http://schemas.microsoft.com/office/drawing/2014/main" id="{3738A12E-874C-852E-1F74-AA64236D0DA3}"/>
+              </a:ext>
+            </a:extLst>
+          </p:cNvPr>
+          <p:cNvSpPr>
+            <a:spLocks noGrp="1"/>
+          </p:cNvSpPr>
+          <p:nvPr>
+            <p:ph type="title"/>
+          </p:nvPr>
+        </p:nvSpPr>
+        <p:spPr>
+          <a:xfrm>
+            <a:off x="0" y="136525"/>
+            <a:ext cx="12192000" cy="800128"/>
+          </a:xfrm>
+        </p:spPr>
+        <p:txBody>
+          <a:bodyPr>
+            <a:normAutofit/>
+          </a:bodyPr>
+          <a:lstStyle/>
+          <a:p>
+            <a:r>
+              <a:rPr lang="en-US" dirty="0"/>
+              <a:t>Extending water layer, </a:t>
+            </a:r>
+            <a:r>
+              <a:rPr lang="en-US" sz="2800" dirty="0"/>
+              <a:t>s = 0e-20 C/nm2</a:t>
+            </a:r>
+          </a:p>
+        </p:txBody>
+      </p:sp>
+      <p:sp>
+        <p:nvSpPr>
+          <p:cNvPr id="3" name="Slide Number Placeholder 2">
+            <a:extLst>
+              <a:ext uri="{FF2B5EF4-FFF2-40B4-BE49-F238E27FC236}">
+                <a16:creationId xmlns:a16="http://schemas.microsoft.com/office/drawing/2014/main" id="{43878964-ACA8-6A30-F2C4-A88E8DBE6665}"/>
+              </a:ext>
+            </a:extLst>
+          </p:cNvPr>
+          <p:cNvSpPr>
+            <a:spLocks noGrp="1"/>
+          </p:cNvSpPr>
+          <p:nvPr>
+            <p:ph type="sldNum" sz="quarter" idx="12"/>
+          </p:nvPr>
+        </p:nvSpPr>
+        <p:spPr/>
+        <p:txBody>
+          <a:bodyPr/>
+          <a:lstStyle/>
+          <a:p>
+            <a:fld id="{5911C0E6-D9CE-431C-92CB-BB39B872F930}" type="slidenum">
+              <a:rPr lang="en-US" smtClean="0"/>
+              <a:t>22</a:t>
+            </a:fld>
+            <a:endParaRPr lang="en-US"/>
+          </a:p>
+        </p:txBody>
+      </p:sp>
+      <p:sp>
+        <p:nvSpPr>
+          <p:cNvPr id="12" name="Rectangle 11">
+            <a:extLst>
+              <a:ext uri="{FF2B5EF4-FFF2-40B4-BE49-F238E27FC236}">
+                <a16:creationId xmlns:a16="http://schemas.microsoft.com/office/drawing/2014/main" id="{1A21188F-4842-A27F-E2D3-88E673C97DB1}"/>
+              </a:ext>
+            </a:extLst>
+          </p:cNvPr>
+          <p:cNvSpPr/>
+          <p:nvPr/>
+        </p:nvSpPr>
+        <p:spPr>
+          <a:xfrm>
+            <a:off x="7799649" y="4928789"/>
+            <a:ext cx="2588952" cy="702734"/>
+          </a:xfrm>
+          <a:prstGeom prst="rect">
+            <a:avLst/>
+          </a:prstGeom>
+        </p:spPr>
+        <p:style>
+          <a:lnRef idx="2">
+            <a:schemeClr val="accent1">
+              <a:shade val="15000"/>
+            </a:schemeClr>
+          </a:lnRef>
+          <a:fillRef idx="1">
+            <a:schemeClr val="accent1"/>
+          </a:fillRef>
+          <a:effectRef idx="0">
+            <a:schemeClr val="accent1"/>
+          </a:effectRef>
+          <a:fontRef idx="minor">
+            <a:schemeClr val="lt1"/>
+          </a:fontRef>
+        </p:style>
+        <p:txBody>
+          <a:bodyPr rtlCol="0" anchor="ctr"/>
+          <a:lstStyle/>
+          <a:p>
+            <a:pPr algn="ctr"/>
+            <a:r>
+              <a:rPr lang="en-US" dirty="0" err="1"/>
+              <a:t>FreeE</a:t>
+            </a:r>
+            <a:r>
+              <a:rPr lang="en-US" dirty="0"/>
+              <a:t>(</a:t>
+            </a:r>
+            <a:r>
+              <a:rPr lang="en-US" dirty="0" err="1"/>
+              <a:t>Lz</a:t>
+            </a:r>
+            <a:r>
+              <a:rPr lang="en-US" dirty="0"/>
+              <a:t>)</a:t>
+            </a:r>
+          </a:p>
+        </p:txBody>
+      </p:sp>
+      <p:pic>
+        <p:nvPicPr>
+          <p:cNvPr id="3074" name="Picture 2">
+            <a:extLst>
+              <a:ext uri="{FF2B5EF4-FFF2-40B4-BE49-F238E27FC236}">
+                <a16:creationId xmlns:a16="http://schemas.microsoft.com/office/drawing/2014/main" id="{2235BF87-FCC0-72FB-BDE7-14C680DF846A}"/>
+              </a:ext>
+            </a:extLst>
+          </p:cNvPr>
+          <p:cNvPicPr>
+            <a:picLocks noChangeAspect="1" noChangeArrowheads="1"/>
+          </p:cNvPicPr>
+          <p:nvPr/>
+        </p:nvPicPr>
+        <p:blipFill>
+          <a:blip r:embed="rId2">
+            <a:extLst>
+              <a:ext uri="{28A0092B-C50C-407E-A947-70E740481C1C}">
+                <a14:useLocalDpi xmlns:a14="http://schemas.microsoft.com/office/drawing/2010/main" val="0"/>
+              </a:ext>
+            </a:extLst>
+          </a:blip>
+          <a:srcRect/>
+          <a:stretch>
+            <a:fillRect/>
+          </a:stretch>
+        </p:blipFill>
+        <p:spPr bwMode="auto">
+          <a:xfrm>
+            <a:off x="1157816" y="1929211"/>
+            <a:ext cx="4794251" cy="2999578"/>
+          </a:xfrm>
+          <a:prstGeom prst="rect">
+            <a:avLst/>
+          </a:prstGeom>
+          <a:noFill/>
+          <a:extLst>
+            <a:ext uri="{909E8E84-426E-40DD-AFC4-6F175D3DCCD1}">
+              <a14:hiddenFill xmlns:a14="http://schemas.microsoft.com/office/drawing/2010/main">
+                <a:solidFill>
+                  <a:srgbClr val="FFFFFF"/>
+                </a:solidFill>
+              </a14:hiddenFill>
+            </a:ext>
+          </a:extLst>
+        </p:spPr>
+      </p:pic>
+      <p:pic>
+        <p:nvPicPr>
+          <p:cNvPr id="3076" name="Picture 4">
+            <a:extLst>
+              <a:ext uri="{FF2B5EF4-FFF2-40B4-BE49-F238E27FC236}">
+                <a16:creationId xmlns:a16="http://schemas.microsoft.com/office/drawing/2014/main" id="{518B736B-9C4E-BB68-8C9C-984A62049FB7}"/>
+              </a:ext>
+            </a:extLst>
+          </p:cNvPr>
+          <p:cNvPicPr>
+            <a:picLocks noChangeAspect="1" noChangeArrowheads="1"/>
+          </p:cNvPicPr>
+          <p:nvPr/>
+        </p:nvPicPr>
+        <p:blipFill>
+          <a:blip r:embed="rId3">
+            <a:extLst>
+              <a:ext uri="{28A0092B-C50C-407E-A947-70E740481C1C}">
+                <a14:useLocalDpi xmlns:a14="http://schemas.microsoft.com/office/drawing/2010/main" val="0"/>
+              </a:ext>
+            </a:extLst>
+          </a:blip>
+          <a:srcRect/>
+          <a:stretch>
+            <a:fillRect/>
+          </a:stretch>
+        </p:blipFill>
+        <p:spPr bwMode="auto">
+          <a:xfrm>
+            <a:off x="6921500" y="1556337"/>
+            <a:ext cx="4881033" cy="2647625"/>
+          </a:xfrm>
+          <a:prstGeom prst="rect">
+            <a:avLst/>
+          </a:prstGeom>
+          <a:noFill/>
+          <a:extLst>
+            <a:ext uri="{909E8E84-426E-40DD-AFC4-6F175D3DCCD1}">
+              <a14:hiddenFill xmlns:a14="http://schemas.microsoft.com/office/drawing/2010/main">
+                <a:solidFill>
+                  <a:srgbClr val="FFFFFF"/>
+                </a:solidFill>
+              </a14:hiddenFill>
+            </a:ext>
+          </a:extLst>
+        </p:spPr>
+      </p:pic>
+    </p:spTree>
+    <p:extLst>
+      <p:ext uri="{BB962C8B-B14F-4D97-AF65-F5344CB8AC3E}">
+        <p14:creationId xmlns:p14="http://schemas.microsoft.com/office/powerpoint/2010/main" val="1476338454"/>
       </p:ext>
     </p:extLst>
   </p:cSld>

--- a/NAF.pptx
+++ b/NAF.pptx
@@ -9416,67 +9416,6 @@
           </a:p>
         </p:txBody>
       </p:sp>
-      <p:sp>
-        <p:nvSpPr>
-          <p:cNvPr id="12" name="Rectangle 11">
-            <a:extLst>
-              <a:ext uri="{FF2B5EF4-FFF2-40B4-BE49-F238E27FC236}">
-                <a16:creationId xmlns:a16="http://schemas.microsoft.com/office/drawing/2014/main" id="{1A21188F-4842-A27F-E2D3-88E673C97DB1}"/>
-              </a:ext>
-            </a:extLst>
-          </p:cNvPr>
-          <p:cNvSpPr/>
-          <p:nvPr/>
-        </p:nvSpPr>
-        <p:spPr>
-          <a:xfrm>
-            <a:off x="7799649" y="4928789"/>
-            <a:ext cx="2588952" cy="702734"/>
-          </a:xfrm>
-          <a:prstGeom prst="rect">
-            <a:avLst/>
-          </a:prstGeom>
-        </p:spPr>
-        <p:style>
-          <a:lnRef idx="2">
-            <a:schemeClr val="accent1">
-              <a:shade val="15000"/>
-            </a:schemeClr>
-          </a:lnRef>
-          <a:fillRef idx="1">
-            <a:schemeClr val="accent1"/>
-          </a:fillRef>
-          <a:effectRef idx="0">
-            <a:schemeClr val="accent1"/>
-          </a:effectRef>
-          <a:fontRef idx="minor">
-            <a:schemeClr val="lt1"/>
-          </a:fontRef>
-        </p:style>
-        <p:txBody>
-          <a:bodyPr rtlCol="0" anchor="ctr"/>
-          <a:lstStyle/>
-          <a:p>
-            <a:pPr algn="ctr"/>
-            <a:r>
-              <a:rPr lang="en-US" dirty="0" err="1"/>
-              <a:t>FreeE</a:t>
-            </a:r>
-            <a:r>
-              <a:rPr lang="en-US" dirty="0"/>
-              <a:t>(</a:t>
-            </a:r>
-            <a:r>
-              <a:rPr lang="en-US" dirty="0" err="1"/>
-              <a:t>Lz</a:t>
-            </a:r>
-            <a:r>
-              <a:rPr lang="en-US" dirty="0"/>
-              <a:t>)</a:t>
-            </a:r>
-          </a:p>
-        </p:txBody>
-      </p:sp>
       <p:pic>
         <p:nvPicPr>
           <p:cNvPr id="3074" name="Picture 2">
@@ -9506,8 +9445,8 @@
         </p:blipFill>
         <p:spPr bwMode="auto">
           <a:xfrm>
-            <a:off x="1157816" y="1929211"/>
-            <a:ext cx="4794251" cy="2999578"/>
+            <a:off x="736600" y="2214702"/>
+            <a:ext cx="5359400" cy="3353170"/>
           </a:xfrm>
           <a:prstGeom prst="rect">
             <a:avLst/>
@@ -9553,8 +9492,55 @@
         </p:blipFill>
         <p:spPr bwMode="auto">
           <a:xfrm>
-            <a:off x="6921500" y="1556337"/>
+            <a:off x="6675967" y="1243662"/>
             <a:ext cx="4881033" cy="2647625"/>
+          </a:xfrm>
+          <a:prstGeom prst="rect">
+            <a:avLst/>
+          </a:prstGeom>
+          <a:noFill/>
+          <a:extLst>
+            <a:ext uri="{909E8E84-426E-40DD-AFC4-6F175D3DCCD1}">
+              <a14:hiddenFill xmlns:a14="http://schemas.microsoft.com/office/drawing/2010/main">
+                <a:solidFill>
+                  <a:srgbClr val="FFFFFF"/>
+                </a:solidFill>
+              </a14:hiddenFill>
+            </a:ext>
+          </a:extLst>
+        </p:spPr>
+      </p:pic>
+      <p:pic>
+        <p:nvPicPr>
+          <p:cNvPr id="3078" name="Picture 6">
+            <a:extLst>
+              <a:ext uri="{FF2B5EF4-FFF2-40B4-BE49-F238E27FC236}">
+                <a16:creationId xmlns:a16="http://schemas.microsoft.com/office/drawing/2014/main" id="{34B693F5-C87D-BC9D-5336-EA4C4B100DAD}"/>
+              </a:ext>
+            </a:extLst>
+          </p:cNvPr>
+          <p:cNvPicPr>
+            <a:picLocks noChangeAspect="1" noChangeArrowheads="1"/>
+          </p:cNvPicPr>
+          <p:nvPr/>
+        </p:nvPicPr>
+        <p:blipFill>
+          <a:blip r:embed="rId4">
+            <a:extLst>
+              <a:ext uri="{28A0092B-C50C-407E-A947-70E740481C1C}">
+                <a14:useLocalDpi xmlns:a14="http://schemas.microsoft.com/office/drawing/2010/main" val="0"/>
+              </a:ext>
+            </a:extLst>
+          </a:blip>
+          <a:srcRect/>
+          <a:stretch>
+            <a:fillRect/>
+          </a:stretch>
+        </p:blipFill>
+        <p:spPr bwMode="auto">
+          <a:xfrm>
+            <a:off x="6584951" y="3891287"/>
+            <a:ext cx="3694360" cy="2647625"/>
           </a:xfrm>
           <a:prstGeom prst="rect">
             <a:avLst/>

--- a/NAF.pptx
+++ b/NAF.pptx
@@ -8562,7 +8562,11 @@
           <a:p>
             <a:r>
               <a:rPr lang="en-US" dirty="0"/>
-              <a:t>Surface charge (neutral polymer)</a:t>
+              <a:t>Surface charge </a:t>
+            </a:r>
+            <a:r>
+              <a:rPr lang="en-US" sz="2800" dirty="0"/>
+              <a:t>(neutral polymer)</a:t>
             </a:r>
           </a:p>
         </p:txBody>
@@ -8944,7 +8948,7 @@
           <a:p>
             <a:r>
               <a:rPr lang="en-US" dirty="0"/>
-              <a:t>Extending PEM (left), </a:t>
+              <a:t>Extending PEM, </a:t>
             </a:r>
             <a:r>
               <a:rPr lang="en-US" sz="2800" dirty="0"/>

--- a/NAF.pptx
+++ b/NAF.pptx
@@ -8705,7 +8705,7 @@
           <p:spPr>
             <a:xfrm>
               <a:off x="9219881" y="3819349"/>
-              <a:ext cx="3336185" cy="954107"/>
+              <a:ext cx="3336185" cy="738664"/>
             </a:xfrm>
             <a:prstGeom prst="rect">
               <a:avLst/>
@@ -8720,7 +8720,7 @@
             <a:p>
               <a:r>
                 <a:rPr lang="en-US" sz="1400" dirty="0"/>
-                <a:t>Note: midpoint concentration can be calculated analytically but couldn’t get to work. In plot, used midpoint concentration obtained with N = 10,000</a:t>
+                <a:t>Note: midpoint concentration can be calculated analytically but couldn’t get to work. In plot, used midpoint concentration obtained numerically</a:t>
               </a:r>
             </a:p>
           </p:txBody>

--- a/NAF.pptx
+++ b/NAF.pptx
@@ -5,7 +5,7 @@
     <p:sldMasterId id="2147483648" r:id="rId1"/>
   </p:sldMasterIdLst>
   <p:notesMasterIdLst>
-    <p:notesMasterId r:id="rId24"/>
+    <p:notesMasterId r:id="rId25"/>
   </p:notesMasterIdLst>
   <p:sldIdLst>
     <p:sldId id="256" r:id="rId2"/>
@@ -30,6 +30,7 @@
     <p:sldId id="276" r:id="rId21"/>
     <p:sldId id="279" r:id="rId22"/>
     <p:sldId id="280" r:id="rId23"/>
+    <p:sldId id="281" r:id="rId24"/>
   </p:sldIdLst>
   <p:sldSz cx="12192000" cy="6858000"/>
   <p:notesSz cx="6858000" cy="9144000"/>
@@ -9565,6 +9566,110 @@
     <p:extLst>
       <p:ext uri="{BB962C8B-B14F-4D97-AF65-F5344CB8AC3E}">
         <p14:creationId xmlns:p14="http://schemas.microsoft.com/office/powerpoint/2010/main" val="1476338454"/>
+      </p:ext>
+    </p:extLst>
+  </p:cSld>
+  <p:clrMapOvr>
+    <a:masterClrMapping/>
+  </p:clrMapOvr>
+</p:sld>
+</file>
+
+<file path=ppt/slides/slide23.xml><?xml version="1.0" encoding="utf-8"?>
+<p:sld xmlns:a="http://schemas.openxmlformats.org/drawingml/2006/main" xmlns:r="http://schemas.openxmlformats.org/officeDocument/2006/relationships" xmlns:p="http://schemas.openxmlformats.org/presentationml/2006/main">
+  <p:cSld>
+    <p:spTree>
+      <p:nvGrpSpPr>
+        <p:cNvPr id="1" name="">
+          <a:extLst>
+            <a:ext uri="{FF2B5EF4-FFF2-40B4-BE49-F238E27FC236}">
+              <a16:creationId xmlns:a16="http://schemas.microsoft.com/office/drawing/2014/main" id="{31C2F688-8C76-8EF0-FFFE-458785F069E8}"/>
+            </a:ext>
+          </a:extLst>
+        </p:cNvPr>
+        <p:cNvGrpSpPr/>
+        <p:nvPr/>
+      </p:nvGrpSpPr>
+      <p:grpSpPr>
+        <a:xfrm>
+          <a:off x="0" y="0"/>
+          <a:ext cx="0" cy="0"/>
+          <a:chOff x="0" y="0"/>
+          <a:chExt cx="0" cy="0"/>
+        </a:xfrm>
+      </p:grpSpPr>
+      <p:sp>
+        <p:nvSpPr>
+          <p:cNvPr id="2" name="Title 1">
+            <a:extLst>
+              <a:ext uri="{FF2B5EF4-FFF2-40B4-BE49-F238E27FC236}">
+                <a16:creationId xmlns:a16="http://schemas.microsoft.com/office/drawing/2014/main" id="{2A5E6EA5-9C82-AE00-46FB-1E7308BB7329}"/>
+              </a:ext>
+            </a:extLst>
+          </p:cNvPr>
+          <p:cNvSpPr>
+            <a:spLocks noGrp="1"/>
+          </p:cNvSpPr>
+          <p:nvPr>
+            <p:ph type="title"/>
+          </p:nvPr>
+        </p:nvSpPr>
+        <p:spPr>
+          <a:xfrm>
+            <a:off x="0" y="136525"/>
+            <a:ext cx="12192000" cy="800128"/>
+          </a:xfrm>
+        </p:spPr>
+        <p:txBody>
+          <a:bodyPr>
+            <a:normAutofit/>
+          </a:bodyPr>
+          <a:lstStyle/>
+          <a:p>
+            <a:r>
+              <a:rPr lang="en-US" dirty="0"/>
+              <a:t>PEM charge density, </a:t>
+            </a:r>
+            <a:r>
+              <a:rPr lang="en-US" sz="2800" dirty="0"/>
+              <a:t>s = 0e-20 C/nm2</a:t>
+            </a:r>
+          </a:p>
+        </p:txBody>
+      </p:sp>
+      <p:sp>
+        <p:nvSpPr>
+          <p:cNvPr id="3" name="Slide Number Placeholder 2">
+            <a:extLst>
+              <a:ext uri="{FF2B5EF4-FFF2-40B4-BE49-F238E27FC236}">
+                <a16:creationId xmlns:a16="http://schemas.microsoft.com/office/drawing/2014/main" id="{5BBF7500-F4B3-E3F4-509F-6BB01A5D42D3}"/>
+              </a:ext>
+            </a:extLst>
+          </p:cNvPr>
+          <p:cNvSpPr>
+            <a:spLocks noGrp="1"/>
+          </p:cNvSpPr>
+          <p:nvPr>
+            <p:ph type="sldNum" sz="quarter" idx="12"/>
+          </p:nvPr>
+        </p:nvSpPr>
+        <p:spPr/>
+        <p:txBody>
+          <a:bodyPr/>
+          <a:lstStyle/>
+          <a:p>
+            <a:fld id="{5911C0E6-D9CE-431C-92CB-BB39B872F930}" type="slidenum">
+              <a:rPr lang="en-US" smtClean="0"/>
+              <a:t>23</a:t>
+            </a:fld>
+            <a:endParaRPr lang="en-US"/>
+          </a:p>
+        </p:txBody>
+      </p:sp>
+    </p:spTree>
+    <p:extLst>
+      <p:ext uri="{BB962C8B-B14F-4D97-AF65-F5344CB8AC3E}">
+        <p14:creationId xmlns:p14="http://schemas.microsoft.com/office/powerpoint/2010/main" val="1784850066"/>
       </p:ext>
     </p:extLst>
   </p:cSld>

--- a/NAF.pptx
+++ b/NAF.pptx
@@ -219,7 +219,7 @@
           <a:p>
             <a:fld id="{4299902A-6DB3-4A13-9B91-BEABFDA2FC16}" type="datetimeFigureOut">
               <a:rPr lang="en-US" smtClean="0"/>
-              <a:t>11/1/2024</a:t>
+              <a:t>11/3/2024</a:t>
             </a:fld>
             <a:endParaRPr lang="en-US"/>
           </a:p>
@@ -2518,7 +2518,7 @@
         <p:spPr/>
         <p:txBody>
           <a:bodyPr>
-            <a:normAutofit fontScale="90000"/>
+            <a:normAutofit/>
           </a:bodyPr>
           <a:lstStyle/>
           <a:p>
@@ -8953,7 +8953,7 @@
             </a:r>
             <a:r>
               <a:rPr lang="en-US" sz="2800" dirty="0"/>
-              <a:t>s = -10e-20 C/nm2</a:t>
+              <a:t>s = -5e-20 C/nm2</a:t>
             </a:r>
           </a:p>
         </p:txBody>
@@ -8984,74 +8984,6 @@
               <a:t>21</a:t>
             </a:fld>
             <a:endParaRPr lang="en-US"/>
-          </a:p>
-        </p:txBody>
-      </p:sp>
-      <p:sp>
-        <p:nvSpPr>
-          <p:cNvPr id="4" name="Rectangle 3">
-            <a:extLst>
-              <a:ext uri="{FF2B5EF4-FFF2-40B4-BE49-F238E27FC236}">
-                <a16:creationId xmlns:a16="http://schemas.microsoft.com/office/drawing/2014/main" id="{6B12644E-0CE1-8196-194B-0E57B76F9D25}"/>
-              </a:ext>
-            </a:extLst>
-          </p:cNvPr>
-          <p:cNvSpPr/>
-          <p:nvPr/>
-        </p:nvSpPr>
-        <p:spPr>
-          <a:xfrm>
-            <a:off x="1425190" y="4515369"/>
-            <a:ext cx="3462867" cy="702734"/>
-          </a:xfrm>
-          <a:prstGeom prst="rect">
-            <a:avLst/>
-          </a:prstGeom>
-          <a:solidFill>
-            <a:schemeClr val="accent6"/>
-          </a:solidFill>
-        </p:spPr>
-        <p:style>
-          <a:lnRef idx="2">
-            <a:schemeClr val="accent1">
-              <a:shade val="15000"/>
-            </a:schemeClr>
-          </a:lnRef>
-          <a:fillRef idx="1">
-            <a:schemeClr val="accent1"/>
-          </a:fillRef>
-          <a:effectRef idx="0">
-            <a:schemeClr val="accent1"/>
-          </a:effectRef>
-          <a:fontRef idx="minor">
-            <a:schemeClr val="lt1"/>
-          </a:fontRef>
-        </p:style>
-        <p:txBody>
-          <a:bodyPr rtlCol="0" anchor="ctr"/>
-          <a:lstStyle/>
-          <a:p>
-            <a:pPr algn="ctr"/>
-            <a:r>
-              <a:rPr lang="en-US" dirty="0"/>
-              <a:t>Redo 145 &amp; 195 by scaling N10000 to </a:t>
-            </a:r>
-            <a:r>
-              <a:rPr lang="en-US" dirty="0" err="1"/>
-              <a:t>Lz</a:t>
-            </a:r>
-            <a:r>
-              <a:rPr lang="en-US" dirty="0"/>
-              <a:t> (check by </a:t>
-            </a:r>
-            <a:r>
-              <a:rPr lang="en-US" dirty="0" err="1"/>
-              <a:t>xscale</a:t>
-            </a:r>
-            <a:r>
-              <a:rPr lang="en-US" dirty="0"/>
-              <a:t>(log))</a:t>
-            </a:r>
           </a:p>
         </p:txBody>
       </p:sp>
@@ -9317,6 +9249,74 @@
           </a:extLst>
         </p:spPr>
       </p:pic>
+      <p:sp>
+        <p:nvSpPr>
+          <p:cNvPr id="4" name="Rectangle 3">
+            <a:extLst>
+              <a:ext uri="{FF2B5EF4-FFF2-40B4-BE49-F238E27FC236}">
+                <a16:creationId xmlns:a16="http://schemas.microsoft.com/office/drawing/2014/main" id="{6B12644E-0CE1-8196-194B-0E57B76F9D25}"/>
+              </a:ext>
+            </a:extLst>
+          </p:cNvPr>
+          <p:cNvSpPr/>
+          <p:nvPr/>
+        </p:nvSpPr>
+        <p:spPr>
+          <a:xfrm>
+            <a:off x="1425190" y="2818438"/>
+            <a:ext cx="3462867" cy="702734"/>
+          </a:xfrm>
+          <a:prstGeom prst="rect">
+            <a:avLst/>
+          </a:prstGeom>
+          <a:solidFill>
+            <a:schemeClr val="accent6"/>
+          </a:solidFill>
+        </p:spPr>
+        <p:style>
+          <a:lnRef idx="2">
+            <a:schemeClr val="accent1">
+              <a:shade val="15000"/>
+            </a:schemeClr>
+          </a:lnRef>
+          <a:fillRef idx="1">
+            <a:schemeClr val="accent1"/>
+          </a:fillRef>
+          <a:effectRef idx="0">
+            <a:schemeClr val="accent1"/>
+          </a:effectRef>
+          <a:fontRef idx="minor">
+            <a:schemeClr val="lt1"/>
+          </a:fontRef>
+        </p:style>
+        <p:txBody>
+          <a:bodyPr rtlCol="0" anchor="ctr"/>
+          <a:lstStyle/>
+          <a:p>
+            <a:pPr algn="ctr"/>
+            <a:r>
+              <a:rPr lang="en-US" dirty="0"/>
+              <a:t>Redo 145 &amp; 195 by scaling N10000 to </a:t>
+            </a:r>
+            <a:r>
+              <a:rPr lang="en-US" dirty="0" err="1"/>
+              <a:t>Lz</a:t>
+            </a:r>
+            <a:r>
+              <a:rPr lang="en-US" dirty="0"/>
+              <a:t> (check by </a:t>
+            </a:r>
+            <a:r>
+              <a:rPr lang="en-US" dirty="0" err="1"/>
+              <a:t>xscale</a:t>
+            </a:r>
+            <a:r>
+              <a:rPr lang="en-US" dirty="0"/>
+              <a:t>(log))</a:t>
+            </a:r>
+          </a:p>
+        </p:txBody>
+      </p:sp>
     </p:spTree>
     <p:extLst>
       <p:ext uri="{BB962C8B-B14F-4D97-AF65-F5344CB8AC3E}">
@@ -9663,6 +9663,204 @@
               <a:t>23</a:t>
             </a:fld>
             <a:endParaRPr lang="en-US"/>
+          </a:p>
+        </p:txBody>
+      </p:sp>
+      <p:pic>
+        <p:nvPicPr>
+          <p:cNvPr id="1026" name="Picture 2">
+            <a:extLst>
+              <a:ext uri="{FF2B5EF4-FFF2-40B4-BE49-F238E27FC236}">
+                <a16:creationId xmlns:a16="http://schemas.microsoft.com/office/drawing/2014/main" id="{604B77E8-90E0-F429-6BD9-E22CB2346485}"/>
+              </a:ext>
+            </a:extLst>
+          </p:cNvPr>
+          <p:cNvPicPr>
+            <a:picLocks noChangeAspect="1" noChangeArrowheads="1"/>
+          </p:cNvPicPr>
+          <p:nvPr/>
+        </p:nvPicPr>
+        <p:blipFill>
+          <a:blip r:embed="rId2">
+            <a:extLst>
+              <a:ext uri="{28A0092B-C50C-407E-A947-70E740481C1C}">
+                <a14:useLocalDpi xmlns:a14="http://schemas.microsoft.com/office/drawing/2010/main" val="0"/>
+              </a:ext>
+            </a:extLst>
+          </a:blip>
+          <a:srcRect/>
+          <a:stretch>
+            <a:fillRect/>
+          </a:stretch>
+        </p:blipFill>
+        <p:spPr bwMode="auto">
+          <a:xfrm>
+            <a:off x="679888" y="2155713"/>
+            <a:ext cx="5235465" cy="3346453"/>
+          </a:xfrm>
+          <a:prstGeom prst="rect">
+            <a:avLst/>
+          </a:prstGeom>
+          <a:noFill/>
+          <a:extLst>
+            <a:ext uri="{909E8E84-426E-40DD-AFC4-6F175D3DCCD1}">
+              <a14:hiddenFill xmlns:a14="http://schemas.microsoft.com/office/drawing/2010/main">
+                <a:solidFill>
+                  <a:srgbClr val="FFFFFF"/>
+                </a:solidFill>
+              </a14:hiddenFill>
+            </a:ext>
+          </a:extLst>
+        </p:spPr>
+      </p:pic>
+      <p:sp>
+        <p:nvSpPr>
+          <p:cNvPr id="4" name="Rectangle 3">
+            <a:extLst>
+              <a:ext uri="{FF2B5EF4-FFF2-40B4-BE49-F238E27FC236}">
+                <a16:creationId xmlns:a16="http://schemas.microsoft.com/office/drawing/2014/main" id="{4025437A-C388-A354-A7E6-5A9061DBFACB}"/>
+              </a:ext>
+            </a:extLst>
+          </p:cNvPr>
+          <p:cNvSpPr/>
+          <p:nvPr/>
+        </p:nvSpPr>
+        <p:spPr>
+          <a:xfrm>
+            <a:off x="1028517" y="5310711"/>
+            <a:ext cx="3462867" cy="702734"/>
+          </a:xfrm>
+          <a:prstGeom prst="rect">
+            <a:avLst/>
+          </a:prstGeom>
+          <a:solidFill>
+            <a:schemeClr val="accent6"/>
+          </a:solidFill>
+        </p:spPr>
+        <p:style>
+          <a:lnRef idx="2">
+            <a:schemeClr val="accent1">
+              <a:shade val="15000"/>
+            </a:schemeClr>
+          </a:lnRef>
+          <a:fillRef idx="1">
+            <a:schemeClr val="accent1"/>
+          </a:fillRef>
+          <a:effectRef idx="0">
+            <a:schemeClr val="accent1"/>
+          </a:effectRef>
+          <a:fontRef idx="minor">
+            <a:schemeClr val="lt1"/>
+          </a:fontRef>
+        </p:style>
+        <p:txBody>
+          <a:bodyPr rtlCol="0" anchor="ctr"/>
+          <a:lstStyle/>
+          <a:p>
+            <a:pPr algn="ctr"/>
+            <a:r>
+              <a:rPr lang="en-US" dirty="0"/>
+              <a:t>Doing cd01 for visual figure</a:t>
+            </a:r>
+          </a:p>
+        </p:txBody>
+      </p:sp>
+      <p:pic>
+        <p:nvPicPr>
+          <p:cNvPr id="1028" name="Picture 4">
+            <a:extLst>
+              <a:ext uri="{FF2B5EF4-FFF2-40B4-BE49-F238E27FC236}">
+                <a16:creationId xmlns:a16="http://schemas.microsoft.com/office/drawing/2014/main" id="{1119B2CF-E4FA-C73F-8A73-A1B4EC6F43A2}"/>
+              </a:ext>
+            </a:extLst>
+          </p:cNvPr>
+          <p:cNvPicPr>
+            <a:picLocks noChangeAspect="1" noChangeArrowheads="1"/>
+          </p:cNvPicPr>
+          <p:nvPr/>
+        </p:nvPicPr>
+        <p:blipFill>
+          <a:blip r:embed="rId3">
+            <a:extLst>
+              <a:ext uri="{28A0092B-C50C-407E-A947-70E740481C1C}">
+                <a14:useLocalDpi xmlns:a14="http://schemas.microsoft.com/office/drawing/2010/main" val="0"/>
+              </a:ext>
+            </a:extLst>
+          </a:blip>
+          <a:srcRect/>
+          <a:stretch>
+            <a:fillRect/>
+          </a:stretch>
+        </p:blipFill>
+        <p:spPr bwMode="auto">
+          <a:xfrm>
+            <a:off x="6634528" y="1214642"/>
+            <a:ext cx="4877584" cy="2695207"/>
+          </a:xfrm>
+          <a:prstGeom prst="rect">
+            <a:avLst/>
+          </a:prstGeom>
+          <a:noFill/>
+          <a:extLst>
+            <a:ext uri="{909E8E84-426E-40DD-AFC4-6F175D3DCCD1}">
+              <a14:hiddenFill xmlns:a14="http://schemas.microsoft.com/office/drawing/2010/main">
+                <a:solidFill>
+                  <a:srgbClr val="FFFFFF"/>
+                </a:solidFill>
+              </a14:hiddenFill>
+            </a:ext>
+          </a:extLst>
+        </p:spPr>
+      </p:pic>
+      <p:sp>
+        <p:nvSpPr>
+          <p:cNvPr id="5" name="Rectangle 4">
+            <a:extLst>
+              <a:ext uri="{FF2B5EF4-FFF2-40B4-BE49-F238E27FC236}">
+                <a16:creationId xmlns:a16="http://schemas.microsoft.com/office/drawing/2014/main" id="{8B6C22A3-C8B6-98CC-ECC3-759951CBD75B}"/>
+              </a:ext>
+            </a:extLst>
+          </p:cNvPr>
+          <p:cNvSpPr/>
+          <p:nvPr/>
+        </p:nvSpPr>
+        <p:spPr>
+          <a:xfrm>
+            <a:off x="7042341" y="3485104"/>
+            <a:ext cx="3462867" cy="702734"/>
+          </a:xfrm>
+          <a:prstGeom prst="rect">
+            <a:avLst/>
+          </a:prstGeom>
+          <a:solidFill>
+            <a:schemeClr val="accent6"/>
+          </a:solidFill>
+        </p:spPr>
+        <p:style>
+          <a:lnRef idx="2">
+            <a:schemeClr val="accent1">
+              <a:shade val="15000"/>
+            </a:schemeClr>
+          </a:lnRef>
+          <a:fillRef idx="1">
+            <a:schemeClr val="accent1"/>
+          </a:fillRef>
+          <a:effectRef idx="0">
+            <a:schemeClr val="accent1"/>
+          </a:effectRef>
+          <a:fontRef idx="minor">
+            <a:schemeClr val="lt1"/>
+          </a:fontRef>
+        </p:style>
+        <p:txBody>
+          <a:bodyPr rtlCol="0" anchor="ctr"/>
+          <a:lstStyle/>
+          <a:p>
+            <a:pPr algn="ctr"/>
+            <a:r>
+              <a:rPr lang="en-US" dirty="0"/>
+              <a:t>Why cd00 smaller SCFT polymer?</a:t>
+            </a:r>
           </a:p>
         </p:txBody>
       </p:sp>

--- a/NAF.pptx
+++ b/NAF.pptx
@@ -9859,7 +9859,15 @@
             <a:pPr algn="ctr"/>
             <a:r>
               <a:rPr lang="en-US" dirty="0"/>
-              <a:t>Why cd00 smaller SCFT polymer?</a:t>
+              <a:t>cd00 not correct </a:t>
+            </a:r>
+            <a:r>
+              <a:rPr lang="en-US" dirty="0" err="1"/>
+              <a:t>pha</a:t>
+            </a:r>
+            <a:r>
+              <a:rPr lang="en-US" dirty="0"/>
+              <a:t> vol, consistent with other cd00</a:t>
             </a:r>
           </a:p>
         </p:txBody>

--- a/NAF.pptx
+++ b/NAF.pptx
@@ -9796,6 +9796,53 @@
           <a:xfrm>
             <a:off x="6634528" y="1214642"/>
             <a:ext cx="4877584" cy="2695207"/>
+          </a:xfrm>
+          <a:prstGeom prst="rect">
+            <a:avLst/>
+          </a:prstGeom>
+          <a:noFill/>
+          <a:extLst>
+            <a:ext uri="{909E8E84-426E-40DD-AFC4-6F175D3DCCD1}">
+              <a14:hiddenFill xmlns:a14="http://schemas.microsoft.com/office/drawing/2010/main">
+                <a:solidFill>
+                  <a:srgbClr val="FFFFFF"/>
+                </a:solidFill>
+              </a14:hiddenFill>
+            </a:ext>
+          </a:extLst>
+        </p:spPr>
+      </p:pic>
+      <p:pic>
+        <p:nvPicPr>
+          <p:cNvPr id="1030" name="Picture 6">
+            <a:extLst>
+              <a:ext uri="{FF2B5EF4-FFF2-40B4-BE49-F238E27FC236}">
+                <a16:creationId xmlns:a16="http://schemas.microsoft.com/office/drawing/2014/main" id="{E24A29D2-9C84-3E35-2D3B-9E5089666E8F}"/>
+              </a:ext>
+            </a:extLst>
+          </p:cNvPr>
+          <p:cNvPicPr>
+            <a:picLocks noChangeAspect="1" noChangeArrowheads="1"/>
+          </p:cNvPicPr>
+          <p:nvPr/>
+        </p:nvPicPr>
+        <p:blipFill>
+          <a:blip r:embed="rId4">
+            <a:extLst>
+              <a:ext uri="{28A0092B-C50C-407E-A947-70E740481C1C}">
+                <a14:useLocalDpi xmlns:a14="http://schemas.microsoft.com/office/drawing/2010/main" val="0"/>
+              </a:ext>
+            </a:extLst>
+          </a:blip>
+          <a:srcRect/>
+          <a:stretch>
+            <a:fillRect/>
+          </a:stretch>
+        </p:blipFill>
+        <p:spPr bwMode="auto">
+          <a:xfrm>
+            <a:off x="6634528" y="3963107"/>
+            <a:ext cx="3547240" cy="2695207"/>
           </a:xfrm>
           <a:prstGeom prst="rect">
             <a:avLst/>

--- a/NAF.pptx
+++ b/NAF.pptx
@@ -5,7 +5,7 @@
     <p:sldMasterId id="2147483648" r:id="rId1"/>
   </p:sldMasterIdLst>
   <p:notesMasterIdLst>
-    <p:notesMasterId r:id="rId25"/>
+    <p:notesMasterId r:id="rId27"/>
   </p:notesMasterIdLst>
   <p:sldIdLst>
     <p:sldId id="256" r:id="rId2"/>
@@ -31,6 +31,8 @@
     <p:sldId id="279" r:id="rId22"/>
     <p:sldId id="280" r:id="rId23"/>
     <p:sldId id="281" r:id="rId24"/>
+    <p:sldId id="282" r:id="rId25"/>
+    <p:sldId id="283" r:id="rId26"/>
   </p:sldIdLst>
   <p:sldSz cx="12192000" cy="6858000"/>
   <p:notesSz cx="6858000" cy="9144000"/>
@@ -9598,6 +9600,53 @@
           <a:chExt cx="0" cy="0"/>
         </a:xfrm>
       </p:grpSpPr>
+      <p:pic>
+        <p:nvPicPr>
+          <p:cNvPr id="1032" name="Picture 8">
+            <a:extLst>
+              <a:ext uri="{FF2B5EF4-FFF2-40B4-BE49-F238E27FC236}">
+                <a16:creationId xmlns:a16="http://schemas.microsoft.com/office/drawing/2014/main" id="{42055F70-B503-103C-13D5-75801327F415}"/>
+              </a:ext>
+            </a:extLst>
+          </p:cNvPr>
+          <p:cNvPicPr>
+            <a:picLocks noChangeAspect="1" noChangeArrowheads="1"/>
+          </p:cNvPicPr>
+          <p:nvPr/>
+        </p:nvPicPr>
+        <p:blipFill>
+          <a:blip r:embed="rId2">
+            <a:extLst>
+              <a:ext uri="{28A0092B-C50C-407E-A947-70E740481C1C}">
+                <a14:useLocalDpi xmlns:a14="http://schemas.microsoft.com/office/drawing/2010/main" val="0"/>
+              </a:ext>
+            </a:extLst>
+          </a:blip>
+          <a:srcRect/>
+          <a:stretch>
+            <a:fillRect/>
+          </a:stretch>
+        </p:blipFill>
+        <p:spPr bwMode="auto">
+          <a:xfrm>
+            <a:off x="6634528" y="3909849"/>
+            <a:ext cx="3547240" cy="2695207"/>
+          </a:xfrm>
+          <a:prstGeom prst="rect">
+            <a:avLst/>
+          </a:prstGeom>
+          <a:noFill/>
+          <a:extLst>
+            <a:ext uri="{909E8E84-426E-40DD-AFC4-6F175D3DCCD1}">
+              <a14:hiddenFill xmlns:a14="http://schemas.microsoft.com/office/drawing/2010/main">
+                <a:solidFill>
+                  <a:srgbClr val="FFFFFF"/>
+                </a:solidFill>
+              </a14:hiddenFill>
+            </a:ext>
+          </a:extLst>
+        </p:spPr>
+      </p:pic>
       <p:sp>
         <p:nvSpPr>
           <p:cNvPr id="2" name="Title 1">
@@ -9681,7 +9730,7 @@
           <p:nvPr/>
         </p:nvPicPr>
         <p:blipFill>
-          <a:blip r:embed="rId2">
+          <a:blip r:embed="rId3">
             <a:extLst>
               <a:ext uri="{28A0092B-C50C-407E-A947-70E740481C1C}">
                 <a14:useLocalDpi xmlns:a14="http://schemas.microsoft.com/office/drawing/2010/main" val="0"/>
@@ -9780,7 +9829,7 @@
           <p:nvPr/>
         </p:nvPicPr>
         <p:blipFill>
-          <a:blip r:embed="rId3">
+          <a:blip r:embed="rId4">
             <a:extLst>
               <a:ext uri="{28A0092B-C50C-407E-A947-70E740481C1C}">
                 <a14:useLocalDpi xmlns:a14="http://schemas.microsoft.com/office/drawing/2010/main" val="0"/>
@@ -9812,53 +9861,6 @@
           </a:extLst>
         </p:spPr>
       </p:pic>
-      <p:pic>
-        <p:nvPicPr>
-          <p:cNvPr id="1030" name="Picture 6">
-            <a:extLst>
-              <a:ext uri="{FF2B5EF4-FFF2-40B4-BE49-F238E27FC236}">
-                <a16:creationId xmlns:a16="http://schemas.microsoft.com/office/drawing/2014/main" id="{E24A29D2-9C84-3E35-2D3B-9E5089666E8F}"/>
-              </a:ext>
-            </a:extLst>
-          </p:cNvPr>
-          <p:cNvPicPr>
-            <a:picLocks noChangeAspect="1" noChangeArrowheads="1"/>
-          </p:cNvPicPr>
-          <p:nvPr/>
-        </p:nvPicPr>
-        <p:blipFill>
-          <a:blip r:embed="rId4">
-            <a:extLst>
-              <a:ext uri="{28A0092B-C50C-407E-A947-70E740481C1C}">
-                <a14:useLocalDpi xmlns:a14="http://schemas.microsoft.com/office/drawing/2010/main" val="0"/>
-              </a:ext>
-            </a:extLst>
-          </a:blip>
-          <a:srcRect/>
-          <a:stretch>
-            <a:fillRect/>
-          </a:stretch>
-        </p:blipFill>
-        <p:spPr bwMode="auto">
-          <a:xfrm>
-            <a:off x="6634528" y="3963107"/>
-            <a:ext cx="3547240" cy="2695207"/>
-          </a:xfrm>
-          <a:prstGeom prst="rect">
-            <a:avLst/>
-          </a:prstGeom>
-          <a:noFill/>
-          <a:extLst>
-            <a:ext uri="{909E8E84-426E-40DD-AFC4-6F175D3DCCD1}">
-              <a14:hiddenFill xmlns:a14="http://schemas.microsoft.com/office/drawing/2010/main">
-                <a:solidFill>
-                  <a:srgbClr val="FFFFFF"/>
-                </a:solidFill>
-              </a14:hiddenFill>
-            </a:ext>
-          </a:extLst>
-        </p:spPr>
-      </p:pic>
       <p:sp>
         <p:nvSpPr>
           <p:cNvPr id="5" name="Rectangle 4">
@@ -9873,8 +9875,8 @@
         </p:nvSpPr>
         <p:spPr>
           <a:xfrm>
-            <a:off x="7042341" y="3485104"/>
-            <a:ext cx="3462867" cy="702734"/>
+            <a:off x="7010810" y="3320927"/>
+            <a:ext cx="3462867" cy="945006"/>
           </a:xfrm>
           <a:prstGeom prst="rect">
             <a:avLst/>
@@ -9914,7 +9916,59 @@
             </a:r>
             <a:r>
               <a:rPr lang="en-US" dirty="0"/>
-              <a:t> vol, consistent with other cd00</a:t>
+              <a:t> vol, consistent with other cd00; WA error/discontinuity?</a:t>
+            </a:r>
+          </a:p>
+        </p:txBody>
+      </p:sp>
+      <p:sp>
+        <p:nvSpPr>
+          <p:cNvPr id="6" name="Rectangle 5">
+            <a:extLst>
+              <a:ext uri="{FF2B5EF4-FFF2-40B4-BE49-F238E27FC236}">
+                <a16:creationId xmlns:a16="http://schemas.microsoft.com/office/drawing/2014/main" id="{F30F6065-04B8-CD4B-48C2-08B2F22FF6B6}"/>
+              </a:ext>
+            </a:extLst>
+          </p:cNvPr>
+          <p:cNvSpPr/>
+          <p:nvPr/>
+        </p:nvSpPr>
+        <p:spPr>
+          <a:xfrm>
+            <a:off x="2711670" y="2562245"/>
+            <a:ext cx="6030574" cy="2356596"/>
+          </a:xfrm>
+          <a:prstGeom prst="rect">
+            <a:avLst/>
+          </a:prstGeom>
+          <a:solidFill>
+            <a:schemeClr val="accent6"/>
+          </a:solidFill>
+        </p:spPr>
+        <p:style>
+          <a:lnRef idx="2">
+            <a:schemeClr val="accent1">
+              <a:shade val="15000"/>
+            </a:schemeClr>
+          </a:lnRef>
+          <a:fillRef idx="1">
+            <a:schemeClr val="accent1"/>
+          </a:fillRef>
+          <a:effectRef idx="0">
+            <a:schemeClr val="accent1"/>
+          </a:effectRef>
+          <a:fontRef idx="minor">
+            <a:schemeClr val="lt1"/>
+          </a:fontRef>
+        </p:style>
+        <p:txBody>
+          <a:bodyPr rtlCol="0" anchor="ctr"/>
+          <a:lstStyle/>
+          <a:p>
+            <a:pPr algn="ctr"/>
+            <a:r>
+              <a:rPr lang="en-US" dirty="0"/>
+              <a:t>Where is disc knee? 45 is too close, should be 40, 35. Switch back to z = 100?</a:t>
             </a:r>
           </a:p>
         </p:txBody>
@@ -9923,6 +9977,463 @@
     <p:extLst>
       <p:ext uri="{BB962C8B-B14F-4D97-AF65-F5344CB8AC3E}">
         <p14:creationId xmlns:p14="http://schemas.microsoft.com/office/powerpoint/2010/main" val="1784850066"/>
+      </p:ext>
+    </p:extLst>
+  </p:cSld>
+  <p:clrMapOvr>
+    <a:masterClrMapping/>
+  </p:clrMapOvr>
+</p:sld>
+</file>
+
+<file path=ppt/slides/slide24.xml><?xml version="1.0" encoding="utf-8"?>
+<p:sld xmlns:a="http://schemas.openxmlformats.org/drawingml/2006/main" xmlns:r="http://schemas.openxmlformats.org/officeDocument/2006/relationships" xmlns:p="http://schemas.openxmlformats.org/presentationml/2006/main">
+  <p:cSld>
+    <p:spTree>
+      <p:nvGrpSpPr>
+        <p:cNvPr id="1" name=""/>
+        <p:cNvGrpSpPr/>
+        <p:nvPr/>
+      </p:nvGrpSpPr>
+      <p:grpSpPr>
+        <a:xfrm>
+          <a:off x="0" y="0"/>
+          <a:ext cx="0" cy="0"/>
+          <a:chOff x="0" y="0"/>
+          <a:chExt cx="0" cy="0"/>
+        </a:xfrm>
+      </p:grpSpPr>
+      <p:sp>
+        <p:nvSpPr>
+          <p:cNvPr id="2" name="Title 1">
+            <a:extLst>
+              <a:ext uri="{FF2B5EF4-FFF2-40B4-BE49-F238E27FC236}">
+                <a16:creationId xmlns:a16="http://schemas.microsoft.com/office/drawing/2014/main" id="{4BB73D72-2E1B-48A8-F359-FC2A482F32D1}"/>
+              </a:ext>
+            </a:extLst>
+          </p:cNvPr>
+          <p:cNvSpPr>
+            <a:spLocks noGrp="1"/>
+          </p:cNvSpPr>
+          <p:nvPr>
+            <p:ph type="title"/>
+          </p:nvPr>
+        </p:nvSpPr>
+        <p:spPr/>
+        <p:txBody>
+          <a:bodyPr/>
+          <a:lstStyle/>
+          <a:p>
+            <a:r>
+              <a:rPr lang="en-US" dirty="0"/>
+              <a:t>Sidechain grafting density</a:t>
+            </a:r>
+          </a:p>
+        </p:txBody>
+      </p:sp>
+      <p:sp>
+        <p:nvSpPr>
+          <p:cNvPr id="3" name="Slide Number Placeholder 2">
+            <a:extLst>
+              <a:ext uri="{FF2B5EF4-FFF2-40B4-BE49-F238E27FC236}">
+                <a16:creationId xmlns:a16="http://schemas.microsoft.com/office/drawing/2014/main" id="{31FA1648-EC93-7926-8AFC-364476A12222}"/>
+              </a:ext>
+            </a:extLst>
+          </p:cNvPr>
+          <p:cNvSpPr>
+            <a:spLocks noGrp="1"/>
+          </p:cNvSpPr>
+          <p:nvPr>
+            <p:ph type="sldNum" sz="quarter" idx="12"/>
+          </p:nvPr>
+        </p:nvSpPr>
+        <p:spPr/>
+        <p:txBody>
+          <a:bodyPr/>
+          <a:lstStyle/>
+          <a:p>
+            <a:fld id="{5911C0E6-D9CE-431C-92CB-BB39B872F930}" type="slidenum">
+              <a:rPr lang="en-US" smtClean="0"/>
+              <a:t>24</a:t>
+            </a:fld>
+            <a:endParaRPr lang="en-US"/>
+          </a:p>
+        </p:txBody>
+      </p:sp>
+      <p:pic>
+        <p:nvPicPr>
+          <p:cNvPr id="2052" name="Picture 4">
+            <a:extLst>
+              <a:ext uri="{FF2B5EF4-FFF2-40B4-BE49-F238E27FC236}">
+                <a16:creationId xmlns:a16="http://schemas.microsoft.com/office/drawing/2014/main" id="{E53FE09A-9A64-BB4C-47DC-929BFDDAA2A9}"/>
+              </a:ext>
+            </a:extLst>
+          </p:cNvPr>
+          <p:cNvPicPr>
+            <a:picLocks noChangeAspect="1" noChangeArrowheads="1"/>
+          </p:cNvPicPr>
+          <p:nvPr/>
+        </p:nvPicPr>
+        <p:blipFill>
+          <a:blip r:embed="rId2">
+            <a:extLst>
+              <a:ext uri="{28A0092B-C50C-407E-A947-70E740481C1C}">
+                <a14:useLocalDpi xmlns:a14="http://schemas.microsoft.com/office/drawing/2010/main" val="0"/>
+              </a:ext>
+            </a:extLst>
+          </a:blip>
+          <a:srcRect/>
+          <a:stretch>
+            <a:fillRect/>
+          </a:stretch>
+        </p:blipFill>
+        <p:spPr bwMode="auto">
+          <a:xfrm>
+            <a:off x="510901" y="2349062"/>
+            <a:ext cx="5102451" cy="3222242"/>
+          </a:xfrm>
+          <a:prstGeom prst="rect">
+            <a:avLst/>
+          </a:prstGeom>
+          <a:noFill/>
+          <a:extLst>
+            <a:ext uri="{909E8E84-426E-40DD-AFC4-6F175D3DCCD1}">
+              <a14:hiddenFill xmlns:a14="http://schemas.microsoft.com/office/drawing/2010/main">
+                <a:solidFill>
+                  <a:srgbClr val="FFFFFF"/>
+                </a:solidFill>
+              </a14:hiddenFill>
+            </a:ext>
+          </a:extLst>
+        </p:spPr>
+      </p:pic>
+      <p:pic>
+        <p:nvPicPr>
+          <p:cNvPr id="2054" name="Picture 6">
+            <a:extLst>
+              <a:ext uri="{FF2B5EF4-FFF2-40B4-BE49-F238E27FC236}">
+                <a16:creationId xmlns:a16="http://schemas.microsoft.com/office/drawing/2014/main" id="{7C0079AC-E7CA-4B75-B38A-3DA7B9CEE192}"/>
+              </a:ext>
+            </a:extLst>
+          </p:cNvPr>
+          <p:cNvPicPr>
+            <a:picLocks noChangeAspect="1" noChangeArrowheads="1"/>
+          </p:cNvPicPr>
+          <p:nvPr/>
+        </p:nvPicPr>
+        <p:blipFill>
+          <a:blip r:embed="rId3">
+            <a:extLst>
+              <a:ext uri="{28A0092B-C50C-407E-A947-70E740481C1C}">
+                <a14:useLocalDpi xmlns:a14="http://schemas.microsoft.com/office/drawing/2010/main" val="0"/>
+              </a:ext>
+            </a:extLst>
+          </a:blip>
+          <a:srcRect/>
+          <a:stretch>
+            <a:fillRect/>
+          </a:stretch>
+        </p:blipFill>
+        <p:spPr bwMode="auto">
+          <a:xfrm>
+            <a:off x="5849991" y="2349062"/>
+            <a:ext cx="5895319" cy="3219960"/>
+          </a:xfrm>
+          <a:prstGeom prst="rect">
+            <a:avLst/>
+          </a:prstGeom>
+          <a:noFill/>
+          <a:extLst>
+            <a:ext uri="{909E8E84-426E-40DD-AFC4-6F175D3DCCD1}">
+              <a14:hiddenFill xmlns:a14="http://schemas.microsoft.com/office/drawing/2010/main">
+                <a:solidFill>
+                  <a:srgbClr val="FFFFFF"/>
+                </a:solidFill>
+              </a14:hiddenFill>
+            </a:ext>
+          </a:extLst>
+        </p:spPr>
+      </p:pic>
+    </p:spTree>
+    <p:extLst>
+      <p:ext uri="{BB962C8B-B14F-4D97-AF65-F5344CB8AC3E}">
+        <p14:creationId xmlns:p14="http://schemas.microsoft.com/office/powerpoint/2010/main" val="1568215737"/>
+      </p:ext>
+    </p:extLst>
+  </p:cSld>
+  <p:clrMapOvr>
+    <a:masterClrMapping/>
+  </p:clrMapOvr>
+</p:sld>
+</file>
+
+<file path=ppt/slides/slide25.xml><?xml version="1.0" encoding="utf-8"?>
+<p:sld xmlns:a="http://schemas.openxmlformats.org/drawingml/2006/main" xmlns:r="http://schemas.openxmlformats.org/officeDocument/2006/relationships" xmlns:p="http://schemas.openxmlformats.org/presentationml/2006/main">
+  <p:cSld>
+    <p:spTree>
+      <p:nvGrpSpPr>
+        <p:cNvPr id="1" name=""/>
+        <p:cNvGrpSpPr/>
+        <p:nvPr/>
+      </p:nvGrpSpPr>
+      <p:grpSpPr>
+        <a:xfrm>
+          <a:off x="0" y="0"/>
+          <a:ext cx="0" cy="0"/>
+          <a:chOff x="0" y="0"/>
+          <a:chExt cx="0" cy="0"/>
+        </a:xfrm>
+      </p:grpSpPr>
+      <p:sp>
+        <p:nvSpPr>
+          <p:cNvPr id="2" name="Title 1">
+            <a:extLst>
+              <a:ext uri="{FF2B5EF4-FFF2-40B4-BE49-F238E27FC236}">
+                <a16:creationId xmlns:a16="http://schemas.microsoft.com/office/drawing/2014/main" id="{30ED4851-E6CF-F4CE-E255-D18C5074BBCD}"/>
+              </a:ext>
+            </a:extLst>
+          </p:cNvPr>
+          <p:cNvSpPr>
+            <a:spLocks noGrp="1"/>
+          </p:cNvSpPr>
+          <p:nvPr>
+            <p:ph type="title"/>
+          </p:nvPr>
+        </p:nvSpPr>
+        <p:spPr/>
+        <p:txBody>
+          <a:bodyPr/>
+          <a:lstStyle/>
+          <a:p>
+            <a:r>
+              <a:rPr lang="en-US" dirty="0"/>
+              <a:t>Water chemical potential</a:t>
+            </a:r>
+          </a:p>
+        </p:txBody>
+      </p:sp>
+      <p:sp>
+        <p:nvSpPr>
+          <p:cNvPr id="3" name="Slide Number Placeholder 2">
+            <a:extLst>
+              <a:ext uri="{FF2B5EF4-FFF2-40B4-BE49-F238E27FC236}">
+                <a16:creationId xmlns:a16="http://schemas.microsoft.com/office/drawing/2014/main" id="{EE18E9C6-E963-3BB0-2F97-F6B76B9326C4}"/>
+              </a:ext>
+            </a:extLst>
+          </p:cNvPr>
+          <p:cNvSpPr>
+            <a:spLocks noGrp="1"/>
+          </p:cNvSpPr>
+          <p:nvPr>
+            <p:ph type="sldNum" sz="quarter" idx="12"/>
+          </p:nvPr>
+        </p:nvSpPr>
+        <p:spPr/>
+        <p:txBody>
+          <a:bodyPr/>
+          <a:lstStyle/>
+          <a:p>
+            <a:fld id="{5911C0E6-D9CE-431C-92CB-BB39B872F930}" type="slidenum">
+              <a:rPr lang="en-US" smtClean="0"/>
+              <a:t>25</a:t>
+            </a:fld>
+            <a:endParaRPr lang="en-US" dirty="0"/>
+          </a:p>
+        </p:txBody>
+      </p:sp>
+      <p:pic>
+        <p:nvPicPr>
+          <p:cNvPr id="3074" name="Picture 2">
+            <a:extLst>
+              <a:ext uri="{FF2B5EF4-FFF2-40B4-BE49-F238E27FC236}">
+                <a16:creationId xmlns:a16="http://schemas.microsoft.com/office/drawing/2014/main" id="{A2A773D3-CA3F-AA65-7FEC-BB98F316709E}"/>
+              </a:ext>
+            </a:extLst>
+          </p:cNvPr>
+          <p:cNvPicPr>
+            <a:picLocks noChangeAspect="1" noChangeArrowheads="1"/>
+          </p:cNvPicPr>
+          <p:nvPr/>
+        </p:nvPicPr>
+        <p:blipFill>
+          <a:blip r:embed="rId2">
+            <a:extLst>
+              <a:ext uri="{28A0092B-C50C-407E-A947-70E740481C1C}">
+                <a14:useLocalDpi xmlns:a14="http://schemas.microsoft.com/office/drawing/2010/main" val="0"/>
+              </a:ext>
+            </a:extLst>
+          </a:blip>
+          <a:srcRect/>
+          <a:stretch>
+            <a:fillRect/>
+          </a:stretch>
+        </p:blipFill>
+        <p:spPr bwMode="auto">
+          <a:xfrm>
+            <a:off x="433224" y="1497724"/>
+            <a:ext cx="5160432" cy="3203261"/>
+          </a:xfrm>
+          <a:prstGeom prst="rect">
+            <a:avLst/>
+          </a:prstGeom>
+          <a:noFill/>
+          <a:extLst>
+            <a:ext uri="{909E8E84-426E-40DD-AFC4-6F175D3DCCD1}">
+              <a14:hiddenFill xmlns:a14="http://schemas.microsoft.com/office/drawing/2010/main">
+                <a:solidFill>
+                  <a:srgbClr val="FFFFFF"/>
+                </a:solidFill>
+              </a14:hiddenFill>
+            </a:ext>
+          </a:extLst>
+        </p:spPr>
+      </p:pic>
+      <p:pic>
+        <p:nvPicPr>
+          <p:cNvPr id="3076" name="Picture 4">
+            <a:extLst>
+              <a:ext uri="{FF2B5EF4-FFF2-40B4-BE49-F238E27FC236}">
+                <a16:creationId xmlns:a16="http://schemas.microsoft.com/office/drawing/2014/main" id="{398353E8-93D8-AC14-EDFC-F9AA73BC39E4}"/>
+              </a:ext>
+            </a:extLst>
+          </p:cNvPr>
+          <p:cNvPicPr>
+            <a:picLocks noChangeAspect="1" noChangeArrowheads="1"/>
+          </p:cNvPicPr>
+          <p:nvPr/>
+        </p:nvPicPr>
+        <p:blipFill>
+          <a:blip r:embed="rId3">
+            <a:extLst>
+              <a:ext uri="{28A0092B-C50C-407E-A947-70E740481C1C}">
+                <a14:useLocalDpi xmlns:a14="http://schemas.microsoft.com/office/drawing/2010/main" val="0"/>
+              </a:ext>
+            </a:extLst>
+          </a:blip>
+          <a:srcRect/>
+          <a:stretch>
+            <a:fillRect/>
+          </a:stretch>
+        </p:blipFill>
+        <p:spPr bwMode="auto">
+          <a:xfrm>
+            <a:off x="5891048" y="1474076"/>
+            <a:ext cx="5925699" cy="3188687"/>
+          </a:xfrm>
+          <a:prstGeom prst="rect">
+            <a:avLst/>
+          </a:prstGeom>
+          <a:noFill/>
+          <a:extLst>
+            <a:ext uri="{909E8E84-426E-40DD-AFC4-6F175D3DCCD1}">
+              <a14:hiddenFill xmlns:a14="http://schemas.microsoft.com/office/drawing/2010/main">
+                <a:solidFill>
+                  <a:srgbClr val="FFFFFF"/>
+                </a:solidFill>
+              </a14:hiddenFill>
+            </a:ext>
+          </a:extLst>
+        </p:spPr>
+      </p:pic>
+      <p:sp>
+        <p:nvSpPr>
+          <p:cNvPr id="4" name="Rectangle 3">
+            <a:extLst>
+              <a:ext uri="{FF2B5EF4-FFF2-40B4-BE49-F238E27FC236}">
+                <a16:creationId xmlns:a16="http://schemas.microsoft.com/office/drawing/2014/main" id="{ECD0D411-BE9E-9359-38E8-8924DE8D3E1F}"/>
+              </a:ext>
+            </a:extLst>
+          </p:cNvPr>
+          <p:cNvSpPr/>
+          <p:nvPr/>
+        </p:nvSpPr>
+        <p:spPr>
+          <a:xfrm>
+            <a:off x="3613522" y="4662763"/>
+            <a:ext cx="4555051" cy="1888235"/>
+          </a:xfrm>
+          <a:prstGeom prst="rect">
+            <a:avLst/>
+          </a:prstGeom>
+          <a:solidFill>
+            <a:schemeClr val="accent6"/>
+          </a:solidFill>
+        </p:spPr>
+        <p:style>
+          <a:lnRef idx="2">
+            <a:schemeClr val="accent1">
+              <a:shade val="15000"/>
+            </a:schemeClr>
+          </a:lnRef>
+          <a:fillRef idx="1">
+            <a:schemeClr val="accent1"/>
+          </a:fillRef>
+          <a:effectRef idx="0">
+            <a:schemeClr val="accent1"/>
+          </a:effectRef>
+          <a:fontRef idx="minor">
+            <a:schemeClr val="lt1"/>
+          </a:fontRef>
+        </p:style>
+        <p:txBody>
+          <a:bodyPr rtlCol="0" anchor="ctr"/>
+          <a:lstStyle/>
+          <a:p>
+            <a:pPr algn="ctr"/>
+            <a:r>
+              <a:rPr lang="en-US" dirty="0"/>
+              <a:t>With chi = 2, </a:t>
+            </a:r>
+            <a:r>
+              <a:rPr lang="en-US" dirty="0" err="1"/>
+              <a:t>Patm</a:t>
+            </a:r>
+            <a:r>
+              <a:rPr lang="en-US" dirty="0"/>
+              <a:t> = 1 (np 320, N 100, A 50):</a:t>
+            </a:r>
+          </a:p>
+          <a:p>
+            <a:pPr algn="ctr"/>
+            <a:r>
+              <a:rPr lang="en-US" dirty="0"/>
+              <a:t>RH 5%: mu -3.00</a:t>
+            </a:r>
+          </a:p>
+          <a:p>
+            <a:pPr algn="ctr"/>
+            <a:r>
+              <a:rPr lang="en-US" dirty="0"/>
+              <a:t>RH 10%: mu -2.30</a:t>
+            </a:r>
+          </a:p>
+          <a:p>
+            <a:pPr algn="ctr"/>
+            <a:r>
+              <a:rPr lang="en-US" dirty="0"/>
+              <a:t>RH 25%: mu -1.39</a:t>
+            </a:r>
+          </a:p>
+          <a:p>
+            <a:pPr algn="ctr"/>
+            <a:r>
+              <a:rPr lang="en-US" dirty="0"/>
+              <a:t>RH 40%: mu -0.92</a:t>
+            </a:r>
+          </a:p>
+          <a:p>
+            <a:pPr algn="ctr"/>
+            <a:r>
+              <a:rPr lang="en-US" dirty="0"/>
+              <a:t>RH 60%: mu -0.51</a:t>
+            </a:r>
+          </a:p>
+        </p:txBody>
+      </p:sp>
+    </p:spTree>
+    <p:extLst>
+      <p:ext uri="{BB962C8B-B14F-4D97-AF65-F5344CB8AC3E}">
+        <p14:creationId xmlns:p14="http://schemas.microsoft.com/office/powerpoint/2010/main" val="1338415621"/>
       </p:ext>
     </p:extLst>
   </p:cSld>

--- a/NAF.pptx
+++ b/NAF.pptx
@@ -221,7 +221,7 @@
           <a:p>
             <a:fld id="{4299902A-6DB3-4A13-9B91-BEABFDA2FC16}" type="datetimeFigureOut">
               <a:rPr lang="en-US" smtClean="0"/>
-              <a:t>11/3/2024</a:t>
+              <a:t>11/5/2024</a:t>
             </a:fld>
             <a:endParaRPr lang="en-US"/>
           </a:p>
@@ -2520,7 +2520,7 @@
         <p:spPr/>
         <p:txBody>
           <a:bodyPr>
-            <a:normAutofit/>
+            <a:normAutofit fontScale="90000"/>
           </a:bodyPr>
           <a:lstStyle/>
           <a:p>
@@ -9112,10 +9112,10 @@
       </p:grpSp>
       <p:pic>
         <p:nvPicPr>
-          <p:cNvPr id="2052" name="Picture 4">
-            <a:extLst>
-              <a:ext uri="{FF2B5EF4-FFF2-40B4-BE49-F238E27FC236}">
-                <a16:creationId xmlns:a16="http://schemas.microsoft.com/office/drawing/2014/main" id="{4377F367-DCC3-4316-2CB5-FA92B47FA2D3}"/>
+          <p:cNvPr id="1028" name="Picture 4">
+            <a:extLst>
+              <a:ext uri="{FF2B5EF4-FFF2-40B4-BE49-F238E27FC236}">
+                <a16:creationId xmlns:a16="http://schemas.microsoft.com/office/drawing/2014/main" id="{413E1697-CCED-8B3F-57EC-C3D98896347D}"/>
               </a:ext>
             </a:extLst>
           </p:cNvPr>
@@ -9139,8 +9139,8 @@
         </p:blipFill>
         <p:spPr bwMode="auto">
           <a:xfrm>
-            <a:off x="6590590" y="1121508"/>
-            <a:ext cx="5082691" cy="2738169"/>
+            <a:off x="760865" y="2282753"/>
+            <a:ext cx="5179173" cy="3173250"/>
           </a:xfrm>
           <a:prstGeom prst="rect">
             <a:avLst/>
@@ -9159,10 +9159,10 @@
       </p:pic>
       <p:pic>
         <p:nvPicPr>
-          <p:cNvPr id="2054" name="Picture 6">
-            <a:extLst>
-              <a:ext uri="{FF2B5EF4-FFF2-40B4-BE49-F238E27FC236}">
-                <a16:creationId xmlns:a16="http://schemas.microsoft.com/office/drawing/2014/main" id="{CDAB377F-C1DD-DD0A-8726-A96A28138609}"/>
+          <p:cNvPr id="1030" name="Picture 6">
+            <a:extLst>
+              <a:ext uri="{FF2B5EF4-FFF2-40B4-BE49-F238E27FC236}">
+                <a16:creationId xmlns:a16="http://schemas.microsoft.com/office/drawing/2014/main" id="{C252FBBD-B441-03D2-BCC4-F0F3034FFD56}"/>
               </a:ext>
             </a:extLst>
           </p:cNvPr>
@@ -9186,8 +9186,8 @@
         </p:blipFill>
         <p:spPr bwMode="auto">
           <a:xfrm>
-            <a:off x="1096963" y="1443273"/>
-            <a:ext cx="4488912" cy="2750331"/>
+            <a:off x="6594400" y="1131210"/>
+            <a:ext cx="5082688" cy="2738168"/>
           </a:xfrm>
           <a:prstGeom prst="rect">
             <a:avLst/>
@@ -9206,10 +9206,10 @@
       </p:pic>
       <p:pic>
         <p:nvPicPr>
-          <p:cNvPr id="2056" name="Picture 8">
-            <a:extLst>
-              <a:ext uri="{FF2B5EF4-FFF2-40B4-BE49-F238E27FC236}">
-                <a16:creationId xmlns:a16="http://schemas.microsoft.com/office/drawing/2014/main" id="{199384BD-102E-A14B-7019-30C72940FAC9}"/>
+          <p:cNvPr id="1032" name="Picture 8">
+            <a:extLst>
+              <a:ext uri="{FF2B5EF4-FFF2-40B4-BE49-F238E27FC236}">
+                <a16:creationId xmlns:a16="http://schemas.microsoft.com/office/drawing/2014/main" id="{79626F83-0A74-4F50-DC28-AA3936DE5F88}"/>
               </a:ext>
             </a:extLst>
           </p:cNvPr>
@@ -9233,8 +9233,8 @@
         </p:blipFill>
         <p:spPr bwMode="auto">
           <a:xfrm>
-            <a:off x="6652110" y="3983306"/>
-            <a:ext cx="3635455" cy="2738169"/>
+            <a:off x="6695017" y="4063935"/>
+            <a:ext cx="3542830" cy="2738168"/>
           </a:xfrm>
           <a:prstGeom prst="rect">
             <a:avLst/>
@@ -9251,74 +9251,6 @@
           </a:extLst>
         </p:spPr>
       </p:pic>
-      <p:sp>
-        <p:nvSpPr>
-          <p:cNvPr id="4" name="Rectangle 3">
-            <a:extLst>
-              <a:ext uri="{FF2B5EF4-FFF2-40B4-BE49-F238E27FC236}">
-                <a16:creationId xmlns:a16="http://schemas.microsoft.com/office/drawing/2014/main" id="{6B12644E-0CE1-8196-194B-0E57B76F9D25}"/>
-              </a:ext>
-            </a:extLst>
-          </p:cNvPr>
-          <p:cNvSpPr/>
-          <p:nvPr/>
-        </p:nvSpPr>
-        <p:spPr>
-          <a:xfrm>
-            <a:off x="1425190" y="2818438"/>
-            <a:ext cx="3462867" cy="702734"/>
-          </a:xfrm>
-          <a:prstGeom prst="rect">
-            <a:avLst/>
-          </a:prstGeom>
-          <a:solidFill>
-            <a:schemeClr val="accent6"/>
-          </a:solidFill>
-        </p:spPr>
-        <p:style>
-          <a:lnRef idx="2">
-            <a:schemeClr val="accent1">
-              <a:shade val="15000"/>
-            </a:schemeClr>
-          </a:lnRef>
-          <a:fillRef idx="1">
-            <a:schemeClr val="accent1"/>
-          </a:fillRef>
-          <a:effectRef idx="0">
-            <a:schemeClr val="accent1"/>
-          </a:effectRef>
-          <a:fontRef idx="minor">
-            <a:schemeClr val="lt1"/>
-          </a:fontRef>
-        </p:style>
-        <p:txBody>
-          <a:bodyPr rtlCol="0" anchor="ctr"/>
-          <a:lstStyle/>
-          <a:p>
-            <a:pPr algn="ctr"/>
-            <a:r>
-              <a:rPr lang="en-US" dirty="0"/>
-              <a:t>Redo 145 &amp; 195 by scaling N10000 to </a:t>
-            </a:r>
-            <a:r>
-              <a:rPr lang="en-US" dirty="0" err="1"/>
-              <a:t>Lz</a:t>
-            </a:r>
-            <a:r>
-              <a:rPr lang="en-US" dirty="0"/>
-              <a:t> (check by </a:t>
-            </a:r>
-            <a:r>
-              <a:rPr lang="en-US" dirty="0" err="1"/>
-              <a:t>xscale</a:t>
-            </a:r>
-            <a:r>
-              <a:rPr lang="en-US" dirty="0"/>
-              <a:t>(log))</a:t>
-            </a:r>
-          </a:p>
-        </p:txBody>
-      </p:sp>
     </p:spTree>
     <p:extLst>
       <p:ext uri="{BB962C8B-B14F-4D97-AF65-F5344CB8AC3E}">
@@ -9935,8 +9867,8 @@
         </p:nvSpPr>
         <p:spPr>
           <a:xfrm>
-            <a:off x="2711670" y="2562245"/>
-            <a:ext cx="6030574" cy="2356596"/>
+            <a:off x="501870" y="1209827"/>
+            <a:ext cx="6030574" cy="1891771"/>
           </a:xfrm>
           <a:prstGeom prst="rect">
             <a:avLst/>

--- a/NAF.pptx
+++ b/NAF.pptx
@@ -9708,7 +9708,7 @@
         </p:nvSpPr>
         <p:spPr>
           <a:xfrm>
-            <a:off x="1028517" y="5310711"/>
+            <a:off x="1417984" y="5662078"/>
             <a:ext cx="3462867" cy="702734"/>
           </a:xfrm>
           <a:prstGeom prst="rect">
@@ -9807,7 +9807,7 @@
         </p:nvSpPr>
         <p:spPr>
           <a:xfrm>
-            <a:off x="7010810" y="3320927"/>
+            <a:off x="6879166" y="4717072"/>
             <a:ext cx="3462867" cy="945006"/>
           </a:xfrm>
           <a:prstGeom prst="rect">
@@ -9849,58 +9849,6 @@
             <a:r>
               <a:rPr lang="en-US" dirty="0"/>
               <a:t> vol, consistent with other cd00; WA error/discontinuity?</a:t>
-            </a:r>
-          </a:p>
-        </p:txBody>
-      </p:sp>
-      <p:sp>
-        <p:nvSpPr>
-          <p:cNvPr id="6" name="Rectangle 5">
-            <a:extLst>
-              <a:ext uri="{FF2B5EF4-FFF2-40B4-BE49-F238E27FC236}">
-                <a16:creationId xmlns:a16="http://schemas.microsoft.com/office/drawing/2014/main" id="{F30F6065-04B8-CD4B-48C2-08B2F22FF6B6}"/>
-              </a:ext>
-            </a:extLst>
-          </p:cNvPr>
-          <p:cNvSpPr/>
-          <p:nvPr/>
-        </p:nvSpPr>
-        <p:spPr>
-          <a:xfrm>
-            <a:off x="501870" y="1209827"/>
-            <a:ext cx="6030574" cy="1891771"/>
-          </a:xfrm>
-          <a:prstGeom prst="rect">
-            <a:avLst/>
-          </a:prstGeom>
-          <a:solidFill>
-            <a:schemeClr val="accent6"/>
-          </a:solidFill>
-        </p:spPr>
-        <p:style>
-          <a:lnRef idx="2">
-            <a:schemeClr val="accent1">
-              <a:shade val="15000"/>
-            </a:schemeClr>
-          </a:lnRef>
-          <a:fillRef idx="1">
-            <a:schemeClr val="accent1"/>
-          </a:fillRef>
-          <a:effectRef idx="0">
-            <a:schemeClr val="accent1"/>
-          </a:effectRef>
-          <a:fontRef idx="minor">
-            <a:schemeClr val="lt1"/>
-          </a:fontRef>
-        </p:style>
-        <p:txBody>
-          <a:bodyPr rtlCol="0" anchor="ctr"/>
-          <a:lstStyle/>
-          <a:p>
-            <a:pPr algn="ctr"/>
-            <a:r>
-              <a:rPr lang="en-US" dirty="0"/>
-              <a:t>Where is disc knee? 45 is too close, should be 40, 35. Switch back to z = 100?</a:t>
             </a:r>
           </a:p>
         </p:txBody>
@@ -10086,6 +10034,66 @@
           </a:extLst>
         </p:spPr>
       </p:pic>
+      <p:sp>
+        <p:nvSpPr>
+          <p:cNvPr id="4" name="Rectangle 3">
+            <a:extLst>
+              <a:ext uri="{FF2B5EF4-FFF2-40B4-BE49-F238E27FC236}">
+                <a16:creationId xmlns:a16="http://schemas.microsoft.com/office/drawing/2014/main" id="{FCA3F31F-AB00-2FB2-0EF4-F4081AA1F9C3}"/>
+              </a:ext>
+            </a:extLst>
+          </p:cNvPr>
+          <p:cNvSpPr/>
+          <p:nvPr/>
+        </p:nvSpPr>
+        <p:spPr>
+          <a:xfrm>
+            <a:off x="1417984" y="5662078"/>
+            <a:ext cx="3462867" cy="702734"/>
+          </a:xfrm>
+          <a:prstGeom prst="rect">
+            <a:avLst/>
+          </a:prstGeom>
+          <a:solidFill>
+            <a:schemeClr val="accent6"/>
+          </a:solidFill>
+        </p:spPr>
+        <p:style>
+          <a:lnRef idx="2">
+            <a:schemeClr val="accent1">
+              <a:shade val="15000"/>
+            </a:schemeClr>
+          </a:lnRef>
+          <a:fillRef idx="1">
+            <a:schemeClr val="accent1"/>
+          </a:fillRef>
+          <a:effectRef idx="0">
+            <a:schemeClr val="accent1"/>
+          </a:effectRef>
+          <a:fontRef idx="minor">
+            <a:schemeClr val="lt1"/>
+          </a:fontRef>
+        </p:style>
+        <p:txBody>
+          <a:bodyPr rtlCol="0" anchor="ctr"/>
+          <a:lstStyle/>
+          <a:p>
+            <a:pPr algn="ctr"/>
+            <a:r>
+              <a:rPr lang="en-US" dirty="0"/>
+              <a:t>Redo with </a:t>
+            </a:r>
+            <a:r>
+              <a:rPr lang="en-US" dirty="0" err="1"/>
+              <a:t>Lz</a:t>
+            </a:r>
+            <a:r>
+              <a:rPr lang="en-US" dirty="0"/>
+              <a:t> 100 (knee location)</a:t>
+            </a:r>
+          </a:p>
+        </p:txBody>
+      </p:sp>
     </p:spTree>
     <p:extLst>
       <p:ext uri="{BB962C8B-B14F-4D97-AF65-F5344CB8AC3E}">
@@ -10358,6 +10366,66 @@
             <a:r>
               <a:rPr lang="en-US" dirty="0"/>
               <a:t>RH 60%: mu -0.51</a:t>
+            </a:r>
+          </a:p>
+        </p:txBody>
+      </p:sp>
+      <p:sp>
+        <p:nvSpPr>
+          <p:cNvPr id="5" name="Rectangle 4">
+            <a:extLst>
+              <a:ext uri="{FF2B5EF4-FFF2-40B4-BE49-F238E27FC236}">
+                <a16:creationId xmlns:a16="http://schemas.microsoft.com/office/drawing/2014/main" id="{F723FB72-C8B7-CB8F-53B5-593295DD93A9}"/>
+              </a:ext>
+            </a:extLst>
+          </p:cNvPr>
+          <p:cNvSpPr/>
+          <p:nvPr/>
+        </p:nvSpPr>
+        <p:spPr>
+          <a:xfrm>
+            <a:off x="1417984" y="5662078"/>
+            <a:ext cx="3462867" cy="702734"/>
+          </a:xfrm>
+          <a:prstGeom prst="rect">
+            <a:avLst/>
+          </a:prstGeom>
+          <a:solidFill>
+            <a:schemeClr val="accent6"/>
+          </a:solidFill>
+        </p:spPr>
+        <p:style>
+          <a:lnRef idx="2">
+            <a:schemeClr val="accent1">
+              <a:shade val="15000"/>
+            </a:schemeClr>
+          </a:lnRef>
+          <a:fillRef idx="1">
+            <a:schemeClr val="accent1"/>
+          </a:fillRef>
+          <a:effectRef idx="0">
+            <a:schemeClr val="accent1"/>
+          </a:effectRef>
+          <a:fontRef idx="minor">
+            <a:schemeClr val="lt1"/>
+          </a:fontRef>
+        </p:style>
+        <p:txBody>
+          <a:bodyPr rtlCol="0" anchor="ctr"/>
+          <a:lstStyle/>
+          <a:p>
+            <a:pPr algn="ctr"/>
+            <a:r>
+              <a:rPr lang="en-US" dirty="0"/>
+              <a:t>Redo with </a:t>
+            </a:r>
+            <a:r>
+              <a:rPr lang="en-US" dirty="0" err="1"/>
+              <a:t>Lz</a:t>
+            </a:r>
+            <a:r>
+              <a:rPr lang="en-US" dirty="0"/>
+              <a:t> 100 (knee location)</a:t>
             </a:r>
           </a:p>
         </p:txBody>

--- a/NAF.pptx
+++ b/NAF.pptx
@@ -9532,12 +9532,80 @@
           <a:chExt cx="0" cy="0"/>
         </a:xfrm>
       </p:grpSpPr>
+      <p:sp>
+        <p:nvSpPr>
+          <p:cNvPr id="2" name="Title 1">
+            <a:extLst>
+              <a:ext uri="{FF2B5EF4-FFF2-40B4-BE49-F238E27FC236}">
+                <a16:creationId xmlns:a16="http://schemas.microsoft.com/office/drawing/2014/main" id="{2A5E6EA5-9C82-AE00-46FB-1E7308BB7329}"/>
+              </a:ext>
+            </a:extLst>
+          </p:cNvPr>
+          <p:cNvSpPr>
+            <a:spLocks noGrp="1"/>
+          </p:cNvSpPr>
+          <p:nvPr>
+            <p:ph type="title"/>
+          </p:nvPr>
+        </p:nvSpPr>
+        <p:spPr>
+          <a:xfrm>
+            <a:off x="0" y="136525"/>
+            <a:ext cx="12192000" cy="800128"/>
+          </a:xfrm>
+        </p:spPr>
+        <p:txBody>
+          <a:bodyPr>
+            <a:normAutofit/>
+          </a:bodyPr>
+          <a:lstStyle/>
+          <a:p>
+            <a:r>
+              <a:rPr lang="en-US" dirty="0"/>
+              <a:t>PEM charge density, </a:t>
+            </a:r>
+            <a:r>
+              <a:rPr lang="en-US" sz="2800" dirty="0"/>
+              <a:t>s = 0e-20 C/nm2</a:t>
+            </a:r>
+          </a:p>
+        </p:txBody>
+      </p:sp>
+      <p:sp>
+        <p:nvSpPr>
+          <p:cNvPr id="3" name="Slide Number Placeholder 2">
+            <a:extLst>
+              <a:ext uri="{FF2B5EF4-FFF2-40B4-BE49-F238E27FC236}">
+                <a16:creationId xmlns:a16="http://schemas.microsoft.com/office/drawing/2014/main" id="{5BBF7500-F4B3-E3F4-509F-6BB01A5D42D3}"/>
+              </a:ext>
+            </a:extLst>
+          </p:cNvPr>
+          <p:cNvSpPr>
+            <a:spLocks noGrp="1"/>
+          </p:cNvSpPr>
+          <p:nvPr>
+            <p:ph type="sldNum" sz="quarter" idx="12"/>
+          </p:nvPr>
+        </p:nvSpPr>
+        <p:spPr/>
+        <p:txBody>
+          <a:bodyPr/>
+          <a:lstStyle/>
+          <a:p>
+            <a:fld id="{5911C0E6-D9CE-431C-92CB-BB39B872F930}" type="slidenum">
+              <a:rPr lang="en-US" smtClean="0"/>
+              <a:t>23</a:t>
+            </a:fld>
+            <a:endParaRPr lang="en-US"/>
+          </a:p>
+        </p:txBody>
+      </p:sp>
       <p:pic>
         <p:nvPicPr>
-          <p:cNvPr id="1032" name="Picture 8">
-            <a:extLst>
-              <a:ext uri="{FF2B5EF4-FFF2-40B4-BE49-F238E27FC236}">
-                <a16:creationId xmlns:a16="http://schemas.microsoft.com/office/drawing/2014/main" id="{42055F70-B503-103C-13D5-75801327F415}"/>
+          <p:cNvPr id="2050" name="Picture 2">
+            <a:extLst>
+              <a:ext uri="{FF2B5EF4-FFF2-40B4-BE49-F238E27FC236}">
+                <a16:creationId xmlns:a16="http://schemas.microsoft.com/office/drawing/2014/main" id="{13D7C13B-2D61-14A1-8554-DA7D7C757935}"/>
               </a:ext>
             </a:extLst>
           </p:cNvPr>
@@ -9561,8 +9629,8 @@
         </p:blipFill>
         <p:spPr bwMode="auto">
           <a:xfrm>
-            <a:off x="6634528" y="3909849"/>
-            <a:ext cx="3547240" cy="2695207"/>
+            <a:off x="421192" y="2237166"/>
+            <a:ext cx="5233765" cy="3345366"/>
           </a:xfrm>
           <a:prstGeom prst="rect">
             <a:avLst/>
@@ -9579,80 +9647,12 @@
           </a:extLst>
         </p:spPr>
       </p:pic>
-      <p:sp>
-        <p:nvSpPr>
-          <p:cNvPr id="2" name="Title 1">
-            <a:extLst>
-              <a:ext uri="{FF2B5EF4-FFF2-40B4-BE49-F238E27FC236}">
-                <a16:creationId xmlns:a16="http://schemas.microsoft.com/office/drawing/2014/main" id="{2A5E6EA5-9C82-AE00-46FB-1E7308BB7329}"/>
-              </a:ext>
-            </a:extLst>
-          </p:cNvPr>
-          <p:cNvSpPr>
-            <a:spLocks noGrp="1"/>
-          </p:cNvSpPr>
-          <p:nvPr>
-            <p:ph type="title"/>
-          </p:nvPr>
-        </p:nvSpPr>
-        <p:spPr>
-          <a:xfrm>
-            <a:off x="0" y="136525"/>
-            <a:ext cx="12192000" cy="800128"/>
-          </a:xfrm>
-        </p:spPr>
-        <p:txBody>
-          <a:bodyPr>
-            <a:normAutofit/>
-          </a:bodyPr>
-          <a:lstStyle/>
-          <a:p>
-            <a:r>
-              <a:rPr lang="en-US" dirty="0"/>
-              <a:t>PEM charge density, </a:t>
-            </a:r>
-            <a:r>
-              <a:rPr lang="en-US" sz="2800" dirty="0"/>
-              <a:t>s = 0e-20 C/nm2</a:t>
-            </a:r>
-          </a:p>
-        </p:txBody>
-      </p:sp>
-      <p:sp>
-        <p:nvSpPr>
-          <p:cNvPr id="3" name="Slide Number Placeholder 2">
-            <a:extLst>
-              <a:ext uri="{FF2B5EF4-FFF2-40B4-BE49-F238E27FC236}">
-                <a16:creationId xmlns:a16="http://schemas.microsoft.com/office/drawing/2014/main" id="{5BBF7500-F4B3-E3F4-509F-6BB01A5D42D3}"/>
-              </a:ext>
-            </a:extLst>
-          </p:cNvPr>
-          <p:cNvSpPr>
-            <a:spLocks noGrp="1"/>
-          </p:cNvSpPr>
-          <p:nvPr>
-            <p:ph type="sldNum" sz="quarter" idx="12"/>
-          </p:nvPr>
-        </p:nvSpPr>
-        <p:spPr/>
-        <p:txBody>
-          <a:bodyPr/>
-          <a:lstStyle/>
-          <a:p>
-            <a:fld id="{5911C0E6-D9CE-431C-92CB-BB39B872F930}" type="slidenum">
-              <a:rPr lang="en-US" smtClean="0"/>
-              <a:t>23</a:t>
-            </a:fld>
-            <a:endParaRPr lang="en-US"/>
-          </a:p>
-        </p:txBody>
-      </p:sp>
       <p:pic>
         <p:nvPicPr>
-          <p:cNvPr id="1026" name="Picture 2">
-            <a:extLst>
-              <a:ext uri="{FF2B5EF4-FFF2-40B4-BE49-F238E27FC236}">
-                <a16:creationId xmlns:a16="http://schemas.microsoft.com/office/drawing/2014/main" id="{604B77E8-90E0-F429-6BD9-E22CB2346485}"/>
+          <p:cNvPr id="2054" name="Picture 6">
+            <a:extLst>
+              <a:ext uri="{FF2B5EF4-FFF2-40B4-BE49-F238E27FC236}">
+                <a16:creationId xmlns:a16="http://schemas.microsoft.com/office/drawing/2014/main" id="{6DF44487-C105-7F26-D350-6CBE2AAD5CAE}"/>
               </a:ext>
             </a:extLst>
           </p:cNvPr>
@@ -9676,8 +9676,8 @@
         </p:blipFill>
         <p:spPr bwMode="auto">
           <a:xfrm>
-            <a:off x="679888" y="2155713"/>
-            <a:ext cx="5235465" cy="3346453"/>
+            <a:off x="6537045" y="1047587"/>
+            <a:ext cx="4994555" cy="2759842"/>
           </a:xfrm>
           <a:prstGeom prst="rect">
             <a:avLst/>
@@ -9694,64 +9694,12 @@
           </a:extLst>
         </p:spPr>
       </p:pic>
-      <p:sp>
-        <p:nvSpPr>
-          <p:cNvPr id="4" name="Rectangle 3">
-            <a:extLst>
-              <a:ext uri="{FF2B5EF4-FFF2-40B4-BE49-F238E27FC236}">
-                <a16:creationId xmlns:a16="http://schemas.microsoft.com/office/drawing/2014/main" id="{4025437A-C388-A354-A7E6-5A9061DBFACB}"/>
-              </a:ext>
-            </a:extLst>
-          </p:cNvPr>
-          <p:cNvSpPr/>
-          <p:nvPr/>
-        </p:nvSpPr>
-        <p:spPr>
-          <a:xfrm>
-            <a:off x="1417984" y="5662078"/>
-            <a:ext cx="3462867" cy="702734"/>
-          </a:xfrm>
-          <a:prstGeom prst="rect">
-            <a:avLst/>
-          </a:prstGeom>
-          <a:solidFill>
-            <a:schemeClr val="accent6"/>
-          </a:solidFill>
-        </p:spPr>
-        <p:style>
-          <a:lnRef idx="2">
-            <a:schemeClr val="accent1">
-              <a:shade val="15000"/>
-            </a:schemeClr>
-          </a:lnRef>
-          <a:fillRef idx="1">
-            <a:schemeClr val="accent1"/>
-          </a:fillRef>
-          <a:effectRef idx="0">
-            <a:schemeClr val="accent1"/>
-          </a:effectRef>
-          <a:fontRef idx="minor">
-            <a:schemeClr val="lt1"/>
-          </a:fontRef>
-        </p:style>
-        <p:txBody>
-          <a:bodyPr rtlCol="0" anchor="ctr"/>
-          <a:lstStyle/>
-          <a:p>
-            <a:pPr algn="ctr"/>
-            <a:r>
-              <a:rPr lang="en-US" dirty="0"/>
-              <a:t>Doing cd01 for visual figure</a:t>
-            </a:r>
-          </a:p>
-        </p:txBody>
-      </p:sp>
       <p:pic>
         <p:nvPicPr>
-          <p:cNvPr id="1028" name="Picture 4">
-            <a:extLst>
-              <a:ext uri="{FF2B5EF4-FFF2-40B4-BE49-F238E27FC236}">
-                <a16:creationId xmlns:a16="http://schemas.microsoft.com/office/drawing/2014/main" id="{1119B2CF-E4FA-C73F-8A73-A1B4EC6F43A2}"/>
+          <p:cNvPr id="2056" name="Picture 8">
+            <a:extLst>
+              <a:ext uri="{FF2B5EF4-FFF2-40B4-BE49-F238E27FC236}">
+                <a16:creationId xmlns:a16="http://schemas.microsoft.com/office/drawing/2014/main" id="{35C00167-5AD3-5FE6-A327-821DE6487033}"/>
               </a:ext>
             </a:extLst>
           </p:cNvPr>
@@ -9775,8 +9723,8 @@
         </p:blipFill>
         <p:spPr bwMode="auto">
           <a:xfrm>
-            <a:off x="6634528" y="1214642"/>
-            <a:ext cx="4877584" cy="2695207"/>
+            <a:off x="6537045" y="3859049"/>
+            <a:ext cx="3586037" cy="2759842"/>
           </a:xfrm>
           <a:prstGeom prst="rect">
             <a:avLst/>
@@ -9807,7 +9755,7 @@
         </p:nvSpPr>
         <p:spPr>
           <a:xfrm>
-            <a:off x="6879166" y="4717072"/>
+            <a:off x="3000657" y="5725505"/>
             <a:ext cx="3462867" cy="945006"/>
           </a:xfrm>
           <a:prstGeom prst="rect">
@@ -10081,7 +10029,7 @@
             <a:pPr algn="ctr"/>
             <a:r>
               <a:rPr lang="en-US" dirty="0"/>
-              <a:t>Redo with </a:t>
+              <a:t>[RUNNING] Redo with </a:t>
             </a:r>
             <a:r>
               <a:rPr lang="en-US" dirty="0" err="1"/>

--- a/NAF.pptx
+++ b/NAF.pptx
@@ -5,7 +5,7 @@
     <p:sldMasterId id="2147483648" r:id="rId1"/>
   </p:sldMasterIdLst>
   <p:notesMasterIdLst>
-    <p:notesMasterId r:id="rId27"/>
+    <p:notesMasterId r:id="rId28"/>
   </p:notesMasterIdLst>
   <p:sldIdLst>
     <p:sldId id="256" r:id="rId2"/>
@@ -28,11 +28,12 @@
     <p:sldId id="273" r:id="rId19"/>
     <p:sldId id="278" r:id="rId20"/>
     <p:sldId id="276" r:id="rId21"/>
-    <p:sldId id="279" r:id="rId22"/>
-    <p:sldId id="280" r:id="rId23"/>
-    <p:sldId id="281" r:id="rId24"/>
-    <p:sldId id="282" r:id="rId25"/>
-    <p:sldId id="283" r:id="rId26"/>
+    <p:sldId id="284" r:id="rId22"/>
+    <p:sldId id="279" r:id="rId23"/>
+    <p:sldId id="280" r:id="rId24"/>
+    <p:sldId id="281" r:id="rId25"/>
+    <p:sldId id="282" r:id="rId26"/>
+    <p:sldId id="283" r:id="rId27"/>
   </p:sldIdLst>
   <p:sldSz cx="12192000" cy="6858000"/>
   <p:notesSz cx="6858000" cy="9144000"/>
@@ -221,7 +222,7 @@
           <a:p>
             <a:fld id="{4299902A-6DB3-4A13-9B91-BEABFDA2FC16}" type="datetimeFigureOut">
               <a:rPr lang="en-US" smtClean="0"/>
-              <a:t>11/5/2024</a:t>
+              <a:t>11/14/2024</a:t>
             </a:fld>
             <a:endParaRPr lang="en-US"/>
           </a:p>
@@ -2520,7 +2521,7 @@
         <p:spPr/>
         <p:txBody>
           <a:bodyPr>
-            <a:normAutofit fontScale="90000"/>
+            <a:normAutofit/>
           </a:bodyPr>
           <a:lstStyle/>
           <a:p>
@@ -8569,7 +8570,7 @@
             </a:r>
             <a:r>
               <a:rPr lang="en-US" sz="2800" dirty="0"/>
-              <a:t>(neutral polymer)</a:t>
+              <a:t>(neutral polymer; m = 0.08)</a:t>
             </a:r>
           </a:p>
         </p:txBody>
@@ -8911,6 +8912,393 @@
   <p:cSld>
     <p:spTree>
       <p:nvGrpSpPr>
+        <p:cNvPr id="1" name="">
+          <a:extLst>
+            <a:ext uri="{FF2B5EF4-FFF2-40B4-BE49-F238E27FC236}">
+              <a16:creationId xmlns:a16="http://schemas.microsoft.com/office/drawing/2014/main" id="{2A8205E4-0E5A-EE1F-D8B1-076E78BC8D85}"/>
+            </a:ext>
+          </a:extLst>
+        </p:cNvPr>
+        <p:cNvGrpSpPr/>
+        <p:nvPr/>
+      </p:nvGrpSpPr>
+      <p:grpSpPr>
+        <a:xfrm>
+          <a:off x="0" y="0"/>
+          <a:ext cx="0" cy="0"/>
+          <a:chOff x="0" y="0"/>
+          <a:chExt cx="0" cy="0"/>
+        </a:xfrm>
+      </p:grpSpPr>
+      <p:sp>
+        <p:nvSpPr>
+          <p:cNvPr id="2" name="Title 1">
+            <a:extLst>
+              <a:ext uri="{FF2B5EF4-FFF2-40B4-BE49-F238E27FC236}">
+                <a16:creationId xmlns:a16="http://schemas.microsoft.com/office/drawing/2014/main" id="{B6B6383E-4E99-9DAC-CEC0-040C41F15CBC}"/>
+              </a:ext>
+            </a:extLst>
+          </p:cNvPr>
+          <p:cNvSpPr>
+            <a:spLocks noGrp="1"/>
+          </p:cNvSpPr>
+          <p:nvPr>
+            <p:ph type="title"/>
+          </p:nvPr>
+        </p:nvSpPr>
+        <p:spPr/>
+        <p:txBody>
+          <a:bodyPr/>
+          <a:lstStyle/>
+          <a:p>
+            <a:r>
+              <a:rPr lang="en-US" dirty="0"/>
+              <a:t>Surface charge </a:t>
+            </a:r>
+            <a:r>
+              <a:rPr lang="en-US" sz="2800" dirty="0"/>
+              <a:t>(neutral polymer; m = 0.35)</a:t>
+            </a:r>
+          </a:p>
+        </p:txBody>
+      </p:sp>
+      <p:sp>
+        <p:nvSpPr>
+          <p:cNvPr id="3" name="Slide Number Placeholder 2">
+            <a:extLst>
+              <a:ext uri="{FF2B5EF4-FFF2-40B4-BE49-F238E27FC236}">
+                <a16:creationId xmlns:a16="http://schemas.microsoft.com/office/drawing/2014/main" id="{22006975-A81E-BB32-7CB0-B6242DFAD678}"/>
+              </a:ext>
+            </a:extLst>
+          </p:cNvPr>
+          <p:cNvSpPr>
+            <a:spLocks noGrp="1"/>
+          </p:cNvSpPr>
+          <p:nvPr>
+            <p:ph type="sldNum" sz="quarter" idx="12"/>
+          </p:nvPr>
+        </p:nvSpPr>
+        <p:spPr/>
+        <p:txBody>
+          <a:bodyPr/>
+          <a:lstStyle/>
+          <a:p>
+            <a:fld id="{5911C0E6-D9CE-431C-92CB-BB39B872F930}" type="slidenum">
+              <a:rPr lang="en-US" smtClean="0"/>
+              <a:t>21</a:t>
+            </a:fld>
+            <a:endParaRPr lang="en-US"/>
+          </a:p>
+        </p:txBody>
+      </p:sp>
+      <p:grpSp>
+        <p:nvGrpSpPr>
+          <p:cNvPr id="4" name="Group 3">
+            <a:extLst>
+              <a:ext uri="{FF2B5EF4-FFF2-40B4-BE49-F238E27FC236}">
+                <a16:creationId xmlns:a16="http://schemas.microsoft.com/office/drawing/2014/main" id="{88D00D14-E7D1-EB04-EFA0-20FA7F846F29}"/>
+              </a:ext>
+            </a:extLst>
+          </p:cNvPr>
+          <p:cNvGrpSpPr/>
+          <p:nvPr/>
+        </p:nvGrpSpPr>
+        <p:grpSpPr>
+          <a:xfrm>
+            <a:off x="1758540" y="4966826"/>
+            <a:ext cx="8674920" cy="1389524"/>
+            <a:chOff x="5134212" y="3794329"/>
+            <a:chExt cx="7421854" cy="1389524"/>
+          </a:xfrm>
+        </p:grpSpPr>
+        <p:pic>
+          <p:nvPicPr>
+            <p:cNvPr id="5" name="Picture 4">
+              <a:extLst>
+                <a:ext uri="{FF2B5EF4-FFF2-40B4-BE49-F238E27FC236}">
+                  <a16:creationId xmlns:a16="http://schemas.microsoft.com/office/drawing/2014/main" id="{04D2C13F-FEBF-420E-5700-A1F7D1DAB7C5}"/>
+                </a:ext>
+              </a:extLst>
+            </p:cNvPr>
+            <p:cNvPicPr>
+              <a:picLocks noChangeAspect="1"/>
+            </p:cNvPicPr>
+            <p:nvPr/>
+          </p:nvPicPr>
+          <p:blipFill>
+            <a:blip r:embed="rId2"/>
+            <a:stretch>
+              <a:fillRect/>
+            </a:stretch>
+          </p:blipFill>
+          <p:spPr>
+            <a:xfrm>
+              <a:off x="6168707" y="3794329"/>
+              <a:ext cx="2743201" cy="961828"/>
+            </a:xfrm>
+            <a:prstGeom prst="rect">
+              <a:avLst/>
+            </a:prstGeom>
+          </p:spPr>
+        </p:pic>
+        <p:sp>
+          <p:nvSpPr>
+            <p:cNvPr id="6" name="TextBox 5">
+              <a:extLst>
+                <a:ext uri="{FF2B5EF4-FFF2-40B4-BE49-F238E27FC236}">
+                  <a16:creationId xmlns:a16="http://schemas.microsoft.com/office/drawing/2014/main" id="{3E94E23A-C196-5A26-7143-FACB7AA14549}"/>
+                </a:ext>
+              </a:extLst>
+            </p:cNvPr>
+            <p:cNvSpPr txBox="1"/>
+            <p:nvPr/>
+          </p:nvSpPr>
+          <p:spPr>
+            <a:xfrm>
+              <a:off x="9219881" y="4660633"/>
+              <a:ext cx="2641920" cy="523220"/>
+            </a:xfrm>
+            <a:prstGeom prst="rect">
+              <a:avLst/>
+            </a:prstGeom>
+            <a:noFill/>
+          </p:spPr>
+          <p:txBody>
+            <a:bodyPr wrap="square" rtlCol="0">
+              <a:spAutoFit/>
+            </a:bodyPr>
+            <a:lstStyle/>
+            <a:p>
+              <a:r>
+                <a:rPr lang="en-US" sz="1400" dirty="0"/>
+                <a:t>Srivastav et al. Part I. 2024. </a:t>
+              </a:r>
+              <a:r>
+                <a:rPr lang="en-US" sz="1400" i="1" dirty="0"/>
+                <a:t>Langmuir</a:t>
+              </a:r>
+              <a:endParaRPr lang="en-US" sz="1400" dirty="0"/>
+            </a:p>
+          </p:txBody>
+        </p:sp>
+        <p:sp>
+          <p:nvSpPr>
+            <p:cNvPr id="7" name="TextBox 6">
+              <a:extLst>
+                <a:ext uri="{FF2B5EF4-FFF2-40B4-BE49-F238E27FC236}">
+                  <a16:creationId xmlns:a16="http://schemas.microsoft.com/office/drawing/2014/main" id="{720A6397-0376-66B4-71AB-01D7C5469386}"/>
+                </a:ext>
+              </a:extLst>
+            </p:cNvPr>
+            <p:cNvSpPr txBox="1"/>
+            <p:nvPr/>
+          </p:nvSpPr>
+          <p:spPr>
+            <a:xfrm>
+              <a:off x="9219881" y="3819349"/>
+              <a:ext cx="3336185" cy="738664"/>
+            </a:xfrm>
+            <a:prstGeom prst="rect">
+              <a:avLst/>
+            </a:prstGeom>
+            <a:noFill/>
+          </p:spPr>
+          <p:txBody>
+            <a:bodyPr wrap="square" rtlCol="0">
+              <a:spAutoFit/>
+            </a:bodyPr>
+            <a:lstStyle/>
+            <a:p>
+              <a:r>
+                <a:rPr lang="en-US" sz="1400" dirty="0"/>
+                <a:t>Note: midpoint concentration can be calculated analytically but couldn’t get to work. In plot, used midpoint concentration obtained numerically</a:t>
+              </a:r>
+            </a:p>
+          </p:txBody>
+        </p:sp>
+        <p:sp>
+          <p:nvSpPr>
+            <p:cNvPr id="8" name="TextBox 7">
+              <a:extLst>
+                <a:ext uri="{FF2B5EF4-FFF2-40B4-BE49-F238E27FC236}">
+                  <a16:creationId xmlns:a16="http://schemas.microsoft.com/office/drawing/2014/main" id="{DA4A773F-3AC1-23FC-B0A9-965F8B59909A}"/>
+                </a:ext>
+              </a:extLst>
+            </p:cNvPr>
+            <p:cNvSpPr txBox="1"/>
+            <p:nvPr/>
+          </p:nvSpPr>
+          <p:spPr>
+            <a:xfrm>
+              <a:off x="5134212" y="3937254"/>
+              <a:ext cx="1236134" cy="400110"/>
+            </a:xfrm>
+            <a:prstGeom prst="rect">
+              <a:avLst/>
+            </a:prstGeom>
+            <a:noFill/>
+          </p:spPr>
+          <p:txBody>
+            <a:bodyPr wrap="square" rtlCol="0">
+              <a:spAutoFit/>
+            </a:bodyPr>
+            <a:lstStyle/>
+            <a:p>
+              <a:r>
+                <a:rPr lang="en-US" sz="2000" dirty="0"/>
+                <a:t>Dashed:</a:t>
+              </a:r>
+            </a:p>
+          </p:txBody>
+        </p:sp>
+        <p:sp>
+          <p:nvSpPr>
+            <p:cNvPr id="9" name="TextBox 8">
+              <a:extLst>
+                <a:ext uri="{FF2B5EF4-FFF2-40B4-BE49-F238E27FC236}">
+                  <a16:creationId xmlns:a16="http://schemas.microsoft.com/office/drawing/2014/main" id="{0798270D-18CA-CB72-F4EB-B995537AC0F6}"/>
+                </a:ext>
+              </a:extLst>
+            </p:cNvPr>
+            <p:cNvSpPr txBox="1"/>
+            <p:nvPr/>
+          </p:nvSpPr>
+          <p:spPr>
+            <a:xfrm>
+              <a:off x="6352278" y="4852167"/>
+              <a:ext cx="3360527" cy="307777"/>
+            </a:xfrm>
+            <a:prstGeom prst="rect">
+              <a:avLst/>
+            </a:prstGeom>
+            <a:noFill/>
+          </p:spPr>
+          <p:txBody>
+            <a:bodyPr wrap="square" rtlCol="0">
+              <a:spAutoFit/>
+            </a:bodyPr>
+            <a:lstStyle/>
+            <a:p>
+              <a:r>
+                <a:rPr lang="en-US" sz="1400" dirty="0"/>
+                <a:t>Finite boundary condition</a:t>
+              </a:r>
+            </a:p>
+          </p:txBody>
+        </p:sp>
+      </p:grpSp>
+      <p:pic>
+        <p:nvPicPr>
+          <p:cNvPr id="1026" name="Picture 2">
+            <a:extLst>
+              <a:ext uri="{FF2B5EF4-FFF2-40B4-BE49-F238E27FC236}">
+                <a16:creationId xmlns:a16="http://schemas.microsoft.com/office/drawing/2014/main" id="{D7B4E3C4-AE07-90F4-AE0C-8F2D2FFECE27}"/>
+              </a:ext>
+            </a:extLst>
+          </p:cNvPr>
+          <p:cNvPicPr>
+            <a:picLocks noChangeAspect="1" noChangeArrowheads="1"/>
+          </p:cNvPicPr>
+          <p:nvPr/>
+        </p:nvPicPr>
+        <p:blipFill>
+          <a:blip r:embed="rId3">
+            <a:extLst>
+              <a:ext uri="{28A0092B-C50C-407E-A947-70E740481C1C}">
+                <a14:useLocalDpi xmlns:a14="http://schemas.microsoft.com/office/drawing/2010/main" val="0"/>
+              </a:ext>
+            </a:extLst>
+          </a:blip>
+          <a:srcRect/>
+          <a:stretch>
+            <a:fillRect/>
+          </a:stretch>
+        </p:blipFill>
+        <p:spPr bwMode="auto">
+          <a:xfrm>
+            <a:off x="1109133" y="1485240"/>
+            <a:ext cx="4874425" cy="3070044"/>
+          </a:xfrm>
+          <a:prstGeom prst="rect">
+            <a:avLst/>
+          </a:prstGeom>
+          <a:noFill/>
+          <a:extLst>
+            <a:ext uri="{909E8E84-426E-40DD-AFC4-6F175D3DCCD1}">
+              <a14:hiddenFill xmlns:a14="http://schemas.microsoft.com/office/drawing/2010/main">
+                <a:solidFill>
+                  <a:srgbClr val="FFFFFF"/>
+                </a:solidFill>
+              </a14:hiddenFill>
+            </a:ext>
+          </a:extLst>
+        </p:spPr>
+      </p:pic>
+      <p:pic>
+        <p:nvPicPr>
+          <p:cNvPr id="1028" name="Picture 4">
+            <a:extLst>
+              <a:ext uri="{FF2B5EF4-FFF2-40B4-BE49-F238E27FC236}">
+                <a16:creationId xmlns:a16="http://schemas.microsoft.com/office/drawing/2014/main" id="{A74BFDE9-900A-7E97-5384-D080E4F37281}"/>
+              </a:ext>
+            </a:extLst>
+          </p:cNvPr>
+          <p:cNvPicPr>
+            <a:picLocks noChangeAspect="1" noChangeArrowheads="1"/>
+          </p:cNvPicPr>
+          <p:nvPr/>
+        </p:nvPicPr>
+        <p:blipFill>
+          <a:blip r:embed="rId4">
+            <a:extLst>
+              <a:ext uri="{28A0092B-C50C-407E-A947-70E740481C1C}">
+                <a14:useLocalDpi xmlns:a14="http://schemas.microsoft.com/office/drawing/2010/main" val="0"/>
+              </a:ext>
+            </a:extLst>
+          </a:blip>
+          <a:srcRect/>
+          <a:stretch>
+            <a:fillRect/>
+          </a:stretch>
+        </p:blipFill>
+        <p:spPr bwMode="auto">
+          <a:xfrm>
+            <a:off x="6096000" y="1507922"/>
+            <a:ext cx="4933062" cy="3070043"/>
+          </a:xfrm>
+          <a:prstGeom prst="rect">
+            <a:avLst/>
+          </a:prstGeom>
+          <a:noFill/>
+          <a:extLst>
+            <a:ext uri="{909E8E84-426E-40DD-AFC4-6F175D3DCCD1}">
+              <a14:hiddenFill xmlns:a14="http://schemas.microsoft.com/office/drawing/2010/main">
+                <a:solidFill>
+                  <a:srgbClr val="FFFFFF"/>
+                </a:solidFill>
+              </a14:hiddenFill>
+            </a:ext>
+          </a:extLst>
+        </p:spPr>
+      </p:pic>
+    </p:spTree>
+    <p:extLst>
+      <p:ext uri="{BB962C8B-B14F-4D97-AF65-F5344CB8AC3E}">
+        <p14:creationId xmlns:p14="http://schemas.microsoft.com/office/powerpoint/2010/main" val="4272617836"/>
+      </p:ext>
+    </p:extLst>
+  </p:cSld>
+  <p:clrMapOvr>
+    <a:masterClrMapping/>
+  </p:clrMapOvr>
+</p:sld>
+</file>
+
+<file path=ppt/slides/slide22.xml><?xml version="1.0" encoding="utf-8"?>
+<p:sld xmlns:a="http://schemas.openxmlformats.org/drawingml/2006/main" xmlns:r="http://schemas.openxmlformats.org/officeDocument/2006/relationships" xmlns:p="http://schemas.openxmlformats.org/presentationml/2006/main">
+  <p:cSld>
+    <p:spTree>
+      <p:nvGrpSpPr>
         <p:cNvPr id="1" name=""/>
         <p:cNvGrpSpPr/>
         <p:nvPr/>
@@ -8983,7 +9371,7 @@
           <a:p>
             <a:fld id="{5911C0E6-D9CE-431C-92CB-BB39B872F930}" type="slidenum">
               <a:rPr lang="en-US" smtClean="0"/>
-              <a:t>21</a:t>
+              <a:t>22</a:t>
             </a:fld>
             <a:endParaRPr lang="en-US"/>
           </a:p>
@@ -9264,7 +9652,7 @@
 </p:sld>
 </file>
 
-<file path=ppt/slides/slide22.xml><?xml version="1.0" encoding="utf-8"?>
+<file path=ppt/slides/slide23.xml><?xml version="1.0" encoding="utf-8"?>
 <p:sld xmlns:a="http://schemas.openxmlformats.org/drawingml/2006/main" xmlns:r="http://schemas.openxmlformats.org/officeDocument/2006/relationships" xmlns:p="http://schemas.openxmlformats.org/presentationml/2006/main">
   <p:cSld>
     <p:spTree>
@@ -9349,7 +9737,7 @@
           <a:p>
             <a:fld id="{5911C0E6-D9CE-431C-92CB-BB39B872F930}" type="slidenum">
               <a:rPr lang="en-US" smtClean="0"/>
-              <a:t>22</a:t>
+              <a:t>23</a:t>
             </a:fld>
             <a:endParaRPr lang="en-US"/>
           </a:p>
@@ -9509,7 +9897,7 @@
 </p:sld>
 </file>
 
-<file path=ppt/slides/slide23.xml><?xml version="1.0" encoding="utf-8"?>
+<file path=ppt/slides/slide24.xml><?xml version="1.0" encoding="utf-8"?>
 <p:sld xmlns:a="http://schemas.openxmlformats.org/drawingml/2006/main" xmlns:r="http://schemas.openxmlformats.org/officeDocument/2006/relationships" xmlns:p="http://schemas.openxmlformats.org/presentationml/2006/main">
   <p:cSld>
     <p:spTree>
@@ -9594,7 +9982,7 @@
           <a:p>
             <a:fld id="{5911C0E6-D9CE-431C-92CB-BB39B872F930}" type="slidenum">
               <a:rPr lang="en-US" smtClean="0"/>
-              <a:t>23</a:t>
+              <a:t>24</a:t>
             </a:fld>
             <a:endParaRPr lang="en-US"/>
           </a:p>
@@ -9805,247 +10193,6 @@
     <p:extLst>
       <p:ext uri="{BB962C8B-B14F-4D97-AF65-F5344CB8AC3E}">
         <p14:creationId xmlns:p14="http://schemas.microsoft.com/office/powerpoint/2010/main" val="1784850066"/>
-      </p:ext>
-    </p:extLst>
-  </p:cSld>
-  <p:clrMapOvr>
-    <a:masterClrMapping/>
-  </p:clrMapOvr>
-</p:sld>
-</file>
-
-<file path=ppt/slides/slide24.xml><?xml version="1.0" encoding="utf-8"?>
-<p:sld xmlns:a="http://schemas.openxmlformats.org/drawingml/2006/main" xmlns:r="http://schemas.openxmlformats.org/officeDocument/2006/relationships" xmlns:p="http://schemas.openxmlformats.org/presentationml/2006/main">
-  <p:cSld>
-    <p:spTree>
-      <p:nvGrpSpPr>
-        <p:cNvPr id="1" name=""/>
-        <p:cNvGrpSpPr/>
-        <p:nvPr/>
-      </p:nvGrpSpPr>
-      <p:grpSpPr>
-        <a:xfrm>
-          <a:off x="0" y="0"/>
-          <a:ext cx="0" cy="0"/>
-          <a:chOff x="0" y="0"/>
-          <a:chExt cx="0" cy="0"/>
-        </a:xfrm>
-      </p:grpSpPr>
-      <p:sp>
-        <p:nvSpPr>
-          <p:cNvPr id="2" name="Title 1">
-            <a:extLst>
-              <a:ext uri="{FF2B5EF4-FFF2-40B4-BE49-F238E27FC236}">
-                <a16:creationId xmlns:a16="http://schemas.microsoft.com/office/drawing/2014/main" id="{4BB73D72-2E1B-48A8-F359-FC2A482F32D1}"/>
-              </a:ext>
-            </a:extLst>
-          </p:cNvPr>
-          <p:cNvSpPr>
-            <a:spLocks noGrp="1"/>
-          </p:cNvSpPr>
-          <p:nvPr>
-            <p:ph type="title"/>
-          </p:nvPr>
-        </p:nvSpPr>
-        <p:spPr/>
-        <p:txBody>
-          <a:bodyPr/>
-          <a:lstStyle/>
-          <a:p>
-            <a:r>
-              <a:rPr lang="en-US" dirty="0"/>
-              <a:t>Sidechain grafting density</a:t>
-            </a:r>
-          </a:p>
-        </p:txBody>
-      </p:sp>
-      <p:sp>
-        <p:nvSpPr>
-          <p:cNvPr id="3" name="Slide Number Placeholder 2">
-            <a:extLst>
-              <a:ext uri="{FF2B5EF4-FFF2-40B4-BE49-F238E27FC236}">
-                <a16:creationId xmlns:a16="http://schemas.microsoft.com/office/drawing/2014/main" id="{31FA1648-EC93-7926-8AFC-364476A12222}"/>
-              </a:ext>
-            </a:extLst>
-          </p:cNvPr>
-          <p:cNvSpPr>
-            <a:spLocks noGrp="1"/>
-          </p:cNvSpPr>
-          <p:nvPr>
-            <p:ph type="sldNum" sz="quarter" idx="12"/>
-          </p:nvPr>
-        </p:nvSpPr>
-        <p:spPr/>
-        <p:txBody>
-          <a:bodyPr/>
-          <a:lstStyle/>
-          <a:p>
-            <a:fld id="{5911C0E6-D9CE-431C-92CB-BB39B872F930}" type="slidenum">
-              <a:rPr lang="en-US" smtClean="0"/>
-              <a:t>24</a:t>
-            </a:fld>
-            <a:endParaRPr lang="en-US"/>
-          </a:p>
-        </p:txBody>
-      </p:sp>
-      <p:pic>
-        <p:nvPicPr>
-          <p:cNvPr id="2052" name="Picture 4">
-            <a:extLst>
-              <a:ext uri="{FF2B5EF4-FFF2-40B4-BE49-F238E27FC236}">
-                <a16:creationId xmlns:a16="http://schemas.microsoft.com/office/drawing/2014/main" id="{E53FE09A-9A64-BB4C-47DC-929BFDDAA2A9}"/>
-              </a:ext>
-            </a:extLst>
-          </p:cNvPr>
-          <p:cNvPicPr>
-            <a:picLocks noChangeAspect="1" noChangeArrowheads="1"/>
-          </p:cNvPicPr>
-          <p:nvPr/>
-        </p:nvPicPr>
-        <p:blipFill>
-          <a:blip r:embed="rId2">
-            <a:extLst>
-              <a:ext uri="{28A0092B-C50C-407E-A947-70E740481C1C}">
-                <a14:useLocalDpi xmlns:a14="http://schemas.microsoft.com/office/drawing/2010/main" val="0"/>
-              </a:ext>
-            </a:extLst>
-          </a:blip>
-          <a:srcRect/>
-          <a:stretch>
-            <a:fillRect/>
-          </a:stretch>
-        </p:blipFill>
-        <p:spPr bwMode="auto">
-          <a:xfrm>
-            <a:off x="510901" y="2349062"/>
-            <a:ext cx="5102451" cy="3222242"/>
-          </a:xfrm>
-          <a:prstGeom prst="rect">
-            <a:avLst/>
-          </a:prstGeom>
-          <a:noFill/>
-          <a:extLst>
-            <a:ext uri="{909E8E84-426E-40DD-AFC4-6F175D3DCCD1}">
-              <a14:hiddenFill xmlns:a14="http://schemas.microsoft.com/office/drawing/2010/main">
-                <a:solidFill>
-                  <a:srgbClr val="FFFFFF"/>
-                </a:solidFill>
-              </a14:hiddenFill>
-            </a:ext>
-          </a:extLst>
-        </p:spPr>
-      </p:pic>
-      <p:pic>
-        <p:nvPicPr>
-          <p:cNvPr id="2054" name="Picture 6">
-            <a:extLst>
-              <a:ext uri="{FF2B5EF4-FFF2-40B4-BE49-F238E27FC236}">
-                <a16:creationId xmlns:a16="http://schemas.microsoft.com/office/drawing/2014/main" id="{7C0079AC-E7CA-4B75-B38A-3DA7B9CEE192}"/>
-              </a:ext>
-            </a:extLst>
-          </p:cNvPr>
-          <p:cNvPicPr>
-            <a:picLocks noChangeAspect="1" noChangeArrowheads="1"/>
-          </p:cNvPicPr>
-          <p:nvPr/>
-        </p:nvPicPr>
-        <p:blipFill>
-          <a:blip r:embed="rId3">
-            <a:extLst>
-              <a:ext uri="{28A0092B-C50C-407E-A947-70E740481C1C}">
-                <a14:useLocalDpi xmlns:a14="http://schemas.microsoft.com/office/drawing/2010/main" val="0"/>
-              </a:ext>
-            </a:extLst>
-          </a:blip>
-          <a:srcRect/>
-          <a:stretch>
-            <a:fillRect/>
-          </a:stretch>
-        </p:blipFill>
-        <p:spPr bwMode="auto">
-          <a:xfrm>
-            <a:off x="5849991" y="2349062"/>
-            <a:ext cx="5895319" cy="3219960"/>
-          </a:xfrm>
-          <a:prstGeom prst="rect">
-            <a:avLst/>
-          </a:prstGeom>
-          <a:noFill/>
-          <a:extLst>
-            <a:ext uri="{909E8E84-426E-40DD-AFC4-6F175D3DCCD1}">
-              <a14:hiddenFill xmlns:a14="http://schemas.microsoft.com/office/drawing/2010/main">
-                <a:solidFill>
-                  <a:srgbClr val="FFFFFF"/>
-                </a:solidFill>
-              </a14:hiddenFill>
-            </a:ext>
-          </a:extLst>
-        </p:spPr>
-      </p:pic>
-      <p:sp>
-        <p:nvSpPr>
-          <p:cNvPr id="4" name="Rectangle 3">
-            <a:extLst>
-              <a:ext uri="{FF2B5EF4-FFF2-40B4-BE49-F238E27FC236}">
-                <a16:creationId xmlns:a16="http://schemas.microsoft.com/office/drawing/2014/main" id="{FCA3F31F-AB00-2FB2-0EF4-F4081AA1F9C3}"/>
-              </a:ext>
-            </a:extLst>
-          </p:cNvPr>
-          <p:cNvSpPr/>
-          <p:nvPr/>
-        </p:nvSpPr>
-        <p:spPr>
-          <a:xfrm>
-            <a:off x="1417984" y="5662078"/>
-            <a:ext cx="3462867" cy="702734"/>
-          </a:xfrm>
-          <a:prstGeom prst="rect">
-            <a:avLst/>
-          </a:prstGeom>
-          <a:solidFill>
-            <a:schemeClr val="accent6"/>
-          </a:solidFill>
-        </p:spPr>
-        <p:style>
-          <a:lnRef idx="2">
-            <a:schemeClr val="accent1">
-              <a:shade val="15000"/>
-            </a:schemeClr>
-          </a:lnRef>
-          <a:fillRef idx="1">
-            <a:schemeClr val="accent1"/>
-          </a:fillRef>
-          <a:effectRef idx="0">
-            <a:schemeClr val="accent1"/>
-          </a:effectRef>
-          <a:fontRef idx="minor">
-            <a:schemeClr val="lt1"/>
-          </a:fontRef>
-        </p:style>
-        <p:txBody>
-          <a:bodyPr rtlCol="0" anchor="ctr"/>
-          <a:lstStyle/>
-          <a:p>
-            <a:pPr algn="ctr"/>
-            <a:r>
-              <a:rPr lang="en-US" dirty="0"/>
-              <a:t>[RUNNING] Redo with </a:t>
-            </a:r>
-            <a:r>
-              <a:rPr lang="en-US" dirty="0" err="1"/>
-              <a:t>Lz</a:t>
-            </a:r>
-            <a:r>
-              <a:rPr lang="en-US" dirty="0"/>
-              <a:t> 100 (knee location)</a:t>
-            </a:r>
-          </a:p>
-        </p:txBody>
-      </p:sp>
-    </p:spTree>
-    <p:extLst>
-      <p:ext uri="{BB962C8B-B14F-4D97-AF65-F5344CB8AC3E}">
-        <p14:creationId xmlns:p14="http://schemas.microsoft.com/office/powerpoint/2010/main" val="1568215737"/>
       </p:ext>
     </p:extLst>
   </p:cSld>
@@ -10077,7 +10224,7 @@
           <p:cNvPr id="2" name="Title 1">
             <a:extLst>
               <a:ext uri="{FF2B5EF4-FFF2-40B4-BE49-F238E27FC236}">
-                <a16:creationId xmlns:a16="http://schemas.microsoft.com/office/drawing/2014/main" id="{30ED4851-E6CF-F4CE-E255-D18C5074BBCD}"/>
+                <a16:creationId xmlns:a16="http://schemas.microsoft.com/office/drawing/2014/main" id="{4BB73D72-2E1B-48A8-F359-FC2A482F32D1}"/>
               </a:ext>
             </a:extLst>
           </p:cNvPr>
@@ -10095,7 +10242,7 @@
           <a:p>
             <a:r>
               <a:rPr lang="en-US" dirty="0"/>
-              <a:t>Water chemical potential</a:t>
+              <a:t>Sidechain grafting density</a:t>
             </a:r>
           </a:p>
         </p:txBody>
@@ -10105,7 +10252,7 @@
           <p:cNvPr id="3" name="Slide Number Placeholder 2">
             <a:extLst>
               <a:ext uri="{FF2B5EF4-FFF2-40B4-BE49-F238E27FC236}">
-                <a16:creationId xmlns:a16="http://schemas.microsoft.com/office/drawing/2014/main" id="{EE18E9C6-E963-3BB0-2F97-F6B76B9326C4}"/>
+                <a16:creationId xmlns:a16="http://schemas.microsoft.com/office/drawing/2014/main" id="{31FA1648-EC93-7926-8AFC-364476A12222}"/>
               </a:ext>
             </a:extLst>
           </p:cNvPr>
@@ -10124,6 +10271,223 @@
             <a:fld id="{5911C0E6-D9CE-431C-92CB-BB39B872F930}" type="slidenum">
               <a:rPr lang="en-US" smtClean="0"/>
               <a:t>25</a:t>
+            </a:fld>
+            <a:endParaRPr lang="en-US"/>
+          </a:p>
+        </p:txBody>
+      </p:sp>
+      <p:pic>
+        <p:nvPicPr>
+          <p:cNvPr id="2050" name="Picture 2">
+            <a:extLst>
+              <a:ext uri="{FF2B5EF4-FFF2-40B4-BE49-F238E27FC236}">
+                <a16:creationId xmlns:a16="http://schemas.microsoft.com/office/drawing/2014/main" id="{B0068C8B-B385-9229-6774-C38AEA540BCC}"/>
+              </a:ext>
+            </a:extLst>
+          </p:cNvPr>
+          <p:cNvPicPr>
+            <a:picLocks noChangeAspect="1" noChangeArrowheads="1"/>
+          </p:cNvPicPr>
+          <p:nvPr/>
+        </p:nvPicPr>
+        <p:blipFill>
+          <a:blip r:embed="rId2">
+            <a:extLst>
+              <a:ext uri="{28A0092B-C50C-407E-A947-70E740481C1C}">
+                <a14:useLocalDpi xmlns:a14="http://schemas.microsoft.com/office/drawing/2010/main" val="0"/>
+              </a:ext>
+            </a:extLst>
+          </a:blip>
+          <a:srcRect/>
+          <a:stretch>
+            <a:fillRect/>
+          </a:stretch>
+        </p:blipFill>
+        <p:spPr bwMode="auto">
+          <a:xfrm>
+            <a:off x="5738094" y="1952513"/>
+            <a:ext cx="6154285" cy="3361405"/>
+          </a:xfrm>
+          <a:prstGeom prst="rect">
+            <a:avLst/>
+          </a:prstGeom>
+          <a:noFill/>
+          <a:extLst>
+            <a:ext uri="{909E8E84-426E-40DD-AFC4-6F175D3DCCD1}">
+              <a14:hiddenFill xmlns:a14="http://schemas.microsoft.com/office/drawing/2010/main">
+                <a:solidFill>
+                  <a:srgbClr val="FFFFFF"/>
+                </a:solidFill>
+              </a14:hiddenFill>
+            </a:ext>
+          </a:extLst>
+        </p:spPr>
+      </p:pic>
+      <p:pic>
+        <p:nvPicPr>
+          <p:cNvPr id="5" name="Picture 4">
+            <a:extLst>
+              <a:ext uri="{FF2B5EF4-FFF2-40B4-BE49-F238E27FC236}">
+                <a16:creationId xmlns:a16="http://schemas.microsoft.com/office/drawing/2014/main" id="{84547EDD-7C24-3E6E-A4EB-EB625834AF99}"/>
+              </a:ext>
+            </a:extLst>
+          </p:cNvPr>
+          <p:cNvPicPr>
+            <a:picLocks noChangeAspect="1" noChangeArrowheads="1"/>
+          </p:cNvPicPr>
+          <p:nvPr/>
+        </p:nvPicPr>
+        <p:blipFill>
+          <a:blip r:embed="rId3">
+            <a:extLst>
+              <a:ext uri="{28A0092B-C50C-407E-A947-70E740481C1C}">
+                <a14:useLocalDpi xmlns:a14="http://schemas.microsoft.com/office/drawing/2010/main" val="0"/>
+              </a:ext>
+            </a:extLst>
+          </a:blip>
+          <a:srcRect/>
+          <a:stretch>
+            <a:fillRect/>
+          </a:stretch>
+        </p:blipFill>
+        <p:spPr bwMode="auto">
+          <a:xfrm>
+            <a:off x="303122" y="1952512"/>
+            <a:ext cx="5322817" cy="3361405"/>
+          </a:xfrm>
+          <a:prstGeom prst="rect">
+            <a:avLst/>
+          </a:prstGeom>
+          <a:noFill/>
+          <a:extLst>
+            <a:ext uri="{909E8E84-426E-40DD-AFC4-6F175D3DCCD1}">
+              <a14:hiddenFill xmlns:a14="http://schemas.microsoft.com/office/drawing/2010/main">
+                <a:solidFill>
+                  <a:srgbClr val="FFFFFF"/>
+                </a:solidFill>
+              </a14:hiddenFill>
+            </a:ext>
+          </a:extLst>
+        </p:spPr>
+      </p:pic>
+      <p:sp>
+        <p:nvSpPr>
+          <p:cNvPr id="6" name="TextBox 5">
+            <a:extLst>
+              <a:ext uri="{FF2B5EF4-FFF2-40B4-BE49-F238E27FC236}">
+                <a16:creationId xmlns:a16="http://schemas.microsoft.com/office/drawing/2014/main" id="{A2DA20BE-562A-3103-ECA6-DFA365DD7539}"/>
+              </a:ext>
+            </a:extLst>
+          </p:cNvPr>
+          <p:cNvSpPr txBox="1"/>
+          <p:nvPr/>
+        </p:nvSpPr>
+        <p:spPr>
+          <a:xfrm>
+            <a:off x="3376762" y="6382921"/>
+            <a:ext cx="5438475" cy="338554"/>
+          </a:xfrm>
+          <a:prstGeom prst="rect">
+            <a:avLst/>
+          </a:prstGeom>
+          <a:noFill/>
+        </p:spPr>
+        <p:txBody>
+          <a:bodyPr wrap="square" rtlCol="0">
+            <a:spAutoFit/>
+          </a:bodyPr>
+          <a:lstStyle/>
+          <a:p>
+            <a:pPr algn="ctr"/>
+            <a:r>
+              <a:rPr lang="en-US" sz="1600" dirty="0"/>
+              <a:t>m = 0.35, d = 0.50, x = [0, 5.5]. m = 0.08 did not work for sig3.0+</a:t>
+            </a:r>
+          </a:p>
+        </p:txBody>
+      </p:sp>
+    </p:spTree>
+    <p:extLst>
+      <p:ext uri="{BB962C8B-B14F-4D97-AF65-F5344CB8AC3E}">
+        <p14:creationId xmlns:p14="http://schemas.microsoft.com/office/powerpoint/2010/main" val="1568215737"/>
+      </p:ext>
+    </p:extLst>
+  </p:cSld>
+  <p:clrMapOvr>
+    <a:masterClrMapping/>
+  </p:clrMapOvr>
+</p:sld>
+</file>
+
+<file path=ppt/slides/slide26.xml><?xml version="1.0" encoding="utf-8"?>
+<p:sld xmlns:a="http://schemas.openxmlformats.org/drawingml/2006/main" xmlns:r="http://schemas.openxmlformats.org/officeDocument/2006/relationships" xmlns:p="http://schemas.openxmlformats.org/presentationml/2006/main">
+  <p:cSld>
+    <p:spTree>
+      <p:nvGrpSpPr>
+        <p:cNvPr id="1" name=""/>
+        <p:cNvGrpSpPr/>
+        <p:nvPr/>
+      </p:nvGrpSpPr>
+      <p:grpSpPr>
+        <a:xfrm>
+          <a:off x="0" y="0"/>
+          <a:ext cx="0" cy="0"/>
+          <a:chOff x="0" y="0"/>
+          <a:chExt cx="0" cy="0"/>
+        </a:xfrm>
+      </p:grpSpPr>
+      <p:sp>
+        <p:nvSpPr>
+          <p:cNvPr id="2" name="Title 1">
+            <a:extLst>
+              <a:ext uri="{FF2B5EF4-FFF2-40B4-BE49-F238E27FC236}">
+                <a16:creationId xmlns:a16="http://schemas.microsoft.com/office/drawing/2014/main" id="{30ED4851-E6CF-F4CE-E255-D18C5074BBCD}"/>
+              </a:ext>
+            </a:extLst>
+          </p:cNvPr>
+          <p:cNvSpPr>
+            <a:spLocks noGrp="1"/>
+          </p:cNvSpPr>
+          <p:nvPr>
+            <p:ph type="title"/>
+          </p:nvPr>
+        </p:nvSpPr>
+        <p:spPr/>
+        <p:txBody>
+          <a:bodyPr/>
+          <a:lstStyle/>
+          <a:p>
+            <a:r>
+              <a:rPr lang="en-US" dirty="0"/>
+              <a:t>Water chemical potential</a:t>
+            </a:r>
+          </a:p>
+        </p:txBody>
+      </p:sp>
+      <p:sp>
+        <p:nvSpPr>
+          <p:cNvPr id="3" name="Slide Number Placeholder 2">
+            <a:extLst>
+              <a:ext uri="{FF2B5EF4-FFF2-40B4-BE49-F238E27FC236}">
+                <a16:creationId xmlns:a16="http://schemas.microsoft.com/office/drawing/2014/main" id="{EE18E9C6-E963-3BB0-2F97-F6B76B9326C4}"/>
+              </a:ext>
+            </a:extLst>
+          </p:cNvPr>
+          <p:cNvSpPr>
+            <a:spLocks noGrp="1"/>
+          </p:cNvSpPr>
+          <p:nvPr>
+            <p:ph type="sldNum" sz="quarter" idx="12"/>
+          </p:nvPr>
+        </p:nvSpPr>
+        <p:spPr/>
+        <p:txBody>
+          <a:bodyPr/>
+          <a:lstStyle/>
+          <a:p>
+            <a:fld id="{5911C0E6-D9CE-431C-92CB-BB39B872F930}" type="slidenum">
+              <a:rPr lang="en-US" smtClean="0"/>
+              <a:t>26</a:t>
             </a:fld>
             <a:endParaRPr lang="en-US" dirty="0"/>
           </a:p>

--- a/NAF.pptx
+++ b/NAF.pptx
@@ -10272,7 +10272,7 @@
               <a:rPr lang="en-US" smtClean="0"/>
               <a:t>25</a:t>
             </a:fld>
-            <a:endParaRPr lang="en-US"/>
+            <a:endParaRPr lang="en-US" dirty="0"/>
           </a:p>
         </p:txBody>
       </p:sp>
@@ -10305,7 +10305,7 @@
         </p:blipFill>
         <p:spPr bwMode="auto">
           <a:xfrm>
-            <a:off x="5738094" y="1952513"/>
+            <a:off x="5738094" y="2071046"/>
             <a:ext cx="6154285" cy="3361405"/>
           </a:xfrm>
           <a:prstGeom prst="rect">
@@ -10352,7 +10352,7 @@
         </p:blipFill>
         <p:spPr bwMode="auto">
           <a:xfrm>
-            <a:off x="303122" y="1952512"/>
+            <a:off x="303122" y="2071045"/>
             <a:ext cx="5322817" cy="3361405"/>
           </a:xfrm>
           <a:prstGeom prst="rect">
